--- a/Präsentation/Support Vector Machines.pptx
+++ b/Präsentation/Support Vector Machines.pptx
@@ -5,7 +5,7 @@
     <p:sldMasterId id="2147483648" r:id="rId1"/>
   </p:sldMasterIdLst>
   <p:notesMasterIdLst>
-    <p:notesMasterId r:id="rId10"/>
+    <p:notesMasterId r:id="rId14"/>
   </p:notesMasterIdLst>
   <p:sldIdLst>
     <p:sldId id="256" r:id="rId2"/>
@@ -13,9 +13,13 @@
     <p:sldId id="258" r:id="rId4"/>
     <p:sldId id="259" r:id="rId5"/>
     <p:sldId id="260" r:id="rId6"/>
-    <p:sldId id="261" r:id="rId7"/>
-    <p:sldId id="262" r:id="rId8"/>
-    <p:sldId id="263" r:id="rId9"/>
+    <p:sldId id="264" r:id="rId7"/>
+    <p:sldId id="265" r:id="rId8"/>
+    <p:sldId id="266" r:id="rId9"/>
+    <p:sldId id="261" r:id="rId10"/>
+    <p:sldId id="267" r:id="rId11"/>
+    <p:sldId id="262" r:id="rId12"/>
+    <p:sldId id="263" r:id="rId13"/>
   </p:sldIdLst>
   <p:sldSz cx="9144000" cy="5143500" type="screen16x9"/>
   <p:notesSz cx="6797675" cy="9926638"/>
@@ -262,7 +266,7 @@
               <a:pPr>
                 <a:defRPr/>
               </a:pPr>
-              <a:t>19.06.2024</a:t>
+              <a:t>22.06.2024</a:t>
             </a:fld>
             <a:endParaRPr lang="de-DE"/>
           </a:p>
@@ -3528,8 +3532,25 @@
                 <a:latin typeface="Arial" panose="020B0604020202020204" pitchFamily="34" charset="0"/>
                 <a:cs typeface="Arial" panose="020B0604020202020204" pitchFamily="34" charset="0"/>
               </a:rPr>
-              <a:t>Support Vector Machines</a:t>
-            </a:r>
+              <a:t>Support Vector </a:t>
+            </a:r>
+            <a:r>
+              <a:rPr lang="de-DE" altLang="de-DE" dirty="0" err="1">
+                <a:solidFill>
+                  <a:srgbClr val="00457D"/>
+                </a:solidFill>
+                <a:latin typeface="Arial" panose="020B0604020202020204" pitchFamily="34" charset="0"/>
+                <a:cs typeface="Arial" panose="020B0604020202020204" pitchFamily="34" charset="0"/>
+              </a:rPr>
+              <a:t>Machine</a:t>
+            </a:r>
+            <a:endParaRPr lang="de-DE" altLang="de-DE" dirty="0">
+              <a:solidFill>
+                <a:srgbClr val="00457D"/>
+              </a:solidFill>
+              <a:latin typeface="Arial" panose="020B0604020202020204" pitchFamily="34" charset="0"/>
+              <a:cs typeface="Arial" panose="020B0604020202020204" pitchFamily="34" charset="0"/>
+            </a:endParaRPr>
           </a:p>
         </p:txBody>
       </p:sp>
@@ -3636,6 +3657,409 @@
   </p:cSld>
   <p:clrMapOvr>
     <a:overrideClrMapping bg1="lt1" tx1="dk1" bg2="lt2" tx2="dk2" accent1="accent1" accent2="accent2" accent3="accent3" accent4="accent4" accent5="accent5" accent6="accent6" hlink="hlink" folHlink="folHlink"/>
+  </p:clrMapOvr>
+</p:sld>
+</file>
+
+<file path=ppt/slides/slide10.xml><?xml version="1.0" encoding="utf-8"?>
+<p:sld xmlns:a="http://schemas.openxmlformats.org/drawingml/2006/main" xmlns:r="http://schemas.openxmlformats.org/officeDocument/2006/relationships" xmlns:p="http://schemas.openxmlformats.org/presentationml/2006/main">
+  <p:cSld>
+    <p:spTree>
+      <p:nvGrpSpPr>
+        <p:cNvPr id="1" name=""/>
+        <p:cNvGrpSpPr/>
+        <p:nvPr/>
+      </p:nvGrpSpPr>
+      <p:grpSpPr>
+        <a:xfrm>
+          <a:off x="0" y="0"/>
+          <a:ext cx="0" cy="0"/>
+          <a:chOff x="0" y="0"/>
+          <a:chExt cx="0" cy="0"/>
+        </a:xfrm>
+      </p:grpSpPr>
+      <p:sp>
+        <p:nvSpPr>
+          <p:cNvPr id="2" name="Titel 1">
+            <a:extLst>
+              <a:ext uri="{FF2B5EF4-FFF2-40B4-BE49-F238E27FC236}">
+                <a16:creationId xmlns:a16="http://schemas.microsoft.com/office/drawing/2014/main" id="{9C274E31-D4F7-6C4A-D81C-1BC18A1044AE}"/>
+              </a:ext>
+            </a:extLst>
+          </p:cNvPr>
+          <p:cNvSpPr>
+            <a:spLocks noGrp="1"/>
+          </p:cNvSpPr>
+          <p:nvPr>
+            <p:ph type="title"/>
+          </p:nvPr>
+        </p:nvSpPr>
+        <p:spPr/>
+        <p:txBody>
+          <a:bodyPr/>
+          <a:lstStyle/>
+          <a:p>
+            <a:r>
+              <a:rPr lang="de-DE" dirty="0"/>
+              <a:t>Dataset: ALLBUS</a:t>
+            </a:r>
+          </a:p>
+        </p:txBody>
+      </p:sp>
+      <p:sp>
+        <p:nvSpPr>
+          <p:cNvPr id="3" name="Inhaltsplatzhalter 2">
+            <a:extLst>
+              <a:ext uri="{FF2B5EF4-FFF2-40B4-BE49-F238E27FC236}">
+                <a16:creationId xmlns:a16="http://schemas.microsoft.com/office/drawing/2014/main" id="{A6EE175B-F110-2231-4746-FB0A5137CFF3}"/>
+              </a:ext>
+            </a:extLst>
+          </p:cNvPr>
+          <p:cNvSpPr>
+            <a:spLocks noGrp="1"/>
+          </p:cNvSpPr>
+          <p:nvPr>
+            <p:ph idx="1"/>
+          </p:nvPr>
+        </p:nvSpPr>
+        <p:spPr>
+          <a:xfrm>
+            <a:off x="395536" y="1353344"/>
+            <a:ext cx="7344816" cy="3162622"/>
+          </a:xfrm>
+        </p:spPr>
+        <p:txBody>
+          <a:bodyPr/>
+          <a:lstStyle/>
+          <a:p>
+            <a:r>
+              <a:rPr lang="de-DE" sz="2000" b="1" dirty="0"/>
+              <a:t>Data </a:t>
+            </a:r>
+            <a:r>
+              <a:rPr lang="de-DE" sz="2000" b="1" dirty="0" err="1"/>
+              <a:t>Preparation</a:t>
+            </a:r>
+            <a:r>
+              <a:rPr lang="de-DE" sz="2000" b="1" dirty="0"/>
+              <a:t>:</a:t>
+            </a:r>
+          </a:p>
+          <a:p>
+            <a:pPr lvl="1"/>
+            <a:r>
+              <a:rPr lang="de-DE" sz="1800" dirty="0" err="1"/>
+              <a:t>Only</a:t>
+            </a:r>
+            <a:r>
+              <a:rPr lang="de-DE" sz="1800" dirty="0"/>
+              <a:t> </a:t>
+            </a:r>
+            <a:r>
+              <a:rPr lang="de-DE" sz="1800" dirty="0" err="1"/>
+              <a:t>include</a:t>
+            </a:r>
+            <a:r>
+              <a:rPr lang="de-DE" sz="1800" dirty="0"/>
+              <a:t> </a:t>
+            </a:r>
+            <a:r>
+              <a:rPr lang="de-DE" sz="1800" dirty="0" err="1"/>
+              <a:t>questions</a:t>
+            </a:r>
+            <a:r>
+              <a:rPr lang="de-DE" sz="1800" dirty="0"/>
+              <a:t> </a:t>
+            </a:r>
+            <a:r>
+              <a:rPr lang="de-DE" sz="1800" dirty="0" err="1"/>
+              <a:t>answered</a:t>
+            </a:r>
+            <a:r>
+              <a:rPr lang="de-DE" sz="1800" dirty="0"/>
+              <a:t> in all 3 Splits</a:t>
+            </a:r>
+          </a:p>
+          <a:p>
+            <a:pPr lvl="1"/>
+            <a:r>
+              <a:rPr lang="de-DE" sz="1800" dirty="0" err="1"/>
+              <a:t>Exclude</a:t>
+            </a:r>
+            <a:r>
+              <a:rPr lang="de-DE" sz="1800" dirty="0"/>
+              <a:t> </a:t>
+            </a:r>
+            <a:r>
+              <a:rPr lang="de-DE" sz="1800" dirty="0" err="1"/>
+              <a:t>questions</a:t>
+            </a:r>
+            <a:r>
+              <a:rPr lang="de-DE" sz="1800" dirty="0"/>
+              <a:t> </a:t>
+            </a:r>
+            <a:r>
+              <a:rPr lang="de-DE" sz="1800" dirty="0" err="1"/>
+              <a:t>with</a:t>
+            </a:r>
+            <a:r>
+              <a:rPr lang="de-DE" sz="1800" dirty="0"/>
+              <a:t> &gt; 5% NA</a:t>
+            </a:r>
+          </a:p>
+          <a:p>
+            <a:pPr lvl="1"/>
+            <a:r>
+              <a:rPr lang="de-DE" sz="1800" dirty="0" err="1"/>
+              <a:t>Exclude</a:t>
+            </a:r>
+            <a:r>
+              <a:rPr lang="de-DE" sz="1800" dirty="0"/>
+              <a:t> </a:t>
+            </a:r>
+            <a:r>
+              <a:rPr lang="de-DE" sz="1800" dirty="0" err="1"/>
+              <a:t>observations</a:t>
+            </a:r>
+            <a:r>
+              <a:rPr lang="de-DE" sz="1800" dirty="0"/>
+              <a:t> </a:t>
+            </a:r>
+            <a:r>
+              <a:rPr lang="de-DE" sz="1800" dirty="0" err="1"/>
+              <a:t>with</a:t>
+            </a:r>
+            <a:r>
+              <a:rPr lang="de-DE" sz="1800" dirty="0"/>
+              <a:t> NA</a:t>
+            </a:r>
+          </a:p>
+          <a:p>
+            <a:r>
+              <a:rPr lang="de-DE" sz="2000" dirty="0"/>
+              <a:t>After </a:t>
+            </a:r>
+            <a:r>
+              <a:rPr lang="de-DE" sz="2000" dirty="0" err="1"/>
+              <a:t>Preparation</a:t>
+            </a:r>
+            <a:r>
+              <a:rPr lang="de-DE" sz="2000" dirty="0"/>
+              <a:t>: 2509 </a:t>
+            </a:r>
+            <a:r>
+              <a:rPr lang="de-DE" sz="2000" dirty="0" err="1"/>
+              <a:t>observations</a:t>
+            </a:r>
+            <a:r>
+              <a:rPr lang="de-DE" sz="2000" dirty="0"/>
+              <a:t> and 122 variables</a:t>
+            </a:r>
+          </a:p>
+        </p:txBody>
+      </p:sp>
+    </p:spTree>
+    <p:extLst>
+      <p:ext uri="{BB962C8B-B14F-4D97-AF65-F5344CB8AC3E}">
+        <p14:creationId xmlns:p14="http://schemas.microsoft.com/office/powerpoint/2010/main" val="3828027156"/>
+      </p:ext>
+    </p:extLst>
+  </p:cSld>
+  <p:clrMapOvr>
+    <a:masterClrMapping/>
+  </p:clrMapOvr>
+</p:sld>
+</file>
+
+<file path=ppt/slides/slide11.xml><?xml version="1.0" encoding="utf-8"?>
+<p:sld xmlns:a="http://schemas.openxmlformats.org/drawingml/2006/main" xmlns:r="http://schemas.openxmlformats.org/officeDocument/2006/relationships" xmlns:p="http://schemas.openxmlformats.org/presentationml/2006/main">
+  <p:cSld>
+    <p:spTree>
+      <p:nvGrpSpPr>
+        <p:cNvPr id="1" name=""/>
+        <p:cNvGrpSpPr/>
+        <p:nvPr/>
+      </p:nvGrpSpPr>
+      <p:grpSpPr>
+        <a:xfrm>
+          <a:off x="0" y="0"/>
+          <a:ext cx="0" cy="0"/>
+          <a:chOff x="0" y="0"/>
+          <a:chExt cx="0" cy="0"/>
+        </a:xfrm>
+      </p:grpSpPr>
+      <p:sp>
+        <p:nvSpPr>
+          <p:cNvPr id="2" name="Titel 1">
+            <a:extLst>
+              <a:ext uri="{FF2B5EF4-FFF2-40B4-BE49-F238E27FC236}">
+                <a16:creationId xmlns:a16="http://schemas.microsoft.com/office/drawing/2014/main" id="{44ED17ED-09C8-55E6-DF2F-BBE1E913B8D2}"/>
+              </a:ext>
+            </a:extLst>
+          </p:cNvPr>
+          <p:cNvSpPr>
+            <a:spLocks noGrp="1"/>
+          </p:cNvSpPr>
+          <p:nvPr>
+            <p:ph type="title"/>
+          </p:nvPr>
+        </p:nvSpPr>
+        <p:spPr/>
+        <p:txBody>
+          <a:bodyPr/>
+          <a:lstStyle/>
+          <a:p>
+            <a:r>
+              <a:rPr lang="de-DE" dirty="0"/>
+              <a:t>Simulationsstudie</a:t>
+            </a:r>
+          </a:p>
+        </p:txBody>
+      </p:sp>
+      <p:sp>
+        <p:nvSpPr>
+          <p:cNvPr id="3" name="Inhaltsplatzhalter 2">
+            <a:extLst>
+              <a:ext uri="{FF2B5EF4-FFF2-40B4-BE49-F238E27FC236}">
+                <a16:creationId xmlns:a16="http://schemas.microsoft.com/office/drawing/2014/main" id="{DE4E10F2-1F49-793B-6371-20F0C962B1D9}"/>
+              </a:ext>
+            </a:extLst>
+          </p:cNvPr>
+          <p:cNvSpPr>
+            <a:spLocks noGrp="1"/>
+          </p:cNvSpPr>
+          <p:nvPr>
+            <p:ph idx="1"/>
+          </p:nvPr>
+        </p:nvSpPr>
+        <p:spPr/>
+        <p:txBody>
+          <a:bodyPr/>
+          <a:lstStyle/>
+          <a:p>
+            <a:r>
+              <a:rPr lang="de-DE" sz="2000" dirty="0"/>
+              <a:t>Maßzahlen (</a:t>
+            </a:r>
+            <a:r>
+              <a:rPr lang="de-DE" sz="2000" dirty="0" err="1"/>
+              <a:t>prediciton</a:t>
+            </a:r>
+            <a:r>
+              <a:rPr lang="de-DE" sz="2000" dirty="0"/>
+              <a:t> </a:t>
+            </a:r>
+            <a:r>
+              <a:rPr lang="de-DE" sz="2000" dirty="0" err="1"/>
+              <a:t>accuracy</a:t>
+            </a:r>
+            <a:r>
+              <a:rPr lang="de-DE" sz="2000" dirty="0"/>
+              <a:t>, ROC </a:t>
+            </a:r>
+            <a:r>
+              <a:rPr lang="de-DE" sz="2000" dirty="0" err="1"/>
+              <a:t>curves</a:t>
+            </a:r>
+            <a:r>
+              <a:rPr lang="de-DE" sz="2000" dirty="0"/>
+              <a:t>)</a:t>
+            </a:r>
+          </a:p>
+        </p:txBody>
+      </p:sp>
+    </p:spTree>
+    <p:extLst>
+      <p:ext uri="{BB962C8B-B14F-4D97-AF65-F5344CB8AC3E}">
+        <p14:creationId xmlns:p14="http://schemas.microsoft.com/office/powerpoint/2010/main" val="1886016345"/>
+      </p:ext>
+    </p:extLst>
+  </p:cSld>
+  <p:clrMapOvr>
+    <a:masterClrMapping/>
+  </p:clrMapOvr>
+</p:sld>
+</file>
+
+<file path=ppt/slides/slide12.xml><?xml version="1.0" encoding="utf-8"?>
+<p:sld xmlns:a="http://schemas.openxmlformats.org/drawingml/2006/main" xmlns:r="http://schemas.openxmlformats.org/officeDocument/2006/relationships" xmlns:p="http://schemas.openxmlformats.org/presentationml/2006/main">
+  <p:cSld>
+    <p:spTree>
+      <p:nvGrpSpPr>
+        <p:cNvPr id="1" name=""/>
+        <p:cNvGrpSpPr/>
+        <p:nvPr/>
+      </p:nvGrpSpPr>
+      <p:grpSpPr>
+        <a:xfrm>
+          <a:off x="0" y="0"/>
+          <a:ext cx="0" cy="0"/>
+          <a:chOff x="0" y="0"/>
+          <a:chExt cx="0" cy="0"/>
+        </a:xfrm>
+      </p:grpSpPr>
+      <p:sp>
+        <p:nvSpPr>
+          <p:cNvPr id="2" name="Titel 1">
+            <a:extLst>
+              <a:ext uri="{FF2B5EF4-FFF2-40B4-BE49-F238E27FC236}">
+                <a16:creationId xmlns:a16="http://schemas.microsoft.com/office/drawing/2014/main" id="{5841DC02-6942-A02F-3690-049179BDDFFB}"/>
+              </a:ext>
+            </a:extLst>
+          </p:cNvPr>
+          <p:cNvSpPr>
+            <a:spLocks noGrp="1"/>
+          </p:cNvSpPr>
+          <p:nvPr>
+            <p:ph type="title"/>
+          </p:nvPr>
+        </p:nvSpPr>
+        <p:spPr/>
+        <p:txBody>
+          <a:bodyPr/>
+          <a:lstStyle/>
+          <a:p>
+            <a:r>
+              <a:rPr lang="de-DE" dirty="0"/>
+              <a:t>Eventuell Vergleich zur logistischen Regression</a:t>
+            </a:r>
+          </a:p>
+        </p:txBody>
+      </p:sp>
+      <p:sp>
+        <p:nvSpPr>
+          <p:cNvPr id="3" name="Inhaltsplatzhalter 2">
+            <a:extLst>
+              <a:ext uri="{FF2B5EF4-FFF2-40B4-BE49-F238E27FC236}">
+                <a16:creationId xmlns:a16="http://schemas.microsoft.com/office/drawing/2014/main" id="{53B72B76-6DAD-D05F-CD79-CA2DDBA8FA0A}"/>
+              </a:ext>
+            </a:extLst>
+          </p:cNvPr>
+          <p:cNvSpPr>
+            <a:spLocks noGrp="1"/>
+          </p:cNvSpPr>
+          <p:nvPr>
+            <p:ph idx="1"/>
+          </p:nvPr>
+        </p:nvSpPr>
+        <p:spPr/>
+        <p:txBody>
+          <a:bodyPr/>
+          <a:lstStyle/>
+          <a:p>
+            <a:endParaRPr lang="de-DE" sz="2000" dirty="0"/>
+          </a:p>
+        </p:txBody>
+      </p:sp>
+    </p:spTree>
+    <p:extLst>
+      <p:ext uri="{BB962C8B-B14F-4D97-AF65-F5344CB8AC3E}">
+        <p14:creationId xmlns:p14="http://schemas.microsoft.com/office/powerpoint/2010/main" val="3939977226"/>
+      </p:ext>
+    </p:extLst>
+  </p:cSld>
+  <p:clrMapOvr>
+    <a:masterClrMapping/>
   </p:clrMapOvr>
 </p:sld>
 </file>
@@ -3708,11 +4132,14 @@
           <a:lstStyle/>
           <a:p>
             <a:r>
-              <a:rPr lang="de-DE" altLang="de-DE" dirty="0">
+              <a:rPr lang="de-DE" altLang="de-DE" dirty="0" err="1">
                 <a:latin typeface="Arial" panose="020B0604020202020204" pitchFamily="34" charset="0"/>
               </a:rPr>
-              <a:t>Einleitung</a:t>
-            </a:r>
+              <a:t>Introduction</a:t>
+            </a:r>
+            <a:endParaRPr lang="de-DE" altLang="de-DE" dirty="0">
+              <a:latin typeface="Arial" panose="020B0604020202020204" pitchFamily="34" charset="0"/>
+            </a:endParaRPr>
           </a:p>
         </p:txBody>
       </p:sp>
@@ -3770,7 +4197,7 @@
               <a:buFontTx/>
               <a:buNone/>
             </a:pPr>
-            <a:endParaRPr lang="de-DE" altLang="de-DE">
+            <a:endParaRPr lang="de-DE" altLang="de-DE" sz="2000" dirty="0">
               <a:latin typeface="Arial" panose="020B0604020202020204" pitchFamily="34" charset="0"/>
             </a:endParaRPr>
           </a:p>
@@ -3824,8 +4251,29 @@
           <a:p>
             <a:r>
               <a:rPr lang="de-DE" dirty="0"/>
-              <a:t>SVM bivariate Klassifikation</a:t>
-            </a:r>
+              <a:t>Basic </a:t>
+            </a:r>
+            <a:r>
+              <a:rPr lang="en-GB" dirty="0"/>
+              <a:t>idea</a:t>
+            </a:r>
+            <a:r>
+              <a:rPr lang="de-DE" dirty="0"/>
+              <a:t> </a:t>
+            </a:r>
+            <a:r>
+              <a:rPr lang="de-DE" dirty="0" err="1"/>
+              <a:t>of</a:t>
+            </a:r>
+            <a:r>
+              <a:rPr lang="de-DE" dirty="0"/>
+              <a:t> Support Vector </a:t>
+            </a:r>
+            <a:r>
+              <a:rPr lang="de-DE" dirty="0" err="1"/>
+              <a:t>Machine</a:t>
+            </a:r>
+            <a:endParaRPr lang="de-DE" dirty="0"/>
           </a:p>
         </p:txBody>
       </p:sp>
@@ -3850,7 +4298,44 @@
           <a:bodyPr/>
           <a:lstStyle/>
           <a:p>
-            <a:endParaRPr lang="de-DE"/>
+            <a:r>
+              <a:rPr lang="en-GB" sz="2000" dirty="0"/>
+              <a:t>Especially effective in </a:t>
+            </a:r>
+            <a:r>
+              <a:rPr lang="en-GB" sz="2000" b="1" dirty="0"/>
+              <a:t>classification</a:t>
+            </a:r>
+            <a:r>
+              <a:rPr lang="en-GB" sz="2000" dirty="0"/>
+              <a:t> (also used for regression)</a:t>
+            </a:r>
+          </a:p>
+          <a:p>
+            <a:r>
+              <a:rPr lang="en-GB" sz="2000" dirty="0"/>
+              <a:t>Find the </a:t>
+            </a:r>
+            <a:r>
+              <a:rPr lang="en-GB" sz="2000" b="1" dirty="0"/>
+              <a:t>hyperplane</a:t>
+            </a:r>
+            <a:r>
+              <a:rPr lang="en-GB" sz="2000" dirty="0"/>
+              <a:t> that </a:t>
+            </a:r>
+            <a:r>
+              <a:rPr lang="en-GB" sz="2000" b="1" dirty="0"/>
+              <a:t>separates</a:t>
+            </a:r>
+            <a:r>
+              <a:rPr lang="en-GB" sz="2000" dirty="0"/>
+              <a:t> classes with the maximum possible </a:t>
+            </a:r>
+            <a:r>
+              <a:rPr lang="en-GB" sz="2000" b="1" dirty="0"/>
+              <a:t>margin</a:t>
+            </a:r>
           </a:p>
         </p:txBody>
       </p:sp>
@@ -3906,9 +4391,26 @@
           <a:lstStyle/>
           <a:p>
             <a:r>
+              <a:rPr lang="de-DE" dirty="0" err="1"/>
+              <a:t>History</a:t>
+            </a:r>
+            <a:r>
               <a:rPr lang="de-DE" dirty="0"/>
-              <a:t>Kleine Historie</a:t>
-            </a:r>
+              <a:t> </a:t>
+            </a:r>
+            <a:r>
+              <a:rPr lang="de-DE" dirty="0" err="1"/>
+              <a:t>of</a:t>
+            </a:r>
+            <a:r>
+              <a:rPr lang="de-DE" dirty="0"/>
+              <a:t> Support Vector </a:t>
+            </a:r>
+            <a:r>
+              <a:rPr lang="de-DE" dirty="0" err="1"/>
+              <a:t>Machine</a:t>
+            </a:r>
+            <a:endParaRPr lang="de-DE" dirty="0"/>
           </a:p>
         </p:txBody>
       </p:sp>
@@ -3928,12 +4430,186 @@
             <p:ph idx="1"/>
           </p:nvPr>
         </p:nvSpPr>
-        <p:spPr/>
+        <p:spPr>
+          <a:xfrm>
+            <a:off x="395536" y="1353344"/>
+            <a:ext cx="8640960" cy="2664633"/>
+          </a:xfrm>
+        </p:spPr>
         <p:txBody>
           <a:bodyPr/>
           <a:lstStyle/>
           <a:p>
-            <a:endParaRPr lang="de-DE"/>
+            <a:r>
+              <a:rPr lang="de-DE" sz="2000" dirty="0"/>
+              <a:t>Early </a:t>
+            </a:r>
+            <a:r>
+              <a:rPr lang="de-DE" sz="2000" dirty="0" err="1"/>
+              <a:t>ideas</a:t>
+            </a:r>
+            <a:r>
+              <a:rPr lang="de-DE" sz="2000" dirty="0"/>
+              <a:t> </a:t>
+            </a:r>
+            <a:r>
+              <a:rPr lang="de-DE" sz="2000" dirty="0" err="1"/>
+              <a:t>of</a:t>
+            </a:r>
+            <a:r>
+              <a:rPr lang="de-DE" sz="2000" dirty="0"/>
+              <a:t> a </a:t>
+            </a:r>
+            <a:r>
+              <a:rPr lang="de-DE" sz="2000" dirty="0" err="1"/>
+              <a:t>seperating</a:t>
+            </a:r>
+            <a:r>
+              <a:rPr lang="de-DE" sz="2000" dirty="0"/>
+              <a:t> Hyperplane 1936 </a:t>
+            </a:r>
+            <a:r>
+              <a:rPr lang="de-DE" sz="1000" dirty="0"/>
+              <a:t>(R. Fisher)</a:t>
+            </a:r>
+          </a:p>
+          <a:p>
+            <a:r>
+              <a:rPr lang="de-DE" sz="2000" dirty="0"/>
+              <a:t>First SVM </a:t>
+            </a:r>
+            <a:r>
+              <a:rPr lang="de-DE" sz="2000" dirty="0" err="1"/>
+              <a:t>algorithm</a:t>
+            </a:r>
+            <a:r>
+              <a:rPr lang="de-DE" sz="2000" dirty="0"/>
+              <a:t> in 1964 </a:t>
+            </a:r>
+            <a:r>
+              <a:rPr lang="de-DE" sz="1000" dirty="0"/>
+              <a:t>(V. </a:t>
+            </a:r>
+            <a:r>
+              <a:rPr lang="de-DE" sz="1000" dirty="0" err="1"/>
+              <a:t>Vapnik</a:t>
+            </a:r>
+            <a:r>
+              <a:rPr lang="de-DE" sz="1000" dirty="0"/>
+              <a:t>, A. </a:t>
+            </a:r>
+            <a:r>
+              <a:rPr lang="de-DE" sz="1000" dirty="0" err="1"/>
+              <a:t>Chervonenkis</a:t>
+            </a:r>
+            <a:r>
+              <a:rPr lang="de-DE" sz="1000" dirty="0"/>
+              <a:t>)</a:t>
+            </a:r>
+          </a:p>
+          <a:p>
+            <a:r>
+              <a:rPr lang="de-DE" sz="2000" dirty="0"/>
+              <a:t>Use </a:t>
+            </a:r>
+            <a:r>
+              <a:rPr lang="de-DE" sz="2000" dirty="0" err="1"/>
+              <a:t>of</a:t>
+            </a:r>
+            <a:r>
+              <a:rPr lang="de-DE" sz="2000" dirty="0"/>
+              <a:t> </a:t>
+            </a:r>
+            <a:r>
+              <a:rPr lang="de-DE" sz="2000" dirty="0" err="1"/>
+              <a:t>kernel</a:t>
+            </a:r>
+            <a:r>
+              <a:rPr lang="de-DE" sz="2000" dirty="0"/>
+              <a:t> </a:t>
+            </a:r>
+            <a:r>
+              <a:rPr lang="de-DE" sz="2000" dirty="0" err="1"/>
+              <a:t>trick</a:t>
+            </a:r>
+            <a:r>
+              <a:rPr lang="de-DE" sz="2000" dirty="0"/>
+              <a:t> </a:t>
+            </a:r>
+            <a:r>
+              <a:rPr lang="de-DE" sz="2000" dirty="0" err="1"/>
+              <a:t>for</a:t>
+            </a:r>
+            <a:r>
+              <a:rPr lang="de-DE" sz="2000" dirty="0"/>
+              <a:t> </a:t>
+            </a:r>
+            <a:r>
+              <a:rPr lang="de-DE" sz="2000" dirty="0" err="1"/>
+              <a:t>nonlinear</a:t>
+            </a:r>
+            <a:r>
+              <a:rPr lang="de-DE" sz="2000" dirty="0"/>
+              <a:t> </a:t>
+            </a:r>
+            <a:r>
+              <a:rPr lang="de-DE" sz="2000" dirty="0" err="1"/>
+              <a:t>classifiers</a:t>
+            </a:r>
+            <a:r>
+              <a:rPr lang="de-DE" sz="2000" dirty="0"/>
+              <a:t> in 1992 </a:t>
+            </a:r>
+            <a:r>
+              <a:rPr lang="de-DE" sz="1000" dirty="0"/>
+              <a:t>(B. Boser, I. Guyon, V. </a:t>
+            </a:r>
+            <a:r>
+              <a:rPr lang="de-DE" sz="1000" dirty="0" err="1"/>
+              <a:t>Vapnik</a:t>
+            </a:r>
+            <a:r>
+              <a:rPr lang="de-DE" sz="1000" dirty="0"/>
+              <a:t>) </a:t>
+            </a:r>
+          </a:p>
+          <a:p>
+            <a:r>
+              <a:rPr lang="de-DE" sz="2000" dirty="0" err="1"/>
+              <a:t>Introduction</a:t>
+            </a:r>
+            <a:r>
+              <a:rPr lang="de-DE" sz="2000" dirty="0"/>
+              <a:t> </a:t>
+            </a:r>
+            <a:r>
+              <a:rPr lang="de-DE" sz="2000" dirty="0" err="1"/>
+              <a:t>of</a:t>
+            </a:r>
+            <a:r>
+              <a:rPr lang="de-DE" sz="2000" dirty="0"/>
+              <a:t> „soft </a:t>
+            </a:r>
+            <a:r>
+              <a:rPr lang="de-DE" sz="2000" dirty="0" err="1"/>
+              <a:t>margin</a:t>
+            </a:r>
+            <a:r>
+              <a:rPr lang="de-DE" sz="2000" dirty="0"/>
+              <a:t>“ in 1995 </a:t>
+            </a:r>
+            <a:r>
+              <a:rPr lang="de-DE" sz="1000" dirty="0"/>
+              <a:t>(C. Cortes, V. </a:t>
+            </a:r>
+            <a:r>
+              <a:rPr lang="de-DE" sz="1000" dirty="0" err="1"/>
+              <a:t>Vapnik</a:t>
+            </a:r>
+            <a:r>
+              <a:rPr lang="de-DE" sz="1000" dirty="0"/>
+              <a:t>)</a:t>
+            </a:r>
           </a:p>
         </p:txBody>
       </p:sp>
@@ -3989,34 +4665,714 @@
           <a:lstStyle/>
           <a:p>
             <a:r>
+              <a:rPr lang="de-DE" dirty="0" err="1"/>
+              <a:t>How</a:t>
+            </a:r>
+            <a:r>
               <a:rPr lang="de-DE" dirty="0"/>
-              <a:t>Grundlagen</a:t>
+              <a:t> </a:t>
+            </a:r>
+            <a:r>
+              <a:rPr lang="de-DE" dirty="0" err="1"/>
+              <a:t>it</a:t>
+            </a:r>
+            <a:r>
+              <a:rPr lang="de-DE" dirty="0"/>
+              <a:t> </a:t>
+            </a:r>
+            <a:r>
+              <a:rPr lang="de-DE" dirty="0" err="1"/>
+              <a:t>works</a:t>
+            </a:r>
+            <a:r>
+              <a:rPr lang="de-DE" dirty="0"/>
+              <a:t>: </a:t>
+            </a:r>
+            <a:r>
+              <a:rPr lang="de-DE" dirty="0" err="1"/>
+              <a:t>Seperating</a:t>
+            </a:r>
+            <a:r>
+              <a:rPr lang="de-DE" dirty="0"/>
+              <a:t> Hyperplane</a:t>
             </a:r>
           </a:p>
         </p:txBody>
       </p:sp>
+      <mc:AlternateContent xmlns:mc="http://schemas.openxmlformats.org/markup-compatibility/2006">
+        <mc:Choice xmlns:a14="http://schemas.microsoft.com/office/drawing/2010/main" Requires="a14">
+          <p:sp>
+            <p:nvSpPr>
+              <p:cNvPr id="3" name="Inhaltsplatzhalter 2">
+                <a:extLst>
+                  <a:ext uri="{FF2B5EF4-FFF2-40B4-BE49-F238E27FC236}">
+                    <a16:creationId xmlns:a16="http://schemas.microsoft.com/office/drawing/2014/main" id="{B6EBCD5F-A998-E34B-B609-7A4D246D72F7}"/>
+                  </a:ext>
+                </a:extLst>
+              </p:cNvPr>
+              <p:cNvSpPr>
+                <a:spLocks noGrp="1"/>
+              </p:cNvSpPr>
+              <p:nvPr>
+                <p:ph idx="1"/>
+              </p:nvPr>
+            </p:nvSpPr>
+            <p:spPr>
+              <a:xfrm>
+                <a:off x="395536" y="1353344"/>
+                <a:ext cx="4680520" cy="2664633"/>
+              </a:xfrm>
+            </p:spPr>
+            <p:txBody>
+              <a:bodyPr/>
+              <a:lstStyle/>
+              <a:p>
+                <a:r>
+                  <a:rPr lang="de-DE" sz="2000" dirty="0"/>
+                  <a:t>Subspace </a:t>
+                </a:r>
+                <a:r>
+                  <a:rPr lang="de-DE" sz="2000" dirty="0" err="1"/>
+                  <a:t>of</a:t>
+                </a:r>
+                <a:r>
+                  <a:rPr lang="de-DE" sz="2000" dirty="0"/>
+                  <a:t> </a:t>
+                </a:r>
+                <a:r>
+                  <a:rPr lang="de-DE" sz="2000" dirty="0" err="1"/>
+                  <a:t>dimension</a:t>
+                </a:r>
+                <a:r>
+                  <a:rPr lang="de-DE" sz="2000" dirty="0"/>
+                  <a:t> p-1</a:t>
+                </a:r>
+              </a:p>
+              <a:p>
+                <a:r>
+                  <a:rPr lang="de-DE" sz="2000" dirty="0"/>
+                  <a:t>Linear </a:t>
+                </a:r>
+                <a:r>
+                  <a:rPr lang="de-DE" sz="2000" dirty="0" err="1"/>
+                  <a:t>combination</a:t>
+                </a:r>
+                <a:r>
+                  <a:rPr lang="de-DE" sz="2000" dirty="0"/>
+                  <a:t> </a:t>
+                </a:r>
+                <a:r>
+                  <a:rPr lang="de-DE" sz="2000" dirty="0" err="1"/>
+                  <a:t>of</a:t>
+                </a:r>
+                <a:r>
+                  <a:rPr lang="de-DE" sz="2000" dirty="0"/>
+                  <a:t> </a:t>
+                </a:r>
+                <a:r>
+                  <a:rPr lang="de-DE" sz="2000" dirty="0" err="1"/>
+                  <a:t>input</a:t>
+                </a:r>
+                <a:r>
+                  <a:rPr lang="de-DE" sz="2000" dirty="0"/>
+                  <a:t> </a:t>
+                </a:r>
+                <a:r>
+                  <a:rPr lang="de-DE" sz="2000" dirty="0" err="1"/>
+                  <a:t>features</a:t>
+                </a:r>
+                <a:r>
+                  <a:rPr lang="de-DE" sz="2000" dirty="0"/>
+                  <a:t>:</a:t>
+                </a:r>
+              </a:p>
+              <a:p>
+                <a:pPr lvl="1"/>
+                <a14:m>
+                  <m:oMath xmlns:m="http://schemas.openxmlformats.org/officeDocument/2006/math">
+                    <m:r>
+                      <a:rPr lang="de-DE" sz="1800" b="0" i="1" smtClean="0">
+                        <a:latin typeface="Cambria Math" panose="02040503050406030204" pitchFamily="18" charset="0"/>
+                      </a:rPr>
+                      <m:t>𝑦</m:t>
+                    </m:r>
+                    <m:r>
+                      <a:rPr lang="de-DE" sz="1800" b="0" i="1" smtClean="0">
+                        <a:latin typeface="Cambria Math" panose="02040503050406030204" pitchFamily="18" charset="0"/>
+                      </a:rPr>
+                      <m:t>=</m:t>
+                    </m:r>
+                    <m:r>
+                      <a:rPr lang="de-DE" sz="1800" b="0" i="1" smtClean="0">
+                        <a:latin typeface="Cambria Math" panose="02040503050406030204" pitchFamily="18" charset="0"/>
+                        <a:ea typeface="Cambria Math" panose="02040503050406030204" pitchFamily="18" charset="0"/>
+                      </a:rPr>
+                      <m:t>𝛽</m:t>
+                    </m:r>
+                    <m:r>
+                      <a:rPr lang="de-DE" sz="1800" b="0" i="1" baseline="-25000" smtClean="0">
+                        <a:latin typeface="Cambria Math" panose="02040503050406030204" pitchFamily="18" charset="0"/>
+                        <a:ea typeface="Cambria Math" panose="02040503050406030204" pitchFamily="18" charset="0"/>
+                      </a:rPr>
+                      <m:t>0</m:t>
+                    </m:r>
+                    <m:r>
+                      <a:rPr lang="de-DE" sz="1800" b="0" i="1" smtClean="0">
+                        <a:latin typeface="Cambria Math" panose="02040503050406030204" pitchFamily="18" charset="0"/>
+                        <a:ea typeface="Cambria Math" panose="02040503050406030204" pitchFamily="18" charset="0"/>
+                      </a:rPr>
+                      <m:t>+ </m:t>
+                    </m:r>
+                    <m:nary>
+                      <m:naryPr>
+                        <m:chr m:val="∑"/>
+                        <m:ctrlPr>
+                          <a:rPr lang="de-DE" sz="1800" b="0" i="1" smtClean="0">
+                            <a:latin typeface="Cambria Math" panose="02040503050406030204" pitchFamily="18" charset="0"/>
+                            <a:ea typeface="Cambria Math" panose="02040503050406030204" pitchFamily="18" charset="0"/>
+                          </a:rPr>
+                        </m:ctrlPr>
+                      </m:naryPr>
+                      <m:sub>
+                        <m:r>
+                          <m:rPr>
+                            <m:brk m:alnAt="23"/>
+                          </m:rPr>
+                          <a:rPr lang="de-DE" sz="1800" b="0" i="1" smtClean="0">
+                            <a:latin typeface="Cambria Math" panose="02040503050406030204" pitchFamily="18" charset="0"/>
+                            <a:ea typeface="Cambria Math" panose="02040503050406030204" pitchFamily="18" charset="0"/>
+                          </a:rPr>
+                          <m:t>𝑘</m:t>
+                        </m:r>
+                        <m:r>
+                          <a:rPr lang="de-DE" sz="1800" b="0" i="1" smtClean="0">
+                            <a:latin typeface="Cambria Math" panose="02040503050406030204" pitchFamily="18" charset="0"/>
+                            <a:ea typeface="Cambria Math" panose="02040503050406030204" pitchFamily="18" charset="0"/>
+                          </a:rPr>
+                          <m:t>=1</m:t>
+                        </m:r>
+                      </m:sub>
+                      <m:sup>
+                        <m:r>
+                          <a:rPr lang="de-DE" sz="1800" b="0" i="1" smtClean="0">
+                            <a:latin typeface="Cambria Math" panose="02040503050406030204" pitchFamily="18" charset="0"/>
+                            <a:ea typeface="Cambria Math" panose="02040503050406030204" pitchFamily="18" charset="0"/>
+                          </a:rPr>
+                          <m:t>𝑝</m:t>
+                        </m:r>
+                      </m:sup>
+                      <m:e>
+                        <m:r>
+                          <a:rPr lang="de-DE" sz="1800" b="0" i="1" smtClean="0">
+                            <a:latin typeface="Cambria Math" panose="02040503050406030204" pitchFamily="18" charset="0"/>
+                            <a:ea typeface="Cambria Math" panose="02040503050406030204" pitchFamily="18" charset="0"/>
+                          </a:rPr>
+                          <m:t>𝛽</m:t>
+                        </m:r>
+                        <m:r>
+                          <a:rPr lang="de-DE" sz="1800" b="0" i="1" baseline="-25000" smtClean="0">
+                            <a:latin typeface="Cambria Math" panose="02040503050406030204" pitchFamily="18" charset="0"/>
+                            <a:ea typeface="Cambria Math" panose="02040503050406030204" pitchFamily="18" charset="0"/>
+                          </a:rPr>
+                          <m:t>𝑘</m:t>
+                        </m:r>
+                        <m:r>
+                          <a:rPr lang="de-DE" sz="1800" b="0" i="1" smtClean="0">
+                            <a:latin typeface="Cambria Math" panose="02040503050406030204" pitchFamily="18" charset="0"/>
+                            <a:ea typeface="Cambria Math" panose="02040503050406030204" pitchFamily="18" charset="0"/>
+                          </a:rPr>
+                          <m:t>𝑥</m:t>
+                        </m:r>
+                        <m:r>
+                          <a:rPr lang="de-DE" sz="1800" b="0" i="1" baseline="-25000" smtClean="0">
+                            <a:latin typeface="Cambria Math" panose="02040503050406030204" pitchFamily="18" charset="0"/>
+                            <a:ea typeface="Cambria Math" panose="02040503050406030204" pitchFamily="18" charset="0"/>
+                          </a:rPr>
+                          <m:t>𝑘</m:t>
+                        </m:r>
+                      </m:e>
+                    </m:nary>
+                  </m:oMath>
+                </a14:m>
+                <a:endParaRPr lang="de-DE" sz="1800" dirty="0"/>
+              </a:p>
+              <a:p>
+                <a:r>
+                  <a:rPr lang="de-DE" sz="2000" dirty="0" err="1"/>
+                  <a:t>Seperates</a:t>
+                </a:r>
+                <a:r>
+                  <a:rPr lang="de-DE" sz="2000" dirty="0"/>
+                  <a:t> </a:t>
+                </a:r>
+                <a:r>
+                  <a:rPr lang="de-DE" sz="2000" dirty="0" err="1"/>
+                  <a:t>classes</a:t>
+                </a:r>
+                <a:r>
+                  <a:rPr lang="de-DE" sz="2000" dirty="0"/>
+                  <a:t> in a </a:t>
+                </a:r>
+                <a:r>
+                  <a:rPr lang="de-DE" sz="2000" dirty="0" err="1"/>
+                  <a:t>way</a:t>
+                </a:r>
+                <a:r>
+                  <a:rPr lang="de-DE" sz="2000" dirty="0"/>
+                  <a:t> </a:t>
+                </a:r>
+                <a:r>
+                  <a:rPr lang="de-DE" sz="2000" dirty="0" err="1"/>
+                  <a:t>that</a:t>
+                </a:r>
+                <a:r>
+                  <a:rPr lang="de-DE" sz="2000" dirty="0"/>
+                  <a:t>:</a:t>
+                </a:r>
+              </a:p>
+              <a:p>
+                <a:pPr lvl="1"/>
+                <a14:m>
+                  <m:oMath xmlns:m="http://schemas.openxmlformats.org/officeDocument/2006/math">
+                    <m:r>
+                      <a:rPr lang="de-DE" sz="1800" i="1">
+                        <a:latin typeface="Cambria Math" panose="02040503050406030204" pitchFamily="18" charset="0"/>
+                        <a:ea typeface="Cambria Math" panose="02040503050406030204" pitchFamily="18" charset="0"/>
+                      </a:rPr>
+                      <m:t>𝛽</m:t>
+                    </m:r>
+                    <m:r>
+                      <a:rPr lang="de-DE" sz="1800" i="1" baseline="-25000">
+                        <a:latin typeface="Cambria Math" panose="02040503050406030204" pitchFamily="18" charset="0"/>
+                        <a:ea typeface="Cambria Math" panose="02040503050406030204" pitchFamily="18" charset="0"/>
+                      </a:rPr>
+                      <m:t>0</m:t>
+                    </m:r>
+                    <m:r>
+                      <a:rPr lang="de-DE" sz="1800" i="1">
+                        <a:latin typeface="Cambria Math" panose="02040503050406030204" pitchFamily="18" charset="0"/>
+                        <a:ea typeface="Cambria Math" panose="02040503050406030204" pitchFamily="18" charset="0"/>
+                      </a:rPr>
+                      <m:t>+ </m:t>
+                    </m:r>
+                    <m:nary>
+                      <m:naryPr>
+                        <m:chr m:val="∑"/>
+                        <m:ctrlPr>
+                          <a:rPr lang="de-DE" sz="1800" i="1">
+                            <a:latin typeface="Cambria Math" panose="02040503050406030204" pitchFamily="18" charset="0"/>
+                            <a:ea typeface="Cambria Math" panose="02040503050406030204" pitchFamily="18" charset="0"/>
+                          </a:rPr>
+                        </m:ctrlPr>
+                      </m:naryPr>
+                      <m:sub>
+                        <m:r>
+                          <m:rPr>
+                            <m:brk m:alnAt="23"/>
+                          </m:rPr>
+                          <a:rPr lang="de-DE" sz="1800" i="1">
+                            <a:latin typeface="Cambria Math" panose="02040503050406030204" pitchFamily="18" charset="0"/>
+                            <a:ea typeface="Cambria Math" panose="02040503050406030204" pitchFamily="18" charset="0"/>
+                          </a:rPr>
+                          <m:t>𝑘</m:t>
+                        </m:r>
+                        <m:r>
+                          <a:rPr lang="de-DE" sz="1800" i="1">
+                            <a:latin typeface="Cambria Math" panose="02040503050406030204" pitchFamily="18" charset="0"/>
+                            <a:ea typeface="Cambria Math" panose="02040503050406030204" pitchFamily="18" charset="0"/>
+                          </a:rPr>
+                          <m:t>=1</m:t>
+                        </m:r>
+                      </m:sub>
+                      <m:sup>
+                        <m:r>
+                          <a:rPr lang="de-DE" sz="1800" i="1">
+                            <a:latin typeface="Cambria Math" panose="02040503050406030204" pitchFamily="18" charset="0"/>
+                            <a:ea typeface="Cambria Math" panose="02040503050406030204" pitchFamily="18" charset="0"/>
+                          </a:rPr>
+                          <m:t>𝑝</m:t>
+                        </m:r>
+                      </m:sup>
+                      <m:e>
+                        <m:r>
+                          <a:rPr lang="de-DE" sz="1800" i="1">
+                            <a:latin typeface="Cambria Math" panose="02040503050406030204" pitchFamily="18" charset="0"/>
+                            <a:ea typeface="Cambria Math" panose="02040503050406030204" pitchFamily="18" charset="0"/>
+                          </a:rPr>
+                          <m:t>𝛽</m:t>
+                        </m:r>
+                        <m:r>
+                          <a:rPr lang="de-DE" sz="1800" i="1" baseline="-25000">
+                            <a:latin typeface="Cambria Math" panose="02040503050406030204" pitchFamily="18" charset="0"/>
+                            <a:ea typeface="Cambria Math" panose="02040503050406030204" pitchFamily="18" charset="0"/>
+                          </a:rPr>
+                          <m:t>𝑘</m:t>
+                        </m:r>
+                        <m:r>
+                          <a:rPr lang="de-DE" sz="1800" i="1">
+                            <a:latin typeface="Cambria Math" panose="02040503050406030204" pitchFamily="18" charset="0"/>
+                            <a:ea typeface="Cambria Math" panose="02040503050406030204" pitchFamily="18" charset="0"/>
+                          </a:rPr>
+                          <m:t>𝑥</m:t>
+                        </m:r>
+                        <m:r>
+                          <a:rPr lang="de-DE" sz="1800" b="0" i="1" baseline="-25000" smtClean="0">
+                            <a:latin typeface="Cambria Math" panose="02040503050406030204" pitchFamily="18" charset="0"/>
+                            <a:ea typeface="Cambria Math" panose="02040503050406030204" pitchFamily="18" charset="0"/>
+                          </a:rPr>
+                          <m:t>𝑖𝑘</m:t>
+                        </m:r>
+                      </m:e>
+                    </m:nary>
+                    <m:r>
+                      <a:rPr lang="de-DE" sz="1800" b="0" i="1" smtClean="0">
+                        <a:latin typeface="Cambria Math" panose="02040503050406030204" pitchFamily="18" charset="0"/>
+                        <a:ea typeface="Cambria Math" panose="02040503050406030204" pitchFamily="18" charset="0"/>
+                      </a:rPr>
+                      <m:t>&gt;0 </m:t>
+                    </m:r>
+                    <m:r>
+                      <a:rPr lang="de-DE" sz="1800" b="0" i="1" smtClean="0">
+                        <a:latin typeface="Cambria Math" panose="02040503050406030204" pitchFamily="18" charset="0"/>
+                        <a:ea typeface="Cambria Math" panose="02040503050406030204" pitchFamily="18" charset="0"/>
+                      </a:rPr>
+                      <m:t>𝑖𝑓</m:t>
+                    </m:r>
+                    <m:r>
+                      <a:rPr lang="de-DE" sz="1800" b="0" i="1" smtClean="0">
+                        <a:latin typeface="Cambria Math" panose="02040503050406030204" pitchFamily="18" charset="0"/>
+                        <a:ea typeface="Cambria Math" panose="02040503050406030204" pitchFamily="18" charset="0"/>
+                      </a:rPr>
+                      <m:t> </m:t>
+                    </m:r>
+                    <m:r>
+                      <a:rPr lang="de-DE" sz="1800" b="0" i="1" smtClean="0">
+                        <a:latin typeface="Cambria Math" panose="02040503050406030204" pitchFamily="18" charset="0"/>
+                        <a:ea typeface="Cambria Math" panose="02040503050406030204" pitchFamily="18" charset="0"/>
+                      </a:rPr>
+                      <m:t>𝑦𝑖</m:t>
+                    </m:r>
+                    <m:r>
+                      <a:rPr lang="de-DE" sz="1800" b="0" i="1" smtClean="0">
+                        <a:latin typeface="Cambria Math" panose="02040503050406030204" pitchFamily="18" charset="0"/>
+                        <a:ea typeface="Cambria Math" panose="02040503050406030204" pitchFamily="18" charset="0"/>
+                      </a:rPr>
+                      <m:t>=1</m:t>
+                    </m:r>
+                  </m:oMath>
+                </a14:m>
+                <a:endParaRPr lang="de-DE" sz="1800" dirty="0"/>
+              </a:p>
+              <a:p>
+                <a:pPr lvl="1"/>
+                <a14:m>
+                  <m:oMath xmlns:m="http://schemas.openxmlformats.org/officeDocument/2006/math">
+                    <m:r>
+                      <a:rPr lang="de-DE" sz="1800" i="1" smtClean="0">
+                        <a:latin typeface="Cambria Math" panose="02040503050406030204" pitchFamily="18" charset="0"/>
+                        <a:ea typeface="Cambria Math" panose="02040503050406030204" pitchFamily="18" charset="0"/>
+                      </a:rPr>
+                      <m:t>𝛽</m:t>
+                    </m:r>
+                    <m:r>
+                      <a:rPr lang="de-DE" sz="1800" i="1" baseline="-25000">
+                        <a:latin typeface="Cambria Math" panose="02040503050406030204" pitchFamily="18" charset="0"/>
+                        <a:ea typeface="Cambria Math" panose="02040503050406030204" pitchFamily="18" charset="0"/>
+                      </a:rPr>
+                      <m:t>0</m:t>
+                    </m:r>
+                    <m:r>
+                      <a:rPr lang="de-DE" sz="1800" i="1">
+                        <a:latin typeface="Cambria Math" panose="02040503050406030204" pitchFamily="18" charset="0"/>
+                        <a:ea typeface="Cambria Math" panose="02040503050406030204" pitchFamily="18" charset="0"/>
+                      </a:rPr>
+                      <m:t>+ </m:t>
+                    </m:r>
+                    <m:nary>
+                      <m:naryPr>
+                        <m:chr m:val="∑"/>
+                        <m:ctrlPr>
+                          <a:rPr lang="de-DE" sz="1800" i="1">
+                            <a:latin typeface="Cambria Math" panose="02040503050406030204" pitchFamily="18" charset="0"/>
+                            <a:ea typeface="Cambria Math" panose="02040503050406030204" pitchFamily="18" charset="0"/>
+                          </a:rPr>
+                        </m:ctrlPr>
+                      </m:naryPr>
+                      <m:sub>
+                        <m:r>
+                          <m:rPr>
+                            <m:brk m:alnAt="23"/>
+                          </m:rPr>
+                          <a:rPr lang="de-DE" sz="1800" i="1">
+                            <a:latin typeface="Cambria Math" panose="02040503050406030204" pitchFamily="18" charset="0"/>
+                            <a:ea typeface="Cambria Math" panose="02040503050406030204" pitchFamily="18" charset="0"/>
+                          </a:rPr>
+                          <m:t>𝑘</m:t>
+                        </m:r>
+                        <m:r>
+                          <a:rPr lang="de-DE" sz="1800" i="1">
+                            <a:latin typeface="Cambria Math" panose="02040503050406030204" pitchFamily="18" charset="0"/>
+                            <a:ea typeface="Cambria Math" panose="02040503050406030204" pitchFamily="18" charset="0"/>
+                          </a:rPr>
+                          <m:t>=1</m:t>
+                        </m:r>
+                      </m:sub>
+                      <m:sup>
+                        <m:r>
+                          <a:rPr lang="de-DE" sz="1800" i="1">
+                            <a:latin typeface="Cambria Math" panose="02040503050406030204" pitchFamily="18" charset="0"/>
+                            <a:ea typeface="Cambria Math" panose="02040503050406030204" pitchFamily="18" charset="0"/>
+                          </a:rPr>
+                          <m:t>𝑝</m:t>
+                        </m:r>
+                      </m:sup>
+                      <m:e>
+                        <m:r>
+                          <a:rPr lang="de-DE" sz="1800" i="1">
+                            <a:latin typeface="Cambria Math" panose="02040503050406030204" pitchFamily="18" charset="0"/>
+                            <a:ea typeface="Cambria Math" panose="02040503050406030204" pitchFamily="18" charset="0"/>
+                          </a:rPr>
+                          <m:t>𝛽</m:t>
+                        </m:r>
+                        <m:r>
+                          <a:rPr lang="de-DE" sz="1800" i="1" baseline="-25000">
+                            <a:latin typeface="Cambria Math" panose="02040503050406030204" pitchFamily="18" charset="0"/>
+                            <a:ea typeface="Cambria Math" panose="02040503050406030204" pitchFamily="18" charset="0"/>
+                          </a:rPr>
+                          <m:t>𝑘</m:t>
+                        </m:r>
+                        <m:r>
+                          <a:rPr lang="de-DE" sz="1800" i="1">
+                            <a:latin typeface="Cambria Math" panose="02040503050406030204" pitchFamily="18" charset="0"/>
+                            <a:ea typeface="Cambria Math" panose="02040503050406030204" pitchFamily="18" charset="0"/>
+                          </a:rPr>
+                          <m:t>𝑥</m:t>
+                        </m:r>
+                        <m:r>
+                          <a:rPr lang="de-DE" sz="1800" b="0" i="1" baseline="-25000" smtClean="0">
+                            <a:latin typeface="Cambria Math" panose="02040503050406030204" pitchFamily="18" charset="0"/>
+                            <a:ea typeface="Cambria Math" panose="02040503050406030204" pitchFamily="18" charset="0"/>
+                          </a:rPr>
+                          <m:t>𝑖𝑘</m:t>
+                        </m:r>
+                      </m:e>
+                    </m:nary>
+                    <m:r>
+                      <a:rPr lang="de-DE" sz="1800" b="0" i="1" smtClean="0">
+                        <a:latin typeface="Cambria Math" panose="02040503050406030204" pitchFamily="18" charset="0"/>
+                        <a:ea typeface="Cambria Math" panose="02040503050406030204" pitchFamily="18" charset="0"/>
+                      </a:rPr>
+                      <m:t>&lt;</m:t>
+                    </m:r>
+                    <m:r>
+                      <a:rPr lang="de-DE" sz="1800" b="0" i="1" smtClean="0">
+                        <a:latin typeface="Cambria Math" panose="02040503050406030204" pitchFamily="18" charset="0"/>
+                        <a:ea typeface="Cambria Math" panose="02040503050406030204" pitchFamily="18" charset="0"/>
+                      </a:rPr>
+                      <m:t>0 </m:t>
+                    </m:r>
+                    <m:r>
+                      <a:rPr lang="de-DE" sz="1800" b="0" i="1" smtClean="0">
+                        <a:latin typeface="Cambria Math" panose="02040503050406030204" pitchFamily="18" charset="0"/>
+                        <a:ea typeface="Cambria Math" panose="02040503050406030204" pitchFamily="18" charset="0"/>
+                      </a:rPr>
+                      <m:t>𝑖𝑓</m:t>
+                    </m:r>
+                    <m:r>
+                      <a:rPr lang="de-DE" sz="1800" b="0" i="1" smtClean="0">
+                        <a:latin typeface="Cambria Math" panose="02040503050406030204" pitchFamily="18" charset="0"/>
+                        <a:ea typeface="Cambria Math" panose="02040503050406030204" pitchFamily="18" charset="0"/>
+                      </a:rPr>
+                      <m:t> </m:t>
+                    </m:r>
+                    <m:r>
+                      <a:rPr lang="de-DE" sz="1800" b="0" i="1" smtClean="0">
+                        <a:latin typeface="Cambria Math" panose="02040503050406030204" pitchFamily="18" charset="0"/>
+                        <a:ea typeface="Cambria Math" panose="02040503050406030204" pitchFamily="18" charset="0"/>
+                      </a:rPr>
+                      <m:t>𝑦𝑖</m:t>
+                    </m:r>
+                    <m:r>
+                      <a:rPr lang="de-DE" sz="1800" b="0" i="1" smtClean="0">
+                        <a:latin typeface="Cambria Math" panose="02040503050406030204" pitchFamily="18" charset="0"/>
+                        <a:ea typeface="Cambria Math" panose="02040503050406030204" pitchFamily="18" charset="0"/>
+                      </a:rPr>
+                      <m:t>=−1</m:t>
+                    </m:r>
+                  </m:oMath>
+                </a14:m>
+                <a:endParaRPr lang="de-DE" sz="1800" dirty="0"/>
+              </a:p>
+              <a:p>
+                <a:r>
+                  <a:rPr lang="de-DE" sz="2000" dirty="0" err="1"/>
+                  <a:t>If</a:t>
+                </a:r>
+                <a:r>
+                  <a:rPr lang="de-DE" sz="2000" dirty="0"/>
+                  <a:t> </a:t>
+                </a:r>
+                <a:r>
+                  <a:rPr lang="de-DE" sz="2000" dirty="0" err="1"/>
+                  <a:t>classes</a:t>
+                </a:r>
+                <a:r>
+                  <a:rPr lang="de-DE" sz="2000" dirty="0"/>
+                  <a:t> </a:t>
+                </a:r>
+                <a:r>
+                  <a:rPr lang="de-DE" sz="2000" dirty="0" err="1"/>
+                  <a:t>are</a:t>
+                </a:r>
+                <a:r>
+                  <a:rPr lang="de-DE" sz="2000" dirty="0"/>
+                  <a:t> </a:t>
+                </a:r>
+                <a:r>
+                  <a:rPr lang="de-DE" sz="2000" dirty="0" err="1"/>
+                  <a:t>seperable</a:t>
+                </a:r>
+                <a:r>
+                  <a:rPr lang="de-DE" sz="2000" dirty="0"/>
+                  <a:t> </a:t>
+                </a:r>
+                <a:r>
+                  <a:rPr lang="de-DE" sz="2000" dirty="0">
+                    <a:sym typeface="Wingdings" panose="05000000000000000000" pitchFamily="2" charset="2"/>
+                  </a:rPr>
+                  <a:t> infinite </a:t>
+                </a:r>
+                <a:r>
+                  <a:rPr lang="de-DE" sz="2000" dirty="0" err="1">
+                    <a:sym typeface="Wingdings" panose="05000000000000000000" pitchFamily="2" charset="2"/>
+                  </a:rPr>
+                  <a:t>number</a:t>
+                </a:r>
+                <a:r>
+                  <a:rPr lang="de-DE" sz="2000" dirty="0">
+                    <a:sym typeface="Wingdings" panose="05000000000000000000" pitchFamily="2" charset="2"/>
+                  </a:rPr>
+                  <a:t> </a:t>
+                </a:r>
+                <a:r>
+                  <a:rPr lang="de-DE" sz="2000" dirty="0" err="1">
+                    <a:sym typeface="Wingdings" panose="05000000000000000000" pitchFamily="2" charset="2"/>
+                  </a:rPr>
+                  <a:t>of</a:t>
+                </a:r>
+                <a:r>
+                  <a:rPr lang="de-DE" sz="2000" dirty="0">
+                    <a:sym typeface="Wingdings" panose="05000000000000000000" pitchFamily="2" charset="2"/>
+                  </a:rPr>
+                  <a:t> </a:t>
+                </a:r>
+                <a:r>
+                  <a:rPr lang="de-DE" sz="2000" dirty="0" err="1">
+                    <a:sym typeface="Wingdings" panose="05000000000000000000" pitchFamily="2" charset="2"/>
+                  </a:rPr>
+                  <a:t>seperating</a:t>
+                </a:r>
+                <a:r>
+                  <a:rPr lang="de-DE" sz="2000" dirty="0">
+                    <a:sym typeface="Wingdings" panose="05000000000000000000" pitchFamily="2" charset="2"/>
+                  </a:rPr>
+                  <a:t> hyperplanes</a:t>
+                </a:r>
+                <a:endParaRPr lang="de-DE" sz="2000" dirty="0"/>
+              </a:p>
+            </p:txBody>
+          </p:sp>
+        </mc:Choice>
+        <mc:Fallback>
+          <p:sp>
+            <p:nvSpPr>
+              <p:cNvPr id="3" name="Inhaltsplatzhalter 2">
+                <a:extLst>
+                  <a:ext uri="{FF2B5EF4-FFF2-40B4-BE49-F238E27FC236}">
+                    <a16:creationId xmlns:a16="http://schemas.microsoft.com/office/drawing/2014/main" id="{B6EBCD5F-A998-E34B-B609-7A4D246D72F7}"/>
+                  </a:ext>
+                </a:extLst>
+              </p:cNvPr>
+              <p:cNvSpPr>
+                <a:spLocks noGrp="1" noRot="1" noChangeAspect="1" noMove="1" noResize="1" noEditPoints="1" noAdjustHandles="1" noChangeArrowheads="1" noChangeShapeType="1" noTextEdit="1"/>
+              </p:cNvSpPr>
+              <p:nvPr>
+                <p:ph idx="1"/>
+              </p:nvPr>
+            </p:nvSpPr>
+            <p:spPr>
+              <a:xfrm>
+                <a:off x="395536" y="1353344"/>
+                <a:ext cx="4680520" cy="2664633"/>
+              </a:xfrm>
+              <a:blipFill>
+                <a:blip r:embed="rId2"/>
+                <a:stretch>
+                  <a:fillRect l="-1172" t="-915" r="-260" b="-13043"/>
+                </a:stretch>
+              </a:blipFill>
+            </p:spPr>
+            <p:txBody>
+              <a:bodyPr/>
+              <a:lstStyle/>
+              <a:p>
+                <a:r>
+                  <a:rPr lang="de-DE">
+                    <a:noFill/>
+                  </a:rPr>
+                  <a:t> </a:t>
+                </a:r>
+              </a:p>
+            </p:txBody>
+          </p:sp>
+        </mc:Fallback>
+      </mc:AlternateContent>
       <p:sp>
         <p:nvSpPr>
-          <p:cNvPr id="3" name="Inhaltsplatzhalter 2">
+          <p:cNvPr id="4" name="Rechteck 3">
             <a:extLst>
               <a:ext uri="{FF2B5EF4-FFF2-40B4-BE49-F238E27FC236}">
-                <a16:creationId xmlns:a16="http://schemas.microsoft.com/office/drawing/2014/main" id="{B6EBCD5F-A998-E34B-B609-7A4D246D72F7}"/>
+                <a16:creationId xmlns:a16="http://schemas.microsoft.com/office/drawing/2014/main" id="{B21BA278-5AA0-7413-5DB3-4EB47B444F21}"/>
               </a:ext>
             </a:extLst>
           </p:cNvPr>
-          <p:cNvSpPr>
-            <a:spLocks noGrp="1"/>
-          </p:cNvSpPr>
-          <p:nvPr>
-            <p:ph idx="1"/>
-          </p:nvPr>
+          <p:cNvSpPr/>
+          <p:nvPr/>
         </p:nvSpPr>
-        <p:spPr/>
+        <p:spPr>
+          <a:xfrm>
+            <a:off x="5436096" y="1563638"/>
+            <a:ext cx="2952328" cy="2454339"/>
+          </a:xfrm>
+          <a:prstGeom prst="rect">
+            <a:avLst/>
+          </a:prstGeom>
+        </p:spPr>
+        <p:style>
+          <a:lnRef idx="2">
+            <a:schemeClr val="accent1">
+              <a:shade val="15000"/>
+            </a:schemeClr>
+          </a:lnRef>
+          <a:fillRef idx="1">
+            <a:schemeClr val="accent1"/>
+          </a:fillRef>
+          <a:effectRef idx="0">
+            <a:schemeClr val="accent1"/>
+          </a:effectRef>
+          <a:fontRef idx="minor">
+            <a:schemeClr val="lt1"/>
+          </a:fontRef>
+        </p:style>
         <p:txBody>
-          <a:bodyPr/>
+          <a:bodyPr rtlCol="0" anchor="ctr"/>
           <a:lstStyle/>
           <a:p>
-            <a:endParaRPr lang="de-DE"/>
+            <a:pPr algn="ctr"/>
+            <a:r>
+              <a:rPr lang="de-DE" dirty="0"/>
+              <a:t>Grafik</a:t>
+            </a:r>
           </a:p>
         </p:txBody>
       </p:sp>
@@ -4055,7 +5411,7 @@
           <p:cNvPr id="2" name="Titel 1">
             <a:extLst>
               <a:ext uri="{FF2B5EF4-FFF2-40B4-BE49-F238E27FC236}">
-                <a16:creationId xmlns:a16="http://schemas.microsoft.com/office/drawing/2014/main" id="{9C274E31-D4F7-6C4A-D81C-1BC18A1044AE}"/>
+                <a16:creationId xmlns:a16="http://schemas.microsoft.com/office/drawing/2014/main" id="{388F7BA3-B785-BDE2-BAC6-74C1F53E9285}"/>
               </a:ext>
             </a:extLst>
           </p:cNvPr>
@@ -4072,55 +5428,727 @@
           <a:lstStyle/>
           <a:p>
             <a:r>
+              <a:rPr lang="de-DE" dirty="0" err="1"/>
+              <a:t>How</a:t>
+            </a:r>
+            <a:r>
               <a:rPr lang="de-DE" dirty="0"/>
-              <a:t>Datensatz</a:t>
-            </a:r>
+              <a:t> </a:t>
+            </a:r>
+            <a:r>
+              <a:rPr lang="de-DE" dirty="0" err="1"/>
+              <a:t>it</a:t>
+            </a:r>
+            <a:r>
+              <a:rPr lang="de-DE" dirty="0"/>
+              <a:t> </a:t>
+            </a:r>
+            <a:r>
+              <a:rPr lang="de-DE" dirty="0" err="1"/>
+              <a:t>works</a:t>
+            </a:r>
+            <a:r>
+              <a:rPr lang="de-DE" dirty="0"/>
+              <a:t>: Maximal </a:t>
+            </a:r>
+            <a:r>
+              <a:rPr lang="de-DE" dirty="0" err="1"/>
+              <a:t>margin</a:t>
+            </a:r>
+            <a:r>
+              <a:rPr lang="de-DE" dirty="0"/>
+              <a:t> </a:t>
+            </a:r>
+            <a:r>
+              <a:rPr lang="de-DE" dirty="0" err="1"/>
+              <a:t>classifier</a:t>
+            </a:r>
+            <a:endParaRPr lang="de-DE" dirty="0"/>
           </a:p>
         </p:txBody>
       </p:sp>
+      <mc:AlternateContent xmlns:mc="http://schemas.openxmlformats.org/markup-compatibility/2006">
+        <mc:Choice xmlns:a14="http://schemas.microsoft.com/office/drawing/2010/main" Requires="a14">
+          <p:sp>
+            <p:nvSpPr>
+              <p:cNvPr id="3" name="Inhaltsplatzhalter 2">
+                <a:extLst>
+                  <a:ext uri="{FF2B5EF4-FFF2-40B4-BE49-F238E27FC236}">
+                    <a16:creationId xmlns:a16="http://schemas.microsoft.com/office/drawing/2014/main" id="{B6EBCD5F-A998-E34B-B609-7A4D246D72F7}"/>
+                  </a:ext>
+                </a:extLst>
+              </p:cNvPr>
+              <p:cNvSpPr>
+                <a:spLocks noGrp="1"/>
+              </p:cNvSpPr>
+              <p:nvPr>
+                <p:ph idx="1"/>
+              </p:nvPr>
+            </p:nvSpPr>
+            <p:spPr>
+              <a:xfrm>
+                <a:off x="395536" y="1353344"/>
+                <a:ext cx="5472608" cy="2664633"/>
+              </a:xfrm>
+            </p:spPr>
+            <p:txBody>
+              <a:bodyPr/>
+              <a:lstStyle/>
+              <a:p>
+                <a:r>
+                  <a:rPr lang="de-DE" sz="2000" dirty="0"/>
+                  <a:t>Find </a:t>
+                </a:r>
+                <a:r>
+                  <a:rPr lang="de-DE" sz="2000" dirty="0" err="1"/>
+                  <a:t>the</a:t>
+                </a:r>
+                <a:r>
+                  <a:rPr lang="de-DE" sz="2000" dirty="0"/>
+                  <a:t> „</a:t>
+                </a:r>
+                <a:r>
+                  <a:rPr lang="de-DE" sz="2000" dirty="0" err="1"/>
+                  <a:t>best</a:t>
+                </a:r>
+                <a:r>
+                  <a:rPr lang="de-DE" sz="2000" dirty="0"/>
+                  <a:t>“ hyperplane </a:t>
+                </a:r>
+                <a:r>
+                  <a:rPr lang="de-DE" sz="2000" dirty="0" err="1"/>
+                  <a:t>using</a:t>
+                </a:r>
+                <a:r>
+                  <a:rPr lang="de-DE" sz="2000" dirty="0"/>
+                  <a:t> </a:t>
+                </a:r>
+                <a:r>
+                  <a:rPr lang="de-DE" sz="2000" dirty="0" err="1"/>
+                  <a:t>the</a:t>
+                </a:r>
+                <a:r>
+                  <a:rPr lang="de-DE" sz="2000" dirty="0"/>
+                  <a:t> </a:t>
+                </a:r>
+                <a:r>
+                  <a:rPr lang="de-DE" sz="2000" dirty="0" err="1"/>
+                  <a:t>margin</a:t>
+                </a:r>
+                <a:endParaRPr lang="de-DE" sz="2000" dirty="0"/>
+              </a:p>
+              <a:p>
+                <a:r>
+                  <a:rPr lang="de-DE" sz="2000" dirty="0"/>
+                  <a:t>Margin: </a:t>
+                </a:r>
+                <a:r>
+                  <a:rPr lang="de-DE" sz="2000" dirty="0" err="1"/>
+                  <a:t>smallest</a:t>
+                </a:r>
+                <a:r>
+                  <a:rPr lang="de-DE" sz="2000" dirty="0"/>
+                  <a:t> </a:t>
+                </a:r>
+                <a:r>
+                  <a:rPr lang="de-DE" sz="2000" dirty="0" err="1"/>
+                  <a:t>perpendicular</a:t>
+                </a:r>
+                <a:r>
+                  <a:rPr lang="de-DE" sz="2000" dirty="0"/>
+                  <a:t> </a:t>
+                </a:r>
+                <a:r>
+                  <a:rPr lang="de-DE" sz="2000" dirty="0" err="1"/>
+                  <a:t>distance</a:t>
+                </a:r>
+                <a:r>
+                  <a:rPr lang="de-DE" sz="2000" dirty="0"/>
+                  <a:t> </a:t>
+                </a:r>
+                <a:r>
+                  <a:rPr lang="de-DE" sz="2000" dirty="0" err="1"/>
+                  <a:t>from</a:t>
+                </a:r>
+                <a:r>
+                  <a:rPr lang="de-DE" sz="2000" dirty="0"/>
+                  <a:t> </a:t>
+                </a:r>
+                <a:r>
+                  <a:rPr lang="de-DE" sz="2000" dirty="0" err="1"/>
+                  <a:t>any</a:t>
+                </a:r>
+                <a:r>
+                  <a:rPr lang="de-DE" sz="2000" dirty="0"/>
+                  <a:t> </a:t>
+                </a:r>
+                <a:r>
+                  <a:rPr lang="de-DE" sz="2000" dirty="0" err="1"/>
+                  <a:t>observation</a:t>
+                </a:r>
+                <a:r>
+                  <a:rPr lang="de-DE" sz="2000" dirty="0"/>
+                  <a:t> </a:t>
+                </a:r>
+                <a:r>
+                  <a:rPr lang="de-DE" sz="2000" dirty="0" err="1"/>
+                  <a:t>to</a:t>
+                </a:r>
+                <a:r>
+                  <a:rPr lang="de-DE" sz="2000" dirty="0"/>
+                  <a:t> hyperplane</a:t>
+                </a:r>
+              </a:p>
+              <a:p>
+                <a:r>
+                  <a:rPr lang="de-DE" sz="2000" b="1" dirty="0"/>
+                  <a:t>maximal </a:t>
+                </a:r>
+                <a:r>
+                  <a:rPr lang="de-DE" sz="2000" b="1" dirty="0" err="1"/>
+                  <a:t>margin</a:t>
+                </a:r>
+                <a:r>
+                  <a:rPr lang="de-DE" sz="2000" b="1" dirty="0"/>
+                  <a:t> </a:t>
+                </a:r>
+                <a:r>
+                  <a:rPr lang="de-DE" sz="2000" b="1" dirty="0" err="1"/>
+                  <a:t>classifier</a:t>
+                </a:r>
+                <a:r>
+                  <a:rPr lang="de-DE" sz="2000" b="1" dirty="0"/>
+                  <a:t> </a:t>
+                </a:r>
+                <a:r>
+                  <a:rPr lang="de-DE" sz="2000" dirty="0"/>
+                  <a:t>= </a:t>
+                </a:r>
+                <a:r>
+                  <a:rPr lang="de-DE" sz="2000" dirty="0" err="1"/>
+                  <a:t>largest</a:t>
+                </a:r>
+                <a:r>
+                  <a:rPr lang="de-DE" sz="2000" dirty="0"/>
+                  <a:t> </a:t>
+                </a:r>
+                <a:r>
+                  <a:rPr lang="de-DE" sz="2000" dirty="0" err="1"/>
+                  <a:t>margin</a:t>
+                </a:r>
+                <a:r>
+                  <a:rPr lang="de-DE" sz="2000" dirty="0"/>
+                  <a:t> </a:t>
+                </a:r>
+                <a:r>
+                  <a:rPr lang="de-DE" sz="2000" dirty="0" err="1"/>
+                  <a:t>among</a:t>
+                </a:r>
+                <a:r>
+                  <a:rPr lang="de-DE" sz="2000" dirty="0"/>
+                  <a:t> all </a:t>
+                </a:r>
+                <a:r>
+                  <a:rPr lang="de-DE" sz="2000" dirty="0" err="1"/>
+                  <a:t>seperating</a:t>
+                </a:r>
+                <a:r>
+                  <a:rPr lang="de-DE" sz="2000" dirty="0"/>
+                  <a:t> hyperplanes</a:t>
+                </a:r>
+              </a:p>
+              <a:p>
+                <a:pPr lvl="1"/>
+                <a:r>
+                  <a:rPr lang="de-DE" sz="1600" dirty="0" err="1"/>
+                  <a:t>Optimization</a:t>
+                </a:r>
+                <a:r>
+                  <a:rPr lang="de-DE" sz="1600" dirty="0"/>
+                  <a:t> </a:t>
+                </a:r>
+                <a:r>
+                  <a:rPr lang="de-DE" sz="1600" dirty="0" err="1"/>
+                  <a:t>problem</a:t>
+                </a:r>
+                <a:r>
+                  <a:rPr lang="de-DE" sz="1600" dirty="0"/>
+                  <a:t>:</a:t>
+                </a:r>
+              </a:p>
+              <a:p>
+                <a:pPr lvl="2"/>
+                <a14:m>
+                  <m:oMath xmlns:m="http://schemas.openxmlformats.org/officeDocument/2006/math">
+                    <m:r>
+                      <a:rPr lang="de-DE" sz="1600" b="0" i="1" smtClean="0">
+                        <a:latin typeface="Cambria Math" panose="02040503050406030204" pitchFamily="18" charset="0"/>
+                      </a:rPr>
+                      <m:t>𝑆𝑒𝑙𝑒𝑐𝑡</m:t>
+                    </m:r>
+                    <m:r>
+                      <a:rPr lang="de-DE" sz="1600" b="0" i="1" smtClean="0">
+                        <a:latin typeface="Cambria Math" panose="02040503050406030204" pitchFamily="18" charset="0"/>
+                      </a:rPr>
+                      <m:t> </m:t>
+                    </m:r>
+                    <m:r>
+                      <a:rPr lang="de-DE" sz="1600" b="0" i="1" smtClean="0">
+                        <a:latin typeface="Cambria Math" panose="02040503050406030204" pitchFamily="18" charset="0"/>
+                        <a:ea typeface="Cambria Math" panose="02040503050406030204" pitchFamily="18" charset="0"/>
+                      </a:rPr>
+                      <m:t>𝛽</m:t>
+                    </m:r>
+                    <m:r>
+                      <a:rPr lang="de-DE" sz="1600" b="0" i="1" baseline="-25000" smtClean="0">
+                        <a:latin typeface="Cambria Math" panose="02040503050406030204" pitchFamily="18" charset="0"/>
+                        <a:ea typeface="Cambria Math" panose="02040503050406030204" pitchFamily="18" charset="0"/>
+                      </a:rPr>
+                      <m:t>0</m:t>
+                    </m:r>
+                    <m:r>
+                      <a:rPr lang="de-DE" sz="1600" b="0" i="1" smtClean="0">
+                        <a:latin typeface="Cambria Math" panose="02040503050406030204" pitchFamily="18" charset="0"/>
+                        <a:ea typeface="Cambria Math" panose="02040503050406030204" pitchFamily="18" charset="0"/>
+                      </a:rPr>
+                      <m:t>,</m:t>
+                    </m:r>
+                    <m:r>
+                      <a:rPr lang="de-DE" sz="1600" b="0" i="1" smtClean="0">
+                        <a:latin typeface="Cambria Math" panose="02040503050406030204" pitchFamily="18" charset="0"/>
+                        <a:ea typeface="Cambria Math" panose="02040503050406030204" pitchFamily="18" charset="0"/>
+                      </a:rPr>
+                      <m:t>𝛽</m:t>
+                    </m:r>
+                    <m:r>
+                      <a:rPr lang="de-DE" sz="1600" b="0" i="1" baseline="-25000" smtClean="0">
+                        <a:latin typeface="Cambria Math" panose="02040503050406030204" pitchFamily="18" charset="0"/>
+                        <a:ea typeface="Cambria Math" panose="02040503050406030204" pitchFamily="18" charset="0"/>
+                      </a:rPr>
+                      <m:t>1</m:t>
+                    </m:r>
+                    <m:r>
+                      <a:rPr lang="de-DE" sz="1600" b="0" i="1" smtClean="0">
+                        <a:latin typeface="Cambria Math" panose="02040503050406030204" pitchFamily="18" charset="0"/>
+                        <a:ea typeface="Cambria Math" panose="02040503050406030204" pitchFamily="18" charset="0"/>
+                      </a:rPr>
+                      <m:t>,…,</m:t>
+                    </m:r>
+                    <m:r>
+                      <a:rPr lang="de-DE" sz="1600" b="0" i="1" smtClean="0">
+                        <a:latin typeface="Cambria Math" panose="02040503050406030204" pitchFamily="18" charset="0"/>
+                        <a:ea typeface="Cambria Math" panose="02040503050406030204" pitchFamily="18" charset="0"/>
+                      </a:rPr>
+                      <m:t>𝛽</m:t>
+                    </m:r>
+                    <m:r>
+                      <a:rPr lang="de-DE" sz="1600" b="0" i="1" baseline="-25000" smtClean="0">
+                        <a:latin typeface="Cambria Math" panose="02040503050406030204" pitchFamily="18" charset="0"/>
+                        <a:ea typeface="Cambria Math" panose="02040503050406030204" pitchFamily="18" charset="0"/>
+                      </a:rPr>
+                      <m:t>𝑝</m:t>
+                    </m:r>
+                    <m:r>
+                      <a:rPr lang="de-DE" sz="1600" b="0" i="1" baseline="-25000" smtClean="0">
+                        <a:latin typeface="Cambria Math" panose="02040503050406030204" pitchFamily="18" charset="0"/>
+                        <a:ea typeface="Cambria Math" panose="02040503050406030204" pitchFamily="18" charset="0"/>
+                      </a:rPr>
+                      <m:t> </m:t>
+                    </m:r>
+                    <m:r>
+                      <a:rPr lang="de-DE" sz="1600" b="0" i="1" smtClean="0">
+                        <a:latin typeface="Cambria Math" panose="02040503050406030204" pitchFamily="18" charset="0"/>
+                        <a:ea typeface="Cambria Math" panose="02040503050406030204" pitchFamily="18" charset="0"/>
+                      </a:rPr>
+                      <m:t>𝑡h𝑎𝑡</m:t>
+                    </m:r>
+                    <m:r>
+                      <a:rPr lang="de-DE" sz="1600" b="0" i="1" smtClean="0">
+                        <a:latin typeface="Cambria Math" panose="02040503050406030204" pitchFamily="18" charset="0"/>
+                        <a:ea typeface="Cambria Math" panose="02040503050406030204" pitchFamily="18" charset="0"/>
+                      </a:rPr>
+                      <m:t> </m:t>
+                    </m:r>
+                    <m:r>
+                      <a:rPr lang="de-DE" sz="1600" b="0" i="1" smtClean="0">
+                        <a:latin typeface="Cambria Math" panose="02040503050406030204" pitchFamily="18" charset="0"/>
+                        <a:ea typeface="Cambria Math" panose="02040503050406030204" pitchFamily="18" charset="0"/>
+                      </a:rPr>
+                      <m:t>𝑚𝑎𝑥𝑖𝑚𝑖𝑧𝑒</m:t>
+                    </m:r>
+                    <m:r>
+                      <a:rPr lang="de-DE" sz="1600" b="0" i="1" smtClean="0">
+                        <a:latin typeface="Cambria Math" panose="02040503050406030204" pitchFamily="18" charset="0"/>
+                        <a:ea typeface="Cambria Math" panose="02040503050406030204" pitchFamily="18" charset="0"/>
+                      </a:rPr>
+                      <m:t> </m:t>
+                    </m:r>
+                    <m:r>
+                      <a:rPr lang="de-DE" sz="1600" b="0" i="1" smtClean="0">
+                        <a:latin typeface="Cambria Math" panose="02040503050406030204" pitchFamily="18" charset="0"/>
+                        <a:ea typeface="Cambria Math" panose="02040503050406030204" pitchFamily="18" charset="0"/>
+                      </a:rPr>
+                      <m:t>𝑀</m:t>
+                    </m:r>
+                  </m:oMath>
+                </a14:m>
+                <a:endParaRPr lang="de-DE" sz="1600" dirty="0"/>
+              </a:p>
+              <a:p>
+                <a:pPr lvl="2"/>
+                <a14:m>
+                  <m:oMath xmlns:m="http://schemas.openxmlformats.org/officeDocument/2006/math">
+                    <m:r>
+                      <a:rPr lang="de-DE" sz="1600" b="0" i="1" smtClean="0">
+                        <a:latin typeface="Cambria Math" panose="02040503050406030204" pitchFamily="18" charset="0"/>
+                      </a:rPr>
+                      <m:t>𝑠𝑢𝑐h</m:t>
+                    </m:r>
+                    <m:r>
+                      <a:rPr lang="de-DE" sz="1600" b="0" i="1" smtClean="0">
+                        <a:latin typeface="Cambria Math" panose="02040503050406030204" pitchFamily="18" charset="0"/>
+                      </a:rPr>
+                      <m:t> </m:t>
+                    </m:r>
+                    <m:r>
+                      <a:rPr lang="de-DE" sz="1600" b="0" i="1" smtClean="0">
+                        <a:latin typeface="Cambria Math" panose="02040503050406030204" pitchFamily="18" charset="0"/>
+                      </a:rPr>
+                      <m:t>𝑡h𝑎𝑡</m:t>
+                    </m:r>
+                    <m:r>
+                      <a:rPr lang="de-DE" sz="1600" b="0" i="1" smtClean="0">
+                        <a:latin typeface="Cambria Math" panose="02040503050406030204" pitchFamily="18" charset="0"/>
+                      </a:rPr>
+                      <m:t> </m:t>
+                    </m:r>
+                    <m:nary>
+                      <m:naryPr>
+                        <m:chr m:val="∑"/>
+                        <m:ctrlPr>
+                          <a:rPr lang="de-DE" sz="1600" b="0" i="1" smtClean="0">
+                            <a:latin typeface="Cambria Math" panose="02040503050406030204" pitchFamily="18" charset="0"/>
+                          </a:rPr>
+                        </m:ctrlPr>
+                      </m:naryPr>
+                      <m:sub>
+                        <m:r>
+                          <m:rPr>
+                            <m:brk m:alnAt="23"/>
+                          </m:rPr>
+                          <a:rPr lang="de-DE" sz="1600" b="0" i="1" smtClean="0">
+                            <a:latin typeface="Cambria Math" panose="02040503050406030204" pitchFamily="18" charset="0"/>
+                          </a:rPr>
+                          <m:t>𝑘</m:t>
+                        </m:r>
+                        <m:r>
+                          <a:rPr lang="de-DE" sz="1600" b="0" i="1" smtClean="0">
+                            <a:latin typeface="Cambria Math" panose="02040503050406030204" pitchFamily="18" charset="0"/>
+                          </a:rPr>
+                          <m:t>=1</m:t>
+                        </m:r>
+                      </m:sub>
+                      <m:sup>
+                        <m:r>
+                          <a:rPr lang="de-DE" sz="1600" b="0" i="1" smtClean="0">
+                            <a:latin typeface="Cambria Math" panose="02040503050406030204" pitchFamily="18" charset="0"/>
+                          </a:rPr>
+                          <m:t>𝑝</m:t>
+                        </m:r>
+                      </m:sup>
+                      <m:e>
+                        <m:r>
+                          <a:rPr lang="de-DE" sz="1600" b="0" i="1" smtClean="0">
+                            <a:latin typeface="Cambria Math" panose="02040503050406030204" pitchFamily="18" charset="0"/>
+                            <a:ea typeface="Cambria Math" panose="02040503050406030204" pitchFamily="18" charset="0"/>
+                          </a:rPr>
+                          <m:t>𝛽</m:t>
+                        </m:r>
+                        <m:r>
+                          <a:rPr lang="de-DE" sz="1600" b="0" i="1" baseline="-25000" smtClean="0">
+                            <a:latin typeface="Cambria Math" panose="02040503050406030204" pitchFamily="18" charset="0"/>
+                            <a:ea typeface="Cambria Math" panose="02040503050406030204" pitchFamily="18" charset="0"/>
+                          </a:rPr>
+                          <m:t>𝑘</m:t>
+                        </m:r>
+                        <m:r>
+                          <a:rPr lang="de-DE" sz="1600" b="0" i="1" baseline="30000" smtClean="0">
+                            <a:latin typeface="Cambria Math" panose="02040503050406030204" pitchFamily="18" charset="0"/>
+                            <a:ea typeface="Cambria Math" panose="02040503050406030204" pitchFamily="18" charset="0"/>
+                          </a:rPr>
+                          <m:t>2</m:t>
+                        </m:r>
+                        <m:r>
+                          <a:rPr lang="de-DE" sz="1600" b="0" i="1" smtClean="0">
+                            <a:latin typeface="Cambria Math" panose="02040503050406030204" pitchFamily="18" charset="0"/>
+                            <a:ea typeface="Cambria Math" panose="02040503050406030204" pitchFamily="18" charset="0"/>
+                          </a:rPr>
+                          <m:t>=1</m:t>
+                        </m:r>
+                      </m:e>
+                    </m:nary>
+                  </m:oMath>
+                </a14:m>
+                <a:endParaRPr lang="de-DE" sz="1600" dirty="0"/>
+              </a:p>
+              <a:p>
+                <a:pPr lvl="2"/>
+                <a14:m>
+                  <m:oMath xmlns:m="http://schemas.openxmlformats.org/officeDocument/2006/math">
+                    <m:r>
+                      <a:rPr lang="de-DE" sz="1600" b="0" i="1" smtClean="0">
+                        <a:latin typeface="Cambria Math" panose="02040503050406030204" pitchFamily="18" charset="0"/>
+                      </a:rPr>
+                      <m:t>𝑎𝑛𝑑</m:t>
+                    </m:r>
+                    <m:r>
+                      <m:rPr>
+                        <m:nor/>
+                      </m:rPr>
+                      <a:rPr lang="de-DE" sz="1600" b="0" i="0" smtClean="0">
+                        <a:latin typeface="Cambria Math" panose="02040503050406030204" pitchFamily="18" charset="0"/>
+                      </a:rPr>
+                      <m:t> </m:t>
+                    </m:r>
+                    <m:r>
+                      <m:rPr>
+                        <m:nor/>
+                      </m:rPr>
+                      <a:rPr lang="de-DE" sz="1600"/>
+                      <m:t>∀</m:t>
+                    </m:r>
+                    <m:r>
+                      <a:rPr lang="de-DE" sz="1600" b="0" i="1" smtClean="0">
+                        <a:latin typeface="Cambria Math" panose="02040503050406030204" pitchFamily="18" charset="0"/>
+                      </a:rPr>
+                      <m:t>𝑖</m:t>
+                    </m:r>
+                    <m:r>
+                      <a:rPr lang="de-DE" sz="1600" b="0" i="1" smtClean="0">
+                        <a:latin typeface="Cambria Math" panose="02040503050406030204" pitchFamily="18" charset="0"/>
+                      </a:rPr>
+                      <m:t>:</m:t>
+                    </m:r>
+                    <m:r>
+                      <a:rPr lang="de-DE" sz="1600" b="0" i="1" smtClean="0">
+                        <a:latin typeface="Cambria Math" panose="02040503050406030204" pitchFamily="18" charset="0"/>
+                      </a:rPr>
+                      <m:t>𝑦𝑖</m:t>
+                    </m:r>
+                    <m:r>
+                      <a:rPr lang="de-DE" sz="1600" b="0" i="1" smtClean="0">
+                        <a:latin typeface="Cambria Math" panose="02040503050406030204" pitchFamily="18" charset="0"/>
+                      </a:rPr>
+                      <m:t>∗(</m:t>
+                    </m:r>
+                    <m:r>
+                      <a:rPr lang="de-DE" sz="1600" b="0" i="1" smtClean="0">
+                        <a:latin typeface="Cambria Math" panose="02040503050406030204" pitchFamily="18" charset="0"/>
+                        <a:ea typeface="Cambria Math" panose="02040503050406030204" pitchFamily="18" charset="0"/>
+                      </a:rPr>
+                      <m:t>𝛽</m:t>
+                    </m:r>
+                    <m:r>
+                      <a:rPr lang="de-DE" sz="1600" b="0" i="1" baseline="-25000" smtClean="0">
+                        <a:latin typeface="Cambria Math" panose="02040503050406030204" pitchFamily="18" charset="0"/>
+                        <a:ea typeface="Cambria Math" panose="02040503050406030204" pitchFamily="18" charset="0"/>
+                      </a:rPr>
+                      <m:t>0</m:t>
+                    </m:r>
+                    <m:r>
+                      <a:rPr lang="de-DE" sz="1600" b="0" i="1" smtClean="0">
+                        <a:latin typeface="Cambria Math" panose="02040503050406030204" pitchFamily="18" charset="0"/>
+                        <a:ea typeface="Cambria Math" panose="02040503050406030204" pitchFamily="18" charset="0"/>
+                      </a:rPr>
+                      <m:t>+ </m:t>
+                    </m:r>
+                    <m:nary>
+                      <m:naryPr>
+                        <m:chr m:val="∑"/>
+                        <m:ctrlPr>
+                          <a:rPr lang="de-DE" sz="1600" b="0" i="1" smtClean="0">
+                            <a:latin typeface="Cambria Math" panose="02040503050406030204" pitchFamily="18" charset="0"/>
+                            <a:ea typeface="Cambria Math" panose="02040503050406030204" pitchFamily="18" charset="0"/>
+                          </a:rPr>
+                        </m:ctrlPr>
+                      </m:naryPr>
+                      <m:sub>
+                        <m:r>
+                          <m:rPr>
+                            <m:brk m:alnAt="23"/>
+                          </m:rPr>
+                          <a:rPr lang="de-DE" sz="1600" b="0" i="1" smtClean="0">
+                            <a:latin typeface="Cambria Math" panose="02040503050406030204" pitchFamily="18" charset="0"/>
+                            <a:ea typeface="Cambria Math" panose="02040503050406030204" pitchFamily="18" charset="0"/>
+                          </a:rPr>
+                          <m:t>𝑘</m:t>
+                        </m:r>
+                        <m:r>
+                          <a:rPr lang="de-DE" sz="1600" b="0" i="1" smtClean="0">
+                            <a:latin typeface="Cambria Math" panose="02040503050406030204" pitchFamily="18" charset="0"/>
+                            <a:ea typeface="Cambria Math" panose="02040503050406030204" pitchFamily="18" charset="0"/>
+                          </a:rPr>
+                          <m:t>=1</m:t>
+                        </m:r>
+                      </m:sub>
+                      <m:sup>
+                        <m:r>
+                          <a:rPr lang="de-DE" sz="1600" b="0" i="1" smtClean="0">
+                            <a:latin typeface="Cambria Math" panose="02040503050406030204" pitchFamily="18" charset="0"/>
+                            <a:ea typeface="Cambria Math" panose="02040503050406030204" pitchFamily="18" charset="0"/>
+                          </a:rPr>
+                          <m:t>𝑝</m:t>
+                        </m:r>
+                      </m:sup>
+                      <m:e>
+                        <m:r>
+                          <a:rPr lang="de-DE" sz="1600" b="0" i="1" smtClean="0">
+                            <a:latin typeface="Cambria Math" panose="02040503050406030204" pitchFamily="18" charset="0"/>
+                            <a:ea typeface="Cambria Math" panose="02040503050406030204" pitchFamily="18" charset="0"/>
+                          </a:rPr>
+                          <m:t>𝛽</m:t>
+                        </m:r>
+                        <m:r>
+                          <a:rPr lang="de-DE" sz="1600" b="0" i="1" baseline="-25000" smtClean="0">
+                            <a:latin typeface="Cambria Math" panose="02040503050406030204" pitchFamily="18" charset="0"/>
+                            <a:ea typeface="Cambria Math" panose="02040503050406030204" pitchFamily="18" charset="0"/>
+                          </a:rPr>
+                          <m:t>𝑘</m:t>
+                        </m:r>
+                        <m:r>
+                          <a:rPr lang="de-DE" sz="1600" b="0" i="1" smtClean="0">
+                            <a:latin typeface="Cambria Math" panose="02040503050406030204" pitchFamily="18" charset="0"/>
+                            <a:ea typeface="Cambria Math" panose="02040503050406030204" pitchFamily="18" charset="0"/>
+                          </a:rPr>
+                          <m:t>𝑥</m:t>
+                        </m:r>
+                        <m:r>
+                          <a:rPr lang="de-DE" sz="1600" b="0" i="1" baseline="-25000" smtClean="0">
+                            <a:latin typeface="Cambria Math" panose="02040503050406030204" pitchFamily="18" charset="0"/>
+                            <a:ea typeface="Cambria Math" panose="02040503050406030204" pitchFamily="18" charset="0"/>
+                          </a:rPr>
+                          <m:t>𝑖𝑘</m:t>
+                        </m:r>
+                        <m:r>
+                          <a:rPr lang="de-DE" sz="1600" b="0" i="1" smtClean="0">
+                            <a:latin typeface="Cambria Math" panose="02040503050406030204" pitchFamily="18" charset="0"/>
+                            <a:ea typeface="Cambria Math" panose="02040503050406030204" pitchFamily="18" charset="0"/>
+                          </a:rPr>
+                          <m:t>)≥</m:t>
+                        </m:r>
+                        <m:r>
+                          <a:rPr lang="de-DE" sz="1600" b="0" i="1" smtClean="0">
+                            <a:latin typeface="Cambria Math" panose="02040503050406030204" pitchFamily="18" charset="0"/>
+                            <a:ea typeface="Cambria Math" panose="02040503050406030204" pitchFamily="18" charset="0"/>
+                          </a:rPr>
+                          <m:t>𝑀</m:t>
+                        </m:r>
+                      </m:e>
+                    </m:nary>
+                  </m:oMath>
+                </a14:m>
+                <a:endParaRPr lang="de-DE" sz="1600" dirty="0"/>
+              </a:p>
+            </p:txBody>
+          </p:sp>
+        </mc:Choice>
+        <mc:Fallback>
+          <p:sp>
+            <p:nvSpPr>
+              <p:cNvPr id="3" name="Inhaltsplatzhalter 2">
+                <a:extLst>
+                  <a:ext uri="{FF2B5EF4-FFF2-40B4-BE49-F238E27FC236}">
+                    <a16:creationId xmlns:a16="http://schemas.microsoft.com/office/drawing/2014/main" id="{B6EBCD5F-A998-E34B-B609-7A4D246D72F7}"/>
+                  </a:ext>
+                </a:extLst>
+              </p:cNvPr>
+              <p:cNvSpPr>
+                <a:spLocks noGrp="1" noRot="1" noChangeAspect="1" noMove="1" noResize="1" noEditPoints="1" noAdjustHandles="1" noChangeArrowheads="1" noChangeShapeType="1" noTextEdit="1"/>
+              </p:cNvSpPr>
+              <p:nvPr>
+                <p:ph idx="1"/>
+              </p:nvPr>
+            </p:nvSpPr>
+            <p:spPr>
+              <a:xfrm>
+                <a:off x="395536" y="1353344"/>
+                <a:ext cx="5472608" cy="2664633"/>
+              </a:xfrm>
+              <a:blipFill>
+                <a:blip r:embed="rId2"/>
+                <a:stretch>
+                  <a:fillRect l="-1002" t="-915" r="-557" b="-32952"/>
+                </a:stretch>
+              </a:blipFill>
+            </p:spPr>
+            <p:txBody>
+              <a:bodyPr/>
+              <a:lstStyle/>
+              <a:p>
+                <a:r>
+                  <a:rPr lang="de-DE">
+                    <a:noFill/>
+                  </a:rPr>
+                  <a:t> </a:t>
+                </a:r>
+              </a:p>
+            </p:txBody>
+          </p:sp>
+        </mc:Fallback>
+      </mc:AlternateContent>
       <p:sp>
         <p:nvSpPr>
-          <p:cNvPr id="3" name="Inhaltsplatzhalter 2">
+          <p:cNvPr id="4" name="Rechteck 3">
             <a:extLst>
               <a:ext uri="{FF2B5EF4-FFF2-40B4-BE49-F238E27FC236}">
-                <a16:creationId xmlns:a16="http://schemas.microsoft.com/office/drawing/2014/main" id="{A6EE175B-F110-2231-4746-FB0A5137CFF3}"/>
+                <a16:creationId xmlns:a16="http://schemas.microsoft.com/office/drawing/2014/main" id="{A562C1B5-281C-3BDC-6412-20057B1E2222}"/>
               </a:ext>
             </a:extLst>
           </p:cNvPr>
-          <p:cNvSpPr>
-            <a:spLocks noGrp="1"/>
-          </p:cNvSpPr>
-          <p:nvPr>
-            <p:ph idx="1"/>
-          </p:nvPr>
+          <p:cNvSpPr/>
+          <p:nvPr/>
         </p:nvSpPr>
-        <p:spPr/>
+        <p:spPr>
+          <a:xfrm>
+            <a:off x="6300192" y="1707654"/>
+            <a:ext cx="2520280" cy="2376264"/>
+          </a:xfrm>
+          <a:prstGeom prst="rect">
+            <a:avLst/>
+          </a:prstGeom>
+        </p:spPr>
+        <p:style>
+          <a:lnRef idx="2">
+            <a:schemeClr val="accent1">
+              <a:shade val="15000"/>
+            </a:schemeClr>
+          </a:lnRef>
+          <a:fillRef idx="1">
+            <a:schemeClr val="accent1"/>
+          </a:fillRef>
+          <a:effectRef idx="0">
+            <a:schemeClr val="accent1"/>
+          </a:effectRef>
+          <a:fontRef idx="minor">
+            <a:schemeClr val="lt1"/>
+          </a:fontRef>
+        </p:style>
         <p:txBody>
-          <a:bodyPr/>
+          <a:bodyPr rtlCol="0" anchor="ctr"/>
           <a:lstStyle/>
           <a:p>
+            <a:pPr algn="ctr"/>
             <a:r>
               <a:rPr lang="de-DE" dirty="0"/>
-              <a:t>Zielvariable – Prädiktor Variable</a:t>
-            </a:r>
-          </a:p>
-          <a:p>
-            <a:r>
-              <a:rPr lang="de-DE" dirty="0"/>
-              <a:t>Data </a:t>
-            </a:r>
-            <a:r>
-              <a:rPr lang="de-DE" dirty="0" err="1"/>
-              <a:t>Preparation</a:t>
-            </a:r>
-            <a:endParaRPr lang="de-DE" dirty="0"/>
+              <a:t>Grafik</a:t>
+            </a:r>
           </a:p>
         </p:txBody>
       </p:sp>
     </p:spTree>
     <p:extLst>
       <p:ext uri="{BB962C8B-B14F-4D97-AF65-F5344CB8AC3E}">
-        <p14:creationId xmlns:p14="http://schemas.microsoft.com/office/powerpoint/2010/main" val="2732348097"/>
+        <p14:creationId xmlns:p14="http://schemas.microsoft.com/office/powerpoint/2010/main" val="695573505"/>
       </p:ext>
     </p:extLst>
   </p:cSld>
@@ -4152,7 +6180,7 @@
           <p:cNvPr id="2" name="Titel 1">
             <a:extLst>
               <a:ext uri="{FF2B5EF4-FFF2-40B4-BE49-F238E27FC236}">
-                <a16:creationId xmlns:a16="http://schemas.microsoft.com/office/drawing/2014/main" id="{44ED17ED-09C8-55E6-DF2F-BBE1E913B8D2}"/>
+                <a16:creationId xmlns:a16="http://schemas.microsoft.com/office/drawing/2014/main" id="{388F7BA3-B785-BDE2-BAC6-74C1F53E9285}"/>
               </a:ext>
             </a:extLst>
           </p:cNvPr>
@@ -4169,9 +6197,42 @@
           <a:lstStyle/>
           <a:p>
             <a:r>
+              <a:rPr lang="de-DE" dirty="0" err="1"/>
+              <a:t>How</a:t>
+            </a:r>
+            <a:r>
               <a:rPr lang="de-DE" dirty="0"/>
-              <a:t>Simulationsstudie</a:t>
-            </a:r>
+              <a:t> </a:t>
+            </a:r>
+            <a:r>
+              <a:rPr lang="de-DE" dirty="0" err="1"/>
+              <a:t>it</a:t>
+            </a:r>
+            <a:r>
+              <a:rPr lang="de-DE" dirty="0"/>
+              <a:t> </a:t>
+            </a:r>
+            <a:r>
+              <a:rPr lang="de-DE" dirty="0" err="1"/>
+              <a:t>works</a:t>
+            </a:r>
+            <a:r>
+              <a:rPr lang="de-DE" dirty="0"/>
+              <a:t>: Support </a:t>
+            </a:r>
+            <a:r>
+              <a:rPr lang="de-DE" dirty="0" err="1"/>
+              <a:t>vector</a:t>
+            </a:r>
+            <a:r>
+              <a:rPr lang="de-DE" dirty="0"/>
+              <a:t> </a:t>
+            </a:r>
+            <a:r>
+              <a:rPr lang="de-DE" dirty="0" err="1"/>
+              <a:t>classifier</a:t>
+            </a:r>
+            <a:endParaRPr lang="de-DE" dirty="0"/>
           </a:p>
         </p:txBody>
       </p:sp>
@@ -4180,7 +6241,7 @@
           <p:cNvPr id="3" name="Inhaltsplatzhalter 2">
             <a:extLst>
               <a:ext uri="{FF2B5EF4-FFF2-40B4-BE49-F238E27FC236}">
-                <a16:creationId xmlns:a16="http://schemas.microsoft.com/office/drawing/2014/main" id="{DE4E10F2-1F49-793B-6371-20F0C962B1D9}"/>
+                <a16:creationId xmlns:a16="http://schemas.microsoft.com/office/drawing/2014/main" id="{B6EBCD5F-A998-E34B-B609-7A4D246D72F7}"/>
               </a:ext>
             </a:extLst>
           </p:cNvPr>
@@ -4196,41 +6257,14 @@
           <a:bodyPr/>
           <a:lstStyle/>
           <a:p>
-            <a:r>
-              <a:rPr lang="de-DE" dirty="0"/>
-              <a:t>Maßzahlen (</a:t>
-            </a:r>
-            <a:r>
-              <a:rPr lang="de-DE" dirty="0" err="1"/>
-              <a:t>prediciton</a:t>
-            </a:r>
-            <a:r>
-              <a:rPr lang="de-DE" dirty="0"/>
-              <a:t> </a:t>
-            </a:r>
-            <a:r>
-              <a:rPr lang="de-DE" dirty="0" err="1"/>
-              <a:t>accuracy</a:t>
-            </a:r>
-            <a:r>
-              <a:rPr lang="de-DE" dirty="0"/>
-              <a:t>, ROC </a:t>
-            </a:r>
-            <a:r>
-              <a:rPr lang="de-DE" dirty="0" err="1"/>
-              <a:t>curves</a:t>
-            </a:r>
-            <a:r>
-              <a:rPr lang="de-DE" dirty="0"/>
-              <a:t>)</a:t>
-            </a:r>
+            <a:endParaRPr lang="de-DE" sz="2000" dirty="0"/>
           </a:p>
         </p:txBody>
       </p:sp>
     </p:spTree>
     <p:extLst>
       <p:ext uri="{BB962C8B-B14F-4D97-AF65-F5344CB8AC3E}">
-        <p14:creationId xmlns:p14="http://schemas.microsoft.com/office/powerpoint/2010/main" val="1886016345"/>
+        <p14:creationId xmlns:p14="http://schemas.microsoft.com/office/powerpoint/2010/main" val="2939723199"/>
       </p:ext>
     </p:extLst>
   </p:cSld>
@@ -4262,7 +6296,7 @@
           <p:cNvPr id="2" name="Titel 1">
             <a:extLst>
               <a:ext uri="{FF2B5EF4-FFF2-40B4-BE49-F238E27FC236}">
-                <a16:creationId xmlns:a16="http://schemas.microsoft.com/office/drawing/2014/main" id="{5841DC02-6942-A02F-3690-049179BDDFFB}"/>
+                <a16:creationId xmlns:a16="http://schemas.microsoft.com/office/drawing/2014/main" id="{388F7BA3-B785-BDE2-BAC6-74C1F53E9285}"/>
               </a:ext>
             </a:extLst>
           </p:cNvPr>
@@ -4279,9 +6313,42 @@
           <a:lstStyle/>
           <a:p>
             <a:r>
+              <a:rPr lang="de-DE" dirty="0" err="1"/>
+              <a:t>How</a:t>
+            </a:r>
+            <a:r>
               <a:rPr lang="de-DE" dirty="0"/>
-              <a:t>Eventuell Vergleich zur logistischen Regression</a:t>
-            </a:r>
+              <a:t> </a:t>
+            </a:r>
+            <a:r>
+              <a:rPr lang="de-DE" dirty="0" err="1"/>
+              <a:t>it</a:t>
+            </a:r>
+            <a:r>
+              <a:rPr lang="de-DE" dirty="0"/>
+              <a:t> </a:t>
+            </a:r>
+            <a:r>
+              <a:rPr lang="de-DE" dirty="0" err="1"/>
+              <a:t>works</a:t>
+            </a:r>
+            <a:r>
+              <a:rPr lang="de-DE" dirty="0"/>
+              <a:t>: Support </a:t>
+            </a:r>
+            <a:r>
+              <a:rPr lang="de-DE" dirty="0" err="1"/>
+              <a:t>vector</a:t>
+            </a:r>
+            <a:r>
+              <a:rPr lang="de-DE" dirty="0"/>
+              <a:t> </a:t>
+            </a:r>
+            <a:r>
+              <a:rPr lang="de-DE" dirty="0" err="1"/>
+              <a:t>machine</a:t>
+            </a:r>
+            <a:endParaRPr lang="de-DE" dirty="0"/>
           </a:p>
         </p:txBody>
       </p:sp>
@@ -4290,7 +6357,7 @@
           <p:cNvPr id="3" name="Inhaltsplatzhalter 2">
             <a:extLst>
               <a:ext uri="{FF2B5EF4-FFF2-40B4-BE49-F238E27FC236}">
-                <a16:creationId xmlns:a16="http://schemas.microsoft.com/office/drawing/2014/main" id="{53B72B76-6DAD-D05F-CD79-CA2DDBA8FA0A}"/>
+                <a16:creationId xmlns:a16="http://schemas.microsoft.com/office/drawing/2014/main" id="{B6EBCD5F-A998-E34B-B609-7A4D246D72F7}"/>
               </a:ext>
             </a:extLst>
           </p:cNvPr>
@@ -4306,14 +6373,284 @@
           <a:bodyPr/>
           <a:lstStyle/>
           <a:p>
-            <a:endParaRPr lang="de-DE"/>
+            <a:endParaRPr lang="de-DE" sz="2000" dirty="0"/>
           </a:p>
         </p:txBody>
       </p:sp>
     </p:spTree>
     <p:extLst>
       <p:ext uri="{BB962C8B-B14F-4D97-AF65-F5344CB8AC3E}">
-        <p14:creationId xmlns:p14="http://schemas.microsoft.com/office/powerpoint/2010/main" val="3939977226"/>
+        <p14:creationId xmlns:p14="http://schemas.microsoft.com/office/powerpoint/2010/main" val="3746182716"/>
+      </p:ext>
+    </p:extLst>
+  </p:cSld>
+  <p:clrMapOvr>
+    <a:masterClrMapping/>
+  </p:clrMapOvr>
+</p:sld>
+</file>
+
+<file path=ppt/slides/slide9.xml><?xml version="1.0" encoding="utf-8"?>
+<p:sld xmlns:a="http://schemas.openxmlformats.org/drawingml/2006/main" xmlns:r="http://schemas.openxmlformats.org/officeDocument/2006/relationships" xmlns:p="http://schemas.openxmlformats.org/presentationml/2006/main">
+  <p:cSld>
+    <p:spTree>
+      <p:nvGrpSpPr>
+        <p:cNvPr id="1" name=""/>
+        <p:cNvGrpSpPr/>
+        <p:nvPr/>
+      </p:nvGrpSpPr>
+      <p:grpSpPr>
+        <a:xfrm>
+          <a:off x="0" y="0"/>
+          <a:ext cx="0" cy="0"/>
+          <a:chOff x="0" y="0"/>
+          <a:chExt cx="0" cy="0"/>
+        </a:xfrm>
+      </p:grpSpPr>
+      <p:sp>
+        <p:nvSpPr>
+          <p:cNvPr id="2" name="Titel 1">
+            <a:extLst>
+              <a:ext uri="{FF2B5EF4-FFF2-40B4-BE49-F238E27FC236}">
+                <a16:creationId xmlns:a16="http://schemas.microsoft.com/office/drawing/2014/main" id="{9C274E31-D4F7-6C4A-D81C-1BC18A1044AE}"/>
+              </a:ext>
+            </a:extLst>
+          </p:cNvPr>
+          <p:cNvSpPr>
+            <a:spLocks noGrp="1"/>
+          </p:cNvSpPr>
+          <p:nvPr>
+            <p:ph type="title"/>
+          </p:nvPr>
+        </p:nvSpPr>
+        <p:spPr/>
+        <p:txBody>
+          <a:bodyPr/>
+          <a:lstStyle/>
+          <a:p>
+            <a:r>
+              <a:rPr lang="de-DE" dirty="0"/>
+              <a:t>Dataset: ALLBUS</a:t>
+            </a:r>
+          </a:p>
+        </p:txBody>
+      </p:sp>
+      <p:sp>
+        <p:nvSpPr>
+          <p:cNvPr id="3" name="Inhaltsplatzhalter 2">
+            <a:extLst>
+              <a:ext uri="{FF2B5EF4-FFF2-40B4-BE49-F238E27FC236}">
+                <a16:creationId xmlns:a16="http://schemas.microsoft.com/office/drawing/2014/main" id="{A6EE175B-F110-2231-4746-FB0A5137CFF3}"/>
+              </a:ext>
+            </a:extLst>
+          </p:cNvPr>
+          <p:cNvSpPr>
+            <a:spLocks noGrp="1"/>
+          </p:cNvSpPr>
+          <p:nvPr>
+            <p:ph idx="1"/>
+          </p:nvPr>
+        </p:nvSpPr>
+        <p:spPr>
+          <a:xfrm>
+            <a:off x="395536" y="1353344"/>
+            <a:ext cx="7344816" cy="3162622"/>
+          </a:xfrm>
+        </p:spPr>
+        <p:txBody>
+          <a:bodyPr/>
+          <a:lstStyle/>
+          <a:p>
+            <a:r>
+              <a:rPr lang="de-DE" sz="2000" dirty="0"/>
+              <a:t>„General </a:t>
+            </a:r>
+            <a:r>
+              <a:rPr lang="de-DE" sz="2000" dirty="0" err="1"/>
+              <a:t>population</a:t>
+            </a:r>
+            <a:r>
+              <a:rPr lang="de-DE" sz="2000" dirty="0"/>
+              <a:t> </a:t>
+            </a:r>
+            <a:r>
+              <a:rPr lang="de-DE" sz="2000" dirty="0" err="1"/>
+              <a:t>survey</a:t>
+            </a:r>
+            <a:r>
+              <a:rPr lang="de-DE" sz="2000" dirty="0"/>
+              <a:t> </a:t>
+            </a:r>
+            <a:r>
+              <a:rPr lang="de-DE" sz="2000" dirty="0" err="1"/>
+              <a:t>of</a:t>
+            </a:r>
+            <a:r>
+              <a:rPr lang="de-DE" sz="2000" dirty="0"/>
+              <a:t> </a:t>
+            </a:r>
+            <a:r>
+              <a:rPr lang="de-DE" sz="2000" dirty="0" err="1"/>
+              <a:t>the</a:t>
+            </a:r>
+            <a:r>
+              <a:rPr lang="de-DE" sz="2000" dirty="0"/>
+              <a:t> social </a:t>
+            </a:r>
+            <a:r>
+              <a:rPr lang="de-DE" sz="2000" dirty="0" err="1"/>
+              <a:t>sciences</a:t>
+            </a:r>
+            <a:r>
+              <a:rPr lang="de-DE" sz="2000" dirty="0"/>
+              <a:t>“ 	  </a:t>
+            </a:r>
+            <a:r>
+              <a:rPr lang="de-DE" sz="1000" dirty="0"/>
+              <a:t>(Allgemeine Bevölkerungsumfrage der Sozialwissenschaften)</a:t>
+            </a:r>
+          </a:p>
+          <a:p>
+            <a:r>
+              <a:rPr lang="de-DE" sz="2000" b="1" dirty="0"/>
+              <a:t>Response Variable</a:t>
+            </a:r>
+            <a:r>
+              <a:rPr lang="de-DE" sz="2000" dirty="0"/>
+              <a:t>:</a:t>
+            </a:r>
+          </a:p>
+          <a:p>
+            <a:pPr lvl="1"/>
+            <a:r>
+              <a:rPr lang="de-DE" sz="1800" dirty="0"/>
+              <a:t>„Federal </a:t>
+            </a:r>
+            <a:r>
+              <a:rPr lang="de-DE" sz="1800" dirty="0" err="1"/>
+              <a:t>state</a:t>
+            </a:r>
+            <a:r>
+              <a:rPr lang="de-DE" sz="1800" dirty="0"/>
+              <a:t> </a:t>
+            </a:r>
+            <a:r>
+              <a:rPr lang="de-DE" sz="1800" dirty="0" err="1"/>
+              <a:t>where</a:t>
+            </a:r>
+            <a:r>
+              <a:rPr lang="de-DE" sz="1800" dirty="0"/>
+              <a:t> </a:t>
+            </a:r>
+            <a:r>
+              <a:rPr lang="de-DE" sz="1800" dirty="0" err="1"/>
+              <a:t>interviewee</a:t>
+            </a:r>
+            <a:r>
+              <a:rPr lang="de-DE" sz="1800" dirty="0"/>
+              <a:t> </a:t>
+            </a:r>
+            <a:r>
+              <a:rPr lang="de-DE" sz="1800" dirty="0" err="1"/>
+              <a:t>lived</a:t>
+            </a:r>
+            <a:r>
+              <a:rPr lang="de-DE" sz="1800" dirty="0"/>
+              <a:t> in </a:t>
+            </a:r>
+            <a:r>
+              <a:rPr lang="de-DE" sz="1800" dirty="0" err="1"/>
+              <a:t>youth</a:t>
+            </a:r>
+            <a:r>
+              <a:rPr lang="de-DE" sz="1800" dirty="0"/>
+              <a:t>“</a:t>
+            </a:r>
+          </a:p>
+          <a:p>
+            <a:pPr lvl="1"/>
+            <a:r>
+              <a:rPr lang="de-DE" sz="1800" dirty="0" err="1">
+                <a:sym typeface="Wingdings" panose="05000000000000000000" pitchFamily="2" charset="2"/>
+              </a:rPr>
+              <a:t>coded</a:t>
+            </a:r>
+            <a:r>
+              <a:rPr lang="de-DE" sz="1800" dirty="0">
+                <a:sym typeface="Wingdings" panose="05000000000000000000" pitchFamily="2" charset="2"/>
+              </a:rPr>
+              <a:t> </a:t>
+            </a:r>
+            <a:r>
+              <a:rPr lang="de-DE" sz="1800" dirty="0" err="1">
+                <a:sym typeface="Wingdings" panose="05000000000000000000" pitchFamily="2" charset="2"/>
+              </a:rPr>
+              <a:t>to</a:t>
+            </a:r>
+            <a:r>
+              <a:rPr lang="de-DE" sz="1800" dirty="0">
+                <a:sym typeface="Wingdings" panose="05000000000000000000" pitchFamily="2" charset="2"/>
+              </a:rPr>
+              <a:t> „Youth in East/West Germany“</a:t>
+            </a:r>
+            <a:endParaRPr lang="de-DE" sz="1800" dirty="0"/>
+          </a:p>
+          <a:p>
+            <a:r>
+              <a:rPr lang="de-DE" sz="2000" b="1" dirty="0" err="1"/>
+              <a:t>Predictor</a:t>
+            </a:r>
+            <a:r>
+              <a:rPr lang="de-DE" sz="2000" b="1" dirty="0"/>
+              <a:t> Variables</a:t>
+            </a:r>
+            <a:r>
+              <a:rPr lang="de-DE" sz="2000" dirty="0"/>
+              <a:t>:</a:t>
+            </a:r>
+          </a:p>
+          <a:p>
+            <a:pPr lvl="1"/>
+            <a:r>
+              <a:rPr lang="de-DE" sz="1800" dirty="0"/>
+              <a:t>121 variables </a:t>
+            </a:r>
+            <a:r>
+              <a:rPr lang="de-DE" sz="1800" dirty="0" err="1"/>
+              <a:t>concerning</a:t>
+            </a:r>
+            <a:r>
+              <a:rPr lang="de-DE" sz="1800" dirty="0"/>
+              <a:t> </a:t>
+            </a:r>
+            <a:r>
+              <a:rPr lang="de-DE" sz="1800" dirty="0" err="1"/>
+              <a:t>attitudes</a:t>
+            </a:r>
+            <a:r>
+              <a:rPr lang="de-DE" sz="1800" dirty="0"/>
+              <a:t>, </a:t>
+            </a:r>
+            <a:r>
+              <a:rPr lang="de-DE" sz="1800" dirty="0" err="1"/>
+              <a:t>behavior</a:t>
+            </a:r>
+            <a:r>
+              <a:rPr lang="de-DE" sz="1800" dirty="0"/>
+              <a:t> and social </a:t>
+            </a:r>
+            <a:r>
+              <a:rPr lang="de-DE" sz="1800" dirty="0" err="1"/>
+              <a:t>change</a:t>
+            </a:r>
+            <a:endParaRPr lang="de-DE" sz="1800" dirty="0"/>
+          </a:p>
+        </p:txBody>
+      </p:sp>
+    </p:spTree>
+    <p:extLst>
+      <p:ext uri="{BB962C8B-B14F-4D97-AF65-F5344CB8AC3E}">
+        <p14:creationId xmlns:p14="http://schemas.microsoft.com/office/powerpoint/2010/main" val="2732348097"/>
       </p:ext>
     </p:extLst>
   </p:cSld>

--- a/Präsentation/Support Vector Machines.pptx
+++ b/Präsentation/Support Vector Machines.pptx
@@ -266,7 +266,7 @@
               <a:pPr>
                 <a:defRPr/>
               </a:pPr>
-              <a:t>22.06.2024</a:t>
+              <a:t>25.06.2024</a:t>
             </a:fld>
             <a:endParaRPr lang="de-DE"/>
           </a:p>
@@ -2559,7 +2559,25 @@
                 </a:solidFill>
                 <a:latin typeface="Arial" charset="0"/>
               </a:rPr>
-              <a:t>Thema | Name | Fachbereich/Lehrstuhl</a:t>
+              <a:t>Support Vector </a:t>
+            </a:r>
+            <a:r>
+              <a:rPr lang="de-DE" altLang="de-DE" sz="900" dirty="0" err="1">
+                <a:solidFill>
+                  <a:srgbClr val="00407A"/>
+                </a:solidFill>
+                <a:latin typeface="Arial" charset="0"/>
+              </a:rPr>
+              <a:t>Machine</a:t>
+            </a:r>
+            <a:r>
+              <a:rPr lang="de-DE" altLang="de-DE" sz="900" dirty="0">
+                <a:solidFill>
+                  <a:srgbClr val="00407A"/>
+                </a:solidFill>
+                <a:latin typeface="Arial" charset="0"/>
+              </a:rPr>
+              <a:t> | Andersch, Münz</a:t>
             </a:r>
           </a:p>
         </p:txBody>
@@ -3911,8 +3929,13 @@
           <a:p>
             <a:r>
               <a:rPr lang="de-DE" dirty="0"/>
-              <a:t>Simulationsstudie</a:t>
-            </a:r>
+              <a:t>Simulation </a:t>
+            </a:r>
+            <a:r>
+              <a:rPr lang="de-DE" dirty="0" err="1"/>
+              <a:t>study</a:t>
+            </a:r>
+            <a:endParaRPr lang="de-DE" dirty="0"/>
           </a:p>
         </p:txBody>
       </p:sp>
@@ -3939,11 +3962,11 @@
           <a:p>
             <a:r>
               <a:rPr lang="de-DE" sz="2000" dirty="0"/>
-              <a:t>Maßzahlen (</a:t>
+              <a:t>Measurement </a:t>
             </a:r>
             <a:r>
               <a:rPr lang="de-DE" sz="2000" dirty="0" err="1"/>
-              <a:t>prediciton</a:t>
+              <a:t>of</a:t>
             </a:r>
             <a:r>
               <a:rPr lang="de-DE" sz="2000" dirty="0"/>
@@ -3955,16 +3978,31 @@
             </a:r>
             <a:r>
               <a:rPr lang="de-DE" sz="2000" dirty="0"/>
-              <a:t>, ROC </a:t>
-            </a:r>
-            <a:r>
-              <a:rPr lang="de-DE" sz="2000" dirty="0" err="1"/>
-              <a:t>curves</a:t>
-            </a:r>
-            <a:r>
-              <a:rPr lang="de-DE" sz="2000" dirty="0"/>
-              <a:t>)</a:t>
-            </a:r>
+              <a:t>:</a:t>
+            </a:r>
+          </a:p>
+          <a:p>
+            <a:pPr lvl="1"/>
+            <a:r>
+              <a:rPr lang="en-GB" sz="1800" dirty="0"/>
+              <a:t>Misclassification</a:t>
+            </a:r>
+            <a:r>
+              <a:rPr lang="de-DE" sz="1800" dirty="0"/>
+              <a:t> rate</a:t>
+            </a:r>
+          </a:p>
+          <a:p>
+            <a:pPr lvl="1"/>
+            <a:r>
+              <a:rPr lang="de-DE" sz="1800" dirty="0"/>
+              <a:t>ROC </a:t>
+            </a:r>
+            <a:r>
+              <a:rPr lang="de-DE" sz="1800" dirty="0" err="1"/>
+              <a:t>curve</a:t>
+            </a:r>
+            <a:endParaRPr lang="de-DE" sz="1800" dirty="0"/>
           </a:p>
         </p:txBody>
       </p:sp>
@@ -4337,6 +4375,20 @@
               <a:t>margin</a:t>
             </a:r>
           </a:p>
+          <a:p>
+            <a:r>
+              <a:rPr lang="en-GB" sz="2000" dirty="0"/>
+              <a:t>Only the </a:t>
+            </a:r>
+            <a:r>
+              <a:rPr lang="en-GB" sz="2000" b="1" dirty="0"/>
+              <a:t>support vectors </a:t>
+            </a:r>
+            <a:r>
+              <a:rPr lang="en-GB" sz="2000" dirty="0"/>
+              <a:t>(datapoints closest to hyperplane) have direct influence on the position of the hyperplane</a:t>
+            </a:r>
+          </a:p>
         </p:txBody>
       </p:sp>
     </p:spTree>
@@ -4699,8 +4751,8 @@
           </a:p>
         </p:txBody>
       </p:sp>
-      <mc:AlternateContent xmlns:mc="http://schemas.openxmlformats.org/markup-compatibility/2006">
-        <mc:Choice xmlns:a14="http://schemas.microsoft.com/office/drawing/2010/main" Requires="a14">
+      <mc:AlternateContent xmlns:mc="http://schemas.openxmlformats.org/markup-compatibility/2006" xmlns:a14="http://schemas.microsoft.com/office/drawing/2010/main">
+        <mc:Choice Requires="a14">
           <p:sp>
             <p:nvSpPr>
               <p:cNvPr id="3" name="Inhaltsplatzhalter 2">
@@ -5162,14 +5214,7 @@
                         <a:latin typeface="Cambria Math" panose="02040503050406030204" pitchFamily="18" charset="0"/>
                         <a:ea typeface="Cambria Math" panose="02040503050406030204" pitchFamily="18" charset="0"/>
                       </a:rPr>
-                      <m:t>&lt;</m:t>
-                    </m:r>
-                    <m:r>
-                      <a:rPr lang="de-DE" sz="1800" b="0" i="1" smtClean="0">
-                        <a:latin typeface="Cambria Math" panose="02040503050406030204" pitchFamily="18" charset="0"/>
-                        <a:ea typeface="Cambria Math" panose="02040503050406030204" pitchFamily="18" charset="0"/>
-                      </a:rPr>
-                      <m:t>0 </m:t>
+                      <m:t>&lt;0 </m:t>
                     </m:r>
                     <m:r>
                       <a:rPr lang="de-DE" sz="1800" b="0" i="1" smtClean="0">
@@ -5283,7 +5328,7 @@
             </p:txBody>
           </p:sp>
         </mc:Choice>
-        <mc:Fallback>
+        <mc:Fallback xmlns="">
           <p:sp>
             <p:nvSpPr>
               <p:cNvPr id="3" name="Inhaltsplatzhalter 2">
@@ -5467,8 +5512,8 @@
           </a:p>
         </p:txBody>
       </p:sp>
-      <mc:AlternateContent xmlns:mc="http://schemas.openxmlformats.org/markup-compatibility/2006">
-        <mc:Choice xmlns:a14="http://schemas.microsoft.com/office/drawing/2010/main" Requires="a14">
+      <mc:AlternateContent xmlns:mc="http://schemas.openxmlformats.org/markup-compatibility/2006" xmlns:a14="http://schemas.microsoft.com/office/drawing/2010/main">
+        <mc:Choice Requires="a14">
           <p:sp>
             <p:nvSpPr>
               <p:cNvPr id="3" name="Inhaltsplatzhalter 2">
@@ -6052,7 +6097,7 @@
             </p:txBody>
           </p:sp>
         </mc:Choice>
-        <mc:Fallback>
+        <mc:Fallback xmlns="">
           <p:sp>
             <p:nvSpPr>
               <p:cNvPr id="3" name="Inhaltsplatzhalter 2">
@@ -6110,7 +6155,7 @@
         </p:nvSpPr>
         <p:spPr>
           <a:xfrm>
-            <a:off x="6300192" y="1707654"/>
+            <a:off x="6212485" y="1497528"/>
             <a:ext cx="2520280" cy="2376264"/>
           </a:xfrm>
           <a:prstGeom prst="rect">

--- a/Präsentation/Support Vector Machines.pptx
+++ b/Präsentation/Support Vector Machines.pptx
@@ -5,7 +5,7 @@
     <p:sldMasterId id="2147483648" r:id="rId1"/>
   </p:sldMasterIdLst>
   <p:notesMasterIdLst>
-    <p:notesMasterId r:id="rId14"/>
+    <p:notesMasterId r:id="rId15"/>
   </p:notesMasterIdLst>
   <p:sldIdLst>
     <p:sldId id="256" r:id="rId2"/>
@@ -13,13 +13,14 @@
     <p:sldId id="258" r:id="rId4"/>
     <p:sldId id="259" r:id="rId5"/>
     <p:sldId id="260" r:id="rId6"/>
-    <p:sldId id="264" r:id="rId7"/>
-    <p:sldId id="265" r:id="rId8"/>
-    <p:sldId id="266" r:id="rId9"/>
-    <p:sldId id="261" r:id="rId10"/>
-    <p:sldId id="267" r:id="rId11"/>
-    <p:sldId id="262" r:id="rId12"/>
-    <p:sldId id="263" r:id="rId13"/>
+    <p:sldId id="268" r:id="rId7"/>
+    <p:sldId id="264" r:id="rId8"/>
+    <p:sldId id="265" r:id="rId9"/>
+    <p:sldId id="266" r:id="rId10"/>
+    <p:sldId id="261" r:id="rId11"/>
+    <p:sldId id="267" r:id="rId12"/>
+    <p:sldId id="262" r:id="rId13"/>
+    <p:sldId id="263" r:id="rId14"/>
   </p:sldIdLst>
   <p:sldSz cx="9144000" cy="5143500" type="screen16x9"/>
   <p:notesSz cx="6797675" cy="9926638"/>
@@ -156,6 +157,123 @@
 </p:presentation>
 </file>
 
+<file path=ppt/revisionInfo.xml><?xml version="1.0" encoding="utf-8"?>
+<p1510:revInfo xmlns:a="http://schemas.openxmlformats.org/drawingml/2006/main" xmlns:r="http://schemas.openxmlformats.org/officeDocument/2006/relationships" xmlns:p1510="http://schemas.microsoft.com/office/powerpoint/2015/10/main">
+  <p1510:revLst>
+    <p1510:client id="{AB1E0CFC-1C57-4A1E-92D1-DAC8DD9182A6}" v="239" dt="2024-06-26T16:36:57.783"/>
+  </p1510:revLst>
+</p1510:revInfo>
+</file>
+
+<file path=ppt/changesInfos/changesInfo1.xml><?xml version="1.0" encoding="utf-8"?>
+<pc:chgInfo xmlns:a="http://schemas.openxmlformats.org/drawingml/2006/main" xmlns:r="http://schemas.openxmlformats.org/officeDocument/2006/relationships" xmlns:ac="http://schemas.microsoft.com/office/drawing/2013/main/command" xmlns:pc="http://schemas.microsoft.com/office/powerpoint/2013/main/command">
+  <pc:docChgLst>
+    <pc:chgData name="Franz Andersch" userId="88b46490-1a31-494c-af6b-e252cc2a642d" providerId="ADAL" clId="{AB1E0CFC-1C57-4A1E-92D1-DAC8DD9182A6}"/>
+    <pc:docChg chg="custSel addSld modSld">
+      <pc:chgData name="Franz Andersch" userId="88b46490-1a31-494c-af6b-e252cc2a642d" providerId="ADAL" clId="{AB1E0CFC-1C57-4A1E-92D1-DAC8DD9182A6}" dt="2024-06-26T16:36:57.783" v="562" actId="962"/>
+      <pc:docMkLst>
+        <pc:docMk/>
+      </pc:docMkLst>
+      <pc:sldChg chg="delSp modSp add mod">
+        <pc:chgData name="Franz Andersch" userId="88b46490-1a31-494c-af6b-e252cc2a642d" providerId="ADAL" clId="{AB1E0CFC-1C57-4A1E-92D1-DAC8DD9182A6}" dt="2024-06-26T16:36:57.783" v="562" actId="962"/>
+        <pc:sldMkLst>
+          <pc:docMk/>
+          <pc:sldMk cId="1770530705" sldId="268"/>
+        </pc:sldMkLst>
+        <pc:spChg chg="mod">
+          <ac:chgData name="Franz Andersch" userId="88b46490-1a31-494c-af6b-e252cc2a642d" providerId="ADAL" clId="{AB1E0CFC-1C57-4A1E-92D1-DAC8DD9182A6}" dt="2024-06-26T15:56:03.750" v="32" actId="20577"/>
+          <ac:spMkLst>
+            <pc:docMk/>
+            <pc:sldMk cId="1770530705" sldId="268"/>
+            <ac:spMk id="2" creationId="{388F7BA3-B785-BDE2-BAC6-74C1F53E9285}"/>
+          </ac:spMkLst>
+        </pc:spChg>
+        <pc:spChg chg="del mod">
+          <ac:chgData name="Franz Andersch" userId="88b46490-1a31-494c-af6b-e252cc2a642d" providerId="ADAL" clId="{AB1E0CFC-1C57-4A1E-92D1-DAC8DD9182A6}" dt="2024-06-26T16:32:11.278" v="408" actId="478"/>
+          <ac:spMkLst>
+            <pc:docMk/>
+            <pc:sldMk cId="1770530705" sldId="268"/>
+            <ac:spMk id="3" creationId="{B6EBCD5F-A998-E34B-B609-7A4D246D72F7}"/>
+          </ac:spMkLst>
+        </pc:spChg>
+        <pc:picChg chg="del mod replST">
+          <ac:chgData name="Franz Andersch" userId="88b46490-1a31-494c-af6b-e252cc2a642d" providerId="ADAL" clId="{AB1E0CFC-1C57-4A1E-92D1-DAC8DD9182A6}" dt="2024-06-26T16:32:18.398" v="411" actId="478"/>
+          <ac:picMkLst>
+            <pc:docMk/>
+            <pc:sldMk cId="1770530705" sldId="268"/>
+            <ac:picMk id="6" creationId="{5337D150-038F-425C-D279-EE8871C6FD95}"/>
+          </ac:picMkLst>
+        </pc:picChg>
+        <pc:picChg chg="del mod replST">
+          <ac:chgData name="Franz Andersch" userId="88b46490-1a31-494c-af6b-e252cc2a642d" providerId="ADAL" clId="{AB1E0CFC-1C57-4A1E-92D1-DAC8DD9182A6}" dt="2024-06-26T16:32:16.571" v="410" actId="478"/>
+          <ac:picMkLst>
+            <pc:docMk/>
+            <pc:sldMk cId="1770530705" sldId="268"/>
+            <ac:picMk id="8" creationId="{3EC44C0A-AF07-144C-E1F0-89B85CF056EE}"/>
+          </ac:picMkLst>
+        </pc:picChg>
+        <pc:picChg chg="del mod replST">
+          <ac:chgData name="Franz Andersch" userId="88b46490-1a31-494c-af6b-e252cc2a642d" providerId="ADAL" clId="{AB1E0CFC-1C57-4A1E-92D1-DAC8DD9182A6}" dt="2024-06-26T16:32:07.500" v="405" actId="478"/>
+          <ac:picMkLst>
+            <pc:docMk/>
+            <pc:sldMk cId="1770530705" sldId="268"/>
+            <ac:picMk id="10" creationId="{6B401A77-9211-0E36-5E06-A11376E0AFCA}"/>
+          </ac:picMkLst>
+        </pc:picChg>
+        <pc:picChg chg="del mod ord replST">
+          <ac:chgData name="Franz Andersch" userId="88b46490-1a31-494c-af6b-e252cc2a642d" providerId="ADAL" clId="{AB1E0CFC-1C57-4A1E-92D1-DAC8DD9182A6}" dt="2024-06-26T16:32:50.676" v="440" actId="478"/>
+          <ac:picMkLst>
+            <pc:docMk/>
+            <pc:sldMk cId="1770530705" sldId="268"/>
+            <ac:picMk id="12" creationId="{AB771422-A4D6-89B7-AC86-E1CA2D90E621}"/>
+          </ac:picMkLst>
+        </pc:picChg>
+        <pc:picChg chg="del mod ord replST">
+          <ac:chgData name="Franz Andersch" userId="88b46490-1a31-494c-af6b-e252cc2a642d" providerId="ADAL" clId="{AB1E0CFC-1C57-4A1E-92D1-DAC8DD9182A6}" dt="2024-06-26T16:33:25.438" v="470" actId="478"/>
+          <ac:picMkLst>
+            <pc:docMk/>
+            <pc:sldMk cId="1770530705" sldId="268"/>
+            <ac:picMk id="14" creationId="{3BEB7FAE-7E9D-44F4-6E4A-36159809555C}"/>
+          </ac:picMkLst>
+        </pc:picChg>
+        <pc:picChg chg="del mod ord replST">
+          <ac:chgData name="Franz Andersch" userId="88b46490-1a31-494c-af6b-e252cc2a642d" providerId="ADAL" clId="{AB1E0CFC-1C57-4A1E-92D1-DAC8DD9182A6}" dt="2024-06-26T16:35:44.401" v="500" actId="478"/>
+          <ac:picMkLst>
+            <pc:docMk/>
+            <pc:sldMk cId="1770530705" sldId="268"/>
+            <ac:picMk id="16" creationId="{B3EF5CF1-F7C1-FFD1-228A-925BAA3E08D4}"/>
+          </ac:picMkLst>
+        </pc:picChg>
+        <pc:picChg chg="del mod ord replST">
+          <ac:chgData name="Franz Andersch" userId="88b46490-1a31-494c-af6b-e252cc2a642d" providerId="ADAL" clId="{AB1E0CFC-1C57-4A1E-92D1-DAC8DD9182A6}" dt="2024-06-26T16:36:41.745" v="530" actId="478"/>
+          <ac:picMkLst>
+            <pc:docMk/>
+            <pc:sldMk cId="1770530705" sldId="268"/>
+            <ac:picMk id="18" creationId="{3C7B15F1-F8C1-F882-5B95-94E86D5E60CD}"/>
+          </ac:picMkLst>
+        </pc:picChg>
+        <pc:picChg chg="del mod ord replST">
+          <ac:chgData name="Franz Andersch" userId="88b46490-1a31-494c-af6b-e252cc2a642d" providerId="ADAL" clId="{AB1E0CFC-1C57-4A1E-92D1-DAC8DD9182A6}" dt="2024-06-26T16:36:57.782" v="560" actId="478"/>
+          <ac:picMkLst>
+            <pc:docMk/>
+            <pc:sldMk cId="1770530705" sldId="268"/>
+            <ac:picMk id="20" creationId="{89897EE8-0500-10FF-5D10-F7FDFA1BC659}"/>
+          </ac:picMkLst>
+        </pc:picChg>
+        <pc:picChg chg="mod ord replST">
+          <ac:chgData name="Franz Andersch" userId="88b46490-1a31-494c-af6b-e252cc2a642d" providerId="ADAL" clId="{AB1E0CFC-1C57-4A1E-92D1-DAC8DD9182A6}" dt="2024-06-26T16:36:57.783" v="562" actId="962"/>
+          <ac:picMkLst>
+            <pc:docMk/>
+            <pc:sldMk cId="1770530705" sldId="268"/>
+            <ac:picMk id="22" creationId="{8A78ECD0-CD60-19AA-FA99-DBC348F893B1}"/>
+          </ac:picMkLst>
+        </pc:picChg>
+      </pc:sldChg>
+    </pc:docChg>
+  </pc:docChgLst>
+</pc:chgInfo>
+</file>
+
 <file path=ppt/notesMasters/notesMaster1.xml><?xml version="1.0" encoding="utf-8"?>
 <p:notesMaster xmlns:a="http://schemas.openxmlformats.org/drawingml/2006/main" xmlns:r="http://schemas.openxmlformats.org/officeDocument/2006/relationships" xmlns:p="http://schemas.openxmlformats.org/presentationml/2006/main">
   <p:cSld>
@@ -266,7 +384,7 @@
               <a:pPr>
                 <a:defRPr/>
               </a:pPr>
-              <a:t>25.06.2024</a:t>
+              <a:t>26.06.2024</a:t>
             </a:fld>
             <a:endParaRPr lang="de-DE"/>
           </a:p>
@@ -3751,6 +3869,276 @@
           <a:lstStyle/>
           <a:p>
             <a:r>
+              <a:rPr lang="de-DE" sz="2000" dirty="0"/>
+              <a:t>„General </a:t>
+            </a:r>
+            <a:r>
+              <a:rPr lang="de-DE" sz="2000" dirty="0" err="1"/>
+              <a:t>population</a:t>
+            </a:r>
+            <a:r>
+              <a:rPr lang="de-DE" sz="2000" dirty="0"/>
+              <a:t> </a:t>
+            </a:r>
+            <a:r>
+              <a:rPr lang="de-DE" sz="2000" dirty="0" err="1"/>
+              <a:t>survey</a:t>
+            </a:r>
+            <a:r>
+              <a:rPr lang="de-DE" sz="2000" dirty="0"/>
+              <a:t> </a:t>
+            </a:r>
+            <a:r>
+              <a:rPr lang="de-DE" sz="2000" dirty="0" err="1"/>
+              <a:t>of</a:t>
+            </a:r>
+            <a:r>
+              <a:rPr lang="de-DE" sz="2000" dirty="0"/>
+              <a:t> </a:t>
+            </a:r>
+            <a:r>
+              <a:rPr lang="de-DE" sz="2000" dirty="0" err="1"/>
+              <a:t>the</a:t>
+            </a:r>
+            <a:r>
+              <a:rPr lang="de-DE" sz="2000" dirty="0"/>
+              <a:t> social </a:t>
+            </a:r>
+            <a:r>
+              <a:rPr lang="de-DE" sz="2000" dirty="0" err="1"/>
+              <a:t>sciences</a:t>
+            </a:r>
+            <a:r>
+              <a:rPr lang="de-DE" sz="2000" dirty="0"/>
+              <a:t>“ 	  </a:t>
+            </a:r>
+            <a:r>
+              <a:rPr lang="de-DE" sz="1000" dirty="0"/>
+              <a:t>(Allgemeine Bevölkerungsumfrage der Sozialwissenschaften)</a:t>
+            </a:r>
+          </a:p>
+          <a:p>
+            <a:r>
+              <a:rPr lang="de-DE" sz="2000" b="1" dirty="0"/>
+              <a:t>Response Variable</a:t>
+            </a:r>
+            <a:r>
+              <a:rPr lang="de-DE" sz="2000" dirty="0"/>
+              <a:t>:</a:t>
+            </a:r>
+          </a:p>
+          <a:p>
+            <a:pPr lvl="1"/>
+            <a:r>
+              <a:rPr lang="de-DE" sz="1800" dirty="0"/>
+              <a:t>„Federal </a:t>
+            </a:r>
+            <a:r>
+              <a:rPr lang="de-DE" sz="1800" dirty="0" err="1"/>
+              <a:t>state</a:t>
+            </a:r>
+            <a:r>
+              <a:rPr lang="de-DE" sz="1800" dirty="0"/>
+              <a:t> </a:t>
+            </a:r>
+            <a:r>
+              <a:rPr lang="de-DE" sz="1800" dirty="0" err="1"/>
+              <a:t>where</a:t>
+            </a:r>
+            <a:r>
+              <a:rPr lang="de-DE" sz="1800" dirty="0"/>
+              <a:t> </a:t>
+            </a:r>
+            <a:r>
+              <a:rPr lang="de-DE" sz="1800" dirty="0" err="1"/>
+              <a:t>interviewee</a:t>
+            </a:r>
+            <a:r>
+              <a:rPr lang="de-DE" sz="1800" dirty="0"/>
+              <a:t> </a:t>
+            </a:r>
+            <a:r>
+              <a:rPr lang="de-DE" sz="1800" dirty="0" err="1"/>
+              <a:t>lived</a:t>
+            </a:r>
+            <a:r>
+              <a:rPr lang="de-DE" sz="1800" dirty="0"/>
+              <a:t> in </a:t>
+            </a:r>
+            <a:r>
+              <a:rPr lang="de-DE" sz="1800" dirty="0" err="1"/>
+              <a:t>youth</a:t>
+            </a:r>
+            <a:r>
+              <a:rPr lang="de-DE" sz="1800" dirty="0"/>
+              <a:t>“</a:t>
+            </a:r>
+          </a:p>
+          <a:p>
+            <a:pPr lvl="1"/>
+            <a:r>
+              <a:rPr lang="de-DE" sz="1800" dirty="0" err="1">
+                <a:sym typeface="Wingdings" panose="05000000000000000000" pitchFamily="2" charset="2"/>
+              </a:rPr>
+              <a:t>coded</a:t>
+            </a:r>
+            <a:r>
+              <a:rPr lang="de-DE" sz="1800" dirty="0">
+                <a:sym typeface="Wingdings" panose="05000000000000000000" pitchFamily="2" charset="2"/>
+              </a:rPr>
+              <a:t> </a:t>
+            </a:r>
+            <a:r>
+              <a:rPr lang="de-DE" sz="1800" dirty="0" err="1">
+                <a:sym typeface="Wingdings" panose="05000000000000000000" pitchFamily="2" charset="2"/>
+              </a:rPr>
+              <a:t>to</a:t>
+            </a:r>
+            <a:r>
+              <a:rPr lang="de-DE" sz="1800" dirty="0">
+                <a:sym typeface="Wingdings" panose="05000000000000000000" pitchFamily="2" charset="2"/>
+              </a:rPr>
+              <a:t> „Youth in East/West Germany“</a:t>
+            </a:r>
+            <a:endParaRPr lang="de-DE" sz="1800" dirty="0"/>
+          </a:p>
+          <a:p>
+            <a:r>
+              <a:rPr lang="de-DE" sz="2000" b="1" dirty="0" err="1"/>
+              <a:t>Predictor</a:t>
+            </a:r>
+            <a:r>
+              <a:rPr lang="de-DE" sz="2000" b="1" dirty="0"/>
+              <a:t> Variables</a:t>
+            </a:r>
+            <a:r>
+              <a:rPr lang="de-DE" sz="2000" dirty="0"/>
+              <a:t>:</a:t>
+            </a:r>
+          </a:p>
+          <a:p>
+            <a:pPr lvl="1"/>
+            <a:r>
+              <a:rPr lang="de-DE" sz="1800" dirty="0"/>
+              <a:t>121 variables </a:t>
+            </a:r>
+            <a:r>
+              <a:rPr lang="de-DE" sz="1800" dirty="0" err="1"/>
+              <a:t>concerning</a:t>
+            </a:r>
+            <a:r>
+              <a:rPr lang="de-DE" sz="1800" dirty="0"/>
+              <a:t> </a:t>
+            </a:r>
+            <a:r>
+              <a:rPr lang="de-DE" sz="1800" dirty="0" err="1"/>
+              <a:t>attitudes</a:t>
+            </a:r>
+            <a:r>
+              <a:rPr lang="de-DE" sz="1800" dirty="0"/>
+              <a:t>, </a:t>
+            </a:r>
+            <a:r>
+              <a:rPr lang="de-DE" sz="1800" dirty="0" err="1"/>
+              <a:t>behavior</a:t>
+            </a:r>
+            <a:r>
+              <a:rPr lang="de-DE" sz="1800" dirty="0"/>
+              <a:t> and social </a:t>
+            </a:r>
+            <a:r>
+              <a:rPr lang="de-DE" sz="1800" dirty="0" err="1"/>
+              <a:t>change</a:t>
+            </a:r>
+            <a:endParaRPr lang="de-DE" sz="1800" dirty="0"/>
+          </a:p>
+        </p:txBody>
+      </p:sp>
+    </p:spTree>
+    <p:extLst>
+      <p:ext uri="{BB962C8B-B14F-4D97-AF65-F5344CB8AC3E}">
+        <p14:creationId xmlns:p14="http://schemas.microsoft.com/office/powerpoint/2010/main" val="2732348097"/>
+      </p:ext>
+    </p:extLst>
+  </p:cSld>
+  <p:clrMapOvr>
+    <a:masterClrMapping/>
+  </p:clrMapOvr>
+</p:sld>
+</file>
+
+<file path=ppt/slides/slide11.xml><?xml version="1.0" encoding="utf-8"?>
+<p:sld xmlns:a="http://schemas.openxmlformats.org/drawingml/2006/main" xmlns:r="http://schemas.openxmlformats.org/officeDocument/2006/relationships" xmlns:p="http://schemas.openxmlformats.org/presentationml/2006/main">
+  <p:cSld>
+    <p:spTree>
+      <p:nvGrpSpPr>
+        <p:cNvPr id="1" name=""/>
+        <p:cNvGrpSpPr/>
+        <p:nvPr/>
+      </p:nvGrpSpPr>
+      <p:grpSpPr>
+        <a:xfrm>
+          <a:off x="0" y="0"/>
+          <a:ext cx="0" cy="0"/>
+          <a:chOff x="0" y="0"/>
+          <a:chExt cx="0" cy="0"/>
+        </a:xfrm>
+      </p:grpSpPr>
+      <p:sp>
+        <p:nvSpPr>
+          <p:cNvPr id="2" name="Titel 1">
+            <a:extLst>
+              <a:ext uri="{FF2B5EF4-FFF2-40B4-BE49-F238E27FC236}">
+                <a16:creationId xmlns:a16="http://schemas.microsoft.com/office/drawing/2014/main" id="{9C274E31-D4F7-6C4A-D81C-1BC18A1044AE}"/>
+              </a:ext>
+            </a:extLst>
+          </p:cNvPr>
+          <p:cNvSpPr>
+            <a:spLocks noGrp="1"/>
+          </p:cNvSpPr>
+          <p:nvPr>
+            <p:ph type="title"/>
+          </p:nvPr>
+        </p:nvSpPr>
+        <p:spPr/>
+        <p:txBody>
+          <a:bodyPr/>
+          <a:lstStyle/>
+          <a:p>
+            <a:r>
+              <a:rPr lang="de-DE" dirty="0"/>
+              <a:t>Dataset: ALLBUS</a:t>
+            </a:r>
+          </a:p>
+        </p:txBody>
+      </p:sp>
+      <p:sp>
+        <p:nvSpPr>
+          <p:cNvPr id="3" name="Inhaltsplatzhalter 2">
+            <a:extLst>
+              <a:ext uri="{FF2B5EF4-FFF2-40B4-BE49-F238E27FC236}">
+                <a16:creationId xmlns:a16="http://schemas.microsoft.com/office/drawing/2014/main" id="{A6EE175B-F110-2231-4746-FB0A5137CFF3}"/>
+              </a:ext>
+            </a:extLst>
+          </p:cNvPr>
+          <p:cNvSpPr>
+            <a:spLocks noGrp="1"/>
+          </p:cNvSpPr>
+          <p:nvPr>
+            <p:ph idx="1"/>
+          </p:nvPr>
+        </p:nvSpPr>
+        <p:spPr>
+          <a:xfrm>
+            <a:off x="395536" y="1353344"/>
+            <a:ext cx="7344816" cy="3162622"/>
+          </a:xfrm>
+        </p:spPr>
+        <p:txBody>
+          <a:bodyPr/>
+          <a:lstStyle/>
+          <a:p>
+            <a:r>
               <a:rPr lang="de-DE" sz="2000" b="1" dirty="0"/>
               <a:t>Data </a:t>
             </a:r>
@@ -3889,7 +4277,7 @@
 </p:sld>
 </file>
 
-<file path=ppt/slides/slide11.xml><?xml version="1.0" encoding="utf-8"?>
+<file path=ppt/slides/slide12.xml><?xml version="1.0" encoding="utf-8"?>
 <p:sld xmlns:a="http://schemas.openxmlformats.org/drawingml/2006/main" xmlns:r="http://schemas.openxmlformats.org/officeDocument/2006/relationships" xmlns:p="http://schemas.openxmlformats.org/presentationml/2006/main">
   <p:cSld>
     <p:spTree>
@@ -4019,7 +4407,7 @@
 </p:sld>
 </file>
 
-<file path=ppt/slides/slide12.xml><?xml version="1.0" encoding="utf-8"?>
+<file path=ppt/slides/slide13.xml><?xml version="1.0" encoding="utf-8"?>
 <p:sld xmlns:a="http://schemas.openxmlformats.org/drawingml/2006/main" xmlns:r="http://schemas.openxmlformats.org/officeDocument/2006/relationships" xmlns:p="http://schemas.openxmlformats.org/presentationml/2006/main">
   <p:cSld>
     <p:spTree>
@@ -5435,6 +5823,186 @@
 </file>
 
 <file path=ppt/slides/slide6.xml><?xml version="1.0" encoding="utf-8"?>
+<p:sld xmlns:a="http://schemas.openxmlformats.org/drawingml/2006/main" xmlns:r="http://schemas.openxmlformats.org/officeDocument/2006/relationships" xmlns:p="http://schemas.openxmlformats.org/presentationml/2006/main">
+  <p:cSld>
+    <p:spTree>
+      <p:nvGrpSpPr>
+        <p:cNvPr id="1" name=""/>
+        <p:cNvGrpSpPr/>
+        <p:nvPr/>
+      </p:nvGrpSpPr>
+      <p:grpSpPr>
+        <a:xfrm>
+          <a:off x="0" y="0"/>
+          <a:ext cx="0" cy="0"/>
+          <a:chOff x="0" y="0"/>
+          <a:chExt cx="0" cy="0"/>
+        </a:xfrm>
+      </p:grpSpPr>
+      <p:sp>
+        <p:nvSpPr>
+          <p:cNvPr id="2" name="Titel 1">
+            <a:extLst>
+              <a:ext uri="{FF2B5EF4-FFF2-40B4-BE49-F238E27FC236}">
+                <a16:creationId xmlns:a16="http://schemas.microsoft.com/office/drawing/2014/main" id="{388F7BA3-B785-BDE2-BAC6-74C1F53E9285}"/>
+              </a:ext>
+            </a:extLst>
+          </p:cNvPr>
+          <p:cNvSpPr>
+            <a:spLocks noGrp="1"/>
+          </p:cNvSpPr>
+          <p:nvPr>
+            <p:ph type="title"/>
+          </p:nvPr>
+        </p:nvSpPr>
+        <p:spPr/>
+        <p:txBody>
+          <a:bodyPr/>
+          <a:lstStyle/>
+          <a:p>
+            <a:r>
+              <a:rPr lang="de-DE" dirty="0" err="1"/>
+              <a:t>How</a:t>
+            </a:r>
+            <a:r>
+              <a:rPr lang="de-DE" dirty="0"/>
+              <a:t> </a:t>
+            </a:r>
+            <a:r>
+              <a:rPr lang="de-DE" dirty="0" err="1"/>
+              <a:t>it</a:t>
+            </a:r>
+            <a:r>
+              <a:rPr lang="de-DE" dirty="0"/>
+              <a:t> </a:t>
+            </a:r>
+            <a:r>
+              <a:rPr lang="de-DE" dirty="0" err="1"/>
+              <a:t>works</a:t>
+            </a:r>
+            <a:r>
+              <a:rPr lang="de-DE" dirty="0"/>
+              <a:t>: Setting </a:t>
+            </a:r>
+            <a:r>
+              <a:rPr lang="de-DE" dirty="0" err="1"/>
+              <a:t>up</a:t>
+            </a:r>
+            <a:r>
+              <a:rPr lang="de-DE" dirty="0"/>
+              <a:t> </a:t>
+            </a:r>
+            <a:r>
+              <a:rPr lang="de-DE" dirty="0" err="1"/>
+              <a:t>Constraints</a:t>
+            </a:r>
+            <a:endParaRPr lang="de-DE" dirty="0"/>
+          </a:p>
+        </p:txBody>
+      </p:sp>
+      <p:sp>
+        <p:nvSpPr>
+          <p:cNvPr id="4" name="Rechteck 3">
+            <a:extLst>
+              <a:ext uri="{FF2B5EF4-FFF2-40B4-BE49-F238E27FC236}">
+                <a16:creationId xmlns:a16="http://schemas.microsoft.com/office/drawing/2014/main" id="{B21BA278-5AA0-7413-5DB3-4EB47B444F21}"/>
+              </a:ext>
+            </a:extLst>
+          </p:cNvPr>
+          <p:cNvSpPr/>
+          <p:nvPr/>
+        </p:nvSpPr>
+        <p:spPr>
+          <a:xfrm>
+            <a:off x="5436096" y="1563638"/>
+            <a:ext cx="2952328" cy="2454339"/>
+          </a:xfrm>
+          <a:prstGeom prst="rect">
+            <a:avLst/>
+          </a:prstGeom>
+        </p:spPr>
+        <p:style>
+          <a:lnRef idx="2">
+            <a:schemeClr val="accent1">
+              <a:shade val="15000"/>
+            </a:schemeClr>
+          </a:lnRef>
+          <a:fillRef idx="1">
+            <a:schemeClr val="accent1"/>
+          </a:fillRef>
+          <a:effectRef idx="0">
+            <a:schemeClr val="accent1"/>
+          </a:effectRef>
+          <a:fontRef idx="minor">
+            <a:schemeClr val="lt1"/>
+          </a:fontRef>
+        </p:style>
+        <p:txBody>
+          <a:bodyPr rtlCol="0" anchor="ctr"/>
+          <a:lstStyle/>
+          <a:p>
+            <a:pPr algn="ctr"/>
+            <a:r>
+              <a:rPr lang="de-DE" dirty="0"/>
+              <a:t>Grafik</a:t>
+            </a:r>
+          </a:p>
+        </p:txBody>
+      </p:sp>
+      <p:pic>
+        <p:nvPicPr>
+          <p:cNvPr id="22" name="Grafik 21" descr="\documentclass{article}&#10;\usepackage{amsmath,amsfonts,amssymb,xcolor, mathtools}&#10;\pagestyle{empty}&#10;\begin{document}&#10;\begin{itemize}&#10;\item \textcolor{green}{$\beta$}$\rightarrow$ a k-dimensional vector\newline perpendicular to the decision boundary&#10;\item all points $x$ for which holds $\frac{\textcolor{green}{\beta}}{||\textcolor{green}{\beta}||}\cdot x=\textcolor{magenta}{c}$\newline lie on the hyperplain &#10;\item through some rearangement we get \newline&#10;$\beta \cdot x +\beta_0=0$&#10;&#10;\end{itemize}&#10;&#10;\end{document}" title="IguanaTex Picture Display">
+            <a:extLst>
+              <a:ext uri="{FF2B5EF4-FFF2-40B4-BE49-F238E27FC236}">
+                <a16:creationId xmlns:a16="http://schemas.microsoft.com/office/drawing/2014/main" id="{8A78ECD0-CD60-19AA-FA99-DBC348F893B1}"/>
+              </a:ext>
+            </a:extLst>
+          </p:cNvPr>
+          <p:cNvPicPr>
+            <a:picLocks noChangeAspect="1"/>
+          </p:cNvPicPr>
+          <p:nvPr>
+            <p:custDataLst>
+              <p:tags r:id="rId1"/>
+            </p:custDataLst>
+          </p:nvPr>
+        </p:nvPicPr>
+        <p:blipFill>
+          <a:blip r:embed="rId3">
+            <a:extLst>
+              <a:ext uri="{28A0092B-C50C-407E-A947-70E740481C1C}">
+                <a14:useLocalDpi xmlns:a14="http://schemas.microsoft.com/office/drawing/2010/main" val="0"/>
+              </a:ext>
+            </a:extLst>
+          </a:blip>
+          <a:stretch>
+            <a:fillRect/>
+          </a:stretch>
+        </p:blipFill>
+        <p:spPr>
+          <a:xfrm>
+            <a:off x="613948" y="1419621"/>
+            <a:ext cx="4109626" cy="1973037"/>
+          </a:xfrm>
+          <a:prstGeom prst="rect">
+            <a:avLst/>
+          </a:prstGeom>
+        </p:spPr>
+      </p:pic>
+    </p:spTree>
+    <p:extLst>
+      <p:ext uri="{BB962C8B-B14F-4D97-AF65-F5344CB8AC3E}">
+        <p14:creationId xmlns:p14="http://schemas.microsoft.com/office/powerpoint/2010/main" val="1770530705"/>
+      </p:ext>
+    </p:extLst>
+  </p:cSld>
+  <p:clrMapOvr>
+    <a:masterClrMapping/>
+  </p:clrMapOvr>
+</p:sld>
+</file>
+
+<file path=ppt/slides/slide7.xml><?xml version="1.0" encoding="utf-8"?>
 <p:sld xmlns:a="http://schemas.openxmlformats.org/drawingml/2006/main" xmlns:r="http://schemas.openxmlformats.org/officeDocument/2006/relationships" xmlns:p="http://schemas.openxmlformats.org/presentationml/2006/main">
   <p:cSld>
     <p:spTree>
@@ -6203,122 +6771,6 @@
 </p:sld>
 </file>
 
-<file path=ppt/slides/slide7.xml><?xml version="1.0" encoding="utf-8"?>
-<p:sld xmlns:a="http://schemas.openxmlformats.org/drawingml/2006/main" xmlns:r="http://schemas.openxmlformats.org/officeDocument/2006/relationships" xmlns:p="http://schemas.openxmlformats.org/presentationml/2006/main">
-  <p:cSld>
-    <p:spTree>
-      <p:nvGrpSpPr>
-        <p:cNvPr id="1" name=""/>
-        <p:cNvGrpSpPr/>
-        <p:nvPr/>
-      </p:nvGrpSpPr>
-      <p:grpSpPr>
-        <a:xfrm>
-          <a:off x="0" y="0"/>
-          <a:ext cx="0" cy="0"/>
-          <a:chOff x="0" y="0"/>
-          <a:chExt cx="0" cy="0"/>
-        </a:xfrm>
-      </p:grpSpPr>
-      <p:sp>
-        <p:nvSpPr>
-          <p:cNvPr id="2" name="Titel 1">
-            <a:extLst>
-              <a:ext uri="{FF2B5EF4-FFF2-40B4-BE49-F238E27FC236}">
-                <a16:creationId xmlns:a16="http://schemas.microsoft.com/office/drawing/2014/main" id="{388F7BA3-B785-BDE2-BAC6-74C1F53E9285}"/>
-              </a:ext>
-            </a:extLst>
-          </p:cNvPr>
-          <p:cNvSpPr>
-            <a:spLocks noGrp="1"/>
-          </p:cNvSpPr>
-          <p:nvPr>
-            <p:ph type="title"/>
-          </p:nvPr>
-        </p:nvSpPr>
-        <p:spPr/>
-        <p:txBody>
-          <a:bodyPr/>
-          <a:lstStyle/>
-          <a:p>
-            <a:r>
-              <a:rPr lang="de-DE" dirty="0" err="1"/>
-              <a:t>How</a:t>
-            </a:r>
-            <a:r>
-              <a:rPr lang="de-DE" dirty="0"/>
-              <a:t> </a:t>
-            </a:r>
-            <a:r>
-              <a:rPr lang="de-DE" dirty="0" err="1"/>
-              <a:t>it</a:t>
-            </a:r>
-            <a:r>
-              <a:rPr lang="de-DE" dirty="0"/>
-              <a:t> </a:t>
-            </a:r>
-            <a:r>
-              <a:rPr lang="de-DE" dirty="0" err="1"/>
-              <a:t>works</a:t>
-            </a:r>
-            <a:r>
-              <a:rPr lang="de-DE" dirty="0"/>
-              <a:t>: Support </a:t>
-            </a:r>
-            <a:r>
-              <a:rPr lang="de-DE" dirty="0" err="1"/>
-              <a:t>vector</a:t>
-            </a:r>
-            <a:r>
-              <a:rPr lang="de-DE" dirty="0"/>
-              <a:t> </a:t>
-            </a:r>
-            <a:r>
-              <a:rPr lang="de-DE" dirty="0" err="1"/>
-              <a:t>classifier</a:t>
-            </a:r>
-            <a:endParaRPr lang="de-DE" dirty="0"/>
-          </a:p>
-        </p:txBody>
-      </p:sp>
-      <p:sp>
-        <p:nvSpPr>
-          <p:cNvPr id="3" name="Inhaltsplatzhalter 2">
-            <a:extLst>
-              <a:ext uri="{FF2B5EF4-FFF2-40B4-BE49-F238E27FC236}">
-                <a16:creationId xmlns:a16="http://schemas.microsoft.com/office/drawing/2014/main" id="{B6EBCD5F-A998-E34B-B609-7A4D246D72F7}"/>
-              </a:ext>
-            </a:extLst>
-          </p:cNvPr>
-          <p:cNvSpPr>
-            <a:spLocks noGrp="1"/>
-          </p:cNvSpPr>
-          <p:nvPr>
-            <p:ph idx="1"/>
-          </p:nvPr>
-        </p:nvSpPr>
-        <p:spPr/>
-        <p:txBody>
-          <a:bodyPr/>
-          <a:lstStyle/>
-          <a:p>
-            <a:endParaRPr lang="de-DE" sz="2000" dirty="0"/>
-          </a:p>
-        </p:txBody>
-      </p:sp>
-    </p:spTree>
-    <p:extLst>
-      <p:ext uri="{BB962C8B-B14F-4D97-AF65-F5344CB8AC3E}">
-        <p14:creationId xmlns:p14="http://schemas.microsoft.com/office/powerpoint/2010/main" val="2939723199"/>
-      </p:ext>
-    </p:extLst>
-  </p:cSld>
-  <p:clrMapOvr>
-    <a:masterClrMapping/>
-  </p:clrMapOvr>
-</p:sld>
-</file>
-
 <file path=ppt/slides/slide8.xml><?xml version="1.0" encoding="utf-8"?>
 <p:sld xmlns:a="http://schemas.openxmlformats.org/drawingml/2006/main" xmlns:r="http://schemas.openxmlformats.org/officeDocument/2006/relationships" xmlns:p="http://schemas.openxmlformats.org/presentationml/2006/main">
   <p:cSld>
@@ -6391,7 +6843,7 @@
             </a:r>
             <a:r>
               <a:rPr lang="de-DE" dirty="0" err="1"/>
-              <a:t>machine</a:t>
+              <a:t>classifier</a:t>
             </a:r>
             <a:endParaRPr lang="de-DE" dirty="0"/>
           </a:p>
@@ -6425,7 +6877,7 @@
     </p:spTree>
     <p:extLst>
       <p:ext uri="{BB962C8B-B14F-4D97-AF65-F5344CB8AC3E}">
-        <p14:creationId xmlns:p14="http://schemas.microsoft.com/office/powerpoint/2010/main" val="3746182716"/>
+        <p14:creationId xmlns:p14="http://schemas.microsoft.com/office/powerpoint/2010/main" val="2939723199"/>
       </p:ext>
     </p:extLst>
   </p:cSld>
@@ -6457,7 +6909,7 @@
           <p:cNvPr id="2" name="Titel 1">
             <a:extLst>
               <a:ext uri="{FF2B5EF4-FFF2-40B4-BE49-F238E27FC236}">
-                <a16:creationId xmlns:a16="http://schemas.microsoft.com/office/drawing/2014/main" id="{9C274E31-D4F7-6C4A-D81C-1BC18A1044AE}"/>
+                <a16:creationId xmlns:a16="http://schemas.microsoft.com/office/drawing/2014/main" id="{388F7BA3-B785-BDE2-BAC6-74C1F53E9285}"/>
               </a:ext>
             </a:extLst>
           </p:cNvPr>
@@ -6474,9 +6926,42 @@
           <a:lstStyle/>
           <a:p>
             <a:r>
+              <a:rPr lang="de-DE" dirty="0" err="1"/>
+              <a:t>How</a:t>
+            </a:r>
+            <a:r>
               <a:rPr lang="de-DE" dirty="0"/>
-              <a:t>Dataset: ALLBUS</a:t>
-            </a:r>
+              <a:t> </a:t>
+            </a:r>
+            <a:r>
+              <a:rPr lang="de-DE" dirty="0" err="1"/>
+              <a:t>it</a:t>
+            </a:r>
+            <a:r>
+              <a:rPr lang="de-DE" dirty="0"/>
+              <a:t> </a:t>
+            </a:r>
+            <a:r>
+              <a:rPr lang="de-DE" dirty="0" err="1"/>
+              <a:t>works</a:t>
+            </a:r>
+            <a:r>
+              <a:rPr lang="de-DE" dirty="0"/>
+              <a:t>: Support </a:t>
+            </a:r>
+            <a:r>
+              <a:rPr lang="de-DE" dirty="0" err="1"/>
+              <a:t>vector</a:t>
+            </a:r>
+            <a:r>
+              <a:rPr lang="de-DE" dirty="0"/>
+              <a:t> </a:t>
+            </a:r>
+            <a:r>
+              <a:rPr lang="de-DE" dirty="0" err="1"/>
+              <a:t>machine</a:t>
+            </a:r>
+            <a:endParaRPr lang="de-DE" dirty="0"/>
           </a:p>
         </p:txBody>
       </p:sp>
@@ -6485,7 +6970,7 @@
           <p:cNvPr id="3" name="Inhaltsplatzhalter 2">
             <a:extLst>
               <a:ext uri="{FF2B5EF4-FFF2-40B4-BE49-F238E27FC236}">
-                <a16:creationId xmlns:a16="http://schemas.microsoft.com/office/drawing/2014/main" id="{A6EE175B-F110-2231-4746-FB0A5137CFF3}"/>
+                <a16:creationId xmlns:a16="http://schemas.microsoft.com/office/drawing/2014/main" id="{B6EBCD5F-A998-E34B-B609-7A4D246D72F7}"/>
               </a:ext>
             </a:extLst>
           </p:cNvPr>
@@ -6496,206 +6981,19 @@
             <p:ph idx="1"/>
           </p:nvPr>
         </p:nvSpPr>
-        <p:spPr>
-          <a:xfrm>
-            <a:off x="395536" y="1353344"/>
-            <a:ext cx="7344816" cy="3162622"/>
-          </a:xfrm>
-        </p:spPr>
+        <p:spPr/>
         <p:txBody>
           <a:bodyPr/>
           <a:lstStyle/>
           <a:p>
-            <a:r>
-              <a:rPr lang="de-DE" sz="2000" dirty="0"/>
-              <a:t>„General </a:t>
-            </a:r>
-            <a:r>
-              <a:rPr lang="de-DE" sz="2000" dirty="0" err="1"/>
-              <a:t>population</a:t>
-            </a:r>
-            <a:r>
-              <a:rPr lang="de-DE" sz="2000" dirty="0"/>
-              <a:t> </a:t>
-            </a:r>
-            <a:r>
-              <a:rPr lang="de-DE" sz="2000" dirty="0" err="1"/>
-              <a:t>survey</a:t>
-            </a:r>
-            <a:r>
-              <a:rPr lang="de-DE" sz="2000" dirty="0"/>
-              <a:t> </a:t>
-            </a:r>
-            <a:r>
-              <a:rPr lang="de-DE" sz="2000" dirty="0" err="1"/>
-              <a:t>of</a:t>
-            </a:r>
-            <a:r>
-              <a:rPr lang="de-DE" sz="2000" dirty="0"/>
-              <a:t> </a:t>
-            </a:r>
-            <a:r>
-              <a:rPr lang="de-DE" sz="2000" dirty="0" err="1"/>
-              <a:t>the</a:t>
-            </a:r>
-            <a:r>
-              <a:rPr lang="de-DE" sz="2000" dirty="0"/>
-              <a:t> social </a:t>
-            </a:r>
-            <a:r>
-              <a:rPr lang="de-DE" sz="2000" dirty="0" err="1"/>
-              <a:t>sciences</a:t>
-            </a:r>
-            <a:r>
-              <a:rPr lang="de-DE" sz="2000" dirty="0"/>
-              <a:t>“ 	  </a:t>
-            </a:r>
-            <a:r>
-              <a:rPr lang="de-DE" sz="1000" dirty="0"/>
-              <a:t>(Allgemeine Bevölkerungsumfrage der Sozialwissenschaften)</a:t>
-            </a:r>
-          </a:p>
-          <a:p>
-            <a:r>
-              <a:rPr lang="de-DE" sz="2000" b="1" dirty="0"/>
-              <a:t>Response Variable</a:t>
-            </a:r>
-            <a:r>
-              <a:rPr lang="de-DE" sz="2000" dirty="0"/>
-              <a:t>:</a:t>
-            </a:r>
-          </a:p>
-          <a:p>
-            <a:pPr lvl="1"/>
-            <a:r>
-              <a:rPr lang="de-DE" sz="1800" dirty="0"/>
-              <a:t>„Federal </a:t>
-            </a:r>
-            <a:r>
-              <a:rPr lang="de-DE" sz="1800" dirty="0" err="1"/>
-              <a:t>state</a:t>
-            </a:r>
-            <a:r>
-              <a:rPr lang="de-DE" sz="1800" dirty="0"/>
-              <a:t> </a:t>
-            </a:r>
-            <a:r>
-              <a:rPr lang="de-DE" sz="1800" dirty="0" err="1"/>
-              <a:t>where</a:t>
-            </a:r>
-            <a:r>
-              <a:rPr lang="de-DE" sz="1800" dirty="0"/>
-              <a:t> </a:t>
-            </a:r>
-            <a:r>
-              <a:rPr lang="de-DE" sz="1800" dirty="0" err="1"/>
-              <a:t>interviewee</a:t>
-            </a:r>
-            <a:r>
-              <a:rPr lang="de-DE" sz="1800" dirty="0"/>
-              <a:t> </a:t>
-            </a:r>
-            <a:r>
-              <a:rPr lang="de-DE" sz="1800" dirty="0" err="1"/>
-              <a:t>lived</a:t>
-            </a:r>
-            <a:r>
-              <a:rPr lang="de-DE" sz="1800" dirty="0"/>
-              <a:t> in </a:t>
-            </a:r>
-            <a:r>
-              <a:rPr lang="de-DE" sz="1800" dirty="0" err="1"/>
-              <a:t>youth</a:t>
-            </a:r>
-            <a:r>
-              <a:rPr lang="de-DE" sz="1800" dirty="0"/>
-              <a:t>“</a:t>
-            </a:r>
-          </a:p>
-          <a:p>
-            <a:pPr lvl="1"/>
-            <a:r>
-              <a:rPr lang="de-DE" sz="1800" dirty="0" err="1">
-                <a:sym typeface="Wingdings" panose="05000000000000000000" pitchFamily="2" charset="2"/>
-              </a:rPr>
-              <a:t>coded</a:t>
-            </a:r>
-            <a:r>
-              <a:rPr lang="de-DE" sz="1800" dirty="0">
-                <a:sym typeface="Wingdings" panose="05000000000000000000" pitchFamily="2" charset="2"/>
-              </a:rPr>
-              <a:t> </a:t>
-            </a:r>
-            <a:r>
-              <a:rPr lang="de-DE" sz="1800" dirty="0" err="1">
-                <a:sym typeface="Wingdings" panose="05000000000000000000" pitchFamily="2" charset="2"/>
-              </a:rPr>
-              <a:t>to</a:t>
-            </a:r>
-            <a:r>
-              <a:rPr lang="de-DE" sz="1800" dirty="0">
-                <a:sym typeface="Wingdings" panose="05000000000000000000" pitchFamily="2" charset="2"/>
-              </a:rPr>
-              <a:t> „Youth in East/West Germany“</a:t>
-            </a:r>
-            <a:endParaRPr lang="de-DE" sz="1800" dirty="0"/>
-          </a:p>
-          <a:p>
-            <a:r>
-              <a:rPr lang="de-DE" sz="2000" b="1" dirty="0" err="1"/>
-              <a:t>Predictor</a:t>
-            </a:r>
-            <a:r>
-              <a:rPr lang="de-DE" sz="2000" b="1" dirty="0"/>
-              <a:t> Variables</a:t>
-            </a:r>
-            <a:r>
-              <a:rPr lang="de-DE" sz="2000" dirty="0"/>
-              <a:t>:</a:t>
-            </a:r>
-          </a:p>
-          <a:p>
-            <a:pPr lvl="1"/>
-            <a:r>
-              <a:rPr lang="de-DE" sz="1800" dirty="0"/>
-              <a:t>121 variables </a:t>
-            </a:r>
-            <a:r>
-              <a:rPr lang="de-DE" sz="1800" dirty="0" err="1"/>
-              <a:t>concerning</a:t>
-            </a:r>
-            <a:r>
-              <a:rPr lang="de-DE" sz="1800" dirty="0"/>
-              <a:t> </a:t>
-            </a:r>
-            <a:r>
-              <a:rPr lang="de-DE" sz="1800" dirty="0" err="1"/>
-              <a:t>attitudes</a:t>
-            </a:r>
-            <a:r>
-              <a:rPr lang="de-DE" sz="1800" dirty="0"/>
-              <a:t>, </a:t>
-            </a:r>
-            <a:r>
-              <a:rPr lang="de-DE" sz="1800" dirty="0" err="1"/>
-              <a:t>behavior</a:t>
-            </a:r>
-            <a:r>
-              <a:rPr lang="de-DE" sz="1800" dirty="0"/>
-              <a:t> and social </a:t>
-            </a:r>
-            <a:r>
-              <a:rPr lang="de-DE" sz="1800" dirty="0" err="1"/>
-              <a:t>change</a:t>
-            </a:r>
-            <a:endParaRPr lang="de-DE" sz="1800" dirty="0"/>
+            <a:endParaRPr lang="de-DE" sz="2000" dirty="0"/>
           </a:p>
         </p:txBody>
       </p:sp>
     </p:spTree>
     <p:extLst>
       <p:ext uri="{BB962C8B-B14F-4D97-AF65-F5344CB8AC3E}">
-        <p14:creationId xmlns:p14="http://schemas.microsoft.com/office/powerpoint/2010/main" val="2732348097"/>
+        <p14:creationId xmlns:p14="http://schemas.microsoft.com/office/powerpoint/2010/main" val="3746182716"/>
       </p:ext>
     </p:extLst>
   </p:cSld>
@@ -6703,6 +7001,26 @@
     <a:masterClrMapping/>
   </p:clrMapOvr>
 </p:sld>
+</file>
+
+<file path=ppt/tags/tag1.xml><?xml version="1.0" encoding="utf-8"?>
+<p:tagLst xmlns:a="http://schemas.openxmlformats.org/drawingml/2006/main" xmlns:r="http://schemas.openxmlformats.org/officeDocument/2006/relationships" xmlns:p="http://schemas.openxmlformats.org/presentationml/2006/main">
+  <p:tag name="OUTPUTDPI" val="1200"/>
+  <p:tag name="ORIGINALHEIGHT" val="1072,366"/>
+  <p:tag name="ORIGINALWIDTH" val="2260,967"/>
+  <p:tag name="OUTPUTTYPE" val="PNG"/>
+  <p:tag name="IGUANATEXVERSION" val="161"/>
+  <p:tag name="LATEXADDIN" val="\documentclass{article}&#10;\usepackage{amsmath,amsfonts,amssymb,xcolor, mathtools}&#10;\pagestyle{empty}&#10;\begin{document}&#10;\begin{itemize}&#10;\item \textcolor{green}{$\beta$}$\rightarrow$ a k-dimensional vector\newline perpendicular to the decision boundary&#10;\item all points $x$ for which holds $\frac{\textcolor{green}{\beta}}{||\textcolor{green}{\beta}||}\cdot x=\textcolor{magenta}{c}$\newline lie on the hyperplain &#10;\item through some rearangement we get \newline&#10;$\beta \cdot x +\beta_0=0$&#10;&#10;\end{itemize}&#10;&#10;\end{document}"/>
+  <p:tag name="IGUANATEXSIZE" val="18"/>
+  <p:tag name="IGUANATEXCURSOR" val="464"/>
+  <p:tag name="TRANSPARENCY" val="Wahr"/>
+  <p:tag name="LATEXENGINEID" val="0"/>
+  <p:tag name="TEMPFOLDER" val="E:\Dokumente\temp\"/>
+  <p:tag name="LATEXFORMHEIGHT" val="320"/>
+  <p:tag name="LATEXFORMWIDTH" val="385"/>
+  <p:tag name="LATEXFORMWRAP" val="Wahr"/>
+  <p:tag name="BITMAPVECTOR" val="0"/>
+</p:tagLst>
 </file>
 
 <file path=ppt/theme/theme1.xml><?xml version="1.0" encoding="utf-8"?>

--- a/Präsentation/Support Vector Machines.pptx
+++ b/Präsentation/Support Vector Machines.pptx
@@ -5,7 +5,7 @@
     <p:sldMasterId id="2147483648" r:id="rId1"/>
   </p:sldMasterIdLst>
   <p:notesMasterIdLst>
-    <p:notesMasterId r:id="rId15"/>
+    <p:notesMasterId r:id="rId17"/>
   </p:notesMasterIdLst>
   <p:sldIdLst>
     <p:sldId id="256" r:id="rId2"/>
@@ -14,13 +14,15 @@
     <p:sldId id="259" r:id="rId5"/>
     <p:sldId id="260" r:id="rId6"/>
     <p:sldId id="268" r:id="rId7"/>
-    <p:sldId id="264" r:id="rId8"/>
-    <p:sldId id="265" r:id="rId9"/>
-    <p:sldId id="266" r:id="rId10"/>
-    <p:sldId id="261" r:id="rId11"/>
-    <p:sldId id="267" r:id="rId12"/>
-    <p:sldId id="262" r:id="rId13"/>
-    <p:sldId id="263" r:id="rId14"/>
+    <p:sldId id="269" r:id="rId8"/>
+    <p:sldId id="270" r:id="rId9"/>
+    <p:sldId id="264" r:id="rId10"/>
+    <p:sldId id="265" r:id="rId11"/>
+    <p:sldId id="266" r:id="rId12"/>
+    <p:sldId id="261" r:id="rId13"/>
+    <p:sldId id="267" r:id="rId14"/>
+    <p:sldId id="262" r:id="rId15"/>
+    <p:sldId id="263" r:id="rId16"/>
   </p:sldIdLst>
   <p:sldSz cx="9144000" cy="5143500" type="screen16x9"/>
   <p:notesSz cx="6797675" cy="9926638"/>
@@ -160,7 +162,7 @@
 <file path=ppt/revisionInfo.xml><?xml version="1.0" encoding="utf-8"?>
 <p1510:revInfo xmlns:a="http://schemas.openxmlformats.org/drawingml/2006/main" xmlns:r="http://schemas.openxmlformats.org/officeDocument/2006/relationships" xmlns:p1510="http://schemas.microsoft.com/office/powerpoint/2015/10/main">
   <p1510:revLst>
-    <p1510:client id="{AB1E0CFC-1C57-4A1E-92D1-DAC8DD9182A6}" v="239" dt="2024-06-26T16:36:57.783"/>
+    <p1510:client id="{AB1E0CFC-1C57-4A1E-92D1-DAC8DD9182A6}" v="587" dt="2024-06-26T21:53:28.526"/>
   </p1510:revLst>
 </p1510:revInfo>
 </file>
@@ -170,12 +172,12 @@
   <pc:docChgLst>
     <pc:chgData name="Franz Andersch" userId="88b46490-1a31-494c-af6b-e252cc2a642d" providerId="ADAL" clId="{AB1E0CFC-1C57-4A1E-92D1-DAC8DD9182A6}"/>
     <pc:docChg chg="custSel addSld modSld">
-      <pc:chgData name="Franz Andersch" userId="88b46490-1a31-494c-af6b-e252cc2a642d" providerId="ADAL" clId="{AB1E0CFC-1C57-4A1E-92D1-DAC8DD9182A6}" dt="2024-06-26T16:36:57.783" v="562" actId="962"/>
+      <pc:chgData name="Franz Andersch" userId="88b46490-1a31-494c-af6b-e252cc2a642d" providerId="ADAL" clId="{AB1E0CFC-1C57-4A1E-92D1-DAC8DD9182A6}" dt="2024-06-26T21:53:57.941" v="1169" actId="1076"/>
       <pc:docMkLst>
         <pc:docMk/>
       </pc:docMkLst>
-      <pc:sldChg chg="delSp modSp add mod">
-        <pc:chgData name="Franz Andersch" userId="88b46490-1a31-494c-af6b-e252cc2a642d" providerId="ADAL" clId="{AB1E0CFC-1C57-4A1E-92D1-DAC8DD9182A6}" dt="2024-06-26T16:36:57.783" v="562" actId="962"/>
+      <pc:sldChg chg="addSp delSp modSp add mod">
+        <pc:chgData name="Franz Andersch" userId="88b46490-1a31-494c-af6b-e252cc2a642d" providerId="ADAL" clId="{AB1E0CFC-1C57-4A1E-92D1-DAC8DD9182A6}" dt="2024-06-26T21:01:42.627" v="853" actId="1076"/>
         <pc:sldMkLst>
           <pc:docMk/>
           <pc:sldMk cId="1770530705" sldId="268"/>
@@ -196,6 +198,30 @@
             <ac:spMk id="3" creationId="{B6EBCD5F-A998-E34B-B609-7A4D246D72F7}"/>
           </ac:spMkLst>
         </pc:spChg>
+        <pc:spChg chg="del">
+          <ac:chgData name="Franz Andersch" userId="88b46490-1a31-494c-af6b-e252cc2a642d" providerId="ADAL" clId="{AB1E0CFC-1C57-4A1E-92D1-DAC8DD9182A6}" dt="2024-06-26T21:01:04.249" v="845" actId="21"/>
+          <ac:spMkLst>
+            <pc:docMk/>
+            <pc:sldMk cId="1770530705" sldId="268"/>
+            <ac:spMk id="4" creationId="{B21BA278-5AA0-7413-5DB3-4EB47B444F21}"/>
+          </ac:spMkLst>
+        </pc:spChg>
+        <pc:graphicFrameChg chg="add del mod">
+          <ac:chgData name="Franz Andersch" userId="88b46490-1a31-494c-af6b-e252cc2a642d" providerId="ADAL" clId="{AB1E0CFC-1C57-4A1E-92D1-DAC8DD9182A6}" dt="2024-06-26T20:59:09.966" v="838" actId="21"/>
+          <ac:graphicFrameMkLst>
+            <pc:docMk/>
+            <pc:sldMk cId="1770530705" sldId="268"/>
+            <ac:graphicFrameMk id="23" creationId="{837D24E5-423D-FEBD-6ADF-C50B8EBF4DD6}"/>
+          </ac:graphicFrameMkLst>
+        </pc:graphicFrameChg>
+        <pc:picChg chg="del mod ord replST">
+          <ac:chgData name="Franz Andersch" userId="88b46490-1a31-494c-af6b-e252cc2a642d" providerId="ADAL" clId="{AB1E0CFC-1C57-4A1E-92D1-DAC8DD9182A6}" dt="2024-06-26T20:35:29.220" v="620" actId="478"/>
+          <ac:picMkLst>
+            <pc:docMk/>
+            <pc:sldMk cId="1770530705" sldId="268"/>
+            <ac:picMk id="5" creationId="{71DD7DA8-7ACF-36CF-6662-075701A4ADC4}"/>
+          </ac:picMkLst>
+        </pc:picChg>
         <pc:picChg chg="del mod replST">
           <ac:chgData name="Franz Andersch" userId="88b46490-1a31-494c-af6b-e252cc2a642d" providerId="ADAL" clId="{AB1E0CFC-1C57-4A1E-92D1-DAC8DD9182A6}" dt="2024-06-26T16:32:18.398" v="411" actId="478"/>
           <ac:picMkLst>
@@ -204,12 +230,28 @@
             <ac:picMk id="6" creationId="{5337D150-038F-425C-D279-EE8871C6FD95}"/>
           </ac:picMkLst>
         </pc:picChg>
+        <pc:picChg chg="del mod ord replST">
+          <ac:chgData name="Franz Andersch" userId="88b46490-1a31-494c-af6b-e252cc2a642d" providerId="ADAL" clId="{AB1E0CFC-1C57-4A1E-92D1-DAC8DD9182A6}" dt="2024-06-26T20:36:44.764" v="650" actId="478"/>
+          <ac:picMkLst>
+            <pc:docMk/>
+            <pc:sldMk cId="1770530705" sldId="268"/>
+            <ac:picMk id="7" creationId="{743894CD-D354-D946-F35F-94961A3044E9}"/>
+          </ac:picMkLst>
+        </pc:picChg>
         <pc:picChg chg="del mod replST">
           <ac:chgData name="Franz Andersch" userId="88b46490-1a31-494c-af6b-e252cc2a642d" providerId="ADAL" clId="{AB1E0CFC-1C57-4A1E-92D1-DAC8DD9182A6}" dt="2024-06-26T16:32:16.571" v="410" actId="478"/>
           <ac:picMkLst>
             <pc:docMk/>
             <pc:sldMk cId="1770530705" sldId="268"/>
             <ac:picMk id="8" creationId="{3EC44C0A-AF07-144C-E1F0-89B85CF056EE}"/>
+          </ac:picMkLst>
+        </pc:picChg>
+        <pc:picChg chg="del mod ord replST">
+          <ac:chgData name="Franz Andersch" userId="88b46490-1a31-494c-af6b-e252cc2a642d" providerId="ADAL" clId="{AB1E0CFC-1C57-4A1E-92D1-DAC8DD9182A6}" dt="2024-06-26T20:38:37.695" v="680" actId="478"/>
+          <ac:picMkLst>
+            <pc:docMk/>
+            <pc:sldMk cId="1770530705" sldId="268"/>
+            <ac:picMk id="9" creationId="{B042BCEF-88B1-3C43-5D0B-599D70965A0E}"/>
           </ac:picMkLst>
         </pc:picChg>
         <pc:picChg chg="del mod replST">
@@ -221,11 +263,27 @@
           </ac:picMkLst>
         </pc:picChg>
         <pc:picChg chg="del mod ord replST">
+          <ac:chgData name="Franz Andersch" userId="88b46490-1a31-494c-af6b-e252cc2a642d" providerId="ADAL" clId="{AB1E0CFC-1C57-4A1E-92D1-DAC8DD9182A6}" dt="2024-06-26T20:41:38.193" v="710" actId="478"/>
+          <ac:picMkLst>
+            <pc:docMk/>
+            <pc:sldMk cId="1770530705" sldId="268"/>
+            <ac:picMk id="11" creationId="{98308DEF-CEE9-1264-EC97-C4197FFAF209}"/>
+          </ac:picMkLst>
+        </pc:picChg>
+        <pc:picChg chg="del mod ord replST">
           <ac:chgData name="Franz Andersch" userId="88b46490-1a31-494c-af6b-e252cc2a642d" providerId="ADAL" clId="{AB1E0CFC-1C57-4A1E-92D1-DAC8DD9182A6}" dt="2024-06-26T16:32:50.676" v="440" actId="478"/>
           <ac:picMkLst>
             <pc:docMk/>
             <pc:sldMk cId="1770530705" sldId="268"/>
             <ac:picMk id="12" creationId="{AB771422-A4D6-89B7-AC86-E1CA2D90E621}"/>
+          </ac:picMkLst>
+        </pc:picChg>
+        <pc:picChg chg="del mod ord replST">
+          <ac:chgData name="Franz Andersch" userId="88b46490-1a31-494c-af6b-e252cc2a642d" providerId="ADAL" clId="{AB1E0CFC-1C57-4A1E-92D1-DAC8DD9182A6}" dt="2024-06-26T20:53:43.473" v="740" actId="478"/>
+          <ac:picMkLst>
+            <pc:docMk/>
+            <pc:sldMk cId="1770530705" sldId="268"/>
+            <ac:picMk id="13" creationId="{DD32B326-2A3D-4CCD-DAE3-F0B52DF716C8}"/>
           </ac:picMkLst>
         </pc:picChg>
         <pc:picChg chg="del mod ord replST">
@@ -237,11 +295,27 @@
           </ac:picMkLst>
         </pc:picChg>
         <pc:picChg chg="del mod ord replST">
+          <ac:chgData name="Franz Andersch" userId="88b46490-1a31-494c-af6b-e252cc2a642d" providerId="ADAL" clId="{AB1E0CFC-1C57-4A1E-92D1-DAC8DD9182A6}" dt="2024-06-26T20:56:14.079" v="770" actId="478"/>
+          <ac:picMkLst>
+            <pc:docMk/>
+            <pc:sldMk cId="1770530705" sldId="268"/>
+            <ac:picMk id="15" creationId="{3CC1C1E9-7974-1950-533D-A230FD37BFC2}"/>
+          </ac:picMkLst>
+        </pc:picChg>
+        <pc:picChg chg="del mod ord replST">
           <ac:chgData name="Franz Andersch" userId="88b46490-1a31-494c-af6b-e252cc2a642d" providerId="ADAL" clId="{AB1E0CFC-1C57-4A1E-92D1-DAC8DD9182A6}" dt="2024-06-26T16:35:44.401" v="500" actId="478"/>
           <ac:picMkLst>
             <pc:docMk/>
             <pc:sldMk cId="1770530705" sldId="268"/>
             <ac:picMk id="16" creationId="{B3EF5CF1-F7C1-FFD1-228A-925BAA3E08D4}"/>
+          </ac:picMkLst>
+        </pc:picChg>
+        <pc:picChg chg="del mod ord replST">
+          <ac:chgData name="Franz Andersch" userId="88b46490-1a31-494c-af6b-e252cc2a642d" providerId="ADAL" clId="{AB1E0CFC-1C57-4A1E-92D1-DAC8DD9182A6}" dt="2024-06-26T20:56:58.195" v="803" actId="478"/>
+          <ac:picMkLst>
+            <pc:docMk/>
+            <pc:sldMk cId="1770530705" sldId="268"/>
+            <ac:picMk id="17" creationId="{D6704968-7646-AECE-C9A0-A925F197A0DF}"/>
           </ac:picMkLst>
         </pc:picChg>
         <pc:picChg chg="del mod ord replST">
@@ -253,6 +327,14 @@
           </ac:picMkLst>
         </pc:picChg>
         <pc:picChg chg="del mod ord replST">
+          <ac:chgData name="Franz Andersch" userId="88b46490-1a31-494c-af6b-e252cc2a642d" providerId="ADAL" clId="{AB1E0CFC-1C57-4A1E-92D1-DAC8DD9182A6}" dt="2024-06-26T20:57:30.063" v="834" actId="478"/>
+          <ac:picMkLst>
+            <pc:docMk/>
+            <pc:sldMk cId="1770530705" sldId="268"/>
+            <ac:picMk id="19" creationId="{5CC1B080-BE75-E40B-7AA8-BDB3FF1097AA}"/>
+          </ac:picMkLst>
+        </pc:picChg>
+        <pc:picChg chg="del mod ord replST">
           <ac:chgData name="Franz Andersch" userId="88b46490-1a31-494c-af6b-e252cc2a642d" providerId="ADAL" clId="{AB1E0CFC-1C57-4A1E-92D1-DAC8DD9182A6}" dt="2024-06-26T16:36:57.782" v="560" actId="478"/>
           <ac:picMkLst>
             <pc:docMk/>
@@ -261,11 +343,153 @@
           </ac:picMkLst>
         </pc:picChg>
         <pc:picChg chg="mod ord replST">
-          <ac:chgData name="Franz Andersch" userId="88b46490-1a31-494c-af6b-e252cc2a642d" providerId="ADAL" clId="{AB1E0CFC-1C57-4A1E-92D1-DAC8DD9182A6}" dt="2024-06-26T16:36:57.783" v="562" actId="962"/>
+          <ac:chgData name="Franz Andersch" userId="88b46490-1a31-494c-af6b-e252cc2a642d" providerId="ADAL" clId="{AB1E0CFC-1C57-4A1E-92D1-DAC8DD9182A6}" dt="2024-06-26T20:57:30.064" v="836" actId="962"/>
+          <ac:picMkLst>
+            <pc:docMk/>
+            <pc:sldMk cId="1770530705" sldId="268"/>
+            <ac:picMk id="21" creationId="{10DE1F70-7341-0DAC-810B-5172FAB61B45}"/>
+          </ac:picMkLst>
+        </pc:picChg>
+        <pc:picChg chg="del mod ord replST">
+          <ac:chgData name="Franz Andersch" userId="88b46490-1a31-494c-af6b-e252cc2a642d" providerId="ADAL" clId="{AB1E0CFC-1C57-4A1E-92D1-DAC8DD9182A6}" dt="2024-06-26T20:33:39.932" v="590" actId="478"/>
           <ac:picMkLst>
             <pc:docMk/>
             <pc:sldMk cId="1770530705" sldId="268"/>
             <ac:picMk id="22" creationId="{8A78ECD0-CD60-19AA-FA99-DBC348F893B1}"/>
+          </ac:picMkLst>
+        </pc:picChg>
+        <pc:picChg chg="add mod">
+          <ac:chgData name="Franz Andersch" userId="88b46490-1a31-494c-af6b-e252cc2a642d" providerId="ADAL" clId="{AB1E0CFC-1C57-4A1E-92D1-DAC8DD9182A6}" dt="2024-06-26T21:01:42.627" v="853" actId="1076"/>
+          <ac:picMkLst>
+            <pc:docMk/>
+            <pc:sldMk cId="1770530705" sldId="268"/>
+            <ac:picMk id="25" creationId="{BD75108F-A408-4336-CAB4-7135AB37F88E}"/>
+          </ac:picMkLst>
+        </pc:picChg>
+      </pc:sldChg>
+      <pc:sldChg chg="delSp modSp add mod">
+        <pc:chgData name="Franz Andersch" userId="88b46490-1a31-494c-af6b-e252cc2a642d" providerId="ADAL" clId="{AB1E0CFC-1C57-4A1E-92D1-DAC8DD9182A6}" dt="2024-06-26T21:28:26.369" v="1068" actId="962"/>
+        <pc:sldMkLst>
+          <pc:docMk/>
+          <pc:sldMk cId="3990756690" sldId="269"/>
+        </pc:sldMkLst>
+        <pc:picChg chg="del mod ord replST">
+          <ac:chgData name="Franz Andersch" userId="88b46490-1a31-494c-af6b-e252cc2a642d" providerId="ADAL" clId="{AB1E0CFC-1C57-4A1E-92D1-DAC8DD9182A6}" dt="2024-06-26T21:18:23.554" v="914" actId="478"/>
+          <ac:picMkLst>
+            <pc:docMk/>
+            <pc:sldMk cId="3990756690" sldId="269"/>
+            <ac:picMk id="4" creationId="{3E8FA5A0-2B34-E857-4D07-AF8029BFA920}"/>
+          </ac:picMkLst>
+        </pc:picChg>
+        <pc:picChg chg="del mod ord replST">
+          <ac:chgData name="Franz Andersch" userId="88b46490-1a31-494c-af6b-e252cc2a642d" providerId="ADAL" clId="{AB1E0CFC-1C57-4A1E-92D1-DAC8DD9182A6}" dt="2024-06-26T21:18:54.085" v="945" actId="478"/>
+          <ac:picMkLst>
+            <pc:docMk/>
+            <pc:sldMk cId="3990756690" sldId="269"/>
+            <ac:picMk id="6" creationId="{5DA9B7EF-E1CA-0F8A-4E2D-31EADA93DE47}"/>
+          </ac:picMkLst>
+        </pc:picChg>
+        <pc:picChg chg="del mod ord replST">
+          <ac:chgData name="Franz Andersch" userId="88b46490-1a31-494c-af6b-e252cc2a642d" providerId="ADAL" clId="{AB1E0CFC-1C57-4A1E-92D1-DAC8DD9182A6}" dt="2024-06-26T21:19:43.365" v="976" actId="478"/>
+          <ac:picMkLst>
+            <pc:docMk/>
+            <pc:sldMk cId="3990756690" sldId="269"/>
+            <ac:picMk id="8" creationId="{6181C954-9124-11B3-1205-E51FAA287D09}"/>
+          </ac:picMkLst>
+        </pc:picChg>
+        <pc:picChg chg="del mod ord replST">
+          <ac:chgData name="Franz Andersch" userId="88b46490-1a31-494c-af6b-e252cc2a642d" providerId="ADAL" clId="{AB1E0CFC-1C57-4A1E-92D1-DAC8DD9182A6}" dt="2024-06-26T21:22:03.254" v="1006" actId="478"/>
+          <ac:picMkLst>
+            <pc:docMk/>
+            <pc:sldMk cId="3990756690" sldId="269"/>
+            <ac:picMk id="10" creationId="{77E89367-D286-984E-0997-B5331458E73A}"/>
+          </ac:picMkLst>
+        </pc:picChg>
+        <pc:picChg chg="del mod ord replST">
+          <ac:chgData name="Franz Andersch" userId="88b46490-1a31-494c-af6b-e252cc2a642d" providerId="ADAL" clId="{AB1E0CFC-1C57-4A1E-92D1-DAC8DD9182A6}" dt="2024-06-26T21:22:41.494" v="1036" actId="478"/>
+          <ac:picMkLst>
+            <pc:docMk/>
+            <pc:sldMk cId="3990756690" sldId="269"/>
+            <ac:picMk id="12" creationId="{E17B3E6E-AB07-81D9-5ECE-4516A7A26B83}"/>
+          </ac:picMkLst>
+        </pc:picChg>
+        <pc:picChg chg="del mod ord replST">
+          <ac:chgData name="Franz Andersch" userId="88b46490-1a31-494c-af6b-e252cc2a642d" providerId="ADAL" clId="{AB1E0CFC-1C57-4A1E-92D1-DAC8DD9182A6}" dt="2024-06-26T21:28:26.368" v="1066" actId="478"/>
+          <ac:picMkLst>
+            <pc:docMk/>
+            <pc:sldMk cId="3990756690" sldId="269"/>
+            <ac:picMk id="14" creationId="{9119099D-376E-9137-81ED-9097DDD0B32D}"/>
+          </ac:picMkLst>
+        </pc:picChg>
+        <pc:picChg chg="mod ord replST">
+          <ac:chgData name="Franz Andersch" userId="88b46490-1a31-494c-af6b-e252cc2a642d" providerId="ADAL" clId="{AB1E0CFC-1C57-4A1E-92D1-DAC8DD9182A6}" dt="2024-06-26T21:28:26.369" v="1068" actId="962"/>
+          <ac:picMkLst>
+            <pc:docMk/>
+            <pc:sldMk cId="3990756690" sldId="269"/>
+            <ac:picMk id="16" creationId="{8BE09948-9C0A-950C-5DF1-E3EEA29ECF17}"/>
+          </ac:picMkLst>
+        </pc:picChg>
+        <pc:picChg chg="del mod">
+          <ac:chgData name="Franz Andersch" userId="88b46490-1a31-494c-af6b-e252cc2a642d" providerId="ADAL" clId="{AB1E0CFC-1C57-4A1E-92D1-DAC8DD9182A6}" dt="2024-06-26T21:18:00.531" v="883" actId="478"/>
+          <ac:picMkLst>
+            <pc:docMk/>
+            <pc:sldMk cId="3990756690" sldId="269"/>
+            <ac:picMk id="21" creationId="{10DE1F70-7341-0DAC-810B-5172FAB61B45}"/>
+          </ac:picMkLst>
+        </pc:picChg>
+        <pc:picChg chg="del">
+          <ac:chgData name="Franz Andersch" userId="88b46490-1a31-494c-af6b-e252cc2a642d" providerId="ADAL" clId="{AB1E0CFC-1C57-4A1E-92D1-DAC8DD9182A6}" dt="2024-06-26T21:19:04.322" v="948" actId="478"/>
+          <ac:picMkLst>
+            <pc:docMk/>
+            <pc:sldMk cId="3990756690" sldId="269"/>
+            <ac:picMk id="25" creationId="{BD75108F-A408-4336-CAB4-7135AB37F88E}"/>
+          </ac:picMkLst>
+        </pc:picChg>
+      </pc:sldChg>
+      <pc:sldChg chg="addSp delSp modSp add mod">
+        <pc:chgData name="Franz Andersch" userId="88b46490-1a31-494c-af6b-e252cc2a642d" providerId="ADAL" clId="{AB1E0CFC-1C57-4A1E-92D1-DAC8DD9182A6}" dt="2024-06-26T21:53:57.941" v="1169" actId="1076"/>
+        <pc:sldMkLst>
+          <pc:docMk/>
+          <pc:sldMk cId="2902806685" sldId="270"/>
+        </pc:sldMkLst>
+        <pc:picChg chg="del mod ord replST">
+          <ac:chgData name="Franz Andersch" userId="88b46490-1a31-494c-af6b-e252cc2a642d" providerId="ADAL" clId="{AB1E0CFC-1C57-4A1E-92D1-DAC8DD9182A6}" dt="2024-06-26T21:41:37.626" v="1127" actId="478"/>
+          <ac:picMkLst>
+            <pc:docMk/>
+            <pc:sldMk cId="2902806685" sldId="270"/>
+            <ac:picMk id="4" creationId="{BBBCAF7F-5A13-A9FD-6AAB-84F84CE836B2}"/>
+          </ac:picMkLst>
+        </pc:picChg>
+        <pc:picChg chg="del mod ord replST">
+          <ac:chgData name="Franz Andersch" userId="88b46490-1a31-494c-af6b-e252cc2a642d" providerId="ADAL" clId="{AB1E0CFC-1C57-4A1E-92D1-DAC8DD9182A6}" dt="2024-06-26T21:51:36.767" v="1157" actId="478"/>
+          <ac:picMkLst>
+            <pc:docMk/>
+            <pc:sldMk cId="2902806685" sldId="270"/>
+            <ac:picMk id="6" creationId="{ABE1810E-F664-CB44-3A9C-AEBDFD707AB7}"/>
+          </ac:picMkLst>
+        </pc:picChg>
+        <pc:picChg chg="mod ord replST">
+          <ac:chgData name="Franz Andersch" userId="88b46490-1a31-494c-af6b-e252cc2a642d" providerId="ADAL" clId="{AB1E0CFC-1C57-4A1E-92D1-DAC8DD9182A6}" dt="2024-06-26T21:51:36.768" v="1159" actId="962"/>
+          <ac:picMkLst>
+            <pc:docMk/>
+            <pc:sldMk cId="2902806685" sldId="270"/>
+            <ac:picMk id="8" creationId="{49020F9B-9C95-8638-AF48-3DD5DF3A6140}"/>
+          </ac:picMkLst>
+        </pc:picChg>
+        <pc:picChg chg="add mod">
+          <ac:chgData name="Franz Andersch" userId="88b46490-1a31-494c-af6b-e252cc2a642d" providerId="ADAL" clId="{AB1E0CFC-1C57-4A1E-92D1-DAC8DD9182A6}" dt="2024-06-26T21:53:57.941" v="1169" actId="1076"/>
+          <ac:picMkLst>
+            <pc:docMk/>
+            <pc:sldMk cId="2902806685" sldId="270"/>
+            <ac:picMk id="10" creationId="{61AB07FF-8D31-3186-850F-DC65A7D0D908}"/>
+          </ac:picMkLst>
+        </pc:picChg>
+        <pc:picChg chg="del mod">
+          <ac:chgData name="Franz Andersch" userId="88b46490-1a31-494c-af6b-e252cc2a642d" providerId="ADAL" clId="{AB1E0CFC-1C57-4A1E-92D1-DAC8DD9182A6}" dt="2024-06-26T21:41:11.960" v="1097" actId="478"/>
+          <ac:picMkLst>
+            <pc:docMk/>
+            <pc:sldMk cId="2902806685" sldId="270"/>
+            <ac:picMk id="16" creationId="{8BE09948-9C0A-950C-5DF1-E3EEA29ECF17}"/>
           </ac:picMkLst>
         </pc:picChg>
       </pc:sldChg>
@@ -3819,7 +4043,7 @@
           <p:cNvPr id="2" name="Titel 1">
             <a:extLst>
               <a:ext uri="{FF2B5EF4-FFF2-40B4-BE49-F238E27FC236}">
-                <a16:creationId xmlns:a16="http://schemas.microsoft.com/office/drawing/2014/main" id="{9C274E31-D4F7-6C4A-D81C-1BC18A1044AE}"/>
+                <a16:creationId xmlns:a16="http://schemas.microsoft.com/office/drawing/2014/main" id="{388F7BA3-B785-BDE2-BAC6-74C1F53E9285}"/>
               </a:ext>
             </a:extLst>
           </p:cNvPr>
@@ -3836,9 +4060,42 @@
           <a:lstStyle/>
           <a:p>
             <a:r>
+              <a:rPr lang="de-DE" dirty="0" err="1"/>
+              <a:t>How</a:t>
+            </a:r>
+            <a:r>
               <a:rPr lang="de-DE" dirty="0"/>
-              <a:t>Dataset: ALLBUS</a:t>
-            </a:r>
+              <a:t> </a:t>
+            </a:r>
+            <a:r>
+              <a:rPr lang="de-DE" dirty="0" err="1"/>
+              <a:t>it</a:t>
+            </a:r>
+            <a:r>
+              <a:rPr lang="de-DE" dirty="0"/>
+              <a:t> </a:t>
+            </a:r>
+            <a:r>
+              <a:rPr lang="de-DE" dirty="0" err="1"/>
+              <a:t>works</a:t>
+            </a:r>
+            <a:r>
+              <a:rPr lang="de-DE" dirty="0"/>
+              <a:t>: Support </a:t>
+            </a:r>
+            <a:r>
+              <a:rPr lang="de-DE" dirty="0" err="1"/>
+              <a:t>vector</a:t>
+            </a:r>
+            <a:r>
+              <a:rPr lang="de-DE" dirty="0"/>
+              <a:t> </a:t>
+            </a:r>
+            <a:r>
+              <a:rPr lang="de-DE" dirty="0" err="1"/>
+              <a:t>classifier</a:t>
+            </a:r>
+            <a:endParaRPr lang="de-DE" dirty="0"/>
           </a:p>
         </p:txBody>
       </p:sp>
@@ -3847,7 +4104,7 @@
           <p:cNvPr id="3" name="Inhaltsplatzhalter 2">
             <a:extLst>
               <a:ext uri="{FF2B5EF4-FFF2-40B4-BE49-F238E27FC236}">
-                <a16:creationId xmlns:a16="http://schemas.microsoft.com/office/drawing/2014/main" id="{A6EE175B-F110-2231-4746-FB0A5137CFF3}"/>
+                <a16:creationId xmlns:a16="http://schemas.microsoft.com/office/drawing/2014/main" id="{B6EBCD5F-A998-E34B-B609-7A4D246D72F7}"/>
               </a:ext>
             </a:extLst>
           </p:cNvPr>
@@ -3858,206 +4115,19 @@
             <p:ph idx="1"/>
           </p:nvPr>
         </p:nvSpPr>
-        <p:spPr>
-          <a:xfrm>
-            <a:off x="395536" y="1353344"/>
-            <a:ext cx="7344816" cy="3162622"/>
-          </a:xfrm>
-        </p:spPr>
+        <p:spPr/>
         <p:txBody>
           <a:bodyPr/>
           <a:lstStyle/>
           <a:p>
-            <a:r>
-              <a:rPr lang="de-DE" sz="2000" dirty="0"/>
-              <a:t>„General </a:t>
-            </a:r>
-            <a:r>
-              <a:rPr lang="de-DE" sz="2000" dirty="0" err="1"/>
-              <a:t>population</a:t>
-            </a:r>
-            <a:r>
-              <a:rPr lang="de-DE" sz="2000" dirty="0"/>
-              <a:t> </a:t>
-            </a:r>
-            <a:r>
-              <a:rPr lang="de-DE" sz="2000" dirty="0" err="1"/>
-              <a:t>survey</a:t>
-            </a:r>
-            <a:r>
-              <a:rPr lang="de-DE" sz="2000" dirty="0"/>
-              <a:t> </a:t>
-            </a:r>
-            <a:r>
-              <a:rPr lang="de-DE" sz="2000" dirty="0" err="1"/>
-              <a:t>of</a:t>
-            </a:r>
-            <a:r>
-              <a:rPr lang="de-DE" sz="2000" dirty="0"/>
-              <a:t> </a:t>
-            </a:r>
-            <a:r>
-              <a:rPr lang="de-DE" sz="2000" dirty="0" err="1"/>
-              <a:t>the</a:t>
-            </a:r>
-            <a:r>
-              <a:rPr lang="de-DE" sz="2000" dirty="0"/>
-              <a:t> social </a:t>
-            </a:r>
-            <a:r>
-              <a:rPr lang="de-DE" sz="2000" dirty="0" err="1"/>
-              <a:t>sciences</a:t>
-            </a:r>
-            <a:r>
-              <a:rPr lang="de-DE" sz="2000" dirty="0"/>
-              <a:t>“ 	  </a:t>
-            </a:r>
-            <a:r>
-              <a:rPr lang="de-DE" sz="1000" dirty="0"/>
-              <a:t>(Allgemeine Bevölkerungsumfrage der Sozialwissenschaften)</a:t>
-            </a:r>
-          </a:p>
-          <a:p>
-            <a:r>
-              <a:rPr lang="de-DE" sz="2000" b="1" dirty="0"/>
-              <a:t>Response Variable</a:t>
-            </a:r>
-            <a:r>
-              <a:rPr lang="de-DE" sz="2000" dirty="0"/>
-              <a:t>:</a:t>
-            </a:r>
-          </a:p>
-          <a:p>
-            <a:pPr lvl="1"/>
-            <a:r>
-              <a:rPr lang="de-DE" sz="1800" dirty="0"/>
-              <a:t>„Federal </a:t>
-            </a:r>
-            <a:r>
-              <a:rPr lang="de-DE" sz="1800" dirty="0" err="1"/>
-              <a:t>state</a:t>
-            </a:r>
-            <a:r>
-              <a:rPr lang="de-DE" sz="1800" dirty="0"/>
-              <a:t> </a:t>
-            </a:r>
-            <a:r>
-              <a:rPr lang="de-DE" sz="1800" dirty="0" err="1"/>
-              <a:t>where</a:t>
-            </a:r>
-            <a:r>
-              <a:rPr lang="de-DE" sz="1800" dirty="0"/>
-              <a:t> </a:t>
-            </a:r>
-            <a:r>
-              <a:rPr lang="de-DE" sz="1800" dirty="0" err="1"/>
-              <a:t>interviewee</a:t>
-            </a:r>
-            <a:r>
-              <a:rPr lang="de-DE" sz="1800" dirty="0"/>
-              <a:t> </a:t>
-            </a:r>
-            <a:r>
-              <a:rPr lang="de-DE" sz="1800" dirty="0" err="1"/>
-              <a:t>lived</a:t>
-            </a:r>
-            <a:r>
-              <a:rPr lang="de-DE" sz="1800" dirty="0"/>
-              <a:t> in </a:t>
-            </a:r>
-            <a:r>
-              <a:rPr lang="de-DE" sz="1800" dirty="0" err="1"/>
-              <a:t>youth</a:t>
-            </a:r>
-            <a:r>
-              <a:rPr lang="de-DE" sz="1800" dirty="0"/>
-              <a:t>“</a:t>
-            </a:r>
-          </a:p>
-          <a:p>
-            <a:pPr lvl="1"/>
-            <a:r>
-              <a:rPr lang="de-DE" sz="1800" dirty="0" err="1">
-                <a:sym typeface="Wingdings" panose="05000000000000000000" pitchFamily="2" charset="2"/>
-              </a:rPr>
-              <a:t>coded</a:t>
-            </a:r>
-            <a:r>
-              <a:rPr lang="de-DE" sz="1800" dirty="0">
-                <a:sym typeface="Wingdings" panose="05000000000000000000" pitchFamily="2" charset="2"/>
-              </a:rPr>
-              <a:t> </a:t>
-            </a:r>
-            <a:r>
-              <a:rPr lang="de-DE" sz="1800" dirty="0" err="1">
-                <a:sym typeface="Wingdings" panose="05000000000000000000" pitchFamily="2" charset="2"/>
-              </a:rPr>
-              <a:t>to</a:t>
-            </a:r>
-            <a:r>
-              <a:rPr lang="de-DE" sz="1800" dirty="0">
-                <a:sym typeface="Wingdings" panose="05000000000000000000" pitchFamily="2" charset="2"/>
-              </a:rPr>
-              <a:t> „Youth in East/West Germany“</a:t>
-            </a:r>
-            <a:endParaRPr lang="de-DE" sz="1800" dirty="0"/>
-          </a:p>
-          <a:p>
-            <a:r>
-              <a:rPr lang="de-DE" sz="2000" b="1" dirty="0" err="1"/>
-              <a:t>Predictor</a:t>
-            </a:r>
-            <a:r>
-              <a:rPr lang="de-DE" sz="2000" b="1" dirty="0"/>
-              <a:t> Variables</a:t>
-            </a:r>
-            <a:r>
-              <a:rPr lang="de-DE" sz="2000" dirty="0"/>
-              <a:t>:</a:t>
-            </a:r>
-          </a:p>
-          <a:p>
-            <a:pPr lvl="1"/>
-            <a:r>
-              <a:rPr lang="de-DE" sz="1800" dirty="0"/>
-              <a:t>121 variables </a:t>
-            </a:r>
-            <a:r>
-              <a:rPr lang="de-DE" sz="1800" dirty="0" err="1"/>
-              <a:t>concerning</a:t>
-            </a:r>
-            <a:r>
-              <a:rPr lang="de-DE" sz="1800" dirty="0"/>
-              <a:t> </a:t>
-            </a:r>
-            <a:r>
-              <a:rPr lang="de-DE" sz="1800" dirty="0" err="1"/>
-              <a:t>attitudes</a:t>
-            </a:r>
-            <a:r>
-              <a:rPr lang="de-DE" sz="1800" dirty="0"/>
-              <a:t>, </a:t>
-            </a:r>
-            <a:r>
-              <a:rPr lang="de-DE" sz="1800" dirty="0" err="1"/>
-              <a:t>behavior</a:t>
-            </a:r>
-            <a:r>
-              <a:rPr lang="de-DE" sz="1800" dirty="0"/>
-              <a:t> and social </a:t>
-            </a:r>
-            <a:r>
-              <a:rPr lang="de-DE" sz="1800" dirty="0" err="1"/>
-              <a:t>change</a:t>
-            </a:r>
-            <a:endParaRPr lang="de-DE" sz="1800" dirty="0"/>
+            <a:endParaRPr lang="de-DE" sz="2000" dirty="0"/>
           </a:p>
         </p:txBody>
       </p:sp>
     </p:spTree>
     <p:extLst>
       <p:ext uri="{BB962C8B-B14F-4D97-AF65-F5344CB8AC3E}">
-        <p14:creationId xmlns:p14="http://schemas.microsoft.com/office/powerpoint/2010/main" val="2732348097"/>
+        <p14:creationId xmlns:p14="http://schemas.microsoft.com/office/powerpoint/2010/main" val="2939723199"/>
       </p:ext>
     </p:extLst>
   </p:cSld>
@@ -4068,6 +4138,122 @@
 </file>
 
 <file path=ppt/slides/slide11.xml><?xml version="1.0" encoding="utf-8"?>
+<p:sld xmlns:a="http://schemas.openxmlformats.org/drawingml/2006/main" xmlns:r="http://schemas.openxmlformats.org/officeDocument/2006/relationships" xmlns:p="http://schemas.openxmlformats.org/presentationml/2006/main">
+  <p:cSld>
+    <p:spTree>
+      <p:nvGrpSpPr>
+        <p:cNvPr id="1" name=""/>
+        <p:cNvGrpSpPr/>
+        <p:nvPr/>
+      </p:nvGrpSpPr>
+      <p:grpSpPr>
+        <a:xfrm>
+          <a:off x="0" y="0"/>
+          <a:ext cx="0" cy="0"/>
+          <a:chOff x="0" y="0"/>
+          <a:chExt cx="0" cy="0"/>
+        </a:xfrm>
+      </p:grpSpPr>
+      <p:sp>
+        <p:nvSpPr>
+          <p:cNvPr id="2" name="Titel 1">
+            <a:extLst>
+              <a:ext uri="{FF2B5EF4-FFF2-40B4-BE49-F238E27FC236}">
+                <a16:creationId xmlns:a16="http://schemas.microsoft.com/office/drawing/2014/main" id="{388F7BA3-B785-BDE2-BAC6-74C1F53E9285}"/>
+              </a:ext>
+            </a:extLst>
+          </p:cNvPr>
+          <p:cNvSpPr>
+            <a:spLocks noGrp="1"/>
+          </p:cNvSpPr>
+          <p:nvPr>
+            <p:ph type="title"/>
+          </p:nvPr>
+        </p:nvSpPr>
+        <p:spPr/>
+        <p:txBody>
+          <a:bodyPr/>
+          <a:lstStyle/>
+          <a:p>
+            <a:r>
+              <a:rPr lang="de-DE" dirty="0" err="1"/>
+              <a:t>How</a:t>
+            </a:r>
+            <a:r>
+              <a:rPr lang="de-DE" dirty="0"/>
+              <a:t> </a:t>
+            </a:r>
+            <a:r>
+              <a:rPr lang="de-DE" dirty="0" err="1"/>
+              <a:t>it</a:t>
+            </a:r>
+            <a:r>
+              <a:rPr lang="de-DE" dirty="0"/>
+              <a:t> </a:t>
+            </a:r>
+            <a:r>
+              <a:rPr lang="de-DE" dirty="0" err="1"/>
+              <a:t>works</a:t>
+            </a:r>
+            <a:r>
+              <a:rPr lang="de-DE" dirty="0"/>
+              <a:t>: Support </a:t>
+            </a:r>
+            <a:r>
+              <a:rPr lang="de-DE" dirty="0" err="1"/>
+              <a:t>vector</a:t>
+            </a:r>
+            <a:r>
+              <a:rPr lang="de-DE" dirty="0"/>
+              <a:t> </a:t>
+            </a:r>
+            <a:r>
+              <a:rPr lang="de-DE" dirty="0" err="1"/>
+              <a:t>machine</a:t>
+            </a:r>
+            <a:endParaRPr lang="de-DE" dirty="0"/>
+          </a:p>
+        </p:txBody>
+      </p:sp>
+      <p:sp>
+        <p:nvSpPr>
+          <p:cNvPr id="3" name="Inhaltsplatzhalter 2">
+            <a:extLst>
+              <a:ext uri="{FF2B5EF4-FFF2-40B4-BE49-F238E27FC236}">
+                <a16:creationId xmlns:a16="http://schemas.microsoft.com/office/drawing/2014/main" id="{B6EBCD5F-A998-E34B-B609-7A4D246D72F7}"/>
+              </a:ext>
+            </a:extLst>
+          </p:cNvPr>
+          <p:cNvSpPr>
+            <a:spLocks noGrp="1"/>
+          </p:cNvSpPr>
+          <p:nvPr>
+            <p:ph idx="1"/>
+          </p:nvPr>
+        </p:nvSpPr>
+        <p:spPr/>
+        <p:txBody>
+          <a:bodyPr/>
+          <a:lstStyle/>
+          <a:p>
+            <a:endParaRPr lang="de-DE" sz="2000" dirty="0"/>
+          </a:p>
+        </p:txBody>
+      </p:sp>
+    </p:spTree>
+    <p:extLst>
+      <p:ext uri="{BB962C8B-B14F-4D97-AF65-F5344CB8AC3E}">
+        <p14:creationId xmlns:p14="http://schemas.microsoft.com/office/powerpoint/2010/main" val="3746182716"/>
+      </p:ext>
+    </p:extLst>
+  </p:cSld>
+  <p:clrMapOvr>
+    <a:masterClrMapping/>
+  </p:clrMapOvr>
+</p:sld>
+</file>
+
+<file path=ppt/slides/slide12.xml><?xml version="1.0" encoding="utf-8"?>
 <p:sld xmlns:a="http://schemas.openxmlformats.org/drawingml/2006/main" xmlns:r="http://schemas.openxmlformats.org/officeDocument/2006/relationships" xmlns:p="http://schemas.openxmlformats.org/presentationml/2006/main">
   <p:cSld>
     <p:spTree>
@@ -4139,6 +4325,276 @@
           <a:lstStyle/>
           <a:p>
             <a:r>
+              <a:rPr lang="de-DE" sz="2000" dirty="0"/>
+              <a:t>„General </a:t>
+            </a:r>
+            <a:r>
+              <a:rPr lang="de-DE" sz="2000" dirty="0" err="1"/>
+              <a:t>population</a:t>
+            </a:r>
+            <a:r>
+              <a:rPr lang="de-DE" sz="2000" dirty="0"/>
+              <a:t> </a:t>
+            </a:r>
+            <a:r>
+              <a:rPr lang="de-DE" sz="2000" dirty="0" err="1"/>
+              <a:t>survey</a:t>
+            </a:r>
+            <a:r>
+              <a:rPr lang="de-DE" sz="2000" dirty="0"/>
+              <a:t> </a:t>
+            </a:r>
+            <a:r>
+              <a:rPr lang="de-DE" sz="2000" dirty="0" err="1"/>
+              <a:t>of</a:t>
+            </a:r>
+            <a:r>
+              <a:rPr lang="de-DE" sz="2000" dirty="0"/>
+              <a:t> </a:t>
+            </a:r>
+            <a:r>
+              <a:rPr lang="de-DE" sz="2000" dirty="0" err="1"/>
+              <a:t>the</a:t>
+            </a:r>
+            <a:r>
+              <a:rPr lang="de-DE" sz="2000" dirty="0"/>
+              <a:t> social </a:t>
+            </a:r>
+            <a:r>
+              <a:rPr lang="de-DE" sz="2000" dirty="0" err="1"/>
+              <a:t>sciences</a:t>
+            </a:r>
+            <a:r>
+              <a:rPr lang="de-DE" sz="2000" dirty="0"/>
+              <a:t>“ 	  </a:t>
+            </a:r>
+            <a:r>
+              <a:rPr lang="de-DE" sz="1000" dirty="0"/>
+              <a:t>(Allgemeine Bevölkerungsumfrage der Sozialwissenschaften)</a:t>
+            </a:r>
+          </a:p>
+          <a:p>
+            <a:r>
+              <a:rPr lang="de-DE" sz="2000" b="1" dirty="0"/>
+              <a:t>Response Variable</a:t>
+            </a:r>
+            <a:r>
+              <a:rPr lang="de-DE" sz="2000" dirty="0"/>
+              <a:t>:</a:t>
+            </a:r>
+          </a:p>
+          <a:p>
+            <a:pPr lvl="1"/>
+            <a:r>
+              <a:rPr lang="de-DE" sz="1800" dirty="0"/>
+              <a:t>„Federal </a:t>
+            </a:r>
+            <a:r>
+              <a:rPr lang="de-DE" sz="1800" dirty="0" err="1"/>
+              <a:t>state</a:t>
+            </a:r>
+            <a:r>
+              <a:rPr lang="de-DE" sz="1800" dirty="0"/>
+              <a:t> </a:t>
+            </a:r>
+            <a:r>
+              <a:rPr lang="de-DE" sz="1800" dirty="0" err="1"/>
+              <a:t>where</a:t>
+            </a:r>
+            <a:r>
+              <a:rPr lang="de-DE" sz="1800" dirty="0"/>
+              <a:t> </a:t>
+            </a:r>
+            <a:r>
+              <a:rPr lang="de-DE" sz="1800" dirty="0" err="1"/>
+              <a:t>interviewee</a:t>
+            </a:r>
+            <a:r>
+              <a:rPr lang="de-DE" sz="1800" dirty="0"/>
+              <a:t> </a:t>
+            </a:r>
+            <a:r>
+              <a:rPr lang="de-DE" sz="1800" dirty="0" err="1"/>
+              <a:t>lived</a:t>
+            </a:r>
+            <a:r>
+              <a:rPr lang="de-DE" sz="1800" dirty="0"/>
+              <a:t> in </a:t>
+            </a:r>
+            <a:r>
+              <a:rPr lang="de-DE" sz="1800" dirty="0" err="1"/>
+              <a:t>youth</a:t>
+            </a:r>
+            <a:r>
+              <a:rPr lang="de-DE" sz="1800" dirty="0"/>
+              <a:t>“</a:t>
+            </a:r>
+          </a:p>
+          <a:p>
+            <a:pPr lvl="1"/>
+            <a:r>
+              <a:rPr lang="de-DE" sz="1800" dirty="0" err="1">
+                <a:sym typeface="Wingdings" panose="05000000000000000000" pitchFamily="2" charset="2"/>
+              </a:rPr>
+              <a:t>coded</a:t>
+            </a:r>
+            <a:r>
+              <a:rPr lang="de-DE" sz="1800" dirty="0">
+                <a:sym typeface="Wingdings" panose="05000000000000000000" pitchFamily="2" charset="2"/>
+              </a:rPr>
+              <a:t> </a:t>
+            </a:r>
+            <a:r>
+              <a:rPr lang="de-DE" sz="1800" dirty="0" err="1">
+                <a:sym typeface="Wingdings" panose="05000000000000000000" pitchFamily="2" charset="2"/>
+              </a:rPr>
+              <a:t>to</a:t>
+            </a:r>
+            <a:r>
+              <a:rPr lang="de-DE" sz="1800" dirty="0">
+                <a:sym typeface="Wingdings" panose="05000000000000000000" pitchFamily="2" charset="2"/>
+              </a:rPr>
+              <a:t> „Youth in East/West Germany“</a:t>
+            </a:r>
+            <a:endParaRPr lang="de-DE" sz="1800" dirty="0"/>
+          </a:p>
+          <a:p>
+            <a:r>
+              <a:rPr lang="de-DE" sz="2000" b="1" dirty="0" err="1"/>
+              <a:t>Predictor</a:t>
+            </a:r>
+            <a:r>
+              <a:rPr lang="de-DE" sz="2000" b="1" dirty="0"/>
+              <a:t> Variables</a:t>
+            </a:r>
+            <a:r>
+              <a:rPr lang="de-DE" sz="2000" dirty="0"/>
+              <a:t>:</a:t>
+            </a:r>
+          </a:p>
+          <a:p>
+            <a:pPr lvl="1"/>
+            <a:r>
+              <a:rPr lang="de-DE" sz="1800" dirty="0"/>
+              <a:t>121 variables </a:t>
+            </a:r>
+            <a:r>
+              <a:rPr lang="de-DE" sz="1800" dirty="0" err="1"/>
+              <a:t>concerning</a:t>
+            </a:r>
+            <a:r>
+              <a:rPr lang="de-DE" sz="1800" dirty="0"/>
+              <a:t> </a:t>
+            </a:r>
+            <a:r>
+              <a:rPr lang="de-DE" sz="1800" dirty="0" err="1"/>
+              <a:t>attitudes</a:t>
+            </a:r>
+            <a:r>
+              <a:rPr lang="de-DE" sz="1800" dirty="0"/>
+              <a:t>, </a:t>
+            </a:r>
+            <a:r>
+              <a:rPr lang="de-DE" sz="1800" dirty="0" err="1"/>
+              <a:t>behavior</a:t>
+            </a:r>
+            <a:r>
+              <a:rPr lang="de-DE" sz="1800" dirty="0"/>
+              <a:t> and social </a:t>
+            </a:r>
+            <a:r>
+              <a:rPr lang="de-DE" sz="1800" dirty="0" err="1"/>
+              <a:t>change</a:t>
+            </a:r>
+            <a:endParaRPr lang="de-DE" sz="1800" dirty="0"/>
+          </a:p>
+        </p:txBody>
+      </p:sp>
+    </p:spTree>
+    <p:extLst>
+      <p:ext uri="{BB962C8B-B14F-4D97-AF65-F5344CB8AC3E}">
+        <p14:creationId xmlns:p14="http://schemas.microsoft.com/office/powerpoint/2010/main" val="2732348097"/>
+      </p:ext>
+    </p:extLst>
+  </p:cSld>
+  <p:clrMapOvr>
+    <a:masterClrMapping/>
+  </p:clrMapOvr>
+</p:sld>
+</file>
+
+<file path=ppt/slides/slide13.xml><?xml version="1.0" encoding="utf-8"?>
+<p:sld xmlns:a="http://schemas.openxmlformats.org/drawingml/2006/main" xmlns:r="http://schemas.openxmlformats.org/officeDocument/2006/relationships" xmlns:p="http://schemas.openxmlformats.org/presentationml/2006/main">
+  <p:cSld>
+    <p:spTree>
+      <p:nvGrpSpPr>
+        <p:cNvPr id="1" name=""/>
+        <p:cNvGrpSpPr/>
+        <p:nvPr/>
+      </p:nvGrpSpPr>
+      <p:grpSpPr>
+        <a:xfrm>
+          <a:off x="0" y="0"/>
+          <a:ext cx="0" cy="0"/>
+          <a:chOff x="0" y="0"/>
+          <a:chExt cx="0" cy="0"/>
+        </a:xfrm>
+      </p:grpSpPr>
+      <p:sp>
+        <p:nvSpPr>
+          <p:cNvPr id="2" name="Titel 1">
+            <a:extLst>
+              <a:ext uri="{FF2B5EF4-FFF2-40B4-BE49-F238E27FC236}">
+                <a16:creationId xmlns:a16="http://schemas.microsoft.com/office/drawing/2014/main" id="{9C274E31-D4F7-6C4A-D81C-1BC18A1044AE}"/>
+              </a:ext>
+            </a:extLst>
+          </p:cNvPr>
+          <p:cNvSpPr>
+            <a:spLocks noGrp="1"/>
+          </p:cNvSpPr>
+          <p:nvPr>
+            <p:ph type="title"/>
+          </p:nvPr>
+        </p:nvSpPr>
+        <p:spPr/>
+        <p:txBody>
+          <a:bodyPr/>
+          <a:lstStyle/>
+          <a:p>
+            <a:r>
+              <a:rPr lang="de-DE" dirty="0"/>
+              <a:t>Dataset: ALLBUS</a:t>
+            </a:r>
+          </a:p>
+        </p:txBody>
+      </p:sp>
+      <p:sp>
+        <p:nvSpPr>
+          <p:cNvPr id="3" name="Inhaltsplatzhalter 2">
+            <a:extLst>
+              <a:ext uri="{FF2B5EF4-FFF2-40B4-BE49-F238E27FC236}">
+                <a16:creationId xmlns:a16="http://schemas.microsoft.com/office/drawing/2014/main" id="{A6EE175B-F110-2231-4746-FB0A5137CFF3}"/>
+              </a:ext>
+            </a:extLst>
+          </p:cNvPr>
+          <p:cNvSpPr>
+            <a:spLocks noGrp="1"/>
+          </p:cNvSpPr>
+          <p:nvPr>
+            <p:ph idx="1"/>
+          </p:nvPr>
+        </p:nvSpPr>
+        <p:spPr>
+          <a:xfrm>
+            <a:off x="395536" y="1353344"/>
+            <a:ext cx="7344816" cy="3162622"/>
+          </a:xfrm>
+        </p:spPr>
+        <p:txBody>
+          <a:bodyPr/>
+          <a:lstStyle/>
+          <a:p>
+            <a:r>
               <a:rPr lang="de-DE" sz="2000" b="1" dirty="0"/>
               <a:t>Data </a:t>
             </a:r>
@@ -4277,7 +4733,7 @@
 </p:sld>
 </file>
 
-<file path=ppt/slides/slide12.xml><?xml version="1.0" encoding="utf-8"?>
+<file path=ppt/slides/slide14.xml><?xml version="1.0" encoding="utf-8"?>
 <p:sld xmlns:a="http://schemas.openxmlformats.org/drawingml/2006/main" xmlns:r="http://schemas.openxmlformats.org/officeDocument/2006/relationships" xmlns:p="http://schemas.openxmlformats.org/presentationml/2006/main">
   <p:cSld>
     <p:spTree>
@@ -4407,7 +4863,7 @@
 </p:sld>
 </file>
 
-<file path=ppt/slides/slide13.xml><?xml version="1.0" encoding="utf-8"?>
+<file path=ppt/slides/slide15.xml><?xml version="1.0" encoding="utf-8"?>
 <p:sld xmlns:a="http://schemas.openxmlformats.org/drawingml/2006/main" xmlns:r="http://schemas.openxmlformats.org/officeDocument/2006/relationships" xmlns:p="http://schemas.openxmlformats.org/presentationml/2006/main">
   <p:cSld>
     <p:spTree>
@@ -5900,61 +6356,12 @@
           </a:p>
         </p:txBody>
       </p:sp>
-      <p:sp>
-        <p:nvSpPr>
-          <p:cNvPr id="4" name="Rechteck 3">
+      <p:pic>
+        <p:nvPicPr>
+          <p:cNvPr id="21" name="Grafik 20" descr="\documentclass[20pt]{article}&#10;\usepackage{amsmath,amsfonts,amssymb,xcolor, mathtools}&#10;\pagestyle{empty}&#10;\usepackage[T1]{fontenc}&#10;\usepackage{fontspec}&#10;\setsansfont{Arial}&#10;\renewcommand\familydefault{\sfdefault}&#10;\begin{document}&#10;\begin{itemize}&#10;\item \textcolor{green}{$\beta$}$\rightarrow$ a k-dimensional vector\newline perpendicular to the decision boundary&#10;\item all points $x$ for which holds $\frac{\textcolor{green}{\beta}}{||\textcolor{green}{\beta}||}\cdot x=\textcolor{magenta}{c}$\newline lie on the hyperplain &#10;\item through some rearrangement we get \newline&#10;$\beta \cdot x +\beta_0=0$&#10;&#10;\end{itemize}&#10;&#10;\end{document}" title="IguanaTex Picture Display">
             <a:extLst>
               <a:ext uri="{FF2B5EF4-FFF2-40B4-BE49-F238E27FC236}">
-                <a16:creationId xmlns:a16="http://schemas.microsoft.com/office/drawing/2014/main" id="{B21BA278-5AA0-7413-5DB3-4EB47B444F21}"/>
-              </a:ext>
-            </a:extLst>
-          </p:cNvPr>
-          <p:cNvSpPr/>
-          <p:nvPr/>
-        </p:nvSpPr>
-        <p:spPr>
-          <a:xfrm>
-            <a:off x="5436096" y="1563638"/>
-            <a:ext cx="2952328" cy="2454339"/>
-          </a:xfrm>
-          <a:prstGeom prst="rect">
-            <a:avLst/>
-          </a:prstGeom>
-        </p:spPr>
-        <p:style>
-          <a:lnRef idx="2">
-            <a:schemeClr val="accent1">
-              <a:shade val="15000"/>
-            </a:schemeClr>
-          </a:lnRef>
-          <a:fillRef idx="1">
-            <a:schemeClr val="accent1"/>
-          </a:fillRef>
-          <a:effectRef idx="0">
-            <a:schemeClr val="accent1"/>
-          </a:effectRef>
-          <a:fontRef idx="minor">
-            <a:schemeClr val="lt1"/>
-          </a:fontRef>
-        </p:style>
-        <p:txBody>
-          <a:bodyPr rtlCol="0" anchor="ctr"/>
-          <a:lstStyle/>
-          <a:p>
-            <a:pPr algn="ctr"/>
-            <a:r>
-              <a:rPr lang="de-DE" dirty="0"/>
-              <a:t>Grafik</a:t>
-            </a:r>
-          </a:p>
-        </p:txBody>
-      </p:sp>
-      <p:pic>
-        <p:nvPicPr>
-          <p:cNvPr id="22" name="Grafik 21" descr="\documentclass{article}&#10;\usepackage{amsmath,amsfonts,amssymb,xcolor, mathtools}&#10;\pagestyle{empty}&#10;\begin{document}&#10;\begin{itemize}&#10;\item \textcolor{green}{$\beta$}$\rightarrow$ a k-dimensional vector\newline perpendicular to the decision boundary&#10;\item all points $x$ for which holds $\frac{\textcolor{green}{\beta}}{||\textcolor{green}{\beta}||}\cdot x=\textcolor{magenta}{c}$\newline lie on the hyperplain &#10;\item through some rearangement we get \newline&#10;$\beta \cdot x +\beta_0=0$&#10;&#10;\end{itemize}&#10;&#10;\end{document}" title="IguanaTex Picture Display">
-            <a:extLst>
-              <a:ext uri="{FF2B5EF4-FFF2-40B4-BE49-F238E27FC236}">
-                <a16:creationId xmlns:a16="http://schemas.microsoft.com/office/drawing/2014/main" id="{8A78ECD0-CD60-19AA-FA99-DBC348F893B1}"/>
+                <a16:creationId xmlns:a16="http://schemas.microsoft.com/office/drawing/2014/main" id="{10DE1F70-7341-0DAC-810B-5172FAB61B45}"/>
               </a:ext>
             </a:extLst>
           </p:cNvPr>
@@ -5981,12 +6388,56 @@
         </p:blipFill>
         <p:spPr>
           <a:xfrm>
-            <a:off x="613948" y="1419621"/>
-            <a:ext cx="4109626" cy="1973037"/>
+            <a:off x="720858" y="1707654"/>
+            <a:ext cx="4090686" cy="1995528"/>
           </a:xfrm>
           <a:prstGeom prst="rect">
             <a:avLst/>
           </a:prstGeom>
+        </p:spPr>
+      </p:pic>
+      <p:pic>
+        <p:nvPicPr>
+          <p:cNvPr id="25" name="Grafik 24" descr="Ein Bild, das Reihe, Diagramm, Steigung, parallel enthält.&#10;&#10;Automatisch generierte Beschreibung">
+            <a:extLst>
+              <a:ext uri="{FF2B5EF4-FFF2-40B4-BE49-F238E27FC236}">
+                <a16:creationId xmlns:a16="http://schemas.microsoft.com/office/drawing/2014/main" id="{BD75108F-A408-4336-CAB4-7135AB37F88E}"/>
+              </a:ext>
+            </a:extLst>
+          </p:cNvPr>
+          <p:cNvPicPr>
+            <a:picLocks noChangeAspect="1"/>
+          </p:cNvPicPr>
+          <p:nvPr/>
+        </p:nvPicPr>
+        <p:blipFill>
+          <a:blip r:embed="rId4">
+            <a:extLst>
+              <a:ext uri="{28A0092B-C50C-407E-A947-70E740481C1C}">
+                <a14:useLocalDpi xmlns:a14="http://schemas.microsoft.com/office/drawing/2010/main" val="0"/>
+              </a:ext>
+            </a:extLst>
+          </a:blip>
+          <a:stretch>
+            <a:fillRect/>
+          </a:stretch>
+        </p:blipFill>
+        <p:spPr>
+          <a:xfrm>
+            <a:off x="5364088" y="1227058"/>
+            <a:ext cx="3177023" cy="2956719"/>
+          </a:xfrm>
+          <a:prstGeom prst="rect">
+            <a:avLst/>
+          </a:prstGeom>
+          <a:ln w="3175">
+            <a:solidFill>
+              <a:schemeClr val="tx1">
+                <a:lumMod val="95000"/>
+                <a:lumOff val="5000"/>
+              </a:schemeClr>
+            </a:solidFill>
+          </a:ln>
         </p:spPr>
       </p:pic>
     </p:spTree>
@@ -6003,6 +6454,312 @@
 </file>
 
 <file path=ppt/slides/slide7.xml><?xml version="1.0" encoding="utf-8"?>
+<p:sld xmlns:a="http://schemas.openxmlformats.org/drawingml/2006/main" xmlns:r="http://schemas.openxmlformats.org/officeDocument/2006/relationships" xmlns:p="http://schemas.openxmlformats.org/presentationml/2006/main">
+  <p:cSld>
+    <p:spTree>
+      <p:nvGrpSpPr>
+        <p:cNvPr id="1" name=""/>
+        <p:cNvGrpSpPr/>
+        <p:nvPr/>
+      </p:nvGrpSpPr>
+      <p:grpSpPr>
+        <a:xfrm>
+          <a:off x="0" y="0"/>
+          <a:ext cx="0" cy="0"/>
+          <a:chOff x="0" y="0"/>
+          <a:chExt cx="0" cy="0"/>
+        </a:xfrm>
+      </p:grpSpPr>
+      <p:sp>
+        <p:nvSpPr>
+          <p:cNvPr id="2" name="Titel 1">
+            <a:extLst>
+              <a:ext uri="{FF2B5EF4-FFF2-40B4-BE49-F238E27FC236}">
+                <a16:creationId xmlns:a16="http://schemas.microsoft.com/office/drawing/2014/main" id="{388F7BA3-B785-BDE2-BAC6-74C1F53E9285}"/>
+              </a:ext>
+            </a:extLst>
+          </p:cNvPr>
+          <p:cNvSpPr>
+            <a:spLocks noGrp="1"/>
+          </p:cNvSpPr>
+          <p:nvPr>
+            <p:ph type="title"/>
+          </p:nvPr>
+        </p:nvSpPr>
+        <p:spPr/>
+        <p:txBody>
+          <a:bodyPr/>
+          <a:lstStyle/>
+          <a:p>
+            <a:r>
+              <a:rPr lang="de-DE" dirty="0" err="1"/>
+              <a:t>How</a:t>
+            </a:r>
+            <a:r>
+              <a:rPr lang="de-DE" dirty="0"/>
+              <a:t> </a:t>
+            </a:r>
+            <a:r>
+              <a:rPr lang="de-DE" dirty="0" err="1"/>
+              <a:t>it</a:t>
+            </a:r>
+            <a:r>
+              <a:rPr lang="de-DE" dirty="0"/>
+              <a:t> </a:t>
+            </a:r>
+            <a:r>
+              <a:rPr lang="de-DE" dirty="0" err="1"/>
+              <a:t>works</a:t>
+            </a:r>
+            <a:r>
+              <a:rPr lang="de-DE" dirty="0"/>
+              <a:t>: Setting </a:t>
+            </a:r>
+            <a:r>
+              <a:rPr lang="de-DE" dirty="0" err="1"/>
+              <a:t>up</a:t>
+            </a:r>
+            <a:r>
+              <a:rPr lang="de-DE" dirty="0"/>
+              <a:t> </a:t>
+            </a:r>
+            <a:r>
+              <a:rPr lang="de-DE" dirty="0" err="1"/>
+              <a:t>Constraints</a:t>
+            </a:r>
+            <a:endParaRPr lang="de-DE" dirty="0"/>
+          </a:p>
+        </p:txBody>
+      </p:sp>
+      <p:pic>
+        <p:nvPicPr>
+          <p:cNvPr id="16" name="Grafik 15" descr="\documentclass[20pt]{article}&#10;\usepackage{amsmath,amsfonts,amssymb,xcolor, mathtools}&#10;\pagestyle{empty}&#10;\usepackage[T1]{fontenc}&#10;\usepackage{fontspec}&#10;\setsansfont{Arial}&#10;\renewcommand\familydefault{\sfdefault}&#10;\begin{document}&#10;\begin{itemize}&#10;\item the two gutters around the boundary \newline are defined by $\beta \cdot x+\beta_0=k$ and \newline$ \beta \cdot x+\beta_0=-k$&#10;\item seperate postitive from negative samples&#10;\item distance between the gutters\newline$\rightarrow$ width that is to be maximized&#10;\end{itemize}&#10;&#10;\end{document}" title="IguanaTex Picture Display">
+            <a:extLst>
+              <a:ext uri="{FF2B5EF4-FFF2-40B4-BE49-F238E27FC236}">
+                <a16:creationId xmlns:a16="http://schemas.microsoft.com/office/drawing/2014/main" id="{8BE09948-9C0A-950C-5DF1-E3EEA29ECF17}"/>
+              </a:ext>
+            </a:extLst>
+          </p:cNvPr>
+          <p:cNvPicPr>
+            <a:picLocks noChangeAspect="1"/>
+          </p:cNvPicPr>
+          <p:nvPr>
+            <p:custDataLst>
+              <p:tags r:id="rId1"/>
+            </p:custDataLst>
+          </p:nvPr>
+        </p:nvPicPr>
+        <p:blipFill>
+          <a:blip r:embed="rId3">
+            <a:extLst>
+              <a:ext uri="{28A0092B-C50C-407E-A947-70E740481C1C}">
+                <a14:useLocalDpi xmlns:a14="http://schemas.microsoft.com/office/drawing/2010/main" val="0"/>
+              </a:ext>
+            </a:extLst>
+          </a:blip>
+          <a:stretch>
+            <a:fillRect/>
+          </a:stretch>
+        </p:blipFill>
+        <p:spPr>
+          <a:xfrm>
+            <a:off x="720858" y="1707654"/>
+            <a:ext cx="4305030" cy="1931906"/>
+          </a:xfrm>
+          <a:prstGeom prst="rect">
+            <a:avLst/>
+          </a:prstGeom>
+        </p:spPr>
+      </p:pic>
+    </p:spTree>
+    <p:extLst>
+      <p:ext uri="{BB962C8B-B14F-4D97-AF65-F5344CB8AC3E}">
+        <p14:creationId xmlns:p14="http://schemas.microsoft.com/office/powerpoint/2010/main" val="3990756690"/>
+      </p:ext>
+    </p:extLst>
+  </p:cSld>
+  <p:clrMapOvr>
+    <a:masterClrMapping/>
+  </p:clrMapOvr>
+</p:sld>
+</file>
+
+<file path=ppt/slides/slide8.xml><?xml version="1.0" encoding="utf-8"?>
+<p:sld xmlns:a="http://schemas.openxmlformats.org/drawingml/2006/main" xmlns:r="http://schemas.openxmlformats.org/officeDocument/2006/relationships" xmlns:p="http://schemas.openxmlformats.org/presentationml/2006/main">
+  <p:cSld>
+    <p:spTree>
+      <p:nvGrpSpPr>
+        <p:cNvPr id="1" name=""/>
+        <p:cNvGrpSpPr/>
+        <p:nvPr/>
+      </p:nvGrpSpPr>
+      <p:grpSpPr>
+        <a:xfrm>
+          <a:off x="0" y="0"/>
+          <a:ext cx="0" cy="0"/>
+          <a:chOff x="0" y="0"/>
+          <a:chExt cx="0" cy="0"/>
+        </a:xfrm>
+      </p:grpSpPr>
+      <p:sp>
+        <p:nvSpPr>
+          <p:cNvPr id="2" name="Titel 1">
+            <a:extLst>
+              <a:ext uri="{FF2B5EF4-FFF2-40B4-BE49-F238E27FC236}">
+                <a16:creationId xmlns:a16="http://schemas.microsoft.com/office/drawing/2014/main" id="{388F7BA3-B785-BDE2-BAC6-74C1F53E9285}"/>
+              </a:ext>
+            </a:extLst>
+          </p:cNvPr>
+          <p:cNvSpPr>
+            <a:spLocks noGrp="1"/>
+          </p:cNvSpPr>
+          <p:nvPr>
+            <p:ph type="title"/>
+          </p:nvPr>
+        </p:nvSpPr>
+        <p:spPr/>
+        <p:txBody>
+          <a:bodyPr/>
+          <a:lstStyle/>
+          <a:p>
+            <a:r>
+              <a:rPr lang="de-DE" dirty="0" err="1"/>
+              <a:t>How</a:t>
+            </a:r>
+            <a:r>
+              <a:rPr lang="de-DE" dirty="0"/>
+              <a:t> </a:t>
+            </a:r>
+            <a:r>
+              <a:rPr lang="de-DE" dirty="0" err="1"/>
+              <a:t>it</a:t>
+            </a:r>
+            <a:r>
+              <a:rPr lang="de-DE" dirty="0"/>
+              <a:t> </a:t>
+            </a:r>
+            <a:r>
+              <a:rPr lang="de-DE" dirty="0" err="1"/>
+              <a:t>works</a:t>
+            </a:r>
+            <a:r>
+              <a:rPr lang="de-DE" dirty="0"/>
+              <a:t>: Setting </a:t>
+            </a:r>
+            <a:r>
+              <a:rPr lang="de-DE" dirty="0" err="1"/>
+              <a:t>up</a:t>
+            </a:r>
+            <a:r>
+              <a:rPr lang="de-DE" dirty="0"/>
+              <a:t> </a:t>
+            </a:r>
+            <a:r>
+              <a:rPr lang="de-DE" dirty="0" err="1"/>
+              <a:t>Constraints</a:t>
+            </a:r>
+            <a:endParaRPr lang="de-DE" dirty="0"/>
+          </a:p>
+        </p:txBody>
+      </p:sp>
+      <p:pic>
+        <p:nvPicPr>
+          <p:cNvPr id="8" name="Grafik 7" descr="\documentclass[20pt]{article}&#10;\usepackage{amsmath,amsfonts,amssymb,xcolor, mathtools}&#10;\pagestyle{empty}&#10;\usepackage[T1]{fontenc}&#10;\usepackage{fontspec}&#10;\setsansfont{Arial}&#10;\renewcommand\familydefault{\sfdefault}&#10;\begin{document}&#10;\begin{itemize}&#10;\item to measure the \textcolor{magenta}{width} of the margin  \newline&#10;$(x^+ -x^-)$ is Projected on the unit \newline&#10;vector of $\beta$ &#10;\item $M=(x^+ -x^-)\cdot \frac{\beta}{||\beta||}$&#10;&#10;\end{itemize}&#10;&#10;\end{document}" title="IguanaTex Picture Display">
+            <a:extLst>
+              <a:ext uri="{FF2B5EF4-FFF2-40B4-BE49-F238E27FC236}">
+                <a16:creationId xmlns:a16="http://schemas.microsoft.com/office/drawing/2014/main" id="{49020F9B-9C95-8638-AF48-3DD5DF3A6140}"/>
+              </a:ext>
+            </a:extLst>
+          </p:cNvPr>
+          <p:cNvPicPr>
+            <a:picLocks noChangeAspect="1"/>
+          </p:cNvPicPr>
+          <p:nvPr>
+            <p:custDataLst>
+              <p:tags r:id="rId1"/>
+            </p:custDataLst>
+          </p:nvPr>
+        </p:nvPicPr>
+        <p:blipFill>
+          <a:blip r:embed="rId3">
+            <a:extLst>
+              <a:ext uri="{28A0092B-C50C-407E-A947-70E740481C1C}">
+                <a14:useLocalDpi xmlns:a14="http://schemas.microsoft.com/office/drawing/2010/main" val="0"/>
+              </a:ext>
+            </a:extLst>
+          </a:blip>
+          <a:stretch>
+            <a:fillRect/>
+          </a:stretch>
+        </p:blipFill>
+        <p:spPr>
+          <a:xfrm>
+            <a:off x="720858" y="1707657"/>
+            <a:ext cx="3667010" cy="1315609"/>
+          </a:xfrm>
+          <a:prstGeom prst="rect">
+            <a:avLst/>
+          </a:prstGeom>
+        </p:spPr>
+      </p:pic>
+      <p:pic>
+        <p:nvPicPr>
+          <p:cNvPr id="10" name="Grafik 9" descr="Ein Bild, das Reihe, Diagramm, Steigung, parallel enthält.&#10;&#10;Automatisch generierte Beschreibung">
+            <a:extLst>
+              <a:ext uri="{FF2B5EF4-FFF2-40B4-BE49-F238E27FC236}">
+                <a16:creationId xmlns:a16="http://schemas.microsoft.com/office/drawing/2014/main" id="{61AB07FF-8D31-3186-850F-DC65A7D0D908}"/>
+              </a:ext>
+            </a:extLst>
+          </p:cNvPr>
+          <p:cNvPicPr>
+            <a:picLocks noChangeAspect="1"/>
+          </p:cNvPicPr>
+          <p:nvPr/>
+        </p:nvPicPr>
+        <p:blipFill>
+          <a:blip r:embed="rId4">
+            <a:extLst>
+              <a:ext uri="{28A0092B-C50C-407E-A947-70E740481C1C}">
+                <a14:useLocalDpi xmlns:a14="http://schemas.microsoft.com/office/drawing/2010/main" val="0"/>
+              </a:ext>
+            </a:extLst>
+          </a:blip>
+          <a:stretch>
+            <a:fillRect/>
+          </a:stretch>
+        </p:blipFill>
+        <p:spPr>
+          <a:xfrm>
+            <a:off x="5220072" y="1259034"/>
+            <a:ext cx="2821051" cy="2625431"/>
+          </a:xfrm>
+          <a:prstGeom prst="rect">
+            <a:avLst/>
+          </a:prstGeom>
+          <a:ln w="3175">
+            <a:solidFill>
+              <a:schemeClr val="tx1">
+                <a:lumMod val="95000"/>
+                <a:lumOff val="5000"/>
+              </a:schemeClr>
+            </a:solidFill>
+          </a:ln>
+        </p:spPr>
+      </p:pic>
+    </p:spTree>
+    <p:extLst>
+      <p:ext uri="{BB962C8B-B14F-4D97-AF65-F5344CB8AC3E}">
+        <p14:creationId xmlns:p14="http://schemas.microsoft.com/office/powerpoint/2010/main" val="2902806685"/>
+      </p:ext>
+    </p:extLst>
+  </p:cSld>
+  <p:clrMapOvr>
+    <a:masterClrMapping/>
+  </p:clrMapOvr>
+</p:sld>
+</file>
+
+<file path=ppt/slides/slide9.xml><?xml version="1.0" encoding="utf-8"?>
 <p:sld xmlns:a="http://schemas.openxmlformats.org/drawingml/2006/main" xmlns:r="http://schemas.openxmlformats.org/officeDocument/2006/relationships" xmlns:p="http://schemas.openxmlformats.org/presentationml/2006/main">
   <p:cSld>
     <p:spTree>
@@ -6771,250 +7528,58 @@
 </p:sld>
 </file>
 
-<file path=ppt/slides/slide8.xml><?xml version="1.0" encoding="utf-8"?>
-<p:sld xmlns:a="http://schemas.openxmlformats.org/drawingml/2006/main" xmlns:r="http://schemas.openxmlformats.org/officeDocument/2006/relationships" xmlns:p="http://schemas.openxmlformats.org/presentationml/2006/main">
-  <p:cSld>
-    <p:spTree>
-      <p:nvGrpSpPr>
-        <p:cNvPr id="1" name=""/>
-        <p:cNvGrpSpPr/>
-        <p:nvPr/>
-      </p:nvGrpSpPr>
-      <p:grpSpPr>
-        <a:xfrm>
-          <a:off x="0" y="0"/>
-          <a:ext cx="0" cy="0"/>
-          <a:chOff x="0" y="0"/>
-          <a:chExt cx="0" cy="0"/>
-        </a:xfrm>
-      </p:grpSpPr>
-      <p:sp>
-        <p:nvSpPr>
-          <p:cNvPr id="2" name="Titel 1">
-            <a:extLst>
-              <a:ext uri="{FF2B5EF4-FFF2-40B4-BE49-F238E27FC236}">
-                <a16:creationId xmlns:a16="http://schemas.microsoft.com/office/drawing/2014/main" id="{388F7BA3-B785-BDE2-BAC6-74C1F53E9285}"/>
-              </a:ext>
-            </a:extLst>
-          </p:cNvPr>
-          <p:cNvSpPr>
-            <a:spLocks noGrp="1"/>
-          </p:cNvSpPr>
-          <p:nvPr>
-            <p:ph type="title"/>
-          </p:nvPr>
-        </p:nvSpPr>
-        <p:spPr/>
-        <p:txBody>
-          <a:bodyPr/>
-          <a:lstStyle/>
-          <a:p>
-            <a:r>
-              <a:rPr lang="de-DE" dirty="0" err="1"/>
-              <a:t>How</a:t>
-            </a:r>
-            <a:r>
-              <a:rPr lang="de-DE" dirty="0"/>
-              <a:t> </a:t>
-            </a:r>
-            <a:r>
-              <a:rPr lang="de-DE" dirty="0" err="1"/>
-              <a:t>it</a:t>
-            </a:r>
-            <a:r>
-              <a:rPr lang="de-DE" dirty="0"/>
-              <a:t> </a:t>
-            </a:r>
-            <a:r>
-              <a:rPr lang="de-DE" dirty="0" err="1"/>
-              <a:t>works</a:t>
-            </a:r>
-            <a:r>
-              <a:rPr lang="de-DE" dirty="0"/>
-              <a:t>: Support </a:t>
-            </a:r>
-            <a:r>
-              <a:rPr lang="de-DE" dirty="0" err="1"/>
-              <a:t>vector</a:t>
-            </a:r>
-            <a:r>
-              <a:rPr lang="de-DE" dirty="0"/>
-              <a:t> </a:t>
-            </a:r>
-            <a:r>
-              <a:rPr lang="de-DE" dirty="0" err="1"/>
-              <a:t>classifier</a:t>
-            </a:r>
-            <a:endParaRPr lang="de-DE" dirty="0"/>
-          </a:p>
-        </p:txBody>
-      </p:sp>
-      <p:sp>
-        <p:nvSpPr>
-          <p:cNvPr id="3" name="Inhaltsplatzhalter 2">
-            <a:extLst>
-              <a:ext uri="{FF2B5EF4-FFF2-40B4-BE49-F238E27FC236}">
-                <a16:creationId xmlns:a16="http://schemas.microsoft.com/office/drawing/2014/main" id="{B6EBCD5F-A998-E34B-B609-7A4D246D72F7}"/>
-              </a:ext>
-            </a:extLst>
-          </p:cNvPr>
-          <p:cNvSpPr>
-            <a:spLocks noGrp="1"/>
-          </p:cNvSpPr>
-          <p:nvPr>
-            <p:ph idx="1"/>
-          </p:nvPr>
-        </p:nvSpPr>
-        <p:spPr/>
-        <p:txBody>
-          <a:bodyPr/>
-          <a:lstStyle/>
-          <a:p>
-            <a:endParaRPr lang="de-DE" sz="2000" dirty="0"/>
-          </a:p>
-        </p:txBody>
-      </p:sp>
-    </p:spTree>
-    <p:extLst>
-      <p:ext uri="{BB962C8B-B14F-4D97-AF65-F5344CB8AC3E}">
-        <p14:creationId xmlns:p14="http://schemas.microsoft.com/office/powerpoint/2010/main" val="2939723199"/>
-      </p:ext>
-    </p:extLst>
-  </p:cSld>
-  <p:clrMapOvr>
-    <a:masterClrMapping/>
-  </p:clrMapOvr>
-</p:sld>
-</file>
-
-<file path=ppt/slides/slide9.xml><?xml version="1.0" encoding="utf-8"?>
-<p:sld xmlns:a="http://schemas.openxmlformats.org/drawingml/2006/main" xmlns:r="http://schemas.openxmlformats.org/officeDocument/2006/relationships" xmlns:p="http://schemas.openxmlformats.org/presentationml/2006/main">
-  <p:cSld>
-    <p:spTree>
-      <p:nvGrpSpPr>
-        <p:cNvPr id="1" name=""/>
-        <p:cNvGrpSpPr/>
-        <p:nvPr/>
-      </p:nvGrpSpPr>
-      <p:grpSpPr>
-        <a:xfrm>
-          <a:off x="0" y="0"/>
-          <a:ext cx="0" cy="0"/>
-          <a:chOff x="0" y="0"/>
-          <a:chExt cx="0" cy="0"/>
-        </a:xfrm>
-      </p:grpSpPr>
-      <p:sp>
-        <p:nvSpPr>
-          <p:cNvPr id="2" name="Titel 1">
-            <a:extLst>
-              <a:ext uri="{FF2B5EF4-FFF2-40B4-BE49-F238E27FC236}">
-                <a16:creationId xmlns:a16="http://schemas.microsoft.com/office/drawing/2014/main" id="{388F7BA3-B785-BDE2-BAC6-74C1F53E9285}"/>
-              </a:ext>
-            </a:extLst>
-          </p:cNvPr>
-          <p:cNvSpPr>
-            <a:spLocks noGrp="1"/>
-          </p:cNvSpPr>
-          <p:nvPr>
-            <p:ph type="title"/>
-          </p:nvPr>
-        </p:nvSpPr>
-        <p:spPr/>
-        <p:txBody>
-          <a:bodyPr/>
-          <a:lstStyle/>
-          <a:p>
-            <a:r>
-              <a:rPr lang="de-DE" dirty="0" err="1"/>
-              <a:t>How</a:t>
-            </a:r>
-            <a:r>
-              <a:rPr lang="de-DE" dirty="0"/>
-              <a:t> </a:t>
-            </a:r>
-            <a:r>
-              <a:rPr lang="de-DE" dirty="0" err="1"/>
-              <a:t>it</a:t>
-            </a:r>
-            <a:r>
-              <a:rPr lang="de-DE" dirty="0"/>
-              <a:t> </a:t>
-            </a:r>
-            <a:r>
-              <a:rPr lang="de-DE" dirty="0" err="1"/>
-              <a:t>works</a:t>
-            </a:r>
-            <a:r>
-              <a:rPr lang="de-DE" dirty="0"/>
-              <a:t>: Support </a:t>
-            </a:r>
-            <a:r>
-              <a:rPr lang="de-DE" dirty="0" err="1"/>
-              <a:t>vector</a:t>
-            </a:r>
-            <a:r>
-              <a:rPr lang="de-DE" dirty="0"/>
-              <a:t> </a:t>
-            </a:r>
-            <a:r>
-              <a:rPr lang="de-DE" dirty="0" err="1"/>
-              <a:t>machine</a:t>
-            </a:r>
-            <a:endParaRPr lang="de-DE" dirty="0"/>
-          </a:p>
-        </p:txBody>
-      </p:sp>
-      <p:sp>
-        <p:nvSpPr>
-          <p:cNvPr id="3" name="Inhaltsplatzhalter 2">
-            <a:extLst>
-              <a:ext uri="{FF2B5EF4-FFF2-40B4-BE49-F238E27FC236}">
-                <a16:creationId xmlns:a16="http://schemas.microsoft.com/office/drawing/2014/main" id="{B6EBCD5F-A998-E34B-B609-7A4D246D72F7}"/>
-              </a:ext>
-            </a:extLst>
-          </p:cNvPr>
-          <p:cNvSpPr>
-            <a:spLocks noGrp="1"/>
-          </p:cNvSpPr>
-          <p:nvPr>
-            <p:ph idx="1"/>
-          </p:nvPr>
-        </p:nvSpPr>
-        <p:spPr/>
-        <p:txBody>
-          <a:bodyPr/>
-          <a:lstStyle/>
-          <a:p>
-            <a:endParaRPr lang="de-DE" sz="2000" dirty="0"/>
-          </a:p>
-        </p:txBody>
-      </p:sp>
-    </p:spTree>
-    <p:extLst>
-      <p:ext uri="{BB962C8B-B14F-4D97-AF65-F5344CB8AC3E}">
-        <p14:creationId xmlns:p14="http://schemas.microsoft.com/office/powerpoint/2010/main" val="3746182716"/>
-      </p:ext>
-    </p:extLst>
-  </p:cSld>
-  <p:clrMapOvr>
-    <a:masterClrMapping/>
-  </p:clrMapOvr>
-</p:sld>
-</file>
-
 <file path=ppt/tags/tag1.xml><?xml version="1.0" encoding="utf-8"?>
 <p:tagLst xmlns:a="http://schemas.openxmlformats.org/drawingml/2006/main" xmlns:r="http://schemas.openxmlformats.org/officeDocument/2006/relationships" xmlns:p="http://schemas.openxmlformats.org/presentationml/2006/main">
   <p:tag name="OUTPUTDPI" val="1200"/>
-  <p:tag name="ORIGINALHEIGHT" val="1072,366"/>
-  <p:tag name="ORIGINALWIDTH" val="2260,967"/>
+  <p:tag name="ORIGINALHEIGHT" val="1079,401"/>
+  <p:tag name="ORIGINALWIDTH" val="2247,314"/>
   <p:tag name="OUTPUTTYPE" val="PNG"/>
   <p:tag name="IGUANATEXVERSION" val="161"/>
-  <p:tag name="LATEXADDIN" val="\documentclass{article}&#10;\usepackage{amsmath,amsfonts,amssymb,xcolor, mathtools}&#10;\pagestyle{empty}&#10;\begin{document}&#10;\begin{itemize}&#10;\item \textcolor{green}{$\beta$}$\rightarrow$ a k-dimensional vector\newline perpendicular to the decision boundary&#10;\item all points $x$ for which holds $\frac{\textcolor{green}{\beta}}{||\textcolor{green}{\beta}||}\cdot x=\textcolor{magenta}{c}$\newline lie on the hyperplain &#10;\item through some rearangement we get \newline&#10;$\beta \cdot x +\beta_0=0$&#10;&#10;\end{itemize}&#10;&#10;\end{document}"/>
+  <p:tag name="LATEXADDIN" val="\documentclass[20pt]{article}&#10;\usepackage{amsmath,amsfonts,amssymb,xcolor, mathtools}&#10;\pagestyle{empty}&#10;\usepackage[T1]{fontenc}&#10;\usepackage{fontspec}&#10;\setsansfont{Arial}&#10;\renewcommand\familydefault{\sfdefault}&#10;\begin{document}&#10;\begin{itemize}&#10;\item \textcolor{green}{$\beta$}$\rightarrow$ a k-dimensional vector\newline perpendicular to the decision boundary&#10;\item all points $x$ for which holds $\frac{\textcolor{green}{\beta}}{||\textcolor{green}{\beta}||}\cdot x=\textcolor{magenta}{c}$\newline lie on the hyperplain &#10;\item through some rearrangement we get \newline&#10;$\beta \cdot x +\beta_0=0$&#10;&#10;\end{itemize}&#10;&#10;\end{document}"/>
   <p:tag name="IGUANATEXSIZE" val="18"/>
-  <p:tag name="IGUANATEXCURSOR" val="464"/>
+  <p:tag name="IGUANATEXCURSOR" val="545"/>
   <p:tag name="TRANSPARENCY" val="Wahr"/>
-  <p:tag name="LATEXENGINEID" val="0"/>
+  <p:tag name="LATEXENGINEID" val="2"/>
+  <p:tag name="TEMPFOLDER" val="E:\Dokumente\temp\"/>
+  <p:tag name="LATEXFORMHEIGHT" val="320"/>
+  <p:tag name="LATEXFORMWIDTH" val="385"/>
+  <p:tag name="LATEXFORMWRAP" val="Wahr"/>
+  <p:tag name="BITMAPVECTOR" val="0"/>
+</p:tagLst>
+</file>
+
+<file path=ppt/tags/tag2.xml><?xml version="1.0" encoding="utf-8"?>
+<p:tagLst xmlns:a="http://schemas.openxmlformats.org/drawingml/2006/main" xmlns:r="http://schemas.openxmlformats.org/officeDocument/2006/relationships" xmlns:p="http://schemas.openxmlformats.org/presentationml/2006/main">
+  <p:tag name="OUTPUTDPI" val="1200"/>
+  <p:tag name="ORIGINALHEIGHT" val="1039,645"/>
+  <p:tag name="ORIGINALWIDTH" val="2361,329"/>
+  <p:tag name="OUTPUTTYPE" val="PNG"/>
+  <p:tag name="IGUANATEXVERSION" val="161"/>
+  <p:tag name="LATEXADDIN" val="\documentclass[20pt]{article}&#10;\usepackage{amsmath,amsfonts,amssymb,xcolor, mathtools}&#10;\pagestyle{empty}&#10;\usepackage[T1]{fontenc}&#10;\usepackage{fontspec}&#10;\setsansfont{Arial}&#10;\renewcommand\familydefault{\sfdefault}&#10;\begin{document}&#10;\begin{itemize}&#10;\item the two gutters around the boundary \newline are defined by $\beta \cdot x+\beta_0=k$ and \newline$ \beta \cdot x+\beta_0=-k$&#10;\item seperate postitive from negative samples&#10;\item distance between the gutters\newline$\rightarrow$ width that is to be maximized&#10;\end{itemize}&#10;&#10;\end{document}"/>
+  <p:tag name="IGUANATEXSIZE" val="18"/>
+  <p:tag name="IGUANATEXCURSOR" val="508"/>
+  <p:tag name="TRANSPARENCY" val="Wahr"/>
+  <p:tag name="LATEXENGINEID" val="2"/>
+  <p:tag name="TEMPFOLDER" val="E:\Dokumente\temp\"/>
+  <p:tag name="LATEXFORMHEIGHT" val="320"/>
+  <p:tag name="LATEXFORMWIDTH" val="385"/>
+  <p:tag name="LATEXFORMWRAP" val="Wahr"/>
+  <p:tag name="BITMAPVECTOR" val="0"/>
+</p:tagLst>
+</file>
+
+<file path=ppt/tags/tag3.xml><?xml version="1.0" encoding="utf-8"?>
+<p:tagLst xmlns:a="http://schemas.openxmlformats.org/drawingml/2006/main" xmlns:r="http://schemas.openxmlformats.org/officeDocument/2006/relationships" xmlns:p="http://schemas.openxmlformats.org/presentationml/2006/main">
+  <p:tag name="OUTPUTDPI" val="1200"/>
+  <p:tag name="ORIGINALHEIGHT" val="705,8485"/>
+  <p:tag name="ORIGINALWIDTH" val="2011,031"/>
+  <p:tag name="OUTPUTTYPE" val="PNG"/>
+  <p:tag name="IGUANATEXVERSION" val="161"/>
+  <p:tag name="LATEXADDIN" val="\documentclass[20pt]{article}&#10;\usepackage{amsmath,amsfonts,amssymb,xcolor, mathtools}&#10;\pagestyle{empty}&#10;\usepackage[T1]{fontenc}&#10;\usepackage{fontspec}&#10;\setsansfont{Arial}&#10;\renewcommand\familydefault{\sfdefault}&#10;\begin{document}&#10;\begin{itemize}&#10;\item to measure the \textcolor{magenta}{width} of the margin  \newline&#10;$(x^+ -x^-)$ is Projected on the unit \newline&#10;vector of $\beta$ &#10;\item $M=(x^+ -x^-)\cdot \frac{\beta}{||\beta||}$&#10;&#10;\end{itemize}&#10;&#10;\end{document}"/>
+  <p:tag name="IGUANATEXSIZE" val="18"/>
+  <p:tag name="IGUANATEXCURSOR" val="291"/>
+  <p:tag name="TRANSPARENCY" val="Wahr"/>
+  <p:tag name="LATEXENGINEID" val="2"/>
   <p:tag name="TEMPFOLDER" val="E:\Dokumente\temp\"/>
   <p:tag name="LATEXFORMHEIGHT" val="320"/>
   <p:tag name="LATEXFORMWIDTH" val="385"/>

--- a/Präsentation/Support Vector Machines.pptx
+++ b/Präsentation/Support Vector Machines.pptx
@@ -5,7 +5,7 @@
     <p:sldMasterId id="2147483648" r:id="rId1"/>
   </p:sldMasterIdLst>
   <p:notesMasterIdLst>
-    <p:notesMasterId r:id="rId17"/>
+    <p:notesMasterId r:id="rId20"/>
   </p:notesMasterIdLst>
   <p:sldIdLst>
     <p:sldId id="256" r:id="rId2"/>
@@ -16,13 +16,16 @@
     <p:sldId id="268" r:id="rId7"/>
     <p:sldId id="269" r:id="rId8"/>
     <p:sldId id="270" r:id="rId9"/>
-    <p:sldId id="264" r:id="rId10"/>
-    <p:sldId id="265" r:id="rId11"/>
-    <p:sldId id="266" r:id="rId12"/>
-    <p:sldId id="261" r:id="rId13"/>
-    <p:sldId id="267" r:id="rId14"/>
-    <p:sldId id="262" r:id="rId15"/>
-    <p:sldId id="263" r:id="rId16"/>
+    <p:sldId id="271" r:id="rId10"/>
+    <p:sldId id="272" r:id="rId11"/>
+    <p:sldId id="273" r:id="rId12"/>
+    <p:sldId id="264" r:id="rId13"/>
+    <p:sldId id="265" r:id="rId14"/>
+    <p:sldId id="266" r:id="rId15"/>
+    <p:sldId id="261" r:id="rId16"/>
+    <p:sldId id="267" r:id="rId17"/>
+    <p:sldId id="262" r:id="rId18"/>
+    <p:sldId id="263" r:id="rId19"/>
   </p:sldIdLst>
   <p:sldSz cx="9144000" cy="5143500" type="screen16x9"/>
   <p:notesSz cx="6797675" cy="9926638"/>
@@ -162,7 +165,7 @@
 <file path=ppt/revisionInfo.xml><?xml version="1.0" encoding="utf-8"?>
 <p1510:revInfo xmlns:a="http://schemas.openxmlformats.org/drawingml/2006/main" xmlns:r="http://schemas.openxmlformats.org/officeDocument/2006/relationships" xmlns:p1510="http://schemas.microsoft.com/office/powerpoint/2015/10/main">
   <p1510:revLst>
-    <p1510:client id="{AB1E0CFC-1C57-4A1E-92D1-DAC8DD9182A6}" v="587" dt="2024-06-26T21:53:28.526"/>
+    <p1510:client id="{AB1E0CFC-1C57-4A1E-92D1-DAC8DD9182A6}" v="864" dt="2024-06-26T22:51:30.475"/>
   </p1510:revLst>
 </p1510:revInfo>
 </file>
@@ -172,7 +175,7 @@
   <pc:docChgLst>
     <pc:chgData name="Franz Andersch" userId="88b46490-1a31-494c-af6b-e252cc2a642d" providerId="ADAL" clId="{AB1E0CFC-1C57-4A1E-92D1-DAC8DD9182A6}"/>
     <pc:docChg chg="custSel addSld modSld">
-      <pc:chgData name="Franz Andersch" userId="88b46490-1a31-494c-af6b-e252cc2a642d" providerId="ADAL" clId="{AB1E0CFC-1C57-4A1E-92D1-DAC8DD9182A6}" dt="2024-06-26T21:53:57.941" v="1169" actId="1076"/>
+      <pc:chgData name="Franz Andersch" userId="88b46490-1a31-494c-af6b-e252cc2a642d" providerId="ADAL" clId="{AB1E0CFC-1C57-4A1E-92D1-DAC8DD9182A6}" dt="2024-06-26T22:51:35.629" v="1640" actId="2890"/>
       <pc:docMkLst>
         <pc:docMk/>
       </pc:docMkLst>
@@ -367,18 +370,34 @@
           </ac:picMkLst>
         </pc:picChg>
       </pc:sldChg>
-      <pc:sldChg chg="delSp modSp add mod">
-        <pc:chgData name="Franz Andersch" userId="88b46490-1a31-494c-af6b-e252cc2a642d" providerId="ADAL" clId="{AB1E0CFC-1C57-4A1E-92D1-DAC8DD9182A6}" dt="2024-06-26T21:28:26.369" v="1068" actId="962"/>
+      <pc:sldChg chg="addSp delSp modSp add mod">
+        <pc:chgData name="Franz Andersch" userId="88b46490-1a31-494c-af6b-e252cc2a642d" providerId="ADAL" clId="{AB1E0CFC-1C57-4A1E-92D1-DAC8DD9182A6}" dt="2024-06-26T22:24:55.836" v="1330" actId="962"/>
         <pc:sldMkLst>
           <pc:docMk/>
           <pc:sldMk cId="3990756690" sldId="269"/>
         </pc:sldMkLst>
+        <pc:picChg chg="del mod ord replST">
+          <ac:chgData name="Franz Andersch" userId="88b46490-1a31-494c-af6b-e252cc2a642d" providerId="ADAL" clId="{AB1E0CFC-1C57-4A1E-92D1-DAC8DD9182A6}" dt="2024-06-26T22:16:45.466" v="1259" actId="478"/>
+          <ac:picMkLst>
+            <pc:docMk/>
+            <pc:sldMk cId="3990756690" sldId="269"/>
+            <ac:picMk id="4" creationId="{290AFB22-5312-2951-0F1D-2998B22F7EB9}"/>
+          </ac:picMkLst>
+        </pc:picChg>
         <pc:picChg chg="del mod ord replST">
           <ac:chgData name="Franz Andersch" userId="88b46490-1a31-494c-af6b-e252cc2a642d" providerId="ADAL" clId="{AB1E0CFC-1C57-4A1E-92D1-DAC8DD9182A6}" dt="2024-06-26T21:18:23.554" v="914" actId="478"/>
           <ac:picMkLst>
             <pc:docMk/>
             <pc:sldMk cId="3990756690" sldId="269"/>
             <ac:picMk id="4" creationId="{3E8FA5A0-2B34-E857-4D07-AF8029BFA920}"/>
+          </ac:picMkLst>
+        </pc:picChg>
+        <pc:picChg chg="del mod ord replST">
+          <ac:chgData name="Franz Andersch" userId="88b46490-1a31-494c-af6b-e252cc2a642d" providerId="ADAL" clId="{AB1E0CFC-1C57-4A1E-92D1-DAC8DD9182A6}" dt="2024-06-26T22:17:12.996" v="1289" actId="478"/>
+          <ac:picMkLst>
+            <pc:docMk/>
+            <pc:sldMk cId="3990756690" sldId="269"/>
+            <ac:picMk id="6" creationId="{2509D83F-8D8D-3DF3-B175-FD26C4AD613D}"/>
           </ac:picMkLst>
         </pc:picChg>
         <pc:picChg chg="del mod ord replST">
@@ -398,11 +417,27 @@
           </ac:picMkLst>
         </pc:picChg>
         <pc:picChg chg="del mod ord replST">
+          <ac:chgData name="Franz Andersch" userId="88b46490-1a31-494c-af6b-e252cc2a642d" providerId="ADAL" clId="{AB1E0CFC-1C57-4A1E-92D1-DAC8DD9182A6}" dt="2024-06-26T22:24:55.836" v="1328" actId="478"/>
+          <ac:picMkLst>
+            <pc:docMk/>
+            <pc:sldMk cId="3990756690" sldId="269"/>
+            <ac:picMk id="8" creationId="{8F4236A2-3CC4-2591-2F81-CE3574CF2B6F}"/>
+          </ac:picMkLst>
+        </pc:picChg>
+        <pc:picChg chg="del mod ord replST">
           <ac:chgData name="Franz Andersch" userId="88b46490-1a31-494c-af6b-e252cc2a642d" providerId="ADAL" clId="{AB1E0CFC-1C57-4A1E-92D1-DAC8DD9182A6}" dt="2024-06-26T21:22:03.254" v="1006" actId="478"/>
           <ac:picMkLst>
             <pc:docMk/>
             <pc:sldMk cId="3990756690" sldId="269"/>
             <ac:picMk id="10" creationId="{77E89367-D286-984E-0997-B5331458E73A}"/>
+          </ac:picMkLst>
+        </pc:picChg>
+        <pc:picChg chg="add mod">
+          <ac:chgData name="Franz Andersch" userId="88b46490-1a31-494c-af6b-e252cc2a642d" providerId="ADAL" clId="{AB1E0CFC-1C57-4A1E-92D1-DAC8DD9182A6}" dt="2024-06-26T22:23:52.154" v="1299" actId="692"/>
+          <ac:picMkLst>
+            <pc:docMk/>
+            <pc:sldMk cId="3990756690" sldId="269"/>
+            <ac:picMk id="10" creationId="{F3ECA42D-F0EA-B8A1-282C-D094C74B1EA0}"/>
           </ac:picMkLst>
         </pc:picChg>
         <pc:picChg chg="del mod ord replST">
@@ -413,6 +448,14 @@
             <ac:picMk id="12" creationId="{E17B3E6E-AB07-81D9-5ECE-4516A7A26B83}"/>
           </ac:picMkLst>
         </pc:picChg>
+        <pc:picChg chg="mod ord replST">
+          <ac:chgData name="Franz Andersch" userId="88b46490-1a31-494c-af6b-e252cc2a642d" providerId="ADAL" clId="{AB1E0CFC-1C57-4A1E-92D1-DAC8DD9182A6}" dt="2024-06-26T22:24:55.836" v="1330" actId="962"/>
+          <ac:picMkLst>
+            <pc:docMk/>
+            <pc:sldMk cId="3990756690" sldId="269"/>
+            <ac:picMk id="12" creationId="{F7102BB1-E0EF-F63A-BC98-41E95B40734E}"/>
+          </ac:picMkLst>
+        </pc:picChg>
         <pc:picChg chg="del mod ord replST">
           <ac:chgData name="Franz Andersch" userId="88b46490-1a31-494c-af6b-e252cc2a642d" providerId="ADAL" clId="{AB1E0CFC-1C57-4A1E-92D1-DAC8DD9182A6}" dt="2024-06-26T21:28:26.368" v="1066" actId="478"/>
           <ac:picMkLst>
@@ -421,8 +464,8 @@
             <ac:picMk id="14" creationId="{9119099D-376E-9137-81ED-9097DDD0B32D}"/>
           </ac:picMkLst>
         </pc:picChg>
-        <pc:picChg chg="mod ord replST">
-          <ac:chgData name="Franz Andersch" userId="88b46490-1a31-494c-af6b-e252cc2a642d" providerId="ADAL" clId="{AB1E0CFC-1C57-4A1E-92D1-DAC8DD9182A6}" dt="2024-06-26T21:28:26.369" v="1068" actId="962"/>
+        <pc:picChg chg="del mod ord replST">
+          <ac:chgData name="Franz Andersch" userId="88b46490-1a31-494c-af6b-e252cc2a642d" providerId="ADAL" clId="{AB1E0CFC-1C57-4A1E-92D1-DAC8DD9182A6}" dt="2024-06-26T22:09:38.722" v="1228" actId="478"/>
           <ac:picMkLst>
             <pc:docMk/>
             <pc:sldMk cId="3990756690" sldId="269"/>
@@ -447,7 +490,7 @@
         </pc:picChg>
       </pc:sldChg>
       <pc:sldChg chg="addSp delSp modSp add mod">
-        <pc:chgData name="Franz Andersch" userId="88b46490-1a31-494c-af6b-e252cc2a642d" providerId="ADAL" clId="{AB1E0CFC-1C57-4A1E-92D1-DAC8DD9182A6}" dt="2024-06-26T21:53:57.941" v="1169" actId="1076"/>
+        <pc:chgData name="Franz Andersch" userId="88b46490-1a31-494c-af6b-e252cc2a642d" providerId="ADAL" clId="{AB1E0CFC-1C57-4A1E-92D1-DAC8DD9182A6}" dt="2024-06-26T22:28:32.969" v="1361" actId="962"/>
         <pc:sldMkLst>
           <pc:docMk/>
           <pc:sldMk cId="2902806685" sldId="270"/>
@@ -461,6 +504,22 @@
           </ac:picMkLst>
         </pc:picChg>
         <pc:picChg chg="del mod ord replST">
+          <ac:chgData name="Franz Andersch" userId="88b46490-1a31-494c-af6b-e252cc2a642d" providerId="ADAL" clId="{AB1E0CFC-1C57-4A1E-92D1-DAC8DD9182A6}" dt="2024-06-26T22:28:32.968" v="1359" actId="478"/>
+          <ac:picMkLst>
+            <pc:docMk/>
+            <pc:sldMk cId="2902806685" sldId="270"/>
+            <ac:picMk id="4" creationId="{C91A420B-4589-90D0-5279-E517E3F1C910}"/>
+          </ac:picMkLst>
+        </pc:picChg>
+        <pc:picChg chg="mod ord replST">
+          <ac:chgData name="Franz Andersch" userId="88b46490-1a31-494c-af6b-e252cc2a642d" providerId="ADAL" clId="{AB1E0CFC-1C57-4A1E-92D1-DAC8DD9182A6}" dt="2024-06-26T22:28:32.969" v="1361" actId="962"/>
+          <ac:picMkLst>
+            <pc:docMk/>
+            <pc:sldMk cId="2902806685" sldId="270"/>
+            <ac:picMk id="6" creationId="{4FB258AB-A900-DFBA-CB32-3FC4EC64818C}"/>
+          </ac:picMkLst>
+        </pc:picChg>
+        <pc:picChg chg="del mod ord replST">
           <ac:chgData name="Franz Andersch" userId="88b46490-1a31-494c-af6b-e252cc2a642d" providerId="ADAL" clId="{AB1E0CFC-1C57-4A1E-92D1-DAC8DD9182A6}" dt="2024-06-26T21:51:36.767" v="1157" actId="478"/>
           <ac:picMkLst>
             <pc:docMk/>
@@ -468,8 +527,8 @@
             <ac:picMk id="6" creationId="{ABE1810E-F664-CB44-3A9C-AEBDFD707AB7}"/>
           </ac:picMkLst>
         </pc:picChg>
-        <pc:picChg chg="mod ord replST">
-          <ac:chgData name="Franz Andersch" userId="88b46490-1a31-494c-af6b-e252cc2a642d" providerId="ADAL" clId="{AB1E0CFC-1C57-4A1E-92D1-DAC8DD9182A6}" dt="2024-06-26T21:51:36.768" v="1159" actId="962"/>
+        <pc:picChg chg="del mod ord replST">
+          <ac:chgData name="Franz Andersch" userId="88b46490-1a31-494c-af6b-e252cc2a642d" providerId="ADAL" clId="{AB1E0CFC-1C57-4A1E-92D1-DAC8DD9182A6}" dt="2024-06-26T22:02:33.699" v="1198" actId="478"/>
           <ac:picMkLst>
             <pc:docMk/>
             <pc:sldMk cId="2902806685" sldId="270"/>
@@ -492,6 +551,123 @@
             <ac:picMk id="16" creationId="{8BE09948-9C0A-950C-5DF1-E3EEA29ECF17}"/>
           </ac:picMkLst>
         </pc:picChg>
+      </pc:sldChg>
+      <pc:sldChg chg="delSp modSp add mod">
+        <pc:chgData name="Franz Andersch" userId="88b46490-1a31-494c-af6b-e252cc2a642d" providerId="ADAL" clId="{AB1E0CFC-1C57-4A1E-92D1-DAC8DD9182A6}" dt="2024-06-26T22:41:36.524" v="1518" actId="1076"/>
+        <pc:sldMkLst>
+          <pc:docMk/>
+          <pc:sldMk cId="2843438534" sldId="271"/>
+        </pc:sldMkLst>
+        <pc:picChg chg="del mod ord replST">
+          <ac:chgData name="Franz Andersch" userId="88b46490-1a31-494c-af6b-e252cc2a642d" providerId="ADAL" clId="{AB1E0CFC-1C57-4A1E-92D1-DAC8DD9182A6}" dt="2024-06-26T22:38:39.675" v="1422" actId="478"/>
+          <ac:picMkLst>
+            <pc:docMk/>
+            <pc:sldMk cId="2843438534" sldId="271"/>
+            <ac:picMk id="4" creationId="{42AA169C-429F-FC85-48B7-972956FE13BD}"/>
+          </ac:picMkLst>
+        </pc:picChg>
+        <pc:picChg chg="del mod">
+          <ac:chgData name="Franz Andersch" userId="88b46490-1a31-494c-af6b-e252cc2a642d" providerId="ADAL" clId="{AB1E0CFC-1C57-4A1E-92D1-DAC8DD9182A6}" dt="2024-06-26T22:33:05.033" v="1391" actId="478"/>
+          <ac:picMkLst>
+            <pc:docMk/>
+            <pc:sldMk cId="2843438534" sldId="271"/>
+            <ac:picMk id="6" creationId="{4FB258AB-A900-DFBA-CB32-3FC4EC64818C}"/>
+          </ac:picMkLst>
+        </pc:picChg>
+        <pc:picChg chg="del mod ord replST">
+          <ac:chgData name="Franz Andersch" userId="88b46490-1a31-494c-af6b-e252cc2a642d" providerId="ADAL" clId="{AB1E0CFC-1C57-4A1E-92D1-DAC8DD9182A6}" dt="2024-06-26T22:38:53.218" v="1453" actId="478"/>
+          <ac:picMkLst>
+            <pc:docMk/>
+            <pc:sldMk cId="2843438534" sldId="271"/>
+            <ac:picMk id="7" creationId="{3D283D81-158B-6651-36CF-FA138E69BA83}"/>
+          </ac:picMkLst>
+        </pc:picChg>
+        <pc:picChg chg="del mod ord replST">
+          <ac:chgData name="Franz Andersch" userId="88b46490-1a31-494c-af6b-e252cc2a642d" providerId="ADAL" clId="{AB1E0CFC-1C57-4A1E-92D1-DAC8DD9182A6}" dt="2024-06-26T22:40:28.884" v="1485" actId="478"/>
+          <ac:picMkLst>
+            <pc:docMk/>
+            <pc:sldMk cId="2843438534" sldId="271"/>
+            <ac:picMk id="9" creationId="{AC6AFED4-2C8C-C9F0-8945-DB5CC72D0EEF}"/>
+          </ac:picMkLst>
+        </pc:picChg>
+        <pc:picChg chg="del mod">
+          <ac:chgData name="Franz Andersch" userId="88b46490-1a31-494c-af6b-e252cc2a642d" providerId="ADAL" clId="{AB1E0CFC-1C57-4A1E-92D1-DAC8DD9182A6}" dt="2024-06-26T22:39:02.803" v="1457" actId="478"/>
+          <ac:picMkLst>
+            <pc:docMk/>
+            <pc:sldMk cId="2843438534" sldId="271"/>
+            <ac:picMk id="10" creationId="{61AB07FF-8D31-3186-850F-DC65A7D0D908}"/>
+          </ac:picMkLst>
+        </pc:picChg>
+        <pc:picChg chg="del mod ord replST">
+          <ac:chgData name="Franz Andersch" userId="88b46490-1a31-494c-af6b-e252cc2a642d" providerId="ADAL" clId="{AB1E0CFC-1C57-4A1E-92D1-DAC8DD9182A6}" dt="2024-06-26T22:40:55.394" v="1515" actId="478"/>
+          <ac:picMkLst>
+            <pc:docMk/>
+            <pc:sldMk cId="2843438534" sldId="271"/>
+            <ac:picMk id="12" creationId="{14B007E5-28E2-8F59-937C-277F68902E2E}"/>
+          </ac:picMkLst>
+        </pc:picChg>
+        <pc:picChg chg="mod ord replST">
+          <ac:chgData name="Franz Andersch" userId="88b46490-1a31-494c-af6b-e252cc2a642d" providerId="ADAL" clId="{AB1E0CFC-1C57-4A1E-92D1-DAC8DD9182A6}" dt="2024-06-26T22:41:36.524" v="1518" actId="1076"/>
+          <ac:picMkLst>
+            <pc:docMk/>
+            <pc:sldMk cId="2843438534" sldId="271"/>
+            <ac:picMk id="14" creationId="{103937DF-EA0B-3A26-A354-FDD0289EF375}"/>
+          </ac:picMkLst>
+        </pc:picChg>
+      </pc:sldChg>
+      <pc:sldChg chg="delSp modSp add mod">
+        <pc:chgData name="Franz Andersch" userId="88b46490-1a31-494c-af6b-e252cc2a642d" providerId="ADAL" clId="{AB1E0CFC-1C57-4A1E-92D1-DAC8DD9182A6}" dt="2024-06-26T22:51:30.475" v="1639" actId="962"/>
+        <pc:sldMkLst>
+          <pc:docMk/>
+          <pc:sldMk cId="1273915984" sldId="272"/>
+        </pc:sldMkLst>
+        <pc:picChg chg="del mod ord replST">
+          <ac:chgData name="Franz Andersch" userId="88b46490-1a31-494c-af6b-e252cc2a642d" providerId="ADAL" clId="{AB1E0CFC-1C57-4A1E-92D1-DAC8DD9182A6}" dt="2024-06-26T22:44:55.168" v="1577" actId="478"/>
+          <ac:picMkLst>
+            <pc:docMk/>
+            <pc:sldMk cId="1273915984" sldId="272"/>
+            <ac:picMk id="4" creationId="{472FC927-584D-5A7B-AEF9-F3325B7E49A7}"/>
+          </ac:picMkLst>
+        </pc:picChg>
+        <pc:picChg chg="del mod ord replST">
+          <ac:chgData name="Franz Andersch" userId="88b46490-1a31-494c-af6b-e252cc2a642d" providerId="ADAL" clId="{AB1E0CFC-1C57-4A1E-92D1-DAC8DD9182A6}" dt="2024-06-26T22:50:22.632" v="1607" actId="478"/>
+          <ac:picMkLst>
+            <pc:docMk/>
+            <pc:sldMk cId="1273915984" sldId="272"/>
+            <ac:picMk id="6" creationId="{402CAB7C-29E6-C717-5316-28BCF13668E8}"/>
+          </ac:picMkLst>
+        </pc:picChg>
+        <pc:picChg chg="del mod ord replST">
+          <ac:chgData name="Franz Andersch" userId="88b46490-1a31-494c-af6b-e252cc2a642d" providerId="ADAL" clId="{AB1E0CFC-1C57-4A1E-92D1-DAC8DD9182A6}" dt="2024-06-26T22:51:30.474" v="1637" actId="478"/>
+          <ac:picMkLst>
+            <pc:docMk/>
+            <pc:sldMk cId="1273915984" sldId="272"/>
+            <ac:picMk id="8" creationId="{FEFD9D21-6485-6131-1AE4-010481EB3DB2}"/>
+          </ac:picMkLst>
+        </pc:picChg>
+        <pc:picChg chg="mod ord replST">
+          <ac:chgData name="Franz Andersch" userId="88b46490-1a31-494c-af6b-e252cc2a642d" providerId="ADAL" clId="{AB1E0CFC-1C57-4A1E-92D1-DAC8DD9182A6}" dt="2024-06-26T22:51:30.475" v="1639" actId="962"/>
+          <ac:picMkLst>
+            <pc:docMk/>
+            <pc:sldMk cId="1273915984" sldId="272"/>
+            <ac:picMk id="10" creationId="{5A391A54-56F0-BB15-3E45-02C9C5FF7A63}"/>
+          </ac:picMkLst>
+        </pc:picChg>
+        <pc:picChg chg="del mod">
+          <ac:chgData name="Franz Andersch" userId="88b46490-1a31-494c-af6b-e252cc2a642d" providerId="ADAL" clId="{AB1E0CFC-1C57-4A1E-92D1-DAC8DD9182A6}" dt="2024-06-26T22:42:26.560" v="1547" actId="478"/>
+          <ac:picMkLst>
+            <pc:docMk/>
+            <pc:sldMk cId="1273915984" sldId="272"/>
+            <ac:picMk id="14" creationId="{103937DF-EA0B-3A26-A354-FDD0289EF375}"/>
+          </ac:picMkLst>
+        </pc:picChg>
+      </pc:sldChg>
+      <pc:sldChg chg="add">
+        <pc:chgData name="Franz Andersch" userId="88b46490-1a31-494c-af6b-e252cc2a642d" providerId="ADAL" clId="{AB1E0CFC-1C57-4A1E-92D1-DAC8DD9182A6}" dt="2024-06-26T22:51:35.629" v="1640" actId="2890"/>
+        <pc:sldMkLst>
+          <pc:docMk/>
+          <pc:sldMk cId="3291923032" sldId="273"/>
+        </pc:sldMkLst>
       </pc:sldChg>
     </pc:docChg>
   </pc:docChgLst>
@@ -4081,11 +4257,11 @@
             </a:r>
             <a:r>
               <a:rPr lang="de-DE" dirty="0"/>
-              <a:t>: Support </a:t>
+              <a:t>: Setting </a:t>
             </a:r>
             <a:r>
               <a:rPr lang="de-DE" dirty="0" err="1"/>
-              <a:t>vector</a:t>
+              <a:t>up</a:t>
             </a:r>
             <a:r>
               <a:rPr lang="de-DE" dirty="0"/>
@@ -4093,41 +4269,56 @@
             </a:r>
             <a:r>
               <a:rPr lang="de-DE" dirty="0" err="1"/>
-              <a:t>classifier</a:t>
+              <a:t>Constraints</a:t>
             </a:r>
             <a:endParaRPr lang="de-DE" dirty="0"/>
           </a:p>
         </p:txBody>
       </p:sp>
-      <p:sp>
-        <p:nvSpPr>
-          <p:cNvPr id="3" name="Inhaltsplatzhalter 2">
+      <p:pic>
+        <p:nvPicPr>
+          <p:cNvPr id="10" name="Grafik 9" descr="\documentclass[20pt]{article}&#10;\usepackage{amsmath,amsfonts,amssymb,xcolor, mathtools}&#10;\pagestyle{empty}&#10;\usepackage[T1]{fontenc}&#10;\usepackage{fontspec}&#10;\setsansfont{Arial}&#10;\renewcommand\familydefault{\sfdefault}&#10;\begin{document}&#10;\begin{itemize}&#10;\item for the maximization the constraints that   $\beta \cdot x+\beta_0\ge 1$ for \textcolor{red}{positive} \newline and ($\beta \cdot x+\beta_0\le -1$) for \textcolor{green}{negative} are still to respect&#10;&#10;\item goal: merge both constraints in one&#10;\item introduce new variable $y$ with $y=1$ for positive samples and $y=-1$ for negative samples&#10;\item leading to constraint $y(\beta x+\beta_0)\ge 1$&#10;\item Maximization over Lagrange Multiplier &#10;\end{itemize}&#10;\end{document}" title="IguanaTex Picture Display">
             <a:extLst>
               <a:ext uri="{FF2B5EF4-FFF2-40B4-BE49-F238E27FC236}">
-                <a16:creationId xmlns:a16="http://schemas.microsoft.com/office/drawing/2014/main" id="{B6EBCD5F-A998-E34B-B609-7A4D246D72F7}"/>
+                <a16:creationId xmlns:a16="http://schemas.microsoft.com/office/drawing/2014/main" id="{5A391A54-56F0-BB15-3E45-02C9C5FF7A63}"/>
               </a:ext>
             </a:extLst>
           </p:cNvPr>
-          <p:cNvSpPr>
-            <a:spLocks noGrp="1"/>
-          </p:cNvSpPr>
+          <p:cNvPicPr>
+            <a:picLocks noChangeAspect="1"/>
+          </p:cNvPicPr>
           <p:nvPr>
-            <p:ph idx="1"/>
+            <p:custDataLst>
+              <p:tags r:id="rId1"/>
+            </p:custDataLst>
           </p:nvPr>
-        </p:nvSpPr>
-        <p:spPr/>
-        <p:txBody>
-          <a:bodyPr/>
-          <a:lstStyle/>
-          <a:p>
-            <a:endParaRPr lang="de-DE" sz="2000" dirty="0"/>
-          </a:p>
-        </p:txBody>
-      </p:sp>
+        </p:nvPicPr>
+        <p:blipFill>
+          <a:blip r:embed="rId3">
+            <a:extLst>
+              <a:ext uri="{28A0092B-C50C-407E-A947-70E740481C1C}">
+                <a14:useLocalDpi xmlns:a14="http://schemas.microsoft.com/office/drawing/2010/main" val="0"/>
+              </a:ext>
+            </a:extLst>
+          </a:blip>
+          <a:stretch>
+            <a:fillRect/>
+          </a:stretch>
+        </p:blipFill>
+        <p:spPr>
+          <a:xfrm>
+            <a:off x="683569" y="1419622"/>
+            <a:ext cx="7467316" cy="2656027"/>
+          </a:xfrm>
+          <a:prstGeom prst="rect">
+            <a:avLst/>
+          </a:prstGeom>
+        </p:spPr>
+      </p:pic>
     </p:spTree>
     <p:extLst>
       <p:ext uri="{BB962C8B-B14F-4D97-AF65-F5344CB8AC3E}">
-        <p14:creationId xmlns:p14="http://schemas.microsoft.com/office/powerpoint/2010/main" val="2939723199"/>
+        <p14:creationId xmlns:p14="http://schemas.microsoft.com/office/powerpoint/2010/main" val="1273915984"/>
       </p:ext>
     </p:extLst>
   </p:cSld>
@@ -4197,2147 +4388,6 @@
             </a:r>
             <a:r>
               <a:rPr lang="de-DE" dirty="0"/>
-              <a:t>: Support </a:t>
-            </a:r>
-            <a:r>
-              <a:rPr lang="de-DE" dirty="0" err="1"/>
-              <a:t>vector</a:t>
-            </a:r>
-            <a:r>
-              <a:rPr lang="de-DE" dirty="0"/>
-              <a:t> </a:t>
-            </a:r>
-            <a:r>
-              <a:rPr lang="de-DE" dirty="0" err="1"/>
-              <a:t>machine</a:t>
-            </a:r>
-            <a:endParaRPr lang="de-DE" dirty="0"/>
-          </a:p>
-        </p:txBody>
-      </p:sp>
-      <p:sp>
-        <p:nvSpPr>
-          <p:cNvPr id="3" name="Inhaltsplatzhalter 2">
-            <a:extLst>
-              <a:ext uri="{FF2B5EF4-FFF2-40B4-BE49-F238E27FC236}">
-                <a16:creationId xmlns:a16="http://schemas.microsoft.com/office/drawing/2014/main" id="{B6EBCD5F-A998-E34B-B609-7A4D246D72F7}"/>
-              </a:ext>
-            </a:extLst>
-          </p:cNvPr>
-          <p:cNvSpPr>
-            <a:spLocks noGrp="1"/>
-          </p:cNvSpPr>
-          <p:nvPr>
-            <p:ph idx="1"/>
-          </p:nvPr>
-        </p:nvSpPr>
-        <p:spPr/>
-        <p:txBody>
-          <a:bodyPr/>
-          <a:lstStyle/>
-          <a:p>
-            <a:endParaRPr lang="de-DE" sz="2000" dirty="0"/>
-          </a:p>
-        </p:txBody>
-      </p:sp>
-    </p:spTree>
-    <p:extLst>
-      <p:ext uri="{BB962C8B-B14F-4D97-AF65-F5344CB8AC3E}">
-        <p14:creationId xmlns:p14="http://schemas.microsoft.com/office/powerpoint/2010/main" val="3746182716"/>
-      </p:ext>
-    </p:extLst>
-  </p:cSld>
-  <p:clrMapOvr>
-    <a:masterClrMapping/>
-  </p:clrMapOvr>
-</p:sld>
-</file>
-
-<file path=ppt/slides/slide12.xml><?xml version="1.0" encoding="utf-8"?>
-<p:sld xmlns:a="http://schemas.openxmlformats.org/drawingml/2006/main" xmlns:r="http://schemas.openxmlformats.org/officeDocument/2006/relationships" xmlns:p="http://schemas.openxmlformats.org/presentationml/2006/main">
-  <p:cSld>
-    <p:spTree>
-      <p:nvGrpSpPr>
-        <p:cNvPr id="1" name=""/>
-        <p:cNvGrpSpPr/>
-        <p:nvPr/>
-      </p:nvGrpSpPr>
-      <p:grpSpPr>
-        <a:xfrm>
-          <a:off x="0" y="0"/>
-          <a:ext cx="0" cy="0"/>
-          <a:chOff x="0" y="0"/>
-          <a:chExt cx="0" cy="0"/>
-        </a:xfrm>
-      </p:grpSpPr>
-      <p:sp>
-        <p:nvSpPr>
-          <p:cNvPr id="2" name="Titel 1">
-            <a:extLst>
-              <a:ext uri="{FF2B5EF4-FFF2-40B4-BE49-F238E27FC236}">
-                <a16:creationId xmlns:a16="http://schemas.microsoft.com/office/drawing/2014/main" id="{9C274E31-D4F7-6C4A-D81C-1BC18A1044AE}"/>
-              </a:ext>
-            </a:extLst>
-          </p:cNvPr>
-          <p:cNvSpPr>
-            <a:spLocks noGrp="1"/>
-          </p:cNvSpPr>
-          <p:nvPr>
-            <p:ph type="title"/>
-          </p:nvPr>
-        </p:nvSpPr>
-        <p:spPr/>
-        <p:txBody>
-          <a:bodyPr/>
-          <a:lstStyle/>
-          <a:p>
-            <a:r>
-              <a:rPr lang="de-DE" dirty="0"/>
-              <a:t>Dataset: ALLBUS</a:t>
-            </a:r>
-          </a:p>
-        </p:txBody>
-      </p:sp>
-      <p:sp>
-        <p:nvSpPr>
-          <p:cNvPr id="3" name="Inhaltsplatzhalter 2">
-            <a:extLst>
-              <a:ext uri="{FF2B5EF4-FFF2-40B4-BE49-F238E27FC236}">
-                <a16:creationId xmlns:a16="http://schemas.microsoft.com/office/drawing/2014/main" id="{A6EE175B-F110-2231-4746-FB0A5137CFF3}"/>
-              </a:ext>
-            </a:extLst>
-          </p:cNvPr>
-          <p:cNvSpPr>
-            <a:spLocks noGrp="1"/>
-          </p:cNvSpPr>
-          <p:nvPr>
-            <p:ph idx="1"/>
-          </p:nvPr>
-        </p:nvSpPr>
-        <p:spPr>
-          <a:xfrm>
-            <a:off x="395536" y="1353344"/>
-            <a:ext cx="7344816" cy="3162622"/>
-          </a:xfrm>
-        </p:spPr>
-        <p:txBody>
-          <a:bodyPr/>
-          <a:lstStyle/>
-          <a:p>
-            <a:r>
-              <a:rPr lang="de-DE" sz="2000" dirty="0"/>
-              <a:t>„General </a:t>
-            </a:r>
-            <a:r>
-              <a:rPr lang="de-DE" sz="2000" dirty="0" err="1"/>
-              <a:t>population</a:t>
-            </a:r>
-            <a:r>
-              <a:rPr lang="de-DE" sz="2000" dirty="0"/>
-              <a:t> </a:t>
-            </a:r>
-            <a:r>
-              <a:rPr lang="de-DE" sz="2000" dirty="0" err="1"/>
-              <a:t>survey</a:t>
-            </a:r>
-            <a:r>
-              <a:rPr lang="de-DE" sz="2000" dirty="0"/>
-              <a:t> </a:t>
-            </a:r>
-            <a:r>
-              <a:rPr lang="de-DE" sz="2000" dirty="0" err="1"/>
-              <a:t>of</a:t>
-            </a:r>
-            <a:r>
-              <a:rPr lang="de-DE" sz="2000" dirty="0"/>
-              <a:t> </a:t>
-            </a:r>
-            <a:r>
-              <a:rPr lang="de-DE" sz="2000" dirty="0" err="1"/>
-              <a:t>the</a:t>
-            </a:r>
-            <a:r>
-              <a:rPr lang="de-DE" sz="2000" dirty="0"/>
-              <a:t> social </a:t>
-            </a:r>
-            <a:r>
-              <a:rPr lang="de-DE" sz="2000" dirty="0" err="1"/>
-              <a:t>sciences</a:t>
-            </a:r>
-            <a:r>
-              <a:rPr lang="de-DE" sz="2000" dirty="0"/>
-              <a:t>“ 	  </a:t>
-            </a:r>
-            <a:r>
-              <a:rPr lang="de-DE" sz="1000" dirty="0"/>
-              <a:t>(Allgemeine Bevölkerungsumfrage der Sozialwissenschaften)</a:t>
-            </a:r>
-          </a:p>
-          <a:p>
-            <a:r>
-              <a:rPr lang="de-DE" sz="2000" b="1" dirty="0"/>
-              <a:t>Response Variable</a:t>
-            </a:r>
-            <a:r>
-              <a:rPr lang="de-DE" sz="2000" dirty="0"/>
-              <a:t>:</a:t>
-            </a:r>
-          </a:p>
-          <a:p>
-            <a:pPr lvl="1"/>
-            <a:r>
-              <a:rPr lang="de-DE" sz="1800" dirty="0"/>
-              <a:t>„Federal </a:t>
-            </a:r>
-            <a:r>
-              <a:rPr lang="de-DE" sz="1800" dirty="0" err="1"/>
-              <a:t>state</a:t>
-            </a:r>
-            <a:r>
-              <a:rPr lang="de-DE" sz="1800" dirty="0"/>
-              <a:t> </a:t>
-            </a:r>
-            <a:r>
-              <a:rPr lang="de-DE" sz="1800" dirty="0" err="1"/>
-              <a:t>where</a:t>
-            </a:r>
-            <a:r>
-              <a:rPr lang="de-DE" sz="1800" dirty="0"/>
-              <a:t> </a:t>
-            </a:r>
-            <a:r>
-              <a:rPr lang="de-DE" sz="1800" dirty="0" err="1"/>
-              <a:t>interviewee</a:t>
-            </a:r>
-            <a:r>
-              <a:rPr lang="de-DE" sz="1800" dirty="0"/>
-              <a:t> </a:t>
-            </a:r>
-            <a:r>
-              <a:rPr lang="de-DE" sz="1800" dirty="0" err="1"/>
-              <a:t>lived</a:t>
-            </a:r>
-            <a:r>
-              <a:rPr lang="de-DE" sz="1800" dirty="0"/>
-              <a:t> in </a:t>
-            </a:r>
-            <a:r>
-              <a:rPr lang="de-DE" sz="1800" dirty="0" err="1"/>
-              <a:t>youth</a:t>
-            </a:r>
-            <a:r>
-              <a:rPr lang="de-DE" sz="1800" dirty="0"/>
-              <a:t>“</a:t>
-            </a:r>
-          </a:p>
-          <a:p>
-            <a:pPr lvl="1"/>
-            <a:r>
-              <a:rPr lang="de-DE" sz="1800" dirty="0" err="1">
-                <a:sym typeface="Wingdings" panose="05000000000000000000" pitchFamily="2" charset="2"/>
-              </a:rPr>
-              <a:t>coded</a:t>
-            </a:r>
-            <a:r>
-              <a:rPr lang="de-DE" sz="1800" dirty="0">
-                <a:sym typeface="Wingdings" panose="05000000000000000000" pitchFamily="2" charset="2"/>
-              </a:rPr>
-              <a:t> </a:t>
-            </a:r>
-            <a:r>
-              <a:rPr lang="de-DE" sz="1800" dirty="0" err="1">
-                <a:sym typeface="Wingdings" panose="05000000000000000000" pitchFamily="2" charset="2"/>
-              </a:rPr>
-              <a:t>to</a:t>
-            </a:r>
-            <a:r>
-              <a:rPr lang="de-DE" sz="1800" dirty="0">
-                <a:sym typeface="Wingdings" panose="05000000000000000000" pitchFamily="2" charset="2"/>
-              </a:rPr>
-              <a:t> „Youth in East/West Germany“</a:t>
-            </a:r>
-            <a:endParaRPr lang="de-DE" sz="1800" dirty="0"/>
-          </a:p>
-          <a:p>
-            <a:r>
-              <a:rPr lang="de-DE" sz="2000" b="1" dirty="0" err="1"/>
-              <a:t>Predictor</a:t>
-            </a:r>
-            <a:r>
-              <a:rPr lang="de-DE" sz="2000" b="1" dirty="0"/>
-              <a:t> Variables</a:t>
-            </a:r>
-            <a:r>
-              <a:rPr lang="de-DE" sz="2000" dirty="0"/>
-              <a:t>:</a:t>
-            </a:r>
-          </a:p>
-          <a:p>
-            <a:pPr lvl="1"/>
-            <a:r>
-              <a:rPr lang="de-DE" sz="1800" dirty="0"/>
-              <a:t>121 variables </a:t>
-            </a:r>
-            <a:r>
-              <a:rPr lang="de-DE" sz="1800" dirty="0" err="1"/>
-              <a:t>concerning</a:t>
-            </a:r>
-            <a:r>
-              <a:rPr lang="de-DE" sz="1800" dirty="0"/>
-              <a:t> </a:t>
-            </a:r>
-            <a:r>
-              <a:rPr lang="de-DE" sz="1800" dirty="0" err="1"/>
-              <a:t>attitudes</a:t>
-            </a:r>
-            <a:r>
-              <a:rPr lang="de-DE" sz="1800" dirty="0"/>
-              <a:t>, </a:t>
-            </a:r>
-            <a:r>
-              <a:rPr lang="de-DE" sz="1800" dirty="0" err="1"/>
-              <a:t>behavior</a:t>
-            </a:r>
-            <a:r>
-              <a:rPr lang="de-DE" sz="1800" dirty="0"/>
-              <a:t> and social </a:t>
-            </a:r>
-            <a:r>
-              <a:rPr lang="de-DE" sz="1800" dirty="0" err="1"/>
-              <a:t>change</a:t>
-            </a:r>
-            <a:endParaRPr lang="de-DE" sz="1800" dirty="0"/>
-          </a:p>
-        </p:txBody>
-      </p:sp>
-    </p:spTree>
-    <p:extLst>
-      <p:ext uri="{BB962C8B-B14F-4D97-AF65-F5344CB8AC3E}">
-        <p14:creationId xmlns:p14="http://schemas.microsoft.com/office/powerpoint/2010/main" val="2732348097"/>
-      </p:ext>
-    </p:extLst>
-  </p:cSld>
-  <p:clrMapOvr>
-    <a:masterClrMapping/>
-  </p:clrMapOvr>
-</p:sld>
-</file>
-
-<file path=ppt/slides/slide13.xml><?xml version="1.0" encoding="utf-8"?>
-<p:sld xmlns:a="http://schemas.openxmlformats.org/drawingml/2006/main" xmlns:r="http://schemas.openxmlformats.org/officeDocument/2006/relationships" xmlns:p="http://schemas.openxmlformats.org/presentationml/2006/main">
-  <p:cSld>
-    <p:spTree>
-      <p:nvGrpSpPr>
-        <p:cNvPr id="1" name=""/>
-        <p:cNvGrpSpPr/>
-        <p:nvPr/>
-      </p:nvGrpSpPr>
-      <p:grpSpPr>
-        <a:xfrm>
-          <a:off x="0" y="0"/>
-          <a:ext cx="0" cy="0"/>
-          <a:chOff x="0" y="0"/>
-          <a:chExt cx="0" cy="0"/>
-        </a:xfrm>
-      </p:grpSpPr>
-      <p:sp>
-        <p:nvSpPr>
-          <p:cNvPr id="2" name="Titel 1">
-            <a:extLst>
-              <a:ext uri="{FF2B5EF4-FFF2-40B4-BE49-F238E27FC236}">
-                <a16:creationId xmlns:a16="http://schemas.microsoft.com/office/drawing/2014/main" id="{9C274E31-D4F7-6C4A-D81C-1BC18A1044AE}"/>
-              </a:ext>
-            </a:extLst>
-          </p:cNvPr>
-          <p:cNvSpPr>
-            <a:spLocks noGrp="1"/>
-          </p:cNvSpPr>
-          <p:nvPr>
-            <p:ph type="title"/>
-          </p:nvPr>
-        </p:nvSpPr>
-        <p:spPr/>
-        <p:txBody>
-          <a:bodyPr/>
-          <a:lstStyle/>
-          <a:p>
-            <a:r>
-              <a:rPr lang="de-DE" dirty="0"/>
-              <a:t>Dataset: ALLBUS</a:t>
-            </a:r>
-          </a:p>
-        </p:txBody>
-      </p:sp>
-      <p:sp>
-        <p:nvSpPr>
-          <p:cNvPr id="3" name="Inhaltsplatzhalter 2">
-            <a:extLst>
-              <a:ext uri="{FF2B5EF4-FFF2-40B4-BE49-F238E27FC236}">
-                <a16:creationId xmlns:a16="http://schemas.microsoft.com/office/drawing/2014/main" id="{A6EE175B-F110-2231-4746-FB0A5137CFF3}"/>
-              </a:ext>
-            </a:extLst>
-          </p:cNvPr>
-          <p:cNvSpPr>
-            <a:spLocks noGrp="1"/>
-          </p:cNvSpPr>
-          <p:nvPr>
-            <p:ph idx="1"/>
-          </p:nvPr>
-        </p:nvSpPr>
-        <p:spPr>
-          <a:xfrm>
-            <a:off x="395536" y="1353344"/>
-            <a:ext cx="7344816" cy="3162622"/>
-          </a:xfrm>
-        </p:spPr>
-        <p:txBody>
-          <a:bodyPr/>
-          <a:lstStyle/>
-          <a:p>
-            <a:r>
-              <a:rPr lang="de-DE" sz="2000" b="1" dirty="0"/>
-              <a:t>Data </a:t>
-            </a:r>
-            <a:r>
-              <a:rPr lang="de-DE" sz="2000" b="1" dirty="0" err="1"/>
-              <a:t>Preparation</a:t>
-            </a:r>
-            <a:r>
-              <a:rPr lang="de-DE" sz="2000" b="1" dirty="0"/>
-              <a:t>:</a:t>
-            </a:r>
-          </a:p>
-          <a:p>
-            <a:pPr lvl="1"/>
-            <a:r>
-              <a:rPr lang="de-DE" sz="1800" dirty="0" err="1"/>
-              <a:t>Only</a:t>
-            </a:r>
-            <a:r>
-              <a:rPr lang="de-DE" sz="1800" dirty="0"/>
-              <a:t> </a:t>
-            </a:r>
-            <a:r>
-              <a:rPr lang="de-DE" sz="1800" dirty="0" err="1"/>
-              <a:t>include</a:t>
-            </a:r>
-            <a:r>
-              <a:rPr lang="de-DE" sz="1800" dirty="0"/>
-              <a:t> </a:t>
-            </a:r>
-            <a:r>
-              <a:rPr lang="de-DE" sz="1800" dirty="0" err="1"/>
-              <a:t>questions</a:t>
-            </a:r>
-            <a:r>
-              <a:rPr lang="de-DE" sz="1800" dirty="0"/>
-              <a:t> </a:t>
-            </a:r>
-            <a:r>
-              <a:rPr lang="de-DE" sz="1800" dirty="0" err="1"/>
-              <a:t>answered</a:t>
-            </a:r>
-            <a:r>
-              <a:rPr lang="de-DE" sz="1800" dirty="0"/>
-              <a:t> in all 3 Splits</a:t>
-            </a:r>
-          </a:p>
-          <a:p>
-            <a:pPr lvl="1"/>
-            <a:r>
-              <a:rPr lang="de-DE" sz="1800" dirty="0" err="1"/>
-              <a:t>Exclude</a:t>
-            </a:r>
-            <a:r>
-              <a:rPr lang="de-DE" sz="1800" dirty="0"/>
-              <a:t> </a:t>
-            </a:r>
-            <a:r>
-              <a:rPr lang="de-DE" sz="1800" dirty="0" err="1"/>
-              <a:t>questions</a:t>
-            </a:r>
-            <a:r>
-              <a:rPr lang="de-DE" sz="1800" dirty="0"/>
-              <a:t> </a:t>
-            </a:r>
-            <a:r>
-              <a:rPr lang="de-DE" sz="1800" dirty="0" err="1"/>
-              <a:t>with</a:t>
-            </a:r>
-            <a:r>
-              <a:rPr lang="de-DE" sz="1800" dirty="0"/>
-              <a:t> &gt; 5% NA</a:t>
-            </a:r>
-          </a:p>
-          <a:p>
-            <a:pPr lvl="1"/>
-            <a:r>
-              <a:rPr lang="de-DE" sz="1800" dirty="0" err="1"/>
-              <a:t>Exclude</a:t>
-            </a:r>
-            <a:r>
-              <a:rPr lang="de-DE" sz="1800" dirty="0"/>
-              <a:t> </a:t>
-            </a:r>
-            <a:r>
-              <a:rPr lang="de-DE" sz="1800" dirty="0" err="1"/>
-              <a:t>observations</a:t>
-            </a:r>
-            <a:r>
-              <a:rPr lang="de-DE" sz="1800" dirty="0"/>
-              <a:t> </a:t>
-            </a:r>
-            <a:r>
-              <a:rPr lang="de-DE" sz="1800" dirty="0" err="1"/>
-              <a:t>with</a:t>
-            </a:r>
-            <a:r>
-              <a:rPr lang="de-DE" sz="1800" dirty="0"/>
-              <a:t> NA</a:t>
-            </a:r>
-          </a:p>
-          <a:p>
-            <a:r>
-              <a:rPr lang="de-DE" sz="2000" dirty="0"/>
-              <a:t>After </a:t>
-            </a:r>
-            <a:r>
-              <a:rPr lang="de-DE" sz="2000" dirty="0" err="1"/>
-              <a:t>Preparation</a:t>
-            </a:r>
-            <a:r>
-              <a:rPr lang="de-DE" sz="2000" dirty="0"/>
-              <a:t>: 2509 </a:t>
-            </a:r>
-            <a:r>
-              <a:rPr lang="de-DE" sz="2000" dirty="0" err="1"/>
-              <a:t>observations</a:t>
-            </a:r>
-            <a:r>
-              <a:rPr lang="de-DE" sz="2000" dirty="0"/>
-              <a:t> and 122 variables</a:t>
-            </a:r>
-          </a:p>
-        </p:txBody>
-      </p:sp>
-    </p:spTree>
-    <p:extLst>
-      <p:ext uri="{BB962C8B-B14F-4D97-AF65-F5344CB8AC3E}">
-        <p14:creationId xmlns:p14="http://schemas.microsoft.com/office/powerpoint/2010/main" val="3828027156"/>
-      </p:ext>
-    </p:extLst>
-  </p:cSld>
-  <p:clrMapOvr>
-    <a:masterClrMapping/>
-  </p:clrMapOvr>
-</p:sld>
-</file>
-
-<file path=ppt/slides/slide14.xml><?xml version="1.0" encoding="utf-8"?>
-<p:sld xmlns:a="http://schemas.openxmlformats.org/drawingml/2006/main" xmlns:r="http://schemas.openxmlformats.org/officeDocument/2006/relationships" xmlns:p="http://schemas.openxmlformats.org/presentationml/2006/main">
-  <p:cSld>
-    <p:spTree>
-      <p:nvGrpSpPr>
-        <p:cNvPr id="1" name=""/>
-        <p:cNvGrpSpPr/>
-        <p:nvPr/>
-      </p:nvGrpSpPr>
-      <p:grpSpPr>
-        <a:xfrm>
-          <a:off x="0" y="0"/>
-          <a:ext cx="0" cy="0"/>
-          <a:chOff x="0" y="0"/>
-          <a:chExt cx="0" cy="0"/>
-        </a:xfrm>
-      </p:grpSpPr>
-      <p:sp>
-        <p:nvSpPr>
-          <p:cNvPr id="2" name="Titel 1">
-            <a:extLst>
-              <a:ext uri="{FF2B5EF4-FFF2-40B4-BE49-F238E27FC236}">
-                <a16:creationId xmlns:a16="http://schemas.microsoft.com/office/drawing/2014/main" id="{44ED17ED-09C8-55E6-DF2F-BBE1E913B8D2}"/>
-              </a:ext>
-            </a:extLst>
-          </p:cNvPr>
-          <p:cNvSpPr>
-            <a:spLocks noGrp="1"/>
-          </p:cNvSpPr>
-          <p:nvPr>
-            <p:ph type="title"/>
-          </p:nvPr>
-        </p:nvSpPr>
-        <p:spPr/>
-        <p:txBody>
-          <a:bodyPr/>
-          <a:lstStyle/>
-          <a:p>
-            <a:r>
-              <a:rPr lang="de-DE" dirty="0"/>
-              <a:t>Simulation </a:t>
-            </a:r>
-            <a:r>
-              <a:rPr lang="de-DE" dirty="0" err="1"/>
-              <a:t>study</a:t>
-            </a:r>
-            <a:endParaRPr lang="de-DE" dirty="0"/>
-          </a:p>
-        </p:txBody>
-      </p:sp>
-      <p:sp>
-        <p:nvSpPr>
-          <p:cNvPr id="3" name="Inhaltsplatzhalter 2">
-            <a:extLst>
-              <a:ext uri="{FF2B5EF4-FFF2-40B4-BE49-F238E27FC236}">
-                <a16:creationId xmlns:a16="http://schemas.microsoft.com/office/drawing/2014/main" id="{DE4E10F2-1F49-793B-6371-20F0C962B1D9}"/>
-              </a:ext>
-            </a:extLst>
-          </p:cNvPr>
-          <p:cNvSpPr>
-            <a:spLocks noGrp="1"/>
-          </p:cNvSpPr>
-          <p:nvPr>
-            <p:ph idx="1"/>
-          </p:nvPr>
-        </p:nvSpPr>
-        <p:spPr/>
-        <p:txBody>
-          <a:bodyPr/>
-          <a:lstStyle/>
-          <a:p>
-            <a:r>
-              <a:rPr lang="de-DE" sz="2000" dirty="0"/>
-              <a:t>Measurement </a:t>
-            </a:r>
-            <a:r>
-              <a:rPr lang="de-DE" sz="2000" dirty="0" err="1"/>
-              <a:t>of</a:t>
-            </a:r>
-            <a:r>
-              <a:rPr lang="de-DE" sz="2000" dirty="0"/>
-              <a:t> </a:t>
-            </a:r>
-            <a:r>
-              <a:rPr lang="de-DE" sz="2000" dirty="0" err="1"/>
-              <a:t>accuracy</a:t>
-            </a:r>
-            <a:r>
-              <a:rPr lang="de-DE" sz="2000" dirty="0"/>
-              <a:t>:</a:t>
-            </a:r>
-          </a:p>
-          <a:p>
-            <a:pPr lvl="1"/>
-            <a:r>
-              <a:rPr lang="en-GB" sz="1800" dirty="0"/>
-              <a:t>Misclassification</a:t>
-            </a:r>
-            <a:r>
-              <a:rPr lang="de-DE" sz="1800" dirty="0"/>
-              <a:t> rate</a:t>
-            </a:r>
-          </a:p>
-          <a:p>
-            <a:pPr lvl="1"/>
-            <a:r>
-              <a:rPr lang="de-DE" sz="1800" dirty="0"/>
-              <a:t>ROC </a:t>
-            </a:r>
-            <a:r>
-              <a:rPr lang="de-DE" sz="1800" dirty="0" err="1"/>
-              <a:t>curve</a:t>
-            </a:r>
-            <a:endParaRPr lang="de-DE" sz="1800" dirty="0"/>
-          </a:p>
-        </p:txBody>
-      </p:sp>
-    </p:spTree>
-    <p:extLst>
-      <p:ext uri="{BB962C8B-B14F-4D97-AF65-F5344CB8AC3E}">
-        <p14:creationId xmlns:p14="http://schemas.microsoft.com/office/powerpoint/2010/main" val="1886016345"/>
-      </p:ext>
-    </p:extLst>
-  </p:cSld>
-  <p:clrMapOvr>
-    <a:masterClrMapping/>
-  </p:clrMapOvr>
-</p:sld>
-</file>
-
-<file path=ppt/slides/slide15.xml><?xml version="1.0" encoding="utf-8"?>
-<p:sld xmlns:a="http://schemas.openxmlformats.org/drawingml/2006/main" xmlns:r="http://schemas.openxmlformats.org/officeDocument/2006/relationships" xmlns:p="http://schemas.openxmlformats.org/presentationml/2006/main">
-  <p:cSld>
-    <p:spTree>
-      <p:nvGrpSpPr>
-        <p:cNvPr id="1" name=""/>
-        <p:cNvGrpSpPr/>
-        <p:nvPr/>
-      </p:nvGrpSpPr>
-      <p:grpSpPr>
-        <a:xfrm>
-          <a:off x="0" y="0"/>
-          <a:ext cx="0" cy="0"/>
-          <a:chOff x="0" y="0"/>
-          <a:chExt cx="0" cy="0"/>
-        </a:xfrm>
-      </p:grpSpPr>
-      <p:sp>
-        <p:nvSpPr>
-          <p:cNvPr id="2" name="Titel 1">
-            <a:extLst>
-              <a:ext uri="{FF2B5EF4-FFF2-40B4-BE49-F238E27FC236}">
-                <a16:creationId xmlns:a16="http://schemas.microsoft.com/office/drawing/2014/main" id="{5841DC02-6942-A02F-3690-049179BDDFFB}"/>
-              </a:ext>
-            </a:extLst>
-          </p:cNvPr>
-          <p:cNvSpPr>
-            <a:spLocks noGrp="1"/>
-          </p:cNvSpPr>
-          <p:nvPr>
-            <p:ph type="title"/>
-          </p:nvPr>
-        </p:nvSpPr>
-        <p:spPr/>
-        <p:txBody>
-          <a:bodyPr/>
-          <a:lstStyle/>
-          <a:p>
-            <a:r>
-              <a:rPr lang="de-DE" dirty="0"/>
-              <a:t>Eventuell Vergleich zur logistischen Regression</a:t>
-            </a:r>
-          </a:p>
-        </p:txBody>
-      </p:sp>
-      <p:sp>
-        <p:nvSpPr>
-          <p:cNvPr id="3" name="Inhaltsplatzhalter 2">
-            <a:extLst>
-              <a:ext uri="{FF2B5EF4-FFF2-40B4-BE49-F238E27FC236}">
-                <a16:creationId xmlns:a16="http://schemas.microsoft.com/office/drawing/2014/main" id="{53B72B76-6DAD-D05F-CD79-CA2DDBA8FA0A}"/>
-              </a:ext>
-            </a:extLst>
-          </p:cNvPr>
-          <p:cNvSpPr>
-            <a:spLocks noGrp="1"/>
-          </p:cNvSpPr>
-          <p:nvPr>
-            <p:ph idx="1"/>
-          </p:nvPr>
-        </p:nvSpPr>
-        <p:spPr/>
-        <p:txBody>
-          <a:bodyPr/>
-          <a:lstStyle/>
-          <a:p>
-            <a:endParaRPr lang="de-DE" sz="2000" dirty="0"/>
-          </a:p>
-        </p:txBody>
-      </p:sp>
-    </p:spTree>
-    <p:extLst>
-      <p:ext uri="{BB962C8B-B14F-4D97-AF65-F5344CB8AC3E}">
-        <p14:creationId xmlns:p14="http://schemas.microsoft.com/office/powerpoint/2010/main" val="3939977226"/>
-      </p:ext>
-    </p:extLst>
-  </p:cSld>
-  <p:clrMapOvr>
-    <a:masterClrMapping/>
-  </p:clrMapOvr>
-</p:sld>
-</file>
-
-<file path=ppt/slides/slide2.xml><?xml version="1.0" encoding="utf-8"?>
-<p:sld xmlns:a="http://schemas.openxmlformats.org/drawingml/2006/main" xmlns:r="http://schemas.openxmlformats.org/officeDocument/2006/relationships" xmlns:p="http://schemas.openxmlformats.org/presentationml/2006/main">
-  <p:cSld>
-    <p:spTree>
-      <p:nvGrpSpPr>
-        <p:cNvPr id="1" name=""/>
-        <p:cNvGrpSpPr/>
-        <p:nvPr/>
-      </p:nvGrpSpPr>
-      <p:grpSpPr>
-        <a:xfrm>
-          <a:off x="0" y="0"/>
-          <a:ext cx="0" cy="0"/>
-          <a:chOff x="0" y="0"/>
-          <a:chExt cx="0" cy="0"/>
-        </a:xfrm>
-      </p:grpSpPr>
-      <p:sp>
-        <p:nvSpPr>
-          <p:cNvPr id="3074" name="Titel 1">
-            <a:extLst>
-              <a:ext uri="{FF2B5EF4-FFF2-40B4-BE49-F238E27FC236}">
-                <a16:creationId xmlns:a16="http://schemas.microsoft.com/office/drawing/2014/main" id="{6DDB2B67-49B5-A2AD-F20E-5F73AC373BB3}"/>
-              </a:ext>
-            </a:extLst>
-          </p:cNvPr>
-          <p:cNvSpPr>
-            <a:spLocks noGrp="1"/>
-          </p:cNvSpPr>
-          <p:nvPr>
-            <p:ph type="title"/>
-          </p:nvPr>
-        </p:nvSpPr>
-        <p:spPr bwMode="auto">
-          <a:xfrm>
-            <a:off x="395288" y="268288"/>
-            <a:ext cx="7345362" cy="857250"/>
-          </a:xfrm>
-          <a:noFill/>
-          <a:extLst>
-            <a:ext uri="{909E8E84-426E-40DD-AFC4-6F175D3DCCD1}">
-              <a14:hiddenFill xmlns:a14="http://schemas.microsoft.com/office/drawing/2010/main">
-                <a:solidFill>
-                  <a:srgbClr val="FFFFFF"/>
-                </a:solidFill>
-              </a14:hiddenFill>
-            </a:ext>
-            <a:ext uri="{91240B29-F687-4F45-9708-019B960494DF}">
-              <a14:hiddenLine xmlns:a14="http://schemas.microsoft.com/office/drawing/2010/main" w="9525">
-                <a:solidFill>
-                  <a:srgbClr val="000000"/>
-                </a:solidFill>
-                <a:miter lim="800000"/>
-                <a:headEnd/>
-                <a:tailEnd/>
-              </a14:hiddenLine>
-            </a:ext>
-          </a:extLst>
-        </p:spPr>
-        <p:txBody>
-          <a:bodyPr vert="horz" wrap="square" lIns="91440" tIns="45720" rIns="91440" bIns="45720" numCol="1" anchor="t" anchorCtr="0" compatLnSpc="1">
-            <a:prstTxWarp prst="textNoShape">
-              <a:avLst/>
-            </a:prstTxWarp>
-          </a:bodyPr>
-          <a:lstStyle/>
-          <a:p>
-            <a:r>
-              <a:rPr lang="de-DE" altLang="de-DE" dirty="0" err="1">
-                <a:latin typeface="Arial" panose="020B0604020202020204" pitchFamily="34" charset="0"/>
-              </a:rPr>
-              <a:t>Introduction</a:t>
-            </a:r>
-            <a:endParaRPr lang="de-DE" altLang="de-DE" dirty="0">
-              <a:latin typeface="Arial" panose="020B0604020202020204" pitchFamily="34" charset="0"/>
-            </a:endParaRPr>
-          </a:p>
-        </p:txBody>
-      </p:sp>
-      <p:sp>
-        <p:nvSpPr>
-          <p:cNvPr id="3075" name="Inhaltsplatzhalter 2">
-            <a:extLst>
-              <a:ext uri="{FF2B5EF4-FFF2-40B4-BE49-F238E27FC236}">
-                <a16:creationId xmlns:a16="http://schemas.microsoft.com/office/drawing/2014/main" id="{E23334FB-955A-D960-40EB-30BE064797D7}"/>
-              </a:ext>
-            </a:extLst>
-          </p:cNvPr>
-          <p:cNvSpPr>
-            <a:spLocks noGrp="1"/>
-          </p:cNvSpPr>
-          <p:nvPr>
-            <p:ph idx="1"/>
-          </p:nvPr>
-        </p:nvSpPr>
-        <p:spPr bwMode="auto">
-          <a:xfrm>
-            <a:off x="395288" y="1354138"/>
-            <a:ext cx="7345362" cy="2663825"/>
-          </a:xfrm>
-          <a:noFill/>
-          <a:extLst>
-            <a:ext uri="{909E8E84-426E-40DD-AFC4-6F175D3DCCD1}">
-              <a14:hiddenFill xmlns:a14="http://schemas.microsoft.com/office/drawing/2010/main">
-                <a:solidFill>
-                  <a:srgbClr val="FFFFFF"/>
-                </a:solidFill>
-              </a14:hiddenFill>
-            </a:ext>
-            <a:ext uri="{91240B29-F687-4F45-9708-019B960494DF}">
-              <a14:hiddenLine xmlns:a14="http://schemas.microsoft.com/office/drawing/2010/main" w="9525">
-                <a:solidFill>
-                  <a:srgbClr val="000000"/>
-                </a:solidFill>
-                <a:miter lim="800000"/>
-                <a:headEnd/>
-                <a:tailEnd/>
-              </a14:hiddenLine>
-            </a:ext>
-          </a:extLst>
-        </p:spPr>
-        <p:txBody>
-          <a:bodyPr vert="horz" wrap="square" lIns="91440" tIns="45720" rIns="91440" bIns="45720" numCol="1" anchor="t" anchorCtr="0" compatLnSpc="1">
-            <a:prstTxWarp prst="textNoShape">
-              <a:avLst/>
-            </a:prstTxWarp>
-          </a:bodyPr>
-          <a:lstStyle/>
-          <a:p>
-            <a:pPr marL="0" indent="0">
-              <a:buFontTx/>
-              <a:buNone/>
-            </a:pPr>
-            <a:endParaRPr lang="de-DE" altLang="de-DE" sz="2000" dirty="0">
-              <a:latin typeface="Arial" panose="020B0604020202020204" pitchFamily="34" charset="0"/>
-            </a:endParaRPr>
-          </a:p>
-        </p:txBody>
-      </p:sp>
-    </p:spTree>
-  </p:cSld>
-  <p:clrMapOvr>
-    <a:masterClrMapping/>
-  </p:clrMapOvr>
-</p:sld>
-</file>
-
-<file path=ppt/slides/slide3.xml><?xml version="1.0" encoding="utf-8"?>
-<p:sld xmlns:a="http://schemas.openxmlformats.org/drawingml/2006/main" xmlns:r="http://schemas.openxmlformats.org/officeDocument/2006/relationships" xmlns:p="http://schemas.openxmlformats.org/presentationml/2006/main">
-  <p:cSld>
-    <p:spTree>
-      <p:nvGrpSpPr>
-        <p:cNvPr id="1" name=""/>
-        <p:cNvGrpSpPr/>
-        <p:nvPr/>
-      </p:nvGrpSpPr>
-      <p:grpSpPr>
-        <a:xfrm>
-          <a:off x="0" y="0"/>
-          <a:ext cx="0" cy="0"/>
-          <a:chOff x="0" y="0"/>
-          <a:chExt cx="0" cy="0"/>
-        </a:xfrm>
-      </p:grpSpPr>
-      <p:sp>
-        <p:nvSpPr>
-          <p:cNvPr id="2" name="Titel 1">
-            <a:extLst>
-              <a:ext uri="{FF2B5EF4-FFF2-40B4-BE49-F238E27FC236}">
-                <a16:creationId xmlns:a16="http://schemas.microsoft.com/office/drawing/2014/main" id="{C5DD9AD9-429B-D3E5-6168-8A47BE2A6916}"/>
-              </a:ext>
-            </a:extLst>
-          </p:cNvPr>
-          <p:cNvSpPr>
-            <a:spLocks noGrp="1"/>
-          </p:cNvSpPr>
-          <p:nvPr>
-            <p:ph type="title"/>
-          </p:nvPr>
-        </p:nvSpPr>
-        <p:spPr/>
-        <p:txBody>
-          <a:bodyPr/>
-          <a:lstStyle/>
-          <a:p>
-            <a:r>
-              <a:rPr lang="de-DE" dirty="0"/>
-              <a:t>Basic </a:t>
-            </a:r>
-            <a:r>
-              <a:rPr lang="en-GB" dirty="0"/>
-              <a:t>idea</a:t>
-            </a:r>
-            <a:r>
-              <a:rPr lang="de-DE" dirty="0"/>
-              <a:t> </a:t>
-            </a:r>
-            <a:r>
-              <a:rPr lang="de-DE" dirty="0" err="1"/>
-              <a:t>of</a:t>
-            </a:r>
-            <a:r>
-              <a:rPr lang="de-DE" dirty="0"/>
-              <a:t> Support Vector </a:t>
-            </a:r>
-            <a:r>
-              <a:rPr lang="de-DE" dirty="0" err="1"/>
-              <a:t>Machine</a:t>
-            </a:r>
-            <a:endParaRPr lang="de-DE" dirty="0"/>
-          </a:p>
-        </p:txBody>
-      </p:sp>
-      <p:sp>
-        <p:nvSpPr>
-          <p:cNvPr id="3" name="Inhaltsplatzhalter 2">
-            <a:extLst>
-              <a:ext uri="{FF2B5EF4-FFF2-40B4-BE49-F238E27FC236}">
-                <a16:creationId xmlns:a16="http://schemas.microsoft.com/office/drawing/2014/main" id="{3BC43DA5-B41C-E11A-270A-57CEE43CCCE2}"/>
-              </a:ext>
-            </a:extLst>
-          </p:cNvPr>
-          <p:cNvSpPr>
-            <a:spLocks noGrp="1"/>
-          </p:cNvSpPr>
-          <p:nvPr>
-            <p:ph idx="1"/>
-          </p:nvPr>
-        </p:nvSpPr>
-        <p:spPr/>
-        <p:txBody>
-          <a:bodyPr/>
-          <a:lstStyle/>
-          <a:p>
-            <a:r>
-              <a:rPr lang="en-GB" sz="2000" dirty="0"/>
-              <a:t>Especially effective in </a:t>
-            </a:r>
-            <a:r>
-              <a:rPr lang="en-GB" sz="2000" b="1" dirty="0"/>
-              <a:t>classification</a:t>
-            </a:r>
-            <a:r>
-              <a:rPr lang="en-GB" sz="2000" dirty="0"/>
-              <a:t> (also used for regression)</a:t>
-            </a:r>
-          </a:p>
-          <a:p>
-            <a:r>
-              <a:rPr lang="en-GB" sz="2000" dirty="0"/>
-              <a:t>Find the </a:t>
-            </a:r>
-            <a:r>
-              <a:rPr lang="en-GB" sz="2000" b="1" dirty="0"/>
-              <a:t>hyperplane</a:t>
-            </a:r>
-            <a:r>
-              <a:rPr lang="en-GB" sz="2000" dirty="0"/>
-              <a:t> that </a:t>
-            </a:r>
-            <a:r>
-              <a:rPr lang="en-GB" sz="2000" b="1" dirty="0"/>
-              <a:t>separates</a:t>
-            </a:r>
-            <a:r>
-              <a:rPr lang="en-GB" sz="2000" dirty="0"/>
-              <a:t> classes with the maximum possible </a:t>
-            </a:r>
-            <a:r>
-              <a:rPr lang="en-GB" sz="2000" b="1" dirty="0"/>
-              <a:t>margin</a:t>
-            </a:r>
-          </a:p>
-          <a:p>
-            <a:r>
-              <a:rPr lang="en-GB" sz="2000" dirty="0"/>
-              <a:t>Only the </a:t>
-            </a:r>
-            <a:r>
-              <a:rPr lang="en-GB" sz="2000" b="1" dirty="0"/>
-              <a:t>support vectors </a:t>
-            </a:r>
-            <a:r>
-              <a:rPr lang="en-GB" sz="2000" dirty="0"/>
-              <a:t>(datapoints closest to hyperplane) have direct influence on the position of the hyperplane</a:t>
-            </a:r>
-          </a:p>
-        </p:txBody>
-      </p:sp>
-    </p:spTree>
-    <p:extLst>
-      <p:ext uri="{BB962C8B-B14F-4D97-AF65-F5344CB8AC3E}">
-        <p14:creationId xmlns:p14="http://schemas.microsoft.com/office/powerpoint/2010/main" val="1863654698"/>
-      </p:ext>
-    </p:extLst>
-  </p:cSld>
-  <p:clrMapOvr>
-    <a:masterClrMapping/>
-  </p:clrMapOvr>
-</p:sld>
-</file>
-
-<file path=ppt/slides/slide4.xml><?xml version="1.0" encoding="utf-8"?>
-<p:sld xmlns:a="http://schemas.openxmlformats.org/drawingml/2006/main" xmlns:r="http://schemas.openxmlformats.org/officeDocument/2006/relationships" xmlns:p="http://schemas.openxmlformats.org/presentationml/2006/main">
-  <p:cSld>
-    <p:spTree>
-      <p:nvGrpSpPr>
-        <p:cNvPr id="1" name=""/>
-        <p:cNvGrpSpPr/>
-        <p:nvPr/>
-      </p:nvGrpSpPr>
-      <p:grpSpPr>
-        <a:xfrm>
-          <a:off x="0" y="0"/>
-          <a:ext cx="0" cy="0"/>
-          <a:chOff x="0" y="0"/>
-          <a:chExt cx="0" cy="0"/>
-        </a:xfrm>
-      </p:grpSpPr>
-      <p:sp>
-        <p:nvSpPr>
-          <p:cNvPr id="2" name="Titel 1">
-            <a:extLst>
-              <a:ext uri="{FF2B5EF4-FFF2-40B4-BE49-F238E27FC236}">
-                <a16:creationId xmlns:a16="http://schemas.microsoft.com/office/drawing/2014/main" id="{150630A1-84DF-49F6-B5F8-E57296386700}"/>
-              </a:ext>
-            </a:extLst>
-          </p:cNvPr>
-          <p:cNvSpPr>
-            <a:spLocks noGrp="1"/>
-          </p:cNvSpPr>
-          <p:nvPr>
-            <p:ph type="title"/>
-          </p:nvPr>
-        </p:nvSpPr>
-        <p:spPr/>
-        <p:txBody>
-          <a:bodyPr/>
-          <a:lstStyle/>
-          <a:p>
-            <a:r>
-              <a:rPr lang="de-DE" dirty="0" err="1"/>
-              <a:t>History</a:t>
-            </a:r>
-            <a:r>
-              <a:rPr lang="de-DE" dirty="0"/>
-              <a:t> </a:t>
-            </a:r>
-            <a:r>
-              <a:rPr lang="de-DE" dirty="0" err="1"/>
-              <a:t>of</a:t>
-            </a:r>
-            <a:r>
-              <a:rPr lang="de-DE" dirty="0"/>
-              <a:t> Support Vector </a:t>
-            </a:r>
-            <a:r>
-              <a:rPr lang="de-DE" dirty="0" err="1"/>
-              <a:t>Machine</a:t>
-            </a:r>
-            <a:endParaRPr lang="de-DE" dirty="0"/>
-          </a:p>
-        </p:txBody>
-      </p:sp>
-      <p:sp>
-        <p:nvSpPr>
-          <p:cNvPr id="3" name="Inhaltsplatzhalter 2">
-            <a:extLst>
-              <a:ext uri="{FF2B5EF4-FFF2-40B4-BE49-F238E27FC236}">
-                <a16:creationId xmlns:a16="http://schemas.microsoft.com/office/drawing/2014/main" id="{3FF9D066-9F9C-F31B-20AC-AD293FDA4C4E}"/>
-              </a:ext>
-            </a:extLst>
-          </p:cNvPr>
-          <p:cNvSpPr>
-            <a:spLocks noGrp="1"/>
-          </p:cNvSpPr>
-          <p:nvPr>
-            <p:ph idx="1"/>
-          </p:nvPr>
-        </p:nvSpPr>
-        <p:spPr>
-          <a:xfrm>
-            <a:off x="395536" y="1353344"/>
-            <a:ext cx="8640960" cy="2664633"/>
-          </a:xfrm>
-        </p:spPr>
-        <p:txBody>
-          <a:bodyPr/>
-          <a:lstStyle/>
-          <a:p>
-            <a:r>
-              <a:rPr lang="de-DE" sz="2000" dirty="0"/>
-              <a:t>Early </a:t>
-            </a:r>
-            <a:r>
-              <a:rPr lang="de-DE" sz="2000" dirty="0" err="1"/>
-              <a:t>ideas</a:t>
-            </a:r>
-            <a:r>
-              <a:rPr lang="de-DE" sz="2000" dirty="0"/>
-              <a:t> </a:t>
-            </a:r>
-            <a:r>
-              <a:rPr lang="de-DE" sz="2000" dirty="0" err="1"/>
-              <a:t>of</a:t>
-            </a:r>
-            <a:r>
-              <a:rPr lang="de-DE" sz="2000" dirty="0"/>
-              <a:t> a </a:t>
-            </a:r>
-            <a:r>
-              <a:rPr lang="de-DE" sz="2000" dirty="0" err="1"/>
-              <a:t>seperating</a:t>
-            </a:r>
-            <a:r>
-              <a:rPr lang="de-DE" sz="2000" dirty="0"/>
-              <a:t> Hyperplane 1936 </a:t>
-            </a:r>
-            <a:r>
-              <a:rPr lang="de-DE" sz="1000" dirty="0"/>
-              <a:t>(R. Fisher)</a:t>
-            </a:r>
-          </a:p>
-          <a:p>
-            <a:r>
-              <a:rPr lang="de-DE" sz="2000" dirty="0"/>
-              <a:t>First SVM </a:t>
-            </a:r>
-            <a:r>
-              <a:rPr lang="de-DE" sz="2000" dirty="0" err="1"/>
-              <a:t>algorithm</a:t>
-            </a:r>
-            <a:r>
-              <a:rPr lang="de-DE" sz="2000" dirty="0"/>
-              <a:t> in 1964 </a:t>
-            </a:r>
-            <a:r>
-              <a:rPr lang="de-DE" sz="1000" dirty="0"/>
-              <a:t>(V. </a:t>
-            </a:r>
-            <a:r>
-              <a:rPr lang="de-DE" sz="1000" dirty="0" err="1"/>
-              <a:t>Vapnik</a:t>
-            </a:r>
-            <a:r>
-              <a:rPr lang="de-DE" sz="1000" dirty="0"/>
-              <a:t>, A. </a:t>
-            </a:r>
-            <a:r>
-              <a:rPr lang="de-DE" sz="1000" dirty="0" err="1"/>
-              <a:t>Chervonenkis</a:t>
-            </a:r>
-            <a:r>
-              <a:rPr lang="de-DE" sz="1000" dirty="0"/>
-              <a:t>)</a:t>
-            </a:r>
-          </a:p>
-          <a:p>
-            <a:r>
-              <a:rPr lang="de-DE" sz="2000" dirty="0"/>
-              <a:t>Use </a:t>
-            </a:r>
-            <a:r>
-              <a:rPr lang="de-DE" sz="2000" dirty="0" err="1"/>
-              <a:t>of</a:t>
-            </a:r>
-            <a:r>
-              <a:rPr lang="de-DE" sz="2000" dirty="0"/>
-              <a:t> </a:t>
-            </a:r>
-            <a:r>
-              <a:rPr lang="de-DE" sz="2000" dirty="0" err="1"/>
-              <a:t>kernel</a:t>
-            </a:r>
-            <a:r>
-              <a:rPr lang="de-DE" sz="2000" dirty="0"/>
-              <a:t> </a:t>
-            </a:r>
-            <a:r>
-              <a:rPr lang="de-DE" sz="2000" dirty="0" err="1"/>
-              <a:t>trick</a:t>
-            </a:r>
-            <a:r>
-              <a:rPr lang="de-DE" sz="2000" dirty="0"/>
-              <a:t> </a:t>
-            </a:r>
-            <a:r>
-              <a:rPr lang="de-DE" sz="2000" dirty="0" err="1"/>
-              <a:t>for</a:t>
-            </a:r>
-            <a:r>
-              <a:rPr lang="de-DE" sz="2000" dirty="0"/>
-              <a:t> </a:t>
-            </a:r>
-            <a:r>
-              <a:rPr lang="de-DE" sz="2000" dirty="0" err="1"/>
-              <a:t>nonlinear</a:t>
-            </a:r>
-            <a:r>
-              <a:rPr lang="de-DE" sz="2000" dirty="0"/>
-              <a:t> </a:t>
-            </a:r>
-            <a:r>
-              <a:rPr lang="de-DE" sz="2000" dirty="0" err="1"/>
-              <a:t>classifiers</a:t>
-            </a:r>
-            <a:r>
-              <a:rPr lang="de-DE" sz="2000" dirty="0"/>
-              <a:t> in 1992 </a:t>
-            </a:r>
-            <a:r>
-              <a:rPr lang="de-DE" sz="1000" dirty="0"/>
-              <a:t>(B. Boser, I. Guyon, V. </a:t>
-            </a:r>
-            <a:r>
-              <a:rPr lang="de-DE" sz="1000" dirty="0" err="1"/>
-              <a:t>Vapnik</a:t>
-            </a:r>
-            <a:r>
-              <a:rPr lang="de-DE" sz="1000" dirty="0"/>
-              <a:t>) </a:t>
-            </a:r>
-          </a:p>
-          <a:p>
-            <a:r>
-              <a:rPr lang="de-DE" sz="2000" dirty="0" err="1"/>
-              <a:t>Introduction</a:t>
-            </a:r>
-            <a:r>
-              <a:rPr lang="de-DE" sz="2000" dirty="0"/>
-              <a:t> </a:t>
-            </a:r>
-            <a:r>
-              <a:rPr lang="de-DE" sz="2000" dirty="0" err="1"/>
-              <a:t>of</a:t>
-            </a:r>
-            <a:r>
-              <a:rPr lang="de-DE" sz="2000" dirty="0"/>
-              <a:t> „soft </a:t>
-            </a:r>
-            <a:r>
-              <a:rPr lang="de-DE" sz="2000" dirty="0" err="1"/>
-              <a:t>margin</a:t>
-            </a:r>
-            <a:r>
-              <a:rPr lang="de-DE" sz="2000" dirty="0"/>
-              <a:t>“ in 1995 </a:t>
-            </a:r>
-            <a:r>
-              <a:rPr lang="de-DE" sz="1000" dirty="0"/>
-              <a:t>(C. Cortes, V. </a:t>
-            </a:r>
-            <a:r>
-              <a:rPr lang="de-DE" sz="1000" dirty="0" err="1"/>
-              <a:t>Vapnik</a:t>
-            </a:r>
-            <a:r>
-              <a:rPr lang="de-DE" sz="1000" dirty="0"/>
-              <a:t>)</a:t>
-            </a:r>
-          </a:p>
-        </p:txBody>
-      </p:sp>
-    </p:spTree>
-    <p:extLst>
-      <p:ext uri="{BB962C8B-B14F-4D97-AF65-F5344CB8AC3E}">
-        <p14:creationId xmlns:p14="http://schemas.microsoft.com/office/powerpoint/2010/main" val="2401403703"/>
-      </p:ext>
-    </p:extLst>
-  </p:cSld>
-  <p:clrMapOvr>
-    <a:masterClrMapping/>
-  </p:clrMapOvr>
-</p:sld>
-</file>
-
-<file path=ppt/slides/slide5.xml><?xml version="1.0" encoding="utf-8"?>
-<p:sld xmlns:a="http://schemas.openxmlformats.org/drawingml/2006/main" xmlns:r="http://schemas.openxmlformats.org/officeDocument/2006/relationships" xmlns:p="http://schemas.openxmlformats.org/presentationml/2006/main">
-  <p:cSld>
-    <p:spTree>
-      <p:nvGrpSpPr>
-        <p:cNvPr id="1" name=""/>
-        <p:cNvGrpSpPr/>
-        <p:nvPr/>
-      </p:nvGrpSpPr>
-      <p:grpSpPr>
-        <a:xfrm>
-          <a:off x="0" y="0"/>
-          <a:ext cx="0" cy="0"/>
-          <a:chOff x="0" y="0"/>
-          <a:chExt cx="0" cy="0"/>
-        </a:xfrm>
-      </p:grpSpPr>
-      <p:sp>
-        <p:nvSpPr>
-          <p:cNvPr id="2" name="Titel 1">
-            <a:extLst>
-              <a:ext uri="{FF2B5EF4-FFF2-40B4-BE49-F238E27FC236}">
-                <a16:creationId xmlns:a16="http://schemas.microsoft.com/office/drawing/2014/main" id="{388F7BA3-B785-BDE2-BAC6-74C1F53E9285}"/>
-              </a:ext>
-            </a:extLst>
-          </p:cNvPr>
-          <p:cNvSpPr>
-            <a:spLocks noGrp="1"/>
-          </p:cNvSpPr>
-          <p:nvPr>
-            <p:ph type="title"/>
-          </p:nvPr>
-        </p:nvSpPr>
-        <p:spPr/>
-        <p:txBody>
-          <a:bodyPr/>
-          <a:lstStyle/>
-          <a:p>
-            <a:r>
-              <a:rPr lang="de-DE" dirty="0" err="1"/>
-              <a:t>How</a:t>
-            </a:r>
-            <a:r>
-              <a:rPr lang="de-DE" dirty="0"/>
-              <a:t> </a:t>
-            </a:r>
-            <a:r>
-              <a:rPr lang="de-DE" dirty="0" err="1"/>
-              <a:t>it</a:t>
-            </a:r>
-            <a:r>
-              <a:rPr lang="de-DE" dirty="0"/>
-              <a:t> </a:t>
-            </a:r>
-            <a:r>
-              <a:rPr lang="de-DE" dirty="0" err="1"/>
-              <a:t>works</a:t>
-            </a:r>
-            <a:r>
-              <a:rPr lang="de-DE" dirty="0"/>
-              <a:t>: </a:t>
-            </a:r>
-            <a:r>
-              <a:rPr lang="de-DE" dirty="0" err="1"/>
-              <a:t>Seperating</a:t>
-            </a:r>
-            <a:r>
-              <a:rPr lang="de-DE" dirty="0"/>
-              <a:t> Hyperplane</a:t>
-            </a:r>
-          </a:p>
-        </p:txBody>
-      </p:sp>
-      <mc:AlternateContent xmlns:mc="http://schemas.openxmlformats.org/markup-compatibility/2006" xmlns:a14="http://schemas.microsoft.com/office/drawing/2010/main">
-        <mc:Choice Requires="a14">
-          <p:sp>
-            <p:nvSpPr>
-              <p:cNvPr id="3" name="Inhaltsplatzhalter 2">
-                <a:extLst>
-                  <a:ext uri="{FF2B5EF4-FFF2-40B4-BE49-F238E27FC236}">
-                    <a16:creationId xmlns:a16="http://schemas.microsoft.com/office/drawing/2014/main" id="{B6EBCD5F-A998-E34B-B609-7A4D246D72F7}"/>
-                  </a:ext>
-                </a:extLst>
-              </p:cNvPr>
-              <p:cNvSpPr>
-                <a:spLocks noGrp="1"/>
-              </p:cNvSpPr>
-              <p:nvPr>
-                <p:ph idx="1"/>
-              </p:nvPr>
-            </p:nvSpPr>
-            <p:spPr>
-              <a:xfrm>
-                <a:off x="395536" y="1353344"/>
-                <a:ext cx="4680520" cy="2664633"/>
-              </a:xfrm>
-            </p:spPr>
-            <p:txBody>
-              <a:bodyPr/>
-              <a:lstStyle/>
-              <a:p>
-                <a:r>
-                  <a:rPr lang="de-DE" sz="2000" dirty="0"/>
-                  <a:t>Subspace </a:t>
-                </a:r>
-                <a:r>
-                  <a:rPr lang="de-DE" sz="2000" dirty="0" err="1"/>
-                  <a:t>of</a:t>
-                </a:r>
-                <a:r>
-                  <a:rPr lang="de-DE" sz="2000" dirty="0"/>
-                  <a:t> </a:t>
-                </a:r>
-                <a:r>
-                  <a:rPr lang="de-DE" sz="2000" dirty="0" err="1"/>
-                  <a:t>dimension</a:t>
-                </a:r>
-                <a:r>
-                  <a:rPr lang="de-DE" sz="2000" dirty="0"/>
-                  <a:t> p-1</a:t>
-                </a:r>
-              </a:p>
-              <a:p>
-                <a:r>
-                  <a:rPr lang="de-DE" sz="2000" dirty="0"/>
-                  <a:t>Linear </a:t>
-                </a:r>
-                <a:r>
-                  <a:rPr lang="de-DE" sz="2000" dirty="0" err="1"/>
-                  <a:t>combination</a:t>
-                </a:r>
-                <a:r>
-                  <a:rPr lang="de-DE" sz="2000" dirty="0"/>
-                  <a:t> </a:t>
-                </a:r>
-                <a:r>
-                  <a:rPr lang="de-DE" sz="2000" dirty="0" err="1"/>
-                  <a:t>of</a:t>
-                </a:r>
-                <a:r>
-                  <a:rPr lang="de-DE" sz="2000" dirty="0"/>
-                  <a:t> </a:t>
-                </a:r>
-                <a:r>
-                  <a:rPr lang="de-DE" sz="2000" dirty="0" err="1"/>
-                  <a:t>input</a:t>
-                </a:r>
-                <a:r>
-                  <a:rPr lang="de-DE" sz="2000" dirty="0"/>
-                  <a:t> </a:t>
-                </a:r>
-                <a:r>
-                  <a:rPr lang="de-DE" sz="2000" dirty="0" err="1"/>
-                  <a:t>features</a:t>
-                </a:r>
-                <a:r>
-                  <a:rPr lang="de-DE" sz="2000" dirty="0"/>
-                  <a:t>:</a:t>
-                </a:r>
-              </a:p>
-              <a:p>
-                <a:pPr lvl="1"/>
-                <a14:m>
-                  <m:oMath xmlns:m="http://schemas.openxmlformats.org/officeDocument/2006/math">
-                    <m:r>
-                      <a:rPr lang="de-DE" sz="1800" b="0" i="1" smtClean="0">
-                        <a:latin typeface="Cambria Math" panose="02040503050406030204" pitchFamily="18" charset="0"/>
-                      </a:rPr>
-                      <m:t>𝑦</m:t>
-                    </m:r>
-                    <m:r>
-                      <a:rPr lang="de-DE" sz="1800" b="0" i="1" smtClean="0">
-                        <a:latin typeface="Cambria Math" panose="02040503050406030204" pitchFamily="18" charset="0"/>
-                      </a:rPr>
-                      <m:t>=</m:t>
-                    </m:r>
-                    <m:r>
-                      <a:rPr lang="de-DE" sz="1800" b="0" i="1" smtClean="0">
-                        <a:latin typeface="Cambria Math" panose="02040503050406030204" pitchFamily="18" charset="0"/>
-                        <a:ea typeface="Cambria Math" panose="02040503050406030204" pitchFamily="18" charset="0"/>
-                      </a:rPr>
-                      <m:t>𝛽</m:t>
-                    </m:r>
-                    <m:r>
-                      <a:rPr lang="de-DE" sz="1800" b="0" i="1" baseline="-25000" smtClean="0">
-                        <a:latin typeface="Cambria Math" panose="02040503050406030204" pitchFamily="18" charset="0"/>
-                        <a:ea typeface="Cambria Math" panose="02040503050406030204" pitchFamily="18" charset="0"/>
-                      </a:rPr>
-                      <m:t>0</m:t>
-                    </m:r>
-                    <m:r>
-                      <a:rPr lang="de-DE" sz="1800" b="0" i="1" smtClean="0">
-                        <a:latin typeface="Cambria Math" panose="02040503050406030204" pitchFamily="18" charset="0"/>
-                        <a:ea typeface="Cambria Math" panose="02040503050406030204" pitchFamily="18" charset="0"/>
-                      </a:rPr>
-                      <m:t>+ </m:t>
-                    </m:r>
-                    <m:nary>
-                      <m:naryPr>
-                        <m:chr m:val="∑"/>
-                        <m:ctrlPr>
-                          <a:rPr lang="de-DE" sz="1800" b="0" i="1" smtClean="0">
-                            <a:latin typeface="Cambria Math" panose="02040503050406030204" pitchFamily="18" charset="0"/>
-                            <a:ea typeface="Cambria Math" panose="02040503050406030204" pitchFamily="18" charset="0"/>
-                          </a:rPr>
-                        </m:ctrlPr>
-                      </m:naryPr>
-                      <m:sub>
-                        <m:r>
-                          <m:rPr>
-                            <m:brk m:alnAt="23"/>
-                          </m:rPr>
-                          <a:rPr lang="de-DE" sz="1800" b="0" i="1" smtClean="0">
-                            <a:latin typeface="Cambria Math" panose="02040503050406030204" pitchFamily="18" charset="0"/>
-                            <a:ea typeface="Cambria Math" panose="02040503050406030204" pitchFamily="18" charset="0"/>
-                          </a:rPr>
-                          <m:t>𝑘</m:t>
-                        </m:r>
-                        <m:r>
-                          <a:rPr lang="de-DE" sz="1800" b="0" i="1" smtClean="0">
-                            <a:latin typeface="Cambria Math" panose="02040503050406030204" pitchFamily="18" charset="0"/>
-                            <a:ea typeface="Cambria Math" panose="02040503050406030204" pitchFamily="18" charset="0"/>
-                          </a:rPr>
-                          <m:t>=1</m:t>
-                        </m:r>
-                      </m:sub>
-                      <m:sup>
-                        <m:r>
-                          <a:rPr lang="de-DE" sz="1800" b="0" i="1" smtClean="0">
-                            <a:latin typeface="Cambria Math" panose="02040503050406030204" pitchFamily="18" charset="0"/>
-                            <a:ea typeface="Cambria Math" panose="02040503050406030204" pitchFamily="18" charset="0"/>
-                          </a:rPr>
-                          <m:t>𝑝</m:t>
-                        </m:r>
-                      </m:sup>
-                      <m:e>
-                        <m:r>
-                          <a:rPr lang="de-DE" sz="1800" b="0" i="1" smtClean="0">
-                            <a:latin typeface="Cambria Math" panose="02040503050406030204" pitchFamily="18" charset="0"/>
-                            <a:ea typeface="Cambria Math" panose="02040503050406030204" pitchFamily="18" charset="0"/>
-                          </a:rPr>
-                          <m:t>𝛽</m:t>
-                        </m:r>
-                        <m:r>
-                          <a:rPr lang="de-DE" sz="1800" b="0" i="1" baseline="-25000" smtClean="0">
-                            <a:latin typeface="Cambria Math" panose="02040503050406030204" pitchFamily="18" charset="0"/>
-                            <a:ea typeface="Cambria Math" panose="02040503050406030204" pitchFamily="18" charset="0"/>
-                          </a:rPr>
-                          <m:t>𝑘</m:t>
-                        </m:r>
-                        <m:r>
-                          <a:rPr lang="de-DE" sz="1800" b="0" i="1" smtClean="0">
-                            <a:latin typeface="Cambria Math" panose="02040503050406030204" pitchFamily="18" charset="0"/>
-                            <a:ea typeface="Cambria Math" panose="02040503050406030204" pitchFamily="18" charset="0"/>
-                          </a:rPr>
-                          <m:t>𝑥</m:t>
-                        </m:r>
-                        <m:r>
-                          <a:rPr lang="de-DE" sz="1800" b="0" i="1" baseline="-25000" smtClean="0">
-                            <a:latin typeface="Cambria Math" panose="02040503050406030204" pitchFamily="18" charset="0"/>
-                            <a:ea typeface="Cambria Math" panose="02040503050406030204" pitchFamily="18" charset="0"/>
-                          </a:rPr>
-                          <m:t>𝑘</m:t>
-                        </m:r>
-                      </m:e>
-                    </m:nary>
-                  </m:oMath>
-                </a14:m>
-                <a:endParaRPr lang="de-DE" sz="1800" dirty="0"/>
-              </a:p>
-              <a:p>
-                <a:r>
-                  <a:rPr lang="de-DE" sz="2000" dirty="0" err="1"/>
-                  <a:t>Seperates</a:t>
-                </a:r>
-                <a:r>
-                  <a:rPr lang="de-DE" sz="2000" dirty="0"/>
-                  <a:t> </a:t>
-                </a:r>
-                <a:r>
-                  <a:rPr lang="de-DE" sz="2000" dirty="0" err="1"/>
-                  <a:t>classes</a:t>
-                </a:r>
-                <a:r>
-                  <a:rPr lang="de-DE" sz="2000" dirty="0"/>
-                  <a:t> in a </a:t>
-                </a:r>
-                <a:r>
-                  <a:rPr lang="de-DE" sz="2000" dirty="0" err="1"/>
-                  <a:t>way</a:t>
-                </a:r>
-                <a:r>
-                  <a:rPr lang="de-DE" sz="2000" dirty="0"/>
-                  <a:t> </a:t>
-                </a:r>
-                <a:r>
-                  <a:rPr lang="de-DE" sz="2000" dirty="0" err="1"/>
-                  <a:t>that</a:t>
-                </a:r>
-                <a:r>
-                  <a:rPr lang="de-DE" sz="2000" dirty="0"/>
-                  <a:t>:</a:t>
-                </a:r>
-              </a:p>
-              <a:p>
-                <a:pPr lvl="1"/>
-                <a14:m>
-                  <m:oMath xmlns:m="http://schemas.openxmlformats.org/officeDocument/2006/math">
-                    <m:r>
-                      <a:rPr lang="de-DE" sz="1800" i="1">
-                        <a:latin typeface="Cambria Math" panose="02040503050406030204" pitchFamily="18" charset="0"/>
-                        <a:ea typeface="Cambria Math" panose="02040503050406030204" pitchFamily="18" charset="0"/>
-                      </a:rPr>
-                      <m:t>𝛽</m:t>
-                    </m:r>
-                    <m:r>
-                      <a:rPr lang="de-DE" sz="1800" i="1" baseline="-25000">
-                        <a:latin typeface="Cambria Math" panose="02040503050406030204" pitchFamily="18" charset="0"/>
-                        <a:ea typeface="Cambria Math" panose="02040503050406030204" pitchFamily="18" charset="0"/>
-                      </a:rPr>
-                      <m:t>0</m:t>
-                    </m:r>
-                    <m:r>
-                      <a:rPr lang="de-DE" sz="1800" i="1">
-                        <a:latin typeface="Cambria Math" panose="02040503050406030204" pitchFamily="18" charset="0"/>
-                        <a:ea typeface="Cambria Math" panose="02040503050406030204" pitchFamily="18" charset="0"/>
-                      </a:rPr>
-                      <m:t>+ </m:t>
-                    </m:r>
-                    <m:nary>
-                      <m:naryPr>
-                        <m:chr m:val="∑"/>
-                        <m:ctrlPr>
-                          <a:rPr lang="de-DE" sz="1800" i="1">
-                            <a:latin typeface="Cambria Math" panose="02040503050406030204" pitchFamily="18" charset="0"/>
-                            <a:ea typeface="Cambria Math" panose="02040503050406030204" pitchFamily="18" charset="0"/>
-                          </a:rPr>
-                        </m:ctrlPr>
-                      </m:naryPr>
-                      <m:sub>
-                        <m:r>
-                          <m:rPr>
-                            <m:brk m:alnAt="23"/>
-                          </m:rPr>
-                          <a:rPr lang="de-DE" sz="1800" i="1">
-                            <a:latin typeface="Cambria Math" panose="02040503050406030204" pitchFamily="18" charset="0"/>
-                            <a:ea typeface="Cambria Math" panose="02040503050406030204" pitchFamily="18" charset="0"/>
-                          </a:rPr>
-                          <m:t>𝑘</m:t>
-                        </m:r>
-                        <m:r>
-                          <a:rPr lang="de-DE" sz="1800" i="1">
-                            <a:latin typeface="Cambria Math" panose="02040503050406030204" pitchFamily="18" charset="0"/>
-                            <a:ea typeface="Cambria Math" panose="02040503050406030204" pitchFamily="18" charset="0"/>
-                          </a:rPr>
-                          <m:t>=1</m:t>
-                        </m:r>
-                      </m:sub>
-                      <m:sup>
-                        <m:r>
-                          <a:rPr lang="de-DE" sz="1800" i="1">
-                            <a:latin typeface="Cambria Math" panose="02040503050406030204" pitchFamily="18" charset="0"/>
-                            <a:ea typeface="Cambria Math" panose="02040503050406030204" pitchFamily="18" charset="0"/>
-                          </a:rPr>
-                          <m:t>𝑝</m:t>
-                        </m:r>
-                      </m:sup>
-                      <m:e>
-                        <m:r>
-                          <a:rPr lang="de-DE" sz="1800" i="1">
-                            <a:latin typeface="Cambria Math" panose="02040503050406030204" pitchFamily="18" charset="0"/>
-                            <a:ea typeface="Cambria Math" panose="02040503050406030204" pitchFamily="18" charset="0"/>
-                          </a:rPr>
-                          <m:t>𝛽</m:t>
-                        </m:r>
-                        <m:r>
-                          <a:rPr lang="de-DE" sz="1800" i="1" baseline="-25000">
-                            <a:latin typeface="Cambria Math" panose="02040503050406030204" pitchFamily="18" charset="0"/>
-                            <a:ea typeface="Cambria Math" panose="02040503050406030204" pitchFamily="18" charset="0"/>
-                          </a:rPr>
-                          <m:t>𝑘</m:t>
-                        </m:r>
-                        <m:r>
-                          <a:rPr lang="de-DE" sz="1800" i="1">
-                            <a:latin typeface="Cambria Math" panose="02040503050406030204" pitchFamily="18" charset="0"/>
-                            <a:ea typeface="Cambria Math" panose="02040503050406030204" pitchFamily="18" charset="0"/>
-                          </a:rPr>
-                          <m:t>𝑥</m:t>
-                        </m:r>
-                        <m:r>
-                          <a:rPr lang="de-DE" sz="1800" b="0" i="1" baseline="-25000" smtClean="0">
-                            <a:latin typeface="Cambria Math" panose="02040503050406030204" pitchFamily="18" charset="0"/>
-                            <a:ea typeface="Cambria Math" panose="02040503050406030204" pitchFamily="18" charset="0"/>
-                          </a:rPr>
-                          <m:t>𝑖𝑘</m:t>
-                        </m:r>
-                      </m:e>
-                    </m:nary>
-                    <m:r>
-                      <a:rPr lang="de-DE" sz="1800" b="0" i="1" smtClean="0">
-                        <a:latin typeface="Cambria Math" panose="02040503050406030204" pitchFamily="18" charset="0"/>
-                        <a:ea typeface="Cambria Math" panose="02040503050406030204" pitchFamily="18" charset="0"/>
-                      </a:rPr>
-                      <m:t>&gt;0 </m:t>
-                    </m:r>
-                    <m:r>
-                      <a:rPr lang="de-DE" sz="1800" b="0" i="1" smtClean="0">
-                        <a:latin typeface="Cambria Math" panose="02040503050406030204" pitchFamily="18" charset="0"/>
-                        <a:ea typeface="Cambria Math" panose="02040503050406030204" pitchFamily="18" charset="0"/>
-                      </a:rPr>
-                      <m:t>𝑖𝑓</m:t>
-                    </m:r>
-                    <m:r>
-                      <a:rPr lang="de-DE" sz="1800" b="0" i="1" smtClean="0">
-                        <a:latin typeface="Cambria Math" panose="02040503050406030204" pitchFamily="18" charset="0"/>
-                        <a:ea typeface="Cambria Math" panose="02040503050406030204" pitchFamily="18" charset="0"/>
-                      </a:rPr>
-                      <m:t> </m:t>
-                    </m:r>
-                    <m:r>
-                      <a:rPr lang="de-DE" sz="1800" b="0" i="1" smtClean="0">
-                        <a:latin typeface="Cambria Math" panose="02040503050406030204" pitchFamily="18" charset="0"/>
-                        <a:ea typeface="Cambria Math" panose="02040503050406030204" pitchFamily="18" charset="0"/>
-                      </a:rPr>
-                      <m:t>𝑦𝑖</m:t>
-                    </m:r>
-                    <m:r>
-                      <a:rPr lang="de-DE" sz="1800" b="0" i="1" smtClean="0">
-                        <a:latin typeface="Cambria Math" panose="02040503050406030204" pitchFamily="18" charset="0"/>
-                        <a:ea typeface="Cambria Math" panose="02040503050406030204" pitchFamily="18" charset="0"/>
-                      </a:rPr>
-                      <m:t>=1</m:t>
-                    </m:r>
-                  </m:oMath>
-                </a14:m>
-                <a:endParaRPr lang="de-DE" sz="1800" dirty="0"/>
-              </a:p>
-              <a:p>
-                <a:pPr lvl="1"/>
-                <a14:m>
-                  <m:oMath xmlns:m="http://schemas.openxmlformats.org/officeDocument/2006/math">
-                    <m:r>
-                      <a:rPr lang="de-DE" sz="1800" i="1" smtClean="0">
-                        <a:latin typeface="Cambria Math" panose="02040503050406030204" pitchFamily="18" charset="0"/>
-                        <a:ea typeface="Cambria Math" panose="02040503050406030204" pitchFamily="18" charset="0"/>
-                      </a:rPr>
-                      <m:t>𝛽</m:t>
-                    </m:r>
-                    <m:r>
-                      <a:rPr lang="de-DE" sz="1800" i="1" baseline="-25000">
-                        <a:latin typeface="Cambria Math" panose="02040503050406030204" pitchFamily="18" charset="0"/>
-                        <a:ea typeface="Cambria Math" panose="02040503050406030204" pitchFamily="18" charset="0"/>
-                      </a:rPr>
-                      <m:t>0</m:t>
-                    </m:r>
-                    <m:r>
-                      <a:rPr lang="de-DE" sz="1800" i="1">
-                        <a:latin typeface="Cambria Math" panose="02040503050406030204" pitchFamily="18" charset="0"/>
-                        <a:ea typeface="Cambria Math" panose="02040503050406030204" pitchFamily="18" charset="0"/>
-                      </a:rPr>
-                      <m:t>+ </m:t>
-                    </m:r>
-                    <m:nary>
-                      <m:naryPr>
-                        <m:chr m:val="∑"/>
-                        <m:ctrlPr>
-                          <a:rPr lang="de-DE" sz="1800" i="1">
-                            <a:latin typeface="Cambria Math" panose="02040503050406030204" pitchFamily="18" charset="0"/>
-                            <a:ea typeface="Cambria Math" panose="02040503050406030204" pitchFamily="18" charset="0"/>
-                          </a:rPr>
-                        </m:ctrlPr>
-                      </m:naryPr>
-                      <m:sub>
-                        <m:r>
-                          <m:rPr>
-                            <m:brk m:alnAt="23"/>
-                          </m:rPr>
-                          <a:rPr lang="de-DE" sz="1800" i="1">
-                            <a:latin typeface="Cambria Math" panose="02040503050406030204" pitchFamily="18" charset="0"/>
-                            <a:ea typeface="Cambria Math" panose="02040503050406030204" pitchFamily="18" charset="0"/>
-                          </a:rPr>
-                          <m:t>𝑘</m:t>
-                        </m:r>
-                        <m:r>
-                          <a:rPr lang="de-DE" sz="1800" i="1">
-                            <a:latin typeface="Cambria Math" panose="02040503050406030204" pitchFamily="18" charset="0"/>
-                            <a:ea typeface="Cambria Math" panose="02040503050406030204" pitchFamily="18" charset="0"/>
-                          </a:rPr>
-                          <m:t>=1</m:t>
-                        </m:r>
-                      </m:sub>
-                      <m:sup>
-                        <m:r>
-                          <a:rPr lang="de-DE" sz="1800" i="1">
-                            <a:latin typeface="Cambria Math" panose="02040503050406030204" pitchFamily="18" charset="0"/>
-                            <a:ea typeface="Cambria Math" panose="02040503050406030204" pitchFamily="18" charset="0"/>
-                          </a:rPr>
-                          <m:t>𝑝</m:t>
-                        </m:r>
-                      </m:sup>
-                      <m:e>
-                        <m:r>
-                          <a:rPr lang="de-DE" sz="1800" i="1">
-                            <a:latin typeface="Cambria Math" panose="02040503050406030204" pitchFamily="18" charset="0"/>
-                            <a:ea typeface="Cambria Math" panose="02040503050406030204" pitchFamily="18" charset="0"/>
-                          </a:rPr>
-                          <m:t>𝛽</m:t>
-                        </m:r>
-                        <m:r>
-                          <a:rPr lang="de-DE" sz="1800" i="1" baseline="-25000">
-                            <a:latin typeface="Cambria Math" panose="02040503050406030204" pitchFamily="18" charset="0"/>
-                            <a:ea typeface="Cambria Math" panose="02040503050406030204" pitchFamily="18" charset="0"/>
-                          </a:rPr>
-                          <m:t>𝑘</m:t>
-                        </m:r>
-                        <m:r>
-                          <a:rPr lang="de-DE" sz="1800" i="1">
-                            <a:latin typeface="Cambria Math" panose="02040503050406030204" pitchFamily="18" charset="0"/>
-                            <a:ea typeface="Cambria Math" panose="02040503050406030204" pitchFamily="18" charset="0"/>
-                          </a:rPr>
-                          <m:t>𝑥</m:t>
-                        </m:r>
-                        <m:r>
-                          <a:rPr lang="de-DE" sz="1800" b="0" i="1" baseline="-25000" smtClean="0">
-                            <a:latin typeface="Cambria Math" panose="02040503050406030204" pitchFamily="18" charset="0"/>
-                            <a:ea typeface="Cambria Math" panose="02040503050406030204" pitchFamily="18" charset="0"/>
-                          </a:rPr>
-                          <m:t>𝑖𝑘</m:t>
-                        </m:r>
-                      </m:e>
-                    </m:nary>
-                    <m:r>
-                      <a:rPr lang="de-DE" sz="1800" b="0" i="1" smtClean="0">
-                        <a:latin typeface="Cambria Math" panose="02040503050406030204" pitchFamily="18" charset="0"/>
-                        <a:ea typeface="Cambria Math" panose="02040503050406030204" pitchFamily="18" charset="0"/>
-                      </a:rPr>
-                      <m:t>&lt;0 </m:t>
-                    </m:r>
-                    <m:r>
-                      <a:rPr lang="de-DE" sz="1800" b="0" i="1" smtClean="0">
-                        <a:latin typeface="Cambria Math" panose="02040503050406030204" pitchFamily="18" charset="0"/>
-                        <a:ea typeface="Cambria Math" panose="02040503050406030204" pitchFamily="18" charset="0"/>
-                      </a:rPr>
-                      <m:t>𝑖𝑓</m:t>
-                    </m:r>
-                    <m:r>
-                      <a:rPr lang="de-DE" sz="1800" b="0" i="1" smtClean="0">
-                        <a:latin typeface="Cambria Math" panose="02040503050406030204" pitchFamily="18" charset="0"/>
-                        <a:ea typeface="Cambria Math" panose="02040503050406030204" pitchFamily="18" charset="0"/>
-                      </a:rPr>
-                      <m:t> </m:t>
-                    </m:r>
-                    <m:r>
-                      <a:rPr lang="de-DE" sz="1800" b="0" i="1" smtClean="0">
-                        <a:latin typeface="Cambria Math" panose="02040503050406030204" pitchFamily="18" charset="0"/>
-                        <a:ea typeface="Cambria Math" panose="02040503050406030204" pitchFamily="18" charset="0"/>
-                      </a:rPr>
-                      <m:t>𝑦𝑖</m:t>
-                    </m:r>
-                    <m:r>
-                      <a:rPr lang="de-DE" sz="1800" b="0" i="1" smtClean="0">
-                        <a:latin typeface="Cambria Math" panose="02040503050406030204" pitchFamily="18" charset="0"/>
-                        <a:ea typeface="Cambria Math" panose="02040503050406030204" pitchFamily="18" charset="0"/>
-                      </a:rPr>
-                      <m:t>=−1</m:t>
-                    </m:r>
-                  </m:oMath>
-                </a14:m>
-                <a:endParaRPr lang="de-DE" sz="1800" dirty="0"/>
-              </a:p>
-              <a:p>
-                <a:r>
-                  <a:rPr lang="de-DE" sz="2000" dirty="0" err="1"/>
-                  <a:t>If</a:t>
-                </a:r>
-                <a:r>
-                  <a:rPr lang="de-DE" sz="2000" dirty="0"/>
-                  <a:t> </a:t>
-                </a:r>
-                <a:r>
-                  <a:rPr lang="de-DE" sz="2000" dirty="0" err="1"/>
-                  <a:t>classes</a:t>
-                </a:r>
-                <a:r>
-                  <a:rPr lang="de-DE" sz="2000" dirty="0"/>
-                  <a:t> </a:t>
-                </a:r>
-                <a:r>
-                  <a:rPr lang="de-DE" sz="2000" dirty="0" err="1"/>
-                  <a:t>are</a:t>
-                </a:r>
-                <a:r>
-                  <a:rPr lang="de-DE" sz="2000" dirty="0"/>
-                  <a:t> </a:t>
-                </a:r>
-                <a:r>
-                  <a:rPr lang="de-DE" sz="2000" dirty="0" err="1"/>
-                  <a:t>seperable</a:t>
-                </a:r>
-                <a:r>
-                  <a:rPr lang="de-DE" sz="2000" dirty="0"/>
-                  <a:t> </a:t>
-                </a:r>
-                <a:r>
-                  <a:rPr lang="de-DE" sz="2000" dirty="0">
-                    <a:sym typeface="Wingdings" panose="05000000000000000000" pitchFamily="2" charset="2"/>
-                  </a:rPr>
-                  <a:t> infinite </a:t>
-                </a:r>
-                <a:r>
-                  <a:rPr lang="de-DE" sz="2000" dirty="0" err="1">
-                    <a:sym typeface="Wingdings" panose="05000000000000000000" pitchFamily="2" charset="2"/>
-                  </a:rPr>
-                  <a:t>number</a:t>
-                </a:r>
-                <a:r>
-                  <a:rPr lang="de-DE" sz="2000" dirty="0">
-                    <a:sym typeface="Wingdings" panose="05000000000000000000" pitchFamily="2" charset="2"/>
-                  </a:rPr>
-                  <a:t> </a:t>
-                </a:r>
-                <a:r>
-                  <a:rPr lang="de-DE" sz="2000" dirty="0" err="1">
-                    <a:sym typeface="Wingdings" panose="05000000000000000000" pitchFamily="2" charset="2"/>
-                  </a:rPr>
-                  <a:t>of</a:t>
-                </a:r>
-                <a:r>
-                  <a:rPr lang="de-DE" sz="2000" dirty="0">
-                    <a:sym typeface="Wingdings" panose="05000000000000000000" pitchFamily="2" charset="2"/>
-                  </a:rPr>
-                  <a:t> </a:t>
-                </a:r>
-                <a:r>
-                  <a:rPr lang="de-DE" sz="2000" dirty="0" err="1">
-                    <a:sym typeface="Wingdings" panose="05000000000000000000" pitchFamily="2" charset="2"/>
-                  </a:rPr>
-                  <a:t>seperating</a:t>
-                </a:r>
-                <a:r>
-                  <a:rPr lang="de-DE" sz="2000" dirty="0">
-                    <a:sym typeface="Wingdings" panose="05000000000000000000" pitchFamily="2" charset="2"/>
-                  </a:rPr>
-                  <a:t> hyperplanes</a:t>
-                </a:r>
-                <a:endParaRPr lang="de-DE" sz="2000" dirty="0"/>
-              </a:p>
-            </p:txBody>
-          </p:sp>
-        </mc:Choice>
-        <mc:Fallback xmlns="">
-          <p:sp>
-            <p:nvSpPr>
-              <p:cNvPr id="3" name="Inhaltsplatzhalter 2">
-                <a:extLst>
-                  <a:ext uri="{FF2B5EF4-FFF2-40B4-BE49-F238E27FC236}">
-                    <a16:creationId xmlns:a16="http://schemas.microsoft.com/office/drawing/2014/main" id="{B6EBCD5F-A998-E34B-B609-7A4D246D72F7}"/>
-                  </a:ext>
-                </a:extLst>
-              </p:cNvPr>
-              <p:cNvSpPr>
-                <a:spLocks noGrp="1" noRot="1" noChangeAspect="1" noMove="1" noResize="1" noEditPoints="1" noAdjustHandles="1" noChangeArrowheads="1" noChangeShapeType="1" noTextEdit="1"/>
-              </p:cNvSpPr>
-              <p:nvPr>
-                <p:ph idx="1"/>
-              </p:nvPr>
-            </p:nvSpPr>
-            <p:spPr>
-              <a:xfrm>
-                <a:off x="395536" y="1353344"/>
-                <a:ext cx="4680520" cy="2664633"/>
-              </a:xfrm>
-              <a:blipFill>
-                <a:blip r:embed="rId2"/>
-                <a:stretch>
-                  <a:fillRect l="-1172" t="-915" r="-260" b="-13043"/>
-                </a:stretch>
-              </a:blipFill>
-            </p:spPr>
-            <p:txBody>
-              <a:bodyPr/>
-              <a:lstStyle/>
-              <a:p>
-                <a:r>
-                  <a:rPr lang="de-DE">
-                    <a:noFill/>
-                  </a:rPr>
-                  <a:t> </a:t>
-                </a:r>
-              </a:p>
-            </p:txBody>
-          </p:sp>
-        </mc:Fallback>
-      </mc:AlternateContent>
-      <p:sp>
-        <p:nvSpPr>
-          <p:cNvPr id="4" name="Rechteck 3">
-            <a:extLst>
-              <a:ext uri="{FF2B5EF4-FFF2-40B4-BE49-F238E27FC236}">
-                <a16:creationId xmlns:a16="http://schemas.microsoft.com/office/drawing/2014/main" id="{B21BA278-5AA0-7413-5DB3-4EB47B444F21}"/>
-              </a:ext>
-            </a:extLst>
-          </p:cNvPr>
-          <p:cNvSpPr/>
-          <p:nvPr/>
-        </p:nvSpPr>
-        <p:spPr>
-          <a:xfrm>
-            <a:off x="5436096" y="1563638"/>
-            <a:ext cx="2952328" cy="2454339"/>
-          </a:xfrm>
-          <a:prstGeom prst="rect">
-            <a:avLst/>
-          </a:prstGeom>
-        </p:spPr>
-        <p:style>
-          <a:lnRef idx="2">
-            <a:schemeClr val="accent1">
-              <a:shade val="15000"/>
-            </a:schemeClr>
-          </a:lnRef>
-          <a:fillRef idx="1">
-            <a:schemeClr val="accent1"/>
-          </a:fillRef>
-          <a:effectRef idx="0">
-            <a:schemeClr val="accent1"/>
-          </a:effectRef>
-          <a:fontRef idx="minor">
-            <a:schemeClr val="lt1"/>
-          </a:fontRef>
-        </p:style>
-        <p:txBody>
-          <a:bodyPr rtlCol="0" anchor="ctr"/>
-          <a:lstStyle/>
-          <a:p>
-            <a:pPr algn="ctr"/>
-            <a:r>
-              <a:rPr lang="de-DE" dirty="0"/>
-              <a:t>Grafik</a:t>
-            </a:r>
-          </a:p>
-        </p:txBody>
-      </p:sp>
-    </p:spTree>
-    <p:extLst>
-      <p:ext uri="{BB962C8B-B14F-4D97-AF65-F5344CB8AC3E}">
-        <p14:creationId xmlns:p14="http://schemas.microsoft.com/office/powerpoint/2010/main" val="3748176770"/>
-      </p:ext>
-    </p:extLst>
-  </p:cSld>
-  <p:clrMapOvr>
-    <a:masterClrMapping/>
-  </p:clrMapOvr>
-</p:sld>
-</file>
-
-<file path=ppt/slides/slide6.xml><?xml version="1.0" encoding="utf-8"?>
-<p:sld xmlns:a="http://schemas.openxmlformats.org/drawingml/2006/main" xmlns:r="http://schemas.openxmlformats.org/officeDocument/2006/relationships" xmlns:p="http://schemas.openxmlformats.org/presentationml/2006/main">
-  <p:cSld>
-    <p:spTree>
-      <p:nvGrpSpPr>
-        <p:cNvPr id="1" name=""/>
-        <p:cNvGrpSpPr/>
-        <p:nvPr/>
-      </p:nvGrpSpPr>
-      <p:grpSpPr>
-        <a:xfrm>
-          <a:off x="0" y="0"/>
-          <a:ext cx="0" cy="0"/>
-          <a:chOff x="0" y="0"/>
-          <a:chExt cx="0" cy="0"/>
-        </a:xfrm>
-      </p:grpSpPr>
-      <p:sp>
-        <p:nvSpPr>
-          <p:cNvPr id="2" name="Titel 1">
-            <a:extLst>
-              <a:ext uri="{FF2B5EF4-FFF2-40B4-BE49-F238E27FC236}">
-                <a16:creationId xmlns:a16="http://schemas.microsoft.com/office/drawing/2014/main" id="{388F7BA3-B785-BDE2-BAC6-74C1F53E9285}"/>
-              </a:ext>
-            </a:extLst>
-          </p:cNvPr>
-          <p:cNvSpPr>
-            <a:spLocks noGrp="1"/>
-          </p:cNvSpPr>
-          <p:nvPr>
-            <p:ph type="title"/>
-          </p:nvPr>
-        </p:nvSpPr>
-        <p:spPr/>
-        <p:txBody>
-          <a:bodyPr/>
-          <a:lstStyle/>
-          <a:p>
-            <a:r>
-              <a:rPr lang="de-DE" dirty="0" err="1"/>
-              <a:t>How</a:t>
-            </a:r>
-            <a:r>
-              <a:rPr lang="de-DE" dirty="0"/>
-              <a:t> </a:t>
-            </a:r>
-            <a:r>
-              <a:rPr lang="de-DE" dirty="0" err="1"/>
-              <a:t>it</a:t>
-            </a:r>
-            <a:r>
-              <a:rPr lang="de-DE" dirty="0"/>
-              <a:t> </a:t>
-            </a:r>
-            <a:r>
-              <a:rPr lang="de-DE" dirty="0" err="1"/>
-              <a:t>works</a:t>
-            </a:r>
-            <a:r>
-              <a:rPr lang="de-DE" dirty="0"/>
               <a:t>: Setting </a:t>
             </a:r>
             <a:r>
@@ -6358,10 +4408,10 @@
       </p:sp>
       <p:pic>
         <p:nvPicPr>
-          <p:cNvPr id="21" name="Grafik 20" descr="\documentclass[20pt]{article}&#10;\usepackage{amsmath,amsfonts,amssymb,xcolor, mathtools}&#10;\pagestyle{empty}&#10;\usepackage[T1]{fontenc}&#10;\usepackage{fontspec}&#10;\setsansfont{Arial}&#10;\renewcommand\familydefault{\sfdefault}&#10;\begin{document}&#10;\begin{itemize}&#10;\item \textcolor{green}{$\beta$}$\rightarrow$ a k-dimensional vector\newline perpendicular to the decision boundary&#10;\item all points $x$ for which holds $\frac{\textcolor{green}{\beta}}{||\textcolor{green}{\beta}||}\cdot x=\textcolor{magenta}{c}$\newline lie on the hyperplain &#10;\item through some rearrangement we get \newline&#10;$\beta \cdot x +\beta_0=0$&#10;&#10;\end{itemize}&#10;&#10;\end{document}" title="IguanaTex Picture Display">
+          <p:cNvPr id="10" name="Grafik 9" descr="\documentclass[20pt]{article}&#10;\usepackage{amsmath,amsfonts,amssymb,xcolor, mathtools}&#10;\pagestyle{empty}&#10;\usepackage[T1]{fontenc}&#10;\usepackage{fontspec}&#10;\setsansfont{Arial}&#10;\renewcommand\familydefault{\sfdefault}&#10;\begin{document}&#10;\begin{itemize}&#10;\item for the maximization the constraints that   $\beta \cdot x+\beta_0\ge 1$ for \textcolor{red}{positive} \newline and ($\beta \cdot x+\beta_0\le -1$) for \textcolor{green}{negative} are still to respect&#10;&#10;\item goal: merge both constraints in one&#10;\item introduce new variable $y$ with $y=1$ for positive samples and $y=-1$ for negative samples&#10;\item leading to constraint $y(\beta x+\beta_0)\ge 1$&#10;\item Maximization over Lagrange Multiplier &#10;\end{itemize}&#10;\end{document}" title="IguanaTex Picture Display">
             <a:extLst>
               <a:ext uri="{FF2B5EF4-FFF2-40B4-BE49-F238E27FC236}">
-                <a16:creationId xmlns:a16="http://schemas.microsoft.com/office/drawing/2014/main" id="{10DE1F70-7341-0DAC-810B-5172FAB61B45}"/>
+                <a16:creationId xmlns:a16="http://schemas.microsoft.com/office/drawing/2014/main" id="{5A391A54-56F0-BB15-3E45-02C9C5FF7A63}"/>
               </a:ext>
             </a:extLst>
           </p:cNvPr>
@@ -6388,62 +4438,18 @@
         </p:blipFill>
         <p:spPr>
           <a:xfrm>
-            <a:off x="720858" y="1707654"/>
-            <a:ext cx="4090686" cy="1995528"/>
+            <a:off x="683569" y="1419622"/>
+            <a:ext cx="7467316" cy="2656027"/>
           </a:xfrm>
           <a:prstGeom prst="rect">
             <a:avLst/>
           </a:prstGeom>
         </p:spPr>
       </p:pic>
-      <p:pic>
-        <p:nvPicPr>
-          <p:cNvPr id="25" name="Grafik 24" descr="Ein Bild, das Reihe, Diagramm, Steigung, parallel enthält.&#10;&#10;Automatisch generierte Beschreibung">
-            <a:extLst>
-              <a:ext uri="{FF2B5EF4-FFF2-40B4-BE49-F238E27FC236}">
-                <a16:creationId xmlns:a16="http://schemas.microsoft.com/office/drawing/2014/main" id="{BD75108F-A408-4336-CAB4-7135AB37F88E}"/>
-              </a:ext>
-            </a:extLst>
-          </p:cNvPr>
-          <p:cNvPicPr>
-            <a:picLocks noChangeAspect="1"/>
-          </p:cNvPicPr>
-          <p:nvPr/>
-        </p:nvPicPr>
-        <p:blipFill>
-          <a:blip r:embed="rId4">
-            <a:extLst>
-              <a:ext uri="{28A0092B-C50C-407E-A947-70E740481C1C}">
-                <a14:useLocalDpi xmlns:a14="http://schemas.microsoft.com/office/drawing/2010/main" val="0"/>
-              </a:ext>
-            </a:extLst>
-          </a:blip>
-          <a:stretch>
-            <a:fillRect/>
-          </a:stretch>
-        </p:blipFill>
-        <p:spPr>
-          <a:xfrm>
-            <a:off x="5364088" y="1227058"/>
-            <a:ext cx="3177023" cy="2956719"/>
-          </a:xfrm>
-          <a:prstGeom prst="rect">
-            <a:avLst/>
-          </a:prstGeom>
-          <a:ln w="3175">
-            <a:solidFill>
-              <a:schemeClr val="tx1">
-                <a:lumMod val="95000"/>
-                <a:lumOff val="5000"/>
-              </a:schemeClr>
-            </a:solidFill>
-          </a:ln>
-        </p:spPr>
-      </p:pic>
     </p:spTree>
     <p:extLst>
       <p:ext uri="{BB962C8B-B14F-4D97-AF65-F5344CB8AC3E}">
-        <p14:creationId xmlns:p14="http://schemas.microsoft.com/office/powerpoint/2010/main" val="1770530705"/>
+        <p14:creationId xmlns:p14="http://schemas.microsoft.com/office/powerpoint/2010/main" val="3291923032"/>
       </p:ext>
     </p:extLst>
   </p:cSld>
@@ -6453,313 +4459,7 @@
 </p:sld>
 </file>
 
-<file path=ppt/slides/slide7.xml><?xml version="1.0" encoding="utf-8"?>
-<p:sld xmlns:a="http://schemas.openxmlformats.org/drawingml/2006/main" xmlns:r="http://schemas.openxmlformats.org/officeDocument/2006/relationships" xmlns:p="http://schemas.openxmlformats.org/presentationml/2006/main">
-  <p:cSld>
-    <p:spTree>
-      <p:nvGrpSpPr>
-        <p:cNvPr id="1" name=""/>
-        <p:cNvGrpSpPr/>
-        <p:nvPr/>
-      </p:nvGrpSpPr>
-      <p:grpSpPr>
-        <a:xfrm>
-          <a:off x="0" y="0"/>
-          <a:ext cx="0" cy="0"/>
-          <a:chOff x="0" y="0"/>
-          <a:chExt cx="0" cy="0"/>
-        </a:xfrm>
-      </p:grpSpPr>
-      <p:sp>
-        <p:nvSpPr>
-          <p:cNvPr id="2" name="Titel 1">
-            <a:extLst>
-              <a:ext uri="{FF2B5EF4-FFF2-40B4-BE49-F238E27FC236}">
-                <a16:creationId xmlns:a16="http://schemas.microsoft.com/office/drawing/2014/main" id="{388F7BA3-B785-BDE2-BAC6-74C1F53E9285}"/>
-              </a:ext>
-            </a:extLst>
-          </p:cNvPr>
-          <p:cNvSpPr>
-            <a:spLocks noGrp="1"/>
-          </p:cNvSpPr>
-          <p:nvPr>
-            <p:ph type="title"/>
-          </p:nvPr>
-        </p:nvSpPr>
-        <p:spPr/>
-        <p:txBody>
-          <a:bodyPr/>
-          <a:lstStyle/>
-          <a:p>
-            <a:r>
-              <a:rPr lang="de-DE" dirty="0" err="1"/>
-              <a:t>How</a:t>
-            </a:r>
-            <a:r>
-              <a:rPr lang="de-DE" dirty="0"/>
-              <a:t> </a:t>
-            </a:r>
-            <a:r>
-              <a:rPr lang="de-DE" dirty="0" err="1"/>
-              <a:t>it</a:t>
-            </a:r>
-            <a:r>
-              <a:rPr lang="de-DE" dirty="0"/>
-              <a:t> </a:t>
-            </a:r>
-            <a:r>
-              <a:rPr lang="de-DE" dirty="0" err="1"/>
-              <a:t>works</a:t>
-            </a:r>
-            <a:r>
-              <a:rPr lang="de-DE" dirty="0"/>
-              <a:t>: Setting </a:t>
-            </a:r>
-            <a:r>
-              <a:rPr lang="de-DE" dirty="0" err="1"/>
-              <a:t>up</a:t>
-            </a:r>
-            <a:r>
-              <a:rPr lang="de-DE" dirty="0"/>
-              <a:t> </a:t>
-            </a:r>
-            <a:r>
-              <a:rPr lang="de-DE" dirty="0" err="1"/>
-              <a:t>Constraints</a:t>
-            </a:r>
-            <a:endParaRPr lang="de-DE" dirty="0"/>
-          </a:p>
-        </p:txBody>
-      </p:sp>
-      <p:pic>
-        <p:nvPicPr>
-          <p:cNvPr id="16" name="Grafik 15" descr="\documentclass[20pt]{article}&#10;\usepackage{amsmath,amsfonts,amssymb,xcolor, mathtools}&#10;\pagestyle{empty}&#10;\usepackage[T1]{fontenc}&#10;\usepackage{fontspec}&#10;\setsansfont{Arial}&#10;\renewcommand\familydefault{\sfdefault}&#10;\begin{document}&#10;\begin{itemize}&#10;\item the two gutters around the boundary \newline are defined by $\beta \cdot x+\beta_0=k$ and \newline$ \beta \cdot x+\beta_0=-k$&#10;\item seperate postitive from negative samples&#10;\item distance between the gutters\newline$\rightarrow$ width that is to be maximized&#10;\end{itemize}&#10;&#10;\end{document}" title="IguanaTex Picture Display">
-            <a:extLst>
-              <a:ext uri="{FF2B5EF4-FFF2-40B4-BE49-F238E27FC236}">
-                <a16:creationId xmlns:a16="http://schemas.microsoft.com/office/drawing/2014/main" id="{8BE09948-9C0A-950C-5DF1-E3EEA29ECF17}"/>
-              </a:ext>
-            </a:extLst>
-          </p:cNvPr>
-          <p:cNvPicPr>
-            <a:picLocks noChangeAspect="1"/>
-          </p:cNvPicPr>
-          <p:nvPr>
-            <p:custDataLst>
-              <p:tags r:id="rId1"/>
-            </p:custDataLst>
-          </p:nvPr>
-        </p:nvPicPr>
-        <p:blipFill>
-          <a:blip r:embed="rId3">
-            <a:extLst>
-              <a:ext uri="{28A0092B-C50C-407E-A947-70E740481C1C}">
-                <a14:useLocalDpi xmlns:a14="http://schemas.microsoft.com/office/drawing/2010/main" val="0"/>
-              </a:ext>
-            </a:extLst>
-          </a:blip>
-          <a:stretch>
-            <a:fillRect/>
-          </a:stretch>
-        </p:blipFill>
-        <p:spPr>
-          <a:xfrm>
-            <a:off x="720858" y="1707654"/>
-            <a:ext cx="4305030" cy="1931906"/>
-          </a:xfrm>
-          <a:prstGeom prst="rect">
-            <a:avLst/>
-          </a:prstGeom>
-        </p:spPr>
-      </p:pic>
-    </p:spTree>
-    <p:extLst>
-      <p:ext uri="{BB962C8B-B14F-4D97-AF65-F5344CB8AC3E}">
-        <p14:creationId xmlns:p14="http://schemas.microsoft.com/office/powerpoint/2010/main" val="3990756690"/>
-      </p:ext>
-    </p:extLst>
-  </p:cSld>
-  <p:clrMapOvr>
-    <a:masterClrMapping/>
-  </p:clrMapOvr>
-</p:sld>
-</file>
-
-<file path=ppt/slides/slide8.xml><?xml version="1.0" encoding="utf-8"?>
-<p:sld xmlns:a="http://schemas.openxmlformats.org/drawingml/2006/main" xmlns:r="http://schemas.openxmlformats.org/officeDocument/2006/relationships" xmlns:p="http://schemas.openxmlformats.org/presentationml/2006/main">
-  <p:cSld>
-    <p:spTree>
-      <p:nvGrpSpPr>
-        <p:cNvPr id="1" name=""/>
-        <p:cNvGrpSpPr/>
-        <p:nvPr/>
-      </p:nvGrpSpPr>
-      <p:grpSpPr>
-        <a:xfrm>
-          <a:off x="0" y="0"/>
-          <a:ext cx="0" cy="0"/>
-          <a:chOff x="0" y="0"/>
-          <a:chExt cx="0" cy="0"/>
-        </a:xfrm>
-      </p:grpSpPr>
-      <p:sp>
-        <p:nvSpPr>
-          <p:cNvPr id="2" name="Titel 1">
-            <a:extLst>
-              <a:ext uri="{FF2B5EF4-FFF2-40B4-BE49-F238E27FC236}">
-                <a16:creationId xmlns:a16="http://schemas.microsoft.com/office/drawing/2014/main" id="{388F7BA3-B785-BDE2-BAC6-74C1F53E9285}"/>
-              </a:ext>
-            </a:extLst>
-          </p:cNvPr>
-          <p:cNvSpPr>
-            <a:spLocks noGrp="1"/>
-          </p:cNvSpPr>
-          <p:nvPr>
-            <p:ph type="title"/>
-          </p:nvPr>
-        </p:nvSpPr>
-        <p:spPr/>
-        <p:txBody>
-          <a:bodyPr/>
-          <a:lstStyle/>
-          <a:p>
-            <a:r>
-              <a:rPr lang="de-DE" dirty="0" err="1"/>
-              <a:t>How</a:t>
-            </a:r>
-            <a:r>
-              <a:rPr lang="de-DE" dirty="0"/>
-              <a:t> </a:t>
-            </a:r>
-            <a:r>
-              <a:rPr lang="de-DE" dirty="0" err="1"/>
-              <a:t>it</a:t>
-            </a:r>
-            <a:r>
-              <a:rPr lang="de-DE" dirty="0"/>
-              <a:t> </a:t>
-            </a:r>
-            <a:r>
-              <a:rPr lang="de-DE" dirty="0" err="1"/>
-              <a:t>works</a:t>
-            </a:r>
-            <a:r>
-              <a:rPr lang="de-DE" dirty="0"/>
-              <a:t>: Setting </a:t>
-            </a:r>
-            <a:r>
-              <a:rPr lang="de-DE" dirty="0" err="1"/>
-              <a:t>up</a:t>
-            </a:r>
-            <a:r>
-              <a:rPr lang="de-DE" dirty="0"/>
-              <a:t> </a:t>
-            </a:r>
-            <a:r>
-              <a:rPr lang="de-DE" dirty="0" err="1"/>
-              <a:t>Constraints</a:t>
-            </a:r>
-            <a:endParaRPr lang="de-DE" dirty="0"/>
-          </a:p>
-        </p:txBody>
-      </p:sp>
-      <p:pic>
-        <p:nvPicPr>
-          <p:cNvPr id="8" name="Grafik 7" descr="\documentclass[20pt]{article}&#10;\usepackage{amsmath,amsfonts,amssymb,xcolor, mathtools}&#10;\pagestyle{empty}&#10;\usepackage[T1]{fontenc}&#10;\usepackage{fontspec}&#10;\setsansfont{Arial}&#10;\renewcommand\familydefault{\sfdefault}&#10;\begin{document}&#10;\begin{itemize}&#10;\item to measure the \textcolor{magenta}{width} of the margin  \newline&#10;$(x^+ -x^-)$ is Projected on the unit \newline&#10;vector of $\beta$ &#10;\item $M=(x^+ -x^-)\cdot \frac{\beta}{||\beta||}$&#10;&#10;\end{itemize}&#10;&#10;\end{document}" title="IguanaTex Picture Display">
-            <a:extLst>
-              <a:ext uri="{FF2B5EF4-FFF2-40B4-BE49-F238E27FC236}">
-                <a16:creationId xmlns:a16="http://schemas.microsoft.com/office/drawing/2014/main" id="{49020F9B-9C95-8638-AF48-3DD5DF3A6140}"/>
-              </a:ext>
-            </a:extLst>
-          </p:cNvPr>
-          <p:cNvPicPr>
-            <a:picLocks noChangeAspect="1"/>
-          </p:cNvPicPr>
-          <p:nvPr>
-            <p:custDataLst>
-              <p:tags r:id="rId1"/>
-            </p:custDataLst>
-          </p:nvPr>
-        </p:nvPicPr>
-        <p:blipFill>
-          <a:blip r:embed="rId3">
-            <a:extLst>
-              <a:ext uri="{28A0092B-C50C-407E-A947-70E740481C1C}">
-                <a14:useLocalDpi xmlns:a14="http://schemas.microsoft.com/office/drawing/2010/main" val="0"/>
-              </a:ext>
-            </a:extLst>
-          </a:blip>
-          <a:stretch>
-            <a:fillRect/>
-          </a:stretch>
-        </p:blipFill>
-        <p:spPr>
-          <a:xfrm>
-            <a:off x="720858" y="1707657"/>
-            <a:ext cx="3667010" cy="1315609"/>
-          </a:xfrm>
-          <a:prstGeom prst="rect">
-            <a:avLst/>
-          </a:prstGeom>
-        </p:spPr>
-      </p:pic>
-      <p:pic>
-        <p:nvPicPr>
-          <p:cNvPr id="10" name="Grafik 9" descr="Ein Bild, das Reihe, Diagramm, Steigung, parallel enthält.&#10;&#10;Automatisch generierte Beschreibung">
-            <a:extLst>
-              <a:ext uri="{FF2B5EF4-FFF2-40B4-BE49-F238E27FC236}">
-                <a16:creationId xmlns:a16="http://schemas.microsoft.com/office/drawing/2014/main" id="{61AB07FF-8D31-3186-850F-DC65A7D0D908}"/>
-              </a:ext>
-            </a:extLst>
-          </p:cNvPr>
-          <p:cNvPicPr>
-            <a:picLocks noChangeAspect="1"/>
-          </p:cNvPicPr>
-          <p:nvPr/>
-        </p:nvPicPr>
-        <p:blipFill>
-          <a:blip r:embed="rId4">
-            <a:extLst>
-              <a:ext uri="{28A0092B-C50C-407E-A947-70E740481C1C}">
-                <a14:useLocalDpi xmlns:a14="http://schemas.microsoft.com/office/drawing/2010/main" val="0"/>
-              </a:ext>
-            </a:extLst>
-          </a:blip>
-          <a:stretch>
-            <a:fillRect/>
-          </a:stretch>
-        </p:blipFill>
-        <p:spPr>
-          <a:xfrm>
-            <a:off x="5220072" y="1259034"/>
-            <a:ext cx="2821051" cy="2625431"/>
-          </a:xfrm>
-          <a:prstGeom prst="rect">
-            <a:avLst/>
-          </a:prstGeom>
-          <a:ln w="3175">
-            <a:solidFill>
-              <a:schemeClr val="tx1">
-                <a:lumMod val="95000"/>
-                <a:lumOff val="5000"/>
-              </a:schemeClr>
-            </a:solidFill>
-          </a:ln>
-        </p:spPr>
-      </p:pic>
-    </p:spTree>
-    <p:extLst>
-      <p:ext uri="{BB962C8B-B14F-4D97-AF65-F5344CB8AC3E}">
-        <p14:creationId xmlns:p14="http://schemas.microsoft.com/office/powerpoint/2010/main" val="2902806685"/>
-      </p:ext>
-    </p:extLst>
-  </p:cSld>
-  <p:clrMapOvr>
-    <a:masterClrMapping/>
-  </p:clrMapOvr>
-</p:sld>
-</file>
-
-<file path=ppt/slides/slide9.xml><?xml version="1.0" encoding="utf-8"?>
+<file path=ppt/slides/slide12.xml><?xml version="1.0" encoding="utf-8"?>
 <p:sld xmlns:a="http://schemas.openxmlformats.org/drawingml/2006/main" xmlns:r="http://schemas.openxmlformats.org/officeDocument/2006/relationships" xmlns:p="http://schemas.openxmlformats.org/presentationml/2006/main">
   <p:cSld>
     <p:spTree>
@@ -7528,6 +5228,2916 @@
 </p:sld>
 </file>
 
+<file path=ppt/slides/slide13.xml><?xml version="1.0" encoding="utf-8"?>
+<p:sld xmlns:a="http://schemas.openxmlformats.org/drawingml/2006/main" xmlns:r="http://schemas.openxmlformats.org/officeDocument/2006/relationships" xmlns:p="http://schemas.openxmlformats.org/presentationml/2006/main">
+  <p:cSld>
+    <p:spTree>
+      <p:nvGrpSpPr>
+        <p:cNvPr id="1" name=""/>
+        <p:cNvGrpSpPr/>
+        <p:nvPr/>
+      </p:nvGrpSpPr>
+      <p:grpSpPr>
+        <a:xfrm>
+          <a:off x="0" y="0"/>
+          <a:ext cx="0" cy="0"/>
+          <a:chOff x="0" y="0"/>
+          <a:chExt cx="0" cy="0"/>
+        </a:xfrm>
+      </p:grpSpPr>
+      <p:sp>
+        <p:nvSpPr>
+          <p:cNvPr id="2" name="Titel 1">
+            <a:extLst>
+              <a:ext uri="{FF2B5EF4-FFF2-40B4-BE49-F238E27FC236}">
+                <a16:creationId xmlns:a16="http://schemas.microsoft.com/office/drawing/2014/main" id="{388F7BA3-B785-BDE2-BAC6-74C1F53E9285}"/>
+              </a:ext>
+            </a:extLst>
+          </p:cNvPr>
+          <p:cNvSpPr>
+            <a:spLocks noGrp="1"/>
+          </p:cNvSpPr>
+          <p:nvPr>
+            <p:ph type="title"/>
+          </p:nvPr>
+        </p:nvSpPr>
+        <p:spPr/>
+        <p:txBody>
+          <a:bodyPr/>
+          <a:lstStyle/>
+          <a:p>
+            <a:r>
+              <a:rPr lang="de-DE" dirty="0" err="1"/>
+              <a:t>How</a:t>
+            </a:r>
+            <a:r>
+              <a:rPr lang="de-DE" dirty="0"/>
+              <a:t> </a:t>
+            </a:r>
+            <a:r>
+              <a:rPr lang="de-DE" dirty="0" err="1"/>
+              <a:t>it</a:t>
+            </a:r>
+            <a:r>
+              <a:rPr lang="de-DE" dirty="0"/>
+              <a:t> </a:t>
+            </a:r>
+            <a:r>
+              <a:rPr lang="de-DE" dirty="0" err="1"/>
+              <a:t>works</a:t>
+            </a:r>
+            <a:r>
+              <a:rPr lang="de-DE" dirty="0"/>
+              <a:t>: Support </a:t>
+            </a:r>
+            <a:r>
+              <a:rPr lang="de-DE" dirty="0" err="1"/>
+              <a:t>vector</a:t>
+            </a:r>
+            <a:r>
+              <a:rPr lang="de-DE" dirty="0"/>
+              <a:t> </a:t>
+            </a:r>
+            <a:r>
+              <a:rPr lang="de-DE" dirty="0" err="1"/>
+              <a:t>classifier</a:t>
+            </a:r>
+            <a:endParaRPr lang="de-DE" dirty="0"/>
+          </a:p>
+        </p:txBody>
+      </p:sp>
+      <p:sp>
+        <p:nvSpPr>
+          <p:cNvPr id="3" name="Inhaltsplatzhalter 2">
+            <a:extLst>
+              <a:ext uri="{FF2B5EF4-FFF2-40B4-BE49-F238E27FC236}">
+                <a16:creationId xmlns:a16="http://schemas.microsoft.com/office/drawing/2014/main" id="{B6EBCD5F-A998-E34B-B609-7A4D246D72F7}"/>
+              </a:ext>
+            </a:extLst>
+          </p:cNvPr>
+          <p:cNvSpPr>
+            <a:spLocks noGrp="1"/>
+          </p:cNvSpPr>
+          <p:nvPr>
+            <p:ph idx="1"/>
+          </p:nvPr>
+        </p:nvSpPr>
+        <p:spPr/>
+        <p:txBody>
+          <a:bodyPr/>
+          <a:lstStyle/>
+          <a:p>
+            <a:endParaRPr lang="de-DE" sz="2000" dirty="0"/>
+          </a:p>
+        </p:txBody>
+      </p:sp>
+    </p:spTree>
+    <p:extLst>
+      <p:ext uri="{BB962C8B-B14F-4D97-AF65-F5344CB8AC3E}">
+        <p14:creationId xmlns:p14="http://schemas.microsoft.com/office/powerpoint/2010/main" val="2939723199"/>
+      </p:ext>
+    </p:extLst>
+  </p:cSld>
+  <p:clrMapOvr>
+    <a:masterClrMapping/>
+  </p:clrMapOvr>
+</p:sld>
+</file>
+
+<file path=ppt/slides/slide14.xml><?xml version="1.0" encoding="utf-8"?>
+<p:sld xmlns:a="http://schemas.openxmlformats.org/drawingml/2006/main" xmlns:r="http://schemas.openxmlformats.org/officeDocument/2006/relationships" xmlns:p="http://schemas.openxmlformats.org/presentationml/2006/main">
+  <p:cSld>
+    <p:spTree>
+      <p:nvGrpSpPr>
+        <p:cNvPr id="1" name=""/>
+        <p:cNvGrpSpPr/>
+        <p:nvPr/>
+      </p:nvGrpSpPr>
+      <p:grpSpPr>
+        <a:xfrm>
+          <a:off x="0" y="0"/>
+          <a:ext cx="0" cy="0"/>
+          <a:chOff x="0" y="0"/>
+          <a:chExt cx="0" cy="0"/>
+        </a:xfrm>
+      </p:grpSpPr>
+      <p:sp>
+        <p:nvSpPr>
+          <p:cNvPr id="2" name="Titel 1">
+            <a:extLst>
+              <a:ext uri="{FF2B5EF4-FFF2-40B4-BE49-F238E27FC236}">
+                <a16:creationId xmlns:a16="http://schemas.microsoft.com/office/drawing/2014/main" id="{388F7BA3-B785-BDE2-BAC6-74C1F53E9285}"/>
+              </a:ext>
+            </a:extLst>
+          </p:cNvPr>
+          <p:cNvSpPr>
+            <a:spLocks noGrp="1"/>
+          </p:cNvSpPr>
+          <p:nvPr>
+            <p:ph type="title"/>
+          </p:nvPr>
+        </p:nvSpPr>
+        <p:spPr/>
+        <p:txBody>
+          <a:bodyPr/>
+          <a:lstStyle/>
+          <a:p>
+            <a:r>
+              <a:rPr lang="de-DE" dirty="0" err="1"/>
+              <a:t>How</a:t>
+            </a:r>
+            <a:r>
+              <a:rPr lang="de-DE" dirty="0"/>
+              <a:t> </a:t>
+            </a:r>
+            <a:r>
+              <a:rPr lang="de-DE" dirty="0" err="1"/>
+              <a:t>it</a:t>
+            </a:r>
+            <a:r>
+              <a:rPr lang="de-DE" dirty="0"/>
+              <a:t> </a:t>
+            </a:r>
+            <a:r>
+              <a:rPr lang="de-DE" dirty="0" err="1"/>
+              <a:t>works</a:t>
+            </a:r>
+            <a:r>
+              <a:rPr lang="de-DE" dirty="0"/>
+              <a:t>: Support </a:t>
+            </a:r>
+            <a:r>
+              <a:rPr lang="de-DE" dirty="0" err="1"/>
+              <a:t>vector</a:t>
+            </a:r>
+            <a:r>
+              <a:rPr lang="de-DE" dirty="0"/>
+              <a:t> </a:t>
+            </a:r>
+            <a:r>
+              <a:rPr lang="de-DE" dirty="0" err="1"/>
+              <a:t>machine</a:t>
+            </a:r>
+            <a:endParaRPr lang="de-DE" dirty="0"/>
+          </a:p>
+        </p:txBody>
+      </p:sp>
+      <p:sp>
+        <p:nvSpPr>
+          <p:cNvPr id="3" name="Inhaltsplatzhalter 2">
+            <a:extLst>
+              <a:ext uri="{FF2B5EF4-FFF2-40B4-BE49-F238E27FC236}">
+                <a16:creationId xmlns:a16="http://schemas.microsoft.com/office/drawing/2014/main" id="{B6EBCD5F-A998-E34B-B609-7A4D246D72F7}"/>
+              </a:ext>
+            </a:extLst>
+          </p:cNvPr>
+          <p:cNvSpPr>
+            <a:spLocks noGrp="1"/>
+          </p:cNvSpPr>
+          <p:nvPr>
+            <p:ph idx="1"/>
+          </p:nvPr>
+        </p:nvSpPr>
+        <p:spPr/>
+        <p:txBody>
+          <a:bodyPr/>
+          <a:lstStyle/>
+          <a:p>
+            <a:endParaRPr lang="de-DE" sz="2000" dirty="0"/>
+          </a:p>
+        </p:txBody>
+      </p:sp>
+    </p:spTree>
+    <p:extLst>
+      <p:ext uri="{BB962C8B-B14F-4D97-AF65-F5344CB8AC3E}">
+        <p14:creationId xmlns:p14="http://schemas.microsoft.com/office/powerpoint/2010/main" val="3746182716"/>
+      </p:ext>
+    </p:extLst>
+  </p:cSld>
+  <p:clrMapOvr>
+    <a:masterClrMapping/>
+  </p:clrMapOvr>
+</p:sld>
+</file>
+
+<file path=ppt/slides/slide15.xml><?xml version="1.0" encoding="utf-8"?>
+<p:sld xmlns:a="http://schemas.openxmlformats.org/drawingml/2006/main" xmlns:r="http://schemas.openxmlformats.org/officeDocument/2006/relationships" xmlns:p="http://schemas.openxmlformats.org/presentationml/2006/main">
+  <p:cSld>
+    <p:spTree>
+      <p:nvGrpSpPr>
+        <p:cNvPr id="1" name=""/>
+        <p:cNvGrpSpPr/>
+        <p:nvPr/>
+      </p:nvGrpSpPr>
+      <p:grpSpPr>
+        <a:xfrm>
+          <a:off x="0" y="0"/>
+          <a:ext cx="0" cy="0"/>
+          <a:chOff x="0" y="0"/>
+          <a:chExt cx="0" cy="0"/>
+        </a:xfrm>
+      </p:grpSpPr>
+      <p:sp>
+        <p:nvSpPr>
+          <p:cNvPr id="2" name="Titel 1">
+            <a:extLst>
+              <a:ext uri="{FF2B5EF4-FFF2-40B4-BE49-F238E27FC236}">
+                <a16:creationId xmlns:a16="http://schemas.microsoft.com/office/drawing/2014/main" id="{9C274E31-D4F7-6C4A-D81C-1BC18A1044AE}"/>
+              </a:ext>
+            </a:extLst>
+          </p:cNvPr>
+          <p:cNvSpPr>
+            <a:spLocks noGrp="1"/>
+          </p:cNvSpPr>
+          <p:nvPr>
+            <p:ph type="title"/>
+          </p:nvPr>
+        </p:nvSpPr>
+        <p:spPr/>
+        <p:txBody>
+          <a:bodyPr/>
+          <a:lstStyle/>
+          <a:p>
+            <a:r>
+              <a:rPr lang="de-DE" dirty="0"/>
+              <a:t>Dataset: ALLBUS</a:t>
+            </a:r>
+          </a:p>
+        </p:txBody>
+      </p:sp>
+      <p:sp>
+        <p:nvSpPr>
+          <p:cNvPr id="3" name="Inhaltsplatzhalter 2">
+            <a:extLst>
+              <a:ext uri="{FF2B5EF4-FFF2-40B4-BE49-F238E27FC236}">
+                <a16:creationId xmlns:a16="http://schemas.microsoft.com/office/drawing/2014/main" id="{A6EE175B-F110-2231-4746-FB0A5137CFF3}"/>
+              </a:ext>
+            </a:extLst>
+          </p:cNvPr>
+          <p:cNvSpPr>
+            <a:spLocks noGrp="1"/>
+          </p:cNvSpPr>
+          <p:nvPr>
+            <p:ph idx="1"/>
+          </p:nvPr>
+        </p:nvSpPr>
+        <p:spPr>
+          <a:xfrm>
+            <a:off x="395536" y="1353344"/>
+            <a:ext cx="7344816" cy="3162622"/>
+          </a:xfrm>
+        </p:spPr>
+        <p:txBody>
+          <a:bodyPr/>
+          <a:lstStyle/>
+          <a:p>
+            <a:r>
+              <a:rPr lang="de-DE" sz="2000" dirty="0"/>
+              <a:t>„General </a:t>
+            </a:r>
+            <a:r>
+              <a:rPr lang="de-DE" sz="2000" dirty="0" err="1"/>
+              <a:t>population</a:t>
+            </a:r>
+            <a:r>
+              <a:rPr lang="de-DE" sz="2000" dirty="0"/>
+              <a:t> </a:t>
+            </a:r>
+            <a:r>
+              <a:rPr lang="de-DE" sz="2000" dirty="0" err="1"/>
+              <a:t>survey</a:t>
+            </a:r>
+            <a:r>
+              <a:rPr lang="de-DE" sz="2000" dirty="0"/>
+              <a:t> </a:t>
+            </a:r>
+            <a:r>
+              <a:rPr lang="de-DE" sz="2000" dirty="0" err="1"/>
+              <a:t>of</a:t>
+            </a:r>
+            <a:r>
+              <a:rPr lang="de-DE" sz="2000" dirty="0"/>
+              <a:t> </a:t>
+            </a:r>
+            <a:r>
+              <a:rPr lang="de-DE" sz="2000" dirty="0" err="1"/>
+              <a:t>the</a:t>
+            </a:r>
+            <a:r>
+              <a:rPr lang="de-DE" sz="2000" dirty="0"/>
+              <a:t> social </a:t>
+            </a:r>
+            <a:r>
+              <a:rPr lang="de-DE" sz="2000" dirty="0" err="1"/>
+              <a:t>sciences</a:t>
+            </a:r>
+            <a:r>
+              <a:rPr lang="de-DE" sz="2000" dirty="0"/>
+              <a:t>“ 	  </a:t>
+            </a:r>
+            <a:r>
+              <a:rPr lang="de-DE" sz="1000" dirty="0"/>
+              <a:t>(Allgemeine Bevölkerungsumfrage der Sozialwissenschaften)</a:t>
+            </a:r>
+          </a:p>
+          <a:p>
+            <a:r>
+              <a:rPr lang="de-DE" sz="2000" b="1" dirty="0"/>
+              <a:t>Response Variable</a:t>
+            </a:r>
+            <a:r>
+              <a:rPr lang="de-DE" sz="2000" dirty="0"/>
+              <a:t>:</a:t>
+            </a:r>
+          </a:p>
+          <a:p>
+            <a:pPr lvl="1"/>
+            <a:r>
+              <a:rPr lang="de-DE" sz="1800" dirty="0"/>
+              <a:t>„Federal </a:t>
+            </a:r>
+            <a:r>
+              <a:rPr lang="de-DE" sz="1800" dirty="0" err="1"/>
+              <a:t>state</a:t>
+            </a:r>
+            <a:r>
+              <a:rPr lang="de-DE" sz="1800" dirty="0"/>
+              <a:t> </a:t>
+            </a:r>
+            <a:r>
+              <a:rPr lang="de-DE" sz="1800" dirty="0" err="1"/>
+              <a:t>where</a:t>
+            </a:r>
+            <a:r>
+              <a:rPr lang="de-DE" sz="1800" dirty="0"/>
+              <a:t> </a:t>
+            </a:r>
+            <a:r>
+              <a:rPr lang="de-DE" sz="1800" dirty="0" err="1"/>
+              <a:t>interviewee</a:t>
+            </a:r>
+            <a:r>
+              <a:rPr lang="de-DE" sz="1800" dirty="0"/>
+              <a:t> </a:t>
+            </a:r>
+            <a:r>
+              <a:rPr lang="de-DE" sz="1800" dirty="0" err="1"/>
+              <a:t>lived</a:t>
+            </a:r>
+            <a:r>
+              <a:rPr lang="de-DE" sz="1800" dirty="0"/>
+              <a:t> in </a:t>
+            </a:r>
+            <a:r>
+              <a:rPr lang="de-DE" sz="1800" dirty="0" err="1"/>
+              <a:t>youth</a:t>
+            </a:r>
+            <a:r>
+              <a:rPr lang="de-DE" sz="1800" dirty="0"/>
+              <a:t>“</a:t>
+            </a:r>
+          </a:p>
+          <a:p>
+            <a:pPr lvl="1"/>
+            <a:r>
+              <a:rPr lang="de-DE" sz="1800" dirty="0" err="1">
+                <a:sym typeface="Wingdings" panose="05000000000000000000" pitchFamily="2" charset="2"/>
+              </a:rPr>
+              <a:t>coded</a:t>
+            </a:r>
+            <a:r>
+              <a:rPr lang="de-DE" sz="1800" dirty="0">
+                <a:sym typeface="Wingdings" panose="05000000000000000000" pitchFamily="2" charset="2"/>
+              </a:rPr>
+              <a:t> </a:t>
+            </a:r>
+            <a:r>
+              <a:rPr lang="de-DE" sz="1800" dirty="0" err="1">
+                <a:sym typeface="Wingdings" panose="05000000000000000000" pitchFamily="2" charset="2"/>
+              </a:rPr>
+              <a:t>to</a:t>
+            </a:r>
+            <a:r>
+              <a:rPr lang="de-DE" sz="1800" dirty="0">
+                <a:sym typeface="Wingdings" panose="05000000000000000000" pitchFamily="2" charset="2"/>
+              </a:rPr>
+              <a:t> „Youth in East/West Germany“</a:t>
+            </a:r>
+            <a:endParaRPr lang="de-DE" sz="1800" dirty="0"/>
+          </a:p>
+          <a:p>
+            <a:r>
+              <a:rPr lang="de-DE" sz="2000" b="1" dirty="0" err="1"/>
+              <a:t>Predictor</a:t>
+            </a:r>
+            <a:r>
+              <a:rPr lang="de-DE" sz="2000" b="1" dirty="0"/>
+              <a:t> Variables</a:t>
+            </a:r>
+            <a:r>
+              <a:rPr lang="de-DE" sz="2000" dirty="0"/>
+              <a:t>:</a:t>
+            </a:r>
+          </a:p>
+          <a:p>
+            <a:pPr lvl="1"/>
+            <a:r>
+              <a:rPr lang="de-DE" sz="1800" dirty="0"/>
+              <a:t>121 variables </a:t>
+            </a:r>
+            <a:r>
+              <a:rPr lang="de-DE" sz="1800" dirty="0" err="1"/>
+              <a:t>concerning</a:t>
+            </a:r>
+            <a:r>
+              <a:rPr lang="de-DE" sz="1800" dirty="0"/>
+              <a:t> </a:t>
+            </a:r>
+            <a:r>
+              <a:rPr lang="de-DE" sz="1800" dirty="0" err="1"/>
+              <a:t>attitudes</a:t>
+            </a:r>
+            <a:r>
+              <a:rPr lang="de-DE" sz="1800" dirty="0"/>
+              <a:t>, </a:t>
+            </a:r>
+            <a:r>
+              <a:rPr lang="de-DE" sz="1800" dirty="0" err="1"/>
+              <a:t>behavior</a:t>
+            </a:r>
+            <a:r>
+              <a:rPr lang="de-DE" sz="1800" dirty="0"/>
+              <a:t> and social </a:t>
+            </a:r>
+            <a:r>
+              <a:rPr lang="de-DE" sz="1800" dirty="0" err="1"/>
+              <a:t>change</a:t>
+            </a:r>
+            <a:endParaRPr lang="de-DE" sz="1800" dirty="0"/>
+          </a:p>
+        </p:txBody>
+      </p:sp>
+    </p:spTree>
+    <p:extLst>
+      <p:ext uri="{BB962C8B-B14F-4D97-AF65-F5344CB8AC3E}">
+        <p14:creationId xmlns:p14="http://schemas.microsoft.com/office/powerpoint/2010/main" val="2732348097"/>
+      </p:ext>
+    </p:extLst>
+  </p:cSld>
+  <p:clrMapOvr>
+    <a:masterClrMapping/>
+  </p:clrMapOvr>
+</p:sld>
+</file>
+
+<file path=ppt/slides/slide16.xml><?xml version="1.0" encoding="utf-8"?>
+<p:sld xmlns:a="http://schemas.openxmlformats.org/drawingml/2006/main" xmlns:r="http://schemas.openxmlformats.org/officeDocument/2006/relationships" xmlns:p="http://schemas.openxmlformats.org/presentationml/2006/main">
+  <p:cSld>
+    <p:spTree>
+      <p:nvGrpSpPr>
+        <p:cNvPr id="1" name=""/>
+        <p:cNvGrpSpPr/>
+        <p:nvPr/>
+      </p:nvGrpSpPr>
+      <p:grpSpPr>
+        <a:xfrm>
+          <a:off x="0" y="0"/>
+          <a:ext cx="0" cy="0"/>
+          <a:chOff x="0" y="0"/>
+          <a:chExt cx="0" cy="0"/>
+        </a:xfrm>
+      </p:grpSpPr>
+      <p:sp>
+        <p:nvSpPr>
+          <p:cNvPr id="2" name="Titel 1">
+            <a:extLst>
+              <a:ext uri="{FF2B5EF4-FFF2-40B4-BE49-F238E27FC236}">
+                <a16:creationId xmlns:a16="http://schemas.microsoft.com/office/drawing/2014/main" id="{9C274E31-D4F7-6C4A-D81C-1BC18A1044AE}"/>
+              </a:ext>
+            </a:extLst>
+          </p:cNvPr>
+          <p:cNvSpPr>
+            <a:spLocks noGrp="1"/>
+          </p:cNvSpPr>
+          <p:nvPr>
+            <p:ph type="title"/>
+          </p:nvPr>
+        </p:nvSpPr>
+        <p:spPr/>
+        <p:txBody>
+          <a:bodyPr/>
+          <a:lstStyle/>
+          <a:p>
+            <a:r>
+              <a:rPr lang="de-DE" dirty="0"/>
+              <a:t>Dataset: ALLBUS</a:t>
+            </a:r>
+          </a:p>
+        </p:txBody>
+      </p:sp>
+      <p:sp>
+        <p:nvSpPr>
+          <p:cNvPr id="3" name="Inhaltsplatzhalter 2">
+            <a:extLst>
+              <a:ext uri="{FF2B5EF4-FFF2-40B4-BE49-F238E27FC236}">
+                <a16:creationId xmlns:a16="http://schemas.microsoft.com/office/drawing/2014/main" id="{A6EE175B-F110-2231-4746-FB0A5137CFF3}"/>
+              </a:ext>
+            </a:extLst>
+          </p:cNvPr>
+          <p:cNvSpPr>
+            <a:spLocks noGrp="1"/>
+          </p:cNvSpPr>
+          <p:nvPr>
+            <p:ph idx="1"/>
+          </p:nvPr>
+        </p:nvSpPr>
+        <p:spPr>
+          <a:xfrm>
+            <a:off x="395536" y="1353344"/>
+            <a:ext cx="7344816" cy="3162622"/>
+          </a:xfrm>
+        </p:spPr>
+        <p:txBody>
+          <a:bodyPr/>
+          <a:lstStyle/>
+          <a:p>
+            <a:r>
+              <a:rPr lang="de-DE" sz="2000" b="1" dirty="0"/>
+              <a:t>Data </a:t>
+            </a:r>
+            <a:r>
+              <a:rPr lang="de-DE" sz="2000" b="1" dirty="0" err="1"/>
+              <a:t>Preparation</a:t>
+            </a:r>
+            <a:r>
+              <a:rPr lang="de-DE" sz="2000" b="1" dirty="0"/>
+              <a:t>:</a:t>
+            </a:r>
+          </a:p>
+          <a:p>
+            <a:pPr lvl="1"/>
+            <a:r>
+              <a:rPr lang="de-DE" sz="1800" dirty="0" err="1"/>
+              <a:t>Only</a:t>
+            </a:r>
+            <a:r>
+              <a:rPr lang="de-DE" sz="1800" dirty="0"/>
+              <a:t> </a:t>
+            </a:r>
+            <a:r>
+              <a:rPr lang="de-DE" sz="1800" dirty="0" err="1"/>
+              <a:t>include</a:t>
+            </a:r>
+            <a:r>
+              <a:rPr lang="de-DE" sz="1800" dirty="0"/>
+              <a:t> </a:t>
+            </a:r>
+            <a:r>
+              <a:rPr lang="de-DE" sz="1800" dirty="0" err="1"/>
+              <a:t>questions</a:t>
+            </a:r>
+            <a:r>
+              <a:rPr lang="de-DE" sz="1800" dirty="0"/>
+              <a:t> </a:t>
+            </a:r>
+            <a:r>
+              <a:rPr lang="de-DE" sz="1800" dirty="0" err="1"/>
+              <a:t>answered</a:t>
+            </a:r>
+            <a:r>
+              <a:rPr lang="de-DE" sz="1800" dirty="0"/>
+              <a:t> in all 3 Splits</a:t>
+            </a:r>
+          </a:p>
+          <a:p>
+            <a:pPr lvl="1"/>
+            <a:r>
+              <a:rPr lang="de-DE" sz="1800" dirty="0" err="1"/>
+              <a:t>Exclude</a:t>
+            </a:r>
+            <a:r>
+              <a:rPr lang="de-DE" sz="1800" dirty="0"/>
+              <a:t> </a:t>
+            </a:r>
+            <a:r>
+              <a:rPr lang="de-DE" sz="1800" dirty="0" err="1"/>
+              <a:t>questions</a:t>
+            </a:r>
+            <a:r>
+              <a:rPr lang="de-DE" sz="1800" dirty="0"/>
+              <a:t> </a:t>
+            </a:r>
+            <a:r>
+              <a:rPr lang="de-DE" sz="1800" dirty="0" err="1"/>
+              <a:t>with</a:t>
+            </a:r>
+            <a:r>
+              <a:rPr lang="de-DE" sz="1800" dirty="0"/>
+              <a:t> &gt; 5% NA</a:t>
+            </a:r>
+          </a:p>
+          <a:p>
+            <a:pPr lvl="1"/>
+            <a:r>
+              <a:rPr lang="de-DE" sz="1800" dirty="0" err="1"/>
+              <a:t>Exclude</a:t>
+            </a:r>
+            <a:r>
+              <a:rPr lang="de-DE" sz="1800" dirty="0"/>
+              <a:t> </a:t>
+            </a:r>
+            <a:r>
+              <a:rPr lang="de-DE" sz="1800" dirty="0" err="1"/>
+              <a:t>observations</a:t>
+            </a:r>
+            <a:r>
+              <a:rPr lang="de-DE" sz="1800" dirty="0"/>
+              <a:t> </a:t>
+            </a:r>
+            <a:r>
+              <a:rPr lang="de-DE" sz="1800" dirty="0" err="1"/>
+              <a:t>with</a:t>
+            </a:r>
+            <a:r>
+              <a:rPr lang="de-DE" sz="1800" dirty="0"/>
+              <a:t> NA</a:t>
+            </a:r>
+          </a:p>
+          <a:p>
+            <a:r>
+              <a:rPr lang="de-DE" sz="2000" dirty="0"/>
+              <a:t>After </a:t>
+            </a:r>
+            <a:r>
+              <a:rPr lang="de-DE" sz="2000" dirty="0" err="1"/>
+              <a:t>Preparation</a:t>
+            </a:r>
+            <a:r>
+              <a:rPr lang="de-DE" sz="2000" dirty="0"/>
+              <a:t>: 2509 </a:t>
+            </a:r>
+            <a:r>
+              <a:rPr lang="de-DE" sz="2000" dirty="0" err="1"/>
+              <a:t>observations</a:t>
+            </a:r>
+            <a:r>
+              <a:rPr lang="de-DE" sz="2000" dirty="0"/>
+              <a:t> and 122 variables</a:t>
+            </a:r>
+          </a:p>
+        </p:txBody>
+      </p:sp>
+    </p:spTree>
+    <p:extLst>
+      <p:ext uri="{BB962C8B-B14F-4D97-AF65-F5344CB8AC3E}">
+        <p14:creationId xmlns:p14="http://schemas.microsoft.com/office/powerpoint/2010/main" val="3828027156"/>
+      </p:ext>
+    </p:extLst>
+  </p:cSld>
+  <p:clrMapOvr>
+    <a:masterClrMapping/>
+  </p:clrMapOvr>
+</p:sld>
+</file>
+
+<file path=ppt/slides/slide17.xml><?xml version="1.0" encoding="utf-8"?>
+<p:sld xmlns:a="http://schemas.openxmlformats.org/drawingml/2006/main" xmlns:r="http://schemas.openxmlformats.org/officeDocument/2006/relationships" xmlns:p="http://schemas.openxmlformats.org/presentationml/2006/main">
+  <p:cSld>
+    <p:spTree>
+      <p:nvGrpSpPr>
+        <p:cNvPr id="1" name=""/>
+        <p:cNvGrpSpPr/>
+        <p:nvPr/>
+      </p:nvGrpSpPr>
+      <p:grpSpPr>
+        <a:xfrm>
+          <a:off x="0" y="0"/>
+          <a:ext cx="0" cy="0"/>
+          <a:chOff x="0" y="0"/>
+          <a:chExt cx="0" cy="0"/>
+        </a:xfrm>
+      </p:grpSpPr>
+      <p:sp>
+        <p:nvSpPr>
+          <p:cNvPr id="2" name="Titel 1">
+            <a:extLst>
+              <a:ext uri="{FF2B5EF4-FFF2-40B4-BE49-F238E27FC236}">
+                <a16:creationId xmlns:a16="http://schemas.microsoft.com/office/drawing/2014/main" id="{44ED17ED-09C8-55E6-DF2F-BBE1E913B8D2}"/>
+              </a:ext>
+            </a:extLst>
+          </p:cNvPr>
+          <p:cNvSpPr>
+            <a:spLocks noGrp="1"/>
+          </p:cNvSpPr>
+          <p:nvPr>
+            <p:ph type="title"/>
+          </p:nvPr>
+        </p:nvSpPr>
+        <p:spPr/>
+        <p:txBody>
+          <a:bodyPr/>
+          <a:lstStyle/>
+          <a:p>
+            <a:r>
+              <a:rPr lang="de-DE" dirty="0"/>
+              <a:t>Simulation </a:t>
+            </a:r>
+            <a:r>
+              <a:rPr lang="de-DE" dirty="0" err="1"/>
+              <a:t>study</a:t>
+            </a:r>
+            <a:endParaRPr lang="de-DE" dirty="0"/>
+          </a:p>
+        </p:txBody>
+      </p:sp>
+      <p:sp>
+        <p:nvSpPr>
+          <p:cNvPr id="3" name="Inhaltsplatzhalter 2">
+            <a:extLst>
+              <a:ext uri="{FF2B5EF4-FFF2-40B4-BE49-F238E27FC236}">
+                <a16:creationId xmlns:a16="http://schemas.microsoft.com/office/drawing/2014/main" id="{DE4E10F2-1F49-793B-6371-20F0C962B1D9}"/>
+              </a:ext>
+            </a:extLst>
+          </p:cNvPr>
+          <p:cNvSpPr>
+            <a:spLocks noGrp="1"/>
+          </p:cNvSpPr>
+          <p:nvPr>
+            <p:ph idx="1"/>
+          </p:nvPr>
+        </p:nvSpPr>
+        <p:spPr/>
+        <p:txBody>
+          <a:bodyPr/>
+          <a:lstStyle/>
+          <a:p>
+            <a:r>
+              <a:rPr lang="de-DE" sz="2000" dirty="0"/>
+              <a:t>Measurement </a:t>
+            </a:r>
+            <a:r>
+              <a:rPr lang="de-DE" sz="2000" dirty="0" err="1"/>
+              <a:t>of</a:t>
+            </a:r>
+            <a:r>
+              <a:rPr lang="de-DE" sz="2000" dirty="0"/>
+              <a:t> </a:t>
+            </a:r>
+            <a:r>
+              <a:rPr lang="de-DE" sz="2000" dirty="0" err="1"/>
+              <a:t>accuracy</a:t>
+            </a:r>
+            <a:r>
+              <a:rPr lang="de-DE" sz="2000" dirty="0"/>
+              <a:t>:</a:t>
+            </a:r>
+          </a:p>
+          <a:p>
+            <a:pPr lvl="1"/>
+            <a:r>
+              <a:rPr lang="en-GB" sz="1800" dirty="0"/>
+              <a:t>Misclassification</a:t>
+            </a:r>
+            <a:r>
+              <a:rPr lang="de-DE" sz="1800" dirty="0"/>
+              <a:t> rate</a:t>
+            </a:r>
+          </a:p>
+          <a:p>
+            <a:pPr lvl="1"/>
+            <a:r>
+              <a:rPr lang="de-DE" sz="1800" dirty="0"/>
+              <a:t>ROC </a:t>
+            </a:r>
+            <a:r>
+              <a:rPr lang="de-DE" sz="1800" dirty="0" err="1"/>
+              <a:t>curve</a:t>
+            </a:r>
+            <a:endParaRPr lang="de-DE" sz="1800" dirty="0"/>
+          </a:p>
+        </p:txBody>
+      </p:sp>
+    </p:spTree>
+    <p:extLst>
+      <p:ext uri="{BB962C8B-B14F-4D97-AF65-F5344CB8AC3E}">
+        <p14:creationId xmlns:p14="http://schemas.microsoft.com/office/powerpoint/2010/main" val="1886016345"/>
+      </p:ext>
+    </p:extLst>
+  </p:cSld>
+  <p:clrMapOvr>
+    <a:masterClrMapping/>
+  </p:clrMapOvr>
+</p:sld>
+</file>
+
+<file path=ppt/slides/slide18.xml><?xml version="1.0" encoding="utf-8"?>
+<p:sld xmlns:a="http://schemas.openxmlformats.org/drawingml/2006/main" xmlns:r="http://schemas.openxmlformats.org/officeDocument/2006/relationships" xmlns:p="http://schemas.openxmlformats.org/presentationml/2006/main">
+  <p:cSld>
+    <p:spTree>
+      <p:nvGrpSpPr>
+        <p:cNvPr id="1" name=""/>
+        <p:cNvGrpSpPr/>
+        <p:nvPr/>
+      </p:nvGrpSpPr>
+      <p:grpSpPr>
+        <a:xfrm>
+          <a:off x="0" y="0"/>
+          <a:ext cx="0" cy="0"/>
+          <a:chOff x="0" y="0"/>
+          <a:chExt cx="0" cy="0"/>
+        </a:xfrm>
+      </p:grpSpPr>
+      <p:sp>
+        <p:nvSpPr>
+          <p:cNvPr id="2" name="Titel 1">
+            <a:extLst>
+              <a:ext uri="{FF2B5EF4-FFF2-40B4-BE49-F238E27FC236}">
+                <a16:creationId xmlns:a16="http://schemas.microsoft.com/office/drawing/2014/main" id="{5841DC02-6942-A02F-3690-049179BDDFFB}"/>
+              </a:ext>
+            </a:extLst>
+          </p:cNvPr>
+          <p:cNvSpPr>
+            <a:spLocks noGrp="1"/>
+          </p:cNvSpPr>
+          <p:nvPr>
+            <p:ph type="title"/>
+          </p:nvPr>
+        </p:nvSpPr>
+        <p:spPr/>
+        <p:txBody>
+          <a:bodyPr/>
+          <a:lstStyle/>
+          <a:p>
+            <a:r>
+              <a:rPr lang="de-DE" dirty="0"/>
+              <a:t>Eventuell Vergleich zur logistischen Regression</a:t>
+            </a:r>
+          </a:p>
+        </p:txBody>
+      </p:sp>
+      <p:sp>
+        <p:nvSpPr>
+          <p:cNvPr id="3" name="Inhaltsplatzhalter 2">
+            <a:extLst>
+              <a:ext uri="{FF2B5EF4-FFF2-40B4-BE49-F238E27FC236}">
+                <a16:creationId xmlns:a16="http://schemas.microsoft.com/office/drawing/2014/main" id="{53B72B76-6DAD-D05F-CD79-CA2DDBA8FA0A}"/>
+              </a:ext>
+            </a:extLst>
+          </p:cNvPr>
+          <p:cNvSpPr>
+            <a:spLocks noGrp="1"/>
+          </p:cNvSpPr>
+          <p:nvPr>
+            <p:ph idx="1"/>
+          </p:nvPr>
+        </p:nvSpPr>
+        <p:spPr/>
+        <p:txBody>
+          <a:bodyPr/>
+          <a:lstStyle/>
+          <a:p>
+            <a:endParaRPr lang="de-DE" sz="2000" dirty="0"/>
+          </a:p>
+        </p:txBody>
+      </p:sp>
+    </p:spTree>
+    <p:extLst>
+      <p:ext uri="{BB962C8B-B14F-4D97-AF65-F5344CB8AC3E}">
+        <p14:creationId xmlns:p14="http://schemas.microsoft.com/office/powerpoint/2010/main" val="3939977226"/>
+      </p:ext>
+    </p:extLst>
+  </p:cSld>
+  <p:clrMapOvr>
+    <a:masterClrMapping/>
+  </p:clrMapOvr>
+</p:sld>
+</file>
+
+<file path=ppt/slides/slide2.xml><?xml version="1.0" encoding="utf-8"?>
+<p:sld xmlns:a="http://schemas.openxmlformats.org/drawingml/2006/main" xmlns:r="http://schemas.openxmlformats.org/officeDocument/2006/relationships" xmlns:p="http://schemas.openxmlformats.org/presentationml/2006/main">
+  <p:cSld>
+    <p:spTree>
+      <p:nvGrpSpPr>
+        <p:cNvPr id="1" name=""/>
+        <p:cNvGrpSpPr/>
+        <p:nvPr/>
+      </p:nvGrpSpPr>
+      <p:grpSpPr>
+        <a:xfrm>
+          <a:off x="0" y="0"/>
+          <a:ext cx="0" cy="0"/>
+          <a:chOff x="0" y="0"/>
+          <a:chExt cx="0" cy="0"/>
+        </a:xfrm>
+      </p:grpSpPr>
+      <p:sp>
+        <p:nvSpPr>
+          <p:cNvPr id="3074" name="Titel 1">
+            <a:extLst>
+              <a:ext uri="{FF2B5EF4-FFF2-40B4-BE49-F238E27FC236}">
+                <a16:creationId xmlns:a16="http://schemas.microsoft.com/office/drawing/2014/main" id="{6DDB2B67-49B5-A2AD-F20E-5F73AC373BB3}"/>
+              </a:ext>
+            </a:extLst>
+          </p:cNvPr>
+          <p:cNvSpPr>
+            <a:spLocks noGrp="1"/>
+          </p:cNvSpPr>
+          <p:nvPr>
+            <p:ph type="title"/>
+          </p:nvPr>
+        </p:nvSpPr>
+        <p:spPr bwMode="auto">
+          <a:xfrm>
+            <a:off x="395288" y="268288"/>
+            <a:ext cx="7345362" cy="857250"/>
+          </a:xfrm>
+          <a:noFill/>
+          <a:extLst>
+            <a:ext uri="{909E8E84-426E-40DD-AFC4-6F175D3DCCD1}">
+              <a14:hiddenFill xmlns:a14="http://schemas.microsoft.com/office/drawing/2010/main">
+                <a:solidFill>
+                  <a:srgbClr val="FFFFFF"/>
+                </a:solidFill>
+              </a14:hiddenFill>
+            </a:ext>
+            <a:ext uri="{91240B29-F687-4F45-9708-019B960494DF}">
+              <a14:hiddenLine xmlns:a14="http://schemas.microsoft.com/office/drawing/2010/main" w="9525">
+                <a:solidFill>
+                  <a:srgbClr val="000000"/>
+                </a:solidFill>
+                <a:miter lim="800000"/>
+                <a:headEnd/>
+                <a:tailEnd/>
+              </a14:hiddenLine>
+            </a:ext>
+          </a:extLst>
+        </p:spPr>
+        <p:txBody>
+          <a:bodyPr vert="horz" wrap="square" lIns="91440" tIns="45720" rIns="91440" bIns="45720" numCol="1" anchor="t" anchorCtr="0" compatLnSpc="1">
+            <a:prstTxWarp prst="textNoShape">
+              <a:avLst/>
+            </a:prstTxWarp>
+          </a:bodyPr>
+          <a:lstStyle/>
+          <a:p>
+            <a:r>
+              <a:rPr lang="de-DE" altLang="de-DE" dirty="0" err="1">
+                <a:latin typeface="Arial" panose="020B0604020202020204" pitchFamily="34" charset="0"/>
+              </a:rPr>
+              <a:t>Introduction</a:t>
+            </a:r>
+            <a:endParaRPr lang="de-DE" altLang="de-DE" dirty="0">
+              <a:latin typeface="Arial" panose="020B0604020202020204" pitchFamily="34" charset="0"/>
+            </a:endParaRPr>
+          </a:p>
+        </p:txBody>
+      </p:sp>
+      <p:sp>
+        <p:nvSpPr>
+          <p:cNvPr id="3075" name="Inhaltsplatzhalter 2">
+            <a:extLst>
+              <a:ext uri="{FF2B5EF4-FFF2-40B4-BE49-F238E27FC236}">
+                <a16:creationId xmlns:a16="http://schemas.microsoft.com/office/drawing/2014/main" id="{E23334FB-955A-D960-40EB-30BE064797D7}"/>
+              </a:ext>
+            </a:extLst>
+          </p:cNvPr>
+          <p:cNvSpPr>
+            <a:spLocks noGrp="1"/>
+          </p:cNvSpPr>
+          <p:nvPr>
+            <p:ph idx="1"/>
+          </p:nvPr>
+        </p:nvSpPr>
+        <p:spPr bwMode="auto">
+          <a:xfrm>
+            <a:off x="395288" y="1354138"/>
+            <a:ext cx="7345362" cy="2663825"/>
+          </a:xfrm>
+          <a:noFill/>
+          <a:extLst>
+            <a:ext uri="{909E8E84-426E-40DD-AFC4-6F175D3DCCD1}">
+              <a14:hiddenFill xmlns:a14="http://schemas.microsoft.com/office/drawing/2010/main">
+                <a:solidFill>
+                  <a:srgbClr val="FFFFFF"/>
+                </a:solidFill>
+              </a14:hiddenFill>
+            </a:ext>
+            <a:ext uri="{91240B29-F687-4F45-9708-019B960494DF}">
+              <a14:hiddenLine xmlns:a14="http://schemas.microsoft.com/office/drawing/2010/main" w="9525">
+                <a:solidFill>
+                  <a:srgbClr val="000000"/>
+                </a:solidFill>
+                <a:miter lim="800000"/>
+                <a:headEnd/>
+                <a:tailEnd/>
+              </a14:hiddenLine>
+            </a:ext>
+          </a:extLst>
+        </p:spPr>
+        <p:txBody>
+          <a:bodyPr vert="horz" wrap="square" lIns="91440" tIns="45720" rIns="91440" bIns="45720" numCol="1" anchor="t" anchorCtr="0" compatLnSpc="1">
+            <a:prstTxWarp prst="textNoShape">
+              <a:avLst/>
+            </a:prstTxWarp>
+          </a:bodyPr>
+          <a:lstStyle/>
+          <a:p>
+            <a:pPr marL="0" indent="0">
+              <a:buFontTx/>
+              <a:buNone/>
+            </a:pPr>
+            <a:endParaRPr lang="de-DE" altLang="de-DE" sz="2000" dirty="0">
+              <a:latin typeface="Arial" panose="020B0604020202020204" pitchFamily="34" charset="0"/>
+            </a:endParaRPr>
+          </a:p>
+        </p:txBody>
+      </p:sp>
+    </p:spTree>
+  </p:cSld>
+  <p:clrMapOvr>
+    <a:masterClrMapping/>
+  </p:clrMapOvr>
+</p:sld>
+</file>
+
+<file path=ppt/slides/slide3.xml><?xml version="1.0" encoding="utf-8"?>
+<p:sld xmlns:a="http://schemas.openxmlformats.org/drawingml/2006/main" xmlns:r="http://schemas.openxmlformats.org/officeDocument/2006/relationships" xmlns:p="http://schemas.openxmlformats.org/presentationml/2006/main">
+  <p:cSld>
+    <p:spTree>
+      <p:nvGrpSpPr>
+        <p:cNvPr id="1" name=""/>
+        <p:cNvGrpSpPr/>
+        <p:nvPr/>
+      </p:nvGrpSpPr>
+      <p:grpSpPr>
+        <a:xfrm>
+          <a:off x="0" y="0"/>
+          <a:ext cx="0" cy="0"/>
+          <a:chOff x="0" y="0"/>
+          <a:chExt cx="0" cy="0"/>
+        </a:xfrm>
+      </p:grpSpPr>
+      <p:sp>
+        <p:nvSpPr>
+          <p:cNvPr id="2" name="Titel 1">
+            <a:extLst>
+              <a:ext uri="{FF2B5EF4-FFF2-40B4-BE49-F238E27FC236}">
+                <a16:creationId xmlns:a16="http://schemas.microsoft.com/office/drawing/2014/main" id="{C5DD9AD9-429B-D3E5-6168-8A47BE2A6916}"/>
+              </a:ext>
+            </a:extLst>
+          </p:cNvPr>
+          <p:cNvSpPr>
+            <a:spLocks noGrp="1"/>
+          </p:cNvSpPr>
+          <p:nvPr>
+            <p:ph type="title"/>
+          </p:nvPr>
+        </p:nvSpPr>
+        <p:spPr/>
+        <p:txBody>
+          <a:bodyPr/>
+          <a:lstStyle/>
+          <a:p>
+            <a:r>
+              <a:rPr lang="de-DE" dirty="0"/>
+              <a:t>Basic </a:t>
+            </a:r>
+            <a:r>
+              <a:rPr lang="en-GB" dirty="0"/>
+              <a:t>idea</a:t>
+            </a:r>
+            <a:r>
+              <a:rPr lang="de-DE" dirty="0"/>
+              <a:t> </a:t>
+            </a:r>
+            <a:r>
+              <a:rPr lang="de-DE" dirty="0" err="1"/>
+              <a:t>of</a:t>
+            </a:r>
+            <a:r>
+              <a:rPr lang="de-DE" dirty="0"/>
+              <a:t> Support Vector </a:t>
+            </a:r>
+            <a:r>
+              <a:rPr lang="de-DE" dirty="0" err="1"/>
+              <a:t>Machine</a:t>
+            </a:r>
+            <a:endParaRPr lang="de-DE" dirty="0"/>
+          </a:p>
+        </p:txBody>
+      </p:sp>
+      <p:sp>
+        <p:nvSpPr>
+          <p:cNvPr id="3" name="Inhaltsplatzhalter 2">
+            <a:extLst>
+              <a:ext uri="{FF2B5EF4-FFF2-40B4-BE49-F238E27FC236}">
+                <a16:creationId xmlns:a16="http://schemas.microsoft.com/office/drawing/2014/main" id="{3BC43DA5-B41C-E11A-270A-57CEE43CCCE2}"/>
+              </a:ext>
+            </a:extLst>
+          </p:cNvPr>
+          <p:cNvSpPr>
+            <a:spLocks noGrp="1"/>
+          </p:cNvSpPr>
+          <p:nvPr>
+            <p:ph idx="1"/>
+          </p:nvPr>
+        </p:nvSpPr>
+        <p:spPr/>
+        <p:txBody>
+          <a:bodyPr/>
+          <a:lstStyle/>
+          <a:p>
+            <a:r>
+              <a:rPr lang="en-GB" sz="2000" dirty="0"/>
+              <a:t>Especially effective in </a:t>
+            </a:r>
+            <a:r>
+              <a:rPr lang="en-GB" sz="2000" b="1" dirty="0"/>
+              <a:t>classification</a:t>
+            </a:r>
+            <a:r>
+              <a:rPr lang="en-GB" sz="2000" dirty="0"/>
+              <a:t> (also used for regression)</a:t>
+            </a:r>
+          </a:p>
+          <a:p>
+            <a:r>
+              <a:rPr lang="en-GB" sz="2000" dirty="0"/>
+              <a:t>Find the </a:t>
+            </a:r>
+            <a:r>
+              <a:rPr lang="en-GB" sz="2000" b="1" dirty="0"/>
+              <a:t>hyperplane</a:t>
+            </a:r>
+            <a:r>
+              <a:rPr lang="en-GB" sz="2000" dirty="0"/>
+              <a:t> that </a:t>
+            </a:r>
+            <a:r>
+              <a:rPr lang="en-GB" sz="2000" b="1" dirty="0"/>
+              <a:t>separates</a:t>
+            </a:r>
+            <a:r>
+              <a:rPr lang="en-GB" sz="2000" dirty="0"/>
+              <a:t> classes with the maximum possible </a:t>
+            </a:r>
+            <a:r>
+              <a:rPr lang="en-GB" sz="2000" b="1" dirty="0"/>
+              <a:t>margin</a:t>
+            </a:r>
+          </a:p>
+          <a:p>
+            <a:r>
+              <a:rPr lang="en-GB" sz="2000" dirty="0"/>
+              <a:t>Only the </a:t>
+            </a:r>
+            <a:r>
+              <a:rPr lang="en-GB" sz="2000" b="1" dirty="0"/>
+              <a:t>support vectors </a:t>
+            </a:r>
+            <a:r>
+              <a:rPr lang="en-GB" sz="2000" dirty="0"/>
+              <a:t>(datapoints closest to hyperplane) have direct influence on the position of the hyperplane</a:t>
+            </a:r>
+          </a:p>
+        </p:txBody>
+      </p:sp>
+    </p:spTree>
+    <p:extLst>
+      <p:ext uri="{BB962C8B-B14F-4D97-AF65-F5344CB8AC3E}">
+        <p14:creationId xmlns:p14="http://schemas.microsoft.com/office/powerpoint/2010/main" val="1863654698"/>
+      </p:ext>
+    </p:extLst>
+  </p:cSld>
+  <p:clrMapOvr>
+    <a:masterClrMapping/>
+  </p:clrMapOvr>
+</p:sld>
+</file>
+
+<file path=ppt/slides/slide4.xml><?xml version="1.0" encoding="utf-8"?>
+<p:sld xmlns:a="http://schemas.openxmlformats.org/drawingml/2006/main" xmlns:r="http://schemas.openxmlformats.org/officeDocument/2006/relationships" xmlns:p="http://schemas.openxmlformats.org/presentationml/2006/main">
+  <p:cSld>
+    <p:spTree>
+      <p:nvGrpSpPr>
+        <p:cNvPr id="1" name=""/>
+        <p:cNvGrpSpPr/>
+        <p:nvPr/>
+      </p:nvGrpSpPr>
+      <p:grpSpPr>
+        <a:xfrm>
+          <a:off x="0" y="0"/>
+          <a:ext cx="0" cy="0"/>
+          <a:chOff x="0" y="0"/>
+          <a:chExt cx="0" cy="0"/>
+        </a:xfrm>
+      </p:grpSpPr>
+      <p:sp>
+        <p:nvSpPr>
+          <p:cNvPr id="2" name="Titel 1">
+            <a:extLst>
+              <a:ext uri="{FF2B5EF4-FFF2-40B4-BE49-F238E27FC236}">
+                <a16:creationId xmlns:a16="http://schemas.microsoft.com/office/drawing/2014/main" id="{150630A1-84DF-49F6-B5F8-E57296386700}"/>
+              </a:ext>
+            </a:extLst>
+          </p:cNvPr>
+          <p:cNvSpPr>
+            <a:spLocks noGrp="1"/>
+          </p:cNvSpPr>
+          <p:nvPr>
+            <p:ph type="title"/>
+          </p:nvPr>
+        </p:nvSpPr>
+        <p:spPr/>
+        <p:txBody>
+          <a:bodyPr/>
+          <a:lstStyle/>
+          <a:p>
+            <a:r>
+              <a:rPr lang="de-DE" dirty="0" err="1"/>
+              <a:t>History</a:t>
+            </a:r>
+            <a:r>
+              <a:rPr lang="de-DE" dirty="0"/>
+              <a:t> </a:t>
+            </a:r>
+            <a:r>
+              <a:rPr lang="de-DE" dirty="0" err="1"/>
+              <a:t>of</a:t>
+            </a:r>
+            <a:r>
+              <a:rPr lang="de-DE" dirty="0"/>
+              <a:t> Support Vector </a:t>
+            </a:r>
+            <a:r>
+              <a:rPr lang="de-DE" dirty="0" err="1"/>
+              <a:t>Machine</a:t>
+            </a:r>
+            <a:endParaRPr lang="de-DE" dirty="0"/>
+          </a:p>
+        </p:txBody>
+      </p:sp>
+      <p:sp>
+        <p:nvSpPr>
+          <p:cNvPr id="3" name="Inhaltsplatzhalter 2">
+            <a:extLst>
+              <a:ext uri="{FF2B5EF4-FFF2-40B4-BE49-F238E27FC236}">
+                <a16:creationId xmlns:a16="http://schemas.microsoft.com/office/drawing/2014/main" id="{3FF9D066-9F9C-F31B-20AC-AD293FDA4C4E}"/>
+              </a:ext>
+            </a:extLst>
+          </p:cNvPr>
+          <p:cNvSpPr>
+            <a:spLocks noGrp="1"/>
+          </p:cNvSpPr>
+          <p:nvPr>
+            <p:ph idx="1"/>
+          </p:nvPr>
+        </p:nvSpPr>
+        <p:spPr>
+          <a:xfrm>
+            <a:off x="395536" y="1353344"/>
+            <a:ext cx="8640960" cy="2664633"/>
+          </a:xfrm>
+        </p:spPr>
+        <p:txBody>
+          <a:bodyPr/>
+          <a:lstStyle/>
+          <a:p>
+            <a:r>
+              <a:rPr lang="de-DE" sz="2000" dirty="0"/>
+              <a:t>Early </a:t>
+            </a:r>
+            <a:r>
+              <a:rPr lang="de-DE" sz="2000" dirty="0" err="1"/>
+              <a:t>ideas</a:t>
+            </a:r>
+            <a:r>
+              <a:rPr lang="de-DE" sz="2000" dirty="0"/>
+              <a:t> </a:t>
+            </a:r>
+            <a:r>
+              <a:rPr lang="de-DE" sz="2000" dirty="0" err="1"/>
+              <a:t>of</a:t>
+            </a:r>
+            <a:r>
+              <a:rPr lang="de-DE" sz="2000" dirty="0"/>
+              <a:t> a </a:t>
+            </a:r>
+            <a:r>
+              <a:rPr lang="de-DE" sz="2000" dirty="0" err="1"/>
+              <a:t>seperating</a:t>
+            </a:r>
+            <a:r>
+              <a:rPr lang="de-DE" sz="2000" dirty="0"/>
+              <a:t> Hyperplane 1936 </a:t>
+            </a:r>
+            <a:r>
+              <a:rPr lang="de-DE" sz="1000" dirty="0"/>
+              <a:t>(R. Fisher)</a:t>
+            </a:r>
+          </a:p>
+          <a:p>
+            <a:r>
+              <a:rPr lang="de-DE" sz="2000" dirty="0"/>
+              <a:t>First SVM </a:t>
+            </a:r>
+            <a:r>
+              <a:rPr lang="de-DE" sz="2000" dirty="0" err="1"/>
+              <a:t>algorithm</a:t>
+            </a:r>
+            <a:r>
+              <a:rPr lang="de-DE" sz="2000" dirty="0"/>
+              <a:t> in 1964 </a:t>
+            </a:r>
+            <a:r>
+              <a:rPr lang="de-DE" sz="1000" dirty="0"/>
+              <a:t>(V. </a:t>
+            </a:r>
+            <a:r>
+              <a:rPr lang="de-DE" sz="1000" dirty="0" err="1"/>
+              <a:t>Vapnik</a:t>
+            </a:r>
+            <a:r>
+              <a:rPr lang="de-DE" sz="1000" dirty="0"/>
+              <a:t>, A. </a:t>
+            </a:r>
+            <a:r>
+              <a:rPr lang="de-DE" sz="1000" dirty="0" err="1"/>
+              <a:t>Chervonenkis</a:t>
+            </a:r>
+            <a:r>
+              <a:rPr lang="de-DE" sz="1000" dirty="0"/>
+              <a:t>)</a:t>
+            </a:r>
+          </a:p>
+          <a:p>
+            <a:r>
+              <a:rPr lang="de-DE" sz="2000" dirty="0"/>
+              <a:t>Use </a:t>
+            </a:r>
+            <a:r>
+              <a:rPr lang="de-DE" sz="2000" dirty="0" err="1"/>
+              <a:t>of</a:t>
+            </a:r>
+            <a:r>
+              <a:rPr lang="de-DE" sz="2000" dirty="0"/>
+              <a:t> </a:t>
+            </a:r>
+            <a:r>
+              <a:rPr lang="de-DE" sz="2000" dirty="0" err="1"/>
+              <a:t>kernel</a:t>
+            </a:r>
+            <a:r>
+              <a:rPr lang="de-DE" sz="2000" dirty="0"/>
+              <a:t> </a:t>
+            </a:r>
+            <a:r>
+              <a:rPr lang="de-DE" sz="2000" dirty="0" err="1"/>
+              <a:t>trick</a:t>
+            </a:r>
+            <a:r>
+              <a:rPr lang="de-DE" sz="2000" dirty="0"/>
+              <a:t> </a:t>
+            </a:r>
+            <a:r>
+              <a:rPr lang="de-DE" sz="2000" dirty="0" err="1"/>
+              <a:t>for</a:t>
+            </a:r>
+            <a:r>
+              <a:rPr lang="de-DE" sz="2000" dirty="0"/>
+              <a:t> </a:t>
+            </a:r>
+            <a:r>
+              <a:rPr lang="de-DE" sz="2000" dirty="0" err="1"/>
+              <a:t>nonlinear</a:t>
+            </a:r>
+            <a:r>
+              <a:rPr lang="de-DE" sz="2000" dirty="0"/>
+              <a:t> </a:t>
+            </a:r>
+            <a:r>
+              <a:rPr lang="de-DE" sz="2000" dirty="0" err="1"/>
+              <a:t>classifiers</a:t>
+            </a:r>
+            <a:r>
+              <a:rPr lang="de-DE" sz="2000" dirty="0"/>
+              <a:t> in 1992 </a:t>
+            </a:r>
+            <a:r>
+              <a:rPr lang="de-DE" sz="1000" dirty="0"/>
+              <a:t>(B. Boser, I. Guyon, V. </a:t>
+            </a:r>
+            <a:r>
+              <a:rPr lang="de-DE" sz="1000" dirty="0" err="1"/>
+              <a:t>Vapnik</a:t>
+            </a:r>
+            <a:r>
+              <a:rPr lang="de-DE" sz="1000" dirty="0"/>
+              <a:t>) </a:t>
+            </a:r>
+          </a:p>
+          <a:p>
+            <a:r>
+              <a:rPr lang="de-DE" sz="2000" dirty="0" err="1"/>
+              <a:t>Introduction</a:t>
+            </a:r>
+            <a:r>
+              <a:rPr lang="de-DE" sz="2000" dirty="0"/>
+              <a:t> </a:t>
+            </a:r>
+            <a:r>
+              <a:rPr lang="de-DE" sz="2000" dirty="0" err="1"/>
+              <a:t>of</a:t>
+            </a:r>
+            <a:r>
+              <a:rPr lang="de-DE" sz="2000" dirty="0"/>
+              <a:t> „soft </a:t>
+            </a:r>
+            <a:r>
+              <a:rPr lang="de-DE" sz="2000" dirty="0" err="1"/>
+              <a:t>margin</a:t>
+            </a:r>
+            <a:r>
+              <a:rPr lang="de-DE" sz="2000" dirty="0"/>
+              <a:t>“ in 1995 </a:t>
+            </a:r>
+            <a:r>
+              <a:rPr lang="de-DE" sz="1000" dirty="0"/>
+              <a:t>(C. Cortes, V. </a:t>
+            </a:r>
+            <a:r>
+              <a:rPr lang="de-DE" sz="1000" dirty="0" err="1"/>
+              <a:t>Vapnik</a:t>
+            </a:r>
+            <a:r>
+              <a:rPr lang="de-DE" sz="1000" dirty="0"/>
+              <a:t>)</a:t>
+            </a:r>
+          </a:p>
+        </p:txBody>
+      </p:sp>
+    </p:spTree>
+    <p:extLst>
+      <p:ext uri="{BB962C8B-B14F-4D97-AF65-F5344CB8AC3E}">
+        <p14:creationId xmlns:p14="http://schemas.microsoft.com/office/powerpoint/2010/main" val="2401403703"/>
+      </p:ext>
+    </p:extLst>
+  </p:cSld>
+  <p:clrMapOvr>
+    <a:masterClrMapping/>
+  </p:clrMapOvr>
+</p:sld>
+</file>
+
+<file path=ppt/slides/slide5.xml><?xml version="1.0" encoding="utf-8"?>
+<p:sld xmlns:a="http://schemas.openxmlformats.org/drawingml/2006/main" xmlns:r="http://schemas.openxmlformats.org/officeDocument/2006/relationships" xmlns:p="http://schemas.openxmlformats.org/presentationml/2006/main">
+  <p:cSld>
+    <p:spTree>
+      <p:nvGrpSpPr>
+        <p:cNvPr id="1" name=""/>
+        <p:cNvGrpSpPr/>
+        <p:nvPr/>
+      </p:nvGrpSpPr>
+      <p:grpSpPr>
+        <a:xfrm>
+          <a:off x="0" y="0"/>
+          <a:ext cx="0" cy="0"/>
+          <a:chOff x="0" y="0"/>
+          <a:chExt cx="0" cy="0"/>
+        </a:xfrm>
+      </p:grpSpPr>
+      <p:sp>
+        <p:nvSpPr>
+          <p:cNvPr id="2" name="Titel 1">
+            <a:extLst>
+              <a:ext uri="{FF2B5EF4-FFF2-40B4-BE49-F238E27FC236}">
+                <a16:creationId xmlns:a16="http://schemas.microsoft.com/office/drawing/2014/main" id="{388F7BA3-B785-BDE2-BAC6-74C1F53E9285}"/>
+              </a:ext>
+            </a:extLst>
+          </p:cNvPr>
+          <p:cNvSpPr>
+            <a:spLocks noGrp="1"/>
+          </p:cNvSpPr>
+          <p:nvPr>
+            <p:ph type="title"/>
+          </p:nvPr>
+        </p:nvSpPr>
+        <p:spPr/>
+        <p:txBody>
+          <a:bodyPr/>
+          <a:lstStyle/>
+          <a:p>
+            <a:r>
+              <a:rPr lang="de-DE" dirty="0" err="1"/>
+              <a:t>How</a:t>
+            </a:r>
+            <a:r>
+              <a:rPr lang="de-DE" dirty="0"/>
+              <a:t> </a:t>
+            </a:r>
+            <a:r>
+              <a:rPr lang="de-DE" dirty="0" err="1"/>
+              <a:t>it</a:t>
+            </a:r>
+            <a:r>
+              <a:rPr lang="de-DE" dirty="0"/>
+              <a:t> </a:t>
+            </a:r>
+            <a:r>
+              <a:rPr lang="de-DE" dirty="0" err="1"/>
+              <a:t>works</a:t>
+            </a:r>
+            <a:r>
+              <a:rPr lang="de-DE" dirty="0"/>
+              <a:t>: </a:t>
+            </a:r>
+            <a:r>
+              <a:rPr lang="de-DE" dirty="0" err="1"/>
+              <a:t>Seperating</a:t>
+            </a:r>
+            <a:r>
+              <a:rPr lang="de-DE" dirty="0"/>
+              <a:t> Hyperplane</a:t>
+            </a:r>
+          </a:p>
+        </p:txBody>
+      </p:sp>
+      <mc:AlternateContent xmlns:mc="http://schemas.openxmlformats.org/markup-compatibility/2006" xmlns:a14="http://schemas.microsoft.com/office/drawing/2010/main">
+        <mc:Choice Requires="a14">
+          <p:sp>
+            <p:nvSpPr>
+              <p:cNvPr id="3" name="Inhaltsplatzhalter 2">
+                <a:extLst>
+                  <a:ext uri="{FF2B5EF4-FFF2-40B4-BE49-F238E27FC236}">
+                    <a16:creationId xmlns:a16="http://schemas.microsoft.com/office/drawing/2014/main" id="{B6EBCD5F-A998-E34B-B609-7A4D246D72F7}"/>
+                  </a:ext>
+                </a:extLst>
+              </p:cNvPr>
+              <p:cNvSpPr>
+                <a:spLocks noGrp="1"/>
+              </p:cNvSpPr>
+              <p:nvPr>
+                <p:ph idx="1"/>
+              </p:nvPr>
+            </p:nvSpPr>
+            <p:spPr>
+              <a:xfrm>
+                <a:off x="395536" y="1353344"/>
+                <a:ext cx="4680520" cy="2664633"/>
+              </a:xfrm>
+            </p:spPr>
+            <p:txBody>
+              <a:bodyPr/>
+              <a:lstStyle/>
+              <a:p>
+                <a:r>
+                  <a:rPr lang="de-DE" sz="2000" dirty="0"/>
+                  <a:t>Subspace </a:t>
+                </a:r>
+                <a:r>
+                  <a:rPr lang="de-DE" sz="2000" dirty="0" err="1"/>
+                  <a:t>of</a:t>
+                </a:r>
+                <a:r>
+                  <a:rPr lang="de-DE" sz="2000" dirty="0"/>
+                  <a:t> </a:t>
+                </a:r>
+                <a:r>
+                  <a:rPr lang="de-DE" sz="2000" dirty="0" err="1"/>
+                  <a:t>dimension</a:t>
+                </a:r>
+                <a:r>
+                  <a:rPr lang="de-DE" sz="2000" dirty="0"/>
+                  <a:t> p-1</a:t>
+                </a:r>
+              </a:p>
+              <a:p>
+                <a:r>
+                  <a:rPr lang="de-DE" sz="2000" dirty="0"/>
+                  <a:t>Linear </a:t>
+                </a:r>
+                <a:r>
+                  <a:rPr lang="de-DE" sz="2000" dirty="0" err="1"/>
+                  <a:t>combination</a:t>
+                </a:r>
+                <a:r>
+                  <a:rPr lang="de-DE" sz="2000" dirty="0"/>
+                  <a:t> </a:t>
+                </a:r>
+                <a:r>
+                  <a:rPr lang="de-DE" sz="2000" dirty="0" err="1"/>
+                  <a:t>of</a:t>
+                </a:r>
+                <a:r>
+                  <a:rPr lang="de-DE" sz="2000" dirty="0"/>
+                  <a:t> </a:t>
+                </a:r>
+                <a:r>
+                  <a:rPr lang="de-DE" sz="2000" dirty="0" err="1"/>
+                  <a:t>input</a:t>
+                </a:r>
+                <a:r>
+                  <a:rPr lang="de-DE" sz="2000" dirty="0"/>
+                  <a:t> </a:t>
+                </a:r>
+                <a:r>
+                  <a:rPr lang="de-DE" sz="2000" dirty="0" err="1"/>
+                  <a:t>features</a:t>
+                </a:r>
+                <a:r>
+                  <a:rPr lang="de-DE" sz="2000" dirty="0"/>
+                  <a:t>:</a:t>
+                </a:r>
+              </a:p>
+              <a:p>
+                <a:pPr lvl="1"/>
+                <a14:m>
+                  <m:oMath xmlns:m="http://schemas.openxmlformats.org/officeDocument/2006/math">
+                    <m:r>
+                      <a:rPr lang="de-DE" sz="1800" b="0" i="1" smtClean="0">
+                        <a:latin typeface="Cambria Math" panose="02040503050406030204" pitchFamily="18" charset="0"/>
+                      </a:rPr>
+                      <m:t>𝑦</m:t>
+                    </m:r>
+                    <m:r>
+                      <a:rPr lang="de-DE" sz="1800" b="0" i="1" smtClean="0">
+                        <a:latin typeface="Cambria Math" panose="02040503050406030204" pitchFamily="18" charset="0"/>
+                      </a:rPr>
+                      <m:t>=</m:t>
+                    </m:r>
+                    <m:r>
+                      <a:rPr lang="de-DE" sz="1800" b="0" i="1" smtClean="0">
+                        <a:latin typeface="Cambria Math" panose="02040503050406030204" pitchFamily="18" charset="0"/>
+                        <a:ea typeface="Cambria Math" panose="02040503050406030204" pitchFamily="18" charset="0"/>
+                      </a:rPr>
+                      <m:t>𝛽</m:t>
+                    </m:r>
+                    <m:r>
+                      <a:rPr lang="de-DE" sz="1800" b="0" i="1" baseline="-25000" smtClean="0">
+                        <a:latin typeface="Cambria Math" panose="02040503050406030204" pitchFamily="18" charset="0"/>
+                        <a:ea typeface="Cambria Math" panose="02040503050406030204" pitchFamily="18" charset="0"/>
+                      </a:rPr>
+                      <m:t>0</m:t>
+                    </m:r>
+                    <m:r>
+                      <a:rPr lang="de-DE" sz="1800" b="0" i="1" smtClean="0">
+                        <a:latin typeface="Cambria Math" panose="02040503050406030204" pitchFamily="18" charset="0"/>
+                        <a:ea typeface="Cambria Math" panose="02040503050406030204" pitchFamily="18" charset="0"/>
+                      </a:rPr>
+                      <m:t>+ </m:t>
+                    </m:r>
+                    <m:nary>
+                      <m:naryPr>
+                        <m:chr m:val="∑"/>
+                        <m:ctrlPr>
+                          <a:rPr lang="de-DE" sz="1800" b="0" i="1" smtClean="0">
+                            <a:latin typeface="Cambria Math" panose="02040503050406030204" pitchFamily="18" charset="0"/>
+                            <a:ea typeface="Cambria Math" panose="02040503050406030204" pitchFamily="18" charset="0"/>
+                          </a:rPr>
+                        </m:ctrlPr>
+                      </m:naryPr>
+                      <m:sub>
+                        <m:r>
+                          <m:rPr>
+                            <m:brk m:alnAt="23"/>
+                          </m:rPr>
+                          <a:rPr lang="de-DE" sz="1800" b="0" i="1" smtClean="0">
+                            <a:latin typeface="Cambria Math" panose="02040503050406030204" pitchFamily="18" charset="0"/>
+                            <a:ea typeface="Cambria Math" panose="02040503050406030204" pitchFamily="18" charset="0"/>
+                          </a:rPr>
+                          <m:t>𝑘</m:t>
+                        </m:r>
+                        <m:r>
+                          <a:rPr lang="de-DE" sz="1800" b="0" i="1" smtClean="0">
+                            <a:latin typeface="Cambria Math" panose="02040503050406030204" pitchFamily="18" charset="0"/>
+                            <a:ea typeface="Cambria Math" panose="02040503050406030204" pitchFamily="18" charset="0"/>
+                          </a:rPr>
+                          <m:t>=1</m:t>
+                        </m:r>
+                      </m:sub>
+                      <m:sup>
+                        <m:r>
+                          <a:rPr lang="de-DE" sz="1800" b="0" i="1" smtClean="0">
+                            <a:latin typeface="Cambria Math" panose="02040503050406030204" pitchFamily="18" charset="0"/>
+                            <a:ea typeface="Cambria Math" panose="02040503050406030204" pitchFamily="18" charset="0"/>
+                          </a:rPr>
+                          <m:t>𝑝</m:t>
+                        </m:r>
+                      </m:sup>
+                      <m:e>
+                        <m:r>
+                          <a:rPr lang="de-DE" sz="1800" b="0" i="1" smtClean="0">
+                            <a:latin typeface="Cambria Math" panose="02040503050406030204" pitchFamily="18" charset="0"/>
+                            <a:ea typeface="Cambria Math" panose="02040503050406030204" pitchFamily="18" charset="0"/>
+                          </a:rPr>
+                          <m:t>𝛽</m:t>
+                        </m:r>
+                        <m:r>
+                          <a:rPr lang="de-DE" sz="1800" b="0" i="1" baseline="-25000" smtClean="0">
+                            <a:latin typeface="Cambria Math" panose="02040503050406030204" pitchFamily="18" charset="0"/>
+                            <a:ea typeface="Cambria Math" panose="02040503050406030204" pitchFamily="18" charset="0"/>
+                          </a:rPr>
+                          <m:t>𝑘</m:t>
+                        </m:r>
+                        <m:r>
+                          <a:rPr lang="de-DE" sz="1800" b="0" i="1" smtClean="0">
+                            <a:latin typeface="Cambria Math" panose="02040503050406030204" pitchFamily="18" charset="0"/>
+                            <a:ea typeface="Cambria Math" panose="02040503050406030204" pitchFamily="18" charset="0"/>
+                          </a:rPr>
+                          <m:t>𝑥</m:t>
+                        </m:r>
+                        <m:r>
+                          <a:rPr lang="de-DE" sz="1800" b="0" i="1" baseline="-25000" smtClean="0">
+                            <a:latin typeface="Cambria Math" panose="02040503050406030204" pitchFamily="18" charset="0"/>
+                            <a:ea typeface="Cambria Math" panose="02040503050406030204" pitchFamily="18" charset="0"/>
+                          </a:rPr>
+                          <m:t>𝑘</m:t>
+                        </m:r>
+                      </m:e>
+                    </m:nary>
+                  </m:oMath>
+                </a14:m>
+                <a:endParaRPr lang="de-DE" sz="1800" dirty="0"/>
+              </a:p>
+              <a:p>
+                <a:r>
+                  <a:rPr lang="de-DE" sz="2000" dirty="0" err="1"/>
+                  <a:t>Seperates</a:t>
+                </a:r>
+                <a:r>
+                  <a:rPr lang="de-DE" sz="2000" dirty="0"/>
+                  <a:t> </a:t>
+                </a:r>
+                <a:r>
+                  <a:rPr lang="de-DE" sz="2000" dirty="0" err="1"/>
+                  <a:t>classes</a:t>
+                </a:r>
+                <a:r>
+                  <a:rPr lang="de-DE" sz="2000" dirty="0"/>
+                  <a:t> in a </a:t>
+                </a:r>
+                <a:r>
+                  <a:rPr lang="de-DE" sz="2000" dirty="0" err="1"/>
+                  <a:t>way</a:t>
+                </a:r>
+                <a:r>
+                  <a:rPr lang="de-DE" sz="2000" dirty="0"/>
+                  <a:t> </a:t>
+                </a:r>
+                <a:r>
+                  <a:rPr lang="de-DE" sz="2000" dirty="0" err="1"/>
+                  <a:t>that</a:t>
+                </a:r>
+                <a:r>
+                  <a:rPr lang="de-DE" sz="2000" dirty="0"/>
+                  <a:t>:</a:t>
+                </a:r>
+              </a:p>
+              <a:p>
+                <a:pPr lvl="1"/>
+                <a14:m>
+                  <m:oMath xmlns:m="http://schemas.openxmlformats.org/officeDocument/2006/math">
+                    <m:r>
+                      <a:rPr lang="de-DE" sz="1800" i="1">
+                        <a:latin typeface="Cambria Math" panose="02040503050406030204" pitchFamily="18" charset="0"/>
+                        <a:ea typeface="Cambria Math" panose="02040503050406030204" pitchFamily="18" charset="0"/>
+                      </a:rPr>
+                      <m:t>𝛽</m:t>
+                    </m:r>
+                    <m:r>
+                      <a:rPr lang="de-DE" sz="1800" i="1" baseline="-25000">
+                        <a:latin typeface="Cambria Math" panose="02040503050406030204" pitchFamily="18" charset="0"/>
+                        <a:ea typeface="Cambria Math" panose="02040503050406030204" pitchFamily="18" charset="0"/>
+                      </a:rPr>
+                      <m:t>0</m:t>
+                    </m:r>
+                    <m:r>
+                      <a:rPr lang="de-DE" sz="1800" i="1">
+                        <a:latin typeface="Cambria Math" panose="02040503050406030204" pitchFamily="18" charset="0"/>
+                        <a:ea typeface="Cambria Math" panose="02040503050406030204" pitchFamily="18" charset="0"/>
+                      </a:rPr>
+                      <m:t>+ </m:t>
+                    </m:r>
+                    <m:nary>
+                      <m:naryPr>
+                        <m:chr m:val="∑"/>
+                        <m:ctrlPr>
+                          <a:rPr lang="de-DE" sz="1800" i="1">
+                            <a:latin typeface="Cambria Math" panose="02040503050406030204" pitchFamily="18" charset="0"/>
+                            <a:ea typeface="Cambria Math" panose="02040503050406030204" pitchFamily="18" charset="0"/>
+                          </a:rPr>
+                        </m:ctrlPr>
+                      </m:naryPr>
+                      <m:sub>
+                        <m:r>
+                          <m:rPr>
+                            <m:brk m:alnAt="23"/>
+                          </m:rPr>
+                          <a:rPr lang="de-DE" sz="1800" i="1">
+                            <a:latin typeface="Cambria Math" panose="02040503050406030204" pitchFamily="18" charset="0"/>
+                            <a:ea typeface="Cambria Math" panose="02040503050406030204" pitchFamily="18" charset="0"/>
+                          </a:rPr>
+                          <m:t>𝑘</m:t>
+                        </m:r>
+                        <m:r>
+                          <a:rPr lang="de-DE" sz="1800" i="1">
+                            <a:latin typeface="Cambria Math" panose="02040503050406030204" pitchFamily="18" charset="0"/>
+                            <a:ea typeface="Cambria Math" panose="02040503050406030204" pitchFamily="18" charset="0"/>
+                          </a:rPr>
+                          <m:t>=1</m:t>
+                        </m:r>
+                      </m:sub>
+                      <m:sup>
+                        <m:r>
+                          <a:rPr lang="de-DE" sz="1800" i="1">
+                            <a:latin typeface="Cambria Math" panose="02040503050406030204" pitchFamily="18" charset="0"/>
+                            <a:ea typeface="Cambria Math" panose="02040503050406030204" pitchFamily="18" charset="0"/>
+                          </a:rPr>
+                          <m:t>𝑝</m:t>
+                        </m:r>
+                      </m:sup>
+                      <m:e>
+                        <m:r>
+                          <a:rPr lang="de-DE" sz="1800" i="1">
+                            <a:latin typeface="Cambria Math" panose="02040503050406030204" pitchFamily="18" charset="0"/>
+                            <a:ea typeface="Cambria Math" panose="02040503050406030204" pitchFamily="18" charset="0"/>
+                          </a:rPr>
+                          <m:t>𝛽</m:t>
+                        </m:r>
+                        <m:r>
+                          <a:rPr lang="de-DE" sz="1800" i="1" baseline="-25000">
+                            <a:latin typeface="Cambria Math" panose="02040503050406030204" pitchFamily="18" charset="0"/>
+                            <a:ea typeface="Cambria Math" panose="02040503050406030204" pitchFamily="18" charset="0"/>
+                          </a:rPr>
+                          <m:t>𝑘</m:t>
+                        </m:r>
+                        <m:r>
+                          <a:rPr lang="de-DE" sz="1800" i="1">
+                            <a:latin typeface="Cambria Math" panose="02040503050406030204" pitchFamily="18" charset="0"/>
+                            <a:ea typeface="Cambria Math" panose="02040503050406030204" pitchFamily="18" charset="0"/>
+                          </a:rPr>
+                          <m:t>𝑥</m:t>
+                        </m:r>
+                        <m:r>
+                          <a:rPr lang="de-DE" sz="1800" b="0" i="1" baseline="-25000" smtClean="0">
+                            <a:latin typeface="Cambria Math" panose="02040503050406030204" pitchFamily="18" charset="0"/>
+                            <a:ea typeface="Cambria Math" panose="02040503050406030204" pitchFamily="18" charset="0"/>
+                          </a:rPr>
+                          <m:t>𝑖𝑘</m:t>
+                        </m:r>
+                      </m:e>
+                    </m:nary>
+                    <m:r>
+                      <a:rPr lang="de-DE" sz="1800" b="0" i="1" smtClean="0">
+                        <a:latin typeface="Cambria Math" panose="02040503050406030204" pitchFamily="18" charset="0"/>
+                        <a:ea typeface="Cambria Math" panose="02040503050406030204" pitchFamily="18" charset="0"/>
+                      </a:rPr>
+                      <m:t>&gt;0 </m:t>
+                    </m:r>
+                    <m:r>
+                      <a:rPr lang="de-DE" sz="1800" b="0" i="1" smtClean="0">
+                        <a:latin typeface="Cambria Math" panose="02040503050406030204" pitchFamily="18" charset="0"/>
+                        <a:ea typeface="Cambria Math" panose="02040503050406030204" pitchFamily="18" charset="0"/>
+                      </a:rPr>
+                      <m:t>𝑖𝑓</m:t>
+                    </m:r>
+                    <m:r>
+                      <a:rPr lang="de-DE" sz="1800" b="0" i="1" smtClean="0">
+                        <a:latin typeface="Cambria Math" panose="02040503050406030204" pitchFamily="18" charset="0"/>
+                        <a:ea typeface="Cambria Math" panose="02040503050406030204" pitchFamily="18" charset="0"/>
+                      </a:rPr>
+                      <m:t> </m:t>
+                    </m:r>
+                    <m:r>
+                      <a:rPr lang="de-DE" sz="1800" b="0" i="1" smtClean="0">
+                        <a:latin typeface="Cambria Math" panose="02040503050406030204" pitchFamily="18" charset="0"/>
+                        <a:ea typeface="Cambria Math" panose="02040503050406030204" pitchFamily="18" charset="0"/>
+                      </a:rPr>
+                      <m:t>𝑦𝑖</m:t>
+                    </m:r>
+                    <m:r>
+                      <a:rPr lang="de-DE" sz="1800" b="0" i="1" smtClean="0">
+                        <a:latin typeface="Cambria Math" panose="02040503050406030204" pitchFamily="18" charset="0"/>
+                        <a:ea typeface="Cambria Math" panose="02040503050406030204" pitchFamily="18" charset="0"/>
+                      </a:rPr>
+                      <m:t>=1</m:t>
+                    </m:r>
+                  </m:oMath>
+                </a14:m>
+                <a:endParaRPr lang="de-DE" sz="1800" dirty="0"/>
+              </a:p>
+              <a:p>
+                <a:pPr lvl="1"/>
+                <a14:m>
+                  <m:oMath xmlns:m="http://schemas.openxmlformats.org/officeDocument/2006/math">
+                    <m:r>
+                      <a:rPr lang="de-DE" sz="1800" i="1" smtClean="0">
+                        <a:latin typeface="Cambria Math" panose="02040503050406030204" pitchFamily="18" charset="0"/>
+                        <a:ea typeface="Cambria Math" panose="02040503050406030204" pitchFamily="18" charset="0"/>
+                      </a:rPr>
+                      <m:t>𝛽</m:t>
+                    </m:r>
+                    <m:r>
+                      <a:rPr lang="de-DE" sz="1800" i="1" baseline="-25000">
+                        <a:latin typeface="Cambria Math" panose="02040503050406030204" pitchFamily="18" charset="0"/>
+                        <a:ea typeface="Cambria Math" panose="02040503050406030204" pitchFamily="18" charset="0"/>
+                      </a:rPr>
+                      <m:t>0</m:t>
+                    </m:r>
+                    <m:r>
+                      <a:rPr lang="de-DE" sz="1800" i="1">
+                        <a:latin typeface="Cambria Math" panose="02040503050406030204" pitchFamily="18" charset="0"/>
+                        <a:ea typeface="Cambria Math" panose="02040503050406030204" pitchFamily="18" charset="0"/>
+                      </a:rPr>
+                      <m:t>+ </m:t>
+                    </m:r>
+                    <m:nary>
+                      <m:naryPr>
+                        <m:chr m:val="∑"/>
+                        <m:ctrlPr>
+                          <a:rPr lang="de-DE" sz="1800" i="1">
+                            <a:latin typeface="Cambria Math" panose="02040503050406030204" pitchFamily="18" charset="0"/>
+                            <a:ea typeface="Cambria Math" panose="02040503050406030204" pitchFamily="18" charset="0"/>
+                          </a:rPr>
+                        </m:ctrlPr>
+                      </m:naryPr>
+                      <m:sub>
+                        <m:r>
+                          <m:rPr>
+                            <m:brk m:alnAt="23"/>
+                          </m:rPr>
+                          <a:rPr lang="de-DE" sz="1800" i="1">
+                            <a:latin typeface="Cambria Math" panose="02040503050406030204" pitchFamily="18" charset="0"/>
+                            <a:ea typeface="Cambria Math" panose="02040503050406030204" pitchFamily="18" charset="0"/>
+                          </a:rPr>
+                          <m:t>𝑘</m:t>
+                        </m:r>
+                        <m:r>
+                          <a:rPr lang="de-DE" sz="1800" i="1">
+                            <a:latin typeface="Cambria Math" panose="02040503050406030204" pitchFamily="18" charset="0"/>
+                            <a:ea typeface="Cambria Math" panose="02040503050406030204" pitchFamily="18" charset="0"/>
+                          </a:rPr>
+                          <m:t>=1</m:t>
+                        </m:r>
+                      </m:sub>
+                      <m:sup>
+                        <m:r>
+                          <a:rPr lang="de-DE" sz="1800" i="1">
+                            <a:latin typeface="Cambria Math" panose="02040503050406030204" pitchFamily="18" charset="0"/>
+                            <a:ea typeface="Cambria Math" panose="02040503050406030204" pitchFamily="18" charset="0"/>
+                          </a:rPr>
+                          <m:t>𝑝</m:t>
+                        </m:r>
+                      </m:sup>
+                      <m:e>
+                        <m:r>
+                          <a:rPr lang="de-DE" sz="1800" i="1">
+                            <a:latin typeface="Cambria Math" panose="02040503050406030204" pitchFamily="18" charset="0"/>
+                            <a:ea typeface="Cambria Math" panose="02040503050406030204" pitchFamily="18" charset="0"/>
+                          </a:rPr>
+                          <m:t>𝛽</m:t>
+                        </m:r>
+                        <m:r>
+                          <a:rPr lang="de-DE" sz="1800" i="1" baseline="-25000">
+                            <a:latin typeface="Cambria Math" panose="02040503050406030204" pitchFamily="18" charset="0"/>
+                            <a:ea typeface="Cambria Math" panose="02040503050406030204" pitchFamily="18" charset="0"/>
+                          </a:rPr>
+                          <m:t>𝑘</m:t>
+                        </m:r>
+                        <m:r>
+                          <a:rPr lang="de-DE" sz="1800" i="1">
+                            <a:latin typeface="Cambria Math" panose="02040503050406030204" pitchFamily="18" charset="0"/>
+                            <a:ea typeface="Cambria Math" panose="02040503050406030204" pitchFamily="18" charset="0"/>
+                          </a:rPr>
+                          <m:t>𝑥</m:t>
+                        </m:r>
+                        <m:r>
+                          <a:rPr lang="de-DE" sz="1800" b="0" i="1" baseline="-25000" smtClean="0">
+                            <a:latin typeface="Cambria Math" panose="02040503050406030204" pitchFamily="18" charset="0"/>
+                            <a:ea typeface="Cambria Math" panose="02040503050406030204" pitchFamily="18" charset="0"/>
+                          </a:rPr>
+                          <m:t>𝑖𝑘</m:t>
+                        </m:r>
+                      </m:e>
+                    </m:nary>
+                    <m:r>
+                      <a:rPr lang="de-DE" sz="1800" b="0" i="1" smtClean="0">
+                        <a:latin typeface="Cambria Math" panose="02040503050406030204" pitchFamily="18" charset="0"/>
+                        <a:ea typeface="Cambria Math" panose="02040503050406030204" pitchFamily="18" charset="0"/>
+                      </a:rPr>
+                      <m:t>&lt;0 </m:t>
+                    </m:r>
+                    <m:r>
+                      <a:rPr lang="de-DE" sz="1800" b="0" i="1" smtClean="0">
+                        <a:latin typeface="Cambria Math" panose="02040503050406030204" pitchFamily="18" charset="0"/>
+                        <a:ea typeface="Cambria Math" panose="02040503050406030204" pitchFamily="18" charset="0"/>
+                      </a:rPr>
+                      <m:t>𝑖𝑓</m:t>
+                    </m:r>
+                    <m:r>
+                      <a:rPr lang="de-DE" sz="1800" b="0" i="1" smtClean="0">
+                        <a:latin typeface="Cambria Math" panose="02040503050406030204" pitchFamily="18" charset="0"/>
+                        <a:ea typeface="Cambria Math" panose="02040503050406030204" pitchFamily="18" charset="0"/>
+                      </a:rPr>
+                      <m:t> </m:t>
+                    </m:r>
+                    <m:r>
+                      <a:rPr lang="de-DE" sz="1800" b="0" i="1" smtClean="0">
+                        <a:latin typeface="Cambria Math" panose="02040503050406030204" pitchFamily="18" charset="0"/>
+                        <a:ea typeface="Cambria Math" panose="02040503050406030204" pitchFamily="18" charset="0"/>
+                      </a:rPr>
+                      <m:t>𝑦𝑖</m:t>
+                    </m:r>
+                    <m:r>
+                      <a:rPr lang="de-DE" sz="1800" b="0" i="1" smtClean="0">
+                        <a:latin typeface="Cambria Math" panose="02040503050406030204" pitchFamily="18" charset="0"/>
+                        <a:ea typeface="Cambria Math" panose="02040503050406030204" pitchFamily="18" charset="0"/>
+                      </a:rPr>
+                      <m:t>=−1</m:t>
+                    </m:r>
+                  </m:oMath>
+                </a14:m>
+                <a:endParaRPr lang="de-DE" sz="1800" dirty="0"/>
+              </a:p>
+              <a:p>
+                <a:r>
+                  <a:rPr lang="de-DE" sz="2000" dirty="0" err="1"/>
+                  <a:t>If</a:t>
+                </a:r>
+                <a:r>
+                  <a:rPr lang="de-DE" sz="2000" dirty="0"/>
+                  <a:t> </a:t>
+                </a:r>
+                <a:r>
+                  <a:rPr lang="de-DE" sz="2000" dirty="0" err="1"/>
+                  <a:t>classes</a:t>
+                </a:r>
+                <a:r>
+                  <a:rPr lang="de-DE" sz="2000" dirty="0"/>
+                  <a:t> </a:t>
+                </a:r>
+                <a:r>
+                  <a:rPr lang="de-DE" sz="2000" dirty="0" err="1"/>
+                  <a:t>are</a:t>
+                </a:r>
+                <a:r>
+                  <a:rPr lang="de-DE" sz="2000" dirty="0"/>
+                  <a:t> </a:t>
+                </a:r>
+                <a:r>
+                  <a:rPr lang="de-DE" sz="2000" dirty="0" err="1"/>
+                  <a:t>seperable</a:t>
+                </a:r>
+                <a:r>
+                  <a:rPr lang="de-DE" sz="2000" dirty="0"/>
+                  <a:t> </a:t>
+                </a:r>
+                <a:r>
+                  <a:rPr lang="de-DE" sz="2000" dirty="0">
+                    <a:sym typeface="Wingdings" panose="05000000000000000000" pitchFamily="2" charset="2"/>
+                  </a:rPr>
+                  <a:t> infinite </a:t>
+                </a:r>
+                <a:r>
+                  <a:rPr lang="de-DE" sz="2000" dirty="0" err="1">
+                    <a:sym typeface="Wingdings" panose="05000000000000000000" pitchFamily="2" charset="2"/>
+                  </a:rPr>
+                  <a:t>number</a:t>
+                </a:r>
+                <a:r>
+                  <a:rPr lang="de-DE" sz="2000" dirty="0">
+                    <a:sym typeface="Wingdings" panose="05000000000000000000" pitchFamily="2" charset="2"/>
+                  </a:rPr>
+                  <a:t> </a:t>
+                </a:r>
+                <a:r>
+                  <a:rPr lang="de-DE" sz="2000" dirty="0" err="1">
+                    <a:sym typeface="Wingdings" panose="05000000000000000000" pitchFamily="2" charset="2"/>
+                  </a:rPr>
+                  <a:t>of</a:t>
+                </a:r>
+                <a:r>
+                  <a:rPr lang="de-DE" sz="2000" dirty="0">
+                    <a:sym typeface="Wingdings" panose="05000000000000000000" pitchFamily="2" charset="2"/>
+                  </a:rPr>
+                  <a:t> </a:t>
+                </a:r>
+                <a:r>
+                  <a:rPr lang="de-DE" sz="2000" dirty="0" err="1">
+                    <a:sym typeface="Wingdings" panose="05000000000000000000" pitchFamily="2" charset="2"/>
+                  </a:rPr>
+                  <a:t>seperating</a:t>
+                </a:r>
+                <a:r>
+                  <a:rPr lang="de-DE" sz="2000" dirty="0">
+                    <a:sym typeface="Wingdings" panose="05000000000000000000" pitchFamily="2" charset="2"/>
+                  </a:rPr>
+                  <a:t> hyperplanes</a:t>
+                </a:r>
+                <a:endParaRPr lang="de-DE" sz="2000" dirty="0"/>
+              </a:p>
+            </p:txBody>
+          </p:sp>
+        </mc:Choice>
+        <mc:Fallback xmlns="">
+          <p:sp>
+            <p:nvSpPr>
+              <p:cNvPr id="3" name="Inhaltsplatzhalter 2">
+                <a:extLst>
+                  <a:ext uri="{FF2B5EF4-FFF2-40B4-BE49-F238E27FC236}">
+                    <a16:creationId xmlns:a16="http://schemas.microsoft.com/office/drawing/2014/main" id="{B6EBCD5F-A998-E34B-B609-7A4D246D72F7}"/>
+                  </a:ext>
+                </a:extLst>
+              </p:cNvPr>
+              <p:cNvSpPr>
+                <a:spLocks noGrp="1" noRot="1" noChangeAspect="1" noMove="1" noResize="1" noEditPoints="1" noAdjustHandles="1" noChangeArrowheads="1" noChangeShapeType="1" noTextEdit="1"/>
+              </p:cNvSpPr>
+              <p:nvPr>
+                <p:ph idx="1"/>
+              </p:nvPr>
+            </p:nvSpPr>
+            <p:spPr>
+              <a:xfrm>
+                <a:off x="395536" y="1353344"/>
+                <a:ext cx="4680520" cy="2664633"/>
+              </a:xfrm>
+              <a:blipFill>
+                <a:blip r:embed="rId2"/>
+                <a:stretch>
+                  <a:fillRect l="-1172" t="-915" r="-260" b="-13043"/>
+                </a:stretch>
+              </a:blipFill>
+            </p:spPr>
+            <p:txBody>
+              <a:bodyPr/>
+              <a:lstStyle/>
+              <a:p>
+                <a:r>
+                  <a:rPr lang="de-DE">
+                    <a:noFill/>
+                  </a:rPr>
+                  <a:t> </a:t>
+                </a:r>
+              </a:p>
+            </p:txBody>
+          </p:sp>
+        </mc:Fallback>
+      </mc:AlternateContent>
+      <p:sp>
+        <p:nvSpPr>
+          <p:cNvPr id="4" name="Rechteck 3">
+            <a:extLst>
+              <a:ext uri="{FF2B5EF4-FFF2-40B4-BE49-F238E27FC236}">
+                <a16:creationId xmlns:a16="http://schemas.microsoft.com/office/drawing/2014/main" id="{B21BA278-5AA0-7413-5DB3-4EB47B444F21}"/>
+              </a:ext>
+            </a:extLst>
+          </p:cNvPr>
+          <p:cNvSpPr/>
+          <p:nvPr/>
+        </p:nvSpPr>
+        <p:spPr>
+          <a:xfrm>
+            <a:off x="5436096" y="1563638"/>
+            <a:ext cx="2952328" cy="2454339"/>
+          </a:xfrm>
+          <a:prstGeom prst="rect">
+            <a:avLst/>
+          </a:prstGeom>
+        </p:spPr>
+        <p:style>
+          <a:lnRef idx="2">
+            <a:schemeClr val="accent1">
+              <a:shade val="15000"/>
+            </a:schemeClr>
+          </a:lnRef>
+          <a:fillRef idx="1">
+            <a:schemeClr val="accent1"/>
+          </a:fillRef>
+          <a:effectRef idx="0">
+            <a:schemeClr val="accent1"/>
+          </a:effectRef>
+          <a:fontRef idx="minor">
+            <a:schemeClr val="lt1"/>
+          </a:fontRef>
+        </p:style>
+        <p:txBody>
+          <a:bodyPr rtlCol="0" anchor="ctr"/>
+          <a:lstStyle/>
+          <a:p>
+            <a:pPr algn="ctr"/>
+            <a:r>
+              <a:rPr lang="de-DE" dirty="0"/>
+              <a:t>Grafik</a:t>
+            </a:r>
+          </a:p>
+        </p:txBody>
+      </p:sp>
+    </p:spTree>
+    <p:extLst>
+      <p:ext uri="{BB962C8B-B14F-4D97-AF65-F5344CB8AC3E}">
+        <p14:creationId xmlns:p14="http://schemas.microsoft.com/office/powerpoint/2010/main" val="3748176770"/>
+      </p:ext>
+    </p:extLst>
+  </p:cSld>
+  <p:clrMapOvr>
+    <a:masterClrMapping/>
+  </p:clrMapOvr>
+</p:sld>
+</file>
+
+<file path=ppt/slides/slide6.xml><?xml version="1.0" encoding="utf-8"?>
+<p:sld xmlns:a="http://schemas.openxmlformats.org/drawingml/2006/main" xmlns:r="http://schemas.openxmlformats.org/officeDocument/2006/relationships" xmlns:p="http://schemas.openxmlformats.org/presentationml/2006/main">
+  <p:cSld>
+    <p:spTree>
+      <p:nvGrpSpPr>
+        <p:cNvPr id="1" name=""/>
+        <p:cNvGrpSpPr/>
+        <p:nvPr/>
+      </p:nvGrpSpPr>
+      <p:grpSpPr>
+        <a:xfrm>
+          <a:off x="0" y="0"/>
+          <a:ext cx="0" cy="0"/>
+          <a:chOff x="0" y="0"/>
+          <a:chExt cx="0" cy="0"/>
+        </a:xfrm>
+      </p:grpSpPr>
+      <p:sp>
+        <p:nvSpPr>
+          <p:cNvPr id="2" name="Titel 1">
+            <a:extLst>
+              <a:ext uri="{FF2B5EF4-FFF2-40B4-BE49-F238E27FC236}">
+                <a16:creationId xmlns:a16="http://schemas.microsoft.com/office/drawing/2014/main" id="{388F7BA3-B785-BDE2-BAC6-74C1F53E9285}"/>
+              </a:ext>
+            </a:extLst>
+          </p:cNvPr>
+          <p:cNvSpPr>
+            <a:spLocks noGrp="1"/>
+          </p:cNvSpPr>
+          <p:nvPr>
+            <p:ph type="title"/>
+          </p:nvPr>
+        </p:nvSpPr>
+        <p:spPr/>
+        <p:txBody>
+          <a:bodyPr/>
+          <a:lstStyle/>
+          <a:p>
+            <a:r>
+              <a:rPr lang="de-DE" dirty="0" err="1"/>
+              <a:t>How</a:t>
+            </a:r>
+            <a:r>
+              <a:rPr lang="de-DE" dirty="0"/>
+              <a:t> </a:t>
+            </a:r>
+            <a:r>
+              <a:rPr lang="de-DE" dirty="0" err="1"/>
+              <a:t>it</a:t>
+            </a:r>
+            <a:r>
+              <a:rPr lang="de-DE" dirty="0"/>
+              <a:t> </a:t>
+            </a:r>
+            <a:r>
+              <a:rPr lang="de-DE" dirty="0" err="1"/>
+              <a:t>works</a:t>
+            </a:r>
+            <a:r>
+              <a:rPr lang="de-DE" dirty="0"/>
+              <a:t>: Setting </a:t>
+            </a:r>
+            <a:r>
+              <a:rPr lang="de-DE" dirty="0" err="1"/>
+              <a:t>up</a:t>
+            </a:r>
+            <a:r>
+              <a:rPr lang="de-DE" dirty="0"/>
+              <a:t> </a:t>
+            </a:r>
+            <a:r>
+              <a:rPr lang="de-DE" dirty="0" err="1"/>
+              <a:t>Constraints</a:t>
+            </a:r>
+            <a:endParaRPr lang="de-DE" dirty="0"/>
+          </a:p>
+        </p:txBody>
+      </p:sp>
+      <p:pic>
+        <p:nvPicPr>
+          <p:cNvPr id="21" name="Grafik 20" descr="\documentclass[20pt]{article}&#10;\usepackage{amsmath,amsfonts,amssymb,xcolor, mathtools}&#10;\pagestyle{empty}&#10;\usepackage[T1]{fontenc}&#10;\usepackage{fontspec}&#10;\setsansfont{Arial}&#10;\renewcommand\familydefault{\sfdefault}&#10;\begin{document}&#10;\begin{itemize}&#10;\item \textcolor{green}{$\beta$}$\rightarrow$ a k-dimensional vector\newline perpendicular to the decision boundary&#10;\item all points $x$ for which holds $\frac{\textcolor{green}{\beta}}{||\textcolor{green}{\beta}||}\cdot x=\textcolor{magenta}{c}$\newline lie on the hyperplain &#10;\item through some rearrangement we get \newline&#10;$\beta \cdot x +\beta_0=0$&#10;&#10;\end{itemize}&#10;&#10;\end{document}" title="IguanaTex Picture Display">
+            <a:extLst>
+              <a:ext uri="{FF2B5EF4-FFF2-40B4-BE49-F238E27FC236}">
+                <a16:creationId xmlns:a16="http://schemas.microsoft.com/office/drawing/2014/main" id="{10DE1F70-7341-0DAC-810B-5172FAB61B45}"/>
+              </a:ext>
+            </a:extLst>
+          </p:cNvPr>
+          <p:cNvPicPr>
+            <a:picLocks noChangeAspect="1"/>
+          </p:cNvPicPr>
+          <p:nvPr>
+            <p:custDataLst>
+              <p:tags r:id="rId1"/>
+            </p:custDataLst>
+          </p:nvPr>
+        </p:nvPicPr>
+        <p:blipFill>
+          <a:blip r:embed="rId3">
+            <a:extLst>
+              <a:ext uri="{28A0092B-C50C-407E-A947-70E740481C1C}">
+                <a14:useLocalDpi xmlns:a14="http://schemas.microsoft.com/office/drawing/2010/main" val="0"/>
+              </a:ext>
+            </a:extLst>
+          </a:blip>
+          <a:stretch>
+            <a:fillRect/>
+          </a:stretch>
+        </p:blipFill>
+        <p:spPr>
+          <a:xfrm>
+            <a:off x="720858" y="1707654"/>
+            <a:ext cx="4090686" cy="1995528"/>
+          </a:xfrm>
+          <a:prstGeom prst="rect">
+            <a:avLst/>
+          </a:prstGeom>
+        </p:spPr>
+      </p:pic>
+      <p:pic>
+        <p:nvPicPr>
+          <p:cNvPr id="25" name="Grafik 24" descr="Ein Bild, das Reihe, Diagramm, Steigung, parallel enthält.&#10;&#10;Automatisch generierte Beschreibung">
+            <a:extLst>
+              <a:ext uri="{FF2B5EF4-FFF2-40B4-BE49-F238E27FC236}">
+                <a16:creationId xmlns:a16="http://schemas.microsoft.com/office/drawing/2014/main" id="{BD75108F-A408-4336-CAB4-7135AB37F88E}"/>
+              </a:ext>
+            </a:extLst>
+          </p:cNvPr>
+          <p:cNvPicPr>
+            <a:picLocks noChangeAspect="1"/>
+          </p:cNvPicPr>
+          <p:nvPr/>
+        </p:nvPicPr>
+        <p:blipFill>
+          <a:blip r:embed="rId4">
+            <a:extLst>
+              <a:ext uri="{28A0092B-C50C-407E-A947-70E740481C1C}">
+                <a14:useLocalDpi xmlns:a14="http://schemas.microsoft.com/office/drawing/2010/main" val="0"/>
+              </a:ext>
+            </a:extLst>
+          </a:blip>
+          <a:stretch>
+            <a:fillRect/>
+          </a:stretch>
+        </p:blipFill>
+        <p:spPr>
+          <a:xfrm>
+            <a:off x="5364088" y="1227058"/>
+            <a:ext cx="3177023" cy="2956719"/>
+          </a:xfrm>
+          <a:prstGeom prst="rect">
+            <a:avLst/>
+          </a:prstGeom>
+          <a:ln w="3175">
+            <a:solidFill>
+              <a:schemeClr val="tx1">
+                <a:lumMod val="95000"/>
+                <a:lumOff val="5000"/>
+              </a:schemeClr>
+            </a:solidFill>
+          </a:ln>
+        </p:spPr>
+      </p:pic>
+    </p:spTree>
+    <p:extLst>
+      <p:ext uri="{BB962C8B-B14F-4D97-AF65-F5344CB8AC3E}">
+        <p14:creationId xmlns:p14="http://schemas.microsoft.com/office/powerpoint/2010/main" val="1770530705"/>
+      </p:ext>
+    </p:extLst>
+  </p:cSld>
+  <p:clrMapOvr>
+    <a:masterClrMapping/>
+  </p:clrMapOvr>
+</p:sld>
+</file>
+
+<file path=ppt/slides/slide7.xml><?xml version="1.0" encoding="utf-8"?>
+<p:sld xmlns:a="http://schemas.openxmlformats.org/drawingml/2006/main" xmlns:r="http://schemas.openxmlformats.org/officeDocument/2006/relationships" xmlns:p="http://schemas.openxmlformats.org/presentationml/2006/main">
+  <p:cSld>
+    <p:spTree>
+      <p:nvGrpSpPr>
+        <p:cNvPr id="1" name=""/>
+        <p:cNvGrpSpPr/>
+        <p:nvPr/>
+      </p:nvGrpSpPr>
+      <p:grpSpPr>
+        <a:xfrm>
+          <a:off x="0" y="0"/>
+          <a:ext cx="0" cy="0"/>
+          <a:chOff x="0" y="0"/>
+          <a:chExt cx="0" cy="0"/>
+        </a:xfrm>
+      </p:grpSpPr>
+      <p:sp>
+        <p:nvSpPr>
+          <p:cNvPr id="2" name="Titel 1">
+            <a:extLst>
+              <a:ext uri="{FF2B5EF4-FFF2-40B4-BE49-F238E27FC236}">
+                <a16:creationId xmlns:a16="http://schemas.microsoft.com/office/drawing/2014/main" id="{388F7BA3-B785-BDE2-BAC6-74C1F53E9285}"/>
+              </a:ext>
+            </a:extLst>
+          </p:cNvPr>
+          <p:cNvSpPr>
+            <a:spLocks noGrp="1"/>
+          </p:cNvSpPr>
+          <p:nvPr>
+            <p:ph type="title"/>
+          </p:nvPr>
+        </p:nvSpPr>
+        <p:spPr/>
+        <p:txBody>
+          <a:bodyPr/>
+          <a:lstStyle/>
+          <a:p>
+            <a:r>
+              <a:rPr lang="de-DE" dirty="0" err="1"/>
+              <a:t>How</a:t>
+            </a:r>
+            <a:r>
+              <a:rPr lang="de-DE" dirty="0"/>
+              <a:t> </a:t>
+            </a:r>
+            <a:r>
+              <a:rPr lang="de-DE" dirty="0" err="1"/>
+              <a:t>it</a:t>
+            </a:r>
+            <a:r>
+              <a:rPr lang="de-DE" dirty="0"/>
+              <a:t> </a:t>
+            </a:r>
+            <a:r>
+              <a:rPr lang="de-DE" dirty="0" err="1"/>
+              <a:t>works</a:t>
+            </a:r>
+            <a:r>
+              <a:rPr lang="de-DE" dirty="0"/>
+              <a:t>: Setting </a:t>
+            </a:r>
+            <a:r>
+              <a:rPr lang="de-DE" dirty="0" err="1"/>
+              <a:t>up</a:t>
+            </a:r>
+            <a:r>
+              <a:rPr lang="de-DE" dirty="0"/>
+              <a:t> </a:t>
+            </a:r>
+            <a:r>
+              <a:rPr lang="de-DE" dirty="0" err="1"/>
+              <a:t>Constraints</a:t>
+            </a:r>
+            <a:endParaRPr lang="de-DE" dirty="0"/>
+          </a:p>
+        </p:txBody>
+      </p:sp>
+      <p:pic>
+        <p:nvPicPr>
+          <p:cNvPr id="12" name="Grafik 11" descr="\documentclass[20pt]{article}&#10;\usepackage{amsmath,amsfonts,amssymb,xcolor, mathtools}&#10;\pagestyle{empty}&#10;\usepackage[T1]{fontenc}&#10;\usepackage{fontspec}&#10;\setsansfont{Arial}&#10;\renewcommand\familydefault{\sfdefault}&#10;\begin{document}&#10;\begin{itemize}&#10;\item the two gutters around the boundary \newline are defined by $\beta \cdot x+\beta_0=1$ and \newline$ \beta \cdot x+\beta_0=-1$&#10;&#10;\item seperate \textcolor{red}{positive}($\beta \cdot x+\beta_0\ge 1$)\newline from \textcolor{green}{negative} ($\beta \cdot x+\beta_0\le -1$) samples&#10;\item distance between the gutters\newline$\rightarrow$ width that is to be maximized&#10;\end{itemize}&#10;&#10;\end{document}" title="IguanaTex Picture Display">
+            <a:extLst>
+              <a:ext uri="{FF2B5EF4-FFF2-40B4-BE49-F238E27FC236}">
+                <a16:creationId xmlns:a16="http://schemas.microsoft.com/office/drawing/2014/main" id="{F7102BB1-E0EF-F63A-BC98-41E95B40734E}"/>
+              </a:ext>
+            </a:extLst>
+          </p:cNvPr>
+          <p:cNvPicPr>
+            <a:picLocks noChangeAspect="1"/>
+          </p:cNvPicPr>
+          <p:nvPr>
+            <p:custDataLst>
+              <p:tags r:id="rId1"/>
+            </p:custDataLst>
+          </p:nvPr>
+        </p:nvPicPr>
+        <p:blipFill>
+          <a:blip r:embed="rId3">
+            <a:extLst>
+              <a:ext uri="{28A0092B-C50C-407E-A947-70E740481C1C}">
+                <a14:useLocalDpi xmlns:a14="http://schemas.microsoft.com/office/drawing/2010/main" val="0"/>
+              </a:ext>
+            </a:extLst>
+          </a:blip>
+          <a:stretch>
+            <a:fillRect/>
+          </a:stretch>
+        </p:blipFill>
+        <p:spPr>
+          <a:xfrm>
+            <a:off x="683569" y="1707652"/>
+            <a:ext cx="4215342" cy="2215442"/>
+          </a:xfrm>
+          <a:prstGeom prst="rect">
+            <a:avLst/>
+          </a:prstGeom>
+        </p:spPr>
+      </p:pic>
+      <p:pic>
+        <p:nvPicPr>
+          <p:cNvPr id="10" name="Grafik 9" descr="Ein Bild, das Reihe, Diagramm, Text, parallel enthält.&#10;&#10;Automatisch generierte Beschreibung">
+            <a:extLst>
+              <a:ext uri="{FF2B5EF4-FFF2-40B4-BE49-F238E27FC236}">
+                <a16:creationId xmlns:a16="http://schemas.microsoft.com/office/drawing/2014/main" id="{F3ECA42D-F0EA-B8A1-282C-D094C74B1EA0}"/>
+              </a:ext>
+            </a:extLst>
+          </p:cNvPr>
+          <p:cNvPicPr>
+            <a:picLocks noChangeAspect="1"/>
+          </p:cNvPicPr>
+          <p:nvPr/>
+        </p:nvPicPr>
+        <p:blipFill>
+          <a:blip r:embed="rId4">
+            <a:extLst>
+              <a:ext uri="{28A0092B-C50C-407E-A947-70E740481C1C}">
+                <a14:useLocalDpi xmlns:a14="http://schemas.microsoft.com/office/drawing/2010/main" val="0"/>
+              </a:ext>
+            </a:extLst>
+          </a:blip>
+          <a:stretch>
+            <a:fillRect/>
+          </a:stretch>
+        </p:blipFill>
+        <p:spPr>
+          <a:xfrm>
+            <a:off x="5148064" y="1299793"/>
+            <a:ext cx="2880320" cy="2680590"/>
+          </a:xfrm>
+          <a:prstGeom prst="rect">
+            <a:avLst/>
+          </a:prstGeom>
+          <a:ln w="3175">
+            <a:solidFill>
+              <a:schemeClr val="accent1"/>
+            </a:solidFill>
+          </a:ln>
+        </p:spPr>
+      </p:pic>
+    </p:spTree>
+    <p:extLst>
+      <p:ext uri="{BB962C8B-B14F-4D97-AF65-F5344CB8AC3E}">
+        <p14:creationId xmlns:p14="http://schemas.microsoft.com/office/powerpoint/2010/main" val="3990756690"/>
+      </p:ext>
+    </p:extLst>
+  </p:cSld>
+  <p:clrMapOvr>
+    <a:masterClrMapping/>
+  </p:clrMapOvr>
+</p:sld>
+</file>
+
+<file path=ppt/slides/slide8.xml><?xml version="1.0" encoding="utf-8"?>
+<p:sld xmlns:a="http://schemas.openxmlformats.org/drawingml/2006/main" xmlns:r="http://schemas.openxmlformats.org/officeDocument/2006/relationships" xmlns:p="http://schemas.openxmlformats.org/presentationml/2006/main">
+  <p:cSld>
+    <p:spTree>
+      <p:nvGrpSpPr>
+        <p:cNvPr id="1" name=""/>
+        <p:cNvGrpSpPr/>
+        <p:nvPr/>
+      </p:nvGrpSpPr>
+      <p:grpSpPr>
+        <a:xfrm>
+          <a:off x="0" y="0"/>
+          <a:ext cx="0" cy="0"/>
+          <a:chOff x="0" y="0"/>
+          <a:chExt cx="0" cy="0"/>
+        </a:xfrm>
+      </p:grpSpPr>
+      <p:sp>
+        <p:nvSpPr>
+          <p:cNvPr id="2" name="Titel 1">
+            <a:extLst>
+              <a:ext uri="{FF2B5EF4-FFF2-40B4-BE49-F238E27FC236}">
+                <a16:creationId xmlns:a16="http://schemas.microsoft.com/office/drawing/2014/main" id="{388F7BA3-B785-BDE2-BAC6-74C1F53E9285}"/>
+              </a:ext>
+            </a:extLst>
+          </p:cNvPr>
+          <p:cNvSpPr>
+            <a:spLocks noGrp="1"/>
+          </p:cNvSpPr>
+          <p:nvPr>
+            <p:ph type="title"/>
+          </p:nvPr>
+        </p:nvSpPr>
+        <p:spPr/>
+        <p:txBody>
+          <a:bodyPr/>
+          <a:lstStyle/>
+          <a:p>
+            <a:r>
+              <a:rPr lang="de-DE" dirty="0" err="1"/>
+              <a:t>How</a:t>
+            </a:r>
+            <a:r>
+              <a:rPr lang="de-DE" dirty="0"/>
+              <a:t> </a:t>
+            </a:r>
+            <a:r>
+              <a:rPr lang="de-DE" dirty="0" err="1"/>
+              <a:t>it</a:t>
+            </a:r>
+            <a:r>
+              <a:rPr lang="de-DE" dirty="0"/>
+              <a:t> </a:t>
+            </a:r>
+            <a:r>
+              <a:rPr lang="de-DE" dirty="0" err="1"/>
+              <a:t>works</a:t>
+            </a:r>
+            <a:r>
+              <a:rPr lang="de-DE" dirty="0"/>
+              <a:t>: Setting </a:t>
+            </a:r>
+            <a:r>
+              <a:rPr lang="de-DE" dirty="0" err="1"/>
+              <a:t>up</a:t>
+            </a:r>
+            <a:r>
+              <a:rPr lang="de-DE" dirty="0"/>
+              <a:t> </a:t>
+            </a:r>
+            <a:r>
+              <a:rPr lang="de-DE" dirty="0" err="1"/>
+              <a:t>Constraints</a:t>
+            </a:r>
+            <a:endParaRPr lang="de-DE" dirty="0"/>
+          </a:p>
+        </p:txBody>
+      </p:sp>
+      <p:pic>
+        <p:nvPicPr>
+          <p:cNvPr id="6" name="Grafik 5" descr="\documentclass[20pt]{article}&#10;\usepackage{amsmath,amsfonts,amssymb,xcolor, mathtools}&#10;\pagestyle{empty}&#10;\usepackage[T1]{fontenc}&#10;\usepackage{fontspec}&#10;\setsansfont{Arial}&#10;\renewcommand\familydefault{\sfdefault}&#10;\begin{document}&#10;\begin{itemize}&#10;\item consider $x^+ \rightarrow$ vector to a \newline postive sample lying on the gutter&#10;\item to measure the \textcolor{magenta}{width} of the margin  \newline&#10;$(x^+ -x^-)$ is Projected on the unit \newline&#10;vector of $\beta$ &#10;\item $M=(x^+ -x^-)\cdot \frac{\beta}{||\beta||}=\frac{\beta x^+ -\beta x^-}{||\beta||}$&#10;&#10;\end{itemize}&#10;&#10;\end{document}" title="IguanaTex Picture Display">
+            <a:extLst>
+              <a:ext uri="{FF2B5EF4-FFF2-40B4-BE49-F238E27FC236}">
+                <a16:creationId xmlns:a16="http://schemas.microsoft.com/office/drawing/2014/main" id="{4FB258AB-A900-DFBA-CB32-3FC4EC64818C}"/>
+              </a:ext>
+            </a:extLst>
+          </p:cNvPr>
+          <p:cNvPicPr>
+            <a:picLocks noChangeAspect="1"/>
+          </p:cNvPicPr>
+          <p:nvPr>
+            <p:custDataLst>
+              <p:tags r:id="rId1"/>
+            </p:custDataLst>
+          </p:nvPr>
+        </p:nvPicPr>
+        <p:blipFill>
+          <a:blip r:embed="rId3">
+            <a:extLst>
+              <a:ext uri="{28A0092B-C50C-407E-A947-70E740481C1C}">
+                <a14:useLocalDpi xmlns:a14="http://schemas.microsoft.com/office/drawing/2010/main" val="0"/>
+              </a:ext>
+            </a:extLst>
+          </a:blip>
+          <a:stretch>
+            <a:fillRect/>
+          </a:stretch>
+        </p:blipFill>
+        <p:spPr>
+          <a:xfrm>
+            <a:off x="720858" y="1707657"/>
+            <a:ext cx="3667122" cy="2118162"/>
+          </a:xfrm>
+          <a:prstGeom prst="rect">
+            <a:avLst/>
+          </a:prstGeom>
+        </p:spPr>
+      </p:pic>
+      <p:pic>
+        <p:nvPicPr>
+          <p:cNvPr id="10" name="Grafik 9" descr="Ein Bild, das Reihe, Diagramm, Steigung, parallel enthält.&#10;&#10;Automatisch generierte Beschreibung">
+            <a:extLst>
+              <a:ext uri="{FF2B5EF4-FFF2-40B4-BE49-F238E27FC236}">
+                <a16:creationId xmlns:a16="http://schemas.microsoft.com/office/drawing/2014/main" id="{61AB07FF-8D31-3186-850F-DC65A7D0D908}"/>
+              </a:ext>
+            </a:extLst>
+          </p:cNvPr>
+          <p:cNvPicPr>
+            <a:picLocks noChangeAspect="1"/>
+          </p:cNvPicPr>
+          <p:nvPr/>
+        </p:nvPicPr>
+        <p:blipFill>
+          <a:blip r:embed="rId4">
+            <a:extLst>
+              <a:ext uri="{28A0092B-C50C-407E-A947-70E740481C1C}">
+                <a14:useLocalDpi xmlns:a14="http://schemas.microsoft.com/office/drawing/2010/main" val="0"/>
+              </a:ext>
+            </a:extLst>
+          </a:blip>
+          <a:stretch>
+            <a:fillRect/>
+          </a:stretch>
+        </p:blipFill>
+        <p:spPr>
+          <a:xfrm>
+            <a:off x="5220072" y="1259034"/>
+            <a:ext cx="2821051" cy="2625431"/>
+          </a:xfrm>
+          <a:prstGeom prst="rect">
+            <a:avLst/>
+          </a:prstGeom>
+          <a:ln w="3175">
+            <a:solidFill>
+              <a:schemeClr val="tx1">
+                <a:lumMod val="95000"/>
+                <a:lumOff val="5000"/>
+              </a:schemeClr>
+            </a:solidFill>
+          </a:ln>
+        </p:spPr>
+      </p:pic>
+    </p:spTree>
+    <p:extLst>
+      <p:ext uri="{BB962C8B-B14F-4D97-AF65-F5344CB8AC3E}">
+        <p14:creationId xmlns:p14="http://schemas.microsoft.com/office/powerpoint/2010/main" val="2902806685"/>
+      </p:ext>
+    </p:extLst>
+  </p:cSld>
+  <p:clrMapOvr>
+    <a:masterClrMapping/>
+  </p:clrMapOvr>
+</p:sld>
+</file>
+
+<file path=ppt/slides/slide9.xml><?xml version="1.0" encoding="utf-8"?>
+<p:sld xmlns:a="http://schemas.openxmlformats.org/drawingml/2006/main" xmlns:r="http://schemas.openxmlformats.org/officeDocument/2006/relationships" xmlns:p="http://schemas.openxmlformats.org/presentationml/2006/main">
+  <p:cSld>
+    <p:spTree>
+      <p:nvGrpSpPr>
+        <p:cNvPr id="1" name=""/>
+        <p:cNvGrpSpPr/>
+        <p:nvPr/>
+      </p:nvGrpSpPr>
+      <p:grpSpPr>
+        <a:xfrm>
+          <a:off x="0" y="0"/>
+          <a:ext cx="0" cy="0"/>
+          <a:chOff x="0" y="0"/>
+          <a:chExt cx="0" cy="0"/>
+        </a:xfrm>
+      </p:grpSpPr>
+      <p:sp>
+        <p:nvSpPr>
+          <p:cNvPr id="2" name="Titel 1">
+            <a:extLst>
+              <a:ext uri="{FF2B5EF4-FFF2-40B4-BE49-F238E27FC236}">
+                <a16:creationId xmlns:a16="http://schemas.microsoft.com/office/drawing/2014/main" id="{388F7BA3-B785-BDE2-BAC6-74C1F53E9285}"/>
+              </a:ext>
+            </a:extLst>
+          </p:cNvPr>
+          <p:cNvSpPr>
+            <a:spLocks noGrp="1"/>
+          </p:cNvSpPr>
+          <p:nvPr>
+            <p:ph type="title"/>
+          </p:nvPr>
+        </p:nvSpPr>
+        <p:spPr/>
+        <p:txBody>
+          <a:bodyPr/>
+          <a:lstStyle/>
+          <a:p>
+            <a:r>
+              <a:rPr lang="de-DE" dirty="0" err="1"/>
+              <a:t>How</a:t>
+            </a:r>
+            <a:r>
+              <a:rPr lang="de-DE" dirty="0"/>
+              <a:t> </a:t>
+            </a:r>
+            <a:r>
+              <a:rPr lang="de-DE" dirty="0" err="1"/>
+              <a:t>it</a:t>
+            </a:r>
+            <a:r>
+              <a:rPr lang="de-DE" dirty="0"/>
+              <a:t> </a:t>
+            </a:r>
+            <a:r>
+              <a:rPr lang="de-DE" dirty="0" err="1"/>
+              <a:t>works</a:t>
+            </a:r>
+            <a:r>
+              <a:rPr lang="de-DE" dirty="0"/>
+              <a:t>: Setting </a:t>
+            </a:r>
+            <a:r>
+              <a:rPr lang="de-DE" dirty="0" err="1"/>
+              <a:t>up</a:t>
+            </a:r>
+            <a:r>
+              <a:rPr lang="de-DE" dirty="0"/>
+              <a:t> </a:t>
+            </a:r>
+            <a:r>
+              <a:rPr lang="de-DE" dirty="0" err="1"/>
+              <a:t>Constraints</a:t>
+            </a:r>
+            <a:endParaRPr lang="de-DE" dirty="0"/>
+          </a:p>
+        </p:txBody>
+      </p:sp>
+      <p:pic>
+        <p:nvPicPr>
+          <p:cNvPr id="14" name="Grafik 13" descr="\documentclass[20pt]{article}&#10;\usepackage{amsmath,amsfonts,amssymb,xcolor, mathtools}&#10;\pagestyle{empty}&#10;\usepackage[T1]{fontenc}&#10;\usepackage{fontspec}&#10;\setsansfont{Arial}&#10;\renewcommand\familydefault{\sfdefault}&#10;\begin{document}&#10;\begin{itemize}&#10;\item for a positive sample laying on the gutter \newline&#10;we know $\beta x^+ +\beta_0 = 1 \Leftrightarrow \beta x^+=1-\beta_0$ &#10;\item conversely for a negativ sample on the gutter \newline&#10;$\beta x^- +\beta_0 = -1 \Leftrightarrow \beta x^+=-1-\beta_0$&#10;\item imputed in the derived formula for the width\newline&#10;$\rightarrow \frac{1-\beta_0-(-1-\beta_0)}{||\beta||}=\frac{2}{||\beta||}$&#10;\item which is changed to $\frac{1}{2} ||\beta||^2$ for the \newline minimization&#10;\end{itemize}&#10;&#10;\end{document}" title="IguanaTex Picture Display">
+            <a:extLst>
+              <a:ext uri="{FF2B5EF4-FFF2-40B4-BE49-F238E27FC236}">
+                <a16:creationId xmlns:a16="http://schemas.microsoft.com/office/drawing/2014/main" id="{103937DF-EA0B-3A26-A354-FDD0289EF375}"/>
+              </a:ext>
+            </a:extLst>
+          </p:cNvPr>
+          <p:cNvPicPr>
+            <a:picLocks noChangeAspect="1"/>
+          </p:cNvPicPr>
+          <p:nvPr>
+            <p:custDataLst>
+              <p:tags r:id="rId1"/>
+            </p:custDataLst>
+          </p:nvPr>
+        </p:nvPicPr>
+        <p:blipFill>
+          <a:blip r:embed="rId3">
+            <a:extLst>
+              <a:ext uri="{28A0092B-C50C-407E-A947-70E740481C1C}">
+                <a14:useLocalDpi xmlns:a14="http://schemas.microsoft.com/office/drawing/2010/main" val="0"/>
+              </a:ext>
+            </a:extLst>
+          </a:blip>
+          <a:stretch>
+            <a:fillRect/>
+          </a:stretch>
+        </p:blipFill>
+        <p:spPr>
+          <a:xfrm>
+            <a:off x="683568" y="1419622"/>
+            <a:ext cx="4724875" cy="2781660"/>
+          </a:xfrm>
+          <a:prstGeom prst="rect">
+            <a:avLst/>
+          </a:prstGeom>
+        </p:spPr>
+      </p:pic>
+    </p:spTree>
+    <p:extLst>
+      <p:ext uri="{BB962C8B-B14F-4D97-AF65-F5344CB8AC3E}">
+        <p14:creationId xmlns:p14="http://schemas.microsoft.com/office/powerpoint/2010/main" val="2843438534"/>
+      </p:ext>
+    </p:extLst>
+  </p:cSld>
+  <p:clrMapOvr>
+    <a:masterClrMapping/>
+  </p:clrMapOvr>
+</p:sld>
+</file>
+
 <file path=ppt/tags/tag1.xml><?xml version="1.0" encoding="utf-8"?>
 <p:tagLst xmlns:a="http://schemas.openxmlformats.org/drawingml/2006/main" xmlns:r="http://schemas.openxmlformats.org/officeDocument/2006/relationships" xmlns:p="http://schemas.openxmlformats.org/presentationml/2006/main">
   <p:tag name="OUTPUTDPI" val="1200"/>
@@ -7551,13 +8161,13 @@
 <file path=ppt/tags/tag2.xml><?xml version="1.0" encoding="utf-8"?>
 <p:tagLst xmlns:a="http://schemas.openxmlformats.org/drawingml/2006/main" xmlns:r="http://schemas.openxmlformats.org/officeDocument/2006/relationships" xmlns:p="http://schemas.openxmlformats.org/presentationml/2006/main">
   <p:tag name="OUTPUTDPI" val="1200"/>
-  <p:tag name="ORIGINALHEIGHT" val="1039,645"/>
-  <p:tag name="ORIGINALWIDTH" val="2361,329"/>
+  <p:tag name="ORIGINALHEIGHT" val="1188,916"/>
+  <p:tag name="ORIGINALWIDTH" val="2310,323"/>
   <p:tag name="OUTPUTTYPE" val="PNG"/>
   <p:tag name="IGUANATEXVERSION" val="161"/>
-  <p:tag name="LATEXADDIN" val="\documentclass[20pt]{article}&#10;\usepackage{amsmath,amsfonts,amssymb,xcolor, mathtools}&#10;\pagestyle{empty}&#10;\usepackage[T1]{fontenc}&#10;\usepackage{fontspec}&#10;\setsansfont{Arial}&#10;\renewcommand\familydefault{\sfdefault}&#10;\begin{document}&#10;\begin{itemize}&#10;\item the two gutters around the boundary \newline are defined by $\beta \cdot x+\beta_0=k$ and \newline$ \beta \cdot x+\beta_0=-k$&#10;\item seperate postitive from negative samples&#10;\item distance between the gutters\newline$\rightarrow$ width that is to be maximized&#10;\end{itemize}&#10;&#10;\end{document}"/>
+  <p:tag name="LATEXADDIN" val="\documentclass[20pt]{article}&#10;\usepackage{amsmath,amsfonts,amssymb,xcolor, mathtools}&#10;\pagestyle{empty}&#10;\usepackage[T1]{fontenc}&#10;\usepackage{fontspec}&#10;\setsansfont{Arial}&#10;\renewcommand\familydefault{\sfdefault}&#10;\begin{document}&#10;\begin{itemize}&#10;\item the two gutters around the boundary \newline are defined by $\beta \cdot x+\beta_0=1$ and \newline$ \beta \cdot x+\beta_0=-1$&#10;&#10;\item seperate \textcolor{red}{positive}($\beta \cdot x+\beta_0\ge 1$)\newline from \textcolor{green}{negative} ($\beta \cdot x+\beta_0\le -1$) samples&#10;\item distance between the gutters\newline$\rightarrow$ width that is to be maximized&#10;\end{itemize}&#10;&#10;\end{document}"/>
   <p:tag name="IGUANATEXSIZE" val="18"/>
-  <p:tag name="IGUANATEXCURSOR" val="508"/>
+  <p:tag name="IGUANATEXCURSOR" val="488"/>
   <p:tag name="TRANSPARENCY" val="Wahr"/>
   <p:tag name="LATEXENGINEID" val="2"/>
   <p:tag name="TEMPFOLDER" val="E:\Dokumente\temp\"/>
@@ -7571,13 +8181,73 @@
 <file path=ppt/tags/tag3.xml><?xml version="1.0" encoding="utf-8"?>
 <p:tagLst xmlns:a="http://schemas.openxmlformats.org/drawingml/2006/main" xmlns:r="http://schemas.openxmlformats.org/officeDocument/2006/relationships" xmlns:p="http://schemas.openxmlformats.org/presentationml/2006/main">
   <p:tag name="OUTPUTDPI" val="1200"/>
-  <p:tag name="ORIGINALHEIGHT" val="705,8485"/>
+  <p:tag name="ORIGINALHEIGHT" val="1134,908"/>
   <p:tag name="ORIGINALWIDTH" val="2011,031"/>
   <p:tag name="OUTPUTTYPE" val="PNG"/>
   <p:tag name="IGUANATEXVERSION" val="161"/>
-  <p:tag name="LATEXADDIN" val="\documentclass[20pt]{article}&#10;\usepackage{amsmath,amsfonts,amssymb,xcolor, mathtools}&#10;\pagestyle{empty}&#10;\usepackage[T1]{fontenc}&#10;\usepackage{fontspec}&#10;\setsansfont{Arial}&#10;\renewcommand\familydefault{\sfdefault}&#10;\begin{document}&#10;\begin{itemize}&#10;\item to measure the \textcolor{magenta}{width} of the margin  \newline&#10;$(x^+ -x^-)$ is Projected on the unit \newline&#10;vector of $\beta$ &#10;\item $M=(x^+ -x^-)\cdot \frac{\beta}{||\beta||}$&#10;&#10;\end{itemize}&#10;&#10;\end{document}"/>
+  <p:tag name="LATEXADDIN" val="\documentclass[20pt]{article}&#10;\usepackage{amsmath,amsfonts,amssymb,xcolor, mathtools}&#10;\pagestyle{empty}&#10;\usepackage[T1]{fontenc}&#10;\usepackage{fontspec}&#10;\setsansfont{Arial}&#10;\renewcommand\familydefault{\sfdefault}&#10;\begin{document}&#10;\begin{itemize}&#10;\item consider $x^+ \rightarrow$ vector to a \newline postive sample lying on the gutter&#10;\item to measure the \textcolor{magenta}{width} of the margin  \newline&#10;$(x^+ -x^-)$ is Projected on the unit \newline&#10;vector of $\beta$ &#10;\item $M=(x^+ -x^-)\cdot \frac{\beta}{||\beta||}=\frac{\beta x^+ -\beta x^-}{||\beta||}$&#10;&#10;\end{itemize}&#10;&#10;\end{document}"/>
   <p:tag name="IGUANATEXSIZE" val="18"/>
-  <p:tag name="IGUANATEXCURSOR" val="291"/>
+  <p:tag name="IGUANATEXCURSOR" val="558"/>
+  <p:tag name="TRANSPARENCY" val="Wahr"/>
+  <p:tag name="LATEXENGINEID" val="2"/>
+  <p:tag name="TEMPFOLDER" val="E:\Dokumente\temp\"/>
+  <p:tag name="LATEXFORMHEIGHT" val="320"/>
+  <p:tag name="LATEXFORMWIDTH" val="385"/>
+  <p:tag name="LATEXFORMWRAP" val="Wahr"/>
+  <p:tag name="BITMAPVECTOR" val="0"/>
+</p:tagLst>
+</file>
+
+<file path=ppt/tags/tag4.xml><?xml version="1.0" encoding="utf-8"?>
+<p:tagLst xmlns:a="http://schemas.openxmlformats.org/drawingml/2006/main" xmlns:r="http://schemas.openxmlformats.org/officeDocument/2006/relationships" xmlns:p="http://schemas.openxmlformats.org/presentationml/2006/main">
+  <p:tag name="OUTPUTDPI" val="1200"/>
+  <p:tag name="ORIGINALHEIGHT" val="1485,958"/>
+  <p:tag name="ORIGINALWIDTH" val="2588,611"/>
+  <p:tag name="OUTPUTTYPE" val="PNG"/>
+  <p:tag name="IGUANATEXVERSION" val="161"/>
+  <p:tag name="LATEXADDIN" val="\documentclass[20pt]{article}&#10;\usepackage{amsmath,amsfonts,amssymb,xcolor, mathtools}&#10;\pagestyle{empty}&#10;\usepackage[T1]{fontenc}&#10;\usepackage{fontspec}&#10;\setsansfont{Arial}&#10;\renewcommand\familydefault{\sfdefault}&#10;\begin{document}&#10;\begin{itemize}&#10;\item for a positive sample laying on the gutter \newline&#10;we know $\beta x^+ +\beta_0 = 1 \Leftrightarrow \beta x^+=1-\beta_0$ &#10;\item conversely for a negativ sample on the gutter \newline&#10;$\beta x^- +\beta_0 = -1 \Leftrightarrow \beta x^+=-1-\beta_0$&#10;\item imputed in the derived formula for the width\newline&#10;$\rightarrow \frac{1-\beta_0-(-1-\beta_0)}{||\beta||}=\frac{2}{||\beta||}$&#10;\item which is changed to $\frac{1}{2} ||\beta||^2$ for the \newline minimization&#10;\end{itemize}&#10;&#10;\end{document}"/>
+  <p:tag name="IGUANATEXSIZE" val="18"/>
+  <p:tag name="IGUANATEXCURSOR" val="711"/>
+  <p:tag name="TRANSPARENCY" val="Wahr"/>
+  <p:tag name="LATEXENGINEID" val="2"/>
+  <p:tag name="TEMPFOLDER" val="E:\Dokumente\temp\"/>
+  <p:tag name="LATEXFORMHEIGHT" val="320"/>
+  <p:tag name="LATEXFORMWIDTH" val="385"/>
+  <p:tag name="LATEXFORMWRAP" val="Wahr"/>
+  <p:tag name="BITMAPVECTOR" val="0"/>
+</p:tagLst>
+</file>
+
+<file path=ppt/tags/tag5.xml><?xml version="1.0" encoding="utf-8"?>
+<p:tagLst xmlns:a="http://schemas.openxmlformats.org/drawingml/2006/main" xmlns:r="http://schemas.openxmlformats.org/officeDocument/2006/relationships" xmlns:p="http://schemas.openxmlformats.org/presentationml/2006/main">
+  <p:tag name="OUTPUTDPI" val="1200"/>
+  <p:tag name="ORIGINALHEIGHT" val="1414,697"/>
+  <p:tag name="ORIGINALWIDTH" val="4088,821"/>
+  <p:tag name="OUTPUTTYPE" val="PNG"/>
+  <p:tag name="IGUANATEXVERSION" val="161"/>
+  <p:tag name="LATEXADDIN" val="\documentclass[20pt]{article}&#10;\usepackage{amsmath,amsfonts,amssymb,xcolor, mathtools}&#10;\pagestyle{empty}&#10;\usepackage[T1]{fontenc}&#10;\usepackage{fontspec}&#10;\setsansfont{Arial}&#10;\renewcommand\familydefault{\sfdefault}&#10;\begin{document}&#10;\begin{itemize}&#10;\item for the maximization the constraints that   $\beta \cdot x+\beta_0\ge 1$ for \textcolor{red}{positive} \newline and ($\beta \cdot x+\beta_0\le -1$) for \textcolor{green}{negative} are still to respect&#10;&#10;\item goal: merge both constraints in one&#10;\item introduce new variable $y$ with $y=1$ for positive samples and $y=-1$ for negative samples&#10;\item leading to constraint $y(\beta x+\beta_0)\ge 1$&#10;\item Maximization over Lagrange Multiplier &#10;\end{itemize}&#10;\end{document}"/>
+  <p:tag name="IGUANATEXSIZE" val="18"/>
+  <p:tag name="IGUANATEXCURSOR" val="688"/>
+  <p:tag name="TRANSPARENCY" val="Wahr"/>
+  <p:tag name="LATEXENGINEID" val="2"/>
+  <p:tag name="TEMPFOLDER" val="E:\Dokumente\temp\"/>
+  <p:tag name="LATEXFORMHEIGHT" val="320"/>
+  <p:tag name="LATEXFORMWIDTH" val="385"/>
+  <p:tag name="LATEXFORMWRAP" val="Wahr"/>
+  <p:tag name="BITMAPVECTOR" val="0"/>
+</p:tagLst>
+</file>
+
+<file path=ppt/tags/tag6.xml><?xml version="1.0" encoding="utf-8"?>
+<p:tagLst xmlns:a="http://schemas.openxmlformats.org/drawingml/2006/main" xmlns:r="http://schemas.openxmlformats.org/officeDocument/2006/relationships" xmlns:p="http://schemas.openxmlformats.org/presentationml/2006/main">
+  <p:tag name="OUTPUTDPI" val="1200"/>
+  <p:tag name="ORIGINALHEIGHT" val="1414,697"/>
+  <p:tag name="ORIGINALWIDTH" val="4088,821"/>
+  <p:tag name="OUTPUTTYPE" val="PNG"/>
+  <p:tag name="IGUANATEXVERSION" val="161"/>
+  <p:tag name="LATEXADDIN" val="\documentclass[20pt]{article}&#10;\usepackage{amsmath,amsfonts,amssymb,xcolor, mathtools}&#10;\pagestyle{empty}&#10;\usepackage[T1]{fontenc}&#10;\usepackage{fontspec}&#10;\setsansfont{Arial}&#10;\renewcommand\familydefault{\sfdefault}&#10;\begin{document}&#10;\begin{itemize}&#10;\item for the maximization the constraints that   $\beta \cdot x+\beta_0\ge 1$ for \textcolor{red}{positive} \newline and ($\beta \cdot x+\beta_0\le -1$) for \textcolor{green}{negative} are still to respect&#10;&#10;\item goal: merge both constraints in one&#10;\item introduce new variable $y$ with $y=1$ for positive samples and $y=-1$ for negative samples&#10;\item leading to constraint $y(\beta x+\beta_0)\ge 1$&#10;\item Maximization over Lagrange Multiplier &#10;\end{itemize}&#10;\end{document}"/>
+  <p:tag name="IGUANATEXSIZE" val="18"/>
+  <p:tag name="IGUANATEXCURSOR" val="688"/>
   <p:tag name="TRANSPARENCY" val="Wahr"/>
   <p:tag name="LATEXENGINEID" val="2"/>
   <p:tag name="TEMPFOLDER" val="E:\Dokumente\temp\"/>

--- a/Präsentation/Support Vector Machines.pptx
+++ b/Präsentation/Support Vector Machines.pptx
@@ -5,7 +5,7 @@
     <p:sldMasterId id="2147483648" r:id="rId1"/>
   </p:sldMasterIdLst>
   <p:notesMasterIdLst>
-    <p:notesMasterId r:id="rId20"/>
+    <p:notesMasterId r:id="rId21"/>
   </p:notesMasterIdLst>
   <p:sldIdLst>
     <p:sldId id="256" r:id="rId2"/>
@@ -17,15 +17,16 @@
     <p:sldId id="269" r:id="rId8"/>
     <p:sldId id="270" r:id="rId9"/>
     <p:sldId id="271" r:id="rId10"/>
-    <p:sldId id="272" r:id="rId11"/>
-    <p:sldId id="273" r:id="rId12"/>
-    <p:sldId id="264" r:id="rId13"/>
-    <p:sldId id="265" r:id="rId14"/>
-    <p:sldId id="266" r:id="rId15"/>
-    <p:sldId id="261" r:id="rId16"/>
-    <p:sldId id="267" r:id="rId17"/>
-    <p:sldId id="262" r:id="rId18"/>
-    <p:sldId id="263" r:id="rId19"/>
+    <p:sldId id="273" r:id="rId11"/>
+    <p:sldId id="274" r:id="rId12"/>
+    <p:sldId id="275" r:id="rId13"/>
+    <p:sldId id="264" r:id="rId14"/>
+    <p:sldId id="265" r:id="rId15"/>
+    <p:sldId id="266" r:id="rId16"/>
+    <p:sldId id="261" r:id="rId17"/>
+    <p:sldId id="267" r:id="rId18"/>
+    <p:sldId id="262" r:id="rId19"/>
+    <p:sldId id="263" r:id="rId20"/>
   </p:sldIdLst>
   <p:sldSz cx="9144000" cy="5143500" type="screen16x9"/>
   <p:notesSz cx="6797675" cy="9926638"/>
@@ -165,7 +166,7 @@
 <file path=ppt/revisionInfo.xml><?xml version="1.0" encoding="utf-8"?>
 <p1510:revInfo xmlns:a="http://schemas.openxmlformats.org/drawingml/2006/main" xmlns:r="http://schemas.openxmlformats.org/officeDocument/2006/relationships" xmlns:p1510="http://schemas.microsoft.com/office/powerpoint/2015/10/main">
   <p1510:revLst>
-    <p1510:client id="{AB1E0CFC-1C57-4A1E-92D1-DAC8DD9182A6}" v="864" dt="2024-06-26T22:51:30.475"/>
+    <p1510:client id="{AB1E0CFC-1C57-4A1E-92D1-DAC8DD9182A6}" v="1156" dt="2024-06-27T13:06:10.065"/>
   </p1510:revLst>
 </p1510:revInfo>
 </file>
@@ -174,8 +175,8 @@
 <pc:chgInfo xmlns:a="http://schemas.openxmlformats.org/drawingml/2006/main" xmlns:r="http://schemas.openxmlformats.org/officeDocument/2006/relationships" xmlns:ac="http://schemas.microsoft.com/office/drawing/2013/main/command" xmlns:pc="http://schemas.microsoft.com/office/powerpoint/2013/main/command">
   <pc:docChgLst>
     <pc:chgData name="Franz Andersch" userId="88b46490-1a31-494c-af6b-e252cc2a642d" providerId="ADAL" clId="{AB1E0CFC-1C57-4A1E-92D1-DAC8DD9182A6}"/>
-    <pc:docChg chg="custSel addSld modSld">
-      <pc:chgData name="Franz Andersch" userId="88b46490-1a31-494c-af6b-e252cc2a642d" providerId="ADAL" clId="{AB1E0CFC-1C57-4A1E-92D1-DAC8DD9182A6}" dt="2024-06-26T22:51:35.629" v="1640" actId="2890"/>
+    <pc:docChg chg="undo redo custSel addSld delSld modSld sldOrd">
+      <pc:chgData name="Franz Andersch" userId="88b46490-1a31-494c-af6b-e252cc2a642d" providerId="ADAL" clId="{AB1E0CFC-1C57-4A1E-92D1-DAC8DD9182A6}" dt="2024-06-27T13:06:10.065" v="2215" actId="962"/>
       <pc:docMkLst>
         <pc:docMk/>
       </pc:docMkLst>
@@ -490,7 +491,7 @@
         </pc:picChg>
       </pc:sldChg>
       <pc:sldChg chg="addSp delSp modSp add mod">
-        <pc:chgData name="Franz Andersch" userId="88b46490-1a31-494c-af6b-e252cc2a642d" providerId="ADAL" clId="{AB1E0CFC-1C57-4A1E-92D1-DAC8DD9182A6}" dt="2024-06-26T22:28:32.969" v="1361" actId="962"/>
+        <pc:chgData name="Franz Andersch" userId="88b46490-1a31-494c-af6b-e252cc2a642d" providerId="ADAL" clId="{AB1E0CFC-1C57-4A1E-92D1-DAC8DD9182A6}" dt="2024-06-27T09:10:09.592" v="1703" actId="1076"/>
         <pc:sldMkLst>
           <pc:docMk/>
           <pc:sldMk cId="2902806685" sldId="270"/>
@@ -511,8 +512,16 @@
             <ac:picMk id="4" creationId="{C91A420B-4589-90D0-5279-E517E3F1C910}"/>
           </ac:picMkLst>
         </pc:picChg>
-        <pc:picChg chg="mod ord replST">
-          <ac:chgData name="Franz Andersch" userId="88b46490-1a31-494c-af6b-e252cc2a642d" providerId="ADAL" clId="{AB1E0CFC-1C57-4A1E-92D1-DAC8DD9182A6}" dt="2024-06-26T22:28:32.969" v="1361" actId="962"/>
+        <pc:picChg chg="del mod ord replST">
+          <ac:chgData name="Franz Andersch" userId="88b46490-1a31-494c-af6b-e252cc2a642d" providerId="ADAL" clId="{AB1E0CFC-1C57-4A1E-92D1-DAC8DD9182A6}" dt="2024-06-27T09:10:05.067" v="1700" actId="478"/>
+          <ac:picMkLst>
+            <pc:docMk/>
+            <pc:sldMk cId="2902806685" sldId="270"/>
+            <ac:picMk id="4" creationId="{F6935AFB-8A21-043A-0B64-A0DD5D619F6E}"/>
+          </ac:picMkLst>
+        </pc:picChg>
+        <pc:picChg chg="del mod ord replST">
+          <ac:chgData name="Franz Andersch" userId="88b46490-1a31-494c-af6b-e252cc2a642d" providerId="ADAL" clId="{AB1E0CFC-1C57-4A1E-92D1-DAC8DD9182A6}" dt="2024-06-27T09:09:53.152" v="1669" actId="478"/>
           <ac:picMkLst>
             <pc:docMk/>
             <pc:sldMk cId="2902806685" sldId="270"/>
@@ -525,6 +534,14 @@
             <pc:docMk/>
             <pc:sldMk cId="2902806685" sldId="270"/>
             <ac:picMk id="6" creationId="{ABE1810E-F664-CB44-3A9C-AEBDFD707AB7}"/>
+          </ac:picMkLst>
+        </pc:picChg>
+        <pc:picChg chg="mod ord replST">
+          <ac:chgData name="Franz Andersch" userId="88b46490-1a31-494c-af6b-e252cc2a642d" providerId="ADAL" clId="{AB1E0CFC-1C57-4A1E-92D1-DAC8DD9182A6}" dt="2024-06-27T09:10:09.592" v="1703" actId="1076"/>
+          <ac:picMkLst>
+            <pc:docMk/>
+            <pc:sldMk cId="2902806685" sldId="270"/>
+            <ac:picMk id="7" creationId="{A8331EF8-F198-BD0D-88A5-998FB508D2D0}"/>
           </ac:picMkLst>
         </pc:picChg>
         <pc:picChg chg="del mod ord replST">
@@ -553,7 +570,7 @@
         </pc:picChg>
       </pc:sldChg>
       <pc:sldChg chg="delSp modSp add mod">
-        <pc:chgData name="Franz Andersch" userId="88b46490-1a31-494c-af6b-e252cc2a642d" providerId="ADAL" clId="{AB1E0CFC-1C57-4A1E-92D1-DAC8DD9182A6}" dt="2024-06-26T22:41:36.524" v="1518" actId="1076"/>
+        <pc:chgData name="Franz Andersch" userId="88b46490-1a31-494c-af6b-e252cc2a642d" providerId="ADAL" clId="{AB1E0CFC-1C57-4A1E-92D1-DAC8DD9182A6}" dt="2024-06-27T13:00:25.617" v="2124" actId="962"/>
         <pc:sldMkLst>
           <pc:docMk/>
           <pc:sldMk cId="2843438534" sldId="271"/>
@@ -564,6 +581,14 @@
             <pc:docMk/>
             <pc:sldMk cId="2843438534" sldId="271"/>
             <ac:picMk id="4" creationId="{42AA169C-429F-FC85-48B7-972956FE13BD}"/>
+          </ac:picMkLst>
+        </pc:picChg>
+        <pc:picChg chg="mod ord replST">
+          <ac:chgData name="Franz Andersch" userId="88b46490-1a31-494c-af6b-e252cc2a642d" providerId="ADAL" clId="{AB1E0CFC-1C57-4A1E-92D1-DAC8DD9182A6}" dt="2024-06-27T13:00:25.617" v="2124" actId="962"/>
+          <ac:picMkLst>
+            <pc:docMk/>
+            <pc:sldMk cId="2843438534" sldId="271"/>
+            <ac:picMk id="4" creationId="{728AC3AA-308A-EDE4-7AF9-8D77074AC095}"/>
           </ac:picMkLst>
         </pc:picChg>
         <pc:picChg chg="del mod">
@@ -606,8 +631,8 @@
             <ac:picMk id="12" creationId="{14B007E5-28E2-8F59-937C-277F68902E2E}"/>
           </ac:picMkLst>
         </pc:picChg>
-        <pc:picChg chg="mod ord replST">
-          <ac:chgData name="Franz Andersch" userId="88b46490-1a31-494c-af6b-e252cc2a642d" providerId="ADAL" clId="{AB1E0CFC-1C57-4A1E-92D1-DAC8DD9182A6}" dt="2024-06-26T22:41:36.524" v="1518" actId="1076"/>
+        <pc:picChg chg="del mod ord replST">
+          <ac:chgData name="Franz Andersch" userId="88b46490-1a31-494c-af6b-e252cc2a642d" providerId="ADAL" clId="{AB1E0CFC-1C57-4A1E-92D1-DAC8DD9182A6}" dt="2024-06-27T13:00:25.616" v="2122" actId="478"/>
           <ac:picMkLst>
             <pc:docMk/>
             <pc:sldMk cId="2843438534" sldId="271"/>
@@ -615,8 +640,8 @@
           </ac:picMkLst>
         </pc:picChg>
       </pc:sldChg>
-      <pc:sldChg chg="delSp modSp add mod">
-        <pc:chgData name="Franz Andersch" userId="88b46490-1a31-494c-af6b-e252cc2a642d" providerId="ADAL" clId="{AB1E0CFC-1C57-4A1E-92D1-DAC8DD9182A6}" dt="2024-06-26T22:51:30.475" v="1639" actId="962"/>
+      <pc:sldChg chg="delSp modSp add del mod">
+        <pc:chgData name="Franz Andersch" userId="88b46490-1a31-494c-af6b-e252cc2a642d" providerId="ADAL" clId="{AB1E0CFC-1C57-4A1E-92D1-DAC8DD9182A6}" dt="2024-06-27T12:52:33.479" v="2033" actId="2696"/>
         <pc:sldMkLst>
           <pc:docMk/>
           <pc:sldMk cId="1273915984" sldId="272"/>
@@ -662,12 +687,162 @@
           </ac:picMkLst>
         </pc:picChg>
       </pc:sldChg>
-      <pc:sldChg chg="add">
-        <pc:chgData name="Franz Andersch" userId="88b46490-1a31-494c-af6b-e252cc2a642d" providerId="ADAL" clId="{AB1E0CFC-1C57-4A1E-92D1-DAC8DD9182A6}" dt="2024-06-26T22:51:35.629" v="1640" actId="2890"/>
+      <pc:sldChg chg="delSp modSp add mod ord">
+        <pc:chgData name="Franz Andersch" userId="88b46490-1a31-494c-af6b-e252cc2a642d" providerId="ADAL" clId="{AB1E0CFC-1C57-4A1E-92D1-DAC8DD9182A6}" dt="2024-06-27T12:52:22.615" v="2032"/>
         <pc:sldMkLst>
           <pc:docMk/>
           <pc:sldMk cId="3291923032" sldId="273"/>
         </pc:sldMkLst>
+        <pc:picChg chg="mod ord replST">
+          <ac:chgData name="Franz Andersch" userId="88b46490-1a31-494c-af6b-e252cc2a642d" providerId="ADAL" clId="{AB1E0CFC-1C57-4A1E-92D1-DAC8DD9182A6}" dt="2024-06-27T09:20:36.644" v="1734" actId="962"/>
+          <ac:picMkLst>
+            <pc:docMk/>
+            <pc:sldMk cId="3291923032" sldId="273"/>
+            <ac:picMk id="4" creationId="{8EA2C5C6-6B38-3213-C629-D7D5362FAF15}"/>
+          </ac:picMkLst>
+        </pc:picChg>
+        <pc:picChg chg="del mod">
+          <ac:chgData name="Franz Andersch" userId="88b46490-1a31-494c-af6b-e252cc2a642d" providerId="ADAL" clId="{AB1E0CFC-1C57-4A1E-92D1-DAC8DD9182A6}" dt="2024-06-27T09:20:36.643" v="1732" actId="478"/>
+          <ac:picMkLst>
+            <pc:docMk/>
+            <pc:sldMk cId="3291923032" sldId="273"/>
+            <ac:picMk id="10" creationId="{5A391A54-56F0-BB15-3E45-02C9C5FF7A63}"/>
+          </ac:picMkLst>
+        </pc:picChg>
+      </pc:sldChg>
+      <pc:sldChg chg="addSp delSp modSp add mod">
+        <pc:chgData name="Franz Andersch" userId="88b46490-1a31-494c-af6b-e252cc2a642d" providerId="ADAL" clId="{AB1E0CFC-1C57-4A1E-92D1-DAC8DD9182A6}" dt="2024-06-27T12:56:43.395" v="2094" actId="962"/>
+        <pc:sldMkLst>
+          <pc:docMk/>
+          <pc:sldMk cId="681638969" sldId="274"/>
+        </pc:sldMkLst>
+        <pc:spChg chg="mod">
+          <ac:chgData name="Franz Andersch" userId="88b46490-1a31-494c-af6b-e252cc2a642d" providerId="ADAL" clId="{AB1E0CFC-1C57-4A1E-92D1-DAC8DD9182A6}" dt="2024-06-27T09:20:48.063" v="1756" actId="20577"/>
+          <ac:spMkLst>
+            <pc:docMk/>
+            <pc:sldMk cId="681638969" sldId="274"/>
+            <ac:spMk id="2" creationId="{388F7BA3-B785-BDE2-BAC6-74C1F53E9285}"/>
+          </ac:spMkLst>
+        </pc:spChg>
+        <pc:picChg chg="del mod ord replST delST">
+          <ac:chgData name="Franz Andersch" userId="88b46490-1a31-494c-af6b-e252cc2a642d" providerId="ADAL" clId="{AB1E0CFC-1C57-4A1E-92D1-DAC8DD9182A6}" dt="2024-06-27T09:47:38.637" v="1878" actId="478"/>
+          <ac:picMkLst>
+            <pc:docMk/>
+            <pc:sldMk cId="681638969" sldId="274"/>
+            <ac:picMk id="4" creationId="{749E9DA6-A2E8-C6C2-BABC-E6FA79DBA837}"/>
+          </ac:picMkLst>
+        </pc:picChg>
+        <pc:picChg chg="del mod ord replST">
+          <ac:chgData name="Franz Andersch" userId="88b46490-1a31-494c-af6b-e252cc2a642d" providerId="ADAL" clId="{AB1E0CFC-1C57-4A1E-92D1-DAC8DD9182A6}" dt="2024-06-27T09:49:57.892" v="1908" actId="478"/>
+          <ac:picMkLst>
+            <pc:docMk/>
+            <pc:sldMk cId="681638969" sldId="274"/>
+            <ac:picMk id="6" creationId="{99312CDE-669B-A317-0193-9A16DD2042F8}"/>
+          </ac:picMkLst>
+        </pc:picChg>
+        <pc:picChg chg="del mod ord replST">
+          <ac:chgData name="Franz Andersch" userId="88b46490-1a31-494c-af6b-e252cc2a642d" providerId="ADAL" clId="{AB1E0CFC-1C57-4A1E-92D1-DAC8DD9182A6}" dt="2024-06-27T09:53:52.781" v="1938" actId="478"/>
+          <ac:picMkLst>
+            <pc:docMk/>
+            <pc:sldMk cId="681638969" sldId="274"/>
+            <ac:picMk id="8" creationId="{822345BE-E9F4-0837-028E-26883D43F7B4}"/>
+          </ac:picMkLst>
+        </pc:picChg>
+        <pc:picChg chg="add del mod">
+          <ac:chgData name="Franz Andersch" userId="88b46490-1a31-494c-af6b-e252cc2a642d" providerId="ADAL" clId="{AB1E0CFC-1C57-4A1E-92D1-DAC8DD9182A6}" dt="2024-06-27T09:21:48.544" v="1850"/>
+          <ac:picMkLst>
+            <pc:docMk/>
+            <pc:sldMk cId="681638969" sldId="274"/>
+            <ac:picMk id="10" creationId="{5A391A54-56F0-BB15-3E45-02C9C5FF7A63}"/>
+          </ac:picMkLst>
+        </pc:picChg>
+        <pc:picChg chg="del mod ord replST">
+          <ac:chgData name="Franz Andersch" userId="88b46490-1a31-494c-af6b-e252cc2a642d" providerId="ADAL" clId="{AB1E0CFC-1C57-4A1E-92D1-DAC8DD9182A6}" dt="2024-06-27T10:09:41.065" v="1968" actId="478"/>
+          <ac:picMkLst>
+            <pc:docMk/>
+            <pc:sldMk cId="681638969" sldId="274"/>
+            <ac:picMk id="11" creationId="{FB3E12BD-7196-D967-A7C0-423C3BC47F7A}"/>
+          </ac:picMkLst>
+        </pc:picChg>
+        <pc:picChg chg="del mod ord replST">
+          <ac:chgData name="Franz Andersch" userId="88b46490-1a31-494c-af6b-e252cc2a642d" providerId="ADAL" clId="{AB1E0CFC-1C57-4A1E-92D1-DAC8DD9182A6}" dt="2024-06-27T10:10:32.172" v="1998" actId="478"/>
+          <ac:picMkLst>
+            <pc:docMk/>
+            <pc:sldMk cId="681638969" sldId="274"/>
+            <ac:picMk id="13" creationId="{99EC25A3-821E-3152-6E04-D51BB3701A0B}"/>
+          </ac:picMkLst>
+        </pc:picChg>
+        <pc:picChg chg="del mod ord replST">
+          <ac:chgData name="Franz Andersch" userId="88b46490-1a31-494c-af6b-e252cc2a642d" providerId="ADAL" clId="{AB1E0CFC-1C57-4A1E-92D1-DAC8DD9182A6}" dt="2024-06-27T10:30:32.142" v="2028" actId="478"/>
+          <ac:picMkLst>
+            <pc:docMk/>
+            <pc:sldMk cId="681638969" sldId="274"/>
+            <ac:picMk id="15" creationId="{92BF1B2D-0782-F883-A2D6-FC02949B589D}"/>
+          </ac:picMkLst>
+        </pc:picChg>
+        <pc:picChg chg="del mod ord replST">
+          <ac:chgData name="Franz Andersch" userId="88b46490-1a31-494c-af6b-e252cc2a642d" providerId="ADAL" clId="{AB1E0CFC-1C57-4A1E-92D1-DAC8DD9182A6}" dt="2024-06-27T12:56:43.395" v="2092" actId="478"/>
+          <ac:picMkLst>
+            <pc:docMk/>
+            <pc:sldMk cId="681638969" sldId="274"/>
+            <ac:picMk id="17" creationId="{527B418A-008A-0D4E-3761-6FDC02593802}"/>
+          </ac:picMkLst>
+        </pc:picChg>
+        <pc:picChg chg="mod ord replST">
+          <ac:chgData name="Franz Andersch" userId="88b46490-1a31-494c-af6b-e252cc2a642d" providerId="ADAL" clId="{AB1E0CFC-1C57-4A1E-92D1-DAC8DD9182A6}" dt="2024-06-27T12:56:43.395" v="2094" actId="962"/>
+          <ac:picMkLst>
+            <pc:docMk/>
+            <pc:sldMk cId="681638969" sldId="274"/>
+            <ac:picMk id="19" creationId="{939032DE-A06D-EA89-AC4F-DCC59CC42583}"/>
+          </ac:picMkLst>
+        </pc:picChg>
+      </pc:sldChg>
+      <pc:sldChg chg="delSp modSp add mod">
+        <pc:chgData name="Franz Andersch" userId="88b46490-1a31-494c-af6b-e252cc2a642d" providerId="ADAL" clId="{AB1E0CFC-1C57-4A1E-92D1-DAC8DD9182A6}" dt="2024-06-27T13:06:10.065" v="2215" actId="962"/>
+        <pc:sldMkLst>
+          <pc:docMk/>
+          <pc:sldMk cId="2071963807" sldId="275"/>
+        </pc:sldMkLst>
+        <pc:picChg chg="del mod ord replST">
+          <ac:chgData name="Franz Andersch" userId="88b46490-1a31-494c-af6b-e252cc2a642d" providerId="ADAL" clId="{AB1E0CFC-1C57-4A1E-92D1-DAC8DD9182A6}" dt="2024-06-27T13:03:41.435" v="2153" actId="478"/>
+          <ac:picMkLst>
+            <pc:docMk/>
+            <pc:sldMk cId="2071963807" sldId="275"/>
+            <ac:picMk id="4" creationId="{37080A30-4F8F-3129-5BB1-C1AAC2C8198F}"/>
+          </ac:picMkLst>
+        </pc:picChg>
+        <pc:picChg chg="del mod ord replST">
+          <ac:chgData name="Franz Andersch" userId="88b46490-1a31-494c-af6b-e252cc2a642d" providerId="ADAL" clId="{AB1E0CFC-1C57-4A1E-92D1-DAC8DD9182A6}" dt="2024-06-27T13:03:52.816" v="2183" actId="478"/>
+          <ac:picMkLst>
+            <pc:docMk/>
+            <pc:sldMk cId="2071963807" sldId="275"/>
+            <ac:picMk id="6" creationId="{23289C6B-8472-D210-5C07-9D00A3710DE5}"/>
+          </ac:picMkLst>
+        </pc:picChg>
+        <pc:picChg chg="del mod ord replST">
+          <ac:chgData name="Franz Andersch" userId="88b46490-1a31-494c-af6b-e252cc2a642d" providerId="ADAL" clId="{AB1E0CFC-1C57-4A1E-92D1-DAC8DD9182A6}" dt="2024-06-27T13:06:10.064" v="2213" actId="478"/>
+          <ac:picMkLst>
+            <pc:docMk/>
+            <pc:sldMk cId="2071963807" sldId="275"/>
+            <ac:picMk id="8" creationId="{82B3DE78-ABA4-0CFD-6D0A-C6E334B33177}"/>
+          </ac:picMkLst>
+        </pc:picChg>
+        <pc:picChg chg="mod ord replST">
+          <ac:chgData name="Franz Andersch" userId="88b46490-1a31-494c-af6b-e252cc2a642d" providerId="ADAL" clId="{AB1E0CFC-1C57-4A1E-92D1-DAC8DD9182A6}" dt="2024-06-27T13:06:10.065" v="2215" actId="962"/>
+          <ac:picMkLst>
+            <pc:docMk/>
+            <pc:sldMk cId="2071963807" sldId="275"/>
+            <ac:picMk id="10" creationId="{0740CD08-602B-1241-2993-A820012374F0}"/>
+          </ac:picMkLst>
+        </pc:picChg>
+        <pc:picChg chg="del mod">
+          <ac:chgData name="Franz Andersch" userId="88b46490-1a31-494c-af6b-e252cc2a642d" providerId="ADAL" clId="{AB1E0CFC-1C57-4A1E-92D1-DAC8DD9182A6}" dt="2024-06-27T12:53:38.598" v="2062" actId="478"/>
+          <ac:picMkLst>
+            <pc:docMk/>
+            <pc:sldMk cId="2071963807" sldId="275"/>
+            <ac:picMk id="17" creationId="{527B418A-008A-0D4E-3761-6FDC02593802}"/>
+          </ac:picMkLst>
+        </pc:picChg>
       </pc:sldChg>
     </pc:docChg>
   </pc:docChgLst>
@@ -784,7 +959,7 @@
               <a:pPr>
                 <a:defRPr/>
               </a:pPr>
-              <a:t>26.06.2024</a:t>
+              <a:t>27.06.2024</a:t>
             </a:fld>
             <a:endParaRPr lang="de-DE"/>
           </a:p>
@@ -4277,10 +4452,10 @@
       </p:sp>
       <p:pic>
         <p:nvPicPr>
-          <p:cNvPr id="10" name="Grafik 9" descr="\documentclass[20pt]{article}&#10;\usepackage{amsmath,amsfonts,amssymb,xcolor, mathtools}&#10;\pagestyle{empty}&#10;\usepackage[T1]{fontenc}&#10;\usepackage{fontspec}&#10;\setsansfont{Arial}&#10;\renewcommand\familydefault{\sfdefault}&#10;\begin{document}&#10;\begin{itemize}&#10;\item for the maximization the constraints that   $\beta \cdot x+\beta_0\ge 1$ for \textcolor{red}{positive} \newline and ($\beta \cdot x+\beta_0\le -1$) for \textcolor{green}{negative} are still to respect&#10;&#10;\item goal: merge both constraints in one&#10;\item introduce new variable $y$ with $y=1$ for positive samples and $y=-1$ for negative samples&#10;\item leading to constraint $y(\beta x+\beta_0)\ge 1$&#10;\item Maximization over Lagrange Multiplier &#10;\end{itemize}&#10;\end{document}" title="IguanaTex Picture Display">
+          <p:cNvPr id="4" name="Grafik 3" descr="\documentclass[20pt]{article}&#10;\usepackage{amsmath,amsfonts,amssymb,xcolor, mathtools}&#10;\pagestyle{empty}&#10;\usepackage[T1]{fontenc}&#10;\usepackage{fontspec}&#10;\setsansfont{Arial}&#10;\renewcommand\familydefault{\sfdefault}&#10;\begin{document}&#10;\begin{itemize}&#10;\item for the maximization the constraints that   $\beta \cdot x+\beta_0\ge 1$ for \textcolor{red}{positive} \newline and ($\beta \cdot x+\beta_0\le -1$) for \textcolor{green}{negative} are still to respect&#10;&#10;\item goal: merge both constraints in one&#10;\item introduce new variable $y$ with $y=1$ for positive samples and $y=-1$ for negative samples&#10;\item leading to constraint $y(\beta x+\beta_0)\ge 1$&#10;\end{itemize}&#10;\end{document}" title="IguanaTex Picture Display">
             <a:extLst>
               <a:ext uri="{FF2B5EF4-FFF2-40B4-BE49-F238E27FC236}">
-                <a16:creationId xmlns:a16="http://schemas.microsoft.com/office/drawing/2014/main" id="{5A391A54-56F0-BB15-3E45-02C9C5FF7A63}"/>
+                <a16:creationId xmlns:a16="http://schemas.microsoft.com/office/drawing/2014/main" id="{8EA2C5C6-6B38-3213-C629-D7D5362FAF15}"/>
               </a:ext>
             </a:extLst>
           </p:cNvPr>
@@ -4307,8 +4482,8 @@
         </p:blipFill>
         <p:spPr>
           <a:xfrm>
-            <a:off x="683569" y="1419622"/>
-            <a:ext cx="7467316" cy="2656027"/>
+            <a:off x="683570" y="1419621"/>
+            <a:ext cx="7468815" cy="2198010"/>
           </a:xfrm>
           <a:prstGeom prst="rect">
             <a:avLst/>
@@ -4318,7 +4493,7 @@
     </p:spTree>
     <p:extLst>
       <p:ext uri="{BB962C8B-B14F-4D97-AF65-F5344CB8AC3E}">
-        <p14:creationId xmlns:p14="http://schemas.microsoft.com/office/powerpoint/2010/main" val="1273915984"/>
+        <p14:creationId xmlns:p14="http://schemas.microsoft.com/office/powerpoint/2010/main" val="3291923032"/>
       </p:ext>
     </p:extLst>
   </p:cSld>
@@ -4388,11 +4563,11 @@
             </a:r>
             <a:r>
               <a:rPr lang="de-DE" dirty="0"/>
-              <a:t>: Setting </a:t>
+              <a:t>: </a:t>
             </a:r>
             <a:r>
               <a:rPr lang="de-DE" dirty="0" err="1"/>
-              <a:t>up</a:t>
+              <a:t>Maximization</a:t>
             </a:r>
             <a:r>
               <a:rPr lang="de-DE" dirty="0"/>
@@ -4400,7 +4575,7 @@
             </a:r>
             <a:r>
               <a:rPr lang="de-DE" dirty="0" err="1"/>
-              <a:t>Constraints</a:t>
+              <a:t>Process</a:t>
             </a:r>
             <a:endParaRPr lang="de-DE" dirty="0"/>
           </a:p>
@@ -4408,10 +4583,10 @@
       </p:sp>
       <p:pic>
         <p:nvPicPr>
-          <p:cNvPr id="10" name="Grafik 9" descr="\documentclass[20pt]{article}&#10;\usepackage{amsmath,amsfonts,amssymb,xcolor, mathtools}&#10;\pagestyle{empty}&#10;\usepackage[T1]{fontenc}&#10;\usepackage{fontspec}&#10;\setsansfont{Arial}&#10;\renewcommand\familydefault{\sfdefault}&#10;\begin{document}&#10;\begin{itemize}&#10;\item for the maximization the constraints that   $\beta \cdot x+\beta_0\ge 1$ for \textcolor{red}{positive} \newline and ($\beta \cdot x+\beta_0\le -1$) for \textcolor{green}{negative} are still to respect&#10;&#10;\item goal: merge both constraints in one&#10;\item introduce new variable $y$ with $y=1$ for positive samples and $y=-1$ for negative samples&#10;\item leading to constraint $y(\beta x+\beta_0)\ge 1$&#10;\item Maximization over Lagrange Multiplier &#10;\end{itemize}&#10;\end{document}" title="IguanaTex Picture Display">
+          <p:cNvPr id="19" name="Grafik 18" descr="\documentclass[20pt]{article}&#10;\usepackage{amsmath,amsfonts,amssymb,xcolor, mathtools}&#10;\pagestyle{empty}&#10;\usepackage[T1]{fontenc}&#10;\usepackage{fontspec}&#10;\setsansfont{Arial}&#10;\renewcommand\familydefault{\sfdefault}&#10;\begin{document}&#10;\begin{itemize}&#10;\item Maximization with constraints $\rightarrow$ Lagrange Multipliers\newline&#10;$\mathcal{L}(\beta,x,\beta_0)=\frac{1}{2}\beta ' \beta-\sum \alpha_i[y_i(\beta \cdot x_i+\beta_0)-1]$&#10;\item derive with respect to $\beta$  and set to zero\newline&#10;$\frac{\partial \mathcal{L}}{\partial \beta}=\beta-\sum \alpha_i y_i x_i\overset{!}{=}0 \Rightarrow \beta=\sum \alpha_i y_i x_i $&#10;\item derive with respect to $\beta_0$ and set to zero&#10;\newline $\frac{\partial \mathcal{L}}{\partial \beta_0}=\sum \alpha_i y_i x_i\overset{!}{=}0$&#10;\end{itemize}&#10;\end{document}" title="IguanaTex Picture Display">
             <a:extLst>
               <a:ext uri="{FF2B5EF4-FFF2-40B4-BE49-F238E27FC236}">
-                <a16:creationId xmlns:a16="http://schemas.microsoft.com/office/drawing/2014/main" id="{5A391A54-56F0-BB15-3E45-02C9C5FF7A63}"/>
+                <a16:creationId xmlns:a16="http://schemas.microsoft.com/office/drawing/2014/main" id="{939032DE-A06D-EA89-AC4F-DCC59CC42583}"/>
               </a:ext>
             </a:extLst>
           </p:cNvPr>
@@ -4438,8 +4613,8 @@
         </p:blipFill>
         <p:spPr>
           <a:xfrm>
-            <a:off x="683569" y="1419622"/>
-            <a:ext cx="7467316" cy="2656027"/>
+            <a:off x="683574" y="1419622"/>
+            <a:ext cx="5548226" cy="2209535"/>
           </a:xfrm>
           <a:prstGeom prst="rect">
             <a:avLst/>
@@ -4449,7 +4624,7 @@
     </p:spTree>
     <p:extLst>
       <p:ext uri="{BB962C8B-B14F-4D97-AF65-F5344CB8AC3E}">
-        <p14:creationId xmlns:p14="http://schemas.microsoft.com/office/powerpoint/2010/main" val="3291923032"/>
+        <p14:creationId xmlns:p14="http://schemas.microsoft.com/office/powerpoint/2010/main" val="681638969"/>
       </p:ext>
     </p:extLst>
   </p:cSld>
@@ -4460,6 +4635,137 @@
 </file>
 
 <file path=ppt/slides/slide12.xml><?xml version="1.0" encoding="utf-8"?>
+<p:sld xmlns:a="http://schemas.openxmlformats.org/drawingml/2006/main" xmlns:r="http://schemas.openxmlformats.org/officeDocument/2006/relationships" xmlns:p="http://schemas.openxmlformats.org/presentationml/2006/main">
+  <p:cSld>
+    <p:spTree>
+      <p:nvGrpSpPr>
+        <p:cNvPr id="1" name=""/>
+        <p:cNvGrpSpPr/>
+        <p:nvPr/>
+      </p:nvGrpSpPr>
+      <p:grpSpPr>
+        <a:xfrm>
+          <a:off x="0" y="0"/>
+          <a:ext cx="0" cy="0"/>
+          <a:chOff x="0" y="0"/>
+          <a:chExt cx="0" cy="0"/>
+        </a:xfrm>
+      </p:grpSpPr>
+      <p:sp>
+        <p:nvSpPr>
+          <p:cNvPr id="2" name="Titel 1">
+            <a:extLst>
+              <a:ext uri="{FF2B5EF4-FFF2-40B4-BE49-F238E27FC236}">
+                <a16:creationId xmlns:a16="http://schemas.microsoft.com/office/drawing/2014/main" id="{388F7BA3-B785-BDE2-BAC6-74C1F53E9285}"/>
+              </a:ext>
+            </a:extLst>
+          </p:cNvPr>
+          <p:cNvSpPr>
+            <a:spLocks noGrp="1"/>
+          </p:cNvSpPr>
+          <p:nvPr>
+            <p:ph type="title"/>
+          </p:nvPr>
+        </p:nvSpPr>
+        <p:spPr/>
+        <p:txBody>
+          <a:bodyPr/>
+          <a:lstStyle/>
+          <a:p>
+            <a:r>
+              <a:rPr lang="de-DE" dirty="0" err="1"/>
+              <a:t>How</a:t>
+            </a:r>
+            <a:r>
+              <a:rPr lang="de-DE" dirty="0"/>
+              <a:t> </a:t>
+            </a:r>
+            <a:r>
+              <a:rPr lang="de-DE" dirty="0" err="1"/>
+              <a:t>it</a:t>
+            </a:r>
+            <a:r>
+              <a:rPr lang="de-DE" dirty="0"/>
+              <a:t> </a:t>
+            </a:r>
+            <a:r>
+              <a:rPr lang="de-DE" dirty="0" err="1"/>
+              <a:t>works</a:t>
+            </a:r>
+            <a:r>
+              <a:rPr lang="de-DE" dirty="0"/>
+              <a:t>: </a:t>
+            </a:r>
+            <a:r>
+              <a:rPr lang="de-DE" dirty="0" err="1"/>
+              <a:t>Maximization</a:t>
+            </a:r>
+            <a:r>
+              <a:rPr lang="de-DE" dirty="0"/>
+              <a:t> </a:t>
+            </a:r>
+            <a:r>
+              <a:rPr lang="de-DE" dirty="0" err="1"/>
+              <a:t>Process</a:t>
+            </a:r>
+            <a:endParaRPr lang="de-DE" dirty="0"/>
+          </a:p>
+        </p:txBody>
+      </p:sp>
+      <p:pic>
+        <p:nvPicPr>
+          <p:cNvPr id="10" name="Grafik 9" descr="\documentclass[20pt]{article}&#10;\usepackage{amsmath,amsfonts,amssymb,xcolor, mathtools}&#10;\pagestyle{empty}&#10;\usepackage[T1]{fontenc}&#10;\usepackage{fontspec}&#10;\setsansfont{Arial}&#10;\renewcommand\familydefault{\sfdefault}&#10;\begin{document}&#10;\begin{itemize}&#10;\item replace the derived beta in the original maximaztion function\newline&#10;$\frac{1}{2}\sum \alpha_i y_i x_i \sum \alpha_i y_i x_i-\sum y_i\sum \alpha_i y_i x_i x_i \alpha_i+y_i \beta_0 \alpha_i-\alpha_i$&#10;\end{itemize}&#10;&#10;\end{document}" title="IguanaTex Picture Display">
+            <a:extLst>
+              <a:ext uri="{FF2B5EF4-FFF2-40B4-BE49-F238E27FC236}">
+                <a16:creationId xmlns:a16="http://schemas.microsoft.com/office/drawing/2014/main" id="{0740CD08-602B-1241-2993-A820012374F0}"/>
+              </a:ext>
+            </a:extLst>
+          </p:cNvPr>
+          <p:cNvPicPr>
+            <a:picLocks noChangeAspect="1"/>
+          </p:cNvPicPr>
+          <p:nvPr>
+            <p:custDataLst>
+              <p:tags r:id="rId1"/>
+            </p:custDataLst>
+          </p:nvPr>
+        </p:nvPicPr>
+        <p:blipFill>
+          <a:blip r:embed="rId3">
+            <a:extLst>
+              <a:ext uri="{28A0092B-C50C-407E-A947-70E740481C1C}">
+                <a14:useLocalDpi xmlns:a14="http://schemas.microsoft.com/office/drawing/2010/main" val="0"/>
+              </a:ext>
+            </a:extLst>
+          </a:blip>
+          <a:stretch>
+            <a:fillRect/>
+          </a:stretch>
+        </p:blipFill>
+        <p:spPr>
+          <a:xfrm>
+            <a:off x="683568" y="1419621"/>
+            <a:ext cx="6238105" cy="547459"/>
+          </a:xfrm>
+          <a:prstGeom prst="rect">
+            <a:avLst/>
+          </a:prstGeom>
+        </p:spPr>
+      </p:pic>
+    </p:spTree>
+    <p:extLst>
+      <p:ext uri="{BB962C8B-B14F-4D97-AF65-F5344CB8AC3E}">
+        <p14:creationId xmlns:p14="http://schemas.microsoft.com/office/powerpoint/2010/main" val="2071963807"/>
+      </p:ext>
+    </p:extLst>
+  </p:cSld>
+  <p:clrMapOvr>
+    <a:masterClrMapping/>
+  </p:clrMapOvr>
+</p:sld>
+</file>
+
+<file path=ppt/slides/slide13.xml><?xml version="1.0" encoding="utf-8"?>
 <p:sld xmlns:a="http://schemas.openxmlformats.org/drawingml/2006/main" xmlns:r="http://schemas.openxmlformats.org/officeDocument/2006/relationships" xmlns:p="http://schemas.openxmlformats.org/presentationml/2006/main">
   <p:cSld>
     <p:spTree>
@@ -5228,122 +5534,6 @@
 </p:sld>
 </file>
 
-<file path=ppt/slides/slide13.xml><?xml version="1.0" encoding="utf-8"?>
-<p:sld xmlns:a="http://schemas.openxmlformats.org/drawingml/2006/main" xmlns:r="http://schemas.openxmlformats.org/officeDocument/2006/relationships" xmlns:p="http://schemas.openxmlformats.org/presentationml/2006/main">
-  <p:cSld>
-    <p:spTree>
-      <p:nvGrpSpPr>
-        <p:cNvPr id="1" name=""/>
-        <p:cNvGrpSpPr/>
-        <p:nvPr/>
-      </p:nvGrpSpPr>
-      <p:grpSpPr>
-        <a:xfrm>
-          <a:off x="0" y="0"/>
-          <a:ext cx="0" cy="0"/>
-          <a:chOff x="0" y="0"/>
-          <a:chExt cx="0" cy="0"/>
-        </a:xfrm>
-      </p:grpSpPr>
-      <p:sp>
-        <p:nvSpPr>
-          <p:cNvPr id="2" name="Titel 1">
-            <a:extLst>
-              <a:ext uri="{FF2B5EF4-FFF2-40B4-BE49-F238E27FC236}">
-                <a16:creationId xmlns:a16="http://schemas.microsoft.com/office/drawing/2014/main" id="{388F7BA3-B785-BDE2-BAC6-74C1F53E9285}"/>
-              </a:ext>
-            </a:extLst>
-          </p:cNvPr>
-          <p:cNvSpPr>
-            <a:spLocks noGrp="1"/>
-          </p:cNvSpPr>
-          <p:nvPr>
-            <p:ph type="title"/>
-          </p:nvPr>
-        </p:nvSpPr>
-        <p:spPr/>
-        <p:txBody>
-          <a:bodyPr/>
-          <a:lstStyle/>
-          <a:p>
-            <a:r>
-              <a:rPr lang="de-DE" dirty="0" err="1"/>
-              <a:t>How</a:t>
-            </a:r>
-            <a:r>
-              <a:rPr lang="de-DE" dirty="0"/>
-              <a:t> </a:t>
-            </a:r>
-            <a:r>
-              <a:rPr lang="de-DE" dirty="0" err="1"/>
-              <a:t>it</a:t>
-            </a:r>
-            <a:r>
-              <a:rPr lang="de-DE" dirty="0"/>
-              <a:t> </a:t>
-            </a:r>
-            <a:r>
-              <a:rPr lang="de-DE" dirty="0" err="1"/>
-              <a:t>works</a:t>
-            </a:r>
-            <a:r>
-              <a:rPr lang="de-DE" dirty="0"/>
-              <a:t>: Support </a:t>
-            </a:r>
-            <a:r>
-              <a:rPr lang="de-DE" dirty="0" err="1"/>
-              <a:t>vector</a:t>
-            </a:r>
-            <a:r>
-              <a:rPr lang="de-DE" dirty="0"/>
-              <a:t> </a:t>
-            </a:r>
-            <a:r>
-              <a:rPr lang="de-DE" dirty="0" err="1"/>
-              <a:t>classifier</a:t>
-            </a:r>
-            <a:endParaRPr lang="de-DE" dirty="0"/>
-          </a:p>
-        </p:txBody>
-      </p:sp>
-      <p:sp>
-        <p:nvSpPr>
-          <p:cNvPr id="3" name="Inhaltsplatzhalter 2">
-            <a:extLst>
-              <a:ext uri="{FF2B5EF4-FFF2-40B4-BE49-F238E27FC236}">
-                <a16:creationId xmlns:a16="http://schemas.microsoft.com/office/drawing/2014/main" id="{B6EBCD5F-A998-E34B-B609-7A4D246D72F7}"/>
-              </a:ext>
-            </a:extLst>
-          </p:cNvPr>
-          <p:cNvSpPr>
-            <a:spLocks noGrp="1"/>
-          </p:cNvSpPr>
-          <p:nvPr>
-            <p:ph idx="1"/>
-          </p:nvPr>
-        </p:nvSpPr>
-        <p:spPr/>
-        <p:txBody>
-          <a:bodyPr/>
-          <a:lstStyle/>
-          <a:p>
-            <a:endParaRPr lang="de-DE" sz="2000" dirty="0"/>
-          </a:p>
-        </p:txBody>
-      </p:sp>
-    </p:spTree>
-    <p:extLst>
-      <p:ext uri="{BB962C8B-B14F-4D97-AF65-F5344CB8AC3E}">
-        <p14:creationId xmlns:p14="http://schemas.microsoft.com/office/powerpoint/2010/main" val="2939723199"/>
-      </p:ext>
-    </p:extLst>
-  </p:cSld>
-  <p:clrMapOvr>
-    <a:masterClrMapping/>
-  </p:clrMapOvr>
-</p:sld>
-</file>
-
 <file path=ppt/slides/slide14.xml><?xml version="1.0" encoding="utf-8"?>
 <p:sld xmlns:a="http://schemas.openxmlformats.org/drawingml/2006/main" xmlns:r="http://schemas.openxmlformats.org/officeDocument/2006/relationships" xmlns:p="http://schemas.openxmlformats.org/presentationml/2006/main">
   <p:cSld>
@@ -5416,7 +5606,7 @@
             </a:r>
             <a:r>
               <a:rPr lang="de-DE" dirty="0" err="1"/>
-              <a:t>machine</a:t>
+              <a:t>classifier</a:t>
             </a:r>
             <a:endParaRPr lang="de-DE" dirty="0"/>
           </a:p>
@@ -5450,7 +5640,7 @@
     </p:spTree>
     <p:extLst>
       <p:ext uri="{BB962C8B-B14F-4D97-AF65-F5344CB8AC3E}">
-        <p14:creationId xmlns:p14="http://schemas.microsoft.com/office/powerpoint/2010/main" val="3746182716"/>
+        <p14:creationId xmlns:p14="http://schemas.microsoft.com/office/powerpoint/2010/main" val="2939723199"/>
       </p:ext>
     </p:extLst>
   </p:cSld>
@@ -5482,7 +5672,7 @@
           <p:cNvPr id="2" name="Titel 1">
             <a:extLst>
               <a:ext uri="{FF2B5EF4-FFF2-40B4-BE49-F238E27FC236}">
-                <a16:creationId xmlns:a16="http://schemas.microsoft.com/office/drawing/2014/main" id="{9C274E31-D4F7-6C4A-D81C-1BC18A1044AE}"/>
+                <a16:creationId xmlns:a16="http://schemas.microsoft.com/office/drawing/2014/main" id="{388F7BA3-B785-BDE2-BAC6-74C1F53E9285}"/>
               </a:ext>
             </a:extLst>
           </p:cNvPr>
@@ -5499,9 +5689,42 @@
           <a:lstStyle/>
           <a:p>
             <a:r>
+              <a:rPr lang="de-DE" dirty="0" err="1"/>
+              <a:t>How</a:t>
+            </a:r>
+            <a:r>
               <a:rPr lang="de-DE" dirty="0"/>
-              <a:t>Dataset: ALLBUS</a:t>
-            </a:r>
+              <a:t> </a:t>
+            </a:r>
+            <a:r>
+              <a:rPr lang="de-DE" dirty="0" err="1"/>
+              <a:t>it</a:t>
+            </a:r>
+            <a:r>
+              <a:rPr lang="de-DE" dirty="0"/>
+              <a:t> </a:t>
+            </a:r>
+            <a:r>
+              <a:rPr lang="de-DE" dirty="0" err="1"/>
+              <a:t>works</a:t>
+            </a:r>
+            <a:r>
+              <a:rPr lang="de-DE" dirty="0"/>
+              <a:t>: Support </a:t>
+            </a:r>
+            <a:r>
+              <a:rPr lang="de-DE" dirty="0" err="1"/>
+              <a:t>vector</a:t>
+            </a:r>
+            <a:r>
+              <a:rPr lang="de-DE" dirty="0"/>
+              <a:t> </a:t>
+            </a:r>
+            <a:r>
+              <a:rPr lang="de-DE" dirty="0" err="1"/>
+              <a:t>machine</a:t>
+            </a:r>
+            <a:endParaRPr lang="de-DE" dirty="0"/>
           </a:p>
         </p:txBody>
       </p:sp>
@@ -5510,7 +5733,7 @@
           <p:cNvPr id="3" name="Inhaltsplatzhalter 2">
             <a:extLst>
               <a:ext uri="{FF2B5EF4-FFF2-40B4-BE49-F238E27FC236}">
-                <a16:creationId xmlns:a16="http://schemas.microsoft.com/office/drawing/2014/main" id="{A6EE175B-F110-2231-4746-FB0A5137CFF3}"/>
+                <a16:creationId xmlns:a16="http://schemas.microsoft.com/office/drawing/2014/main" id="{B6EBCD5F-A998-E34B-B609-7A4D246D72F7}"/>
               </a:ext>
             </a:extLst>
           </p:cNvPr>
@@ -5521,206 +5744,19 @@
             <p:ph idx="1"/>
           </p:nvPr>
         </p:nvSpPr>
-        <p:spPr>
-          <a:xfrm>
-            <a:off x="395536" y="1353344"/>
-            <a:ext cx="7344816" cy="3162622"/>
-          </a:xfrm>
-        </p:spPr>
+        <p:spPr/>
         <p:txBody>
           <a:bodyPr/>
           <a:lstStyle/>
           <a:p>
-            <a:r>
-              <a:rPr lang="de-DE" sz="2000" dirty="0"/>
-              <a:t>„General </a:t>
-            </a:r>
-            <a:r>
-              <a:rPr lang="de-DE" sz="2000" dirty="0" err="1"/>
-              <a:t>population</a:t>
-            </a:r>
-            <a:r>
-              <a:rPr lang="de-DE" sz="2000" dirty="0"/>
-              <a:t> </a:t>
-            </a:r>
-            <a:r>
-              <a:rPr lang="de-DE" sz="2000" dirty="0" err="1"/>
-              <a:t>survey</a:t>
-            </a:r>
-            <a:r>
-              <a:rPr lang="de-DE" sz="2000" dirty="0"/>
-              <a:t> </a:t>
-            </a:r>
-            <a:r>
-              <a:rPr lang="de-DE" sz="2000" dirty="0" err="1"/>
-              <a:t>of</a:t>
-            </a:r>
-            <a:r>
-              <a:rPr lang="de-DE" sz="2000" dirty="0"/>
-              <a:t> </a:t>
-            </a:r>
-            <a:r>
-              <a:rPr lang="de-DE" sz="2000" dirty="0" err="1"/>
-              <a:t>the</a:t>
-            </a:r>
-            <a:r>
-              <a:rPr lang="de-DE" sz="2000" dirty="0"/>
-              <a:t> social </a:t>
-            </a:r>
-            <a:r>
-              <a:rPr lang="de-DE" sz="2000" dirty="0" err="1"/>
-              <a:t>sciences</a:t>
-            </a:r>
-            <a:r>
-              <a:rPr lang="de-DE" sz="2000" dirty="0"/>
-              <a:t>“ 	  </a:t>
-            </a:r>
-            <a:r>
-              <a:rPr lang="de-DE" sz="1000" dirty="0"/>
-              <a:t>(Allgemeine Bevölkerungsumfrage der Sozialwissenschaften)</a:t>
-            </a:r>
-          </a:p>
-          <a:p>
-            <a:r>
-              <a:rPr lang="de-DE" sz="2000" b="1" dirty="0"/>
-              <a:t>Response Variable</a:t>
-            </a:r>
-            <a:r>
-              <a:rPr lang="de-DE" sz="2000" dirty="0"/>
-              <a:t>:</a:t>
-            </a:r>
-          </a:p>
-          <a:p>
-            <a:pPr lvl="1"/>
-            <a:r>
-              <a:rPr lang="de-DE" sz="1800" dirty="0"/>
-              <a:t>„Federal </a:t>
-            </a:r>
-            <a:r>
-              <a:rPr lang="de-DE" sz="1800" dirty="0" err="1"/>
-              <a:t>state</a:t>
-            </a:r>
-            <a:r>
-              <a:rPr lang="de-DE" sz="1800" dirty="0"/>
-              <a:t> </a:t>
-            </a:r>
-            <a:r>
-              <a:rPr lang="de-DE" sz="1800" dirty="0" err="1"/>
-              <a:t>where</a:t>
-            </a:r>
-            <a:r>
-              <a:rPr lang="de-DE" sz="1800" dirty="0"/>
-              <a:t> </a:t>
-            </a:r>
-            <a:r>
-              <a:rPr lang="de-DE" sz="1800" dirty="0" err="1"/>
-              <a:t>interviewee</a:t>
-            </a:r>
-            <a:r>
-              <a:rPr lang="de-DE" sz="1800" dirty="0"/>
-              <a:t> </a:t>
-            </a:r>
-            <a:r>
-              <a:rPr lang="de-DE" sz="1800" dirty="0" err="1"/>
-              <a:t>lived</a:t>
-            </a:r>
-            <a:r>
-              <a:rPr lang="de-DE" sz="1800" dirty="0"/>
-              <a:t> in </a:t>
-            </a:r>
-            <a:r>
-              <a:rPr lang="de-DE" sz="1800" dirty="0" err="1"/>
-              <a:t>youth</a:t>
-            </a:r>
-            <a:r>
-              <a:rPr lang="de-DE" sz="1800" dirty="0"/>
-              <a:t>“</a:t>
-            </a:r>
-          </a:p>
-          <a:p>
-            <a:pPr lvl="1"/>
-            <a:r>
-              <a:rPr lang="de-DE" sz="1800" dirty="0" err="1">
-                <a:sym typeface="Wingdings" panose="05000000000000000000" pitchFamily="2" charset="2"/>
-              </a:rPr>
-              <a:t>coded</a:t>
-            </a:r>
-            <a:r>
-              <a:rPr lang="de-DE" sz="1800" dirty="0">
-                <a:sym typeface="Wingdings" panose="05000000000000000000" pitchFamily="2" charset="2"/>
-              </a:rPr>
-              <a:t> </a:t>
-            </a:r>
-            <a:r>
-              <a:rPr lang="de-DE" sz="1800" dirty="0" err="1">
-                <a:sym typeface="Wingdings" panose="05000000000000000000" pitchFamily="2" charset="2"/>
-              </a:rPr>
-              <a:t>to</a:t>
-            </a:r>
-            <a:r>
-              <a:rPr lang="de-DE" sz="1800" dirty="0">
-                <a:sym typeface="Wingdings" panose="05000000000000000000" pitchFamily="2" charset="2"/>
-              </a:rPr>
-              <a:t> „Youth in East/West Germany“</a:t>
-            </a:r>
-            <a:endParaRPr lang="de-DE" sz="1800" dirty="0"/>
-          </a:p>
-          <a:p>
-            <a:r>
-              <a:rPr lang="de-DE" sz="2000" b="1" dirty="0" err="1"/>
-              <a:t>Predictor</a:t>
-            </a:r>
-            <a:r>
-              <a:rPr lang="de-DE" sz="2000" b="1" dirty="0"/>
-              <a:t> Variables</a:t>
-            </a:r>
-            <a:r>
-              <a:rPr lang="de-DE" sz="2000" dirty="0"/>
-              <a:t>:</a:t>
-            </a:r>
-          </a:p>
-          <a:p>
-            <a:pPr lvl="1"/>
-            <a:r>
-              <a:rPr lang="de-DE" sz="1800" dirty="0"/>
-              <a:t>121 variables </a:t>
-            </a:r>
-            <a:r>
-              <a:rPr lang="de-DE" sz="1800" dirty="0" err="1"/>
-              <a:t>concerning</a:t>
-            </a:r>
-            <a:r>
-              <a:rPr lang="de-DE" sz="1800" dirty="0"/>
-              <a:t> </a:t>
-            </a:r>
-            <a:r>
-              <a:rPr lang="de-DE" sz="1800" dirty="0" err="1"/>
-              <a:t>attitudes</a:t>
-            </a:r>
-            <a:r>
-              <a:rPr lang="de-DE" sz="1800" dirty="0"/>
-              <a:t>, </a:t>
-            </a:r>
-            <a:r>
-              <a:rPr lang="de-DE" sz="1800" dirty="0" err="1"/>
-              <a:t>behavior</a:t>
-            </a:r>
-            <a:r>
-              <a:rPr lang="de-DE" sz="1800" dirty="0"/>
-              <a:t> and social </a:t>
-            </a:r>
-            <a:r>
-              <a:rPr lang="de-DE" sz="1800" dirty="0" err="1"/>
-              <a:t>change</a:t>
-            </a:r>
-            <a:endParaRPr lang="de-DE" sz="1800" dirty="0"/>
+            <a:endParaRPr lang="de-DE" sz="2000" dirty="0"/>
           </a:p>
         </p:txBody>
       </p:sp>
     </p:spTree>
     <p:extLst>
       <p:ext uri="{BB962C8B-B14F-4D97-AF65-F5344CB8AC3E}">
-        <p14:creationId xmlns:p14="http://schemas.microsoft.com/office/powerpoint/2010/main" val="2732348097"/>
+        <p14:creationId xmlns:p14="http://schemas.microsoft.com/office/powerpoint/2010/main" val="3746182716"/>
       </p:ext>
     </p:extLst>
   </p:cSld>
@@ -5802,6 +5838,276 @@
           <a:lstStyle/>
           <a:p>
             <a:r>
+              <a:rPr lang="de-DE" sz="2000" dirty="0"/>
+              <a:t>„General </a:t>
+            </a:r>
+            <a:r>
+              <a:rPr lang="de-DE" sz="2000" dirty="0" err="1"/>
+              <a:t>population</a:t>
+            </a:r>
+            <a:r>
+              <a:rPr lang="de-DE" sz="2000" dirty="0"/>
+              <a:t> </a:t>
+            </a:r>
+            <a:r>
+              <a:rPr lang="de-DE" sz="2000" dirty="0" err="1"/>
+              <a:t>survey</a:t>
+            </a:r>
+            <a:r>
+              <a:rPr lang="de-DE" sz="2000" dirty="0"/>
+              <a:t> </a:t>
+            </a:r>
+            <a:r>
+              <a:rPr lang="de-DE" sz="2000" dirty="0" err="1"/>
+              <a:t>of</a:t>
+            </a:r>
+            <a:r>
+              <a:rPr lang="de-DE" sz="2000" dirty="0"/>
+              <a:t> </a:t>
+            </a:r>
+            <a:r>
+              <a:rPr lang="de-DE" sz="2000" dirty="0" err="1"/>
+              <a:t>the</a:t>
+            </a:r>
+            <a:r>
+              <a:rPr lang="de-DE" sz="2000" dirty="0"/>
+              <a:t> social </a:t>
+            </a:r>
+            <a:r>
+              <a:rPr lang="de-DE" sz="2000" dirty="0" err="1"/>
+              <a:t>sciences</a:t>
+            </a:r>
+            <a:r>
+              <a:rPr lang="de-DE" sz="2000" dirty="0"/>
+              <a:t>“ 	  </a:t>
+            </a:r>
+            <a:r>
+              <a:rPr lang="de-DE" sz="1000" dirty="0"/>
+              <a:t>(Allgemeine Bevölkerungsumfrage der Sozialwissenschaften)</a:t>
+            </a:r>
+          </a:p>
+          <a:p>
+            <a:r>
+              <a:rPr lang="de-DE" sz="2000" b="1" dirty="0"/>
+              <a:t>Response Variable</a:t>
+            </a:r>
+            <a:r>
+              <a:rPr lang="de-DE" sz="2000" dirty="0"/>
+              <a:t>:</a:t>
+            </a:r>
+          </a:p>
+          <a:p>
+            <a:pPr lvl="1"/>
+            <a:r>
+              <a:rPr lang="de-DE" sz="1800" dirty="0"/>
+              <a:t>„Federal </a:t>
+            </a:r>
+            <a:r>
+              <a:rPr lang="de-DE" sz="1800" dirty="0" err="1"/>
+              <a:t>state</a:t>
+            </a:r>
+            <a:r>
+              <a:rPr lang="de-DE" sz="1800" dirty="0"/>
+              <a:t> </a:t>
+            </a:r>
+            <a:r>
+              <a:rPr lang="de-DE" sz="1800" dirty="0" err="1"/>
+              <a:t>where</a:t>
+            </a:r>
+            <a:r>
+              <a:rPr lang="de-DE" sz="1800" dirty="0"/>
+              <a:t> </a:t>
+            </a:r>
+            <a:r>
+              <a:rPr lang="de-DE" sz="1800" dirty="0" err="1"/>
+              <a:t>interviewee</a:t>
+            </a:r>
+            <a:r>
+              <a:rPr lang="de-DE" sz="1800" dirty="0"/>
+              <a:t> </a:t>
+            </a:r>
+            <a:r>
+              <a:rPr lang="de-DE" sz="1800" dirty="0" err="1"/>
+              <a:t>lived</a:t>
+            </a:r>
+            <a:r>
+              <a:rPr lang="de-DE" sz="1800" dirty="0"/>
+              <a:t> in </a:t>
+            </a:r>
+            <a:r>
+              <a:rPr lang="de-DE" sz="1800" dirty="0" err="1"/>
+              <a:t>youth</a:t>
+            </a:r>
+            <a:r>
+              <a:rPr lang="de-DE" sz="1800" dirty="0"/>
+              <a:t>“</a:t>
+            </a:r>
+          </a:p>
+          <a:p>
+            <a:pPr lvl="1"/>
+            <a:r>
+              <a:rPr lang="de-DE" sz="1800" dirty="0" err="1">
+                <a:sym typeface="Wingdings" panose="05000000000000000000" pitchFamily="2" charset="2"/>
+              </a:rPr>
+              <a:t>coded</a:t>
+            </a:r>
+            <a:r>
+              <a:rPr lang="de-DE" sz="1800" dirty="0">
+                <a:sym typeface="Wingdings" panose="05000000000000000000" pitchFamily="2" charset="2"/>
+              </a:rPr>
+              <a:t> </a:t>
+            </a:r>
+            <a:r>
+              <a:rPr lang="de-DE" sz="1800" dirty="0" err="1">
+                <a:sym typeface="Wingdings" panose="05000000000000000000" pitchFamily="2" charset="2"/>
+              </a:rPr>
+              <a:t>to</a:t>
+            </a:r>
+            <a:r>
+              <a:rPr lang="de-DE" sz="1800" dirty="0">
+                <a:sym typeface="Wingdings" panose="05000000000000000000" pitchFamily="2" charset="2"/>
+              </a:rPr>
+              <a:t> „Youth in East/West Germany“</a:t>
+            </a:r>
+            <a:endParaRPr lang="de-DE" sz="1800" dirty="0"/>
+          </a:p>
+          <a:p>
+            <a:r>
+              <a:rPr lang="de-DE" sz="2000" b="1" dirty="0" err="1"/>
+              <a:t>Predictor</a:t>
+            </a:r>
+            <a:r>
+              <a:rPr lang="de-DE" sz="2000" b="1" dirty="0"/>
+              <a:t> Variables</a:t>
+            </a:r>
+            <a:r>
+              <a:rPr lang="de-DE" sz="2000" dirty="0"/>
+              <a:t>:</a:t>
+            </a:r>
+          </a:p>
+          <a:p>
+            <a:pPr lvl="1"/>
+            <a:r>
+              <a:rPr lang="de-DE" sz="1800" dirty="0"/>
+              <a:t>121 variables </a:t>
+            </a:r>
+            <a:r>
+              <a:rPr lang="de-DE" sz="1800" dirty="0" err="1"/>
+              <a:t>concerning</a:t>
+            </a:r>
+            <a:r>
+              <a:rPr lang="de-DE" sz="1800" dirty="0"/>
+              <a:t> </a:t>
+            </a:r>
+            <a:r>
+              <a:rPr lang="de-DE" sz="1800" dirty="0" err="1"/>
+              <a:t>attitudes</a:t>
+            </a:r>
+            <a:r>
+              <a:rPr lang="de-DE" sz="1800" dirty="0"/>
+              <a:t>, </a:t>
+            </a:r>
+            <a:r>
+              <a:rPr lang="de-DE" sz="1800" dirty="0" err="1"/>
+              <a:t>behavior</a:t>
+            </a:r>
+            <a:r>
+              <a:rPr lang="de-DE" sz="1800" dirty="0"/>
+              <a:t> and social </a:t>
+            </a:r>
+            <a:r>
+              <a:rPr lang="de-DE" sz="1800" dirty="0" err="1"/>
+              <a:t>change</a:t>
+            </a:r>
+            <a:endParaRPr lang="de-DE" sz="1800" dirty="0"/>
+          </a:p>
+        </p:txBody>
+      </p:sp>
+    </p:spTree>
+    <p:extLst>
+      <p:ext uri="{BB962C8B-B14F-4D97-AF65-F5344CB8AC3E}">
+        <p14:creationId xmlns:p14="http://schemas.microsoft.com/office/powerpoint/2010/main" val="2732348097"/>
+      </p:ext>
+    </p:extLst>
+  </p:cSld>
+  <p:clrMapOvr>
+    <a:masterClrMapping/>
+  </p:clrMapOvr>
+</p:sld>
+</file>
+
+<file path=ppt/slides/slide17.xml><?xml version="1.0" encoding="utf-8"?>
+<p:sld xmlns:a="http://schemas.openxmlformats.org/drawingml/2006/main" xmlns:r="http://schemas.openxmlformats.org/officeDocument/2006/relationships" xmlns:p="http://schemas.openxmlformats.org/presentationml/2006/main">
+  <p:cSld>
+    <p:spTree>
+      <p:nvGrpSpPr>
+        <p:cNvPr id="1" name=""/>
+        <p:cNvGrpSpPr/>
+        <p:nvPr/>
+      </p:nvGrpSpPr>
+      <p:grpSpPr>
+        <a:xfrm>
+          <a:off x="0" y="0"/>
+          <a:ext cx="0" cy="0"/>
+          <a:chOff x="0" y="0"/>
+          <a:chExt cx="0" cy="0"/>
+        </a:xfrm>
+      </p:grpSpPr>
+      <p:sp>
+        <p:nvSpPr>
+          <p:cNvPr id="2" name="Titel 1">
+            <a:extLst>
+              <a:ext uri="{FF2B5EF4-FFF2-40B4-BE49-F238E27FC236}">
+                <a16:creationId xmlns:a16="http://schemas.microsoft.com/office/drawing/2014/main" id="{9C274E31-D4F7-6C4A-D81C-1BC18A1044AE}"/>
+              </a:ext>
+            </a:extLst>
+          </p:cNvPr>
+          <p:cNvSpPr>
+            <a:spLocks noGrp="1"/>
+          </p:cNvSpPr>
+          <p:nvPr>
+            <p:ph type="title"/>
+          </p:nvPr>
+        </p:nvSpPr>
+        <p:spPr/>
+        <p:txBody>
+          <a:bodyPr/>
+          <a:lstStyle/>
+          <a:p>
+            <a:r>
+              <a:rPr lang="de-DE" dirty="0"/>
+              <a:t>Dataset: ALLBUS</a:t>
+            </a:r>
+          </a:p>
+        </p:txBody>
+      </p:sp>
+      <p:sp>
+        <p:nvSpPr>
+          <p:cNvPr id="3" name="Inhaltsplatzhalter 2">
+            <a:extLst>
+              <a:ext uri="{FF2B5EF4-FFF2-40B4-BE49-F238E27FC236}">
+                <a16:creationId xmlns:a16="http://schemas.microsoft.com/office/drawing/2014/main" id="{A6EE175B-F110-2231-4746-FB0A5137CFF3}"/>
+              </a:ext>
+            </a:extLst>
+          </p:cNvPr>
+          <p:cNvSpPr>
+            <a:spLocks noGrp="1"/>
+          </p:cNvSpPr>
+          <p:nvPr>
+            <p:ph idx="1"/>
+          </p:nvPr>
+        </p:nvSpPr>
+        <p:spPr>
+          <a:xfrm>
+            <a:off x="395536" y="1353344"/>
+            <a:ext cx="7344816" cy="3162622"/>
+          </a:xfrm>
+        </p:spPr>
+        <p:txBody>
+          <a:bodyPr/>
+          <a:lstStyle/>
+          <a:p>
+            <a:r>
               <a:rPr lang="de-DE" sz="2000" b="1" dirty="0"/>
               <a:t>Data </a:t>
             </a:r>
@@ -5940,7 +6246,7 @@
 </p:sld>
 </file>
 
-<file path=ppt/slides/slide17.xml><?xml version="1.0" encoding="utf-8"?>
+<file path=ppt/slides/slide18.xml><?xml version="1.0" encoding="utf-8"?>
 <p:sld xmlns:a="http://schemas.openxmlformats.org/drawingml/2006/main" xmlns:r="http://schemas.openxmlformats.org/officeDocument/2006/relationships" xmlns:p="http://schemas.openxmlformats.org/presentationml/2006/main">
   <p:cSld>
     <p:spTree>
@@ -6070,7 +6376,7 @@
 </p:sld>
 </file>
 
-<file path=ppt/slides/slide18.xml><?xml version="1.0" encoding="utf-8"?>
+<file path=ppt/slides/slide19.xml><?xml version="1.0" encoding="utf-8"?>
 <p:sld xmlns:a="http://schemas.openxmlformats.org/drawingml/2006/main" xmlns:r="http://schemas.openxmlformats.org/officeDocument/2006/relationships" xmlns:p="http://schemas.openxmlformats.org/presentationml/2006/main">
   <p:cSld>
     <p:spTree>
@@ -7912,10 +8218,10 @@
       </p:sp>
       <p:pic>
         <p:nvPicPr>
-          <p:cNvPr id="6" name="Grafik 5" descr="\documentclass[20pt]{article}&#10;\usepackage{amsmath,amsfonts,amssymb,xcolor, mathtools}&#10;\pagestyle{empty}&#10;\usepackage[T1]{fontenc}&#10;\usepackage{fontspec}&#10;\setsansfont{Arial}&#10;\renewcommand\familydefault{\sfdefault}&#10;\begin{document}&#10;\begin{itemize}&#10;\item consider $x^+ \rightarrow$ vector to a \newline postive sample lying on the gutter&#10;\item to measure the \textcolor{magenta}{width} of the margin  \newline&#10;$(x^+ -x^-)$ is Projected on the unit \newline&#10;vector of $\beta$ &#10;\item $M=(x^+ -x^-)\cdot \frac{\beta}{||\beta||}=\frac{\beta x^+ -\beta x^-}{||\beta||}$&#10;&#10;\end{itemize}&#10;&#10;\end{document}" title="IguanaTex Picture Display">
+          <p:cNvPr id="7" name="Grafik 6" descr="\documentclass[20pt]{article}&#10;\usepackage{amsmath,amsfonts,amssymb,xcolor, mathtools}&#10;\pagestyle{empty}&#10;\usepackage[T1]{fontenc}&#10;\usepackage{fontspec}&#10;\setsansfont{Arial}&#10;\renewcommand\familydefault{\sfdefault}&#10;\begin{document}&#10;\begin{itemize}&#10;\item consider $x^+ \rightarrow$ vector to a \newline postive sample lying on the gutter \newline&#10;($x^- \rightarrow$ negative sample on gutter)&#10;\item to measure the \textcolor{magenta}{width} of the margin  \newline&#10;$(x^+ -x^-)$ is Projected on the unit \newline&#10;vector of $\beta$ &#10;\item $M=(x^+ -x^-)\cdot \frac{\beta}{||\beta||}=\frac{\beta x^+ -\beta x^-}{||\beta||}$&#10;&#10;\end{itemize}&#10;&#10;\end{document}" title="IguanaTex Picture Display">
             <a:extLst>
               <a:ext uri="{FF2B5EF4-FFF2-40B4-BE49-F238E27FC236}">
-                <a16:creationId xmlns:a16="http://schemas.microsoft.com/office/drawing/2014/main" id="{4FB258AB-A900-DFBA-CB32-3FC4EC64818C}"/>
+                <a16:creationId xmlns:a16="http://schemas.microsoft.com/office/drawing/2014/main" id="{A8331EF8-F198-BD0D-88A5-998FB508D2D0}"/>
               </a:ext>
             </a:extLst>
           </p:cNvPr>
@@ -7942,8 +8248,8 @@
         </p:blipFill>
         <p:spPr>
           <a:xfrm>
-            <a:off x="720858" y="1707657"/>
-            <a:ext cx="3667122" cy="2118162"/>
+            <a:off x="755576" y="1485453"/>
+            <a:ext cx="3667234" cy="2399012"/>
           </a:xfrm>
           <a:prstGeom prst="rect">
             <a:avLst/>
@@ -8087,10 +8393,10 @@
       </p:sp>
       <p:pic>
         <p:nvPicPr>
-          <p:cNvPr id="14" name="Grafik 13" descr="\documentclass[20pt]{article}&#10;\usepackage{amsmath,amsfonts,amssymb,xcolor, mathtools}&#10;\pagestyle{empty}&#10;\usepackage[T1]{fontenc}&#10;\usepackage{fontspec}&#10;\setsansfont{Arial}&#10;\renewcommand\familydefault{\sfdefault}&#10;\begin{document}&#10;\begin{itemize}&#10;\item for a positive sample laying on the gutter \newline&#10;we know $\beta x^+ +\beta_0 = 1 \Leftrightarrow \beta x^+=1-\beta_0$ &#10;\item conversely for a negativ sample on the gutter \newline&#10;$\beta x^- +\beta_0 = -1 \Leftrightarrow \beta x^+=-1-\beta_0$&#10;\item imputed in the derived formula for the width\newline&#10;$\rightarrow \frac{1-\beta_0-(-1-\beta_0)}{||\beta||}=\frac{2}{||\beta||}$&#10;\item which is changed to $\frac{1}{2} ||\beta||^2$ for the \newline minimization&#10;\end{itemize}&#10;&#10;\end{document}" title="IguanaTex Picture Display">
+          <p:cNvPr id="4" name="Grafik 3" descr="\documentclass[20pt]{article}&#10;\usepackage{amsmath,amsfonts,amssymb,xcolor, mathtools}&#10;\pagestyle{empty}&#10;\usepackage[T1]{fontenc}&#10;\usepackage{fontspec}&#10;\setsansfont{Arial}&#10;\renewcommand\familydefault{\sfdefault}&#10;\begin{document}&#10;\begin{itemize}&#10;\item for a positive sample laying on the gutter \newline&#10;we know $\beta x^+ +\beta_0 = 1 \Leftrightarrow \beta x^+=1-\beta_0$ &#10;\item conversely for a negativ sample on the gutter \newline&#10;$\beta x^- +\beta_0 = -1 \Leftrightarrow \beta x^+=-1-\beta_0$&#10;\item imputed in the derived formula for the width\newline&#10;$\rightarrow \frac{1-\beta_0-(-1-\beta_0)}{||\beta||}=\frac{2}{||\beta||}$&#10;\item which is changed to $\frac{1}{2} ||\beta||^2=\frac{1}{2} \beta ' \beta$ for the \newline minimization&#10;\end{itemize}&#10;&#10;\end{document}" title="IguanaTex Picture Display">
             <a:extLst>
               <a:ext uri="{FF2B5EF4-FFF2-40B4-BE49-F238E27FC236}">
-                <a16:creationId xmlns:a16="http://schemas.microsoft.com/office/drawing/2014/main" id="{103937DF-EA0B-3A26-A354-FDD0289EF375}"/>
+                <a16:creationId xmlns:a16="http://schemas.microsoft.com/office/drawing/2014/main" id="{728AC3AA-308A-EDE4-7AF9-8D77074AC095}"/>
               </a:ext>
             </a:extLst>
           </p:cNvPr>
@@ -8118,7 +8424,7 @@
         <p:spPr>
           <a:xfrm>
             <a:off x="683568" y="1419622"/>
-            <a:ext cx="4724875" cy="2781660"/>
+            <a:ext cx="4725991" cy="2783453"/>
           </a:xfrm>
           <a:prstGeom prst="rect">
             <a:avLst/>
@@ -8181,13 +8487,13 @@
 <file path=ppt/tags/tag3.xml><?xml version="1.0" encoding="utf-8"?>
 <p:tagLst xmlns:a="http://schemas.openxmlformats.org/drawingml/2006/main" xmlns:r="http://schemas.openxmlformats.org/officeDocument/2006/relationships" xmlns:p="http://schemas.openxmlformats.org/presentationml/2006/main">
   <p:tag name="OUTPUTDPI" val="1200"/>
-  <p:tag name="ORIGINALHEIGHT" val="1134,908"/>
+  <p:tag name="ORIGINALHEIGHT" val="1284,179"/>
   <p:tag name="ORIGINALWIDTH" val="2011,031"/>
   <p:tag name="OUTPUTTYPE" val="PNG"/>
   <p:tag name="IGUANATEXVERSION" val="161"/>
-  <p:tag name="LATEXADDIN" val="\documentclass[20pt]{article}&#10;\usepackage{amsmath,amsfonts,amssymb,xcolor, mathtools}&#10;\pagestyle{empty}&#10;\usepackage[T1]{fontenc}&#10;\usepackage{fontspec}&#10;\setsansfont{Arial}&#10;\renewcommand\familydefault{\sfdefault}&#10;\begin{document}&#10;\begin{itemize}&#10;\item consider $x^+ \rightarrow$ vector to a \newline postive sample lying on the gutter&#10;\item to measure the \textcolor{magenta}{width} of the margin  \newline&#10;$(x^+ -x^-)$ is Projected on the unit \newline&#10;vector of $\beta$ &#10;\item $M=(x^+ -x^-)\cdot \frac{\beta}{||\beta||}=\frac{\beta x^+ -\beta x^-}{||\beta||}$&#10;&#10;\end{itemize}&#10;&#10;\end{document}"/>
+  <p:tag name="LATEXADDIN" val="\documentclass[20pt]{article}&#10;\usepackage{amsmath,amsfonts,amssymb,xcolor, mathtools}&#10;\pagestyle{empty}&#10;\usepackage[T1]{fontenc}&#10;\usepackage{fontspec}&#10;\setsansfont{Arial}&#10;\renewcommand\familydefault{\sfdefault}&#10;\begin{document}&#10;\begin{itemize}&#10;\item consider $x^+ \rightarrow$ vector to a \newline postive sample lying on the gutter \newline&#10;($x^- \rightarrow$ negative sample on gutter)&#10;\item to measure the \textcolor{magenta}{width} of the margin  \newline&#10;$(x^+ -x^-)$ is Projected on the unit \newline&#10;vector of $\beta$ &#10;\item $M=(x^+ -x^-)\cdot \frac{\beta}{||\beta||}=\frac{\beta x^+ -\beta x^-}{||\beta||}$&#10;&#10;\end{itemize}&#10;&#10;\end{document}"/>
   <p:tag name="IGUANATEXSIZE" val="18"/>
-  <p:tag name="IGUANATEXCURSOR" val="558"/>
+  <p:tag name="IGUANATEXCURSOR" val="387"/>
   <p:tag name="TRANSPARENCY" val="Wahr"/>
   <p:tag name="LATEXENGINEID" val="2"/>
   <p:tag name="TEMPFOLDER" val="E:\Dokumente\temp\"/>
@@ -8205,9 +8511,9 @@
   <p:tag name="ORIGINALWIDTH" val="2588,611"/>
   <p:tag name="OUTPUTTYPE" val="PNG"/>
   <p:tag name="IGUANATEXVERSION" val="161"/>
-  <p:tag name="LATEXADDIN" val="\documentclass[20pt]{article}&#10;\usepackage{amsmath,amsfonts,amssymb,xcolor, mathtools}&#10;\pagestyle{empty}&#10;\usepackage[T1]{fontenc}&#10;\usepackage{fontspec}&#10;\setsansfont{Arial}&#10;\renewcommand\familydefault{\sfdefault}&#10;\begin{document}&#10;\begin{itemize}&#10;\item for a positive sample laying on the gutter \newline&#10;we know $\beta x^+ +\beta_0 = 1 \Leftrightarrow \beta x^+=1-\beta_0$ &#10;\item conversely for a negativ sample on the gutter \newline&#10;$\beta x^- +\beta_0 = -1 \Leftrightarrow \beta x^+=-1-\beta_0$&#10;\item imputed in the derived formula for the width\newline&#10;$\rightarrow \frac{1-\beta_0-(-1-\beta_0)}{||\beta||}=\frac{2}{||\beta||}$&#10;\item which is changed to $\frac{1}{2} ||\beta||^2$ for the \newline minimization&#10;\end{itemize}&#10;&#10;\end{document}"/>
+  <p:tag name="LATEXADDIN" val="\documentclass[20pt]{article}&#10;\usepackage{amsmath,amsfonts,amssymb,xcolor, mathtools}&#10;\pagestyle{empty}&#10;\usepackage[T1]{fontenc}&#10;\usepackage{fontspec}&#10;\setsansfont{Arial}&#10;\renewcommand\familydefault{\sfdefault}&#10;\begin{document}&#10;\begin{itemize}&#10;\item for a positive sample laying on the gutter \newline&#10;we know $\beta x^+ +\beta_0 = 1 \Leftrightarrow \beta x^+=1-\beta_0$ &#10;\item conversely for a negativ sample on the gutter \newline&#10;$\beta x^- +\beta_0 = -1 \Leftrightarrow \beta x^+=-1-\beta_0$&#10;\item imputed in the derived formula for the width\newline&#10;$\rightarrow \frac{1-\beta_0-(-1-\beta_0)}{||\beta||}=\frac{2}{||\beta||}$&#10;\item which is changed to $\frac{1}{2} ||\beta||^2=\frac{1}{2} \beta ' \beta$ for the \newline minimization&#10;\end{itemize}&#10;&#10;\end{document}"/>
   <p:tag name="IGUANATEXSIZE" val="18"/>
-  <p:tag name="IGUANATEXCURSOR" val="711"/>
+  <p:tag name="IGUANATEXCURSOR" val="706"/>
   <p:tag name="TRANSPARENCY" val="Wahr"/>
   <p:tag name="LATEXENGINEID" val="2"/>
   <p:tag name="TEMPFOLDER" val="E:\Dokumente\temp\"/>
@@ -8221,13 +8527,13 @@
 <file path=ppt/tags/tag5.xml><?xml version="1.0" encoding="utf-8"?>
 <p:tagLst xmlns:a="http://schemas.openxmlformats.org/drawingml/2006/main" xmlns:r="http://schemas.openxmlformats.org/officeDocument/2006/relationships" xmlns:p="http://schemas.openxmlformats.org/presentationml/2006/main">
   <p:tag name="OUTPUTDPI" val="1200"/>
-  <p:tag name="ORIGINALHEIGHT" val="1414,697"/>
+  <p:tag name="ORIGINALHEIGHT" val="1170,163"/>
   <p:tag name="ORIGINALWIDTH" val="4088,821"/>
   <p:tag name="OUTPUTTYPE" val="PNG"/>
   <p:tag name="IGUANATEXVERSION" val="161"/>
-  <p:tag name="LATEXADDIN" val="\documentclass[20pt]{article}&#10;\usepackage{amsmath,amsfonts,amssymb,xcolor, mathtools}&#10;\pagestyle{empty}&#10;\usepackage[T1]{fontenc}&#10;\usepackage{fontspec}&#10;\setsansfont{Arial}&#10;\renewcommand\familydefault{\sfdefault}&#10;\begin{document}&#10;\begin{itemize}&#10;\item for the maximization the constraints that   $\beta \cdot x+\beta_0\ge 1$ for \textcolor{red}{positive} \newline and ($\beta \cdot x+\beta_0\le -1$) for \textcolor{green}{negative} are still to respect&#10;&#10;\item goal: merge both constraints in one&#10;\item introduce new variable $y$ with $y=1$ for positive samples and $y=-1$ for negative samples&#10;\item leading to constraint $y(\beta x+\beta_0)\ge 1$&#10;\item Maximization over Lagrange Multiplier &#10;\end{itemize}&#10;\end{document}"/>
+  <p:tag name="LATEXADDIN" val="\documentclass[20pt]{article}&#10;\usepackage{amsmath,amsfonts,amssymb,xcolor, mathtools}&#10;\pagestyle{empty}&#10;\usepackage[T1]{fontenc}&#10;\usepackage{fontspec}&#10;\setsansfont{Arial}&#10;\renewcommand\familydefault{\sfdefault}&#10;\begin{document}&#10;\begin{itemize}&#10;\item for the maximization the constraints that   $\beta \cdot x+\beta_0\ge 1$ for \textcolor{red}{positive} \newline and ($\beta \cdot x+\beta_0\le -1$) for \textcolor{green}{negative} are still to respect&#10;&#10;\item goal: merge both constraints in one&#10;\item introduce new variable $y$ with $y=1$ for positive samples and $y=-1$ for negative samples&#10;\item leading to constraint $y(\beta x+\beta_0)\ge 1$&#10;\end{itemize}&#10;\end{document}"/>
   <p:tag name="IGUANATEXSIZE" val="18"/>
-  <p:tag name="IGUANATEXCURSOR" val="688"/>
+  <p:tag name="IGUANATEXCURSOR" val="644"/>
   <p:tag name="TRANSPARENCY" val="Wahr"/>
   <p:tag name="LATEXENGINEID" val="2"/>
   <p:tag name="TEMPFOLDER" val="E:\Dokumente\temp\"/>
@@ -8241,13 +8547,33 @@
 <file path=ppt/tags/tag6.xml><?xml version="1.0" encoding="utf-8"?>
 <p:tagLst xmlns:a="http://schemas.openxmlformats.org/drawingml/2006/main" xmlns:r="http://schemas.openxmlformats.org/officeDocument/2006/relationships" xmlns:p="http://schemas.openxmlformats.org/presentationml/2006/main">
   <p:tag name="OUTPUTDPI" val="1200"/>
-  <p:tag name="ORIGINALHEIGHT" val="1414,697"/>
-  <p:tag name="ORIGINALWIDTH" val="4088,821"/>
+  <p:tag name="ORIGINALHEIGHT" val="1160,412"/>
+  <p:tag name="ORIGINALWIDTH" val="3032,673"/>
   <p:tag name="OUTPUTTYPE" val="PNG"/>
   <p:tag name="IGUANATEXVERSION" val="161"/>
-  <p:tag name="LATEXADDIN" val="\documentclass[20pt]{article}&#10;\usepackage{amsmath,amsfonts,amssymb,xcolor, mathtools}&#10;\pagestyle{empty}&#10;\usepackage[T1]{fontenc}&#10;\usepackage{fontspec}&#10;\setsansfont{Arial}&#10;\renewcommand\familydefault{\sfdefault}&#10;\begin{document}&#10;\begin{itemize}&#10;\item for the maximization the constraints that   $\beta \cdot x+\beta_0\ge 1$ for \textcolor{red}{positive} \newline and ($\beta \cdot x+\beta_0\le -1$) for \textcolor{green}{negative} are still to respect&#10;&#10;\item goal: merge both constraints in one&#10;\item introduce new variable $y$ with $y=1$ for positive samples and $y=-1$ for negative samples&#10;\item leading to constraint $y(\beta x+\beta_0)\ge 1$&#10;\item Maximization over Lagrange Multiplier &#10;\end{itemize}&#10;\end{document}"/>
+  <p:tag name="LATEXADDIN" val="\documentclass[20pt]{article}&#10;\usepackage{amsmath,amsfonts,amssymb,xcolor, mathtools}&#10;\pagestyle{empty}&#10;\usepackage[T1]{fontenc}&#10;\usepackage{fontspec}&#10;\setsansfont{Arial}&#10;\renewcommand\familydefault{\sfdefault}&#10;\begin{document}&#10;\begin{itemize}&#10;\item Maximization with constraints $\rightarrow$ Lagrange Multipliers\newline&#10;$\mathcal{L}(\beta,x,\beta_0)=\frac{1}{2}\beta ' \beta-\sum \alpha_i[y_i(\beta \cdot x_i+\beta_0)-1]$&#10;\item derive with respect to $\beta$  and set to zero\newline&#10;$\frac{\partial \mathcal{L}}{\partial \beta}=\beta-\sum \alpha_i y_i x_i\overset{!}{=}0 \Rightarrow \beta=\sum \alpha_i y_i x_i $&#10;\item derive with respect to $\beta_0$ and set to zero&#10;\newline $\frac{\partial \mathcal{L}}{\partial \beta_0}=\sum \alpha_i y_i x_i\overset{!}{=}0$&#10;\end{itemize}&#10;\end{document}"/>
   <p:tag name="IGUANATEXSIZE" val="18"/>
-  <p:tag name="IGUANATEXCURSOR" val="688"/>
+  <p:tag name="IGUANATEXCURSOR" val="377"/>
+  <p:tag name="TRANSPARENCY" val="Wahr"/>
+  <p:tag name="LATEXENGINEID" val="2"/>
+  <p:tag name="TEMPFOLDER" val="E:\Dokumente\temp\"/>
+  <p:tag name="LATEXFORMHEIGHT" val="320"/>
+  <p:tag name="LATEXFORMWIDTH" val="385"/>
+  <p:tag name="LATEXFORMWRAP" val="Wahr"/>
+  <p:tag name="BITMAPVECTOR" val="0"/>
+</p:tagLst>
+</file>
+
+<file path=ppt/tags/tag7.xml><?xml version="1.0" encoding="utf-8"?>
+<p:tagLst xmlns:a="http://schemas.openxmlformats.org/drawingml/2006/main" xmlns:r="http://schemas.openxmlformats.org/officeDocument/2006/relationships" xmlns:p="http://schemas.openxmlformats.org/presentationml/2006/main">
+  <p:tag name="OUTPUTDPI" val="1200"/>
+  <p:tag name="ORIGINALHEIGHT" val="285,7899"/>
+  <p:tag name="ORIGINALWIDTH" val="3409,226"/>
+  <p:tag name="OUTPUTTYPE" val="PNG"/>
+  <p:tag name="IGUANATEXVERSION" val="161"/>
+  <p:tag name="LATEXADDIN" val="\documentclass[20pt]{article}&#10;\usepackage{amsmath,amsfonts,amssymb,xcolor, mathtools}&#10;\pagestyle{empty}&#10;\usepackage[T1]{fontenc}&#10;\usepackage{fontspec}&#10;\setsansfont{Arial}&#10;\renewcommand\familydefault{\sfdefault}&#10;\begin{document}&#10;\begin{itemize}&#10;\item replace the derived beta in the original maximaztion function\newline&#10;$\frac{1}{2}\sum \alpha_i y_i x_i \sum \alpha_i y_i x_i-\sum y_i\sum \alpha_i y_i x_i x_i \alpha_i+y_i \beta_0 \alpha_i-\alpha_i$&#10;\end{itemize}&#10;&#10;\end{document}"/>
+  <p:tag name="IGUANATEXSIZE" val="18"/>
+  <p:tag name="IGUANATEXCURSOR" val="405"/>
   <p:tag name="TRANSPARENCY" val="Wahr"/>
   <p:tag name="LATEXENGINEID" val="2"/>
   <p:tag name="TEMPFOLDER" val="E:\Dokumente\temp\"/>

--- a/Präsentation/Support Vector Machines.pptx
+++ b/Präsentation/Support Vector Machines.pptx
@@ -5,7 +5,7 @@
     <p:sldMasterId id="2147483648" r:id="rId1"/>
   </p:sldMasterIdLst>
   <p:notesMasterIdLst>
-    <p:notesMasterId r:id="rId21"/>
+    <p:notesMasterId r:id="rId22"/>
   </p:notesMasterIdLst>
   <p:sldIdLst>
     <p:sldId id="256" r:id="rId2"/>
@@ -20,13 +20,14 @@
     <p:sldId id="273" r:id="rId11"/>
     <p:sldId id="274" r:id="rId12"/>
     <p:sldId id="275" r:id="rId13"/>
-    <p:sldId id="264" r:id="rId14"/>
-    <p:sldId id="265" r:id="rId15"/>
-    <p:sldId id="266" r:id="rId16"/>
-    <p:sldId id="261" r:id="rId17"/>
-    <p:sldId id="267" r:id="rId18"/>
-    <p:sldId id="262" r:id="rId19"/>
-    <p:sldId id="263" r:id="rId20"/>
+    <p:sldId id="276" r:id="rId14"/>
+    <p:sldId id="264" r:id="rId15"/>
+    <p:sldId id="265" r:id="rId16"/>
+    <p:sldId id="266" r:id="rId17"/>
+    <p:sldId id="261" r:id="rId18"/>
+    <p:sldId id="267" r:id="rId19"/>
+    <p:sldId id="262" r:id="rId20"/>
+    <p:sldId id="263" r:id="rId21"/>
   </p:sldIdLst>
   <p:sldSz cx="9144000" cy="5143500" type="screen16x9"/>
   <p:notesSz cx="6797675" cy="9926638"/>
@@ -166,7 +167,7 @@
 <file path=ppt/revisionInfo.xml><?xml version="1.0" encoding="utf-8"?>
 <p1510:revInfo xmlns:a="http://schemas.openxmlformats.org/drawingml/2006/main" xmlns:r="http://schemas.openxmlformats.org/officeDocument/2006/relationships" xmlns:p1510="http://schemas.microsoft.com/office/powerpoint/2015/10/main">
   <p1510:revLst>
-    <p1510:client id="{AB1E0CFC-1C57-4A1E-92D1-DAC8DD9182A6}" v="1156" dt="2024-06-27T13:06:10.065"/>
+    <p1510:client id="{AB1E0CFC-1C57-4A1E-92D1-DAC8DD9182A6}" v="1518" dt="2024-06-27T18:24:32.944"/>
   </p1510:revLst>
 </p1510:revInfo>
 </file>
@@ -176,10 +177,25 @@
   <pc:docChgLst>
     <pc:chgData name="Franz Andersch" userId="88b46490-1a31-494c-af6b-e252cc2a642d" providerId="ADAL" clId="{AB1E0CFC-1C57-4A1E-92D1-DAC8DD9182A6}"/>
     <pc:docChg chg="undo redo custSel addSld delSld modSld sldOrd">
-      <pc:chgData name="Franz Andersch" userId="88b46490-1a31-494c-af6b-e252cc2a642d" providerId="ADAL" clId="{AB1E0CFC-1C57-4A1E-92D1-DAC8DD9182A6}" dt="2024-06-27T13:06:10.065" v="2215" actId="962"/>
+      <pc:chgData name="Franz Andersch" userId="88b46490-1a31-494c-af6b-e252cc2a642d" providerId="ADAL" clId="{AB1E0CFC-1C57-4A1E-92D1-DAC8DD9182A6}" dt="2024-06-27T18:48:13.389" v="2836" actId="1076"/>
       <pc:docMkLst>
         <pc:docMk/>
       </pc:docMkLst>
+      <pc:sldChg chg="modSp mod">
+        <pc:chgData name="Franz Andersch" userId="88b46490-1a31-494c-af6b-e252cc2a642d" providerId="ADAL" clId="{AB1E0CFC-1C57-4A1E-92D1-DAC8DD9182A6}" dt="2024-06-27T18:48:13.389" v="2836" actId="1076"/>
+        <pc:sldMkLst>
+          <pc:docMk/>
+          <pc:sldMk cId="3748176770" sldId="260"/>
+        </pc:sldMkLst>
+        <pc:spChg chg="mod">
+          <ac:chgData name="Franz Andersch" userId="88b46490-1a31-494c-af6b-e252cc2a642d" providerId="ADAL" clId="{AB1E0CFC-1C57-4A1E-92D1-DAC8DD9182A6}" dt="2024-06-27T18:48:13.389" v="2836" actId="1076"/>
+          <ac:spMkLst>
+            <pc:docMk/>
+            <pc:sldMk cId="3748176770" sldId="260"/>
+            <ac:spMk id="3" creationId="{B6EBCD5F-A998-E34B-B609-7A4D246D72F7}"/>
+          </ac:spMkLst>
+        </pc:spChg>
+      </pc:sldChg>
       <pc:sldChg chg="addSp delSp modSp add mod">
         <pc:chgData name="Franz Andersch" userId="88b46490-1a31-494c-af6b-e252cc2a642d" providerId="ADAL" clId="{AB1E0CFC-1C57-4A1E-92D1-DAC8DD9182A6}" dt="2024-06-26T21:01:42.627" v="853" actId="1076"/>
         <pc:sldMkLst>
@@ -491,11 +507,19 @@
         </pc:picChg>
       </pc:sldChg>
       <pc:sldChg chg="addSp delSp modSp add mod">
-        <pc:chgData name="Franz Andersch" userId="88b46490-1a31-494c-af6b-e252cc2a642d" providerId="ADAL" clId="{AB1E0CFC-1C57-4A1E-92D1-DAC8DD9182A6}" dt="2024-06-27T09:10:09.592" v="1703" actId="1076"/>
+        <pc:chgData name="Franz Andersch" userId="88b46490-1a31-494c-af6b-e252cc2a642d" providerId="ADAL" clId="{AB1E0CFC-1C57-4A1E-92D1-DAC8DD9182A6}" dt="2024-06-27T17:36:32.374" v="2397" actId="962"/>
         <pc:sldMkLst>
           <pc:docMk/>
           <pc:sldMk cId="2902806685" sldId="270"/>
         </pc:sldMkLst>
+        <pc:picChg chg="del mod ord replST">
+          <ac:chgData name="Franz Andersch" userId="88b46490-1a31-494c-af6b-e252cc2a642d" providerId="ADAL" clId="{AB1E0CFC-1C57-4A1E-92D1-DAC8DD9182A6}" dt="2024-06-27T17:36:32.373" v="2395" actId="478"/>
+          <ac:picMkLst>
+            <pc:docMk/>
+            <pc:sldMk cId="2902806685" sldId="270"/>
+            <ac:picMk id="4" creationId="{B51D5634-7DEA-040B-C3C2-1974F21B9449}"/>
+          </ac:picMkLst>
+        </pc:picChg>
         <pc:picChg chg="del mod ord replST">
           <ac:chgData name="Franz Andersch" userId="88b46490-1a31-494c-af6b-e252cc2a642d" providerId="ADAL" clId="{AB1E0CFC-1C57-4A1E-92D1-DAC8DD9182A6}" dt="2024-06-26T21:41:37.626" v="1127" actId="478"/>
           <ac:picMkLst>
@@ -520,6 +544,14 @@
             <ac:picMk id="4" creationId="{F6935AFB-8A21-043A-0B64-A0DD5D619F6E}"/>
           </ac:picMkLst>
         </pc:picChg>
+        <pc:picChg chg="mod ord replST">
+          <ac:chgData name="Franz Andersch" userId="88b46490-1a31-494c-af6b-e252cc2a642d" providerId="ADAL" clId="{AB1E0CFC-1C57-4A1E-92D1-DAC8DD9182A6}" dt="2024-06-27T17:36:32.374" v="2397" actId="962"/>
+          <ac:picMkLst>
+            <pc:docMk/>
+            <pc:sldMk cId="2902806685" sldId="270"/>
+            <ac:picMk id="6" creationId="{19F18647-D3FC-29E5-A5FE-9CEA64B812DB}"/>
+          </ac:picMkLst>
+        </pc:picChg>
         <pc:picChg chg="del mod ord replST">
           <ac:chgData name="Franz Andersch" userId="88b46490-1a31-494c-af6b-e252cc2a642d" providerId="ADAL" clId="{AB1E0CFC-1C57-4A1E-92D1-DAC8DD9182A6}" dt="2024-06-27T09:09:53.152" v="1669" actId="478"/>
           <ac:picMkLst>
@@ -536,8 +568,8 @@
             <ac:picMk id="6" creationId="{ABE1810E-F664-CB44-3A9C-AEBDFD707AB7}"/>
           </ac:picMkLst>
         </pc:picChg>
-        <pc:picChg chg="mod ord replST">
-          <ac:chgData name="Franz Andersch" userId="88b46490-1a31-494c-af6b-e252cc2a642d" providerId="ADAL" clId="{AB1E0CFC-1C57-4A1E-92D1-DAC8DD9182A6}" dt="2024-06-27T09:10:09.592" v="1703" actId="1076"/>
+        <pc:picChg chg="del mod ord replST">
+          <ac:chgData name="Franz Andersch" userId="88b46490-1a31-494c-af6b-e252cc2a642d" providerId="ADAL" clId="{AB1E0CFC-1C57-4A1E-92D1-DAC8DD9182A6}" dt="2024-06-27T17:36:15.591" v="2364" actId="478"/>
           <ac:picMkLst>
             <pc:docMk/>
             <pc:sldMk cId="2902806685" sldId="270"/>
@@ -570,7 +602,7 @@
         </pc:picChg>
       </pc:sldChg>
       <pc:sldChg chg="delSp modSp add mod">
-        <pc:chgData name="Franz Andersch" userId="88b46490-1a31-494c-af6b-e252cc2a642d" providerId="ADAL" clId="{AB1E0CFC-1C57-4A1E-92D1-DAC8DD9182A6}" dt="2024-06-27T13:00:25.617" v="2124" actId="962"/>
+        <pc:chgData name="Franz Andersch" userId="88b46490-1a31-494c-af6b-e252cc2a642d" providerId="ADAL" clId="{AB1E0CFC-1C57-4A1E-92D1-DAC8DD9182A6}" dt="2024-06-27T18:24:40.169" v="2835" actId="1076"/>
         <pc:sldMkLst>
           <pc:docMk/>
           <pc:sldMk cId="2843438534" sldId="271"/>
@@ -583,12 +615,20 @@
             <ac:picMk id="4" creationId="{42AA169C-429F-FC85-48B7-972956FE13BD}"/>
           </ac:picMkLst>
         </pc:picChg>
-        <pc:picChg chg="mod ord replST">
-          <ac:chgData name="Franz Andersch" userId="88b46490-1a31-494c-af6b-e252cc2a642d" providerId="ADAL" clId="{AB1E0CFC-1C57-4A1E-92D1-DAC8DD9182A6}" dt="2024-06-27T13:00:25.617" v="2124" actId="962"/>
+        <pc:picChg chg="del mod ord replST">
+          <ac:chgData name="Franz Andersch" userId="88b46490-1a31-494c-af6b-e252cc2a642d" providerId="ADAL" clId="{AB1E0CFC-1C57-4A1E-92D1-DAC8DD9182A6}" dt="2024-06-27T17:51:10.200" v="2652" actId="478"/>
           <ac:picMkLst>
             <pc:docMk/>
             <pc:sldMk cId="2843438534" sldId="271"/>
             <ac:picMk id="4" creationId="{728AC3AA-308A-EDE4-7AF9-8D77074AC095}"/>
+          </ac:picMkLst>
+        </pc:picChg>
+        <pc:picChg chg="del mod ord replST">
+          <ac:chgData name="Franz Andersch" userId="88b46490-1a31-494c-af6b-e252cc2a642d" providerId="ADAL" clId="{AB1E0CFC-1C57-4A1E-92D1-DAC8DD9182A6}" dt="2024-06-27T18:23:38.193" v="2802" actId="478"/>
+          <ac:picMkLst>
+            <pc:docMk/>
+            <pc:sldMk cId="2843438534" sldId="271"/>
+            <ac:picMk id="5" creationId="{CF7CB11E-BD57-7D6F-6906-AB5EEEC4AF73}"/>
           </ac:picMkLst>
         </pc:picChg>
         <pc:picChg chg="del mod">
@@ -597,6 +637,14 @@
             <pc:docMk/>
             <pc:sldMk cId="2843438534" sldId="271"/>
             <ac:picMk id="6" creationId="{4FB258AB-A900-DFBA-CB32-3FC4EC64818C}"/>
+          </ac:picMkLst>
+        </pc:picChg>
+        <pc:picChg chg="del mod ord replST">
+          <ac:chgData name="Franz Andersch" userId="88b46490-1a31-494c-af6b-e252cc2a642d" providerId="ADAL" clId="{AB1E0CFC-1C57-4A1E-92D1-DAC8DD9182A6}" dt="2024-06-27T18:24:32.943" v="2832" actId="478"/>
+          <ac:picMkLst>
+            <pc:docMk/>
+            <pc:sldMk cId="2843438534" sldId="271"/>
+            <ac:picMk id="7" creationId="{1DD0266C-1F41-CBEC-589E-DCB8EEFE5A9B}"/>
           </ac:picMkLst>
         </pc:picChg>
         <pc:picChg chg="del mod ord replST">
@@ -613,6 +661,14 @@
             <pc:docMk/>
             <pc:sldMk cId="2843438534" sldId="271"/>
             <ac:picMk id="9" creationId="{AC6AFED4-2C8C-C9F0-8945-DB5CC72D0EEF}"/>
+          </ac:picMkLst>
+        </pc:picChg>
+        <pc:picChg chg="mod ord replST">
+          <ac:chgData name="Franz Andersch" userId="88b46490-1a31-494c-af6b-e252cc2a642d" providerId="ADAL" clId="{AB1E0CFC-1C57-4A1E-92D1-DAC8DD9182A6}" dt="2024-06-27T18:24:40.169" v="2835" actId="1076"/>
+          <ac:picMkLst>
+            <pc:docMk/>
+            <pc:sldMk cId="2843438534" sldId="271"/>
+            <ac:picMk id="9" creationId="{EBF0AF07-2AAC-7FC9-6F75-A705CF15C226}"/>
           </ac:picMkLst>
         </pc:picChg>
         <pc:picChg chg="del mod">
@@ -688,17 +744,25 @@
         </pc:picChg>
       </pc:sldChg>
       <pc:sldChg chg="delSp modSp add mod ord">
-        <pc:chgData name="Franz Andersch" userId="88b46490-1a31-494c-af6b-e252cc2a642d" providerId="ADAL" clId="{AB1E0CFC-1C57-4A1E-92D1-DAC8DD9182A6}" dt="2024-06-27T12:52:22.615" v="2032"/>
+        <pc:chgData name="Franz Andersch" userId="88b46490-1a31-494c-af6b-e252cc2a642d" providerId="ADAL" clId="{AB1E0CFC-1C57-4A1E-92D1-DAC8DD9182A6}" dt="2024-06-27T17:50:23.303" v="2624" actId="962"/>
         <pc:sldMkLst>
           <pc:docMk/>
           <pc:sldMk cId="3291923032" sldId="273"/>
         </pc:sldMkLst>
-        <pc:picChg chg="mod ord replST">
-          <ac:chgData name="Franz Andersch" userId="88b46490-1a31-494c-af6b-e252cc2a642d" providerId="ADAL" clId="{AB1E0CFC-1C57-4A1E-92D1-DAC8DD9182A6}" dt="2024-06-27T09:20:36.644" v="1734" actId="962"/>
+        <pc:picChg chg="del mod ord replST">
+          <ac:chgData name="Franz Andersch" userId="88b46490-1a31-494c-af6b-e252cc2a642d" providerId="ADAL" clId="{AB1E0CFC-1C57-4A1E-92D1-DAC8DD9182A6}" dt="2024-06-27T17:50:23.302" v="2622" actId="478"/>
           <ac:picMkLst>
             <pc:docMk/>
             <pc:sldMk cId="3291923032" sldId="273"/>
             <ac:picMk id="4" creationId="{8EA2C5C6-6B38-3213-C629-D7D5362FAF15}"/>
+          </ac:picMkLst>
+        </pc:picChg>
+        <pc:picChg chg="mod ord replST">
+          <ac:chgData name="Franz Andersch" userId="88b46490-1a31-494c-af6b-e252cc2a642d" providerId="ADAL" clId="{AB1E0CFC-1C57-4A1E-92D1-DAC8DD9182A6}" dt="2024-06-27T17:50:23.303" v="2624" actId="962"/>
+          <ac:picMkLst>
+            <pc:docMk/>
+            <pc:sldMk cId="3291923032" sldId="273"/>
+            <ac:picMk id="5" creationId="{3631A129-09AA-DE6B-12C8-59A8EBB5EDBF}"/>
           </ac:picMkLst>
         </pc:picChg>
         <pc:picChg chg="del mod">
@@ -711,7 +775,7 @@
         </pc:picChg>
       </pc:sldChg>
       <pc:sldChg chg="addSp delSp modSp add mod">
-        <pc:chgData name="Franz Andersch" userId="88b46490-1a31-494c-af6b-e252cc2a642d" providerId="ADAL" clId="{AB1E0CFC-1C57-4A1E-92D1-DAC8DD9182A6}" dt="2024-06-27T12:56:43.395" v="2094" actId="962"/>
+        <pc:chgData name="Franz Andersch" userId="88b46490-1a31-494c-af6b-e252cc2a642d" providerId="ADAL" clId="{AB1E0CFC-1C57-4A1E-92D1-DAC8DD9182A6}" dt="2024-06-27T17:49:43.008" v="2593" actId="962"/>
         <pc:sldMkLst>
           <pc:docMk/>
           <pc:sldMk cId="681638969" sldId="274"/>
@@ -733,11 +797,27 @@
           </ac:picMkLst>
         </pc:picChg>
         <pc:picChg chg="del mod ord replST">
+          <ac:chgData name="Franz Andersch" userId="88b46490-1a31-494c-af6b-e252cc2a642d" providerId="ADAL" clId="{AB1E0CFC-1C57-4A1E-92D1-DAC8DD9182A6}" dt="2024-06-27T17:49:43.007" v="2591" actId="478"/>
+          <ac:picMkLst>
+            <pc:docMk/>
+            <pc:sldMk cId="681638969" sldId="274"/>
+            <ac:picMk id="4" creationId="{C86D2569-7B96-523B-E71E-DF914EC78AE4}"/>
+          </ac:picMkLst>
+        </pc:picChg>
+        <pc:picChg chg="del mod ord replST">
           <ac:chgData name="Franz Andersch" userId="88b46490-1a31-494c-af6b-e252cc2a642d" providerId="ADAL" clId="{AB1E0CFC-1C57-4A1E-92D1-DAC8DD9182A6}" dt="2024-06-27T09:49:57.892" v="1908" actId="478"/>
           <ac:picMkLst>
             <pc:docMk/>
             <pc:sldMk cId="681638969" sldId="274"/>
             <ac:picMk id="6" creationId="{99312CDE-669B-A317-0193-9A16DD2042F8}"/>
+          </ac:picMkLst>
+        </pc:picChg>
+        <pc:picChg chg="mod ord replST">
+          <ac:chgData name="Franz Andersch" userId="88b46490-1a31-494c-af6b-e252cc2a642d" providerId="ADAL" clId="{AB1E0CFC-1C57-4A1E-92D1-DAC8DD9182A6}" dt="2024-06-27T17:49:43.008" v="2593" actId="962"/>
+          <ac:picMkLst>
+            <pc:docMk/>
+            <pc:sldMk cId="681638969" sldId="274"/>
+            <ac:picMk id="6" creationId="{EDD484B3-0490-A57E-9DAD-0F9E80E3D46F}"/>
           </ac:picMkLst>
         </pc:picChg>
         <pc:picChg chg="del mod ord replST">
@@ -788,8 +868,8 @@
             <ac:picMk id="17" creationId="{527B418A-008A-0D4E-3761-6FDC02593802}"/>
           </ac:picMkLst>
         </pc:picChg>
-        <pc:picChg chg="mod ord replST">
-          <ac:chgData name="Franz Andersch" userId="88b46490-1a31-494c-af6b-e252cc2a642d" providerId="ADAL" clId="{AB1E0CFC-1C57-4A1E-92D1-DAC8DD9182A6}" dt="2024-06-27T12:56:43.395" v="2094" actId="962"/>
+        <pc:picChg chg="del mod ord replST">
+          <ac:chgData name="Franz Andersch" userId="88b46490-1a31-494c-af6b-e252cc2a642d" providerId="ADAL" clId="{AB1E0CFC-1C57-4A1E-92D1-DAC8DD9182A6}" dt="2024-06-27T17:49:04.074" v="2561" actId="478"/>
           <ac:picMkLst>
             <pc:docMk/>
             <pc:sldMk cId="681638969" sldId="274"/>
@@ -798,7 +878,7 @@
         </pc:picChg>
       </pc:sldChg>
       <pc:sldChg chg="delSp modSp add mod">
-        <pc:chgData name="Franz Andersch" userId="88b46490-1a31-494c-af6b-e252cc2a642d" providerId="ADAL" clId="{AB1E0CFC-1C57-4A1E-92D1-DAC8DD9182A6}" dt="2024-06-27T13:06:10.065" v="2215" actId="962"/>
+        <pc:chgData name="Franz Andersch" userId="88b46490-1a31-494c-af6b-e252cc2a642d" providerId="ADAL" clId="{AB1E0CFC-1C57-4A1E-92D1-DAC8DD9182A6}" dt="2024-06-27T17:47:22.656" v="2533" actId="962"/>
         <pc:sldMkLst>
           <pc:docMk/>
           <pc:sldMk cId="2071963807" sldId="275"/>
@@ -812,6 +892,14 @@
           </ac:picMkLst>
         </pc:picChg>
         <pc:picChg chg="del mod ord replST">
+          <ac:chgData name="Franz Andersch" userId="88b46490-1a31-494c-af6b-e252cc2a642d" providerId="ADAL" clId="{AB1E0CFC-1C57-4A1E-92D1-DAC8DD9182A6}" dt="2024-06-27T17:31:30.666" v="2273" actId="478"/>
+          <ac:picMkLst>
+            <pc:docMk/>
+            <pc:sldMk cId="2071963807" sldId="275"/>
+            <ac:picMk id="4" creationId="{4B021D88-6A32-9B11-1809-06F4E556D618}"/>
+          </ac:picMkLst>
+        </pc:picChg>
+        <pc:picChg chg="del mod ord replST">
           <ac:chgData name="Franz Andersch" userId="88b46490-1a31-494c-af6b-e252cc2a642d" providerId="ADAL" clId="{AB1E0CFC-1C57-4A1E-92D1-DAC8DD9182A6}" dt="2024-06-27T13:03:52.816" v="2183" actId="478"/>
           <ac:picMkLst>
             <pc:docMk/>
@@ -820,6 +908,14 @@
           </ac:picMkLst>
         </pc:picChg>
         <pc:picChg chg="del mod ord replST">
+          <ac:chgData name="Franz Andersch" userId="88b46490-1a31-494c-af6b-e252cc2a642d" providerId="ADAL" clId="{AB1E0CFC-1C57-4A1E-92D1-DAC8DD9182A6}" dt="2024-06-27T17:33:14.228" v="2303" actId="478"/>
+          <ac:picMkLst>
+            <pc:docMk/>
+            <pc:sldMk cId="2071963807" sldId="275"/>
+            <ac:picMk id="6" creationId="{A3830D98-4833-A19E-59DD-396DC2D879ED}"/>
+          </ac:picMkLst>
+        </pc:picChg>
+        <pc:picChg chg="del mod ord replST">
           <ac:chgData name="Franz Andersch" userId="88b46490-1a31-494c-af6b-e252cc2a642d" providerId="ADAL" clId="{AB1E0CFC-1C57-4A1E-92D1-DAC8DD9182A6}" dt="2024-06-27T13:06:10.064" v="2213" actId="478"/>
           <ac:picMkLst>
             <pc:docMk/>
@@ -827,12 +923,44 @@
             <ac:picMk id="8" creationId="{82B3DE78-ABA4-0CFD-6D0A-C6E334B33177}"/>
           </ac:picMkLst>
         </pc:picChg>
-        <pc:picChg chg="mod ord replST">
-          <ac:chgData name="Franz Andersch" userId="88b46490-1a31-494c-af6b-e252cc2a642d" providerId="ADAL" clId="{AB1E0CFC-1C57-4A1E-92D1-DAC8DD9182A6}" dt="2024-06-27T13:06:10.065" v="2215" actId="962"/>
+        <pc:picChg chg="del mod ord replST">
+          <ac:chgData name="Franz Andersch" userId="88b46490-1a31-494c-af6b-e252cc2a642d" providerId="ADAL" clId="{AB1E0CFC-1C57-4A1E-92D1-DAC8DD9182A6}" dt="2024-06-27T17:35:20.242" v="2333" actId="478"/>
+          <ac:picMkLst>
+            <pc:docMk/>
+            <pc:sldMk cId="2071963807" sldId="275"/>
+            <ac:picMk id="8" creationId="{A3EE6D61-80AD-60EC-FF4B-0F76E16D8A6C}"/>
+          </ac:picMkLst>
+        </pc:picChg>
+        <pc:picChg chg="del mod ord replST">
+          <ac:chgData name="Franz Andersch" userId="88b46490-1a31-494c-af6b-e252cc2a642d" providerId="ADAL" clId="{AB1E0CFC-1C57-4A1E-92D1-DAC8DD9182A6}" dt="2024-06-27T17:30:56.487" v="2243" actId="478"/>
           <ac:picMkLst>
             <pc:docMk/>
             <pc:sldMk cId="2071963807" sldId="275"/>
             <ac:picMk id="10" creationId="{0740CD08-602B-1241-2993-A820012374F0}"/>
+          </ac:picMkLst>
+        </pc:picChg>
+        <pc:picChg chg="del mod ord replST">
+          <ac:chgData name="Franz Andersch" userId="88b46490-1a31-494c-af6b-e252cc2a642d" providerId="ADAL" clId="{AB1E0CFC-1C57-4A1E-92D1-DAC8DD9182A6}" dt="2024-06-27T17:38:31.045" v="2425" actId="478"/>
+          <ac:picMkLst>
+            <pc:docMk/>
+            <pc:sldMk cId="2071963807" sldId="275"/>
+            <ac:picMk id="11" creationId="{BC92E4C5-513E-4F38-69AC-106E79AF6E88}"/>
+          </ac:picMkLst>
+        </pc:picChg>
+        <pc:picChg chg="del mod ord replST">
+          <ac:chgData name="Franz Andersch" userId="88b46490-1a31-494c-af6b-e252cc2a642d" providerId="ADAL" clId="{AB1E0CFC-1C57-4A1E-92D1-DAC8DD9182A6}" dt="2024-06-27T17:47:22.656" v="2531" actId="478"/>
+          <ac:picMkLst>
+            <pc:docMk/>
+            <pc:sldMk cId="2071963807" sldId="275"/>
+            <ac:picMk id="13" creationId="{B98D9AEF-7DB0-FA3A-52A7-9E571BE1BE9D}"/>
+          </ac:picMkLst>
+        </pc:picChg>
+        <pc:picChg chg="mod ord replST">
+          <ac:chgData name="Franz Andersch" userId="88b46490-1a31-494c-af6b-e252cc2a642d" providerId="ADAL" clId="{AB1E0CFC-1C57-4A1E-92D1-DAC8DD9182A6}" dt="2024-06-27T17:47:22.656" v="2533" actId="962"/>
+          <ac:picMkLst>
+            <pc:docMk/>
+            <pc:sldMk cId="2071963807" sldId="275"/>
+            <ac:picMk id="15" creationId="{3A257E31-67FD-34F1-C51C-61F0A6AA88FB}"/>
           </ac:picMkLst>
         </pc:picChg>
         <pc:picChg chg="del mod">
@@ -841,6 +969,77 @@
             <pc:docMk/>
             <pc:sldMk cId="2071963807" sldId="275"/>
             <ac:picMk id="17" creationId="{527B418A-008A-0D4E-3761-6FDC02593802}"/>
+          </ac:picMkLst>
+        </pc:picChg>
+      </pc:sldChg>
+      <pc:sldChg chg="delSp modSp add mod">
+        <pc:chgData name="Franz Andersch" userId="88b46490-1a31-494c-af6b-e252cc2a642d" providerId="ADAL" clId="{AB1E0CFC-1C57-4A1E-92D1-DAC8DD9182A6}" dt="2024-06-27T18:21:02.503" v="2774" actId="962"/>
+        <pc:sldMkLst>
+          <pc:docMk/>
+          <pc:sldMk cId="3663614039" sldId="276"/>
+        </pc:sldMkLst>
+        <pc:spChg chg="mod">
+          <ac:chgData name="Franz Andersch" userId="88b46490-1a31-494c-af6b-e252cc2a642d" providerId="ADAL" clId="{AB1E0CFC-1C57-4A1E-92D1-DAC8DD9182A6}" dt="2024-06-27T17:38:42.066" v="2443" actId="20577"/>
+          <ac:spMkLst>
+            <pc:docMk/>
+            <pc:sldMk cId="3663614039" sldId="276"/>
+            <ac:spMk id="2" creationId="{388F7BA3-B785-BDE2-BAC6-74C1F53E9285}"/>
+          </ac:spMkLst>
+        </pc:spChg>
+        <pc:picChg chg="del mod ord replST">
+          <ac:chgData name="Franz Andersch" userId="88b46490-1a31-494c-af6b-e252cc2a642d" providerId="ADAL" clId="{AB1E0CFC-1C57-4A1E-92D1-DAC8DD9182A6}" dt="2024-06-27T17:46:48.428" v="2501" actId="478"/>
+          <ac:picMkLst>
+            <pc:docMk/>
+            <pc:sldMk cId="3663614039" sldId="276"/>
+            <ac:picMk id="4" creationId="{939F3B30-8869-5584-7CD5-C69583256F58}"/>
+          </ac:picMkLst>
+        </pc:picChg>
+        <pc:picChg chg="del mod ord replST">
+          <ac:chgData name="Franz Andersch" userId="88b46490-1a31-494c-af6b-e252cc2a642d" providerId="ADAL" clId="{AB1E0CFC-1C57-4A1E-92D1-DAC8DD9182A6}" dt="2024-06-27T18:04:18.811" v="2682" actId="478"/>
+          <ac:picMkLst>
+            <pc:docMk/>
+            <pc:sldMk cId="3663614039" sldId="276"/>
+            <ac:picMk id="6" creationId="{E873ACA8-067F-12B4-C707-D6E33A2E69A7}"/>
+          </ac:picMkLst>
+        </pc:picChg>
+        <pc:picChg chg="del mod ord replST">
+          <ac:chgData name="Franz Andersch" userId="88b46490-1a31-494c-af6b-e252cc2a642d" providerId="ADAL" clId="{AB1E0CFC-1C57-4A1E-92D1-DAC8DD9182A6}" dt="2024-06-27T18:05:40.739" v="2712" actId="478"/>
+          <ac:picMkLst>
+            <pc:docMk/>
+            <pc:sldMk cId="3663614039" sldId="276"/>
+            <ac:picMk id="8" creationId="{2F0D547F-23E2-367E-AF87-1CB033B3FE35}"/>
+          </ac:picMkLst>
+        </pc:picChg>
+        <pc:picChg chg="del mod ord replST">
+          <ac:chgData name="Franz Andersch" userId="88b46490-1a31-494c-af6b-e252cc2a642d" providerId="ADAL" clId="{AB1E0CFC-1C57-4A1E-92D1-DAC8DD9182A6}" dt="2024-06-27T18:13:40.752" v="2742" actId="478"/>
+          <ac:picMkLst>
+            <pc:docMk/>
+            <pc:sldMk cId="3663614039" sldId="276"/>
+            <ac:picMk id="10" creationId="{4913AFD4-BB85-9B4D-ED59-834F704FB624}"/>
+          </ac:picMkLst>
+        </pc:picChg>
+        <pc:picChg chg="del mod ord replST">
+          <ac:chgData name="Franz Andersch" userId="88b46490-1a31-494c-af6b-e252cc2a642d" providerId="ADAL" clId="{AB1E0CFC-1C57-4A1E-92D1-DAC8DD9182A6}" dt="2024-06-27T18:21:02.502" v="2772" actId="478"/>
+          <ac:picMkLst>
+            <pc:docMk/>
+            <pc:sldMk cId="3663614039" sldId="276"/>
+            <ac:picMk id="12" creationId="{03B2E3B0-53FD-69AE-C2D3-7CB3277CBEC2}"/>
+          </ac:picMkLst>
+        </pc:picChg>
+        <pc:picChg chg="del mod">
+          <ac:chgData name="Franz Andersch" userId="88b46490-1a31-494c-af6b-e252cc2a642d" providerId="ADAL" clId="{AB1E0CFC-1C57-4A1E-92D1-DAC8DD9182A6}" dt="2024-06-27T17:42:46.084" v="2471" actId="478"/>
+          <ac:picMkLst>
+            <pc:docMk/>
+            <pc:sldMk cId="3663614039" sldId="276"/>
+            <ac:picMk id="13" creationId="{B98D9AEF-7DB0-FA3A-52A7-9E571BE1BE9D}"/>
+          </ac:picMkLst>
+        </pc:picChg>
+        <pc:picChg chg="mod ord replST">
+          <ac:chgData name="Franz Andersch" userId="88b46490-1a31-494c-af6b-e252cc2a642d" providerId="ADAL" clId="{AB1E0CFC-1C57-4A1E-92D1-DAC8DD9182A6}" dt="2024-06-27T18:21:02.503" v="2774" actId="962"/>
+          <ac:picMkLst>
+            <pc:docMk/>
+            <pc:sldMk cId="3663614039" sldId="276"/>
+            <ac:picMk id="15" creationId="{F87C6C9A-D262-B13C-964D-2F9F8F6104C8}"/>
           </ac:picMkLst>
         </pc:picChg>
       </pc:sldChg>
@@ -4452,10 +4651,10 @@
       </p:sp>
       <p:pic>
         <p:nvPicPr>
-          <p:cNvPr id="4" name="Grafik 3" descr="\documentclass[20pt]{article}&#10;\usepackage{amsmath,amsfonts,amssymb,xcolor, mathtools}&#10;\pagestyle{empty}&#10;\usepackage[T1]{fontenc}&#10;\usepackage{fontspec}&#10;\setsansfont{Arial}&#10;\renewcommand\familydefault{\sfdefault}&#10;\begin{document}&#10;\begin{itemize}&#10;\item for the maximization the constraints that   $\beta \cdot x+\beta_0\ge 1$ for \textcolor{red}{positive} \newline and ($\beta \cdot x+\beta_0\le -1$) for \textcolor{green}{negative} are still to respect&#10;&#10;\item goal: merge both constraints in one&#10;\item introduce new variable $y$ with $y=1$ for positive samples and $y=-1$ for negative samples&#10;\item leading to constraint $y(\beta x+\beta_0)\ge 1$&#10;\end{itemize}&#10;\end{document}" title="IguanaTex Picture Display">
+          <p:cNvPr id="5" name="Grafik 4" descr="\documentclass[20pt]{article}&#10;\usepackage{amsmath,amsfonts,amssymb,xcolor, mathtools}&#10;\pagestyle{empty}&#10;\usepackage[T1]{fontenc}&#10;\usepackage{fontspec}&#10;\setsansfont{Arial}&#10;\renewcommand\familydefault{\sfdefault}&#10;\begin{document}&#10;\begin{itemize}&#10;\item for the maximization the constraints that   $\beta \cdot \overline{x}+\beta_0\ge 1$ for \textcolor{red}{positive} \newline and ($\beta \cdot \overline{x}+\beta_0\le -1$) for \textcolor{green}{negative} are still to respect&#10;&#10;\item goal: merge both constraints in one&#10;\item introduce new variable $y$ with $y=1$ for positive samples and $y=-1$ for negative samples&#10;\item leading to constraint $y(\beta x+\beta_0)\ge 1$&#10;\end{itemize}&#10;\end{document}" title="IguanaTex Picture Display">
             <a:extLst>
               <a:ext uri="{FF2B5EF4-FFF2-40B4-BE49-F238E27FC236}">
-                <a16:creationId xmlns:a16="http://schemas.microsoft.com/office/drawing/2014/main" id="{8EA2C5C6-6B38-3213-C629-D7D5362FAF15}"/>
+                <a16:creationId xmlns:a16="http://schemas.microsoft.com/office/drawing/2014/main" id="{3631A129-09AA-DE6B-12C8-59A8EBB5EDBF}"/>
               </a:ext>
             </a:extLst>
           </p:cNvPr>
@@ -4482,8 +4681,8 @@
         </p:blipFill>
         <p:spPr>
           <a:xfrm>
-            <a:off x="683570" y="1419621"/>
-            <a:ext cx="7468815" cy="2198010"/>
+            <a:off x="683568" y="1419622"/>
+            <a:ext cx="7470314" cy="2198317"/>
           </a:xfrm>
           <a:prstGeom prst="rect">
             <a:avLst/>
@@ -4583,10 +4782,10 @@
       </p:sp>
       <p:pic>
         <p:nvPicPr>
-          <p:cNvPr id="19" name="Grafik 18" descr="\documentclass[20pt]{article}&#10;\usepackage{amsmath,amsfonts,amssymb,xcolor, mathtools}&#10;\pagestyle{empty}&#10;\usepackage[T1]{fontenc}&#10;\usepackage{fontspec}&#10;\setsansfont{Arial}&#10;\renewcommand\familydefault{\sfdefault}&#10;\begin{document}&#10;\begin{itemize}&#10;\item Maximization with constraints $\rightarrow$ Lagrange Multipliers\newline&#10;$\mathcal{L}(\beta,x,\beta_0)=\frac{1}{2}\beta ' \beta-\sum \alpha_i[y_i(\beta \cdot x_i+\beta_0)-1]$&#10;\item derive with respect to $\beta$  and set to zero\newline&#10;$\frac{\partial \mathcal{L}}{\partial \beta}=\beta-\sum \alpha_i y_i x_i\overset{!}{=}0 \Rightarrow \beta=\sum \alpha_i y_i x_i $&#10;\item derive with respect to $\beta_0$ and set to zero&#10;\newline $\frac{\partial \mathcal{L}}{\partial \beta_0}=\sum \alpha_i y_i x_i\overset{!}{=}0$&#10;\end{itemize}&#10;\end{document}" title="IguanaTex Picture Display">
+          <p:cNvPr id="6" name="Grafik 5" descr="\documentclass[20pt]{article}&#10;\usepackage{amsmath,amsfonts,amssymb,xcolor, mathtools}&#10;\pagestyle{empty}&#10;\usepackage[T1]{fontenc}&#10;\usepackage{fontspec}&#10;\setsansfont{Arial}&#10;\renewcommand\familydefault{\sfdefault}&#10;\begin{document}&#10;\begin{itemize}&#10;\item Maximization with constraints $\rightarrow$ Lagrange Multipliers\newline&#10;$\mathcal{L}(\beta,\overline{x},\beta_0)=\frac{1}{2}\beta ' \beta-\sum \alpha_i[y_i(\beta \cdot \overline{x_i}+\beta_0)-1]$&#10;\item derive with respect to $\beta$  and set to zero\newline&#10;$\frac{\partial \mathcal{L}}{\partial \beta}=\beta-\sum \alpha_i y_i \overline{x_i}\overset{!}{=}0 \Rightarrow \beta=\sum \alpha_i y_i \overline{x_i} $&#10;\item derive with respect to $\beta_0$ and set to zero&#10;\newline $\frac{\partial \mathcal{L}}{\partial \beta_0}=\sum \alpha_i y_i \overline{x_i}\overset{!}{=}0$&#10;\end{itemize}&#10;\end{document}" title="IguanaTex Picture Display">
             <a:extLst>
               <a:ext uri="{FF2B5EF4-FFF2-40B4-BE49-F238E27FC236}">
-                <a16:creationId xmlns:a16="http://schemas.microsoft.com/office/drawing/2014/main" id="{939032DE-A06D-EA89-AC4F-DCC59CC42583}"/>
+                <a16:creationId xmlns:a16="http://schemas.microsoft.com/office/drawing/2014/main" id="{EDD484B3-0490-A57E-9DAD-0F9E80E3D46F}"/>
               </a:ext>
             </a:extLst>
           </p:cNvPr>
@@ -4613,8 +4812,8 @@
         </p:blipFill>
         <p:spPr>
           <a:xfrm>
-            <a:off x="683574" y="1419622"/>
-            <a:ext cx="5548226" cy="2209535"/>
+            <a:off x="683575" y="1419623"/>
+            <a:ext cx="5550691" cy="2211105"/>
           </a:xfrm>
           <a:prstGeom prst="rect">
             <a:avLst/>
@@ -4714,10 +4913,10 @@
       </p:sp>
       <p:pic>
         <p:nvPicPr>
-          <p:cNvPr id="10" name="Grafik 9" descr="\documentclass[20pt]{article}&#10;\usepackage{amsmath,amsfonts,amssymb,xcolor, mathtools}&#10;\pagestyle{empty}&#10;\usepackage[T1]{fontenc}&#10;\usepackage{fontspec}&#10;\setsansfont{Arial}&#10;\renewcommand\familydefault{\sfdefault}&#10;\begin{document}&#10;\begin{itemize}&#10;\item replace the derived beta in the original maximaztion function\newline&#10;$\frac{1}{2}\sum \alpha_i y_i x_i \sum \alpha_i y_i x_i-\sum y_i\sum \alpha_i y_i x_i x_i \alpha_i+y_i \beta_0 \alpha_i-\alpha_i$&#10;\end{itemize}&#10;&#10;\end{document}" title="IguanaTex Picture Display">
+          <p:cNvPr id="15" name="Grafik 14" descr="\documentclass[20pt]{article}&#10;\usepackage{amsmath,amsfonts,amssymb,xcolor, mathtools}&#10;\pagestyle{empty}&#10;\usepackage[T1]{fontenc}&#10;\usepackage{fontspec}&#10;\setsansfont{Arial}&#10;\renewcommand\familydefault{\sfdefault}&#10;\begin{document}&#10;\begin{itemize}&#10;\item imputing the results in the optimization formula and rearranging yields &#10;&#10;$$max(\mathcal{L})=-\frac{1}{2}\sum \sum \alpha_i \alpha_j y_i y_j \overline{x_i} \cdot \overline{x_j}+\sum \alpha_i$$&#10;\item can be solved efficiently by quadratic program&#10;\item many of the $\alpha$'s will be zero exept for the support vectors &#10;\end{itemize}&#10;\end{document}" title="IguanaTex Picture Display">
             <a:extLst>
               <a:ext uri="{FF2B5EF4-FFF2-40B4-BE49-F238E27FC236}">
-                <a16:creationId xmlns:a16="http://schemas.microsoft.com/office/drawing/2014/main" id="{0740CD08-602B-1241-2993-A820012374F0}"/>
+                <a16:creationId xmlns:a16="http://schemas.microsoft.com/office/drawing/2014/main" id="{3A257E31-67FD-34F1-C51C-61F0A6AA88FB}"/>
               </a:ext>
             </a:extLst>
           </p:cNvPr>
@@ -4744,8 +4943,8 @@
         </p:blipFill>
         <p:spPr>
           <a:xfrm>
-            <a:off x="683568" y="1419621"/>
-            <a:ext cx="6238105" cy="547459"/>
+            <a:off x="683568" y="1419624"/>
+            <a:ext cx="7195674" cy="2034025"/>
           </a:xfrm>
           <a:prstGeom prst="rect">
             <a:avLst/>
@@ -4766,6 +4965,132 @@
 </file>
 
 <file path=ppt/slides/slide13.xml><?xml version="1.0" encoding="utf-8"?>
+<p:sld xmlns:a="http://schemas.openxmlformats.org/drawingml/2006/main" xmlns:r="http://schemas.openxmlformats.org/officeDocument/2006/relationships" xmlns:p="http://schemas.openxmlformats.org/presentationml/2006/main">
+  <p:cSld>
+    <p:spTree>
+      <p:nvGrpSpPr>
+        <p:cNvPr id="1" name=""/>
+        <p:cNvGrpSpPr/>
+        <p:nvPr/>
+      </p:nvGrpSpPr>
+      <p:grpSpPr>
+        <a:xfrm>
+          <a:off x="0" y="0"/>
+          <a:ext cx="0" cy="0"/>
+          <a:chOff x="0" y="0"/>
+          <a:chExt cx="0" cy="0"/>
+        </a:xfrm>
+      </p:grpSpPr>
+      <p:sp>
+        <p:nvSpPr>
+          <p:cNvPr id="2" name="Titel 1">
+            <a:extLst>
+              <a:ext uri="{FF2B5EF4-FFF2-40B4-BE49-F238E27FC236}">
+                <a16:creationId xmlns:a16="http://schemas.microsoft.com/office/drawing/2014/main" id="{388F7BA3-B785-BDE2-BAC6-74C1F53E9285}"/>
+              </a:ext>
+            </a:extLst>
+          </p:cNvPr>
+          <p:cNvSpPr>
+            <a:spLocks noGrp="1"/>
+          </p:cNvSpPr>
+          <p:nvPr>
+            <p:ph type="title"/>
+          </p:nvPr>
+        </p:nvSpPr>
+        <p:spPr/>
+        <p:txBody>
+          <a:bodyPr/>
+          <a:lstStyle/>
+          <a:p>
+            <a:r>
+              <a:rPr lang="de-DE" dirty="0" err="1"/>
+              <a:t>How</a:t>
+            </a:r>
+            <a:r>
+              <a:rPr lang="de-DE" dirty="0"/>
+              <a:t> </a:t>
+            </a:r>
+            <a:r>
+              <a:rPr lang="de-DE" dirty="0" err="1"/>
+              <a:t>it</a:t>
+            </a:r>
+            <a:r>
+              <a:rPr lang="de-DE" dirty="0"/>
+              <a:t> </a:t>
+            </a:r>
+            <a:r>
+              <a:rPr lang="de-DE" dirty="0" err="1"/>
+              <a:t>works</a:t>
+            </a:r>
+            <a:r>
+              <a:rPr lang="de-DE" dirty="0"/>
+              <a:t>: </a:t>
+            </a:r>
+            <a:r>
+              <a:rPr lang="de-DE" dirty="0" err="1"/>
+              <a:t>Decision</a:t>
+            </a:r>
+            <a:r>
+              <a:rPr lang="de-DE" dirty="0"/>
+              <a:t> Rule</a:t>
+            </a:r>
+          </a:p>
+        </p:txBody>
+      </p:sp>
+      <p:pic>
+        <p:nvPicPr>
+          <p:cNvPr id="15" name="Grafik 14" descr="\documentclass[20pt]{article}&#10;\usepackage{amsmath,amsfonts,amssymb,xcolor, mathtools}&#10;\pagestyle{empty}&#10;\usepackage[T1]{fontenc}&#10;\usepackage{fontspec}&#10;\setsansfont{Arial}&#10;\renewcommand\familydefault{\sfdefault}&#10;\begin{document}&#10;\begin{itemize}&#10;\item derive $\beta$ with the new $\alpha$'s&#10;\newline$\beta=\sum \alpha_ iy_i \overline{x_i}$&#10;\item solve for $\beta_0$ with a support vector $\overline{x}_s$ for which we know holds \newline $\beta \cdot\overline{x}_s+\beta_0=y_{x_s}$ therefore $\beta_0=y_{x_s}-\beta \cdot \overline{x}_s$&#10;\item for a new $k$-dimensional vector $\overline{u}$ the decision function is \newline&#10;$f(\overline{u})=\beta \cdot \overline{u}+\beta_0$&#10;\item if $f(\overline{u})&gt;0 \rightarrow u$ is a \textcolor{red}{positive} sample\newline &#10;if $f(\overline{u})&lt;0 \rightarrow u$ is a \textcolor{green}{negative} sample\newline &#10;&#10;\end{itemize}&#10;\end{document}" title="IguanaTex Picture Display">
+            <a:extLst>
+              <a:ext uri="{FF2B5EF4-FFF2-40B4-BE49-F238E27FC236}">
+                <a16:creationId xmlns:a16="http://schemas.microsoft.com/office/drawing/2014/main" id="{F87C6C9A-D262-B13C-964D-2F9F8F6104C8}"/>
+              </a:ext>
+            </a:extLst>
+          </p:cNvPr>
+          <p:cNvPicPr>
+            <a:picLocks noChangeAspect="1"/>
+          </p:cNvPicPr>
+          <p:nvPr>
+            <p:custDataLst>
+              <p:tags r:id="rId1"/>
+            </p:custDataLst>
+          </p:nvPr>
+        </p:nvPicPr>
+        <p:blipFill>
+          <a:blip r:embed="rId3">
+            <a:extLst>
+              <a:ext uri="{28A0092B-C50C-407E-A947-70E740481C1C}">
+                <a14:useLocalDpi xmlns:a14="http://schemas.microsoft.com/office/drawing/2010/main" val="0"/>
+              </a:ext>
+            </a:extLst>
+          </a:blip>
+          <a:stretch>
+            <a:fillRect/>
+          </a:stretch>
+        </p:blipFill>
+        <p:spPr>
+          <a:xfrm>
+            <a:off x="683572" y="1419623"/>
+            <a:ext cx="6334087" cy="2827059"/>
+          </a:xfrm>
+          <a:prstGeom prst="rect">
+            <a:avLst/>
+          </a:prstGeom>
+        </p:spPr>
+      </p:pic>
+    </p:spTree>
+    <p:extLst>
+      <p:ext uri="{BB962C8B-B14F-4D97-AF65-F5344CB8AC3E}">
+        <p14:creationId xmlns:p14="http://schemas.microsoft.com/office/powerpoint/2010/main" val="3663614039"/>
+      </p:ext>
+    </p:extLst>
+  </p:cSld>
+  <p:clrMapOvr>
+    <a:masterClrMapping/>
+  </p:clrMapOvr>
+</p:sld>
+</file>
+
+<file path=ppt/slides/slide14.xml><?xml version="1.0" encoding="utf-8"?>
 <p:sld xmlns:a="http://schemas.openxmlformats.org/drawingml/2006/main" xmlns:r="http://schemas.openxmlformats.org/officeDocument/2006/relationships" xmlns:p="http://schemas.openxmlformats.org/presentationml/2006/main">
   <p:cSld>
     <p:spTree>
@@ -5534,122 +5859,6 @@
 </p:sld>
 </file>
 
-<file path=ppt/slides/slide14.xml><?xml version="1.0" encoding="utf-8"?>
-<p:sld xmlns:a="http://schemas.openxmlformats.org/drawingml/2006/main" xmlns:r="http://schemas.openxmlformats.org/officeDocument/2006/relationships" xmlns:p="http://schemas.openxmlformats.org/presentationml/2006/main">
-  <p:cSld>
-    <p:spTree>
-      <p:nvGrpSpPr>
-        <p:cNvPr id="1" name=""/>
-        <p:cNvGrpSpPr/>
-        <p:nvPr/>
-      </p:nvGrpSpPr>
-      <p:grpSpPr>
-        <a:xfrm>
-          <a:off x="0" y="0"/>
-          <a:ext cx="0" cy="0"/>
-          <a:chOff x="0" y="0"/>
-          <a:chExt cx="0" cy="0"/>
-        </a:xfrm>
-      </p:grpSpPr>
-      <p:sp>
-        <p:nvSpPr>
-          <p:cNvPr id="2" name="Titel 1">
-            <a:extLst>
-              <a:ext uri="{FF2B5EF4-FFF2-40B4-BE49-F238E27FC236}">
-                <a16:creationId xmlns:a16="http://schemas.microsoft.com/office/drawing/2014/main" id="{388F7BA3-B785-BDE2-BAC6-74C1F53E9285}"/>
-              </a:ext>
-            </a:extLst>
-          </p:cNvPr>
-          <p:cNvSpPr>
-            <a:spLocks noGrp="1"/>
-          </p:cNvSpPr>
-          <p:nvPr>
-            <p:ph type="title"/>
-          </p:nvPr>
-        </p:nvSpPr>
-        <p:spPr/>
-        <p:txBody>
-          <a:bodyPr/>
-          <a:lstStyle/>
-          <a:p>
-            <a:r>
-              <a:rPr lang="de-DE" dirty="0" err="1"/>
-              <a:t>How</a:t>
-            </a:r>
-            <a:r>
-              <a:rPr lang="de-DE" dirty="0"/>
-              <a:t> </a:t>
-            </a:r>
-            <a:r>
-              <a:rPr lang="de-DE" dirty="0" err="1"/>
-              <a:t>it</a:t>
-            </a:r>
-            <a:r>
-              <a:rPr lang="de-DE" dirty="0"/>
-              <a:t> </a:t>
-            </a:r>
-            <a:r>
-              <a:rPr lang="de-DE" dirty="0" err="1"/>
-              <a:t>works</a:t>
-            </a:r>
-            <a:r>
-              <a:rPr lang="de-DE" dirty="0"/>
-              <a:t>: Support </a:t>
-            </a:r>
-            <a:r>
-              <a:rPr lang="de-DE" dirty="0" err="1"/>
-              <a:t>vector</a:t>
-            </a:r>
-            <a:r>
-              <a:rPr lang="de-DE" dirty="0"/>
-              <a:t> </a:t>
-            </a:r>
-            <a:r>
-              <a:rPr lang="de-DE" dirty="0" err="1"/>
-              <a:t>classifier</a:t>
-            </a:r>
-            <a:endParaRPr lang="de-DE" dirty="0"/>
-          </a:p>
-        </p:txBody>
-      </p:sp>
-      <p:sp>
-        <p:nvSpPr>
-          <p:cNvPr id="3" name="Inhaltsplatzhalter 2">
-            <a:extLst>
-              <a:ext uri="{FF2B5EF4-FFF2-40B4-BE49-F238E27FC236}">
-                <a16:creationId xmlns:a16="http://schemas.microsoft.com/office/drawing/2014/main" id="{B6EBCD5F-A998-E34B-B609-7A4D246D72F7}"/>
-              </a:ext>
-            </a:extLst>
-          </p:cNvPr>
-          <p:cNvSpPr>
-            <a:spLocks noGrp="1"/>
-          </p:cNvSpPr>
-          <p:nvPr>
-            <p:ph idx="1"/>
-          </p:nvPr>
-        </p:nvSpPr>
-        <p:spPr/>
-        <p:txBody>
-          <a:bodyPr/>
-          <a:lstStyle/>
-          <a:p>
-            <a:endParaRPr lang="de-DE" sz="2000" dirty="0"/>
-          </a:p>
-        </p:txBody>
-      </p:sp>
-    </p:spTree>
-    <p:extLst>
-      <p:ext uri="{BB962C8B-B14F-4D97-AF65-F5344CB8AC3E}">
-        <p14:creationId xmlns:p14="http://schemas.microsoft.com/office/powerpoint/2010/main" val="2939723199"/>
-      </p:ext>
-    </p:extLst>
-  </p:cSld>
-  <p:clrMapOvr>
-    <a:masterClrMapping/>
-  </p:clrMapOvr>
-</p:sld>
-</file>
-
 <file path=ppt/slides/slide15.xml><?xml version="1.0" encoding="utf-8"?>
 <p:sld xmlns:a="http://schemas.openxmlformats.org/drawingml/2006/main" xmlns:r="http://schemas.openxmlformats.org/officeDocument/2006/relationships" xmlns:p="http://schemas.openxmlformats.org/presentationml/2006/main">
   <p:cSld>
@@ -5722,7 +5931,7 @@
             </a:r>
             <a:r>
               <a:rPr lang="de-DE" dirty="0" err="1"/>
-              <a:t>machine</a:t>
+              <a:t>classifier</a:t>
             </a:r>
             <a:endParaRPr lang="de-DE" dirty="0"/>
           </a:p>
@@ -5756,7 +5965,7 @@
     </p:spTree>
     <p:extLst>
       <p:ext uri="{BB962C8B-B14F-4D97-AF65-F5344CB8AC3E}">
-        <p14:creationId xmlns:p14="http://schemas.microsoft.com/office/powerpoint/2010/main" val="3746182716"/>
+        <p14:creationId xmlns:p14="http://schemas.microsoft.com/office/powerpoint/2010/main" val="2939723199"/>
       </p:ext>
     </p:extLst>
   </p:cSld>
@@ -5788,7 +5997,7 @@
           <p:cNvPr id="2" name="Titel 1">
             <a:extLst>
               <a:ext uri="{FF2B5EF4-FFF2-40B4-BE49-F238E27FC236}">
-                <a16:creationId xmlns:a16="http://schemas.microsoft.com/office/drawing/2014/main" id="{9C274E31-D4F7-6C4A-D81C-1BC18A1044AE}"/>
+                <a16:creationId xmlns:a16="http://schemas.microsoft.com/office/drawing/2014/main" id="{388F7BA3-B785-BDE2-BAC6-74C1F53E9285}"/>
               </a:ext>
             </a:extLst>
           </p:cNvPr>
@@ -5805,9 +6014,42 @@
           <a:lstStyle/>
           <a:p>
             <a:r>
+              <a:rPr lang="de-DE" dirty="0" err="1"/>
+              <a:t>How</a:t>
+            </a:r>
+            <a:r>
               <a:rPr lang="de-DE" dirty="0"/>
-              <a:t>Dataset: ALLBUS</a:t>
-            </a:r>
+              <a:t> </a:t>
+            </a:r>
+            <a:r>
+              <a:rPr lang="de-DE" dirty="0" err="1"/>
+              <a:t>it</a:t>
+            </a:r>
+            <a:r>
+              <a:rPr lang="de-DE" dirty="0"/>
+              <a:t> </a:t>
+            </a:r>
+            <a:r>
+              <a:rPr lang="de-DE" dirty="0" err="1"/>
+              <a:t>works</a:t>
+            </a:r>
+            <a:r>
+              <a:rPr lang="de-DE" dirty="0"/>
+              <a:t>: Support </a:t>
+            </a:r>
+            <a:r>
+              <a:rPr lang="de-DE" dirty="0" err="1"/>
+              <a:t>vector</a:t>
+            </a:r>
+            <a:r>
+              <a:rPr lang="de-DE" dirty="0"/>
+              <a:t> </a:t>
+            </a:r>
+            <a:r>
+              <a:rPr lang="de-DE" dirty="0" err="1"/>
+              <a:t>machine</a:t>
+            </a:r>
+            <a:endParaRPr lang="de-DE" dirty="0"/>
           </a:p>
         </p:txBody>
       </p:sp>
@@ -5816,7 +6058,7 @@
           <p:cNvPr id="3" name="Inhaltsplatzhalter 2">
             <a:extLst>
               <a:ext uri="{FF2B5EF4-FFF2-40B4-BE49-F238E27FC236}">
-                <a16:creationId xmlns:a16="http://schemas.microsoft.com/office/drawing/2014/main" id="{A6EE175B-F110-2231-4746-FB0A5137CFF3}"/>
+                <a16:creationId xmlns:a16="http://schemas.microsoft.com/office/drawing/2014/main" id="{B6EBCD5F-A998-E34B-B609-7A4D246D72F7}"/>
               </a:ext>
             </a:extLst>
           </p:cNvPr>
@@ -5827,206 +6069,19 @@
             <p:ph idx="1"/>
           </p:nvPr>
         </p:nvSpPr>
-        <p:spPr>
-          <a:xfrm>
-            <a:off x="395536" y="1353344"/>
-            <a:ext cx="7344816" cy="3162622"/>
-          </a:xfrm>
-        </p:spPr>
+        <p:spPr/>
         <p:txBody>
           <a:bodyPr/>
           <a:lstStyle/>
           <a:p>
-            <a:r>
-              <a:rPr lang="de-DE" sz="2000" dirty="0"/>
-              <a:t>„General </a:t>
-            </a:r>
-            <a:r>
-              <a:rPr lang="de-DE" sz="2000" dirty="0" err="1"/>
-              <a:t>population</a:t>
-            </a:r>
-            <a:r>
-              <a:rPr lang="de-DE" sz="2000" dirty="0"/>
-              <a:t> </a:t>
-            </a:r>
-            <a:r>
-              <a:rPr lang="de-DE" sz="2000" dirty="0" err="1"/>
-              <a:t>survey</a:t>
-            </a:r>
-            <a:r>
-              <a:rPr lang="de-DE" sz="2000" dirty="0"/>
-              <a:t> </a:t>
-            </a:r>
-            <a:r>
-              <a:rPr lang="de-DE" sz="2000" dirty="0" err="1"/>
-              <a:t>of</a:t>
-            </a:r>
-            <a:r>
-              <a:rPr lang="de-DE" sz="2000" dirty="0"/>
-              <a:t> </a:t>
-            </a:r>
-            <a:r>
-              <a:rPr lang="de-DE" sz="2000" dirty="0" err="1"/>
-              <a:t>the</a:t>
-            </a:r>
-            <a:r>
-              <a:rPr lang="de-DE" sz="2000" dirty="0"/>
-              <a:t> social </a:t>
-            </a:r>
-            <a:r>
-              <a:rPr lang="de-DE" sz="2000" dirty="0" err="1"/>
-              <a:t>sciences</a:t>
-            </a:r>
-            <a:r>
-              <a:rPr lang="de-DE" sz="2000" dirty="0"/>
-              <a:t>“ 	  </a:t>
-            </a:r>
-            <a:r>
-              <a:rPr lang="de-DE" sz="1000" dirty="0"/>
-              <a:t>(Allgemeine Bevölkerungsumfrage der Sozialwissenschaften)</a:t>
-            </a:r>
-          </a:p>
-          <a:p>
-            <a:r>
-              <a:rPr lang="de-DE" sz="2000" b="1" dirty="0"/>
-              <a:t>Response Variable</a:t>
-            </a:r>
-            <a:r>
-              <a:rPr lang="de-DE" sz="2000" dirty="0"/>
-              <a:t>:</a:t>
-            </a:r>
-          </a:p>
-          <a:p>
-            <a:pPr lvl="1"/>
-            <a:r>
-              <a:rPr lang="de-DE" sz="1800" dirty="0"/>
-              <a:t>„Federal </a:t>
-            </a:r>
-            <a:r>
-              <a:rPr lang="de-DE" sz="1800" dirty="0" err="1"/>
-              <a:t>state</a:t>
-            </a:r>
-            <a:r>
-              <a:rPr lang="de-DE" sz="1800" dirty="0"/>
-              <a:t> </a:t>
-            </a:r>
-            <a:r>
-              <a:rPr lang="de-DE" sz="1800" dirty="0" err="1"/>
-              <a:t>where</a:t>
-            </a:r>
-            <a:r>
-              <a:rPr lang="de-DE" sz="1800" dirty="0"/>
-              <a:t> </a:t>
-            </a:r>
-            <a:r>
-              <a:rPr lang="de-DE" sz="1800" dirty="0" err="1"/>
-              <a:t>interviewee</a:t>
-            </a:r>
-            <a:r>
-              <a:rPr lang="de-DE" sz="1800" dirty="0"/>
-              <a:t> </a:t>
-            </a:r>
-            <a:r>
-              <a:rPr lang="de-DE" sz="1800" dirty="0" err="1"/>
-              <a:t>lived</a:t>
-            </a:r>
-            <a:r>
-              <a:rPr lang="de-DE" sz="1800" dirty="0"/>
-              <a:t> in </a:t>
-            </a:r>
-            <a:r>
-              <a:rPr lang="de-DE" sz="1800" dirty="0" err="1"/>
-              <a:t>youth</a:t>
-            </a:r>
-            <a:r>
-              <a:rPr lang="de-DE" sz="1800" dirty="0"/>
-              <a:t>“</a:t>
-            </a:r>
-          </a:p>
-          <a:p>
-            <a:pPr lvl="1"/>
-            <a:r>
-              <a:rPr lang="de-DE" sz="1800" dirty="0" err="1">
-                <a:sym typeface="Wingdings" panose="05000000000000000000" pitchFamily="2" charset="2"/>
-              </a:rPr>
-              <a:t>coded</a:t>
-            </a:r>
-            <a:r>
-              <a:rPr lang="de-DE" sz="1800" dirty="0">
-                <a:sym typeface="Wingdings" panose="05000000000000000000" pitchFamily="2" charset="2"/>
-              </a:rPr>
-              <a:t> </a:t>
-            </a:r>
-            <a:r>
-              <a:rPr lang="de-DE" sz="1800" dirty="0" err="1">
-                <a:sym typeface="Wingdings" panose="05000000000000000000" pitchFamily="2" charset="2"/>
-              </a:rPr>
-              <a:t>to</a:t>
-            </a:r>
-            <a:r>
-              <a:rPr lang="de-DE" sz="1800" dirty="0">
-                <a:sym typeface="Wingdings" panose="05000000000000000000" pitchFamily="2" charset="2"/>
-              </a:rPr>
-              <a:t> „Youth in East/West Germany“</a:t>
-            </a:r>
-            <a:endParaRPr lang="de-DE" sz="1800" dirty="0"/>
-          </a:p>
-          <a:p>
-            <a:r>
-              <a:rPr lang="de-DE" sz="2000" b="1" dirty="0" err="1"/>
-              <a:t>Predictor</a:t>
-            </a:r>
-            <a:r>
-              <a:rPr lang="de-DE" sz="2000" b="1" dirty="0"/>
-              <a:t> Variables</a:t>
-            </a:r>
-            <a:r>
-              <a:rPr lang="de-DE" sz="2000" dirty="0"/>
-              <a:t>:</a:t>
-            </a:r>
-          </a:p>
-          <a:p>
-            <a:pPr lvl="1"/>
-            <a:r>
-              <a:rPr lang="de-DE" sz="1800" dirty="0"/>
-              <a:t>121 variables </a:t>
-            </a:r>
-            <a:r>
-              <a:rPr lang="de-DE" sz="1800" dirty="0" err="1"/>
-              <a:t>concerning</a:t>
-            </a:r>
-            <a:r>
-              <a:rPr lang="de-DE" sz="1800" dirty="0"/>
-              <a:t> </a:t>
-            </a:r>
-            <a:r>
-              <a:rPr lang="de-DE" sz="1800" dirty="0" err="1"/>
-              <a:t>attitudes</a:t>
-            </a:r>
-            <a:r>
-              <a:rPr lang="de-DE" sz="1800" dirty="0"/>
-              <a:t>, </a:t>
-            </a:r>
-            <a:r>
-              <a:rPr lang="de-DE" sz="1800" dirty="0" err="1"/>
-              <a:t>behavior</a:t>
-            </a:r>
-            <a:r>
-              <a:rPr lang="de-DE" sz="1800" dirty="0"/>
-              <a:t> and social </a:t>
-            </a:r>
-            <a:r>
-              <a:rPr lang="de-DE" sz="1800" dirty="0" err="1"/>
-              <a:t>change</a:t>
-            </a:r>
-            <a:endParaRPr lang="de-DE" sz="1800" dirty="0"/>
+            <a:endParaRPr lang="de-DE" sz="2000" dirty="0"/>
           </a:p>
         </p:txBody>
       </p:sp>
     </p:spTree>
     <p:extLst>
       <p:ext uri="{BB962C8B-B14F-4D97-AF65-F5344CB8AC3E}">
-        <p14:creationId xmlns:p14="http://schemas.microsoft.com/office/powerpoint/2010/main" val="2732348097"/>
+        <p14:creationId xmlns:p14="http://schemas.microsoft.com/office/powerpoint/2010/main" val="3746182716"/>
       </p:ext>
     </p:extLst>
   </p:cSld>
@@ -6108,6 +6163,276 @@
           <a:lstStyle/>
           <a:p>
             <a:r>
+              <a:rPr lang="de-DE" sz="2000" dirty="0"/>
+              <a:t>„General </a:t>
+            </a:r>
+            <a:r>
+              <a:rPr lang="de-DE" sz="2000" dirty="0" err="1"/>
+              <a:t>population</a:t>
+            </a:r>
+            <a:r>
+              <a:rPr lang="de-DE" sz="2000" dirty="0"/>
+              <a:t> </a:t>
+            </a:r>
+            <a:r>
+              <a:rPr lang="de-DE" sz="2000" dirty="0" err="1"/>
+              <a:t>survey</a:t>
+            </a:r>
+            <a:r>
+              <a:rPr lang="de-DE" sz="2000" dirty="0"/>
+              <a:t> </a:t>
+            </a:r>
+            <a:r>
+              <a:rPr lang="de-DE" sz="2000" dirty="0" err="1"/>
+              <a:t>of</a:t>
+            </a:r>
+            <a:r>
+              <a:rPr lang="de-DE" sz="2000" dirty="0"/>
+              <a:t> </a:t>
+            </a:r>
+            <a:r>
+              <a:rPr lang="de-DE" sz="2000" dirty="0" err="1"/>
+              <a:t>the</a:t>
+            </a:r>
+            <a:r>
+              <a:rPr lang="de-DE" sz="2000" dirty="0"/>
+              <a:t> social </a:t>
+            </a:r>
+            <a:r>
+              <a:rPr lang="de-DE" sz="2000" dirty="0" err="1"/>
+              <a:t>sciences</a:t>
+            </a:r>
+            <a:r>
+              <a:rPr lang="de-DE" sz="2000" dirty="0"/>
+              <a:t>“ 	  </a:t>
+            </a:r>
+            <a:r>
+              <a:rPr lang="de-DE" sz="1000" dirty="0"/>
+              <a:t>(Allgemeine Bevölkerungsumfrage der Sozialwissenschaften)</a:t>
+            </a:r>
+          </a:p>
+          <a:p>
+            <a:r>
+              <a:rPr lang="de-DE" sz="2000" b="1" dirty="0"/>
+              <a:t>Response Variable</a:t>
+            </a:r>
+            <a:r>
+              <a:rPr lang="de-DE" sz="2000" dirty="0"/>
+              <a:t>:</a:t>
+            </a:r>
+          </a:p>
+          <a:p>
+            <a:pPr lvl="1"/>
+            <a:r>
+              <a:rPr lang="de-DE" sz="1800" dirty="0"/>
+              <a:t>„Federal </a:t>
+            </a:r>
+            <a:r>
+              <a:rPr lang="de-DE" sz="1800" dirty="0" err="1"/>
+              <a:t>state</a:t>
+            </a:r>
+            <a:r>
+              <a:rPr lang="de-DE" sz="1800" dirty="0"/>
+              <a:t> </a:t>
+            </a:r>
+            <a:r>
+              <a:rPr lang="de-DE" sz="1800" dirty="0" err="1"/>
+              <a:t>where</a:t>
+            </a:r>
+            <a:r>
+              <a:rPr lang="de-DE" sz="1800" dirty="0"/>
+              <a:t> </a:t>
+            </a:r>
+            <a:r>
+              <a:rPr lang="de-DE" sz="1800" dirty="0" err="1"/>
+              <a:t>interviewee</a:t>
+            </a:r>
+            <a:r>
+              <a:rPr lang="de-DE" sz="1800" dirty="0"/>
+              <a:t> </a:t>
+            </a:r>
+            <a:r>
+              <a:rPr lang="de-DE" sz="1800" dirty="0" err="1"/>
+              <a:t>lived</a:t>
+            </a:r>
+            <a:r>
+              <a:rPr lang="de-DE" sz="1800" dirty="0"/>
+              <a:t> in </a:t>
+            </a:r>
+            <a:r>
+              <a:rPr lang="de-DE" sz="1800" dirty="0" err="1"/>
+              <a:t>youth</a:t>
+            </a:r>
+            <a:r>
+              <a:rPr lang="de-DE" sz="1800" dirty="0"/>
+              <a:t>“</a:t>
+            </a:r>
+          </a:p>
+          <a:p>
+            <a:pPr lvl="1"/>
+            <a:r>
+              <a:rPr lang="de-DE" sz="1800" dirty="0" err="1">
+                <a:sym typeface="Wingdings" panose="05000000000000000000" pitchFamily="2" charset="2"/>
+              </a:rPr>
+              <a:t>coded</a:t>
+            </a:r>
+            <a:r>
+              <a:rPr lang="de-DE" sz="1800" dirty="0">
+                <a:sym typeface="Wingdings" panose="05000000000000000000" pitchFamily="2" charset="2"/>
+              </a:rPr>
+              <a:t> </a:t>
+            </a:r>
+            <a:r>
+              <a:rPr lang="de-DE" sz="1800" dirty="0" err="1">
+                <a:sym typeface="Wingdings" panose="05000000000000000000" pitchFamily="2" charset="2"/>
+              </a:rPr>
+              <a:t>to</a:t>
+            </a:r>
+            <a:r>
+              <a:rPr lang="de-DE" sz="1800" dirty="0">
+                <a:sym typeface="Wingdings" panose="05000000000000000000" pitchFamily="2" charset="2"/>
+              </a:rPr>
+              <a:t> „Youth in East/West Germany“</a:t>
+            </a:r>
+            <a:endParaRPr lang="de-DE" sz="1800" dirty="0"/>
+          </a:p>
+          <a:p>
+            <a:r>
+              <a:rPr lang="de-DE" sz="2000" b="1" dirty="0" err="1"/>
+              <a:t>Predictor</a:t>
+            </a:r>
+            <a:r>
+              <a:rPr lang="de-DE" sz="2000" b="1" dirty="0"/>
+              <a:t> Variables</a:t>
+            </a:r>
+            <a:r>
+              <a:rPr lang="de-DE" sz="2000" dirty="0"/>
+              <a:t>:</a:t>
+            </a:r>
+          </a:p>
+          <a:p>
+            <a:pPr lvl="1"/>
+            <a:r>
+              <a:rPr lang="de-DE" sz="1800" dirty="0"/>
+              <a:t>121 variables </a:t>
+            </a:r>
+            <a:r>
+              <a:rPr lang="de-DE" sz="1800" dirty="0" err="1"/>
+              <a:t>concerning</a:t>
+            </a:r>
+            <a:r>
+              <a:rPr lang="de-DE" sz="1800" dirty="0"/>
+              <a:t> </a:t>
+            </a:r>
+            <a:r>
+              <a:rPr lang="de-DE" sz="1800" dirty="0" err="1"/>
+              <a:t>attitudes</a:t>
+            </a:r>
+            <a:r>
+              <a:rPr lang="de-DE" sz="1800" dirty="0"/>
+              <a:t>, </a:t>
+            </a:r>
+            <a:r>
+              <a:rPr lang="de-DE" sz="1800" dirty="0" err="1"/>
+              <a:t>behavior</a:t>
+            </a:r>
+            <a:r>
+              <a:rPr lang="de-DE" sz="1800" dirty="0"/>
+              <a:t> and social </a:t>
+            </a:r>
+            <a:r>
+              <a:rPr lang="de-DE" sz="1800" dirty="0" err="1"/>
+              <a:t>change</a:t>
+            </a:r>
+            <a:endParaRPr lang="de-DE" sz="1800" dirty="0"/>
+          </a:p>
+        </p:txBody>
+      </p:sp>
+    </p:spTree>
+    <p:extLst>
+      <p:ext uri="{BB962C8B-B14F-4D97-AF65-F5344CB8AC3E}">
+        <p14:creationId xmlns:p14="http://schemas.microsoft.com/office/powerpoint/2010/main" val="2732348097"/>
+      </p:ext>
+    </p:extLst>
+  </p:cSld>
+  <p:clrMapOvr>
+    <a:masterClrMapping/>
+  </p:clrMapOvr>
+</p:sld>
+</file>
+
+<file path=ppt/slides/slide18.xml><?xml version="1.0" encoding="utf-8"?>
+<p:sld xmlns:a="http://schemas.openxmlformats.org/drawingml/2006/main" xmlns:r="http://schemas.openxmlformats.org/officeDocument/2006/relationships" xmlns:p="http://schemas.openxmlformats.org/presentationml/2006/main">
+  <p:cSld>
+    <p:spTree>
+      <p:nvGrpSpPr>
+        <p:cNvPr id="1" name=""/>
+        <p:cNvGrpSpPr/>
+        <p:nvPr/>
+      </p:nvGrpSpPr>
+      <p:grpSpPr>
+        <a:xfrm>
+          <a:off x="0" y="0"/>
+          <a:ext cx="0" cy="0"/>
+          <a:chOff x="0" y="0"/>
+          <a:chExt cx="0" cy="0"/>
+        </a:xfrm>
+      </p:grpSpPr>
+      <p:sp>
+        <p:nvSpPr>
+          <p:cNvPr id="2" name="Titel 1">
+            <a:extLst>
+              <a:ext uri="{FF2B5EF4-FFF2-40B4-BE49-F238E27FC236}">
+                <a16:creationId xmlns:a16="http://schemas.microsoft.com/office/drawing/2014/main" id="{9C274E31-D4F7-6C4A-D81C-1BC18A1044AE}"/>
+              </a:ext>
+            </a:extLst>
+          </p:cNvPr>
+          <p:cNvSpPr>
+            <a:spLocks noGrp="1"/>
+          </p:cNvSpPr>
+          <p:nvPr>
+            <p:ph type="title"/>
+          </p:nvPr>
+        </p:nvSpPr>
+        <p:spPr/>
+        <p:txBody>
+          <a:bodyPr/>
+          <a:lstStyle/>
+          <a:p>
+            <a:r>
+              <a:rPr lang="de-DE" dirty="0"/>
+              <a:t>Dataset: ALLBUS</a:t>
+            </a:r>
+          </a:p>
+        </p:txBody>
+      </p:sp>
+      <p:sp>
+        <p:nvSpPr>
+          <p:cNvPr id="3" name="Inhaltsplatzhalter 2">
+            <a:extLst>
+              <a:ext uri="{FF2B5EF4-FFF2-40B4-BE49-F238E27FC236}">
+                <a16:creationId xmlns:a16="http://schemas.microsoft.com/office/drawing/2014/main" id="{A6EE175B-F110-2231-4746-FB0A5137CFF3}"/>
+              </a:ext>
+            </a:extLst>
+          </p:cNvPr>
+          <p:cNvSpPr>
+            <a:spLocks noGrp="1"/>
+          </p:cNvSpPr>
+          <p:nvPr>
+            <p:ph idx="1"/>
+          </p:nvPr>
+        </p:nvSpPr>
+        <p:spPr>
+          <a:xfrm>
+            <a:off x="395536" y="1353344"/>
+            <a:ext cx="7344816" cy="3162622"/>
+          </a:xfrm>
+        </p:spPr>
+        <p:txBody>
+          <a:bodyPr/>
+          <a:lstStyle/>
+          <a:p>
+            <a:r>
               <a:rPr lang="de-DE" sz="2000" b="1" dirty="0"/>
               <a:t>Data </a:t>
             </a:r>
@@ -6246,7 +6571,7 @@
 </p:sld>
 </file>
 
-<file path=ppt/slides/slide18.xml><?xml version="1.0" encoding="utf-8"?>
+<file path=ppt/slides/slide19.xml><?xml version="1.0" encoding="utf-8"?>
 <p:sld xmlns:a="http://schemas.openxmlformats.org/drawingml/2006/main" xmlns:r="http://schemas.openxmlformats.org/officeDocument/2006/relationships" xmlns:p="http://schemas.openxmlformats.org/presentationml/2006/main">
   <p:cSld>
     <p:spTree>
@@ -6367,89 +6692,6 @@
     <p:extLst>
       <p:ext uri="{BB962C8B-B14F-4D97-AF65-F5344CB8AC3E}">
         <p14:creationId xmlns:p14="http://schemas.microsoft.com/office/powerpoint/2010/main" val="1886016345"/>
-      </p:ext>
-    </p:extLst>
-  </p:cSld>
-  <p:clrMapOvr>
-    <a:masterClrMapping/>
-  </p:clrMapOvr>
-</p:sld>
-</file>
-
-<file path=ppt/slides/slide19.xml><?xml version="1.0" encoding="utf-8"?>
-<p:sld xmlns:a="http://schemas.openxmlformats.org/drawingml/2006/main" xmlns:r="http://schemas.openxmlformats.org/officeDocument/2006/relationships" xmlns:p="http://schemas.openxmlformats.org/presentationml/2006/main">
-  <p:cSld>
-    <p:spTree>
-      <p:nvGrpSpPr>
-        <p:cNvPr id="1" name=""/>
-        <p:cNvGrpSpPr/>
-        <p:nvPr/>
-      </p:nvGrpSpPr>
-      <p:grpSpPr>
-        <a:xfrm>
-          <a:off x="0" y="0"/>
-          <a:ext cx="0" cy="0"/>
-          <a:chOff x="0" y="0"/>
-          <a:chExt cx="0" cy="0"/>
-        </a:xfrm>
-      </p:grpSpPr>
-      <p:sp>
-        <p:nvSpPr>
-          <p:cNvPr id="2" name="Titel 1">
-            <a:extLst>
-              <a:ext uri="{FF2B5EF4-FFF2-40B4-BE49-F238E27FC236}">
-                <a16:creationId xmlns:a16="http://schemas.microsoft.com/office/drawing/2014/main" id="{5841DC02-6942-A02F-3690-049179BDDFFB}"/>
-              </a:ext>
-            </a:extLst>
-          </p:cNvPr>
-          <p:cNvSpPr>
-            <a:spLocks noGrp="1"/>
-          </p:cNvSpPr>
-          <p:nvPr>
-            <p:ph type="title"/>
-          </p:nvPr>
-        </p:nvSpPr>
-        <p:spPr/>
-        <p:txBody>
-          <a:bodyPr/>
-          <a:lstStyle/>
-          <a:p>
-            <a:r>
-              <a:rPr lang="de-DE" dirty="0"/>
-              <a:t>Eventuell Vergleich zur logistischen Regression</a:t>
-            </a:r>
-          </a:p>
-        </p:txBody>
-      </p:sp>
-      <p:sp>
-        <p:nvSpPr>
-          <p:cNvPr id="3" name="Inhaltsplatzhalter 2">
-            <a:extLst>
-              <a:ext uri="{FF2B5EF4-FFF2-40B4-BE49-F238E27FC236}">
-                <a16:creationId xmlns:a16="http://schemas.microsoft.com/office/drawing/2014/main" id="{53B72B76-6DAD-D05F-CD79-CA2DDBA8FA0A}"/>
-              </a:ext>
-            </a:extLst>
-          </p:cNvPr>
-          <p:cNvSpPr>
-            <a:spLocks noGrp="1"/>
-          </p:cNvSpPr>
-          <p:nvPr>
-            <p:ph idx="1"/>
-          </p:nvPr>
-        </p:nvSpPr>
-        <p:spPr/>
-        <p:txBody>
-          <a:bodyPr/>
-          <a:lstStyle/>
-          <a:p>
-            <a:endParaRPr lang="de-DE" sz="2000" dirty="0"/>
-          </a:p>
-        </p:txBody>
-      </p:sp>
-    </p:spTree>
-    <p:extLst>
-      <p:ext uri="{BB962C8B-B14F-4D97-AF65-F5344CB8AC3E}">
-        <p14:creationId xmlns:p14="http://schemas.microsoft.com/office/powerpoint/2010/main" val="3939977226"/>
       </p:ext>
     </p:extLst>
   </p:cSld>
@@ -6606,6 +6848,89 @@
 </p:sld>
 </file>
 
+<file path=ppt/slides/slide20.xml><?xml version="1.0" encoding="utf-8"?>
+<p:sld xmlns:a="http://schemas.openxmlformats.org/drawingml/2006/main" xmlns:r="http://schemas.openxmlformats.org/officeDocument/2006/relationships" xmlns:p="http://schemas.openxmlformats.org/presentationml/2006/main">
+  <p:cSld>
+    <p:spTree>
+      <p:nvGrpSpPr>
+        <p:cNvPr id="1" name=""/>
+        <p:cNvGrpSpPr/>
+        <p:nvPr/>
+      </p:nvGrpSpPr>
+      <p:grpSpPr>
+        <a:xfrm>
+          <a:off x="0" y="0"/>
+          <a:ext cx="0" cy="0"/>
+          <a:chOff x="0" y="0"/>
+          <a:chExt cx="0" cy="0"/>
+        </a:xfrm>
+      </p:grpSpPr>
+      <p:sp>
+        <p:nvSpPr>
+          <p:cNvPr id="2" name="Titel 1">
+            <a:extLst>
+              <a:ext uri="{FF2B5EF4-FFF2-40B4-BE49-F238E27FC236}">
+                <a16:creationId xmlns:a16="http://schemas.microsoft.com/office/drawing/2014/main" id="{5841DC02-6942-A02F-3690-049179BDDFFB}"/>
+              </a:ext>
+            </a:extLst>
+          </p:cNvPr>
+          <p:cNvSpPr>
+            <a:spLocks noGrp="1"/>
+          </p:cNvSpPr>
+          <p:nvPr>
+            <p:ph type="title"/>
+          </p:nvPr>
+        </p:nvSpPr>
+        <p:spPr/>
+        <p:txBody>
+          <a:bodyPr/>
+          <a:lstStyle/>
+          <a:p>
+            <a:r>
+              <a:rPr lang="de-DE" dirty="0"/>
+              <a:t>Eventuell Vergleich zur logistischen Regression</a:t>
+            </a:r>
+          </a:p>
+        </p:txBody>
+      </p:sp>
+      <p:sp>
+        <p:nvSpPr>
+          <p:cNvPr id="3" name="Inhaltsplatzhalter 2">
+            <a:extLst>
+              <a:ext uri="{FF2B5EF4-FFF2-40B4-BE49-F238E27FC236}">
+                <a16:creationId xmlns:a16="http://schemas.microsoft.com/office/drawing/2014/main" id="{53B72B76-6DAD-D05F-CD79-CA2DDBA8FA0A}"/>
+              </a:ext>
+            </a:extLst>
+          </p:cNvPr>
+          <p:cNvSpPr>
+            <a:spLocks noGrp="1"/>
+          </p:cNvSpPr>
+          <p:nvPr>
+            <p:ph idx="1"/>
+          </p:nvPr>
+        </p:nvSpPr>
+        <p:spPr/>
+        <p:txBody>
+          <a:bodyPr/>
+          <a:lstStyle/>
+          <a:p>
+            <a:endParaRPr lang="de-DE" sz="2000" dirty="0"/>
+          </a:p>
+        </p:txBody>
+      </p:sp>
+    </p:spTree>
+    <p:extLst>
+      <p:ext uri="{BB962C8B-B14F-4D97-AF65-F5344CB8AC3E}">
+        <p14:creationId xmlns:p14="http://schemas.microsoft.com/office/powerpoint/2010/main" val="3939977226"/>
+      </p:ext>
+    </p:extLst>
+  </p:cSld>
+  <p:clrMapOvr>
+    <a:masterClrMapping/>
+  </p:clrMapOvr>
+</p:sld>
+</file>
+
 <file path=ppt/slides/slide3.xml><?xml version="1.0" encoding="utf-8"?>
 <p:sld xmlns:a="http://schemas.openxmlformats.org/drawingml/2006/main" xmlns:r="http://schemas.openxmlformats.org/officeDocument/2006/relationships" xmlns:p="http://schemas.openxmlformats.org/presentationml/2006/main">
   <p:cSld>
@@ -7108,8 +7433,8 @@
           </a:p>
         </p:txBody>
       </p:sp>
-      <mc:AlternateContent xmlns:mc="http://schemas.openxmlformats.org/markup-compatibility/2006" xmlns:a14="http://schemas.microsoft.com/office/drawing/2010/main">
-        <mc:Choice Requires="a14">
+      <mc:AlternateContent xmlns:mc="http://schemas.openxmlformats.org/markup-compatibility/2006">
+        <mc:Choice xmlns:a14="http://schemas.microsoft.com/office/drawing/2010/main" Requires="a14">
           <p:sp>
             <p:nvSpPr>
               <p:cNvPr id="3" name="Inhaltsplatzhalter 2">
@@ -7128,7 +7453,7 @@
             </p:nvSpPr>
             <p:spPr>
               <a:xfrm>
-                <a:off x="395536" y="1353344"/>
+                <a:off x="467544" y="1458490"/>
                 <a:ext cx="4680520" cy="2664633"/>
               </a:xfrm>
             </p:spPr>
@@ -7685,7 +8010,7 @@
             </p:txBody>
           </p:sp>
         </mc:Choice>
-        <mc:Fallback xmlns="">
+        <mc:Fallback>
           <p:sp>
             <p:nvSpPr>
               <p:cNvPr id="3" name="Inhaltsplatzhalter 2">
@@ -7704,13 +8029,13 @@
             </p:nvSpPr>
             <p:spPr>
               <a:xfrm>
-                <a:off x="395536" y="1353344"/>
+                <a:off x="467544" y="1458490"/>
                 <a:ext cx="4680520" cy="2664633"/>
               </a:xfrm>
               <a:blipFill>
                 <a:blip r:embed="rId2"/>
                 <a:stretch>
-                  <a:fillRect l="-1172" t="-915" r="-260" b="-13043"/>
+                  <a:fillRect l="-1173" t="-915" r="-391" b="-13043"/>
                 </a:stretch>
               </a:blipFill>
             </p:spPr>
@@ -8218,10 +8543,10 @@
       </p:sp>
       <p:pic>
         <p:nvPicPr>
-          <p:cNvPr id="7" name="Grafik 6" descr="\documentclass[20pt]{article}&#10;\usepackage{amsmath,amsfonts,amssymb,xcolor, mathtools}&#10;\pagestyle{empty}&#10;\usepackage[T1]{fontenc}&#10;\usepackage{fontspec}&#10;\setsansfont{Arial}&#10;\renewcommand\familydefault{\sfdefault}&#10;\begin{document}&#10;\begin{itemize}&#10;\item consider $x^+ \rightarrow$ vector to a \newline postive sample lying on the gutter \newline&#10;($x^- \rightarrow$ negative sample on gutter)&#10;\item to measure the \textcolor{magenta}{width} of the margin  \newline&#10;$(x^+ -x^-)$ is Projected on the unit \newline&#10;vector of $\beta$ &#10;\item $M=(x^+ -x^-)\cdot \frac{\beta}{||\beta||}=\frac{\beta x^+ -\beta x^-}{||\beta||}$&#10;&#10;\end{itemize}&#10;&#10;\end{document}" title="IguanaTex Picture Display">
+          <p:cNvPr id="6" name="Grafik 5" descr="\documentclass[20pt]{article}&#10;\usepackage{amsmath,amsfonts,amssymb,xcolor, mathtools}&#10;\pagestyle{empty}&#10;\usepackage[T1]{fontenc}&#10;\usepackage{fontspec}&#10;\setsansfont{Arial}&#10;\renewcommand\familydefault{\sfdefault}&#10;\begin{document}&#10;\begin{itemize}&#10;\item consider $x^+ \rightarrow$ vector to a \newline postive sample lying on the gutter \newline&#10;($x^- \rightarrow$ negative sample on gutter)\newline&#10;$\Rightarrow$ considered as \textbf{Support Vectors}&#10;\item to measure the \textcolor{magenta}{width} of the margin  \newline&#10;$(x^+ -x^-)$ is Projected on the unit \newline&#10;vector of $\beta$ &#10;\item $M=(x^+ -x^-)\cdot \frac{\beta}{||\beta||}=\frac{\beta x^+ -\beta x^-}{||\beta||}$&#10;&#10;\end{itemize}&#10;&#10;\end{document}" title="IguanaTex Picture Display">
             <a:extLst>
               <a:ext uri="{FF2B5EF4-FFF2-40B4-BE49-F238E27FC236}">
-                <a16:creationId xmlns:a16="http://schemas.microsoft.com/office/drawing/2014/main" id="{A8331EF8-F198-BD0D-88A5-998FB508D2D0}"/>
+                <a16:creationId xmlns:a16="http://schemas.microsoft.com/office/drawing/2014/main" id="{19F18647-D3FC-29E5-A5FE-9CEA64B812DB}"/>
               </a:ext>
             </a:extLst>
           </p:cNvPr>
@@ -8248,8 +8573,8 @@
         </p:blipFill>
         <p:spPr>
           <a:xfrm>
-            <a:off x="755576" y="1485453"/>
-            <a:ext cx="3667234" cy="2399012"/>
+            <a:off x="755576" y="1485455"/>
+            <a:ext cx="3698355" cy="2680019"/>
           </a:xfrm>
           <a:prstGeom prst="rect">
             <a:avLst/>
@@ -8393,10 +8718,10 @@
       </p:sp>
       <p:pic>
         <p:nvPicPr>
-          <p:cNvPr id="4" name="Grafik 3" descr="\documentclass[20pt]{article}&#10;\usepackage{amsmath,amsfonts,amssymb,xcolor, mathtools}&#10;\pagestyle{empty}&#10;\usepackage[T1]{fontenc}&#10;\usepackage{fontspec}&#10;\setsansfont{Arial}&#10;\renewcommand\familydefault{\sfdefault}&#10;\begin{document}&#10;\begin{itemize}&#10;\item for a positive sample laying on the gutter \newline&#10;we know $\beta x^+ +\beta_0 = 1 \Leftrightarrow \beta x^+=1-\beta_0$ &#10;\item conversely for a negativ sample on the gutter \newline&#10;$\beta x^- +\beta_0 = -1 \Leftrightarrow \beta x^+=-1-\beta_0$&#10;\item imputed in the derived formula for the width\newline&#10;$\rightarrow \frac{1-\beta_0-(-1-\beta_0)}{||\beta||}=\frac{2}{||\beta||}$&#10;\item which is changed to $\frac{1}{2} ||\beta||^2=\frac{1}{2} \beta ' \beta$ for the \newline minimization&#10;\end{itemize}&#10;&#10;\end{document}" title="IguanaTex Picture Display">
+          <p:cNvPr id="9" name="Grafik 8" descr="\documentclass[20pt]{article}&#10;\usepackage{amsmath,amsfonts,amssymb,xcolor, mathtools}&#10;\pagestyle{empty}&#10;\usepackage[T1]{fontenc}&#10;\usepackage{fontspec}&#10;\setsansfont{Arial}&#10;\renewcommand\familydefault{\sfdefault}&#10;\begin{document}&#10;\begin{itemize}&#10;\item for a positive sample laying on the gutter &#10;we know $$\beta \overline{x}^+ +\beta_0 = 1 \Leftrightarrow \beta \overline{x}^+=1-\beta_0$$&#10;\item conversely for a negativ sample on the gutter &#10;$$\beta \overline{x}^- +\beta_0 = -1 \Leftrightarrow \beta \overline{x}^-=-1-\beta_0$$&#10;\item imputed in the derived formula for the width&#10;$$\rightarrow \frac{1-\beta_0-(-1-\beta_0)}{||\beta||}=\frac{2}{||\beta||}$$&#10;\item which is changed to $\frac{1}{2} ||\beta||^2=\frac{1}{2} \beta ' \beta$ for the \newline minimization&#10;\end{itemize}&#10;&#10;\end{document}" title="IguanaTex Picture Display">
             <a:extLst>
               <a:ext uri="{FF2B5EF4-FFF2-40B4-BE49-F238E27FC236}">
-                <a16:creationId xmlns:a16="http://schemas.microsoft.com/office/drawing/2014/main" id="{728AC3AA-308A-EDE4-7AF9-8D77074AC095}"/>
+                <a16:creationId xmlns:a16="http://schemas.microsoft.com/office/drawing/2014/main" id="{EBF0AF07-2AAC-7FC9-6F75-A705CF15C226}"/>
               </a:ext>
             </a:extLst>
           </p:cNvPr>
@@ -8423,8 +8748,8 @@
         </p:blipFill>
         <p:spPr>
           <a:xfrm>
-            <a:off x="683568" y="1419622"/>
-            <a:ext cx="4725991" cy="2783453"/>
+            <a:off x="611560" y="1002292"/>
+            <a:ext cx="5511853" cy="4106536"/>
           </a:xfrm>
           <a:prstGeom prst="rect">
             <a:avLst/>
@@ -8487,13 +8812,13 @@
 <file path=ppt/tags/tag3.xml><?xml version="1.0" encoding="utf-8"?>
 <p:tagLst xmlns:a="http://schemas.openxmlformats.org/drawingml/2006/main" xmlns:r="http://schemas.openxmlformats.org/officeDocument/2006/relationships" xmlns:p="http://schemas.openxmlformats.org/presentationml/2006/main">
   <p:tag name="OUTPUTDPI" val="1200"/>
-  <p:tag name="ORIGINALHEIGHT" val="1284,179"/>
-  <p:tag name="ORIGINALWIDTH" val="2011,031"/>
+  <p:tag name="ORIGINALHEIGHT" val="1434,2"/>
+  <p:tag name="ORIGINALWIDTH" val="2027,533"/>
   <p:tag name="OUTPUTTYPE" val="PNG"/>
   <p:tag name="IGUANATEXVERSION" val="161"/>
-  <p:tag name="LATEXADDIN" val="\documentclass[20pt]{article}&#10;\usepackage{amsmath,amsfonts,amssymb,xcolor, mathtools}&#10;\pagestyle{empty}&#10;\usepackage[T1]{fontenc}&#10;\usepackage{fontspec}&#10;\setsansfont{Arial}&#10;\renewcommand\familydefault{\sfdefault}&#10;\begin{document}&#10;\begin{itemize}&#10;\item consider $x^+ \rightarrow$ vector to a \newline postive sample lying on the gutter \newline&#10;($x^- \rightarrow$ negative sample on gutter)&#10;\item to measure the \textcolor{magenta}{width} of the margin  \newline&#10;$(x^+ -x^-)$ is Projected on the unit \newline&#10;vector of $\beta$ &#10;\item $M=(x^+ -x^-)\cdot \frac{\beta}{||\beta||}=\frac{\beta x^+ -\beta x^-}{||\beta||}$&#10;&#10;\end{itemize}&#10;&#10;\end{document}"/>
+  <p:tag name="LATEXADDIN" val="\documentclass[20pt]{article}&#10;\usepackage{amsmath,amsfonts,amssymb,xcolor, mathtools}&#10;\pagestyle{empty}&#10;\usepackage[T1]{fontenc}&#10;\usepackage{fontspec}&#10;\setsansfont{Arial}&#10;\renewcommand\familydefault{\sfdefault}&#10;\begin{document}&#10;\begin{itemize}&#10;\item consider $x^+ \rightarrow$ vector to a \newline postive sample lying on the gutter \newline&#10;($x^- \rightarrow$ negative sample on gutter)\newline&#10;$\Rightarrow$ considered as \textbf{Support Vectors}&#10;\item to measure the \textcolor{magenta}{width} of the margin  \newline&#10;$(x^+ -x^-)$ is Projected on the unit \newline&#10;vector of $\beta$ &#10;\item $M=(x^+ -x^-)\cdot \frac{\beta}{||\beta||}=\frac{\beta x^+ -\beta x^-}{||\beta||}$&#10;&#10;\end{itemize}&#10;&#10;\end{document}"/>
   <p:tag name="IGUANATEXSIZE" val="18"/>
-  <p:tag name="IGUANATEXCURSOR" val="387"/>
+  <p:tag name="IGUANATEXCURSOR" val="399"/>
   <p:tag name="TRANSPARENCY" val="Wahr"/>
   <p:tag name="LATEXENGINEID" val="2"/>
   <p:tag name="TEMPFOLDER" val="E:\Dokumente\temp\"/>
@@ -8507,13 +8832,13 @@
 <file path=ppt/tags/tag4.xml><?xml version="1.0" encoding="utf-8"?>
 <p:tagLst xmlns:a="http://schemas.openxmlformats.org/drawingml/2006/main" xmlns:r="http://schemas.openxmlformats.org/officeDocument/2006/relationships" xmlns:p="http://schemas.openxmlformats.org/presentationml/2006/main">
   <p:tag name="OUTPUTDPI" val="1200"/>
-  <p:tag name="ORIGINALHEIGHT" val="1485,958"/>
-  <p:tag name="ORIGINALWIDTH" val="2588,611"/>
+  <p:tag name="ORIGINALHEIGHT" val="2188,055"/>
+  <p:tag name="ORIGINALWIDTH" val="3016,921"/>
   <p:tag name="OUTPUTTYPE" val="PNG"/>
   <p:tag name="IGUANATEXVERSION" val="161"/>
-  <p:tag name="LATEXADDIN" val="\documentclass[20pt]{article}&#10;\usepackage{amsmath,amsfonts,amssymb,xcolor, mathtools}&#10;\pagestyle{empty}&#10;\usepackage[T1]{fontenc}&#10;\usepackage{fontspec}&#10;\setsansfont{Arial}&#10;\renewcommand\familydefault{\sfdefault}&#10;\begin{document}&#10;\begin{itemize}&#10;\item for a positive sample laying on the gutter \newline&#10;we know $\beta x^+ +\beta_0 = 1 \Leftrightarrow \beta x^+=1-\beta_0$ &#10;\item conversely for a negativ sample on the gutter \newline&#10;$\beta x^- +\beta_0 = -1 \Leftrightarrow \beta x^+=-1-\beta_0$&#10;\item imputed in the derived formula for the width\newline&#10;$\rightarrow \frac{1-\beta_0-(-1-\beta_0)}{||\beta||}=\frac{2}{||\beta||}$&#10;\item which is changed to $\frac{1}{2} ||\beta||^2=\frac{1}{2} \beta ' \beta$ for the \newline minimization&#10;\end{itemize}&#10;&#10;\end{document}"/>
+  <p:tag name="LATEXADDIN" val="\documentclass[20pt]{article}&#10;\usepackage{amsmath,amsfonts,amssymb,xcolor, mathtools}&#10;\pagestyle{empty}&#10;\usepackage[T1]{fontenc}&#10;\usepackage{fontspec}&#10;\setsansfont{Arial}&#10;\renewcommand\familydefault{\sfdefault}&#10;\begin{document}&#10;\begin{itemize}&#10;\item for a positive sample laying on the gutter &#10;we know $$\beta \overline{x}^+ +\beta_0 = 1 \Leftrightarrow \beta \overline{x}^+=1-\beta_0$$&#10;\item conversely for a negativ sample on the gutter &#10;$$\beta \overline{x}^- +\beta_0 = -1 \Leftrightarrow \beta \overline{x}^-=-1-\beta_0$$&#10;\item imputed in the derived formula for the width&#10;$$\rightarrow \frac{1-\beta_0-(-1-\beta_0)}{||\beta||}=\frac{2}{||\beta||}$$&#10;\item which is changed to $\frac{1}{2} ||\beta||^2=\frac{1}{2} \beta ' \beta$ for the \newline minimization&#10;\end{itemize}&#10;&#10;\end{document}"/>
   <p:tag name="IGUANATEXSIZE" val="18"/>
-  <p:tag name="IGUANATEXCURSOR" val="706"/>
+  <p:tag name="IGUANATEXCURSOR" val="577"/>
   <p:tag name="TRANSPARENCY" val="Wahr"/>
   <p:tag name="LATEXENGINEID" val="2"/>
   <p:tag name="TEMPFOLDER" val="E:\Dokumente\temp\"/>
@@ -8531,9 +8856,9 @@
   <p:tag name="ORIGINALWIDTH" val="4088,821"/>
   <p:tag name="OUTPUTTYPE" val="PNG"/>
   <p:tag name="IGUANATEXVERSION" val="161"/>
-  <p:tag name="LATEXADDIN" val="\documentclass[20pt]{article}&#10;\usepackage{amsmath,amsfonts,amssymb,xcolor, mathtools}&#10;\pagestyle{empty}&#10;\usepackage[T1]{fontenc}&#10;\usepackage{fontspec}&#10;\setsansfont{Arial}&#10;\renewcommand\familydefault{\sfdefault}&#10;\begin{document}&#10;\begin{itemize}&#10;\item for the maximization the constraints that   $\beta \cdot x+\beta_0\ge 1$ for \textcolor{red}{positive} \newline and ($\beta \cdot x+\beta_0\le -1$) for \textcolor{green}{negative} are still to respect&#10;&#10;\item goal: merge both constraints in one&#10;\item introduce new variable $y$ with $y=1$ for positive samples and $y=-1$ for negative samples&#10;\item leading to constraint $y(\beta x+\beta_0)\ge 1$&#10;\end{itemize}&#10;\end{document}"/>
+  <p:tag name="LATEXADDIN" val="\documentclass[20pt]{article}&#10;\usepackage{amsmath,amsfonts,amssymb,xcolor, mathtools}&#10;\pagestyle{empty}&#10;\usepackage[T1]{fontenc}&#10;\usepackage{fontspec}&#10;\setsansfont{Arial}&#10;\renewcommand\familydefault{\sfdefault}&#10;\begin{document}&#10;\begin{itemize}&#10;\item for the maximization the constraints that   $\beta \cdot \overline{x}+\beta_0\ge 1$ for \textcolor{red}{positive} \newline and ($\beta \cdot \overline{x}+\beta_0\le -1$) for \textcolor{green}{negative} are still to respect&#10;&#10;\item goal: merge both constraints in one&#10;\item introduce new variable $y$ with $y=1$ for positive samples and $y=-1$ for negative samples&#10;\item leading to constraint $y(\beta x+\beta_0)\ge 1$&#10;\end{itemize}&#10;\end{document}"/>
   <p:tag name="IGUANATEXSIZE" val="18"/>
-  <p:tag name="IGUANATEXCURSOR" val="644"/>
+  <p:tag name="IGUANATEXCURSOR" val="681"/>
   <p:tag name="TRANSPARENCY" val="Wahr"/>
   <p:tag name="LATEXENGINEID" val="2"/>
   <p:tag name="TEMPFOLDER" val="E:\Dokumente\temp\"/>
@@ -8551,9 +8876,9 @@
   <p:tag name="ORIGINALWIDTH" val="3032,673"/>
   <p:tag name="OUTPUTTYPE" val="PNG"/>
   <p:tag name="IGUANATEXVERSION" val="161"/>
-  <p:tag name="LATEXADDIN" val="\documentclass[20pt]{article}&#10;\usepackage{amsmath,amsfonts,amssymb,xcolor, mathtools}&#10;\pagestyle{empty}&#10;\usepackage[T1]{fontenc}&#10;\usepackage{fontspec}&#10;\setsansfont{Arial}&#10;\renewcommand\familydefault{\sfdefault}&#10;\begin{document}&#10;\begin{itemize}&#10;\item Maximization with constraints $\rightarrow$ Lagrange Multipliers\newline&#10;$\mathcal{L}(\beta,x,\beta_0)=\frac{1}{2}\beta ' \beta-\sum \alpha_i[y_i(\beta \cdot x_i+\beta_0)-1]$&#10;\item derive with respect to $\beta$  and set to zero\newline&#10;$\frac{\partial \mathcal{L}}{\partial \beta}=\beta-\sum \alpha_i y_i x_i\overset{!}{=}0 \Rightarrow \beta=\sum \alpha_i y_i x_i $&#10;\item derive with respect to $\beta_0$ and set to zero&#10;\newline $\frac{\partial \mathcal{L}}{\partial \beta_0}=\sum \alpha_i y_i x_i\overset{!}{=}0$&#10;\end{itemize}&#10;\end{document}"/>
+  <p:tag name="LATEXADDIN" val="\documentclass[20pt]{article}&#10;\usepackage{amsmath,amsfonts,amssymb,xcolor, mathtools}&#10;\pagestyle{empty}&#10;\usepackage[T1]{fontenc}&#10;\usepackage{fontspec}&#10;\setsansfont{Arial}&#10;\renewcommand\familydefault{\sfdefault}&#10;\begin{document}&#10;\begin{itemize}&#10;\item Maximization with constraints $\rightarrow$ Lagrange Multipliers\newline&#10;$\mathcal{L}(\beta,\overline{x},\beta_0)=\frac{1}{2}\beta ' \beta-\sum \alpha_i[y_i(\beta \cdot \overline{x_i}+\beta_0)-1]$&#10;\item derive with respect to $\beta$  and set to zero\newline&#10;$\frac{\partial \mathcal{L}}{\partial \beta}=\beta-\sum \alpha_i y_i \overline{x_i}\overset{!}{=}0 \Rightarrow \beta=\sum \alpha_i y_i \overline{x_i} $&#10;\item derive with respect to $\beta_0$ and set to zero&#10;\newline $\frac{\partial \mathcal{L}}{\partial \beta_0}=\sum \alpha_i y_i \overline{x_i}\overset{!}{=}0$&#10;\end{itemize}&#10;\end{document}"/>
   <p:tag name="IGUANATEXSIZE" val="18"/>
-  <p:tag name="IGUANATEXCURSOR" val="377"/>
+  <p:tag name="IGUANATEXCURSOR" val="804"/>
   <p:tag name="TRANSPARENCY" val="Wahr"/>
   <p:tag name="LATEXENGINEID" val="2"/>
   <p:tag name="TEMPFOLDER" val="E:\Dokumente\temp\"/>
@@ -8567,13 +8892,33 @@
 <file path=ppt/tags/tag7.xml><?xml version="1.0" encoding="utf-8"?>
 <p:tagLst xmlns:a="http://schemas.openxmlformats.org/drawingml/2006/main" xmlns:r="http://schemas.openxmlformats.org/officeDocument/2006/relationships" xmlns:p="http://schemas.openxmlformats.org/presentationml/2006/main">
   <p:tag name="OUTPUTDPI" val="1200"/>
-  <p:tag name="ORIGINALHEIGHT" val="285,7899"/>
-  <p:tag name="ORIGINALWIDTH" val="3409,226"/>
+  <p:tag name="ORIGINALHEIGHT" val="1057,648"/>
+  <p:tag name="ORIGINALWIDTH" val="3932,049"/>
   <p:tag name="OUTPUTTYPE" val="PNG"/>
   <p:tag name="IGUANATEXVERSION" val="161"/>
-  <p:tag name="LATEXADDIN" val="\documentclass[20pt]{article}&#10;\usepackage{amsmath,amsfonts,amssymb,xcolor, mathtools}&#10;\pagestyle{empty}&#10;\usepackage[T1]{fontenc}&#10;\usepackage{fontspec}&#10;\setsansfont{Arial}&#10;\renewcommand\familydefault{\sfdefault}&#10;\begin{document}&#10;\begin{itemize}&#10;\item replace the derived beta in the original maximaztion function\newline&#10;$\frac{1}{2}\sum \alpha_i y_i x_i \sum \alpha_i y_i x_i-\sum y_i\sum \alpha_i y_i x_i x_i \alpha_i+y_i \beta_0 \alpha_i-\alpha_i$&#10;\end{itemize}&#10;&#10;\end{document}"/>
+  <p:tag name="LATEXADDIN" val="\documentclass[20pt]{article}&#10;\usepackage{amsmath,amsfonts,amssymb,xcolor, mathtools}&#10;\pagestyle{empty}&#10;\usepackage[T1]{fontenc}&#10;\usepackage{fontspec}&#10;\setsansfont{Arial}&#10;\renewcommand\familydefault{\sfdefault}&#10;\begin{document}&#10;\begin{itemize}&#10;\item imputing the results in the optimization formula and rearranging yields &#10;&#10;$$max(\mathcal{L})=-\frac{1}{2}\sum \sum \alpha_i \alpha_j y_i y_j \overline{x_i} \cdot \overline{x_j}+\sum \alpha_i$$&#10;\item can be solved efficiently by quadratic program&#10;\item many of the $\alpha$'s will be zero exept for the support vectors &#10;\end{itemize}&#10;\end{document}"/>
   <p:tag name="IGUANATEXSIZE" val="18"/>
-  <p:tag name="IGUANATEXCURSOR" val="405"/>
+  <p:tag name="IGUANATEXCURSOR" val="426"/>
+  <p:tag name="TRANSPARENCY" val="Wahr"/>
+  <p:tag name="LATEXENGINEID" val="2"/>
+  <p:tag name="TEMPFOLDER" val="E:\Dokumente\temp\"/>
+  <p:tag name="LATEXFORMHEIGHT" val="320"/>
+  <p:tag name="LATEXFORMWIDTH" val="385"/>
+  <p:tag name="LATEXFORMWRAP" val="Wahr"/>
+  <p:tag name="BITMAPVECTOR" val="0"/>
+</p:tagLst>
+</file>
+
+<file path=ppt/tags/tag8.xml><?xml version="1.0" encoding="utf-8"?>
+<p:tagLst xmlns:a="http://schemas.openxmlformats.org/drawingml/2006/main" xmlns:r="http://schemas.openxmlformats.org/officeDocument/2006/relationships" xmlns:p="http://schemas.openxmlformats.org/presentationml/2006/main">
+  <p:tag name="OUTPUTDPI" val="1200"/>
+  <p:tag name="ORIGINALHEIGHT" val="1468,705"/>
+  <p:tag name="ORIGINALWIDTH" val="3456,482"/>
+  <p:tag name="OUTPUTTYPE" val="PNG"/>
+  <p:tag name="IGUANATEXVERSION" val="161"/>
+  <p:tag name="LATEXADDIN" val="\documentclass[20pt]{article}&#10;\usepackage{amsmath,amsfonts,amssymb,xcolor, mathtools}&#10;\pagestyle{empty}&#10;\usepackage[T1]{fontenc}&#10;\usepackage{fontspec}&#10;\setsansfont{Arial}&#10;\renewcommand\familydefault{\sfdefault}&#10;\begin{document}&#10;\begin{itemize}&#10;\item derive $\beta$ with the new $\alpha$'s&#10;\newline$\beta=\sum \alpha_ iy_i \overline{x_i}$&#10;\item solve for $\beta_0$ with a support vector $\overline{x}_s$ for which we know holds \newline $\beta \cdot\overline{x}_s+\beta_0=y_{x_s}$ therefore $\beta_0=y_{x_s}-\beta \cdot \overline{x}_s$&#10;\item for a new $k$-dimensional vector $\overline{u}$ the decision function is \newline&#10;$f(\overline{u})=\beta \cdot \overline{u}+\beta_0$&#10;\item if $f(\overline{u})&gt;0 \rightarrow u$ is a \textcolor{red}{positive} sample\newline &#10;if $f(\overline{u})&lt;0 \rightarrow u$ is a \textcolor{green}{negative} sample\newline &#10;&#10;\end{itemize}&#10;\end{document}"/>
+  <p:tag name="IGUANATEXSIZE" val="18"/>
+  <p:tag name="IGUANATEXCURSOR" val="832"/>
   <p:tag name="TRANSPARENCY" val="Wahr"/>
   <p:tag name="LATEXENGINEID" val="2"/>
   <p:tag name="TEMPFOLDER" val="E:\Dokumente\temp\"/>

--- a/Präsentation/Support Vector Machines.pptx
+++ b/Präsentation/Support Vector Machines.pptx
@@ -5,7 +5,7 @@
     <p:sldMasterId id="2147483648" r:id="rId1"/>
   </p:sldMasterIdLst>
   <p:notesMasterIdLst>
-    <p:notesMasterId r:id="rId22"/>
+    <p:notesMasterId r:id="rId24"/>
   </p:notesMasterIdLst>
   <p:sldIdLst>
     <p:sldId id="256" r:id="rId2"/>
@@ -21,13 +21,15 @@
     <p:sldId id="274" r:id="rId12"/>
     <p:sldId id="275" r:id="rId13"/>
     <p:sldId id="276" r:id="rId14"/>
-    <p:sldId id="264" r:id="rId15"/>
-    <p:sldId id="265" r:id="rId16"/>
-    <p:sldId id="266" r:id="rId17"/>
-    <p:sldId id="261" r:id="rId18"/>
-    <p:sldId id="267" r:id="rId19"/>
-    <p:sldId id="262" r:id="rId20"/>
-    <p:sldId id="263" r:id="rId21"/>
+    <p:sldId id="277" r:id="rId15"/>
+    <p:sldId id="278" r:id="rId16"/>
+    <p:sldId id="264" r:id="rId17"/>
+    <p:sldId id="265" r:id="rId18"/>
+    <p:sldId id="266" r:id="rId19"/>
+    <p:sldId id="261" r:id="rId20"/>
+    <p:sldId id="267" r:id="rId21"/>
+    <p:sldId id="262" r:id="rId22"/>
+    <p:sldId id="263" r:id="rId23"/>
   </p:sldIdLst>
   <p:sldSz cx="9144000" cy="5143500" type="screen16x9"/>
   <p:notesSz cx="6797675" cy="9926638"/>
@@ -167,7 +169,7 @@
 <file path=ppt/revisionInfo.xml><?xml version="1.0" encoding="utf-8"?>
 <p1510:revInfo xmlns:a="http://schemas.openxmlformats.org/drawingml/2006/main" xmlns:r="http://schemas.openxmlformats.org/officeDocument/2006/relationships" xmlns:p1510="http://schemas.microsoft.com/office/powerpoint/2015/10/main">
   <p1510:revLst>
-    <p1510:client id="{AB1E0CFC-1C57-4A1E-92D1-DAC8DD9182A6}" v="1518" dt="2024-06-27T18:24:32.944"/>
+    <p1510:client id="{AB1E0CFC-1C57-4A1E-92D1-DAC8DD9182A6}" v="2007" dt="2024-06-28T12:17:41.198"/>
   </p1510:revLst>
 </p1510:revInfo>
 </file>
@@ -177,7 +179,7 @@
   <pc:docChgLst>
     <pc:chgData name="Franz Andersch" userId="88b46490-1a31-494c-af6b-e252cc2a642d" providerId="ADAL" clId="{AB1E0CFC-1C57-4A1E-92D1-DAC8DD9182A6}"/>
     <pc:docChg chg="undo redo custSel addSld delSld modSld sldOrd">
-      <pc:chgData name="Franz Andersch" userId="88b46490-1a31-494c-af6b-e252cc2a642d" providerId="ADAL" clId="{AB1E0CFC-1C57-4A1E-92D1-DAC8DD9182A6}" dt="2024-06-27T18:48:13.389" v="2836" actId="1076"/>
+      <pc:chgData name="Franz Andersch" userId="88b46490-1a31-494c-af6b-e252cc2a642d" providerId="ADAL" clId="{AB1E0CFC-1C57-4A1E-92D1-DAC8DD9182A6}" dt="2024-06-28T12:17:41.197" v="3759" actId="962"/>
       <pc:docMkLst>
         <pc:docMk/>
       </pc:docMkLst>
@@ -197,7 +199,7 @@
         </pc:spChg>
       </pc:sldChg>
       <pc:sldChg chg="addSp delSp modSp add mod">
-        <pc:chgData name="Franz Andersch" userId="88b46490-1a31-494c-af6b-e252cc2a642d" providerId="ADAL" clId="{AB1E0CFC-1C57-4A1E-92D1-DAC8DD9182A6}" dt="2024-06-26T21:01:42.627" v="853" actId="1076"/>
+        <pc:chgData name="Franz Andersch" userId="88b46490-1a31-494c-af6b-e252cc2a642d" providerId="ADAL" clId="{AB1E0CFC-1C57-4A1E-92D1-DAC8DD9182A6}" dt="2024-06-28T07:01:33.204" v="2868" actId="1076"/>
         <pc:sldMkLst>
           <pc:docMk/>
           <pc:sldMk cId="1770530705" sldId="268"/>
@@ -234,6 +236,14 @@
             <ac:graphicFrameMk id="23" creationId="{837D24E5-423D-FEBD-6ADF-C50B8EBF4DD6}"/>
           </ac:graphicFrameMkLst>
         </pc:graphicFrameChg>
+        <pc:picChg chg="add mod">
+          <ac:chgData name="Franz Andersch" userId="88b46490-1a31-494c-af6b-e252cc2a642d" providerId="ADAL" clId="{AB1E0CFC-1C57-4A1E-92D1-DAC8DD9182A6}" dt="2024-06-28T07:01:33.204" v="2868" actId="1076"/>
+          <ac:picMkLst>
+            <pc:docMk/>
+            <pc:sldMk cId="1770530705" sldId="268"/>
+            <ac:picMk id="4" creationId="{46ACD664-B35B-1FDD-FFED-70FE77B7A530}"/>
+          </ac:picMkLst>
+        </pc:picChg>
         <pc:picChg chg="del mod ord replST">
           <ac:chgData name="Franz Andersch" userId="88b46490-1a31-494c-af6b-e252cc2a642d" providerId="ADAL" clId="{AB1E0CFC-1C57-4A1E-92D1-DAC8DD9182A6}" dt="2024-06-26T20:35:29.220" v="620" actId="478"/>
           <ac:picMkLst>
@@ -378,8 +388,8 @@
             <ac:picMk id="22" creationId="{8A78ECD0-CD60-19AA-FA99-DBC348F893B1}"/>
           </ac:picMkLst>
         </pc:picChg>
-        <pc:picChg chg="add mod">
-          <ac:chgData name="Franz Andersch" userId="88b46490-1a31-494c-af6b-e252cc2a642d" providerId="ADAL" clId="{AB1E0CFC-1C57-4A1E-92D1-DAC8DD9182A6}" dt="2024-06-26T21:01:42.627" v="853" actId="1076"/>
+        <pc:picChg chg="add del mod">
+          <ac:chgData name="Franz Andersch" userId="88b46490-1a31-494c-af6b-e252cc2a642d" providerId="ADAL" clId="{AB1E0CFC-1C57-4A1E-92D1-DAC8DD9182A6}" dt="2024-06-28T06:56:57.049" v="2837" actId="478"/>
           <ac:picMkLst>
             <pc:docMk/>
             <pc:sldMk cId="1770530705" sldId="268"/>
@@ -388,7 +398,7 @@
         </pc:picChg>
       </pc:sldChg>
       <pc:sldChg chg="addSp delSp modSp add mod">
-        <pc:chgData name="Franz Andersch" userId="88b46490-1a31-494c-af6b-e252cc2a642d" providerId="ADAL" clId="{AB1E0CFC-1C57-4A1E-92D1-DAC8DD9182A6}" dt="2024-06-26T22:24:55.836" v="1330" actId="962"/>
+        <pc:chgData name="Franz Andersch" userId="88b46490-1a31-494c-af6b-e252cc2a642d" providerId="ADAL" clId="{AB1E0CFC-1C57-4A1E-92D1-DAC8DD9182A6}" dt="2024-06-28T07:02:33.242" v="2880" actId="14100"/>
         <pc:sldMkLst>
           <pc:docMk/>
           <pc:sldMk cId="3990756690" sldId="269"/>
@@ -409,6 +419,14 @@
             <ac:picMk id="4" creationId="{3E8FA5A0-2B34-E857-4D07-AF8029BFA920}"/>
           </ac:picMkLst>
         </pc:picChg>
+        <pc:picChg chg="add mod">
+          <ac:chgData name="Franz Andersch" userId="88b46490-1a31-494c-af6b-e252cc2a642d" providerId="ADAL" clId="{AB1E0CFC-1C57-4A1E-92D1-DAC8DD9182A6}" dt="2024-06-28T07:02:33.242" v="2880" actId="14100"/>
+          <ac:picMkLst>
+            <pc:docMk/>
+            <pc:sldMk cId="3990756690" sldId="269"/>
+            <ac:picMk id="4" creationId="{B2C0436D-5BE1-74F9-9D50-6E433CE2DCCA}"/>
+          </ac:picMkLst>
+        </pc:picChg>
         <pc:picChg chg="del mod ord replST">
           <ac:chgData name="Franz Andersch" userId="88b46490-1a31-494c-af6b-e252cc2a642d" providerId="ADAL" clId="{AB1E0CFC-1C57-4A1E-92D1-DAC8DD9182A6}" dt="2024-06-26T22:17:12.996" v="1289" actId="478"/>
           <ac:picMkLst>
@@ -449,8 +467,8 @@
             <ac:picMk id="10" creationId="{77E89367-D286-984E-0997-B5331458E73A}"/>
           </ac:picMkLst>
         </pc:picChg>
-        <pc:picChg chg="add mod">
-          <ac:chgData name="Franz Andersch" userId="88b46490-1a31-494c-af6b-e252cc2a642d" providerId="ADAL" clId="{AB1E0CFC-1C57-4A1E-92D1-DAC8DD9182A6}" dt="2024-06-26T22:23:52.154" v="1299" actId="692"/>
+        <pc:picChg chg="add del mod">
+          <ac:chgData name="Franz Andersch" userId="88b46490-1a31-494c-af6b-e252cc2a642d" providerId="ADAL" clId="{AB1E0CFC-1C57-4A1E-92D1-DAC8DD9182A6}" dt="2024-06-28T06:57:00.890" v="2838" actId="478"/>
           <ac:picMkLst>
             <pc:docMk/>
             <pc:sldMk cId="3990756690" sldId="269"/>
@@ -507,11 +525,19 @@
         </pc:picChg>
       </pc:sldChg>
       <pc:sldChg chg="addSp delSp modSp add mod">
-        <pc:chgData name="Franz Andersch" userId="88b46490-1a31-494c-af6b-e252cc2a642d" providerId="ADAL" clId="{AB1E0CFC-1C57-4A1E-92D1-DAC8DD9182A6}" dt="2024-06-27T17:36:32.374" v="2397" actId="962"/>
+        <pc:chgData name="Franz Andersch" userId="88b46490-1a31-494c-af6b-e252cc2a642d" providerId="ADAL" clId="{AB1E0CFC-1C57-4A1E-92D1-DAC8DD9182A6}" dt="2024-06-28T07:05:28.658" v="2931" actId="692"/>
         <pc:sldMkLst>
           <pc:docMk/>
           <pc:sldMk cId="2902806685" sldId="270"/>
         </pc:sldMkLst>
+        <pc:picChg chg="add mod">
+          <ac:chgData name="Franz Andersch" userId="88b46490-1a31-494c-af6b-e252cc2a642d" providerId="ADAL" clId="{AB1E0CFC-1C57-4A1E-92D1-DAC8DD9182A6}" dt="2024-06-28T07:05:28.658" v="2931" actId="692"/>
+          <ac:picMkLst>
+            <pc:docMk/>
+            <pc:sldMk cId="2902806685" sldId="270"/>
+            <ac:picMk id="4" creationId="{57267605-1410-A119-1AFA-DEDF53609828}"/>
+          </ac:picMkLst>
+        </pc:picChg>
         <pc:picChg chg="del mod ord replST">
           <ac:chgData name="Franz Andersch" userId="88b46490-1a31-494c-af6b-e252cc2a642d" providerId="ADAL" clId="{AB1E0CFC-1C57-4A1E-92D1-DAC8DD9182A6}" dt="2024-06-27T17:36:32.373" v="2395" actId="478"/>
           <ac:picMkLst>
@@ -584,8 +610,8 @@
             <ac:picMk id="8" creationId="{49020F9B-9C95-8638-AF48-3DD5DF3A6140}"/>
           </ac:picMkLst>
         </pc:picChg>
-        <pc:picChg chg="add mod">
-          <ac:chgData name="Franz Andersch" userId="88b46490-1a31-494c-af6b-e252cc2a642d" providerId="ADAL" clId="{AB1E0CFC-1C57-4A1E-92D1-DAC8DD9182A6}" dt="2024-06-26T21:53:57.941" v="1169" actId="1076"/>
+        <pc:picChg chg="add del mod">
+          <ac:chgData name="Franz Andersch" userId="88b46490-1a31-494c-af6b-e252cc2a642d" providerId="ADAL" clId="{AB1E0CFC-1C57-4A1E-92D1-DAC8DD9182A6}" dt="2024-06-28T06:57:03.470" v="2839" actId="478"/>
           <ac:picMkLst>
             <pc:docMk/>
             <pc:sldMk cId="2902806685" sldId="270"/>
@@ -602,7 +628,7 @@
         </pc:picChg>
       </pc:sldChg>
       <pc:sldChg chg="delSp modSp add mod">
-        <pc:chgData name="Franz Andersch" userId="88b46490-1a31-494c-af6b-e252cc2a642d" providerId="ADAL" clId="{AB1E0CFC-1C57-4A1E-92D1-DAC8DD9182A6}" dt="2024-06-27T18:24:40.169" v="2835" actId="1076"/>
+        <pc:chgData name="Franz Andersch" userId="88b46490-1a31-494c-af6b-e252cc2a642d" providerId="ADAL" clId="{AB1E0CFC-1C57-4A1E-92D1-DAC8DD9182A6}" dt="2024-06-28T10:51:38.438" v="3366" actId="1076"/>
         <pc:sldMkLst>
           <pc:docMk/>
           <pc:sldMk cId="2843438534" sldId="271"/>
@@ -624,6 +650,14 @@
           </ac:picMkLst>
         </pc:picChg>
         <pc:picChg chg="del mod ord replST">
+          <ac:chgData name="Franz Andersch" userId="88b46490-1a31-494c-af6b-e252cc2a642d" providerId="ADAL" clId="{AB1E0CFC-1C57-4A1E-92D1-DAC8DD9182A6}" dt="2024-06-28T10:50:52.984" v="3333" actId="478"/>
+          <ac:picMkLst>
+            <pc:docMk/>
+            <pc:sldMk cId="2843438534" sldId="271"/>
+            <ac:picMk id="4" creationId="{F720F1AC-F8CC-F065-FEF5-5FD9C6DCDB8E}"/>
+          </ac:picMkLst>
+        </pc:picChg>
+        <pc:picChg chg="del mod ord replST">
           <ac:chgData name="Franz Andersch" userId="88b46490-1a31-494c-af6b-e252cc2a642d" providerId="ADAL" clId="{AB1E0CFC-1C57-4A1E-92D1-DAC8DD9182A6}" dt="2024-06-27T18:23:38.193" v="2802" actId="478"/>
           <ac:picMkLst>
             <pc:docMk/>
@@ -640,6 +674,14 @@
           </ac:picMkLst>
         </pc:picChg>
         <pc:picChg chg="del mod ord replST">
+          <ac:chgData name="Franz Andersch" userId="88b46490-1a31-494c-af6b-e252cc2a642d" providerId="ADAL" clId="{AB1E0CFC-1C57-4A1E-92D1-DAC8DD9182A6}" dt="2024-06-28T10:51:29.603" v="3363" actId="478"/>
+          <ac:picMkLst>
+            <pc:docMk/>
+            <pc:sldMk cId="2843438534" sldId="271"/>
+            <ac:picMk id="6" creationId="{51680535-3577-3363-B97E-66D47ABB9EA7}"/>
+          </ac:picMkLst>
+        </pc:picChg>
+        <pc:picChg chg="del mod ord replST">
           <ac:chgData name="Franz Andersch" userId="88b46490-1a31-494c-af6b-e252cc2a642d" providerId="ADAL" clId="{AB1E0CFC-1C57-4A1E-92D1-DAC8DD9182A6}" dt="2024-06-27T18:24:32.943" v="2832" actId="478"/>
           <ac:picMkLst>
             <pc:docMk/>
@@ -655,6 +697,14 @@
             <ac:picMk id="7" creationId="{3D283D81-158B-6651-36CF-FA138E69BA83}"/>
           </ac:picMkLst>
         </pc:picChg>
+        <pc:picChg chg="mod ord replST">
+          <ac:chgData name="Franz Andersch" userId="88b46490-1a31-494c-af6b-e252cc2a642d" providerId="ADAL" clId="{AB1E0CFC-1C57-4A1E-92D1-DAC8DD9182A6}" dt="2024-06-28T10:51:38.438" v="3366" actId="1076"/>
+          <ac:picMkLst>
+            <pc:docMk/>
+            <pc:sldMk cId="2843438534" sldId="271"/>
+            <ac:picMk id="8" creationId="{C6BABD42-AA54-D773-CF47-EBFC11A93BD4}"/>
+          </ac:picMkLst>
+        </pc:picChg>
         <pc:picChg chg="del mod ord replST">
           <ac:chgData name="Franz Andersch" userId="88b46490-1a31-494c-af6b-e252cc2a642d" providerId="ADAL" clId="{AB1E0CFC-1C57-4A1E-92D1-DAC8DD9182A6}" dt="2024-06-26T22:40:28.884" v="1485" actId="478"/>
           <ac:picMkLst>
@@ -663,8 +713,8 @@
             <ac:picMk id="9" creationId="{AC6AFED4-2C8C-C9F0-8945-DB5CC72D0EEF}"/>
           </ac:picMkLst>
         </pc:picChg>
-        <pc:picChg chg="mod ord replST">
-          <ac:chgData name="Franz Andersch" userId="88b46490-1a31-494c-af6b-e252cc2a642d" providerId="ADAL" clId="{AB1E0CFC-1C57-4A1E-92D1-DAC8DD9182A6}" dt="2024-06-27T18:24:40.169" v="2835" actId="1076"/>
+        <pc:picChg chg="del mod ord replST">
+          <ac:chgData name="Franz Andersch" userId="88b46490-1a31-494c-af6b-e252cc2a642d" providerId="ADAL" clId="{AB1E0CFC-1C57-4A1E-92D1-DAC8DD9182A6}" dt="2024-06-28T10:50:14.363" v="3303" actId="478"/>
           <ac:picMkLst>
             <pc:docMk/>
             <pc:sldMk cId="2843438534" sldId="271"/>
@@ -775,7 +825,7 @@
         </pc:picChg>
       </pc:sldChg>
       <pc:sldChg chg="addSp delSp modSp add mod">
-        <pc:chgData name="Franz Andersch" userId="88b46490-1a31-494c-af6b-e252cc2a642d" providerId="ADAL" clId="{AB1E0CFC-1C57-4A1E-92D1-DAC8DD9182A6}" dt="2024-06-27T17:49:43.008" v="2593" actId="962"/>
+        <pc:chgData name="Franz Andersch" userId="88b46490-1a31-494c-af6b-e252cc2a642d" providerId="ADAL" clId="{AB1E0CFC-1C57-4A1E-92D1-DAC8DD9182A6}" dt="2024-06-28T10:52:15.319" v="3396" actId="962"/>
         <pc:sldMkLst>
           <pc:docMk/>
           <pc:sldMk cId="681638969" sldId="274"/>
@@ -788,6 +838,14 @@
             <ac:spMk id="2" creationId="{388F7BA3-B785-BDE2-BAC6-74C1F53E9285}"/>
           </ac:spMkLst>
         </pc:spChg>
+        <pc:picChg chg="del mod ord replST">
+          <ac:chgData name="Franz Andersch" userId="88b46490-1a31-494c-af6b-e252cc2a642d" providerId="ADAL" clId="{AB1E0CFC-1C57-4A1E-92D1-DAC8DD9182A6}" dt="2024-06-28T10:52:15.318" v="3394" actId="478"/>
+          <ac:picMkLst>
+            <pc:docMk/>
+            <pc:sldMk cId="681638969" sldId="274"/>
+            <ac:picMk id="4" creationId="{480D58C4-4168-8F11-37AA-79E19FC97AFB}"/>
+          </ac:picMkLst>
+        </pc:picChg>
         <pc:picChg chg="del mod ord replST delST">
           <ac:chgData name="Franz Andersch" userId="88b46490-1a31-494c-af6b-e252cc2a642d" providerId="ADAL" clId="{AB1E0CFC-1C57-4A1E-92D1-DAC8DD9182A6}" dt="2024-06-27T09:47:38.637" v="1878" actId="478"/>
           <ac:picMkLst>
@@ -812,14 +870,22 @@
             <ac:picMk id="6" creationId="{99312CDE-669B-A317-0193-9A16DD2042F8}"/>
           </ac:picMkLst>
         </pc:picChg>
-        <pc:picChg chg="mod ord replST">
-          <ac:chgData name="Franz Andersch" userId="88b46490-1a31-494c-af6b-e252cc2a642d" providerId="ADAL" clId="{AB1E0CFC-1C57-4A1E-92D1-DAC8DD9182A6}" dt="2024-06-27T17:49:43.008" v="2593" actId="962"/>
+        <pc:picChg chg="del mod ord replST">
+          <ac:chgData name="Franz Andersch" userId="88b46490-1a31-494c-af6b-e252cc2a642d" providerId="ADAL" clId="{AB1E0CFC-1C57-4A1E-92D1-DAC8DD9182A6}" dt="2024-06-28T10:30:31.224" v="3243" actId="478"/>
           <ac:picMkLst>
             <pc:docMk/>
             <pc:sldMk cId="681638969" sldId="274"/>
             <ac:picMk id="6" creationId="{EDD484B3-0490-A57E-9DAD-0F9E80E3D46F}"/>
           </ac:picMkLst>
         </pc:picChg>
+        <pc:picChg chg="mod ord replST">
+          <ac:chgData name="Franz Andersch" userId="88b46490-1a31-494c-af6b-e252cc2a642d" providerId="ADAL" clId="{AB1E0CFC-1C57-4A1E-92D1-DAC8DD9182A6}" dt="2024-06-28T10:52:15.319" v="3396" actId="962"/>
+          <ac:picMkLst>
+            <pc:docMk/>
+            <pc:sldMk cId="681638969" sldId="274"/>
+            <ac:picMk id="7" creationId="{22C4004F-E7DB-AC41-4BE7-3DEEFFE9D32B}"/>
+          </ac:picMkLst>
+        </pc:picChg>
         <pc:picChg chg="del mod ord replST">
           <ac:chgData name="Franz Andersch" userId="88b46490-1a31-494c-af6b-e252cc2a642d" providerId="ADAL" clId="{AB1E0CFC-1C57-4A1E-92D1-DAC8DD9182A6}" dt="2024-06-27T09:53:52.781" v="1938" actId="478"/>
           <ac:picMkLst>
@@ -878,7 +944,7 @@
         </pc:picChg>
       </pc:sldChg>
       <pc:sldChg chg="delSp modSp add mod">
-        <pc:chgData name="Franz Andersch" userId="88b46490-1a31-494c-af6b-e252cc2a642d" providerId="ADAL" clId="{AB1E0CFC-1C57-4A1E-92D1-DAC8DD9182A6}" dt="2024-06-27T17:47:22.656" v="2533" actId="962"/>
+        <pc:chgData name="Franz Andersch" userId="88b46490-1a31-494c-af6b-e252cc2a642d" providerId="ADAL" clId="{AB1E0CFC-1C57-4A1E-92D1-DAC8DD9182A6}" dt="2024-06-28T10:48:17.023" v="3275" actId="962"/>
         <pc:sldMkLst>
           <pc:docMk/>
           <pc:sldMk cId="2071963807" sldId="275"/>
@@ -900,6 +966,14 @@
           </ac:picMkLst>
         </pc:picChg>
         <pc:picChg chg="del mod ord replST">
+          <ac:chgData name="Franz Andersch" userId="88b46490-1a31-494c-af6b-e252cc2a642d" providerId="ADAL" clId="{AB1E0CFC-1C57-4A1E-92D1-DAC8DD9182A6}" dt="2024-06-28T10:48:17.022" v="3273" actId="478"/>
+          <ac:picMkLst>
+            <pc:docMk/>
+            <pc:sldMk cId="2071963807" sldId="275"/>
+            <ac:picMk id="4" creationId="{D940D976-B052-FB7A-7916-94AEB2B7FCFD}"/>
+          </ac:picMkLst>
+        </pc:picChg>
+        <pc:picChg chg="del mod ord replST">
           <ac:chgData name="Franz Andersch" userId="88b46490-1a31-494c-af6b-e252cc2a642d" providerId="ADAL" clId="{AB1E0CFC-1C57-4A1E-92D1-DAC8DD9182A6}" dt="2024-06-27T13:03:52.816" v="2183" actId="478"/>
           <ac:picMkLst>
             <pc:docMk/>
@@ -907,6 +981,14 @@
             <ac:picMk id="6" creationId="{23289C6B-8472-D210-5C07-9D00A3710DE5}"/>
           </ac:picMkLst>
         </pc:picChg>
+        <pc:picChg chg="mod ord replST">
+          <ac:chgData name="Franz Andersch" userId="88b46490-1a31-494c-af6b-e252cc2a642d" providerId="ADAL" clId="{AB1E0CFC-1C57-4A1E-92D1-DAC8DD9182A6}" dt="2024-06-28T10:48:17.023" v="3275" actId="962"/>
+          <ac:picMkLst>
+            <pc:docMk/>
+            <pc:sldMk cId="2071963807" sldId="275"/>
+            <ac:picMk id="6" creationId="{4DABAEED-54C0-1DB8-60D7-0D2E67F1CD6C}"/>
+          </ac:picMkLst>
+        </pc:picChg>
         <pc:picChg chg="del mod ord replST">
           <ac:chgData name="Franz Andersch" userId="88b46490-1a31-494c-af6b-e252cc2a642d" providerId="ADAL" clId="{AB1E0CFC-1C57-4A1E-92D1-DAC8DD9182A6}" dt="2024-06-27T17:33:14.228" v="2303" actId="478"/>
           <ac:picMkLst>
@@ -955,8 +1037,8 @@
             <ac:picMk id="13" creationId="{B98D9AEF-7DB0-FA3A-52A7-9E571BE1BE9D}"/>
           </ac:picMkLst>
         </pc:picChg>
-        <pc:picChg chg="mod ord replST">
-          <ac:chgData name="Franz Andersch" userId="88b46490-1a31-494c-af6b-e252cc2a642d" providerId="ADAL" clId="{AB1E0CFC-1C57-4A1E-92D1-DAC8DD9182A6}" dt="2024-06-27T17:47:22.656" v="2533" actId="962"/>
+        <pc:picChg chg="del mod ord replST">
+          <ac:chgData name="Franz Andersch" userId="88b46490-1a31-494c-af6b-e252cc2a642d" providerId="ADAL" clId="{AB1E0CFC-1C57-4A1E-92D1-DAC8DD9182A6}" dt="2024-06-28T08:49:33.987" v="3033" actId="478"/>
           <ac:picMkLst>
             <pc:docMk/>
             <pc:sldMk cId="2071963807" sldId="275"/>
@@ -1040,6 +1122,204 @@
             <pc:docMk/>
             <pc:sldMk cId="3663614039" sldId="276"/>
             <ac:picMk id="15" creationId="{F87C6C9A-D262-B13C-964D-2F9F8F6104C8}"/>
+          </ac:picMkLst>
+        </pc:picChg>
+      </pc:sldChg>
+      <pc:sldChg chg="delSp modSp add mod">
+        <pc:chgData name="Franz Andersch" userId="88b46490-1a31-494c-af6b-e252cc2a642d" providerId="ADAL" clId="{AB1E0CFC-1C57-4A1E-92D1-DAC8DD9182A6}" dt="2024-06-28T11:00:20.691" v="3518" actId="1076"/>
+        <pc:sldMkLst>
+          <pc:docMk/>
+          <pc:sldMk cId="2505140050" sldId="277"/>
+        </pc:sldMkLst>
+        <pc:spChg chg="mod">
+          <ac:chgData name="Franz Andersch" userId="88b46490-1a31-494c-af6b-e252cc2a642d" providerId="ADAL" clId="{AB1E0CFC-1C57-4A1E-92D1-DAC8DD9182A6}" dt="2024-06-28T07:06:15.712" v="2945" actId="20577"/>
+          <ac:spMkLst>
+            <pc:docMk/>
+            <pc:sldMk cId="2505140050" sldId="277"/>
+            <ac:spMk id="2" creationId="{388F7BA3-B785-BDE2-BAC6-74C1F53E9285}"/>
+          </ac:spMkLst>
+        </pc:spChg>
+        <pc:picChg chg="del mod ord replST">
+          <ac:chgData name="Franz Andersch" userId="88b46490-1a31-494c-af6b-e252cc2a642d" providerId="ADAL" clId="{AB1E0CFC-1C57-4A1E-92D1-DAC8DD9182A6}" dt="2024-06-28T07:17:37.679" v="3003" actId="478"/>
+          <ac:picMkLst>
+            <pc:docMk/>
+            <pc:sldMk cId="2505140050" sldId="277"/>
+            <ac:picMk id="4" creationId="{ABEFC7CE-D038-6C27-4628-D95394519091}"/>
+          </ac:picMkLst>
+        </pc:picChg>
+        <pc:picChg chg="del mod ord replST">
+          <ac:chgData name="Franz Andersch" userId="88b46490-1a31-494c-af6b-e252cc2a642d" providerId="ADAL" clId="{AB1E0CFC-1C57-4A1E-92D1-DAC8DD9182A6}" dt="2024-06-28T10:13:29.048" v="3063" actId="478"/>
+          <ac:picMkLst>
+            <pc:docMk/>
+            <pc:sldMk cId="2505140050" sldId="277"/>
+            <ac:picMk id="6" creationId="{CA47412B-23DB-38CF-01DA-98A53F0774F5}"/>
+          </ac:picMkLst>
+        </pc:picChg>
+        <pc:picChg chg="del mod ord replST">
+          <ac:chgData name="Franz Andersch" userId="88b46490-1a31-494c-af6b-e252cc2a642d" providerId="ADAL" clId="{AB1E0CFC-1C57-4A1E-92D1-DAC8DD9182A6}" dt="2024-06-28T10:14:41.565" v="3093" actId="478"/>
+          <ac:picMkLst>
+            <pc:docMk/>
+            <pc:sldMk cId="2505140050" sldId="277"/>
+            <ac:picMk id="8" creationId="{DB2F3527-B1AF-26E6-8FDF-486CF9DE2998}"/>
+          </ac:picMkLst>
+        </pc:picChg>
+        <pc:picChg chg="del mod ord replST">
+          <ac:chgData name="Franz Andersch" userId="88b46490-1a31-494c-af6b-e252cc2a642d" providerId="ADAL" clId="{AB1E0CFC-1C57-4A1E-92D1-DAC8DD9182A6}" dt="2024-06-28T10:21:11.147" v="3123" actId="478"/>
+          <ac:picMkLst>
+            <pc:docMk/>
+            <pc:sldMk cId="2505140050" sldId="277"/>
+            <ac:picMk id="10" creationId="{3E1A4B26-AA5F-9A67-C951-72AF74DE6331}"/>
+          </ac:picMkLst>
+        </pc:picChg>
+        <pc:picChg chg="del mod ord replST">
+          <ac:chgData name="Franz Andersch" userId="88b46490-1a31-494c-af6b-e252cc2a642d" providerId="ADAL" clId="{AB1E0CFC-1C57-4A1E-92D1-DAC8DD9182A6}" dt="2024-06-28T10:21:27.448" v="3153" actId="478"/>
+          <ac:picMkLst>
+            <pc:docMk/>
+            <pc:sldMk cId="2505140050" sldId="277"/>
+            <ac:picMk id="12" creationId="{9CDEF16F-E758-7A63-F6DA-754BB2BFFE66}"/>
+          </ac:picMkLst>
+        </pc:picChg>
+        <pc:picChg chg="del mod ord replST">
+          <ac:chgData name="Franz Andersch" userId="88b46490-1a31-494c-af6b-e252cc2a642d" providerId="ADAL" clId="{AB1E0CFC-1C57-4A1E-92D1-DAC8DD9182A6}" dt="2024-06-28T10:24:42.302" v="3183" actId="478"/>
+          <ac:picMkLst>
+            <pc:docMk/>
+            <pc:sldMk cId="2505140050" sldId="277"/>
+            <ac:picMk id="14" creationId="{BD7E67E4-F615-110D-DE36-66BB5E927B85}"/>
+          </ac:picMkLst>
+        </pc:picChg>
+        <pc:picChg chg="del mod">
+          <ac:chgData name="Franz Andersch" userId="88b46490-1a31-494c-af6b-e252cc2a642d" providerId="ADAL" clId="{AB1E0CFC-1C57-4A1E-92D1-DAC8DD9182A6}" dt="2024-06-28T07:10:22.660" v="2973" actId="478"/>
+          <ac:picMkLst>
+            <pc:docMk/>
+            <pc:sldMk cId="2505140050" sldId="277"/>
+            <ac:picMk id="15" creationId="{F87C6C9A-D262-B13C-964D-2F9F8F6104C8}"/>
+          </ac:picMkLst>
+        </pc:picChg>
+        <pc:picChg chg="del mod ord replST">
+          <ac:chgData name="Franz Andersch" userId="88b46490-1a31-494c-af6b-e252cc2a642d" providerId="ADAL" clId="{AB1E0CFC-1C57-4A1E-92D1-DAC8DD9182A6}" dt="2024-06-28T10:26:05.495" v="3213" actId="478"/>
+          <ac:picMkLst>
+            <pc:docMk/>
+            <pc:sldMk cId="2505140050" sldId="277"/>
+            <ac:picMk id="17" creationId="{20AD313C-1F05-78B9-F154-004B2453AC81}"/>
+          </ac:picMkLst>
+        </pc:picChg>
+        <pc:picChg chg="del mod ord replST">
+          <ac:chgData name="Franz Andersch" userId="88b46490-1a31-494c-af6b-e252cc2a642d" providerId="ADAL" clId="{AB1E0CFC-1C57-4A1E-92D1-DAC8DD9182A6}" dt="2024-06-28T10:53:29.304" v="3424" actId="478"/>
+          <ac:picMkLst>
+            <pc:docMk/>
+            <pc:sldMk cId="2505140050" sldId="277"/>
+            <ac:picMk id="19" creationId="{ADAF16D5-E6D6-1713-026D-12D4D7FE8460}"/>
+          </ac:picMkLst>
+        </pc:picChg>
+        <pc:picChg chg="del mod ord replST">
+          <ac:chgData name="Franz Andersch" userId="88b46490-1a31-494c-af6b-e252cc2a642d" providerId="ADAL" clId="{AB1E0CFC-1C57-4A1E-92D1-DAC8DD9182A6}" dt="2024-06-28T10:54:15.068" v="3454" actId="478"/>
+          <ac:picMkLst>
+            <pc:docMk/>
+            <pc:sldMk cId="2505140050" sldId="277"/>
+            <ac:picMk id="21" creationId="{A336D728-751C-AAF7-A72D-1224DAB34BD3}"/>
+          </ac:picMkLst>
+        </pc:picChg>
+        <pc:picChg chg="del mod ord replST">
+          <ac:chgData name="Franz Andersch" userId="88b46490-1a31-494c-af6b-e252cc2a642d" providerId="ADAL" clId="{AB1E0CFC-1C57-4A1E-92D1-DAC8DD9182A6}" dt="2024-06-28T10:58:59.560" v="3484" actId="478"/>
+          <ac:picMkLst>
+            <pc:docMk/>
+            <pc:sldMk cId="2505140050" sldId="277"/>
+            <ac:picMk id="23" creationId="{E67F3474-209F-925B-B6F5-02BB8AE4EE7A}"/>
+          </ac:picMkLst>
+        </pc:picChg>
+        <pc:picChg chg="del mod ord replST">
+          <ac:chgData name="Franz Andersch" userId="88b46490-1a31-494c-af6b-e252cc2a642d" providerId="ADAL" clId="{AB1E0CFC-1C57-4A1E-92D1-DAC8DD9182A6}" dt="2024-06-28T11:00:17.955" v="3515" actId="478"/>
+          <ac:picMkLst>
+            <pc:docMk/>
+            <pc:sldMk cId="2505140050" sldId="277"/>
+            <ac:picMk id="25" creationId="{7A68DAD1-168E-ACB4-95FF-C2FF00196490}"/>
+          </ac:picMkLst>
+        </pc:picChg>
+        <pc:picChg chg="mod ord replST">
+          <ac:chgData name="Franz Andersch" userId="88b46490-1a31-494c-af6b-e252cc2a642d" providerId="ADAL" clId="{AB1E0CFC-1C57-4A1E-92D1-DAC8DD9182A6}" dt="2024-06-28T11:00:20.691" v="3518" actId="1076"/>
+          <ac:picMkLst>
+            <pc:docMk/>
+            <pc:sldMk cId="2505140050" sldId="277"/>
+            <ac:picMk id="27" creationId="{B0BBD2F6-635F-076B-ABB1-ACD6F9A3DC50}"/>
+          </ac:picMkLst>
+        </pc:picChg>
+      </pc:sldChg>
+      <pc:sldChg chg="delSp modSp add mod">
+        <pc:chgData name="Franz Andersch" userId="88b46490-1a31-494c-af6b-e252cc2a642d" providerId="ADAL" clId="{AB1E0CFC-1C57-4A1E-92D1-DAC8DD9182A6}" dt="2024-06-28T12:17:41.197" v="3759" actId="962"/>
+        <pc:sldMkLst>
+          <pc:docMk/>
+          <pc:sldMk cId="3845371581" sldId="278"/>
+        </pc:sldMkLst>
+        <pc:picChg chg="del mod ord replST">
+          <ac:chgData name="Franz Andersch" userId="88b46490-1a31-494c-af6b-e252cc2a642d" providerId="ADAL" clId="{AB1E0CFC-1C57-4A1E-92D1-DAC8DD9182A6}" dt="2024-06-28T11:09:38.550" v="3577" actId="478"/>
+          <ac:picMkLst>
+            <pc:docMk/>
+            <pc:sldMk cId="3845371581" sldId="278"/>
+            <ac:picMk id="4" creationId="{D4037477-59AD-3FC8-8E04-7718F21724BB}"/>
+          </ac:picMkLst>
+        </pc:picChg>
+        <pc:picChg chg="del mod ord replST">
+          <ac:chgData name="Franz Andersch" userId="88b46490-1a31-494c-af6b-e252cc2a642d" providerId="ADAL" clId="{AB1E0CFC-1C57-4A1E-92D1-DAC8DD9182A6}" dt="2024-06-28T11:12:29.001" v="3607" actId="478"/>
+          <ac:picMkLst>
+            <pc:docMk/>
+            <pc:sldMk cId="3845371581" sldId="278"/>
+            <ac:picMk id="6" creationId="{EA242FE5-B273-2FF9-C1B1-7B8E08A1CE92}"/>
+          </ac:picMkLst>
+        </pc:picChg>
+        <pc:picChg chg="del mod ord replST">
+          <ac:chgData name="Franz Andersch" userId="88b46490-1a31-494c-af6b-e252cc2a642d" providerId="ADAL" clId="{AB1E0CFC-1C57-4A1E-92D1-DAC8DD9182A6}" dt="2024-06-28T11:12:45.147" v="3637" actId="478"/>
+          <ac:picMkLst>
+            <pc:docMk/>
+            <pc:sldMk cId="3845371581" sldId="278"/>
+            <ac:picMk id="8" creationId="{E2891941-3770-9D69-38C0-4A73C1E53E6E}"/>
+          </ac:picMkLst>
+        </pc:picChg>
+        <pc:picChg chg="del mod ord replST">
+          <ac:chgData name="Franz Andersch" userId="88b46490-1a31-494c-af6b-e252cc2a642d" providerId="ADAL" clId="{AB1E0CFC-1C57-4A1E-92D1-DAC8DD9182A6}" dt="2024-06-28T11:15:09.045" v="3667" actId="478"/>
+          <ac:picMkLst>
+            <pc:docMk/>
+            <pc:sldMk cId="3845371581" sldId="278"/>
+            <ac:picMk id="10" creationId="{E7FA67BD-FDE9-EA6C-039E-E18DFF73E342}"/>
+          </ac:picMkLst>
+        </pc:picChg>
+        <pc:picChg chg="del mod ord replST">
+          <ac:chgData name="Franz Andersch" userId="88b46490-1a31-494c-af6b-e252cc2a642d" providerId="ADAL" clId="{AB1E0CFC-1C57-4A1E-92D1-DAC8DD9182A6}" dt="2024-06-28T12:08:43.636" v="3697" actId="478"/>
+          <ac:picMkLst>
+            <pc:docMk/>
+            <pc:sldMk cId="3845371581" sldId="278"/>
+            <ac:picMk id="12" creationId="{626B7685-3F86-DADB-2C9A-9892A46E87FE}"/>
+          </ac:picMkLst>
+        </pc:picChg>
+        <pc:picChg chg="del mod ord replST">
+          <ac:chgData name="Franz Andersch" userId="88b46490-1a31-494c-af6b-e252cc2a642d" providerId="ADAL" clId="{AB1E0CFC-1C57-4A1E-92D1-DAC8DD9182A6}" dt="2024-06-28T12:17:17.571" v="3727" actId="478"/>
+          <ac:picMkLst>
+            <pc:docMk/>
+            <pc:sldMk cId="3845371581" sldId="278"/>
+            <ac:picMk id="14" creationId="{43F00D34-85DE-8C91-F0F1-97CA91BC139E}"/>
+          </ac:picMkLst>
+        </pc:picChg>
+        <pc:picChg chg="del mod ord replST">
+          <ac:chgData name="Franz Andersch" userId="88b46490-1a31-494c-af6b-e252cc2a642d" providerId="ADAL" clId="{AB1E0CFC-1C57-4A1E-92D1-DAC8DD9182A6}" dt="2024-06-28T12:17:41.197" v="3757" actId="478"/>
+          <ac:picMkLst>
+            <pc:docMk/>
+            <pc:sldMk cId="3845371581" sldId="278"/>
+            <ac:picMk id="16" creationId="{458A4573-40AE-7739-A79D-74F4BF03A662}"/>
+          </ac:picMkLst>
+        </pc:picChg>
+        <pc:picChg chg="mod ord replST">
+          <ac:chgData name="Franz Andersch" userId="88b46490-1a31-494c-af6b-e252cc2a642d" providerId="ADAL" clId="{AB1E0CFC-1C57-4A1E-92D1-DAC8DD9182A6}" dt="2024-06-28T12:17:41.197" v="3759" actId="962"/>
+          <ac:picMkLst>
+            <pc:docMk/>
+            <pc:sldMk cId="3845371581" sldId="278"/>
+            <ac:picMk id="18" creationId="{F59955FD-371E-4EAB-98FF-7C6496D5C5D7}"/>
+          </ac:picMkLst>
+        </pc:picChg>
+        <pc:picChg chg="del mod">
+          <ac:chgData name="Franz Andersch" userId="88b46490-1a31-494c-af6b-e252cc2a642d" providerId="ADAL" clId="{AB1E0CFC-1C57-4A1E-92D1-DAC8DD9182A6}" dt="2024-06-28T11:06:27.917" v="3547" actId="478"/>
+          <ac:picMkLst>
+            <pc:docMk/>
+            <pc:sldMk cId="3845371581" sldId="278"/>
+            <ac:picMk id="27" creationId="{B0BBD2F6-635F-076B-ABB1-ACD6F9A3DC50}"/>
           </ac:picMkLst>
         </pc:picChg>
       </pc:sldChg>
@@ -1158,7 +1438,7 @@
               <a:pPr>
                 <a:defRPr/>
               </a:pPr>
-              <a:t>27.06.2024</a:t>
+              <a:t>28.06.2024</a:t>
             </a:fld>
             <a:endParaRPr lang="de-DE"/>
           </a:p>
@@ -4782,10 +5062,10 @@
       </p:sp>
       <p:pic>
         <p:nvPicPr>
-          <p:cNvPr id="6" name="Grafik 5" descr="\documentclass[20pt]{article}&#10;\usepackage{amsmath,amsfonts,amssymb,xcolor, mathtools}&#10;\pagestyle{empty}&#10;\usepackage[T1]{fontenc}&#10;\usepackage{fontspec}&#10;\setsansfont{Arial}&#10;\renewcommand\familydefault{\sfdefault}&#10;\begin{document}&#10;\begin{itemize}&#10;\item Maximization with constraints $\rightarrow$ Lagrange Multipliers\newline&#10;$\mathcal{L}(\beta,\overline{x},\beta_0)=\frac{1}{2}\beta ' \beta-\sum \alpha_i[y_i(\beta \cdot \overline{x_i}+\beta_0)-1]$&#10;\item derive with respect to $\beta$  and set to zero\newline&#10;$\frac{\partial \mathcal{L}}{\partial \beta}=\beta-\sum \alpha_i y_i \overline{x_i}\overset{!}{=}0 \Rightarrow \beta=\sum \alpha_i y_i \overline{x_i} $&#10;\item derive with respect to $\beta_0$ and set to zero&#10;\newline $\frac{\partial \mathcal{L}}{\partial \beta_0}=\sum \alpha_i y_i \overline{x_i}\overset{!}{=}0$&#10;\end{itemize}&#10;\end{document}" title="IguanaTex Picture Display">
+          <p:cNvPr id="7" name="Grafik 6" descr="\documentclass[20pt]{article}&#10;\usepackage{amsmath,amsfonts,amssymb,xcolor, mathtools}&#10;\pagestyle{empty}&#10;\usepackage[T1]{fontenc}&#10;\usepackage{fontspec}&#10;\setsansfont{Arial}&#10;\renewcommand\familydefault{\sfdefault}&#10;\begin{document}&#10;\begin{itemize}&#10;\item minimization with constraints $\rightarrow$ Lagrange Multipliers\newline&#10;$\mathcal{L}(\beta,\beta_0,\alpha)=\frac{1}{2}\beta ' \beta-\sum \alpha_i[y_i(\beta \cdot \overline{x_i}+\beta_0)-1]$&#10;\item derive with respect to $\beta$  and set to zero\newline&#10;$\frac{\partial \mathcal{L}}{\partial \beta}=\beta-\sum \alpha_i y_i \overline{x_i}\overset{!}{=}0 \Rightarrow \beta=\sum \alpha_i y_i \overline{x_i} $&#10;\item derive with respect to $\beta_0$ and set to zero&#10;\newline $\frac{\partial \mathcal{L}}{\partial \beta_0}=\sum \alpha_i y_i \overline{x_i}\overset{!}{=}0$&#10;\end{itemize}&#10;\end{document}" title="IguanaTex Picture Display">
             <a:extLst>
               <a:ext uri="{FF2B5EF4-FFF2-40B4-BE49-F238E27FC236}">
-                <a16:creationId xmlns:a16="http://schemas.microsoft.com/office/drawing/2014/main" id="{EDD484B3-0490-A57E-9DAD-0F9E80E3D46F}"/>
+                <a16:creationId xmlns:a16="http://schemas.microsoft.com/office/drawing/2014/main" id="{22C4004F-E7DB-AC41-4BE7-3DEEFFE9D32B}"/>
               </a:ext>
             </a:extLst>
           </p:cNvPr>
@@ -4812,8 +5092,8 @@
         </p:blipFill>
         <p:spPr>
           <a:xfrm>
-            <a:off x="683575" y="1419623"/>
-            <a:ext cx="5550691" cy="2211105"/>
+            <a:off x="683576" y="1419624"/>
+            <a:ext cx="5488600" cy="2212675"/>
           </a:xfrm>
           <a:prstGeom prst="rect">
             <a:avLst/>
@@ -4913,10 +5193,10 @@
       </p:sp>
       <p:pic>
         <p:nvPicPr>
-          <p:cNvPr id="15" name="Grafik 14" descr="\documentclass[20pt]{article}&#10;\usepackage{amsmath,amsfonts,amssymb,xcolor, mathtools}&#10;\pagestyle{empty}&#10;\usepackage[T1]{fontenc}&#10;\usepackage{fontspec}&#10;\setsansfont{Arial}&#10;\renewcommand\familydefault{\sfdefault}&#10;\begin{document}&#10;\begin{itemize}&#10;\item imputing the results in the optimization formula and rearranging yields &#10;&#10;$$max(\mathcal{L})=-\frac{1}{2}\sum \sum \alpha_i \alpha_j y_i y_j \overline{x_i} \cdot \overline{x_j}+\sum \alpha_i$$&#10;\item can be solved efficiently by quadratic program&#10;\item many of the $\alpha$'s will be zero exept for the support vectors &#10;\end{itemize}&#10;\end{document}" title="IguanaTex Picture Display">
+          <p:cNvPr id="6" name="Grafik 5" descr="\documentclass[20pt]{article}&#10;\usepackage{amsmath,amsfonts,amssymb,xcolor, mathtools}&#10;\pagestyle{empty}&#10;\usepackage[T1]{fontenc}&#10;\usepackage{fontspec}&#10;\setsansfont{Arial}&#10;\renewcommand\familydefault{\sfdefault}&#10;\begin{document}&#10;\begin{itemize}&#10;\item imputing the results in the optimization formula and rearranging yields &#10;&#10;$$min(\mathcal{L})=-\frac{1}{2}\sum \sum \alpha_i \alpha_j y_i y_j \overline{x}_i \cdot \overline{x}_j+\sum \alpha_i$$&#10;\item can be solved efficiently by quadratic program&#10;\item many of the $\alpha$'s will be zero exept for the support vectors &#10;\end{itemize}&#10;\end{document}" title="IguanaTex Picture Display">
             <a:extLst>
               <a:ext uri="{FF2B5EF4-FFF2-40B4-BE49-F238E27FC236}">
-                <a16:creationId xmlns:a16="http://schemas.microsoft.com/office/drawing/2014/main" id="{3A257E31-67FD-34F1-C51C-61F0A6AA88FB}"/>
+                <a16:creationId xmlns:a16="http://schemas.microsoft.com/office/drawing/2014/main" id="{4DABAEED-54C0-1DB8-60D7-0D2E67F1CD6C}"/>
               </a:ext>
             </a:extLst>
           </p:cNvPr>
@@ -4944,7 +5224,7 @@
         <p:spPr>
           <a:xfrm>
             <a:off x="683568" y="1419624"/>
-            <a:ext cx="7195674" cy="2034025"/>
+            <a:ext cx="7195852" cy="2036518"/>
           </a:xfrm>
           <a:prstGeom prst="rect">
             <a:avLst/>
@@ -5091,6 +5371,242 @@
 </file>
 
 <file path=ppt/slides/slide14.xml><?xml version="1.0" encoding="utf-8"?>
+<p:sld xmlns:a="http://schemas.openxmlformats.org/drawingml/2006/main" xmlns:r="http://schemas.openxmlformats.org/officeDocument/2006/relationships" xmlns:p="http://schemas.openxmlformats.org/presentationml/2006/main">
+  <p:cSld>
+    <p:spTree>
+      <p:nvGrpSpPr>
+        <p:cNvPr id="1" name=""/>
+        <p:cNvGrpSpPr/>
+        <p:nvPr/>
+      </p:nvGrpSpPr>
+      <p:grpSpPr>
+        <a:xfrm>
+          <a:off x="0" y="0"/>
+          <a:ext cx="0" cy="0"/>
+          <a:chOff x="0" y="0"/>
+          <a:chExt cx="0" cy="0"/>
+        </a:xfrm>
+      </p:grpSpPr>
+      <p:sp>
+        <p:nvSpPr>
+          <p:cNvPr id="2" name="Titel 1">
+            <a:extLst>
+              <a:ext uri="{FF2B5EF4-FFF2-40B4-BE49-F238E27FC236}">
+                <a16:creationId xmlns:a16="http://schemas.microsoft.com/office/drawing/2014/main" id="{388F7BA3-B785-BDE2-BAC6-74C1F53E9285}"/>
+              </a:ext>
+            </a:extLst>
+          </p:cNvPr>
+          <p:cNvSpPr>
+            <a:spLocks noGrp="1"/>
+          </p:cNvSpPr>
+          <p:nvPr>
+            <p:ph type="title"/>
+          </p:nvPr>
+        </p:nvSpPr>
+        <p:spPr/>
+        <p:txBody>
+          <a:bodyPr/>
+          <a:lstStyle/>
+          <a:p>
+            <a:r>
+              <a:rPr lang="de-DE" dirty="0" err="1"/>
+              <a:t>How</a:t>
+            </a:r>
+            <a:r>
+              <a:rPr lang="de-DE" dirty="0"/>
+              <a:t> </a:t>
+            </a:r>
+            <a:r>
+              <a:rPr lang="de-DE" dirty="0" err="1"/>
+              <a:t>it</a:t>
+            </a:r>
+            <a:r>
+              <a:rPr lang="de-DE" dirty="0"/>
+              <a:t> </a:t>
+            </a:r>
+            <a:r>
+              <a:rPr lang="de-DE" dirty="0" err="1"/>
+              <a:t>works</a:t>
+            </a:r>
+            <a:r>
+              <a:rPr lang="de-DE" dirty="0"/>
+              <a:t>: Soft Margin</a:t>
+            </a:r>
+          </a:p>
+        </p:txBody>
+      </p:sp>
+      <p:pic>
+        <p:nvPicPr>
+          <p:cNvPr id="27" name="Grafik 26" descr="\documentclass[20pt]{article}&#10;\usepackage{amsmath,amsfonts,amssymb,xcolor, mathtools}&#10;\pagestyle{empty}&#10;\usepackage[T1]{fontenc}&#10;\usepackage{fontspec}&#10;\setsansfont{Arial}&#10;\renewcommand\familydefault{\sfdefault}&#10;\begin{document}&#10;\begin{itemize}&#10;\item if data are not linearly seperable there is no optimal $\alpha$ to be found&#10;\item solution: introduce an error term or &quot;slack variable&quot; $\varepsilon_i\ge 0$ for the constraint \newline $y_i(\beta \cdot \overline{x}_i-\beta_0)&gt;1- \varepsilon_i$&#10;\begin{itemize}&#10;\item enables some $\overline{x}_i$ to lay on the wrong side of the gutter &#10;\item Problem: choose $\varepsilon$ to be arbitrary Large and it always fullfills the constraint&#10;\item Solution regularization of $\varepsilon$ with tuning parameter $C$ so to minimize\vspace{0.2cm}\newline&#10;$C \sum_{i=1}^{n} \varepsilon_i$&#10;\end{itemize}&#10;\end{itemize}&#10;\end{document}" title="IguanaTex Picture Display">
+            <a:extLst>
+              <a:ext uri="{FF2B5EF4-FFF2-40B4-BE49-F238E27FC236}">
+                <a16:creationId xmlns:a16="http://schemas.microsoft.com/office/drawing/2014/main" id="{B0BBD2F6-635F-076B-ABB1-ACD6F9A3DC50}"/>
+              </a:ext>
+            </a:extLst>
+          </p:cNvPr>
+          <p:cNvPicPr>
+            <a:picLocks noChangeAspect="1"/>
+          </p:cNvPicPr>
+          <p:nvPr>
+            <p:custDataLst>
+              <p:tags r:id="rId1"/>
+            </p:custDataLst>
+          </p:nvPr>
+        </p:nvPicPr>
+        <p:blipFill>
+          <a:blip r:embed="rId3">
+            <a:extLst>
+              <a:ext uri="{28A0092B-C50C-407E-A947-70E740481C1C}">
+                <a14:useLocalDpi xmlns:a14="http://schemas.microsoft.com/office/drawing/2010/main" val="0"/>
+              </a:ext>
+            </a:extLst>
+          </a:blip>
+          <a:stretch>
+            <a:fillRect/>
+          </a:stretch>
+        </p:blipFill>
+        <p:spPr>
+          <a:xfrm>
+            <a:off x="539552" y="1143269"/>
+            <a:ext cx="7492556" cy="3298755"/>
+          </a:xfrm>
+          <a:prstGeom prst="rect">
+            <a:avLst/>
+          </a:prstGeom>
+        </p:spPr>
+      </p:pic>
+    </p:spTree>
+    <p:extLst>
+      <p:ext uri="{BB962C8B-B14F-4D97-AF65-F5344CB8AC3E}">
+        <p14:creationId xmlns:p14="http://schemas.microsoft.com/office/powerpoint/2010/main" val="2505140050"/>
+      </p:ext>
+    </p:extLst>
+  </p:cSld>
+  <p:clrMapOvr>
+    <a:masterClrMapping/>
+  </p:clrMapOvr>
+</p:sld>
+</file>
+
+<file path=ppt/slides/slide15.xml><?xml version="1.0" encoding="utf-8"?>
+<p:sld xmlns:a="http://schemas.openxmlformats.org/drawingml/2006/main" xmlns:r="http://schemas.openxmlformats.org/officeDocument/2006/relationships" xmlns:p="http://schemas.openxmlformats.org/presentationml/2006/main">
+  <p:cSld>
+    <p:spTree>
+      <p:nvGrpSpPr>
+        <p:cNvPr id="1" name=""/>
+        <p:cNvGrpSpPr/>
+        <p:nvPr/>
+      </p:nvGrpSpPr>
+      <p:grpSpPr>
+        <a:xfrm>
+          <a:off x="0" y="0"/>
+          <a:ext cx="0" cy="0"/>
+          <a:chOff x="0" y="0"/>
+          <a:chExt cx="0" cy="0"/>
+        </a:xfrm>
+      </p:grpSpPr>
+      <p:sp>
+        <p:nvSpPr>
+          <p:cNvPr id="2" name="Titel 1">
+            <a:extLst>
+              <a:ext uri="{FF2B5EF4-FFF2-40B4-BE49-F238E27FC236}">
+                <a16:creationId xmlns:a16="http://schemas.microsoft.com/office/drawing/2014/main" id="{388F7BA3-B785-BDE2-BAC6-74C1F53E9285}"/>
+              </a:ext>
+            </a:extLst>
+          </p:cNvPr>
+          <p:cNvSpPr>
+            <a:spLocks noGrp="1"/>
+          </p:cNvSpPr>
+          <p:nvPr>
+            <p:ph type="title"/>
+          </p:nvPr>
+        </p:nvSpPr>
+        <p:spPr/>
+        <p:txBody>
+          <a:bodyPr/>
+          <a:lstStyle/>
+          <a:p>
+            <a:r>
+              <a:rPr lang="de-DE" dirty="0" err="1"/>
+              <a:t>How</a:t>
+            </a:r>
+            <a:r>
+              <a:rPr lang="de-DE" dirty="0"/>
+              <a:t> </a:t>
+            </a:r>
+            <a:r>
+              <a:rPr lang="de-DE" dirty="0" err="1"/>
+              <a:t>it</a:t>
+            </a:r>
+            <a:r>
+              <a:rPr lang="de-DE" dirty="0"/>
+              <a:t> </a:t>
+            </a:r>
+            <a:r>
+              <a:rPr lang="de-DE" dirty="0" err="1"/>
+              <a:t>works</a:t>
+            </a:r>
+            <a:r>
+              <a:rPr lang="de-DE" dirty="0"/>
+              <a:t>: Soft Margin</a:t>
+            </a:r>
+          </a:p>
+        </p:txBody>
+      </p:sp>
+      <p:pic>
+        <p:nvPicPr>
+          <p:cNvPr id="18" name="Grafik 17" descr="\documentclass[20pt]{article}&#10;\usepackage{amsmath,amsfonts,amssymb,xcolor, mathtools}&#10;\pagestyle{empty}&#10;\usepackage[T1]{fontenc}&#10;\usepackage{fontspec}&#10;\setsansfont{Arial}&#10;\renewcommand\familydefault{\sfdefault}&#10;\begin{document}&#10;\begin{itemize}&#10;\item new Lagrangian to solve\vspace{0.2cm}\newline&#10;$\mathcal{L}(\beta,\beta_0,\alpha,\varepsilon,\lambda)=\frac{1}{2}\beta\cdot \beta + C \sum_{i=1}^{n}\varepsilon_i-\underbrace{\sum \alpha_i[y_i(\beta \cdot \overline{x_i}+\beta_0)-1+\varepsilon_i]}_{\text{ensures }y_i(\beta \cdot \overline{x}_i-\beta_0)&gt;1- \varepsilon_i}-\underbrace{\sum \lambda_i \varepsilon_i }_{\substack{\text{ensures}\\ \varepsilon_i \ge 0}}$&#10;&#10;\end{itemize}&#10;\end{document}" title="IguanaTex Picture Display">
+            <a:extLst>
+              <a:ext uri="{FF2B5EF4-FFF2-40B4-BE49-F238E27FC236}">
+                <a16:creationId xmlns:a16="http://schemas.microsoft.com/office/drawing/2014/main" id="{F59955FD-371E-4EAB-98FF-7C6496D5C5D7}"/>
+              </a:ext>
+            </a:extLst>
+          </p:cNvPr>
+          <p:cNvPicPr>
+            <a:picLocks noChangeAspect="1"/>
+          </p:cNvPicPr>
+          <p:nvPr>
+            <p:custDataLst>
+              <p:tags r:id="rId1"/>
+            </p:custDataLst>
+          </p:nvPr>
+        </p:nvPicPr>
+        <p:blipFill>
+          <a:blip r:embed="rId3">
+            <a:extLst>
+              <a:ext uri="{28A0092B-C50C-407E-A947-70E740481C1C}">
+                <a14:useLocalDpi xmlns:a14="http://schemas.microsoft.com/office/drawing/2010/main" val="0"/>
+              </a:ext>
+            </a:extLst>
+          </a:blip>
+          <a:stretch>
+            <a:fillRect/>
+          </a:stretch>
+        </p:blipFill>
+        <p:spPr>
+          <a:xfrm>
+            <a:off x="539558" y="1143268"/>
+            <a:ext cx="7819763" cy="1240453"/>
+          </a:xfrm>
+          <a:prstGeom prst="rect">
+            <a:avLst/>
+          </a:prstGeom>
+        </p:spPr>
+      </p:pic>
+    </p:spTree>
+    <p:extLst>
+      <p:ext uri="{BB962C8B-B14F-4D97-AF65-F5344CB8AC3E}">
+        <p14:creationId xmlns:p14="http://schemas.microsoft.com/office/powerpoint/2010/main" val="3845371581"/>
+      </p:ext>
+    </p:extLst>
+  </p:cSld>
+  <p:clrMapOvr>
+    <a:masterClrMapping/>
+  </p:clrMapOvr>
+</p:sld>
+</file>
+
+<file path=ppt/slides/slide16.xml><?xml version="1.0" encoding="utf-8"?>
 <p:sld xmlns:a="http://schemas.openxmlformats.org/drawingml/2006/main" xmlns:r="http://schemas.openxmlformats.org/officeDocument/2006/relationships" xmlns:p="http://schemas.openxmlformats.org/presentationml/2006/main">
   <p:cSld>
     <p:spTree>
@@ -5859,7 +6375,7 @@
 </p:sld>
 </file>
 
-<file path=ppt/slides/slide15.xml><?xml version="1.0" encoding="utf-8"?>
+<file path=ppt/slides/slide17.xml><?xml version="1.0" encoding="utf-8"?>
 <p:sld xmlns:a="http://schemas.openxmlformats.org/drawingml/2006/main" xmlns:r="http://schemas.openxmlformats.org/officeDocument/2006/relationships" xmlns:p="http://schemas.openxmlformats.org/presentationml/2006/main">
   <p:cSld>
     <p:spTree>
@@ -5975,7 +6491,7 @@
 </p:sld>
 </file>
 
-<file path=ppt/slides/slide16.xml><?xml version="1.0" encoding="utf-8"?>
+<file path=ppt/slides/slide18.xml><?xml version="1.0" encoding="utf-8"?>
 <p:sld xmlns:a="http://schemas.openxmlformats.org/drawingml/2006/main" xmlns:r="http://schemas.openxmlformats.org/officeDocument/2006/relationships" xmlns:p="http://schemas.openxmlformats.org/presentationml/2006/main">
   <p:cSld>
     <p:spTree>
@@ -6091,7 +6607,7 @@
 </p:sld>
 </file>
 
-<file path=ppt/slides/slide17.xml><?xml version="1.0" encoding="utf-8"?>
+<file path=ppt/slides/slide19.xml><?xml version="1.0" encoding="utf-8"?>
 <p:sld xmlns:a="http://schemas.openxmlformats.org/drawingml/2006/main" xmlns:r="http://schemas.openxmlformats.org/officeDocument/2006/relationships" xmlns:p="http://schemas.openxmlformats.org/presentationml/2006/main">
   <p:cSld>
     <p:spTree>
@@ -6352,346 +6868,6 @@
     <p:extLst>
       <p:ext uri="{BB962C8B-B14F-4D97-AF65-F5344CB8AC3E}">
         <p14:creationId xmlns:p14="http://schemas.microsoft.com/office/powerpoint/2010/main" val="2732348097"/>
-      </p:ext>
-    </p:extLst>
-  </p:cSld>
-  <p:clrMapOvr>
-    <a:masterClrMapping/>
-  </p:clrMapOvr>
-</p:sld>
-</file>
-
-<file path=ppt/slides/slide18.xml><?xml version="1.0" encoding="utf-8"?>
-<p:sld xmlns:a="http://schemas.openxmlformats.org/drawingml/2006/main" xmlns:r="http://schemas.openxmlformats.org/officeDocument/2006/relationships" xmlns:p="http://schemas.openxmlformats.org/presentationml/2006/main">
-  <p:cSld>
-    <p:spTree>
-      <p:nvGrpSpPr>
-        <p:cNvPr id="1" name=""/>
-        <p:cNvGrpSpPr/>
-        <p:nvPr/>
-      </p:nvGrpSpPr>
-      <p:grpSpPr>
-        <a:xfrm>
-          <a:off x="0" y="0"/>
-          <a:ext cx="0" cy="0"/>
-          <a:chOff x="0" y="0"/>
-          <a:chExt cx="0" cy="0"/>
-        </a:xfrm>
-      </p:grpSpPr>
-      <p:sp>
-        <p:nvSpPr>
-          <p:cNvPr id="2" name="Titel 1">
-            <a:extLst>
-              <a:ext uri="{FF2B5EF4-FFF2-40B4-BE49-F238E27FC236}">
-                <a16:creationId xmlns:a16="http://schemas.microsoft.com/office/drawing/2014/main" id="{9C274E31-D4F7-6C4A-D81C-1BC18A1044AE}"/>
-              </a:ext>
-            </a:extLst>
-          </p:cNvPr>
-          <p:cNvSpPr>
-            <a:spLocks noGrp="1"/>
-          </p:cNvSpPr>
-          <p:nvPr>
-            <p:ph type="title"/>
-          </p:nvPr>
-        </p:nvSpPr>
-        <p:spPr/>
-        <p:txBody>
-          <a:bodyPr/>
-          <a:lstStyle/>
-          <a:p>
-            <a:r>
-              <a:rPr lang="de-DE" dirty="0"/>
-              <a:t>Dataset: ALLBUS</a:t>
-            </a:r>
-          </a:p>
-        </p:txBody>
-      </p:sp>
-      <p:sp>
-        <p:nvSpPr>
-          <p:cNvPr id="3" name="Inhaltsplatzhalter 2">
-            <a:extLst>
-              <a:ext uri="{FF2B5EF4-FFF2-40B4-BE49-F238E27FC236}">
-                <a16:creationId xmlns:a16="http://schemas.microsoft.com/office/drawing/2014/main" id="{A6EE175B-F110-2231-4746-FB0A5137CFF3}"/>
-              </a:ext>
-            </a:extLst>
-          </p:cNvPr>
-          <p:cNvSpPr>
-            <a:spLocks noGrp="1"/>
-          </p:cNvSpPr>
-          <p:nvPr>
-            <p:ph idx="1"/>
-          </p:nvPr>
-        </p:nvSpPr>
-        <p:spPr>
-          <a:xfrm>
-            <a:off x="395536" y="1353344"/>
-            <a:ext cx="7344816" cy="3162622"/>
-          </a:xfrm>
-        </p:spPr>
-        <p:txBody>
-          <a:bodyPr/>
-          <a:lstStyle/>
-          <a:p>
-            <a:r>
-              <a:rPr lang="de-DE" sz="2000" b="1" dirty="0"/>
-              <a:t>Data </a:t>
-            </a:r>
-            <a:r>
-              <a:rPr lang="de-DE" sz="2000" b="1" dirty="0" err="1"/>
-              <a:t>Preparation</a:t>
-            </a:r>
-            <a:r>
-              <a:rPr lang="de-DE" sz="2000" b="1" dirty="0"/>
-              <a:t>:</a:t>
-            </a:r>
-          </a:p>
-          <a:p>
-            <a:pPr lvl="1"/>
-            <a:r>
-              <a:rPr lang="de-DE" sz="1800" dirty="0" err="1"/>
-              <a:t>Only</a:t>
-            </a:r>
-            <a:r>
-              <a:rPr lang="de-DE" sz="1800" dirty="0"/>
-              <a:t> </a:t>
-            </a:r>
-            <a:r>
-              <a:rPr lang="de-DE" sz="1800" dirty="0" err="1"/>
-              <a:t>include</a:t>
-            </a:r>
-            <a:r>
-              <a:rPr lang="de-DE" sz="1800" dirty="0"/>
-              <a:t> </a:t>
-            </a:r>
-            <a:r>
-              <a:rPr lang="de-DE" sz="1800" dirty="0" err="1"/>
-              <a:t>questions</a:t>
-            </a:r>
-            <a:r>
-              <a:rPr lang="de-DE" sz="1800" dirty="0"/>
-              <a:t> </a:t>
-            </a:r>
-            <a:r>
-              <a:rPr lang="de-DE" sz="1800" dirty="0" err="1"/>
-              <a:t>answered</a:t>
-            </a:r>
-            <a:r>
-              <a:rPr lang="de-DE" sz="1800" dirty="0"/>
-              <a:t> in all 3 Splits</a:t>
-            </a:r>
-          </a:p>
-          <a:p>
-            <a:pPr lvl="1"/>
-            <a:r>
-              <a:rPr lang="de-DE" sz="1800" dirty="0" err="1"/>
-              <a:t>Exclude</a:t>
-            </a:r>
-            <a:r>
-              <a:rPr lang="de-DE" sz="1800" dirty="0"/>
-              <a:t> </a:t>
-            </a:r>
-            <a:r>
-              <a:rPr lang="de-DE" sz="1800" dirty="0" err="1"/>
-              <a:t>questions</a:t>
-            </a:r>
-            <a:r>
-              <a:rPr lang="de-DE" sz="1800" dirty="0"/>
-              <a:t> </a:t>
-            </a:r>
-            <a:r>
-              <a:rPr lang="de-DE" sz="1800" dirty="0" err="1"/>
-              <a:t>with</a:t>
-            </a:r>
-            <a:r>
-              <a:rPr lang="de-DE" sz="1800" dirty="0"/>
-              <a:t> &gt; 5% NA</a:t>
-            </a:r>
-          </a:p>
-          <a:p>
-            <a:pPr lvl="1"/>
-            <a:r>
-              <a:rPr lang="de-DE" sz="1800" dirty="0" err="1"/>
-              <a:t>Exclude</a:t>
-            </a:r>
-            <a:r>
-              <a:rPr lang="de-DE" sz="1800" dirty="0"/>
-              <a:t> </a:t>
-            </a:r>
-            <a:r>
-              <a:rPr lang="de-DE" sz="1800" dirty="0" err="1"/>
-              <a:t>observations</a:t>
-            </a:r>
-            <a:r>
-              <a:rPr lang="de-DE" sz="1800" dirty="0"/>
-              <a:t> </a:t>
-            </a:r>
-            <a:r>
-              <a:rPr lang="de-DE" sz="1800" dirty="0" err="1"/>
-              <a:t>with</a:t>
-            </a:r>
-            <a:r>
-              <a:rPr lang="de-DE" sz="1800" dirty="0"/>
-              <a:t> NA</a:t>
-            </a:r>
-          </a:p>
-          <a:p>
-            <a:r>
-              <a:rPr lang="de-DE" sz="2000" dirty="0"/>
-              <a:t>After </a:t>
-            </a:r>
-            <a:r>
-              <a:rPr lang="de-DE" sz="2000" dirty="0" err="1"/>
-              <a:t>Preparation</a:t>
-            </a:r>
-            <a:r>
-              <a:rPr lang="de-DE" sz="2000" dirty="0"/>
-              <a:t>: 2509 </a:t>
-            </a:r>
-            <a:r>
-              <a:rPr lang="de-DE" sz="2000" dirty="0" err="1"/>
-              <a:t>observations</a:t>
-            </a:r>
-            <a:r>
-              <a:rPr lang="de-DE" sz="2000" dirty="0"/>
-              <a:t> and 122 variables</a:t>
-            </a:r>
-          </a:p>
-        </p:txBody>
-      </p:sp>
-    </p:spTree>
-    <p:extLst>
-      <p:ext uri="{BB962C8B-B14F-4D97-AF65-F5344CB8AC3E}">
-        <p14:creationId xmlns:p14="http://schemas.microsoft.com/office/powerpoint/2010/main" val="3828027156"/>
-      </p:ext>
-    </p:extLst>
-  </p:cSld>
-  <p:clrMapOvr>
-    <a:masterClrMapping/>
-  </p:clrMapOvr>
-</p:sld>
-</file>
-
-<file path=ppt/slides/slide19.xml><?xml version="1.0" encoding="utf-8"?>
-<p:sld xmlns:a="http://schemas.openxmlformats.org/drawingml/2006/main" xmlns:r="http://schemas.openxmlformats.org/officeDocument/2006/relationships" xmlns:p="http://schemas.openxmlformats.org/presentationml/2006/main">
-  <p:cSld>
-    <p:spTree>
-      <p:nvGrpSpPr>
-        <p:cNvPr id="1" name=""/>
-        <p:cNvGrpSpPr/>
-        <p:nvPr/>
-      </p:nvGrpSpPr>
-      <p:grpSpPr>
-        <a:xfrm>
-          <a:off x="0" y="0"/>
-          <a:ext cx="0" cy="0"/>
-          <a:chOff x="0" y="0"/>
-          <a:chExt cx="0" cy="0"/>
-        </a:xfrm>
-      </p:grpSpPr>
-      <p:sp>
-        <p:nvSpPr>
-          <p:cNvPr id="2" name="Titel 1">
-            <a:extLst>
-              <a:ext uri="{FF2B5EF4-FFF2-40B4-BE49-F238E27FC236}">
-                <a16:creationId xmlns:a16="http://schemas.microsoft.com/office/drawing/2014/main" id="{44ED17ED-09C8-55E6-DF2F-BBE1E913B8D2}"/>
-              </a:ext>
-            </a:extLst>
-          </p:cNvPr>
-          <p:cNvSpPr>
-            <a:spLocks noGrp="1"/>
-          </p:cNvSpPr>
-          <p:nvPr>
-            <p:ph type="title"/>
-          </p:nvPr>
-        </p:nvSpPr>
-        <p:spPr/>
-        <p:txBody>
-          <a:bodyPr/>
-          <a:lstStyle/>
-          <a:p>
-            <a:r>
-              <a:rPr lang="de-DE" dirty="0"/>
-              <a:t>Simulation </a:t>
-            </a:r>
-            <a:r>
-              <a:rPr lang="de-DE" dirty="0" err="1"/>
-              <a:t>study</a:t>
-            </a:r>
-            <a:endParaRPr lang="de-DE" dirty="0"/>
-          </a:p>
-        </p:txBody>
-      </p:sp>
-      <p:sp>
-        <p:nvSpPr>
-          <p:cNvPr id="3" name="Inhaltsplatzhalter 2">
-            <a:extLst>
-              <a:ext uri="{FF2B5EF4-FFF2-40B4-BE49-F238E27FC236}">
-                <a16:creationId xmlns:a16="http://schemas.microsoft.com/office/drawing/2014/main" id="{DE4E10F2-1F49-793B-6371-20F0C962B1D9}"/>
-              </a:ext>
-            </a:extLst>
-          </p:cNvPr>
-          <p:cNvSpPr>
-            <a:spLocks noGrp="1"/>
-          </p:cNvSpPr>
-          <p:nvPr>
-            <p:ph idx="1"/>
-          </p:nvPr>
-        </p:nvSpPr>
-        <p:spPr/>
-        <p:txBody>
-          <a:bodyPr/>
-          <a:lstStyle/>
-          <a:p>
-            <a:r>
-              <a:rPr lang="de-DE" sz="2000" dirty="0"/>
-              <a:t>Measurement </a:t>
-            </a:r>
-            <a:r>
-              <a:rPr lang="de-DE" sz="2000" dirty="0" err="1"/>
-              <a:t>of</a:t>
-            </a:r>
-            <a:r>
-              <a:rPr lang="de-DE" sz="2000" dirty="0"/>
-              <a:t> </a:t>
-            </a:r>
-            <a:r>
-              <a:rPr lang="de-DE" sz="2000" dirty="0" err="1"/>
-              <a:t>accuracy</a:t>
-            </a:r>
-            <a:r>
-              <a:rPr lang="de-DE" sz="2000" dirty="0"/>
-              <a:t>:</a:t>
-            </a:r>
-          </a:p>
-          <a:p>
-            <a:pPr lvl="1"/>
-            <a:r>
-              <a:rPr lang="en-GB" sz="1800" dirty="0"/>
-              <a:t>Misclassification</a:t>
-            </a:r>
-            <a:r>
-              <a:rPr lang="de-DE" sz="1800" dirty="0"/>
-              <a:t> rate</a:t>
-            </a:r>
-          </a:p>
-          <a:p>
-            <a:pPr lvl="1"/>
-            <a:r>
-              <a:rPr lang="de-DE" sz="1800" dirty="0"/>
-              <a:t>ROC </a:t>
-            </a:r>
-            <a:r>
-              <a:rPr lang="de-DE" sz="1800" dirty="0" err="1"/>
-              <a:t>curve</a:t>
-            </a:r>
-            <a:endParaRPr lang="de-DE" sz="1800" dirty="0"/>
-          </a:p>
-        </p:txBody>
-      </p:sp>
-    </p:spTree>
-    <p:extLst>
-      <p:ext uri="{BB962C8B-B14F-4D97-AF65-F5344CB8AC3E}">
-        <p14:creationId xmlns:p14="http://schemas.microsoft.com/office/powerpoint/2010/main" val="1886016345"/>
       </p:ext>
     </p:extLst>
   </p:cSld>
@@ -6870,6 +7046,346 @@
           <p:cNvPr id="2" name="Titel 1">
             <a:extLst>
               <a:ext uri="{FF2B5EF4-FFF2-40B4-BE49-F238E27FC236}">
+                <a16:creationId xmlns:a16="http://schemas.microsoft.com/office/drawing/2014/main" id="{9C274E31-D4F7-6C4A-D81C-1BC18A1044AE}"/>
+              </a:ext>
+            </a:extLst>
+          </p:cNvPr>
+          <p:cNvSpPr>
+            <a:spLocks noGrp="1"/>
+          </p:cNvSpPr>
+          <p:nvPr>
+            <p:ph type="title"/>
+          </p:nvPr>
+        </p:nvSpPr>
+        <p:spPr/>
+        <p:txBody>
+          <a:bodyPr/>
+          <a:lstStyle/>
+          <a:p>
+            <a:r>
+              <a:rPr lang="de-DE" dirty="0"/>
+              <a:t>Dataset: ALLBUS</a:t>
+            </a:r>
+          </a:p>
+        </p:txBody>
+      </p:sp>
+      <p:sp>
+        <p:nvSpPr>
+          <p:cNvPr id="3" name="Inhaltsplatzhalter 2">
+            <a:extLst>
+              <a:ext uri="{FF2B5EF4-FFF2-40B4-BE49-F238E27FC236}">
+                <a16:creationId xmlns:a16="http://schemas.microsoft.com/office/drawing/2014/main" id="{A6EE175B-F110-2231-4746-FB0A5137CFF3}"/>
+              </a:ext>
+            </a:extLst>
+          </p:cNvPr>
+          <p:cNvSpPr>
+            <a:spLocks noGrp="1"/>
+          </p:cNvSpPr>
+          <p:nvPr>
+            <p:ph idx="1"/>
+          </p:nvPr>
+        </p:nvSpPr>
+        <p:spPr>
+          <a:xfrm>
+            <a:off x="395536" y="1353344"/>
+            <a:ext cx="7344816" cy="3162622"/>
+          </a:xfrm>
+        </p:spPr>
+        <p:txBody>
+          <a:bodyPr/>
+          <a:lstStyle/>
+          <a:p>
+            <a:r>
+              <a:rPr lang="de-DE" sz="2000" b="1" dirty="0"/>
+              <a:t>Data </a:t>
+            </a:r>
+            <a:r>
+              <a:rPr lang="de-DE" sz="2000" b="1" dirty="0" err="1"/>
+              <a:t>Preparation</a:t>
+            </a:r>
+            <a:r>
+              <a:rPr lang="de-DE" sz="2000" b="1" dirty="0"/>
+              <a:t>:</a:t>
+            </a:r>
+          </a:p>
+          <a:p>
+            <a:pPr lvl="1"/>
+            <a:r>
+              <a:rPr lang="de-DE" sz="1800" dirty="0" err="1"/>
+              <a:t>Only</a:t>
+            </a:r>
+            <a:r>
+              <a:rPr lang="de-DE" sz="1800" dirty="0"/>
+              <a:t> </a:t>
+            </a:r>
+            <a:r>
+              <a:rPr lang="de-DE" sz="1800" dirty="0" err="1"/>
+              <a:t>include</a:t>
+            </a:r>
+            <a:r>
+              <a:rPr lang="de-DE" sz="1800" dirty="0"/>
+              <a:t> </a:t>
+            </a:r>
+            <a:r>
+              <a:rPr lang="de-DE" sz="1800" dirty="0" err="1"/>
+              <a:t>questions</a:t>
+            </a:r>
+            <a:r>
+              <a:rPr lang="de-DE" sz="1800" dirty="0"/>
+              <a:t> </a:t>
+            </a:r>
+            <a:r>
+              <a:rPr lang="de-DE" sz="1800" dirty="0" err="1"/>
+              <a:t>answered</a:t>
+            </a:r>
+            <a:r>
+              <a:rPr lang="de-DE" sz="1800" dirty="0"/>
+              <a:t> in all 3 Splits</a:t>
+            </a:r>
+          </a:p>
+          <a:p>
+            <a:pPr lvl="1"/>
+            <a:r>
+              <a:rPr lang="de-DE" sz="1800" dirty="0" err="1"/>
+              <a:t>Exclude</a:t>
+            </a:r>
+            <a:r>
+              <a:rPr lang="de-DE" sz="1800" dirty="0"/>
+              <a:t> </a:t>
+            </a:r>
+            <a:r>
+              <a:rPr lang="de-DE" sz="1800" dirty="0" err="1"/>
+              <a:t>questions</a:t>
+            </a:r>
+            <a:r>
+              <a:rPr lang="de-DE" sz="1800" dirty="0"/>
+              <a:t> </a:t>
+            </a:r>
+            <a:r>
+              <a:rPr lang="de-DE" sz="1800" dirty="0" err="1"/>
+              <a:t>with</a:t>
+            </a:r>
+            <a:r>
+              <a:rPr lang="de-DE" sz="1800" dirty="0"/>
+              <a:t> &gt; 5% NA</a:t>
+            </a:r>
+          </a:p>
+          <a:p>
+            <a:pPr lvl="1"/>
+            <a:r>
+              <a:rPr lang="de-DE" sz="1800" dirty="0" err="1"/>
+              <a:t>Exclude</a:t>
+            </a:r>
+            <a:r>
+              <a:rPr lang="de-DE" sz="1800" dirty="0"/>
+              <a:t> </a:t>
+            </a:r>
+            <a:r>
+              <a:rPr lang="de-DE" sz="1800" dirty="0" err="1"/>
+              <a:t>observations</a:t>
+            </a:r>
+            <a:r>
+              <a:rPr lang="de-DE" sz="1800" dirty="0"/>
+              <a:t> </a:t>
+            </a:r>
+            <a:r>
+              <a:rPr lang="de-DE" sz="1800" dirty="0" err="1"/>
+              <a:t>with</a:t>
+            </a:r>
+            <a:r>
+              <a:rPr lang="de-DE" sz="1800" dirty="0"/>
+              <a:t> NA</a:t>
+            </a:r>
+          </a:p>
+          <a:p>
+            <a:r>
+              <a:rPr lang="de-DE" sz="2000" dirty="0"/>
+              <a:t>After </a:t>
+            </a:r>
+            <a:r>
+              <a:rPr lang="de-DE" sz="2000" dirty="0" err="1"/>
+              <a:t>Preparation</a:t>
+            </a:r>
+            <a:r>
+              <a:rPr lang="de-DE" sz="2000" dirty="0"/>
+              <a:t>: 2509 </a:t>
+            </a:r>
+            <a:r>
+              <a:rPr lang="de-DE" sz="2000" dirty="0" err="1"/>
+              <a:t>observations</a:t>
+            </a:r>
+            <a:r>
+              <a:rPr lang="de-DE" sz="2000" dirty="0"/>
+              <a:t> and 122 variables</a:t>
+            </a:r>
+          </a:p>
+        </p:txBody>
+      </p:sp>
+    </p:spTree>
+    <p:extLst>
+      <p:ext uri="{BB962C8B-B14F-4D97-AF65-F5344CB8AC3E}">
+        <p14:creationId xmlns:p14="http://schemas.microsoft.com/office/powerpoint/2010/main" val="3828027156"/>
+      </p:ext>
+    </p:extLst>
+  </p:cSld>
+  <p:clrMapOvr>
+    <a:masterClrMapping/>
+  </p:clrMapOvr>
+</p:sld>
+</file>
+
+<file path=ppt/slides/slide21.xml><?xml version="1.0" encoding="utf-8"?>
+<p:sld xmlns:a="http://schemas.openxmlformats.org/drawingml/2006/main" xmlns:r="http://schemas.openxmlformats.org/officeDocument/2006/relationships" xmlns:p="http://schemas.openxmlformats.org/presentationml/2006/main">
+  <p:cSld>
+    <p:spTree>
+      <p:nvGrpSpPr>
+        <p:cNvPr id="1" name=""/>
+        <p:cNvGrpSpPr/>
+        <p:nvPr/>
+      </p:nvGrpSpPr>
+      <p:grpSpPr>
+        <a:xfrm>
+          <a:off x="0" y="0"/>
+          <a:ext cx="0" cy="0"/>
+          <a:chOff x="0" y="0"/>
+          <a:chExt cx="0" cy="0"/>
+        </a:xfrm>
+      </p:grpSpPr>
+      <p:sp>
+        <p:nvSpPr>
+          <p:cNvPr id="2" name="Titel 1">
+            <a:extLst>
+              <a:ext uri="{FF2B5EF4-FFF2-40B4-BE49-F238E27FC236}">
+                <a16:creationId xmlns:a16="http://schemas.microsoft.com/office/drawing/2014/main" id="{44ED17ED-09C8-55E6-DF2F-BBE1E913B8D2}"/>
+              </a:ext>
+            </a:extLst>
+          </p:cNvPr>
+          <p:cNvSpPr>
+            <a:spLocks noGrp="1"/>
+          </p:cNvSpPr>
+          <p:nvPr>
+            <p:ph type="title"/>
+          </p:nvPr>
+        </p:nvSpPr>
+        <p:spPr/>
+        <p:txBody>
+          <a:bodyPr/>
+          <a:lstStyle/>
+          <a:p>
+            <a:r>
+              <a:rPr lang="de-DE" dirty="0"/>
+              <a:t>Simulation </a:t>
+            </a:r>
+            <a:r>
+              <a:rPr lang="de-DE" dirty="0" err="1"/>
+              <a:t>study</a:t>
+            </a:r>
+            <a:endParaRPr lang="de-DE" dirty="0"/>
+          </a:p>
+        </p:txBody>
+      </p:sp>
+      <p:sp>
+        <p:nvSpPr>
+          <p:cNvPr id="3" name="Inhaltsplatzhalter 2">
+            <a:extLst>
+              <a:ext uri="{FF2B5EF4-FFF2-40B4-BE49-F238E27FC236}">
+                <a16:creationId xmlns:a16="http://schemas.microsoft.com/office/drawing/2014/main" id="{DE4E10F2-1F49-793B-6371-20F0C962B1D9}"/>
+              </a:ext>
+            </a:extLst>
+          </p:cNvPr>
+          <p:cNvSpPr>
+            <a:spLocks noGrp="1"/>
+          </p:cNvSpPr>
+          <p:nvPr>
+            <p:ph idx="1"/>
+          </p:nvPr>
+        </p:nvSpPr>
+        <p:spPr/>
+        <p:txBody>
+          <a:bodyPr/>
+          <a:lstStyle/>
+          <a:p>
+            <a:r>
+              <a:rPr lang="de-DE" sz="2000" dirty="0"/>
+              <a:t>Measurement </a:t>
+            </a:r>
+            <a:r>
+              <a:rPr lang="de-DE" sz="2000" dirty="0" err="1"/>
+              <a:t>of</a:t>
+            </a:r>
+            <a:r>
+              <a:rPr lang="de-DE" sz="2000" dirty="0"/>
+              <a:t> </a:t>
+            </a:r>
+            <a:r>
+              <a:rPr lang="de-DE" sz="2000" dirty="0" err="1"/>
+              <a:t>accuracy</a:t>
+            </a:r>
+            <a:r>
+              <a:rPr lang="de-DE" sz="2000" dirty="0"/>
+              <a:t>:</a:t>
+            </a:r>
+          </a:p>
+          <a:p>
+            <a:pPr lvl="1"/>
+            <a:r>
+              <a:rPr lang="en-GB" sz="1800" dirty="0"/>
+              <a:t>Misclassification</a:t>
+            </a:r>
+            <a:r>
+              <a:rPr lang="de-DE" sz="1800" dirty="0"/>
+              <a:t> rate</a:t>
+            </a:r>
+          </a:p>
+          <a:p>
+            <a:pPr lvl="1"/>
+            <a:r>
+              <a:rPr lang="de-DE" sz="1800" dirty="0"/>
+              <a:t>ROC </a:t>
+            </a:r>
+            <a:r>
+              <a:rPr lang="de-DE" sz="1800" dirty="0" err="1"/>
+              <a:t>curve</a:t>
+            </a:r>
+            <a:endParaRPr lang="de-DE" sz="1800" dirty="0"/>
+          </a:p>
+        </p:txBody>
+      </p:sp>
+    </p:spTree>
+    <p:extLst>
+      <p:ext uri="{BB962C8B-B14F-4D97-AF65-F5344CB8AC3E}">
+        <p14:creationId xmlns:p14="http://schemas.microsoft.com/office/powerpoint/2010/main" val="1886016345"/>
+      </p:ext>
+    </p:extLst>
+  </p:cSld>
+  <p:clrMapOvr>
+    <a:masterClrMapping/>
+  </p:clrMapOvr>
+</p:sld>
+</file>
+
+<file path=ppt/slides/slide22.xml><?xml version="1.0" encoding="utf-8"?>
+<p:sld xmlns:a="http://schemas.openxmlformats.org/drawingml/2006/main" xmlns:r="http://schemas.openxmlformats.org/officeDocument/2006/relationships" xmlns:p="http://schemas.openxmlformats.org/presentationml/2006/main">
+  <p:cSld>
+    <p:spTree>
+      <p:nvGrpSpPr>
+        <p:cNvPr id="1" name=""/>
+        <p:cNvGrpSpPr/>
+        <p:nvPr/>
+      </p:nvGrpSpPr>
+      <p:grpSpPr>
+        <a:xfrm>
+          <a:off x="0" y="0"/>
+          <a:ext cx="0" cy="0"/>
+          <a:chOff x="0" y="0"/>
+          <a:chExt cx="0" cy="0"/>
+        </a:xfrm>
+      </p:grpSpPr>
+      <p:sp>
+        <p:nvSpPr>
+          <p:cNvPr id="2" name="Titel 1">
+            <a:extLst>
+              <a:ext uri="{FF2B5EF4-FFF2-40B4-BE49-F238E27FC236}">
                 <a16:creationId xmlns:a16="http://schemas.microsoft.com/office/drawing/2014/main" id="{5841DC02-6942-A02F-3690-049179BDDFFB}"/>
               </a:ext>
             </a:extLst>
@@ -7433,8 +7949,8 @@
           </a:p>
         </p:txBody>
       </p:sp>
-      <mc:AlternateContent xmlns:mc="http://schemas.openxmlformats.org/markup-compatibility/2006">
-        <mc:Choice xmlns:a14="http://schemas.microsoft.com/office/drawing/2010/main" Requires="a14">
+      <mc:AlternateContent xmlns:mc="http://schemas.openxmlformats.org/markup-compatibility/2006" xmlns:a14="http://schemas.microsoft.com/office/drawing/2010/main">
+        <mc:Choice Requires="a14">
           <p:sp>
             <p:nvSpPr>
               <p:cNvPr id="3" name="Inhaltsplatzhalter 2">
@@ -8010,7 +8526,7 @@
             </p:txBody>
           </p:sp>
         </mc:Choice>
-        <mc:Fallback>
+        <mc:Fallback xmlns="">
           <p:sp>
             <p:nvSpPr>
               <p:cNvPr id="3" name="Inhaltsplatzhalter 2">
@@ -8236,10 +8752,10 @@
       </p:pic>
       <p:pic>
         <p:nvPicPr>
-          <p:cNvPr id="25" name="Grafik 24" descr="Ein Bild, das Reihe, Diagramm, Steigung, parallel enthält.&#10;&#10;Automatisch generierte Beschreibung">
+          <p:cNvPr id="4" name="Grafik 3" descr="Ein Bild, das Reihe, Diagramm, parallel, Steigung enthält.&#10;&#10;Automatisch generierte Beschreibung">
             <a:extLst>
               <a:ext uri="{FF2B5EF4-FFF2-40B4-BE49-F238E27FC236}">
-                <a16:creationId xmlns:a16="http://schemas.microsoft.com/office/drawing/2014/main" id="{BD75108F-A408-4336-CAB4-7135AB37F88E}"/>
+                <a16:creationId xmlns:a16="http://schemas.microsoft.com/office/drawing/2014/main" id="{46ACD664-B35B-1FDD-FFED-70FE77B7A530}"/>
               </a:ext>
             </a:extLst>
           </p:cNvPr>
@@ -8262,18 +8778,15 @@
         </p:blipFill>
         <p:spPr>
           <a:xfrm>
-            <a:off x="5364088" y="1227058"/>
-            <a:ext cx="3177023" cy="2956719"/>
+            <a:off x="5148064" y="1188000"/>
+            <a:ext cx="3634198" cy="3072665"/>
           </a:xfrm>
           <a:prstGeom prst="rect">
             <a:avLst/>
           </a:prstGeom>
           <a:ln w="3175">
             <a:solidFill>
-              <a:schemeClr val="tx1">
-                <a:lumMod val="95000"/>
-                <a:lumOff val="5000"/>
-              </a:schemeClr>
+              <a:schemeClr val="accent1"/>
             </a:solidFill>
           </a:ln>
         </p:spPr>
@@ -8411,10 +8924,10 @@
       </p:pic>
       <p:pic>
         <p:nvPicPr>
-          <p:cNvPr id="10" name="Grafik 9" descr="Ein Bild, das Reihe, Diagramm, Text, parallel enthält.&#10;&#10;Automatisch generierte Beschreibung">
+          <p:cNvPr id="4" name="Grafik 3" descr="Ein Bild, das Reihe, Diagramm, parallel, Screenshot enthält.&#10;&#10;Automatisch generierte Beschreibung">
             <a:extLst>
               <a:ext uri="{FF2B5EF4-FFF2-40B4-BE49-F238E27FC236}">
-                <a16:creationId xmlns:a16="http://schemas.microsoft.com/office/drawing/2014/main" id="{F3ECA42D-F0EA-B8A1-282C-D094C74B1EA0}"/>
+                <a16:creationId xmlns:a16="http://schemas.microsoft.com/office/drawing/2014/main" id="{B2C0436D-5BE1-74F9-9D50-6E433CE2DCCA}"/>
               </a:ext>
             </a:extLst>
           </p:cNvPr>
@@ -8437,8 +8950,8 @@
         </p:blipFill>
         <p:spPr>
           <a:xfrm>
-            <a:off x="5148064" y="1299793"/>
-            <a:ext cx="2880320" cy="2680590"/>
+            <a:off x="5148000" y="1188000"/>
+            <a:ext cx="3602721" cy="3074400"/>
           </a:xfrm>
           <a:prstGeom prst="rect">
             <a:avLst/>
@@ -8583,10 +9096,10 @@
       </p:pic>
       <p:pic>
         <p:nvPicPr>
-          <p:cNvPr id="10" name="Grafik 9" descr="Ein Bild, das Reihe, Diagramm, Steigung, parallel enthält.&#10;&#10;Automatisch generierte Beschreibung">
+          <p:cNvPr id="4" name="Grafik 3" descr="Ein Bild, das Reihe, Diagramm, parallel, Steigung enthält.&#10;&#10;Automatisch generierte Beschreibung">
             <a:extLst>
               <a:ext uri="{FF2B5EF4-FFF2-40B4-BE49-F238E27FC236}">
-                <a16:creationId xmlns:a16="http://schemas.microsoft.com/office/drawing/2014/main" id="{61AB07FF-8D31-3186-850F-DC65A7D0D908}"/>
+                <a16:creationId xmlns:a16="http://schemas.microsoft.com/office/drawing/2014/main" id="{57267605-1410-A119-1AFA-DEDF53609828}"/>
               </a:ext>
             </a:extLst>
           </p:cNvPr>
@@ -8609,18 +9122,15 @@
         </p:blipFill>
         <p:spPr>
           <a:xfrm>
-            <a:off x="5220072" y="1259034"/>
-            <a:ext cx="2821051" cy="2625431"/>
+            <a:off x="5148000" y="1188000"/>
+            <a:ext cx="3597930" cy="3042000"/>
           </a:xfrm>
           <a:prstGeom prst="rect">
             <a:avLst/>
           </a:prstGeom>
           <a:ln w="3175">
             <a:solidFill>
-              <a:schemeClr val="tx1">
-                <a:lumMod val="95000"/>
-                <a:lumOff val="5000"/>
-              </a:schemeClr>
+              <a:schemeClr val="accent1"/>
             </a:solidFill>
           </a:ln>
         </p:spPr>
@@ -8718,10 +9228,10 @@
       </p:sp>
       <p:pic>
         <p:nvPicPr>
-          <p:cNvPr id="9" name="Grafik 8" descr="\documentclass[20pt]{article}&#10;\usepackage{amsmath,amsfonts,amssymb,xcolor, mathtools}&#10;\pagestyle{empty}&#10;\usepackage[T1]{fontenc}&#10;\usepackage{fontspec}&#10;\setsansfont{Arial}&#10;\renewcommand\familydefault{\sfdefault}&#10;\begin{document}&#10;\begin{itemize}&#10;\item for a positive sample laying on the gutter &#10;we know $$\beta \overline{x}^+ +\beta_0 = 1 \Leftrightarrow \beta \overline{x}^+=1-\beta_0$$&#10;\item conversely for a negativ sample on the gutter &#10;$$\beta \overline{x}^- +\beta_0 = -1 \Leftrightarrow \beta \overline{x}^-=-1-\beta_0$$&#10;\item imputed in the derived formula for the width&#10;$$\rightarrow \frac{1-\beta_0-(-1-\beta_0)}{||\beta||}=\frac{2}{||\beta||}$$&#10;\item which is changed to $\frac{1}{2} ||\beta||^2=\frac{1}{2} \beta ' \beta$ for the \newline minimization&#10;\end{itemize}&#10;&#10;\end{document}" title="IguanaTex Picture Display">
+          <p:cNvPr id="8" name="Grafik 7" descr="\documentclass[20pt]{article}&#10;\usepackage{amsmath,amsfonts,amssymb,xcolor, mathtools}&#10;\pagestyle{empty}&#10;\usepackage[T1]{fontenc}&#10;\usepackage{fontspec}&#10;\setsansfont{Arial}&#10;\renewcommand\familydefault{\sfdefault}&#10;\begin{document}&#10;\begin{itemize}&#10;\item for a positive sample laying on the gutter &#10;we know \vspace{0.2cm}\newline $\beta \overline{x}^+ +\beta_0 = 1 \Leftrightarrow \beta \overline{x}^+=1-\beta_0$&#10;\item conversely for a negativ sample on the gutter \vspace{0.2cm}\newline&#10;$\beta \overline{x}^- +\beta_0 = -1 \Leftrightarrow \beta \overline{x}^-=-1-\beta_0$&#10;\item imputed in the derived formula for the width\vspace{0.2cm}\newline&#10;$\rightarrow \frac{1-\beta_0-(-1-\beta_0)}{||\beta||}=\frac{2}{||\beta||}$&#10;\item which is changed to $\frac{1}{2} ||\beta||^2=\frac{1}{2} \beta ' \beta$ to minimize in order to maximize $\frac{2}{||\beta||}$&#10;\end{itemize}&#10;&#10;\end{document}" title="IguanaTex Picture Display">
             <a:extLst>
               <a:ext uri="{FF2B5EF4-FFF2-40B4-BE49-F238E27FC236}">
-                <a16:creationId xmlns:a16="http://schemas.microsoft.com/office/drawing/2014/main" id="{EBF0AF07-2AAC-7FC9-6F75-A705CF15C226}"/>
+                <a16:creationId xmlns:a16="http://schemas.microsoft.com/office/drawing/2014/main" id="{C6BABD42-AA54-D773-CF47-EBFC11A93BD4}"/>
               </a:ext>
             </a:extLst>
           </p:cNvPr>
@@ -8748,8 +9258,8 @@
         </p:blipFill>
         <p:spPr>
           <a:xfrm>
-            <a:off x="611560" y="1002292"/>
-            <a:ext cx="5511853" cy="4106536"/>
+            <a:off x="611560" y="1124744"/>
+            <a:ext cx="7432051" cy="3028783"/>
           </a:xfrm>
           <a:prstGeom prst="rect">
             <a:avLst/>
@@ -8779,6 +9289,26 @@
   <p:tag name="LATEXADDIN" val="\documentclass[20pt]{article}&#10;\usepackage{amsmath,amsfonts,amssymb,xcolor, mathtools}&#10;\pagestyle{empty}&#10;\usepackage[T1]{fontenc}&#10;\usepackage{fontspec}&#10;\setsansfont{Arial}&#10;\renewcommand\familydefault{\sfdefault}&#10;\begin{document}&#10;\begin{itemize}&#10;\item \textcolor{green}{$\beta$}$\rightarrow$ a k-dimensional vector\newline perpendicular to the decision boundary&#10;\item all points $x$ for which holds $\frac{\textcolor{green}{\beta}}{||\textcolor{green}{\beta}||}\cdot x=\textcolor{magenta}{c}$\newline lie on the hyperplain &#10;\item through some rearrangement we get \newline&#10;$\beta \cdot x +\beta_0=0$&#10;&#10;\end{itemize}&#10;&#10;\end{document}"/>
   <p:tag name="IGUANATEXSIZE" val="18"/>
   <p:tag name="IGUANATEXCURSOR" val="545"/>
+  <p:tag name="TRANSPARENCY" val="Wahr"/>
+  <p:tag name="LATEXENGINEID" val="2"/>
+  <p:tag name="TEMPFOLDER" val="E:\Dokumente\temp\"/>
+  <p:tag name="LATEXFORMHEIGHT" val="320"/>
+  <p:tag name="LATEXFORMWIDTH" val="385"/>
+  <p:tag name="LATEXFORMWRAP" val="Wahr"/>
+  <p:tag name="BITMAPVECTOR" val="0"/>
+</p:tagLst>
+</file>
+
+<file path=ppt/tags/tag10.xml><?xml version="1.0" encoding="utf-8"?>
+<p:tagLst xmlns:a="http://schemas.openxmlformats.org/drawingml/2006/main" xmlns:r="http://schemas.openxmlformats.org/officeDocument/2006/relationships" xmlns:p="http://schemas.openxmlformats.org/presentationml/2006/main">
+  <p:tag name="OUTPUTDPI" val="1200"/>
+  <p:tag name="ORIGINALHEIGHT" val="636,0887"/>
+  <p:tag name="ORIGINALWIDTH" val="4256,844"/>
+  <p:tag name="OUTPUTTYPE" val="PNG"/>
+  <p:tag name="IGUANATEXVERSION" val="161"/>
+  <p:tag name="LATEXADDIN" val="\documentclass[20pt]{article}&#10;\usepackage{amsmath,amsfonts,amssymb,xcolor, mathtools}&#10;\pagestyle{empty}&#10;\usepackage[T1]{fontenc}&#10;\usepackage{fontspec}&#10;\setsansfont{Arial}&#10;\renewcommand\familydefault{\sfdefault}&#10;\begin{document}&#10;\begin{itemize}&#10;\item new Lagrangian to solve\vspace{0.2cm}\newline&#10;$\mathcal{L}(\beta,\beta_0,\alpha,\varepsilon,\lambda)=\frac{1}{2}\beta\cdot \beta + C \sum_{i=1}^{n}\varepsilon_i-\underbrace{\sum \alpha_i[y_i(\beta \cdot \overline{x_i}+\beta_0)-1+\varepsilon_i]}_{\text{ensures }y_i(\beta \cdot \overline{x}_i-\beta_0)&gt;1- \varepsilon_i}-\underbrace{\sum \lambda_i \varepsilon_i }_{\substack{\text{ensures}\\ \varepsilon_i \ge 0}}$&#10;&#10;\end{itemize}&#10;\end{document}"/>
+  <p:tag name="IGUANATEXSIZE" val="18"/>
+  <p:tag name="IGUANATEXCURSOR" val="479"/>
   <p:tag name="TRANSPARENCY" val="Wahr"/>
   <p:tag name="LATEXENGINEID" val="2"/>
   <p:tag name="TEMPFOLDER" val="E:\Dokumente\temp\"/>
@@ -8832,13 +9362,13 @@
 <file path=ppt/tags/tag4.xml><?xml version="1.0" encoding="utf-8"?>
 <p:tagLst xmlns:a="http://schemas.openxmlformats.org/drawingml/2006/main" xmlns:r="http://schemas.openxmlformats.org/officeDocument/2006/relationships" xmlns:p="http://schemas.openxmlformats.org/presentationml/2006/main">
   <p:tag name="OUTPUTDPI" val="1200"/>
-  <p:tag name="ORIGINALHEIGHT" val="2188,055"/>
-  <p:tag name="ORIGINALWIDTH" val="3016,921"/>
+  <p:tag name="ORIGINALHEIGHT" val="1612,725"/>
+  <p:tag name="ORIGINALWIDTH" val="4065,567"/>
   <p:tag name="OUTPUTTYPE" val="PNG"/>
   <p:tag name="IGUANATEXVERSION" val="161"/>
-  <p:tag name="LATEXADDIN" val="\documentclass[20pt]{article}&#10;\usepackage{amsmath,amsfonts,amssymb,xcolor, mathtools}&#10;\pagestyle{empty}&#10;\usepackage[T1]{fontenc}&#10;\usepackage{fontspec}&#10;\setsansfont{Arial}&#10;\renewcommand\familydefault{\sfdefault}&#10;\begin{document}&#10;\begin{itemize}&#10;\item for a positive sample laying on the gutter &#10;we know $$\beta \overline{x}^+ +\beta_0 = 1 \Leftrightarrow \beta \overline{x}^+=1-\beta_0$$&#10;\item conversely for a negativ sample on the gutter &#10;$$\beta \overline{x}^- +\beta_0 = -1 \Leftrightarrow \beta \overline{x}^-=-1-\beta_0$$&#10;\item imputed in the derived formula for the width&#10;$$\rightarrow \frac{1-\beta_0-(-1-\beta_0)}{||\beta||}=\frac{2}{||\beta||}$$&#10;\item which is changed to $\frac{1}{2} ||\beta||^2=\frac{1}{2} \beta ' \beta$ for the \newline minimization&#10;\end{itemize}&#10;&#10;\end{document}"/>
+  <p:tag name="LATEXADDIN" val="\documentclass[20pt]{article}&#10;\usepackage{amsmath,amsfonts,amssymb,xcolor, mathtools}&#10;\pagestyle{empty}&#10;\usepackage[T1]{fontenc}&#10;\usepackage{fontspec}&#10;\setsansfont{Arial}&#10;\renewcommand\familydefault{\sfdefault}&#10;\begin{document}&#10;\begin{itemize}&#10;\item for a positive sample laying on the gutter &#10;we know \vspace{0.2cm}\newline $\beta \overline{x}^+ +\beta_0 = 1 \Leftrightarrow \beta \overline{x}^+=1-\beta_0$&#10;\item conversely for a negativ sample on the gutter \vspace{0.2cm}\newline&#10;$\beta \overline{x}^- +\beta_0 = -1 \Leftrightarrow \beta \overline{x}^-=-1-\beta_0$&#10;\item imputed in the derived formula for the width\vspace{0.2cm}\newline&#10;$\rightarrow \frac{1-\beta_0-(-1-\beta_0)}{||\beta||}=\frac{2}{||\beta||}$&#10;\item which is changed to $\frac{1}{2} ||\beta||^2=\frac{1}{2} \beta ' \beta$ to minimize in order to maximize $\frac{2}{||\beta||}$&#10;\end{itemize}&#10;&#10;\end{document}"/>
   <p:tag name="IGUANATEXSIZE" val="18"/>
-  <p:tag name="IGUANATEXCURSOR" val="577"/>
+  <p:tag name="IGUANATEXCURSOR" val="864"/>
   <p:tag name="TRANSPARENCY" val="Wahr"/>
   <p:tag name="LATEXENGINEID" val="2"/>
   <p:tag name="TEMPFOLDER" val="E:\Dokumente\temp\"/>
@@ -8873,12 +9403,12 @@
 <p:tagLst xmlns:a="http://schemas.openxmlformats.org/drawingml/2006/main" xmlns:r="http://schemas.openxmlformats.org/officeDocument/2006/relationships" xmlns:p="http://schemas.openxmlformats.org/presentationml/2006/main">
   <p:tag name="OUTPUTDPI" val="1200"/>
   <p:tag name="ORIGINALHEIGHT" val="1160,412"/>
-  <p:tag name="ORIGINALWIDTH" val="3032,673"/>
+  <p:tag name="ORIGINALWIDTH" val="2997,418"/>
   <p:tag name="OUTPUTTYPE" val="PNG"/>
   <p:tag name="IGUANATEXVERSION" val="161"/>
-  <p:tag name="LATEXADDIN" val="\documentclass[20pt]{article}&#10;\usepackage{amsmath,amsfonts,amssymb,xcolor, mathtools}&#10;\pagestyle{empty}&#10;\usepackage[T1]{fontenc}&#10;\usepackage{fontspec}&#10;\setsansfont{Arial}&#10;\renewcommand\familydefault{\sfdefault}&#10;\begin{document}&#10;\begin{itemize}&#10;\item Maximization with constraints $\rightarrow$ Lagrange Multipliers\newline&#10;$\mathcal{L}(\beta,\overline{x},\beta_0)=\frac{1}{2}\beta ' \beta-\sum \alpha_i[y_i(\beta \cdot \overline{x_i}+\beta_0)-1]$&#10;\item derive with respect to $\beta$  and set to zero\newline&#10;$\frac{\partial \mathcal{L}}{\partial \beta}=\beta-\sum \alpha_i y_i \overline{x_i}\overset{!}{=}0 \Rightarrow \beta=\sum \alpha_i y_i \overline{x_i} $&#10;\item derive with respect to $\beta_0$ and set to zero&#10;\newline $\frac{\partial \mathcal{L}}{\partial \beta_0}=\sum \alpha_i y_i \overline{x_i}\overset{!}{=}0$&#10;\end{itemize}&#10;\end{document}"/>
+  <p:tag name="LATEXADDIN" val="\documentclass[20pt]{article}&#10;\usepackage{amsmath,amsfonts,amssymb,xcolor, mathtools}&#10;\pagestyle{empty}&#10;\usepackage[T1]{fontenc}&#10;\usepackage{fontspec}&#10;\setsansfont{Arial}&#10;\renewcommand\familydefault{\sfdefault}&#10;\begin{document}&#10;\begin{itemize}&#10;\item minimization with constraints $\rightarrow$ Lagrange Multipliers\newline&#10;$\mathcal{L}(\beta,\beta_0,\alpha)=\frac{1}{2}\beta ' \beta-\sum \alpha_i[y_i(\beta \cdot \overline{x_i}+\beta_0)-1]$&#10;\item derive with respect to $\beta$  and set to zero\newline&#10;$\frac{\partial \mathcal{L}}{\partial \beta}=\beta-\sum \alpha_i y_i \overline{x_i}\overset{!}{=}0 \Rightarrow \beta=\sum \alpha_i y_i \overline{x_i} $&#10;\item derive with respect to $\beta_0$ and set to zero&#10;\newline $\frac{\partial \mathcal{L}}{\partial \beta_0}=\sum \alpha_i y_i \overline{x_i}\overset{!}{=}0$&#10;\end{itemize}&#10;\end{document}"/>
   <p:tag name="IGUANATEXSIZE" val="18"/>
-  <p:tag name="IGUANATEXCURSOR" val="804"/>
+  <p:tag name="IGUANATEXCURSOR" val="263"/>
   <p:tag name="TRANSPARENCY" val="Wahr"/>
   <p:tag name="LATEXENGINEID" val="2"/>
   <p:tag name="TEMPFOLDER" val="E:\Dokumente\temp\"/>
@@ -8896,9 +9426,9 @@
   <p:tag name="ORIGINALWIDTH" val="3932,049"/>
   <p:tag name="OUTPUTTYPE" val="PNG"/>
   <p:tag name="IGUANATEXVERSION" val="161"/>
-  <p:tag name="LATEXADDIN" val="\documentclass[20pt]{article}&#10;\usepackage{amsmath,amsfonts,amssymb,xcolor, mathtools}&#10;\pagestyle{empty}&#10;\usepackage[T1]{fontenc}&#10;\usepackage{fontspec}&#10;\setsansfont{Arial}&#10;\renewcommand\familydefault{\sfdefault}&#10;\begin{document}&#10;\begin{itemize}&#10;\item imputing the results in the optimization formula and rearranging yields &#10;&#10;$$max(\mathcal{L})=-\frac{1}{2}\sum \sum \alpha_i \alpha_j y_i y_j \overline{x_i} \cdot \overline{x_j}+\sum \alpha_i$$&#10;\item can be solved efficiently by quadratic program&#10;\item many of the $\alpha$'s will be zero exept for the support vectors &#10;\end{itemize}&#10;\end{document}"/>
+  <p:tag name="LATEXADDIN" val="\documentclass[20pt]{article}&#10;\usepackage{amsmath,amsfonts,amssymb,xcolor, mathtools}&#10;\pagestyle{empty}&#10;\usepackage[T1]{fontenc}&#10;\usepackage{fontspec}&#10;\setsansfont{Arial}&#10;\renewcommand\familydefault{\sfdefault}&#10;\begin{document}&#10;\begin{itemize}&#10;\item imputing the results in the optimization formula and rearranging yields &#10;&#10;$$min(\mathcal{L})=-\frac{1}{2}\sum \sum \alpha_i \alpha_j y_i y_j \overline{x}_i \cdot \overline{x}_j+\sum \alpha_i$$&#10;\item can be solved efficiently by quadratic program&#10;\item many of the $\alpha$'s will be zero exept for the support vectors &#10;\end{itemize}&#10;\end{document}"/>
   <p:tag name="IGUANATEXSIZE" val="18"/>
-  <p:tag name="IGUANATEXCURSOR" val="426"/>
+  <p:tag name="IGUANATEXCURSOR" val="329"/>
   <p:tag name="TRANSPARENCY" val="Wahr"/>
   <p:tag name="LATEXENGINEID" val="2"/>
   <p:tag name="TEMPFOLDER" val="E:\Dokumente\temp\"/>
@@ -8919,6 +9449,26 @@
   <p:tag name="LATEXADDIN" val="\documentclass[20pt]{article}&#10;\usepackage{amsmath,amsfonts,amssymb,xcolor, mathtools}&#10;\pagestyle{empty}&#10;\usepackage[T1]{fontenc}&#10;\usepackage{fontspec}&#10;\setsansfont{Arial}&#10;\renewcommand\familydefault{\sfdefault}&#10;\begin{document}&#10;\begin{itemize}&#10;\item derive $\beta$ with the new $\alpha$'s&#10;\newline$\beta=\sum \alpha_ iy_i \overline{x_i}$&#10;\item solve for $\beta_0$ with a support vector $\overline{x}_s$ for which we know holds \newline $\beta \cdot\overline{x}_s+\beta_0=y_{x_s}$ therefore $\beta_0=y_{x_s}-\beta \cdot \overline{x}_s$&#10;\item for a new $k$-dimensional vector $\overline{u}$ the decision function is \newline&#10;$f(\overline{u})=\beta \cdot \overline{u}+\beta_0$&#10;\item if $f(\overline{u})&gt;0 \rightarrow u$ is a \textcolor{red}{positive} sample\newline &#10;if $f(\overline{u})&lt;0 \rightarrow u$ is a \textcolor{green}{negative} sample\newline &#10;&#10;\end{itemize}&#10;\end{document}"/>
   <p:tag name="IGUANATEXSIZE" val="18"/>
   <p:tag name="IGUANATEXCURSOR" val="832"/>
+  <p:tag name="TRANSPARENCY" val="Wahr"/>
+  <p:tag name="LATEXENGINEID" val="2"/>
+  <p:tag name="TEMPFOLDER" val="E:\Dokumente\temp\"/>
+  <p:tag name="LATEXFORMHEIGHT" val="320"/>
+  <p:tag name="LATEXFORMWIDTH" val="385"/>
+  <p:tag name="LATEXFORMWRAP" val="Wahr"/>
+  <p:tag name="BITMAPVECTOR" val="0"/>
+</p:tagLst>
+</file>
+
+<file path=ppt/tags/tag9.xml><?xml version="1.0" encoding="utf-8"?>
+<p:tagLst xmlns:a="http://schemas.openxmlformats.org/drawingml/2006/main" xmlns:r="http://schemas.openxmlformats.org/officeDocument/2006/relationships" xmlns:p="http://schemas.openxmlformats.org/presentationml/2006/main">
+  <p:tag name="OUTPUTDPI" val="1200"/>
+  <p:tag name="ORIGINALHEIGHT" val="1696,737"/>
+  <p:tag name="ORIGINALWIDTH" val="4084,32"/>
+  <p:tag name="OUTPUTTYPE" val="PNG"/>
+  <p:tag name="IGUANATEXVERSION" val="161"/>
+  <p:tag name="LATEXADDIN" val="\documentclass[20pt]{article}&#10;\usepackage{amsmath,amsfonts,amssymb,xcolor, mathtools}&#10;\pagestyle{empty}&#10;\usepackage[T1]{fontenc}&#10;\usepackage{fontspec}&#10;\setsansfont{Arial}&#10;\renewcommand\familydefault{\sfdefault}&#10;\begin{document}&#10;\begin{itemize}&#10;\item if data are not linearly seperable there is no optimal $\alpha$ to be found&#10;\item solution: introduce an error term or &quot;slack variable&quot; $\varepsilon_i\ge 0$ for the constraint \newline $y_i(\beta \cdot \overline{x}_i-\beta_0)&gt;1- \varepsilon_i$&#10;\begin{itemize}&#10;\item enables some $\overline{x}_i$ to lay on the wrong side of the gutter &#10;\item Problem: choose $\varepsilon$ to be arbitrary Large and it always fullfills the constraint&#10;\item Solution regularization of $\varepsilon$ with tuning parameter $C$ so to minimize\vspace{0.2cm}\newline&#10;$C \sum_{i=1}^{n} \varepsilon_i$&#10;\end{itemize}&#10;\end{itemize}&#10;\end{document}"/>
+  <p:tag name="IGUANATEXSIZE" val="18"/>
+  <p:tag name="IGUANATEXCURSOR" val="825"/>
   <p:tag name="TRANSPARENCY" val="Wahr"/>
   <p:tag name="LATEXENGINEID" val="2"/>
   <p:tag name="TEMPFOLDER" val="E:\Dokumente\temp\"/>

--- a/Präsentation/Support Vector Machines.pptx
+++ b/Präsentation/Support Vector Machines.pptx
@@ -5,7 +5,7 @@
     <p:sldMasterId id="2147483648" r:id="rId1"/>
   </p:sldMasterIdLst>
   <p:notesMasterIdLst>
-    <p:notesMasterId r:id="rId24"/>
+    <p:notesMasterId r:id="rId25"/>
   </p:notesMasterIdLst>
   <p:sldIdLst>
     <p:sldId id="256" r:id="rId2"/>
@@ -23,13 +23,14 @@
     <p:sldId id="276" r:id="rId14"/>
     <p:sldId id="277" r:id="rId15"/>
     <p:sldId id="278" r:id="rId16"/>
-    <p:sldId id="264" r:id="rId17"/>
-    <p:sldId id="265" r:id="rId18"/>
-    <p:sldId id="266" r:id="rId19"/>
-    <p:sldId id="261" r:id="rId20"/>
-    <p:sldId id="267" r:id="rId21"/>
-    <p:sldId id="262" r:id="rId22"/>
-    <p:sldId id="263" r:id="rId23"/>
+    <p:sldId id="279" r:id="rId17"/>
+    <p:sldId id="264" r:id="rId18"/>
+    <p:sldId id="265" r:id="rId19"/>
+    <p:sldId id="266" r:id="rId20"/>
+    <p:sldId id="261" r:id="rId21"/>
+    <p:sldId id="267" r:id="rId22"/>
+    <p:sldId id="262" r:id="rId23"/>
+    <p:sldId id="263" r:id="rId24"/>
   </p:sldIdLst>
   <p:sldSz cx="9144000" cy="5143500" type="screen16x9"/>
   <p:notesSz cx="6797675" cy="9926638"/>
@@ -169,7 +170,7 @@
 <file path=ppt/revisionInfo.xml><?xml version="1.0" encoding="utf-8"?>
 <p1510:revInfo xmlns:a="http://schemas.openxmlformats.org/drawingml/2006/main" xmlns:r="http://schemas.openxmlformats.org/officeDocument/2006/relationships" xmlns:p1510="http://schemas.microsoft.com/office/powerpoint/2015/10/main">
   <p1510:revLst>
-    <p1510:client id="{AB1E0CFC-1C57-4A1E-92D1-DAC8DD9182A6}" v="2007" dt="2024-06-28T12:17:41.198"/>
+    <p1510:client id="{AB1E0CFC-1C57-4A1E-92D1-DAC8DD9182A6}" v="2115" dt="2024-06-28T12:58:11.420"/>
   </p1510:revLst>
 </p1510:revInfo>
 </file>
@@ -179,7 +180,7 @@
   <pc:docChgLst>
     <pc:chgData name="Franz Andersch" userId="88b46490-1a31-494c-af6b-e252cc2a642d" providerId="ADAL" clId="{AB1E0CFC-1C57-4A1E-92D1-DAC8DD9182A6}"/>
     <pc:docChg chg="undo redo custSel addSld delSld modSld sldOrd">
-      <pc:chgData name="Franz Andersch" userId="88b46490-1a31-494c-af6b-e252cc2a642d" providerId="ADAL" clId="{AB1E0CFC-1C57-4A1E-92D1-DAC8DD9182A6}" dt="2024-06-28T12:17:41.197" v="3759" actId="962"/>
+      <pc:chgData name="Franz Andersch" userId="88b46490-1a31-494c-af6b-e252cc2a642d" providerId="ADAL" clId="{AB1E0CFC-1C57-4A1E-92D1-DAC8DD9182A6}" dt="2024-06-28T12:58:11.419" v="3941" actId="962"/>
       <pc:docMkLst>
         <pc:docMk/>
       </pc:docMkLst>
@@ -1245,12 +1246,20 @@
         </pc:picChg>
       </pc:sldChg>
       <pc:sldChg chg="delSp modSp add mod">
-        <pc:chgData name="Franz Andersch" userId="88b46490-1a31-494c-af6b-e252cc2a642d" providerId="ADAL" clId="{AB1E0CFC-1C57-4A1E-92D1-DAC8DD9182A6}" dt="2024-06-28T12:17:41.197" v="3759" actId="962"/>
+        <pc:chgData name="Franz Andersch" userId="88b46490-1a31-494c-af6b-e252cc2a642d" providerId="ADAL" clId="{AB1E0CFC-1C57-4A1E-92D1-DAC8DD9182A6}" dt="2024-06-28T12:42:22.845" v="3820" actId="1076"/>
         <pc:sldMkLst>
           <pc:docMk/>
           <pc:sldMk cId="3845371581" sldId="278"/>
         </pc:sldMkLst>
         <pc:picChg chg="del mod ord replST">
+          <ac:chgData name="Franz Andersch" userId="88b46490-1a31-494c-af6b-e252cc2a642d" providerId="ADAL" clId="{AB1E0CFC-1C57-4A1E-92D1-DAC8DD9182A6}" dt="2024-06-28T12:42:20.196" v="3817" actId="478"/>
+          <ac:picMkLst>
+            <pc:docMk/>
+            <pc:sldMk cId="3845371581" sldId="278"/>
+            <ac:picMk id="4" creationId="{9E9A3866-0B4C-5BC9-FA0A-90D7633B5044}"/>
+          </ac:picMkLst>
+        </pc:picChg>
+        <pc:picChg chg="del mod ord replST">
           <ac:chgData name="Franz Andersch" userId="88b46490-1a31-494c-af6b-e252cc2a642d" providerId="ADAL" clId="{AB1E0CFC-1C57-4A1E-92D1-DAC8DD9182A6}" dt="2024-06-28T11:09:38.550" v="3577" actId="478"/>
           <ac:picMkLst>
             <pc:docMk/>
@@ -1266,6 +1275,14 @@
             <ac:picMk id="6" creationId="{EA242FE5-B273-2FF9-C1B1-7B8E08A1CE92}"/>
           </ac:picMkLst>
         </pc:picChg>
+        <pc:picChg chg="mod ord replST">
+          <ac:chgData name="Franz Andersch" userId="88b46490-1a31-494c-af6b-e252cc2a642d" providerId="ADAL" clId="{AB1E0CFC-1C57-4A1E-92D1-DAC8DD9182A6}" dt="2024-06-28T12:42:22.845" v="3820" actId="1076"/>
+          <ac:picMkLst>
+            <pc:docMk/>
+            <pc:sldMk cId="3845371581" sldId="278"/>
+            <ac:picMk id="6" creationId="{F557EF5B-A3FE-833B-A1A2-46C8E870CB92}"/>
+          </ac:picMkLst>
+        </pc:picChg>
         <pc:picChg chg="del mod ord replST">
           <ac:chgData name="Franz Andersch" userId="88b46490-1a31-494c-af6b-e252cc2a642d" providerId="ADAL" clId="{AB1E0CFC-1C57-4A1E-92D1-DAC8DD9182A6}" dt="2024-06-28T11:12:45.147" v="3637" actId="478"/>
           <ac:picMkLst>
@@ -1306,8 +1323,8 @@
             <ac:picMk id="16" creationId="{458A4573-40AE-7739-A79D-74F4BF03A662}"/>
           </ac:picMkLst>
         </pc:picChg>
-        <pc:picChg chg="mod ord replST">
-          <ac:chgData name="Franz Andersch" userId="88b46490-1a31-494c-af6b-e252cc2a642d" providerId="ADAL" clId="{AB1E0CFC-1C57-4A1E-92D1-DAC8DD9182A6}" dt="2024-06-28T12:17:41.197" v="3759" actId="962"/>
+        <pc:picChg chg="del mod ord replST">
+          <ac:chgData name="Franz Andersch" userId="88b46490-1a31-494c-af6b-e252cc2a642d" providerId="ADAL" clId="{AB1E0CFC-1C57-4A1E-92D1-DAC8DD9182A6}" dt="2024-06-28T12:37:26.830" v="3787" actId="478"/>
           <ac:picMkLst>
             <pc:docMk/>
             <pc:sldMk cId="3845371581" sldId="278"/>
@@ -1320,6 +1337,53 @@
             <pc:docMk/>
             <pc:sldMk cId="3845371581" sldId="278"/>
             <ac:picMk id="27" creationId="{B0BBD2F6-635F-076B-ABB1-ACD6F9A3DC50}"/>
+          </ac:picMkLst>
+        </pc:picChg>
+      </pc:sldChg>
+      <pc:sldChg chg="delSp modSp add mod">
+        <pc:chgData name="Franz Andersch" userId="88b46490-1a31-494c-af6b-e252cc2a642d" providerId="ADAL" clId="{AB1E0CFC-1C57-4A1E-92D1-DAC8DD9182A6}" dt="2024-06-28T12:58:11.419" v="3941" actId="962"/>
+        <pc:sldMkLst>
+          <pc:docMk/>
+          <pc:sldMk cId="1632948460" sldId="279"/>
+        </pc:sldMkLst>
+        <pc:picChg chg="del mod ord replST">
+          <ac:chgData name="Franz Andersch" userId="88b46490-1a31-494c-af6b-e252cc2a642d" providerId="ADAL" clId="{AB1E0CFC-1C57-4A1E-92D1-DAC8DD9182A6}" dt="2024-06-28T12:54:39.377" v="3879" actId="478"/>
+          <ac:picMkLst>
+            <pc:docMk/>
+            <pc:sldMk cId="1632948460" sldId="279"/>
+            <ac:picMk id="4" creationId="{C34C1E8C-5CA7-EC29-7A98-E9326EEFBF79}"/>
+          </ac:picMkLst>
+        </pc:picChg>
+        <pc:picChg chg="del mod">
+          <ac:chgData name="Franz Andersch" userId="88b46490-1a31-494c-af6b-e252cc2a642d" providerId="ADAL" clId="{AB1E0CFC-1C57-4A1E-92D1-DAC8DD9182A6}" dt="2024-06-28T12:53:09.684" v="3849" actId="478"/>
+          <ac:picMkLst>
+            <pc:docMk/>
+            <pc:sldMk cId="1632948460" sldId="279"/>
+            <ac:picMk id="6" creationId="{F557EF5B-A3FE-833B-A1A2-46C8E870CB92}"/>
+          </ac:picMkLst>
+        </pc:picChg>
+        <pc:picChg chg="del mod ord replST">
+          <ac:chgData name="Franz Andersch" userId="88b46490-1a31-494c-af6b-e252cc2a642d" providerId="ADAL" clId="{AB1E0CFC-1C57-4A1E-92D1-DAC8DD9182A6}" dt="2024-06-28T12:55:43.445" v="3909" actId="478"/>
+          <ac:picMkLst>
+            <pc:docMk/>
+            <pc:sldMk cId="1632948460" sldId="279"/>
+            <ac:picMk id="7" creationId="{2AE368E8-3A6B-8A16-DC94-45FF23F6F3D2}"/>
+          </ac:picMkLst>
+        </pc:picChg>
+        <pc:picChg chg="del mod ord replST">
+          <ac:chgData name="Franz Andersch" userId="88b46490-1a31-494c-af6b-e252cc2a642d" providerId="ADAL" clId="{AB1E0CFC-1C57-4A1E-92D1-DAC8DD9182A6}" dt="2024-06-28T12:58:11.418" v="3939" actId="478"/>
+          <ac:picMkLst>
+            <pc:docMk/>
+            <pc:sldMk cId="1632948460" sldId="279"/>
+            <ac:picMk id="9" creationId="{39DD348E-5B7A-9545-0AB4-A346C4FD5A05}"/>
+          </ac:picMkLst>
+        </pc:picChg>
+        <pc:picChg chg="mod ord replST">
+          <ac:chgData name="Franz Andersch" userId="88b46490-1a31-494c-af6b-e252cc2a642d" providerId="ADAL" clId="{AB1E0CFC-1C57-4A1E-92D1-DAC8DD9182A6}" dt="2024-06-28T12:58:11.419" v="3941" actId="962"/>
+          <ac:picMkLst>
+            <pc:docMk/>
+            <pc:sldMk cId="1632948460" sldId="279"/>
+            <ac:picMk id="11" creationId="{49C7F333-D0CF-7EE6-8A8C-382573DE70D5}"/>
           </ac:picMkLst>
         </pc:picChg>
       </pc:sldChg>
@@ -5555,10 +5619,10 @@
       </p:sp>
       <p:pic>
         <p:nvPicPr>
-          <p:cNvPr id="18" name="Grafik 17" descr="\documentclass[20pt]{article}&#10;\usepackage{amsmath,amsfonts,amssymb,xcolor, mathtools}&#10;\pagestyle{empty}&#10;\usepackage[T1]{fontenc}&#10;\usepackage{fontspec}&#10;\setsansfont{Arial}&#10;\renewcommand\familydefault{\sfdefault}&#10;\begin{document}&#10;\begin{itemize}&#10;\item new Lagrangian to solve\vspace{0.2cm}\newline&#10;$\mathcal{L}(\beta,\beta_0,\alpha,\varepsilon,\lambda)=\frac{1}{2}\beta\cdot \beta + C \sum_{i=1}^{n}\varepsilon_i-\underbrace{\sum \alpha_i[y_i(\beta \cdot \overline{x_i}+\beta_0)-1+\varepsilon_i]}_{\text{ensures }y_i(\beta \cdot \overline{x}_i-\beta_0)&gt;1- \varepsilon_i}-\underbrace{\sum \lambda_i \varepsilon_i }_{\substack{\text{ensures}\\ \varepsilon_i \ge 0}}$&#10;&#10;\end{itemize}&#10;\end{document}" title="IguanaTex Picture Display">
+          <p:cNvPr id="6" name="Grafik 5" descr="\documentclass[20pt]{article}&#10;\usepackage{amsmath,amsfonts,amssymb,xcolor, mathtools}&#10;\pagestyle{empty}&#10;\usepackage[T1]{fontenc}&#10;\usepackage{fontspec}&#10;\setsansfont{Arial}&#10;\renewcommand\familydefault{\sfdefault}&#10;\begin{document}&#10;\begin{itemize}&#10;\item new Lagrangian to solve\vspace{0.2cm}\newline&#10;$\mathcal{L}(\beta,\beta_0,\alpha,\varepsilon,\lambda)=\frac{1}{2}\beta\cdot \beta + C \sum_{i=1}^{n}\varepsilon_i-\underbrace{\sum \alpha_i[y_i(\beta \cdot \overline{x_i}+\beta_0)-1+\varepsilon_i]}_{\text{ensures }y_i(\beta \cdot \overline{x}_i-\beta_0)&gt;1- \varepsilon_i}-\underbrace{\sum \lambda_i \varepsilon_i }_{\substack{\text{ensures}\\ \varepsilon_i \ge 0}}$&#10;\item derive with respect to $\beta$  and set to zero\newline&#10;$\frac{\partial \mathcal{L}}{\partial \beta}=\beta-\sum \alpha_i y_i \overline{x_i}\overset{!}{=}0 \Rightarrow \beta=\sum \alpha_i y_i \overline{x_i} $&#10;\item derive with respect to $\beta_0$ and set to zero&#10;\newline $\frac{\partial \mathcal{L}}{\partial \beta_0}=\sum \alpha_i y_i \overline{x_i}\overset{!}{=}0$&#10;\item derive with respect to $\varepsilon_i$\newline&#10;$\frac{\partial \mathcal{L}}{\partial \varepsilon_i}=C-\alpha_i-\lambda_i\overset{!}{=}0\Leftrightarrow \lambda_i=C-\alpha_i$&#10;\end{itemize}&#10;\end{document}" title="IguanaTex Picture Display">
             <a:extLst>
               <a:ext uri="{FF2B5EF4-FFF2-40B4-BE49-F238E27FC236}">
-                <a16:creationId xmlns:a16="http://schemas.microsoft.com/office/drawing/2014/main" id="{F59955FD-371E-4EAB-98FF-7C6496D5C5D7}"/>
+                <a16:creationId xmlns:a16="http://schemas.microsoft.com/office/drawing/2014/main" id="{F557EF5B-A3FE-833B-A1A2-46C8E870CB92}"/>
               </a:ext>
             </a:extLst>
           </p:cNvPr>
@@ -5585,8 +5649,8 @@
         </p:blipFill>
         <p:spPr>
           <a:xfrm>
-            <a:off x="539558" y="1143268"/>
-            <a:ext cx="7819763" cy="1240453"/>
+            <a:off x="539552" y="843558"/>
+            <a:ext cx="7822866" cy="3797646"/>
           </a:xfrm>
           <a:prstGeom prst="rect">
             <a:avLst/>
@@ -5607,6 +5671,124 @@
 </file>
 
 <file path=ppt/slides/slide16.xml><?xml version="1.0" encoding="utf-8"?>
+<p:sld xmlns:a="http://schemas.openxmlformats.org/drawingml/2006/main" xmlns:r="http://schemas.openxmlformats.org/officeDocument/2006/relationships" xmlns:p="http://schemas.openxmlformats.org/presentationml/2006/main">
+  <p:cSld>
+    <p:spTree>
+      <p:nvGrpSpPr>
+        <p:cNvPr id="1" name=""/>
+        <p:cNvGrpSpPr/>
+        <p:nvPr/>
+      </p:nvGrpSpPr>
+      <p:grpSpPr>
+        <a:xfrm>
+          <a:off x="0" y="0"/>
+          <a:ext cx="0" cy="0"/>
+          <a:chOff x="0" y="0"/>
+          <a:chExt cx="0" cy="0"/>
+        </a:xfrm>
+      </p:grpSpPr>
+      <p:sp>
+        <p:nvSpPr>
+          <p:cNvPr id="2" name="Titel 1">
+            <a:extLst>
+              <a:ext uri="{FF2B5EF4-FFF2-40B4-BE49-F238E27FC236}">
+                <a16:creationId xmlns:a16="http://schemas.microsoft.com/office/drawing/2014/main" id="{388F7BA3-B785-BDE2-BAC6-74C1F53E9285}"/>
+              </a:ext>
+            </a:extLst>
+          </p:cNvPr>
+          <p:cNvSpPr>
+            <a:spLocks noGrp="1"/>
+          </p:cNvSpPr>
+          <p:nvPr>
+            <p:ph type="title"/>
+          </p:nvPr>
+        </p:nvSpPr>
+        <p:spPr/>
+        <p:txBody>
+          <a:bodyPr/>
+          <a:lstStyle/>
+          <a:p>
+            <a:r>
+              <a:rPr lang="de-DE" dirty="0" err="1"/>
+              <a:t>How</a:t>
+            </a:r>
+            <a:r>
+              <a:rPr lang="de-DE" dirty="0"/>
+              <a:t> </a:t>
+            </a:r>
+            <a:r>
+              <a:rPr lang="de-DE" dirty="0" err="1"/>
+              <a:t>it</a:t>
+            </a:r>
+            <a:r>
+              <a:rPr lang="de-DE" dirty="0"/>
+              <a:t> </a:t>
+            </a:r>
+            <a:r>
+              <a:rPr lang="de-DE" dirty="0" err="1"/>
+              <a:t>works</a:t>
+            </a:r>
+            <a:r>
+              <a:rPr lang="de-DE" dirty="0"/>
+              <a:t>: Soft Margin</a:t>
+            </a:r>
+          </a:p>
+        </p:txBody>
+      </p:sp>
+      <p:pic>
+        <p:nvPicPr>
+          <p:cNvPr id="11" name="Grafik 10" descr="\documentclass[20pt]{article}&#10;\usepackage{amsmath,amsfonts,amssymb,xcolor, mathtools}&#10;\pagestyle{empty}&#10;\usepackage[T1]{fontenc}&#10;\usepackage{fontspec}&#10;\setsansfont{Arial}&#10;\renewcommand\familydefault{\sfdefault}&#10;\begin{document}&#10;\begin{itemize}&#10;\item imputing the solutions in the original lagrangian and rearranging yields again \newline&#10;$$min(\mathcal{L})=-\frac{1}{2}\sum \sum \alpha_i \alpha_j y_i y_j \overline{x}_i \cdot \overline{x}_j+\sum \alpha_i$$ &#10;but under constraint $0\le \alpha_i \le C$&#10;\item can again be efficiently solved through quadratic programming optimization&#10;\item the decision function works the same way as with the hard margin classifier&#10;\end{itemize}&#10;\end{document}" title="IguanaTex Picture Display">
+            <a:extLst>
+              <a:ext uri="{FF2B5EF4-FFF2-40B4-BE49-F238E27FC236}">
+                <a16:creationId xmlns:a16="http://schemas.microsoft.com/office/drawing/2014/main" id="{49C7F333-D0CF-7EE6-8A8C-382573DE70D5}"/>
+              </a:ext>
+            </a:extLst>
+          </p:cNvPr>
+          <p:cNvPicPr>
+            <a:picLocks noChangeAspect="1"/>
+          </p:cNvPicPr>
+          <p:nvPr>
+            <p:custDataLst>
+              <p:tags r:id="rId1"/>
+            </p:custDataLst>
+          </p:nvPr>
+        </p:nvPicPr>
+        <p:blipFill>
+          <a:blip r:embed="rId3">
+            <a:extLst>
+              <a:ext uri="{28A0092B-C50C-407E-A947-70E740481C1C}">
+                <a14:useLocalDpi xmlns:a14="http://schemas.microsoft.com/office/drawing/2010/main" val="0"/>
+              </a:ext>
+            </a:extLst>
+          </a:blip>
+          <a:stretch>
+            <a:fillRect/>
+          </a:stretch>
+        </p:blipFill>
+        <p:spPr>
+          <a:xfrm>
+            <a:off x="539552" y="843558"/>
+            <a:ext cx="7507230" cy="3180947"/>
+          </a:xfrm>
+          <a:prstGeom prst="rect">
+            <a:avLst/>
+          </a:prstGeom>
+        </p:spPr>
+      </p:pic>
+    </p:spTree>
+    <p:extLst>
+      <p:ext uri="{BB962C8B-B14F-4D97-AF65-F5344CB8AC3E}">
+        <p14:creationId xmlns:p14="http://schemas.microsoft.com/office/powerpoint/2010/main" val="1632948460"/>
+      </p:ext>
+    </p:extLst>
+  </p:cSld>
+  <p:clrMapOvr>
+    <a:masterClrMapping/>
+  </p:clrMapOvr>
+</p:sld>
+</file>
+
+<file path=ppt/slides/slide17.xml><?xml version="1.0" encoding="utf-8"?>
 <p:sld xmlns:a="http://schemas.openxmlformats.org/drawingml/2006/main" xmlns:r="http://schemas.openxmlformats.org/officeDocument/2006/relationships" xmlns:p="http://schemas.openxmlformats.org/presentationml/2006/main">
   <p:cSld>
     <p:spTree>
@@ -6375,122 +6557,6 @@
 </p:sld>
 </file>
 
-<file path=ppt/slides/slide17.xml><?xml version="1.0" encoding="utf-8"?>
-<p:sld xmlns:a="http://schemas.openxmlformats.org/drawingml/2006/main" xmlns:r="http://schemas.openxmlformats.org/officeDocument/2006/relationships" xmlns:p="http://schemas.openxmlformats.org/presentationml/2006/main">
-  <p:cSld>
-    <p:spTree>
-      <p:nvGrpSpPr>
-        <p:cNvPr id="1" name=""/>
-        <p:cNvGrpSpPr/>
-        <p:nvPr/>
-      </p:nvGrpSpPr>
-      <p:grpSpPr>
-        <a:xfrm>
-          <a:off x="0" y="0"/>
-          <a:ext cx="0" cy="0"/>
-          <a:chOff x="0" y="0"/>
-          <a:chExt cx="0" cy="0"/>
-        </a:xfrm>
-      </p:grpSpPr>
-      <p:sp>
-        <p:nvSpPr>
-          <p:cNvPr id="2" name="Titel 1">
-            <a:extLst>
-              <a:ext uri="{FF2B5EF4-FFF2-40B4-BE49-F238E27FC236}">
-                <a16:creationId xmlns:a16="http://schemas.microsoft.com/office/drawing/2014/main" id="{388F7BA3-B785-BDE2-BAC6-74C1F53E9285}"/>
-              </a:ext>
-            </a:extLst>
-          </p:cNvPr>
-          <p:cNvSpPr>
-            <a:spLocks noGrp="1"/>
-          </p:cNvSpPr>
-          <p:nvPr>
-            <p:ph type="title"/>
-          </p:nvPr>
-        </p:nvSpPr>
-        <p:spPr/>
-        <p:txBody>
-          <a:bodyPr/>
-          <a:lstStyle/>
-          <a:p>
-            <a:r>
-              <a:rPr lang="de-DE" dirty="0" err="1"/>
-              <a:t>How</a:t>
-            </a:r>
-            <a:r>
-              <a:rPr lang="de-DE" dirty="0"/>
-              <a:t> </a:t>
-            </a:r>
-            <a:r>
-              <a:rPr lang="de-DE" dirty="0" err="1"/>
-              <a:t>it</a:t>
-            </a:r>
-            <a:r>
-              <a:rPr lang="de-DE" dirty="0"/>
-              <a:t> </a:t>
-            </a:r>
-            <a:r>
-              <a:rPr lang="de-DE" dirty="0" err="1"/>
-              <a:t>works</a:t>
-            </a:r>
-            <a:r>
-              <a:rPr lang="de-DE" dirty="0"/>
-              <a:t>: Support </a:t>
-            </a:r>
-            <a:r>
-              <a:rPr lang="de-DE" dirty="0" err="1"/>
-              <a:t>vector</a:t>
-            </a:r>
-            <a:r>
-              <a:rPr lang="de-DE" dirty="0"/>
-              <a:t> </a:t>
-            </a:r>
-            <a:r>
-              <a:rPr lang="de-DE" dirty="0" err="1"/>
-              <a:t>classifier</a:t>
-            </a:r>
-            <a:endParaRPr lang="de-DE" dirty="0"/>
-          </a:p>
-        </p:txBody>
-      </p:sp>
-      <p:sp>
-        <p:nvSpPr>
-          <p:cNvPr id="3" name="Inhaltsplatzhalter 2">
-            <a:extLst>
-              <a:ext uri="{FF2B5EF4-FFF2-40B4-BE49-F238E27FC236}">
-                <a16:creationId xmlns:a16="http://schemas.microsoft.com/office/drawing/2014/main" id="{B6EBCD5F-A998-E34B-B609-7A4D246D72F7}"/>
-              </a:ext>
-            </a:extLst>
-          </p:cNvPr>
-          <p:cNvSpPr>
-            <a:spLocks noGrp="1"/>
-          </p:cNvSpPr>
-          <p:nvPr>
-            <p:ph idx="1"/>
-          </p:nvPr>
-        </p:nvSpPr>
-        <p:spPr/>
-        <p:txBody>
-          <a:bodyPr/>
-          <a:lstStyle/>
-          <a:p>
-            <a:endParaRPr lang="de-DE" sz="2000" dirty="0"/>
-          </a:p>
-        </p:txBody>
-      </p:sp>
-    </p:spTree>
-    <p:extLst>
-      <p:ext uri="{BB962C8B-B14F-4D97-AF65-F5344CB8AC3E}">
-        <p14:creationId xmlns:p14="http://schemas.microsoft.com/office/powerpoint/2010/main" val="2939723199"/>
-      </p:ext>
-    </p:extLst>
-  </p:cSld>
-  <p:clrMapOvr>
-    <a:masterClrMapping/>
-  </p:clrMapOvr>
-</p:sld>
-</file>
-
 <file path=ppt/slides/slide18.xml><?xml version="1.0" encoding="utf-8"?>
 <p:sld xmlns:a="http://schemas.openxmlformats.org/drawingml/2006/main" xmlns:r="http://schemas.openxmlformats.org/officeDocument/2006/relationships" xmlns:p="http://schemas.openxmlformats.org/presentationml/2006/main">
   <p:cSld>
@@ -6563,7 +6629,7 @@
             </a:r>
             <a:r>
               <a:rPr lang="de-DE" dirty="0" err="1"/>
-              <a:t>machine</a:t>
+              <a:t>classifier</a:t>
             </a:r>
             <a:endParaRPr lang="de-DE" dirty="0"/>
           </a:p>
@@ -6597,7 +6663,7 @@
     </p:spTree>
     <p:extLst>
       <p:ext uri="{BB962C8B-B14F-4D97-AF65-F5344CB8AC3E}">
-        <p14:creationId xmlns:p14="http://schemas.microsoft.com/office/powerpoint/2010/main" val="3746182716"/>
+        <p14:creationId xmlns:p14="http://schemas.microsoft.com/office/powerpoint/2010/main" val="2939723199"/>
       </p:ext>
     </p:extLst>
   </p:cSld>
@@ -6629,7 +6695,7 @@
           <p:cNvPr id="2" name="Titel 1">
             <a:extLst>
               <a:ext uri="{FF2B5EF4-FFF2-40B4-BE49-F238E27FC236}">
-                <a16:creationId xmlns:a16="http://schemas.microsoft.com/office/drawing/2014/main" id="{9C274E31-D4F7-6C4A-D81C-1BC18A1044AE}"/>
+                <a16:creationId xmlns:a16="http://schemas.microsoft.com/office/drawing/2014/main" id="{388F7BA3-B785-BDE2-BAC6-74C1F53E9285}"/>
               </a:ext>
             </a:extLst>
           </p:cNvPr>
@@ -6646,9 +6712,42 @@
           <a:lstStyle/>
           <a:p>
             <a:r>
+              <a:rPr lang="de-DE" dirty="0" err="1"/>
+              <a:t>How</a:t>
+            </a:r>
+            <a:r>
               <a:rPr lang="de-DE" dirty="0"/>
-              <a:t>Dataset: ALLBUS</a:t>
-            </a:r>
+              <a:t> </a:t>
+            </a:r>
+            <a:r>
+              <a:rPr lang="de-DE" dirty="0" err="1"/>
+              <a:t>it</a:t>
+            </a:r>
+            <a:r>
+              <a:rPr lang="de-DE" dirty="0"/>
+              <a:t> </a:t>
+            </a:r>
+            <a:r>
+              <a:rPr lang="de-DE" dirty="0" err="1"/>
+              <a:t>works</a:t>
+            </a:r>
+            <a:r>
+              <a:rPr lang="de-DE" dirty="0"/>
+              <a:t>: Support </a:t>
+            </a:r>
+            <a:r>
+              <a:rPr lang="de-DE" dirty="0" err="1"/>
+              <a:t>vector</a:t>
+            </a:r>
+            <a:r>
+              <a:rPr lang="de-DE" dirty="0"/>
+              <a:t> </a:t>
+            </a:r>
+            <a:r>
+              <a:rPr lang="de-DE" dirty="0" err="1"/>
+              <a:t>machine</a:t>
+            </a:r>
+            <a:endParaRPr lang="de-DE" dirty="0"/>
           </a:p>
         </p:txBody>
       </p:sp>
@@ -6657,7 +6756,7 @@
           <p:cNvPr id="3" name="Inhaltsplatzhalter 2">
             <a:extLst>
               <a:ext uri="{FF2B5EF4-FFF2-40B4-BE49-F238E27FC236}">
-                <a16:creationId xmlns:a16="http://schemas.microsoft.com/office/drawing/2014/main" id="{A6EE175B-F110-2231-4746-FB0A5137CFF3}"/>
+                <a16:creationId xmlns:a16="http://schemas.microsoft.com/office/drawing/2014/main" id="{B6EBCD5F-A998-E34B-B609-7A4D246D72F7}"/>
               </a:ext>
             </a:extLst>
           </p:cNvPr>
@@ -6668,206 +6767,19 @@
             <p:ph idx="1"/>
           </p:nvPr>
         </p:nvSpPr>
-        <p:spPr>
-          <a:xfrm>
-            <a:off x="395536" y="1353344"/>
-            <a:ext cx="7344816" cy="3162622"/>
-          </a:xfrm>
-        </p:spPr>
+        <p:spPr/>
         <p:txBody>
           <a:bodyPr/>
           <a:lstStyle/>
           <a:p>
-            <a:r>
-              <a:rPr lang="de-DE" sz="2000" dirty="0"/>
-              <a:t>„General </a:t>
-            </a:r>
-            <a:r>
-              <a:rPr lang="de-DE" sz="2000" dirty="0" err="1"/>
-              <a:t>population</a:t>
-            </a:r>
-            <a:r>
-              <a:rPr lang="de-DE" sz="2000" dirty="0"/>
-              <a:t> </a:t>
-            </a:r>
-            <a:r>
-              <a:rPr lang="de-DE" sz="2000" dirty="0" err="1"/>
-              <a:t>survey</a:t>
-            </a:r>
-            <a:r>
-              <a:rPr lang="de-DE" sz="2000" dirty="0"/>
-              <a:t> </a:t>
-            </a:r>
-            <a:r>
-              <a:rPr lang="de-DE" sz="2000" dirty="0" err="1"/>
-              <a:t>of</a:t>
-            </a:r>
-            <a:r>
-              <a:rPr lang="de-DE" sz="2000" dirty="0"/>
-              <a:t> </a:t>
-            </a:r>
-            <a:r>
-              <a:rPr lang="de-DE" sz="2000" dirty="0" err="1"/>
-              <a:t>the</a:t>
-            </a:r>
-            <a:r>
-              <a:rPr lang="de-DE" sz="2000" dirty="0"/>
-              <a:t> social </a:t>
-            </a:r>
-            <a:r>
-              <a:rPr lang="de-DE" sz="2000" dirty="0" err="1"/>
-              <a:t>sciences</a:t>
-            </a:r>
-            <a:r>
-              <a:rPr lang="de-DE" sz="2000" dirty="0"/>
-              <a:t>“ 	  </a:t>
-            </a:r>
-            <a:r>
-              <a:rPr lang="de-DE" sz="1000" dirty="0"/>
-              <a:t>(Allgemeine Bevölkerungsumfrage der Sozialwissenschaften)</a:t>
-            </a:r>
-          </a:p>
-          <a:p>
-            <a:r>
-              <a:rPr lang="de-DE" sz="2000" b="1" dirty="0"/>
-              <a:t>Response Variable</a:t>
-            </a:r>
-            <a:r>
-              <a:rPr lang="de-DE" sz="2000" dirty="0"/>
-              <a:t>:</a:t>
-            </a:r>
-          </a:p>
-          <a:p>
-            <a:pPr lvl="1"/>
-            <a:r>
-              <a:rPr lang="de-DE" sz="1800" dirty="0"/>
-              <a:t>„Federal </a:t>
-            </a:r>
-            <a:r>
-              <a:rPr lang="de-DE" sz="1800" dirty="0" err="1"/>
-              <a:t>state</a:t>
-            </a:r>
-            <a:r>
-              <a:rPr lang="de-DE" sz="1800" dirty="0"/>
-              <a:t> </a:t>
-            </a:r>
-            <a:r>
-              <a:rPr lang="de-DE" sz="1800" dirty="0" err="1"/>
-              <a:t>where</a:t>
-            </a:r>
-            <a:r>
-              <a:rPr lang="de-DE" sz="1800" dirty="0"/>
-              <a:t> </a:t>
-            </a:r>
-            <a:r>
-              <a:rPr lang="de-DE" sz="1800" dirty="0" err="1"/>
-              <a:t>interviewee</a:t>
-            </a:r>
-            <a:r>
-              <a:rPr lang="de-DE" sz="1800" dirty="0"/>
-              <a:t> </a:t>
-            </a:r>
-            <a:r>
-              <a:rPr lang="de-DE" sz="1800" dirty="0" err="1"/>
-              <a:t>lived</a:t>
-            </a:r>
-            <a:r>
-              <a:rPr lang="de-DE" sz="1800" dirty="0"/>
-              <a:t> in </a:t>
-            </a:r>
-            <a:r>
-              <a:rPr lang="de-DE" sz="1800" dirty="0" err="1"/>
-              <a:t>youth</a:t>
-            </a:r>
-            <a:r>
-              <a:rPr lang="de-DE" sz="1800" dirty="0"/>
-              <a:t>“</a:t>
-            </a:r>
-          </a:p>
-          <a:p>
-            <a:pPr lvl="1"/>
-            <a:r>
-              <a:rPr lang="de-DE" sz="1800" dirty="0" err="1">
-                <a:sym typeface="Wingdings" panose="05000000000000000000" pitchFamily="2" charset="2"/>
-              </a:rPr>
-              <a:t>coded</a:t>
-            </a:r>
-            <a:r>
-              <a:rPr lang="de-DE" sz="1800" dirty="0">
-                <a:sym typeface="Wingdings" panose="05000000000000000000" pitchFamily="2" charset="2"/>
-              </a:rPr>
-              <a:t> </a:t>
-            </a:r>
-            <a:r>
-              <a:rPr lang="de-DE" sz="1800" dirty="0" err="1">
-                <a:sym typeface="Wingdings" panose="05000000000000000000" pitchFamily="2" charset="2"/>
-              </a:rPr>
-              <a:t>to</a:t>
-            </a:r>
-            <a:r>
-              <a:rPr lang="de-DE" sz="1800" dirty="0">
-                <a:sym typeface="Wingdings" panose="05000000000000000000" pitchFamily="2" charset="2"/>
-              </a:rPr>
-              <a:t> „Youth in East/West Germany“</a:t>
-            </a:r>
-            <a:endParaRPr lang="de-DE" sz="1800" dirty="0"/>
-          </a:p>
-          <a:p>
-            <a:r>
-              <a:rPr lang="de-DE" sz="2000" b="1" dirty="0" err="1"/>
-              <a:t>Predictor</a:t>
-            </a:r>
-            <a:r>
-              <a:rPr lang="de-DE" sz="2000" b="1" dirty="0"/>
-              <a:t> Variables</a:t>
-            </a:r>
-            <a:r>
-              <a:rPr lang="de-DE" sz="2000" dirty="0"/>
-              <a:t>:</a:t>
-            </a:r>
-          </a:p>
-          <a:p>
-            <a:pPr lvl="1"/>
-            <a:r>
-              <a:rPr lang="de-DE" sz="1800" dirty="0"/>
-              <a:t>121 variables </a:t>
-            </a:r>
-            <a:r>
-              <a:rPr lang="de-DE" sz="1800" dirty="0" err="1"/>
-              <a:t>concerning</a:t>
-            </a:r>
-            <a:r>
-              <a:rPr lang="de-DE" sz="1800" dirty="0"/>
-              <a:t> </a:t>
-            </a:r>
-            <a:r>
-              <a:rPr lang="de-DE" sz="1800" dirty="0" err="1"/>
-              <a:t>attitudes</a:t>
-            </a:r>
-            <a:r>
-              <a:rPr lang="de-DE" sz="1800" dirty="0"/>
-              <a:t>, </a:t>
-            </a:r>
-            <a:r>
-              <a:rPr lang="de-DE" sz="1800" dirty="0" err="1"/>
-              <a:t>behavior</a:t>
-            </a:r>
-            <a:r>
-              <a:rPr lang="de-DE" sz="1800" dirty="0"/>
-              <a:t> and social </a:t>
-            </a:r>
-            <a:r>
-              <a:rPr lang="de-DE" sz="1800" dirty="0" err="1"/>
-              <a:t>change</a:t>
-            </a:r>
-            <a:endParaRPr lang="de-DE" sz="1800" dirty="0"/>
+            <a:endParaRPr lang="de-DE" sz="2000" dirty="0"/>
           </a:p>
         </p:txBody>
       </p:sp>
     </p:spTree>
     <p:extLst>
       <p:ext uri="{BB962C8B-B14F-4D97-AF65-F5344CB8AC3E}">
-        <p14:creationId xmlns:p14="http://schemas.microsoft.com/office/powerpoint/2010/main" val="2732348097"/>
+        <p14:creationId xmlns:p14="http://schemas.microsoft.com/office/powerpoint/2010/main" val="3746182716"/>
       </p:ext>
     </p:extLst>
   </p:cSld>
@@ -7096,6 +7008,276 @@
           <a:lstStyle/>
           <a:p>
             <a:r>
+              <a:rPr lang="de-DE" sz="2000" dirty="0"/>
+              <a:t>„General </a:t>
+            </a:r>
+            <a:r>
+              <a:rPr lang="de-DE" sz="2000" dirty="0" err="1"/>
+              <a:t>population</a:t>
+            </a:r>
+            <a:r>
+              <a:rPr lang="de-DE" sz="2000" dirty="0"/>
+              <a:t> </a:t>
+            </a:r>
+            <a:r>
+              <a:rPr lang="de-DE" sz="2000" dirty="0" err="1"/>
+              <a:t>survey</a:t>
+            </a:r>
+            <a:r>
+              <a:rPr lang="de-DE" sz="2000" dirty="0"/>
+              <a:t> </a:t>
+            </a:r>
+            <a:r>
+              <a:rPr lang="de-DE" sz="2000" dirty="0" err="1"/>
+              <a:t>of</a:t>
+            </a:r>
+            <a:r>
+              <a:rPr lang="de-DE" sz="2000" dirty="0"/>
+              <a:t> </a:t>
+            </a:r>
+            <a:r>
+              <a:rPr lang="de-DE" sz="2000" dirty="0" err="1"/>
+              <a:t>the</a:t>
+            </a:r>
+            <a:r>
+              <a:rPr lang="de-DE" sz="2000" dirty="0"/>
+              <a:t> social </a:t>
+            </a:r>
+            <a:r>
+              <a:rPr lang="de-DE" sz="2000" dirty="0" err="1"/>
+              <a:t>sciences</a:t>
+            </a:r>
+            <a:r>
+              <a:rPr lang="de-DE" sz="2000" dirty="0"/>
+              <a:t>“ 	  </a:t>
+            </a:r>
+            <a:r>
+              <a:rPr lang="de-DE" sz="1000" dirty="0"/>
+              <a:t>(Allgemeine Bevölkerungsumfrage der Sozialwissenschaften)</a:t>
+            </a:r>
+          </a:p>
+          <a:p>
+            <a:r>
+              <a:rPr lang="de-DE" sz="2000" b="1" dirty="0"/>
+              <a:t>Response Variable</a:t>
+            </a:r>
+            <a:r>
+              <a:rPr lang="de-DE" sz="2000" dirty="0"/>
+              <a:t>:</a:t>
+            </a:r>
+          </a:p>
+          <a:p>
+            <a:pPr lvl="1"/>
+            <a:r>
+              <a:rPr lang="de-DE" sz="1800" dirty="0"/>
+              <a:t>„Federal </a:t>
+            </a:r>
+            <a:r>
+              <a:rPr lang="de-DE" sz="1800" dirty="0" err="1"/>
+              <a:t>state</a:t>
+            </a:r>
+            <a:r>
+              <a:rPr lang="de-DE" sz="1800" dirty="0"/>
+              <a:t> </a:t>
+            </a:r>
+            <a:r>
+              <a:rPr lang="de-DE" sz="1800" dirty="0" err="1"/>
+              <a:t>where</a:t>
+            </a:r>
+            <a:r>
+              <a:rPr lang="de-DE" sz="1800" dirty="0"/>
+              <a:t> </a:t>
+            </a:r>
+            <a:r>
+              <a:rPr lang="de-DE" sz="1800" dirty="0" err="1"/>
+              <a:t>interviewee</a:t>
+            </a:r>
+            <a:r>
+              <a:rPr lang="de-DE" sz="1800" dirty="0"/>
+              <a:t> </a:t>
+            </a:r>
+            <a:r>
+              <a:rPr lang="de-DE" sz="1800" dirty="0" err="1"/>
+              <a:t>lived</a:t>
+            </a:r>
+            <a:r>
+              <a:rPr lang="de-DE" sz="1800" dirty="0"/>
+              <a:t> in </a:t>
+            </a:r>
+            <a:r>
+              <a:rPr lang="de-DE" sz="1800" dirty="0" err="1"/>
+              <a:t>youth</a:t>
+            </a:r>
+            <a:r>
+              <a:rPr lang="de-DE" sz="1800" dirty="0"/>
+              <a:t>“</a:t>
+            </a:r>
+          </a:p>
+          <a:p>
+            <a:pPr lvl="1"/>
+            <a:r>
+              <a:rPr lang="de-DE" sz="1800" dirty="0" err="1">
+                <a:sym typeface="Wingdings" panose="05000000000000000000" pitchFamily="2" charset="2"/>
+              </a:rPr>
+              <a:t>coded</a:t>
+            </a:r>
+            <a:r>
+              <a:rPr lang="de-DE" sz="1800" dirty="0">
+                <a:sym typeface="Wingdings" panose="05000000000000000000" pitchFamily="2" charset="2"/>
+              </a:rPr>
+              <a:t> </a:t>
+            </a:r>
+            <a:r>
+              <a:rPr lang="de-DE" sz="1800" dirty="0" err="1">
+                <a:sym typeface="Wingdings" panose="05000000000000000000" pitchFamily="2" charset="2"/>
+              </a:rPr>
+              <a:t>to</a:t>
+            </a:r>
+            <a:r>
+              <a:rPr lang="de-DE" sz="1800" dirty="0">
+                <a:sym typeface="Wingdings" panose="05000000000000000000" pitchFamily="2" charset="2"/>
+              </a:rPr>
+              <a:t> „Youth in East/West Germany“</a:t>
+            </a:r>
+            <a:endParaRPr lang="de-DE" sz="1800" dirty="0"/>
+          </a:p>
+          <a:p>
+            <a:r>
+              <a:rPr lang="de-DE" sz="2000" b="1" dirty="0" err="1"/>
+              <a:t>Predictor</a:t>
+            </a:r>
+            <a:r>
+              <a:rPr lang="de-DE" sz="2000" b="1" dirty="0"/>
+              <a:t> Variables</a:t>
+            </a:r>
+            <a:r>
+              <a:rPr lang="de-DE" sz="2000" dirty="0"/>
+              <a:t>:</a:t>
+            </a:r>
+          </a:p>
+          <a:p>
+            <a:pPr lvl="1"/>
+            <a:r>
+              <a:rPr lang="de-DE" sz="1800" dirty="0"/>
+              <a:t>121 variables </a:t>
+            </a:r>
+            <a:r>
+              <a:rPr lang="de-DE" sz="1800" dirty="0" err="1"/>
+              <a:t>concerning</a:t>
+            </a:r>
+            <a:r>
+              <a:rPr lang="de-DE" sz="1800" dirty="0"/>
+              <a:t> </a:t>
+            </a:r>
+            <a:r>
+              <a:rPr lang="de-DE" sz="1800" dirty="0" err="1"/>
+              <a:t>attitudes</a:t>
+            </a:r>
+            <a:r>
+              <a:rPr lang="de-DE" sz="1800" dirty="0"/>
+              <a:t>, </a:t>
+            </a:r>
+            <a:r>
+              <a:rPr lang="de-DE" sz="1800" dirty="0" err="1"/>
+              <a:t>behavior</a:t>
+            </a:r>
+            <a:r>
+              <a:rPr lang="de-DE" sz="1800" dirty="0"/>
+              <a:t> and social </a:t>
+            </a:r>
+            <a:r>
+              <a:rPr lang="de-DE" sz="1800" dirty="0" err="1"/>
+              <a:t>change</a:t>
+            </a:r>
+            <a:endParaRPr lang="de-DE" sz="1800" dirty="0"/>
+          </a:p>
+        </p:txBody>
+      </p:sp>
+    </p:spTree>
+    <p:extLst>
+      <p:ext uri="{BB962C8B-B14F-4D97-AF65-F5344CB8AC3E}">
+        <p14:creationId xmlns:p14="http://schemas.microsoft.com/office/powerpoint/2010/main" val="2732348097"/>
+      </p:ext>
+    </p:extLst>
+  </p:cSld>
+  <p:clrMapOvr>
+    <a:masterClrMapping/>
+  </p:clrMapOvr>
+</p:sld>
+</file>
+
+<file path=ppt/slides/slide21.xml><?xml version="1.0" encoding="utf-8"?>
+<p:sld xmlns:a="http://schemas.openxmlformats.org/drawingml/2006/main" xmlns:r="http://schemas.openxmlformats.org/officeDocument/2006/relationships" xmlns:p="http://schemas.openxmlformats.org/presentationml/2006/main">
+  <p:cSld>
+    <p:spTree>
+      <p:nvGrpSpPr>
+        <p:cNvPr id="1" name=""/>
+        <p:cNvGrpSpPr/>
+        <p:nvPr/>
+      </p:nvGrpSpPr>
+      <p:grpSpPr>
+        <a:xfrm>
+          <a:off x="0" y="0"/>
+          <a:ext cx="0" cy="0"/>
+          <a:chOff x="0" y="0"/>
+          <a:chExt cx="0" cy="0"/>
+        </a:xfrm>
+      </p:grpSpPr>
+      <p:sp>
+        <p:nvSpPr>
+          <p:cNvPr id="2" name="Titel 1">
+            <a:extLst>
+              <a:ext uri="{FF2B5EF4-FFF2-40B4-BE49-F238E27FC236}">
+                <a16:creationId xmlns:a16="http://schemas.microsoft.com/office/drawing/2014/main" id="{9C274E31-D4F7-6C4A-D81C-1BC18A1044AE}"/>
+              </a:ext>
+            </a:extLst>
+          </p:cNvPr>
+          <p:cNvSpPr>
+            <a:spLocks noGrp="1"/>
+          </p:cNvSpPr>
+          <p:nvPr>
+            <p:ph type="title"/>
+          </p:nvPr>
+        </p:nvSpPr>
+        <p:spPr/>
+        <p:txBody>
+          <a:bodyPr/>
+          <a:lstStyle/>
+          <a:p>
+            <a:r>
+              <a:rPr lang="de-DE" dirty="0"/>
+              <a:t>Dataset: ALLBUS</a:t>
+            </a:r>
+          </a:p>
+        </p:txBody>
+      </p:sp>
+      <p:sp>
+        <p:nvSpPr>
+          <p:cNvPr id="3" name="Inhaltsplatzhalter 2">
+            <a:extLst>
+              <a:ext uri="{FF2B5EF4-FFF2-40B4-BE49-F238E27FC236}">
+                <a16:creationId xmlns:a16="http://schemas.microsoft.com/office/drawing/2014/main" id="{A6EE175B-F110-2231-4746-FB0A5137CFF3}"/>
+              </a:ext>
+            </a:extLst>
+          </p:cNvPr>
+          <p:cNvSpPr>
+            <a:spLocks noGrp="1"/>
+          </p:cNvSpPr>
+          <p:nvPr>
+            <p:ph idx="1"/>
+          </p:nvPr>
+        </p:nvSpPr>
+        <p:spPr>
+          <a:xfrm>
+            <a:off x="395536" y="1353344"/>
+            <a:ext cx="7344816" cy="3162622"/>
+          </a:xfrm>
+        </p:spPr>
+        <p:txBody>
+          <a:bodyPr/>
+          <a:lstStyle/>
+          <a:p>
+            <a:r>
               <a:rPr lang="de-DE" sz="2000" b="1" dirty="0"/>
               <a:t>Data </a:t>
             </a:r>
@@ -7234,7 +7416,7 @@
 </p:sld>
 </file>
 
-<file path=ppt/slides/slide21.xml><?xml version="1.0" encoding="utf-8"?>
+<file path=ppt/slides/slide22.xml><?xml version="1.0" encoding="utf-8"?>
 <p:sld xmlns:a="http://schemas.openxmlformats.org/drawingml/2006/main" xmlns:r="http://schemas.openxmlformats.org/officeDocument/2006/relationships" xmlns:p="http://schemas.openxmlformats.org/presentationml/2006/main">
   <p:cSld>
     <p:spTree>
@@ -7364,7 +7546,7 @@
 </p:sld>
 </file>
 
-<file path=ppt/slides/slide22.xml><?xml version="1.0" encoding="utf-8"?>
+<file path=ppt/slides/slide23.xml><?xml version="1.0" encoding="utf-8"?>
 <p:sld xmlns:a="http://schemas.openxmlformats.org/drawingml/2006/main" xmlns:r="http://schemas.openxmlformats.org/officeDocument/2006/relationships" xmlns:p="http://schemas.openxmlformats.org/presentationml/2006/main">
   <p:cSld>
     <p:spTree>
@@ -9302,13 +9484,33 @@
 <file path=ppt/tags/tag10.xml><?xml version="1.0" encoding="utf-8"?>
 <p:tagLst xmlns:a="http://schemas.openxmlformats.org/drawingml/2006/main" xmlns:r="http://schemas.openxmlformats.org/officeDocument/2006/relationships" xmlns:p="http://schemas.openxmlformats.org/presentationml/2006/main">
   <p:tag name="OUTPUTDPI" val="1200"/>
-  <p:tag name="ORIGINALHEIGHT" val="636,0887"/>
+  <p:tag name="ORIGINALHEIGHT" val="1946,522"/>
   <p:tag name="ORIGINALWIDTH" val="4256,844"/>
   <p:tag name="OUTPUTTYPE" val="PNG"/>
   <p:tag name="IGUANATEXVERSION" val="161"/>
-  <p:tag name="LATEXADDIN" val="\documentclass[20pt]{article}&#10;\usepackage{amsmath,amsfonts,amssymb,xcolor, mathtools}&#10;\pagestyle{empty}&#10;\usepackage[T1]{fontenc}&#10;\usepackage{fontspec}&#10;\setsansfont{Arial}&#10;\renewcommand\familydefault{\sfdefault}&#10;\begin{document}&#10;\begin{itemize}&#10;\item new Lagrangian to solve\vspace{0.2cm}\newline&#10;$\mathcal{L}(\beta,\beta_0,\alpha,\varepsilon,\lambda)=\frac{1}{2}\beta\cdot \beta + C \sum_{i=1}^{n}\varepsilon_i-\underbrace{\sum \alpha_i[y_i(\beta \cdot \overline{x_i}+\beta_0)-1+\varepsilon_i]}_{\text{ensures }y_i(\beta \cdot \overline{x}_i-\beta_0)&gt;1- \varepsilon_i}-\underbrace{\sum \lambda_i \varepsilon_i }_{\substack{\text{ensures}\\ \varepsilon_i \ge 0}}$&#10;&#10;\end{itemize}&#10;\end{document}"/>
+  <p:tag name="LATEXADDIN" val="\documentclass[20pt]{article}&#10;\usepackage{amsmath,amsfonts,amssymb,xcolor, mathtools}&#10;\pagestyle{empty}&#10;\usepackage[T1]{fontenc}&#10;\usepackage{fontspec}&#10;\setsansfont{Arial}&#10;\renewcommand\familydefault{\sfdefault}&#10;\begin{document}&#10;\begin{itemize}&#10;\item new Lagrangian to solve\vspace{0.2cm}\newline&#10;$\mathcal{L}(\beta,\beta_0,\alpha,\varepsilon,\lambda)=\frac{1}{2}\beta\cdot \beta + C \sum_{i=1}^{n}\varepsilon_i-\underbrace{\sum \alpha_i[y_i(\beta \cdot \overline{x_i}+\beta_0)-1+\varepsilon_i]}_{\text{ensures }y_i(\beta \cdot \overline{x}_i-\beta_0)&gt;1- \varepsilon_i}-\underbrace{\sum \lambda_i \varepsilon_i }_{\substack{\text{ensures}\\ \varepsilon_i \ge 0}}$&#10;\item derive with respect to $\beta$  and set to zero\newline&#10;$\frac{\partial \mathcal{L}}{\partial \beta}=\beta-\sum \alpha_i y_i \overline{x_i}\overset{!}{=}0 \Rightarrow \beta=\sum \alpha_i y_i \overline{x_i} $&#10;\item derive with respect to $\beta_0$ and set to zero&#10;\newline $\frac{\partial \mathcal{L}}{\partial \beta_0}=\sum \alpha_i y_i \overline{x_i}\overset{!}{=}0$&#10;\item derive with respect to $\varepsilon_i$\newline&#10;$\frac{\partial \mathcal{L}}{\partial \varepsilon_i}=C-\alpha_i-\lambda_i\overset{!}{=}0\Leftrightarrow \lambda_i=C-\alpha_i$&#10;\end{itemize}&#10;\end{document}"/>
   <p:tag name="IGUANATEXSIZE" val="18"/>
-  <p:tag name="IGUANATEXCURSOR" val="479"/>
+  <p:tag name="IGUANATEXCURSOR" val="1215"/>
+  <p:tag name="TRANSPARENCY" val="Wahr"/>
+  <p:tag name="LATEXENGINEID" val="2"/>
+  <p:tag name="TEMPFOLDER" val="E:\Dokumente\temp\"/>
+  <p:tag name="LATEXFORMHEIGHT" val="320"/>
+  <p:tag name="LATEXFORMWIDTH" val="385"/>
+  <p:tag name="LATEXFORMWRAP" val="Wahr"/>
+  <p:tag name="BITMAPVECTOR" val="0"/>
+</p:tagLst>
+</file>
+
+<file path=ppt/tags/tag11.xml><?xml version="1.0" encoding="utf-8"?>
+<p:tagLst xmlns:a="http://schemas.openxmlformats.org/drawingml/2006/main" xmlns:r="http://schemas.openxmlformats.org/officeDocument/2006/relationships" xmlns:p="http://schemas.openxmlformats.org/presentationml/2006/main">
+  <p:tag name="OUTPUTDPI" val="1200"/>
+  <p:tag name="ORIGINALHEIGHT" val="1627,727"/>
+  <p:tag name="ORIGINALWIDTH" val="4083,57"/>
+  <p:tag name="OUTPUTTYPE" val="PNG"/>
+  <p:tag name="IGUANATEXVERSION" val="161"/>
+  <p:tag name="LATEXADDIN" val="\documentclass[20pt]{article}&#10;\usepackage{amsmath,amsfonts,amssymb,xcolor, mathtools}&#10;\pagestyle{empty}&#10;\usepackage[T1]{fontenc}&#10;\usepackage{fontspec}&#10;\setsansfont{Arial}&#10;\renewcommand\familydefault{\sfdefault}&#10;\begin{document}&#10;\begin{itemize}&#10;\item imputing the solutions in the original lagrangian and rearranging yields again \newline&#10;$$min(\mathcal{L})=-\frac{1}{2}\sum \sum \alpha_i \alpha_j y_i y_j \overline{x}_i \cdot \overline{x}_j+\sum \alpha_i$$ &#10;but under constraint $0\le \alpha_i \le C$&#10;\item can again be efficiently solved through quadratic programming optimization&#10;\item the decision function works the same way as with the hard margin classifier&#10;\end{itemize}&#10;\end{document}"/>
+  <p:tag name="IGUANATEXSIZE" val="18"/>
+  <p:tag name="IGUANATEXCURSOR" val="663"/>
   <p:tag name="TRANSPARENCY" val="Wahr"/>
   <p:tag name="LATEXENGINEID" val="2"/>
   <p:tag name="TEMPFOLDER" val="E:\Dokumente\temp\"/>

--- a/Präsentation/Support Vector Machines.pptx
+++ b/Präsentation/Support Vector Machines.pptx
@@ -5,7 +5,7 @@
     <p:sldMasterId id="2147483648" r:id="rId1"/>
   </p:sldMasterIdLst>
   <p:notesMasterIdLst>
-    <p:notesMasterId r:id="rId25"/>
+    <p:notesMasterId r:id="rId26"/>
   </p:notesMasterIdLst>
   <p:sldIdLst>
     <p:sldId id="256" r:id="rId2"/>
@@ -24,13 +24,14 @@
     <p:sldId id="277" r:id="rId15"/>
     <p:sldId id="278" r:id="rId16"/>
     <p:sldId id="279" r:id="rId17"/>
-    <p:sldId id="264" r:id="rId18"/>
-    <p:sldId id="265" r:id="rId19"/>
-    <p:sldId id="266" r:id="rId20"/>
-    <p:sldId id="261" r:id="rId21"/>
-    <p:sldId id="267" r:id="rId22"/>
-    <p:sldId id="262" r:id="rId23"/>
-    <p:sldId id="263" r:id="rId24"/>
+    <p:sldId id="280" r:id="rId18"/>
+    <p:sldId id="264" r:id="rId19"/>
+    <p:sldId id="265" r:id="rId20"/>
+    <p:sldId id="266" r:id="rId21"/>
+    <p:sldId id="261" r:id="rId22"/>
+    <p:sldId id="267" r:id="rId23"/>
+    <p:sldId id="262" r:id="rId24"/>
+    <p:sldId id="263" r:id="rId25"/>
   </p:sldIdLst>
   <p:sldSz cx="9144000" cy="5143500" type="screen16x9"/>
   <p:notesSz cx="6797675" cy="9926638"/>
@@ -170,7 +171,7 @@
 <file path=ppt/revisionInfo.xml><?xml version="1.0" encoding="utf-8"?>
 <p1510:revInfo xmlns:a="http://schemas.openxmlformats.org/drawingml/2006/main" xmlns:r="http://schemas.openxmlformats.org/officeDocument/2006/relationships" xmlns:p1510="http://schemas.microsoft.com/office/powerpoint/2015/10/main">
   <p1510:revLst>
-    <p1510:client id="{AB1E0CFC-1C57-4A1E-92D1-DAC8DD9182A6}" v="2115" dt="2024-06-28T12:58:11.420"/>
+    <p1510:client id="{AB1E0CFC-1C57-4A1E-92D1-DAC8DD9182A6}" v="2169" dt="2024-06-28T20:28:19.840"/>
   </p1510:revLst>
 </p1510:revInfo>
 </file>
@@ -180,7 +181,7 @@
   <pc:docChgLst>
     <pc:chgData name="Franz Andersch" userId="88b46490-1a31-494c-af6b-e252cc2a642d" providerId="ADAL" clId="{AB1E0CFC-1C57-4A1E-92D1-DAC8DD9182A6}"/>
     <pc:docChg chg="undo redo custSel addSld delSld modSld sldOrd">
-      <pc:chgData name="Franz Andersch" userId="88b46490-1a31-494c-af6b-e252cc2a642d" providerId="ADAL" clId="{AB1E0CFC-1C57-4A1E-92D1-DAC8DD9182A6}" dt="2024-06-28T12:58:11.419" v="3941" actId="962"/>
+      <pc:chgData name="Franz Andersch" userId="88b46490-1a31-494c-af6b-e252cc2a642d" providerId="ADAL" clId="{AB1E0CFC-1C57-4A1E-92D1-DAC8DD9182A6}" dt="2024-06-28T20:28:19.840" v="4065" actId="962"/>
       <pc:docMkLst>
         <pc:docMk/>
       </pc:docMkLst>
@@ -1341,7 +1342,7 @@
         </pc:picChg>
       </pc:sldChg>
       <pc:sldChg chg="delSp modSp add mod">
-        <pc:chgData name="Franz Andersch" userId="88b46490-1a31-494c-af6b-e252cc2a642d" providerId="ADAL" clId="{AB1E0CFC-1C57-4A1E-92D1-DAC8DD9182A6}" dt="2024-06-28T12:58:11.419" v="3941" actId="962"/>
+        <pc:chgData name="Franz Andersch" userId="88b46490-1a31-494c-af6b-e252cc2a642d" providerId="ADAL" clId="{AB1E0CFC-1C57-4A1E-92D1-DAC8DD9182A6}" dt="2024-06-28T19:41:40.221" v="3975" actId="1076"/>
         <pc:sldMkLst>
           <pc:docMk/>
           <pc:sldMk cId="1632948460" sldId="279"/>
@@ -1379,10 +1380,57 @@
           </ac:picMkLst>
         </pc:picChg>
         <pc:picChg chg="mod ord replST">
-          <ac:chgData name="Franz Andersch" userId="88b46490-1a31-494c-af6b-e252cc2a642d" providerId="ADAL" clId="{AB1E0CFC-1C57-4A1E-92D1-DAC8DD9182A6}" dt="2024-06-28T12:58:11.419" v="3941" actId="962"/>
+          <ac:chgData name="Franz Andersch" userId="88b46490-1a31-494c-af6b-e252cc2a642d" providerId="ADAL" clId="{AB1E0CFC-1C57-4A1E-92D1-DAC8DD9182A6}" dt="2024-06-28T19:41:40.221" v="3975" actId="1076"/>
           <ac:picMkLst>
             <pc:docMk/>
             <pc:sldMk cId="1632948460" sldId="279"/>
+            <ac:picMk id="11" creationId="{49C7F333-D0CF-7EE6-8A8C-382573DE70D5}"/>
+          </ac:picMkLst>
+        </pc:picChg>
+      </pc:sldChg>
+      <pc:sldChg chg="delSp modSp add mod">
+        <pc:chgData name="Franz Andersch" userId="88b46490-1a31-494c-af6b-e252cc2a642d" providerId="ADAL" clId="{AB1E0CFC-1C57-4A1E-92D1-DAC8DD9182A6}" dt="2024-06-28T20:28:19.840" v="4065" actId="962"/>
+        <pc:sldMkLst>
+          <pc:docMk/>
+          <pc:sldMk cId="67254046" sldId="280"/>
+        </pc:sldMkLst>
+        <pc:spChg chg="mod">
+          <ac:chgData name="Franz Andersch" userId="88b46490-1a31-494c-af6b-e252cc2a642d" providerId="ADAL" clId="{AB1E0CFC-1C57-4A1E-92D1-DAC8DD9182A6}" dt="2024-06-28T19:41:12.478" v="3971" actId="20577"/>
+          <ac:spMkLst>
+            <pc:docMk/>
+            <pc:sldMk cId="67254046" sldId="280"/>
+            <ac:spMk id="2" creationId="{388F7BA3-B785-BDE2-BAC6-74C1F53E9285}"/>
+          </ac:spMkLst>
+        </pc:spChg>
+        <pc:picChg chg="del mod ord replST">
+          <ac:chgData name="Franz Andersch" userId="88b46490-1a31-494c-af6b-e252cc2a642d" providerId="ADAL" clId="{AB1E0CFC-1C57-4A1E-92D1-DAC8DD9182A6}" dt="2024-06-28T20:27:58.830" v="4033" actId="478"/>
+          <ac:picMkLst>
+            <pc:docMk/>
+            <pc:sldMk cId="67254046" sldId="280"/>
+            <ac:picMk id="4" creationId="{DAE0BA13-E66D-4D46-372E-1EB155862E11}"/>
+          </ac:picMkLst>
+        </pc:picChg>
+        <pc:picChg chg="del mod ord replST">
+          <ac:chgData name="Franz Andersch" userId="88b46490-1a31-494c-af6b-e252cc2a642d" providerId="ADAL" clId="{AB1E0CFC-1C57-4A1E-92D1-DAC8DD9182A6}" dt="2024-06-28T20:28:19.839" v="4063" actId="478"/>
+          <ac:picMkLst>
+            <pc:docMk/>
+            <pc:sldMk cId="67254046" sldId="280"/>
+            <ac:picMk id="6" creationId="{00FB585F-AE25-0F34-F953-2BC8FB6E326B}"/>
+          </ac:picMkLst>
+        </pc:picChg>
+        <pc:picChg chg="mod ord replST">
+          <ac:chgData name="Franz Andersch" userId="88b46490-1a31-494c-af6b-e252cc2a642d" providerId="ADAL" clId="{AB1E0CFC-1C57-4A1E-92D1-DAC8DD9182A6}" dt="2024-06-28T20:28:19.840" v="4065" actId="962"/>
+          <ac:picMkLst>
+            <pc:docMk/>
+            <pc:sldMk cId="67254046" sldId="280"/>
+            <ac:picMk id="8" creationId="{597DD17C-7200-A8AE-517A-FBE4D22709E7}"/>
+          </ac:picMkLst>
+        </pc:picChg>
+        <pc:picChg chg="del mod">
+          <ac:chgData name="Franz Andersch" userId="88b46490-1a31-494c-af6b-e252cc2a642d" providerId="ADAL" clId="{AB1E0CFC-1C57-4A1E-92D1-DAC8DD9182A6}" dt="2024-06-28T19:45:43.705" v="4003" actId="478"/>
+          <ac:picMkLst>
+            <pc:docMk/>
+            <pc:sldMk cId="67254046" sldId="280"/>
             <ac:picMk id="11" creationId="{49C7F333-D0CF-7EE6-8A8C-382573DE70D5}"/>
           </ac:picMkLst>
         </pc:picChg>
@@ -5767,7 +5815,7 @@
         </p:blipFill>
         <p:spPr>
           <a:xfrm>
-            <a:off x="539552" y="843558"/>
+            <a:off x="818385" y="1124744"/>
             <a:ext cx="7507230" cy="3180947"/>
           </a:xfrm>
           <a:prstGeom prst="rect">
@@ -5789,6 +5837,129 @@
 </file>
 
 <file path=ppt/slides/slide17.xml><?xml version="1.0" encoding="utf-8"?>
+<p:sld xmlns:a="http://schemas.openxmlformats.org/drawingml/2006/main" xmlns:r="http://schemas.openxmlformats.org/officeDocument/2006/relationships" xmlns:p="http://schemas.openxmlformats.org/presentationml/2006/main">
+  <p:cSld>
+    <p:spTree>
+      <p:nvGrpSpPr>
+        <p:cNvPr id="1" name=""/>
+        <p:cNvGrpSpPr/>
+        <p:nvPr/>
+      </p:nvGrpSpPr>
+      <p:grpSpPr>
+        <a:xfrm>
+          <a:off x="0" y="0"/>
+          <a:ext cx="0" cy="0"/>
+          <a:chOff x="0" y="0"/>
+          <a:chExt cx="0" cy="0"/>
+        </a:xfrm>
+      </p:grpSpPr>
+      <p:sp>
+        <p:nvSpPr>
+          <p:cNvPr id="2" name="Titel 1">
+            <a:extLst>
+              <a:ext uri="{FF2B5EF4-FFF2-40B4-BE49-F238E27FC236}">
+                <a16:creationId xmlns:a16="http://schemas.microsoft.com/office/drawing/2014/main" id="{388F7BA3-B785-BDE2-BAC6-74C1F53E9285}"/>
+              </a:ext>
+            </a:extLst>
+          </p:cNvPr>
+          <p:cNvSpPr>
+            <a:spLocks noGrp="1"/>
+          </p:cNvSpPr>
+          <p:nvPr>
+            <p:ph type="title"/>
+          </p:nvPr>
+        </p:nvSpPr>
+        <p:spPr/>
+        <p:txBody>
+          <a:bodyPr/>
+          <a:lstStyle/>
+          <a:p>
+            <a:r>
+              <a:rPr lang="de-DE" dirty="0" err="1"/>
+              <a:t>How</a:t>
+            </a:r>
+            <a:r>
+              <a:rPr lang="de-DE" dirty="0"/>
+              <a:t> </a:t>
+            </a:r>
+            <a:r>
+              <a:rPr lang="de-DE" dirty="0" err="1"/>
+              <a:t>it</a:t>
+            </a:r>
+            <a:r>
+              <a:rPr lang="de-DE" dirty="0"/>
+              <a:t> </a:t>
+            </a:r>
+            <a:r>
+              <a:rPr lang="de-DE" dirty="0" err="1"/>
+              <a:t>works</a:t>
+            </a:r>
+            <a:r>
+              <a:rPr lang="de-DE" dirty="0"/>
+              <a:t>: non </a:t>
+            </a:r>
+            <a:r>
+              <a:rPr lang="de-DE" dirty="0" err="1"/>
+              <a:t>linearity</a:t>
+            </a:r>
+            <a:endParaRPr lang="de-DE" dirty="0"/>
+          </a:p>
+        </p:txBody>
+      </p:sp>
+      <p:pic>
+        <p:nvPicPr>
+          <p:cNvPr id="8" name="Grafik 7" descr="\documentclass[20pt]{article}&#10;\usepackage{amsmath,amsfonts,amssymb,xcolor, mathtools}&#10;\pagestyle{empty}&#10;\usepackage[T1]{fontenc}&#10;\usepackage{fontspec}&#10;\setsansfont{Arial}&#10;\renewcommand\familydefault{\sfdefault}&#10;\begin{document}&#10;\begin{itemize}&#10;\item in some cases even a linear decision \newline boundary with soft margin is not suitable &#10;\item enlarging the feature space by introducing\newline polynomials of the predictor variables&#10;\item \textbf{But}: computationally very demanding &#10;\end{itemize}&#10;\end{document}" title="IguanaTex Picture Display">
+            <a:extLst>
+              <a:ext uri="{FF2B5EF4-FFF2-40B4-BE49-F238E27FC236}">
+                <a16:creationId xmlns:a16="http://schemas.microsoft.com/office/drawing/2014/main" id="{597DD17C-7200-A8AE-517A-FBE4D22709E7}"/>
+              </a:ext>
+            </a:extLst>
+          </p:cNvPr>
+          <p:cNvPicPr>
+            <a:picLocks noChangeAspect="1"/>
+          </p:cNvPicPr>
+          <p:nvPr>
+            <p:custDataLst>
+              <p:tags r:id="rId1"/>
+            </p:custDataLst>
+          </p:nvPr>
+        </p:nvPicPr>
+        <p:blipFill>
+          <a:blip r:embed="rId3">
+            <a:extLst>
+              <a:ext uri="{28A0092B-C50C-407E-A947-70E740481C1C}">
+                <a14:useLocalDpi xmlns:a14="http://schemas.microsoft.com/office/drawing/2010/main" val="0"/>
+              </a:ext>
+            </a:extLst>
+          </a:blip>
+          <a:stretch>
+            <a:fillRect/>
+          </a:stretch>
+        </p:blipFill>
+        <p:spPr>
+          <a:xfrm>
+            <a:off x="539553" y="1203598"/>
+            <a:ext cx="4437531" cy="1789664"/>
+          </a:xfrm>
+          <a:prstGeom prst="rect">
+            <a:avLst/>
+          </a:prstGeom>
+        </p:spPr>
+      </p:pic>
+    </p:spTree>
+    <p:extLst>
+      <p:ext uri="{BB962C8B-B14F-4D97-AF65-F5344CB8AC3E}">
+        <p14:creationId xmlns:p14="http://schemas.microsoft.com/office/powerpoint/2010/main" val="67254046"/>
+      </p:ext>
+    </p:extLst>
+  </p:cSld>
+  <p:clrMapOvr>
+    <a:masterClrMapping/>
+  </p:clrMapOvr>
+</p:sld>
+</file>
+
+<file path=ppt/slides/slide18.xml><?xml version="1.0" encoding="utf-8"?>
 <p:sld xmlns:a="http://schemas.openxmlformats.org/drawingml/2006/main" xmlns:r="http://schemas.openxmlformats.org/officeDocument/2006/relationships" xmlns:p="http://schemas.openxmlformats.org/presentationml/2006/main">
   <p:cSld>
     <p:spTree>
@@ -6557,122 +6728,6 @@
 </p:sld>
 </file>
 
-<file path=ppt/slides/slide18.xml><?xml version="1.0" encoding="utf-8"?>
-<p:sld xmlns:a="http://schemas.openxmlformats.org/drawingml/2006/main" xmlns:r="http://schemas.openxmlformats.org/officeDocument/2006/relationships" xmlns:p="http://schemas.openxmlformats.org/presentationml/2006/main">
-  <p:cSld>
-    <p:spTree>
-      <p:nvGrpSpPr>
-        <p:cNvPr id="1" name=""/>
-        <p:cNvGrpSpPr/>
-        <p:nvPr/>
-      </p:nvGrpSpPr>
-      <p:grpSpPr>
-        <a:xfrm>
-          <a:off x="0" y="0"/>
-          <a:ext cx="0" cy="0"/>
-          <a:chOff x="0" y="0"/>
-          <a:chExt cx="0" cy="0"/>
-        </a:xfrm>
-      </p:grpSpPr>
-      <p:sp>
-        <p:nvSpPr>
-          <p:cNvPr id="2" name="Titel 1">
-            <a:extLst>
-              <a:ext uri="{FF2B5EF4-FFF2-40B4-BE49-F238E27FC236}">
-                <a16:creationId xmlns:a16="http://schemas.microsoft.com/office/drawing/2014/main" id="{388F7BA3-B785-BDE2-BAC6-74C1F53E9285}"/>
-              </a:ext>
-            </a:extLst>
-          </p:cNvPr>
-          <p:cNvSpPr>
-            <a:spLocks noGrp="1"/>
-          </p:cNvSpPr>
-          <p:nvPr>
-            <p:ph type="title"/>
-          </p:nvPr>
-        </p:nvSpPr>
-        <p:spPr/>
-        <p:txBody>
-          <a:bodyPr/>
-          <a:lstStyle/>
-          <a:p>
-            <a:r>
-              <a:rPr lang="de-DE" dirty="0" err="1"/>
-              <a:t>How</a:t>
-            </a:r>
-            <a:r>
-              <a:rPr lang="de-DE" dirty="0"/>
-              <a:t> </a:t>
-            </a:r>
-            <a:r>
-              <a:rPr lang="de-DE" dirty="0" err="1"/>
-              <a:t>it</a:t>
-            </a:r>
-            <a:r>
-              <a:rPr lang="de-DE" dirty="0"/>
-              <a:t> </a:t>
-            </a:r>
-            <a:r>
-              <a:rPr lang="de-DE" dirty="0" err="1"/>
-              <a:t>works</a:t>
-            </a:r>
-            <a:r>
-              <a:rPr lang="de-DE" dirty="0"/>
-              <a:t>: Support </a:t>
-            </a:r>
-            <a:r>
-              <a:rPr lang="de-DE" dirty="0" err="1"/>
-              <a:t>vector</a:t>
-            </a:r>
-            <a:r>
-              <a:rPr lang="de-DE" dirty="0"/>
-              <a:t> </a:t>
-            </a:r>
-            <a:r>
-              <a:rPr lang="de-DE" dirty="0" err="1"/>
-              <a:t>classifier</a:t>
-            </a:r>
-            <a:endParaRPr lang="de-DE" dirty="0"/>
-          </a:p>
-        </p:txBody>
-      </p:sp>
-      <p:sp>
-        <p:nvSpPr>
-          <p:cNvPr id="3" name="Inhaltsplatzhalter 2">
-            <a:extLst>
-              <a:ext uri="{FF2B5EF4-FFF2-40B4-BE49-F238E27FC236}">
-                <a16:creationId xmlns:a16="http://schemas.microsoft.com/office/drawing/2014/main" id="{B6EBCD5F-A998-E34B-B609-7A4D246D72F7}"/>
-              </a:ext>
-            </a:extLst>
-          </p:cNvPr>
-          <p:cNvSpPr>
-            <a:spLocks noGrp="1"/>
-          </p:cNvSpPr>
-          <p:nvPr>
-            <p:ph idx="1"/>
-          </p:nvPr>
-        </p:nvSpPr>
-        <p:spPr/>
-        <p:txBody>
-          <a:bodyPr/>
-          <a:lstStyle/>
-          <a:p>
-            <a:endParaRPr lang="de-DE" sz="2000" dirty="0"/>
-          </a:p>
-        </p:txBody>
-      </p:sp>
-    </p:spTree>
-    <p:extLst>
-      <p:ext uri="{BB962C8B-B14F-4D97-AF65-F5344CB8AC3E}">
-        <p14:creationId xmlns:p14="http://schemas.microsoft.com/office/powerpoint/2010/main" val="2939723199"/>
-      </p:ext>
-    </p:extLst>
-  </p:cSld>
-  <p:clrMapOvr>
-    <a:masterClrMapping/>
-  </p:clrMapOvr>
-</p:sld>
-</file>
-
 <file path=ppt/slides/slide19.xml><?xml version="1.0" encoding="utf-8"?>
 <p:sld xmlns:a="http://schemas.openxmlformats.org/drawingml/2006/main" xmlns:r="http://schemas.openxmlformats.org/officeDocument/2006/relationships" xmlns:p="http://schemas.openxmlformats.org/presentationml/2006/main">
   <p:cSld>
@@ -6745,7 +6800,7 @@
             </a:r>
             <a:r>
               <a:rPr lang="de-DE" dirty="0" err="1"/>
-              <a:t>machine</a:t>
+              <a:t>classifier</a:t>
             </a:r>
             <a:endParaRPr lang="de-DE" dirty="0"/>
           </a:p>
@@ -6779,7 +6834,7 @@
     </p:spTree>
     <p:extLst>
       <p:ext uri="{BB962C8B-B14F-4D97-AF65-F5344CB8AC3E}">
-        <p14:creationId xmlns:p14="http://schemas.microsoft.com/office/powerpoint/2010/main" val="3746182716"/>
+        <p14:creationId xmlns:p14="http://schemas.microsoft.com/office/powerpoint/2010/main" val="2939723199"/>
       </p:ext>
     </p:extLst>
   </p:cSld>
@@ -6958,7 +7013,7 @@
           <p:cNvPr id="2" name="Titel 1">
             <a:extLst>
               <a:ext uri="{FF2B5EF4-FFF2-40B4-BE49-F238E27FC236}">
-                <a16:creationId xmlns:a16="http://schemas.microsoft.com/office/drawing/2014/main" id="{9C274E31-D4F7-6C4A-D81C-1BC18A1044AE}"/>
+                <a16:creationId xmlns:a16="http://schemas.microsoft.com/office/drawing/2014/main" id="{388F7BA3-B785-BDE2-BAC6-74C1F53E9285}"/>
               </a:ext>
             </a:extLst>
           </p:cNvPr>
@@ -6975,9 +7030,42 @@
           <a:lstStyle/>
           <a:p>
             <a:r>
+              <a:rPr lang="de-DE" dirty="0" err="1"/>
+              <a:t>How</a:t>
+            </a:r>
+            <a:r>
               <a:rPr lang="de-DE" dirty="0"/>
-              <a:t>Dataset: ALLBUS</a:t>
-            </a:r>
+              <a:t> </a:t>
+            </a:r>
+            <a:r>
+              <a:rPr lang="de-DE" dirty="0" err="1"/>
+              <a:t>it</a:t>
+            </a:r>
+            <a:r>
+              <a:rPr lang="de-DE" dirty="0"/>
+              <a:t> </a:t>
+            </a:r>
+            <a:r>
+              <a:rPr lang="de-DE" dirty="0" err="1"/>
+              <a:t>works</a:t>
+            </a:r>
+            <a:r>
+              <a:rPr lang="de-DE" dirty="0"/>
+              <a:t>: Support </a:t>
+            </a:r>
+            <a:r>
+              <a:rPr lang="de-DE" dirty="0" err="1"/>
+              <a:t>vector</a:t>
+            </a:r>
+            <a:r>
+              <a:rPr lang="de-DE" dirty="0"/>
+              <a:t> </a:t>
+            </a:r>
+            <a:r>
+              <a:rPr lang="de-DE" dirty="0" err="1"/>
+              <a:t>machine</a:t>
+            </a:r>
+            <a:endParaRPr lang="de-DE" dirty="0"/>
           </a:p>
         </p:txBody>
       </p:sp>
@@ -6986,7 +7074,7 @@
           <p:cNvPr id="3" name="Inhaltsplatzhalter 2">
             <a:extLst>
               <a:ext uri="{FF2B5EF4-FFF2-40B4-BE49-F238E27FC236}">
-                <a16:creationId xmlns:a16="http://schemas.microsoft.com/office/drawing/2014/main" id="{A6EE175B-F110-2231-4746-FB0A5137CFF3}"/>
+                <a16:creationId xmlns:a16="http://schemas.microsoft.com/office/drawing/2014/main" id="{B6EBCD5F-A998-E34B-B609-7A4D246D72F7}"/>
               </a:ext>
             </a:extLst>
           </p:cNvPr>
@@ -6997,206 +7085,19 @@
             <p:ph idx="1"/>
           </p:nvPr>
         </p:nvSpPr>
-        <p:spPr>
-          <a:xfrm>
-            <a:off x="395536" y="1353344"/>
-            <a:ext cx="7344816" cy="3162622"/>
-          </a:xfrm>
-        </p:spPr>
+        <p:spPr/>
         <p:txBody>
           <a:bodyPr/>
           <a:lstStyle/>
           <a:p>
-            <a:r>
-              <a:rPr lang="de-DE" sz="2000" dirty="0"/>
-              <a:t>„General </a:t>
-            </a:r>
-            <a:r>
-              <a:rPr lang="de-DE" sz="2000" dirty="0" err="1"/>
-              <a:t>population</a:t>
-            </a:r>
-            <a:r>
-              <a:rPr lang="de-DE" sz="2000" dirty="0"/>
-              <a:t> </a:t>
-            </a:r>
-            <a:r>
-              <a:rPr lang="de-DE" sz="2000" dirty="0" err="1"/>
-              <a:t>survey</a:t>
-            </a:r>
-            <a:r>
-              <a:rPr lang="de-DE" sz="2000" dirty="0"/>
-              <a:t> </a:t>
-            </a:r>
-            <a:r>
-              <a:rPr lang="de-DE" sz="2000" dirty="0" err="1"/>
-              <a:t>of</a:t>
-            </a:r>
-            <a:r>
-              <a:rPr lang="de-DE" sz="2000" dirty="0"/>
-              <a:t> </a:t>
-            </a:r>
-            <a:r>
-              <a:rPr lang="de-DE" sz="2000" dirty="0" err="1"/>
-              <a:t>the</a:t>
-            </a:r>
-            <a:r>
-              <a:rPr lang="de-DE" sz="2000" dirty="0"/>
-              <a:t> social </a:t>
-            </a:r>
-            <a:r>
-              <a:rPr lang="de-DE" sz="2000" dirty="0" err="1"/>
-              <a:t>sciences</a:t>
-            </a:r>
-            <a:r>
-              <a:rPr lang="de-DE" sz="2000" dirty="0"/>
-              <a:t>“ 	  </a:t>
-            </a:r>
-            <a:r>
-              <a:rPr lang="de-DE" sz="1000" dirty="0"/>
-              <a:t>(Allgemeine Bevölkerungsumfrage der Sozialwissenschaften)</a:t>
-            </a:r>
-          </a:p>
-          <a:p>
-            <a:r>
-              <a:rPr lang="de-DE" sz="2000" b="1" dirty="0"/>
-              <a:t>Response Variable</a:t>
-            </a:r>
-            <a:r>
-              <a:rPr lang="de-DE" sz="2000" dirty="0"/>
-              <a:t>:</a:t>
-            </a:r>
-          </a:p>
-          <a:p>
-            <a:pPr lvl="1"/>
-            <a:r>
-              <a:rPr lang="de-DE" sz="1800" dirty="0"/>
-              <a:t>„Federal </a:t>
-            </a:r>
-            <a:r>
-              <a:rPr lang="de-DE" sz="1800" dirty="0" err="1"/>
-              <a:t>state</a:t>
-            </a:r>
-            <a:r>
-              <a:rPr lang="de-DE" sz="1800" dirty="0"/>
-              <a:t> </a:t>
-            </a:r>
-            <a:r>
-              <a:rPr lang="de-DE" sz="1800" dirty="0" err="1"/>
-              <a:t>where</a:t>
-            </a:r>
-            <a:r>
-              <a:rPr lang="de-DE" sz="1800" dirty="0"/>
-              <a:t> </a:t>
-            </a:r>
-            <a:r>
-              <a:rPr lang="de-DE" sz="1800" dirty="0" err="1"/>
-              <a:t>interviewee</a:t>
-            </a:r>
-            <a:r>
-              <a:rPr lang="de-DE" sz="1800" dirty="0"/>
-              <a:t> </a:t>
-            </a:r>
-            <a:r>
-              <a:rPr lang="de-DE" sz="1800" dirty="0" err="1"/>
-              <a:t>lived</a:t>
-            </a:r>
-            <a:r>
-              <a:rPr lang="de-DE" sz="1800" dirty="0"/>
-              <a:t> in </a:t>
-            </a:r>
-            <a:r>
-              <a:rPr lang="de-DE" sz="1800" dirty="0" err="1"/>
-              <a:t>youth</a:t>
-            </a:r>
-            <a:r>
-              <a:rPr lang="de-DE" sz="1800" dirty="0"/>
-              <a:t>“</a:t>
-            </a:r>
-          </a:p>
-          <a:p>
-            <a:pPr lvl="1"/>
-            <a:r>
-              <a:rPr lang="de-DE" sz="1800" dirty="0" err="1">
-                <a:sym typeface="Wingdings" panose="05000000000000000000" pitchFamily="2" charset="2"/>
-              </a:rPr>
-              <a:t>coded</a:t>
-            </a:r>
-            <a:r>
-              <a:rPr lang="de-DE" sz="1800" dirty="0">
-                <a:sym typeface="Wingdings" panose="05000000000000000000" pitchFamily="2" charset="2"/>
-              </a:rPr>
-              <a:t> </a:t>
-            </a:r>
-            <a:r>
-              <a:rPr lang="de-DE" sz="1800" dirty="0" err="1">
-                <a:sym typeface="Wingdings" panose="05000000000000000000" pitchFamily="2" charset="2"/>
-              </a:rPr>
-              <a:t>to</a:t>
-            </a:r>
-            <a:r>
-              <a:rPr lang="de-DE" sz="1800" dirty="0">
-                <a:sym typeface="Wingdings" panose="05000000000000000000" pitchFamily="2" charset="2"/>
-              </a:rPr>
-              <a:t> „Youth in East/West Germany“</a:t>
-            </a:r>
-            <a:endParaRPr lang="de-DE" sz="1800" dirty="0"/>
-          </a:p>
-          <a:p>
-            <a:r>
-              <a:rPr lang="de-DE" sz="2000" b="1" dirty="0" err="1"/>
-              <a:t>Predictor</a:t>
-            </a:r>
-            <a:r>
-              <a:rPr lang="de-DE" sz="2000" b="1" dirty="0"/>
-              <a:t> Variables</a:t>
-            </a:r>
-            <a:r>
-              <a:rPr lang="de-DE" sz="2000" dirty="0"/>
-              <a:t>:</a:t>
-            </a:r>
-          </a:p>
-          <a:p>
-            <a:pPr lvl="1"/>
-            <a:r>
-              <a:rPr lang="de-DE" sz="1800" dirty="0"/>
-              <a:t>121 variables </a:t>
-            </a:r>
-            <a:r>
-              <a:rPr lang="de-DE" sz="1800" dirty="0" err="1"/>
-              <a:t>concerning</a:t>
-            </a:r>
-            <a:r>
-              <a:rPr lang="de-DE" sz="1800" dirty="0"/>
-              <a:t> </a:t>
-            </a:r>
-            <a:r>
-              <a:rPr lang="de-DE" sz="1800" dirty="0" err="1"/>
-              <a:t>attitudes</a:t>
-            </a:r>
-            <a:r>
-              <a:rPr lang="de-DE" sz="1800" dirty="0"/>
-              <a:t>, </a:t>
-            </a:r>
-            <a:r>
-              <a:rPr lang="de-DE" sz="1800" dirty="0" err="1"/>
-              <a:t>behavior</a:t>
-            </a:r>
-            <a:r>
-              <a:rPr lang="de-DE" sz="1800" dirty="0"/>
-              <a:t> and social </a:t>
-            </a:r>
-            <a:r>
-              <a:rPr lang="de-DE" sz="1800" dirty="0" err="1"/>
-              <a:t>change</a:t>
-            </a:r>
-            <a:endParaRPr lang="de-DE" sz="1800" dirty="0"/>
+            <a:endParaRPr lang="de-DE" sz="2000" dirty="0"/>
           </a:p>
         </p:txBody>
       </p:sp>
     </p:spTree>
     <p:extLst>
       <p:ext uri="{BB962C8B-B14F-4D97-AF65-F5344CB8AC3E}">
-        <p14:creationId xmlns:p14="http://schemas.microsoft.com/office/powerpoint/2010/main" val="2732348097"/>
+        <p14:creationId xmlns:p14="http://schemas.microsoft.com/office/powerpoint/2010/main" val="3746182716"/>
       </p:ext>
     </p:extLst>
   </p:cSld>
@@ -7278,6 +7179,276 @@
           <a:lstStyle/>
           <a:p>
             <a:r>
+              <a:rPr lang="de-DE" sz="2000" dirty="0"/>
+              <a:t>„General </a:t>
+            </a:r>
+            <a:r>
+              <a:rPr lang="de-DE" sz="2000" dirty="0" err="1"/>
+              <a:t>population</a:t>
+            </a:r>
+            <a:r>
+              <a:rPr lang="de-DE" sz="2000" dirty="0"/>
+              <a:t> </a:t>
+            </a:r>
+            <a:r>
+              <a:rPr lang="de-DE" sz="2000" dirty="0" err="1"/>
+              <a:t>survey</a:t>
+            </a:r>
+            <a:r>
+              <a:rPr lang="de-DE" sz="2000" dirty="0"/>
+              <a:t> </a:t>
+            </a:r>
+            <a:r>
+              <a:rPr lang="de-DE" sz="2000" dirty="0" err="1"/>
+              <a:t>of</a:t>
+            </a:r>
+            <a:r>
+              <a:rPr lang="de-DE" sz="2000" dirty="0"/>
+              <a:t> </a:t>
+            </a:r>
+            <a:r>
+              <a:rPr lang="de-DE" sz="2000" dirty="0" err="1"/>
+              <a:t>the</a:t>
+            </a:r>
+            <a:r>
+              <a:rPr lang="de-DE" sz="2000" dirty="0"/>
+              <a:t> social </a:t>
+            </a:r>
+            <a:r>
+              <a:rPr lang="de-DE" sz="2000" dirty="0" err="1"/>
+              <a:t>sciences</a:t>
+            </a:r>
+            <a:r>
+              <a:rPr lang="de-DE" sz="2000" dirty="0"/>
+              <a:t>“ 	  </a:t>
+            </a:r>
+            <a:r>
+              <a:rPr lang="de-DE" sz="1000" dirty="0"/>
+              <a:t>(Allgemeine Bevölkerungsumfrage der Sozialwissenschaften)</a:t>
+            </a:r>
+          </a:p>
+          <a:p>
+            <a:r>
+              <a:rPr lang="de-DE" sz="2000" b="1" dirty="0"/>
+              <a:t>Response Variable</a:t>
+            </a:r>
+            <a:r>
+              <a:rPr lang="de-DE" sz="2000" dirty="0"/>
+              <a:t>:</a:t>
+            </a:r>
+          </a:p>
+          <a:p>
+            <a:pPr lvl="1"/>
+            <a:r>
+              <a:rPr lang="de-DE" sz="1800" dirty="0"/>
+              <a:t>„Federal </a:t>
+            </a:r>
+            <a:r>
+              <a:rPr lang="de-DE" sz="1800" dirty="0" err="1"/>
+              <a:t>state</a:t>
+            </a:r>
+            <a:r>
+              <a:rPr lang="de-DE" sz="1800" dirty="0"/>
+              <a:t> </a:t>
+            </a:r>
+            <a:r>
+              <a:rPr lang="de-DE" sz="1800" dirty="0" err="1"/>
+              <a:t>where</a:t>
+            </a:r>
+            <a:r>
+              <a:rPr lang="de-DE" sz="1800" dirty="0"/>
+              <a:t> </a:t>
+            </a:r>
+            <a:r>
+              <a:rPr lang="de-DE" sz="1800" dirty="0" err="1"/>
+              <a:t>interviewee</a:t>
+            </a:r>
+            <a:r>
+              <a:rPr lang="de-DE" sz="1800" dirty="0"/>
+              <a:t> </a:t>
+            </a:r>
+            <a:r>
+              <a:rPr lang="de-DE" sz="1800" dirty="0" err="1"/>
+              <a:t>lived</a:t>
+            </a:r>
+            <a:r>
+              <a:rPr lang="de-DE" sz="1800" dirty="0"/>
+              <a:t> in </a:t>
+            </a:r>
+            <a:r>
+              <a:rPr lang="de-DE" sz="1800" dirty="0" err="1"/>
+              <a:t>youth</a:t>
+            </a:r>
+            <a:r>
+              <a:rPr lang="de-DE" sz="1800" dirty="0"/>
+              <a:t>“</a:t>
+            </a:r>
+          </a:p>
+          <a:p>
+            <a:pPr lvl="1"/>
+            <a:r>
+              <a:rPr lang="de-DE" sz="1800" dirty="0" err="1">
+                <a:sym typeface="Wingdings" panose="05000000000000000000" pitchFamily="2" charset="2"/>
+              </a:rPr>
+              <a:t>coded</a:t>
+            </a:r>
+            <a:r>
+              <a:rPr lang="de-DE" sz="1800" dirty="0">
+                <a:sym typeface="Wingdings" panose="05000000000000000000" pitchFamily="2" charset="2"/>
+              </a:rPr>
+              <a:t> </a:t>
+            </a:r>
+            <a:r>
+              <a:rPr lang="de-DE" sz="1800" dirty="0" err="1">
+                <a:sym typeface="Wingdings" panose="05000000000000000000" pitchFamily="2" charset="2"/>
+              </a:rPr>
+              <a:t>to</a:t>
+            </a:r>
+            <a:r>
+              <a:rPr lang="de-DE" sz="1800" dirty="0">
+                <a:sym typeface="Wingdings" panose="05000000000000000000" pitchFamily="2" charset="2"/>
+              </a:rPr>
+              <a:t> „Youth in East/West Germany“</a:t>
+            </a:r>
+            <a:endParaRPr lang="de-DE" sz="1800" dirty="0"/>
+          </a:p>
+          <a:p>
+            <a:r>
+              <a:rPr lang="de-DE" sz="2000" b="1" dirty="0" err="1"/>
+              <a:t>Predictor</a:t>
+            </a:r>
+            <a:r>
+              <a:rPr lang="de-DE" sz="2000" b="1" dirty="0"/>
+              <a:t> Variables</a:t>
+            </a:r>
+            <a:r>
+              <a:rPr lang="de-DE" sz="2000" dirty="0"/>
+              <a:t>:</a:t>
+            </a:r>
+          </a:p>
+          <a:p>
+            <a:pPr lvl="1"/>
+            <a:r>
+              <a:rPr lang="de-DE" sz="1800" dirty="0"/>
+              <a:t>121 variables </a:t>
+            </a:r>
+            <a:r>
+              <a:rPr lang="de-DE" sz="1800" dirty="0" err="1"/>
+              <a:t>concerning</a:t>
+            </a:r>
+            <a:r>
+              <a:rPr lang="de-DE" sz="1800" dirty="0"/>
+              <a:t> </a:t>
+            </a:r>
+            <a:r>
+              <a:rPr lang="de-DE" sz="1800" dirty="0" err="1"/>
+              <a:t>attitudes</a:t>
+            </a:r>
+            <a:r>
+              <a:rPr lang="de-DE" sz="1800" dirty="0"/>
+              <a:t>, </a:t>
+            </a:r>
+            <a:r>
+              <a:rPr lang="de-DE" sz="1800" dirty="0" err="1"/>
+              <a:t>behavior</a:t>
+            </a:r>
+            <a:r>
+              <a:rPr lang="de-DE" sz="1800" dirty="0"/>
+              <a:t> and social </a:t>
+            </a:r>
+            <a:r>
+              <a:rPr lang="de-DE" sz="1800" dirty="0" err="1"/>
+              <a:t>change</a:t>
+            </a:r>
+            <a:endParaRPr lang="de-DE" sz="1800" dirty="0"/>
+          </a:p>
+        </p:txBody>
+      </p:sp>
+    </p:spTree>
+    <p:extLst>
+      <p:ext uri="{BB962C8B-B14F-4D97-AF65-F5344CB8AC3E}">
+        <p14:creationId xmlns:p14="http://schemas.microsoft.com/office/powerpoint/2010/main" val="2732348097"/>
+      </p:ext>
+    </p:extLst>
+  </p:cSld>
+  <p:clrMapOvr>
+    <a:masterClrMapping/>
+  </p:clrMapOvr>
+</p:sld>
+</file>
+
+<file path=ppt/slides/slide22.xml><?xml version="1.0" encoding="utf-8"?>
+<p:sld xmlns:a="http://schemas.openxmlformats.org/drawingml/2006/main" xmlns:r="http://schemas.openxmlformats.org/officeDocument/2006/relationships" xmlns:p="http://schemas.openxmlformats.org/presentationml/2006/main">
+  <p:cSld>
+    <p:spTree>
+      <p:nvGrpSpPr>
+        <p:cNvPr id="1" name=""/>
+        <p:cNvGrpSpPr/>
+        <p:nvPr/>
+      </p:nvGrpSpPr>
+      <p:grpSpPr>
+        <a:xfrm>
+          <a:off x="0" y="0"/>
+          <a:ext cx="0" cy="0"/>
+          <a:chOff x="0" y="0"/>
+          <a:chExt cx="0" cy="0"/>
+        </a:xfrm>
+      </p:grpSpPr>
+      <p:sp>
+        <p:nvSpPr>
+          <p:cNvPr id="2" name="Titel 1">
+            <a:extLst>
+              <a:ext uri="{FF2B5EF4-FFF2-40B4-BE49-F238E27FC236}">
+                <a16:creationId xmlns:a16="http://schemas.microsoft.com/office/drawing/2014/main" id="{9C274E31-D4F7-6C4A-D81C-1BC18A1044AE}"/>
+              </a:ext>
+            </a:extLst>
+          </p:cNvPr>
+          <p:cNvSpPr>
+            <a:spLocks noGrp="1"/>
+          </p:cNvSpPr>
+          <p:nvPr>
+            <p:ph type="title"/>
+          </p:nvPr>
+        </p:nvSpPr>
+        <p:spPr/>
+        <p:txBody>
+          <a:bodyPr/>
+          <a:lstStyle/>
+          <a:p>
+            <a:r>
+              <a:rPr lang="de-DE" dirty="0"/>
+              <a:t>Dataset: ALLBUS</a:t>
+            </a:r>
+          </a:p>
+        </p:txBody>
+      </p:sp>
+      <p:sp>
+        <p:nvSpPr>
+          <p:cNvPr id="3" name="Inhaltsplatzhalter 2">
+            <a:extLst>
+              <a:ext uri="{FF2B5EF4-FFF2-40B4-BE49-F238E27FC236}">
+                <a16:creationId xmlns:a16="http://schemas.microsoft.com/office/drawing/2014/main" id="{A6EE175B-F110-2231-4746-FB0A5137CFF3}"/>
+              </a:ext>
+            </a:extLst>
+          </p:cNvPr>
+          <p:cNvSpPr>
+            <a:spLocks noGrp="1"/>
+          </p:cNvSpPr>
+          <p:nvPr>
+            <p:ph idx="1"/>
+          </p:nvPr>
+        </p:nvSpPr>
+        <p:spPr>
+          <a:xfrm>
+            <a:off x="395536" y="1353344"/>
+            <a:ext cx="7344816" cy="3162622"/>
+          </a:xfrm>
+        </p:spPr>
+        <p:txBody>
+          <a:bodyPr/>
+          <a:lstStyle/>
+          <a:p>
+            <a:r>
               <a:rPr lang="de-DE" sz="2000" b="1" dirty="0"/>
               <a:t>Data </a:t>
             </a:r>
@@ -7416,7 +7587,7 @@
 </p:sld>
 </file>
 
-<file path=ppt/slides/slide22.xml><?xml version="1.0" encoding="utf-8"?>
+<file path=ppt/slides/slide23.xml><?xml version="1.0" encoding="utf-8"?>
 <p:sld xmlns:a="http://schemas.openxmlformats.org/drawingml/2006/main" xmlns:r="http://schemas.openxmlformats.org/officeDocument/2006/relationships" xmlns:p="http://schemas.openxmlformats.org/presentationml/2006/main">
   <p:cSld>
     <p:spTree>
@@ -7546,7 +7717,7 @@
 </p:sld>
 </file>
 
-<file path=ppt/slides/slide23.xml><?xml version="1.0" encoding="utf-8"?>
+<file path=ppt/slides/slide24.xml><?xml version="1.0" encoding="utf-8"?>
 <p:sld xmlns:a="http://schemas.openxmlformats.org/drawingml/2006/main" xmlns:r="http://schemas.openxmlformats.org/officeDocument/2006/relationships" xmlns:p="http://schemas.openxmlformats.org/presentationml/2006/main">
   <p:cSld>
     <p:spTree>
@@ -9511,6 +9682,26 @@
   <p:tag name="LATEXADDIN" val="\documentclass[20pt]{article}&#10;\usepackage{amsmath,amsfonts,amssymb,xcolor, mathtools}&#10;\pagestyle{empty}&#10;\usepackage[T1]{fontenc}&#10;\usepackage{fontspec}&#10;\setsansfont{Arial}&#10;\renewcommand\familydefault{\sfdefault}&#10;\begin{document}&#10;\begin{itemize}&#10;\item imputing the solutions in the original lagrangian and rearranging yields again \newline&#10;$$min(\mathcal{L})=-\frac{1}{2}\sum \sum \alpha_i \alpha_j y_i y_j \overline{x}_i \cdot \overline{x}_j+\sum \alpha_i$$ &#10;but under constraint $0\le \alpha_i \le C$&#10;\item can again be efficiently solved through quadratic programming optimization&#10;\item the decision function works the same way as with the hard margin classifier&#10;\end{itemize}&#10;\end{document}"/>
   <p:tag name="IGUANATEXSIZE" val="18"/>
   <p:tag name="IGUANATEXCURSOR" val="663"/>
+  <p:tag name="TRANSPARENCY" val="Wahr"/>
+  <p:tag name="LATEXENGINEID" val="2"/>
+  <p:tag name="TEMPFOLDER" val="E:\Dokumente\temp\"/>
+  <p:tag name="LATEXFORMHEIGHT" val="320"/>
+  <p:tag name="LATEXFORMWIDTH" val="385"/>
+  <p:tag name="LATEXFORMWRAP" val="Wahr"/>
+  <p:tag name="BITMAPVECTOR" val="0"/>
+</p:tagLst>
+</file>
+
+<file path=ppt/tags/tag12.xml><?xml version="1.0" encoding="utf-8"?>
+<p:tagLst xmlns:a="http://schemas.openxmlformats.org/drawingml/2006/main" xmlns:r="http://schemas.openxmlformats.org/officeDocument/2006/relationships" xmlns:p="http://schemas.openxmlformats.org/presentationml/2006/main">
+  <p:tag name="OUTPUTDPI" val="1200"/>
+  <p:tag name="ORIGINALHEIGHT" val="915,1277"/>
+  <p:tag name="ORIGINALWIDTH" val="2413,087"/>
+  <p:tag name="OUTPUTTYPE" val="PNG"/>
+  <p:tag name="IGUANATEXVERSION" val="161"/>
+  <p:tag name="LATEXADDIN" val="\documentclass[20pt]{article}&#10;\usepackage{amsmath,amsfonts,amssymb,xcolor, mathtools}&#10;\pagestyle{empty}&#10;\usepackage[T1]{fontenc}&#10;\usepackage{fontspec}&#10;\setsansfont{Arial}&#10;\renewcommand\familydefault{\sfdefault}&#10;\begin{document}&#10;\begin{itemize}&#10;\item in some cases even a linear decision \newline boundary with soft margin is not suitable &#10;\item enlarging the feature space by introducing\newline polynomials of the predictor variables&#10;\item \textbf{But}: computationally very demanding &#10;\end{itemize}&#10;\end{document}"/>
+  <p:tag name="IGUANATEXSIZE" val="18"/>
+  <p:tag name="IGUANATEXCURSOR" val="395"/>
   <p:tag name="TRANSPARENCY" val="Wahr"/>
   <p:tag name="LATEXENGINEID" val="2"/>
   <p:tag name="TEMPFOLDER" val="E:\Dokumente\temp\"/>

--- a/Präsentation/Support Vector Machines.pptx
+++ b/Präsentation/Support Vector Machines.pptx
@@ -5,7 +5,7 @@
     <p:sldMasterId id="2147483648" r:id="rId1"/>
   </p:sldMasterIdLst>
   <p:notesMasterIdLst>
-    <p:notesMasterId r:id="rId26"/>
+    <p:notesMasterId r:id="rId28"/>
   </p:notesMasterIdLst>
   <p:sldIdLst>
     <p:sldId id="256" r:id="rId2"/>
@@ -25,13 +25,15 @@
     <p:sldId id="278" r:id="rId16"/>
     <p:sldId id="279" r:id="rId17"/>
     <p:sldId id="280" r:id="rId18"/>
-    <p:sldId id="264" r:id="rId19"/>
-    <p:sldId id="265" r:id="rId20"/>
-    <p:sldId id="266" r:id="rId21"/>
-    <p:sldId id="261" r:id="rId22"/>
-    <p:sldId id="267" r:id="rId23"/>
-    <p:sldId id="262" r:id="rId24"/>
-    <p:sldId id="263" r:id="rId25"/>
+    <p:sldId id="281" r:id="rId19"/>
+    <p:sldId id="282" r:id="rId20"/>
+    <p:sldId id="264" r:id="rId21"/>
+    <p:sldId id="265" r:id="rId22"/>
+    <p:sldId id="266" r:id="rId23"/>
+    <p:sldId id="261" r:id="rId24"/>
+    <p:sldId id="267" r:id="rId25"/>
+    <p:sldId id="262" r:id="rId26"/>
+    <p:sldId id="263" r:id="rId27"/>
   </p:sldIdLst>
   <p:sldSz cx="9144000" cy="5143500" type="screen16x9"/>
   <p:notesSz cx="6797675" cy="9926638"/>
@@ -171,7 +173,7 @@
 <file path=ppt/revisionInfo.xml><?xml version="1.0" encoding="utf-8"?>
 <p1510:revInfo xmlns:a="http://schemas.openxmlformats.org/drawingml/2006/main" xmlns:r="http://schemas.openxmlformats.org/officeDocument/2006/relationships" xmlns:p1510="http://schemas.microsoft.com/office/powerpoint/2015/10/main">
   <p1510:revLst>
-    <p1510:client id="{AB1E0CFC-1C57-4A1E-92D1-DAC8DD9182A6}" v="2169" dt="2024-06-28T20:28:19.840"/>
+    <p1510:client id="{AB1E0CFC-1C57-4A1E-92D1-DAC8DD9182A6}" v="2392" dt="2024-06-29T13:33:58.114"/>
   </p1510:revLst>
 </p1510:revInfo>
 </file>
@@ -181,7 +183,7 @@
   <pc:docChgLst>
     <pc:chgData name="Franz Andersch" userId="88b46490-1a31-494c-af6b-e252cc2a642d" providerId="ADAL" clId="{AB1E0CFC-1C57-4A1E-92D1-DAC8DD9182A6}"/>
     <pc:docChg chg="undo redo custSel addSld delSld modSld sldOrd">
-      <pc:chgData name="Franz Andersch" userId="88b46490-1a31-494c-af6b-e252cc2a642d" providerId="ADAL" clId="{AB1E0CFC-1C57-4A1E-92D1-DAC8DD9182A6}" dt="2024-06-28T20:28:19.840" v="4065" actId="962"/>
+      <pc:chgData name="Franz Andersch" userId="88b46490-1a31-494c-af6b-e252cc2a642d" providerId="ADAL" clId="{AB1E0CFC-1C57-4A1E-92D1-DAC8DD9182A6}" dt="2024-06-29T13:33:58.114" v="4491" actId="962"/>
       <pc:docMkLst>
         <pc:docMk/>
       </pc:docMkLst>
@@ -527,13 +529,13 @@
         </pc:picChg>
       </pc:sldChg>
       <pc:sldChg chg="addSp delSp modSp add mod">
-        <pc:chgData name="Franz Andersch" userId="88b46490-1a31-494c-af6b-e252cc2a642d" providerId="ADAL" clId="{AB1E0CFC-1C57-4A1E-92D1-DAC8DD9182A6}" dt="2024-06-28T07:05:28.658" v="2931" actId="692"/>
+        <pc:chgData name="Franz Andersch" userId="88b46490-1a31-494c-af6b-e252cc2a642d" providerId="ADAL" clId="{AB1E0CFC-1C57-4A1E-92D1-DAC8DD9182A6}" dt="2024-06-29T10:21:21.276" v="4072" actId="14100"/>
         <pc:sldMkLst>
           <pc:docMk/>
           <pc:sldMk cId="2902806685" sldId="270"/>
         </pc:sldMkLst>
         <pc:picChg chg="add mod">
-          <ac:chgData name="Franz Andersch" userId="88b46490-1a31-494c-af6b-e252cc2a642d" providerId="ADAL" clId="{AB1E0CFC-1C57-4A1E-92D1-DAC8DD9182A6}" dt="2024-06-28T07:05:28.658" v="2931" actId="692"/>
+          <ac:chgData name="Franz Andersch" userId="88b46490-1a31-494c-af6b-e252cc2a642d" providerId="ADAL" clId="{AB1E0CFC-1C57-4A1E-92D1-DAC8DD9182A6}" dt="2024-06-29T10:21:21.276" v="4072" actId="14100"/>
           <ac:picMkLst>
             <pc:docMk/>
             <pc:sldMk cId="2902806685" sldId="270"/>
@@ -1388,8 +1390,8 @@
           </ac:picMkLst>
         </pc:picChg>
       </pc:sldChg>
-      <pc:sldChg chg="delSp modSp add mod">
-        <pc:chgData name="Franz Andersch" userId="88b46490-1a31-494c-af6b-e252cc2a642d" providerId="ADAL" clId="{AB1E0CFC-1C57-4A1E-92D1-DAC8DD9182A6}" dt="2024-06-28T20:28:19.840" v="4065" actId="962"/>
+      <pc:sldChg chg="addSp delSp modSp add mod">
+        <pc:chgData name="Franz Andersch" userId="88b46490-1a31-494c-af6b-e252cc2a642d" providerId="ADAL" clId="{AB1E0CFC-1C57-4A1E-92D1-DAC8DD9182A6}" dt="2024-06-29T10:22:09.098" v="4090" actId="1076"/>
         <pc:sldMkLst>
           <pc:docMk/>
           <pc:sldMk cId="67254046" sldId="280"/>
@@ -1402,6 +1404,14 @@
             <ac:spMk id="2" creationId="{388F7BA3-B785-BDE2-BAC6-74C1F53E9285}"/>
           </ac:spMkLst>
         </pc:spChg>
+        <pc:picChg chg="add mod">
+          <ac:chgData name="Franz Andersch" userId="88b46490-1a31-494c-af6b-e252cc2a642d" providerId="ADAL" clId="{AB1E0CFC-1C57-4A1E-92D1-DAC8DD9182A6}" dt="2024-06-29T10:22:05.171" v="4089" actId="692"/>
+          <ac:picMkLst>
+            <pc:docMk/>
+            <pc:sldMk cId="67254046" sldId="280"/>
+            <ac:picMk id="4" creationId="{8EEA629F-03D6-6808-AE13-538CEEE92F91}"/>
+          </ac:picMkLst>
+        </pc:picChg>
         <pc:picChg chg="del mod ord replST">
           <ac:chgData name="Franz Andersch" userId="88b46490-1a31-494c-af6b-e252cc2a642d" providerId="ADAL" clId="{AB1E0CFC-1C57-4A1E-92D1-DAC8DD9182A6}" dt="2024-06-28T20:27:58.830" v="4033" actId="478"/>
           <ac:picMkLst>
@@ -1419,7 +1429,7 @@
           </ac:picMkLst>
         </pc:picChg>
         <pc:picChg chg="mod ord replST">
-          <ac:chgData name="Franz Andersch" userId="88b46490-1a31-494c-af6b-e252cc2a642d" providerId="ADAL" clId="{AB1E0CFC-1C57-4A1E-92D1-DAC8DD9182A6}" dt="2024-06-28T20:28:19.840" v="4065" actId="962"/>
+          <ac:chgData name="Franz Andersch" userId="88b46490-1a31-494c-af6b-e252cc2a642d" providerId="ADAL" clId="{AB1E0CFC-1C57-4A1E-92D1-DAC8DD9182A6}" dt="2024-06-29T10:22:09.098" v="4090" actId="1076"/>
           <ac:picMkLst>
             <pc:docMk/>
             <pc:sldMk cId="67254046" sldId="280"/>
@@ -1432,6 +1442,148 @@
             <pc:docMk/>
             <pc:sldMk cId="67254046" sldId="280"/>
             <ac:picMk id="11" creationId="{49C7F333-D0CF-7EE6-8A8C-382573DE70D5}"/>
+          </ac:picMkLst>
+        </pc:picChg>
+      </pc:sldChg>
+      <pc:sldChg chg="delSp modSp add mod">
+        <pc:chgData name="Franz Andersch" userId="88b46490-1a31-494c-af6b-e252cc2a642d" providerId="ADAL" clId="{AB1E0CFC-1C57-4A1E-92D1-DAC8DD9182A6}" dt="2024-06-29T13:15:35.599" v="4460" actId="1076"/>
+        <pc:sldMkLst>
+          <pc:docMk/>
+          <pc:sldMk cId="2769262704" sldId="281"/>
+        </pc:sldMkLst>
+        <pc:spChg chg="mod">
+          <ac:chgData name="Franz Andersch" userId="88b46490-1a31-494c-af6b-e252cc2a642d" providerId="ADAL" clId="{AB1E0CFC-1C57-4A1E-92D1-DAC8DD9182A6}" dt="2024-06-29T10:25:25.336" v="4118" actId="20577"/>
+          <ac:spMkLst>
+            <pc:docMk/>
+            <pc:sldMk cId="2769262704" sldId="281"/>
+            <ac:spMk id="2" creationId="{388F7BA3-B785-BDE2-BAC6-74C1F53E9285}"/>
+          </ac:spMkLst>
+        </pc:spChg>
+        <pc:picChg chg="del">
+          <ac:chgData name="Franz Andersch" userId="88b46490-1a31-494c-af6b-e252cc2a642d" providerId="ADAL" clId="{AB1E0CFC-1C57-4A1E-92D1-DAC8DD9182A6}" dt="2024-06-29T10:48:01.958" v="4307" actId="478"/>
+          <ac:picMkLst>
+            <pc:docMk/>
+            <pc:sldMk cId="2769262704" sldId="281"/>
+            <ac:picMk id="4" creationId="{8EEA629F-03D6-6808-AE13-538CEEE92F91}"/>
+          </ac:picMkLst>
+        </pc:picChg>
+        <pc:picChg chg="del mod ord replST">
+          <ac:chgData name="Franz Andersch" userId="88b46490-1a31-494c-af6b-e252cc2a642d" providerId="ADAL" clId="{AB1E0CFC-1C57-4A1E-92D1-DAC8DD9182A6}" dt="2024-06-29T10:44:30.061" v="4178" actId="478"/>
+          <ac:picMkLst>
+            <pc:docMk/>
+            <pc:sldMk cId="2769262704" sldId="281"/>
+            <ac:picMk id="5" creationId="{C52B9957-881E-4998-0990-9BC82BA926FF}"/>
+          </ac:picMkLst>
+        </pc:picChg>
+        <pc:picChg chg="del mod ord replST">
+          <ac:chgData name="Franz Andersch" userId="88b46490-1a31-494c-af6b-e252cc2a642d" providerId="ADAL" clId="{AB1E0CFC-1C57-4A1E-92D1-DAC8DD9182A6}" dt="2024-06-29T10:46:10.750" v="4209" actId="478"/>
+          <ac:picMkLst>
+            <pc:docMk/>
+            <pc:sldMk cId="2769262704" sldId="281"/>
+            <ac:picMk id="7" creationId="{B618FBE9-327E-9070-7E1A-2902FF052045}"/>
+          </ac:picMkLst>
+        </pc:picChg>
+        <pc:picChg chg="del mod">
+          <ac:chgData name="Franz Andersch" userId="88b46490-1a31-494c-af6b-e252cc2a642d" providerId="ADAL" clId="{AB1E0CFC-1C57-4A1E-92D1-DAC8DD9182A6}" dt="2024-06-29T10:44:14.461" v="4147" actId="478"/>
+          <ac:picMkLst>
+            <pc:docMk/>
+            <pc:sldMk cId="2769262704" sldId="281"/>
+            <ac:picMk id="8" creationId="{597DD17C-7200-A8AE-517A-FBE4D22709E7}"/>
+          </ac:picMkLst>
+        </pc:picChg>
+        <pc:picChg chg="del mod ord replST">
+          <ac:chgData name="Franz Andersch" userId="88b46490-1a31-494c-af6b-e252cc2a642d" providerId="ADAL" clId="{AB1E0CFC-1C57-4A1E-92D1-DAC8DD9182A6}" dt="2024-06-29T10:46:30.946" v="4241" actId="478"/>
+          <ac:picMkLst>
+            <pc:docMk/>
+            <pc:sldMk cId="2769262704" sldId="281"/>
+            <ac:picMk id="10" creationId="{554F9ABC-5F84-CC5E-4C20-43745A547379}"/>
+          </ac:picMkLst>
+        </pc:picChg>
+        <pc:picChg chg="del mod ord replST">
+          <ac:chgData name="Franz Andersch" userId="88b46490-1a31-494c-af6b-e252cc2a642d" providerId="ADAL" clId="{AB1E0CFC-1C57-4A1E-92D1-DAC8DD9182A6}" dt="2024-06-29T10:47:34.400" v="4272" actId="478"/>
+          <ac:picMkLst>
+            <pc:docMk/>
+            <pc:sldMk cId="2769262704" sldId="281"/>
+            <ac:picMk id="12" creationId="{A2364F89-F619-035A-9B72-12D6CB185C4C}"/>
+          </ac:picMkLst>
+        </pc:picChg>
+        <pc:picChg chg="del mod ord replST">
+          <ac:chgData name="Franz Andersch" userId="88b46490-1a31-494c-af6b-e252cc2a642d" providerId="ADAL" clId="{AB1E0CFC-1C57-4A1E-92D1-DAC8DD9182A6}" dt="2024-06-29T10:47:53.104" v="4303" actId="478"/>
+          <ac:picMkLst>
+            <pc:docMk/>
+            <pc:sldMk cId="2769262704" sldId="281"/>
+            <ac:picMk id="14" creationId="{A1BA9A59-7E4C-9EFD-2430-B37BAC2025A0}"/>
+          </ac:picMkLst>
+        </pc:picChg>
+        <pc:picChg chg="del mod ord replST">
+          <ac:chgData name="Franz Andersch" userId="88b46490-1a31-494c-af6b-e252cc2a642d" providerId="ADAL" clId="{AB1E0CFC-1C57-4A1E-92D1-DAC8DD9182A6}" dt="2024-06-29T13:01:30.933" v="4335" actId="478"/>
+          <ac:picMkLst>
+            <pc:docMk/>
+            <pc:sldMk cId="2769262704" sldId="281"/>
+            <ac:picMk id="16" creationId="{14A3C90E-2BEE-BB45-F101-35D7456B7401}"/>
+          </ac:picMkLst>
+        </pc:picChg>
+        <pc:picChg chg="del mod ord replST">
+          <ac:chgData name="Franz Andersch" userId="88b46490-1a31-494c-af6b-e252cc2a642d" providerId="ADAL" clId="{AB1E0CFC-1C57-4A1E-92D1-DAC8DD9182A6}" dt="2024-06-29T13:01:48.381" v="4365" actId="478"/>
+          <ac:picMkLst>
+            <pc:docMk/>
+            <pc:sldMk cId="2769262704" sldId="281"/>
+            <ac:picMk id="18" creationId="{42A23872-884F-BAE5-E3E8-D8CDAEA515B4}"/>
+          </ac:picMkLst>
+        </pc:picChg>
+        <pc:picChg chg="del mod ord replST">
+          <ac:chgData name="Franz Andersch" userId="88b46490-1a31-494c-af6b-e252cc2a642d" providerId="ADAL" clId="{AB1E0CFC-1C57-4A1E-92D1-DAC8DD9182A6}" dt="2024-06-29T13:11:53.751" v="4395" actId="478"/>
+          <ac:picMkLst>
+            <pc:docMk/>
+            <pc:sldMk cId="2769262704" sldId="281"/>
+            <ac:picMk id="20" creationId="{F3D164E1-F7D3-A25E-8A24-D8DF5FCDA27C}"/>
+          </ac:picMkLst>
+        </pc:picChg>
+        <pc:picChg chg="del mod ord replST">
+          <ac:chgData name="Franz Andersch" userId="88b46490-1a31-494c-af6b-e252cc2a642d" providerId="ADAL" clId="{AB1E0CFC-1C57-4A1E-92D1-DAC8DD9182A6}" dt="2024-06-29T13:15:04.430" v="4425" actId="478"/>
+          <ac:picMkLst>
+            <pc:docMk/>
+            <pc:sldMk cId="2769262704" sldId="281"/>
+            <ac:picMk id="22" creationId="{FA622066-BBCB-7C0A-72FF-F5813AA81BEA}"/>
+          </ac:picMkLst>
+        </pc:picChg>
+        <pc:picChg chg="del mod ord replST">
+          <ac:chgData name="Franz Andersch" userId="88b46490-1a31-494c-af6b-e252cc2a642d" providerId="ADAL" clId="{AB1E0CFC-1C57-4A1E-92D1-DAC8DD9182A6}" dt="2024-06-29T13:15:21.464" v="4455" actId="478"/>
+          <ac:picMkLst>
+            <pc:docMk/>
+            <pc:sldMk cId="2769262704" sldId="281"/>
+            <ac:picMk id="24" creationId="{77BA06B4-6B7A-BB48-2429-33F248893F17}"/>
+          </ac:picMkLst>
+        </pc:picChg>
+        <pc:picChg chg="mod ord replST">
+          <ac:chgData name="Franz Andersch" userId="88b46490-1a31-494c-af6b-e252cc2a642d" providerId="ADAL" clId="{AB1E0CFC-1C57-4A1E-92D1-DAC8DD9182A6}" dt="2024-06-29T13:15:35.599" v="4460" actId="1076"/>
+          <ac:picMkLst>
+            <pc:docMk/>
+            <pc:sldMk cId="2769262704" sldId="281"/>
+            <ac:picMk id="26" creationId="{A113E1C0-614E-A3F0-54E6-2D3147FCC690}"/>
+          </ac:picMkLst>
+        </pc:picChg>
+      </pc:sldChg>
+      <pc:sldChg chg="delSp modSp add mod">
+        <pc:chgData name="Franz Andersch" userId="88b46490-1a31-494c-af6b-e252cc2a642d" providerId="ADAL" clId="{AB1E0CFC-1C57-4A1E-92D1-DAC8DD9182A6}" dt="2024-06-29T13:33:58.114" v="4491" actId="962"/>
+        <pc:sldMkLst>
+          <pc:docMk/>
+          <pc:sldMk cId="1208863920" sldId="282"/>
+        </pc:sldMkLst>
+        <pc:picChg chg="mod ord replST">
+          <ac:chgData name="Franz Andersch" userId="88b46490-1a31-494c-af6b-e252cc2a642d" providerId="ADAL" clId="{AB1E0CFC-1C57-4A1E-92D1-DAC8DD9182A6}" dt="2024-06-29T13:33:58.114" v="4491" actId="962"/>
+          <ac:picMkLst>
+            <pc:docMk/>
+            <pc:sldMk cId="1208863920" sldId="282"/>
+            <ac:picMk id="4" creationId="{BDF4531F-0542-2038-3616-A400689EFA21}"/>
+          </ac:picMkLst>
+        </pc:picChg>
+        <pc:picChg chg="del mod">
+          <ac:chgData name="Franz Andersch" userId="88b46490-1a31-494c-af6b-e252cc2a642d" providerId="ADAL" clId="{AB1E0CFC-1C57-4A1E-92D1-DAC8DD9182A6}" dt="2024-06-29T13:33:58.113" v="4489" actId="478"/>
+          <ac:picMkLst>
+            <pc:docMk/>
+            <pc:sldMk cId="1208863920" sldId="282"/>
+            <ac:picMk id="26" creationId="{A113E1C0-614E-A3F0-54E6-2D3147FCC690}"/>
           </ac:picMkLst>
         </pc:picChg>
       </pc:sldChg>
@@ -1550,7 +1702,7 @@
               <a:pPr>
                 <a:defRPr/>
               </a:pPr>
-              <a:t>28.06.2024</a:t>
+              <a:t>29.06.2024</a:t>
             </a:fld>
             <a:endParaRPr lang="de-DE"/>
           </a:p>
@@ -5938,12 +6090,53 @@
         </p:blipFill>
         <p:spPr>
           <a:xfrm>
-            <a:off x="539553" y="1203598"/>
+            <a:off x="539552" y="1563638"/>
             <a:ext cx="4437531" cy="1789664"/>
           </a:xfrm>
           <a:prstGeom prst="rect">
             <a:avLst/>
           </a:prstGeom>
+        </p:spPr>
+      </p:pic>
+      <p:pic>
+        <p:nvPicPr>
+          <p:cNvPr id="4" name="Grafik 3" descr="Ein Bild, das Reihe, Diagramm, Screenshot, Steigung enthält.&#10;&#10;Automatisch generierte Beschreibung">
+            <a:extLst>
+              <a:ext uri="{FF2B5EF4-FFF2-40B4-BE49-F238E27FC236}">
+                <a16:creationId xmlns:a16="http://schemas.microsoft.com/office/drawing/2014/main" id="{8EEA629F-03D6-6808-AE13-538CEEE92F91}"/>
+              </a:ext>
+            </a:extLst>
+          </p:cNvPr>
+          <p:cNvPicPr>
+            <a:picLocks noChangeAspect="1"/>
+          </p:cNvPicPr>
+          <p:nvPr/>
+        </p:nvPicPr>
+        <p:blipFill>
+          <a:blip r:embed="rId4">
+            <a:extLst>
+              <a:ext uri="{28A0092B-C50C-407E-A947-70E740481C1C}">
+                <a14:useLocalDpi xmlns:a14="http://schemas.microsoft.com/office/drawing/2010/main" val="0"/>
+              </a:ext>
+            </a:extLst>
+          </a:blip>
+          <a:stretch>
+            <a:fillRect/>
+          </a:stretch>
+        </p:blipFill>
+        <p:spPr>
+          <a:xfrm>
+            <a:off x="5148063" y="1188000"/>
+            <a:ext cx="3605704" cy="3074400"/>
+          </a:xfrm>
+          <a:prstGeom prst="rect">
+            <a:avLst/>
+          </a:prstGeom>
+          <a:ln w="3175">
+            <a:solidFill>
+              <a:schemeClr val="accent1"/>
+            </a:solidFill>
+          </a:ln>
         </p:spPr>
       </p:pic>
     </p:spTree>
@@ -5960,6 +6153,421 @@
 </file>
 
 <file path=ppt/slides/slide18.xml><?xml version="1.0" encoding="utf-8"?>
+<p:sld xmlns:a="http://schemas.openxmlformats.org/drawingml/2006/main" xmlns:r="http://schemas.openxmlformats.org/officeDocument/2006/relationships" xmlns:p="http://schemas.openxmlformats.org/presentationml/2006/main">
+  <p:cSld>
+    <p:spTree>
+      <p:nvGrpSpPr>
+        <p:cNvPr id="1" name=""/>
+        <p:cNvGrpSpPr/>
+        <p:nvPr/>
+      </p:nvGrpSpPr>
+      <p:grpSpPr>
+        <a:xfrm>
+          <a:off x="0" y="0"/>
+          <a:ext cx="0" cy="0"/>
+          <a:chOff x="0" y="0"/>
+          <a:chExt cx="0" cy="0"/>
+        </a:xfrm>
+      </p:grpSpPr>
+      <p:sp>
+        <p:nvSpPr>
+          <p:cNvPr id="2" name="Titel 1">
+            <a:extLst>
+              <a:ext uri="{FF2B5EF4-FFF2-40B4-BE49-F238E27FC236}">
+                <a16:creationId xmlns:a16="http://schemas.microsoft.com/office/drawing/2014/main" id="{388F7BA3-B785-BDE2-BAC6-74C1F53E9285}"/>
+              </a:ext>
+            </a:extLst>
+          </p:cNvPr>
+          <p:cNvSpPr>
+            <a:spLocks noGrp="1"/>
+          </p:cNvSpPr>
+          <p:nvPr>
+            <p:ph type="title"/>
+          </p:nvPr>
+        </p:nvSpPr>
+        <p:spPr/>
+        <p:txBody>
+          <a:bodyPr/>
+          <a:lstStyle/>
+          <a:p>
+            <a:r>
+              <a:rPr lang="de-DE" dirty="0" err="1"/>
+              <a:t>How</a:t>
+            </a:r>
+            <a:r>
+              <a:rPr lang="de-DE" dirty="0"/>
+              <a:t> </a:t>
+            </a:r>
+            <a:r>
+              <a:rPr lang="de-DE" dirty="0" err="1"/>
+              <a:t>it</a:t>
+            </a:r>
+            <a:r>
+              <a:rPr lang="de-DE" dirty="0"/>
+              <a:t> </a:t>
+            </a:r>
+            <a:r>
+              <a:rPr lang="de-DE" dirty="0" err="1"/>
+              <a:t>works</a:t>
+            </a:r>
+            <a:r>
+              <a:rPr lang="de-DE" dirty="0"/>
+              <a:t>: </a:t>
+            </a:r>
+            <a:r>
+              <a:rPr lang="de-DE" dirty="0" err="1"/>
+              <a:t>use</a:t>
+            </a:r>
+            <a:r>
+              <a:rPr lang="de-DE" dirty="0"/>
+              <a:t> </a:t>
+            </a:r>
+            <a:r>
+              <a:rPr lang="de-DE" dirty="0" err="1"/>
+              <a:t>of</a:t>
+            </a:r>
+            <a:r>
+              <a:rPr lang="de-DE" dirty="0"/>
+              <a:t> Kernels</a:t>
+            </a:r>
+          </a:p>
+        </p:txBody>
+      </p:sp>
+      <p:pic>
+        <p:nvPicPr>
+          <p:cNvPr id="26" name="Grafik 25" descr="\documentclass[20pt]{article}&#10;\usepackage{amsmath,amsfonts,amssymb,xcolor, mathtools}&#10;\pagestyle{empty}&#10;\usepackage[T1]{fontenc}&#10;\usepackage{fontspec}&#10;\setsansfont{Arial}&#10;\renewcommand\familydefault{\sfdefault}&#10;\begin{document}&#10;\begin{itemize}&#10;\item apply a transforming function (Kernel)\newline $K(\overline{x}_i \cdot \overline{x}_j)$ to the dot products in the\newline  maximization function &#10;\item some used Kernel functions are &#10;\begin{itemize}&#10;\item the plynomial kernel of order $d$: $K(\overline{x}_i,\overline{x}_j)=(1+ \overline{x}_i^\mathsf{T}\; \overline{x}_j)^d$&#10;\item the radial/gaussian Kernel:$K(\overline{x}_i,\overline{x}_j)=exp(-\gamma||\overline{x}_i- \overline{x}_j||^2)$&#10;\item sigmoid Kernel: $K(\overline{x}_i,\overline{x}_j)= \tanh(\gamma (\overline{x}_i^\mathsf{T}\; \overline{x}_j)+r)$&#10;\end{itemize}&#10;\end{itemize}&#10;\end{document}" title="IguanaTex Picture Display">
+            <a:extLst>
+              <a:ext uri="{FF2B5EF4-FFF2-40B4-BE49-F238E27FC236}">
+                <a16:creationId xmlns:a16="http://schemas.microsoft.com/office/drawing/2014/main" id="{A113E1C0-614E-A3F0-54E6-2D3147FCC690}"/>
+              </a:ext>
+            </a:extLst>
+          </p:cNvPr>
+          <p:cNvPicPr>
+            <a:picLocks noChangeAspect="1"/>
+          </p:cNvPicPr>
+          <p:nvPr>
+            <p:custDataLst>
+              <p:tags r:id="rId1"/>
+            </p:custDataLst>
+          </p:nvPr>
+        </p:nvPicPr>
+        <p:blipFill>
+          <a:blip r:embed="rId3">
+            <a:extLst>
+              <a:ext uri="{28A0092B-C50C-407E-A947-70E740481C1C}">
+                <a14:useLocalDpi xmlns:a14="http://schemas.microsoft.com/office/drawing/2010/main" val="0"/>
+              </a:ext>
+            </a:extLst>
+          </a:blip>
+          <a:stretch>
+            <a:fillRect/>
+          </a:stretch>
+        </p:blipFill>
+        <p:spPr>
+          <a:xfrm>
+            <a:off x="683568" y="1491630"/>
+            <a:ext cx="6540310" cy="2617283"/>
+          </a:xfrm>
+          <a:prstGeom prst="rect">
+            <a:avLst/>
+          </a:prstGeom>
+        </p:spPr>
+      </p:pic>
+    </p:spTree>
+    <p:extLst>
+      <p:ext uri="{BB962C8B-B14F-4D97-AF65-F5344CB8AC3E}">
+        <p14:creationId xmlns:p14="http://schemas.microsoft.com/office/powerpoint/2010/main" val="2769262704"/>
+      </p:ext>
+    </p:extLst>
+  </p:cSld>
+  <p:clrMapOvr>
+    <a:masterClrMapping/>
+  </p:clrMapOvr>
+</p:sld>
+</file>
+
+<file path=ppt/slides/slide19.xml><?xml version="1.0" encoding="utf-8"?>
+<p:sld xmlns:a="http://schemas.openxmlformats.org/drawingml/2006/main" xmlns:r="http://schemas.openxmlformats.org/officeDocument/2006/relationships" xmlns:p="http://schemas.openxmlformats.org/presentationml/2006/main">
+  <p:cSld>
+    <p:spTree>
+      <p:nvGrpSpPr>
+        <p:cNvPr id="1" name=""/>
+        <p:cNvGrpSpPr/>
+        <p:nvPr/>
+      </p:nvGrpSpPr>
+      <p:grpSpPr>
+        <a:xfrm>
+          <a:off x="0" y="0"/>
+          <a:ext cx="0" cy="0"/>
+          <a:chOff x="0" y="0"/>
+          <a:chExt cx="0" cy="0"/>
+        </a:xfrm>
+      </p:grpSpPr>
+      <p:sp>
+        <p:nvSpPr>
+          <p:cNvPr id="2" name="Titel 1">
+            <a:extLst>
+              <a:ext uri="{FF2B5EF4-FFF2-40B4-BE49-F238E27FC236}">
+                <a16:creationId xmlns:a16="http://schemas.microsoft.com/office/drawing/2014/main" id="{388F7BA3-B785-BDE2-BAC6-74C1F53E9285}"/>
+              </a:ext>
+            </a:extLst>
+          </p:cNvPr>
+          <p:cNvSpPr>
+            <a:spLocks noGrp="1"/>
+          </p:cNvSpPr>
+          <p:nvPr>
+            <p:ph type="title"/>
+          </p:nvPr>
+        </p:nvSpPr>
+        <p:spPr/>
+        <p:txBody>
+          <a:bodyPr/>
+          <a:lstStyle/>
+          <a:p>
+            <a:r>
+              <a:rPr lang="de-DE" dirty="0" err="1"/>
+              <a:t>How</a:t>
+            </a:r>
+            <a:r>
+              <a:rPr lang="de-DE" dirty="0"/>
+              <a:t> </a:t>
+            </a:r>
+            <a:r>
+              <a:rPr lang="de-DE" dirty="0" err="1"/>
+              <a:t>it</a:t>
+            </a:r>
+            <a:r>
+              <a:rPr lang="de-DE" dirty="0"/>
+              <a:t> </a:t>
+            </a:r>
+            <a:r>
+              <a:rPr lang="de-DE" dirty="0" err="1"/>
+              <a:t>works</a:t>
+            </a:r>
+            <a:r>
+              <a:rPr lang="de-DE" dirty="0"/>
+              <a:t>: </a:t>
+            </a:r>
+            <a:r>
+              <a:rPr lang="de-DE" dirty="0" err="1"/>
+              <a:t>use</a:t>
+            </a:r>
+            <a:r>
+              <a:rPr lang="de-DE" dirty="0"/>
+              <a:t> </a:t>
+            </a:r>
+            <a:r>
+              <a:rPr lang="de-DE" dirty="0" err="1"/>
+              <a:t>of</a:t>
+            </a:r>
+            <a:r>
+              <a:rPr lang="de-DE" dirty="0"/>
+              <a:t> Kernels</a:t>
+            </a:r>
+          </a:p>
+        </p:txBody>
+      </p:sp>
+      <p:pic>
+        <p:nvPicPr>
+          <p:cNvPr id="4" name="Grafik 3" descr="\documentclass[20pt]{article}&#10;\usepackage{amsmath,amsfonts,amssymb,xcolor, mathtools}&#10;\pagestyle{empty}&#10;\usepackage[T1]{fontenc}&#10;\usepackage{fontspec}&#10;\setsansfont{Arial}&#10;\renewcommand\familydefault{\sfdefault}&#10;\begin{document}&#10;\begin{itemize}&#10;\item bla&#10;\end{itemize}&#10;\end{document}" title="IguanaTex Picture Display">
+            <a:extLst>
+              <a:ext uri="{FF2B5EF4-FFF2-40B4-BE49-F238E27FC236}">
+                <a16:creationId xmlns:a16="http://schemas.microsoft.com/office/drawing/2014/main" id="{BDF4531F-0542-2038-3616-A400689EFA21}"/>
+              </a:ext>
+            </a:extLst>
+          </p:cNvPr>
+          <p:cNvPicPr>
+            <a:picLocks noChangeAspect="1"/>
+          </p:cNvPicPr>
+          <p:nvPr>
+            <p:custDataLst>
+              <p:tags r:id="rId1"/>
+            </p:custDataLst>
+          </p:nvPr>
+        </p:nvPicPr>
+        <p:blipFill>
+          <a:blip r:embed="rId3">
+            <a:extLst>
+              <a:ext uri="{28A0092B-C50C-407E-A947-70E740481C1C}">
+                <a14:useLocalDpi xmlns:a14="http://schemas.microsoft.com/office/drawing/2010/main" val="0"/>
+              </a:ext>
+            </a:extLst>
+          </a:blip>
+          <a:stretch>
+            <a:fillRect/>
+          </a:stretch>
+        </p:blipFill>
+        <p:spPr>
+          <a:xfrm>
+            <a:off x="683568" y="1491630"/>
+            <a:ext cx="485474" cy="183729"/>
+          </a:xfrm>
+          <a:prstGeom prst="rect">
+            <a:avLst/>
+          </a:prstGeom>
+        </p:spPr>
+      </p:pic>
+    </p:spTree>
+    <p:extLst>
+      <p:ext uri="{BB962C8B-B14F-4D97-AF65-F5344CB8AC3E}">
+        <p14:creationId xmlns:p14="http://schemas.microsoft.com/office/powerpoint/2010/main" val="1208863920"/>
+      </p:ext>
+    </p:extLst>
+  </p:cSld>
+  <p:clrMapOvr>
+    <a:masterClrMapping/>
+  </p:clrMapOvr>
+</p:sld>
+</file>
+
+<file path=ppt/slides/slide2.xml><?xml version="1.0" encoding="utf-8"?>
+<p:sld xmlns:a="http://schemas.openxmlformats.org/drawingml/2006/main" xmlns:r="http://schemas.openxmlformats.org/officeDocument/2006/relationships" xmlns:p="http://schemas.openxmlformats.org/presentationml/2006/main">
+  <p:cSld>
+    <p:spTree>
+      <p:nvGrpSpPr>
+        <p:cNvPr id="1" name=""/>
+        <p:cNvGrpSpPr/>
+        <p:nvPr/>
+      </p:nvGrpSpPr>
+      <p:grpSpPr>
+        <a:xfrm>
+          <a:off x="0" y="0"/>
+          <a:ext cx="0" cy="0"/>
+          <a:chOff x="0" y="0"/>
+          <a:chExt cx="0" cy="0"/>
+        </a:xfrm>
+      </p:grpSpPr>
+      <p:sp>
+        <p:nvSpPr>
+          <p:cNvPr id="3074" name="Titel 1">
+            <a:extLst>
+              <a:ext uri="{FF2B5EF4-FFF2-40B4-BE49-F238E27FC236}">
+                <a16:creationId xmlns:a16="http://schemas.microsoft.com/office/drawing/2014/main" id="{6DDB2B67-49B5-A2AD-F20E-5F73AC373BB3}"/>
+              </a:ext>
+            </a:extLst>
+          </p:cNvPr>
+          <p:cNvSpPr>
+            <a:spLocks noGrp="1"/>
+          </p:cNvSpPr>
+          <p:nvPr>
+            <p:ph type="title"/>
+          </p:nvPr>
+        </p:nvSpPr>
+        <p:spPr bwMode="auto">
+          <a:xfrm>
+            <a:off x="395288" y="268288"/>
+            <a:ext cx="7345362" cy="857250"/>
+          </a:xfrm>
+          <a:noFill/>
+          <a:extLst>
+            <a:ext uri="{909E8E84-426E-40DD-AFC4-6F175D3DCCD1}">
+              <a14:hiddenFill xmlns:a14="http://schemas.microsoft.com/office/drawing/2010/main">
+                <a:solidFill>
+                  <a:srgbClr val="FFFFFF"/>
+                </a:solidFill>
+              </a14:hiddenFill>
+            </a:ext>
+            <a:ext uri="{91240B29-F687-4F45-9708-019B960494DF}">
+              <a14:hiddenLine xmlns:a14="http://schemas.microsoft.com/office/drawing/2010/main" w="9525">
+                <a:solidFill>
+                  <a:srgbClr val="000000"/>
+                </a:solidFill>
+                <a:miter lim="800000"/>
+                <a:headEnd/>
+                <a:tailEnd/>
+              </a14:hiddenLine>
+            </a:ext>
+          </a:extLst>
+        </p:spPr>
+        <p:txBody>
+          <a:bodyPr vert="horz" wrap="square" lIns="91440" tIns="45720" rIns="91440" bIns="45720" numCol="1" anchor="t" anchorCtr="0" compatLnSpc="1">
+            <a:prstTxWarp prst="textNoShape">
+              <a:avLst/>
+            </a:prstTxWarp>
+          </a:bodyPr>
+          <a:lstStyle/>
+          <a:p>
+            <a:r>
+              <a:rPr lang="de-DE" altLang="de-DE" dirty="0" err="1">
+                <a:latin typeface="Arial" panose="020B0604020202020204" pitchFamily="34" charset="0"/>
+              </a:rPr>
+              <a:t>Introduction</a:t>
+            </a:r>
+            <a:endParaRPr lang="de-DE" altLang="de-DE" dirty="0">
+              <a:latin typeface="Arial" panose="020B0604020202020204" pitchFamily="34" charset="0"/>
+            </a:endParaRPr>
+          </a:p>
+        </p:txBody>
+      </p:sp>
+      <p:sp>
+        <p:nvSpPr>
+          <p:cNvPr id="3075" name="Inhaltsplatzhalter 2">
+            <a:extLst>
+              <a:ext uri="{FF2B5EF4-FFF2-40B4-BE49-F238E27FC236}">
+                <a16:creationId xmlns:a16="http://schemas.microsoft.com/office/drawing/2014/main" id="{E23334FB-955A-D960-40EB-30BE064797D7}"/>
+              </a:ext>
+            </a:extLst>
+          </p:cNvPr>
+          <p:cNvSpPr>
+            <a:spLocks noGrp="1"/>
+          </p:cNvSpPr>
+          <p:nvPr>
+            <p:ph idx="1"/>
+          </p:nvPr>
+        </p:nvSpPr>
+        <p:spPr bwMode="auto">
+          <a:xfrm>
+            <a:off x="395288" y="1354138"/>
+            <a:ext cx="7345362" cy="2663825"/>
+          </a:xfrm>
+          <a:noFill/>
+          <a:extLst>
+            <a:ext uri="{909E8E84-426E-40DD-AFC4-6F175D3DCCD1}">
+              <a14:hiddenFill xmlns:a14="http://schemas.microsoft.com/office/drawing/2010/main">
+                <a:solidFill>
+                  <a:srgbClr val="FFFFFF"/>
+                </a:solidFill>
+              </a14:hiddenFill>
+            </a:ext>
+            <a:ext uri="{91240B29-F687-4F45-9708-019B960494DF}">
+              <a14:hiddenLine xmlns:a14="http://schemas.microsoft.com/office/drawing/2010/main" w="9525">
+                <a:solidFill>
+                  <a:srgbClr val="000000"/>
+                </a:solidFill>
+                <a:miter lim="800000"/>
+                <a:headEnd/>
+                <a:tailEnd/>
+              </a14:hiddenLine>
+            </a:ext>
+          </a:extLst>
+        </p:spPr>
+        <p:txBody>
+          <a:bodyPr vert="horz" wrap="square" lIns="91440" tIns="45720" rIns="91440" bIns="45720" numCol="1" anchor="t" anchorCtr="0" compatLnSpc="1">
+            <a:prstTxWarp prst="textNoShape">
+              <a:avLst/>
+            </a:prstTxWarp>
+          </a:bodyPr>
+          <a:lstStyle/>
+          <a:p>
+            <a:pPr marL="0" indent="0">
+              <a:buFontTx/>
+              <a:buNone/>
+            </a:pPr>
+            <a:endParaRPr lang="de-DE" altLang="de-DE" sz="2000" dirty="0">
+              <a:latin typeface="Arial" panose="020B0604020202020204" pitchFamily="34" charset="0"/>
+            </a:endParaRPr>
+          </a:p>
+        </p:txBody>
+      </p:sp>
+    </p:spTree>
+  </p:cSld>
+  <p:clrMapOvr>
+    <a:masterClrMapping/>
+  </p:clrMapOvr>
+</p:sld>
+</file>
+
+<file path=ppt/slides/slide20.xml><?xml version="1.0" encoding="utf-8"?>
 <p:sld xmlns:a="http://schemas.openxmlformats.org/drawingml/2006/main" xmlns:r="http://schemas.openxmlformats.org/officeDocument/2006/relationships" xmlns:p="http://schemas.openxmlformats.org/presentationml/2006/main">
   <p:cSld>
     <p:spTree>
@@ -6728,7 +7336,7 @@
 </p:sld>
 </file>
 
-<file path=ppt/slides/slide19.xml><?xml version="1.0" encoding="utf-8"?>
+<file path=ppt/slides/slide21.xml><?xml version="1.0" encoding="utf-8"?>
 <p:sld xmlns:a="http://schemas.openxmlformats.org/drawingml/2006/main" xmlns:r="http://schemas.openxmlformats.org/officeDocument/2006/relationships" xmlns:p="http://schemas.openxmlformats.org/presentationml/2006/main">
   <p:cSld>
     <p:spTree>
@@ -6844,154 +7452,7 @@
 </p:sld>
 </file>
 
-<file path=ppt/slides/slide2.xml><?xml version="1.0" encoding="utf-8"?>
-<p:sld xmlns:a="http://schemas.openxmlformats.org/drawingml/2006/main" xmlns:r="http://schemas.openxmlformats.org/officeDocument/2006/relationships" xmlns:p="http://schemas.openxmlformats.org/presentationml/2006/main">
-  <p:cSld>
-    <p:spTree>
-      <p:nvGrpSpPr>
-        <p:cNvPr id="1" name=""/>
-        <p:cNvGrpSpPr/>
-        <p:nvPr/>
-      </p:nvGrpSpPr>
-      <p:grpSpPr>
-        <a:xfrm>
-          <a:off x="0" y="0"/>
-          <a:ext cx="0" cy="0"/>
-          <a:chOff x="0" y="0"/>
-          <a:chExt cx="0" cy="0"/>
-        </a:xfrm>
-      </p:grpSpPr>
-      <p:sp>
-        <p:nvSpPr>
-          <p:cNvPr id="3074" name="Titel 1">
-            <a:extLst>
-              <a:ext uri="{FF2B5EF4-FFF2-40B4-BE49-F238E27FC236}">
-                <a16:creationId xmlns:a16="http://schemas.microsoft.com/office/drawing/2014/main" id="{6DDB2B67-49B5-A2AD-F20E-5F73AC373BB3}"/>
-              </a:ext>
-            </a:extLst>
-          </p:cNvPr>
-          <p:cNvSpPr>
-            <a:spLocks noGrp="1"/>
-          </p:cNvSpPr>
-          <p:nvPr>
-            <p:ph type="title"/>
-          </p:nvPr>
-        </p:nvSpPr>
-        <p:spPr bwMode="auto">
-          <a:xfrm>
-            <a:off x="395288" y="268288"/>
-            <a:ext cx="7345362" cy="857250"/>
-          </a:xfrm>
-          <a:noFill/>
-          <a:extLst>
-            <a:ext uri="{909E8E84-426E-40DD-AFC4-6F175D3DCCD1}">
-              <a14:hiddenFill xmlns:a14="http://schemas.microsoft.com/office/drawing/2010/main">
-                <a:solidFill>
-                  <a:srgbClr val="FFFFFF"/>
-                </a:solidFill>
-              </a14:hiddenFill>
-            </a:ext>
-            <a:ext uri="{91240B29-F687-4F45-9708-019B960494DF}">
-              <a14:hiddenLine xmlns:a14="http://schemas.microsoft.com/office/drawing/2010/main" w="9525">
-                <a:solidFill>
-                  <a:srgbClr val="000000"/>
-                </a:solidFill>
-                <a:miter lim="800000"/>
-                <a:headEnd/>
-                <a:tailEnd/>
-              </a14:hiddenLine>
-            </a:ext>
-          </a:extLst>
-        </p:spPr>
-        <p:txBody>
-          <a:bodyPr vert="horz" wrap="square" lIns="91440" tIns="45720" rIns="91440" bIns="45720" numCol="1" anchor="t" anchorCtr="0" compatLnSpc="1">
-            <a:prstTxWarp prst="textNoShape">
-              <a:avLst/>
-            </a:prstTxWarp>
-          </a:bodyPr>
-          <a:lstStyle/>
-          <a:p>
-            <a:r>
-              <a:rPr lang="de-DE" altLang="de-DE" dirty="0" err="1">
-                <a:latin typeface="Arial" panose="020B0604020202020204" pitchFamily="34" charset="0"/>
-              </a:rPr>
-              <a:t>Introduction</a:t>
-            </a:r>
-            <a:endParaRPr lang="de-DE" altLang="de-DE" dirty="0">
-              <a:latin typeface="Arial" panose="020B0604020202020204" pitchFamily="34" charset="0"/>
-            </a:endParaRPr>
-          </a:p>
-        </p:txBody>
-      </p:sp>
-      <p:sp>
-        <p:nvSpPr>
-          <p:cNvPr id="3075" name="Inhaltsplatzhalter 2">
-            <a:extLst>
-              <a:ext uri="{FF2B5EF4-FFF2-40B4-BE49-F238E27FC236}">
-                <a16:creationId xmlns:a16="http://schemas.microsoft.com/office/drawing/2014/main" id="{E23334FB-955A-D960-40EB-30BE064797D7}"/>
-              </a:ext>
-            </a:extLst>
-          </p:cNvPr>
-          <p:cNvSpPr>
-            <a:spLocks noGrp="1"/>
-          </p:cNvSpPr>
-          <p:nvPr>
-            <p:ph idx="1"/>
-          </p:nvPr>
-        </p:nvSpPr>
-        <p:spPr bwMode="auto">
-          <a:xfrm>
-            <a:off x="395288" y="1354138"/>
-            <a:ext cx="7345362" cy="2663825"/>
-          </a:xfrm>
-          <a:noFill/>
-          <a:extLst>
-            <a:ext uri="{909E8E84-426E-40DD-AFC4-6F175D3DCCD1}">
-              <a14:hiddenFill xmlns:a14="http://schemas.microsoft.com/office/drawing/2010/main">
-                <a:solidFill>
-                  <a:srgbClr val="FFFFFF"/>
-                </a:solidFill>
-              </a14:hiddenFill>
-            </a:ext>
-            <a:ext uri="{91240B29-F687-4F45-9708-019B960494DF}">
-              <a14:hiddenLine xmlns:a14="http://schemas.microsoft.com/office/drawing/2010/main" w="9525">
-                <a:solidFill>
-                  <a:srgbClr val="000000"/>
-                </a:solidFill>
-                <a:miter lim="800000"/>
-                <a:headEnd/>
-                <a:tailEnd/>
-              </a14:hiddenLine>
-            </a:ext>
-          </a:extLst>
-        </p:spPr>
-        <p:txBody>
-          <a:bodyPr vert="horz" wrap="square" lIns="91440" tIns="45720" rIns="91440" bIns="45720" numCol="1" anchor="t" anchorCtr="0" compatLnSpc="1">
-            <a:prstTxWarp prst="textNoShape">
-              <a:avLst/>
-            </a:prstTxWarp>
-          </a:bodyPr>
-          <a:lstStyle/>
-          <a:p>
-            <a:pPr marL="0" indent="0">
-              <a:buFontTx/>
-              <a:buNone/>
-            </a:pPr>
-            <a:endParaRPr lang="de-DE" altLang="de-DE" sz="2000" dirty="0">
-              <a:latin typeface="Arial" panose="020B0604020202020204" pitchFamily="34" charset="0"/>
-            </a:endParaRPr>
-          </a:p>
-        </p:txBody>
-      </p:sp>
-    </p:spTree>
-  </p:cSld>
-  <p:clrMapOvr>
-    <a:masterClrMapping/>
-  </p:clrMapOvr>
-</p:sld>
-</file>
-
-<file path=ppt/slides/slide20.xml><?xml version="1.0" encoding="utf-8"?>
+<file path=ppt/slides/slide22.xml><?xml version="1.0" encoding="utf-8"?>
 <p:sld xmlns:a="http://schemas.openxmlformats.org/drawingml/2006/main" xmlns:r="http://schemas.openxmlformats.org/officeDocument/2006/relationships" xmlns:p="http://schemas.openxmlformats.org/presentationml/2006/main">
   <p:cSld>
     <p:spTree>
@@ -7107,7 +7568,7 @@
 </p:sld>
 </file>
 
-<file path=ppt/slides/slide21.xml><?xml version="1.0" encoding="utf-8"?>
+<file path=ppt/slides/slide23.xml><?xml version="1.0" encoding="utf-8"?>
 <p:sld xmlns:a="http://schemas.openxmlformats.org/drawingml/2006/main" xmlns:r="http://schemas.openxmlformats.org/officeDocument/2006/relationships" xmlns:p="http://schemas.openxmlformats.org/presentationml/2006/main">
   <p:cSld>
     <p:spTree>
@@ -7377,7 +7838,7 @@
 </p:sld>
 </file>
 
-<file path=ppt/slides/slide22.xml><?xml version="1.0" encoding="utf-8"?>
+<file path=ppt/slides/slide24.xml><?xml version="1.0" encoding="utf-8"?>
 <p:sld xmlns:a="http://schemas.openxmlformats.org/drawingml/2006/main" xmlns:r="http://schemas.openxmlformats.org/officeDocument/2006/relationships" xmlns:p="http://schemas.openxmlformats.org/presentationml/2006/main">
   <p:cSld>
     <p:spTree>
@@ -7587,7 +8048,7 @@
 </p:sld>
 </file>
 
-<file path=ppt/slides/slide23.xml><?xml version="1.0" encoding="utf-8"?>
+<file path=ppt/slides/slide25.xml><?xml version="1.0" encoding="utf-8"?>
 <p:sld xmlns:a="http://schemas.openxmlformats.org/drawingml/2006/main" xmlns:r="http://schemas.openxmlformats.org/officeDocument/2006/relationships" xmlns:p="http://schemas.openxmlformats.org/presentationml/2006/main">
   <p:cSld>
     <p:spTree>
@@ -7717,7 +8178,7 @@
 </p:sld>
 </file>
 
-<file path=ppt/slides/slide24.xml><?xml version="1.0" encoding="utf-8"?>
+<file path=ppt/slides/slide26.xml><?xml version="1.0" encoding="utf-8"?>
 <p:sld xmlns:a="http://schemas.openxmlformats.org/drawingml/2006/main" xmlns:r="http://schemas.openxmlformats.org/officeDocument/2006/relationships" xmlns:p="http://schemas.openxmlformats.org/presentationml/2006/main">
   <p:cSld>
     <p:spTree>
@@ -9476,7 +9937,7 @@
         <p:spPr>
           <a:xfrm>
             <a:off x="5148000" y="1188000"/>
-            <a:ext cx="3597930" cy="3042000"/>
+            <a:ext cx="3636251" cy="3074400"/>
           </a:xfrm>
           <a:prstGeom prst="rect">
             <a:avLst/>
@@ -9702,6 +10163,46 @@
   <p:tag name="LATEXADDIN" val="\documentclass[20pt]{article}&#10;\usepackage{amsmath,amsfonts,amssymb,xcolor, mathtools}&#10;\pagestyle{empty}&#10;\usepackage[T1]{fontenc}&#10;\usepackage{fontspec}&#10;\setsansfont{Arial}&#10;\renewcommand\familydefault{\sfdefault}&#10;\begin{document}&#10;\begin{itemize}&#10;\item in some cases even a linear decision \newline boundary with soft margin is not suitable &#10;\item enlarging the feature space by introducing\newline polynomials of the predictor variables&#10;\item \textbf{But}: computationally very demanding &#10;\end{itemize}&#10;\end{document}"/>
   <p:tag name="IGUANATEXSIZE" val="18"/>
   <p:tag name="IGUANATEXCURSOR" val="395"/>
+  <p:tag name="TRANSPARENCY" val="Wahr"/>
+  <p:tag name="LATEXENGINEID" val="2"/>
+  <p:tag name="TEMPFOLDER" val="E:\Dokumente\temp\"/>
+  <p:tag name="LATEXFORMHEIGHT" val="320"/>
+  <p:tag name="LATEXFORMWIDTH" val="385"/>
+  <p:tag name="LATEXFORMWRAP" val="Wahr"/>
+  <p:tag name="BITMAPVECTOR" val="0"/>
+</p:tagLst>
+</file>
+
+<file path=ppt/tags/tag13.xml><?xml version="1.0" encoding="utf-8"?>
+<p:tagLst xmlns:a="http://schemas.openxmlformats.org/drawingml/2006/main" xmlns:r="http://schemas.openxmlformats.org/officeDocument/2006/relationships" xmlns:p="http://schemas.openxmlformats.org/presentationml/2006/main">
+  <p:tag name="OUTPUTDPI" val="1200"/>
+  <p:tag name="ORIGINALHEIGHT" val="1325,435"/>
+  <p:tag name="ORIGINALWIDTH" val="3547,995"/>
+  <p:tag name="OUTPUTTYPE" val="PNG"/>
+  <p:tag name="IGUANATEXVERSION" val="161"/>
+  <p:tag name="LATEXADDIN" val="\documentclass[20pt]{article}&#10;\usepackage{amsmath,amsfonts,amssymb,xcolor, mathtools}&#10;\pagestyle{empty}&#10;\usepackage[T1]{fontenc}&#10;\usepackage{fontspec}&#10;\setsansfont{Arial}&#10;\renewcommand\familydefault{\sfdefault}&#10;\begin{document}&#10;\begin{itemize}&#10;\item apply a transforming function (Kernel)\newline $K(\overline{x}_i \cdot \overline{x}_j)$ to the dot products in the\newline  maximization function &#10;\item some used Kernel functions are &#10;\begin{itemize}&#10;\item the plynomial kernel of order $d$: $K(\overline{x}_i,\overline{x}_j)=(1+ \overline{x}_i^\mathsf{T}\; \overline{x}_j)^d$&#10;\item the radial/gaussian Kernel:$K(\overline{x}_i,\overline{x}_j)=exp(-\gamma||\overline{x}_i- \overline{x}_j||^2)$&#10;\item sigmoid Kernel: $K(\overline{x}_i,\overline{x}_j)= \tanh(\gamma (\overline{x}_i^\mathsf{T}\; \overline{x}_j)+r)$&#10;\end{itemize}&#10;\end{itemize}&#10;\end{document}"/>
+  <p:tag name="IGUANATEXSIZE" val="18"/>
+  <p:tag name="IGUANATEXCURSOR" val="764"/>
+  <p:tag name="TRANSPARENCY" val="Wahr"/>
+  <p:tag name="LATEXENGINEID" val="2"/>
+  <p:tag name="TEMPFOLDER" val="E:\Dokumente\temp\"/>
+  <p:tag name="LATEXFORMHEIGHT" val="320"/>
+  <p:tag name="LATEXFORMWIDTH" val="385"/>
+  <p:tag name="LATEXFORMWRAP" val="Wahr"/>
+  <p:tag name="BITMAPVECTOR" val="0"/>
+</p:tagLst>
+</file>
+
+<file path=ppt/tags/tag14.xml><?xml version="1.0" encoding="utf-8"?>
+<p:tagLst xmlns:a="http://schemas.openxmlformats.org/drawingml/2006/main" xmlns:r="http://schemas.openxmlformats.org/officeDocument/2006/relationships" xmlns:p="http://schemas.openxmlformats.org/presentationml/2006/main">
+  <p:tag name="OUTPUTDPI" val="1200"/>
+  <p:tag name="ORIGINALHEIGHT" val="93,01299"/>
+  <p:tag name="ORIGINALWIDTH" val="263,2868"/>
+  <p:tag name="OUTPUTTYPE" val="PNG"/>
+  <p:tag name="IGUANATEXVERSION" val="161"/>
+  <p:tag name="LATEXADDIN" val="\documentclass[20pt]{article}&#10;\usepackage{amsmath,amsfonts,amssymb,xcolor, mathtools}&#10;\pagestyle{empty}&#10;\usepackage[T1]{fontenc}&#10;\usepackage{fontspec}&#10;\setsansfont{Arial}&#10;\renewcommand\familydefault{\sfdefault}&#10;\begin{document}&#10;\begin{itemize}&#10;\item bla&#10;\end{itemize}&#10;\end{document}"/>
+  <p:tag name="IGUANATEXSIZE" val="18"/>
+  <p:tag name="IGUANATEXCURSOR" val="249"/>
   <p:tag name="TRANSPARENCY" val="Wahr"/>
   <p:tag name="LATEXENGINEID" val="2"/>
   <p:tag name="TEMPFOLDER" val="E:\Dokumente\temp\"/>

--- a/Präsentation/Support Vector Machines.pptx
+++ b/Präsentation/Support Vector Machines.pptx
@@ -173,7 +173,7 @@
 <file path=ppt/revisionInfo.xml><?xml version="1.0" encoding="utf-8"?>
 <p1510:revInfo xmlns:a="http://schemas.openxmlformats.org/drawingml/2006/main" xmlns:r="http://schemas.openxmlformats.org/officeDocument/2006/relationships" xmlns:p1510="http://schemas.microsoft.com/office/powerpoint/2015/10/main">
   <p1510:revLst>
-    <p1510:client id="{AB1E0CFC-1C57-4A1E-92D1-DAC8DD9182A6}" v="2392" dt="2024-06-29T13:33:58.114"/>
+    <p1510:client id="{AB1E0CFC-1C57-4A1E-92D1-DAC8DD9182A6}" v="2464" dt="2024-06-29T13:45:13.617"/>
   </p1510:revLst>
 </p1510:revInfo>
 </file>
@@ -183,7 +183,7 @@
   <pc:docChgLst>
     <pc:chgData name="Franz Andersch" userId="88b46490-1a31-494c-af6b-e252cc2a642d" providerId="ADAL" clId="{AB1E0CFC-1C57-4A1E-92D1-DAC8DD9182A6}"/>
     <pc:docChg chg="undo redo custSel addSld delSld modSld sldOrd">
-      <pc:chgData name="Franz Andersch" userId="88b46490-1a31-494c-af6b-e252cc2a642d" providerId="ADAL" clId="{AB1E0CFC-1C57-4A1E-92D1-DAC8DD9182A6}" dt="2024-06-29T13:33:58.114" v="4491" actId="962"/>
+      <pc:chgData name="Franz Andersch" userId="88b46490-1a31-494c-af6b-e252cc2a642d" providerId="ADAL" clId="{AB1E0CFC-1C57-4A1E-92D1-DAC8DD9182A6}" dt="2024-06-29T13:45:13.616" v="4612" actId="962"/>
       <pc:docMkLst>
         <pc:docMk/>
       </pc:docMkLst>
@@ -1565,17 +1565,49 @@
         </pc:picChg>
       </pc:sldChg>
       <pc:sldChg chg="delSp modSp add mod">
-        <pc:chgData name="Franz Andersch" userId="88b46490-1a31-494c-af6b-e252cc2a642d" providerId="ADAL" clId="{AB1E0CFC-1C57-4A1E-92D1-DAC8DD9182A6}" dt="2024-06-29T13:33:58.114" v="4491" actId="962"/>
+        <pc:chgData name="Franz Andersch" userId="88b46490-1a31-494c-af6b-e252cc2a642d" providerId="ADAL" clId="{AB1E0CFC-1C57-4A1E-92D1-DAC8DD9182A6}" dt="2024-06-29T13:45:13.616" v="4612" actId="962"/>
         <pc:sldMkLst>
           <pc:docMk/>
           <pc:sldMk cId="1208863920" sldId="282"/>
         </pc:sldMkLst>
-        <pc:picChg chg="mod ord replST">
-          <ac:chgData name="Franz Andersch" userId="88b46490-1a31-494c-af6b-e252cc2a642d" providerId="ADAL" clId="{AB1E0CFC-1C57-4A1E-92D1-DAC8DD9182A6}" dt="2024-06-29T13:33:58.114" v="4491" actId="962"/>
+        <pc:picChg chg="del mod ord replST">
+          <ac:chgData name="Franz Andersch" userId="88b46490-1a31-494c-af6b-e252cc2a642d" providerId="ADAL" clId="{AB1E0CFC-1C57-4A1E-92D1-DAC8DD9182A6}" dt="2024-06-29T13:39:31.097" v="4519" actId="478"/>
           <ac:picMkLst>
             <pc:docMk/>
             <pc:sldMk cId="1208863920" sldId="282"/>
             <ac:picMk id="4" creationId="{BDF4531F-0542-2038-3616-A400689EFA21}"/>
+          </ac:picMkLst>
+        </pc:picChg>
+        <pc:picChg chg="del mod ord replST">
+          <ac:chgData name="Franz Andersch" userId="88b46490-1a31-494c-af6b-e252cc2a642d" providerId="ADAL" clId="{AB1E0CFC-1C57-4A1E-92D1-DAC8DD9182A6}" dt="2024-06-29T13:44:07.666" v="4549" actId="478"/>
+          <ac:picMkLst>
+            <pc:docMk/>
+            <pc:sldMk cId="1208863920" sldId="282"/>
+            <ac:picMk id="5" creationId="{1F3C24A9-9740-723A-F14E-B274E9E4D36A}"/>
+          </ac:picMkLst>
+        </pc:picChg>
+        <pc:picChg chg="del mod ord replST">
+          <ac:chgData name="Franz Andersch" userId="88b46490-1a31-494c-af6b-e252cc2a642d" providerId="ADAL" clId="{AB1E0CFC-1C57-4A1E-92D1-DAC8DD9182A6}" dt="2024-06-29T13:44:56.094" v="4579" actId="478"/>
+          <ac:picMkLst>
+            <pc:docMk/>
+            <pc:sldMk cId="1208863920" sldId="282"/>
+            <ac:picMk id="7" creationId="{9D0EF0ED-B810-6A2A-2BE1-149DF40090CA}"/>
+          </ac:picMkLst>
+        </pc:picChg>
+        <pc:picChg chg="del mod ord replST">
+          <ac:chgData name="Franz Andersch" userId="88b46490-1a31-494c-af6b-e252cc2a642d" providerId="ADAL" clId="{AB1E0CFC-1C57-4A1E-92D1-DAC8DD9182A6}" dt="2024-06-29T13:45:13.615" v="4610" actId="478"/>
+          <ac:picMkLst>
+            <pc:docMk/>
+            <pc:sldMk cId="1208863920" sldId="282"/>
+            <ac:picMk id="9" creationId="{F25B4257-2FB3-6E59-B345-01CD6C405F3E}"/>
+          </ac:picMkLst>
+        </pc:picChg>
+        <pc:picChg chg="mod ord replST">
+          <ac:chgData name="Franz Andersch" userId="88b46490-1a31-494c-af6b-e252cc2a642d" providerId="ADAL" clId="{AB1E0CFC-1C57-4A1E-92D1-DAC8DD9182A6}" dt="2024-06-29T13:45:13.616" v="4612" actId="962"/>
+          <ac:picMkLst>
+            <pc:docMk/>
+            <pc:sldMk cId="1208863920" sldId="282"/>
+            <ac:picMk id="11" creationId="{BCC2E1D0-7729-C292-11EB-21117805E966}"/>
           </ac:picMkLst>
         </pc:picChg>
         <pc:picChg chg="del mod">
@@ -6369,10 +6401,10 @@
       </p:sp>
       <p:pic>
         <p:nvPicPr>
-          <p:cNvPr id="4" name="Grafik 3" descr="\documentclass[20pt]{article}&#10;\usepackage{amsmath,amsfonts,amssymb,xcolor, mathtools}&#10;\pagestyle{empty}&#10;\usepackage[T1]{fontenc}&#10;\usepackage{fontspec}&#10;\setsansfont{Arial}&#10;\renewcommand\familydefault{\sfdefault}&#10;\begin{document}&#10;\begin{itemize}&#10;\item bla&#10;\end{itemize}&#10;\end{document}" title="IguanaTex Picture Display">
+          <p:cNvPr id="11" name="Grafik 10" descr="\documentclass[20pt]{article}&#10;\usepackage{amsmath,amsfonts,amssymb,xcolor, mathtools}&#10;\pagestyle{empty}&#10;\usepackage[T1]{fontenc}&#10;\usepackage{fontspec}&#10;\setsansfont{Arial}&#10;\renewcommand\familydefault{\sfdefault}&#10;\begin{document}&#10;\begin{itemize}&#10;\item the decision rule for an unknown vector $\overline{u}$ needs some adjustement\newline&#10;$ f(\overline{u})=\sum_{i=1}^n \alpha_i y_i K(\overline{x}_i,\overline{u})+\beta_0$&#10;\item the decision rule is the same as in the linear case&#10;\end{itemize}&#10;\end{document}" title="IguanaTex Picture Display">
             <a:extLst>
               <a:ext uri="{FF2B5EF4-FFF2-40B4-BE49-F238E27FC236}">
-                <a16:creationId xmlns:a16="http://schemas.microsoft.com/office/drawing/2014/main" id="{BDF4531F-0542-2038-3616-A400689EFA21}"/>
+                <a16:creationId xmlns:a16="http://schemas.microsoft.com/office/drawing/2014/main" id="{BCC2E1D0-7729-C292-11EB-21117805E966}"/>
               </a:ext>
             </a:extLst>
           </p:cNvPr>
@@ -6399,8 +6431,8 @@
         </p:blipFill>
         <p:spPr>
           <a:xfrm>
-            <a:off x="683568" y="1491630"/>
-            <a:ext cx="485474" cy="183729"/>
+            <a:off x="683568" y="1923678"/>
+            <a:ext cx="7018857" cy="979922"/>
           </a:xfrm>
           <a:prstGeom prst="rect">
             <a:avLst/>
@@ -10196,13 +10228,13 @@
 <file path=ppt/tags/tag14.xml><?xml version="1.0" encoding="utf-8"?>
 <p:tagLst xmlns:a="http://schemas.openxmlformats.org/drawingml/2006/main" xmlns:r="http://schemas.openxmlformats.org/officeDocument/2006/relationships" xmlns:p="http://schemas.openxmlformats.org/presentationml/2006/main">
   <p:tag name="OUTPUTDPI" val="1200"/>
-  <p:tag name="ORIGINALHEIGHT" val="93,01299"/>
-  <p:tag name="ORIGINALWIDTH" val="263,2868"/>
+  <p:tag name="ORIGINALHEIGHT" val="492,8187"/>
+  <p:tag name="ORIGINALWIDTH" val="3800,03"/>
   <p:tag name="OUTPUTTYPE" val="PNG"/>
   <p:tag name="IGUANATEXVERSION" val="161"/>
-  <p:tag name="LATEXADDIN" val="\documentclass[20pt]{article}&#10;\usepackage{amsmath,amsfonts,amssymb,xcolor, mathtools}&#10;\pagestyle{empty}&#10;\usepackage[T1]{fontenc}&#10;\usepackage{fontspec}&#10;\setsansfont{Arial}&#10;\renewcommand\familydefault{\sfdefault}&#10;\begin{document}&#10;\begin{itemize}&#10;\item bla&#10;\end{itemize}&#10;\end{document}"/>
+  <p:tag name="LATEXADDIN" val="\documentclass[20pt]{article}&#10;\usepackage{amsmath,amsfonts,amssymb,xcolor, mathtools}&#10;\pagestyle{empty}&#10;\usepackage[T1]{fontenc}&#10;\usepackage{fontspec}&#10;\setsansfont{Arial}&#10;\renewcommand\familydefault{\sfdefault}&#10;\begin{document}&#10;\begin{itemize}&#10;\item the decision rule for an unknown vector $\overline{u}$ needs some adjustement\newline&#10;$ f(\overline{u})=\sum_{i=1}^n \alpha_i y_i K(\overline{x}_i,\overline{u})+\beta_0$&#10;\item the decision rule is the same as in the linear case&#10;\end{itemize}&#10;\end{document}"/>
   <p:tag name="IGUANATEXSIZE" val="18"/>
-  <p:tag name="IGUANATEXCURSOR" val="249"/>
+  <p:tag name="IGUANATEXCURSOR" val="310"/>
   <p:tag name="TRANSPARENCY" val="Wahr"/>
   <p:tag name="LATEXENGINEID" val="2"/>
   <p:tag name="TEMPFOLDER" val="E:\Dokumente\temp\"/>

--- a/Präsentation/Support Vector Machines.pptx
+++ b/Präsentation/Support Vector Machines.pptx
@@ -173,7 +173,7 @@
 <file path=ppt/revisionInfo.xml><?xml version="1.0" encoding="utf-8"?>
 <p1510:revInfo xmlns:a="http://schemas.openxmlformats.org/drawingml/2006/main" xmlns:r="http://schemas.openxmlformats.org/officeDocument/2006/relationships" xmlns:p1510="http://schemas.microsoft.com/office/powerpoint/2015/10/main">
   <p1510:revLst>
-    <p1510:client id="{AB1E0CFC-1C57-4A1E-92D1-DAC8DD9182A6}" v="2464" dt="2024-06-29T13:45:13.617"/>
+    <p1510:client id="{AB1E0CFC-1C57-4A1E-92D1-DAC8DD9182A6}" v="2483" dt="2024-06-29T15:19:44.877"/>
   </p1510:revLst>
 </p1510:revInfo>
 </file>
@@ -183,7 +183,7 @@
   <pc:docChgLst>
     <pc:chgData name="Franz Andersch" userId="88b46490-1a31-494c-af6b-e252cc2a642d" providerId="ADAL" clId="{AB1E0CFC-1C57-4A1E-92D1-DAC8DD9182A6}"/>
     <pc:docChg chg="undo redo custSel addSld delSld modSld sldOrd">
-      <pc:chgData name="Franz Andersch" userId="88b46490-1a31-494c-af6b-e252cc2a642d" providerId="ADAL" clId="{AB1E0CFC-1C57-4A1E-92D1-DAC8DD9182A6}" dt="2024-06-29T13:45:13.616" v="4612" actId="962"/>
+      <pc:chgData name="Franz Andersch" userId="88b46490-1a31-494c-af6b-e252cc2a642d" providerId="ADAL" clId="{AB1E0CFC-1C57-4A1E-92D1-DAC8DD9182A6}" dt="2024-06-29T15:19:48.057" v="4644" actId="1076"/>
       <pc:docMkLst>
         <pc:docMk/>
       </pc:docMkLst>
@@ -1391,7 +1391,7 @@
         </pc:picChg>
       </pc:sldChg>
       <pc:sldChg chg="addSp delSp modSp add mod">
-        <pc:chgData name="Franz Andersch" userId="88b46490-1a31-494c-af6b-e252cc2a642d" providerId="ADAL" clId="{AB1E0CFC-1C57-4A1E-92D1-DAC8DD9182A6}" dt="2024-06-29T10:22:09.098" v="4090" actId="1076"/>
+        <pc:chgData name="Franz Andersch" userId="88b46490-1a31-494c-af6b-e252cc2a642d" providerId="ADAL" clId="{AB1E0CFC-1C57-4A1E-92D1-DAC8DD9182A6}" dt="2024-06-29T15:19:48.057" v="4644" actId="1076"/>
         <pc:sldMkLst>
           <pc:docMk/>
           <pc:sldMk cId="67254046" sldId="280"/>
@@ -1420,6 +1420,14 @@
             <ac:picMk id="4" creationId="{DAE0BA13-E66D-4D46-372E-1EB155862E11}"/>
           </ac:picMkLst>
         </pc:picChg>
+        <pc:picChg chg="mod ord replST">
+          <ac:chgData name="Franz Andersch" userId="88b46490-1a31-494c-af6b-e252cc2a642d" providerId="ADAL" clId="{AB1E0CFC-1C57-4A1E-92D1-DAC8DD9182A6}" dt="2024-06-29T15:19:48.057" v="4644" actId="1076"/>
+          <ac:picMkLst>
+            <pc:docMk/>
+            <pc:sldMk cId="67254046" sldId="280"/>
+            <ac:picMk id="5" creationId="{0BD178F6-139F-08A1-43CE-A92D328783B6}"/>
+          </ac:picMkLst>
+        </pc:picChg>
         <pc:picChg chg="del mod ord replST">
           <ac:chgData name="Franz Andersch" userId="88b46490-1a31-494c-af6b-e252cc2a642d" providerId="ADAL" clId="{AB1E0CFC-1C57-4A1E-92D1-DAC8DD9182A6}" dt="2024-06-28T20:28:19.839" v="4063" actId="478"/>
           <ac:picMkLst>
@@ -1428,8 +1436,8 @@
             <ac:picMk id="6" creationId="{00FB585F-AE25-0F34-F953-2BC8FB6E326B}"/>
           </ac:picMkLst>
         </pc:picChg>
-        <pc:picChg chg="mod ord replST">
-          <ac:chgData name="Franz Andersch" userId="88b46490-1a31-494c-af6b-e252cc2a642d" providerId="ADAL" clId="{AB1E0CFC-1C57-4A1E-92D1-DAC8DD9182A6}" dt="2024-06-29T10:22:09.098" v="4090" actId="1076"/>
+        <pc:picChg chg="del mod ord replST">
+          <ac:chgData name="Franz Andersch" userId="88b46490-1a31-494c-af6b-e252cc2a642d" providerId="ADAL" clId="{AB1E0CFC-1C57-4A1E-92D1-DAC8DD9182A6}" dt="2024-06-29T15:19:44.877" v="4641" actId="478"/>
           <ac:picMkLst>
             <pc:docMk/>
             <pc:sldMk cId="67254046" sldId="280"/>
@@ -6092,10 +6100,10 @@
       </p:sp>
       <p:pic>
         <p:nvPicPr>
-          <p:cNvPr id="8" name="Grafik 7" descr="\documentclass[20pt]{article}&#10;\usepackage{amsmath,amsfonts,amssymb,xcolor, mathtools}&#10;\pagestyle{empty}&#10;\usepackage[T1]{fontenc}&#10;\usepackage{fontspec}&#10;\setsansfont{Arial}&#10;\renewcommand\familydefault{\sfdefault}&#10;\begin{document}&#10;\begin{itemize}&#10;\item in some cases even a linear decision \newline boundary with soft margin is not suitable &#10;\item enlarging the feature space by introducing\newline polynomials of the predictor variables&#10;\item \textbf{But}: computationally very demanding &#10;\end{itemize}&#10;\end{document}" title="IguanaTex Picture Display">
+          <p:cNvPr id="5" name="Grafik 4" descr="\documentclass[20pt]{article}&#10;\usepackage{amsmath,amsfonts,amssymb,xcolor, mathtools}&#10;\pagestyle{empty}&#10;\usepackage[T1]{fontenc}&#10;\usepackage{fontspec}&#10;\setsansfont{Arial}&#10;\renewcommand\familydefault{\sfdefault}&#10;\begin{document}&#10;\begin{itemize}&#10;\item in some cases even a linear decision \newline boundary with soft margin is not suitable &#10;\item enlarging the feature space by introducing\newline nonlinear functions of the predictor variables&#10;\item \textbf{But}: computationally very demanding &#10;\end{itemize}&#10;\end{document}" title="IguanaTex Picture Display">
             <a:extLst>
               <a:ext uri="{FF2B5EF4-FFF2-40B4-BE49-F238E27FC236}">
-                <a16:creationId xmlns:a16="http://schemas.microsoft.com/office/drawing/2014/main" id="{597DD17C-7200-A8AE-517A-FBE4D22709E7}"/>
+                <a16:creationId xmlns:a16="http://schemas.microsoft.com/office/drawing/2014/main" id="{0BD178F6-139F-08A1-43CE-A92D328783B6}"/>
               </a:ext>
             </a:extLst>
           </p:cNvPr>
@@ -6122,8 +6130,8 @@
         </p:blipFill>
         <p:spPr>
           <a:xfrm>
-            <a:off x="539552" y="1563638"/>
-            <a:ext cx="4437531" cy="1789664"/>
+            <a:off x="323528" y="1563638"/>
+            <a:ext cx="4673577" cy="1789914"/>
           </a:xfrm>
           <a:prstGeom prst="rect">
             <a:avLst/>
@@ -10189,12 +10197,12 @@
 <p:tagLst xmlns:a="http://schemas.openxmlformats.org/drawingml/2006/main" xmlns:r="http://schemas.openxmlformats.org/officeDocument/2006/relationships" xmlns:p="http://schemas.openxmlformats.org/presentationml/2006/main">
   <p:tag name="OUTPUTDPI" val="1200"/>
   <p:tag name="ORIGINALHEIGHT" val="915,1277"/>
-  <p:tag name="ORIGINALWIDTH" val="2413,087"/>
+  <p:tag name="ORIGINALWIDTH" val="2541,355"/>
   <p:tag name="OUTPUTTYPE" val="PNG"/>
   <p:tag name="IGUANATEXVERSION" val="161"/>
-  <p:tag name="LATEXADDIN" val="\documentclass[20pt]{article}&#10;\usepackage{amsmath,amsfonts,amssymb,xcolor, mathtools}&#10;\pagestyle{empty}&#10;\usepackage[T1]{fontenc}&#10;\usepackage{fontspec}&#10;\setsansfont{Arial}&#10;\renewcommand\familydefault{\sfdefault}&#10;\begin{document}&#10;\begin{itemize}&#10;\item in some cases even a linear decision \newline boundary with soft margin is not suitable &#10;\item enlarging the feature space by introducing\newline polynomials of the predictor variables&#10;\item \textbf{But}: computationally very demanding &#10;\end{itemize}&#10;\end{document}"/>
+  <p:tag name="LATEXADDIN" val="\documentclass[20pt]{article}&#10;\usepackage{amsmath,amsfonts,amssymb,xcolor, mathtools}&#10;\pagestyle{empty}&#10;\usepackage[T1]{fontenc}&#10;\usepackage{fontspec}&#10;\setsansfont{Arial}&#10;\renewcommand\familydefault{\sfdefault}&#10;\begin{document}&#10;\begin{itemize}&#10;\item in some cases even a linear decision \newline boundary with soft margin is not suitable &#10;\item enlarging the feature space by introducing\newline nonlinear functions of the predictor variables&#10;\item \textbf{But}: computationally very demanding &#10;\end{itemize}&#10;\end{document}"/>
   <p:tag name="IGUANATEXSIZE" val="18"/>
-  <p:tag name="IGUANATEXCURSOR" val="395"/>
+  <p:tag name="IGUANATEXCURSOR" val="415"/>
   <p:tag name="TRANSPARENCY" val="Wahr"/>
   <p:tag name="LATEXENGINEID" val="2"/>
   <p:tag name="TEMPFOLDER" val="E:\Dokumente\temp\"/>

--- a/Präsentation/Support Vector Machines.pptx
+++ b/Präsentation/Support Vector Machines.pptx
@@ -173,7 +173,7 @@
 <file path=ppt/revisionInfo.xml><?xml version="1.0" encoding="utf-8"?>
 <p1510:revInfo xmlns:a="http://schemas.openxmlformats.org/drawingml/2006/main" xmlns:r="http://schemas.openxmlformats.org/officeDocument/2006/relationships" xmlns:p1510="http://schemas.microsoft.com/office/powerpoint/2015/10/main">
   <p1510:revLst>
-    <p1510:client id="{AB1E0CFC-1C57-4A1E-92D1-DAC8DD9182A6}" v="2483" dt="2024-06-29T15:19:44.877"/>
+    <p1510:client id="{AB1E0CFC-1C57-4A1E-92D1-DAC8DD9182A6}" v="2543" dt="2024-06-30T14:31:21.075"/>
   </p1510:revLst>
 </p1510:revInfo>
 </file>
@@ -183,7 +183,7 @@
   <pc:docChgLst>
     <pc:chgData name="Franz Andersch" userId="88b46490-1a31-494c-af6b-e252cc2a642d" providerId="ADAL" clId="{AB1E0CFC-1C57-4A1E-92D1-DAC8DD9182A6}"/>
     <pc:docChg chg="undo redo custSel addSld delSld modSld sldOrd">
-      <pc:chgData name="Franz Andersch" userId="88b46490-1a31-494c-af6b-e252cc2a642d" providerId="ADAL" clId="{AB1E0CFC-1C57-4A1E-92D1-DAC8DD9182A6}" dt="2024-06-29T15:19:48.057" v="4644" actId="1076"/>
+      <pc:chgData name="Franz Andersch" userId="88b46490-1a31-494c-af6b-e252cc2a642d" providerId="ADAL" clId="{AB1E0CFC-1C57-4A1E-92D1-DAC8DD9182A6}" dt="2024-06-30T14:31:21.075" v="4755" actId="962"/>
       <pc:docMkLst>
         <pc:docMk/>
       </pc:docMkLst>
@@ -1453,8 +1453,8 @@
           </ac:picMkLst>
         </pc:picChg>
       </pc:sldChg>
-      <pc:sldChg chg="delSp modSp add mod">
-        <pc:chgData name="Franz Andersch" userId="88b46490-1a31-494c-af6b-e252cc2a642d" providerId="ADAL" clId="{AB1E0CFC-1C57-4A1E-92D1-DAC8DD9182A6}" dt="2024-06-29T13:15:35.599" v="4460" actId="1076"/>
+      <pc:sldChg chg="addSp delSp modSp add mod">
+        <pc:chgData name="Franz Andersch" userId="88b46490-1a31-494c-af6b-e252cc2a642d" providerId="ADAL" clId="{AB1E0CFC-1C57-4A1E-92D1-DAC8DD9182A6}" dt="2024-06-30T14:30:17.683" v="4725" actId="14100"/>
         <pc:sldMkLst>
           <pc:docMk/>
           <pc:sldMk cId="2769262704" sldId="281"/>
@@ -1467,6 +1467,14 @@
             <ac:spMk id="2" creationId="{388F7BA3-B785-BDE2-BAC6-74C1F53E9285}"/>
           </ac:spMkLst>
         </pc:spChg>
+        <pc:picChg chg="add mod">
+          <ac:chgData name="Franz Andersch" userId="88b46490-1a31-494c-af6b-e252cc2a642d" providerId="ADAL" clId="{AB1E0CFC-1C57-4A1E-92D1-DAC8DD9182A6}" dt="2024-06-30T14:30:17.683" v="4725" actId="14100"/>
+          <ac:picMkLst>
+            <pc:docMk/>
+            <pc:sldMk cId="2769262704" sldId="281"/>
+            <ac:picMk id="4" creationId="{0B7929DF-AAAA-3F3D-F31B-2B252ED91295}"/>
+          </ac:picMkLst>
+        </pc:picChg>
         <pc:picChg chg="del">
           <ac:chgData name="Franz Andersch" userId="88b46490-1a31-494c-af6b-e252cc2a642d" providerId="ADAL" clId="{AB1E0CFC-1C57-4A1E-92D1-DAC8DD9182A6}" dt="2024-06-29T10:48:01.958" v="4307" actId="478"/>
           <ac:picMkLst>
@@ -1484,6 +1492,14 @@
           </ac:picMkLst>
         </pc:picChg>
         <pc:picChg chg="del mod ord replST">
+          <ac:chgData name="Franz Andersch" userId="88b46490-1a31-494c-af6b-e252cc2a642d" providerId="ADAL" clId="{AB1E0CFC-1C57-4A1E-92D1-DAC8DD9182A6}" dt="2024-06-30T14:29:06.588" v="4709" actId="478"/>
+          <ac:picMkLst>
+            <pc:docMk/>
+            <pc:sldMk cId="2769262704" sldId="281"/>
+            <ac:picMk id="6" creationId="{B8FB4886-366C-1807-83F1-3FD2E6022809}"/>
+          </ac:picMkLst>
+        </pc:picChg>
+        <pc:picChg chg="del mod ord replST">
           <ac:chgData name="Franz Andersch" userId="88b46490-1a31-494c-af6b-e252cc2a642d" providerId="ADAL" clId="{AB1E0CFC-1C57-4A1E-92D1-DAC8DD9182A6}" dt="2024-06-29T10:46:10.750" v="4209" actId="478"/>
           <ac:picMkLst>
             <pc:docMk/>
@@ -1499,6 +1515,14 @@
             <ac:picMk id="8" creationId="{597DD17C-7200-A8AE-517A-FBE4D22709E7}"/>
           </ac:picMkLst>
         </pc:picChg>
+        <pc:picChg chg="mod ord replST">
+          <ac:chgData name="Franz Andersch" userId="88b46490-1a31-494c-af6b-e252cc2a642d" providerId="ADAL" clId="{AB1E0CFC-1C57-4A1E-92D1-DAC8DD9182A6}" dt="2024-06-30T14:29:10.096" v="4712" actId="1076"/>
+          <ac:picMkLst>
+            <pc:docMk/>
+            <pc:sldMk cId="2769262704" sldId="281"/>
+            <ac:picMk id="8" creationId="{7A1DE830-5A11-C260-5125-2CCCA25E99FF}"/>
+          </ac:picMkLst>
+        </pc:picChg>
         <pc:picChg chg="del mod ord replST">
           <ac:chgData name="Franz Andersch" userId="88b46490-1a31-494c-af6b-e252cc2a642d" providerId="ADAL" clId="{AB1E0CFC-1C57-4A1E-92D1-DAC8DD9182A6}" dt="2024-06-29T10:46:30.946" v="4241" actId="478"/>
           <ac:picMkLst>
@@ -1563,8 +1587,8 @@
             <ac:picMk id="24" creationId="{77BA06B4-6B7A-BB48-2429-33F248893F17}"/>
           </ac:picMkLst>
         </pc:picChg>
-        <pc:picChg chg="mod ord replST">
-          <ac:chgData name="Franz Andersch" userId="88b46490-1a31-494c-af6b-e252cc2a642d" providerId="ADAL" clId="{AB1E0CFC-1C57-4A1E-92D1-DAC8DD9182A6}" dt="2024-06-29T13:15:35.599" v="4460" actId="1076"/>
+        <pc:picChg chg="del mod ord replST">
+          <ac:chgData name="Franz Andersch" userId="88b46490-1a31-494c-af6b-e252cc2a642d" providerId="ADAL" clId="{AB1E0CFC-1C57-4A1E-92D1-DAC8DD9182A6}" dt="2024-06-30T14:28:41.066" v="4677" actId="478"/>
           <ac:picMkLst>
             <pc:docMk/>
             <pc:sldMk cId="2769262704" sldId="281"/>
@@ -1573,11 +1597,19 @@
         </pc:picChg>
       </pc:sldChg>
       <pc:sldChg chg="delSp modSp add mod">
-        <pc:chgData name="Franz Andersch" userId="88b46490-1a31-494c-af6b-e252cc2a642d" providerId="ADAL" clId="{AB1E0CFC-1C57-4A1E-92D1-DAC8DD9182A6}" dt="2024-06-29T13:45:13.616" v="4612" actId="962"/>
+        <pc:chgData name="Franz Andersch" userId="88b46490-1a31-494c-af6b-e252cc2a642d" providerId="ADAL" clId="{AB1E0CFC-1C57-4A1E-92D1-DAC8DD9182A6}" dt="2024-06-30T14:31:21.075" v="4755" actId="962"/>
         <pc:sldMkLst>
           <pc:docMk/>
           <pc:sldMk cId="1208863920" sldId="282"/>
         </pc:sldMkLst>
+        <pc:picChg chg="mod ord replST">
+          <ac:chgData name="Franz Andersch" userId="88b46490-1a31-494c-af6b-e252cc2a642d" providerId="ADAL" clId="{AB1E0CFC-1C57-4A1E-92D1-DAC8DD9182A6}" dt="2024-06-30T14:31:21.075" v="4755" actId="962"/>
+          <ac:picMkLst>
+            <pc:docMk/>
+            <pc:sldMk cId="1208863920" sldId="282"/>
+            <ac:picMk id="4" creationId="{19DFE7B8-4BDE-D9BF-B2D3-C7DCF15E1F81}"/>
+          </ac:picMkLst>
+        </pc:picChg>
         <pc:picChg chg="del mod ord replST">
           <ac:chgData name="Franz Andersch" userId="88b46490-1a31-494c-af6b-e252cc2a642d" providerId="ADAL" clId="{AB1E0CFC-1C57-4A1E-92D1-DAC8DD9182A6}" dt="2024-06-29T13:39:31.097" v="4519" actId="478"/>
           <ac:picMkLst>
@@ -1610,8 +1642,8 @@
             <ac:picMk id="9" creationId="{F25B4257-2FB3-6E59-B345-01CD6C405F3E}"/>
           </ac:picMkLst>
         </pc:picChg>
-        <pc:picChg chg="mod ord replST">
-          <ac:chgData name="Franz Andersch" userId="88b46490-1a31-494c-af6b-e252cc2a642d" providerId="ADAL" clId="{AB1E0CFC-1C57-4A1E-92D1-DAC8DD9182A6}" dt="2024-06-29T13:45:13.616" v="4612" actId="962"/>
+        <pc:picChg chg="del mod ord replST">
+          <ac:chgData name="Franz Andersch" userId="88b46490-1a31-494c-af6b-e252cc2a642d" providerId="ADAL" clId="{AB1E0CFC-1C57-4A1E-92D1-DAC8DD9182A6}" dt="2024-06-30T14:31:21.074" v="4753" actId="478"/>
           <ac:picMkLst>
             <pc:docMk/>
             <pc:sldMk cId="1208863920" sldId="282"/>
@@ -1742,7 +1774,7 @@
               <a:pPr>
                 <a:defRPr/>
               </a:pPr>
-              <a:t>29.06.2024</a:t>
+              <a:t>30.06.2024</a:t>
             </a:fld>
             <a:endParaRPr lang="de-DE"/>
           </a:p>
@@ -6275,10 +6307,10 @@
       </p:sp>
       <p:pic>
         <p:nvPicPr>
-          <p:cNvPr id="26" name="Grafik 25" descr="\documentclass[20pt]{article}&#10;\usepackage{amsmath,amsfonts,amssymb,xcolor, mathtools}&#10;\pagestyle{empty}&#10;\usepackage[T1]{fontenc}&#10;\usepackage{fontspec}&#10;\setsansfont{Arial}&#10;\renewcommand\familydefault{\sfdefault}&#10;\begin{document}&#10;\begin{itemize}&#10;\item apply a transforming function (Kernel)\newline $K(\overline{x}_i \cdot \overline{x}_j)$ to the dot products in the\newline  maximization function &#10;\item some used Kernel functions are &#10;\begin{itemize}&#10;\item the plynomial kernel of order $d$: $K(\overline{x}_i,\overline{x}_j)=(1+ \overline{x}_i^\mathsf{T}\; \overline{x}_j)^d$&#10;\item the radial/gaussian Kernel:$K(\overline{x}_i,\overline{x}_j)=exp(-\gamma||\overline{x}_i- \overline{x}_j||^2)$&#10;\item sigmoid Kernel: $K(\overline{x}_i,\overline{x}_j)= \tanh(\gamma (\overline{x}_i^\mathsf{T}\; \overline{x}_j)+r)$&#10;\end{itemize}&#10;\end{itemize}&#10;\end{document}" title="IguanaTex Picture Display">
+          <p:cNvPr id="8" name="Grafik 7" descr="\documentclass[20pt]{article}&#10;\usepackage{amsmath,amsfonts,amssymb,xcolor, mathtools}&#10;\pagestyle{empty}&#10;\usepackage[T1]{fontenc}&#10;\usepackage{fontspec}&#10;\setsansfont{Arial}&#10;\renewcommand\familydefault{\sfdefault}&#10;\begin{document}&#10;\begin{itemize}&#10;\item apply a transforming function (Kernel)\newline $K(\overline{x}_i \cdot \overline{x}_j)$ to the dot products in the\newline  maximization function &#10;\item some used Kernel functions are &#10;\begin{itemize}&#10;\item the plynomial kernel of order $d$:\newline $K(\overline{x}_i,\overline{x}_j)=(1+ \overline{x}_i^\mathsf{T}\; \overline{x}_j)^d$&#10;\item the radial/gaussian Kernel:\newline$K(\overline{x}_i,\overline{x}_j)=exp(-\gamma||\overline{x}_i- \overline{x}_j||^2)$&#10;\item sigmoid Kernel: $K(\overline{x}_i,\overline{x}_j)= \tanh(\gamma (\overline{x}_i^\mathsf{T}\; \overline{x}_j)+r)$&#10;\end{itemize}&#10;\end{itemize}&#10;\end{document}" title="IguanaTex Picture Display">
             <a:extLst>
               <a:ext uri="{FF2B5EF4-FFF2-40B4-BE49-F238E27FC236}">
-                <a16:creationId xmlns:a16="http://schemas.microsoft.com/office/drawing/2014/main" id="{A113E1C0-614E-A3F0-54E6-2D3147FCC690}"/>
+                <a16:creationId xmlns:a16="http://schemas.microsoft.com/office/drawing/2014/main" id="{7A1DE830-5A11-C260-5125-2CCCA25E99FF}"/>
               </a:ext>
             </a:extLst>
           </p:cNvPr>
@@ -6305,11 +6337,49 @@
         </p:blipFill>
         <p:spPr>
           <a:xfrm>
-            <a:off x="683568" y="1491630"/>
-            <a:ext cx="6540310" cy="2617283"/>
+            <a:off x="611560" y="1203598"/>
+            <a:ext cx="5446861" cy="3209390"/>
           </a:xfrm>
           <a:prstGeom prst="rect">
             <a:avLst/>
+          </a:prstGeom>
+        </p:spPr>
+      </p:pic>
+      <p:pic>
+        <p:nvPicPr>
+          <p:cNvPr id="4" name="Grafik 3" descr="Ein Bild, das Diagramm, Design enthält.&#10;&#10;Automatisch generierte Beschreibung">
+            <a:extLst>
+              <a:ext uri="{FF2B5EF4-FFF2-40B4-BE49-F238E27FC236}">
+                <a16:creationId xmlns:a16="http://schemas.microsoft.com/office/drawing/2014/main" id="{0B7929DF-AAAA-3F3D-F31B-2B252ED91295}"/>
+              </a:ext>
+            </a:extLst>
+          </p:cNvPr>
+          <p:cNvPicPr>
+            <a:picLocks noChangeAspect="1"/>
+          </p:cNvPicPr>
+          <p:nvPr/>
+        </p:nvPicPr>
+        <p:blipFill>
+          <a:blip r:embed="rId4">
+            <a:extLst>
+              <a:ext uri="{28A0092B-C50C-407E-A947-70E740481C1C}">
+                <a14:useLocalDpi xmlns:a14="http://schemas.microsoft.com/office/drawing/2010/main" val="0"/>
+              </a:ext>
+            </a:extLst>
+          </a:blip>
+          <a:stretch>
+            <a:fillRect/>
+          </a:stretch>
+        </p:blipFill>
+        <p:spPr>
+          <a:xfrm>
+            <a:off x="4716016" y="987574"/>
+            <a:ext cx="3928615" cy="3024000"/>
+          </a:xfrm>
+          <a:prstGeom prst="round1Rect">
+            <a:avLst>
+              <a:gd name="adj" fmla="val 28717"/>
+            </a:avLst>
           </a:prstGeom>
         </p:spPr>
       </p:pic>
@@ -6409,10 +6479,10 @@
       </p:sp>
       <p:pic>
         <p:nvPicPr>
-          <p:cNvPr id="11" name="Grafik 10" descr="\documentclass[20pt]{article}&#10;\usepackage{amsmath,amsfonts,amssymb,xcolor, mathtools}&#10;\pagestyle{empty}&#10;\usepackage[T1]{fontenc}&#10;\usepackage{fontspec}&#10;\setsansfont{Arial}&#10;\renewcommand\familydefault{\sfdefault}&#10;\begin{document}&#10;\begin{itemize}&#10;\item the decision rule for an unknown vector $\overline{u}$ needs some adjustement\newline&#10;$ f(\overline{u})=\sum_{i=1}^n \alpha_i y_i K(\overline{x}_i,\overline{u})+\beta_0$&#10;\item the decision rule is the same as in the linear case&#10;\end{itemize}&#10;\end{document}" title="IguanaTex Picture Display">
+          <p:cNvPr id="4" name="Grafik 3" descr="\documentclass[20pt]{article}&#10;\usepackage{amsmath,amsfonts,amssymb,xcolor, mathtools}&#10;\pagestyle{empty}&#10;\usepackage[T1]{fontenc}&#10;\usepackage{fontspec}&#10;\setsansfont{Arial}&#10;\renewcommand\familydefault{\sfdefault}&#10;\begin{document}&#10;\begin{itemize}&#10;\item the decision function for an unknown vector $\overline{u}$ needs some adjustement\newline&#10;$ f(\overline{u})=\sum_{i=1}^n \alpha_i y_i K(\overline{x}_i,\overline{u})+\beta_0$&#10;\item the decision rule is the same as in the linear case&#10;\end{itemize}&#10;\end{document}" title="IguanaTex Picture Display">
             <a:extLst>
               <a:ext uri="{FF2B5EF4-FFF2-40B4-BE49-F238E27FC236}">
-                <a16:creationId xmlns:a16="http://schemas.microsoft.com/office/drawing/2014/main" id="{BCC2E1D0-7729-C292-11EB-21117805E966}"/>
+                <a16:creationId xmlns:a16="http://schemas.microsoft.com/office/drawing/2014/main" id="{19DFE7B8-4BDE-D9BF-B2D3-C7DCF15E1F81}"/>
               </a:ext>
             </a:extLst>
           </p:cNvPr>
@@ -6440,7 +6510,7 @@
         <p:spPr>
           <a:xfrm>
             <a:off x="683568" y="1923678"/>
-            <a:ext cx="7018857" cy="979922"/>
+            <a:ext cx="7441488" cy="981553"/>
           </a:xfrm>
           <a:prstGeom prst="rect">
             <a:avLst/>
@@ -10216,13 +10286,13 @@
 <file path=ppt/tags/tag13.xml><?xml version="1.0" encoding="utf-8"?>
 <p:tagLst xmlns:a="http://schemas.openxmlformats.org/drawingml/2006/main" xmlns:r="http://schemas.openxmlformats.org/officeDocument/2006/relationships" xmlns:p="http://schemas.openxmlformats.org/presentationml/2006/main">
   <p:tag name="OUTPUTDPI" val="1200"/>
-  <p:tag name="ORIGINALHEIGHT" val="1325,435"/>
-  <p:tag name="ORIGINALWIDTH" val="3547,995"/>
+  <p:tag name="ORIGINALHEIGHT" val="1623,977"/>
+  <p:tag name="ORIGINALWIDTH" val="2953,162"/>
   <p:tag name="OUTPUTTYPE" val="PNG"/>
   <p:tag name="IGUANATEXVERSION" val="161"/>
-  <p:tag name="LATEXADDIN" val="\documentclass[20pt]{article}&#10;\usepackage{amsmath,amsfonts,amssymb,xcolor, mathtools}&#10;\pagestyle{empty}&#10;\usepackage[T1]{fontenc}&#10;\usepackage{fontspec}&#10;\setsansfont{Arial}&#10;\renewcommand\familydefault{\sfdefault}&#10;\begin{document}&#10;\begin{itemize}&#10;\item apply a transforming function (Kernel)\newline $K(\overline{x}_i \cdot \overline{x}_j)$ to the dot products in the\newline  maximization function &#10;\item some used Kernel functions are &#10;\begin{itemize}&#10;\item the plynomial kernel of order $d$: $K(\overline{x}_i,\overline{x}_j)=(1+ \overline{x}_i^\mathsf{T}\; \overline{x}_j)^d$&#10;\item the radial/gaussian Kernel:$K(\overline{x}_i,\overline{x}_j)=exp(-\gamma||\overline{x}_i- \overline{x}_j||^2)$&#10;\item sigmoid Kernel: $K(\overline{x}_i,\overline{x}_j)= \tanh(\gamma (\overline{x}_i^\mathsf{T}\; \overline{x}_j)+r)$&#10;\end{itemize}&#10;\end{itemize}&#10;\end{document}"/>
+  <p:tag name="LATEXADDIN" val="\documentclass[20pt]{article}&#10;\usepackage{amsmath,amsfonts,amssymb,xcolor, mathtools}&#10;\pagestyle{empty}&#10;\usepackage[T1]{fontenc}&#10;\usepackage{fontspec}&#10;\setsansfont{Arial}&#10;\renewcommand\familydefault{\sfdefault}&#10;\begin{document}&#10;\begin{itemize}&#10;\item apply a transforming function (Kernel)\newline $K(\overline{x}_i \cdot \overline{x}_j)$ to the dot products in the\newline  maximization function &#10;\item some used Kernel functions are &#10;\begin{itemize}&#10;\item the plynomial kernel of order $d$:\newline $K(\overline{x}_i,\overline{x}_j)=(1+ \overline{x}_i^\mathsf{T}\; \overline{x}_j)^d$&#10;\item the radial/gaussian Kernel:\newline$K(\overline{x}_i,\overline{x}_j)=exp(-\gamma||\overline{x}_i- \overline{x}_j||^2)$&#10;\item sigmoid Kernel: $K(\overline{x}_i,\overline{x}_j)= \tanh(\gamma (\overline{x}_i^\mathsf{T}\; \overline{x}_j)+r)$&#10;\end{itemize}&#10;\end{itemize}&#10;\end{document}"/>
   <p:tag name="IGUANATEXSIZE" val="18"/>
-  <p:tag name="IGUANATEXCURSOR" val="764"/>
+  <p:tag name="IGUANATEXCURSOR" val="626"/>
   <p:tag name="TRANSPARENCY" val="Wahr"/>
   <p:tag name="LATEXENGINEID" val="2"/>
   <p:tag name="TEMPFOLDER" val="E:\Dokumente\temp\"/>
@@ -10237,12 +10307,12 @@
 <p:tagLst xmlns:a="http://schemas.openxmlformats.org/drawingml/2006/main" xmlns:r="http://schemas.openxmlformats.org/officeDocument/2006/relationships" xmlns:p="http://schemas.openxmlformats.org/presentationml/2006/main">
   <p:tag name="OUTPUTDPI" val="1200"/>
   <p:tag name="ORIGINALHEIGHT" val="492,8187"/>
-  <p:tag name="ORIGINALWIDTH" val="3800,03"/>
+  <p:tag name="ORIGINALWIDTH" val="4028,812"/>
   <p:tag name="OUTPUTTYPE" val="PNG"/>
   <p:tag name="IGUANATEXVERSION" val="161"/>
-  <p:tag name="LATEXADDIN" val="\documentclass[20pt]{article}&#10;\usepackage{amsmath,amsfonts,amssymb,xcolor, mathtools}&#10;\pagestyle{empty}&#10;\usepackage[T1]{fontenc}&#10;\usepackage{fontspec}&#10;\setsansfont{Arial}&#10;\renewcommand\familydefault{\sfdefault}&#10;\begin{document}&#10;\begin{itemize}&#10;\item the decision rule for an unknown vector $\overline{u}$ needs some adjustement\newline&#10;$ f(\overline{u})=\sum_{i=1}^n \alpha_i y_i K(\overline{x}_i,\overline{u})+\beta_0$&#10;\item the decision rule is the same as in the linear case&#10;\end{itemize}&#10;\end{document}"/>
+  <p:tag name="LATEXADDIN" val="\documentclass[20pt]{article}&#10;\usepackage{amsmath,amsfonts,amssymb,xcolor, mathtools}&#10;\pagestyle{empty}&#10;\usepackage[T1]{fontenc}&#10;\usepackage{fontspec}&#10;\setsansfont{Arial}&#10;\renewcommand\familydefault{\sfdefault}&#10;\begin{document}&#10;\begin{itemize}&#10;\item the decision function for an unknown vector $\overline{u}$ needs some adjustement\newline&#10;$ f(\overline{u})=\sum_{i=1}^n \alpha_i y_i K(\overline{x}_i,\overline{u})+\beta_0$&#10;\item the decision rule is the same as in the linear case&#10;\end{itemize}&#10;\end{document}"/>
   <p:tag name="IGUANATEXSIZE" val="18"/>
-  <p:tag name="IGUANATEXCURSOR" val="310"/>
+  <p:tag name="IGUANATEXCURSOR" val="271"/>
   <p:tag name="TRANSPARENCY" val="Wahr"/>
   <p:tag name="LATEXENGINEID" val="2"/>
   <p:tag name="TEMPFOLDER" val="E:\Dokumente\temp\"/>

--- a/Präsentation/Support Vector Machines.pptx
+++ b/Präsentation/Support Vector Machines.pptx
@@ -1774,7 +1774,7 @@
               <a:pPr>
                 <a:defRPr/>
               </a:pPr>
-              <a:t>30.06.2024</a:t>
+              <a:t>01.07.2024</a:t>
             </a:fld>
             <a:endParaRPr lang="de-DE"/>
           </a:p>
@@ -5319,7 +5319,7 @@
 </file>
 
 <file path=ppt/slides/slide11.xml><?xml version="1.0" encoding="utf-8"?>
-<p:sld xmlns:a="http://schemas.openxmlformats.org/drawingml/2006/main" xmlns:r="http://schemas.openxmlformats.org/officeDocument/2006/relationships" xmlns:p="http://schemas.openxmlformats.org/presentationml/2006/main">
+<p:sld xmlns:a="http://schemas.openxmlformats.org/drawingml/2006/main" xmlns:r="http://schemas.openxmlformats.org/officeDocument/2006/relationships" xmlns:p="http://schemas.openxmlformats.org/presentationml/2006/main" show="0">
   <p:cSld>
     <p:spTree>
       <p:nvGrpSpPr>
@@ -5825,7 +5825,7 @@
 </file>
 
 <file path=ppt/slides/slide15.xml><?xml version="1.0" encoding="utf-8"?>
-<p:sld xmlns:a="http://schemas.openxmlformats.org/drawingml/2006/main" xmlns:r="http://schemas.openxmlformats.org/officeDocument/2006/relationships" xmlns:p="http://schemas.openxmlformats.org/presentationml/2006/main">
+<p:sld xmlns:a="http://schemas.openxmlformats.org/drawingml/2006/main" xmlns:r="http://schemas.openxmlformats.org/officeDocument/2006/relationships" xmlns:p="http://schemas.openxmlformats.org/presentationml/2006/main" show="0">
   <p:cSld>
     <p:spTree>
       <p:nvGrpSpPr>
@@ -6061,7 +6061,7 @@
 </file>
 
 <file path=ppt/slides/slide17.xml><?xml version="1.0" encoding="utf-8"?>
-<p:sld xmlns:a="http://schemas.openxmlformats.org/drawingml/2006/main" xmlns:r="http://schemas.openxmlformats.org/officeDocument/2006/relationships" xmlns:p="http://schemas.openxmlformats.org/presentationml/2006/main">
+<p:sld xmlns:a="http://schemas.openxmlformats.org/drawingml/2006/main" xmlns:r="http://schemas.openxmlformats.org/officeDocument/2006/relationships" xmlns:p="http://schemas.openxmlformats.org/presentationml/2006/main" show="0">
   <p:cSld>
     <p:spTree>
       <p:nvGrpSpPr>
@@ -6678,7 +6678,7 @@
 </file>
 
 <file path=ppt/slides/slide20.xml><?xml version="1.0" encoding="utf-8"?>
-<p:sld xmlns:a="http://schemas.openxmlformats.org/drawingml/2006/main" xmlns:r="http://schemas.openxmlformats.org/officeDocument/2006/relationships" xmlns:p="http://schemas.openxmlformats.org/presentationml/2006/main">
+<p:sld xmlns:a="http://schemas.openxmlformats.org/drawingml/2006/main" xmlns:r="http://schemas.openxmlformats.org/officeDocument/2006/relationships" xmlns:p="http://schemas.openxmlformats.org/presentationml/2006/main" show="0">
   <p:cSld>
     <p:spTree>
       <p:nvGrpSpPr>
@@ -7447,7 +7447,7 @@
 </file>
 
 <file path=ppt/slides/slide21.xml><?xml version="1.0" encoding="utf-8"?>
-<p:sld xmlns:a="http://schemas.openxmlformats.org/drawingml/2006/main" xmlns:r="http://schemas.openxmlformats.org/officeDocument/2006/relationships" xmlns:p="http://schemas.openxmlformats.org/presentationml/2006/main">
+<p:sld xmlns:a="http://schemas.openxmlformats.org/drawingml/2006/main" xmlns:r="http://schemas.openxmlformats.org/officeDocument/2006/relationships" xmlns:p="http://schemas.openxmlformats.org/presentationml/2006/main" show="0">
   <p:cSld>
     <p:spTree>
       <p:nvGrpSpPr>
@@ -7563,7 +7563,7 @@
 </file>
 
 <file path=ppt/slides/slide22.xml><?xml version="1.0" encoding="utf-8"?>
-<p:sld xmlns:a="http://schemas.openxmlformats.org/drawingml/2006/main" xmlns:r="http://schemas.openxmlformats.org/officeDocument/2006/relationships" xmlns:p="http://schemas.openxmlformats.org/presentationml/2006/main">
+<p:sld xmlns:a="http://schemas.openxmlformats.org/drawingml/2006/main" xmlns:r="http://schemas.openxmlformats.org/officeDocument/2006/relationships" xmlns:p="http://schemas.openxmlformats.org/presentationml/2006/main" show="0">
   <p:cSld>
     <p:spTree>
       <p:nvGrpSpPr>
@@ -8801,7 +8801,7 @@
 </file>
 
 <file path=ppt/slides/slide5.xml><?xml version="1.0" encoding="utf-8"?>
-<p:sld xmlns:a="http://schemas.openxmlformats.org/drawingml/2006/main" xmlns:r="http://schemas.openxmlformats.org/officeDocument/2006/relationships" xmlns:p="http://schemas.openxmlformats.org/presentationml/2006/main">
+<p:sld xmlns:a="http://schemas.openxmlformats.org/drawingml/2006/main" xmlns:r="http://schemas.openxmlformats.org/officeDocument/2006/relationships" xmlns:p="http://schemas.openxmlformats.org/presentationml/2006/main" show="0">
   <p:cSld>
     <p:spTree>
       <p:nvGrpSpPr>

--- a/Präsentation/Support Vector Machines.pptx
+++ b/Präsentation/Support Vector Machines.pptx
@@ -173,7 +173,7 @@
 <file path=ppt/revisionInfo.xml><?xml version="1.0" encoding="utf-8"?>
 <p1510:revInfo xmlns:a="http://schemas.openxmlformats.org/drawingml/2006/main" xmlns:r="http://schemas.openxmlformats.org/officeDocument/2006/relationships" xmlns:p1510="http://schemas.microsoft.com/office/powerpoint/2015/10/main">
   <p1510:revLst>
-    <p1510:client id="{AB1E0CFC-1C57-4A1E-92D1-DAC8DD9182A6}" v="2543" dt="2024-06-30T14:31:21.075"/>
+    <p1510:client id="{AB1E0CFC-1C57-4A1E-92D1-DAC8DD9182A6}" v="2557" dt="2024-07-01T14:16:21.863"/>
   </p1510:revLst>
 </p1510:revInfo>
 </file>
@@ -183,7 +183,7 @@
   <pc:docChgLst>
     <pc:chgData name="Franz Andersch" userId="88b46490-1a31-494c-af6b-e252cc2a642d" providerId="ADAL" clId="{AB1E0CFC-1C57-4A1E-92D1-DAC8DD9182A6}"/>
     <pc:docChg chg="undo redo custSel addSld delSld modSld sldOrd">
-      <pc:chgData name="Franz Andersch" userId="88b46490-1a31-494c-af6b-e252cc2a642d" providerId="ADAL" clId="{AB1E0CFC-1C57-4A1E-92D1-DAC8DD9182A6}" dt="2024-06-30T14:31:21.075" v="4755" actId="962"/>
+      <pc:chgData name="Franz Andersch" userId="88b46490-1a31-494c-af6b-e252cc2a642d" providerId="ADAL" clId="{AB1E0CFC-1C57-4A1E-92D1-DAC8DD9182A6}" dt="2024-07-01T14:16:21.863" v="4769" actId="20577"/>
       <pc:docMkLst>
         <pc:docMk/>
       </pc:docMkLst>
@@ -199,6 +199,21 @@
             <pc:docMk/>
             <pc:sldMk cId="3748176770" sldId="260"/>
             <ac:spMk id="3" creationId="{B6EBCD5F-A998-E34B-B609-7A4D246D72F7}"/>
+          </ac:spMkLst>
+        </pc:spChg>
+      </pc:sldChg>
+      <pc:sldChg chg="modSp mod">
+        <pc:chgData name="Franz Andersch" userId="88b46490-1a31-494c-af6b-e252cc2a642d" providerId="ADAL" clId="{AB1E0CFC-1C57-4A1E-92D1-DAC8DD9182A6}" dt="2024-07-01T14:16:21.863" v="4769" actId="20577"/>
+        <pc:sldMkLst>
+          <pc:docMk/>
+          <pc:sldMk cId="2939723199" sldId="265"/>
+        </pc:sldMkLst>
+        <pc:spChg chg="mod">
+          <ac:chgData name="Franz Andersch" userId="88b46490-1a31-494c-af6b-e252cc2a642d" providerId="ADAL" clId="{AB1E0CFC-1C57-4A1E-92D1-DAC8DD9182A6}" dt="2024-07-01T14:16:21.863" v="4769" actId="20577"/>
+          <ac:spMkLst>
+            <pc:docMk/>
+            <pc:sldMk cId="2939723199" sldId="265"/>
+            <ac:spMk id="2" creationId="{388F7BA3-B785-BDE2-BAC6-74C1F53E9285}"/>
           </ac:spMkLst>
         </pc:spChg>
       </pc:sldChg>
@@ -1774,7 +1789,7 @@
               <a:pPr>
                 <a:defRPr/>
               </a:pPr>
-              <a:t>30.06.2024</a:t>
+              <a:t>01.07.2024</a:t>
             </a:fld>
             <a:endParaRPr lang="de-DE"/>
           </a:p>
@@ -7485,40 +7500,12 @@
           <a:lstStyle/>
           <a:p>
             <a:r>
-              <a:rPr lang="de-DE" dirty="0" err="1"/>
-              <a:t>How</a:t>
-            </a:r>
-            <a:r>
               <a:rPr lang="de-DE" dirty="0"/>
-              <a:t> </a:t>
-            </a:r>
-            <a:r>
-              <a:rPr lang="de-DE" dirty="0" err="1"/>
-              <a:t>it</a:t>
-            </a:r>
-            <a:r>
-              <a:rPr lang="de-DE" dirty="0"/>
-              <a:t> </a:t>
-            </a:r>
-            <a:r>
-              <a:rPr lang="de-DE" dirty="0" err="1"/>
-              <a:t>works</a:t>
-            </a:r>
-            <a:r>
-              <a:rPr lang="de-DE" dirty="0"/>
-              <a:t>: Support </a:t>
-            </a:r>
-            <a:r>
-              <a:rPr lang="de-DE" dirty="0" err="1"/>
-              <a:t>vector</a:t>
-            </a:r>
-            <a:r>
-              <a:rPr lang="de-DE" dirty="0"/>
-              <a:t> </a:t>
-            </a:r>
-            <a:r>
-              <a:rPr lang="de-DE" dirty="0" err="1"/>
-              <a:t>classifier</a:t>
+              <a:t>Pros and </a:t>
+            </a:r>
+            <a:r>
+              <a:rPr lang="de-DE"/>
+              <a:t>Cons</a:t>
             </a:r>
             <a:endParaRPr lang="de-DE" dirty="0"/>
           </a:p>

--- a/Präsentation/Support Vector Machines.pptx
+++ b/Präsentation/Support Vector Machines.pptx
@@ -5,35 +5,33 @@
     <p:sldMasterId id="2147483648" r:id="rId1"/>
   </p:sldMasterIdLst>
   <p:notesMasterIdLst>
-    <p:notesMasterId r:id="rId28"/>
+    <p:notesMasterId r:id="rId26"/>
   </p:notesMasterIdLst>
   <p:sldIdLst>
     <p:sldId id="256" r:id="rId2"/>
     <p:sldId id="257" r:id="rId3"/>
     <p:sldId id="258" r:id="rId4"/>
     <p:sldId id="259" r:id="rId5"/>
-    <p:sldId id="260" r:id="rId6"/>
-    <p:sldId id="268" r:id="rId7"/>
-    <p:sldId id="269" r:id="rId8"/>
-    <p:sldId id="270" r:id="rId9"/>
-    <p:sldId id="271" r:id="rId10"/>
-    <p:sldId id="273" r:id="rId11"/>
-    <p:sldId id="274" r:id="rId12"/>
-    <p:sldId id="275" r:id="rId13"/>
-    <p:sldId id="276" r:id="rId14"/>
-    <p:sldId id="277" r:id="rId15"/>
-    <p:sldId id="278" r:id="rId16"/>
-    <p:sldId id="279" r:id="rId17"/>
-    <p:sldId id="280" r:id="rId18"/>
-    <p:sldId id="281" r:id="rId19"/>
-    <p:sldId id="282" r:id="rId20"/>
-    <p:sldId id="264" r:id="rId21"/>
-    <p:sldId id="265" r:id="rId22"/>
-    <p:sldId id="266" r:id="rId23"/>
-    <p:sldId id="261" r:id="rId24"/>
-    <p:sldId id="267" r:id="rId25"/>
-    <p:sldId id="262" r:id="rId26"/>
-    <p:sldId id="263" r:id="rId27"/>
+    <p:sldId id="268" r:id="rId6"/>
+    <p:sldId id="269" r:id="rId7"/>
+    <p:sldId id="270" r:id="rId8"/>
+    <p:sldId id="271" r:id="rId9"/>
+    <p:sldId id="273" r:id="rId10"/>
+    <p:sldId id="274" r:id="rId11"/>
+    <p:sldId id="275" r:id="rId12"/>
+    <p:sldId id="276" r:id="rId13"/>
+    <p:sldId id="277" r:id="rId14"/>
+    <p:sldId id="278" r:id="rId15"/>
+    <p:sldId id="279" r:id="rId16"/>
+    <p:sldId id="280" r:id="rId17"/>
+    <p:sldId id="281" r:id="rId18"/>
+    <p:sldId id="282" r:id="rId19"/>
+    <p:sldId id="265" r:id="rId20"/>
+    <p:sldId id="283" r:id="rId21"/>
+    <p:sldId id="261" r:id="rId22"/>
+    <p:sldId id="267" r:id="rId23"/>
+    <p:sldId id="262" r:id="rId24"/>
+    <p:sldId id="263" r:id="rId25"/>
   </p:sldIdLst>
   <p:sldSz cx="9144000" cy="5143500" type="screen16x9"/>
   <p:notesSz cx="6797675" cy="9926638"/>
@@ -173,7 +171,7 @@
 <file path=ppt/revisionInfo.xml><?xml version="1.0" encoding="utf-8"?>
 <p1510:revInfo xmlns:a="http://schemas.openxmlformats.org/drawingml/2006/main" xmlns:r="http://schemas.openxmlformats.org/officeDocument/2006/relationships" xmlns:p1510="http://schemas.microsoft.com/office/powerpoint/2015/10/main">
   <p1510:revLst>
-    <p1510:client id="{AB1E0CFC-1C57-4A1E-92D1-DAC8DD9182A6}" v="2557" dt="2024-07-01T14:16:21.863"/>
+    <p1510:client id="{AB1E0CFC-1C57-4A1E-92D1-DAC8DD9182A6}" v="3852" dt="2024-07-01T19:43:26.677"/>
   </p1510:revLst>
 </p1510:revInfo>
 </file>
@@ -183,12 +181,12 @@
   <pc:docChgLst>
     <pc:chgData name="Franz Andersch" userId="88b46490-1a31-494c-af6b-e252cc2a642d" providerId="ADAL" clId="{AB1E0CFC-1C57-4A1E-92D1-DAC8DD9182A6}"/>
     <pc:docChg chg="undo redo custSel addSld delSld modSld sldOrd">
-      <pc:chgData name="Franz Andersch" userId="88b46490-1a31-494c-af6b-e252cc2a642d" providerId="ADAL" clId="{AB1E0CFC-1C57-4A1E-92D1-DAC8DD9182A6}" dt="2024-07-01T14:16:21.863" v="4769" actId="20577"/>
+      <pc:chgData name="Franz Andersch" userId="88b46490-1a31-494c-af6b-e252cc2a642d" providerId="ADAL" clId="{AB1E0CFC-1C57-4A1E-92D1-DAC8DD9182A6}" dt="2024-07-01T19:43:26.677" v="5775" actId="962"/>
       <pc:docMkLst>
         <pc:docMk/>
       </pc:docMkLst>
-      <pc:sldChg chg="modSp mod">
-        <pc:chgData name="Franz Andersch" userId="88b46490-1a31-494c-af6b-e252cc2a642d" providerId="ADAL" clId="{AB1E0CFC-1C57-4A1E-92D1-DAC8DD9182A6}" dt="2024-06-27T18:48:13.389" v="2836" actId="1076"/>
+      <pc:sldChg chg="modSp del mod">
+        <pc:chgData name="Franz Andersch" userId="88b46490-1a31-494c-af6b-e252cc2a642d" providerId="ADAL" clId="{AB1E0CFC-1C57-4A1E-92D1-DAC8DD9182A6}" dt="2024-07-01T14:43:20.223" v="4771" actId="2696"/>
         <pc:sldMkLst>
           <pc:docMk/>
           <pc:sldMk cId="3748176770" sldId="260"/>
@@ -202,8 +200,22 @@
           </ac:spMkLst>
         </pc:spChg>
       </pc:sldChg>
-      <pc:sldChg chg="modSp mod">
-        <pc:chgData name="Franz Andersch" userId="88b46490-1a31-494c-af6b-e252cc2a642d" providerId="ADAL" clId="{AB1E0CFC-1C57-4A1E-92D1-DAC8DD9182A6}" dt="2024-07-01T14:16:21.863" v="4769" actId="20577"/>
+      <pc:sldChg chg="mod modShow">
+        <pc:chgData name="Franz Andersch" userId="88b46490-1a31-494c-af6b-e252cc2a642d" providerId="ADAL" clId="{AB1E0CFC-1C57-4A1E-92D1-DAC8DD9182A6}" dt="2024-07-01T19:43:09.163" v="5745" actId="729"/>
+        <pc:sldMkLst>
+          <pc:docMk/>
+          <pc:sldMk cId="1886016345" sldId="262"/>
+        </pc:sldMkLst>
+      </pc:sldChg>
+      <pc:sldChg chg="del">
+        <pc:chgData name="Franz Andersch" userId="88b46490-1a31-494c-af6b-e252cc2a642d" providerId="ADAL" clId="{AB1E0CFC-1C57-4A1E-92D1-DAC8DD9182A6}" dt="2024-07-01T14:43:13.349" v="4770" actId="2696"/>
+        <pc:sldMkLst>
+          <pc:docMk/>
+          <pc:sldMk cId="695573505" sldId="264"/>
+        </pc:sldMkLst>
+      </pc:sldChg>
+      <pc:sldChg chg="delSp modSp mod">
+        <pc:chgData name="Franz Andersch" userId="88b46490-1a31-494c-af6b-e252cc2a642d" providerId="ADAL" clId="{AB1E0CFC-1C57-4A1E-92D1-DAC8DD9182A6}" dt="2024-07-01T19:43:26.677" v="5775" actId="962"/>
         <pc:sldMkLst>
           <pc:docMk/>
           <pc:sldMk cId="2939723199" sldId="265"/>
@@ -216,9 +228,168 @@
             <ac:spMk id="2" creationId="{388F7BA3-B785-BDE2-BAC6-74C1F53E9285}"/>
           </ac:spMkLst>
         </pc:spChg>
+        <pc:spChg chg="del mod">
+          <ac:chgData name="Franz Andersch" userId="88b46490-1a31-494c-af6b-e252cc2a642d" providerId="ADAL" clId="{AB1E0CFC-1C57-4A1E-92D1-DAC8DD9182A6}" dt="2024-07-01T16:16:47.867" v="5117" actId="478"/>
+          <ac:spMkLst>
+            <pc:docMk/>
+            <pc:sldMk cId="2939723199" sldId="265"/>
+            <ac:spMk id="3" creationId="{B6EBCD5F-A998-E34B-B609-7A4D246D72F7}"/>
+          </ac:spMkLst>
+        </pc:spChg>
+        <pc:picChg chg="del mod replST">
+          <ac:chgData name="Franz Andersch" userId="88b46490-1a31-494c-af6b-e252cc2a642d" providerId="ADAL" clId="{AB1E0CFC-1C57-4A1E-92D1-DAC8DD9182A6}" dt="2024-07-01T16:17:25.155" v="5145" actId="478"/>
+          <ac:picMkLst>
+            <pc:docMk/>
+            <pc:sldMk cId="2939723199" sldId="265"/>
+            <ac:picMk id="5" creationId="{745CB85D-C917-6D4C-3B04-984334A58939}"/>
+          </ac:picMkLst>
+        </pc:picChg>
+        <pc:picChg chg="del mod ord replST">
+          <ac:chgData name="Franz Andersch" userId="88b46490-1a31-494c-af6b-e252cc2a642d" providerId="ADAL" clId="{AB1E0CFC-1C57-4A1E-92D1-DAC8DD9182A6}" dt="2024-07-01T16:17:48.462" v="5175" actId="478"/>
+          <ac:picMkLst>
+            <pc:docMk/>
+            <pc:sldMk cId="2939723199" sldId="265"/>
+            <ac:picMk id="7" creationId="{C0A00ADB-015B-9C2E-9BEE-D5E23B0B6D90}"/>
+          </ac:picMkLst>
+        </pc:picChg>
+        <pc:picChg chg="del mod ord replST">
+          <ac:chgData name="Franz Andersch" userId="88b46490-1a31-494c-af6b-e252cc2a642d" providerId="ADAL" clId="{AB1E0CFC-1C57-4A1E-92D1-DAC8DD9182A6}" dt="2024-07-01T16:18:10.472" v="5205" actId="478"/>
+          <ac:picMkLst>
+            <pc:docMk/>
+            <pc:sldMk cId="2939723199" sldId="265"/>
+            <ac:picMk id="9" creationId="{4BE63213-DF95-8A8A-551F-9DEA3252DC34}"/>
+          </ac:picMkLst>
+        </pc:picChg>
+        <pc:picChg chg="del mod ord replST">
+          <ac:chgData name="Franz Andersch" userId="88b46490-1a31-494c-af6b-e252cc2a642d" providerId="ADAL" clId="{AB1E0CFC-1C57-4A1E-92D1-DAC8DD9182A6}" dt="2024-07-01T16:18:24.256" v="5235" actId="478"/>
+          <ac:picMkLst>
+            <pc:docMk/>
+            <pc:sldMk cId="2939723199" sldId="265"/>
+            <ac:picMk id="11" creationId="{66A07202-3EC4-70CF-2678-64B12DE9A07A}"/>
+          </ac:picMkLst>
+        </pc:picChg>
+        <pc:picChg chg="del mod ord replST">
+          <ac:chgData name="Franz Andersch" userId="88b46490-1a31-494c-af6b-e252cc2a642d" providerId="ADAL" clId="{AB1E0CFC-1C57-4A1E-92D1-DAC8DD9182A6}" dt="2024-07-01T16:39:54.176" v="5267" actId="478"/>
+          <ac:picMkLst>
+            <pc:docMk/>
+            <pc:sldMk cId="2939723199" sldId="265"/>
+            <ac:picMk id="13" creationId="{D80EB926-386B-BA27-28ED-DA1C4563D5D7}"/>
+          </ac:picMkLst>
+        </pc:picChg>
+        <pc:picChg chg="del mod ord replST">
+          <ac:chgData name="Franz Andersch" userId="88b46490-1a31-494c-af6b-e252cc2a642d" providerId="ADAL" clId="{AB1E0CFC-1C57-4A1E-92D1-DAC8DD9182A6}" dt="2024-07-01T16:42:21.860" v="5297" actId="478"/>
+          <ac:picMkLst>
+            <pc:docMk/>
+            <pc:sldMk cId="2939723199" sldId="265"/>
+            <ac:picMk id="15" creationId="{5FE2B4EE-DAEB-6E02-DE9C-1FC419F01F38}"/>
+          </ac:picMkLst>
+        </pc:picChg>
+        <pc:picChg chg="del mod ord replST">
+          <ac:chgData name="Franz Andersch" userId="88b46490-1a31-494c-af6b-e252cc2a642d" providerId="ADAL" clId="{AB1E0CFC-1C57-4A1E-92D1-DAC8DD9182A6}" dt="2024-07-01T16:50:44.745" v="5327" actId="478"/>
+          <ac:picMkLst>
+            <pc:docMk/>
+            <pc:sldMk cId="2939723199" sldId="265"/>
+            <ac:picMk id="17" creationId="{4A1DB441-8502-E35C-740F-98F141289B96}"/>
+          </ac:picMkLst>
+        </pc:picChg>
+        <pc:picChg chg="del mod ord replST">
+          <ac:chgData name="Franz Andersch" userId="88b46490-1a31-494c-af6b-e252cc2a642d" providerId="ADAL" clId="{AB1E0CFC-1C57-4A1E-92D1-DAC8DD9182A6}" dt="2024-07-01T16:50:57.463" v="5357" actId="478"/>
+          <ac:picMkLst>
+            <pc:docMk/>
+            <pc:sldMk cId="2939723199" sldId="265"/>
+            <ac:picMk id="19" creationId="{E569FCD4-9C72-851A-634C-BBD2BB5FAF0E}"/>
+          </ac:picMkLst>
+        </pc:picChg>
+        <pc:picChg chg="del mod ord replST">
+          <ac:chgData name="Franz Andersch" userId="88b46490-1a31-494c-af6b-e252cc2a642d" providerId="ADAL" clId="{AB1E0CFC-1C57-4A1E-92D1-DAC8DD9182A6}" dt="2024-07-01T16:51:10.184" v="5387" actId="478"/>
+          <ac:picMkLst>
+            <pc:docMk/>
+            <pc:sldMk cId="2939723199" sldId="265"/>
+            <ac:picMk id="21" creationId="{243508CB-CAFB-8F80-FA38-31400417EB8D}"/>
+          </ac:picMkLst>
+        </pc:picChg>
+        <pc:picChg chg="del mod ord replST">
+          <ac:chgData name="Franz Andersch" userId="88b46490-1a31-494c-af6b-e252cc2a642d" providerId="ADAL" clId="{AB1E0CFC-1C57-4A1E-92D1-DAC8DD9182A6}" dt="2024-07-01T16:51:36.887" v="5417" actId="478"/>
+          <ac:picMkLst>
+            <pc:docMk/>
+            <pc:sldMk cId="2939723199" sldId="265"/>
+            <ac:picMk id="23" creationId="{593702AE-E79F-6889-23F8-724647015E56}"/>
+          </ac:picMkLst>
+        </pc:picChg>
+        <pc:picChg chg="del mod ord replST">
+          <ac:chgData name="Franz Andersch" userId="88b46490-1a31-494c-af6b-e252cc2a642d" providerId="ADAL" clId="{AB1E0CFC-1C57-4A1E-92D1-DAC8DD9182A6}" dt="2024-07-01T16:51:52.522" v="5447" actId="478"/>
+          <ac:picMkLst>
+            <pc:docMk/>
+            <pc:sldMk cId="2939723199" sldId="265"/>
+            <ac:picMk id="25" creationId="{6DC7E3A2-2E00-80FC-9090-C05A2D137B19}"/>
+          </ac:picMkLst>
+        </pc:picChg>
+        <pc:picChg chg="del mod ord replST">
+          <ac:chgData name="Franz Andersch" userId="88b46490-1a31-494c-af6b-e252cc2a642d" providerId="ADAL" clId="{AB1E0CFC-1C57-4A1E-92D1-DAC8DD9182A6}" dt="2024-07-01T16:52:01.364" v="5477" actId="478"/>
+          <ac:picMkLst>
+            <pc:docMk/>
+            <pc:sldMk cId="2939723199" sldId="265"/>
+            <ac:picMk id="27" creationId="{A245772F-315C-AA9A-1BE5-DC487DADBBFE}"/>
+          </ac:picMkLst>
+        </pc:picChg>
+        <pc:picChg chg="del mod ord replST">
+          <ac:chgData name="Franz Andersch" userId="88b46490-1a31-494c-af6b-e252cc2a642d" providerId="ADAL" clId="{AB1E0CFC-1C57-4A1E-92D1-DAC8DD9182A6}" dt="2024-07-01T16:55:50.766" v="5507" actId="478"/>
+          <ac:picMkLst>
+            <pc:docMk/>
+            <pc:sldMk cId="2939723199" sldId="265"/>
+            <ac:picMk id="29" creationId="{36123940-E6A2-D571-CE28-46034863B853}"/>
+          </ac:picMkLst>
+        </pc:picChg>
+        <pc:picChg chg="del mod ord replST">
+          <ac:chgData name="Franz Andersch" userId="88b46490-1a31-494c-af6b-e252cc2a642d" providerId="ADAL" clId="{AB1E0CFC-1C57-4A1E-92D1-DAC8DD9182A6}" dt="2024-07-01T16:58:22.523" v="5537" actId="478"/>
+          <ac:picMkLst>
+            <pc:docMk/>
+            <pc:sldMk cId="2939723199" sldId="265"/>
+            <ac:picMk id="31" creationId="{1CE366D4-E9BE-0874-4E2D-488024EBC987}"/>
+          </ac:picMkLst>
+        </pc:picChg>
+        <pc:picChg chg="del mod ord replST">
+          <ac:chgData name="Franz Andersch" userId="88b46490-1a31-494c-af6b-e252cc2a642d" providerId="ADAL" clId="{AB1E0CFC-1C57-4A1E-92D1-DAC8DD9182A6}" dt="2024-07-01T19:32:02.642" v="5618" actId="478"/>
+          <ac:picMkLst>
+            <pc:docMk/>
+            <pc:sldMk cId="2939723199" sldId="265"/>
+            <ac:picMk id="33" creationId="{B0A3D373-9581-04FA-10D9-32D18A8F3DF2}"/>
+          </ac:picMkLst>
+        </pc:picChg>
+        <pc:picChg chg="del mod ord replST">
+          <ac:chgData name="Franz Andersch" userId="88b46490-1a31-494c-af6b-e252cc2a642d" providerId="ADAL" clId="{AB1E0CFC-1C57-4A1E-92D1-DAC8DD9182A6}" dt="2024-07-01T19:38:00.479" v="5678" actId="478"/>
+          <ac:picMkLst>
+            <pc:docMk/>
+            <pc:sldMk cId="2939723199" sldId="265"/>
+            <ac:picMk id="35" creationId="{BF1A2107-CDE6-C59F-F934-362F917D0F3D}"/>
+          </ac:picMkLst>
+        </pc:picChg>
+        <pc:picChg chg="del mod ord replST">
+          <ac:chgData name="Franz Andersch" userId="88b46490-1a31-494c-af6b-e252cc2a642d" providerId="ADAL" clId="{AB1E0CFC-1C57-4A1E-92D1-DAC8DD9182A6}" dt="2024-07-01T19:43:26.676" v="5773" actId="478"/>
+          <ac:picMkLst>
+            <pc:docMk/>
+            <pc:sldMk cId="2939723199" sldId="265"/>
+            <ac:picMk id="37" creationId="{9DE8B969-6EFD-7E22-3A82-71C6F3AF64B2}"/>
+          </ac:picMkLst>
+        </pc:picChg>
+        <pc:picChg chg="mod ord replST">
+          <ac:chgData name="Franz Andersch" userId="88b46490-1a31-494c-af6b-e252cc2a642d" providerId="ADAL" clId="{AB1E0CFC-1C57-4A1E-92D1-DAC8DD9182A6}" dt="2024-07-01T19:43:26.677" v="5775" actId="962"/>
+          <ac:picMkLst>
+            <pc:docMk/>
+            <pc:sldMk cId="2939723199" sldId="265"/>
+            <ac:picMk id="39" creationId="{D77E97AA-FE7A-E96E-1BFF-96304AC5176D}"/>
+          </ac:picMkLst>
+        </pc:picChg>
+      </pc:sldChg>
+      <pc:sldChg chg="del">
+        <pc:chgData name="Franz Andersch" userId="88b46490-1a31-494c-af6b-e252cc2a642d" providerId="ADAL" clId="{AB1E0CFC-1C57-4A1E-92D1-DAC8DD9182A6}" dt="2024-07-01T16:20:45.266" v="5239" actId="2696"/>
+        <pc:sldMkLst>
+          <pc:docMk/>
+          <pc:sldMk cId="3746182716" sldId="266"/>
+        </pc:sldMkLst>
       </pc:sldChg>
       <pc:sldChg chg="addSp delSp modSp add mod">
-        <pc:chgData name="Franz Andersch" userId="88b46490-1a31-494c-af6b-e252cc2a642d" providerId="ADAL" clId="{AB1E0CFC-1C57-4A1E-92D1-DAC8DD9182A6}" dt="2024-06-28T07:01:33.204" v="2868" actId="1076"/>
+        <pc:chgData name="Franz Andersch" userId="88b46490-1a31-494c-af6b-e252cc2a642d" providerId="ADAL" clId="{AB1E0CFC-1C57-4A1E-92D1-DAC8DD9182A6}" dt="2024-07-01T15:19:06.866" v="5028" actId="962"/>
         <pc:sldMkLst>
           <pc:docMk/>
           <pc:sldMk cId="1770530705" sldId="268"/>
@@ -255,14 +426,22 @@
             <ac:graphicFrameMk id="23" creationId="{837D24E5-423D-FEBD-6ADF-C50B8EBF4DD6}"/>
           </ac:graphicFrameMkLst>
         </pc:graphicFrameChg>
-        <pc:picChg chg="add mod">
-          <ac:chgData name="Franz Andersch" userId="88b46490-1a31-494c-af6b-e252cc2a642d" providerId="ADAL" clId="{AB1E0CFC-1C57-4A1E-92D1-DAC8DD9182A6}" dt="2024-06-28T07:01:33.204" v="2868" actId="1076"/>
+        <pc:picChg chg="add del mod">
+          <ac:chgData name="Franz Andersch" userId="88b46490-1a31-494c-af6b-e252cc2a642d" providerId="ADAL" clId="{AB1E0CFC-1C57-4A1E-92D1-DAC8DD9182A6}" dt="2024-07-01T15:12:32.798" v="4833" actId="478"/>
           <ac:picMkLst>
             <pc:docMk/>
             <pc:sldMk cId="1770530705" sldId="268"/>
             <ac:picMk id="4" creationId="{46ACD664-B35B-1FDD-FFED-70FE77B7A530}"/>
           </ac:picMkLst>
         </pc:picChg>
+        <pc:picChg chg="add mod">
+          <ac:chgData name="Franz Andersch" userId="88b46490-1a31-494c-af6b-e252cc2a642d" providerId="ADAL" clId="{AB1E0CFC-1C57-4A1E-92D1-DAC8DD9182A6}" dt="2024-07-01T15:12:58.886" v="4841" actId="1076"/>
+          <ac:picMkLst>
+            <pc:docMk/>
+            <pc:sldMk cId="1770530705" sldId="268"/>
+            <ac:picMk id="5" creationId="{2FF4439B-4933-2A0A-9836-8FAFBD29F270}"/>
+          </ac:picMkLst>
+        </pc:picChg>
         <pc:picChg chg="del mod ord replST">
           <ac:chgData name="Franz Andersch" userId="88b46490-1a31-494c-af6b-e252cc2a642d" providerId="ADAL" clId="{AB1E0CFC-1C57-4A1E-92D1-DAC8DD9182A6}" dt="2024-06-26T20:35:29.220" v="620" actId="478"/>
           <ac:picMkLst>
@@ -287,6 +466,14 @@
             <ac:picMk id="7" creationId="{743894CD-D354-D946-F35F-94961A3044E9}"/>
           </ac:picMkLst>
         </pc:picChg>
+        <pc:picChg chg="mod ord replST">
+          <ac:chgData name="Franz Andersch" userId="88b46490-1a31-494c-af6b-e252cc2a642d" providerId="ADAL" clId="{AB1E0CFC-1C57-4A1E-92D1-DAC8DD9182A6}" dt="2024-07-01T15:19:06.866" v="5028" actId="962"/>
+          <ac:picMkLst>
+            <pc:docMk/>
+            <pc:sldMk cId="1770530705" sldId="268"/>
+            <ac:picMk id="7" creationId="{D8E488CC-6A22-58C4-4AEE-4B7530968487}"/>
+          </ac:picMkLst>
+        </pc:picChg>
         <pc:picChg chg="del mod replST">
           <ac:chgData name="Franz Andersch" userId="88b46490-1a31-494c-af6b-e252cc2a642d" providerId="ADAL" clId="{AB1E0CFC-1C57-4A1E-92D1-DAC8DD9182A6}" dt="2024-06-26T16:32:16.571" v="410" actId="478"/>
           <ac:picMkLst>
@@ -391,8 +578,8 @@
             <ac:picMk id="20" creationId="{89897EE8-0500-10FF-5D10-F7FDFA1BC659}"/>
           </ac:picMkLst>
         </pc:picChg>
-        <pc:picChg chg="mod ord replST">
-          <ac:chgData name="Franz Andersch" userId="88b46490-1a31-494c-af6b-e252cc2a642d" providerId="ADAL" clId="{AB1E0CFC-1C57-4A1E-92D1-DAC8DD9182A6}" dt="2024-06-26T20:57:30.064" v="836" actId="962"/>
+        <pc:picChg chg="del mod ord replST">
+          <ac:chgData name="Franz Andersch" userId="88b46490-1a31-494c-af6b-e252cc2a642d" providerId="ADAL" clId="{AB1E0CFC-1C57-4A1E-92D1-DAC8DD9182A6}" dt="2024-07-01T15:19:06.865" v="5026" actId="478"/>
           <ac:picMkLst>
             <pc:docMk/>
             <pc:sldMk cId="1770530705" sldId="268"/>
@@ -417,7 +604,7 @@
         </pc:picChg>
       </pc:sldChg>
       <pc:sldChg chg="addSp delSp modSp add mod">
-        <pc:chgData name="Franz Andersch" userId="88b46490-1a31-494c-af6b-e252cc2a642d" providerId="ADAL" clId="{AB1E0CFC-1C57-4A1E-92D1-DAC8DD9182A6}" dt="2024-06-28T07:02:33.242" v="2880" actId="14100"/>
+        <pc:chgData name="Franz Andersch" userId="88b46490-1a31-494c-af6b-e252cc2a642d" providerId="ADAL" clId="{AB1E0CFC-1C57-4A1E-92D1-DAC8DD9182A6}" dt="2024-07-01T15:19:54.449" v="5059" actId="962"/>
         <pc:sldMkLst>
           <pc:docMk/>
           <pc:sldMk cId="3990756690" sldId="269"/>
@@ -438,14 +625,22 @@
             <ac:picMk id="4" creationId="{3E8FA5A0-2B34-E857-4D07-AF8029BFA920}"/>
           </ac:picMkLst>
         </pc:picChg>
-        <pc:picChg chg="add mod">
-          <ac:chgData name="Franz Andersch" userId="88b46490-1a31-494c-af6b-e252cc2a642d" providerId="ADAL" clId="{AB1E0CFC-1C57-4A1E-92D1-DAC8DD9182A6}" dt="2024-06-28T07:02:33.242" v="2880" actId="14100"/>
+        <pc:picChg chg="add del mod">
+          <ac:chgData name="Franz Andersch" userId="88b46490-1a31-494c-af6b-e252cc2a642d" providerId="ADAL" clId="{AB1E0CFC-1C57-4A1E-92D1-DAC8DD9182A6}" dt="2024-07-01T15:13:02.868" v="4842" actId="478"/>
           <ac:picMkLst>
             <pc:docMk/>
             <pc:sldMk cId="3990756690" sldId="269"/>
             <ac:picMk id="4" creationId="{B2C0436D-5BE1-74F9-9D50-6E433CE2DCCA}"/>
           </ac:picMkLst>
         </pc:picChg>
+        <pc:picChg chg="add mod">
+          <ac:chgData name="Franz Andersch" userId="88b46490-1a31-494c-af6b-e252cc2a642d" providerId="ADAL" clId="{AB1E0CFC-1C57-4A1E-92D1-DAC8DD9182A6}" dt="2024-07-01T15:13:18.430" v="4848" actId="1076"/>
+          <ac:picMkLst>
+            <pc:docMk/>
+            <pc:sldMk cId="3990756690" sldId="269"/>
+            <ac:picMk id="5" creationId="{402170D5-C41B-257C-79F6-AF4EE077D414}"/>
+          </ac:picMkLst>
+        </pc:picChg>
         <pc:picChg chg="del mod ord replST">
           <ac:chgData name="Franz Andersch" userId="88b46490-1a31-494c-af6b-e252cc2a642d" providerId="ADAL" clId="{AB1E0CFC-1C57-4A1E-92D1-DAC8DD9182A6}" dt="2024-06-26T22:17:12.996" v="1289" actId="478"/>
           <ac:picMkLst>
@@ -462,6 +657,14 @@
             <ac:picMk id="6" creationId="{5DA9B7EF-E1CA-0F8A-4E2D-31EADA93DE47}"/>
           </ac:picMkLst>
         </pc:picChg>
+        <pc:picChg chg="mod ord replST">
+          <ac:chgData name="Franz Andersch" userId="88b46490-1a31-494c-af6b-e252cc2a642d" providerId="ADAL" clId="{AB1E0CFC-1C57-4A1E-92D1-DAC8DD9182A6}" dt="2024-07-01T15:19:54.449" v="5059" actId="962"/>
+          <ac:picMkLst>
+            <pc:docMk/>
+            <pc:sldMk cId="3990756690" sldId="269"/>
+            <ac:picMk id="7" creationId="{E57472E7-B1A1-CDB6-DA3F-0FE93658CCF6}"/>
+          </ac:picMkLst>
+        </pc:picChg>
         <pc:picChg chg="del mod ord replST">
           <ac:chgData name="Franz Andersch" userId="88b46490-1a31-494c-af6b-e252cc2a642d" providerId="ADAL" clId="{AB1E0CFC-1C57-4A1E-92D1-DAC8DD9182A6}" dt="2024-06-26T21:19:43.365" v="976" actId="478"/>
           <ac:picMkLst>
@@ -502,8 +705,8 @@
             <ac:picMk id="12" creationId="{E17B3E6E-AB07-81D9-5ECE-4516A7A26B83}"/>
           </ac:picMkLst>
         </pc:picChg>
-        <pc:picChg chg="mod ord replST">
-          <ac:chgData name="Franz Andersch" userId="88b46490-1a31-494c-af6b-e252cc2a642d" providerId="ADAL" clId="{AB1E0CFC-1C57-4A1E-92D1-DAC8DD9182A6}" dt="2024-06-26T22:24:55.836" v="1330" actId="962"/>
+        <pc:picChg chg="del mod ord replST">
+          <ac:chgData name="Franz Andersch" userId="88b46490-1a31-494c-af6b-e252cc2a642d" providerId="ADAL" clId="{AB1E0CFC-1C57-4A1E-92D1-DAC8DD9182A6}" dt="2024-07-01T15:19:54.449" v="5057" actId="478"/>
           <ac:picMkLst>
             <pc:docMk/>
             <pc:sldMk cId="3990756690" sldId="269"/>
@@ -544,13 +747,13 @@
         </pc:picChg>
       </pc:sldChg>
       <pc:sldChg chg="addSp delSp modSp add mod">
-        <pc:chgData name="Franz Andersch" userId="88b46490-1a31-494c-af6b-e252cc2a642d" providerId="ADAL" clId="{AB1E0CFC-1C57-4A1E-92D1-DAC8DD9182A6}" dt="2024-06-29T10:21:21.276" v="4072" actId="14100"/>
+        <pc:chgData name="Franz Andersch" userId="88b46490-1a31-494c-af6b-e252cc2a642d" providerId="ADAL" clId="{AB1E0CFC-1C57-4A1E-92D1-DAC8DD9182A6}" dt="2024-07-01T15:15:42.956" v="4949" actId="962"/>
         <pc:sldMkLst>
           <pc:docMk/>
           <pc:sldMk cId="2902806685" sldId="270"/>
         </pc:sldMkLst>
-        <pc:picChg chg="add mod">
-          <ac:chgData name="Franz Andersch" userId="88b46490-1a31-494c-af6b-e252cc2a642d" providerId="ADAL" clId="{AB1E0CFC-1C57-4A1E-92D1-DAC8DD9182A6}" dt="2024-06-29T10:21:21.276" v="4072" actId="14100"/>
+        <pc:picChg chg="add del mod">
+          <ac:chgData name="Franz Andersch" userId="88b46490-1a31-494c-af6b-e252cc2a642d" providerId="ADAL" clId="{AB1E0CFC-1C57-4A1E-92D1-DAC8DD9182A6}" dt="2024-07-01T15:13:22.933" v="4849" actId="478"/>
           <ac:picMkLst>
             <pc:docMk/>
             <pc:sldMk cId="2902806685" sldId="270"/>
@@ -589,8 +792,16 @@
             <ac:picMk id="4" creationId="{F6935AFB-8A21-043A-0B64-A0DD5D619F6E}"/>
           </ac:picMkLst>
         </pc:picChg>
-        <pc:picChg chg="mod ord replST">
-          <ac:chgData name="Franz Andersch" userId="88b46490-1a31-494c-af6b-e252cc2a642d" providerId="ADAL" clId="{AB1E0CFC-1C57-4A1E-92D1-DAC8DD9182A6}" dt="2024-06-27T17:36:32.374" v="2397" actId="962"/>
+        <pc:picChg chg="add mod">
+          <ac:chgData name="Franz Andersch" userId="88b46490-1a31-494c-af6b-e252cc2a642d" providerId="ADAL" clId="{AB1E0CFC-1C57-4A1E-92D1-DAC8DD9182A6}" dt="2024-07-01T15:13:37.037" v="4856" actId="1076"/>
+          <ac:picMkLst>
+            <pc:docMk/>
+            <pc:sldMk cId="2902806685" sldId="270"/>
+            <ac:picMk id="5" creationId="{892AF73E-6A12-EA96-1923-B8D2A01FAE62}"/>
+          </ac:picMkLst>
+        </pc:picChg>
+        <pc:picChg chg="del mod ord replST">
+          <ac:chgData name="Franz Andersch" userId="88b46490-1a31-494c-af6b-e252cc2a642d" providerId="ADAL" clId="{AB1E0CFC-1C57-4A1E-92D1-DAC8DD9182A6}" dt="2024-07-01T15:13:59.479" v="4885" actId="478"/>
           <ac:picMkLst>
             <pc:docMk/>
             <pc:sldMk cId="2902806685" sldId="270"/>
@@ -629,6 +840,14 @@
             <ac:picMk id="8" creationId="{49020F9B-9C95-8638-AF48-3DD5DF3A6140}"/>
           </ac:picMkLst>
         </pc:picChg>
+        <pc:picChg chg="del mod ord replST">
+          <ac:chgData name="Franz Andersch" userId="88b46490-1a31-494c-af6b-e252cc2a642d" providerId="ADAL" clId="{AB1E0CFC-1C57-4A1E-92D1-DAC8DD9182A6}" dt="2024-07-01T15:15:13.749" v="4916" actId="478"/>
+          <ac:picMkLst>
+            <pc:docMk/>
+            <pc:sldMk cId="2902806685" sldId="270"/>
+            <ac:picMk id="8" creationId="{EF757DDA-6C87-80A9-2153-5E32FCCF31F3}"/>
+          </ac:picMkLst>
+        </pc:picChg>
         <pc:picChg chg="add del mod">
           <ac:chgData name="Franz Andersch" userId="88b46490-1a31-494c-af6b-e252cc2a642d" providerId="ADAL" clId="{AB1E0CFC-1C57-4A1E-92D1-DAC8DD9182A6}" dt="2024-06-28T06:57:03.470" v="2839" actId="478"/>
           <ac:picMkLst>
@@ -637,6 +856,22 @@
             <ac:picMk id="10" creationId="{61AB07FF-8D31-3186-850F-DC65A7D0D908}"/>
           </ac:picMkLst>
         </pc:picChg>
+        <pc:picChg chg="del mod ord replST">
+          <ac:chgData name="Franz Andersch" userId="88b46490-1a31-494c-af6b-e252cc2a642d" providerId="ADAL" clId="{AB1E0CFC-1C57-4A1E-92D1-DAC8DD9182A6}" dt="2024-07-01T15:15:42.955" v="4947" actId="478"/>
+          <ac:picMkLst>
+            <pc:docMk/>
+            <pc:sldMk cId="2902806685" sldId="270"/>
+            <ac:picMk id="10" creationId="{CC95B2A3-E04D-65A6-90C5-D3E7681EAD67}"/>
+          </ac:picMkLst>
+        </pc:picChg>
+        <pc:picChg chg="mod ord replST">
+          <ac:chgData name="Franz Andersch" userId="88b46490-1a31-494c-af6b-e252cc2a642d" providerId="ADAL" clId="{AB1E0CFC-1C57-4A1E-92D1-DAC8DD9182A6}" dt="2024-07-01T15:15:42.956" v="4949" actId="962"/>
+          <ac:picMkLst>
+            <pc:docMk/>
+            <pc:sldMk cId="2902806685" sldId="270"/>
+            <ac:picMk id="12" creationId="{411DB361-60EB-928A-EEE9-0DBE5521E3A5}"/>
+          </ac:picMkLst>
+        </pc:picChg>
         <pc:picChg chg="del mod">
           <ac:chgData name="Franz Andersch" userId="88b46490-1a31-494c-af6b-e252cc2a642d" providerId="ADAL" clId="{AB1E0CFC-1C57-4A1E-92D1-DAC8DD9182A6}" dt="2024-06-26T21:41:11.960" v="1097" actId="478"/>
           <ac:picMkLst>
@@ -647,7 +882,7 @@
         </pc:picChg>
       </pc:sldChg>
       <pc:sldChg chg="delSp modSp add mod">
-        <pc:chgData name="Franz Andersch" userId="88b46490-1a31-494c-af6b-e252cc2a642d" providerId="ADAL" clId="{AB1E0CFC-1C57-4A1E-92D1-DAC8DD9182A6}" dt="2024-06-28T10:51:38.438" v="3366" actId="1076"/>
+        <pc:chgData name="Franz Andersch" userId="88b46490-1a31-494c-af6b-e252cc2a642d" providerId="ADAL" clId="{AB1E0CFC-1C57-4A1E-92D1-DAC8DD9182A6}" dt="2024-07-01T14:47:41.243" v="4801" actId="962"/>
         <pc:sldMkLst>
           <pc:docMk/>
           <pc:sldMk cId="2843438534" sldId="271"/>
@@ -668,6 +903,14 @@
             <ac:picMk id="4" creationId="{728AC3AA-308A-EDE4-7AF9-8D77074AC095}"/>
           </ac:picMkLst>
         </pc:picChg>
+        <pc:picChg chg="mod ord replST">
+          <ac:chgData name="Franz Andersch" userId="88b46490-1a31-494c-af6b-e252cc2a642d" providerId="ADAL" clId="{AB1E0CFC-1C57-4A1E-92D1-DAC8DD9182A6}" dt="2024-07-01T14:47:41.243" v="4801" actId="962"/>
+          <ac:picMkLst>
+            <pc:docMk/>
+            <pc:sldMk cId="2843438534" sldId="271"/>
+            <ac:picMk id="4" creationId="{AFD01AFB-CF26-8A35-EC06-7A2BF9FB7DCC}"/>
+          </ac:picMkLst>
+        </pc:picChg>
         <pc:picChg chg="del mod ord replST">
           <ac:chgData name="Franz Andersch" userId="88b46490-1a31-494c-af6b-e252cc2a642d" providerId="ADAL" clId="{AB1E0CFC-1C57-4A1E-92D1-DAC8DD9182A6}" dt="2024-06-28T10:50:52.984" v="3333" actId="478"/>
           <ac:picMkLst>
@@ -716,8 +959,8 @@
             <ac:picMk id="7" creationId="{3D283D81-158B-6651-36CF-FA138E69BA83}"/>
           </ac:picMkLst>
         </pc:picChg>
-        <pc:picChg chg="mod ord replST">
-          <ac:chgData name="Franz Andersch" userId="88b46490-1a31-494c-af6b-e252cc2a642d" providerId="ADAL" clId="{AB1E0CFC-1C57-4A1E-92D1-DAC8DD9182A6}" dt="2024-06-28T10:51:38.438" v="3366" actId="1076"/>
+        <pc:picChg chg="del mod ord replST">
+          <ac:chgData name="Franz Andersch" userId="88b46490-1a31-494c-af6b-e252cc2a642d" providerId="ADAL" clId="{AB1E0CFC-1C57-4A1E-92D1-DAC8DD9182A6}" dt="2024-07-01T14:47:41.243" v="4799" actId="478"/>
           <ac:picMkLst>
             <pc:docMk/>
             <pc:sldMk cId="2843438534" sldId="271"/>
@@ -813,7 +1056,7 @@
         </pc:picChg>
       </pc:sldChg>
       <pc:sldChg chg="delSp modSp add mod ord">
-        <pc:chgData name="Franz Andersch" userId="88b46490-1a31-494c-af6b-e252cc2a642d" providerId="ADAL" clId="{AB1E0CFC-1C57-4A1E-92D1-DAC8DD9182A6}" dt="2024-06-27T17:50:23.303" v="2624" actId="962"/>
+        <pc:chgData name="Franz Andersch" userId="88b46490-1a31-494c-af6b-e252cc2a642d" providerId="ADAL" clId="{AB1E0CFC-1C57-4A1E-92D1-DAC8DD9182A6}" dt="2024-07-01T15:21:19.799" v="5089" actId="962"/>
         <pc:sldMkLst>
           <pc:docMk/>
           <pc:sldMk cId="3291923032" sldId="273"/>
@@ -826,12 +1069,28 @@
             <ac:picMk id="4" creationId="{8EA2C5C6-6B38-3213-C629-D7D5362FAF15}"/>
           </ac:picMkLst>
         </pc:picChg>
-        <pc:picChg chg="mod ord replST">
-          <ac:chgData name="Franz Andersch" userId="88b46490-1a31-494c-af6b-e252cc2a642d" providerId="ADAL" clId="{AB1E0CFC-1C57-4A1E-92D1-DAC8DD9182A6}" dt="2024-06-27T17:50:23.303" v="2624" actId="962"/>
+        <pc:picChg chg="del mod ord replST">
+          <ac:chgData name="Franz Andersch" userId="88b46490-1a31-494c-af6b-e252cc2a642d" providerId="ADAL" clId="{AB1E0CFC-1C57-4A1E-92D1-DAC8DD9182A6}" dt="2024-07-01T15:21:19.798" v="5087" actId="478"/>
+          <ac:picMkLst>
+            <pc:docMk/>
+            <pc:sldMk cId="3291923032" sldId="273"/>
+            <ac:picMk id="4" creationId="{E5CA14B9-5623-14C3-4B05-E9470D1F0092}"/>
+          </ac:picMkLst>
+        </pc:picChg>
+        <pc:picChg chg="del mod ord replST">
+          <ac:chgData name="Franz Andersch" userId="88b46490-1a31-494c-af6b-e252cc2a642d" providerId="ADAL" clId="{AB1E0CFC-1C57-4A1E-92D1-DAC8DD9182A6}" dt="2024-07-01T15:18:20.080" v="4995" actId="478"/>
           <ac:picMkLst>
             <pc:docMk/>
             <pc:sldMk cId="3291923032" sldId="273"/>
             <ac:picMk id="5" creationId="{3631A129-09AA-DE6B-12C8-59A8EBB5EDBF}"/>
+          </ac:picMkLst>
+        </pc:picChg>
+        <pc:picChg chg="mod ord replST">
+          <ac:chgData name="Franz Andersch" userId="88b46490-1a31-494c-af6b-e252cc2a642d" providerId="ADAL" clId="{AB1E0CFC-1C57-4A1E-92D1-DAC8DD9182A6}" dt="2024-07-01T15:21:19.799" v="5089" actId="962"/>
+          <ac:picMkLst>
+            <pc:docMk/>
+            <pc:sldMk cId="3291923032" sldId="273"/>
+            <ac:picMk id="7" creationId="{4906954A-819A-1E47-B89A-9E4163964583}"/>
           </ac:picMkLst>
         </pc:picChg>
         <pc:picChg chg="del mod">
@@ -1406,7 +1665,7 @@
         </pc:picChg>
       </pc:sldChg>
       <pc:sldChg chg="addSp delSp modSp add mod">
-        <pc:chgData name="Franz Andersch" userId="88b46490-1a31-494c-af6b-e252cc2a642d" providerId="ADAL" clId="{AB1E0CFC-1C57-4A1E-92D1-DAC8DD9182A6}" dt="2024-06-29T15:19:48.057" v="4644" actId="1076"/>
+        <pc:chgData name="Franz Andersch" userId="88b46490-1a31-494c-af6b-e252cc2a642d" providerId="ADAL" clId="{AB1E0CFC-1C57-4A1E-92D1-DAC8DD9182A6}" dt="2024-07-01T15:16:05.090" v="4957" actId="1076"/>
         <pc:sldMkLst>
           <pc:docMk/>
           <pc:sldMk cId="67254046" sldId="280"/>
@@ -1419,8 +1678,8 @@
             <ac:spMk id="2" creationId="{388F7BA3-B785-BDE2-BAC6-74C1F53E9285}"/>
           </ac:spMkLst>
         </pc:spChg>
-        <pc:picChg chg="add mod">
-          <ac:chgData name="Franz Andersch" userId="88b46490-1a31-494c-af6b-e252cc2a642d" providerId="ADAL" clId="{AB1E0CFC-1C57-4A1E-92D1-DAC8DD9182A6}" dt="2024-06-29T10:22:05.171" v="4089" actId="692"/>
+        <pc:picChg chg="add del mod">
+          <ac:chgData name="Franz Andersch" userId="88b46490-1a31-494c-af6b-e252cc2a642d" providerId="ADAL" clId="{AB1E0CFC-1C57-4A1E-92D1-DAC8DD9182A6}" dt="2024-07-01T15:15:50.899" v="4950" actId="478"/>
           <ac:picMkLst>
             <pc:docMk/>
             <pc:sldMk cId="67254046" sldId="280"/>
@@ -1451,6 +1710,14 @@
             <ac:picMk id="6" creationId="{00FB585F-AE25-0F34-F953-2BC8FB6E326B}"/>
           </ac:picMkLst>
         </pc:picChg>
+        <pc:picChg chg="add mod">
+          <ac:chgData name="Franz Andersch" userId="88b46490-1a31-494c-af6b-e252cc2a642d" providerId="ADAL" clId="{AB1E0CFC-1C57-4A1E-92D1-DAC8DD9182A6}" dt="2024-07-01T15:16:05.090" v="4957" actId="1076"/>
+          <ac:picMkLst>
+            <pc:docMk/>
+            <pc:sldMk cId="67254046" sldId="280"/>
+            <ac:picMk id="6" creationId="{BC0AE1B6-2F37-3A3C-D6E5-0EA8BE1C87CF}"/>
+          </ac:picMkLst>
+        </pc:picChg>
         <pc:picChg chg="del mod ord replST">
           <ac:chgData name="Franz Andersch" userId="88b46490-1a31-494c-af6b-e252cc2a642d" providerId="ADAL" clId="{AB1E0CFC-1C57-4A1E-92D1-DAC8DD9182A6}" dt="2024-06-29T15:19:44.877" v="4641" actId="478"/>
           <ac:picMkLst>
@@ -1469,7 +1736,7 @@
         </pc:picChg>
       </pc:sldChg>
       <pc:sldChg chg="addSp delSp modSp add mod">
-        <pc:chgData name="Franz Andersch" userId="88b46490-1a31-494c-af6b-e252cc2a642d" providerId="ADAL" clId="{AB1E0CFC-1C57-4A1E-92D1-DAC8DD9182A6}" dt="2024-06-30T14:30:17.683" v="4725" actId="14100"/>
+        <pc:chgData name="Franz Andersch" userId="88b46490-1a31-494c-af6b-e252cc2a642d" providerId="ADAL" clId="{AB1E0CFC-1C57-4A1E-92D1-DAC8DD9182A6}" dt="2024-07-01T15:17:04.803" v="4967" actId="14100"/>
         <pc:sldMkLst>
           <pc:docMk/>
           <pc:sldMk cId="2769262704" sldId="281"/>
@@ -1482,8 +1749,8 @@
             <ac:spMk id="2" creationId="{388F7BA3-B785-BDE2-BAC6-74C1F53E9285}"/>
           </ac:spMkLst>
         </pc:spChg>
-        <pc:picChg chg="add mod">
-          <ac:chgData name="Franz Andersch" userId="88b46490-1a31-494c-af6b-e252cc2a642d" providerId="ADAL" clId="{AB1E0CFC-1C57-4A1E-92D1-DAC8DD9182A6}" dt="2024-06-30T14:30:17.683" v="4725" actId="14100"/>
+        <pc:picChg chg="add del mod">
+          <ac:chgData name="Franz Andersch" userId="88b46490-1a31-494c-af6b-e252cc2a642d" providerId="ADAL" clId="{AB1E0CFC-1C57-4A1E-92D1-DAC8DD9182A6}" dt="2024-07-01T15:16:41.248" v="4958" actId="478"/>
           <ac:picMkLst>
             <pc:docMk/>
             <pc:sldMk cId="2769262704" sldId="281"/>
@@ -1498,6 +1765,14 @@
             <ac:picMk id="4" creationId="{8EEA629F-03D6-6808-AE13-538CEEE92F91}"/>
           </ac:picMkLst>
         </pc:picChg>
+        <pc:picChg chg="mod ord replST">
+          <ac:chgData name="Franz Andersch" userId="88b46490-1a31-494c-af6b-e252cc2a642d" providerId="ADAL" clId="{AB1E0CFC-1C57-4A1E-92D1-DAC8DD9182A6}" dt="2024-07-01T14:49:54.762" v="4832" actId="962"/>
+          <ac:picMkLst>
+            <pc:docMk/>
+            <pc:sldMk cId="2769262704" sldId="281"/>
+            <ac:picMk id="5" creationId="{53632ED9-737D-E342-0CD4-7FA7217968E4}"/>
+          </ac:picMkLst>
+        </pc:picChg>
         <pc:picChg chg="del mod ord replST">
           <ac:chgData name="Franz Andersch" userId="88b46490-1a31-494c-af6b-e252cc2a642d" providerId="ADAL" clId="{AB1E0CFC-1C57-4A1E-92D1-DAC8DD9182A6}" dt="2024-06-29T10:44:30.061" v="4178" actId="478"/>
           <ac:picMkLst>
@@ -1514,6 +1789,14 @@
             <ac:picMk id="6" creationId="{B8FB4886-366C-1807-83F1-3FD2E6022809}"/>
           </ac:picMkLst>
         </pc:picChg>
+        <pc:picChg chg="add mod">
+          <ac:chgData name="Franz Andersch" userId="88b46490-1a31-494c-af6b-e252cc2a642d" providerId="ADAL" clId="{AB1E0CFC-1C57-4A1E-92D1-DAC8DD9182A6}" dt="2024-07-01T15:17:04.803" v="4967" actId="14100"/>
+          <ac:picMkLst>
+            <pc:docMk/>
+            <pc:sldMk cId="2769262704" sldId="281"/>
+            <ac:picMk id="7" creationId="{1E6B2CA4-8980-84F7-1D03-D54C0EEFB552}"/>
+          </ac:picMkLst>
+        </pc:picChg>
         <pc:picChg chg="del mod ord replST">
           <ac:chgData name="Franz Andersch" userId="88b46490-1a31-494c-af6b-e252cc2a642d" providerId="ADAL" clId="{AB1E0CFC-1C57-4A1E-92D1-DAC8DD9182A6}" dt="2024-06-29T10:46:10.750" v="4209" actId="478"/>
           <ac:picMkLst>
@@ -1530,8 +1813,8 @@
             <ac:picMk id="8" creationId="{597DD17C-7200-A8AE-517A-FBE4D22709E7}"/>
           </ac:picMkLst>
         </pc:picChg>
-        <pc:picChg chg="mod ord replST">
-          <ac:chgData name="Franz Andersch" userId="88b46490-1a31-494c-af6b-e252cc2a642d" providerId="ADAL" clId="{AB1E0CFC-1C57-4A1E-92D1-DAC8DD9182A6}" dt="2024-06-30T14:29:10.096" v="4712" actId="1076"/>
+        <pc:picChg chg="del mod ord replST">
+          <ac:chgData name="Franz Andersch" userId="88b46490-1a31-494c-af6b-e252cc2a642d" providerId="ADAL" clId="{AB1E0CFC-1C57-4A1E-92D1-DAC8DD9182A6}" dt="2024-07-01T14:49:54.761" v="4830" actId="478"/>
           <ac:picMkLst>
             <pc:docMk/>
             <pc:sldMk cId="2769262704" sldId="281"/>
@@ -1671,6 +1954,53 @@
             <pc:docMk/>
             <pc:sldMk cId="1208863920" sldId="282"/>
             <ac:picMk id="26" creationId="{A113E1C0-614E-A3F0-54E6-2D3147FCC690}"/>
+          </ac:picMkLst>
+        </pc:picChg>
+      </pc:sldChg>
+      <pc:sldChg chg="delSp modSp add mod">
+        <pc:chgData name="Franz Andersch" userId="88b46490-1a31-494c-af6b-e252cc2a642d" providerId="ADAL" clId="{AB1E0CFC-1C57-4A1E-92D1-DAC8DD9182A6}" dt="2024-07-01T19:40:22.776" v="5744" actId="962"/>
+        <pc:sldMkLst>
+          <pc:docMk/>
+          <pc:sldMk cId="1604509671" sldId="283"/>
+        </pc:sldMkLst>
+        <pc:spChg chg="mod">
+          <ac:chgData name="Franz Andersch" userId="88b46490-1a31-494c-af6b-e252cc2a642d" providerId="ADAL" clId="{AB1E0CFC-1C57-4A1E-92D1-DAC8DD9182A6}" dt="2024-07-01T17:08:00.287" v="5590" actId="20577"/>
+          <ac:spMkLst>
+            <pc:docMk/>
+            <pc:sldMk cId="1604509671" sldId="283"/>
+            <ac:spMk id="2" creationId="{388F7BA3-B785-BDE2-BAC6-74C1F53E9285}"/>
+          </ac:spMkLst>
+        </pc:spChg>
+        <pc:picChg chg="del mod ord replST">
+          <ac:chgData name="Franz Andersch" userId="88b46490-1a31-494c-af6b-e252cc2a642d" providerId="ADAL" clId="{AB1E0CFC-1C57-4A1E-92D1-DAC8DD9182A6}" dt="2024-07-01T19:39:43.339" v="5709" actId="478"/>
+          <ac:picMkLst>
+            <pc:docMk/>
+            <pc:sldMk cId="1604509671" sldId="283"/>
+            <ac:picMk id="4" creationId="{1E901332-1E39-E164-3414-19BA523DCB94}"/>
+          </ac:picMkLst>
+        </pc:picChg>
+        <pc:picChg chg="del mod ord replST">
+          <ac:chgData name="Franz Andersch" userId="88b46490-1a31-494c-af6b-e252cc2a642d" providerId="ADAL" clId="{AB1E0CFC-1C57-4A1E-92D1-DAC8DD9182A6}" dt="2024-07-01T19:40:22.775" v="5742" actId="478"/>
+          <ac:picMkLst>
+            <pc:docMk/>
+            <pc:sldMk cId="1604509671" sldId="283"/>
+            <ac:picMk id="6" creationId="{C60B553B-7AD7-D1D0-4FBC-153AD649D416}"/>
+          </ac:picMkLst>
+        </pc:picChg>
+        <pc:picChg chg="mod ord replST">
+          <ac:chgData name="Franz Andersch" userId="88b46490-1a31-494c-af6b-e252cc2a642d" providerId="ADAL" clId="{AB1E0CFC-1C57-4A1E-92D1-DAC8DD9182A6}" dt="2024-07-01T19:40:22.776" v="5744" actId="962"/>
+          <ac:picMkLst>
+            <pc:docMk/>
+            <pc:sldMk cId="1604509671" sldId="283"/>
+            <ac:picMk id="8" creationId="{59A35446-63A6-BA9E-7F11-1DBDBA76C36F}"/>
+          </ac:picMkLst>
+        </pc:picChg>
+        <pc:picChg chg="del mod">
+          <ac:chgData name="Franz Andersch" userId="88b46490-1a31-494c-af6b-e252cc2a642d" providerId="ADAL" clId="{AB1E0CFC-1C57-4A1E-92D1-DAC8DD9182A6}" dt="2024-07-01T19:36:57.796" v="5648" actId="478"/>
+          <ac:picMkLst>
+            <pc:docMk/>
+            <pc:sldMk cId="1604509671" sldId="283"/>
+            <ac:picMk id="33" creationId="{B0A3D373-9581-04FA-10D9-32D18A8F3DF2}"/>
           </ac:picMkLst>
         </pc:picChg>
       </pc:sldChg>
@@ -5248,137 +5578,6 @@
             </a:r>
             <a:r>
               <a:rPr lang="de-DE"/>
-              <a:t>: Setting </a:t>
-            </a:r>
-            <a:r>
-              <a:rPr lang="de-DE" err="1"/>
-              <a:t>up</a:t>
-            </a:r>
-            <a:r>
-              <a:rPr lang="de-DE"/>
-              <a:t> </a:t>
-            </a:r>
-            <a:r>
-              <a:rPr lang="de-DE" err="1"/>
-              <a:t>Constraints</a:t>
-            </a:r>
-            <a:endParaRPr lang="de-DE"/>
-          </a:p>
-        </p:txBody>
-      </p:sp>
-      <p:pic>
-        <p:nvPicPr>
-          <p:cNvPr id="5" name="Grafik 4" descr="\documentclass[20pt]{article}&#10;\usepackage{amsmath,amsfonts,amssymb,xcolor, mathtools}&#10;\pagestyle{empty}&#10;\usepackage[T1]{fontenc}&#10;\usepackage{fontspec}&#10;\setsansfont{Arial}&#10;\renewcommand\familydefault{\sfdefault}&#10;\begin{document}&#10;\begin{itemize}&#10;\item for the maximization the constraints that   $\beta \cdot \overline{x}+\beta_0\ge 1$ for \textcolor{red}{positive} \newline and ($\beta \cdot \overline{x}+\beta_0\le -1$) for \textcolor{green}{negative} are still to respect&#10;&#10;\item goal: merge both constraints in one&#10;\item introduce new variable $y$ with $y=1$ for positive samples and $y=-1$ for negative samples&#10;\item leading to constraint $y(\beta x+\beta_0)\ge 1$&#10;\end{itemize}&#10;\end{document}" title="IguanaTex Picture Display">
-            <a:extLst>
-              <a:ext uri="{FF2B5EF4-FFF2-40B4-BE49-F238E27FC236}">
-                <a16:creationId xmlns:a16="http://schemas.microsoft.com/office/drawing/2014/main" id="{3631A129-09AA-DE6B-12C8-59A8EBB5EDBF}"/>
-              </a:ext>
-            </a:extLst>
-          </p:cNvPr>
-          <p:cNvPicPr>
-            <a:picLocks noChangeAspect="1"/>
-          </p:cNvPicPr>
-          <p:nvPr>
-            <p:custDataLst>
-              <p:tags r:id="rId1"/>
-            </p:custDataLst>
-          </p:nvPr>
-        </p:nvPicPr>
-        <p:blipFill>
-          <a:blip r:embed="rId3">
-            <a:extLst>
-              <a:ext uri="{28A0092B-C50C-407E-A947-70E740481C1C}">
-                <a14:useLocalDpi xmlns:a14="http://schemas.microsoft.com/office/drawing/2010/main" val="0"/>
-              </a:ext>
-            </a:extLst>
-          </a:blip>
-          <a:stretch>
-            <a:fillRect/>
-          </a:stretch>
-        </p:blipFill>
-        <p:spPr>
-          <a:xfrm>
-            <a:off x="683568" y="1419622"/>
-            <a:ext cx="7470314" cy="2198317"/>
-          </a:xfrm>
-          <a:prstGeom prst="rect">
-            <a:avLst/>
-          </a:prstGeom>
-        </p:spPr>
-      </p:pic>
-    </p:spTree>
-    <p:extLst>
-      <p:ext uri="{BB962C8B-B14F-4D97-AF65-F5344CB8AC3E}">
-        <p14:creationId xmlns:p14="http://schemas.microsoft.com/office/powerpoint/2010/main" val="3291923032"/>
-      </p:ext>
-    </p:extLst>
-  </p:cSld>
-  <p:clrMapOvr>
-    <a:masterClrMapping/>
-  </p:clrMapOvr>
-</p:sld>
-</file>
-
-<file path=ppt/slides/slide11.xml><?xml version="1.0" encoding="utf-8"?>
-<p:sld xmlns:a="http://schemas.openxmlformats.org/drawingml/2006/main" xmlns:r="http://schemas.openxmlformats.org/officeDocument/2006/relationships" xmlns:p="http://schemas.openxmlformats.org/presentationml/2006/main">
-  <p:cSld>
-    <p:spTree>
-      <p:nvGrpSpPr>
-        <p:cNvPr id="1" name=""/>
-        <p:cNvGrpSpPr/>
-        <p:nvPr/>
-      </p:nvGrpSpPr>
-      <p:grpSpPr>
-        <a:xfrm>
-          <a:off x="0" y="0"/>
-          <a:ext cx="0" cy="0"/>
-          <a:chOff x="0" y="0"/>
-          <a:chExt cx="0" cy="0"/>
-        </a:xfrm>
-      </p:grpSpPr>
-      <p:sp>
-        <p:nvSpPr>
-          <p:cNvPr id="2" name="Titel 1">
-            <a:extLst>
-              <a:ext uri="{FF2B5EF4-FFF2-40B4-BE49-F238E27FC236}">
-                <a16:creationId xmlns:a16="http://schemas.microsoft.com/office/drawing/2014/main" id="{388F7BA3-B785-BDE2-BAC6-74C1F53E9285}"/>
-              </a:ext>
-            </a:extLst>
-          </p:cNvPr>
-          <p:cNvSpPr>
-            <a:spLocks noGrp="1"/>
-          </p:cNvSpPr>
-          <p:nvPr>
-            <p:ph type="title"/>
-          </p:nvPr>
-        </p:nvSpPr>
-        <p:spPr/>
-        <p:txBody>
-          <a:bodyPr/>
-          <a:lstStyle/>
-          <a:p>
-            <a:r>
-              <a:rPr lang="de-DE" err="1"/>
-              <a:t>How</a:t>
-            </a:r>
-            <a:r>
-              <a:rPr lang="de-DE"/>
-              <a:t> </a:t>
-            </a:r>
-            <a:r>
-              <a:rPr lang="de-DE" err="1"/>
-              <a:t>it</a:t>
-            </a:r>
-            <a:r>
-              <a:rPr lang="de-DE"/>
-              <a:t> </a:t>
-            </a:r>
-            <a:r>
-              <a:rPr lang="de-DE" err="1"/>
-              <a:t>works</a:t>
-            </a:r>
-            <a:r>
-              <a:rPr lang="de-DE"/>
               <a:t>: </a:t>
             </a:r>
             <a:r>
@@ -5450,7 +5649,7 @@
 </p:sld>
 </file>
 
-<file path=ppt/slides/slide12.xml><?xml version="1.0" encoding="utf-8"?>
+<file path=ppt/slides/slide11.xml><?xml version="1.0" encoding="utf-8"?>
 <p:sld xmlns:a="http://schemas.openxmlformats.org/drawingml/2006/main" xmlns:r="http://schemas.openxmlformats.org/officeDocument/2006/relationships" xmlns:p="http://schemas.openxmlformats.org/presentationml/2006/main">
   <p:cSld>
     <p:spTree>
@@ -5581,7 +5780,7 @@
 </p:sld>
 </file>
 
-<file path=ppt/slides/slide13.xml><?xml version="1.0" encoding="utf-8"?>
+<file path=ppt/slides/slide12.xml><?xml version="1.0" encoding="utf-8"?>
 <p:sld xmlns:a="http://schemas.openxmlformats.org/drawingml/2006/main" xmlns:r="http://schemas.openxmlformats.org/officeDocument/2006/relationships" xmlns:p="http://schemas.openxmlformats.org/presentationml/2006/main">
   <p:cSld>
     <p:spTree>
@@ -5707,7 +5906,7 @@
 </p:sld>
 </file>
 
-<file path=ppt/slides/slide14.xml><?xml version="1.0" encoding="utf-8"?>
+<file path=ppt/slides/slide13.xml><?xml version="1.0" encoding="utf-8"?>
 <p:sld xmlns:a="http://schemas.openxmlformats.org/drawingml/2006/main" xmlns:r="http://schemas.openxmlformats.org/officeDocument/2006/relationships" xmlns:p="http://schemas.openxmlformats.org/presentationml/2006/main">
   <p:cSld>
     <p:spTree>
@@ -5825,7 +6024,7 @@
 </p:sld>
 </file>
 
-<file path=ppt/slides/slide15.xml><?xml version="1.0" encoding="utf-8"?>
+<file path=ppt/slides/slide14.xml><?xml version="1.0" encoding="utf-8"?>
 <p:sld xmlns:a="http://schemas.openxmlformats.org/drawingml/2006/main" xmlns:r="http://schemas.openxmlformats.org/officeDocument/2006/relationships" xmlns:p="http://schemas.openxmlformats.org/presentationml/2006/main">
   <p:cSld>
     <p:spTree>
@@ -5943,7 +6142,7 @@
 </p:sld>
 </file>
 
-<file path=ppt/slides/slide16.xml><?xml version="1.0" encoding="utf-8"?>
+<file path=ppt/slides/slide15.xml><?xml version="1.0" encoding="utf-8"?>
 <p:sld xmlns:a="http://schemas.openxmlformats.org/drawingml/2006/main" xmlns:r="http://schemas.openxmlformats.org/officeDocument/2006/relationships" xmlns:p="http://schemas.openxmlformats.org/presentationml/2006/main">
   <p:cSld>
     <p:spTree>
@@ -6061,7 +6260,7 @@
 </p:sld>
 </file>
 
-<file path=ppt/slides/slide17.xml><?xml version="1.0" encoding="utf-8"?>
+<file path=ppt/slides/slide16.xml><?xml version="1.0" encoding="utf-8"?>
 <p:sld xmlns:a="http://schemas.openxmlformats.org/drawingml/2006/main" xmlns:r="http://schemas.openxmlformats.org/officeDocument/2006/relationships" xmlns:p="http://schemas.openxmlformats.org/presentationml/2006/main">
   <p:cSld>
     <p:spTree>
@@ -6173,10 +6372,10 @@
       </p:pic>
       <p:pic>
         <p:nvPicPr>
-          <p:cNvPr id="4" name="Grafik 3" descr="Ein Bild, das Reihe, Diagramm, Screenshot, Steigung enthält.&#10;&#10;Automatisch generierte Beschreibung">
+          <p:cNvPr id="6" name="Grafik 5" descr="Ein Bild, das Reihe, Screenshot, Diagramm, parallel enthält.&#10;&#10;Automatisch generierte Beschreibung">
             <a:extLst>
               <a:ext uri="{FF2B5EF4-FFF2-40B4-BE49-F238E27FC236}">
-                <a16:creationId xmlns:a16="http://schemas.microsoft.com/office/drawing/2014/main" id="{8EEA629F-03D6-6808-AE13-538CEEE92F91}"/>
+                <a16:creationId xmlns:a16="http://schemas.microsoft.com/office/drawing/2014/main" id="{BC0AE1B6-2F37-3A3C-D6E5-0EA8BE1C87CF}"/>
               </a:ext>
             </a:extLst>
           </p:cNvPr>
@@ -6199,23 +6398,190 @@
         </p:blipFill>
         <p:spPr>
           <a:xfrm>
-            <a:off x="5148063" y="1188000"/>
-            <a:ext cx="3605704" cy="3074400"/>
+            <a:off x="4997105" y="1239946"/>
+            <a:ext cx="3980567" cy="3378627"/>
           </a:xfrm>
           <a:prstGeom prst="rect">
             <a:avLst/>
           </a:prstGeom>
-          <a:ln w="3175">
-            <a:solidFill>
-              <a:schemeClr val="accent1"/>
-            </a:solidFill>
-          </a:ln>
         </p:spPr>
       </p:pic>
     </p:spTree>
     <p:extLst>
       <p:ext uri="{BB962C8B-B14F-4D97-AF65-F5344CB8AC3E}">
         <p14:creationId xmlns:p14="http://schemas.microsoft.com/office/powerpoint/2010/main" val="67254046"/>
+      </p:ext>
+    </p:extLst>
+  </p:cSld>
+  <p:clrMapOvr>
+    <a:masterClrMapping/>
+  </p:clrMapOvr>
+</p:sld>
+</file>
+
+<file path=ppt/slides/slide17.xml><?xml version="1.0" encoding="utf-8"?>
+<p:sld xmlns:a="http://schemas.openxmlformats.org/drawingml/2006/main" xmlns:r="http://schemas.openxmlformats.org/officeDocument/2006/relationships" xmlns:p="http://schemas.openxmlformats.org/presentationml/2006/main">
+  <p:cSld>
+    <p:spTree>
+      <p:nvGrpSpPr>
+        <p:cNvPr id="1" name=""/>
+        <p:cNvGrpSpPr/>
+        <p:nvPr/>
+      </p:nvGrpSpPr>
+      <p:grpSpPr>
+        <a:xfrm>
+          <a:off x="0" y="0"/>
+          <a:ext cx="0" cy="0"/>
+          <a:chOff x="0" y="0"/>
+          <a:chExt cx="0" cy="0"/>
+        </a:xfrm>
+      </p:grpSpPr>
+      <p:sp>
+        <p:nvSpPr>
+          <p:cNvPr id="2" name="Titel 1">
+            <a:extLst>
+              <a:ext uri="{FF2B5EF4-FFF2-40B4-BE49-F238E27FC236}">
+                <a16:creationId xmlns:a16="http://schemas.microsoft.com/office/drawing/2014/main" id="{388F7BA3-B785-BDE2-BAC6-74C1F53E9285}"/>
+              </a:ext>
+            </a:extLst>
+          </p:cNvPr>
+          <p:cNvSpPr>
+            <a:spLocks noGrp="1"/>
+          </p:cNvSpPr>
+          <p:nvPr>
+            <p:ph type="title"/>
+          </p:nvPr>
+        </p:nvSpPr>
+        <p:spPr/>
+        <p:txBody>
+          <a:bodyPr/>
+          <a:lstStyle/>
+          <a:p>
+            <a:r>
+              <a:rPr lang="de-DE" err="1"/>
+              <a:t>How</a:t>
+            </a:r>
+            <a:r>
+              <a:rPr lang="de-DE"/>
+              <a:t> </a:t>
+            </a:r>
+            <a:r>
+              <a:rPr lang="de-DE" err="1"/>
+              <a:t>it</a:t>
+            </a:r>
+            <a:r>
+              <a:rPr lang="de-DE"/>
+              <a:t> </a:t>
+            </a:r>
+            <a:r>
+              <a:rPr lang="de-DE" err="1"/>
+              <a:t>works</a:t>
+            </a:r>
+            <a:r>
+              <a:rPr lang="de-DE"/>
+              <a:t>: </a:t>
+            </a:r>
+            <a:r>
+              <a:rPr lang="de-DE" err="1"/>
+              <a:t>use</a:t>
+            </a:r>
+            <a:r>
+              <a:rPr lang="de-DE"/>
+              <a:t> </a:t>
+            </a:r>
+            <a:r>
+              <a:rPr lang="de-DE" err="1"/>
+              <a:t>of</a:t>
+            </a:r>
+            <a:r>
+              <a:rPr lang="de-DE"/>
+              <a:t> Kernels</a:t>
+            </a:r>
+          </a:p>
+        </p:txBody>
+      </p:sp>
+      <p:pic>
+        <p:nvPicPr>
+          <p:cNvPr id="5" name="Grafik 4" descr="\documentclass[20pt]{article}&#10;\usepackage{amsmath,amsfonts,amssymb,xcolor, mathtools}&#10;\pagestyle{empty}&#10;\usepackage[T1]{fontenc}&#10;\usepackage{fontspec}&#10;\setsansfont{Arial}&#10;\renewcommand\familydefault{\sfdefault}&#10;\begin{document}&#10;\begin{itemize}&#10;\item apply a transforming function (Kernel)\newline $K(\overline{x}_i \cdot \overline{x}_j)$ to the dot products in the\newline  maximization function &#10;\item some used Kernel functions are &#10;\begin{itemize}&#10;\item the polynomial kernel of order $d$:\newline $K(\overline{x}_i,\overline{x}_j)=(1+ \overline{x}_i^\mathsf{T}\; \overline{x}_j)^d$&#10;\item the radial/gaussian Kernel:\newline$K(\overline{x}_i,\overline{x}_j)=exp(-\gamma||\overline{x}_i- \overline{x}_j||^2)$&#10;\item sigmoid Kernel: $K(\overline{x}_i,\overline{x}_j)= \tanh(\gamma (\overline{x}_i^\mathsf{T}\; \overline{x}_j)+r)$&#10;\end{itemize}&#10;\end{itemize}&#10;\end{document}" title="IguanaTex Picture Display">
+            <a:extLst>
+              <a:ext uri="{FF2B5EF4-FFF2-40B4-BE49-F238E27FC236}">
+                <a16:creationId xmlns:a16="http://schemas.microsoft.com/office/drawing/2014/main" id="{53632ED9-737D-E342-0CD4-7FA7217968E4}"/>
+              </a:ext>
+            </a:extLst>
+          </p:cNvPr>
+          <p:cNvPicPr>
+            <a:picLocks noChangeAspect="1"/>
+          </p:cNvPicPr>
+          <p:nvPr>
+            <p:custDataLst>
+              <p:tags r:id="rId1"/>
+            </p:custDataLst>
+          </p:nvPr>
+        </p:nvPicPr>
+        <p:blipFill>
+          <a:blip r:embed="rId3">
+            <a:extLst>
+              <a:ext uri="{28A0092B-C50C-407E-A947-70E740481C1C}">
+                <a14:useLocalDpi xmlns:a14="http://schemas.microsoft.com/office/drawing/2010/main" val="0"/>
+              </a:ext>
+            </a:extLst>
+          </a:blip>
+          <a:stretch>
+            <a:fillRect/>
+          </a:stretch>
+        </p:blipFill>
+        <p:spPr>
+          <a:xfrm>
+            <a:off x="611560" y="1203598"/>
+            <a:ext cx="5447160" cy="3211321"/>
+          </a:xfrm>
+          <a:prstGeom prst="rect">
+            <a:avLst/>
+          </a:prstGeom>
+        </p:spPr>
+      </p:pic>
+      <p:pic>
+        <p:nvPicPr>
+          <p:cNvPr id="7" name="Grafik 6" descr="Ein Bild, das Diagramm, Reihe, Screenshot, Design enthält.&#10;&#10;Automatisch generierte Beschreibung">
+            <a:extLst>
+              <a:ext uri="{FF2B5EF4-FFF2-40B4-BE49-F238E27FC236}">
+                <a16:creationId xmlns:a16="http://schemas.microsoft.com/office/drawing/2014/main" id="{1E6B2CA4-8980-84F7-1D03-D54C0EEFB552}"/>
+              </a:ext>
+            </a:extLst>
+          </p:cNvPr>
+          <p:cNvPicPr>
+            <a:picLocks noChangeAspect="1"/>
+          </p:cNvPicPr>
+          <p:nvPr/>
+        </p:nvPicPr>
+        <p:blipFill>
+          <a:blip r:embed="rId4">
+            <a:extLst>
+              <a:ext uri="{28A0092B-C50C-407E-A947-70E740481C1C}">
+                <a14:useLocalDpi xmlns:a14="http://schemas.microsoft.com/office/drawing/2010/main" val="0"/>
+              </a:ext>
+            </a:extLst>
+          </a:blip>
+          <a:stretch>
+            <a:fillRect/>
+          </a:stretch>
+        </p:blipFill>
+        <p:spPr>
+          <a:xfrm>
+            <a:off x="4772952" y="927585"/>
+            <a:ext cx="4051139" cy="3118311"/>
+          </a:xfrm>
+          <a:prstGeom prst="round1Rect">
+            <a:avLst>
+              <a:gd name="adj" fmla="val 35408"/>
+            </a:avLst>
+          </a:prstGeom>
+        </p:spPr>
+      </p:pic>
+    </p:spTree>
+    <p:extLst>
+      <p:ext uri="{BB962C8B-B14F-4D97-AF65-F5344CB8AC3E}">
+        <p14:creationId xmlns:p14="http://schemas.microsoft.com/office/powerpoint/2010/main" val="2769262704"/>
       </p:ext>
     </p:extLst>
   </p:cSld>
@@ -6308,10 +6674,10 @@
       </p:sp>
       <p:pic>
         <p:nvPicPr>
-          <p:cNvPr id="8" name="Grafik 7" descr="\documentclass[20pt]{article}&#10;\usepackage{amsmath,amsfonts,amssymb,xcolor, mathtools}&#10;\pagestyle{empty}&#10;\usepackage[T1]{fontenc}&#10;\usepackage{fontspec}&#10;\setsansfont{Arial}&#10;\renewcommand\familydefault{\sfdefault}&#10;\begin{document}&#10;\begin{itemize}&#10;\item apply a transforming function (Kernel)\newline $K(\overline{x}_i \cdot \overline{x}_j)$ to the dot products in the\newline  maximization function &#10;\item some used Kernel functions are &#10;\begin{itemize}&#10;\item the plynomial kernel of order $d$:\newline $K(\overline{x}_i,\overline{x}_j)=(1+ \overline{x}_i^\mathsf{T}\; \overline{x}_j)^d$&#10;\item the radial/gaussian Kernel:\newline$K(\overline{x}_i,\overline{x}_j)=exp(-\gamma||\overline{x}_i- \overline{x}_j||^2)$&#10;\item sigmoid Kernel: $K(\overline{x}_i,\overline{x}_j)= \tanh(\gamma (\overline{x}_i^\mathsf{T}\; \overline{x}_j)+r)$&#10;\end{itemize}&#10;\end{itemize}&#10;\end{document}" title="IguanaTex Picture Display">
+          <p:cNvPr id="4" name="Grafik 3" descr="\documentclass[20pt]{article}&#10;\usepackage{amsmath,amsfonts,amssymb,xcolor, mathtools}&#10;\pagestyle{empty}&#10;\usepackage[T1]{fontenc}&#10;\usepackage{fontspec}&#10;\setsansfont{Arial}&#10;\renewcommand\familydefault{\sfdefault}&#10;\begin{document}&#10;\begin{itemize}&#10;\item the decision function for an unknown vector $\overline{u}$ needs some adjustement\newline&#10;$ f(\overline{u})=\sum_{i=1}^n \alpha_i y_i K(\overline{x}_i,\overline{u})+\beta_0$&#10;\item the decision rule is the same as in the linear case&#10;\end{itemize}&#10;\end{document}" title="IguanaTex Picture Display">
             <a:extLst>
               <a:ext uri="{FF2B5EF4-FFF2-40B4-BE49-F238E27FC236}">
-                <a16:creationId xmlns:a16="http://schemas.microsoft.com/office/drawing/2014/main" id="{7A1DE830-5A11-C260-5125-2CCCA25E99FF}"/>
+                <a16:creationId xmlns:a16="http://schemas.microsoft.com/office/drawing/2014/main" id="{19DFE7B8-4BDE-D9BF-B2D3-C7DCF15E1F81}"/>
               </a:ext>
             </a:extLst>
           </p:cNvPr>
@@ -6338,56 +6704,18 @@
         </p:blipFill>
         <p:spPr>
           <a:xfrm>
-            <a:off x="611560" y="1203598"/>
-            <a:ext cx="5446861" cy="3209390"/>
+            <a:off x="683568" y="1923678"/>
+            <a:ext cx="7441488" cy="981553"/>
           </a:xfrm>
           <a:prstGeom prst="rect">
             <a:avLst/>
           </a:prstGeom>
         </p:spPr>
       </p:pic>
-      <p:pic>
-        <p:nvPicPr>
-          <p:cNvPr id="4" name="Grafik 3" descr="Ein Bild, das Diagramm, Design enthält.&#10;&#10;Automatisch generierte Beschreibung">
-            <a:extLst>
-              <a:ext uri="{FF2B5EF4-FFF2-40B4-BE49-F238E27FC236}">
-                <a16:creationId xmlns:a16="http://schemas.microsoft.com/office/drawing/2014/main" id="{0B7929DF-AAAA-3F3D-F31B-2B252ED91295}"/>
-              </a:ext>
-            </a:extLst>
-          </p:cNvPr>
-          <p:cNvPicPr>
-            <a:picLocks noChangeAspect="1"/>
-          </p:cNvPicPr>
-          <p:nvPr/>
-        </p:nvPicPr>
-        <p:blipFill>
-          <a:blip r:embed="rId4">
-            <a:extLst>
-              <a:ext uri="{28A0092B-C50C-407E-A947-70E740481C1C}">
-                <a14:useLocalDpi xmlns:a14="http://schemas.microsoft.com/office/drawing/2010/main" val="0"/>
-              </a:ext>
-            </a:extLst>
-          </a:blip>
-          <a:stretch>
-            <a:fillRect/>
-          </a:stretch>
-        </p:blipFill>
-        <p:spPr>
-          <a:xfrm>
-            <a:off x="4716016" y="987574"/>
-            <a:ext cx="3928615" cy="3024000"/>
-          </a:xfrm>
-          <a:prstGeom prst="round1Rect">
-            <a:avLst>
-              <a:gd name="adj" fmla="val 28717"/>
-            </a:avLst>
-          </a:prstGeom>
-        </p:spPr>
-      </p:pic>
     </p:spTree>
     <p:extLst>
       <p:ext uri="{BB962C8B-B14F-4D97-AF65-F5344CB8AC3E}">
-        <p14:creationId xmlns:p14="http://schemas.microsoft.com/office/powerpoint/2010/main" val="2769262704"/>
+        <p14:creationId xmlns:p14="http://schemas.microsoft.com/office/powerpoint/2010/main" val="1208863920"/>
       </p:ext>
     </p:extLst>
   </p:cSld>
@@ -6436,54 +6764,23 @@
           <a:lstStyle/>
           <a:p>
             <a:r>
+              <a:rPr lang="de-DE"/>
+              <a:t>Pros and </a:t>
+            </a:r>
+            <a:r>
               <a:rPr lang="de-DE" err="1"/>
-              <a:t>How</a:t>
-            </a:r>
-            <a:r>
-              <a:rPr lang="de-DE"/>
-              <a:t> </a:t>
-            </a:r>
-            <a:r>
-              <a:rPr lang="de-DE" err="1"/>
-              <a:t>it</a:t>
-            </a:r>
-            <a:r>
-              <a:rPr lang="de-DE"/>
-              <a:t> </a:t>
-            </a:r>
-            <a:r>
-              <a:rPr lang="de-DE" err="1"/>
-              <a:t>works</a:t>
-            </a:r>
-            <a:r>
-              <a:rPr lang="de-DE"/>
-              <a:t>: </a:t>
-            </a:r>
-            <a:r>
-              <a:rPr lang="de-DE" err="1"/>
-              <a:t>use</a:t>
-            </a:r>
-            <a:r>
-              <a:rPr lang="de-DE"/>
-              <a:t> </a:t>
-            </a:r>
-            <a:r>
-              <a:rPr lang="de-DE" err="1"/>
-              <a:t>of</a:t>
-            </a:r>
-            <a:r>
-              <a:rPr lang="de-DE"/>
-              <a:t> Kernels</a:t>
-            </a:r>
+              <a:t>Cons</a:t>
+            </a:r>
+            <a:endParaRPr lang="de-DE"/>
           </a:p>
         </p:txBody>
       </p:sp>
       <p:pic>
         <p:nvPicPr>
-          <p:cNvPr id="4" name="Grafik 3" descr="\documentclass[20pt]{article}&#10;\usepackage{amsmath,amsfonts,amssymb,xcolor, mathtools}&#10;\pagestyle{empty}&#10;\usepackage[T1]{fontenc}&#10;\usepackage{fontspec}&#10;\setsansfont{Arial}&#10;\renewcommand\familydefault{\sfdefault}&#10;\begin{document}&#10;\begin{itemize}&#10;\item the decision function for an unknown vector $\overline{u}$ needs some adjustement\newline&#10;$ f(\overline{u})=\sum_{i=1}^n \alpha_i y_i K(\overline{x}_i,\overline{u})+\beta_0$&#10;\item the decision rule is the same as in the linear case&#10;\end{itemize}&#10;\end{document}" title="IguanaTex Picture Display">
+          <p:cNvPr id="39" name="Grafik 38" descr="\documentclass[20pt]{article}&#10;\usepackage{amsmath,amsfonts,amssymb,xcolor, mathtools}&#10;\pagestyle{empty}&#10;\usepackage{booktabs}&#10;\usepackage{enumitem}&#10;\usepackage{parskip}&#10;\usepackage[T1]{fontenc}&#10;\usepackage{fontspec}&#10;\setsansfont{Arial}&#10;\renewcommand\familydefault{\sfdefault}&#10;\begin{document}&#10;\centering&#10;\begin{tabular}{p{5cm}|p{5cm}}&#10;\textbf{Pros}&amp;\textbf{cons}\\&#10;\hline&#10;\begin{itemize}[topsep=0cm,leftmargin=0.3cm]&#10;\item efficiently classifies in a high dimensional setting ($n\ll p$)&#10;\item risk of overfitting is lower&#10;&#10;\end{itemize}&#10;&amp;&#10;\begin{itemize}[topsep=0cm,leftmargin=0.3cm]&#10;\item heavily relies on the choice of hyperparameters/kernels&#10;\item no interpretability of coefficients&#10;\end{itemize}&#10;\end{tabular}&#10;\end{document}" title="IguanaTex Picture Display">
             <a:extLst>
               <a:ext uri="{FF2B5EF4-FFF2-40B4-BE49-F238E27FC236}">
-                <a16:creationId xmlns:a16="http://schemas.microsoft.com/office/drawing/2014/main" id="{19DFE7B8-4BDE-D9BF-B2D3-C7DCF15E1F81}"/>
+                <a16:creationId xmlns:a16="http://schemas.microsoft.com/office/drawing/2014/main" id="{D77E97AA-FE7A-E96E-1BFF-96304AC5176D}"/>
               </a:ext>
             </a:extLst>
           </p:cNvPr>
@@ -6510,8 +6807,8 @@
         </p:blipFill>
         <p:spPr>
           <a:xfrm>
-            <a:off x="683568" y="1923678"/>
-            <a:ext cx="7441488" cy="981553"/>
+            <a:off x="838201" y="1492253"/>
+            <a:ext cx="7057644" cy="1904753"/>
           </a:xfrm>
           <a:prstGeom prst="rect">
             <a:avLst/>
@@ -6521,7 +6818,7 @@
     </p:spTree>
     <p:extLst>
       <p:ext uri="{BB962C8B-B14F-4D97-AF65-F5344CB8AC3E}">
-        <p14:creationId xmlns:p14="http://schemas.microsoft.com/office/powerpoint/2010/main" val="1208863920"/>
+        <p14:creationId xmlns:p14="http://schemas.microsoft.com/office/powerpoint/2010/main" val="2939723199"/>
       </p:ext>
     </p:extLst>
   </p:cSld>
@@ -6717,727 +7014,56 @@
           <a:lstStyle/>
           <a:p>
             <a:r>
-              <a:rPr lang="de-DE" err="1"/>
-              <a:t>How</a:t>
-            </a:r>
-            <a:r>
-              <a:rPr lang="de-DE"/>
-              <a:t> </a:t>
-            </a:r>
-            <a:r>
-              <a:rPr lang="de-DE" err="1"/>
-              <a:t>it</a:t>
-            </a:r>
-            <a:r>
-              <a:rPr lang="de-DE"/>
-              <a:t> </a:t>
-            </a:r>
-            <a:r>
-              <a:rPr lang="de-DE" err="1"/>
-              <a:t>works</a:t>
-            </a:r>
-            <a:r>
-              <a:rPr lang="de-DE"/>
-              <a:t>: Maximal </a:t>
-            </a:r>
-            <a:r>
-              <a:rPr lang="de-DE" err="1"/>
-              <a:t>margin</a:t>
-            </a:r>
-            <a:r>
-              <a:rPr lang="de-DE"/>
-              <a:t> </a:t>
-            </a:r>
-            <a:r>
-              <a:rPr lang="de-DE" err="1"/>
-              <a:t>classifier</a:t>
-            </a:r>
-            <a:endParaRPr lang="de-DE"/>
+              <a:rPr lang="de-DE"/>
+              <a:t>Performance in different Situations</a:t>
+            </a:r>
           </a:p>
         </p:txBody>
       </p:sp>
-      <mc:AlternateContent xmlns:mc="http://schemas.openxmlformats.org/markup-compatibility/2006">
-        <mc:Choice xmlns:a14="http://schemas.microsoft.com/office/drawing/2010/main" Requires="a14">
-          <p:sp>
-            <p:nvSpPr>
-              <p:cNvPr id="3" name="Inhaltsplatzhalter 2">
-                <a:extLst>
-                  <a:ext uri="{FF2B5EF4-FFF2-40B4-BE49-F238E27FC236}">
-                    <a16:creationId xmlns:a16="http://schemas.microsoft.com/office/drawing/2014/main" id="{B6EBCD5F-A998-E34B-B609-7A4D246D72F7}"/>
-                  </a:ext>
-                </a:extLst>
-              </p:cNvPr>
-              <p:cNvSpPr>
-                <a:spLocks noGrp="1"/>
-              </p:cNvSpPr>
-              <p:nvPr>
-                <p:ph idx="1"/>
-              </p:nvPr>
-            </p:nvSpPr>
-            <p:spPr>
-              <a:xfrm>
-                <a:off x="395536" y="1353344"/>
-                <a:ext cx="5472608" cy="2664633"/>
-              </a:xfrm>
-            </p:spPr>
-            <p:txBody>
-              <a:bodyPr/>
-              <a:lstStyle/>
-              <a:p>
-                <a:r>
-                  <a:rPr lang="de-DE" sz="2000"/>
-                  <a:t>Find </a:t>
-                </a:r>
-                <a:r>
-                  <a:rPr lang="de-DE" sz="2000" err="1"/>
-                  <a:t>the</a:t>
-                </a:r>
-                <a:r>
-                  <a:rPr lang="de-DE" sz="2000"/>
-                  <a:t> „</a:t>
-                </a:r>
-                <a:r>
-                  <a:rPr lang="de-DE" sz="2000" err="1"/>
-                  <a:t>best</a:t>
-                </a:r>
-                <a:r>
-                  <a:rPr lang="de-DE" sz="2000"/>
-                  <a:t>“ hyperplane </a:t>
-                </a:r>
-                <a:r>
-                  <a:rPr lang="de-DE" sz="2000" err="1"/>
-                  <a:t>using</a:t>
-                </a:r>
-                <a:r>
-                  <a:rPr lang="de-DE" sz="2000"/>
-                  <a:t> </a:t>
-                </a:r>
-                <a:r>
-                  <a:rPr lang="de-DE" sz="2000" err="1"/>
-                  <a:t>the</a:t>
-                </a:r>
-                <a:r>
-                  <a:rPr lang="de-DE" sz="2000"/>
-                  <a:t> </a:t>
-                </a:r>
-                <a:r>
-                  <a:rPr lang="de-DE" sz="2000" err="1"/>
-                  <a:t>margin</a:t>
-                </a:r>
-                <a:endParaRPr lang="de-DE" sz="2000"/>
-              </a:p>
-              <a:p>
-                <a:r>
-                  <a:rPr lang="de-DE" sz="2000"/>
-                  <a:t>Margin: </a:t>
-                </a:r>
-                <a:r>
-                  <a:rPr lang="de-DE" sz="2000" err="1"/>
-                  <a:t>smallest</a:t>
-                </a:r>
-                <a:r>
-                  <a:rPr lang="de-DE" sz="2000"/>
-                  <a:t> </a:t>
-                </a:r>
-                <a:r>
-                  <a:rPr lang="de-DE" sz="2000" err="1"/>
-                  <a:t>perpendicular</a:t>
-                </a:r>
-                <a:r>
-                  <a:rPr lang="de-DE" sz="2000"/>
-                  <a:t> </a:t>
-                </a:r>
-                <a:r>
-                  <a:rPr lang="de-DE" sz="2000" err="1"/>
-                  <a:t>distance</a:t>
-                </a:r>
-                <a:r>
-                  <a:rPr lang="de-DE" sz="2000"/>
-                  <a:t> </a:t>
-                </a:r>
-                <a:r>
-                  <a:rPr lang="de-DE" sz="2000" err="1"/>
-                  <a:t>from</a:t>
-                </a:r>
-                <a:r>
-                  <a:rPr lang="de-DE" sz="2000"/>
-                  <a:t> </a:t>
-                </a:r>
-                <a:r>
-                  <a:rPr lang="de-DE" sz="2000" err="1"/>
-                  <a:t>any</a:t>
-                </a:r>
-                <a:r>
-                  <a:rPr lang="de-DE" sz="2000"/>
-                  <a:t> </a:t>
-                </a:r>
-                <a:r>
-                  <a:rPr lang="de-DE" sz="2000" err="1"/>
-                  <a:t>observation</a:t>
-                </a:r>
-                <a:r>
-                  <a:rPr lang="de-DE" sz="2000"/>
-                  <a:t> </a:t>
-                </a:r>
-                <a:r>
-                  <a:rPr lang="de-DE" sz="2000" err="1"/>
-                  <a:t>to</a:t>
-                </a:r>
-                <a:r>
-                  <a:rPr lang="de-DE" sz="2000"/>
-                  <a:t> hyperplane</a:t>
-                </a:r>
-              </a:p>
-              <a:p>
-                <a:r>
-                  <a:rPr lang="de-DE" sz="2000" b="1"/>
-                  <a:t>maximal </a:t>
-                </a:r>
-                <a:r>
-                  <a:rPr lang="de-DE" sz="2000" b="1" err="1"/>
-                  <a:t>margin</a:t>
-                </a:r>
-                <a:r>
-                  <a:rPr lang="de-DE" sz="2000" b="1"/>
-                  <a:t> </a:t>
-                </a:r>
-                <a:r>
-                  <a:rPr lang="de-DE" sz="2000" b="1" err="1"/>
-                  <a:t>classifier</a:t>
-                </a:r>
-                <a:r>
-                  <a:rPr lang="de-DE" sz="2000" b="1"/>
-                  <a:t> </a:t>
-                </a:r>
-                <a:r>
-                  <a:rPr lang="de-DE" sz="2000"/>
-                  <a:t>= </a:t>
-                </a:r>
-                <a:r>
-                  <a:rPr lang="de-DE" sz="2000" err="1"/>
-                  <a:t>largest</a:t>
-                </a:r>
-                <a:r>
-                  <a:rPr lang="de-DE" sz="2000"/>
-                  <a:t> </a:t>
-                </a:r>
-                <a:r>
-                  <a:rPr lang="de-DE" sz="2000" err="1"/>
-                  <a:t>margin</a:t>
-                </a:r>
-                <a:r>
-                  <a:rPr lang="de-DE" sz="2000"/>
-                  <a:t> </a:t>
-                </a:r>
-                <a:r>
-                  <a:rPr lang="de-DE" sz="2000" err="1"/>
-                  <a:t>among</a:t>
-                </a:r>
-                <a:r>
-                  <a:rPr lang="de-DE" sz="2000"/>
-                  <a:t> all </a:t>
-                </a:r>
-                <a:r>
-                  <a:rPr lang="de-DE" sz="2000" err="1"/>
-                  <a:t>seperating</a:t>
-                </a:r>
-                <a:r>
-                  <a:rPr lang="de-DE" sz="2000"/>
-                  <a:t> hyperplanes</a:t>
-                </a:r>
-              </a:p>
-              <a:p>
-                <a:pPr lvl="1"/>
-                <a:r>
-                  <a:rPr lang="de-DE" sz="1600" err="1"/>
-                  <a:t>Optimization</a:t>
-                </a:r>
-                <a:r>
-                  <a:rPr lang="de-DE" sz="1600"/>
-                  <a:t> </a:t>
-                </a:r>
-                <a:r>
-                  <a:rPr lang="de-DE" sz="1600" err="1"/>
-                  <a:t>problem</a:t>
-                </a:r>
-                <a:r>
-                  <a:rPr lang="de-DE" sz="1600"/>
-                  <a:t>:</a:t>
-                </a:r>
-              </a:p>
-              <a:p>
-                <a:pPr lvl="2"/>
-                <a14:m>
-                  <m:oMath xmlns:m="http://schemas.openxmlformats.org/officeDocument/2006/math">
-                    <m:r>
-                      <a:rPr lang="de-DE" sz="1600" b="0" i="1" smtClean="0">
-                        <a:latin typeface="Cambria Math" panose="02040503050406030204" pitchFamily="18" charset="0"/>
-                      </a:rPr>
-                      <m:t>𝑆𝑒𝑙𝑒𝑐𝑡</m:t>
-                    </m:r>
-                    <m:r>
-                      <a:rPr lang="de-DE" sz="1600" b="0" i="1" smtClean="0">
-                        <a:latin typeface="Cambria Math" panose="02040503050406030204" pitchFamily="18" charset="0"/>
-                      </a:rPr>
-                      <m:t> </m:t>
-                    </m:r>
-                    <m:r>
-                      <a:rPr lang="de-DE" sz="1600" b="0" i="1" smtClean="0">
-                        <a:latin typeface="Cambria Math" panose="02040503050406030204" pitchFamily="18" charset="0"/>
-                        <a:ea typeface="Cambria Math" panose="02040503050406030204" pitchFamily="18" charset="0"/>
-                      </a:rPr>
-                      <m:t>𝛽</m:t>
-                    </m:r>
-                    <m:r>
-                      <a:rPr lang="de-DE" sz="1600" b="0" i="1" baseline="-25000" smtClean="0">
-                        <a:latin typeface="Cambria Math" panose="02040503050406030204" pitchFamily="18" charset="0"/>
-                        <a:ea typeface="Cambria Math" panose="02040503050406030204" pitchFamily="18" charset="0"/>
-                      </a:rPr>
-                      <m:t>0</m:t>
-                    </m:r>
-                    <m:r>
-                      <a:rPr lang="de-DE" sz="1600" b="0" i="1" smtClean="0">
-                        <a:latin typeface="Cambria Math" panose="02040503050406030204" pitchFamily="18" charset="0"/>
-                        <a:ea typeface="Cambria Math" panose="02040503050406030204" pitchFamily="18" charset="0"/>
-                      </a:rPr>
-                      <m:t>,</m:t>
-                    </m:r>
-                    <m:r>
-                      <a:rPr lang="de-DE" sz="1600" b="0" i="1" smtClean="0">
-                        <a:latin typeface="Cambria Math" panose="02040503050406030204" pitchFamily="18" charset="0"/>
-                        <a:ea typeface="Cambria Math" panose="02040503050406030204" pitchFamily="18" charset="0"/>
-                      </a:rPr>
-                      <m:t>𝛽</m:t>
-                    </m:r>
-                    <m:r>
-                      <a:rPr lang="de-DE" sz="1600" b="0" i="1" baseline="-25000" smtClean="0">
-                        <a:latin typeface="Cambria Math" panose="02040503050406030204" pitchFamily="18" charset="0"/>
-                        <a:ea typeface="Cambria Math" panose="02040503050406030204" pitchFamily="18" charset="0"/>
-                      </a:rPr>
-                      <m:t>1</m:t>
-                    </m:r>
-                    <m:r>
-                      <a:rPr lang="de-DE" sz="1600" b="0" i="1" smtClean="0">
-                        <a:latin typeface="Cambria Math" panose="02040503050406030204" pitchFamily="18" charset="0"/>
-                        <a:ea typeface="Cambria Math" panose="02040503050406030204" pitchFamily="18" charset="0"/>
-                      </a:rPr>
-                      <m:t>,…,</m:t>
-                    </m:r>
-                    <m:r>
-                      <a:rPr lang="de-DE" sz="1600" b="0" i="1" smtClean="0">
-                        <a:latin typeface="Cambria Math" panose="02040503050406030204" pitchFamily="18" charset="0"/>
-                        <a:ea typeface="Cambria Math" panose="02040503050406030204" pitchFamily="18" charset="0"/>
-                      </a:rPr>
-                      <m:t>𝛽</m:t>
-                    </m:r>
-                    <m:r>
-                      <a:rPr lang="de-DE" sz="1600" b="0" i="1" baseline="-25000" smtClean="0">
-                        <a:latin typeface="Cambria Math" panose="02040503050406030204" pitchFamily="18" charset="0"/>
-                        <a:ea typeface="Cambria Math" panose="02040503050406030204" pitchFamily="18" charset="0"/>
-                      </a:rPr>
-                      <m:t>𝑝</m:t>
-                    </m:r>
-                    <m:r>
-                      <a:rPr lang="de-DE" sz="1600" b="0" i="1" baseline="-25000" smtClean="0">
-                        <a:latin typeface="Cambria Math" panose="02040503050406030204" pitchFamily="18" charset="0"/>
-                        <a:ea typeface="Cambria Math" panose="02040503050406030204" pitchFamily="18" charset="0"/>
-                      </a:rPr>
-                      <m:t> </m:t>
-                    </m:r>
-                    <m:r>
-                      <a:rPr lang="de-DE" sz="1600" b="0" i="1" smtClean="0">
-                        <a:latin typeface="Cambria Math" panose="02040503050406030204" pitchFamily="18" charset="0"/>
-                        <a:ea typeface="Cambria Math" panose="02040503050406030204" pitchFamily="18" charset="0"/>
-                      </a:rPr>
-                      <m:t>𝑡h𝑎𝑡</m:t>
-                    </m:r>
-                    <m:r>
-                      <a:rPr lang="de-DE" sz="1600" b="0" i="1" smtClean="0">
-                        <a:latin typeface="Cambria Math" panose="02040503050406030204" pitchFamily="18" charset="0"/>
-                        <a:ea typeface="Cambria Math" panose="02040503050406030204" pitchFamily="18" charset="0"/>
-                      </a:rPr>
-                      <m:t> </m:t>
-                    </m:r>
-                    <m:r>
-                      <a:rPr lang="de-DE" sz="1600" b="0" i="1" smtClean="0">
-                        <a:latin typeface="Cambria Math" panose="02040503050406030204" pitchFamily="18" charset="0"/>
-                        <a:ea typeface="Cambria Math" panose="02040503050406030204" pitchFamily="18" charset="0"/>
-                      </a:rPr>
-                      <m:t>𝑚𝑎𝑥𝑖𝑚𝑖𝑧𝑒</m:t>
-                    </m:r>
-                    <m:r>
-                      <a:rPr lang="de-DE" sz="1600" b="0" i="1" smtClean="0">
-                        <a:latin typeface="Cambria Math" panose="02040503050406030204" pitchFamily="18" charset="0"/>
-                        <a:ea typeface="Cambria Math" panose="02040503050406030204" pitchFamily="18" charset="0"/>
-                      </a:rPr>
-                      <m:t> </m:t>
-                    </m:r>
-                    <m:r>
-                      <a:rPr lang="de-DE" sz="1600" b="0" i="1" smtClean="0">
-                        <a:latin typeface="Cambria Math" panose="02040503050406030204" pitchFamily="18" charset="0"/>
-                        <a:ea typeface="Cambria Math" panose="02040503050406030204" pitchFamily="18" charset="0"/>
-                      </a:rPr>
-                      <m:t>𝑀</m:t>
-                    </m:r>
-                  </m:oMath>
-                </a14:m>
-                <a:endParaRPr lang="de-DE" sz="1600"/>
-              </a:p>
-              <a:p>
-                <a:pPr lvl="2"/>
-                <a14:m>
-                  <m:oMath xmlns:m="http://schemas.openxmlformats.org/officeDocument/2006/math">
-                    <m:r>
-                      <a:rPr lang="de-DE" sz="1600" b="0" i="1" smtClean="0">
-                        <a:latin typeface="Cambria Math" panose="02040503050406030204" pitchFamily="18" charset="0"/>
-                      </a:rPr>
-                      <m:t>𝑠𝑢𝑐h</m:t>
-                    </m:r>
-                    <m:r>
-                      <a:rPr lang="de-DE" sz="1600" b="0" i="1" smtClean="0">
-                        <a:latin typeface="Cambria Math" panose="02040503050406030204" pitchFamily="18" charset="0"/>
-                      </a:rPr>
-                      <m:t> </m:t>
-                    </m:r>
-                    <m:r>
-                      <a:rPr lang="de-DE" sz="1600" b="0" i="1" smtClean="0">
-                        <a:latin typeface="Cambria Math" panose="02040503050406030204" pitchFamily="18" charset="0"/>
-                      </a:rPr>
-                      <m:t>𝑡h𝑎𝑡</m:t>
-                    </m:r>
-                    <m:r>
-                      <a:rPr lang="de-DE" sz="1600" b="0" i="1" smtClean="0">
-                        <a:latin typeface="Cambria Math" panose="02040503050406030204" pitchFamily="18" charset="0"/>
-                      </a:rPr>
-                      <m:t> </m:t>
-                    </m:r>
-                    <m:nary>
-                      <m:naryPr>
-                        <m:chr m:val="∑"/>
-                        <m:ctrlPr>
-                          <a:rPr lang="de-DE" sz="1600" b="0" i="1" smtClean="0">
-                            <a:latin typeface="Cambria Math" panose="02040503050406030204" pitchFamily="18" charset="0"/>
-                          </a:rPr>
-                        </m:ctrlPr>
-                      </m:naryPr>
-                      <m:sub>
-                        <m:r>
-                          <m:rPr>
-                            <m:brk m:alnAt="23"/>
-                          </m:rPr>
-                          <a:rPr lang="de-DE" sz="1600" b="0" i="1" smtClean="0">
-                            <a:latin typeface="Cambria Math" panose="02040503050406030204" pitchFamily="18" charset="0"/>
-                          </a:rPr>
-                          <m:t>𝑘</m:t>
-                        </m:r>
-                        <m:r>
-                          <a:rPr lang="de-DE" sz="1600" b="0" i="1" smtClean="0">
-                            <a:latin typeface="Cambria Math" panose="02040503050406030204" pitchFamily="18" charset="0"/>
-                          </a:rPr>
-                          <m:t>=1</m:t>
-                        </m:r>
-                      </m:sub>
-                      <m:sup>
-                        <m:r>
-                          <a:rPr lang="de-DE" sz="1600" b="0" i="1" smtClean="0">
-                            <a:latin typeface="Cambria Math" panose="02040503050406030204" pitchFamily="18" charset="0"/>
-                          </a:rPr>
-                          <m:t>𝑝</m:t>
-                        </m:r>
-                      </m:sup>
-                      <m:e>
-                        <m:r>
-                          <a:rPr lang="de-DE" sz="1600" b="0" i="1" smtClean="0">
-                            <a:latin typeface="Cambria Math" panose="02040503050406030204" pitchFamily="18" charset="0"/>
-                            <a:ea typeface="Cambria Math" panose="02040503050406030204" pitchFamily="18" charset="0"/>
-                          </a:rPr>
-                          <m:t>𝛽</m:t>
-                        </m:r>
-                        <m:r>
-                          <a:rPr lang="de-DE" sz="1600" b="0" i="1" baseline="-25000" smtClean="0">
-                            <a:latin typeface="Cambria Math" panose="02040503050406030204" pitchFamily="18" charset="0"/>
-                            <a:ea typeface="Cambria Math" panose="02040503050406030204" pitchFamily="18" charset="0"/>
-                          </a:rPr>
-                          <m:t>𝑘</m:t>
-                        </m:r>
-                        <m:r>
-                          <a:rPr lang="de-DE" sz="1600" b="0" i="1" baseline="30000" smtClean="0">
-                            <a:latin typeface="Cambria Math" panose="02040503050406030204" pitchFamily="18" charset="0"/>
-                            <a:ea typeface="Cambria Math" panose="02040503050406030204" pitchFamily="18" charset="0"/>
-                          </a:rPr>
-                          <m:t>2</m:t>
-                        </m:r>
-                        <m:r>
-                          <a:rPr lang="de-DE" sz="1600" b="0" i="1" smtClean="0">
-                            <a:latin typeface="Cambria Math" panose="02040503050406030204" pitchFamily="18" charset="0"/>
-                            <a:ea typeface="Cambria Math" panose="02040503050406030204" pitchFamily="18" charset="0"/>
-                          </a:rPr>
-                          <m:t>=1</m:t>
-                        </m:r>
-                      </m:e>
-                    </m:nary>
-                  </m:oMath>
-                </a14:m>
-                <a:endParaRPr lang="de-DE" sz="1600"/>
-              </a:p>
-              <a:p>
-                <a:pPr lvl="2"/>
-                <a14:m>
-                  <m:oMath xmlns:m="http://schemas.openxmlformats.org/officeDocument/2006/math">
-                    <m:r>
-                      <a:rPr lang="de-DE" sz="1600" b="0" i="1" smtClean="0">
-                        <a:latin typeface="Cambria Math" panose="02040503050406030204" pitchFamily="18" charset="0"/>
-                      </a:rPr>
-                      <m:t>𝑎𝑛𝑑</m:t>
-                    </m:r>
-                    <m:r>
-                      <m:rPr>
-                        <m:nor/>
-                      </m:rPr>
-                      <a:rPr lang="de-DE" sz="1600" b="0" i="0" smtClean="0">
-                        <a:latin typeface="Cambria Math" panose="02040503050406030204" pitchFamily="18" charset="0"/>
-                      </a:rPr>
-                      <m:t> </m:t>
-                    </m:r>
-                    <m:r>
-                      <m:rPr>
-                        <m:nor/>
-                      </m:rPr>
-                      <a:rPr lang="de-DE" sz="1600"/>
-                      <m:t>∀</m:t>
-                    </m:r>
-                    <m:r>
-                      <a:rPr lang="de-DE" sz="1600" b="0" i="1" smtClean="0">
-                        <a:latin typeface="Cambria Math" panose="02040503050406030204" pitchFamily="18" charset="0"/>
-                      </a:rPr>
-                      <m:t>𝑖</m:t>
-                    </m:r>
-                    <m:r>
-                      <a:rPr lang="de-DE" sz="1600" b="0" i="1" smtClean="0">
-                        <a:latin typeface="Cambria Math" panose="02040503050406030204" pitchFamily="18" charset="0"/>
-                      </a:rPr>
-                      <m:t>:</m:t>
-                    </m:r>
-                    <m:r>
-                      <a:rPr lang="de-DE" sz="1600" b="0" i="1" smtClean="0">
-                        <a:latin typeface="Cambria Math" panose="02040503050406030204" pitchFamily="18" charset="0"/>
-                      </a:rPr>
-                      <m:t>𝑦𝑖</m:t>
-                    </m:r>
-                    <m:r>
-                      <a:rPr lang="de-DE" sz="1600" b="0" i="1" smtClean="0">
-                        <a:latin typeface="Cambria Math" panose="02040503050406030204" pitchFamily="18" charset="0"/>
-                      </a:rPr>
-                      <m:t>∗(</m:t>
-                    </m:r>
-                    <m:r>
-                      <a:rPr lang="de-DE" sz="1600" b="0" i="1" smtClean="0">
-                        <a:latin typeface="Cambria Math" panose="02040503050406030204" pitchFamily="18" charset="0"/>
-                        <a:ea typeface="Cambria Math" panose="02040503050406030204" pitchFamily="18" charset="0"/>
-                      </a:rPr>
-                      <m:t>𝛽</m:t>
-                    </m:r>
-                    <m:r>
-                      <a:rPr lang="de-DE" sz="1600" b="0" i="1" baseline="-25000" smtClean="0">
-                        <a:latin typeface="Cambria Math" panose="02040503050406030204" pitchFamily="18" charset="0"/>
-                        <a:ea typeface="Cambria Math" panose="02040503050406030204" pitchFamily="18" charset="0"/>
-                      </a:rPr>
-                      <m:t>0</m:t>
-                    </m:r>
-                    <m:r>
-                      <a:rPr lang="de-DE" sz="1600" b="0" i="1" smtClean="0">
-                        <a:latin typeface="Cambria Math" panose="02040503050406030204" pitchFamily="18" charset="0"/>
-                        <a:ea typeface="Cambria Math" panose="02040503050406030204" pitchFamily="18" charset="0"/>
-                      </a:rPr>
-                      <m:t>+ </m:t>
-                    </m:r>
-                    <m:nary>
-                      <m:naryPr>
-                        <m:chr m:val="∑"/>
-                        <m:ctrlPr>
-                          <a:rPr lang="de-DE" sz="1600" b="0" i="1" smtClean="0">
-                            <a:latin typeface="Cambria Math" panose="02040503050406030204" pitchFamily="18" charset="0"/>
-                            <a:ea typeface="Cambria Math" panose="02040503050406030204" pitchFamily="18" charset="0"/>
-                          </a:rPr>
-                        </m:ctrlPr>
-                      </m:naryPr>
-                      <m:sub>
-                        <m:r>
-                          <m:rPr>
-                            <m:brk m:alnAt="23"/>
-                          </m:rPr>
-                          <a:rPr lang="de-DE" sz="1600" b="0" i="1" smtClean="0">
-                            <a:latin typeface="Cambria Math" panose="02040503050406030204" pitchFamily="18" charset="0"/>
-                            <a:ea typeface="Cambria Math" panose="02040503050406030204" pitchFamily="18" charset="0"/>
-                          </a:rPr>
-                          <m:t>𝑘</m:t>
-                        </m:r>
-                        <m:r>
-                          <a:rPr lang="de-DE" sz="1600" b="0" i="1" smtClean="0">
-                            <a:latin typeface="Cambria Math" panose="02040503050406030204" pitchFamily="18" charset="0"/>
-                            <a:ea typeface="Cambria Math" panose="02040503050406030204" pitchFamily="18" charset="0"/>
-                          </a:rPr>
-                          <m:t>=1</m:t>
-                        </m:r>
-                      </m:sub>
-                      <m:sup>
-                        <m:r>
-                          <a:rPr lang="de-DE" sz="1600" b="0" i="1" smtClean="0">
-                            <a:latin typeface="Cambria Math" panose="02040503050406030204" pitchFamily="18" charset="0"/>
-                            <a:ea typeface="Cambria Math" panose="02040503050406030204" pitchFamily="18" charset="0"/>
-                          </a:rPr>
-                          <m:t>𝑝</m:t>
-                        </m:r>
-                      </m:sup>
-                      <m:e>
-                        <m:r>
-                          <a:rPr lang="de-DE" sz="1600" b="0" i="1" smtClean="0">
-                            <a:latin typeface="Cambria Math" panose="02040503050406030204" pitchFamily="18" charset="0"/>
-                            <a:ea typeface="Cambria Math" panose="02040503050406030204" pitchFamily="18" charset="0"/>
-                          </a:rPr>
-                          <m:t>𝛽</m:t>
-                        </m:r>
-                        <m:r>
-                          <a:rPr lang="de-DE" sz="1600" b="0" i="1" baseline="-25000" smtClean="0">
-                            <a:latin typeface="Cambria Math" panose="02040503050406030204" pitchFamily="18" charset="0"/>
-                            <a:ea typeface="Cambria Math" panose="02040503050406030204" pitchFamily="18" charset="0"/>
-                          </a:rPr>
-                          <m:t>𝑘</m:t>
-                        </m:r>
-                        <m:r>
-                          <a:rPr lang="de-DE" sz="1600" b="0" i="1" smtClean="0">
-                            <a:latin typeface="Cambria Math" panose="02040503050406030204" pitchFamily="18" charset="0"/>
-                            <a:ea typeface="Cambria Math" panose="02040503050406030204" pitchFamily="18" charset="0"/>
-                          </a:rPr>
-                          <m:t>𝑥</m:t>
-                        </m:r>
-                        <m:r>
-                          <a:rPr lang="de-DE" sz="1600" b="0" i="1" baseline="-25000" smtClean="0">
-                            <a:latin typeface="Cambria Math" panose="02040503050406030204" pitchFamily="18" charset="0"/>
-                            <a:ea typeface="Cambria Math" panose="02040503050406030204" pitchFamily="18" charset="0"/>
-                          </a:rPr>
-                          <m:t>𝑖𝑘</m:t>
-                        </m:r>
-                        <m:r>
-                          <a:rPr lang="de-DE" sz="1600" b="0" i="1" smtClean="0">
-                            <a:latin typeface="Cambria Math" panose="02040503050406030204" pitchFamily="18" charset="0"/>
-                            <a:ea typeface="Cambria Math" panose="02040503050406030204" pitchFamily="18" charset="0"/>
-                          </a:rPr>
-                          <m:t>)≥</m:t>
-                        </m:r>
-                        <m:r>
-                          <a:rPr lang="de-DE" sz="1600" b="0" i="1" smtClean="0">
-                            <a:latin typeface="Cambria Math" panose="02040503050406030204" pitchFamily="18" charset="0"/>
-                            <a:ea typeface="Cambria Math" panose="02040503050406030204" pitchFamily="18" charset="0"/>
-                          </a:rPr>
-                          <m:t>𝑀</m:t>
-                        </m:r>
-                      </m:e>
-                    </m:nary>
-                  </m:oMath>
-                </a14:m>
-                <a:endParaRPr lang="de-DE" sz="1600"/>
-              </a:p>
-            </p:txBody>
-          </p:sp>
-        </mc:Choice>
-        <mc:Fallback>
-          <p:sp>
-            <p:nvSpPr>
-              <p:cNvPr id="3" name="Inhaltsplatzhalter 2">
-                <a:extLst>
-                  <a:ext uri="{FF2B5EF4-FFF2-40B4-BE49-F238E27FC236}">
-                    <a16:creationId xmlns:a16="http://schemas.microsoft.com/office/drawing/2014/main" id="{B6EBCD5F-A998-E34B-B609-7A4D246D72F7}"/>
-                  </a:ext>
-                </a:extLst>
-              </p:cNvPr>
-              <p:cNvSpPr>
-                <a:spLocks noGrp="1" noRot="1" noChangeAspect="1" noMove="1" noResize="1" noEditPoints="1" noAdjustHandles="1" noChangeArrowheads="1" noChangeShapeType="1" noTextEdit="1"/>
-              </p:cNvSpPr>
-              <p:nvPr>
-                <p:ph idx="1"/>
-              </p:nvPr>
-            </p:nvSpPr>
-            <p:spPr>
-              <a:xfrm>
-                <a:off x="395536" y="1353344"/>
-                <a:ext cx="5472608" cy="2664633"/>
-              </a:xfrm>
-              <a:blipFill>
-                <a:blip r:embed="rId2"/>
-                <a:stretch>
-                  <a:fillRect l="-1002" t="-915" r="-557" b="-32952"/>
-                </a:stretch>
-              </a:blipFill>
-            </p:spPr>
-            <p:txBody>
-              <a:bodyPr/>
-              <a:lstStyle/>
-              <a:p>
-                <a:r>
-                  <a:rPr lang="en-US">
-                    <a:noFill/>
-                  </a:rPr>
-                  <a:t> </a:t>
-                </a:r>
-              </a:p>
-            </p:txBody>
-          </p:sp>
-        </mc:Fallback>
-      </mc:AlternateContent>
-      <p:sp>
-        <p:nvSpPr>
-          <p:cNvPr id="4" name="Rechteck 3">
+      <p:pic>
+        <p:nvPicPr>
+          <p:cNvPr id="8" name="Grafik 7" descr="\documentclass[20pt]{article}&#10;\usepackage{amsmath,amsfonts,amssymb,xcolor, mathtools}&#10;\pagestyle{empty}&#10;\usepackage{booktabs}&#10;\usepackage{enumitem}&#10; \usepackage{multirow}&#10;\usepackage{longtable}&#10;\usepackage{xcolor}&#10;\definecolor{darkgreen}{RGB}{101,178,56}&#10;\usepackage{graphicx}&#10;\usepackage{parskip}&#10;\usepackage[T1]{fontenc}&#10;\usepackage{fontspec}&#10;\setsansfont{Arial}&#10;\renewcommand\familydefault{\sfdefault}&#10;\begin{document}&#10;\begin{center}&#10;\begin{longtable}{ll|lll|}&#10; \cline{3-5}&#10; &amp;             &amp; \multicolumn{3}{c|}{DGP}                                            \\ \cline{3-5} &#10; \endfirsthead&#10; %&#10; \endhead&#10; %&#10; &amp;             &amp; \multicolumn{1}{l|}{linear} &amp; \multicolumn{1}{l|}{polynomial} &amp; radial \\ \hline&#10; \multicolumn{1}{|l|}{\multirow{3}{*}{\rotatebox{90}{Dimensionality}}} &amp; $p \ll n$  &amp; \multicolumn{1}{l|}{\parbox{4cm}{\begin{itemize}[label=-,topsep=0cm,leftmargin=0.3cm,itemsep=0cm,parsep=0cm]&#10;   \item SVM-Linear \textcolor{darkgreen}{\scalebox{1}{$\uparrow$}}&#10;   \item SVM-Polynomial \textcolor{darkgreen}{\scalebox{0.5}{$\uparrow$}}&#10;   \item SVM-Radial \textcolor{darkgreen}{\scalebox{0.5}{$\uparrow$}}&#10;   \item Logistic Regression \textcolor{red}{\scalebox{0.5}{$\downarrow$}}&#10; \end{itemize}}}  &amp; \multicolumn{1}{l|}{\parbox{4cm}{\begin{itemize}[label=-,topsep=0cm,leftmargin=0.3cm,itemsep=0cm,parsep=0cm]&#10; \item SVM-Linear \textcolor{darkgreen}{\scalebox{0.5}{$\uparrow$}}&#10; \item SVM-Polynomial \textcolor{darkgreen}{\scalebox{1}{$\uparrow$}}&#10; \item SVM-Radial \textcolor{darkgreen}{\scalebox{0.5}{$\uparrow$}}&#10; \item Logistic Regression \textcolor{red}{\scalebox{0.5}{$\downarrow$}}&#10;\end{itemize}}}   &amp; \parbox{4cm}{\begin{itemize}[label=-,topsep=0cm,leftmargin=0.3cm,itemsep=0cm,parsep=0cm]&#10;\item SVM-Linear \textcolor{darkgreen}{\scalebox{0.5}{$\uparrow$}}&#10;\item SVM-Polynomial \textcolor{darkgreen}{\scalebox{0.5}{$\uparrow$}}&#10;\item SVM-Radial \textcolor{darkgreen}{\scalebox{1}{$\uparrow$}}&#10;\item Logistic Regression \textcolor{red}{\scalebox{0.5}{$\downarrow$}}&#10;\end{itemize}}  \\ \cline{2-5} &#10; \multicolumn{1}{|l|}{}                                &amp; $p \approx n$  &amp; \multicolumn{1}{l|}{\parbox{4cm}{\begin{itemize}[label=-,topsep=0cm,leftmargin=0.3cm,itemsep=0cm,parsep=0cm]&#10;    \item SVM-Linear&#10;    \item SVM-Polynomial&#10;    \item SVM-Radial&#10;    \item Logistic Regression&#10; \end{itemize}}}  &amp; \multicolumn{1}{l|}{\parbox{4cm}{\begin{itemize}[label=-,topsep=0cm,leftmargin=0.3cm,itemsep=0cm,parsep=0cm]&#10; \item SVM-Linear&#10; \item SVM-Polynomial&#10; \item SVM-Radial&#10; \item Logistic Regression&#10;\end{itemize}}}   &amp; \parbox{4cm}{\begin{itemize}[label=-,topsep=0cm,leftmargin=0.3cm,itemsep=0cm,parsep=0cm]&#10;\item SVM-Linear&#10;\item SVM-Polynomial&#10;\item SVM-Radial&#10;\item Logistic Regression&#10;\end{itemize}}  \\ \cline{2-5} &#10; \multicolumn{1}{|l|}{}                                &amp; $p \gg n$ &amp; \multicolumn{1}{l|}{\parbox{4cm}{\begin{itemize}[label=-,topsep=0cm,leftmargin=0.3cm,itemsep=0cm,parsep=0cm]&#10;    \item SVM-Linear&#10;    \item SVM-Polynomial&#10;    \item SVM-Radial&#10;    \item Logistic Regression&#10; \end{itemize}}}  &amp; \multicolumn{1}{l|}{\parbox{4cm}{\begin{itemize}[label=-,topsep=0cm,leftmargin=0.3cm,itemsep=0cm,parsep=0cm]&#10; \item SVM-Linear&#10; \item SVM-Polynomial&#10; \item SVM-Radial&#10; \item Logistic Regression&#10;\end{itemize}}}   &amp; \parbox{4cm}{\begin{itemize}[label=-,topsep=0cm,leftmargin=0.3cm,itemsep=0cm,parsep=0cm]&#10;\item SVM-Linear&#10;\item SVM-Polynomial&#10;\item SVM-Radial&#10;\item Logistic Regression&#10;\end{itemize}} \\ \hline&#10;\end{longtable}&#10;\end{center}&#10;\end{document}" title="IguanaTex Picture Display">
             <a:extLst>
               <a:ext uri="{FF2B5EF4-FFF2-40B4-BE49-F238E27FC236}">
-                <a16:creationId xmlns:a16="http://schemas.microsoft.com/office/drawing/2014/main" id="{A562C1B5-281C-3BDC-6412-20057B1E2222}"/>
+                <a16:creationId xmlns:a16="http://schemas.microsoft.com/office/drawing/2014/main" id="{59A35446-63A6-BA9E-7F11-1DBDBA76C36F}"/>
               </a:ext>
             </a:extLst>
           </p:cNvPr>
-          <p:cNvSpPr/>
-          <p:nvPr/>
-        </p:nvSpPr>
+          <p:cNvPicPr>
+            <a:picLocks noChangeAspect="1"/>
+          </p:cNvPicPr>
+          <p:nvPr>
+            <p:custDataLst>
+              <p:tags r:id="rId1"/>
+            </p:custDataLst>
+          </p:nvPr>
+        </p:nvPicPr>
+        <p:blipFill>
+          <a:blip r:embed="rId3">
+            <a:extLst>
+              <a:ext uri="{28A0092B-C50C-407E-A947-70E740481C1C}">
+                <a14:useLocalDpi xmlns:a14="http://schemas.microsoft.com/office/drawing/2010/main" val="0"/>
+              </a:ext>
+            </a:extLst>
+          </a:blip>
+          <a:stretch>
+            <a:fillRect/>
+          </a:stretch>
+        </p:blipFill>
         <p:spPr>
           <a:xfrm>
-            <a:off x="6212485" y="1497528"/>
-            <a:ext cx="2520280" cy="2376264"/>
+            <a:off x="504825" y="1028700"/>
+            <a:ext cx="8045243" cy="3087318"/>
           </a:xfrm>
           <a:prstGeom prst="rect">
             <a:avLst/>
           </a:prstGeom>
         </p:spPr>
-        <p:style>
-          <a:lnRef idx="2">
-            <a:schemeClr val="accent1">
-              <a:shade val="15000"/>
-            </a:schemeClr>
-          </a:lnRef>
-          <a:fillRef idx="1">
-            <a:schemeClr val="accent1"/>
-          </a:fillRef>
-          <a:effectRef idx="0">
-            <a:schemeClr val="accent1"/>
-          </a:effectRef>
-          <a:fontRef idx="minor">
-            <a:schemeClr val="lt1"/>
-          </a:fontRef>
-        </p:style>
-        <p:txBody>
-          <a:bodyPr rtlCol="0" anchor="ctr"/>
-          <a:lstStyle/>
-          <a:p>
-            <a:pPr algn="ctr"/>
-            <a:r>
-              <a:rPr lang="de-DE"/>
-              <a:t>Grafik</a:t>
-            </a:r>
-          </a:p>
-        </p:txBody>
-      </p:sp>
+      </p:pic>
     </p:spTree>
     <p:extLst>
       <p:ext uri="{BB962C8B-B14F-4D97-AF65-F5344CB8AC3E}">
-        <p14:creationId xmlns:p14="http://schemas.microsoft.com/office/powerpoint/2010/main" val="695573505"/>
+        <p14:creationId xmlns:p14="http://schemas.microsoft.com/office/powerpoint/2010/main" val="1604509671"/>
       </p:ext>
     </p:extLst>
   </p:cSld>
@@ -7448,205 +7074,6 @@
 </file>
 
 <file path=ppt/slides/slide21.xml><?xml version="1.0" encoding="utf-8"?>
-<p:sld xmlns:a="http://schemas.openxmlformats.org/drawingml/2006/main" xmlns:r="http://schemas.openxmlformats.org/officeDocument/2006/relationships" xmlns:p="http://schemas.openxmlformats.org/presentationml/2006/main">
-  <p:cSld>
-    <p:spTree>
-      <p:nvGrpSpPr>
-        <p:cNvPr id="1" name=""/>
-        <p:cNvGrpSpPr/>
-        <p:nvPr/>
-      </p:nvGrpSpPr>
-      <p:grpSpPr>
-        <a:xfrm>
-          <a:off x="0" y="0"/>
-          <a:ext cx="0" cy="0"/>
-          <a:chOff x="0" y="0"/>
-          <a:chExt cx="0" cy="0"/>
-        </a:xfrm>
-      </p:grpSpPr>
-      <p:sp>
-        <p:nvSpPr>
-          <p:cNvPr id="2" name="Titel 1">
-            <a:extLst>
-              <a:ext uri="{FF2B5EF4-FFF2-40B4-BE49-F238E27FC236}">
-                <a16:creationId xmlns:a16="http://schemas.microsoft.com/office/drawing/2014/main" id="{388F7BA3-B785-BDE2-BAC6-74C1F53E9285}"/>
-              </a:ext>
-            </a:extLst>
-          </p:cNvPr>
-          <p:cNvSpPr>
-            <a:spLocks noGrp="1"/>
-          </p:cNvSpPr>
-          <p:nvPr>
-            <p:ph type="title"/>
-          </p:nvPr>
-        </p:nvSpPr>
-        <p:spPr/>
-        <p:txBody>
-          <a:bodyPr/>
-          <a:lstStyle/>
-          <a:p>
-            <a:r>
-              <a:rPr lang="de-DE"/>
-              <a:t>Pros and Cons</a:t>
-            </a:r>
-          </a:p>
-        </p:txBody>
-      </p:sp>
-      <p:sp>
-        <p:nvSpPr>
-          <p:cNvPr id="3" name="Inhaltsplatzhalter 2">
-            <a:extLst>
-              <a:ext uri="{FF2B5EF4-FFF2-40B4-BE49-F238E27FC236}">
-                <a16:creationId xmlns:a16="http://schemas.microsoft.com/office/drawing/2014/main" id="{B6EBCD5F-A998-E34B-B609-7A4D246D72F7}"/>
-              </a:ext>
-            </a:extLst>
-          </p:cNvPr>
-          <p:cNvSpPr>
-            <a:spLocks noGrp="1"/>
-          </p:cNvSpPr>
-          <p:nvPr>
-            <p:ph idx="1"/>
-          </p:nvPr>
-        </p:nvSpPr>
-        <p:spPr/>
-        <p:txBody>
-          <a:bodyPr/>
-          <a:lstStyle/>
-          <a:p>
-            <a:endParaRPr lang="de-DE" sz="2000"/>
-          </a:p>
-        </p:txBody>
-      </p:sp>
-    </p:spTree>
-    <p:extLst>
-      <p:ext uri="{BB962C8B-B14F-4D97-AF65-F5344CB8AC3E}">
-        <p14:creationId xmlns:p14="http://schemas.microsoft.com/office/powerpoint/2010/main" val="2939723199"/>
-      </p:ext>
-    </p:extLst>
-  </p:cSld>
-  <p:clrMapOvr>
-    <a:masterClrMapping/>
-  </p:clrMapOvr>
-</p:sld>
-</file>
-
-<file path=ppt/slides/slide22.xml><?xml version="1.0" encoding="utf-8"?>
-<p:sld xmlns:a="http://schemas.openxmlformats.org/drawingml/2006/main" xmlns:r="http://schemas.openxmlformats.org/officeDocument/2006/relationships" xmlns:p="http://schemas.openxmlformats.org/presentationml/2006/main">
-  <p:cSld>
-    <p:spTree>
-      <p:nvGrpSpPr>
-        <p:cNvPr id="1" name=""/>
-        <p:cNvGrpSpPr/>
-        <p:nvPr/>
-      </p:nvGrpSpPr>
-      <p:grpSpPr>
-        <a:xfrm>
-          <a:off x="0" y="0"/>
-          <a:ext cx="0" cy="0"/>
-          <a:chOff x="0" y="0"/>
-          <a:chExt cx="0" cy="0"/>
-        </a:xfrm>
-      </p:grpSpPr>
-      <p:sp>
-        <p:nvSpPr>
-          <p:cNvPr id="2" name="Titel 1">
-            <a:extLst>
-              <a:ext uri="{FF2B5EF4-FFF2-40B4-BE49-F238E27FC236}">
-                <a16:creationId xmlns:a16="http://schemas.microsoft.com/office/drawing/2014/main" id="{388F7BA3-B785-BDE2-BAC6-74C1F53E9285}"/>
-              </a:ext>
-            </a:extLst>
-          </p:cNvPr>
-          <p:cNvSpPr>
-            <a:spLocks noGrp="1"/>
-          </p:cNvSpPr>
-          <p:nvPr>
-            <p:ph type="title"/>
-          </p:nvPr>
-        </p:nvSpPr>
-        <p:spPr/>
-        <p:txBody>
-          <a:bodyPr/>
-          <a:lstStyle/>
-          <a:p>
-            <a:r>
-              <a:rPr lang="de-DE" err="1"/>
-              <a:t>How</a:t>
-            </a:r>
-            <a:r>
-              <a:rPr lang="de-DE"/>
-              <a:t> </a:t>
-            </a:r>
-            <a:r>
-              <a:rPr lang="de-DE" err="1"/>
-              <a:t>it</a:t>
-            </a:r>
-            <a:r>
-              <a:rPr lang="de-DE"/>
-              <a:t> </a:t>
-            </a:r>
-            <a:r>
-              <a:rPr lang="de-DE" err="1"/>
-              <a:t>works</a:t>
-            </a:r>
-            <a:r>
-              <a:rPr lang="de-DE"/>
-              <a:t>: Support </a:t>
-            </a:r>
-            <a:r>
-              <a:rPr lang="de-DE" err="1"/>
-              <a:t>vector</a:t>
-            </a:r>
-            <a:r>
-              <a:rPr lang="de-DE"/>
-              <a:t> </a:t>
-            </a:r>
-            <a:r>
-              <a:rPr lang="de-DE" err="1"/>
-              <a:t>machine</a:t>
-            </a:r>
-            <a:endParaRPr lang="de-DE"/>
-          </a:p>
-        </p:txBody>
-      </p:sp>
-      <p:sp>
-        <p:nvSpPr>
-          <p:cNvPr id="3" name="Inhaltsplatzhalter 2">
-            <a:extLst>
-              <a:ext uri="{FF2B5EF4-FFF2-40B4-BE49-F238E27FC236}">
-                <a16:creationId xmlns:a16="http://schemas.microsoft.com/office/drawing/2014/main" id="{B6EBCD5F-A998-E34B-B609-7A4D246D72F7}"/>
-              </a:ext>
-            </a:extLst>
-          </p:cNvPr>
-          <p:cNvSpPr>
-            <a:spLocks noGrp="1"/>
-          </p:cNvSpPr>
-          <p:nvPr>
-            <p:ph idx="1"/>
-          </p:nvPr>
-        </p:nvSpPr>
-        <p:spPr/>
-        <p:txBody>
-          <a:bodyPr/>
-          <a:lstStyle/>
-          <a:p>
-            <a:endParaRPr lang="de-DE" sz="2000"/>
-          </a:p>
-        </p:txBody>
-      </p:sp>
-    </p:spTree>
-    <p:extLst>
-      <p:ext uri="{BB962C8B-B14F-4D97-AF65-F5344CB8AC3E}">
-        <p14:creationId xmlns:p14="http://schemas.microsoft.com/office/powerpoint/2010/main" val="3746182716"/>
-      </p:ext>
-    </p:extLst>
-  </p:cSld>
-  <p:clrMapOvr>
-    <a:masterClrMapping/>
-  </p:clrMapOvr>
-</p:sld>
-</file>
-
-<file path=ppt/slides/slide23.xml><?xml version="1.0" encoding="utf-8"?>
 <p:sld xmlns:a="http://schemas.openxmlformats.org/drawingml/2006/main" xmlns:r="http://schemas.openxmlformats.org/officeDocument/2006/relationships" xmlns:p="http://schemas.openxmlformats.org/presentationml/2006/main">
   <p:cSld>
     <p:spTree>
@@ -7916,7 +7343,7 @@
 </p:sld>
 </file>
 
-<file path=ppt/slides/slide24.xml><?xml version="1.0" encoding="utf-8"?>
+<file path=ppt/slides/slide22.xml><?xml version="1.0" encoding="utf-8"?>
 <p:sld xmlns:a="http://schemas.openxmlformats.org/drawingml/2006/main" xmlns:r="http://schemas.openxmlformats.org/officeDocument/2006/relationships" xmlns:p="http://schemas.openxmlformats.org/presentationml/2006/main">
   <p:cSld>
     <p:spTree>
@@ -8126,8 +7553,8 @@
 </p:sld>
 </file>
 
-<file path=ppt/slides/slide25.xml><?xml version="1.0" encoding="utf-8"?>
-<p:sld xmlns:a="http://schemas.openxmlformats.org/drawingml/2006/main" xmlns:r="http://schemas.openxmlformats.org/officeDocument/2006/relationships" xmlns:p="http://schemas.openxmlformats.org/presentationml/2006/main">
+<file path=ppt/slides/slide23.xml><?xml version="1.0" encoding="utf-8"?>
+<p:sld xmlns:a="http://schemas.openxmlformats.org/drawingml/2006/main" xmlns:r="http://schemas.openxmlformats.org/officeDocument/2006/relationships" xmlns:p="http://schemas.openxmlformats.org/presentationml/2006/main" show="0">
   <p:cSld>
     <p:spTree>
       <p:nvGrpSpPr>
@@ -8256,7 +7683,7 @@
 </p:sld>
 </file>
 
-<file path=ppt/slides/slide26.xml><?xml version="1.0" encoding="utf-8"?>
+<file path=ppt/slides/slide24.xml><?xml version="1.0" encoding="utf-8"?>
 <p:sld xmlns:a="http://schemas.openxmlformats.org/drawingml/2006/main" xmlns:r="http://schemas.openxmlformats.org/officeDocument/2006/relationships" xmlns:p="http://schemas.openxmlformats.org/presentationml/2006/main">
   <p:cSld>
     <p:spTree>
@@ -8828,693 +8255,104 @@
             </a:r>
             <a:r>
               <a:rPr lang="de-DE"/>
-              <a:t>: </a:t>
+              <a:t>: Setting </a:t>
             </a:r>
             <a:r>
               <a:rPr lang="de-DE" err="1"/>
-              <a:t>Seperating</a:t>
-            </a:r>
-            <a:r>
-              <a:rPr lang="de-DE"/>
-              <a:t> Hyperplane</a:t>
-            </a:r>
+              <a:t>up</a:t>
+            </a:r>
+            <a:r>
+              <a:rPr lang="de-DE"/>
+              <a:t> </a:t>
+            </a:r>
+            <a:r>
+              <a:rPr lang="de-DE" err="1"/>
+              <a:t>Constraints</a:t>
+            </a:r>
+            <a:endParaRPr lang="de-DE"/>
           </a:p>
         </p:txBody>
       </p:sp>
-      <mc:AlternateContent xmlns:mc="http://schemas.openxmlformats.org/markup-compatibility/2006">
-        <mc:Choice xmlns:a14="http://schemas.microsoft.com/office/drawing/2010/main" Requires="a14">
-          <p:sp>
-            <p:nvSpPr>
-              <p:cNvPr id="3" name="Inhaltsplatzhalter 2">
-                <a:extLst>
-                  <a:ext uri="{FF2B5EF4-FFF2-40B4-BE49-F238E27FC236}">
-                    <a16:creationId xmlns:a16="http://schemas.microsoft.com/office/drawing/2014/main" id="{B6EBCD5F-A998-E34B-B609-7A4D246D72F7}"/>
-                  </a:ext>
-                </a:extLst>
-              </p:cNvPr>
-              <p:cNvSpPr>
-                <a:spLocks noGrp="1"/>
-              </p:cNvSpPr>
-              <p:nvPr>
-                <p:ph idx="1"/>
-              </p:nvPr>
-            </p:nvSpPr>
-            <p:spPr>
-              <a:xfrm>
-                <a:off x="467544" y="1458490"/>
-                <a:ext cx="4680520" cy="2664633"/>
-              </a:xfrm>
-            </p:spPr>
-            <p:txBody>
-              <a:bodyPr/>
-              <a:lstStyle/>
-              <a:p>
-                <a:r>
-                  <a:rPr lang="de-DE" sz="2000"/>
-                  <a:t>Subspace </a:t>
-                </a:r>
-                <a:r>
-                  <a:rPr lang="de-DE" sz="2000" err="1"/>
-                  <a:t>of</a:t>
-                </a:r>
-                <a:r>
-                  <a:rPr lang="de-DE" sz="2000"/>
-                  <a:t> </a:t>
-                </a:r>
-                <a:r>
-                  <a:rPr lang="de-DE" sz="2000" err="1"/>
-                  <a:t>dimension</a:t>
-                </a:r>
-                <a:r>
-                  <a:rPr lang="de-DE" sz="2000"/>
-                  <a:t> p-1</a:t>
-                </a:r>
-              </a:p>
-              <a:p>
-                <a:r>
-                  <a:rPr lang="de-DE" sz="2000"/>
-                  <a:t>Linear </a:t>
-                </a:r>
-                <a:r>
-                  <a:rPr lang="de-DE" sz="2000" err="1"/>
-                  <a:t>combination</a:t>
-                </a:r>
-                <a:r>
-                  <a:rPr lang="de-DE" sz="2000"/>
-                  <a:t> </a:t>
-                </a:r>
-                <a:r>
-                  <a:rPr lang="de-DE" sz="2000" err="1"/>
-                  <a:t>of</a:t>
-                </a:r>
-                <a:r>
-                  <a:rPr lang="de-DE" sz="2000"/>
-                  <a:t> </a:t>
-                </a:r>
-                <a:r>
-                  <a:rPr lang="de-DE" sz="2000" err="1"/>
-                  <a:t>input</a:t>
-                </a:r>
-                <a:r>
-                  <a:rPr lang="de-DE" sz="2000"/>
-                  <a:t> </a:t>
-                </a:r>
-                <a:r>
-                  <a:rPr lang="de-DE" sz="2000" err="1"/>
-                  <a:t>features</a:t>
-                </a:r>
-                <a:r>
-                  <a:rPr lang="de-DE" sz="2000"/>
-                  <a:t>:</a:t>
-                </a:r>
-              </a:p>
-              <a:p>
-                <a:pPr lvl="1"/>
-                <a14:m>
-                  <m:oMath xmlns:m="http://schemas.openxmlformats.org/officeDocument/2006/math">
-                    <m:r>
-                      <a:rPr lang="de-DE" sz="1800" b="0" i="1" smtClean="0">
-                        <a:latin typeface="Cambria Math" panose="02040503050406030204" pitchFamily="18" charset="0"/>
-                      </a:rPr>
-                      <m:t>𝑦</m:t>
-                    </m:r>
-                    <m:r>
-                      <a:rPr lang="de-DE" sz="1800" b="0" i="1" smtClean="0">
-                        <a:latin typeface="Cambria Math" panose="02040503050406030204" pitchFamily="18" charset="0"/>
-                      </a:rPr>
-                      <m:t>=</m:t>
-                    </m:r>
-                    <m:r>
-                      <a:rPr lang="de-DE" sz="1800" b="0" i="1" smtClean="0">
-                        <a:latin typeface="Cambria Math" panose="02040503050406030204" pitchFamily="18" charset="0"/>
-                        <a:ea typeface="Cambria Math" panose="02040503050406030204" pitchFamily="18" charset="0"/>
-                      </a:rPr>
-                      <m:t>𝛽</m:t>
-                    </m:r>
-                    <m:r>
-                      <a:rPr lang="de-DE" sz="1800" b="0" i="1" baseline="-25000" smtClean="0">
-                        <a:latin typeface="Cambria Math" panose="02040503050406030204" pitchFamily="18" charset="0"/>
-                        <a:ea typeface="Cambria Math" panose="02040503050406030204" pitchFamily="18" charset="0"/>
-                      </a:rPr>
-                      <m:t>0</m:t>
-                    </m:r>
-                    <m:r>
-                      <a:rPr lang="de-DE" sz="1800" b="0" i="1" smtClean="0">
-                        <a:latin typeface="Cambria Math" panose="02040503050406030204" pitchFamily="18" charset="0"/>
-                        <a:ea typeface="Cambria Math" panose="02040503050406030204" pitchFamily="18" charset="0"/>
-                      </a:rPr>
-                      <m:t>+ </m:t>
-                    </m:r>
-                    <m:nary>
-                      <m:naryPr>
-                        <m:chr m:val="∑"/>
-                        <m:ctrlPr>
-                          <a:rPr lang="de-DE" sz="1800" b="0" i="1" smtClean="0">
-                            <a:latin typeface="Cambria Math" panose="02040503050406030204" pitchFamily="18" charset="0"/>
-                            <a:ea typeface="Cambria Math" panose="02040503050406030204" pitchFamily="18" charset="0"/>
-                          </a:rPr>
-                        </m:ctrlPr>
-                      </m:naryPr>
-                      <m:sub>
-                        <m:r>
-                          <m:rPr>
-                            <m:brk m:alnAt="23"/>
-                          </m:rPr>
-                          <a:rPr lang="de-DE" sz="1800" b="0" i="1" smtClean="0">
-                            <a:latin typeface="Cambria Math" panose="02040503050406030204" pitchFamily="18" charset="0"/>
-                            <a:ea typeface="Cambria Math" panose="02040503050406030204" pitchFamily="18" charset="0"/>
-                          </a:rPr>
-                          <m:t>𝑘</m:t>
-                        </m:r>
-                        <m:r>
-                          <a:rPr lang="de-DE" sz="1800" b="0" i="1" smtClean="0">
-                            <a:latin typeface="Cambria Math" panose="02040503050406030204" pitchFamily="18" charset="0"/>
-                            <a:ea typeface="Cambria Math" panose="02040503050406030204" pitchFamily="18" charset="0"/>
-                          </a:rPr>
-                          <m:t>=1</m:t>
-                        </m:r>
-                      </m:sub>
-                      <m:sup>
-                        <m:r>
-                          <a:rPr lang="de-DE" sz="1800" b="0" i="1" smtClean="0">
-                            <a:latin typeface="Cambria Math" panose="02040503050406030204" pitchFamily="18" charset="0"/>
-                            <a:ea typeface="Cambria Math" panose="02040503050406030204" pitchFamily="18" charset="0"/>
-                          </a:rPr>
-                          <m:t>𝑝</m:t>
-                        </m:r>
-                      </m:sup>
-                      <m:e>
-                        <m:r>
-                          <a:rPr lang="de-DE" sz="1800" b="0" i="1" smtClean="0">
-                            <a:latin typeface="Cambria Math" panose="02040503050406030204" pitchFamily="18" charset="0"/>
-                            <a:ea typeface="Cambria Math" panose="02040503050406030204" pitchFamily="18" charset="0"/>
-                          </a:rPr>
-                          <m:t>𝛽</m:t>
-                        </m:r>
-                        <m:r>
-                          <a:rPr lang="de-DE" sz="1800" b="0" i="1" baseline="-25000" smtClean="0">
-                            <a:latin typeface="Cambria Math" panose="02040503050406030204" pitchFamily="18" charset="0"/>
-                            <a:ea typeface="Cambria Math" panose="02040503050406030204" pitchFamily="18" charset="0"/>
-                          </a:rPr>
-                          <m:t>𝑘</m:t>
-                        </m:r>
-                        <m:r>
-                          <a:rPr lang="de-DE" sz="1800" b="0" i="1" smtClean="0">
-                            <a:latin typeface="Cambria Math" panose="02040503050406030204" pitchFamily="18" charset="0"/>
-                            <a:ea typeface="Cambria Math" panose="02040503050406030204" pitchFamily="18" charset="0"/>
-                          </a:rPr>
-                          <m:t>𝑥</m:t>
-                        </m:r>
-                        <m:r>
-                          <a:rPr lang="de-DE" sz="1800" b="0" i="1" baseline="-25000" smtClean="0">
-                            <a:latin typeface="Cambria Math" panose="02040503050406030204" pitchFamily="18" charset="0"/>
-                            <a:ea typeface="Cambria Math" panose="02040503050406030204" pitchFamily="18" charset="0"/>
-                          </a:rPr>
-                          <m:t>𝑘</m:t>
-                        </m:r>
-                      </m:e>
-                    </m:nary>
-                  </m:oMath>
-                </a14:m>
-                <a:endParaRPr lang="de-DE" sz="1800"/>
-              </a:p>
-              <a:p>
-                <a:r>
-                  <a:rPr lang="de-DE" sz="2000" err="1"/>
-                  <a:t>Seperates</a:t>
-                </a:r>
-                <a:r>
-                  <a:rPr lang="de-DE" sz="2000"/>
-                  <a:t> </a:t>
-                </a:r>
-                <a:r>
-                  <a:rPr lang="de-DE" sz="2000" err="1"/>
-                  <a:t>classes</a:t>
-                </a:r>
-                <a:r>
-                  <a:rPr lang="de-DE" sz="2000"/>
-                  <a:t> in a </a:t>
-                </a:r>
-                <a:r>
-                  <a:rPr lang="de-DE" sz="2000" err="1"/>
-                  <a:t>way</a:t>
-                </a:r>
-                <a:r>
-                  <a:rPr lang="de-DE" sz="2000"/>
-                  <a:t> </a:t>
-                </a:r>
-                <a:r>
-                  <a:rPr lang="de-DE" sz="2000" err="1"/>
-                  <a:t>that</a:t>
-                </a:r>
-                <a:r>
-                  <a:rPr lang="de-DE" sz="2000"/>
-                  <a:t>:</a:t>
-                </a:r>
-              </a:p>
-              <a:p>
-                <a:pPr lvl="1"/>
-                <a14:m>
-                  <m:oMath xmlns:m="http://schemas.openxmlformats.org/officeDocument/2006/math">
-                    <m:r>
-                      <a:rPr lang="de-DE" sz="1800" i="1">
-                        <a:latin typeface="Cambria Math" panose="02040503050406030204" pitchFamily="18" charset="0"/>
-                        <a:ea typeface="Cambria Math" panose="02040503050406030204" pitchFamily="18" charset="0"/>
-                      </a:rPr>
-                      <m:t>𝛽</m:t>
-                    </m:r>
-                    <m:r>
-                      <a:rPr lang="de-DE" sz="1800" i="1" baseline="-25000">
-                        <a:latin typeface="Cambria Math" panose="02040503050406030204" pitchFamily="18" charset="0"/>
-                        <a:ea typeface="Cambria Math" panose="02040503050406030204" pitchFamily="18" charset="0"/>
-                      </a:rPr>
-                      <m:t>0</m:t>
-                    </m:r>
-                    <m:r>
-                      <a:rPr lang="de-DE" sz="1800" i="1">
-                        <a:latin typeface="Cambria Math" panose="02040503050406030204" pitchFamily="18" charset="0"/>
-                        <a:ea typeface="Cambria Math" panose="02040503050406030204" pitchFamily="18" charset="0"/>
-                      </a:rPr>
-                      <m:t>+ </m:t>
-                    </m:r>
-                    <m:nary>
-                      <m:naryPr>
-                        <m:chr m:val="∑"/>
-                        <m:ctrlPr>
-                          <a:rPr lang="de-DE" sz="1800" i="1">
-                            <a:latin typeface="Cambria Math" panose="02040503050406030204" pitchFamily="18" charset="0"/>
-                            <a:ea typeface="Cambria Math" panose="02040503050406030204" pitchFamily="18" charset="0"/>
-                          </a:rPr>
-                        </m:ctrlPr>
-                      </m:naryPr>
-                      <m:sub>
-                        <m:r>
-                          <m:rPr>
-                            <m:brk m:alnAt="23"/>
-                          </m:rPr>
-                          <a:rPr lang="de-DE" sz="1800" i="1">
-                            <a:latin typeface="Cambria Math" panose="02040503050406030204" pitchFamily="18" charset="0"/>
-                            <a:ea typeface="Cambria Math" panose="02040503050406030204" pitchFamily="18" charset="0"/>
-                          </a:rPr>
-                          <m:t>𝑘</m:t>
-                        </m:r>
-                        <m:r>
-                          <a:rPr lang="de-DE" sz="1800" i="1">
-                            <a:latin typeface="Cambria Math" panose="02040503050406030204" pitchFamily="18" charset="0"/>
-                            <a:ea typeface="Cambria Math" panose="02040503050406030204" pitchFamily="18" charset="0"/>
-                          </a:rPr>
-                          <m:t>=1</m:t>
-                        </m:r>
-                      </m:sub>
-                      <m:sup>
-                        <m:r>
-                          <a:rPr lang="de-DE" sz="1800" i="1">
-                            <a:latin typeface="Cambria Math" panose="02040503050406030204" pitchFamily="18" charset="0"/>
-                            <a:ea typeface="Cambria Math" panose="02040503050406030204" pitchFamily="18" charset="0"/>
-                          </a:rPr>
-                          <m:t>𝑝</m:t>
-                        </m:r>
-                      </m:sup>
-                      <m:e>
-                        <m:r>
-                          <a:rPr lang="de-DE" sz="1800" i="1">
-                            <a:latin typeface="Cambria Math" panose="02040503050406030204" pitchFamily="18" charset="0"/>
-                            <a:ea typeface="Cambria Math" panose="02040503050406030204" pitchFamily="18" charset="0"/>
-                          </a:rPr>
-                          <m:t>𝛽</m:t>
-                        </m:r>
-                        <m:r>
-                          <a:rPr lang="de-DE" sz="1800" i="1" baseline="-25000">
-                            <a:latin typeface="Cambria Math" panose="02040503050406030204" pitchFamily="18" charset="0"/>
-                            <a:ea typeface="Cambria Math" panose="02040503050406030204" pitchFamily="18" charset="0"/>
-                          </a:rPr>
-                          <m:t>𝑘</m:t>
-                        </m:r>
-                        <m:r>
-                          <a:rPr lang="de-DE" sz="1800" i="1">
-                            <a:latin typeface="Cambria Math" panose="02040503050406030204" pitchFamily="18" charset="0"/>
-                            <a:ea typeface="Cambria Math" panose="02040503050406030204" pitchFamily="18" charset="0"/>
-                          </a:rPr>
-                          <m:t>𝑥</m:t>
-                        </m:r>
-                        <m:r>
-                          <a:rPr lang="de-DE" sz="1800" b="0" i="1" baseline="-25000" smtClean="0">
-                            <a:latin typeface="Cambria Math" panose="02040503050406030204" pitchFamily="18" charset="0"/>
-                            <a:ea typeface="Cambria Math" panose="02040503050406030204" pitchFamily="18" charset="0"/>
-                          </a:rPr>
-                          <m:t>𝑖𝑘</m:t>
-                        </m:r>
-                      </m:e>
-                    </m:nary>
-                    <m:r>
-                      <a:rPr lang="de-DE" sz="1800" b="0" i="1" smtClean="0">
-                        <a:latin typeface="Cambria Math" panose="02040503050406030204" pitchFamily="18" charset="0"/>
-                        <a:ea typeface="Cambria Math" panose="02040503050406030204" pitchFamily="18" charset="0"/>
-                      </a:rPr>
-                      <m:t>&gt;0 </m:t>
-                    </m:r>
-                    <m:r>
-                      <a:rPr lang="de-DE" sz="1800" b="0" i="1" smtClean="0">
-                        <a:latin typeface="Cambria Math" panose="02040503050406030204" pitchFamily="18" charset="0"/>
-                        <a:ea typeface="Cambria Math" panose="02040503050406030204" pitchFamily="18" charset="0"/>
-                      </a:rPr>
-                      <m:t>𝑖𝑓</m:t>
-                    </m:r>
-                    <m:r>
-                      <a:rPr lang="de-DE" sz="1800" b="0" i="1" smtClean="0">
-                        <a:latin typeface="Cambria Math" panose="02040503050406030204" pitchFamily="18" charset="0"/>
-                        <a:ea typeface="Cambria Math" panose="02040503050406030204" pitchFamily="18" charset="0"/>
-                      </a:rPr>
-                      <m:t> </m:t>
-                    </m:r>
-                    <m:r>
-                      <a:rPr lang="de-DE" sz="1800" b="0" i="1" smtClean="0">
-                        <a:latin typeface="Cambria Math" panose="02040503050406030204" pitchFamily="18" charset="0"/>
-                        <a:ea typeface="Cambria Math" panose="02040503050406030204" pitchFamily="18" charset="0"/>
-                      </a:rPr>
-                      <m:t>𝑦𝑖</m:t>
-                    </m:r>
-                    <m:r>
-                      <a:rPr lang="de-DE" sz="1800" b="0" i="1" smtClean="0">
-                        <a:latin typeface="Cambria Math" panose="02040503050406030204" pitchFamily="18" charset="0"/>
-                        <a:ea typeface="Cambria Math" panose="02040503050406030204" pitchFamily="18" charset="0"/>
-                      </a:rPr>
-                      <m:t>=1</m:t>
-                    </m:r>
-                  </m:oMath>
-                </a14:m>
-                <a:endParaRPr lang="de-DE" sz="1800"/>
-              </a:p>
-              <a:p>
-                <a:pPr lvl="1"/>
-                <a14:m>
-                  <m:oMath xmlns:m="http://schemas.openxmlformats.org/officeDocument/2006/math">
-                    <m:r>
-                      <a:rPr lang="de-DE" sz="1800" i="1" smtClean="0">
-                        <a:latin typeface="Cambria Math" panose="02040503050406030204" pitchFamily="18" charset="0"/>
-                        <a:ea typeface="Cambria Math" panose="02040503050406030204" pitchFamily="18" charset="0"/>
-                      </a:rPr>
-                      <m:t>𝛽</m:t>
-                    </m:r>
-                    <m:r>
-                      <a:rPr lang="de-DE" sz="1800" i="1" baseline="-25000">
-                        <a:latin typeface="Cambria Math" panose="02040503050406030204" pitchFamily="18" charset="0"/>
-                        <a:ea typeface="Cambria Math" panose="02040503050406030204" pitchFamily="18" charset="0"/>
-                      </a:rPr>
-                      <m:t>0</m:t>
-                    </m:r>
-                    <m:r>
-                      <a:rPr lang="de-DE" sz="1800" i="1">
-                        <a:latin typeface="Cambria Math" panose="02040503050406030204" pitchFamily="18" charset="0"/>
-                        <a:ea typeface="Cambria Math" panose="02040503050406030204" pitchFamily="18" charset="0"/>
-                      </a:rPr>
-                      <m:t>+ </m:t>
-                    </m:r>
-                    <m:nary>
-                      <m:naryPr>
-                        <m:chr m:val="∑"/>
-                        <m:ctrlPr>
-                          <a:rPr lang="de-DE" sz="1800" i="1">
-                            <a:latin typeface="Cambria Math" panose="02040503050406030204" pitchFamily="18" charset="0"/>
-                            <a:ea typeface="Cambria Math" panose="02040503050406030204" pitchFamily="18" charset="0"/>
-                          </a:rPr>
-                        </m:ctrlPr>
-                      </m:naryPr>
-                      <m:sub>
-                        <m:r>
-                          <m:rPr>
-                            <m:brk m:alnAt="23"/>
-                          </m:rPr>
-                          <a:rPr lang="de-DE" sz="1800" i="1">
-                            <a:latin typeface="Cambria Math" panose="02040503050406030204" pitchFamily="18" charset="0"/>
-                            <a:ea typeface="Cambria Math" panose="02040503050406030204" pitchFamily="18" charset="0"/>
-                          </a:rPr>
-                          <m:t>𝑘</m:t>
-                        </m:r>
-                        <m:r>
-                          <a:rPr lang="de-DE" sz="1800" i="1">
-                            <a:latin typeface="Cambria Math" panose="02040503050406030204" pitchFamily="18" charset="0"/>
-                            <a:ea typeface="Cambria Math" panose="02040503050406030204" pitchFamily="18" charset="0"/>
-                          </a:rPr>
-                          <m:t>=1</m:t>
-                        </m:r>
-                      </m:sub>
-                      <m:sup>
-                        <m:r>
-                          <a:rPr lang="de-DE" sz="1800" i="1">
-                            <a:latin typeface="Cambria Math" panose="02040503050406030204" pitchFamily="18" charset="0"/>
-                            <a:ea typeface="Cambria Math" panose="02040503050406030204" pitchFamily="18" charset="0"/>
-                          </a:rPr>
-                          <m:t>𝑝</m:t>
-                        </m:r>
-                      </m:sup>
-                      <m:e>
-                        <m:r>
-                          <a:rPr lang="de-DE" sz="1800" i="1">
-                            <a:latin typeface="Cambria Math" panose="02040503050406030204" pitchFamily="18" charset="0"/>
-                            <a:ea typeface="Cambria Math" panose="02040503050406030204" pitchFamily="18" charset="0"/>
-                          </a:rPr>
-                          <m:t>𝛽</m:t>
-                        </m:r>
-                        <m:r>
-                          <a:rPr lang="de-DE" sz="1800" i="1" baseline="-25000">
-                            <a:latin typeface="Cambria Math" panose="02040503050406030204" pitchFamily="18" charset="0"/>
-                            <a:ea typeface="Cambria Math" panose="02040503050406030204" pitchFamily="18" charset="0"/>
-                          </a:rPr>
-                          <m:t>𝑘</m:t>
-                        </m:r>
-                        <m:r>
-                          <a:rPr lang="de-DE" sz="1800" i="1">
-                            <a:latin typeface="Cambria Math" panose="02040503050406030204" pitchFamily="18" charset="0"/>
-                            <a:ea typeface="Cambria Math" panose="02040503050406030204" pitchFamily="18" charset="0"/>
-                          </a:rPr>
-                          <m:t>𝑥</m:t>
-                        </m:r>
-                        <m:r>
-                          <a:rPr lang="de-DE" sz="1800" b="0" i="1" baseline="-25000" smtClean="0">
-                            <a:latin typeface="Cambria Math" panose="02040503050406030204" pitchFamily="18" charset="0"/>
-                            <a:ea typeface="Cambria Math" panose="02040503050406030204" pitchFamily="18" charset="0"/>
-                          </a:rPr>
-                          <m:t>𝑖𝑘</m:t>
-                        </m:r>
-                      </m:e>
-                    </m:nary>
-                    <m:r>
-                      <a:rPr lang="de-DE" sz="1800" b="0" i="1" smtClean="0">
-                        <a:latin typeface="Cambria Math" panose="02040503050406030204" pitchFamily="18" charset="0"/>
-                        <a:ea typeface="Cambria Math" panose="02040503050406030204" pitchFamily="18" charset="0"/>
-                      </a:rPr>
-                      <m:t>&lt;0 </m:t>
-                    </m:r>
-                    <m:r>
-                      <a:rPr lang="de-DE" sz="1800" b="0" i="1" smtClean="0">
-                        <a:latin typeface="Cambria Math" panose="02040503050406030204" pitchFamily="18" charset="0"/>
-                        <a:ea typeface="Cambria Math" panose="02040503050406030204" pitchFamily="18" charset="0"/>
-                      </a:rPr>
-                      <m:t>𝑖𝑓</m:t>
-                    </m:r>
-                    <m:r>
-                      <a:rPr lang="de-DE" sz="1800" b="0" i="1" smtClean="0">
-                        <a:latin typeface="Cambria Math" panose="02040503050406030204" pitchFamily="18" charset="0"/>
-                        <a:ea typeface="Cambria Math" panose="02040503050406030204" pitchFamily="18" charset="0"/>
-                      </a:rPr>
-                      <m:t> </m:t>
-                    </m:r>
-                    <m:r>
-                      <a:rPr lang="de-DE" sz="1800" b="0" i="1" smtClean="0">
-                        <a:latin typeface="Cambria Math" panose="02040503050406030204" pitchFamily="18" charset="0"/>
-                        <a:ea typeface="Cambria Math" panose="02040503050406030204" pitchFamily="18" charset="0"/>
-                      </a:rPr>
-                      <m:t>𝑦𝑖</m:t>
-                    </m:r>
-                    <m:r>
-                      <a:rPr lang="de-DE" sz="1800" b="0" i="1" smtClean="0">
-                        <a:latin typeface="Cambria Math" panose="02040503050406030204" pitchFamily="18" charset="0"/>
-                        <a:ea typeface="Cambria Math" panose="02040503050406030204" pitchFamily="18" charset="0"/>
-                      </a:rPr>
-                      <m:t>=−1</m:t>
-                    </m:r>
-                  </m:oMath>
-                </a14:m>
-                <a:endParaRPr lang="de-DE" sz="1800"/>
-              </a:p>
-              <a:p>
-                <a:r>
-                  <a:rPr lang="de-DE" sz="2000" err="1"/>
-                  <a:t>If</a:t>
-                </a:r>
-                <a:r>
-                  <a:rPr lang="de-DE" sz="2000"/>
-                  <a:t> </a:t>
-                </a:r>
-                <a:r>
-                  <a:rPr lang="de-DE" sz="2000" err="1"/>
-                  <a:t>classes</a:t>
-                </a:r>
-                <a:r>
-                  <a:rPr lang="de-DE" sz="2000"/>
-                  <a:t> </a:t>
-                </a:r>
-                <a:r>
-                  <a:rPr lang="de-DE" sz="2000" err="1"/>
-                  <a:t>are</a:t>
-                </a:r>
-                <a:r>
-                  <a:rPr lang="de-DE" sz="2000"/>
-                  <a:t> </a:t>
-                </a:r>
-                <a:r>
-                  <a:rPr lang="de-DE" sz="2000" err="1"/>
-                  <a:t>seperable</a:t>
-                </a:r>
-                <a:r>
-                  <a:rPr lang="de-DE" sz="2000"/>
-                  <a:t> </a:t>
-                </a:r>
-                <a:r>
-                  <a:rPr lang="de-DE" sz="2000">
-                    <a:sym typeface="Wingdings" panose="05000000000000000000" pitchFamily="2" charset="2"/>
-                  </a:rPr>
-                  <a:t> infinite </a:t>
-                </a:r>
-                <a:r>
-                  <a:rPr lang="de-DE" sz="2000" err="1">
-                    <a:sym typeface="Wingdings" panose="05000000000000000000" pitchFamily="2" charset="2"/>
-                  </a:rPr>
-                  <a:t>number</a:t>
-                </a:r>
-                <a:r>
-                  <a:rPr lang="de-DE" sz="2000">
-                    <a:sym typeface="Wingdings" panose="05000000000000000000" pitchFamily="2" charset="2"/>
-                  </a:rPr>
-                  <a:t> </a:t>
-                </a:r>
-                <a:r>
-                  <a:rPr lang="de-DE" sz="2000" err="1">
-                    <a:sym typeface="Wingdings" panose="05000000000000000000" pitchFamily="2" charset="2"/>
-                  </a:rPr>
-                  <a:t>of</a:t>
-                </a:r>
-                <a:r>
-                  <a:rPr lang="de-DE" sz="2000">
-                    <a:sym typeface="Wingdings" panose="05000000000000000000" pitchFamily="2" charset="2"/>
-                  </a:rPr>
-                  <a:t> </a:t>
-                </a:r>
-                <a:r>
-                  <a:rPr lang="de-DE" sz="2000" err="1">
-                    <a:sym typeface="Wingdings" panose="05000000000000000000" pitchFamily="2" charset="2"/>
-                  </a:rPr>
-                  <a:t>seperating</a:t>
-                </a:r>
-                <a:r>
-                  <a:rPr lang="de-DE" sz="2000">
-                    <a:sym typeface="Wingdings" panose="05000000000000000000" pitchFamily="2" charset="2"/>
-                  </a:rPr>
-                  <a:t> hyperplanes</a:t>
-                </a:r>
-                <a:endParaRPr lang="de-DE" sz="2000"/>
-              </a:p>
-            </p:txBody>
-          </p:sp>
-        </mc:Choice>
-        <mc:Fallback>
-          <p:sp>
-            <p:nvSpPr>
-              <p:cNvPr id="3" name="Inhaltsplatzhalter 2">
-                <a:extLst>
-                  <a:ext uri="{FF2B5EF4-FFF2-40B4-BE49-F238E27FC236}">
-                    <a16:creationId xmlns:a16="http://schemas.microsoft.com/office/drawing/2014/main" id="{B6EBCD5F-A998-E34B-B609-7A4D246D72F7}"/>
-                  </a:ext>
-                </a:extLst>
-              </p:cNvPr>
-              <p:cNvSpPr>
-                <a:spLocks noGrp="1" noRot="1" noChangeAspect="1" noMove="1" noResize="1" noEditPoints="1" noAdjustHandles="1" noChangeArrowheads="1" noChangeShapeType="1" noTextEdit="1"/>
-              </p:cNvSpPr>
-              <p:nvPr>
-                <p:ph idx="1"/>
-              </p:nvPr>
-            </p:nvSpPr>
-            <p:spPr>
-              <a:xfrm>
-                <a:off x="467544" y="1458490"/>
-                <a:ext cx="4680520" cy="2664633"/>
-              </a:xfrm>
-              <a:blipFill>
-                <a:blip r:embed="rId2"/>
-                <a:stretch>
-                  <a:fillRect l="-1173" t="-915" r="-391" b="-13043"/>
-                </a:stretch>
-              </a:blipFill>
-            </p:spPr>
-            <p:txBody>
-              <a:bodyPr/>
-              <a:lstStyle/>
-              <a:p>
-                <a:r>
-                  <a:rPr lang="en-US">
-                    <a:noFill/>
-                  </a:rPr>
-                  <a:t> </a:t>
-                </a:r>
-              </a:p>
-            </p:txBody>
-          </p:sp>
-        </mc:Fallback>
-      </mc:AlternateContent>
-      <p:sp>
-        <p:nvSpPr>
-          <p:cNvPr id="4" name="Rechteck 3">
+      <p:pic>
+        <p:nvPicPr>
+          <p:cNvPr id="7" name="Grafik 6" descr="\documentclass[20pt]{article}&#10;\usepackage{amsmath,amsfonts,amssymb,xcolor, mathtools}&#10;\pagestyle{empty}&#10;\usepackage[T1]{fontenc}&#10;\usepackage{fontspec}&#10;\setsansfont{Arial}&#10;\renewcommand\familydefault{\sfdefault}&#10;\begin{document}&#10;\begin{itemize}&#10;\item \textcolor{green}{$\beta$}$\rightarrow$ a k-dimensional vector\newline perpendicular to the decision boundary&#10;\item all points $x$ for which holds $\frac{\textcolor{green}{\beta}}{||\textcolor{green}{\beta}||}\cdot \overline{x}=\textcolor{magenta}{c}$\newline lie on the hyperplain &#10;\item through some rearrangement we get \newline&#10;$\beta \cdot \overline{x} +\beta_0=0$&#10;&#10;\end{itemize}&#10;&#10;\end{document}" title="IguanaTex Picture Display">
             <a:extLst>
               <a:ext uri="{FF2B5EF4-FFF2-40B4-BE49-F238E27FC236}">
-                <a16:creationId xmlns:a16="http://schemas.microsoft.com/office/drawing/2014/main" id="{B21BA278-5AA0-7413-5DB3-4EB47B444F21}"/>
+                <a16:creationId xmlns:a16="http://schemas.microsoft.com/office/drawing/2014/main" id="{D8E488CC-6A22-58C4-4AEE-4B7530968487}"/>
               </a:ext>
             </a:extLst>
           </p:cNvPr>
-          <p:cNvSpPr/>
-          <p:nvPr/>
-        </p:nvSpPr>
+          <p:cNvPicPr>
+            <a:picLocks noChangeAspect="1"/>
+          </p:cNvPicPr>
+          <p:nvPr>
+            <p:custDataLst>
+              <p:tags r:id="rId1"/>
+            </p:custDataLst>
+          </p:nvPr>
+        </p:nvPicPr>
+        <p:blipFill>
+          <a:blip r:embed="rId3">
+            <a:extLst>
+              <a:ext uri="{28A0092B-C50C-407E-A947-70E740481C1C}">
+                <a14:useLocalDpi xmlns:a14="http://schemas.microsoft.com/office/drawing/2010/main" val="0"/>
+              </a:ext>
+            </a:extLst>
+          </a:blip>
+          <a:stretch>
+            <a:fillRect/>
+          </a:stretch>
+        </p:blipFill>
         <p:spPr>
           <a:xfrm>
-            <a:off x="5436096" y="1563638"/>
-            <a:ext cx="2952328" cy="2454339"/>
+            <a:off x="720858" y="1707655"/>
+            <a:ext cx="4091257" cy="1996269"/>
           </a:xfrm>
           <a:prstGeom prst="rect">
             <a:avLst/>
           </a:prstGeom>
         </p:spPr>
-        <p:style>
-          <a:lnRef idx="2">
-            <a:schemeClr val="accent1">
-              <a:shade val="15000"/>
-            </a:schemeClr>
-          </a:lnRef>
-          <a:fillRef idx="1">
-            <a:schemeClr val="accent1"/>
-          </a:fillRef>
-          <a:effectRef idx="0">
-            <a:schemeClr val="accent1"/>
-          </a:effectRef>
-          <a:fontRef idx="minor">
-            <a:schemeClr val="lt1"/>
-          </a:fontRef>
-        </p:style>
-        <p:txBody>
-          <a:bodyPr rtlCol="0" anchor="ctr"/>
-          <a:lstStyle/>
-          <a:p>
-            <a:pPr algn="ctr"/>
-            <a:r>
-              <a:rPr lang="de-DE"/>
-              <a:t>Grafik</a:t>
-            </a:r>
-          </a:p>
-        </p:txBody>
-      </p:sp>
+      </p:pic>
+      <p:pic>
+        <p:nvPicPr>
+          <p:cNvPr id="5" name="Grafik 4" descr="Ein Bild, das Reihe, Diagramm, parallel enthält.&#10;&#10;Automatisch generierte Beschreibung">
+            <a:extLst>
+              <a:ext uri="{FF2B5EF4-FFF2-40B4-BE49-F238E27FC236}">
+                <a16:creationId xmlns:a16="http://schemas.microsoft.com/office/drawing/2014/main" id="{2FF4439B-4933-2A0A-9836-8FAFBD29F270}"/>
+              </a:ext>
+            </a:extLst>
+          </p:cNvPr>
+          <p:cNvPicPr>
+            <a:picLocks noChangeAspect="1"/>
+          </p:cNvPicPr>
+          <p:nvPr/>
+        </p:nvPicPr>
+        <p:blipFill>
+          <a:blip r:embed="rId4">
+            <a:extLst>
+              <a:ext uri="{28A0092B-C50C-407E-A947-70E740481C1C}">
+                <a14:useLocalDpi xmlns:a14="http://schemas.microsoft.com/office/drawing/2010/main" val="0"/>
+              </a:ext>
+            </a:extLst>
+          </a:blip>
+          <a:stretch>
+            <a:fillRect/>
+          </a:stretch>
+        </p:blipFill>
+        <p:spPr>
+          <a:xfrm>
+            <a:off x="5063456" y="1234748"/>
+            <a:ext cx="3617339" cy="3072824"/>
+          </a:xfrm>
+          <a:prstGeom prst="rect">
+            <a:avLst/>
+          </a:prstGeom>
+        </p:spPr>
+      </p:pic>
     </p:spTree>
     <p:extLst>
       <p:ext uri="{BB962C8B-B14F-4D97-AF65-F5344CB8AC3E}">
-        <p14:creationId xmlns:p14="http://schemas.microsoft.com/office/powerpoint/2010/main" val="3748176770"/>
+        <p14:creationId xmlns:p14="http://schemas.microsoft.com/office/powerpoint/2010/main" val="1770530705"/>
       </p:ext>
     </p:extLst>
   </p:cSld>
@@ -9604,10 +8442,10 @@
       </p:sp>
       <p:pic>
         <p:nvPicPr>
-          <p:cNvPr id="21" name="Grafik 20" descr="\documentclass[20pt]{article}&#10;\usepackage{amsmath,amsfonts,amssymb,xcolor, mathtools}&#10;\pagestyle{empty}&#10;\usepackage[T1]{fontenc}&#10;\usepackage{fontspec}&#10;\setsansfont{Arial}&#10;\renewcommand\familydefault{\sfdefault}&#10;\begin{document}&#10;\begin{itemize}&#10;\item \textcolor{green}{$\beta$}$\rightarrow$ a k-dimensional vector\newline perpendicular to the decision boundary&#10;\item all points $x$ for which holds $\frac{\textcolor{green}{\beta}}{||\textcolor{green}{\beta}||}\cdot x=\textcolor{magenta}{c}$\newline lie on the hyperplain &#10;\item through some rearrangement we get \newline&#10;$\beta \cdot x +\beta_0=0$&#10;&#10;\end{itemize}&#10;&#10;\end{document}" title="IguanaTex Picture Display">
+          <p:cNvPr id="7" name="Grafik 6" descr="\documentclass[20pt]{article}&#10;\usepackage{amsmath,amsfonts,amssymb,xcolor, mathtools}&#10;\pagestyle{empty}&#10;\usepackage[T1]{fontenc}&#10;\usepackage{fontspec}&#10;\setsansfont{Arial}&#10;\renewcommand\familydefault{\sfdefault}&#10;\begin{document}&#10;\begin{itemize}&#10;\item the two gutters around the boundary \newline are defined by $\beta \cdot \overline{x}+\beta_0=1$ and \newline$ \beta \cdot \overline{x}+\beta_0=-1$&#10;&#10;\item seperate \textcolor{red}{positive}($\beta \cdot \overline{x}+\beta_0\ge 1$)\newline from \textcolor{green}{negative} ($\beta \cdot \overline{x}+\beta_0\le -1$) samples&#10;\item distance between the gutters\newline$\rightarrow$ width that is to be maximized&#10;\end{itemize}&#10;&#10;\end{document}" title="IguanaTex Picture Display">
             <a:extLst>
               <a:ext uri="{FF2B5EF4-FFF2-40B4-BE49-F238E27FC236}">
-                <a16:creationId xmlns:a16="http://schemas.microsoft.com/office/drawing/2014/main" id="{10DE1F70-7341-0DAC-810B-5172FAB61B45}"/>
+                <a16:creationId xmlns:a16="http://schemas.microsoft.com/office/drawing/2014/main" id="{E57472E7-B1A1-CDB6-DA3F-0FE93658CCF6}"/>
               </a:ext>
             </a:extLst>
           </p:cNvPr>
@@ -9634,8 +8472,8 @@
         </p:blipFill>
         <p:spPr>
           <a:xfrm>
-            <a:off x="720858" y="1707654"/>
-            <a:ext cx="4090686" cy="1995528"/>
+            <a:off x="683569" y="1707651"/>
+            <a:ext cx="4215930" cy="2217150"/>
           </a:xfrm>
           <a:prstGeom prst="rect">
             <a:avLst/>
@@ -9644,10 +8482,10 @@
       </p:pic>
       <p:pic>
         <p:nvPicPr>
-          <p:cNvPr id="4" name="Grafik 3" descr="Ein Bild, das Reihe, Diagramm, parallel, Steigung enthält.&#10;&#10;Automatisch generierte Beschreibung">
+          <p:cNvPr id="5" name="Grafik 4" descr="Ein Bild, das Reihe, Diagramm, parallel, Steigung enthält.&#10;&#10;Automatisch generierte Beschreibung">
             <a:extLst>
               <a:ext uri="{FF2B5EF4-FFF2-40B4-BE49-F238E27FC236}">
-                <a16:creationId xmlns:a16="http://schemas.microsoft.com/office/drawing/2014/main" id="{46ACD664-B35B-1FDD-FFED-70FE77B7A530}"/>
+                <a16:creationId xmlns:a16="http://schemas.microsoft.com/office/drawing/2014/main" id="{402170D5-C41B-257C-79F6-AF4EE077D414}"/>
               </a:ext>
             </a:extLst>
           </p:cNvPr>
@@ -9670,23 +8508,18 @@
         </p:blipFill>
         <p:spPr>
           <a:xfrm>
-            <a:off x="5148064" y="1188000"/>
-            <a:ext cx="3634198" cy="3072665"/>
+            <a:off x="5067013" y="1124744"/>
+            <a:ext cx="3733061" cy="3168549"/>
           </a:xfrm>
           <a:prstGeom prst="rect">
             <a:avLst/>
           </a:prstGeom>
-          <a:ln w="3175">
-            <a:solidFill>
-              <a:schemeClr val="accent1"/>
-            </a:solidFill>
-          </a:ln>
         </p:spPr>
       </p:pic>
     </p:spTree>
     <p:extLst>
       <p:ext uri="{BB962C8B-B14F-4D97-AF65-F5344CB8AC3E}">
-        <p14:creationId xmlns:p14="http://schemas.microsoft.com/office/powerpoint/2010/main" val="1770530705"/>
+        <p14:creationId xmlns:p14="http://schemas.microsoft.com/office/powerpoint/2010/main" val="3990756690"/>
       </p:ext>
     </p:extLst>
   </p:cSld>
@@ -9776,10 +8609,10 @@
       </p:sp>
       <p:pic>
         <p:nvPicPr>
-          <p:cNvPr id="12" name="Grafik 11" descr="\documentclass[20pt]{article}&#10;\usepackage{amsmath,amsfonts,amssymb,xcolor, mathtools}&#10;\pagestyle{empty}&#10;\usepackage[T1]{fontenc}&#10;\usepackage{fontspec}&#10;\setsansfont{Arial}&#10;\renewcommand\familydefault{\sfdefault}&#10;\begin{document}&#10;\begin{itemize}&#10;\item the two gutters around the boundary \newline are defined by $\beta \cdot x+\beta_0=1$ and \newline$ \beta \cdot x+\beta_0=-1$&#10;&#10;\item seperate \textcolor{red}{positive}($\beta \cdot x+\beta_0\ge 1$)\newline from \textcolor{green}{negative} ($\beta \cdot x+\beta_0\le -1$) samples&#10;\item distance between the gutters\newline$\rightarrow$ width that is to be maximized&#10;\end{itemize}&#10;&#10;\end{document}" title="IguanaTex Picture Display">
+          <p:cNvPr id="12" name="Grafik 11" descr="\documentclass[20pt]{article}&#10;\usepackage{amsmath,amsfonts,amssymb,xcolor, mathtools}&#10;\pagestyle{empty}&#10;\usepackage[T1]{fontenc}&#10;\usepackage{fontspec}&#10;\setsansfont{Arial}&#10;\renewcommand\familydefault{\sfdefault}&#10;\begin{document}&#10;\begin{itemize}&#10;\item consider $\overline{x}^+ \rightarrow$ vector of a  postive\newline sample lying on the gutter \newline&#10;($\overline{x}^- \rightarrow$ negative sample on gutter)\newline&#10;$\Rightarrow$ considered as \textbf{Support Vectors}&#10;\item to measure the \textcolor{magenta}{width} of the margin  \newline&#10;$(\overline{x}^+ -\overline{x}^-)$ is Projected on the unit \newline&#10;vector of $\beta$ &#10;\item $M=(\overline{x}^+ -\overline{x}^-)\cdot \frac{\beta}{||\beta||}=\frac{\beta \overline{x}^+ -\beta \overline{x}^-}{||\beta||}$&#10;&#10;\end{itemize}&#10;&#10;\end{document}" title="IguanaTex Picture Display">
             <a:extLst>
               <a:ext uri="{FF2B5EF4-FFF2-40B4-BE49-F238E27FC236}">
-                <a16:creationId xmlns:a16="http://schemas.microsoft.com/office/drawing/2014/main" id="{F7102BB1-E0EF-F63A-BC98-41E95B40734E}"/>
+                <a16:creationId xmlns:a16="http://schemas.microsoft.com/office/drawing/2014/main" id="{411DB361-60EB-928A-EEE9-0DBE5521E3A5}"/>
               </a:ext>
             </a:extLst>
           </p:cNvPr>
@@ -9806,8 +8639,8 @@
         </p:blipFill>
         <p:spPr>
           <a:xfrm>
-            <a:off x="683569" y="1707652"/>
-            <a:ext cx="4215342" cy="2215442"/>
+            <a:off x="755578" y="1485455"/>
+            <a:ext cx="3701273" cy="2686283"/>
           </a:xfrm>
           <a:prstGeom prst="rect">
             <a:avLst/>
@@ -9816,10 +8649,10 @@
       </p:pic>
       <p:pic>
         <p:nvPicPr>
-          <p:cNvPr id="4" name="Grafik 3" descr="Ein Bild, das Reihe, Diagramm, parallel, Screenshot enthält.&#10;&#10;Automatisch generierte Beschreibung">
+          <p:cNvPr id="5" name="Grafik 4" descr="Ein Bild, das Reihe, Diagramm, parallel, Steigung enthält.&#10;&#10;Automatisch generierte Beschreibung">
             <a:extLst>
               <a:ext uri="{FF2B5EF4-FFF2-40B4-BE49-F238E27FC236}">
-                <a16:creationId xmlns:a16="http://schemas.microsoft.com/office/drawing/2014/main" id="{B2C0436D-5BE1-74F9-9D50-6E433CE2DCCA}"/>
+                <a16:creationId xmlns:a16="http://schemas.microsoft.com/office/drawing/2014/main" id="{892AF73E-6A12-EA96-1923-B8D2A01FAE62}"/>
               </a:ext>
             </a:extLst>
           </p:cNvPr>
@@ -9842,23 +8675,18 @@
         </p:blipFill>
         <p:spPr>
           <a:xfrm>
-            <a:off x="5148000" y="1188000"/>
-            <a:ext cx="3602721" cy="3074400"/>
+            <a:off x="4792006" y="1291546"/>
+            <a:ext cx="3854837" cy="3244624"/>
           </a:xfrm>
           <a:prstGeom prst="rect">
             <a:avLst/>
           </a:prstGeom>
-          <a:ln w="3175">
-            <a:solidFill>
-              <a:schemeClr val="accent1"/>
-            </a:solidFill>
-          </a:ln>
         </p:spPr>
       </p:pic>
     </p:spTree>
     <p:extLst>
       <p:ext uri="{BB962C8B-B14F-4D97-AF65-F5344CB8AC3E}">
-        <p14:creationId xmlns:p14="http://schemas.microsoft.com/office/powerpoint/2010/main" val="3990756690"/>
+        <p14:creationId xmlns:p14="http://schemas.microsoft.com/office/powerpoint/2010/main" val="2902806685"/>
       </p:ext>
     </p:extLst>
   </p:cSld>
@@ -9948,10 +8776,10 @@
       </p:sp>
       <p:pic>
         <p:nvPicPr>
-          <p:cNvPr id="6" name="Grafik 5" descr="\documentclass[20pt]{article}&#10;\usepackage{amsmath,amsfonts,amssymb,xcolor, mathtools}&#10;\pagestyle{empty}&#10;\usepackage[T1]{fontenc}&#10;\usepackage{fontspec}&#10;\setsansfont{Arial}&#10;\renewcommand\familydefault{\sfdefault}&#10;\begin{document}&#10;\begin{itemize}&#10;\item consider $x^+ \rightarrow$ vector to a \newline postive sample lying on the gutter \newline&#10;($x^- \rightarrow$ negative sample on gutter)\newline&#10;$\Rightarrow$ considered as \textbf{Support Vectors}&#10;\item to measure the \textcolor{magenta}{width} of the margin  \newline&#10;$(x^+ -x^-)$ is Projected on the unit \newline&#10;vector of $\beta$ &#10;\item $M=(x^+ -x^-)\cdot \frac{\beta}{||\beta||}=\frac{\beta x^+ -\beta x^-}{||\beta||}$&#10;&#10;\end{itemize}&#10;&#10;\end{document}" title="IguanaTex Picture Display">
+          <p:cNvPr id="4" name="Grafik 3" descr="\documentclass[20pt]{article}&#10;\usepackage{amsmath,amsfonts,amssymb,xcolor, mathtools}&#10;\pagestyle{empty}&#10;\usepackage[T1]{fontenc}&#10;\usepackage{fontspec}&#10;\setsansfont{Arial}&#10;\renewcommand\familydefault{\sfdefault}&#10;\begin{document}&#10;\begin{itemize}&#10;\item for a positive sample laying on the gutter &#10;we know \vspace{0.2cm}\newline $\beta \overline{x}^+ +\beta_0 = 1 \Leftrightarrow \beta \overline{x}^+=1-\beta_0$&#10;\item conversely for a negativ sample on the gutter \vspace{0.2cm}\newline&#10;$\beta \overline{x}^- +\beta_0 = -1 \Leftrightarrow \beta \overline{x}^-=-1-\beta_0$&#10;\item imputed in the derived formula for the width\vspace{0.2cm}\newline&#10;$\rightarrow \frac{1-\beta_0-(-1-\beta_0)}{||\beta||}=\frac{2}{||\beta||}$&#10;\item minimization of $\frac{1}{2} ||\beta||^2=\frac{1}{2} \beta ' \beta$  in order to maximize $\frac{2}{||\beta||}$&#10;\end{itemize}&#10;&#10;\end{document}" title="IguanaTex Picture Display">
             <a:extLst>
               <a:ext uri="{FF2B5EF4-FFF2-40B4-BE49-F238E27FC236}">
-                <a16:creationId xmlns:a16="http://schemas.microsoft.com/office/drawing/2014/main" id="{19F18647-D3FC-29E5-A5FE-9CEA64B812DB}"/>
+                <a16:creationId xmlns:a16="http://schemas.microsoft.com/office/drawing/2014/main" id="{AFD01AFB-CF26-8A35-EC06-7A2BF9FB7DCC}"/>
               </a:ext>
             </a:extLst>
           </p:cNvPr>
@@ -9978,59 +8806,18 @@
         </p:blipFill>
         <p:spPr>
           <a:xfrm>
-            <a:off x="755576" y="1485455"/>
-            <a:ext cx="3698355" cy="2680019"/>
+            <a:off x="611561" y="1124745"/>
+            <a:ext cx="5736643" cy="3030145"/>
           </a:xfrm>
           <a:prstGeom prst="rect">
             <a:avLst/>
           </a:prstGeom>
         </p:spPr>
       </p:pic>
-      <p:pic>
-        <p:nvPicPr>
-          <p:cNvPr id="4" name="Grafik 3" descr="Ein Bild, das Reihe, Diagramm, parallel, Steigung enthält.&#10;&#10;Automatisch generierte Beschreibung">
-            <a:extLst>
-              <a:ext uri="{FF2B5EF4-FFF2-40B4-BE49-F238E27FC236}">
-                <a16:creationId xmlns:a16="http://schemas.microsoft.com/office/drawing/2014/main" id="{57267605-1410-A119-1AFA-DEDF53609828}"/>
-              </a:ext>
-            </a:extLst>
-          </p:cNvPr>
-          <p:cNvPicPr>
-            <a:picLocks noChangeAspect="1"/>
-          </p:cNvPicPr>
-          <p:nvPr/>
-        </p:nvPicPr>
-        <p:blipFill>
-          <a:blip r:embed="rId4">
-            <a:extLst>
-              <a:ext uri="{28A0092B-C50C-407E-A947-70E740481C1C}">
-                <a14:useLocalDpi xmlns:a14="http://schemas.microsoft.com/office/drawing/2010/main" val="0"/>
-              </a:ext>
-            </a:extLst>
-          </a:blip>
-          <a:stretch>
-            <a:fillRect/>
-          </a:stretch>
-        </p:blipFill>
-        <p:spPr>
-          <a:xfrm>
-            <a:off x="5148000" y="1188000"/>
-            <a:ext cx="3636251" cy="3074400"/>
-          </a:xfrm>
-          <a:prstGeom prst="rect">
-            <a:avLst/>
-          </a:prstGeom>
-          <a:ln w="3175">
-            <a:solidFill>
-              <a:schemeClr val="accent1"/>
-            </a:solidFill>
-          </a:ln>
-        </p:spPr>
-      </p:pic>
     </p:spTree>
     <p:extLst>
       <p:ext uri="{BB962C8B-B14F-4D97-AF65-F5344CB8AC3E}">
-        <p14:creationId xmlns:p14="http://schemas.microsoft.com/office/powerpoint/2010/main" val="2902806685"/>
+        <p14:creationId xmlns:p14="http://schemas.microsoft.com/office/powerpoint/2010/main" val="2843438534"/>
       </p:ext>
     </p:extLst>
   </p:cSld>
@@ -10120,10 +8907,10 @@
       </p:sp>
       <p:pic>
         <p:nvPicPr>
-          <p:cNvPr id="8" name="Grafik 7" descr="\documentclass[20pt]{article}&#10;\usepackage{amsmath,amsfonts,amssymb,xcolor, mathtools}&#10;\pagestyle{empty}&#10;\usepackage[T1]{fontenc}&#10;\usepackage{fontspec}&#10;\setsansfont{Arial}&#10;\renewcommand\familydefault{\sfdefault}&#10;\begin{document}&#10;\begin{itemize}&#10;\item for a positive sample laying on the gutter &#10;we know \vspace{0.2cm}\newline $\beta \overline{x}^+ +\beta_0 = 1 \Leftrightarrow \beta \overline{x}^+=1-\beta_0$&#10;\item conversely for a negativ sample on the gutter \vspace{0.2cm}\newline&#10;$\beta \overline{x}^- +\beta_0 = -1 \Leftrightarrow \beta \overline{x}^-=-1-\beta_0$&#10;\item imputed in the derived formula for the width\vspace{0.2cm}\newline&#10;$\rightarrow \frac{1-\beta_0-(-1-\beta_0)}{||\beta||}=\frac{2}{||\beta||}$&#10;\item which is changed to $\frac{1}{2} ||\beta||^2=\frac{1}{2} \beta ' \beta$ to minimize in order to maximize $\frac{2}{||\beta||}$&#10;\end{itemize}&#10;&#10;\end{document}" title="IguanaTex Picture Display">
+          <p:cNvPr id="7" name="Grafik 6" descr="\documentclass[20pt]{article}&#10;\usepackage{amsmath,amsfonts,amssymb,xcolor, mathtools}&#10;\pagestyle{empty}&#10;\usepackage[T1]{fontenc}&#10;\usepackage{fontspec}&#10;\setsansfont{Arial}&#10;\renewcommand\familydefault{\sfdefault}&#10;\begin{document}&#10;\begin{itemize}&#10;\item for the maximization the constraints that   $\beta \cdot \overline{x}+\beta_0\ge 1$ for \textcolor{green}{positive} \newline and ($\beta \cdot \overline{x}+\beta_0\le -1$) for \textcolor{red}{negative} are still to respect&#10;&#10;\item goal: merge both constraints in one&#10;\item introduce new variable $y$ with $y=1$ for positive samples and $y=-1$ for negative samples&#10;\item leading to constraint $y(\beta \overline{x}+\beta_0)\ge 1$&#10;\end{itemize}&#10;\end{document}" title="IguanaTex Picture Display">
             <a:extLst>
               <a:ext uri="{FF2B5EF4-FFF2-40B4-BE49-F238E27FC236}">
-                <a16:creationId xmlns:a16="http://schemas.microsoft.com/office/drawing/2014/main" id="{C6BABD42-AA54-D773-CF47-EBFC11A93BD4}"/>
+                <a16:creationId xmlns:a16="http://schemas.microsoft.com/office/drawing/2014/main" id="{4906954A-819A-1E47-B89A-9E4163964583}"/>
               </a:ext>
             </a:extLst>
           </p:cNvPr>
@@ -10150,8 +8937,8 @@
         </p:blipFill>
         <p:spPr>
           <a:xfrm>
-            <a:off x="611560" y="1124744"/>
-            <a:ext cx="7432051" cy="3028783"/>
+            <a:off x="683569" y="1419621"/>
+            <a:ext cx="7473313" cy="2198931"/>
           </a:xfrm>
           <a:prstGeom prst="rect">
             <a:avLst/>
@@ -10161,7 +8948,7 @@
     </p:spTree>
     <p:extLst>
       <p:ext uri="{BB962C8B-B14F-4D97-AF65-F5344CB8AC3E}">
-        <p14:creationId xmlns:p14="http://schemas.microsoft.com/office/powerpoint/2010/main" val="2843438534"/>
+        <p14:creationId xmlns:p14="http://schemas.microsoft.com/office/powerpoint/2010/main" val="3291923032"/>
       </p:ext>
     </p:extLst>
   </p:cSld>
@@ -10178,9 +8965,9 @@
   <p:tag name="ORIGINALWIDTH" val="2247,314"/>
   <p:tag name="OUTPUTTYPE" val="PNG"/>
   <p:tag name="IGUANATEXVERSION" val="161"/>
-  <p:tag name="LATEXADDIN" val="\documentclass[20pt]{article}&#10;\usepackage{amsmath,amsfonts,amssymb,xcolor, mathtools}&#10;\pagestyle{empty}&#10;\usepackage[T1]{fontenc}&#10;\usepackage{fontspec}&#10;\setsansfont{Arial}&#10;\renewcommand\familydefault{\sfdefault}&#10;\begin{document}&#10;\begin{itemize}&#10;\item \textcolor{green}{$\beta$}$\rightarrow$ a k-dimensional vector\newline perpendicular to the decision boundary&#10;\item all points $x$ for which holds $\frac{\textcolor{green}{\beta}}{||\textcolor{green}{\beta}||}\cdot x=\textcolor{magenta}{c}$\newline lie on the hyperplain &#10;\item through some rearrangement we get \newline&#10;$\beta \cdot x +\beta_0=0$&#10;&#10;\end{itemize}&#10;&#10;\end{document}"/>
+  <p:tag name="LATEXADDIN" val="\documentclass[20pt]{article}&#10;\usepackage{amsmath,amsfonts,amssymb,xcolor, mathtools}&#10;\pagestyle{empty}&#10;\usepackage[T1]{fontenc}&#10;\usepackage{fontspec}&#10;\setsansfont{Arial}&#10;\renewcommand\familydefault{\sfdefault}&#10;\begin{document}&#10;\begin{itemize}&#10;\item \textcolor{green}{$\beta$}$\rightarrow$ a k-dimensional vector\newline perpendicular to the decision boundary&#10;\item all points $x$ for which holds $\frac{\textcolor{green}{\beta}}{||\textcolor{green}{\beta}||}\cdot \overline{x}=\textcolor{magenta}{c}$\newline lie on the hyperplain &#10;\item through some rearrangement we get \newline&#10;$\beta \cdot \overline{x} +\beta_0=0$&#10;&#10;\end{itemize}&#10;&#10;\end{document}"/>
   <p:tag name="IGUANATEXSIZE" val="18"/>
-  <p:tag name="IGUANATEXCURSOR" val="545"/>
+  <p:tag name="IGUANATEXCURSOR" val="607"/>
   <p:tag name="TRANSPARENCY" val="Wahr"/>
   <p:tag name="LATEXENGINEID" val="2"/>
   <p:tag name="TEMPFOLDER" val="E:\Dokumente\temp\"/>
@@ -10258,9 +9045,9 @@
   <p:tag name="ORIGINALWIDTH" val="2953,162"/>
   <p:tag name="OUTPUTTYPE" val="PNG"/>
   <p:tag name="IGUANATEXVERSION" val="161"/>
-  <p:tag name="LATEXADDIN" val="\documentclass[20pt]{article}&#10;\usepackage{amsmath,amsfonts,amssymb,xcolor, mathtools}&#10;\pagestyle{empty}&#10;\usepackage[T1]{fontenc}&#10;\usepackage{fontspec}&#10;\setsansfont{Arial}&#10;\renewcommand\familydefault{\sfdefault}&#10;\begin{document}&#10;\begin{itemize}&#10;\item apply a transforming function (Kernel)\newline $K(\overline{x}_i \cdot \overline{x}_j)$ to the dot products in the\newline  maximization function &#10;\item some used Kernel functions are &#10;\begin{itemize}&#10;\item the plynomial kernel of order $d$:\newline $K(\overline{x}_i,\overline{x}_j)=(1+ \overline{x}_i^\mathsf{T}\; \overline{x}_j)^d$&#10;\item the radial/gaussian Kernel:\newline$K(\overline{x}_i,\overline{x}_j)=exp(-\gamma||\overline{x}_i- \overline{x}_j||^2)$&#10;\item sigmoid Kernel: $K(\overline{x}_i,\overline{x}_j)= \tanh(\gamma (\overline{x}_i^\mathsf{T}\; \overline{x}_j)+r)$&#10;\end{itemize}&#10;\end{itemize}&#10;\end{document}"/>
+  <p:tag name="LATEXADDIN" val="\documentclass[20pt]{article}&#10;\usepackage{amsmath,amsfonts,amssymb,xcolor, mathtools}&#10;\pagestyle{empty}&#10;\usepackage[T1]{fontenc}&#10;\usepackage{fontspec}&#10;\setsansfont{Arial}&#10;\renewcommand\familydefault{\sfdefault}&#10;\begin{document}&#10;\begin{itemize}&#10;\item apply a transforming function (Kernel)\newline $K(\overline{x}_i \cdot \overline{x}_j)$ to the dot products in the\newline  maximization function &#10;\item some used Kernel functions are &#10;\begin{itemize}&#10;\item the polynomial kernel of order $d$:\newline $K(\overline{x}_i,\overline{x}_j)=(1+ \overline{x}_i^\mathsf{T}\; \overline{x}_j)^d$&#10;\item the radial/gaussian Kernel:\newline$K(\overline{x}_i,\overline{x}_j)=exp(-\gamma||\overline{x}_i- \overline{x}_j||^2)$&#10;\item sigmoid Kernel: $K(\overline{x}_i,\overline{x}_j)= \tanh(\gamma (\overline{x}_i^\mathsf{T}\; \overline{x}_j)+r)$&#10;\end{itemize}&#10;\end{itemize}&#10;\end{document}"/>
   <p:tag name="IGUANATEXSIZE" val="18"/>
-  <p:tag name="IGUANATEXCURSOR" val="626"/>
+  <p:tag name="IGUANATEXCURSOR" val="463"/>
   <p:tag name="TRANSPARENCY" val="Wahr"/>
   <p:tag name="LATEXENGINEID" val="2"/>
   <p:tag name="TEMPFOLDER" val="E:\Dokumente\temp\"/>
@@ -10291,6 +9078,46 @@
 </p:tagLst>
 </file>
 
+<file path=ppt/tags/tag15.xml><?xml version="1.0" encoding="utf-8"?>
+<p:tagLst xmlns:a="http://schemas.openxmlformats.org/drawingml/2006/main" xmlns:r="http://schemas.openxmlformats.org/officeDocument/2006/relationships" xmlns:p="http://schemas.openxmlformats.org/presentationml/2006/main">
+  <p:tag name="OUTPUTDPI" val="1200"/>
+  <p:tag name="ORIGINALHEIGHT" val="995,3889"/>
+  <p:tag name="ORIGINALWIDTH" val="3845,787"/>
+  <p:tag name="OUTPUTTYPE" val="PNG"/>
+  <p:tag name="IGUANATEXVERSION" val="161"/>
+  <p:tag name="LATEXADDIN" val="\documentclass[20pt]{article}&#10;\usepackage{amsmath,amsfonts,amssymb,xcolor, mathtools}&#10;\pagestyle{empty}&#10;\usepackage{booktabs}&#10;\usepackage{enumitem}&#10;\usepackage{parskip}&#10;\usepackage[T1]{fontenc}&#10;\usepackage{fontspec}&#10;\setsansfont{Arial}&#10;\renewcommand\familydefault{\sfdefault}&#10;\begin{document}&#10;\centering&#10;\begin{tabular}{p{5cm}|p{5cm}}&#10;\textbf{Pros}&amp;\textbf{cons}\\&#10;\hline&#10;\begin{itemize}[topsep=0cm,leftmargin=0.3cm]&#10;\item efficiently classifies in a high dimensional setting ($n\ll p$)&#10;\item risk of overfitting is lower&#10;&#10;\end{itemize}&#10;&amp;&#10;\begin{itemize}[topsep=0cm,leftmargin=0.3cm]&#10;\item heavily relies on the choice of hyperparameters/kernels&#10;\item no interpretability of coefficients&#10;\end{itemize}&#10;\end{tabular}&#10;\end{document}"/>
+  <p:tag name="IGUANATEXSIZE" val="18"/>
+  <p:tag name="IGUANATEXCURSOR" val="497"/>
+  <p:tag name="TRANSPARENCY" val="Wahr"/>
+  <p:tag name="LATEXENGINEID" val="2"/>
+  <p:tag name="TEMPFOLDER" val="E:\Dokumente\temp\"/>
+  <p:tag name="LATEXFORMHEIGHT" val="320"/>
+  <p:tag name="LATEXFORMWIDTH" val="385"/>
+  <p:tag name="LATEXFORMWRAP" val="Wahr"/>
+  <p:tag name="BITMAPVECTOR" val="0"/>
+</p:tagLst>
+</file>
+
+<file path=ppt/tags/tag16.xml><?xml version="1.0" encoding="utf-8"?>
+<p:tagLst xmlns:a="http://schemas.openxmlformats.org/drawingml/2006/main" xmlns:r="http://schemas.openxmlformats.org/officeDocument/2006/relationships" xmlns:p="http://schemas.openxmlformats.org/presentationml/2006/main">
+  <p:tag name="OUTPUTDPI" val="1200"/>
+  <p:tag name="ORIGINALHEIGHT" val="2007,28"/>
+  <p:tag name="ORIGINALWIDTH" val="5454,011"/>
+  <p:tag name="OUTPUTTYPE" val="PNG"/>
+  <p:tag name="IGUANATEXVERSION" val="161"/>
+  <p:tag name="LATEXADDIN" val="\documentclass[20pt]{article}&#10;\usepackage{amsmath,amsfonts,amssymb,xcolor, mathtools}&#10;\pagestyle{empty}&#10;\usepackage{booktabs}&#10;\usepackage{enumitem}&#10; \usepackage{multirow}&#10;\usepackage{longtable}&#10;\usepackage{xcolor}&#10;\definecolor{darkgreen}{RGB}{101,178,56}&#10;\usepackage{graphicx}&#10;\usepackage{parskip}&#10;\usepackage[T1]{fontenc}&#10;\usepackage{fontspec}&#10;\setsansfont{Arial}&#10;\renewcommand\familydefault{\sfdefault}&#10;\begin{document}&#10;\begin{center}&#10;\begin{longtable}{ll|lll|}&#10; \cline{3-5}&#10; &amp;             &amp; \multicolumn{3}{c|}{DGP}                                            \\ \cline{3-5} &#10; \endfirsthead&#10; %&#10; \endhead&#10; %&#10; &amp;             &amp; \multicolumn{1}{l|}{linear} &amp; \multicolumn{1}{l|}{polynomial} &amp; radial \\ \hline&#10; \multicolumn{1}{|l|}{\multirow{3}{*}{\rotatebox{90}{Dimensionality}}} &amp; $p \ll n$  &amp; \multicolumn{1}{l|}{\parbox{4cm}{\begin{itemize}[label=-,topsep=0cm,leftmargin=0.3cm,itemsep=0cm,parsep=0cm]&#10;   \item SVM-Linear \textcolor{darkgreen}{\scalebox{1}{$\uparrow$}}&#10;   \item SVM-Polynomial \textcolor{darkgreen}{\scalebox{0.5}{$\uparrow$}}&#10;   \item SVM-Radial \textcolor{darkgreen}{\scalebox{0.5}{$\uparrow$}}&#10;   \item Logistic Regression \textcolor{red}{\scalebox{0.5}{$\downarrow$}}&#10; \end{itemize}}}  &amp; \multicolumn{1}{l|}{\parbox{4cm}{\begin{itemize}[label=-,topsep=0cm,leftmargin=0.3cm,itemsep=0cm,parsep=0cm]&#10; \item SVM-Linear \textcolor{darkgreen}{\scalebox{0.5}{$\uparrow$}}&#10; \item SVM-Polynomial \textcolor{darkgreen}{\scalebox{1}{$\uparrow$}}&#10; \item SVM-Radial \textcolor{darkgreen}{\scalebox{0.5}{$\uparrow$}}&#10; \item Logistic Regression \textcolor{red}{\scalebox{0.5}{$\downarrow$}}&#10;\end{itemize}}}   &amp; \parbox{4cm}{\begin{itemize}[label=-,topsep=0cm,leftmargin=0.3cm,itemsep=0cm,parsep=0cm]&#10;\item SVM-Linear \textcolor{darkgreen}{\scalebox{0.5}{$\uparrow$}}&#10;\item SVM-Polynomial \textcolor{darkgreen}{\scalebox{0.5}{$\uparrow$}}&#10;\item SVM-Radial \textcolor{darkgreen}{\scalebox{1}{$\uparrow$}}&#10;\item Logistic Regression \textcolor{red}{\scalebox{0.5}{$\downarrow$}}&#10;\end{itemize}}  \\ \cline{2-5} &#10; \multicolumn{1}{|l|}{}                                &amp; $p \approx n$  &amp; \multicolumn{1}{l|}{\parbox{4cm}{\begin{itemize}[label=-,topsep=0cm,leftmargin=0.3cm,itemsep=0cm,parsep=0cm]&#10;    \item SVM-Linear&#10;    \item SVM-Polynomial&#10;    \item SVM-Radial&#10;    \item Logistic Regression&#10; \end{itemize}}}  &amp; \multicolumn{1}{l|}{\parbox{4cm}{\begin{itemize}[label=-,topsep=0cm,leftmargin=0.3cm,itemsep=0cm,parsep=0cm]&#10; \item SVM-Linear&#10; \item SVM-Polynomial&#10; \item SVM-Radial&#10; \item Logistic Regression&#10;\end{itemize}}}   &amp; \parbox{4cm}{\begin{itemize}[label=-,topsep=0cm,leftmargin=0.3cm,itemsep=0cm,parsep=0cm]&#10;\item SVM-Linear&#10;\item SVM-Polynomial&#10;\item SVM-Radial&#10;\item Logistic Regression&#10;\end{itemize}}  \\ \cline{2-5} &#10; \multicolumn{1}{|l|}{}                                &amp; $p \gg n$ &amp; \multicolumn{1}{l|}{\parbox{4cm}{\begin{itemize}[label=-,topsep=0cm,leftmargin=0.3cm,itemsep=0cm,parsep=0cm]&#10;    \item SVM-Linear&#10;    \item SVM-Polynomial&#10;    \item SVM-Radial&#10;    \item Logistic Regression&#10; \end{itemize}}}  &amp; \multicolumn{1}{l|}{\parbox{4cm}{\begin{itemize}[label=-,topsep=0cm,leftmargin=0.3cm,itemsep=0cm,parsep=0cm]&#10; \item SVM-Linear&#10; \item SVM-Polynomial&#10; \item SVM-Radial&#10; \item Logistic Regression&#10;\end{itemize}}}   &amp; \parbox{4cm}{\begin{itemize}[label=-,topsep=0cm,leftmargin=0.3cm,itemsep=0cm,parsep=0cm]&#10;\item SVM-Linear&#10;\item SVM-Polynomial&#10;\item SVM-Radial&#10;\item Logistic Regression&#10;\end{itemize}} \\ \hline&#10;\end{longtable}&#10;\end{center}&#10;\end{document}"/>
+  <p:tag name="IGUANATEXSIZE" val="18"/>
+  <p:tag name="IGUANATEXCURSOR" val="193"/>
+  <p:tag name="TRANSPARENCY" val="Wahr"/>
+  <p:tag name="LATEXENGINEID" val="3"/>
+  <p:tag name="TEMPFOLDER" val="E:\Dokumente\temp\"/>
+  <p:tag name="LATEXFORMHEIGHT" val="320"/>
+  <p:tag name="LATEXFORMWIDTH" val="385"/>
+  <p:tag name="LATEXFORMWRAP" val="Wahr"/>
+  <p:tag name="BITMAPVECTOR" val="0"/>
+</p:tagLst>
+</file>
+
 <file path=ppt/tags/tag2.xml><?xml version="1.0" encoding="utf-8"?>
 <p:tagLst xmlns:a="http://schemas.openxmlformats.org/drawingml/2006/main" xmlns:r="http://schemas.openxmlformats.org/officeDocument/2006/relationships" xmlns:p="http://schemas.openxmlformats.org/presentationml/2006/main">
   <p:tag name="OUTPUTDPI" val="1200"/>
@@ -10298,9 +9125,9 @@
   <p:tag name="ORIGINALWIDTH" val="2310,323"/>
   <p:tag name="OUTPUTTYPE" val="PNG"/>
   <p:tag name="IGUANATEXVERSION" val="161"/>
-  <p:tag name="LATEXADDIN" val="\documentclass[20pt]{article}&#10;\usepackage{amsmath,amsfonts,amssymb,xcolor, mathtools}&#10;\pagestyle{empty}&#10;\usepackage[T1]{fontenc}&#10;\usepackage{fontspec}&#10;\setsansfont{Arial}&#10;\renewcommand\familydefault{\sfdefault}&#10;\begin{document}&#10;\begin{itemize}&#10;\item the two gutters around the boundary \newline are defined by $\beta \cdot x+\beta_0=1$ and \newline$ \beta \cdot x+\beta_0=-1$&#10;&#10;\item seperate \textcolor{red}{positive}($\beta \cdot x+\beta_0\ge 1$)\newline from \textcolor{green}{negative} ($\beta \cdot x+\beta_0\le -1$) samples&#10;\item distance between the gutters\newline$\rightarrow$ width that is to be maximized&#10;\end{itemize}&#10;&#10;\end{document}"/>
+  <p:tag name="LATEXADDIN" val="\documentclass[20pt]{article}&#10;\usepackage{amsmath,amsfonts,amssymb,xcolor, mathtools}&#10;\pagestyle{empty}&#10;\usepackage[T1]{fontenc}&#10;\usepackage{fontspec}&#10;\setsansfont{Arial}&#10;\renewcommand\familydefault{\sfdefault}&#10;\begin{document}&#10;\begin{itemize}&#10;\item the two gutters around the boundary \newline are defined by $\beta \cdot \overline{x}+\beta_0=1$ and \newline$ \beta \cdot \overline{x}+\beta_0=-1$&#10;&#10;\item seperate \textcolor{red}{positive}($\beta \cdot \overline{x}+\beta_0\ge 1$)\newline from \textcolor{green}{negative} ($\beta \cdot \overline{x}+\beta_0\le -1$) samples&#10;\item distance between the gutters\newline$\rightarrow$ width that is to be maximized&#10;\end{itemize}&#10;&#10;\end{document}"/>
   <p:tag name="IGUANATEXSIZE" val="18"/>
-  <p:tag name="IGUANATEXCURSOR" val="488"/>
+  <p:tag name="IGUANATEXCURSOR" val="465"/>
   <p:tag name="TRANSPARENCY" val="Wahr"/>
   <p:tag name="LATEXENGINEID" val="2"/>
   <p:tag name="TEMPFOLDER" val="E:\Dokumente\temp\"/>
@@ -10314,13 +9141,13 @@
 <file path=ppt/tags/tag3.xml><?xml version="1.0" encoding="utf-8"?>
 <p:tagLst xmlns:a="http://schemas.openxmlformats.org/drawingml/2006/main" xmlns:r="http://schemas.openxmlformats.org/officeDocument/2006/relationships" xmlns:p="http://schemas.openxmlformats.org/presentationml/2006/main">
   <p:tag name="OUTPUTDPI" val="1200"/>
-  <p:tag name="ORIGINALHEIGHT" val="1434,2"/>
+  <p:tag name="ORIGINALHEIGHT" val="1436,45"/>
   <p:tag name="ORIGINALWIDTH" val="2027,533"/>
   <p:tag name="OUTPUTTYPE" val="PNG"/>
   <p:tag name="IGUANATEXVERSION" val="161"/>
-  <p:tag name="LATEXADDIN" val="\documentclass[20pt]{article}&#10;\usepackage{amsmath,amsfonts,amssymb,xcolor, mathtools}&#10;\pagestyle{empty}&#10;\usepackage[T1]{fontenc}&#10;\usepackage{fontspec}&#10;\setsansfont{Arial}&#10;\renewcommand\familydefault{\sfdefault}&#10;\begin{document}&#10;\begin{itemize}&#10;\item consider $x^+ \rightarrow$ vector to a \newline postive sample lying on the gutter \newline&#10;($x^- \rightarrow$ negative sample on gutter)\newline&#10;$\Rightarrow$ considered as \textbf{Support Vectors}&#10;\item to measure the \textcolor{magenta}{width} of the margin  \newline&#10;$(x^+ -x^-)$ is Projected on the unit \newline&#10;vector of $\beta$ &#10;\item $M=(x^+ -x^-)\cdot \frac{\beta}{||\beta||}=\frac{\beta x^+ -\beta x^-}{||\beta||}$&#10;&#10;\end{itemize}&#10;&#10;\end{document}"/>
+  <p:tag name="LATEXADDIN" val="\documentclass[20pt]{article}&#10;\usepackage{amsmath,amsfonts,amssymb,xcolor, mathtools}&#10;\pagestyle{empty}&#10;\usepackage[T1]{fontenc}&#10;\usepackage{fontspec}&#10;\setsansfont{Arial}&#10;\renewcommand\familydefault{\sfdefault}&#10;\begin{document}&#10;\begin{itemize}&#10;\item consider $\overline{x}^+ \rightarrow$ vector of a  postive\newline sample lying on the gutter \newline&#10;($\overline{x}^- \rightarrow$ negative sample on gutter)\newline&#10;$\Rightarrow$ considered as \textbf{Support Vectors}&#10;\item to measure the \textcolor{magenta}{width} of the margin  \newline&#10;$(\overline{x}^+ -\overline{x}^-)$ is Projected on the unit \newline&#10;vector of $\beta$ &#10;\item $M=(\overline{x}^+ -\overline{x}^-)\cdot \frac{\beta}{||\beta||}=\frac{\beta \overline{x}^+ -\beta \overline{x}^-}{||\beta||}$&#10;&#10;\end{itemize}&#10;&#10;\end{document}"/>
   <p:tag name="IGUANATEXSIZE" val="18"/>
-  <p:tag name="IGUANATEXCURSOR" val="399"/>
+  <p:tag name="IGUANATEXCURSOR" val="748"/>
   <p:tag name="TRANSPARENCY" val="Wahr"/>
   <p:tag name="LATEXENGINEID" val="2"/>
   <p:tag name="TEMPFOLDER" val="E:\Dokumente\temp\"/>
@@ -10335,12 +9162,12 @@
 <p:tagLst xmlns:a="http://schemas.openxmlformats.org/drawingml/2006/main" xmlns:r="http://schemas.openxmlformats.org/officeDocument/2006/relationships" xmlns:p="http://schemas.openxmlformats.org/presentationml/2006/main">
   <p:tag name="OUTPUTDPI" val="1200"/>
   <p:tag name="ORIGINALHEIGHT" val="1612,725"/>
-  <p:tag name="ORIGINALWIDTH" val="4065,567"/>
+  <p:tag name="ORIGINALWIDTH" val="3137,688"/>
   <p:tag name="OUTPUTTYPE" val="PNG"/>
   <p:tag name="IGUANATEXVERSION" val="161"/>
-  <p:tag name="LATEXADDIN" val="\documentclass[20pt]{article}&#10;\usepackage{amsmath,amsfonts,amssymb,xcolor, mathtools}&#10;\pagestyle{empty}&#10;\usepackage[T1]{fontenc}&#10;\usepackage{fontspec}&#10;\setsansfont{Arial}&#10;\renewcommand\familydefault{\sfdefault}&#10;\begin{document}&#10;\begin{itemize}&#10;\item for a positive sample laying on the gutter &#10;we know \vspace{0.2cm}\newline $\beta \overline{x}^+ +\beta_0 = 1 \Leftrightarrow \beta \overline{x}^+=1-\beta_0$&#10;\item conversely for a negativ sample on the gutter \vspace{0.2cm}\newline&#10;$\beta \overline{x}^- +\beta_0 = -1 \Leftrightarrow \beta \overline{x}^-=-1-\beta_0$&#10;\item imputed in the derived formula for the width\vspace{0.2cm}\newline&#10;$\rightarrow \frac{1-\beta_0-(-1-\beta_0)}{||\beta||}=\frac{2}{||\beta||}$&#10;\item which is changed to $\frac{1}{2} ||\beta||^2=\frac{1}{2} \beta ' \beta$ to minimize in order to maximize $\frac{2}{||\beta||}$&#10;\end{itemize}&#10;&#10;\end{document}"/>
+  <p:tag name="LATEXADDIN" val="\documentclass[20pt]{article}&#10;\usepackage{amsmath,amsfonts,amssymb,xcolor, mathtools}&#10;\pagestyle{empty}&#10;\usepackage[T1]{fontenc}&#10;\usepackage{fontspec}&#10;\setsansfont{Arial}&#10;\renewcommand\familydefault{\sfdefault}&#10;\begin{document}&#10;\begin{itemize}&#10;\item for a positive sample laying on the gutter &#10;we know \vspace{0.2cm}\newline $\beta \overline{x}^+ +\beta_0 = 1 \Leftrightarrow \beta \overline{x}^+=1-\beta_0$&#10;\item conversely for a negativ sample on the gutter \vspace{0.2cm}\newline&#10;$\beta \overline{x}^- +\beta_0 = -1 \Leftrightarrow \beta \overline{x}^-=-1-\beta_0$&#10;\item imputed in the derived formula for the width\vspace{0.2cm}\newline&#10;$\rightarrow \frac{1-\beta_0-(-1-\beta_0)}{||\beta||}=\frac{2}{||\beta||}$&#10;\item minimization of $\frac{1}{2} ||\beta||^2=\frac{1}{2} \beta ' \beta$  in order to maximize $\frac{2}{||\beta||}$&#10;\end{itemize}&#10;&#10;\end{document}"/>
   <p:tag name="IGUANATEXSIZE" val="18"/>
-  <p:tag name="IGUANATEXCURSOR" val="864"/>
+  <p:tag name="IGUANATEXCURSOR" val="790"/>
   <p:tag name="TRANSPARENCY" val="Wahr"/>
   <p:tag name="LATEXENGINEID" val="2"/>
   <p:tag name="TEMPFOLDER" val="E:\Dokumente\temp\"/>
@@ -10358,9 +9185,9 @@
   <p:tag name="ORIGINALWIDTH" val="4088,821"/>
   <p:tag name="OUTPUTTYPE" val="PNG"/>
   <p:tag name="IGUANATEXVERSION" val="161"/>
-  <p:tag name="LATEXADDIN" val="\documentclass[20pt]{article}&#10;\usepackage{amsmath,amsfonts,amssymb,xcolor, mathtools}&#10;\pagestyle{empty}&#10;\usepackage[T1]{fontenc}&#10;\usepackage{fontspec}&#10;\setsansfont{Arial}&#10;\renewcommand\familydefault{\sfdefault}&#10;\begin{document}&#10;\begin{itemize}&#10;\item for the maximization the constraints that   $\beta \cdot \overline{x}+\beta_0\ge 1$ for \textcolor{red}{positive} \newline and ($\beta \cdot \overline{x}+\beta_0\le -1$) for \textcolor{green}{negative} are still to respect&#10;&#10;\item goal: merge both constraints in one&#10;\item introduce new variable $y$ with $y=1$ for positive samples and $y=-1$ for negative samples&#10;\item leading to constraint $y(\beta x+\beta_0)\ge 1$&#10;\end{itemize}&#10;\end{document}"/>
+  <p:tag name="LATEXADDIN" val="\documentclass[20pt]{article}&#10;\usepackage{amsmath,amsfonts,amssymb,xcolor, mathtools}&#10;\pagestyle{empty}&#10;\usepackage[T1]{fontenc}&#10;\usepackage{fontspec}&#10;\setsansfont{Arial}&#10;\renewcommand\familydefault{\sfdefault}&#10;\begin{document}&#10;\begin{itemize}&#10;\item for the maximization the constraints that   $\beta \cdot \overline{x}+\beta_0\ge 1$ for \textcolor{green}{positive} \newline and ($\beta \cdot \overline{x}+\beta_0\le -1$) for \textcolor{red}{negative} are still to respect&#10;&#10;\item goal: merge both constraints in one&#10;\item introduce new variable $y$ with $y=1$ for positive samples and $y=-1$ for negative samples&#10;\item leading to constraint $y(\beta \overline{x}+\beta_0)\ge 1$&#10;\end{itemize}&#10;\end{document}"/>
   <p:tag name="IGUANATEXSIZE" val="18"/>
-  <p:tag name="IGUANATEXCURSOR" val="681"/>
+  <p:tag name="IGUANATEXCURSOR" val="440"/>
   <p:tag name="TRANSPARENCY" val="Wahr"/>
   <p:tag name="LATEXENGINEID" val="2"/>
   <p:tag name="TEMPFOLDER" val="E:\Dokumente\temp\"/>

--- a/Präsentation/Support Vector Machines.pptx
+++ b/Präsentation/Support Vector Machines.pptx
@@ -5,7 +5,7 @@
     <p:sldMasterId id="2147483648" r:id="rId1"/>
   </p:sldMasterIdLst>
   <p:notesMasterIdLst>
-    <p:notesMasterId r:id="rId26"/>
+    <p:notesMasterId r:id="rId29"/>
   </p:notesMasterIdLst>
   <p:sldIdLst>
     <p:sldId id="256" r:id="rId2"/>
@@ -18,20 +18,23 @@
     <p:sldId id="271" r:id="rId9"/>
     <p:sldId id="273" r:id="rId10"/>
     <p:sldId id="274" r:id="rId11"/>
-    <p:sldId id="275" r:id="rId12"/>
-    <p:sldId id="276" r:id="rId13"/>
-    <p:sldId id="277" r:id="rId14"/>
-    <p:sldId id="278" r:id="rId15"/>
-    <p:sldId id="279" r:id="rId16"/>
-    <p:sldId id="280" r:id="rId17"/>
-    <p:sldId id="281" r:id="rId18"/>
-    <p:sldId id="282" r:id="rId19"/>
-    <p:sldId id="265" r:id="rId20"/>
-    <p:sldId id="283" r:id="rId21"/>
-    <p:sldId id="261" r:id="rId22"/>
-    <p:sldId id="267" r:id="rId23"/>
-    <p:sldId id="262" r:id="rId24"/>
-    <p:sldId id="263" r:id="rId25"/>
+    <p:sldId id="284" r:id="rId12"/>
+    <p:sldId id="275" r:id="rId13"/>
+    <p:sldId id="276" r:id="rId14"/>
+    <p:sldId id="277" r:id="rId15"/>
+    <p:sldId id="278" r:id="rId16"/>
+    <p:sldId id="279" r:id="rId17"/>
+    <p:sldId id="280" r:id="rId18"/>
+    <p:sldId id="281" r:id="rId19"/>
+    <p:sldId id="282" r:id="rId20"/>
+    <p:sldId id="265" r:id="rId21"/>
+    <p:sldId id="283" r:id="rId22"/>
+    <p:sldId id="285" r:id="rId23"/>
+    <p:sldId id="286" r:id="rId24"/>
+    <p:sldId id="261" r:id="rId25"/>
+    <p:sldId id="267" r:id="rId26"/>
+    <p:sldId id="262" r:id="rId27"/>
+    <p:sldId id="263" r:id="rId28"/>
   </p:sldIdLst>
   <p:sldSz cx="9144000" cy="5143500" type="screen16x9"/>
   <p:notesSz cx="6797675" cy="9926638"/>
@@ -2119,7 +2122,7 @@
               <a:pPr>
                 <a:defRPr/>
               </a:pPr>
-              <a:t>01.07.2024</a:t>
+              <a:t>02.07.2024</a:t>
             </a:fld>
             <a:endParaRPr lang="de-DE"/>
           </a:p>
@@ -2312,7 +2315,7 @@
             <a:fld id="{DC12488F-14B3-4195-8BD0-B0F556EFB326}" type="slidenum">
               <a:rPr lang="de-DE" altLang="de-DE"/>
               <a:pPr/>
-              <a:t>‹#›</a:t>
+              <a:t>‹Nr.›</a:t>
             </a:fld>
             <a:endParaRPr lang="de-DE" altLang="de-DE"/>
           </a:p>
@@ -4636,7 +4639,7 @@
                 <a:latin typeface="Arial" panose="020B0604020202020204" pitchFamily="34" charset="0"/>
               </a:rPr>
               <a:pPr algn="r" eaLnBrk="1" hangingPunct="1"/>
-              <a:t>‹#›</a:t>
+              <a:t>‹Nr.›</a:t>
             </a:fld>
             <a:endParaRPr lang="de-DE" altLang="de-DE" sz="900">
               <a:solidFill>
@@ -5519,7 +5522,7 @@
 </file>
 
 <file path=ppt/slides/slide10.xml><?xml version="1.0" encoding="utf-8"?>
-<p:sld xmlns:a="http://schemas.openxmlformats.org/drawingml/2006/main" xmlns:r="http://schemas.openxmlformats.org/officeDocument/2006/relationships" xmlns:p="http://schemas.openxmlformats.org/presentationml/2006/main">
+<p:sld xmlns:a="http://schemas.openxmlformats.org/drawingml/2006/main" xmlns:r="http://schemas.openxmlformats.org/officeDocument/2006/relationships" xmlns:p="http://schemas.openxmlformats.org/presentationml/2006/main" show="0">
   <p:cSld>
     <p:spTree>
       <p:nvGrpSpPr>
@@ -5688,6 +5691,112 @@
           <a:lstStyle/>
           <a:p>
             <a:r>
+              <a:rPr lang="de-DE" dirty="0"/>
+              <a:t>Hard Margin: </a:t>
+            </a:r>
+            <a:r>
+              <a:rPr lang="en-GB" dirty="0"/>
+              <a:t>maximize</a:t>
+            </a:r>
+            <a:r>
+              <a:rPr lang="de-DE" dirty="0"/>
+              <a:t> Margin Width</a:t>
+            </a:r>
+          </a:p>
+        </p:txBody>
+      </p:sp>
+      <p:pic>
+        <p:nvPicPr>
+          <p:cNvPr id="9" name="Grafik 8" descr="\documentclass[20pt]{article}&#10;\usepackage{amsmath,amsfonts,amssymb,xcolor, mathtools}&#10;\pagestyle{empty}&#10;\usepackage[T1]{fontenc}&#10;\usepackage{fontspec}&#10;\setsansfont{Arial}&#10;\renewcommand\familydefault{\sfdefault}&#10;\begin{document}&#10;\begin{itemize}&#10;\item minimization with constraints $\rightarrow$ Lagrange Multipliers\newline&#10;$\mathcal{L}(\beta,\beta_0,\alpha)=\frac{1}{2}\beta ' \beta-\sum \alpha_i[y_i(\beta \cdot \overline{x_i}+\beta_0)-1]$&#10;\item after solving and rearranging this can be efficiently solved by a quadratic program&#10;\item only the support vectors will have non zero $\alpha$'s&#10;\end{itemize}&#10;\end{document}" title="IguanaTex Picture Display">
+            <a:extLst>
+              <a:ext uri="{FF2B5EF4-FFF2-40B4-BE49-F238E27FC236}">
+                <a16:creationId xmlns:a16="http://schemas.microsoft.com/office/drawing/2014/main" id="{AE37E502-E42A-55BD-D926-C8643B1C4A06}"/>
+              </a:ext>
+            </a:extLst>
+          </p:cNvPr>
+          <p:cNvPicPr>
+            <a:picLocks noChangeAspect="1"/>
+          </p:cNvPicPr>
+          <p:nvPr>
+            <p:custDataLst>
+              <p:tags r:id="rId1"/>
+            </p:custDataLst>
+          </p:nvPr>
+        </p:nvPicPr>
+        <p:blipFill>
+          <a:blip r:embed="rId3">
+            <a:extLst>
+              <a:ext uri="{28A0092B-C50C-407E-A947-70E740481C1C}">
+                <a14:useLocalDpi xmlns:a14="http://schemas.microsoft.com/office/drawing/2010/main" val="0"/>
+              </a:ext>
+            </a:extLst>
+          </a:blip>
+          <a:stretch>
+            <a:fillRect/>
+          </a:stretch>
+        </p:blipFill>
+        <p:spPr>
+          <a:xfrm>
+            <a:off x="683577" y="1419622"/>
+            <a:ext cx="7485632" cy="1746730"/>
+          </a:xfrm>
+          <a:prstGeom prst="rect">
+            <a:avLst/>
+          </a:prstGeom>
+        </p:spPr>
+      </p:pic>
+    </p:spTree>
+    <p:extLst>
+      <p:ext uri="{BB962C8B-B14F-4D97-AF65-F5344CB8AC3E}">
+        <p14:creationId xmlns:p14="http://schemas.microsoft.com/office/powerpoint/2010/main" val="2028229908"/>
+      </p:ext>
+    </p:extLst>
+  </p:cSld>
+  <p:clrMapOvr>
+    <a:masterClrMapping/>
+  </p:clrMapOvr>
+</p:sld>
+</file>
+
+<file path=ppt/slides/slide12.xml><?xml version="1.0" encoding="utf-8"?>
+<p:sld xmlns:a="http://schemas.openxmlformats.org/drawingml/2006/main" xmlns:r="http://schemas.openxmlformats.org/officeDocument/2006/relationships" xmlns:p="http://schemas.openxmlformats.org/presentationml/2006/main" show="0">
+  <p:cSld>
+    <p:spTree>
+      <p:nvGrpSpPr>
+        <p:cNvPr id="1" name=""/>
+        <p:cNvGrpSpPr/>
+        <p:nvPr/>
+      </p:nvGrpSpPr>
+      <p:grpSpPr>
+        <a:xfrm>
+          <a:off x="0" y="0"/>
+          <a:ext cx="0" cy="0"/>
+          <a:chOff x="0" y="0"/>
+          <a:chExt cx="0" cy="0"/>
+        </a:xfrm>
+      </p:grpSpPr>
+      <p:sp>
+        <p:nvSpPr>
+          <p:cNvPr id="2" name="Titel 1">
+            <a:extLst>
+              <a:ext uri="{FF2B5EF4-FFF2-40B4-BE49-F238E27FC236}">
+                <a16:creationId xmlns:a16="http://schemas.microsoft.com/office/drawing/2014/main" id="{388F7BA3-B785-BDE2-BAC6-74C1F53E9285}"/>
+              </a:ext>
+            </a:extLst>
+          </p:cNvPr>
+          <p:cNvSpPr>
+            <a:spLocks noGrp="1"/>
+          </p:cNvSpPr>
+          <p:nvPr>
+            <p:ph type="title"/>
+          </p:nvPr>
+        </p:nvSpPr>
+        <p:spPr/>
+        <p:txBody>
+          <a:bodyPr/>
+          <a:lstStyle/>
+          <a:p>
+            <a:r>
               <a:rPr lang="de-DE" err="1"/>
               <a:t>How</a:t>
             </a:r>
@@ -5780,132 +5889,6 @@
 </p:sld>
 </file>
 
-<file path=ppt/slides/slide12.xml><?xml version="1.0" encoding="utf-8"?>
-<p:sld xmlns:a="http://schemas.openxmlformats.org/drawingml/2006/main" xmlns:r="http://schemas.openxmlformats.org/officeDocument/2006/relationships" xmlns:p="http://schemas.openxmlformats.org/presentationml/2006/main">
-  <p:cSld>
-    <p:spTree>
-      <p:nvGrpSpPr>
-        <p:cNvPr id="1" name=""/>
-        <p:cNvGrpSpPr/>
-        <p:nvPr/>
-      </p:nvGrpSpPr>
-      <p:grpSpPr>
-        <a:xfrm>
-          <a:off x="0" y="0"/>
-          <a:ext cx="0" cy="0"/>
-          <a:chOff x="0" y="0"/>
-          <a:chExt cx="0" cy="0"/>
-        </a:xfrm>
-      </p:grpSpPr>
-      <p:sp>
-        <p:nvSpPr>
-          <p:cNvPr id="2" name="Titel 1">
-            <a:extLst>
-              <a:ext uri="{FF2B5EF4-FFF2-40B4-BE49-F238E27FC236}">
-                <a16:creationId xmlns:a16="http://schemas.microsoft.com/office/drawing/2014/main" id="{388F7BA3-B785-BDE2-BAC6-74C1F53E9285}"/>
-              </a:ext>
-            </a:extLst>
-          </p:cNvPr>
-          <p:cNvSpPr>
-            <a:spLocks noGrp="1"/>
-          </p:cNvSpPr>
-          <p:nvPr>
-            <p:ph type="title"/>
-          </p:nvPr>
-        </p:nvSpPr>
-        <p:spPr/>
-        <p:txBody>
-          <a:bodyPr/>
-          <a:lstStyle/>
-          <a:p>
-            <a:r>
-              <a:rPr lang="de-DE" err="1"/>
-              <a:t>How</a:t>
-            </a:r>
-            <a:r>
-              <a:rPr lang="de-DE"/>
-              <a:t> </a:t>
-            </a:r>
-            <a:r>
-              <a:rPr lang="de-DE" err="1"/>
-              <a:t>it</a:t>
-            </a:r>
-            <a:r>
-              <a:rPr lang="de-DE"/>
-              <a:t> </a:t>
-            </a:r>
-            <a:r>
-              <a:rPr lang="de-DE" err="1"/>
-              <a:t>works</a:t>
-            </a:r>
-            <a:r>
-              <a:rPr lang="de-DE"/>
-              <a:t>: </a:t>
-            </a:r>
-            <a:r>
-              <a:rPr lang="de-DE" err="1"/>
-              <a:t>Decision</a:t>
-            </a:r>
-            <a:r>
-              <a:rPr lang="de-DE"/>
-              <a:t> Rule</a:t>
-            </a:r>
-          </a:p>
-        </p:txBody>
-      </p:sp>
-      <p:pic>
-        <p:nvPicPr>
-          <p:cNvPr id="15" name="Grafik 14" descr="\documentclass[20pt]{article}&#10;\usepackage{amsmath,amsfonts,amssymb,xcolor, mathtools}&#10;\pagestyle{empty}&#10;\usepackage[T1]{fontenc}&#10;\usepackage{fontspec}&#10;\setsansfont{Arial}&#10;\renewcommand\familydefault{\sfdefault}&#10;\begin{document}&#10;\begin{itemize}&#10;\item derive $\beta$ with the new $\alpha$'s&#10;\newline$\beta=\sum \alpha_ iy_i \overline{x_i}$&#10;\item solve for $\beta_0$ with a support vector $\overline{x}_s$ for which we know holds \newline $\beta \cdot\overline{x}_s+\beta_0=y_{x_s}$ therefore $\beta_0=y_{x_s}-\beta \cdot \overline{x}_s$&#10;\item for a new $k$-dimensional vector $\overline{u}$ the decision function is \newline&#10;$f(\overline{u})=\beta \cdot \overline{u}+\beta_0$&#10;\item if $f(\overline{u})&gt;0 \rightarrow u$ is a \textcolor{red}{positive} sample\newline &#10;if $f(\overline{u})&lt;0 \rightarrow u$ is a \textcolor{green}{negative} sample\newline &#10;&#10;\end{itemize}&#10;\end{document}" title="IguanaTex Picture Display">
-            <a:extLst>
-              <a:ext uri="{FF2B5EF4-FFF2-40B4-BE49-F238E27FC236}">
-                <a16:creationId xmlns:a16="http://schemas.microsoft.com/office/drawing/2014/main" id="{F87C6C9A-D262-B13C-964D-2F9F8F6104C8}"/>
-              </a:ext>
-            </a:extLst>
-          </p:cNvPr>
-          <p:cNvPicPr>
-            <a:picLocks noChangeAspect="1"/>
-          </p:cNvPicPr>
-          <p:nvPr>
-            <p:custDataLst>
-              <p:tags r:id="rId1"/>
-            </p:custDataLst>
-          </p:nvPr>
-        </p:nvPicPr>
-        <p:blipFill>
-          <a:blip r:embed="rId3">
-            <a:extLst>
-              <a:ext uri="{28A0092B-C50C-407E-A947-70E740481C1C}">
-                <a14:useLocalDpi xmlns:a14="http://schemas.microsoft.com/office/drawing/2010/main" val="0"/>
-              </a:ext>
-            </a:extLst>
-          </a:blip>
-          <a:stretch>
-            <a:fillRect/>
-          </a:stretch>
-        </p:blipFill>
-        <p:spPr>
-          <a:xfrm>
-            <a:off x="683572" y="1419623"/>
-            <a:ext cx="6334087" cy="2827059"/>
-          </a:xfrm>
-          <a:prstGeom prst="rect">
-            <a:avLst/>
-          </a:prstGeom>
-        </p:spPr>
-      </p:pic>
-    </p:spTree>
-    <p:extLst>
-      <p:ext uri="{BB962C8B-B14F-4D97-AF65-F5344CB8AC3E}">
-        <p14:creationId xmlns:p14="http://schemas.microsoft.com/office/powerpoint/2010/main" val="3663614039"/>
-      </p:ext>
-    </p:extLst>
-  </p:cSld>
-  <p:clrMapOvr>
-    <a:masterClrMapping/>
-  </p:clrMapOvr>
-</p:sld>
-</file>
-
 <file path=ppt/slides/slide13.xml><?xml version="1.0" encoding="utf-8"?>
 <p:sld xmlns:a="http://schemas.openxmlformats.org/drawingml/2006/main" xmlns:r="http://schemas.openxmlformats.org/officeDocument/2006/relationships" xmlns:p="http://schemas.openxmlformats.org/presentationml/2006/main">
   <p:cSld>
@@ -5945,38 +5928,26 @@
           <a:lstStyle/>
           <a:p>
             <a:r>
-              <a:rPr lang="de-DE" err="1"/>
-              <a:t>How</a:t>
-            </a:r>
-            <a:r>
-              <a:rPr lang="de-DE"/>
-              <a:t> </a:t>
-            </a:r>
-            <a:r>
-              <a:rPr lang="de-DE" err="1"/>
-              <a:t>it</a:t>
-            </a:r>
-            <a:r>
-              <a:rPr lang="de-DE"/>
-              <a:t> </a:t>
-            </a:r>
-            <a:r>
-              <a:rPr lang="de-DE" err="1"/>
-              <a:t>works</a:t>
-            </a:r>
-            <a:r>
-              <a:rPr lang="de-DE"/>
-              <a:t>: Soft Margin</a:t>
+              <a:rPr lang="de-DE" dirty="0"/>
+              <a:t>Hard Margin: </a:t>
+            </a:r>
+            <a:r>
+              <a:rPr lang="de-DE" dirty="0" err="1"/>
+              <a:t>Decision</a:t>
+            </a:r>
+            <a:r>
+              <a:rPr lang="de-DE" dirty="0"/>
+              <a:t> Rule</a:t>
             </a:r>
           </a:p>
         </p:txBody>
       </p:sp>
       <p:pic>
         <p:nvPicPr>
-          <p:cNvPr id="27" name="Grafik 26" descr="\documentclass[20pt]{article}&#10;\usepackage{amsmath,amsfonts,amssymb,xcolor, mathtools}&#10;\pagestyle{empty}&#10;\usepackage[T1]{fontenc}&#10;\usepackage{fontspec}&#10;\setsansfont{Arial}&#10;\renewcommand\familydefault{\sfdefault}&#10;\begin{document}&#10;\begin{itemize}&#10;\item if data are not linearly seperable there is no optimal $\alpha$ to be found&#10;\item solution: introduce an error term or &quot;slack variable&quot; $\varepsilon_i\ge 0$ for the constraint \newline $y_i(\beta \cdot \overline{x}_i-\beta_0)&gt;1- \varepsilon_i$&#10;\begin{itemize}&#10;\item enables some $\overline{x}_i$ to lay on the wrong side of the gutter &#10;\item Problem: choose $\varepsilon$ to be arbitrary Large and it always fullfills the constraint&#10;\item Solution regularization of $\varepsilon$ with tuning parameter $C$ so to minimize\vspace{0.2cm}\newline&#10;$C \sum_{i=1}^{n} \varepsilon_i$&#10;\end{itemize}&#10;\end{itemize}&#10;\end{document}" title="IguanaTex Picture Display">
+          <p:cNvPr id="4" name="Grafik 3" descr="\documentclass[20pt]{article}&#10;\usepackage{amsmath,amsfonts,amssymb,xcolor, mathtools}&#10;\pagestyle{empty}&#10;\usepackage[T1]{fontenc}&#10;\usepackage{fontspec}&#10;\setsansfont{Arial}&#10;\renewcommand\familydefault{\sfdefault}&#10;\begin{document}&#10;\begin{itemize}&#10;\item derive $\beta$ with the new $\alpha$'s&#10;\newline$\beta=\sum \alpha_ iy_i \overline{x_i}$&#10;\item solve for $\beta_0$ with a support vector $\overline{x}_s$ for which we know holds \newline $\beta \cdot\overline{x}_s+\beta_0=y_{x_s}$ therefore $\beta_0=y_{x_s}-\beta \cdot \overline{x}_s$&#10;\item for a new $k$-dimensional vector $\overline{u}$ the decision function is \newline&#10;$f(\overline{u})=\beta \cdot \overline{u}+\beta_0$&#10;\item if $f(\overline{u})&gt;0 \rightarrow u$ is a \textcolor{green}{positive} sample\newline &#10;if $f(\overline{u})&lt;0 \rightarrow u$ is a \textcolor{red}{negative} sample\newline &#10;&#10;\end{itemize}&#10;\end{document}" title="IguanaTex Picture Display">
             <a:extLst>
               <a:ext uri="{FF2B5EF4-FFF2-40B4-BE49-F238E27FC236}">
-                <a16:creationId xmlns:a16="http://schemas.microsoft.com/office/drawing/2014/main" id="{B0BBD2F6-635F-076B-ABB1-ACD6F9A3DC50}"/>
+                <a16:creationId xmlns:a16="http://schemas.microsoft.com/office/drawing/2014/main" id="{A13AAF83-61A6-EE21-2E98-99E26700E36C}"/>
               </a:ext>
             </a:extLst>
           </p:cNvPr>
@@ -6003,8 +5974,106 @@
         </p:blipFill>
         <p:spPr>
           <a:xfrm>
-            <a:off x="539552" y="1143269"/>
-            <a:ext cx="7492556" cy="3298755"/>
+            <a:off x="683573" y="1419623"/>
+            <a:ext cx="6334971" cy="2828417"/>
+          </a:xfrm>
+          <a:prstGeom prst="rect">
+            <a:avLst/>
+          </a:prstGeom>
+        </p:spPr>
+      </p:pic>
+    </p:spTree>
+    <p:extLst>
+      <p:ext uri="{BB962C8B-B14F-4D97-AF65-F5344CB8AC3E}">
+        <p14:creationId xmlns:p14="http://schemas.microsoft.com/office/powerpoint/2010/main" val="3663614039"/>
+      </p:ext>
+    </p:extLst>
+  </p:cSld>
+  <p:clrMapOvr>
+    <a:masterClrMapping/>
+  </p:clrMapOvr>
+</p:sld>
+</file>
+
+<file path=ppt/slides/slide14.xml><?xml version="1.0" encoding="utf-8"?>
+<p:sld xmlns:a="http://schemas.openxmlformats.org/drawingml/2006/main" xmlns:r="http://schemas.openxmlformats.org/officeDocument/2006/relationships" xmlns:p="http://schemas.openxmlformats.org/presentationml/2006/main">
+  <p:cSld>
+    <p:spTree>
+      <p:nvGrpSpPr>
+        <p:cNvPr id="1" name=""/>
+        <p:cNvGrpSpPr/>
+        <p:nvPr/>
+      </p:nvGrpSpPr>
+      <p:grpSpPr>
+        <a:xfrm>
+          <a:off x="0" y="0"/>
+          <a:ext cx="0" cy="0"/>
+          <a:chOff x="0" y="0"/>
+          <a:chExt cx="0" cy="0"/>
+        </a:xfrm>
+      </p:grpSpPr>
+      <p:sp>
+        <p:nvSpPr>
+          <p:cNvPr id="2" name="Titel 1">
+            <a:extLst>
+              <a:ext uri="{FF2B5EF4-FFF2-40B4-BE49-F238E27FC236}">
+                <a16:creationId xmlns:a16="http://schemas.microsoft.com/office/drawing/2014/main" id="{388F7BA3-B785-BDE2-BAC6-74C1F53E9285}"/>
+              </a:ext>
+            </a:extLst>
+          </p:cNvPr>
+          <p:cNvSpPr>
+            <a:spLocks noGrp="1"/>
+          </p:cNvSpPr>
+          <p:nvPr>
+            <p:ph type="title"/>
+          </p:nvPr>
+        </p:nvSpPr>
+        <p:spPr/>
+        <p:txBody>
+          <a:bodyPr/>
+          <a:lstStyle/>
+          <a:p>
+            <a:r>
+              <a:rPr lang="de-DE" dirty="0"/>
+              <a:t>Soft Margin</a:t>
+            </a:r>
+          </a:p>
+        </p:txBody>
+      </p:sp>
+      <p:pic>
+        <p:nvPicPr>
+          <p:cNvPr id="4" name="Grafik 3" descr="\documentclass[20pt]{article}&#10;\usepackage{amsmath,amsfonts,amssymb,xcolor, mathtools}&#10;\pagestyle{empty}&#10;\usepackage[T1]{fontenc}&#10;\usepackage{fontspec}&#10;\setsansfont{Arial}&#10;\renewcommand\familydefault{\sfdefault}&#10;\begin{document}&#10;\begin{itemize}&#10;\item if data are not linearly seperable or outliers heavily effect the decision boundary&#10;\item solution: introduce an error term or &quot;slack variable&quot; $\varepsilon_i\ge 0$ for the constraint \newline $y_i(\beta \cdot \overline{x}_i-\beta_0)&gt;1- \varepsilon_i$&#10;\begin{itemize}&#10;\item enables some $\overline{x}_i$ to lay on the wrong side of the gutter &#10;\item Problem: choose $\varepsilon$ to be arbitrary Large and it always fullfills the constraint&#10;\item Solution regularization of $\varepsilon$ with tuning parameter $C$ so to minimize\vspace{0.2cm}\newline&#10;$C \sum_{i=1}^{n} \varepsilon_i$&#10;\end{itemize}&#10;\end{itemize}&#10;\end{document}" title="IguanaTex Picture Display">
+            <a:extLst>
+              <a:ext uri="{FF2B5EF4-FFF2-40B4-BE49-F238E27FC236}">
+                <a16:creationId xmlns:a16="http://schemas.microsoft.com/office/drawing/2014/main" id="{42FDEEBD-7FEA-2EA0-CE9A-F7A2BF3E1156}"/>
+              </a:ext>
+            </a:extLst>
+          </p:cNvPr>
+          <p:cNvPicPr>
+            <a:picLocks noChangeAspect="1"/>
+          </p:cNvPicPr>
+          <p:nvPr>
+            <p:custDataLst>
+              <p:tags r:id="rId1"/>
+            </p:custDataLst>
+          </p:nvPr>
+        </p:nvPicPr>
+        <p:blipFill>
+          <a:blip r:embed="rId3">
+            <a:extLst>
+              <a:ext uri="{28A0092B-C50C-407E-A947-70E740481C1C}">
+                <a14:useLocalDpi xmlns:a14="http://schemas.microsoft.com/office/drawing/2010/main" val="0"/>
+              </a:ext>
+            </a:extLst>
+          </a:blip>
+          <a:stretch>
+            <a:fillRect/>
+          </a:stretch>
+        </p:blipFill>
+        <p:spPr>
+          <a:xfrm>
+            <a:off x="539553" y="993800"/>
+            <a:ext cx="7493143" cy="3591982"/>
           </a:xfrm>
           <a:prstGeom prst="rect">
             <a:avLst/>
@@ -6024,8 +6093,8 @@
 </p:sld>
 </file>
 
-<file path=ppt/slides/slide14.xml><?xml version="1.0" encoding="utf-8"?>
-<p:sld xmlns:a="http://schemas.openxmlformats.org/drawingml/2006/main" xmlns:r="http://schemas.openxmlformats.org/officeDocument/2006/relationships" xmlns:p="http://schemas.openxmlformats.org/presentationml/2006/main">
+<file path=ppt/slides/slide15.xml><?xml version="1.0" encoding="utf-8"?>
+<p:sld xmlns:a="http://schemas.openxmlformats.org/drawingml/2006/main" xmlns:r="http://schemas.openxmlformats.org/officeDocument/2006/relationships" xmlns:p="http://schemas.openxmlformats.org/presentationml/2006/main" show="0">
   <p:cSld>
     <p:spTree>
       <p:nvGrpSpPr>
@@ -6142,8 +6211,8 @@
 </p:sld>
 </file>
 
-<file path=ppt/slides/slide15.xml><?xml version="1.0" encoding="utf-8"?>
-<p:sld xmlns:a="http://schemas.openxmlformats.org/drawingml/2006/main" xmlns:r="http://schemas.openxmlformats.org/officeDocument/2006/relationships" xmlns:p="http://schemas.openxmlformats.org/presentationml/2006/main">
+<file path=ppt/slides/slide16.xml><?xml version="1.0" encoding="utf-8"?>
+<p:sld xmlns:a="http://schemas.openxmlformats.org/drawingml/2006/main" xmlns:r="http://schemas.openxmlformats.org/officeDocument/2006/relationships" xmlns:p="http://schemas.openxmlformats.org/presentationml/2006/main" show="0">
   <p:cSld>
     <p:spTree>
       <p:nvGrpSpPr>
@@ -6260,7 +6329,7 @@
 </p:sld>
 </file>
 
-<file path=ppt/slides/slide16.xml><?xml version="1.0" encoding="utf-8"?>
+<file path=ppt/slides/slide17.xml><?xml version="1.0" encoding="utf-8"?>
 <p:sld xmlns:a="http://schemas.openxmlformats.org/drawingml/2006/main" xmlns:r="http://schemas.openxmlformats.org/officeDocument/2006/relationships" xmlns:p="http://schemas.openxmlformats.org/presentationml/2006/main">
   <p:cSld>
     <p:spTree>
@@ -6299,34 +6368,14 @@
           <a:lstStyle/>
           <a:p>
             <a:r>
-              <a:rPr lang="de-DE" err="1"/>
-              <a:t>How</a:t>
-            </a:r>
-            <a:r>
-              <a:rPr lang="de-DE"/>
-              <a:t> </a:t>
-            </a:r>
-            <a:r>
-              <a:rPr lang="de-DE" err="1"/>
-              <a:t>it</a:t>
-            </a:r>
-            <a:r>
-              <a:rPr lang="de-DE"/>
-              <a:t> </a:t>
-            </a:r>
-            <a:r>
-              <a:rPr lang="de-DE" err="1"/>
-              <a:t>works</a:t>
-            </a:r>
-            <a:r>
-              <a:rPr lang="de-DE"/>
-              <a:t>: non </a:t>
-            </a:r>
-            <a:r>
-              <a:rPr lang="de-DE" err="1"/>
-              <a:t>linearity</a:t>
-            </a:r>
-            <a:endParaRPr lang="de-DE"/>
+              <a:rPr lang="de-DE" dirty="0"/>
+              <a:t>Kernel </a:t>
+            </a:r>
+            <a:r>
+              <a:rPr lang="de-DE" dirty="0" err="1"/>
+              <a:t>trick</a:t>
+            </a:r>
+            <a:endParaRPr lang="de-DE" dirty="0"/>
           </a:p>
         </p:txBody>
       </p:sp>
@@ -6419,7 +6468,7 @@
 </p:sld>
 </file>
 
-<file path=ppt/slides/slide17.xml><?xml version="1.0" encoding="utf-8"?>
+<file path=ppt/slides/slide18.xml><?xml version="1.0" encoding="utf-8"?>
 <p:sld xmlns:a="http://schemas.openxmlformats.org/drawingml/2006/main" xmlns:r="http://schemas.openxmlformats.org/officeDocument/2006/relationships" xmlns:p="http://schemas.openxmlformats.org/presentationml/2006/main">
   <p:cSld>
     <p:spTree>
@@ -6458,45 +6507,14 @@
           <a:lstStyle/>
           <a:p>
             <a:r>
-              <a:rPr lang="de-DE" err="1"/>
-              <a:t>How</a:t>
-            </a:r>
-            <a:r>
-              <a:rPr lang="de-DE"/>
-              <a:t> </a:t>
-            </a:r>
-            <a:r>
-              <a:rPr lang="de-DE" err="1"/>
-              <a:t>it</a:t>
-            </a:r>
-            <a:r>
-              <a:rPr lang="de-DE"/>
-              <a:t> </a:t>
-            </a:r>
-            <a:r>
-              <a:rPr lang="de-DE" err="1"/>
-              <a:t>works</a:t>
-            </a:r>
-            <a:r>
-              <a:rPr lang="de-DE"/>
-              <a:t>: </a:t>
-            </a:r>
-            <a:r>
-              <a:rPr lang="de-DE" err="1"/>
-              <a:t>use</a:t>
-            </a:r>
-            <a:r>
-              <a:rPr lang="de-DE"/>
-              <a:t> </a:t>
-            </a:r>
-            <a:r>
-              <a:rPr lang="de-DE" err="1"/>
-              <a:t>of</a:t>
-            </a:r>
-            <a:r>
-              <a:rPr lang="de-DE"/>
-              <a:t> Kernels</a:t>
-            </a:r>
+              <a:rPr lang="de-DE" dirty="0"/>
+              <a:t>Kernel </a:t>
+            </a:r>
+            <a:r>
+              <a:rPr lang="de-DE" dirty="0" err="1"/>
+              <a:t>trick</a:t>
+            </a:r>
+            <a:endParaRPr lang="de-DE" dirty="0"/>
           </a:p>
         </p:txBody>
       </p:sp>
@@ -6591,8 +6609,8 @@
 </p:sld>
 </file>
 
-<file path=ppt/slides/slide18.xml><?xml version="1.0" encoding="utf-8"?>
-<p:sld xmlns:a="http://schemas.openxmlformats.org/drawingml/2006/main" xmlns:r="http://schemas.openxmlformats.org/officeDocument/2006/relationships" xmlns:p="http://schemas.openxmlformats.org/presentationml/2006/main">
+<file path=ppt/slides/slide19.xml><?xml version="1.0" encoding="utf-8"?>
+<p:sld xmlns:a="http://schemas.openxmlformats.org/drawingml/2006/main" xmlns:r="http://schemas.openxmlformats.org/officeDocument/2006/relationships" xmlns:p="http://schemas.openxmlformats.org/presentationml/2006/main" show="0">
   <p:cSld>
     <p:spTree>
       <p:nvGrpSpPr>
@@ -6716,109 +6734,6 @@
     <p:extLst>
       <p:ext uri="{BB962C8B-B14F-4D97-AF65-F5344CB8AC3E}">
         <p14:creationId xmlns:p14="http://schemas.microsoft.com/office/powerpoint/2010/main" val="1208863920"/>
-      </p:ext>
-    </p:extLst>
-  </p:cSld>
-  <p:clrMapOvr>
-    <a:masterClrMapping/>
-  </p:clrMapOvr>
-</p:sld>
-</file>
-
-<file path=ppt/slides/slide19.xml><?xml version="1.0" encoding="utf-8"?>
-<p:sld xmlns:a="http://schemas.openxmlformats.org/drawingml/2006/main" xmlns:r="http://schemas.openxmlformats.org/officeDocument/2006/relationships" xmlns:p="http://schemas.openxmlformats.org/presentationml/2006/main">
-  <p:cSld>
-    <p:spTree>
-      <p:nvGrpSpPr>
-        <p:cNvPr id="1" name=""/>
-        <p:cNvGrpSpPr/>
-        <p:nvPr/>
-      </p:nvGrpSpPr>
-      <p:grpSpPr>
-        <a:xfrm>
-          <a:off x="0" y="0"/>
-          <a:ext cx="0" cy="0"/>
-          <a:chOff x="0" y="0"/>
-          <a:chExt cx="0" cy="0"/>
-        </a:xfrm>
-      </p:grpSpPr>
-      <p:sp>
-        <p:nvSpPr>
-          <p:cNvPr id="2" name="Titel 1">
-            <a:extLst>
-              <a:ext uri="{FF2B5EF4-FFF2-40B4-BE49-F238E27FC236}">
-                <a16:creationId xmlns:a16="http://schemas.microsoft.com/office/drawing/2014/main" id="{388F7BA3-B785-BDE2-BAC6-74C1F53E9285}"/>
-              </a:ext>
-            </a:extLst>
-          </p:cNvPr>
-          <p:cNvSpPr>
-            <a:spLocks noGrp="1"/>
-          </p:cNvSpPr>
-          <p:nvPr>
-            <p:ph type="title"/>
-          </p:nvPr>
-        </p:nvSpPr>
-        <p:spPr/>
-        <p:txBody>
-          <a:bodyPr/>
-          <a:lstStyle/>
-          <a:p>
-            <a:r>
-              <a:rPr lang="de-DE"/>
-              <a:t>Pros and </a:t>
-            </a:r>
-            <a:r>
-              <a:rPr lang="de-DE" err="1"/>
-              <a:t>Cons</a:t>
-            </a:r>
-            <a:endParaRPr lang="de-DE"/>
-          </a:p>
-        </p:txBody>
-      </p:sp>
-      <p:pic>
-        <p:nvPicPr>
-          <p:cNvPr id="39" name="Grafik 38" descr="\documentclass[20pt]{article}&#10;\usepackage{amsmath,amsfonts,amssymb,xcolor, mathtools}&#10;\pagestyle{empty}&#10;\usepackage{booktabs}&#10;\usepackage{enumitem}&#10;\usepackage{parskip}&#10;\usepackage[T1]{fontenc}&#10;\usepackage{fontspec}&#10;\setsansfont{Arial}&#10;\renewcommand\familydefault{\sfdefault}&#10;\begin{document}&#10;\centering&#10;\begin{tabular}{p{5cm}|p{5cm}}&#10;\textbf{Pros}&amp;\textbf{cons}\\&#10;\hline&#10;\begin{itemize}[topsep=0cm,leftmargin=0.3cm]&#10;\item efficiently classifies in a high dimensional setting ($n\ll p$)&#10;\item risk of overfitting is lower&#10;&#10;\end{itemize}&#10;&amp;&#10;\begin{itemize}[topsep=0cm,leftmargin=0.3cm]&#10;\item heavily relies on the choice of hyperparameters/kernels&#10;\item no interpretability of coefficients&#10;\end{itemize}&#10;\end{tabular}&#10;\end{document}" title="IguanaTex Picture Display">
-            <a:extLst>
-              <a:ext uri="{FF2B5EF4-FFF2-40B4-BE49-F238E27FC236}">
-                <a16:creationId xmlns:a16="http://schemas.microsoft.com/office/drawing/2014/main" id="{D77E97AA-FE7A-E96E-1BFF-96304AC5176D}"/>
-              </a:ext>
-            </a:extLst>
-          </p:cNvPr>
-          <p:cNvPicPr>
-            <a:picLocks noChangeAspect="1"/>
-          </p:cNvPicPr>
-          <p:nvPr>
-            <p:custDataLst>
-              <p:tags r:id="rId1"/>
-            </p:custDataLst>
-          </p:nvPr>
-        </p:nvPicPr>
-        <p:blipFill>
-          <a:blip r:embed="rId3">
-            <a:extLst>
-              <a:ext uri="{28A0092B-C50C-407E-A947-70E740481C1C}">
-                <a14:useLocalDpi xmlns:a14="http://schemas.microsoft.com/office/drawing/2010/main" val="0"/>
-              </a:ext>
-            </a:extLst>
-          </a:blip>
-          <a:stretch>
-            <a:fillRect/>
-          </a:stretch>
-        </p:blipFill>
-        <p:spPr>
-          <a:xfrm>
-            <a:off x="838201" y="1492253"/>
-            <a:ext cx="7057644" cy="1904753"/>
-          </a:xfrm>
-          <a:prstGeom prst="rect">
-            <a:avLst/>
-          </a:prstGeom>
-        </p:spPr>
-      </p:pic>
-    </p:spTree>
-    <p:extLst>
-      <p:ext uri="{BB962C8B-B14F-4D97-AF65-F5344CB8AC3E}">
-        <p14:creationId xmlns:p14="http://schemas.microsoft.com/office/powerpoint/2010/main" val="2939723199"/>
       </p:ext>
     </p:extLst>
   </p:cSld>
@@ -6896,12 +6811,12 @@
           <a:lstStyle/>
           <a:p>
             <a:r>
-              <a:rPr lang="de-DE" altLang="de-DE" err="1">
+              <a:rPr lang="de-DE" altLang="de-DE" dirty="0" err="1">
                 <a:latin typeface="Arial" panose="020B0604020202020204" pitchFamily="34" charset="0"/>
               </a:rPr>
-              <a:t>Introduction</a:t>
-            </a:r>
-            <a:endParaRPr lang="de-DE" altLang="de-DE">
+              <a:t>Structure</a:t>
+            </a:r>
+            <a:endParaRPr lang="de-DE" altLang="de-DE" dirty="0">
               <a:latin typeface="Arial" panose="020B0604020202020204" pitchFamily="34" charset="0"/>
             </a:endParaRPr>
           </a:p>
@@ -6957,11 +6872,125 @@
           </a:bodyPr>
           <a:lstStyle/>
           <a:p>
-            <a:pPr marL="0" indent="0">
-              <a:buFontTx/>
-              <a:buNone/>
+            <a:pPr marL="457200" indent="-457200">
+              <a:buFont typeface="+mj-lt"/>
+              <a:buAutoNum type="arabicPeriod"/>
             </a:pPr>
-            <a:endParaRPr lang="de-DE" altLang="de-DE" sz="2000">
+            <a:r>
+              <a:rPr lang="de-DE" altLang="de-DE" sz="2000" dirty="0" err="1">
+                <a:latin typeface="Arial" panose="020B0604020202020204" pitchFamily="34" charset="0"/>
+              </a:rPr>
+              <a:t>Introduction</a:t>
+            </a:r>
+            <a:endParaRPr lang="de-DE" altLang="de-DE" sz="2000" dirty="0">
+              <a:latin typeface="Arial" panose="020B0604020202020204" pitchFamily="34" charset="0"/>
+            </a:endParaRPr>
+          </a:p>
+          <a:p>
+            <a:pPr marL="457200" indent="-457200">
+              <a:buFont typeface="+mj-lt"/>
+              <a:buAutoNum type="arabicPeriod"/>
+            </a:pPr>
+            <a:r>
+              <a:rPr lang="de-DE" altLang="de-DE" sz="2000" dirty="0" err="1">
+                <a:latin typeface="Arial" panose="020B0604020202020204" pitchFamily="34" charset="0"/>
+              </a:rPr>
+              <a:t>How</a:t>
+            </a:r>
+            <a:r>
+              <a:rPr lang="de-DE" altLang="de-DE" sz="2000" dirty="0">
+                <a:latin typeface="Arial" panose="020B0604020202020204" pitchFamily="34" charset="0"/>
+              </a:rPr>
+              <a:t> </a:t>
+            </a:r>
+            <a:r>
+              <a:rPr lang="de-DE" altLang="de-DE" sz="2000" dirty="0" err="1">
+                <a:latin typeface="Arial" panose="020B0604020202020204" pitchFamily="34" charset="0"/>
+              </a:rPr>
+              <a:t>it</a:t>
+            </a:r>
+            <a:r>
+              <a:rPr lang="de-DE" altLang="de-DE" sz="2000" dirty="0">
+                <a:latin typeface="Arial" panose="020B0604020202020204" pitchFamily="34" charset="0"/>
+              </a:rPr>
+              <a:t> </a:t>
+            </a:r>
+            <a:r>
+              <a:rPr lang="de-DE" altLang="de-DE" sz="2000" dirty="0" err="1">
+                <a:latin typeface="Arial" panose="020B0604020202020204" pitchFamily="34" charset="0"/>
+              </a:rPr>
+              <a:t>works</a:t>
+            </a:r>
+            <a:endParaRPr lang="de-DE" altLang="de-DE" sz="2000" dirty="0">
+              <a:latin typeface="Arial" panose="020B0604020202020204" pitchFamily="34" charset="0"/>
+            </a:endParaRPr>
+          </a:p>
+          <a:p>
+            <a:pPr marL="857250" lvl="1" indent="-457200">
+              <a:buFont typeface="+mj-lt"/>
+              <a:buAutoNum type="arabicPeriod"/>
+            </a:pPr>
+            <a:r>
+              <a:rPr lang="de-DE" altLang="de-DE" sz="1800" dirty="0">
+                <a:latin typeface="Arial" panose="020B0604020202020204" pitchFamily="34" charset="0"/>
+              </a:rPr>
+              <a:t>Hard Margin</a:t>
+            </a:r>
+          </a:p>
+          <a:p>
+            <a:pPr marL="857250" lvl="1" indent="-457200">
+              <a:buFont typeface="+mj-lt"/>
+              <a:buAutoNum type="arabicPeriod"/>
+            </a:pPr>
+            <a:r>
+              <a:rPr lang="de-DE" altLang="de-DE" sz="1800" dirty="0">
+                <a:latin typeface="Arial" panose="020B0604020202020204" pitchFamily="34" charset="0"/>
+              </a:rPr>
+              <a:t>Soft Margin</a:t>
+            </a:r>
+          </a:p>
+          <a:p>
+            <a:pPr marL="857250" lvl="1" indent="-457200">
+              <a:buFont typeface="+mj-lt"/>
+              <a:buAutoNum type="arabicPeriod"/>
+            </a:pPr>
+            <a:r>
+              <a:rPr lang="de-DE" altLang="de-DE" sz="1800" dirty="0">
+                <a:latin typeface="Arial" panose="020B0604020202020204" pitchFamily="34" charset="0"/>
+              </a:rPr>
+              <a:t>Kernel Trick</a:t>
+            </a:r>
+            <a:endParaRPr lang="de-DE" altLang="de-DE" sz="1400" dirty="0">
+              <a:latin typeface="Arial" panose="020B0604020202020204" pitchFamily="34" charset="0"/>
+            </a:endParaRPr>
+          </a:p>
+          <a:p>
+            <a:pPr marL="457200" indent="-457200">
+              <a:buFont typeface="+mj-lt"/>
+              <a:buAutoNum type="arabicPeriod"/>
+            </a:pPr>
+            <a:r>
+              <a:rPr lang="de-DE" altLang="de-DE" sz="2000" dirty="0">
+                <a:latin typeface="Arial" panose="020B0604020202020204" pitchFamily="34" charset="0"/>
+              </a:rPr>
+              <a:t>Pros and </a:t>
+            </a:r>
+            <a:r>
+              <a:rPr lang="de-DE" altLang="de-DE" sz="2000" dirty="0" err="1">
+                <a:latin typeface="Arial" panose="020B0604020202020204" pitchFamily="34" charset="0"/>
+              </a:rPr>
+              <a:t>Cons</a:t>
+            </a:r>
+            <a:endParaRPr lang="de-DE" altLang="de-DE" sz="2000" dirty="0">
+              <a:latin typeface="Arial" panose="020B0604020202020204" pitchFamily="34" charset="0"/>
+            </a:endParaRPr>
+          </a:p>
+          <a:p>
+            <a:pPr marL="457200" indent="-457200">
+              <a:buFont typeface="+mj-lt"/>
+              <a:buAutoNum type="arabicPeriod"/>
+            </a:pPr>
+            <a:endParaRPr lang="de-DE" altLang="de-DE" sz="2000" dirty="0">
               <a:latin typeface="Arial" panose="020B0604020202020204" pitchFamily="34" charset="0"/>
             </a:endParaRPr>
           </a:p>
@@ -7015,7 +7044,110 @@
           <a:p>
             <a:r>
               <a:rPr lang="de-DE"/>
-              <a:t>Performance in different Situations</a:t>
+              <a:t>Pros and </a:t>
+            </a:r>
+            <a:r>
+              <a:rPr lang="de-DE" err="1"/>
+              <a:t>Cons</a:t>
+            </a:r>
+            <a:endParaRPr lang="de-DE"/>
+          </a:p>
+        </p:txBody>
+      </p:sp>
+      <p:pic>
+        <p:nvPicPr>
+          <p:cNvPr id="39" name="Grafik 38" descr="\documentclass[20pt]{article}&#10;\usepackage{amsmath,amsfonts,amssymb,xcolor, mathtools}&#10;\pagestyle{empty}&#10;\usepackage{booktabs}&#10;\usepackage{enumitem}&#10;\usepackage{parskip}&#10;\usepackage[T1]{fontenc}&#10;\usepackage{fontspec}&#10;\setsansfont{Arial}&#10;\renewcommand\familydefault{\sfdefault}&#10;\begin{document}&#10;\centering&#10;\begin{tabular}{p{5cm}|p{5cm}}&#10;\textbf{Pros}&amp;\textbf{cons}\\&#10;\hline&#10;\begin{itemize}[topsep=0cm,leftmargin=0.3cm]&#10;\item efficiently classifies in a high dimensional setting ($n\ll p$)&#10;\item risk of overfitting is lower&#10;&#10;\end{itemize}&#10;&amp;&#10;\begin{itemize}[topsep=0cm,leftmargin=0.3cm]&#10;\item heavily relies on the choice of hyperparameters/kernels&#10;\item no interpretability of coefficients&#10;\end{itemize}&#10;\end{tabular}&#10;\end{document}" title="IguanaTex Picture Display">
+            <a:extLst>
+              <a:ext uri="{FF2B5EF4-FFF2-40B4-BE49-F238E27FC236}">
+                <a16:creationId xmlns:a16="http://schemas.microsoft.com/office/drawing/2014/main" id="{D77E97AA-FE7A-E96E-1BFF-96304AC5176D}"/>
+              </a:ext>
+            </a:extLst>
+          </p:cNvPr>
+          <p:cNvPicPr>
+            <a:picLocks noChangeAspect="1"/>
+          </p:cNvPicPr>
+          <p:nvPr>
+            <p:custDataLst>
+              <p:tags r:id="rId1"/>
+            </p:custDataLst>
+          </p:nvPr>
+        </p:nvPicPr>
+        <p:blipFill>
+          <a:blip r:embed="rId3">
+            <a:extLst>
+              <a:ext uri="{28A0092B-C50C-407E-A947-70E740481C1C}">
+                <a14:useLocalDpi xmlns:a14="http://schemas.microsoft.com/office/drawing/2010/main" val="0"/>
+              </a:ext>
+            </a:extLst>
+          </a:blip>
+          <a:stretch>
+            <a:fillRect/>
+          </a:stretch>
+        </p:blipFill>
+        <p:spPr>
+          <a:xfrm>
+            <a:off x="838201" y="1492253"/>
+            <a:ext cx="7057644" cy="1904753"/>
+          </a:xfrm>
+          <a:prstGeom prst="rect">
+            <a:avLst/>
+          </a:prstGeom>
+        </p:spPr>
+      </p:pic>
+    </p:spTree>
+    <p:extLst>
+      <p:ext uri="{BB962C8B-B14F-4D97-AF65-F5344CB8AC3E}">
+        <p14:creationId xmlns:p14="http://schemas.microsoft.com/office/powerpoint/2010/main" val="2939723199"/>
+      </p:ext>
+    </p:extLst>
+  </p:cSld>
+  <p:clrMapOvr>
+    <a:masterClrMapping/>
+  </p:clrMapOvr>
+</p:sld>
+</file>
+
+<file path=ppt/slides/slide21.xml><?xml version="1.0" encoding="utf-8"?>
+<p:sld xmlns:a="http://schemas.openxmlformats.org/drawingml/2006/main" xmlns:r="http://schemas.openxmlformats.org/officeDocument/2006/relationships" xmlns:p="http://schemas.openxmlformats.org/presentationml/2006/main">
+  <p:cSld>
+    <p:spTree>
+      <p:nvGrpSpPr>
+        <p:cNvPr id="1" name=""/>
+        <p:cNvGrpSpPr/>
+        <p:nvPr/>
+      </p:nvGrpSpPr>
+      <p:grpSpPr>
+        <a:xfrm>
+          <a:off x="0" y="0"/>
+          <a:ext cx="0" cy="0"/>
+          <a:chOff x="0" y="0"/>
+          <a:chExt cx="0" cy="0"/>
+        </a:xfrm>
+      </p:grpSpPr>
+      <p:sp>
+        <p:nvSpPr>
+          <p:cNvPr id="2" name="Titel 1">
+            <a:extLst>
+              <a:ext uri="{FF2B5EF4-FFF2-40B4-BE49-F238E27FC236}">
+                <a16:creationId xmlns:a16="http://schemas.microsoft.com/office/drawing/2014/main" id="{388F7BA3-B785-BDE2-BAC6-74C1F53E9285}"/>
+              </a:ext>
+            </a:extLst>
+          </p:cNvPr>
+          <p:cNvSpPr>
+            <a:spLocks noGrp="1"/>
+          </p:cNvSpPr>
+          <p:nvPr>
+            <p:ph type="title"/>
+          </p:nvPr>
+        </p:nvSpPr>
+        <p:spPr/>
+        <p:txBody>
+          <a:bodyPr/>
+          <a:lstStyle/>
+          <a:p>
+            <a:r>
+              <a:rPr lang="de-DE" dirty="0"/>
+              <a:t>Performance Evaluation</a:t>
             </a:r>
           </a:p>
         </p:txBody>
@@ -7073,8 +7205,164 @@
 </p:sld>
 </file>
 
-<file path=ppt/slides/slide21.xml><?xml version="1.0" encoding="utf-8"?>
+<file path=ppt/slides/slide22.xml><?xml version="1.0" encoding="utf-8"?>
 <p:sld xmlns:a="http://schemas.openxmlformats.org/drawingml/2006/main" xmlns:r="http://schemas.openxmlformats.org/officeDocument/2006/relationships" xmlns:p="http://schemas.openxmlformats.org/presentationml/2006/main">
+  <p:cSld>
+    <p:spTree>
+      <p:nvGrpSpPr>
+        <p:cNvPr id="1" name=""/>
+        <p:cNvGrpSpPr/>
+        <p:nvPr/>
+      </p:nvGrpSpPr>
+      <p:grpSpPr>
+        <a:xfrm>
+          <a:off x="0" y="0"/>
+          <a:ext cx="0" cy="0"/>
+          <a:chOff x="0" y="0"/>
+          <a:chExt cx="0" cy="0"/>
+        </a:xfrm>
+      </p:grpSpPr>
+      <p:sp>
+        <p:nvSpPr>
+          <p:cNvPr id="2" name="Titel 1">
+            <a:extLst>
+              <a:ext uri="{FF2B5EF4-FFF2-40B4-BE49-F238E27FC236}">
+                <a16:creationId xmlns:a16="http://schemas.microsoft.com/office/drawing/2014/main" id="{388F7BA3-B785-BDE2-BAC6-74C1F53E9285}"/>
+              </a:ext>
+            </a:extLst>
+          </p:cNvPr>
+          <p:cNvSpPr>
+            <a:spLocks noGrp="1"/>
+          </p:cNvSpPr>
+          <p:nvPr>
+            <p:ph type="title"/>
+          </p:nvPr>
+        </p:nvSpPr>
+        <p:spPr/>
+        <p:txBody>
+          <a:bodyPr/>
+          <a:lstStyle/>
+          <a:p>
+            <a:r>
+              <a:rPr lang="de-DE"/>
+              <a:t>Performance in different Situations</a:t>
+            </a:r>
+          </a:p>
+        </p:txBody>
+      </p:sp>
+    </p:spTree>
+    <p:extLst>
+      <p:ext uri="{BB962C8B-B14F-4D97-AF65-F5344CB8AC3E}">
+        <p14:creationId xmlns:p14="http://schemas.microsoft.com/office/powerpoint/2010/main" val="1076434179"/>
+      </p:ext>
+    </p:extLst>
+  </p:cSld>
+  <p:clrMapOvr>
+    <a:masterClrMapping/>
+  </p:clrMapOvr>
+</p:sld>
+</file>
+
+<file path=ppt/slides/slide23.xml><?xml version="1.0" encoding="utf-8"?>
+<p:sld xmlns:a="http://schemas.openxmlformats.org/drawingml/2006/main" xmlns:r="http://schemas.openxmlformats.org/officeDocument/2006/relationships" xmlns:p="http://schemas.openxmlformats.org/presentationml/2006/main">
+  <p:cSld>
+    <p:spTree>
+      <p:nvGrpSpPr>
+        <p:cNvPr id="1" name=""/>
+        <p:cNvGrpSpPr/>
+        <p:nvPr/>
+      </p:nvGrpSpPr>
+      <p:grpSpPr>
+        <a:xfrm>
+          <a:off x="0" y="0"/>
+          <a:ext cx="0" cy="0"/>
+          <a:chOff x="0" y="0"/>
+          <a:chExt cx="0" cy="0"/>
+        </a:xfrm>
+      </p:grpSpPr>
+      <p:sp>
+        <p:nvSpPr>
+          <p:cNvPr id="2" name="Titel 1">
+            <a:extLst>
+              <a:ext uri="{FF2B5EF4-FFF2-40B4-BE49-F238E27FC236}">
+                <a16:creationId xmlns:a16="http://schemas.microsoft.com/office/drawing/2014/main" id="{388F7BA3-B785-BDE2-BAC6-74C1F53E9285}"/>
+              </a:ext>
+            </a:extLst>
+          </p:cNvPr>
+          <p:cNvSpPr>
+            <a:spLocks noGrp="1"/>
+          </p:cNvSpPr>
+          <p:nvPr>
+            <p:ph type="title"/>
+          </p:nvPr>
+        </p:nvSpPr>
+        <p:spPr/>
+        <p:txBody>
+          <a:bodyPr/>
+          <a:lstStyle/>
+          <a:p>
+            <a:r>
+              <a:rPr lang="de-DE" dirty="0"/>
+              <a:t>Performance Evaluation</a:t>
+            </a:r>
+          </a:p>
+        </p:txBody>
+      </p:sp>
+      <p:pic>
+        <p:nvPicPr>
+          <p:cNvPr id="8" name="Grafik 7" descr="\documentclass[20pt]{article}&#10;\usepackage{amsmath,amsfonts,amssymb,xcolor, mathtools}&#10;\pagestyle{empty}&#10;\usepackage{booktabs}&#10;\usepackage{enumitem}&#10; \usepackage{multirow}&#10;\usepackage{longtable}&#10;\usepackage{xcolor}&#10;\definecolor{darkgreen}{RGB}{101,178,56}&#10;\usepackage{graphicx}&#10;\usepackage{parskip}&#10;\usepackage[T1]{fontenc}&#10;\usepackage{fontspec}&#10;\setsansfont{Arial}&#10;\renewcommand\familydefault{\sfdefault}&#10;\begin{document}&#10;\begin{center}&#10;\begin{longtable}{ll|lll|}&#10; \cline{3-5}&#10; &amp;             &amp; \multicolumn{3}{c|}{DGP}                                            \\ \cline{3-5} &#10; \endfirsthead&#10; %&#10; \endhead&#10; %&#10; &amp;             &amp; \multicolumn{1}{l|}{linear} &amp; \multicolumn{1}{l|}{polynomial} &amp; radial \\ \hline&#10; \multicolumn{1}{|l|}{\multirow{3}{*}{\rotatebox{90}{Dimensionality}}} &amp; $p \ll n$  &amp; \multicolumn{1}{l|}{\parbox{4cm}{\begin{itemize}[label=-,topsep=0cm,leftmargin=0.3cm,itemsep=0cm,parsep=0cm]&#10;   \item SVM-Linear \textcolor{darkgreen}{\scalebox{1}{$\uparrow$}}&#10;   \item SVM-Polynomial \textcolor{darkgreen}{\scalebox{0.5}{$\uparrow$}}&#10;   \item SVM-Radial \textcolor{darkgreen}{\scalebox{0.5}{$\uparrow$}}&#10;   \item Logistic Regression \textcolor{red}{\scalebox{0.5}{$\downarrow$}}&#10; \end{itemize}}}  &amp; \multicolumn{1}{l|}{\parbox{4cm}{\begin{itemize}[label=-,topsep=0cm,leftmargin=0.3cm,itemsep=0cm,parsep=0cm]&#10; \item SVM-Linear \textcolor{darkgreen}{\scalebox{0.5}{$\uparrow$}}&#10; \item SVM-Polynomial \textcolor{darkgreen}{\scalebox{1}{$\uparrow$}}&#10; \item SVM-Radial \textcolor{darkgreen}{\scalebox{0.5}{$\uparrow$}}&#10; \item Logistic Regression \textcolor{red}{\scalebox{0.5}{$\downarrow$}}&#10;\end{itemize}}}   &amp; \parbox{4cm}{\begin{itemize}[label=-,topsep=0cm,leftmargin=0.3cm,itemsep=0cm,parsep=0cm]&#10;\item SVM-Linear \textcolor{darkgreen}{\scalebox{0.5}{$\uparrow$}}&#10;\item SVM-Polynomial \textcolor{darkgreen}{\scalebox{0.5}{$\uparrow$}}&#10;\item SVM-Radial \textcolor{darkgreen}{\scalebox{1}{$\uparrow$}}&#10;\item Logistic Regression \textcolor{red}{\scalebox{0.5}{$\downarrow$}}&#10;\end{itemize}}  \\ \cline{2-5} &#10; \multicolumn{1}{|l|}{}                                &amp; $p \approx n$  &amp; \multicolumn{1}{l|}{\parbox{4cm}{\begin{itemize}[label=-,topsep=0cm,leftmargin=0.3cm,itemsep=0cm,parsep=0cm]&#10;    \item SVM-Linear&#10;    \item SVM-Polynomial&#10;    \item SVM-Radial&#10;    \item Logistic Regression&#10; \end{itemize}}}  &amp; \multicolumn{1}{l|}{\parbox{4cm}{\begin{itemize}[label=-,topsep=0cm,leftmargin=0.3cm,itemsep=0cm,parsep=0cm]&#10; \item SVM-Linear&#10; \item SVM-Polynomial&#10; \item SVM-Radial&#10; \item Logistic Regression&#10;\end{itemize}}}   &amp; \parbox{4cm}{\begin{itemize}[label=-,topsep=0cm,leftmargin=0.3cm,itemsep=0cm,parsep=0cm]&#10;\item SVM-Linear&#10;\item SVM-Polynomial&#10;\item SVM-Radial&#10;\item Logistic Regression&#10;\end{itemize}}  \\ \cline{2-5} &#10; \multicolumn{1}{|l|}{}                                &amp; $p \gg n$ &amp; \multicolumn{1}{l|}{\parbox{4cm}{\begin{itemize}[label=-,topsep=0cm,leftmargin=0.3cm,itemsep=0cm,parsep=0cm]&#10;    \item SVM-Linear&#10;    \item SVM-Polynomial&#10;    \item SVM-Radial&#10;    \item Logistic Regression&#10; \end{itemize}}}  &amp; \multicolumn{1}{l|}{\parbox{4cm}{\begin{itemize}[label=-,topsep=0cm,leftmargin=0.3cm,itemsep=0cm,parsep=0cm]&#10; \item SVM-Linear&#10; \item SVM-Polynomial&#10; \item SVM-Radial&#10; \item Logistic Regression&#10;\end{itemize}}}   &amp; \parbox{4cm}{\begin{itemize}[label=-,topsep=0cm,leftmargin=0.3cm,itemsep=0cm,parsep=0cm]&#10;\item SVM-Linear&#10;\item SVM-Polynomial&#10;\item SVM-Radial&#10;\item Logistic Regression&#10;\end{itemize}} \\ \hline&#10;\end{longtable}&#10;\end{center}&#10;\end{document}" title="IguanaTex Picture Display">
+            <a:extLst>
+              <a:ext uri="{FF2B5EF4-FFF2-40B4-BE49-F238E27FC236}">
+                <a16:creationId xmlns:a16="http://schemas.microsoft.com/office/drawing/2014/main" id="{59A35446-63A6-BA9E-7F11-1DBDBA76C36F}"/>
+              </a:ext>
+            </a:extLst>
+          </p:cNvPr>
+          <p:cNvPicPr>
+            <a:picLocks noChangeAspect="1"/>
+          </p:cNvPicPr>
+          <p:nvPr>
+            <p:custDataLst>
+              <p:tags r:id="rId1"/>
+            </p:custDataLst>
+          </p:nvPr>
+        </p:nvPicPr>
+        <p:blipFill>
+          <a:blip r:embed="rId3">
+            <a:extLst>
+              <a:ext uri="{28A0092B-C50C-407E-A947-70E740481C1C}">
+                <a14:useLocalDpi xmlns:a14="http://schemas.microsoft.com/office/drawing/2010/main" val="0"/>
+              </a:ext>
+            </a:extLst>
+          </a:blip>
+          <a:stretch>
+            <a:fillRect/>
+          </a:stretch>
+        </p:blipFill>
+        <p:spPr>
+          <a:xfrm>
+            <a:off x="504825" y="1028700"/>
+            <a:ext cx="8045243" cy="3087318"/>
+          </a:xfrm>
+          <a:prstGeom prst="rect">
+            <a:avLst/>
+          </a:prstGeom>
+        </p:spPr>
+      </p:pic>
+    </p:spTree>
+    <p:extLst>
+      <p:ext uri="{BB962C8B-B14F-4D97-AF65-F5344CB8AC3E}">
+        <p14:creationId xmlns:p14="http://schemas.microsoft.com/office/powerpoint/2010/main" val="1335784449"/>
+      </p:ext>
+    </p:extLst>
+  </p:cSld>
+  <p:clrMapOvr>
+    <a:masterClrMapping/>
+  </p:clrMapOvr>
+</p:sld>
+</file>
+
+<file path=ppt/slides/slide24.xml><?xml version="1.0" encoding="utf-8"?>
+<p:sld xmlns:a="http://schemas.openxmlformats.org/drawingml/2006/main" xmlns:r="http://schemas.openxmlformats.org/officeDocument/2006/relationships" xmlns:p="http://schemas.openxmlformats.org/presentationml/2006/main" show="0">
   <p:cSld>
     <p:spTree>
       <p:nvGrpSpPr>
@@ -7343,8 +7631,8 @@
 </p:sld>
 </file>
 
-<file path=ppt/slides/slide22.xml><?xml version="1.0" encoding="utf-8"?>
-<p:sld xmlns:a="http://schemas.openxmlformats.org/drawingml/2006/main" xmlns:r="http://schemas.openxmlformats.org/officeDocument/2006/relationships" xmlns:p="http://schemas.openxmlformats.org/presentationml/2006/main">
+<file path=ppt/slides/slide25.xml><?xml version="1.0" encoding="utf-8"?>
+<p:sld xmlns:a="http://schemas.openxmlformats.org/drawingml/2006/main" xmlns:r="http://schemas.openxmlformats.org/officeDocument/2006/relationships" xmlns:p="http://schemas.openxmlformats.org/presentationml/2006/main" show="0">
   <p:cSld>
     <p:spTree>
       <p:nvGrpSpPr>
@@ -7553,7 +7841,7 @@
 </p:sld>
 </file>
 
-<file path=ppt/slides/slide23.xml><?xml version="1.0" encoding="utf-8"?>
+<file path=ppt/slides/slide26.xml><?xml version="1.0" encoding="utf-8"?>
 <p:sld xmlns:a="http://schemas.openxmlformats.org/drawingml/2006/main" xmlns:r="http://schemas.openxmlformats.org/officeDocument/2006/relationships" xmlns:p="http://schemas.openxmlformats.org/presentationml/2006/main" show="0">
   <p:cSld>
     <p:spTree>
@@ -7683,7 +7971,7 @@
 </p:sld>
 </file>
 
-<file path=ppt/slides/slide24.xml><?xml version="1.0" encoding="utf-8"?>
+<file path=ppt/slides/slide27.xml><?xml version="1.0" encoding="utf-8"?>
 <p:sld xmlns:a="http://schemas.openxmlformats.org/drawingml/2006/main" xmlns:r="http://schemas.openxmlformats.org/officeDocument/2006/relationships" xmlns:p="http://schemas.openxmlformats.org/presentationml/2006/main">
   <p:cSld>
     <p:spTree>
@@ -7805,30 +8093,30 @@
           <a:lstStyle/>
           <a:p>
             <a:r>
-              <a:rPr lang="de-DE"/>
-              <a:t>Basic </a:t>
-            </a:r>
-            <a:r>
-              <a:rPr lang="en-GB"/>
+              <a:rPr lang="de-DE" dirty="0"/>
+              <a:t>1. Basic </a:t>
+            </a:r>
+            <a:r>
+              <a:rPr lang="en-GB" dirty="0"/>
               <a:t>idea</a:t>
             </a:r>
             <a:r>
-              <a:rPr lang="de-DE"/>
+              <a:rPr lang="de-DE" dirty="0"/>
               <a:t> </a:t>
             </a:r>
             <a:r>
-              <a:rPr lang="de-DE" err="1"/>
+              <a:rPr lang="de-DE" dirty="0" err="1"/>
               <a:t>of</a:t>
             </a:r>
             <a:r>
-              <a:rPr lang="de-DE"/>
+              <a:rPr lang="de-DE" dirty="0"/>
               <a:t> Support Vector </a:t>
             </a:r>
             <a:r>
-              <a:rPr lang="de-DE" err="1"/>
+              <a:rPr lang="de-DE" dirty="0" err="1"/>
               <a:t>Machine</a:t>
             </a:r>
-            <a:endParaRPr lang="de-DE"/>
+            <a:endParaRPr lang="de-DE" dirty="0"/>
           </a:p>
         </p:txBody>
       </p:sp>
@@ -7960,26 +8248,30 @@
           <a:lstStyle/>
           <a:p>
             <a:r>
-              <a:rPr lang="de-DE" err="1"/>
+              <a:rPr lang="de-DE" dirty="0"/>
+              <a:t>1. </a:t>
+            </a:r>
+            <a:r>
+              <a:rPr lang="de-DE" dirty="0" err="1"/>
               <a:t>History</a:t>
             </a:r>
             <a:r>
-              <a:rPr lang="de-DE"/>
+              <a:rPr lang="de-DE" dirty="0"/>
               <a:t> </a:t>
             </a:r>
             <a:r>
-              <a:rPr lang="de-DE" err="1"/>
+              <a:rPr lang="de-DE" dirty="0" err="1"/>
               <a:t>of</a:t>
             </a:r>
             <a:r>
-              <a:rPr lang="de-DE"/>
+              <a:rPr lang="de-DE" dirty="0"/>
               <a:t> Support Vector </a:t>
             </a:r>
             <a:r>
-              <a:rPr lang="de-DE" err="1"/>
+              <a:rPr lang="de-DE" dirty="0" err="1"/>
               <a:t>Machine</a:t>
             </a:r>
-            <a:endParaRPr lang="de-DE"/>
+            <a:endParaRPr lang="de-DE" dirty="0"/>
           </a:p>
         </p:txBody>
       </p:sp>
@@ -8234,42 +8526,17 @@
           <a:lstStyle/>
           <a:p>
             <a:r>
-              <a:rPr lang="de-DE" err="1"/>
-              <a:t>How</a:t>
-            </a:r>
-            <a:r>
-              <a:rPr lang="de-DE"/>
-              <a:t> </a:t>
-            </a:r>
-            <a:r>
-              <a:rPr lang="de-DE" err="1"/>
-              <a:t>it</a:t>
-            </a:r>
-            <a:r>
-              <a:rPr lang="de-DE"/>
-              <a:t> </a:t>
-            </a:r>
-            <a:r>
-              <a:rPr lang="de-DE" err="1"/>
-              <a:t>works</a:t>
-            </a:r>
-            <a:r>
-              <a:rPr lang="de-DE"/>
-              <a:t>: Setting </a:t>
-            </a:r>
-            <a:r>
-              <a:rPr lang="de-DE" err="1"/>
-              <a:t>up</a:t>
-            </a:r>
-            <a:r>
-              <a:rPr lang="de-DE"/>
-              <a:t> </a:t>
-            </a:r>
-            <a:r>
-              <a:rPr lang="de-DE" err="1"/>
-              <a:t>Constraints</a:t>
-            </a:r>
-            <a:endParaRPr lang="de-DE"/>
+              <a:rPr lang="de-DE" dirty="0"/>
+              <a:t>Hard Margin: </a:t>
+            </a:r>
+            <a:r>
+              <a:rPr lang="de-DE" dirty="0" err="1"/>
+              <a:t>Decision</a:t>
+            </a:r>
+            <a:r>
+              <a:rPr lang="de-DE" dirty="0"/>
+              <a:t> Boundary</a:t>
+            </a:r>
           </a:p>
         </p:txBody>
       </p:sp>
@@ -8401,51 +8668,26 @@
           <a:lstStyle/>
           <a:p>
             <a:r>
-              <a:rPr lang="de-DE" err="1"/>
-              <a:t>How</a:t>
-            </a:r>
-            <a:r>
-              <a:rPr lang="de-DE"/>
-              <a:t> </a:t>
-            </a:r>
-            <a:r>
-              <a:rPr lang="de-DE" err="1"/>
-              <a:t>it</a:t>
-            </a:r>
-            <a:r>
-              <a:rPr lang="de-DE"/>
-              <a:t> </a:t>
-            </a:r>
-            <a:r>
-              <a:rPr lang="de-DE" err="1"/>
-              <a:t>works</a:t>
-            </a:r>
-            <a:r>
-              <a:rPr lang="de-DE"/>
-              <a:t>: Setting </a:t>
-            </a:r>
-            <a:r>
-              <a:rPr lang="de-DE" err="1"/>
-              <a:t>up</a:t>
-            </a:r>
-            <a:r>
-              <a:rPr lang="de-DE"/>
-              <a:t> </a:t>
-            </a:r>
-            <a:r>
-              <a:rPr lang="de-DE" err="1"/>
-              <a:t>Constraints</a:t>
-            </a:r>
-            <a:endParaRPr lang="de-DE"/>
+              <a:rPr lang="de-DE" dirty="0"/>
+              <a:t>Hard Margin: </a:t>
+            </a:r>
+            <a:r>
+              <a:rPr lang="de-DE" dirty="0" err="1"/>
+              <a:t>Decision</a:t>
+            </a:r>
+            <a:r>
+              <a:rPr lang="de-DE" dirty="0"/>
+              <a:t> Boundary</a:t>
+            </a:r>
           </a:p>
         </p:txBody>
       </p:sp>
       <p:pic>
         <p:nvPicPr>
-          <p:cNvPr id="7" name="Grafik 6" descr="\documentclass[20pt]{article}&#10;\usepackage{amsmath,amsfonts,amssymb,xcolor, mathtools}&#10;\pagestyle{empty}&#10;\usepackage[T1]{fontenc}&#10;\usepackage{fontspec}&#10;\setsansfont{Arial}&#10;\renewcommand\familydefault{\sfdefault}&#10;\begin{document}&#10;\begin{itemize}&#10;\item the two gutters around the boundary \newline are defined by $\beta \cdot \overline{x}+\beta_0=1$ and \newline$ \beta \cdot \overline{x}+\beta_0=-1$&#10;&#10;\item seperate \textcolor{red}{positive}($\beta \cdot \overline{x}+\beta_0\ge 1$)\newline from \textcolor{green}{negative} ($\beta \cdot \overline{x}+\beta_0\le -1$) samples&#10;\item distance between the gutters\newline$\rightarrow$ width that is to be maximized&#10;\end{itemize}&#10;&#10;\end{document}" title="IguanaTex Picture Display">
+          <p:cNvPr id="4" name="Grafik 3" descr="\documentclass[20pt]{article}&#10;\usepackage{amsmath,amsfonts,amssymb,xcolor, mathtools}&#10;\pagestyle{empty}&#10;\usepackage[T1]{fontenc}&#10;\usepackage{fontspec}&#10;\setsansfont{Arial}&#10;\renewcommand\familydefault{\sfdefault}&#10;\begin{document}&#10;\begin{itemize}&#10;\item the two gutters around the boundary \newline are defined by $\beta \cdot \overline{x}+\beta_0=1$ and \newline$ \beta \cdot \overline{x}+\beta_0=-1$&#10;&#10;\item seperate \textcolor{green}{positive}($\beta \cdot \overline{x}+\beta_0\ge 1$)\newline from \textcolor{red}{negative} ($\beta \cdot \overline{x}+\beta_0\le -1$) samples&#10;\item distance between the gutters\newline$\rightarrow$ width that is to be maximized&#10;\end{itemize}&#10;&#10;\end{document}" title="IguanaTex Picture Display">
             <a:extLst>
               <a:ext uri="{FF2B5EF4-FFF2-40B4-BE49-F238E27FC236}">
-                <a16:creationId xmlns:a16="http://schemas.microsoft.com/office/drawing/2014/main" id="{E57472E7-B1A1-CDB6-DA3F-0FE93658CCF6}"/>
+                <a16:creationId xmlns:a16="http://schemas.microsoft.com/office/drawing/2014/main" id="{B91C8D0D-9638-85AB-2539-90A3D508026A}"/>
               </a:ext>
             </a:extLst>
           </p:cNvPr>
@@ -8473,7 +8715,7 @@
         <p:spPr>
           <a:xfrm>
             <a:off x="683569" y="1707651"/>
-            <a:ext cx="4215930" cy="2217150"/>
+            <a:ext cx="4216518" cy="2218859"/>
           </a:xfrm>
           <a:prstGeom prst="rect">
             <a:avLst/>
@@ -8568,42 +8810,17 @@
           <a:lstStyle/>
           <a:p>
             <a:r>
-              <a:rPr lang="de-DE" err="1"/>
-              <a:t>How</a:t>
-            </a:r>
-            <a:r>
-              <a:rPr lang="de-DE"/>
-              <a:t> </a:t>
-            </a:r>
-            <a:r>
-              <a:rPr lang="de-DE" err="1"/>
-              <a:t>it</a:t>
-            </a:r>
-            <a:r>
-              <a:rPr lang="de-DE"/>
-              <a:t> </a:t>
-            </a:r>
-            <a:r>
-              <a:rPr lang="de-DE" err="1"/>
-              <a:t>works</a:t>
-            </a:r>
-            <a:r>
-              <a:rPr lang="de-DE"/>
-              <a:t>: Setting </a:t>
-            </a:r>
-            <a:r>
-              <a:rPr lang="de-DE" err="1"/>
-              <a:t>up</a:t>
-            </a:r>
-            <a:r>
-              <a:rPr lang="de-DE"/>
-              <a:t> </a:t>
-            </a:r>
-            <a:r>
-              <a:rPr lang="de-DE" err="1"/>
-              <a:t>Constraints</a:t>
-            </a:r>
-            <a:endParaRPr lang="de-DE"/>
+              <a:rPr lang="de-DE" dirty="0"/>
+              <a:t>Hard Margin: </a:t>
+            </a:r>
+            <a:r>
+              <a:rPr lang="en-GB" dirty="0"/>
+              <a:t>maximize</a:t>
+            </a:r>
+            <a:r>
+              <a:rPr lang="de-DE" dirty="0"/>
+              <a:t> Margin Width</a:t>
+            </a:r>
           </a:p>
         </p:txBody>
       </p:sp>
@@ -8735,42 +8952,18 @@
           <a:lstStyle/>
           <a:p>
             <a:r>
-              <a:rPr lang="de-DE" err="1"/>
-              <a:t>How</a:t>
-            </a:r>
-            <a:r>
-              <a:rPr lang="de-DE"/>
-              <a:t> </a:t>
-            </a:r>
-            <a:r>
-              <a:rPr lang="de-DE" err="1"/>
-              <a:t>it</a:t>
-            </a:r>
-            <a:r>
-              <a:rPr lang="de-DE"/>
-              <a:t> </a:t>
-            </a:r>
-            <a:r>
-              <a:rPr lang="de-DE" err="1"/>
-              <a:t>works</a:t>
-            </a:r>
-            <a:r>
-              <a:rPr lang="de-DE"/>
-              <a:t>: Setting </a:t>
-            </a:r>
-            <a:r>
-              <a:rPr lang="de-DE" err="1"/>
-              <a:t>up</a:t>
-            </a:r>
-            <a:r>
-              <a:rPr lang="de-DE"/>
-              <a:t> </a:t>
-            </a:r>
-            <a:r>
-              <a:rPr lang="de-DE" err="1"/>
-              <a:t>Constraints</a:t>
-            </a:r>
-            <a:endParaRPr lang="de-DE"/>
+              <a:rPr lang="de-DE" dirty="0"/>
+              <a:t>Hard Margin: </a:t>
+            </a:r>
+            <a:r>
+              <a:rPr lang="en-GB" dirty="0"/>
+              <a:t>maximize</a:t>
+            </a:r>
+            <a:r>
+              <a:rPr lang="de-DE" dirty="0"/>
+              <a:t> Margin Width</a:t>
+            </a:r>
+            <a:endParaRPr lang="en-GB" dirty="0"/>
           </a:p>
         </p:txBody>
       </p:sp>
@@ -8866,42 +9059,17 @@
           <a:lstStyle/>
           <a:p>
             <a:r>
-              <a:rPr lang="de-DE" err="1"/>
-              <a:t>How</a:t>
-            </a:r>
-            <a:r>
-              <a:rPr lang="de-DE"/>
-              <a:t> </a:t>
-            </a:r>
-            <a:r>
-              <a:rPr lang="de-DE" err="1"/>
-              <a:t>it</a:t>
-            </a:r>
-            <a:r>
-              <a:rPr lang="de-DE"/>
-              <a:t> </a:t>
-            </a:r>
-            <a:r>
-              <a:rPr lang="de-DE" err="1"/>
-              <a:t>works</a:t>
-            </a:r>
-            <a:r>
-              <a:rPr lang="de-DE"/>
-              <a:t>: Setting </a:t>
-            </a:r>
-            <a:r>
-              <a:rPr lang="de-DE" err="1"/>
-              <a:t>up</a:t>
-            </a:r>
-            <a:r>
-              <a:rPr lang="de-DE"/>
-              <a:t> </a:t>
-            </a:r>
-            <a:r>
-              <a:rPr lang="de-DE" err="1"/>
-              <a:t>Constraints</a:t>
-            </a:r>
-            <a:endParaRPr lang="de-DE"/>
+              <a:rPr lang="de-DE" dirty="0"/>
+              <a:t>Hard Margin: </a:t>
+            </a:r>
+            <a:r>
+              <a:rPr lang="en-GB" dirty="0"/>
+              <a:t>maximize</a:t>
+            </a:r>
+            <a:r>
+              <a:rPr lang="de-DE" dirty="0"/>
+              <a:t> Margin Width</a:t>
+            </a:r>
           </a:p>
         </p:txBody>
       </p:sp>
@@ -8981,6 +9149,26 @@
 <file path=ppt/tags/tag10.xml><?xml version="1.0" encoding="utf-8"?>
 <p:tagLst xmlns:a="http://schemas.openxmlformats.org/drawingml/2006/main" xmlns:r="http://schemas.openxmlformats.org/officeDocument/2006/relationships" xmlns:p="http://schemas.openxmlformats.org/presentationml/2006/main">
   <p:tag name="OUTPUTDPI" val="1200"/>
+  <p:tag name="ORIGINALHEIGHT" val="1846,758"/>
+  <p:tag name="ORIGINALWIDTH" val="4084,32"/>
+  <p:tag name="OUTPUTTYPE" val="PNG"/>
+  <p:tag name="IGUANATEXVERSION" val="161"/>
+  <p:tag name="LATEXADDIN" val="\documentclass[20pt]{article}&#10;\usepackage{amsmath,amsfonts,amssymb,xcolor, mathtools}&#10;\pagestyle{empty}&#10;\usepackage[T1]{fontenc}&#10;\usepackage{fontspec}&#10;\setsansfont{Arial}&#10;\renewcommand\familydefault{\sfdefault}&#10;\begin{document}&#10;\begin{itemize}&#10;\item if data are not linearly seperable or outliers heavily effect the decision boundary&#10;\item solution: introduce an error term or &quot;slack variable&quot; $\varepsilon_i\ge 0$ for the constraint \newline $y_i(\beta \cdot \overline{x}_i-\beta_0)&gt;1- \varepsilon_i$&#10;\begin{itemize}&#10;\item enables some $\overline{x}_i$ to lay on the wrong side of the gutter &#10;\item Problem: choose $\varepsilon$ to be arbitrary Large and it always fullfills the constraint&#10;\item Solution regularization of $\varepsilon$ with tuning parameter $C$ so to minimize\vspace{0.2cm}\newline&#10;$C \sum_{i=1}^{n} \varepsilon_i$&#10;\end{itemize}&#10;\end{itemize}&#10;\end{document}"/>
+  <p:tag name="IGUANATEXSIZE" val="18"/>
+  <p:tag name="IGUANATEXCURSOR" val="333"/>
+  <p:tag name="TRANSPARENCY" val="Wahr"/>
+  <p:tag name="LATEXENGINEID" val="2"/>
+  <p:tag name="TEMPFOLDER" val="c:\temp\"/>
+  <p:tag name="LATEXFORMHEIGHT" val="320"/>
+  <p:tag name="LATEXFORMWIDTH" val="385"/>
+  <p:tag name="LATEXFORMWRAP" val="Wahr"/>
+  <p:tag name="BITMAPVECTOR" val="0"/>
+</p:tagLst>
+</file>
+
+<file path=ppt/tags/tag11.xml><?xml version="1.0" encoding="utf-8"?>
+<p:tagLst xmlns:a="http://schemas.openxmlformats.org/drawingml/2006/main" xmlns:r="http://schemas.openxmlformats.org/officeDocument/2006/relationships" xmlns:p="http://schemas.openxmlformats.org/presentationml/2006/main">
+  <p:tag name="OUTPUTDPI" val="1200"/>
   <p:tag name="ORIGINALHEIGHT" val="1946,522"/>
   <p:tag name="ORIGINALWIDTH" val="4256,844"/>
   <p:tag name="OUTPUTTYPE" val="PNG"/>
@@ -8998,7 +9186,7 @@
 </p:tagLst>
 </file>
 
-<file path=ppt/tags/tag11.xml><?xml version="1.0" encoding="utf-8"?>
+<file path=ppt/tags/tag12.xml><?xml version="1.0" encoding="utf-8"?>
 <p:tagLst xmlns:a="http://schemas.openxmlformats.org/drawingml/2006/main" xmlns:r="http://schemas.openxmlformats.org/officeDocument/2006/relationships" xmlns:p="http://schemas.openxmlformats.org/presentationml/2006/main">
   <p:tag name="OUTPUTDPI" val="1200"/>
   <p:tag name="ORIGINALHEIGHT" val="1627,727"/>
@@ -9018,7 +9206,7 @@
 </p:tagLst>
 </file>
 
-<file path=ppt/tags/tag12.xml><?xml version="1.0" encoding="utf-8"?>
+<file path=ppt/tags/tag13.xml><?xml version="1.0" encoding="utf-8"?>
 <p:tagLst xmlns:a="http://schemas.openxmlformats.org/drawingml/2006/main" xmlns:r="http://schemas.openxmlformats.org/officeDocument/2006/relationships" xmlns:p="http://schemas.openxmlformats.org/presentationml/2006/main">
   <p:tag name="OUTPUTDPI" val="1200"/>
   <p:tag name="ORIGINALHEIGHT" val="915,1277"/>
@@ -9038,7 +9226,7 @@
 </p:tagLst>
 </file>
 
-<file path=ppt/tags/tag13.xml><?xml version="1.0" encoding="utf-8"?>
+<file path=ppt/tags/tag14.xml><?xml version="1.0" encoding="utf-8"?>
 <p:tagLst xmlns:a="http://schemas.openxmlformats.org/drawingml/2006/main" xmlns:r="http://schemas.openxmlformats.org/officeDocument/2006/relationships" xmlns:p="http://schemas.openxmlformats.org/presentationml/2006/main">
   <p:tag name="OUTPUTDPI" val="1200"/>
   <p:tag name="ORIGINALHEIGHT" val="1623,977"/>
@@ -9058,7 +9246,7 @@
 </p:tagLst>
 </file>
 
-<file path=ppt/tags/tag14.xml><?xml version="1.0" encoding="utf-8"?>
+<file path=ppt/tags/tag15.xml><?xml version="1.0" encoding="utf-8"?>
 <p:tagLst xmlns:a="http://schemas.openxmlformats.org/drawingml/2006/main" xmlns:r="http://schemas.openxmlformats.org/officeDocument/2006/relationships" xmlns:p="http://schemas.openxmlformats.org/presentationml/2006/main">
   <p:tag name="OUTPUTDPI" val="1200"/>
   <p:tag name="ORIGINALHEIGHT" val="492,8187"/>
@@ -9078,7 +9266,7 @@
 </p:tagLst>
 </file>
 
-<file path=ppt/tags/tag15.xml><?xml version="1.0" encoding="utf-8"?>
+<file path=ppt/tags/tag16.xml><?xml version="1.0" encoding="utf-8"?>
 <p:tagLst xmlns:a="http://schemas.openxmlformats.org/drawingml/2006/main" xmlns:r="http://schemas.openxmlformats.org/officeDocument/2006/relationships" xmlns:p="http://schemas.openxmlformats.org/presentationml/2006/main">
   <p:tag name="OUTPUTDPI" val="1200"/>
   <p:tag name="ORIGINALHEIGHT" val="995,3889"/>
@@ -9098,7 +9286,27 @@
 </p:tagLst>
 </file>
 
-<file path=ppt/tags/tag16.xml><?xml version="1.0" encoding="utf-8"?>
+<file path=ppt/tags/tag17.xml><?xml version="1.0" encoding="utf-8"?>
+<p:tagLst xmlns:a="http://schemas.openxmlformats.org/drawingml/2006/main" xmlns:r="http://schemas.openxmlformats.org/officeDocument/2006/relationships" xmlns:p="http://schemas.openxmlformats.org/presentationml/2006/main">
+  <p:tag name="OUTPUTDPI" val="1200"/>
+  <p:tag name="ORIGINALHEIGHT" val="2007,28"/>
+  <p:tag name="ORIGINALWIDTH" val="5454,011"/>
+  <p:tag name="OUTPUTTYPE" val="PNG"/>
+  <p:tag name="IGUANATEXVERSION" val="161"/>
+  <p:tag name="LATEXADDIN" val="\documentclass[20pt]{article}&#10;\usepackage{amsmath,amsfonts,amssymb,xcolor, mathtools}&#10;\pagestyle{empty}&#10;\usepackage{booktabs}&#10;\usepackage{enumitem}&#10; \usepackage{multirow}&#10;\usepackage{longtable}&#10;\usepackage{xcolor}&#10;\definecolor{darkgreen}{RGB}{101,178,56}&#10;\usepackage{graphicx}&#10;\usepackage{parskip}&#10;\usepackage[T1]{fontenc}&#10;\usepackage{fontspec}&#10;\setsansfont{Arial}&#10;\renewcommand\familydefault{\sfdefault}&#10;\begin{document}&#10;\begin{center}&#10;\begin{longtable}{ll|lll|}&#10; \cline{3-5}&#10; &amp;             &amp; \multicolumn{3}{c|}{DGP}                                            \\ \cline{3-5} &#10; \endfirsthead&#10; %&#10; \endhead&#10; %&#10; &amp;             &amp; \multicolumn{1}{l|}{linear} &amp; \multicolumn{1}{l|}{polynomial} &amp; radial \\ \hline&#10; \multicolumn{1}{|l|}{\multirow{3}{*}{\rotatebox{90}{Dimensionality}}} &amp; $p \ll n$  &amp; \multicolumn{1}{l|}{\parbox{4cm}{\begin{itemize}[label=-,topsep=0cm,leftmargin=0.3cm,itemsep=0cm,parsep=0cm]&#10;   \item SVM-Linear \textcolor{darkgreen}{\scalebox{1}{$\uparrow$}}&#10;   \item SVM-Polynomial \textcolor{darkgreen}{\scalebox{0.5}{$\uparrow$}}&#10;   \item SVM-Radial \textcolor{darkgreen}{\scalebox{0.5}{$\uparrow$}}&#10;   \item Logistic Regression \textcolor{red}{\scalebox{0.5}{$\downarrow$}}&#10; \end{itemize}}}  &amp; \multicolumn{1}{l|}{\parbox{4cm}{\begin{itemize}[label=-,topsep=0cm,leftmargin=0.3cm,itemsep=0cm,parsep=0cm]&#10; \item SVM-Linear \textcolor{darkgreen}{\scalebox{0.5}{$\uparrow$}}&#10; \item SVM-Polynomial \textcolor{darkgreen}{\scalebox{1}{$\uparrow$}}&#10; \item SVM-Radial \textcolor{darkgreen}{\scalebox{0.5}{$\uparrow$}}&#10; \item Logistic Regression \textcolor{red}{\scalebox{0.5}{$\downarrow$}}&#10;\end{itemize}}}   &amp; \parbox{4cm}{\begin{itemize}[label=-,topsep=0cm,leftmargin=0.3cm,itemsep=0cm,parsep=0cm]&#10;\item SVM-Linear \textcolor{darkgreen}{\scalebox{0.5}{$\uparrow$}}&#10;\item SVM-Polynomial \textcolor{darkgreen}{\scalebox{0.5}{$\uparrow$}}&#10;\item SVM-Radial \textcolor{darkgreen}{\scalebox{1}{$\uparrow$}}&#10;\item Logistic Regression \textcolor{red}{\scalebox{0.5}{$\downarrow$}}&#10;\end{itemize}}  \\ \cline{2-5} &#10; \multicolumn{1}{|l|}{}                                &amp; $p \approx n$  &amp; \multicolumn{1}{l|}{\parbox{4cm}{\begin{itemize}[label=-,topsep=0cm,leftmargin=0.3cm,itemsep=0cm,parsep=0cm]&#10;    \item SVM-Linear&#10;    \item SVM-Polynomial&#10;    \item SVM-Radial&#10;    \item Logistic Regression&#10; \end{itemize}}}  &amp; \multicolumn{1}{l|}{\parbox{4cm}{\begin{itemize}[label=-,topsep=0cm,leftmargin=0.3cm,itemsep=0cm,parsep=0cm]&#10; \item SVM-Linear&#10; \item SVM-Polynomial&#10; \item SVM-Radial&#10; \item Logistic Regression&#10;\end{itemize}}}   &amp; \parbox{4cm}{\begin{itemize}[label=-,topsep=0cm,leftmargin=0.3cm,itemsep=0cm,parsep=0cm]&#10;\item SVM-Linear&#10;\item SVM-Polynomial&#10;\item SVM-Radial&#10;\item Logistic Regression&#10;\end{itemize}}  \\ \cline{2-5} &#10; \multicolumn{1}{|l|}{}                                &amp; $p \gg n$ &amp; \multicolumn{1}{l|}{\parbox{4cm}{\begin{itemize}[label=-,topsep=0cm,leftmargin=0.3cm,itemsep=0cm,parsep=0cm]&#10;    \item SVM-Linear&#10;    \item SVM-Polynomial&#10;    \item SVM-Radial&#10;    \item Logistic Regression&#10; \end{itemize}}}  &amp; \multicolumn{1}{l|}{\parbox{4cm}{\begin{itemize}[label=-,topsep=0cm,leftmargin=0.3cm,itemsep=0cm,parsep=0cm]&#10; \item SVM-Linear&#10; \item SVM-Polynomial&#10; \item SVM-Radial&#10; \item Logistic Regression&#10;\end{itemize}}}   &amp; \parbox{4cm}{\begin{itemize}[label=-,topsep=0cm,leftmargin=0.3cm,itemsep=0cm,parsep=0cm]&#10;\item SVM-Linear&#10;\item SVM-Polynomial&#10;\item SVM-Radial&#10;\item Logistic Regression&#10;\end{itemize}} \\ \hline&#10;\end{longtable}&#10;\end{center}&#10;\end{document}"/>
+  <p:tag name="IGUANATEXSIZE" val="18"/>
+  <p:tag name="IGUANATEXCURSOR" val="193"/>
+  <p:tag name="TRANSPARENCY" val="Wahr"/>
+  <p:tag name="LATEXENGINEID" val="3"/>
+  <p:tag name="TEMPFOLDER" val="E:\Dokumente\temp\"/>
+  <p:tag name="LATEXFORMHEIGHT" val="320"/>
+  <p:tag name="LATEXFORMWIDTH" val="385"/>
+  <p:tag name="LATEXFORMWRAP" val="Wahr"/>
+  <p:tag name="BITMAPVECTOR" val="0"/>
+</p:tagLst>
+</file>
+
+<file path=ppt/tags/tag18.xml><?xml version="1.0" encoding="utf-8"?>
 <p:tagLst xmlns:a="http://schemas.openxmlformats.org/drawingml/2006/main" xmlns:r="http://schemas.openxmlformats.org/officeDocument/2006/relationships" xmlns:p="http://schemas.openxmlformats.org/presentationml/2006/main">
   <p:tag name="OUTPUTDPI" val="1200"/>
   <p:tag name="ORIGINALHEIGHT" val="2007,28"/>
@@ -9125,12 +9333,12 @@
   <p:tag name="ORIGINALWIDTH" val="2310,323"/>
   <p:tag name="OUTPUTTYPE" val="PNG"/>
   <p:tag name="IGUANATEXVERSION" val="161"/>
-  <p:tag name="LATEXADDIN" val="\documentclass[20pt]{article}&#10;\usepackage{amsmath,amsfonts,amssymb,xcolor, mathtools}&#10;\pagestyle{empty}&#10;\usepackage[T1]{fontenc}&#10;\usepackage{fontspec}&#10;\setsansfont{Arial}&#10;\renewcommand\familydefault{\sfdefault}&#10;\begin{document}&#10;\begin{itemize}&#10;\item the two gutters around the boundary \newline are defined by $\beta \cdot \overline{x}+\beta_0=1$ and \newline$ \beta \cdot \overline{x}+\beta_0=-1$&#10;&#10;\item seperate \textcolor{red}{positive}($\beta \cdot \overline{x}+\beta_0\ge 1$)\newline from \textcolor{green}{negative} ($\beta \cdot \overline{x}+\beta_0\le -1$) samples&#10;\item distance between the gutters\newline$\rightarrow$ width that is to be maximized&#10;\end{itemize}&#10;&#10;\end{document}"/>
+  <p:tag name="LATEXADDIN" val="\documentclass[20pt]{article}&#10;\usepackage{amsmath,amsfonts,amssymb,xcolor, mathtools}&#10;\pagestyle{empty}&#10;\usepackage[T1]{fontenc}&#10;\usepackage{fontspec}&#10;\setsansfont{Arial}&#10;\renewcommand\familydefault{\sfdefault}&#10;\begin{document}&#10;\begin{itemize}&#10;\item the two gutters around the boundary \newline are defined by $\beta \cdot \overline{x}+\beta_0=1$ and \newline$ \beta \cdot \overline{x}+\beta_0=-1$&#10;&#10;\item seperate \textcolor{green}{positive}($\beta \cdot \overline{x}+\beta_0\ge 1$)\newline from \textcolor{red}{negative} ($\beta \cdot \overline{x}+\beta_0\le -1$) samples&#10;\item distance between the gutters\newline$\rightarrow$ width that is to be maximized&#10;\end{itemize}&#10;&#10;\end{document}"/>
   <p:tag name="IGUANATEXSIZE" val="18"/>
-  <p:tag name="IGUANATEXCURSOR" val="465"/>
+  <p:tag name="IGUANATEXCURSOR" val="510"/>
   <p:tag name="TRANSPARENCY" val="Wahr"/>
   <p:tag name="LATEXENGINEID" val="2"/>
-  <p:tag name="TEMPFOLDER" val="E:\Dokumente\temp\"/>
+  <p:tag name="TEMPFOLDER" val="c:\temp\"/>
   <p:tag name="LATEXFORMHEIGHT" val="320"/>
   <p:tag name="LATEXFORMWIDTH" val="385"/>
   <p:tag name="LATEXFORMWRAP" val="Wahr"/>
@@ -9221,6 +9429,26 @@
 <file path=ppt/tags/tag7.xml><?xml version="1.0" encoding="utf-8"?>
 <p:tagLst xmlns:a="http://schemas.openxmlformats.org/drawingml/2006/main" xmlns:r="http://schemas.openxmlformats.org/officeDocument/2006/relationships" xmlns:p="http://schemas.openxmlformats.org/presentationml/2006/main">
   <p:tag name="OUTPUTDPI" val="1200"/>
+  <p:tag name="ORIGINALHEIGHT" val="915,1277"/>
+  <p:tag name="ORIGINALWIDTH" val="4085,82"/>
+  <p:tag name="OUTPUTTYPE" val="PNG"/>
+  <p:tag name="IGUANATEXVERSION" val="161"/>
+  <p:tag name="LATEXADDIN" val="\documentclass[20pt]{article}&#10;\usepackage{amsmath,amsfonts,amssymb,xcolor, mathtools}&#10;\pagestyle{empty}&#10;\usepackage[T1]{fontenc}&#10;\usepackage{fontspec}&#10;\setsansfont{Arial}&#10;\renewcommand\familydefault{\sfdefault}&#10;\begin{document}&#10;\begin{itemize}&#10;\item minimization with constraints $\rightarrow$ Lagrange Multipliers\newline&#10;$\mathcal{L}(\beta,\beta_0,\alpha)=\frac{1}{2}\beta ' \beta-\sum \alpha_i[y_i(\beta \cdot \overline{x_i}+\beta_0)-1]$&#10;\item after solving and rearranging this can be efficiently solved by a quadratic program&#10;\item only the support vectors will have non zero $\alpha$'s&#10;\end{itemize}&#10;\end{document}"/>
+  <p:tag name="IGUANATEXSIZE" val="18"/>
+  <p:tag name="IGUANATEXCURSOR" val="582"/>
+  <p:tag name="TRANSPARENCY" val="Wahr"/>
+  <p:tag name="LATEXENGINEID" val="2"/>
+  <p:tag name="TEMPFOLDER" val="c:\temp\"/>
+  <p:tag name="LATEXFORMHEIGHT" val="320"/>
+  <p:tag name="LATEXFORMWIDTH" val="385"/>
+  <p:tag name="LATEXFORMWRAP" val="Wahr"/>
+  <p:tag name="BITMAPVECTOR" val="0"/>
+</p:tagLst>
+</file>
+
+<file path=ppt/tags/tag8.xml><?xml version="1.0" encoding="utf-8"?>
+<p:tagLst xmlns:a="http://schemas.openxmlformats.org/drawingml/2006/main" xmlns:r="http://schemas.openxmlformats.org/officeDocument/2006/relationships" xmlns:p="http://schemas.openxmlformats.org/presentationml/2006/main">
+  <p:tag name="OUTPUTDPI" val="1200"/>
   <p:tag name="ORIGINALHEIGHT" val="1057,648"/>
   <p:tag name="ORIGINALWIDTH" val="3932,049"/>
   <p:tag name="OUTPUTTYPE" val="PNG"/>
@@ -9238,39 +9466,19 @@
 </p:tagLst>
 </file>
 
-<file path=ppt/tags/tag8.xml><?xml version="1.0" encoding="utf-8"?>
+<file path=ppt/tags/tag9.xml><?xml version="1.0" encoding="utf-8"?>
 <p:tagLst xmlns:a="http://schemas.openxmlformats.org/drawingml/2006/main" xmlns:r="http://schemas.openxmlformats.org/officeDocument/2006/relationships" xmlns:p="http://schemas.openxmlformats.org/presentationml/2006/main">
   <p:tag name="OUTPUTDPI" val="1200"/>
   <p:tag name="ORIGINALHEIGHT" val="1468,705"/>
   <p:tag name="ORIGINALWIDTH" val="3456,482"/>
   <p:tag name="OUTPUTTYPE" val="PNG"/>
   <p:tag name="IGUANATEXVERSION" val="161"/>
-  <p:tag name="LATEXADDIN" val="\documentclass[20pt]{article}&#10;\usepackage{amsmath,amsfonts,amssymb,xcolor, mathtools}&#10;\pagestyle{empty}&#10;\usepackage[T1]{fontenc}&#10;\usepackage{fontspec}&#10;\setsansfont{Arial}&#10;\renewcommand\familydefault{\sfdefault}&#10;\begin{document}&#10;\begin{itemize}&#10;\item derive $\beta$ with the new $\alpha$'s&#10;\newline$\beta=\sum \alpha_ iy_i \overline{x_i}$&#10;\item solve for $\beta_0$ with a support vector $\overline{x}_s$ for which we know holds \newline $\beta \cdot\overline{x}_s+\beta_0=y_{x_s}$ therefore $\beta_0=y_{x_s}-\beta \cdot \overline{x}_s$&#10;\item for a new $k$-dimensional vector $\overline{u}$ the decision function is \newline&#10;$f(\overline{u})=\beta \cdot \overline{u}+\beta_0$&#10;\item if $f(\overline{u})&gt;0 \rightarrow u$ is a \textcolor{red}{positive} sample\newline &#10;if $f(\overline{u})&lt;0 \rightarrow u$ is a \textcolor{green}{negative} sample\newline &#10;&#10;\end{itemize}&#10;\end{document}"/>
+  <p:tag name="LATEXADDIN" val="\documentclass[20pt]{article}&#10;\usepackage{amsmath,amsfonts,amssymb,xcolor, mathtools}&#10;\pagestyle{empty}&#10;\usepackage[T1]{fontenc}&#10;\usepackage{fontspec}&#10;\setsansfont{Arial}&#10;\renewcommand\familydefault{\sfdefault}&#10;\begin{document}&#10;\begin{itemize}&#10;\item derive $\beta$ with the new $\alpha$'s&#10;\newline$\beta=\sum \alpha_ iy_i \overline{x_i}$&#10;\item solve for $\beta_0$ with a support vector $\overline{x}_s$ for which we know holds \newline $\beta \cdot\overline{x}_s+\beta_0=y_{x_s}$ therefore $\beta_0=y_{x_s}-\beta \cdot \overline{x}_s$&#10;\item for a new $k$-dimensional vector $\overline{u}$ the decision function is \newline&#10;$f(\overline{u})=\beta \cdot \overline{u}+\beta_0$&#10;\item if $f(\overline{u})&gt;0 \rightarrow u$ is a \textcolor{green}{positive} sample\newline &#10;if $f(\overline{u})&lt;0 \rightarrow u$ is a \textcolor{red}{negative} sample\newline &#10;&#10;\end{itemize}&#10;\end{document}"/>
   <p:tag name="IGUANATEXSIZE" val="18"/>
-  <p:tag name="IGUANATEXCURSOR" val="832"/>
+  <p:tag name="IGUANATEXCURSOR" val="738"/>
   <p:tag name="TRANSPARENCY" val="Wahr"/>
   <p:tag name="LATEXENGINEID" val="2"/>
-  <p:tag name="TEMPFOLDER" val="E:\Dokumente\temp\"/>
-  <p:tag name="LATEXFORMHEIGHT" val="320"/>
-  <p:tag name="LATEXFORMWIDTH" val="385"/>
-  <p:tag name="LATEXFORMWRAP" val="Wahr"/>
-  <p:tag name="BITMAPVECTOR" val="0"/>
-</p:tagLst>
-</file>
-
-<file path=ppt/tags/tag9.xml><?xml version="1.0" encoding="utf-8"?>
-<p:tagLst xmlns:a="http://schemas.openxmlformats.org/drawingml/2006/main" xmlns:r="http://schemas.openxmlformats.org/officeDocument/2006/relationships" xmlns:p="http://schemas.openxmlformats.org/presentationml/2006/main">
-  <p:tag name="OUTPUTDPI" val="1200"/>
-  <p:tag name="ORIGINALHEIGHT" val="1696,737"/>
-  <p:tag name="ORIGINALWIDTH" val="4084,32"/>
-  <p:tag name="OUTPUTTYPE" val="PNG"/>
-  <p:tag name="IGUANATEXVERSION" val="161"/>
-  <p:tag name="LATEXADDIN" val="\documentclass[20pt]{article}&#10;\usepackage{amsmath,amsfonts,amssymb,xcolor, mathtools}&#10;\pagestyle{empty}&#10;\usepackage[T1]{fontenc}&#10;\usepackage{fontspec}&#10;\setsansfont{Arial}&#10;\renewcommand\familydefault{\sfdefault}&#10;\begin{document}&#10;\begin{itemize}&#10;\item if data are not linearly seperable there is no optimal $\alpha$ to be found&#10;\item solution: introduce an error term or &quot;slack variable&quot; $\varepsilon_i\ge 0$ for the constraint \newline $y_i(\beta \cdot \overline{x}_i-\beta_0)&gt;1- \varepsilon_i$&#10;\begin{itemize}&#10;\item enables some $\overline{x}_i$ to lay on the wrong side of the gutter &#10;\item Problem: choose $\varepsilon$ to be arbitrary Large and it always fullfills the constraint&#10;\item Solution regularization of $\varepsilon$ with tuning parameter $C$ so to minimize\vspace{0.2cm}\newline&#10;$C \sum_{i=1}^{n} \varepsilon_i$&#10;\end{itemize}&#10;\end{itemize}&#10;\end{document}"/>
-  <p:tag name="IGUANATEXSIZE" val="18"/>
-  <p:tag name="IGUANATEXCURSOR" val="825"/>
-  <p:tag name="TRANSPARENCY" val="Wahr"/>
-  <p:tag name="LATEXENGINEID" val="2"/>
-  <p:tag name="TEMPFOLDER" val="E:\Dokumente\temp\"/>
+  <p:tag name="TEMPFOLDER" val="c:\temp\"/>
   <p:tag name="LATEXFORMHEIGHT" val="320"/>
   <p:tag name="LATEXFORMWIDTH" val="385"/>
   <p:tag name="LATEXFORMWRAP" val="Wahr"/>

--- a/Präsentation/Support Vector Machines.pptx
+++ b/Präsentation/Support Vector Machines.pptx
@@ -5,36 +5,34 @@
     <p:sldMasterId id="2147483648" r:id="rId1"/>
   </p:sldMasterIdLst>
   <p:notesMasterIdLst>
-    <p:notesMasterId r:id="rId29"/>
+    <p:notesMasterId r:id="rId27"/>
   </p:notesMasterIdLst>
   <p:sldIdLst>
     <p:sldId id="256" r:id="rId2"/>
     <p:sldId id="257" r:id="rId3"/>
     <p:sldId id="258" r:id="rId4"/>
-    <p:sldId id="259" r:id="rId5"/>
-    <p:sldId id="268" r:id="rId6"/>
-    <p:sldId id="269" r:id="rId7"/>
-    <p:sldId id="270" r:id="rId8"/>
-    <p:sldId id="271" r:id="rId9"/>
-    <p:sldId id="273" r:id="rId10"/>
-    <p:sldId id="274" r:id="rId11"/>
-    <p:sldId id="284" r:id="rId12"/>
-    <p:sldId id="275" r:id="rId13"/>
-    <p:sldId id="276" r:id="rId14"/>
-    <p:sldId id="277" r:id="rId15"/>
-    <p:sldId id="278" r:id="rId16"/>
-    <p:sldId id="279" r:id="rId17"/>
-    <p:sldId id="280" r:id="rId18"/>
-    <p:sldId id="281" r:id="rId19"/>
-    <p:sldId id="282" r:id="rId20"/>
-    <p:sldId id="265" r:id="rId21"/>
-    <p:sldId id="283" r:id="rId22"/>
-    <p:sldId id="285" r:id="rId23"/>
-    <p:sldId id="286" r:id="rId24"/>
-    <p:sldId id="261" r:id="rId25"/>
-    <p:sldId id="267" r:id="rId26"/>
-    <p:sldId id="262" r:id="rId27"/>
-    <p:sldId id="263" r:id="rId28"/>
+    <p:sldId id="268" r:id="rId5"/>
+    <p:sldId id="269" r:id="rId6"/>
+    <p:sldId id="270" r:id="rId7"/>
+    <p:sldId id="271" r:id="rId8"/>
+    <p:sldId id="273" r:id="rId9"/>
+    <p:sldId id="284" r:id="rId10"/>
+    <p:sldId id="277" r:id="rId11"/>
+    <p:sldId id="280" r:id="rId12"/>
+    <p:sldId id="281" r:id="rId13"/>
+    <p:sldId id="265" r:id="rId14"/>
+    <p:sldId id="287" r:id="rId15"/>
+    <p:sldId id="289" r:id="rId16"/>
+    <p:sldId id="290" r:id="rId17"/>
+    <p:sldId id="283" r:id="rId18"/>
+    <p:sldId id="263" r:id="rId19"/>
+    <p:sldId id="279" r:id="rId20"/>
+    <p:sldId id="278" r:id="rId21"/>
+    <p:sldId id="282" r:id="rId22"/>
+    <p:sldId id="275" r:id="rId23"/>
+    <p:sldId id="274" r:id="rId24"/>
+    <p:sldId id="276" r:id="rId25"/>
+    <p:sldId id="259" r:id="rId26"/>
   </p:sldIdLst>
   <p:sldSz cx="9144000" cy="5143500" type="screen16x9"/>
   <p:notesSz cx="6797675" cy="9926638"/>
@@ -5522,7 +5520,7 @@
 </file>
 
 <file path=ppt/slides/slide10.xml><?xml version="1.0" encoding="utf-8"?>
-<p:sld xmlns:a="http://schemas.openxmlformats.org/drawingml/2006/main" xmlns:r="http://schemas.openxmlformats.org/officeDocument/2006/relationships" xmlns:p="http://schemas.openxmlformats.org/presentationml/2006/main" show="0">
+<p:sld xmlns:a="http://schemas.openxmlformats.org/drawingml/2006/main" xmlns:r="http://schemas.openxmlformats.org/officeDocument/2006/relationships" xmlns:p="http://schemas.openxmlformats.org/presentationml/2006/main">
   <p:cSld>
     <p:spTree>
       <p:nvGrpSpPr>
@@ -5560,51 +5558,18 @@
           <a:lstStyle/>
           <a:p>
             <a:r>
-              <a:rPr lang="de-DE" err="1"/>
-              <a:t>How</a:t>
-            </a:r>
-            <a:r>
-              <a:rPr lang="de-DE"/>
-              <a:t> </a:t>
-            </a:r>
-            <a:r>
-              <a:rPr lang="de-DE" err="1"/>
-              <a:t>it</a:t>
-            </a:r>
-            <a:r>
-              <a:rPr lang="de-DE"/>
-              <a:t> </a:t>
-            </a:r>
-            <a:r>
-              <a:rPr lang="de-DE" err="1"/>
-              <a:t>works</a:t>
-            </a:r>
-            <a:r>
-              <a:rPr lang="de-DE"/>
-              <a:t>: </a:t>
-            </a:r>
-            <a:r>
-              <a:rPr lang="de-DE" err="1"/>
-              <a:t>Maximization</a:t>
-            </a:r>
-            <a:r>
-              <a:rPr lang="de-DE"/>
-              <a:t> </a:t>
-            </a:r>
-            <a:r>
-              <a:rPr lang="de-DE" err="1"/>
-              <a:t>Process</a:t>
-            </a:r>
-            <a:endParaRPr lang="de-DE"/>
+              <a:rPr lang="de-DE" dirty="0"/>
+              <a:t>2.2. Soft Margin</a:t>
+            </a:r>
           </a:p>
         </p:txBody>
       </p:sp>
       <p:pic>
         <p:nvPicPr>
-          <p:cNvPr id="7" name="Grafik 6" descr="\documentclass[20pt]{article}&#10;\usepackage{amsmath,amsfonts,amssymb,xcolor, mathtools}&#10;\pagestyle{empty}&#10;\usepackage[T1]{fontenc}&#10;\usepackage{fontspec}&#10;\setsansfont{Arial}&#10;\renewcommand\familydefault{\sfdefault}&#10;\begin{document}&#10;\begin{itemize}&#10;\item minimization with constraints $\rightarrow$ Lagrange Multipliers\newline&#10;$\mathcal{L}(\beta,\beta_0,\alpha)=\frac{1}{2}\beta ' \beta-\sum \alpha_i[y_i(\beta \cdot \overline{x_i}+\beta_0)-1]$&#10;\item derive with respect to $\beta$  and set to zero\newline&#10;$\frac{\partial \mathcal{L}}{\partial \beta}=\beta-\sum \alpha_i y_i \overline{x_i}\overset{!}{=}0 \Rightarrow \beta=\sum \alpha_i y_i \overline{x_i} $&#10;\item derive with respect to $\beta_0$ and set to zero&#10;\newline $\frac{\partial \mathcal{L}}{\partial \beta_0}=\sum \alpha_i y_i \overline{x_i}\overset{!}{=}0$&#10;\end{itemize}&#10;\end{document}" title="IguanaTex Picture Display">
+          <p:cNvPr id="4" name="Grafik 3" descr="\documentclass[20pt]{article}&#10;\usepackage{amsmath,amsfonts,amssymb,xcolor, mathtools}&#10;\pagestyle{empty}&#10;\usepackage[T1]{fontenc}&#10;\usepackage{fontspec}&#10;\setsansfont{Arial}&#10;\renewcommand\familydefault{\sfdefault}&#10;\begin{document}&#10;\begin{itemize}&#10;\item if data are not linearly seperable or outliers heavily effect the decision boundary&#10;\item solution: introduce an error term or &quot;slack variable&quot; $\varepsilon_i\ge 0$ for the constraint \newline $y_i(\beta \cdot \overline{x}_i-\beta_0)&gt;1- \varepsilon_i$&#10;\begin{itemize}&#10;\item enables some $\overline{x}_i$ to lay on the wrong side of the gutter &#10;\item Problem: choose $\varepsilon$ to be arbitrary Large and it always fullfills the constraint&#10;\item Solution regularization of $\varepsilon$ with tuning parameter $C$ so to minimize\vspace{0.2cm}\newline&#10;$C \sum_{i=1}^{n} \varepsilon_i$&#10;\end{itemize}&#10;\end{itemize}&#10;\end{document}" title="IguanaTex Picture Display">
             <a:extLst>
               <a:ext uri="{FF2B5EF4-FFF2-40B4-BE49-F238E27FC236}">
-                <a16:creationId xmlns:a16="http://schemas.microsoft.com/office/drawing/2014/main" id="{22C4004F-E7DB-AC41-4BE7-3DEEFFE9D32B}"/>
+                <a16:creationId xmlns:a16="http://schemas.microsoft.com/office/drawing/2014/main" id="{42FDEEBD-7FEA-2EA0-CE9A-F7A2BF3E1156}"/>
               </a:ext>
             </a:extLst>
           </p:cNvPr>
@@ -5631,8 +5596,8 @@
         </p:blipFill>
         <p:spPr>
           <a:xfrm>
-            <a:off x="683576" y="1419624"/>
-            <a:ext cx="5488600" cy="2212675"/>
+            <a:off x="539553" y="993800"/>
+            <a:ext cx="7493143" cy="3591982"/>
           </a:xfrm>
           <a:prstGeom prst="rect">
             <a:avLst/>
@@ -5642,7 +5607,7 @@
     </p:spTree>
     <p:extLst>
       <p:ext uri="{BB962C8B-B14F-4D97-AF65-F5344CB8AC3E}">
-        <p14:creationId xmlns:p14="http://schemas.microsoft.com/office/powerpoint/2010/main" val="681638969"/>
+        <p14:creationId xmlns:p14="http://schemas.microsoft.com/office/powerpoint/2010/main" val="2505140050"/>
       </p:ext>
     </p:extLst>
   </p:cSld>
@@ -5692,684 +5657,7 @@
           <a:p>
             <a:r>
               <a:rPr lang="de-DE" dirty="0"/>
-              <a:t>Hard Margin: </a:t>
-            </a:r>
-            <a:r>
-              <a:rPr lang="en-GB" dirty="0"/>
-              <a:t>maximize</a:t>
-            </a:r>
-            <a:r>
-              <a:rPr lang="de-DE" dirty="0"/>
-              <a:t> Margin Width</a:t>
-            </a:r>
-          </a:p>
-        </p:txBody>
-      </p:sp>
-      <p:pic>
-        <p:nvPicPr>
-          <p:cNvPr id="9" name="Grafik 8" descr="\documentclass[20pt]{article}&#10;\usepackage{amsmath,amsfonts,amssymb,xcolor, mathtools}&#10;\pagestyle{empty}&#10;\usepackage[T1]{fontenc}&#10;\usepackage{fontspec}&#10;\setsansfont{Arial}&#10;\renewcommand\familydefault{\sfdefault}&#10;\begin{document}&#10;\begin{itemize}&#10;\item minimization with constraints $\rightarrow$ Lagrange Multipliers\newline&#10;$\mathcal{L}(\beta,\beta_0,\alpha)=\frac{1}{2}\beta ' \beta-\sum \alpha_i[y_i(\beta \cdot \overline{x_i}+\beta_0)-1]$&#10;\item after solving and rearranging this can be efficiently solved by a quadratic program&#10;\item only the support vectors will have non zero $\alpha$'s&#10;\end{itemize}&#10;\end{document}" title="IguanaTex Picture Display">
-            <a:extLst>
-              <a:ext uri="{FF2B5EF4-FFF2-40B4-BE49-F238E27FC236}">
-                <a16:creationId xmlns:a16="http://schemas.microsoft.com/office/drawing/2014/main" id="{AE37E502-E42A-55BD-D926-C8643B1C4A06}"/>
-              </a:ext>
-            </a:extLst>
-          </p:cNvPr>
-          <p:cNvPicPr>
-            <a:picLocks noChangeAspect="1"/>
-          </p:cNvPicPr>
-          <p:nvPr>
-            <p:custDataLst>
-              <p:tags r:id="rId1"/>
-            </p:custDataLst>
-          </p:nvPr>
-        </p:nvPicPr>
-        <p:blipFill>
-          <a:blip r:embed="rId3">
-            <a:extLst>
-              <a:ext uri="{28A0092B-C50C-407E-A947-70E740481C1C}">
-                <a14:useLocalDpi xmlns:a14="http://schemas.microsoft.com/office/drawing/2010/main" val="0"/>
-              </a:ext>
-            </a:extLst>
-          </a:blip>
-          <a:stretch>
-            <a:fillRect/>
-          </a:stretch>
-        </p:blipFill>
-        <p:spPr>
-          <a:xfrm>
-            <a:off x="683577" y="1419622"/>
-            <a:ext cx="7485632" cy="1746730"/>
-          </a:xfrm>
-          <a:prstGeom prst="rect">
-            <a:avLst/>
-          </a:prstGeom>
-        </p:spPr>
-      </p:pic>
-    </p:spTree>
-    <p:extLst>
-      <p:ext uri="{BB962C8B-B14F-4D97-AF65-F5344CB8AC3E}">
-        <p14:creationId xmlns:p14="http://schemas.microsoft.com/office/powerpoint/2010/main" val="2028229908"/>
-      </p:ext>
-    </p:extLst>
-  </p:cSld>
-  <p:clrMapOvr>
-    <a:masterClrMapping/>
-  </p:clrMapOvr>
-</p:sld>
-</file>
-
-<file path=ppt/slides/slide12.xml><?xml version="1.0" encoding="utf-8"?>
-<p:sld xmlns:a="http://schemas.openxmlformats.org/drawingml/2006/main" xmlns:r="http://schemas.openxmlformats.org/officeDocument/2006/relationships" xmlns:p="http://schemas.openxmlformats.org/presentationml/2006/main" show="0">
-  <p:cSld>
-    <p:spTree>
-      <p:nvGrpSpPr>
-        <p:cNvPr id="1" name=""/>
-        <p:cNvGrpSpPr/>
-        <p:nvPr/>
-      </p:nvGrpSpPr>
-      <p:grpSpPr>
-        <a:xfrm>
-          <a:off x="0" y="0"/>
-          <a:ext cx="0" cy="0"/>
-          <a:chOff x="0" y="0"/>
-          <a:chExt cx="0" cy="0"/>
-        </a:xfrm>
-      </p:grpSpPr>
-      <p:sp>
-        <p:nvSpPr>
-          <p:cNvPr id="2" name="Titel 1">
-            <a:extLst>
-              <a:ext uri="{FF2B5EF4-FFF2-40B4-BE49-F238E27FC236}">
-                <a16:creationId xmlns:a16="http://schemas.microsoft.com/office/drawing/2014/main" id="{388F7BA3-B785-BDE2-BAC6-74C1F53E9285}"/>
-              </a:ext>
-            </a:extLst>
-          </p:cNvPr>
-          <p:cNvSpPr>
-            <a:spLocks noGrp="1"/>
-          </p:cNvSpPr>
-          <p:nvPr>
-            <p:ph type="title"/>
-          </p:nvPr>
-        </p:nvSpPr>
-        <p:spPr/>
-        <p:txBody>
-          <a:bodyPr/>
-          <a:lstStyle/>
-          <a:p>
-            <a:r>
-              <a:rPr lang="de-DE" err="1"/>
-              <a:t>How</a:t>
-            </a:r>
-            <a:r>
-              <a:rPr lang="de-DE"/>
-              <a:t> </a:t>
-            </a:r>
-            <a:r>
-              <a:rPr lang="de-DE" err="1"/>
-              <a:t>it</a:t>
-            </a:r>
-            <a:r>
-              <a:rPr lang="de-DE"/>
-              <a:t> </a:t>
-            </a:r>
-            <a:r>
-              <a:rPr lang="de-DE" err="1"/>
-              <a:t>works</a:t>
-            </a:r>
-            <a:r>
-              <a:rPr lang="de-DE"/>
-              <a:t>: </a:t>
-            </a:r>
-            <a:r>
-              <a:rPr lang="de-DE" err="1"/>
-              <a:t>Maximization</a:t>
-            </a:r>
-            <a:r>
-              <a:rPr lang="de-DE"/>
-              <a:t> </a:t>
-            </a:r>
-            <a:r>
-              <a:rPr lang="de-DE" err="1"/>
-              <a:t>Process</a:t>
-            </a:r>
-            <a:endParaRPr lang="de-DE"/>
-          </a:p>
-        </p:txBody>
-      </p:sp>
-      <p:pic>
-        <p:nvPicPr>
-          <p:cNvPr id="6" name="Grafik 5" descr="\documentclass[20pt]{article}&#10;\usepackage{amsmath,amsfonts,amssymb,xcolor, mathtools}&#10;\pagestyle{empty}&#10;\usepackage[T1]{fontenc}&#10;\usepackage{fontspec}&#10;\setsansfont{Arial}&#10;\renewcommand\familydefault{\sfdefault}&#10;\begin{document}&#10;\begin{itemize}&#10;\item imputing the results in the optimization formula and rearranging yields &#10;&#10;$$min(\mathcal{L})=-\frac{1}{2}\sum \sum \alpha_i \alpha_j y_i y_j \overline{x}_i \cdot \overline{x}_j+\sum \alpha_i$$&#10;\item can be solved efficiently by quadratic program&#10;\item many of the $\alpha$'s will be zero exept for the support vectors &#10;\end{itemize}&#10;\end{document}" title="IguanaTex Picture Display">
-            <a:extLst>
-              <a:ext uri="{FF2B5EF4-FFF2-40B4-BE49-F238E27FC236}">
-                <a16:creationId xmlns:a16="http://schemas.microsoft.com/office/drawing/2014/main" id="{4DABAEED-54C0-1DB8-60D7-0D2E67F1CD6C}"/>
-              </a:ext>
-            </a:extLst>
-          </p:cNvPr>
-          <p:cNvPicPr>
-            <a:picLocks noChangeAspect="1"/>
-          </p:cNvPicPr>
-          <p:nvPr>
-            <p:custDataLst>
-              <p:tags r:id="rId1"/>
-            </p:custDataLst>
-          </p:nvPr>
-        </p:nvPicPr>
-        <p:blipFill>
-          <a:blip r:embed="rId3">
-            <a:extLst>
-              <a:ext uri="{28A0092B-C50C-407E-A947-70E740481C1C}">
-                <a14:useLocalDpi xmlns:a14="http://schemas.microsoft.com/office/drawing/2010/main" val="0"/>
-              </a:ext>
-            </a:extLst>
-          </a:blip>
-          <a:stretch>
-            <a:fillRect/>
-          </a:stretch>
-        </p:blipFill>
-        <p:spPr>
-          <a:xfrm>
-            <a:off x="683568" y="1419624"/>
-            <a:ext cx="7195852" cy="2036518"/>
-          </a:xfrm>
-          <a:prstGeom prst="rect">
-            <a:avLst/>
-          </a:prstGeom>
-        </p:spPr>
-      </p:pic>
-    </p:spTree>
-    <p:extLst>
-      <p:ext uri="{BB962C8B-B14F-4D97-AF65-F5344CB8AC3E}">
-        <p14:creationId xmlns:p14="http://schemas.microsoft.com/office/powerpoint/2010/main" val="2071963807"/>
-      </p:ext>
-    </p:extLst>
-  </p:cSld>
-  <p:clrMapOvr>
-    <a:masterClrMapping/>
-  </p:clrMapOvr>
-</p:sld>
-</file>
-
-<file path=ppt/slides/slide13.xml><?xml version="1.0" encoding="utf-8"?>
-<p:sld xmlns:a="http://schemas.openxmlformats.org/drawingml/2006/main" xmlns:r="http://schemas.openxmlformats.org/officeDocument/2006/relationships" xmlns:p="http://schemas.openxmlformats.org/presentationml/2006/main">
-  <p:cSld>
-    <p:spTree>
-      <p:nvGrpSpPr>
-        <p:cNvPr id="1" name=""/>
-        <p:cNvGrpSpPr/>
-        <p:nvPr/>
-      </p:nvGrpSpPr>
-      <p:grpSpPr>
-        <a:xfrm>
-          <a:off x="0" y="0"/>
-          <a:ext cx="0" cy="0"/>
-          <a:chOff x="0" y="0"/>
-          <a:chExt cx="0" cy="0"/>
-        </a:xfrm>
-      </p:grpSpPr>
-      <p:sp>
-        <p:nvSpPr>
-          <p:cNvPr id="2" name="Titel 1">
-            <a:extLst>
-              <a:ext uri="{FF2B5EF4-FFF2-40B4-BE49-F238E27FC236}">
-                <a16:creationId xmlns:a16="http://schemas.microsoft.com/office/drawing/2014/main" id="{388F7BA3-B785-BDE2-BAC6-74C1F53E9285}"/>
-              </a:ext>
-            </a:extLst>
-          </p:cNvPr>
-          <p:cNvSpPr>
-            <a:spLocks noGrp="1"/>
-          </p:cNvSpPr>
-          <p:nvPr>
-            <p:ph type="title"/>
-          </p:nvPr>
-        </p:nvSpPr>
-        <p:spPr/>
-        <p:txBody>
-          <a:bodyPr/>
-          <a:lstStyle/>
-          <a:p>
-            <a:r>
-              <a:rPr lang="de-DE" dirty="0"/>
-              <a:t>Hard Margin: </a:t>
-            </a:r>
-            <a:r>
-              <a:rPr lang="de-DE" dirty="0" err="1"/>
-              <a:t>Decision</a:t>
-            </a:r>
-            <a:r>
-              <a:rPr lang="de-DE" dirty="0"/>
-              <a:t> Rule</a:t>
-            </a:r>
-          </a:p>
-        </p:txBody>
-      </p:sp>
-      <p:pic>
-        <p:nvPicPr>
-          <p:cNvPr id="4" name="Grafik 3" descr="\documentclass[20pt]{article}&#10;\usepackage{amsmath,amsfonts,amssymb,xcolor, mathtools}&#10;\pagestyle{empty}&#10;\usepackage[T1]{fontenc}&#10;\usepackage{fontspec}&#10;\setsansfont{Arial}&#10;\renewcommand\familydefault{\sfdefault}&#10;\begin{document}&#10;\begin{itemize}&#10;\item derive $\beta$ with the new $\alpha$'s&#10;\newline$\beta=\sum \alpha_ iy_i \overline{x_i}$&#10;\item solve for $\beta_0$ with a support vector $\overline{x}_s$ for which we know holds \newline $\beta \cdot\overline{x}_s+\beta_0=y_{x_s}$ therefore $\beta_0=y_{x_s}-\beta \cdot \overline{x}_s$&#10;\item for a new $k$-dimensional vector $\overline{u}$ the decision function is \newline&#10;$f(\overline{u})=\beta \cdot \overline{u}+\beta_0$&#10;\item if $f(\overline{u})&gt;0 \rightarrow u$ is a \textcolor{green}{positive} sample\newline &#10;if $f(\overline{u})&lt;0 \rightarrow u$ is a \textcolor{red}{negative} sample\newline &#10;&#10;\end{itemize}&#10;\end{document}" title="IguanaTex Picture Display">
-            <a:extLst>
-              <a:ext uri="{FF2B5EF4-FFF2-40B4-BE49-F238E27FC236}">
-                <a16:creationId xmlns:a16="http://schemas.microsoft.com/office/drawing/2014/main" id="{A13AAF83-61A6-EE21-2E98-99E26700E36C}"/>
-              </a:ext>
-            </a:extLst>
-          </p:cNvPr>
-          <p:cNvPicPr>
-            <a:picLocks noChangeAspect="1"/>
-          </p:cNvPicPr>
-          <p:nvPr>
-            <p:custDataLst>
-              <p:tags r:id="rId1"/>
-            </p:custDataLst>
-          </p:nvPr>
-        </p:nvPicPr>
-        <p:blipFill>
-          <a:blip r:embed="rId3">
-            <a:extLst>
-              <a:ext uri="{28A0092B-C50C-407E-A947-70E740481C1C}">
-                <a14:useLocalDpi xmlns:a14="http://schemas.microsoft.com/office/drawing/2010/main" val="0"/>
-              </a:ext>
-            </a:extLst>
-          </a:blip>
-          <a:stretch>
-            <a:fillRect/>
-          </a:stretch>
-        </p:blipFill>
-        <p:spPr>
-          <a:xfrm>
-            <a:off x="683573" y="1419623"/>
-            <a:ext cx="6334971" cy="2828417"/>
-          </a:xfrm>
-          <a:prstGeom prst="rect">
-            <a:avLst/>
-          </a:prstGeom>
-        </p:spPr>
-      </p:pic>
-    </p:spTree>
-    <p:extLst>
-      <p:ext uri="{BB962C8B-B14F-4D97-AF65-F5344CB8AC3E}">
-        <p14:creationId xmlns:p14="http://schemas.microsoft.com/office/powerpoint/2010/main" val="3663614039"/>
-      </p:ext>
-    </p:extLst>
-  </p:cSld>
-  <p:clrMapOvr>
-    <a:masterClrMapping/>
-  </p:clrMapOvr>
-</p:sld>
-</file>
-
-<file path=ppt/slides/slide14.xml><?xml version="1.0" encoding="utf-8"?>
-<p:sld xmlns:a="http://schemas.openxmlformats.org/drawingml/2006/main" xmlns:r="http://schemas.openxmlformats.org/officeDocument/2006/relationships" xmlns:p="http://schemas.openxmlformats.org/presentationml/2006/main">
-  <p:cSld>
-    <p:spTree>
-      <p:nvGrpSpPr>
-        <p:cNvPr id="1" name=""/>
-        <p:cNvGrpSpPr/>
-        <p:nvPr/>
-      </p:nvGrpSpPr>
-      <p:grpSpPr>
-        <a:xfrm>
-          <a:off x="0" y="0"/>
-          <a:ext cx="0" cy="0"/>
-          <a:chOff x="0" y="0"/>
-          <a:chExt cx="0" cy="0"/>
-        </a:xfrm>
-      </p:grpSpPr>
-      <p:sp>
-        <p:nvSpPr>
-          <p:cNvPr id="2" name="Titel 1">
-            <a:extLst>
-              <a:ext uri="{FF2B5EF4-FFF2-40B4-BE49-F238E27FC236}">
-                <a16:creationId xmlns:a16="http://schemas.microsoft.com/office/drawing/2014/main" id="{388F7BA3-B785-BDE2-BAC6-74C1F53E9285}"/>
-              </a:ext>
-            </a:extLst>
-          </p:cNvPr>
-          <p:cNvSpPr>
-            <a:spLocks noGrp="1"/>
-          </p:cNvSpPr>
-          <p:nvPr>
-            <p:ph type="title"/>
-          </p:nvPr>
-        </p:nvSpPr>
-        <p:spPr/>
-        <p:txBody>
-          <a:bodyPr/>
-          <a:lstStyle/>
-          <a:p>
-            <a:r>
-              <a:rPr lang="de-DE" dirty="0"/>
-              <a:t>Soft Margin</a:t>
-            </a:r>
-          </a:p>
-        </p:txBody>
-      </p:sp>
-      <p:pic>
-        <p:nvPicPr>
-          <p:cNvPr id="4" name="Grafik 3" descr="\documentclass[20pt]{article}&#10;\usepackage{amsmath,amsfonts,amssymb,xcolor, mathtools}&#10;\pagestyle{empty}&#10;\usepackage[T1]{fontenc}&#10;\usepackage{fontspec}&#10;\setsansfont{Arial}&#10;\renewcommand\familydefault{\sfdefault}&#10;\begin{document}&#10;\begin{itemize}&#10;\item if data are not linearly seperable or outliers heavily effect the decision boundary&#10;\item solution: introduce an error term or &quot;slack variable&quot; $\varepsilon_i\ge 0$ for the constraint \newline $y_i(\beta \cdot \overline{x}_i-\beta_0)&gt;1- \varepsilon_i$&#10;\begin{itemize}&#10;\item enables some $\overline{x}_i$ to lay on the wrong side of the gutter &#10;\item Problem: choose $\varepsilon$ to be arbitrary Large and it always fullfills the constraint&#10;\item Solution regularization of $\varepsilon$ with tuning parameter $C$ so to minimize\vspace{0.2cm}\newline&#10;$C \sum_{i=1}^{n} \varepsilon_i$&#10;\end{itemize}&#10;\end{itemize}&#10;\end{document}" title="IguanaTex Picture Display">
-            <a:extLst>
-              <a:ext uri="{FF2B5EF4-FFF2-40B4-BE49-F238E27FC236}">
-                <a16:creationId xmlns:a16="http://schemas.microsoft.com/office/drawing/2014/main" id="{42FDEEBD-7FEA-2EA0-CE9A-F7A2BF3E1156}"/>
-              </a:ext>
-            </a:extLst>
-          </p:cNvPr>
-          <p:cNvPicPr>
-            <a:picLocks noChangeAspect="1"/>
-          </p:cNvPicPr>
-          <p:nvPr>
-            <p:custDataLst>
-              <p:tags r:id="rId1"/>
-            </p:custDataLst>
-          </p:nvPr>
-        </p:nvPicPr>
-        <p:blipFill>
-          <a:blip r:embed="rId3">
-            <a:extLst>
-              <a:ext uri="{28A0092B-C50C-407E-A947-70E740481C1C}">
-                <a14:useLocalDpi xmlns:a14="http://schemas.microsoft.com/office/drawing/2010/main" val="0"/>
-              </a:ext>
-            </a:extLst>
-          </a:blip>
-          <a:stretch>
-            <a:fillRect/>
-          </a:stretch>
-        </p:blipFill>
-        <p:spPr>
-          <a:xfrm>
-            <a:off x="539553" y="993800"/>
-            <a:ext cx="7493143" cy="3591982"/>
-          </a:xfrm>
-          <a:prstGeom prst="rect">
-            <a:avLst/>
-          </a:prstGeom>
-        </p:spPr>
-      </p:pic>
-    </p:spTree>
-    <p:extLst>
-      <p:ext uri="{BB962C8B-B14F-4D97-AF65-F5344CB8AC3E}">
-        <p14:creationId xmlns:p14="http://schemas.microsoft.com/office/powerpoint/2010/main" val="2505140050"/>
-      </p:ext>
-    </p:extLst>
-  </p:cSld>
-  <p:clrMapOvr>
-    <a:masterClrMapping/>
-  </p:clrMapOvr>
-</p:sld>
-</file>
-
-<file path=ppt/slides/slide15.xml><?xml version="1.0" encoding="utf-8"?>
-<p:sld xmlns:a="http://schemas.openxmlformats.org/drawingml/2006/main" xmlns:r="http://schemas.openxmlformats.org/officeDocument/2006/relationships" xmlns:p="http://schemas.openxmlformats.org/presentationml/2006/main" show="0">
-  <p:cSld>
-    <p:spTree>
-      <p:nvGrpSpPr>
-        <p:cNvPr id="1" name=""/>
-        <p:cNvGrpSpPr/>
-        <p:nvPr/>
-      </p:nvGrpSpPr>
-      <p:grpSpPr>
-        <a:xfrm>
-          <a:off x="0" y="0"/>
-          <a:ext cx="0" cy="0"/>
-          <a:chOff x="0" y="0"/>
-          <a:chExt cx="0" cy="0"/>
-        </a:xfrm>
-      </p:grpSpPr>
-      <p:sp>
-        <p:nvSpPr>
-          <p:cNvPr id="2" name="Titel 1">
-            <a:extLst>
-              <a:ext uri="{FF2B5EF4-FFF2-40B4-BE49-F238E27FC236}">
-                <a16:creationId xmlns:a16="http://schemas.microsoft.com/office/drawing/2014/main" id="{388F7BA3-B785-BDE2-BAC6-74C1F53E9285}"/>
-              </a:ext>
-            </a:extLst>
-          </p:cNvPr>
-          <p:cNvSpPr>
-            <a:spLocks noGrp="1"/>
-          </p:cNvSpPr>
-          <p:nvPr>
-            <p:ph type="title"/>
-          </p:nvPr>
-        </p:nvSpPr>
-        <p:spPr/>
-        <p:txBody>
-          <a:bodyPr/>
-          <a:lstStyle/>
-          <a:p>
-            <a:r>
-              <a:rPr lang="de-DE" err="1"/>
-              <a:t>How</a:t>
-            </a:r>
-            <a:r>
-              <a:rPr lang="de-DE"/>
-              <a:t> </a:t>
-            </a:r>
-            <a:r>
-              <a:rPr lang="de-DE" err="1"/>
-              <a:t>it</a:t>
-            </a:r>
-            <a:r>
-              <a:rPr lang="de-DE"/>
-              <a:t> </a:t>
-            </a:r>
-            <a:r>
-              <a:rPr lang="de-DE" err="1"/>
-              <a:t>works</a:t>
-            </a:r>
-            <a:r>
-              <a:rPr lang="de-DE"/>
-              <a:t>: Soft Margin</a:t>
-            </a:r>
-          </a:p>
-        </p:txBody>
-      </p:sp>
-      <p:pic>
-        <p:nvPicPr>
-          <p:cNvPr id="6" name="Grafik 5" descr="\documentclass[20pt]{article}&#10;\usepackage{amsmath,amsfonts,amssymb,xcolor, mathtools}&#10;\pagestyle{empty}&#10;\usepackage[T1]{fontenc}&#10;\usepackage{fontspec}&#10;\setsansfont{Arial}&#10;\renewcommand\familydefault{\sfdefault}&#10;\begin{document}&#10;\begin{itemize}&#10;\item new Lagrangian to solve\vspace{0.2cm}\newline&#10;$\mathcal{L}(\beta,\beta_0,\alpha,\varepsilon,\lambda)=\frac{1}{2}\beta\cdot \beta + C \sum_{i=1}^{n}\varepsilon_i-\underbrace{\sum \alpha_i[y_i(\beta \cdot \overline{x_i}+\beta_0)-1+\varepsilon_i]}_{\text{ensures }y_i(\beta \cdot \overline{x}_i-\beta_0)&gt;1- \varepsilon_i}-\underbrace{\sum \lambda_i \varepsilon_i }_{\substack{\text{ensures}\\ \varepsilon_i \ge 0}}$&#10;\item derive with respect to $\beta$  and set to zero\newline&#10;$\frac{\partial \mathcal{L}}{\partial \beta}=\beta-\sum \alpha_i y_i \overline{x_i}\overset{!}{=}0 \Rightarrow \beta=\sum \alpha_i y_i \overline{x_i} $&#10;\item derive with respect to $\beta_0$ and set to zero&#10;\newline $\frac{\partial \mathcal{L}}{\partial \beta_0}=\sum \alpha_i y_i \overline{x_i}\overset{!}{=}0$&#10;\item derive with respect to $\varepsilon_i$\newline&#10;$\frac{\partial \mathcal{L}}{\partial \varepsilon_i}=C-\alpha_i-\lambda_i\overset{!}{=}0\Leftrightarrow \lambda_i=C-\alpha_i$&#10;\end{itemize}&#10;\end{document}" title="IguanaTex Picture Display">
-            <a:extLst>
-              <a:ext uri="{FF2B5EF4-FFF2-40B4-BE49-F238E27FC236}">
-                <a16:creationId xmlns:a16="http://schemas.microsoft.com/office/drawing/2014/main" id="{F557EF5B-A3FE-833B-A1A2-46C8E870CB92}"/>
-              </a:ext>
-            </a:extLst>
-          </p:cNvPr>
-          <p:cNvPicPr>
-            <a:picLocks noChangeAspect="1"/>
-          </p:cNvPicPr>
-          <p:nvPr>
-            <p:custDataLst>
-              <p:tags r:id="rId1"/>
-            </p:custDataLst>
-          </p:nvPr>
-        </p:nvPicPr>
-        <p:blipFill>
-          <a:blip r:embed="rId3">
-            <a:extLst>
-              <a:ext uri="{28A0092B-C50C-407E-A947-70E740481C1C}">
-                <a14:useLocalDpi xmlns:a14="http://schemas.microsoft.com/office/drawing/2010/main" val="0"/>
-              </a:ext>
-            </a:extLst>
-          </a:blip>
-          <a:stretch>
-            <a:fillRect/>
-          </a:stretch>
-        </p:blipFill>
-        <p:spPr>
-          <a:xfrm>
-            <a:off x="539552" y="843558"/>
-            <a:ext cx="7822866" cy="3797646"/>
-          </a:xfrm>
-          <a:prstGeom prst="rect">
-            <a:avLst/>
-          </a:prstGeom>
-        </p:spPr>
-      </p:pic>
-    </p:spTree>
-    <p:extLst>
-      <p:ext uri="{BB962C8B-B14F-4D97-AF65-F5344CB8AC3E}">
-        <p14:creationId xmlns:p14="http://schemas.microsoft.com/office/powerpoint/2010/main" val="3845371581"/>
-      </p:ext>
-    </p:extLst>
-  </p:cSld>
-  <p:clrMapOvr>
-    <a:masterClrMapping/>
-  </p:clrMapOvr>
-</p:sld>
-</file>
-
-<file path=ppt/slides/slide16.xml><?xml version="1.0" encoding="utf-8"?>
-<p:sld xmlns:a="http://schemas.openxmlformats.org/drawingml/2006/main" xmlns:r="http://schemas.openxmlformats.org/officeDocument/2006/relationships" xmlns:p="http://schemas.openxmlformats.org/presentationml/2006/main" show="0">
-  <p:cSld>
-    <p:spTree>
-      <p:nvGrpSpPr>
-        <p:cNvPr id="1" name=""/>
-        <p:cNvGrpSpPr/>
-        <p:nvPr/>
-      </p:nvGrpSpPr>
-      <p:grpSpPr>
-        <a:xfrm>
-          <a:off x="0" y="0"/>
-          <a:ext cx="0" cy="0"/>
-          <a:chOff x="0" y="0"/>
-          <a:chExt cx="0" cy="0"/>
-        </a:xfrm>
-      </p:grpSpPr>
-      <p:sp>
-        <p:nvSpPr>
-          <p:cNvPr id="2" name="Titel 1">
-            <a:extLst>
-              <a:ext uri="{FF2B5EF4-FFF2-40B4-BE49-F238E27FC236}">
-                <a16:creationId xmlns:a16="http://schemas.microsoft.com/office/drawing/2014/main" id="{388F7BA3-B785-BDE2-BAC6-74C1F53E9285}"/>
-              </a:ext>
-            </a:extLst>
-          </p:cNvPr>
-          <p:cNvSpPr>
-            <a:spLocks noGrp="1"/>
-          </p:cNvSpPr>
-          <p:nvPr>
-            <p:ph type="title"/>
-          </p:nvPr>
-        </p:nvSpPr>
-        <p:spPr/>
-        <p:txBody>
-          <a:bodyPr/>
-          <a:lstStyle/>
-          <a:p>
-            <a:r>
-              <a:rPr lang="de-DE" err="1"/>
-              <a:t>How</a:t>
-            </a:r>
-            <a:r>
-              <a:rPr lang="de-DE"/>
-              <a:t> </a:t>
-            </a:r>
-            <a:r>
-              <a:rPr lang="de-DE" err="1"/>
-              <a:t>it</a:t>
-            </a:r>
-            <a:r>
-              <a:rPr lang="de-DE"/>
-              <a:t> </a:t>
-            </a:r>
-            <a:r>
-              <a:rPr lang="de-DE" err="1"/>
-              <a:t>works</a:t>
-            </a:r>
-            <a:r>
-              <a:rPr lang="de-DE"/>
-              <a:t>: Soft Margin</a:t>
-            </a:r>
-          </a:p>
-        </p:txBody>
-      </p:sp>
-      <p:pic>
-        <p:nvPicPr>
-          <p:cNvPr id="11" name="Grafik 10" descr="\documentclass[20pt]{article}&#10;\usepackage{amsmath,amsfonts,amssymb,xcolor, mathtools}&#10;\pagestyle{empty}&#10;\usepackage[T1]{fontenc}&#10;\usepackage{fontspec}&#10;\setsansfont{Arial}&#10;\renewcommand\familydefault{\sfdefault}&#10;\begin{document}&#10;\begin{itemize}&#10;\item imputing the solutions in the original lagrangian and rearranging yields again \newline&#10;$$min(\mathcal{L})=-\frac{1}{2}\sum \sum \alpha_i \alpha_j y_i y_j \overline{x}_i \cdot \overline{x}_j+\sum \alpha_i$$ &#10;but under constraint $0\le \alpha_i \le C$&#10;\item can again be efficiently solved through quadratic programming optimization&#10;\item the decision function works the same way as with the hard margin classifier&#10;\end{itemize}&#10;\end{document}" title="IguanaTex Picture Display">
-            <a:extLst>
-              <a:ext uri="{FF2B5EF4-FFF2-40B4-BE49-F238E27FC236}">
-                <a16:creationId xmlns:a16="http://schemas.microsoft.com/office/drawing/2014/main" id="{49C7F333-D0CF-7EE6-8A8C-382573DE70D5}"/>
-              </a:ext>
-            </a:extLst>
-          </p:cNvPr>
-          <p:cNvPicPr>
-            <a:picLocks noChangeAspect="1"/>
-          </p:cNvPicPr>
-          <p:nvPr>
-            <p:custDataLst>
-              <p:tags r:id="rId1"/>
-            </p:custDataLst>
-          </p:nvPr>
-        </p:nvPicPr>
-        <p:blipFill>
-          <a:blip r:embed="rId3">
-            <a:extLst>
-              <a:ext uri="{28A0092B-C50C-407E-A947-70E740481C1C}">
-                <a14:useLocalDpi xmlns:a14="http://schemas.microsoft.com/office/drawing/2010/main" val="0"/>
-              </a:ext>
-            </a:extLst>
-          </a:blip>
-          <a:stretch>
-            <a:fillRect/>
-          </a:stretch>
-        </p:blipFill>
-        <p:spPr>
-          <a:xfrm>
-            <a:off x="818385" y="1124744"/>
-            <a:ext cx="7507230" cy="3180947"/>
-          </a:xfrm>
-          <a:prstGeom prst="rect">
-            <a:avLst/>
-          </a:prstGeom>
-        </p:spPr>
-      </p:pic>
-    </p:spTree>
-    <p:extLst>
-      <p:ext uri="{BB962C8B-B14F-4D97-AF65-F5344CB8AC3E}">
-        <p14:creationId xmlns:p14="http://schemas.microsoft.com/office/powerpoint/2010/main" val="1632948460"/>
-      </p:ext>
-    </p:extLst>
-  </p:cSld>
-  <p:clrMapOvr>
-    <a:masterClrMapping/>
-  </p:clrMapOvr>
-</p:sld>
-</file>
-
-<file path=ppt/slides/slide17.xml><?xml version="1.0" encoding="utf-8"?>
-<p:sld xmlns:a="http://schemas.openxmlformats.org/drawingml/2006/main" xmlns:r="http://schemas.openxmlformats.org/officeDocument/2006/relationships" xmlns:p="http://schemas.openxmlformats.org/presentationml/2006/main">
-  <p:cSld>
-    <p:spTree>
-      <p:nvGrpSpPr>
-        <p:cNvPr id="1" name=""/>
-        <p:cNvGrpSpPr/>
-        <p:nvPr/>
-      </p:nvGrpSpPr>
-      <p:grpSpPr>
-        <a:xfrm>
-          <a:off x="0" y="0"/>
-          <a:ext cx="0" cy="0"/>
-          <a:chOff x="0" y="0"/>
-          <a:chExt cx="0" cy="0"/>
-        </a:xfrm>
-      </p:grpSpPr>
-      <p:sp>
-        <p:nvSpPr>
-          <p:cNvPr id="2" name="Titel 1">
-            <a:extLst>
-              <a:ext uri="{FF2B5EF4-FFF2-40B4-BE49-F238E27FC236}">
-                <a16:creationId xmlns:a16="http://schemas.microsoft.com/office/drawing/2014/main" id="{388F7BA3-B785-BDE2-BAC6-74C1F53E9285}"/>
-              </a:ext>
-            </a:extLst>
-          </p:cNvPr>
-          <p:cNvSpPr>
-            <a:spLocks noGrp="1"/>
-          </p:cNvSpPr>
-          <p:nvPr>
-            <p:ph type="title"/>
-          </p:nvPr>
-        </p:nvSpPr>
-        <p:spPr/>
-        <p:txBody>
-          <a:bodyPr/>
-          <a:lstStyle/>
-          <a:p>
-            <a:r>
-              <a:rPr lang="de-DE" dirty="0"/>
-              <a:t>Kernel </a:t>
+              <a:t>2.3. Kernel </a:t>
             </a:r>
             <a:r>
               <a:rPr lang="de-DE" dirty="0" err="1"/>
@@ -6468,7 +5756,7 @@
 </p:sld>
 </file>
 
-<file path=ppt/slides/slide18.xml><?xml version="1.0" encoding="utf-8"?>
+<file path=ppt/slides/slide12.xml><?xml version="1.0" encoding="utf-8"?>
 <p:sld xmlns:a="http://schemas.openxmlformats.org/drawingml/2006/main" xmlns:r="http://schemas.openxmlformats.org/officeDocument/2006/relationships" xmlns:p="http://schemas.openxmlformats.org/presentationml/2006/main">
   <p:cSld>
     <p:spTree>
@@ -6508,7 +5796,7 @@
           <a:p>
             <a:r>
               <a:rPr lang="de-DE" dirty="0"/>
-              <a:t>Kernel </a:t>
+              <a:t>2.3. Kernel </a:t>
             </a:r>
             <a:r>
               <a:rPr lang="de-DE" dirty="0" err="1"/>
@@ -6609,6 +5897,1354 @@
 </p:sld>
 </file>
 
+<file path=ppt/slides/slide13.xml><?xml version="1.0" encoding="utf-8"?>
+<p:sld xmlns:a="http://schemas.openxmlformats.org/drawingml/2006/main" xmlns:r="http://schemas.openxmlformats.org/officeDocument/2006/relationships" xmlns:p="http://schemas.openxmlformats.org/presentationml/2006/main">
+  <p:cSld>
+    <p:spTree>
+      <p:nvGrpSpPr>
+        <p:cNvPr id="1" name=""/>
+        <p:cNvGrpSpPr/>
+        <p:nvPr/>
+      </p:nvGrpSpPr>
+      <p:grpSpPr>
+        <a:xfrm>
+          <a:off x="0" y="0"/>
+          <a:ext cx="0" cy="0"/>
+          <a:chOff x="0" y="0"/>
+          <a:chExt cx="0" cy="0"/>
+        </a:xfrm>
+      </p:grpSpPr>
+      <p:sp>
+        <p:nvSpPr>
+          <p:cNvPr id="2" name="Titel 1">
+            <a:extLst>
+              <a:ext uri="{FF2B5EF4-FFF2-40B4-BE49-F238E27FC236}">
+                <a16:creationId xmlns:a16="http://schemas.microsoft.com/office/drawing/2014/main" id="{388F7BA3-B785-BDE2-BAC6-74C1F53E9285}"/>
+              </a:ext>
+            </a:extLst>
+          </p:cNvPr>
+          <p:cNvSpPr>
+            <a:spLocks noGrp="1"/>
+          </p:cNvSpPr>
+          <p:nvPr>
+            <p:ph type="title"/>
+          </p:nvPr>
+        </p:nvSpPr>
+        <p:spPr/>
+        <p:txBody>
+          <a:bodyPr/>
+          <a:lstStyle/>
+          <a:p>
+            <a:r>
+              <a:rPr lang="de-DE" dirty="0"/>
+              <a:t>3. Pros and </a:t>
+            </a:r>
+            <a:r>
+              <a:rPr lang="de-DE" dirty="0" err="1"/>
+              <a:t>Cons</a:t>
+            </a:r>
+            <a:endParaRPr lang="de-DE" dirty="0"/>
+          </a:p>
+        </p:txBody>
+      </p:sp>
+      <p:pic>
+        <p:nvPicPr>
+          <p:cNvPr id="6" name="Grafik 5" descr="\documentclass[20pt]{article}&#10;\usepackage{amsmath,amsfonts,amssymb,xcolor, mathtools}&#10;\pagestyle{empty}&#10;\usepackage{booktabs}&#10;\usepackage{enumitem}&#10;\usepackage{parskip}&#10;\usepackage[T1]{fontenc}&#10;\usepackage{fontspec}&#10;\setsansfont{Arial}&#10;\renewcommand\familydefault{\sfdefault}&#10;\begin{document}&#10;\centering&#10;\begin{tabular}{p{5cm}|p{5cm}}&#10;\textbf{Pros}&amp;\textbf{cons}\\&#10;\hline&#10;\begin{itemize}[topsep=0cm,leftmargin=0.3cm]&#10;\item efficiently classifies in a high dimensional setting ($n\ll p$)&#10;\item risk of overfitting is lower&#10;\item good performance when classes are already very well seperated&#10;\end{itemize}&#10;&amp;&#10;\begin{itemize}[topsep=0cm,leftmargin=0.3cm]&#10;\item heavily relies on the choice of hyperparameters/kernels&#10;\item no interpretability of coefficients&#10;\item with higer sample size the fitting process is computationally more demanding&#10;\end{itemize}&#10;\end{tabular}&#10;\end{document}" title="IguanaTex Picture Display">
+            <a:extLst>
+              <a:ext uri="{FF2B5EF4-FFF2-40B4-BE49-F238E27FC236}">
+                <a16:creationId xmlns:a16="http://schemas.microsoft.com/office/drawing/2014/main" id="{847A66E5-82EB-187F-A593-0AE98557CE21}"/>
+              </a:ext>
+            </a:extLst>
+          </p:cNvPr>
+          <p:cNvPicPr>
+            <a:picLocks noChangeAspect="1"/>
+          </p:cNvPicPr>
+          <p:nvPr>
+            <p:custDataLst>
+              <p:tags r:id="rId1"/>
+            </p:custDataLst>
+          </p:nvPr>
+        </p:nvPicPr>
+        <p:blipFill>
+          <a:blip r:embed="rId3">
+            <a:extLst>
+              <a:ext uri="{28A0092B-C50C-407E-A947-70E740481C1C}">
+                <a14:useLocalDpi xmlns:a14="http://schemas.microsoft.com/office/drawing/2010/main" val="0"/>
+              </a:ext>
+            </a:extLst>
+          </a:blip>
+          <a:stretch>
+            <a:fillRect/>
+          </a:stretch>
+        </p:blipFill>
+        <p:spPr>
+          <a:xfrm>
+            <a:off x="846993" y="1316408"/>
+            <a:ext cx="7060532" cy="2766015"/>
+          </a:xfrm>
+          <a:prstGeom prst="rect">
+            <a:avLst/>
+          </a:prstGeom>
+        </p:spPr>
+      </p:pic>
+    </p:spTree>
+    <p:extLst>
+      <p:ext uri="{BB962C8B-B14F-4D97-AF65-F5344CB8AC3E}">
+        <p14:creationId xmlns:p14="http://schemas.microsoft.com/office/powerpoint/2010/main" val="2939723199"/>
+      </p:ext>
+    </p:extLst>
+  </p:cSld>
+  <p:clrMapOvr>
+    <a:masterClrMapping/>
+  </p:clrMapOvr>
+</p:sld>
+</file>
+
+<file path=ppt/slides/slide14.xml><?xml version="1.0" encoding="utf-8"?>
+<p:sld xmlns:a="http://schemas.openxmlformats.org/drawingml/2006/main" xmlns:r="http://schemas.openxmlformats.org/officeDocument/2006/relationships" xmlns:p="http://schemas.openxmlformats.org/presentationml/2006/main">
+  <p:cSld>
+    <p:spTree>
+      <p:nvGrpSpPr>
+        <p:cNvPr id="1" name=""/>
+        <p:cNvGrpSpPr/>
+        <p:nvPr/>
+      </p:nvGrpSpPr>
+      <p:grpSpPr>
+        <a:xfrm>
+          <a:off x="0" y="0"/>
+          <a:ext cx="0" cy="0"/>
+          <a:chOff x="0" y="0"/>
+          <a:chExt cx="0" cy="0"/>
+        </a:xfrm>
+      </p:grpSpPr>
+      <p:sp>
+        <p:nvSpPr>
+          <p:cNvPr id="2" name="Titel 1">
+            <a:extLst>
+              <a:ext uri="{FF2B5EF4-FFF2-40B4-BE49-F238E27FC236}">
+                <a16:creationId xmlns:a16="http://schemas.microsoft.com/office/drawing/2014/main" id="{9C274E31-D4F7-6C4A-D81C-1BC18A1044AE}"/>
+              </a:ext>
+            </a:extLst>
+          </p:cNvPr>
+          <p:cNvSpPr>
+            <a:spLocks noGrp="1"/>
+          </p:cNvSpPr>
+          <p:nvPr>
+            <p:ph type="title"/>
+          </p:nvPr>
+        </p:nvSpPr>
+        <p:spPr/>
+        <p:txBody>
+          <a:bodyPr/>
+          <a:lstStyle/>
+          <a:p>
+            <a:r>
+              <a:rPr lang="de-DE" dirty="0"/>
+              <a:t>4. Performance Evaluation</a:t>
+            </a:r>
+          </a:p>
+        </p:txBody>
+      </p:sp>
+      <p:sp>
+        <p:nvSpPr>
+          <p:cNvPr id="3" name="Inhaltsplatzhalter 2">
+            <a:extLst>
+              <a:ext uri="{FF2B5EF4-FFF2-40B4-BE49-F238E27FC236}">
+                <a16:creationId xmlns:a16="http://schemas.microsoft.com/office/drawing/2014/main" id="{A6EE175B-F110-2231-4746-FB0A5137CFF3}"/>
+              </a:ext>
+            </a:extLst>
+          </p:cNvPr>
+          <p:cNvSpPr>
+            <a:spLocks noGrp="1"/>
+          </p:cNvSpPr>
+          <p:nvPr>
+            <p:ph idx="1"/>
+          </p:nvPr>
+        </p:nvSpPr>
+        <p:spPr>
+          <a:xfrm>
+            <a:off x="395536" y="1353344"/>
+            <a:ext cx="7344816" cy="3162622"/>
+          </a:xfrm>
+        </p:spPr>
+        <p:txBody>
+          <a:bodyPr/>
+          <a:lstStyle/>
+          <a:p>
+            <a:r>
+              <a:rPr lang="de-DE" sz="1800" dirty="0"/>
+              <a:t>Goal: </a:t>
+            </a:r>
+            <a:r>
+              <a:rPr lang="de-DE" sz="1800" dirty="0" err="1"/>
+              <a:t>evaluate</a:t>
+            </a:r>
+            <a:r>
+              <a:rPr lang="de-DE" sz="1800" dirty="0"/>
+              <a:t> </a:t>
+            </a:r>
+            <a:r>
+              <a:rPr lang="de-DE" sz="1800" dirty="0" err="1"/>
+              <a:t>the</a:t>
+            </a:r>
+            <a:r>
+              <a:rPr lang="de-DE" sz="1800" dirty="0"/>
+              <a:t> </a:t>
+            </a:r>
+            <a:r>
+              <a:rPr lang="de-DE" sz="1800" dirty="0" err="1"/>
+              <a:t>performance</a:t>
+            </a:r>
+            <a:r>
+              <a:rPr lang="de-DE" sz="1800" dirty="0"/>
+              <a:t> </a:t>
+            </a:r>
+            <a:r>
+              <a:rPr lang="de-DE" sz="1800" dirty="0" err="1"/>
+              <a:t>of</a:t>
+            </a:r>
+            <a:r>
+              <a:rPr lang="de-DE" sz="1800" dirty="0"/>
+              <a:t> different SVM </a:t>
+            </a:r>
+            <a:r>
+              <a:rPr lang="de-DE" sz="1800" dirty="0" err="1"/>
+              <a:t>models</a:t>
+            </a:r>
+            <a:r>
+              <a:rPr lang="de-DE" sz="1800" dirty="0"/>
+              <a:t> in different </a:t>
+            </a:r>
+            <a:r>
+              <a:rPr lang="de-DE" sz="1800" dirty="0" err="1"/>
+              <a:t>data</a:t>
+            </a:r>
+            <a:r>
+              <a:rPr lang="de-DE" sz="1800" dirty="0"/>
+              <a:t> </a:t>
+            </a:r>
+            <a:r>
+              <a:rPr lang="de-DE" sz="1800" dirty="0" err="1"/>
+              <a:t>Situations</a:t>
+            </a:r>
+            <a:endParaRPr lang="de-DE" sz="1800" dirty="0"/>
+          </a:p>
+          <a:p>
+            <a:r>
+              <a:rPr lang="de-DE" sz="1800" dirty="0" err="1"/>
+              <a:t>Comparison</a:t>
+            </a:r>
+            <a:r>
+              <a:rPr lang="de-DE" sz="1800" dirty="0"/>
+              <a:t> </a:t>
+            </a:r>
+            <a:r>
+              <a:rPr lang="de-DE" sz="1800" dirty="0" err="1"/>
+              <a:t>with</a:t>
+            </a:r>
+            <a:r>
+              <a:rPr lang="de-DE" sz="1800" dirty="0"/>
+              <a:t> </a:t>
+            </a:r>
+            <a:r>
+              <a:rPr lang="de-DE" sz="1800" dirty="0" err="1"/>
+              <a:t>other</a:t>
+            </a:r>
+            <a:r>
+              <a:rPr lang="de-DE" sz="1800" dirty="0"/>
+              <a:t> </a:t>
+            </a:r>
+            <a:r>
+              <a:rPr lang="de-DE" sz="1800" dirty="0" err="1"/>
+              <a:t>classification</a:t>
+            </a:r>
+            <a:r>
+              <a:rPr lang="de-DE" sz="1800" dirty="0"/>
+              <a:t> Methods</a:t>
+            </a:r>
+          </a:p>
+          <a:p>
+            <a:r>
+              <a:rPr lang="de-DE" sz="1800" dirty="0" err="1"/>
+              <a:t>Simulate</a:t>
+            </a:r>
+            <a:r>
+              <a:rPr lang="de-DE" sz="1800" dirty="0"/>
+              <a:t> </a:t>
+            </a:r>
+            <a:r>
+              <a:rPr lang="de-DE" sz="1800" dirty="0" err="1"/>
+              <a:t>data</a:t>
+            </a:r>
+            <a:r>
+              <a:rPr lang="de-DE" sz="1800" dirty="0"/>
+              <a:t> </a:t>
+            </a:r>
+            <a:r>
+              <a:rPr lang="de-DE" sz="1800" dirty="0" err="1"/>
+              <a:t>with</a:t>
+            </a:r>
+            <a:r>
+              <a:rPr lang="de-DE" sz="1800" dirty="0"/>
+              <a:t> </a:t>
+            </a:r>
+            <a:r>
+              <a:rPr lang="de-DE" sz="1800" dirty="0" err="1"/>
+              <a:t>varying</a:t>
+            </a:r>
+            <a:r>
+              <a:rPr lang="de-DE" sz="1800" dirty="0"/>
+              <a:t> </a:t>
+            </a:r>
+            <a:r>
+              <a:rPr lang="de-DE" sz="1800" dirty="0" err="1"/>
+              <a:t>data</a:t>
+            </a:r>
+            <a:r>
+              <a:rPr lang="de-DE" sz="1800" dirty="0"/>
+              <a:t> </a:t>
+            </a:r>
+            <a:r>
+              <a:rPr lang="de-DE" sz="1800" dirty="0" err="1"/>
+              <a:t>generating</a:t>
+            </a:r>
+            <a:r>
+              <a:rPr lang="de-DE" sz="1800" dirty="0"/>
+              <a:t> </a:t>
+            </a:r>
+            <a:r>
+              <a:rPr lang="de-DE" sz="1800" dirty="0" err="1"/>
+              <a:t>processes</a:t>
+            </a:r>
+            <a:r>
+              <a:rPr lang="de-DE" sz="1800" dirty="0"/>
+              <a:t> and </a:t>
+            </a:r>
+            <a:r>
+              <a:rPr lang="de-DE" sz="1800" dirty="0" err="1"/>
+              <a:t>dimensions</a:t>
+            </a:r>
+            <a:endParaRPr lang="de-DE" sz="1800" dirty="0"/>
+          </a:p>
+          <a:p>
+            <a:r>
+              <a:rPr lang="de-DE" sz="1800" dirty="0" err="1"/>
+              <a:t>Measure</a:t>
+            </a:r>
+            <a:r>
+              <a:rPr lang="de-DE" sz="1800" dirty="0"/>
+              <a:t> </a:t>
+            </a:r>
+            <a:r>
+              <a:rPr lang="de-DE" sz="1800" dirty="0" err="1"/>
+              <a:t>Accuracy</a:t>
+            </a:r>
+            <a:r>
+              <a:rPr lang="de-DE" sz="1800" dirty="0"/>
+              <a:t> and also </a:t>
+            </a:r>
+            <a:r>
+              <a:rPr lang="de-DE" sz="1800" dirty="0" err="1"/>
+              <a:t>benchmarking</a:t>
+            </a:r>
+            <a:r>
+              <a:rPr lang="de-DE" sz="1800" dirty="0"/>
+              <a:t> </a:t>
+            </a:r>
+            <a:r>
+              <a:rPr lang="de-DE" sz="1800" dirty="0" err="1"/>
+              <a:t>results</a:t>
+            </a:r>
+            <a:endParaRPr lang="de-DE" sz="1800" dirty="0"/>
+          </a:p>
+          <a:p>
+            <a:endParaRPr lang="de-DE" sz="1800" dirty="0"/>
+          </a:p>
+          <a:p>
+            <a:pPr marL="0" indent="0">
+              <a:buNone/>
+            </a:pPr>
+            <a:endParaRPr lang="de-DE" sz="1800" dirty="0"/>
+          </a:p>
+          <a:p>
+            <a:pPr marL="0" indent="0">
+              <a:buNone/>
+            </a:pPr>
+            <a:endParaRPr lang="de-DE" sz="1800" dirty="0"/>
+          </a:p>
+        </p:txBody>
+      </p:sp>
+    </p:spTree>
+    <p:extLst>
+      <p:ext uri="{BB962C8B-B14F-4D97-AF65-F5344CB8AC3E}">
+        <p14:creationId xmlns:p14="http://schemas.microsoft.com/office/powerpoint/2010/main" val="2234081951"/>
+      </p:ext>
+    </p:extLst>
+  </p:cSld>
+  <p:clrMapOvr>
+    <a:masterClrMapping/>
+  </p:clrMapOvr>
+</p:sld>
+</file>
+
+<file path=ppt/slides/slide15.xml><?xml version="1.0" encoding="utf-8"?>
+<p:sld xmlns:a="http://schemas.openxmlformats.org/drawingml/2006/main" xmlns:r="http://schemas.openxmlformats.org/officeDocument/2006/relationships" xmlns:p="http://schemas.openxmlformats.org/presentationml/2006/main">
+  <p:cSld>
+    <p:spTree>
+      <p:nvGrpSpPr>
+        <p:cNvPr id="1" name=""/>
+        <p:cNvGrpSpPr/>
+        <p:nvPr/>
+      </p:nvGrpSpPr>
+      <p:grpSpPr>
+        <a:xfrm>
+          <a:off x="0" y="0"/>
+          <a:ext cx="0" cy="0"/>
+          <a:chOff x="0" y="0"/>
+          <a:chExt cx="0" cy="0"/>
+        </a:xfrm>
+      </p:grpSpPr>
+      <p:sp>
+        <p:nvSpPr>
+          <p:cNvPr id="2" name="Titel 1">
+            <a:extLst>
+              <a:ext uri="{FF2B5EF4-FFF2-40B4-BE49-F238E27FC236}">
+                <a16:creationId xmlns:a16="http://schemas.microsoft.com/office/drawing/2014/main" id="{9C274E31-D4F7-6C4A-D81C-1BC18A1044AE}"/>
+              </a:ext>
+            </a:extLst>
+          </p:cNvPr>
+          <p:cNvSpPr>
+            <a:spLocks noGrp="1"/>
+          </p:cNvSpPr>
+          <p:nvPr>
+            <p:ph type="title"/>
+          </p:nvPr>
+        </p:nvSpPr>
+        <p:spPr/>
+        <p:txBody>
+          <a:bodyPr/>
+          <a:lstStyle/>
+          <a:p>
+            <a:r>
+              <a:rPr lang="de-DE" dirty="0"/>
+              <a:t>5. </a:t>
+            </a:r>
+            <a:r>
+              <a:rPr lang="de-DE" dirty="0" err="1"/>
+              <a:t>Current</a:t>
+            </a:r>
+            <a:r>
+              <a:rPr lang="de-DE" dirty="0"/>
+              <a:t> Status</a:t>
+            </a:r>
+          </a:p>
+        </p:txBody>
+      </p:sp>
+      <p:sp>
+        <p:nvSpPr>
+          <p:cNvPr id="3" name="Inhaltsplatzhalter 2">
+            <a:extLst>
+              <a:ext uri="{FF2B5EF4-FFF2-40B4-BE49-F238E27FC236}">
+                <a16:creationId xmlns:a16="http://schemas.microsoft.com/office/drawing/2014/main" id="{A6EE175B-F110-2231-4746-FB0A5137CFF3}"/>
+              </a:ext>
+            </a:extLst>
+          </p:cNvPr>
+          <p:cNvSpPr>
+            <a:spLocks noGrp="1"/>
+          </p:cNvSpPr>
+          <p:nvPr>
+            <p:ph idx="1"/>
+          </p:nvPr>
+        </p:nvSpPr>
+        <p:spPr>
+          <a:xfrm>
+            <a:off x="395536" y="1353344"/>
+            <a:ext cx="7344816" cy="3162622"/>
+          </a:xfrm>
+        </p:spPr>
+        <p:txBody>
+          <a:bodyPr/>
+          <a:lstStyle/>
+          <a:p>
+            <a:pPr marL="0" indent="0">
+              <a:buNone/>
+            </a:pPr>
+            <a:endParaRPr lang="de-DE" sz="1800" dirty="0"/>
+          </a:p>
+          <a:p>
+            <a:pPr marL="0" indent="0">
+              <a:buNone/>
+            </a:pPr>
+            <a:endParaRPr lang="de-DE" sz="1800" dirty="0"/>
+          </a:p>
+          <a:p>
+            <a:pPr marL="0" indent="0">
+              <a:buNone/>
+            </a:pPr>
+            <a:endParaRPr lang="de-DE" sz="1800" dirty="0"/>
+          </a:p>
+        </p:txBody>
+      </p:sp>
+      <p:pic>
+        <p:nvPicPr>
+          <p:cNvPr id="11" name="Grafik 10" descr="Ein Bild, das Text, Diagramm, Screenshot enthält.&#10;&#10;Automatisch generierte Beschreibung">
+            <a:extLst>
+              <a:ext uri="{FF2B5EF4-FFF2-40B4-BE49-F238E27FC236}">
+                <a16:creationId xmlns:a16="http://schemas.microsoft.com/office/drawing/2014/main" id="{55D326F9-6ABF-6E19-87EF-02985A36004C}"/>
+              </a:ext>
+            </a:extLst>
+          </p:cNvPr>
+          <p:cNvPicPr>
+            <a:picLocks noChangeAspect="1"/>
+          </p:cNvPicPr>
+          <p:nvPr/>
+        </p:nvPicPr>
+        <p:blipFill>
+          <a:blip r:embed="rId2">
+            <a:extLst>
+              <a:ext uri="{28A0092B-C50C-407E-A947-70E740481C1C}">
+                <a14:useLocalDpi xmlns:a14="http://schemas.microsoft.com/office/drawing/2010/main" val="0"/>
+              </a:ext>
+            </a:extLst>
+          </a:blip>
+          <a:stretch>
+            <a:fillRect/>
+          </a:stretch>
+        </p:blipFill>
+        <p:spPr>
+          <a:xfrm>
+            <a:off x="164102" y="1156324"/>
+            <a:ext cx="3852416" cy="2971370"/>
+          </a:xfrm>
+          <a:prstGeom prst="rect">
+            <a:avLst/>
+          </a:prstGeom>
+        </p:spPr>
+      </p:pic>
+      <p:pic>
+        <p:nvPicPr>
+          <p:cNvPr id="13" name="Grafik 12" descr="Ein Bild, das Text, Screenshot, Diagramm, Schrift enthält.&#10;&#10;Automatisch generierte Beschreibung">
+            <a:extLst>
+              <a:ext uri="{FF2B5EF4-FFF2-40B4-BE49-F238E27FC236}">
+                <a16:creationId xmlns:a16="http://schemas.microsoft.com/office/drawing/2014/main" id="{A1B01B97-E6E6-8813-1189-20D642698F01}"/>
+              </a:ext>
+            </a:extLst>
+          </p:cNvPr>
+          <p:cNvPicPr>
+            <a:picLocks noChangeAspect="1"/>
+          </p:cNvPicPr>
+          <p:nvPr/>
+        </p:nvPicPr>
+        <p:blipFill>
+          <a:blip r:embed="rId3">
+            <a:extLst>
+              <a:ext uri="{28A0092B-C50C-407E-A947-70E740481C1C}">
+                <a14:useLocalDpi xmlns:a14="http://schemas.microsoft.com/office/drawing/2010/main" val="0"/>
+              </a:ext>
+            </a:extLst>
+          </a:blip>
+          <a:stretch>
+            <a:fillRect/>
+          </a:stretch>
+        </p:blipFill>
+        <p:spPr>
+          <a:xfrm>
+            <a:off x="4450621" y="128655"/>
+            <a:ext cx="3145933" cy="2426460"/>
+          </a:xfrm>
+          <a:prstGeom prst="rect">
+            <a:avLst/>
+          </a:prstGeom>
+        </p:spPr>
+      </p:pic>
+      <p:pic>
+        <p:nvPicPr>
+          <p:cNvPr id="15" name="Grafik 14">
+            <a:extLst>
+              <a:ext uri="{FF2B5EF4-FFF2-40B4-BE49-F238E27FC236}">
+                <a16:creationId xmlns:a16="http://schemas.microsoft.com/office/drawing/2014/main" id="{435DE71A-3E14-4AF1-D7AF-C4D3EE6DA8FF}"/>
+              </a:ext>
+            </a:extLst>
+          </p:cNvPr>
+          <p:cNvPicPr>
+            <a:picLocks noChangeAspect="1"/>
+          </p:cNvPicPr>
+          <p:nvPr/>
+        </p:nvPicPr>
+        <p:blipFill>
+          <a:blip r:embed="rId4">
+            <a:extLst>
+              <a:ext uri="{28A0092B-C50C-407E-A947-70E740481C1C}">
+                <a14:useLocalDpi xmlns:a14="http://schemas.microsoft.com/office/drawing/2010/main" val="0"/>
+              </a:ext>
+            </a:extLst>
+          </a:blip>
+          <a:stretch>
+            <a:fillRect/>
+          </a:stretch>
+        </p:blipFill>
+        <p:spPr>
+          <a:xfrm>
+            <a:off x="4450620" y="2555114"/>
+            <a:ext cx="3145933" cy="2426459"/>
+          </a:xfrm>
+          <a:prstGeom prst="rect">
+            <a:avLst/>
+          </a:prstGeom>
+        </p:spPr>
+      </p:pic>
+      <p:sp>
+        <p:nvSpPr>
+          <p:cNvPr id="22" name="Textfeld 21">
+            <a:extLst>
+              <a:ext uri="{FF2B5EF4-FFF2-40B4-BE49-F238E27FC236}">
+                <a16:creationId xmlns:a16="http://schemas.microsoft.com/office/drawing/2014/main" id="{1012F714-8107-D770-8040-78AEF1BB39F6}"/>
+              </a:ext>
+            </a:extLst>
+          </p:cNvPr>
+          <p:cNvSpPr txBox="1"/>
+          <p:nvPr/>
+        </p:nvSpPr>
+        <p:spPr>
+          <a:xfrm>
+            <a:off x="7417670" y="1202379"/>
+            <a:ext cx="1513569" cy="646331"/>
+          </a:xfrm>
+          <a:prstGeom prst="rect">
+            <a:avLst/>
+          </a:prstGeom>
+          <a:noFill/>
+        </p:spPr>
+        <p:txBody>
+          <a:bodyPr wrap="square" rtlCol="0">
+            <a:spAutoFit/>
+          </a:bodyPr>
+          <a:lstStyle/>
+          <a:p>
+            <a:r>
+              <a:rPr lang="en-GB" sz="1800" dirty="0"/>
+              <a:t>Linear Kernel (accuracy: 1)</a:t>
+            </a:r>
+          </a:p>
+        </p:txBody>
+      </p:sp>
+      <p:sp>
+        <p:nvSpPr>
+          <p:cNvPr id="23" name="Textfeld 22">
+            <a:extLst>
+              <a:ext uri="{FF2B5EF4-FFF2-40B4-BE49-F238E27FC236}">
+                <a16:creationId xmlns:a16="http://schemas.microsoft.com/office/drawing/2014/main" id="{039F33C1-1BE5-F7BA-BA45-11A8BE9FF8CE}"/>
+              </a:ext>
+            </a:extLst>
+          </p:cNvPr>
+          <p:cNvSpPr txBox="1"/>
+          <p:nvPr/>
+        </p:nvSpPr>
+        <p:spPr>
+          <a:xfrm>
+            <a:off x="7374196" y="3356716"/>
+            <a:ext cx="1697834" cy="646331"/>
+          </a:xfrm>
+          <a:prstGeom prst="rect">
+            <a:avLst/>
+          </a:prstGeom>
+          <a:noFill/>
+        </p:spPr>
+        <p:txBody>
+          <a:bodyPr wrap="square" rtlCol="0">
+            <a:spAutoFit/>
+          </a:bodyPr>
+          <a:lstStyle/>
+          <a:p>
+            <a:r>
+              <a:rPr lang="en-GB" sz="1800" dirty="0"/>
+              <a:t>Radial Kernel (accuracy: 0.99)</a:t>
+            </a:r>
+          </a:p>
+        </p:txBody>
+      </p:sp>
+    </p:spTree>
+    <p:extLst>
+      <p:ext uri="{BB962C8B-B14F-4D97-AF65-F5344CB8AC3E}">
+        <p14:creationId xmlns:p14="http://schemas.microsoft.com/office/powerpoint/2010/main" val="4033163074"/>
+      </p:ext>
+    </p:extLst>
+  </p:cSld>
+  <p:clrMapOvr>
+    <a:masterClrMapping/>
+  </p:clrMapOvr>
+</p:sld>
+</file>
+
+<file path=ppt/slides/slide16.xml><?xml version="1.0" encoding="utf-8"?>
+<p:sld xmlns:a="http://schemas.openxmlformats.org/drawingml/2006/main" xmlns:r="http://schemas.openxmlformats.org/officeDocument/2006/relationships" xmlns:p="http://schemas.openxmlformats.org/presentationml/2006/main">
+  <p:cSld>
+    <p:spTree>
+      <p:nvGrpSpPr>
+        <p:cNvPr id="1" name=""/>
+        <p:cNvGrpSpPr/>
+        <p:nvPr/>
+      </p:nvGrpSpPr>
+      <p:grpSpPr>
+        <a:xfrm>
+          <a:off x="0" y="0"/>
+          <a:ext cx="0" cy="0"/>
+          <a:chOff x="0" y="0"/>
+          <a:chExt cx="0" cy="0"/>
+        </a:xfrm>
+      </p:grpSpPr>
+      <p:sp>
+        <p:nvSpPr>
+          <p:cNvPr id="2" name="Titel 1">
+            <a:extLst>
+              <a:ext uri="{FF2B5EF4-FFF2-40B4-BE49-F238E27FC236}">
+                <a16:creationId xmlns:a16="http://schemas.microsoft.com/office/drawing/2014/main" id="{9C274E31-D4F7-6C4A-D81C-1BC18A1044AE}"/>
+              </a:ext>
+            </a:extLst>
+          </p:cNvPr>
+          <p:cNvSpPr>
+            <a:spLocks noGrp="1"/>
+          </p:cNvSpPr>
+          <p:nvPr>
+            <p:ph type="title"/>
+          </p:nvPr>
+        </p:nvSpPr>
+        <p:spPr/>
+        <p:txBody>
+          <a:bodyPr/>
+          <a:lstStyle/>
+          <a:p>
+            <a:r>
+              <a:rPr lang="de-DE" dirty="0"/>
+              <a:t>5. </a:t>
+            </a:r>
+            <a:r>
+              <a:rPr lang="de-DE" dirty="0" err="1"/>
+              <a:t>Current</a:t>
+            </a:r>
+            <a:r>
+              <a:rPr lang="de-DE" dirty="0"/>
+              <a:t> Status</a:t>
+            </a:r>
+          </a:p>
+        </p:txBody>
+      </p:sp>
+      <p:sp>
+        <p:nvSpPr>
+          <p:cNvPr id="3" name="Inhaltsplatzhalter 2">
+            <a:extLst>
+              <a:ext uri="{FF2B5EF4-FFF2-40B4-BE49-F238E27FC236}">
+                <a16:creationId xmlns:a16="http://schemas.microsoft.com/office/drawing/2014/main" id="{A6EE175B-F110-2231-4746-FB0A5137CFF3}"/>
+              </a:ext>
+            </a:extLst>
+          </p:cNvPr>
+          <p:cNvSpPr>
+            <a:spLocks noGrp="1"/>
+          </p:cNvSpPr>
+          <p:nvPr>
+            <p:ph idx="1"/>
+          </p:nvPr>
+        </p:nvSpPr>
+        <p:spPr>
+          <a:xfrm>
+            <a:off x="395536" y="1353344"/>
+            <a:ext cx="7344816" cy="3162622"/>
+          </a:xfrm>
+        </p:spPr>
+        <p:txBody>
+          <a:bodyPr/>
+          <a:lstStyle/>
+          <a:p>
+            <a:pPr marL="0" indent="0">
+              <a:buNone/>
+            </a:pPr>
+            <a:endParaRPr lang="de-DE" sz="1800" dirty="0"/>
+          </a:p>
+          <a:p>
+            <a:pPr marL="0" indent="0">
+              <a:buNone/>
+            </a:pPr>
+            <a:endParaRPr lang="de-DE" sz="1800" dirty="0"/>
+          </a:p>
+          <a:p>
+            <a:pPr marL="0" indent="0">
+              <a:buNone/>
+            </a:pPr>
+            <a:endParaRPr lang="de-DE" sz="1800" dirty="0"/>
+          </a:p>
+        </p:txBody>
+      </p:sp>
+      <p:pic>
+        <p:nvPicPr>
+          <p:cNvPr id="8" name="Grafik 7" descr="Ein Bild, das Diagramm, Screenshot, Text enthält.&#10;&#10;Automatisch generierte Beschreibung">
+            <a:extLst>
+              <a:ext uri="{FF2B5EF4-FFF2-40B4-BE49-F238E27FC236}">
+                <a16:creationId xmlns:a16="http://schemas.microsoft.com/office/drawing/2014/main" id="{AA9D67AB-A761-8E6C-128A-4E115F2D0CE8}"/>
+              </a:ext>
+            </a:extLst>
+          </p:cNvPr>
+          <p:cNvPicPr>
+            <a:picLocks noChangeAspect="1"/>
+          </p:cNvPicPr>
+          <p:nvPr/>
+        </p:nvPicPr>
+        <p:blipFill>
+          <a:blip r:embed="rId2">
+            <a:extLst>
+              <a:ext uri="{28A0092B-C50C-407E-A947-70E740481C1C}">
+                <a14:useLocalDpi xmlns:a14="http://schemas.microsoft.com/office/drawing/2010/main" val="0"/>
+              </a:ext>
+            </a:extLst>
+          </a:blip>
+          <a:stretch>
+            <a:fillRect/>
+          </a:stretch>
+        </p:blipFill>
+        <p:spPr>
+          <a:xfrm>
+            <a:off x="359401" y="1103458"/>
+            <a:ext cx="3500597" cy="3097543"/>
+          </a:xfrm>
+          <a:prstGeom prst="rect">
+            <a:avLst/>
+          </a:prstGeom>
+        </p:spPr>
+      </p:pic>
+      <p:pic>
+        <p:nvPicPr>
+          <p:cNvPr id="9" name="Grafik 8" descr="Ein Bild, das Text, Screenshot, Diagramm, Reihe enthält.&#10;&#10;Automatisch generierte Beschreibung">
+            <a:extLst>
+              <a:ext uri="{FF2B5EF4-FFF2-40B4-BE49-F238E27FC236}">
+                <a16:creationId xmlns:a16="http://schemas.microsoft.com/office/drawing/2014/main" id="{A33AAE34-289C-2294-1510-A0A589B835C2}"/>
+              </a:ext>
+            </a:extLst>
+          </p:cNvPr>
+          <p:cNvPicPr>
+            <a:picLocks noChangeAspect="1"/>
+          </p:cNvPicPr>
+          <p:nvPr/>
+        </p:nvPicPr>
+        <p:blipFill>
+          <a:blip r:embed="rId3">
+            <a:extLst>
+              <a:ext uri="{28A0092B-C50C-407E-A947-70E740481C1C}">
+                <a14:useLocalDpi xmlns:a14="http://schemas.microsoft.com/office/drawing/2010/main" val="0"/>
+              </a:ext>
+            </a:extLst>
+          </a:blip>
+          <a:stretch>
+            <a:fillRect/>
+          </a:stretch>
+        </p:blipFill>
+        <p:spPr>
+          <a:xfrm>
+            <a:off x="4572000" y="116978"/>
+            <a:ext cx="2865139" cy="2535251"/>
+          </a:xfrm>
+          <a:prstGeom prst="rect">
+            <a:avLst/>
+          </a:prstGeom>
+        </p:spPr>
+      </p:pic>
+      <p:pic>
+        <p:nvPicPr>
+          <p:cNvPr id="10" name="Grafik 9" descr="Ein Bild, das Text, Screenshot, Diagramm, Kreis enthält.&#10;&#10;Automatisch generierte Beschreibung">
+            <a:extLst>
+              <a:ext uri="{FF2B5EF4-FFF2-40B4-BE49-F238E27FC236}">
+                <a16:creationId xmlns:a16="http://schemas.microsoft.com/office/drawing/2014/main" id="{5C647413-68DE-B6DB-1006-AFE3E28A960E}"/>
+              </a:ext>
+            </a:extLst>
+          </p:cNvPr>
+          <p:cNvPicPr>
+            <a:picLocks noChangeAspect="1"/>
+          </p:cNvPicPr>
+          <p:nvPr/>
+        </p:nvPicPr>
+        <p:blipFill>
+          <a:blip r:embed="rId4">
+            <a:extLst>
+              <a:ext uri="{28A0092B-C50C-407E-A947-70E740481C1C}">
+                <a14:useLocalDpi xmlns:a14="http://schemas.microsoft.com/office/drawing/2010/main" val="0"/>
+              </a:ext>
+            </a:extLst>
+          </a:blip>
+          <a:stretch>
+            <a:fillRect/>
+          </a:stretch>
+        </p:blipFill>
+        <p:spPr>
+          <a:xfrm>
+            <a:off x="4572000" y="2406049"/>
+            <a:ext cx="2865139" cy="2535251"/>
+          </a:xfrm>
+          <a:prstGeom prst="rect">
+            <a:avLst/>
+          </a:prstGeom>
+        </p:spPr>
+      </p:pic>
+      <p:sp>
+        <p:nvSpPr>
+          <p:cNvPr id="11" name="Textfeld 10">
+            <a:extLst>
+              <a:ext uri="{FF2B5EF4-FFF2-40B4-BE49-F238E27FC236}">
+                <a16:creationId xmlns:a16="http://schemas.microsoft.com/office/drawing/2014/main" id="{CEC7F50B-4C60-C0CC-67C6-422A9644EAEB}"/>
+              </a:ext>
+            </a:extLst>
+          </p:cNvPr>
+          <p:cNvSpPr txBox="1"/>
+          <p:nvPr/>
+        </p:nvSpPr>
+        <p:spPr>
+          <a:xfrm>
+            <a:off x="7417670" y="1202379"/>
+            <a:ext cx="1726330" cy="646331"/>
+          </a:xfrm>
+          <a:prstGeom prst="rect">
+            <a:avLst/>
+          </a:prstGeom>
+          <a:noFill/>
+        </p:spPr>
+        <p:txBody>
+          <a:bodyPr wrap="square" rtlCol="0">
+            <a:spAutoFit/>
+          </a:bodyPr>
+          <a:lstStyle/>
+          <a:p>
+            <a:r>
+              <a:rPr lang="en-GB" sz="1800" dirty="0"/>
+              <a:t>Linear Kernel (accuracy: 0.46)</a:t>
+            </a:r>
+          </a:p>
+        </p:txBody>
+      </p:sp>
+      <p:sp>
+        <p:nvSpPr>
+          <p:cNvPr id="12" name="Textfeld 11">
+            <a:extLst>
+              <a:ext uri="{FF2B5EF4-FFF2-40B4-BE49-F238E27FC236}">
+                <a16:creationId xmlns:a16="http://schemas.microsoft.com/office/drawing/2014/main" id="{48DC07D0-EF7F-693B-9ABF-B01C90163A74}"/>
+              </a:ext>
+            </a:extLst>
+          </p:cNvPr>
+          <p:cNvSpPr txBox="1"/>
+          <p:nvPr/>
+        </p:nvSpPr>
+        <p:spPr>
+          <a:xfrm>
+            <a:off x="7374196" y="3356716"/>
+            <a:ext cx="1697834" cy="646331"/>
+          </a:xfrm>
+          <a:prstGeom prst="rect">
+            <a:avLst/>
+          </a:prstGeom>
+          <a:noFill/>
+        </p:spPr>
+        <p:txBody>
+          <a:bodyPr wrap="square" rtlCol="0">
+            <a:spAutoFit/>
+          </a:bodyPr>
+          <a:lstStyle/>
+          <a:p>
+            <a:r>
+              <a:rPr lang="en-GB" sz="1800" dirty="0"/>
+              <a:t>Radial Kernel (accuracy: 0.99)</a:t>
+            </a:r>
+          </a:p>
+        </p:txBody>
+      </p:sp>
+    </p:spTree>
+    <p:extLst>
+      <p:ext uri="{BB962C8B-B14F-4D97-AF65-F5344CB8AC3E}">
+        <p14:creationId xmlns:p14="http://schemas.microsoft.com/office/powerpoint/2010/main" val="1402110170"/>
+      </p:ext>
+    </p:extLst>
+  </p:cSld>
+  <p:clrMapOvr>
+    <a:masterClrMapping/>
+  </p:clrMapOvr>
+</p:sld>
+</file>
+
+<file path=ppt/slides/slide17.xml><?xml version="1.0" encoding="utf-8"?>
+<p:sld xmlns:a="http://schemas.openxmlformats.org/drawingml/2006/main" xmlns:r="http://schemas.openxmlformats.org/officeDocument/2006/relationships" xmlns:p="http://schemas.openxmlformats.org/presentationml/2006/main">
+  <p:cSld>
+    <p:spTree>
+      <p:nvGrpSpPr>
+        <p:cNvPr id="1" name=""/>
+        <p:cNvGrpSpPr/>
+        <p:nvPr/>
+      </p:nvGrpSpPr>
+      <p:grpSpPr>
+        <a:xfrm>
+          <a:off x="0" y="0"/>
+          <a:ext cx="0" cy="0"/>
+          <a:chOff x="0" y="0"/>
+          <a:chExt cx="0" cy="0"/>
+        </a:xfrm>
+      </p:grpSpPr>
+      <p:sp>
+        <p:nvSpPr>
+          <p:cNvPr id="2" name="Titel 1">
+            <a:extLst>
+              <a:ext uri="{FF2B5EF4-FFF2-40B4-BE49-F238E27FC236}">
+                <a16:creationId xmlns:a16="http://schemas.microsoft.com/office/drawing/2014/main" id="{388F7BA3-B785-BDE2-BAC6-74C1F53E9285}"/>
+              </a:ext>
+            </a:extLst>
+          </p:cNvPr>
+          <p:cNvSpPr>
+            <a:spLocks noGrp="1"/>
+          </p:cNvSpPr>
+          <p:nvPr>
+            <p:ph type="title"/>
+          </p:nvPr>
+        </p:nvSpPr>
+        <p:spPr/>
+        <p:txBody>
+          <a:bodyPr/>
+          <a:lstStyle/>
+          <a:p>
+            <a:r>
+              <a:rPr lang="de-DE" dirty="0"/>
+              <a:t>6. </a:t>
+            </a:r>
+            <a:r>
+              <a:rPr lang="de-DE" dirty="0" err="1"/>
+              <a:t>What</a:t>
+            </a:r>
+            <a:r>
+              <a:rPr lang="de-DE" dirty="0"/>
+              <a:t> </a:t>
+            </a:r>
+            <a:r>
+              <a:rPr lang="de-DE" dirty="0" err="1"/>
+              <a:t>comes</a:t>
+            </a:r>
+            <a:r>
+              <a:rPr lang="de-DE" dirty="0"/>
+              <a:t> </a:t>
+            </a:r>
+            <a:r>
+              <a:rPr lang="de-DE" dirty="0" err="1"/>
+              <a:t>next</a:t>
+            </a:r>
+            <a:r>
+              <a:rPr lang="de-DE" dirty="0"/>
+              <a:t>?</a:t>
+            </a:r>
+          </a:p>
+        </p:txBody>
+      </p:sp>
+      <p:pic>
+        <p:nvPicPr>
+          <p:cNvPr id="6" name="Grafik 5" descr="\documentclass[20pt]{article}&#10;\usepackage{amsmath,amsfonts,amssymb,xcolor, mathtools}&#10;\pagestyle{empty}&#10;\usepackage{booktabs}&#10;\usepackage{enumitem}&#10; \usepackage{multirow}&#10;\usepackage{longtable}&#10;\usepackage{xcolor}&#10;\definecolor{darkgreen}{RGB}{101,178,56}&#10;\usepackage{graphicx}&#10;\usepackage{parskip}&#10;\usepackage[T1]{fontenc}&#10;\usepackage{fontspec}&#10;\setsansfont{Arial}&#10;\renewcommand\familydefault{\sfdefault}&#10;\begin{document}&#10;\begin{center}&#10;\begin{longtable}{ll|lll|}&#10; \cline{3-5}&#10; &amp;             &amp; \multicolumn{3}{c|}{DGP}                                            \\ \cline{3-5} &#10; \endfirsthead&#10; %&#10; \endhead&#10; %&#10; &amp;             &amp; \multicolumn{1}{l|}{linear} &amp; \multicolumn{1}{l|}{polynomial} &amp; radial \\ \hline&#10; \multicolumn{1}{|l|}{\multirow{3}{*}{\rotatebox{90}{Dimensionality}}} &amp; $p \ll n$  &amp; \multicolumn{1}{l|}{\parbox{4cm}{\begin{itemize}[label=-,topsep=0cm,leftmargin=0.3cm,itemsep=0cm,parsep=0cm]&#10;   \item SVM-Linear&#10;   \item SVM-Polynomial &#10;   \item SVM-Radial &#10;   \item Logistic Regression &#10; \end{itemize}}}  &amp; \multicolumn{1}{l|}{\parbox{4cm}{\begin{itemize}[label=-,topsep=0cm,leftmargin=0.3cm,itemsep=0cm,parsep=0cm]&#10; \item SVM-Linear &#10; \item SVM-Polynomial &#10; \item SVM-Radial &#10; \item Logistic Regression &#10;\end{itemize}}}   &amp; \parbox{4cm}{\begin{itemize}[label=-,topsep=0cm,leftmargin=0.3cm,itemsep=0cm,parsep=0cm]&#10;\item SVM-Linear &#10;\item SVM-Polynomial &#10;\item SVM-Radial &#10;\item Logistic Regression &#10;\end{itemize}}  \\ \cline{2-5} &#10; \multicolumn{1}{|l|}{}                                &amp; $p \approx n$  &amp; \multicolumn{1}{l|}{\parbox{4cm}{\begin{itemize}[label=-,topsep=0cm,leftmargin=0.3cm,itemsep=0cm,parsep=0cm]&#10;    \item SVM-Linear&#10;    \item SVM-Polynomial&#10;    \item SVM-Radial&#10;    \item Logistic Regression&#10; \end{itemize}}}  &amp; \multicolumn{1}{l|}{\parbox{4cm}{\begin{itemize}[label=-,topsep=0cm,leftmargin=0.3cm,itemsep=0cm,parsep=0cm]&#10; \item SVM-Linear&#10; \item SVM-Polynomial&#10; \item SVM-Radial&#10; \item Logistic Regression&#10;\end{itemize}}}   &amp; \parbox{4cm}{\begin{itemize}[label=-,topsep=0cm,leftmargin=0.3cm,itemsep=0cm,parsep=0cm]&#10;\item SVM-Linear&#10;\item SVM-Polynomial&#10;\item SVM-Radial&#10;\item Logistic Regression&#10;\end{itemize}}  \\ \cline{2-5} &#10; \multicolumn{1}{|l|}{}                                &amp; $p \gg n$ &amp; \multicolumn{1}{l|}{\parbox{4cm}{\begin{itemize}[label=-,topsep=0cm,leftmargin=0.3cm,itemsep=0cm,parsep=0cm]&#10;    \item SVM-Linear&#10;    \item SVM-Polynomial&#10;    \item SVM-Radial&#10;    \item Logistic Regression&#10; \end{itemize}}}  &amp; \multicolumn{1}{l|}{\parbox{4cm}{\begin{itemize}[label=-,topsep=0cm,leftmargin=0.3cm,itemsep=0cm,parsep=0cm]&#10; \item SVM-Linear&#10; \item SVM-Polynomial&#10; \item SVM-Radial&#10; \item Logistic Regression&#10;\end{itemize}}}   &amp; \parbox{4cm}{\begin{itemize}[label=-,topsep=0cm,leftmargin=0.3cm,itemsep=0cm,parsep=0cm]&#10;\item SVM-Linear&#10;\item SVM-Polynomial&#10;\item SVM-Radial&#10;\item Logistic Regression&#10;\end{itemize}} \\ \hline&#10;\end{longtable}&#10;\end{center}&#10;\end{document}" title="IguanaTex Picture Display">
+            <a:extLst>
+              <a:ext uri="{FF2B5EF4-FFF2-40B4-BE49-F238E27FC236}">
+                <a16:creationId xmlns:a16="http://schemas.microsoft.com/office/drawing/2014/main" id="{687B6E4C-CFD4-6A88-E407-4396AC39431B}"/>
+              </a:ext>
+            </a:extLst>
+          </p:cNvPr>
+          <p:cNvPicPr>
+            <a:picLocks noChangeAspect="1"/>
+          </p:cNvPicPr>
+          <p:nvPr>
+            <p:custDataLst>
+              <p:tags r:id="rId1"/>
+            </p:custDataLst>
+          </p:nvPr>
+        </p:nvPicPr>
+        <p:blipFill>
+          <a:blip r:embed="rId3">
+            <a:extLst>
+              <a:ext uri="{28A0092B-C50C-407E-A947-70E740481C1C}">
+                <a14:useLocalDpi xmlns:a14="http://schemas.microsoft.com/office/drawing/2010/main" val="0"/>
+              </a:ext>
+            </a:extLst>
+          </a:blip>
+          <a:stretch>
+            <a:fillRect/>
+          </a:stretch>
+        </p:blipFill>
+        <p:spPr>
+          <a:xfrm>
+            <a:off x="504825" y="923195"/>
+            <a:ext cx="8045277" cy="3088180"/>
+          </a:xfrm>
+          <a:prstGeom prst="rect">
+            <a:avLst/>
+          </a:prstGeom>
+        </p:spPr>
+      </p:pic>
+      <p:sp>
+        <p:nvSpPr>
+          <p:cNvPr id="3" name="Textfeld 2">
+            <a:extLst>
+              <a:ext uri="{FF2B5EF4-FFF2-40B4-BE49-F238E27FC236}">
+                <a16:creationId xmlns:a16="http://schemas.microsoft.com/office/drawing/2014/main" id="{FBBDEC3B-FB77-6FD9-6EF8-99DACEE7FE0C}"/>
+              </a:ext>
+            </a:extLst>
+          </p:cNvPr>
+          <p:cNvSpPr txBox="1"/>
+          <p:nvPr/>
+        </p:nvSpPr>
+        <p:spPr>
+          <a:xfrm>
+            <a:off x="222412" y="4158763"/>
+            <a:ext cx="8661538" cy="400110"/>
+          </a:xfrm>
+          <a:prstGeom prst="rect">
+            <a:avLst/>
+          </a:prstGeom>
+          <a:noFill/>
+        </p:spPr>
+        <p:txBody>
+          <a:bodyPr wrap="none" rtlCol="0">
+            <a:spAutoFit/>
+          </a:bodyPr>
+          <a:lstStyle/>
+          <a:p>
+            <a:pPr marL="342900" indent="-342900" algn="ctr">
+              <a:buFont typeface="Wingdings" panose="05000000000000000000" pitchFamily="2" charset="2"/>
+              <a:buChar char="Ø"/>
+            </a:pPr>
+            <a:r>
+              <a:rPr lang="en-GB" sz="2000" dirty="0"/>
+              <a:t>Find reliable hypothesis/sources for the performance in different data situations</a:t>
+            </a:r>
+          </a:p>
+        </p:txBody>
+      </p:sp>
+    </p:spTree>
+    <p:extLst>
+      <p:ext uri="{BB962C8B-B14F-4D97-AF65-F5344CB8AC3E}">
+        <p14:creationId xmlns:p14="http://schemas.microsoft.com/office/powerpoint/2010/main" val="1604509671"/>
+      </p:ext>
+    </p:extLst>
+  </p:cSld>
+  <p:clrMapOvr>
+    <a:masterClrMapping/>
+  </p:clrMapOvr>
+</p:sld>
+</file>
+
+<file path=ppt/slides/slide18.xml><?xml version="1.0" encoding="utf-8"?>
+<p:sld xmlns:a="http://schemas.openxmlformats.org/drawingml/2006/main" xmlns:r="http://schemas.openxmlformats.org/officeDocument/2006/relationships" xmlns:p="http://schemas.openxmlformats.org/presentationml/2006/main">
+  <p:cSld>
+    <p:spTree>
+      <p:nvGrpSpPr>
+        <p:cNvPr id="1" name=""/>
+        <p:cNvGrpSpPr/>
+        <p:nvPr/>
+      </p:nvGrpSpPr>
+      <p:grpSpPr>
+        <a:xfrm>
+          <a:off x="0" y="0"/>
+          <a:ext cx="0" cy="0"/>
+          <a:chOff x="0" y="0"/>
+          <a:chExt cx="0" cy="0"/>
+        </a:xfrm>
+      </p:grpSpPr>
+      <p:sp>
+        <p:nvSpPr>
+          <p:cNvPr id="2" name="Titel 1">
+            <a:extLst>
+              <a:ext uri="{FF2B5EF4-FFF2-40B4-BE49-F238E27FC236}">
+                <a16:creationId xmlns:a16="http://schemas.microsoft.com/office/drawing/2014/main" id="{5841DC02-6942-A02F-3690-049179BDDFFB}"/>
+              </a:ext>
+            </a:extLst>
+          </p:cNvPr>
+          <p:cNvSpPr>
+            <a:spLocks noGrp="1"/>
+          </p:cNvSpPr>
+          <p:nvPr>
+            <p:ph type="title"/>
+          </p:nvPr>
+        </p:nvSpPr>
+        <p:spPr/>
+        <p:txBody>
+          <a:bodyPr/>
+          <a:lstStyle/>
+          <a:p>
+            <a:r>
+              <a:rPr lang="de-DE" dirty="0"/>
+              <a:t>6. Sources</a:t>
+            </a:r>
+          </a:p>
+        </p:txBody>
+      </p:sp>
+      <p:sp>
+        <p:nvSpPr>
+          <p:cNvPr id="3" name="Inhaltsplatzhalter 2">
+            <a:extLst>
+              <a:ext uri="{FF2B5EF4-FFF2-40B4-BE49-F238E27FC236}">
+                <a16:creationId xmlns:a16="http://schemas.microsoft.com/office/drawing/2014/main" id="{53B72B76-6DAD-D05F-CD79-CA2DDBA8FA0A}"/>
+              </a:ext>
+            </a:extLst>
+          </p:cNvPr>
+          <p:cNvSpPr>
+            <a:spLocks noGrp="1"/>
+          </p:cNvSpPr>
+          <p:nvPr>
+            <p:ph idx="1"/>
+          </p:nvPr>
+        </p:nvSpPr>
+        <p:spPr/>
+        <p:txBody>
+          <a:bodyPr/>
+          <a:lstStyle/>
+          <a:p>
+            <a:pPr marL="0" indent="0">
+              <a:buNone/>
+            </a:pPr>
+            <a:r>
+              <a:rPr lang="en-US" sz="1800" dirty="0" err="1">
+                <a:solidFill>
+                  <a:srgbClr val="000000"/>
+                </a:solidFill>
+                <a:latin typeface="Times New Roman" panose="02020603050405020304" pitchFamily="18" charset="0"/>
+              </a:rPr>
+              <a:t>Boser</a:t>
+            </a:r>
+            <a:r>
+              <a:rPr lang="en-US" sz="1800" dirty="0">
+                <a:solidFill>
+                  <a:srgbClr val="000000"/>
+                </a:solidFill>
+                <a:latin typeface="Times New Roman" panose="02020603050405020304" pitchFamily="18" charset="0"/>
+              </a:rPr>
+              <a:t>, B. E., Guyon, I. M., &amp; </a:t>
+            </a:r>
+            <a:r>
+              <a:rPr lang="en-US" sz="1800" dirty="0" err="1">
+                <a:solidFill>
+                  <a:srgbClr val="000000"/>
+                </a:solidFill>
+                <a:latin typeface="Times New Roman" panose="02020603050405020304" pitchFamily="18" charset="0"/>
+              </a:rPr>
+              <a:t>Vapnik</a:t>
+            </a:r>
+            <a:r>
+              <a:rPr lang="en-US" sz="1800" dirty="0">
+                <a:solidFill>
+                  <a:srgbClr val="000000"/>
+                </a:solidFill>
+                <a:latin typeface="Times New Roman" panose="02020603050405020304" pitchFamily="18" charset="0"/>
+              </a:rPr>
+              <a:t>, V. N. (1992). A training algorithm for 	optimal margin classifiers. Proceedings of the Fifth Annual 	Workshop on Computational Learning Theory, 144–152. 	</a:t>
+            </a:r>
+            <a:r>
+              <a:rPr lang="en-US" sz="1800" dirty="0">
+                <a:solidFill>
+                  <a:srgbClr val="0000EE"/>
+                </a:solidFill>
+                <a:latin typeface="Times New Roman" panose="02020603050405020304" pitchFamily="18" charset="0"/>
+              </a:rPr>
+              <a:t>https://doi.org/10.1145/130385.130401</a:t>
+            </a:r>
+            <a:endParaRPr lang="en-US" sz="1800" dirty="0">
+              <a:solidFill>
+                <a:srgbClr val="000000"/>
+              </a:solidFill>
+              <a:latin typeface="Times New Roman" panose="02020603050405020304" pitchFamily="18" charset="0"/>
+            </a:endParaRPr>
+          </a:p>
+          <a:p>
+            <a:pPr marL="0" indent="0">
+              <a:buNone/>
+            </a:pPr>
+            <a:r>
+              <a:rPr lang="en-US" sz="1800" dirty="0">
+                <a:solidFill>
+                  <a:srgbClr val="000000"/>
+                </a:solidFill>
+                <a:latin typeface="Times New Roman" panose="02020603050405020304" pitchFamily="18" charset="0"/>
+              </a:rPr>
+              <a:t>Cortes, C., &amp; </a:t>
+            </a:r>
+            <a:r>
+              <a:rPr lang="en-US" sz="1800" dirty="0" err="1">
+                <a:solidFill>
+                  <a:srgbClr val="000000"/>
+                </a:solidFill>
+                <a:latin typeface="Times New Roman" panose="02020603050405020304" pitchFamily="18" charset="0"/>
+              </a:rPr>
+              <a:t>Vapnik</a:t>
+            </a:r>
+            <a:r>
+              <a:rPr lang="en-US" sz="1800" dirty="0">
+                <a:solidFill>
+                  <a:srgbClr val="000000"/>
+                </a:solidFill>
+                <a:latin typeface="Times New Roman" panose="02020603050405020304" pitchFamily="18" charset="0"/>
+              </a:rPr>
+              <a:t>, V. (1995). Support-vector networks. Machine 	Learning, 20(3), 273–297.</a:t>
+            </a:r>
+            <a:r>
+              <a:rPr lang="en-US" sz="1800" dirty="0">
+                <a:solidFill>
+                  <a:srgbClr val="0000EE"/>
+                </a:solidFill>
+                <a:latin typeface="Times New Roman" panose="02020603050405020304" pitchFamily="18" charset="0"/>
+              </a:rPr>
+              <a:t>https://doi.org/10.1007/BF00994018</a:t>
+            </a:r>
+          </a:p>
+          <a:p>
+            <a:pPr marL="0" indent="0">
+              <a:buNone/>
+            </a:pPr>
+            <a:r>
+              <a:rPr lang="en-US" sz="1800" dirty="0">
+                <a:solidFill>
+                  <a:srgbClr val="000000"/>
+                </a:solidFill>
+                <a:latin typeface="Times New Roman" panose="02020603050405020304" pitchFamily="18" charset="0"/>
+              </a:rPr>
+              <a:t>James, G., Witten, D., Hastie, T., &amp; </a:t>
+            </a:r>
+            <a:r>
+              <a:rPr lang="en-US" sz="1800" dirty="0" err="1">
+                <a:solidFill>
+                  <a:srgbClr val="000000"/>
+                </a:solidFill>
+                <a:latin typeface="Times New Roman" panose="02020603050405020304" pitchFamily="18" charset="0"/>
+              </a:rPr>
+              <a:t>Tibshirani</a:t>
+            </a:r>
+            <a:r>
+              <a:rPr lang="en-US" sz="1800" dirty="0">
+                <a:solidFill>
+                  <a:srgbClr val="000000"/>
+                </a:solidFill>
+                <a:latin typeface="Times New Roman" panose="02020603050405020304" pitchFamily="18" charset="0"/>
+              </a:rPr>
+              <a:t>, R. (2021). An Introduction to 	Statistical Learning: With Applications in R. Springer US. 	</a:t>
+            </a:r>
+            <a:r>
+              <a:rPr lang="en-US" sz="1800" dirty="0">
+                <a:solidFill>
+                  <a:srgbClr val="0000EE"/>
+                </a:solidFill>
+                <a:latin typeface="Times New Roman" panose="02020603050405020304" pitchFamily="18" charset="0"/>
+              </a:rPr>
+              <a:t>https://doi.org/10.1007/978-1-0716-1418-1</a:t>
+            </a:r>
+            <a:endParaRPr lang="de-DE" sz="2000" dirty="0"/>
+          </a:p>
+        </p:txBody>
+      </p:sp>
+    </p:spTree>
+    <p:extLst>
+      <p:ext uri="{BB962C8B-B14F-4D97-AF65-F5344CB8AC3E}">
+        <p14:creationId xmlns:p14="http://schemas.microsoft.com/office/powerpoint/2010/main" val="3939977226"/>
+      </p:ext>
+    </p:extLst>
+  </p:cSld>
+  <p:clrMapOvr>
+    <a:masterClrMapping/>
+  </p:clrMapOvr>
+</p:sld>
+</file>
+
 <file path=ppt/slides/slide19.xml><?xml version="1.0" encoding="utf-8"?>
 <p:sld xmlns:a="http://schemas.openxmlformats.org/drawingml/2006/main" xmlns:r="http://schemas.openxmlformats.org/officeDocument/2006/relationships" xmlns:p="http://schemas.openxmlformats.org/presentationml/2006/main" show="0">
   <p:cSld>
@@ -6669,33 +7305,17 @@
             </a:r>
             <a:r>
               <a:rPr lang="de-DE"/>
-              <a:t>: </a:t>
-            </a:r>
-            <a:r>
-              <a:rPr lang="de-DE" err="1"/>
-              <a:t>use</a:t>
-            </a:r>
-            <a:r>
-              <a:rPr lang="de-DE"/>
-              <a:t> </a:t>
-            </a:r>
-            <a:r>
-              <a:rPr lang="de-DE" err="1"/>
-              <a:t>of</a:t>
-            </a:r>
-            <a:r>
-              <a:rPr lang="de-DE"/>
-              <a:t> Kernels</a:t>
+              <a:t>: Soft Margin</a:t>
             </a:r>
           </a:p>
         </p:txBody>
       </p:sp>
       <p:pic>
         <p:nvPicPr>
-          <p:cNvPr id="4" name="Grafik 3" descr="\documentclass[20pt]{article}&#10;\usepackage{amsmath,amsfonts,amssymb,xcolor, mathtools}&#10;\pagestyle{empty}&#10;\usepackage[T1]{fontenc}&#10;\usepackage{fontspec}&#10;\setsansfont{Arial}&#10;\renewcommand\familydefault{\sfdefault}&#10;\begin{document}&#10;\begin{itemize}&#10;\item the decision function for an unknown vector $\overline{u}$ needs some adjustement\newline&#10;$ f(\overline{u})=\sum_{i=1}^n \alpha_i y_i K(\overline{x}_i,\overline{u})+\beta_0$&#10;\item the decision rule is the same as in the linear case&#10;\end{itemize}&#10;\end{document}" title="IguanaTex Picture Display">
+          <p:cNvPr id="11" name="Grafik 10" descr="\documentclass[20pt]{article}&#10;\usepackage{amsmath,amsfonts,amssymb,xcolor, mathtools}&#10;\pagestyle{empty}&#10;\usepackage[T1]{fontenc}&#10;\usepackage{fontspec}&#10;\setsansfont{Arial}&#10;\renewcommand\familydefault{\sfdefault}&#10;\begin{document}&#10;\begin{itemize}&#10;\item imputing the solutions in the original lagrangian and rearranging yields again \newline&#10;$$min(\mathcal{L})=-\frac{1}{2}\sum \sum \alpha_i \alpha_j y_i y_j \overline{x}_i \cdot \overline{x}_j+\sum \alpha_i$$ &#10;but under constraint $0\le \alpha_i \le C$&#10;\item can again be efficiently solved through quadratic programming optimization&#10;\item the decision function works the same way as with the hard margin classifier&#10;\end{itemize}&#10;\end{document}" title="IguanaTex Picture Display">
             <a:extLst>
               <a:ext uri="{FF2B5EF4-FFF2-40B4-BE49-F238E27FC236}">
-                <a16:creationId xmlns:a16="http://schemas.microsoft.com/office/drawing/2014/main" id="{19DFE7B8-4BDE-D9BF-B2D3-C7DCF15E1F81}"/>
+                <a16:creationId xmlns:a16="http://schemas.microsoft.com/office/drawing/2014/main" id="{49C7F333-D0CF-7EE6-8A8C-382573DE70D5}"/>
               </a:ext>
             </a:extLst>
           </p:cNvPr>
@@ -6722,8 +7342,8 @@
         </p:blipFill>
         <p:spPr>
           <a:xfrm>
-            <a:off x="683568" y="1923678"/>
-            <a:ext cx="7441488" cy="981553"/>
+            <a:off x="818385" y="1124744"/>
+            <a:ext cx="7507230" cy="3180947"/>
           </a:xfrm>
           <a:prstGeom prst="rect">
             <a:avLst/>
@@ -6733,7 +7353,7 @@
     </p:spTree>
     <p:extLst>
       <p:ext uri="{BB962C8B-B14F-4D97-AF65-F5344CB8AC3E}">
-        <p14:creationId xmlns:p14="http://schemas.microsoft.com/office/powerpoint/2010/main" val="1208863920"/>
+        <p14:creationId xmlns:p14="http://schemas.microsoft.com/office/powerpoint/2010/main" val="1632948460"/>
       </p:ext>
     </p:extLst>
   </p:cSld>
@@ -6840,7 +7460,7 @@
         </p:nvSpPr>
         <p:spPr bwMode="auto">
           <a:xfrm>
-            <a:off x="395288" y="1354138"/>
+            <a:off x="395288" y="940893"/>
             <a:ext cx="7345362" cy="2663825"/>
           </a:xfrm>
           <a:noFill/>
@@ -6990,9 +7610,84 @@
               <a:buFont typeface="+mj-lt"/>
               <a:buAutoNum type="arabicPeriod"/>
             </a:pPr>
-            <a:endParaRPr lang="de-DE" altLang="de-DE" sz="2000" dirty="0">
-              <a:latin typeface="Arial" panose="020B0604020202020204" pitchFamily="34" charset="0"/>
-            </a:endParaRPr>
+            <a:r>
+              <a:rPr lang="de-DE" altLang="de-DE" sz="2000" dirty="0">
+                <a:latin typeface="Arial" panose="020B0604020202020204" pitchFamily="34" charset="0"/>
+              </a:rPr>
+              <a:t>Performance Evaluation</a:t>
+            </a:r>
+          </a:p>
+          <a:p>
+            <a:pPr marL="457200" indent="-457200">
+              <a:buFont typeface="+mj-lt"/>
+              <a:buAutoNum type="arabicPeriod"/>
+            </a:pPr>
+            <a:r>
+              <a:rPr lang="de-DE" altLang="de-DE" sz="2000" dirty="0" err="1">
+                <a:latin typeface="Arial" panose="020B0604020202020204" pitchFamily="34" charset="0"/>
+              </a:rPr>
+              <a:t>Current</a:t>
+            </a:r>
+            <a:r>
+              <a:rPr lang="de-DE" altLang="de-DE" sz="2000" dirty="0">
+                <a:latin typeface="Arial" panose="020B0604020202020204" pitchFamily="34" charset="0"/>
+              </a:rPr>
+              <a:t> Status</a:t>
+            </a:r>
+          </a:p>
+          <a:p>
+            <a:pPr marL="457200" indent="-457200">
+              <a:buFont typeface="+mj-lt"/>
+              <a:buAutoNum type="arabicPeriod"/>
+            </a:pPr>
+            <a:r>
+              <a:rPr lang="de-DE" altLang="de-DE" sz="2000" dirty="0" err="1">
+                <a:latin typeface="Arial" panose="020B0604020202020204" pitchFamily="34" charset="0"/>
+              </a:rPr>
+              <a:t>What</a:t>
+            </a:r>
+            <a:r>
+              <a:rPr lang="de-DE" altLang="de-DE" sz="2000" dirty="0">
+                <a:latin typeface="Arial" panose="020B0604020202020204" pitchFamily="34" charset="0"/>
+              </a:rPr>
+              <a:t> </a:t>
+            </a:r>
+            <a:r>
+              <a:rPr lang="de-DE" altLang="de-DE" sz="2000" dirty="0" err="1">
+                <a:latin typeface="Arial" panose="020B0604020202020204" pitchFamily="34" charset="0"/>
+              </a:rPr>
+              <a:t>comes</a:t>
+            </a:r>
+            <a:r>
+              <a:rPr lang="de-DE" altLang="de-DE" sz="2000" dirty="0">
+                <a:latin typeface="Arial" panose="020B0604020202020204" pitchFamily="34" charset="0"/>
+              </a:rPr>
+              <a:t> </a:t>
+            </a:r>
+            <a:r>
+              <a:rPr lang="de-DE" altLang="de-DE" sz="2000" dirty="0" err="1">
+                <a:latin typeface="Arial" panose="020B0604020202020204" pitchFamily="34" charset="0"/>
+              </a:rPr>
+              <a:t>next</a:t>
+            </a:r>
+            <a:r>
+              <a:rPr lang="de-DE" altLang="de-DE" sz="2000" dirty="0">
+                <a:latin typeface="Arial" panose="020B0604020202020204" pitchFamily="34" charset="0"/>
+              </a:rPr>
+              <a:t>?</a:t>
+            </a:r>
+          </a:p>
+          <a:p>
+            <a:pPr marL="457200" indent="-457200">
+              <a:buFont typeface="+mj-lt"/>
+              <a:buAutoNum type="arabicPeriod"/>
+            </a:pPr>
+            <a:r>
+              <a:rPr lang="de-DE" altLang="de-DE" sz="2000" dirty="0">
+                <a:latin typeface="Arial" panose="020B0604020202020204" pitchFamily="34" charset="0"/>
+              </a:rPr>
+              <a:t>Sources</a:t>
+            </a:r>
           </a:p>
         </p:txBody>
       </p:sp>
@@ -7005,7 +7700,7 @@
 </file>
 
 <file path=ppt/slides/slide20.xml><?xml version="1.0" encoding="utf-8"?>
-<p:sld xmlns:a="http://schemas.openxmlformats.org/drawingml/2006/main" xmlns:r="http://schemas.openxmlformats.org/officeDocument/2006/relationships" xmlns:p="http://schemas.openxmlformats.org/presentationml/2006/main">
+<p:sld xmlns:a="http://schemas.openxmlformats.org/drawingml/2006/main" xmlns:r="http://schemas.openxmlformats.org/officeDocument/2006/relationships" xmlns:p="http://schemas.openxmlformats.org/presentationml/2006/main" show="0">
   <p:cSld>
     <p:spTree>
       <p:nvGrpSpPr>
@@ -7043,23 +7738,38 @@
           <a:lstStyle/>
           <a:p>
             <a:r>
+              <a:rPr lang="de-DE" err="1"/>
+              <a:t>How</a:t>
+            </a:r>
+            <a:r>
               <a:rPr lang="de-DE"/>
-              <a:t>Pros and </a:t>
+              <a:t> </a:t>
             </a:r>
             <a:r>
               <a:rPr lang="de-DE" err="1"/>
-              <a:t>Cons</a:t>
-            </a:r>
-            <a:endParaRPr lang="de-DE"/>
+              <a:t>it</a:t>
+            </a:r>
+            <a:r>
+              <a:rPr lang="de-DE"/>
+              <a:t> </a:t>
+            </a:r>
+            <a:r>
+              <a:rPr lang="de-DE" err="1"/>
+              <a:t>works</a:t>
+            </a:r>
+            <a:r>
+              <a:rPr lang="de-DE"/>
+              <a:t>: Soft Margin</a:t>
+            </a:r>
           </a:p>
         </p:txBody>
       </p:sp>
       <p:pic>
         <p:nvPicPr>
-          <p:cNvPr id="39" name="Grafik 38" descr="\documentclass[20pt]{article}&#10;\usepackage{amsmath,amsfonts,amssymb,xcolor, mathtools}&#10;\pagestyle{empty}&#10;\usepackage{booktabs}&#10;\usepackage{enumitem}&#10;\usepackage{parskip}&#10;\usepackage[T1]{fontenc}&#10;\usepackage{fontspec}&#10;\setsansfont{Arial}&#10;\renewcommand\familydefault{\sfdefault}&#10;\begin{document}&#10;\centering&#10;\begin{tabular}{p{5cm}|p{5cm}}&#10;\textbf{Pros}&amp;\textbf{cons}\\&#10;\hline&#10;\begin{itemize}[topsep=0cm,leftmargin=0.3cm]&#10;\item efficiently classifies in a high dimensional setting ($n\ll p$)&#10;\item risk of overfitting is lower&#10;&#10;\end{itemize}&#10;&amp;&#10;\begin{itemize}[topsep=0cm,leftmargin=0.3cm]&#10;\item heavily relies on the choice of hyperparameters/kernels&#10;\item no interpretability of coefficients&#10;\end{itemize}&#10;\end{tabular}&#10;\end{document}" title="IguanaTex Picture Display">
+          <p:cNvPr id="6" name="Grafik 5" descr="\documentclass[20pt]{article}&#10;\usepackage{amsmath,amsfonts,amssymb,xcolor, mathtools}&#10;\pagestyle{empty}&#10;\usepackage[T1]{fontenc}&#10;\usepackage{fontspec}&#10;\setsansfont{Arial}&#10;\renewcommand\familydefault{\sfdefault}&#10;\begin{document}&#10;\begin{itemize}&#10;\item new Lagrangian to solve\vspace{0.2cm}\newline&#10;$\mathcal{L}(\beta,\beta_0,\alpha,\varepsilon,\lambda)=\frac{1}{2}\beta\cdot \beta + C \sum_{i=1}^{n}\varepsilon_i-\underbrace{\sum \alpha_i[y_i(\beta \cdot \overline{x_i}+\beta_0)-1+\varepsilon_i]}_{\text{ensures }y_i(\beta \cdot \overline{x}_i-\beta_0)&gt;1- \varepsilon_i}-\underbrace{\sum \lambda_i \varepsilon_i }_{\substack{\text{ensures}\\ \varepsilon_i \ge 0}}$&#10;\item derive with respect to $\beta$  and set to zero\newline&#10;$\frac{\partial \mathcal{L}}{\partial \beta}=\beta-\sum \alpha_i y_i \overline{x_i}\overset{!}{=}0 \Rightarrow \beta=\sum \alpha_i y_i \overline{x_i} $&#10;\item derive with respect to $\beta_0$ and set to zero&#10;\newline $\frac{\partial \mathcal{L}}{\partial \beta_0}=\sum \alpha_i y_i \overline{x_i}\overset{!}{=}0$&#10;\item derive with respect to $\varepsilon_i$\newline&#10;$\frac{\partial \mathcal{L}}{\partial \varepsilon_i}=C-\alpha_i-\lambda_i\overset{!}{=}0\Leftrightarrow \lambda_i=C-\alpha_i$&#10;\end{itemize}&#10;\end{document}" title="IguanaTex Picture Display">
             <a:extLst>
               <a:ext uri="{FF2B5EF4-FFF2-40B4-BE49-F238E27FC236}">
-                <a16:creationId xmlns:a16="http://schemas.microsoft.com/office/drawing/2014/main" id="{D77E97AA-FE7A-E96E-1BFF-96304AC5176D}"/>
+                <a16:creationId xmlns:a16="http://schemas.microsoft.com/office/drawing/2014/main" id="{F557EF5B-A3FE-833B-A1A2-46C8E870CB92}"/>
               </a:ext>
             </a:extLst>
           </p:cNvPr>
@@ -7086,8 +7796,8 @@
         </p:blipFill>
         <p:spPr>
           <a:xfrm>
-            <a:off x="838201" y="1492253"/>
-            <a:ext cx="7057644" cy="1904753"/>
+            <a:off x="539552" y="843558"/>
+            <a:ext cx="7822866" cy="3797646"/>
           </a:xfrm>
           <a:prstGeom prst="rect">
             <a:avLst/>
@@ -7097,7 +7807,7 @@
     </p:spTree>
     <p:extLst>
       <p:ext uri="{BB962C8B-B14F-4D97-AF65-F5344CB8AC3E}">
-        <p14:creationId xmlns:p14="http://schemas.microsoft.com/office/powerpoint/2010/main" val="2939723199"/>
+        <p14:creationId xmlns:p14="http://schemas.microsoft.com/office/powerpoint/2010/main" val="3845371581"/>
       </p:ext>
     </p:extLst>
   </p:cSld>
@@ -7108,7 +7818,7 @@
 </file>
 
 <file path=ppt/slides/slide21.xml><?xml version="1.0" encoding="utf-8"?>
-<p:sld xmlns:a="http://schemas.openxmlformats.org/drawingml/2006/main" xmlns:r="http://schemas.openxmlformats.org/officeDocument/2006/relationships" xmlns:p="http://schemas.openxmlformats.org/presentationml/2006/main">
+<p:sld xmlns:a="http://schemas.openxmlformats.org/drawingml/2006/main" xmlns:r="http://schemas.openxmlformats.org/officeDocument/2006/relationships" xmlns:p="http://schemas.openxmlformats.org/presentationml/2006/main" show="0">
   <p:cSld>
     <p:spTree>
       <p:nvGrpSpPr>
@@ -7146,18 +7856,54 @@
           <a:lstStyle/>
           <a:p>
             <a:r>
-              <a:rPr lang="de-DE" dirty="0"/>
-              <a:t>Performance Evaluation</a:t>
+              <a:rPr lang="de-DE" err="1"/>
+              <a:t>How</a:t>
+            </a:r>
+            <a:r>
+              <a:rPr lang="de-DE"/>
+              <a:t> </a:t>
+            </a:r>
+            <a:r>
+              <a:rPr lang="de-DE" err="1"/>
+              <a:t>it</a:t>
+            </a:r>
+            <a:r>
+              <a:rPr lang="de-DE"/>
+              <a:t> </a:t>
+            </a:r>
+            <a:r>
+              <a:rPr lang="de-DE" err="1"/>
+              <a:t>works</a:t>
+            </a:r>
+            <a:r>
+              <a:rPr lang="de-DE"/>
+              <a:t>: </a:t>
+            </a:r>
+            <a:r>
+              <a:rPr lang="de-DE" err="1"/>
+              <a:t>use</a:t>
+            </a:r>
+            <a:r>
+              <a:rPr lang="de-DE"/>
+              <a:t> </a:t>
+            </a:r>
+            <a:r>
+              <a:rPr lang="de-DE" err="1"/>
+              <a:t>of</a:t>
+            </a:r>
+            <a:r>
+              <a:rPr lang="de-DE"/>
+              <a:t> Kernels</a:t>
             </a:r>
           </a:p>
         </p:txBody>
       </p:sp>
       <p:pic>
         <p:nvPicPr>
-          <p:cNvPr id="8" name="Grafik 7" descr="\documentclass[20pt]{article}&#10;\usepackage{amsmath,amsfonts,amssymb,xcolor, mathtools}&#10;\pagestyle{empty}&#10;\usepackage{booktabs}&#10;\usepackage{enumitem}&#10; \usepackage{multirow}&#10;\usepackage{longtable}&#10;\usepackage{xcolor}&#10;\definecolor{darkgreen}{RGB}{101,178,56}&#10;\usepackage{graphicx}&#10;\usepackage{parskip}&#10;\usepackage[T1]{fontenc}&#10;\usepackage{fontspec}&#10;\setsansfont{Arial}&#10;\renewcommand\familydefault{\sfdefault}&#10;\begin{document}&#10;\begin{center}&#10;\begin{longtable}{ll|lll|}&#10; \cline{3-5}&#10; &amp;             &amp; \multicolumn{3}{c|}{DGP}                                            \\ \cline{3-5} &#10; \endfirsthead&#10; %&#10; \endhead&#10; %&#10; &amp;             &amp; \multicolumn{1}{l|}{linear} &amp; \multicolumn{1}{l|}{polynomial} &amp; radial \\ \hline&#10; \multicolumn{1}{|l|}{\multirow{3}{*}{\rotatebox{90}{Dimensionality}}} &amp; $p \ll n$  &amp; \multicolumn{1}{l|}{\parbox{4cm}{\begin{itemize}[label=-,topsep=0cm,leftmargin=0.3cm,itemsep=0cm,parsep=0cm]&#10;   \item SVM-Linear \textcolor{darkgreen}{\scalebox{1}{$\uparrow$}}&#10;   \item SVM-Polynomial \textcolor{darkgreen}{\scalebox{0.5}{$\uparrow$}}&#10;   \item SVM-Radial \textcolor{darkgreen}{\scalebox{0.5}{$\uparrow$}}&#10;   \item Logistic Regression \textcolor{red}{\scalebox{0.5}{$\downarrow$}}&#10; \end{itemize}}}  &amp; \multicolumn{1}{l|}{\parbox{4cm}{\begin{itemize}[label=-,topsep=0cm,leftmargin=0.3cm,itemsep=0cm,parsep=0cm]&#10; \item SVM-Linear \textcolor{darkgreen}{\scalebox{0.5}{$\uparrow$}}&#10; \item SVM-Polynomial \textcolor{darkgreen}{\scalebox{1}{$\uparrow$}}&#10; \item SVM-Radial \textcolor{darkgreen}{\scalebox{0.5}{$\uparrow$}}&#10; \item Logistic Regression \textcolor{red}{\scalebox{0.5}{$\downarrow$}}&#10;\end{itemize}}}   &amp; \parbox{4cm}{\begin{itemize}[label=-,topsep=0cm,leftmargin=0.3cm,itemsep=0cm,parsep=0cm]&#10;\item SVM-Linear \textcolor{darkgreen}{\scalebox{0.5}{$\uparrow$}}&#10;\item SVM-Polynomial \textcolor{darkgreen}{\scalebox{0.5}{$\uparrow$}}&#10;\item SVM-Radial \textcolor{darkgreen}{\scalebox{1}{$\uparrow$}}&#10;\item Logistic Regression \textcolor{red}{\scalebox{0.5}{$\downarrow$}}&#10;\end{itemize}}  \\ \cline{2-5} &#10; \multicolumn{1}{|l|}{}                                &amp; $p \approx n$  &amp; \multicolumn{1}{l|}{\parbox{4cm}{\begin{itemize}[label=-,topsep=0cm,leftmargin=0.3cm,itemsep=0cm,parsep=0cm]&#10;    \item SVM-Linear&#10;    \item SVM-Polynomial&#10;    \item SVM-Radial&#10;    \item Logistic Regression&#10; \end{itemize}}}  &amp; \multicolumn{1}{l|}{\parbox{4cm}{\begin{itemize}[label=-,topsep=0cm,leftmargin=0.3cm,itemsep=0cm,parsep=0cm]&#10; \item SVM-Linear&#10; \item SVM-Polynomial&#10; \item SVM-Radial&#10; \item Logistic Regression&#10;\end{itemize}}}   &amp; \parbox{4cm}{\begin{itemize}[label=-,topsep=0cm,leftmargin=0.3cm,itemsep=0cm,parsep=0cm]&#10;\item SVM-Linear&#10;\item SVM-Polynomial&#10;\item SVM-Radial&#10;\item Logistic Regression&#10;\end{itemize}}  \\ \cline{2-5} &#10; \multicolumn{1}{|l|}{}                                &amp; $p \gg n$ &amp; \multicolumn{1}{l|}{\parbox{4cm}{\begin{itemize}[label=-,topsep=0cm,leftmargin=0.3cm,itemsep=0cm,parsep=0cm]&#10;    \item SVM-Linear&#10;    \item SVM-Polynomial&#10;    \item SVM-Radial&#10;    \item Logistic Regression&#10; \end{itemize}}}  &amp; \multicolumn{1}{l|}{\parbox{4cm}{\begin{itemize}[label=-,topsep=0cm,leftmargin=0.3cm,itemsep=0cm,parsep=0cm]&#10; \item SVM-Linear&#10; \item SVM-Polynomial&#10; \item SVM-Radial&#10; \item Logistic Regression&#10;\end{itemize}}}   &amp; \parbox{4cm}{\begin{itemize}[label=-,topsep=0cm,leftmargin=0.3cm,itemsep=0cm,parsep=0cm]&#10;\item SVM-Linear&#10;\item SVM-Polynomial&#10;\item SVM-Radial&#10;\item Logistic Regression&#10;\end{itemize}} \\ \hline&#10;\end{longtable}&#10;\end{center}&#10;\end{document}" title="IguanaTex Picture Display">
+          <p:cNvPr id="4" name="Grafik 3" descr="\documentclass[20pt]{article}&#10;\usepackage{amsmath,amsfonts,amssymb,xcolor, mathtools}&#10;\pagestyle{empty}&#10;\usepackage[T1]{fontenc}&#10;\usepackage{fontspec}&#10;\setsansfont{Arial}&#10;\renewcommand\familydefault{\sfdefault}&#10;\begin{document}&#10;\begin{itemize}&#10;\item the decision function for an unknown vector $\overline{u}$ needs some adjustement\newline&#10;$ f(\overline{u})=\sum_{i=1}^n \alpha_i y_i K(\overline{x}_i,\overline{u})+\beta_0$&#10;\item the decision rule is the same as in the linear case&#10;\end{itemize}&#10;\end{document}" title="IguanaTex Picture Display">
             <a:extLst>
               <a:ext uri="{FF2B5EF4-FFF2-40B4-BE49-F238E27FC236}">
-                <a16:creationId xmlns:a16="http://schemas.microsoft.com/office/drawing/2014/main" id="{59A35446-63A6-BA9E-7F11-1DBDBA76C36F}"/>
+                <a16:creationId xmlns:a16="http://schemas.microsoft.com/office/drawing/2014/main" id="{19DFE7B8-4BDE-D9BF-B2D3-C7DCF15E1F81}"/>
               </a:ext>
             </a:extLst>
           </p:cNvPr>
@@ -7184,8 +7930,8 @@
         </p:blipFill>
         <p:spPr>
           <a:xfrm>
-            <a:off x="504825" y="1028700"/>
-            <a:ext cx="8045243" cy="3087318"/>
+            <a:off x="683568" y="1923678"/>
+            <a:ext cx="7441488" cy="981553"/>
           </a:xfrm>
           <a:prstGeom prst="rect">
             <a:avLst/>
@@ -7195,7 +7941,7 @@
     </p:spTree>
     <p:extLst>
       <p:ext uri="{BB962C8B-B14F-4D97-AF65-F5344CB8AC3E}">
-        <p14:creationId xmlns:p14="http://schemas.microsoft.com/office/powerpoint/2010/main" val="1604509671"/>
+        <p14:creationId xmlns:p14="http://schemas.microsoft.com/office/powerpoint/2010/main" val="1208863920"/>
       </p:ext>
     </p:extLst>
   </p:cSld>
@@ -7206,7 +7952,7 @@
 </file>
 
 <file path=ppt/slides/slide22.xml><?xml version="1.0" encoding="utf-8"?>
-<p:sld xmlns:a="http://schemas.openxmlformats.org/drawingml/2006/main" xmlns:r="http://schemas.openxmlformats.org/officeDocument/2006/relationships" xmlns:p="http://schemas.openxmlformats.org/presentationml/2006/main">
+<p:sld xmlns:a="http://schemas.openxmlformats.org/drawingml/2006/main" xmlns:r="http://schemas.openxmlformats.org/officeDocument/2006/relationships" xmlns:p="http://schemas.openxmlformats.org/presentationml/2006/main" show="0">
   <p:cSld>
     <p:spTree>
       <p:nvGrpSpPr>
@@ -7244,16 +7990,89 @@
           <a:lstStyle/>
           <a:p>
             <a:r>
+              <a:rPr lang="de-DE" err="1"/>
+              <a:t>How</a:t>
+            </a:r>
+            <a:r>
               <a:rPr lang="de-DE"/>
-              <a:t>Performance in different Situations</a:t>
-            </a:r>
+              <a:t> </a:t>
+            </a:r>
+            <a:r>
+              <a:rPr lang="de-DE" err="1"/>
+              <a:t>it</a:t>
+            </a:r>
+            <a:r>
+              <a:rPr lang="de-DE"/>
+              <a:t> </a:t>
+            </a:r>
+            <a:r>
+              <a:rPr lang="de-DE" err="1"/>
+              <a:t>works</a:t>
+            </a:r>
+            <a:r>
+              <a:rPr lang="de-DE"/>
+              <a:t>: </a:t>
+            </a:r>
+            <a:r>
+              <a:rPr lang="de-DE" err="1"/>
+              <a:t>Maximization</a:t>
+            </a:r>
+            <a:r>
+              <a:rPr lang="de-DE"/>
+              <a:t> </a:t>
+            </a:r>
+            <a:r>
+              <a:rPr lang="de-DE" err="1"/>
+              <a:t>Process</a:t>
+            </a:r>
+            <a:endParaRPr lang="de-DE"/>
           </a:p>
         </p:txBody>
       </p:sp>
+      <p:pic>
+        <p:nvPicPr>
+          <p:cNvPr id="6" name="Grafik 5" descr="\documentclass[20pt]{article}&#10;\usepackage{amsmath,amsfonts,amssymb,xcolor, mathtools}&#10;\pagestyle{empty}&#10;\usepackage[T1]{fontenc}&#10;\usepackage{fontspec}&#10;\setsansfont{Arial}&#10;\renewcommand\familydefault{\sfdefault}&#10;\begin{document}&#10;\begin{itemize}&#10;\item imputing the results in the optimization formula and rearranging yields &#10;&#10;$$min(\mathcal{L})=-\frac{1}{2}\sum \sum \alpha_i \alpha_j y_i y_j \overline{x}_i \cdot \overline{x}_j+\sum \alpha_i$$&#10;\item can be solved efficiently by quadratic program&#10;\item many of the $\alpha$'s will be zero exept for the support vectors &#10;\end{itemize}&#10;\end{document}" title="IguanaTex Picture Display">
+            <a:extLst>
+              <a:ext uri="{FF2B5EF4-FFF2-40B4-BE49-F238E27FC236}">
+                <a16:creationId xmlns:a16="http://schemas.microsoft.com/office/drawing/2014/main" id="{4DABAEED-54C0-1DB8-60D7-0D2E67F1CD6C}"/>
+              </a:ext>
+            </a:extLst>
+          </p:cNvPr>
+          <p:cNvPicPr>
+            <a:picLocks noChangeAspect="1"/>
+          </p:cNvPicPr>
+          <p:nvPr>
+            <p:custDataLst>
+              <p:tags r:id="rId1"/>
+            </p:custDataLst>
+          </p:nvPr>
+        </p:nvPicPr>
+        <p:blipFill>
+          <a:blip r:embed="rId3">
+            <a:extLst>
+              <a:ext uri="{28A0092B-C50C-407E-A947-70E740481C1C}">
+                <a14:useLocalDpi xmlns:a14="http://schemas.microsoft.com/office/drawing/2010/main" val="0"/>
+              </a:ext>
+            </a:extLst>
+          </a:blip>
+          <a:stretch>
+            <a:fillRect/>
+          </a:stretch>
+        </p:blipFill>
+        <p:spPr>
+          <a:xfrm>
+            <a:off x="683568" y="1419624"/>
+            <a:ext cx="7195852" cy="2036518"/>
+          </a:xfrm>
+          <a:prstGeom prst="rect">
+            <a:avLst/>
+          </a:prstGeom>
+        </p:spPr>
+      </p:pic>
     </p:spTree>
     <p:extLst>
       <p:ext uri="{BB962C8B-B14F-4D97-AF65-F5344CB8AC3E}">
-        <p14:creationId xmlns:p14="http://schemas.microsoft.com/office/powerpoint/2010/main" val="1076434179"/>
+        <p14:creationId xmlns:p14="http://schemas.microsoft.com/office/powerpoint/2010/main" val="2071963807"/>
       </p:ext>
     </p:extLst>
   </p:cSld>
@@ -7264,7 +8083,7 @@
 </file>
 
 <file path=ppt/slides/slide23.xml><?xml version="1.0" encoding="utf-8"?>
-<p:sld xmlns:a="http://schemas.openxmlformats.org/drawingml/2006/main" xmlns:r="http://schemas.openxmlformats.org/officeDocument/2006/relationships" xmlns:p="http://schemas.openxmlformats.org/presentationml/2006/main">
+<p:sld xmlns:a="http://schemas.openxmlformats.org/drawingml/2006/main" xmlns:r="http://schemas.openxmlformats.org/officeDocument/2006/relationships" xmlns:p="http://schemas.openxmlformats.org/presentationml/2006/main" show="0">
   <p:cSld>
     <p:spTree>
       <p:nvGrpSpPr>
@@ -7302,18 +8121,51 @@
           <a:lstStyle/>
           <a:p>
             <a:r>
-              <a:rPr lang="de-DE" dirty="0"/>
-              <a:t>Performance Evaluation</a:t>
-            </a:r>
+              <a:rPr lang="de-DE" err="1"/>
+              <a:t>How</a:t>
+            </a:r>
+            <a:r>
+              <a:rPr lang="de-DE"/>
+              <a:t> </a:t>
+            </a:r>
+            <a:r>
+              <a:rPr lang="de-DE" err="1"/>
+              <a:t>it</a:t>
+            </a:r>
+            <a:r>
+              <a:rPr lang="de-DE"/>
+              <a:t> </a:t>
+            </a:r>
+            <a:r>
+              <a:rPr lang="de-DE" err="1"/>
+              <a:t>works</a:t>
+            </a:r>
+            <a:r>
+              <a:rPr lang="de-DE"/>
+              <a:t>: </a:t>
+            </a:r>
+            <a:r>
+              <a:rPr lang="de-DE" err="1"/>
+              <a:t>Maximization</a:t>
+            </a:r>
+            <a:r>
+              <a:rPr lang="de-DE"/>
+              <a:t> </a:t>
+            </a:r>
+            <a:r>
+              <a:rPr lang="de-DE" err="1"/>
+              <a:t>Process</a:t>
+            </a:r>
+            <a:endParaRPr lang="de-DE"/>
           </a:p>
         </p:txBody>
       </p:sp>
       <p:pic>
         <p:nvPicPr>
-          <p:cNvPr id="8" name="Grafik 7" descr="\documentclass[20pt]{article}&#10;\usepackage{amsmath,amsfonts,amssymb,xcolor, mathtools}&#10;\pagestyle{empty}&#10;\usepackage{booktabs}&#10;\usepackage{enumitem}&#10; \usepackage{multirow}&#10;\usepackage{longtable}&#10;\usepackage{xcolor}&#10;\definecolor{darkgreen}{RGB}{101,178,56}&#10;\usepackage{graphicx}&#10;\usepackage{parskip}&#10;\usepackage[T1]{fontenc}&#10;\usepackage{fontspec}&#10;\setsansfont{Arial}&#10;\renewcommand\familydefault{\sfdefault}&#10;\begin{document}&#10;\begin{center}&#10;\begin{longtable}{ll|lll|}&#10; \cline{3-5}&#10; &amp;             &amp; \multicolumn{3}{c|}{DGP}                                            \\ \cline{3-5} &#10; \endfirsthead&#10; %&#10; \endhead&#10; %&#10; &amp;             &amp; \multicolumn{1}{l|}{linear} &amp; \multicolumn{1}{l|}{polynomial} &amp; radial \\ \hline&#10; \multicolumn{1}{|l|}{\multirow{3}{*}{\rotatebox{90}{Dimensionality}}} &amp; $p \ll n$  &amp; \multicolumn{1}{l|}{\parbox{4cm}{\begin{itemize}[label=-,topsep=0cm,leftmargin=0.3cm,itemsep=0cm,parsep=0cm]&#10;   \item SVM-Linear \textcolor{darkgreen}{\scalebox{1}{$\uparrow$}}&#10;   \item SVM-Polynomial \textcolor{darkgreen}{\scalebox{0.5}{$\uparrow$}}&#10;   \item SVM-Radial \textcolor{darkgreen}{\scalebox{0.5}{$\uparrow$}}&#10;   \item Logistic Regression \textcolor{red}{\scalebox{0.5}{$\downarrow$}}&#10; \end{itemize}}}  &amp; \multicolumn{1}{l|}{\parbox{4cm}{\begin{itemize}[label=-,topsep=0cm,leftmargin=0.3cm,itemsep=0cm,parsep=0cm]&#10; \item SVM-Linear \textcolor{darkgreen}{\scalebox{0.5}{$\uparrow$}}&#10; \item SVM-Polynomial \textcolor{darkgreen}{\scalebox{1}{$\uparrow$}}&#10; \item SVM-Radial \textcolor{darkgreen}{\scalebox{0.5}{$\uparrow$}}&#10; \item Logistic Regression \textcolor{red}{\scalebox{0.5}{$\downarrow$}}&#10;\end{itemize}}}   &amp; \parbox{4cm}{\begin{itemize}[label=-,topsep=0cm,leftmargin=0.3cm,itemsep=0cm,parsep=0cm]&#10;\item SVM-Linear \textcolor{darkgreen}{\scalebox{0.5}{$\uparrow$}}&#10;\item SVM-Polynomial \textcolor{darkgreen}{\scalebox{0.5}{$\uparrow$}}&#10;\item SVM-Radial \textcolor{darkgreen}{\scalebox{1}{$\uparrow$}}&#10;\item Logistic Regression \textcolor{red}{\scalebox{0.5}{$\downarrow$}}&#10;\end{itemize}}  \\ \cline{2-5} &#10; \multicolumn{1}{|l|}{}                                &amp; $p \approx n$  &amp; \multicolumn{1}{l|}{\parbox{4cm}{\begin{itemize}[label=-,topsep=0cm,leftmargin=0.3cm,itemsep=0cm,parsep=0cm]&#10;    \item SVM-Linear&#10;    \item SVM-Polynomial&#10;    \item SVM-Radial&#10;    \item Logistic Regression&#10; \end{itemize}}}  &amp; \multicolumn{1}{l|}{\parbox{4cm}{\begin{itemize}[label=-,topsep=0cm,leftmargin=0.3cm,itemsep=0cm,parsep=0cm]&#10; \item SVM-Linear&#10; \item SVM-Polynomial&#10; \item SVM-Radial&#10; \item Logistic Regression&#10;\end{itemize}}}   &amp; \parbox{4cm}{\begin{itemize}[label=-,topsep=0cm,leftmargin=0.3cm,itemsep=0cm,parsep=0cm]&#10;\item SVM-Linear&#10;\item SVM-Polynomial&#10;\item SVM-Radial&#10;\item Logistic Regression&#10;\end{itemize}}  \\ \cline{2-5} &#10; \multicolumn{1}{|l|}{}                                &amp; $p \gg n$ &amp; \multicolumn{1}{l|}{\parbox{4cm}{\begin{itemize}[label=-,topsep=0cm,leftmargin=0.3cm,itemsep=0cm,parsep=0cm]&#10;    \item SVM-Linear&#10;    \item SVM-Polynomial&#10;    \item SVM-Radial&#10;    \item Logistic Regression&#10; \end{itemize}}}  &amp; \multicolumn{1}{l|}{\parbox{4cm}{\begin{itemize}[label=-,topsep=0cm,leftmargin=0.3cm,itemsep=0cm,parsep=0cm]&#10; \item SVM-Linear&#10; \item SVM-Polynomial&#10; \item SVM-Radial&#10; \item Logistic Regression&#10;\end{itemize}}}   &amp; \parbox{4cm}{\begin{itemize}[label=-,topsep=0cm,leftmargin=0.3cm,itemsep=0cm,parsep=0cm]&#10;\item SVM-Linear&#10;\item SVM-Polynomial&#10;\item SVM-Radial&#10;\item Logistic Regression&#10;\end{itemize}} \\ \hline&#10;\end{longtable}&#10;\end{center}&#10;\end{document}" title="IguanaTex Picture Display">
+          <p:cNvPr id="7" name="Grafik 6" descr="\documentclass[20pt]{article}&#10;\usepackage{amsmath,amsfonts,amssymb,xcolor, mathtools}&#10;\pagestyle{empty}&#10;\usepackage[T1]{fontenc}&#10;\usepackage{fontspec}&#10;\setsansfont{Arial}&#10;\renewcommand\familydefault{\sfdefault}&#10;\begin{document}&#10;\begin{itemize}&#10;\item minimization with constraints $\rightarrow$ Lagrange Multipliers\newline&#10;$\mathcal{L}(\beta,\beta_0,\alpha)=\frac{1}{2}\beta ' \beta-\sum \alpha_i[y_i(\beta \cdot \overline{x_i}+\beta_0)-1]$&#10;\item derive with respect to $\beta$  and set to zero\newline&#10;$\frac{\partial \mathcal{L}}{\partial \beta}=\beta-\sum \alpha_i y_i \overline{x_i}\overset{!}{=}0 \Rightarrow \beta=\sum \alpha_i y_i \overline{x_i} $&#10;\item derive with respect to $\beta_0$ and set to zero&#10;\newline $\frac{\partial \mathcal{L}}{\partial \beta_0}=\sum \alpha_i y_i \overline{x_i}\overset{!}{=}0$&#10;\end{itemize}&#10;\end{document}" title="IguanaTex Picture Display">
             <a:extLst>
               <a:ext uri="{FF2B5EF4-FFF2-40B4-BE49-F238E27FC236}">
-                <a16:creationId xmlns:a16="http://schemas.microsoft.com/office/drawing/2014/main" id="{59A35446-63A6-BA9E-7F11-1DBDBA76C36F}"/>
+                <a16:creationId xmlns:a16="http://schemas.microsoft.com/office/drawing/2014/main" id="{22C4004F-E7DB-AC41-4BE7-3DEEFFE9D32B}"/>
               </a:ext>
             </a:extLst>
           </p:cNvPr>
@@ -7340,8 +8192,8 @@
         </p:blipFill>
         <p:spPr>
           <a:xfrm>
-            <a:off x="504825" y="1028700"/>
-            <a:ext cx="8045243" cy="3087318"/>
+            <a:off x="683576" y="1419624"/>
+            <a:ext cx="5488600" cy="2212675"/>
           </a:xfrm>
           <a:prstGeom prst="rect">
             <a:avLst/>
@@ -7351,7 +8203,7 @@
     </p:spTree>
     <p:extLst>
       <p:ext uri="{BB962C8B-B14F-4D97-AF65-F5344CB8AC3E}">
-        <p14:creationId xmlns:p14="http://schemas.microsoft.com/office/powerpoint/2010/main" val="1335784449"/>
+        <p14:creationId xmlns:p14="http://schemas.microsoft.com/office/powerpoint/2010/main" val="681638969"/>
       </p:ext>
     </p:extLst>
   </p:cSld>
@@ -7383,7 +8235,7 @@
           <p:cNvPr id="2" name="Titel 1">
             <a:extLst>
               <a:ext uri="{FF2B5EF4-FFF2-40B4-BE49-F238E27FC236}">
-                <a16:creationId xmlns:a16="http://schemas.microsoft.com/office/drawing/2014/main" id="{9C274E31-D4F7-6C4A-D81C-1BC18A1044AE}"/>
+                <a16:creationId xmlns:a16="http://schemas.microsoft.com/office/drawing/2014/main" id="{388F7BA3-B785-BDE2-BAC6-74C1F53E9285}"/>
               </a:ext>
             </a:extLst>
           </p:cNvPr>
@@ -7400,228 +8252,64 @@
           <a:lstStyle/>
           <a:p>
             <a:r>
-              <a:rPr lang="de-DE"/>
-              <a:t>Dataset: ALLBUS</a:t>
+              <a:rPr lang="de-DE" dirty="0"/>
+              <a:t>2.1. Hard Margin: </a:t>
+            </a:r>
+            <a:r>
+              <a:rPr lang="de-DE" dirty="0" err="1"/>
+              <a:t>Decision</a:t>
+            </a:r>
+            <a:r>
+              <a:rPr lang="de-DE" dirty="0"/>
+              <a:t> Rule</a:t>
             </a:r>
           </a:p>
         </p:txBody>
       </p:sp>
-      <p:sp>
-        <p:nvSpPr>
-          <p:cNvPr id="3" name="Inhaltsplatzhalter 2">
+      <p:pic>
+        <p:nvPicPr>
+          <p:cNvPr id="4" name="Grafik 3" descr="\documentclass[20pt]{article}&#10;\usepackage{amsmath,amsfonts,amssymb,xcolor, mathtools}&#10;\pagestyle{empty}&#10;\usepackage[T1]{fontenc}&#10;\usepackage{fontspec}&#10;\setsansfont{Arial}&#10;\renewcommand\familydefault{\sfdefault}&#10;\begin{document}&#10;\begin{itemize}&#10;\item derive $\beta$ with the new $\alpha$'s&#10;\newline$\beta=\sum \alpha_ iy_i \overline{x_i}$&#10;\item solve for $\beta_0$ with a support vector $\overline{x}_s$ for which we know holds \newline $\beta \cdot\overline{x}_s+\beta_0=y_{x_s}$ therefore $\beta_0=y_{x_s}-\beta \cdot \overline{x}_s$&#10;\item for a new $k$-dimensional vector $\overline{u}$ the decision function is \newline&#10;$f(\overline{u})=\beta \cdot \overline{u}+\beta_0$&#10;\item if $f(\overline{u})&gt;0 \rightarrow u$ is a \textcolor{green}{positive} sample\newline &#10;if $f(\overline{u})&lt;0 \rightarrow u$ is a \textcolor{red}{negative} sample\newline &#10;&#10;\end{itemize}&#10;\end{document}" title="IguanaTex Picture Display">
             <a:extLst>
               <a:ext uri="{FF2B5EF4-FFF2-40B4-BE49-F238E27FC236}">
-                <a16:creationId xmlns:a16="http://schemas.microsoft.com/office/drawing/2014/main" id="{A6EE175B-F110-2231-4746-FB0A5137CFF3}"/>
+                <a16:creationId xmlns:a16="http://schemas.microsoft.com/office/drawing/2014/main" id="{A13AAF83-61A6-EE21-2E98-99E26700E36C}"/>
               </a:ext>
             </a:extLst>
           </p:cNvPr>
-          <p:cNvSpPr>
-            <a:spLocks noGrp="1"/>
-          </p:cNvSpPr>
+          <p:cNvPicPr>
+            <a:picLocks noChangeAspect="1"/>
+          </p:cNvPicPr>
           <p:nvPr>
-            <p:ph idx="1"/>
+            <p:custDataLst>
+              <p:tags r:id="rId1"/>
+            </p:custDataLst>
           </p:nvPr>
-        </p:nvSpPr>
+        </p:nvPicPr>
+        <p:blipFill>
+          <a:blip r:embed="rId3">
+            <a:extLst>
+              <a:ext uri="{28A0092B-C50C-407E-A947-70E740481C1C}">
+                <a14:useLocalDpi xmlns:a14="http://schemas.microsoft.com/office/drawing/2010/main" val="0"/>
+              </a:ext>
+            </a:extLst>
+          </a:blip>
+          <a:stretch>
+            <a:fillRect/>
+          </a:stretch>
+        </p:blipFill>
         <p:spPr>
           <a:xfrm>
-            <a:off x="395536" y="1353344"/>
-            <a:ext cx="7344816" cy="3162622"/>
+            <a:off x="683573" y="1419623"/>
+            <a:ext cx="6334971" cy="2828417"/>
           </a:xfrm>
+          <a:prstGeom prst="rect">
+            <a:avLst/>
+          </a:prstGeom>
         </p:spPr>
-        <p:txBody>
-          <a:bodyPr/>
-          <a:lstStyle/>
-          <a:p>
-            <a:r>
-              <a:rPr lang="de-DE" sz="2000"/>
-              <a:t>„General </a:t>
-            </a:r>
-            <a:r>
-              <a:rPr lang="de-DE" sz="2000" err="1"/>
-              <a:t>population</a:t>
-            </a:r>
-            <a:r>
-              <a:rPr lang="de-DE" sz="2000"/>
-              <a:t> </a:t>
-            </a:r>
-            <a:r>
-              <a:rPr lang="de-DE" sz="2000" err="1"/>
-              <a:t>survey</a:t>
-            </a:r>
-            <a:r>
-              <a:rPr lang="de-DE" sz="2000"/>
-              <a:t> </a:t>
-            </a:r>
-            <a:r>
-              <a:rPr lang="de-DE" sz="2000" err="1"/>
-              <a:t>of</a:t>
-            </a:r>
-            <a:r>
-              <a:rPr lang="de-DE" sz="2000"/>
-              <a:t> </a:t>
-            </a:r>
-            <a:r>
-              <a:rPr lang="de-DE" sz="2000" err="1"/>
-              <a:t>the</a:t>
-            </a:r>
-            <a:r>
-              <a:rPr lang="de-DE" sz="2000"/>
-              <a:t> social </a:t>
-            </a:r>
-            <a:r>
-              <a:rPr lang="de-DE" sz="2000" err="1"/>
-              <a:t>sciences</a:t>
-            </a:r>
-            <a:r>
-              <a:rPr lang="de-DE" sz="2000"/>
-              <a:t>“ 	  </a:t>
-            </a:r>
-            <a:r>
-              <a:rPr lang="de-DE" sz="1000"/>
-              <a:t>(Allgemeine Bevölkerungsumfrage der Sozialwissenschaften)</a:t>
-            </a:r>
-          </a:p>
-          <a:p>
-            <a:r>
-              <a:rPr lang="de-DE" sz="2000" b="1"/>
-              <a:t>Response Variable</a:t>
-            </a:r>
-            <a:r>
-              <a:rPr lang="de-DE" sz="2000"/>
-              <a:t>:</a:t>
-            </a:r>
-          </a:p>
-          <a:p>
-            <a:pPr lvl="1"/>
-            <a:r>
-              <a:rPr lang="de-DE" sz="1800"/>
-              <a:t>„Federal </a:t>
-            </a:r>
-            <a:r>
-              <a:rPr lang="de-DE" sz="1800" err="1"/>
-              <a:t>state</a:t>
-            </a:r>
-            <a:r>
-              <a:rPr lang="de-DE" sz="1800"/>
-              <a:t> </a:t>
-            </a:r>
-            <a:r>
-              <a:rPr lang="de-DE" sz="1800" err="1"/>
-              <a:t>where</a:t>
-            </a:r>
-            <a:r>
-              <a:rPr lang="de-DE" sz="1800"/>
-              <a:t> </a:t>
-            </a:r>
-            <a:r>
-              <a:rPr lang="de-DE" sz="1800" err="1"/>
-              <a:t>interviewee</a:t>
-            </a:r>
-            <a:r>
-              <a:rPr lang="de-DE" sz="1800"/>
-              <a:t> </a:t>
-            </a:r>
-            <a:r>
-              <a:rPr lang="de-DE" sz="1800" err="1"/>
-              <a:t>lived</a:t>
-            </a:r>
-            <a:r>
-              <a:rPr lang="de-DE" sz="1800"/>
-              <a:t> in </a:t>
-            </a:r>
-            <a:r>
-              <a:rPr lang="de-DE" sz="1800" err="1"/>
-              <a:t>youth</a:t>
-            </a:r>
-            <a:r>
-              <a:rPr lang="de-DE" sz="1800"/>
-              <a:t>“</a:t>
-            </a:r>
-          </a:p>
-          <a:p>
-            <a:pPr lvl="1"/>
-            <a:r>
-              <a:rPr lang="de-DE" sz="1800" err="1">
-                <a:sym typeface="Wingdings" panose="05000000000000000000" pitchFamily="2" charset="2"/>
-              </a:rPr>
-              <a:t>coded</a:t>
-            </a:r>
-            <a:r>
-              <a:rPr lang="de-DE" sz="1800">
-                <a:sym typeface="Wingdings" panose="05000000000000000000" pitchFamily="2" charset="2"/>
-              </a:rPr>
-              <a:t> </a:t>
-            </a:r>
-            <a:r>
-              <a:rPr lang="de-DE" sz="1800" err="1">
-                <a:sym typeface="Wingdings" panose="05000000000000000000" pitchFamily="2" charset="2"/>
-              </a:rPr>
-              <a:t>to</a:t>
-            </a:r>
-            <a:r>
-              <a:rPr lang="de-DE" sz="1800">
-                <a:sym typeface="Wingdings" panose="05000000000000000000" pitchFamily="2" charset="2"/>
-              </a:rPr>
-              <a:t> „Youth in East/West Germany“</a:t>
-            </a:r>
-            <a:endParaRPr lang="de-DE" sz="1800"/>
-          </a:p>
-          <a:p>
-            <a:r>
-              <a:rPr lang="de-DE" sz="2000" b="1" err="1"/>
-              <a:t>Predictor</a:t>
-            </a:r>
-            <a:r>
-              <a:rPr lang="de-DE" sz="2000" b="1"/>
-              <a:t> Variables</a:t>
-            </a:r>
-            <a:r>
-              <a:rPr lang="de-DE" sz="2000"/>
-              <a:t>:</a:t>
-            </a:r>
-          </a:p>
-          <a:p>
-            <a:pPr lvl="1"/>
-            <a:r>
-              <a:rPr lang="de-DE" sz="1800"/>
-              <a:t>121 variables </a:t>
-            </a:r>
-            <a:r>
-              <a:rPr lang="de-DE" sz="1800" err="1"/>
-              <a:t>concerning</a:t>
-            </a:r>
-            <a:r>
-              <a:rPr lang="de-DE" sz="1800"/>
-              <a:t> </a:t>
-            </a:r>
-            <a:r>
-              <a:rPr lang="de-DE" sz="1800" err="1"/>
-              <a:t>attitudes</a:t>
-            </a:r>
-            <a:r>
-              <a:rPr lang="de-DE" sz="1800"/>
-              <a:t>, </a:t>
-            </a:r>
-            <a:r>
-              <a:rPr lang="de-DE" sz="1800" err="1"/>
-              <a:t>behavior</a:t>
-            </a:r>
-            <a:r>
-              <a:rPr lang="de-DE" sz="1800"/>
-              <a:t> and social </a:t>
-            </a:r>
-            <a:r>
-              <a:rPr lang="de-DE" sz="1800" err="1"/>
-              <a:t>change</a:t>
-            </a:r>
-            <a:endParaRPr lang="de-DE" sz="1800"/>
-          </a:p>
-        </p:txBody>
-      </p:sp>
+      </p:pic>
     </p:spTree>
     <p:extLst>
       <p:ext uri="{BB962C8B-B14F-4D97-AF65-F5344CB8AC3E}">
-        <p14:creationId xmlns:p14="http://schemas.microsoft.com/office/powerpoint/2010/main" val="2732348097"/>
+        <p14:creationId xmlns:p14="http://schemas.microsoft.com/office/powerpoint/2010/main" val="3663614039"/>
       </p:ext>
     </p:extLst>
   </p:cSld>
@@ -7653,7 +8341,7 @@
           <p:cNvPr id="2" name="Titel 1">
             <a:extLst>
               <a:ext uri="{FF2B5EF4-FFF2-40B4-BE49-F238E27FC236}">
-                <a16:creationId xmlns:a16="http://schemas.microsoft.com/office/drawing/2014/main" id="{9C274E31-D4F7-6C4A-D81C-1BC18A1044AE}"/>
+                <a16:creationId xmlns:a16="http://schemas.microsoft.com/office/drawing/2014/main" id="{150630A1-84DF-49F6-B5F8-E57296386700}"/>
               </a:ext>
             </a:extLst>
           </p:cNvPr>
@@ -7670,9 +8358,30 @@
           <a:lstStyle/>
           <a:p>
             <a:r>
-              <a:rPr lang="de-DE"/>
-              <a:t>Dataset: ALLBUS</a:t>
-            </a:r>
+              <a:rPr lang="de-DE" dirty="0"/>
+              <a:t>1. </a:t>
+            </a:r>
+            <a:r>
+              <a:rPr lang="de-DE" dirty="0" err="1"/>
+              <a:t>History</a:t>
+            </a:r>
+            <a:r>
+              <a:rPr lang="de-DE" dirty="0"/>
+              <a:t> </a:t>
+            </a:r>
+            <a:r>
+              <a:rPr lang="de-DE" dirty="0" err="1"/>
+              <a:t>of</a:t>
+            </a:r>
+            <a:r>
+              <a:rPr lang="de-DE" dirty="0"/>
+              <a:t> Support Vector </a:t>
+            </a:r>
+            <a:r>
+              <a:rPr lang="de-DE" dirty="0" err="1"/>
+              <a:t>Machine</a:t>
+            </a:r>
+            <a:endParaRPr lang="de-DE" dirty="0"/>
           </a:p>
         </p:txBody>
       </p:sp>
@@ -7681,7 +8390,7 @@
           <p:cNvPr id="3" name="Inhaltsplatzhalter 2">
             <a:extLst>
               <a:ext uri="{FF2B5EF4-FFF2-40B4-BE49-F238E27FC236}">
-                <a16:creationId xmlns:a16="http://schemas.microsoft.com/office/drawing/2014/main" id="{A6EE175B-F110-2231-4746-FB0A5137CFF3}"/>
+                <a16:creationId xmlns:a16="http://schemas.microsoft.com/office/drawing/2014/main" id="{3FF9D066-9F9C-F31B-20AC-AD293FDA4C4E}"/>
               </a:ext>
             </a:extLst>
           </p:cNvPr>
@@ -7695,7 +8404,7 @@
         <p:spPr>
           <a:xfrm>
             <a:off x="395536" y="1353344"/>
-            <a:ext cx="7344816" cy="3162622"/>
+            <a:ext cx="8640960" cy="2664633"/>
           </a:xfrm>
         </p:spPr>
         <p:txBody>
@@ -7703,127 +8412,174 @@
           <a:lstStyle/>
           <a:p>
             <a:r>
-              <a:rPr lang="de-DE" sz="2000" b="1"/>
-              <a:t>Data </a:t>
-            </a:r>
-            <a:r>
-              <a:rPr lang="de-DE" sz="2000" b="1" err="1"/>
-              <a:t>Preparation</a:t>
-            </a:r>
-            <a:r>
-              <a:rPr lang="de-DE" sz="2000" b="1"/>
-              <a:t>:</a:t>
-            </a:r>
-          </a:p>
-          <a:p>
-            <a:pPr lvl="1"/>
-            <a:r>
-              <a:rPr lang="de-DE" sz="1800" err="1"/>
-              <a:t>Only</a:t>
-            </a:r>
-            <a:r>
-              <a:rPr lang="de-DE" sz="1800"/>
+              <a:rPr lang="de-DE" sz="2000" dirty="0"/>
+              <a:t>Early </a:t>
+            </a:r>
+            <a:r>
+              <a:rPr lang="de-DE" sz="2000" dirty="0" err="1"/>
+              <a:t>ideas</a:t>
+            </a:r>
+            <a:r>
+              <a:rPr lang="de-DE" sz="2000" dirty="0"/>
               <a:t> </a:t>
             </a:r>
             <a:r>
-              <a:rPr lang="de-DE" sz="1800" err="1"/>
-              <a:t>include</a:t>
-            </a:r>
-            <a:r>
-              <a:rPr lang="de-DE" sz="1800"/>
+              <a:rPr lang="de-DE" sz="2000" dirty="0" err="1"/>
+              <a:t>of</a:t>
+            </a:r>
+            <a:r>
+              <a:rPr lang="de-DE" sz="2000" dirty="0"/>
+              <a:t> a </a:t>
+            </a:r>
+            <a:r>
+              <a:rPr lang="de-DE" sz="2000" dirty="0" err="1"/>
+              <a:t>seperating</a:t>
+            </a:r>
+            <a:r>
+              <a:rPr lang="de-DE" sz="2000" dirty="0"/>
+              <a:t> Hyperplane 1936 </a:t>
+            </a:r>
+            <a:r>
+              <a:rPr lang="de-DE" sz="1000" dirty="0"/>
+              <a:t>(R. Fisher)</a:t>
+            </a:r>
+          </a:p>
+          <a:p>
+            <a:r>
+              <a:rPr lang="de-DE" sz="2000" dirty="0"/>
+              <a:t>First SVM </a:t>
+            </a:r>
+            <a:r>
+              <a:rPr lang="de-DE" sz="2000" dirty="0" err="1"/>
+              <a:t>algorithm</a:t>
+            </a:r>
+            <a:r>
+              <a:rPr lang="de-DE" sz="2000" dirty="0"/>
+              <a:t> in 1964 </a:t>
+            </a:r>
+            <a:r>
+              <a:rPr lang="de-DE" sz="1000" dirty="0"/>
+              <a:t>(V. </a:t>
+            </a:r>
+            <a:r>
+              <a:rPr lang="de-DE" sz="1000" dirty="0" err="1"/>
+              <a:t>Vapnik</a:t>
+            </a:r>
+            <a:r>
+              <a:rPr lang="de-DE" sz="1000" dirty="0"/>
+              <a:t>, A. </a:t>
+            </a:r>
+            <a:r>
+              <a:rPr lang="de-DE" sz="1000" dirty="0" err="1"/>
+              <a:t>Chervonenkis</a:t>
+            </a:r>
+            <a:r>
+              <a:rPr lang="de-DE" sz="1000" dirty="0"/>
+              <a:t>)</a:t>
+            </a:r>
+          </a:p>
+          <a:p>
+            <a:r>
+              <a:rPr lang="de-DE" sz="2000" dirty="0"/>
+              <a:t>Use </a:t>
+            </a:r>
+            <a:r>
+              <a:rPr lang="de-DE" sz="2000" dirty="0" err="1"/>
+              <a:t>of</a:t>
+            </a:r>
+            <a:r>
+              <a:rPr lang="de-DE" sz="2000" dirty="0"/>
               <a:t> </a:t>
             </a:r>
             <a:r>
-              <a:rPr lang="de-DE" sz="1800" err="1"/>
-              <a:t>questions</a:t>
-            </a:r>
-            <a:r>
-              <a:rPr lang="de-DE" sz="1800"/>
+              <a:rPr lang="de-DE" sz="2000" dirty="0" err="1"/>
+              <a:t>kernel</a:t>
+            </a:r>
+            <a:r>
+              <a:rPr lang="de-DE" sz="2000" dirty="0"/>
               <a:t> </a:t>
             </a:r>
             <a:r>
-              <a:rPr lang="de-DE" sz="1800" err="1"/>
-              <a:t>answered</a:t>
-            </a:r>
-            <a:r>
-              <a:rPr lang="de-DE" sz="1800"/>
-              <a:t> in all 3 Splits</a:t>
-            </a:r>
-          </a:p>
-          <a:p>
-            <a:pPr lvl="1"/>
-            <a:r>
-              <a:rPr lang="de-DE" sz="1800" err="1"/>
-              <a:t>Exclude</a:t>
-            </a:r>
-            <a:r>
-              <a:rPr lang="de-DE" sz="1800"/>
+              <a:rPr lang="de-DE" sz="2000" dirty="0" err="1"/>
+              <a:t>trick</a:t>
+            </a:r>
+            <a:r>
+              <a:rPr lang="de-DE" sz="2000" dirty="0"/>
               <a:t> </a:t>
             </a:r>
             <a:r>
-              <a:rPr lang="de-DE" sz="1800" err="1"/>
-              <a:t>questions</a:t>
-            </a:r>
-            <a:r>
-              <a:rPr lang="de-DE" sz="1800"/>
+              <a:rPr lang="de-DE" sz="2000" dirty="0" err="1"/>
+              <a:t>for</a:t>
+            </a:r>
+            <a:r>
+              <a:rPr lang="de-DE" sz="2000" dirty="0"/>
               <a:t> </a:t>
             </a:r>
             <a:r>
-              <a:rPr lang="de-DE" sz="1800" err="1"/>
-              <a:t>with</a:t>
-            </a:r>
-            <a:r>
-              <a:rPr lang="de-DE" sz="1800"/>
-              <a:t> &gt; 5% NA</a:t>
-            </a:r>
-          </a:p>
-          <a:p>
-            <a:pPr lvl="1"/>
-            <a:r>
-              <a:rPr lang="de-DE" sz="1800" err="1"/>
-              <a:t>Exclude</a:t>
-            </a:r>
-            <a:r>
-              <a:rPr lang="de-DE" sz="1800"/>
+              <a:rPr lang="de-DE" sz="2000" dirty="0" err="1"/>
+              <a:t>nonlinear</a:t>
+            </a:r>
+            <a:r>
+              <a:rPr lang="de-DE" sz="2000" dirty="0"/>
               <a:t> </a:t>
             </a:r>
             <a:r>
-              <a:rPr lang="de-DE" sz="1800" err="1"/>
-              <a:t>observations</a:t>
-            </a:r>
-            <a:r>
-              <a:rPr lang="de-DE" sz="1800"/>
+              <a:rPr lang="de-DE" sz="2000" dirty="0" err="1"/>
+              <a:t>classifiers</a:t>
+            </a:r>
+            <a:r>
+              <a:rPr lang="de-DE" sz="2000" dirty="0"/>
+              <a:t> in 1992 </a:t>
+            </a:r>
+            <a:r>
+              <a:rPr lang="de-DE" sz="1000" dirty="0"/>
+              <a:t>(B. Boser, I. Guyon, V. </a:t>
+            </a:r>
+            <a:r>
+              <a:rPr lang="de-DE" sz="1000" dirty="0" err="1"/>
+              <a:t>Vapnik</a:t>
+            </a:r>
+            <a:r>
+              <a:rPr lang="de-DE" sz="1000" dirty="0"/>
+              <a:t>) </a:t>
+            </a:r>
+          </a:p>
+          <a:p>
+            <a:r>
+              <a:rPr lang="de-DE" sz="2000" dirty="0" err="1"/>
+              <a:t>Introduction</a:t>
+            </a:r>
+            <a:r>
+              <a:rPr lang="de-DE" sz="2000" dirty="0"/>
               <a:t> </a:t>
             </a:r>
             <a:r>
-              <a:rPr lang="de-DE" sz="1800" err="1"/>
-              <a:t>with</a:t>
-            </a:r>
-            <a:r>
-              <a:rPr lang="de-DE" sz="1800"/>
-              <a:t> NA</a:t>
-            </a:r>
-          </a:p>
-          <a:p>
-            <a:r>
-              <a:rPr lang="de-DE" sz="2000"/>
-              <a:t>After </a:t>
-            </a:r>
-            <a:r>
-              <a:rPr lang="de-DE" sz="2000" err="1"/>
-              <a:t>Preparation</a:t>
-            </a:r>
-            <a:r>
-              <a:rPr lang="de-DE" sz="2000"/>
-              <a:t>: 2509 </a:t>
-            </a:r>
-            <a:r>
-              <a:rPr lang="de-DE" sz="2000" err="1"/>
-              <a:t>observations</a:t>
-            </a:r>
-            <a:r>
-              <a:rPr lang="de-DE" sz="2000"/>
-              <a:t> and 122 variables</a:t>
+              <a:rPr lang="de-DE" sz="2000" dirty="0" err="1"/>
+              <a:t>of</a:t>
+            </a:r>
+            <a:r>
+              <a:rPr lang="de-DE" sz="2000" dirty="0"/>
+              <a:t> „soft </a:t>
+            </a:r>
+            <a:r>
+              <a:rPr lang="de-DE" sz="2000" dirty="0" err="1"/>
+              <a:t>margin</a:t>
+            </a:r>
+            <a:r>
+              <a:rPr lang="de-DE" sz="2000" dirty="0"/>
+              <a:t>“ in 1995 </a:t>
+            </a:r>
+            <a:r>
+              <a:rPr lang="de-DE" sz="1000" dirty="0"/>
+              <a:t>(C. Cortes, V. </a:t>
+            </a:r>
+            <a:r>
+              <a:rPr lang="de-DE" sz="1000" dirty="0" err="1"/>
+              <a:t>Vapnik</a:t>
+            </a:r>
+            <a:r>
+              <a:rPr lang="de-DE" sz="1000" dirty="0"/>
+              <a:t>)</a:t>
             </a:r>
           </a:p>
         </p:txBody>
@@ -7831,220 +8587,7 @@
     </p:spTree>
     <p:extLst>
       <p:ext uri="{BB962C8B-B14F-4D97-AF65-F5344CB8AC3E}">
-        <p14:creationId xmlns:p14="http://schemas.microsoft.com/office/powerpoint/2010/main" val="3828027156"/>
-      </p:ext>
-    </p:extLst>
-  </p:cSld>
-  <p:clrMapOvr>
-    <a:masterClrMapping/>
-  </p:clrMapOvr>
-</p:sld>
-</file>
-
-<file path=ppt/slides/slide26.xml><?xml version="1.0" encoding="utf-8"?>
-<p:sld xmlns:a="http://schemas.openxmlformats.org/drawingml/2006/main" xmlns:r="http://schemas.openxmlformats.org/officeDocument/2006/relationships" xmlns:p="http://schemas.openxmlformats.org/presentationml/2006/main" show="0">
-  <p:cSld>
-    <p:spTree>
-      <p:nvGrpSpPr>
-        <p:cNvPr id="1" name=""/>
-        <p:cNvGrpSpPr/>
-        <p:nvPr/>
-      </p:nvGrpSpPr>
-      <p:grpSpPr>
-        <a:xfrm>
-          <a:off x="0" y="0"/>
-          <a:ext cx="0" cy="0"/>
-          <a:chOff x="0" y="0"/>
-          <a:chExt cx="0" cy="0"/>
-        </a:xfrm>
-      </p:grpSpPr>
-      <p:sp>
-        <p:nvSpPr>
-          <p:cNvPr id="2" name="Titel 1">
-            <a:extLst>
-              <a:ext uri="{FF2B5EF4-FFF2-40B4-BE49-F238E27FC236}">
-                <a16:creationId xmlns:a16="http://schemas.microsoft.com/office/drawing/2014/main" id="{44ED17ED-09C8-55E6-DF2F-BBE1E913B8D2}"/>
-              </a:ext>
-            </a:extLst>
-          </p:cNvPr>
-          <p:cNvSpPr>
-            <a:spLocks noGrp="1"/>
-          </p:cNvSpPr>
-          <p:nvPr>
-            <p:ph type="title"/>
-          </p:nvPr>
-        </p:nvSpPr>
-        <p:spPr/>
-        <p:txBody>
-          <a:bodyPr/>
-          <a:lstStyle/>
-          <a:p>
-            <a:r>
-              <a:rPr lang="de-DE"/>
-              <a:t>Simulation </a:t>
-            </a:r>
-            <a:r>
-              <a:rPr lang="de-DE" err="1"/>
-              <a:t>study</a:t>
-            </a:r>
-            <a:endParaRPr lang="de-DE"/>
-          </a:p>
-        </p:txBody>
-      </p:sp>
-      <p:sp>
-        <p:nvSpPr>
-          <p:cNvPr id="3" name="Inhaltsplatzhalter 2">
-            <a:extLst>
-              <a:ext uri="{FF2B5EF4-FFF2-40B4-BE49-F238E27FC236}">
-                <a16:creationId xmlns:a16="http://schemas.microsoft.com/office/drawing/2014/main" id="{DE4E10F2-1F49-793B-6371-20F0C962B1D9}"/>
-              </a:ext>
-            </a:extLst>
-          </p:cNvPr>
-          <p:cNvSpPr>
-            <a:spLocks noGrp="1"/>
-          </p:cNvSpPr>
-          <p:nvPr>
-            <p:ph idx="1"/>
-          </p:nvPr>
-        </p:nvSpPr>
-        <p:spPr/>
-        <p:txBody>
-          <a:bodyPr/>
-          <a:lstStyle/>
-          <a:p>
-            <a:r>
-              <a:rPr lang="de-DE" sz="2000"/>
-              <a:t>Measurement </a:t>
-            </a:r>
-            <a:r>
-              <a:rPr lang="de-DE" sz="2000" err="1"/>
-              <a:t>of</a:t>
-            </a:r>
-            <a:r>
-              <a:rPr lang="de-DE" sz="2000"/>
-              <a:t> </a:t>
-            </a:r>
-            <a:r>
-              <a:rPr lang="de-DE" sz="2000" err="1"/>
-              <a:t>accuracy</a:t>
-            </a:r>
-            <a:r>
-              <a:rPr lang="de-DE" sz="2000"/>
-              <a:t>:</a:t>
-            </a:r>
-          </a:p>
-          <a:p>
-            <a:pPr lvl="1"/>
-            <a:r>
-              <a:rPr lang="en-GB" sz="1800"/>
-              <a:t>Misclassification</a:t>
-            </a:r>
-            <a:r>
-              <a:rPr lang="de-DE" sz="1800"/>
-              <a:t> rate</a:t>
-            </a:r>
-          </a:p>
-          <a:p>
-            <a:pPr lvl="1"/>
-            <a:r>
-              <a:rPr lang="de-DE" sz="1800"/>
-              <a:t>ROC </a:t>
-            </a:r>
-            <a:r>
-              <a:rPr lang="de-DE" sz="1800" err="1"/>
-              <a:t>curve</a:t>
-            </a:r>
-            <a:endParaRPr lang="de-DE" sz="1800"/>
-          </a:p>
-        </p:txBody>
-      </p:sp>
-    </p:spTree>
-    <p:extLst>
-      <p:ext uri="{BB962C8B-B14F-4D97-AF65-F5344CB8AC3E}">
-        <p14:creationId xmlns:p14="http://schemas.microsoft.com/office/powerpoint/2010/main" val="1886016345"/>
-      </p:ext>
-    </p:extLst>
-  </p:cSld>
-  <p:clrMapOvr>
-    <a:masterClrMapping/>
-  </p:clrMapOvr>
-</p:sld>
-</file>
-
-<file path=ppt/slides/slide27.xml><?xml version="1.0" encoding="utf-8"?>
-<p:sld xmlns:a="http://schemas.openxmlformats.org/drawingml/2006/main" xmlns:r="http://schemas.openxmlformats.org/officeDocument/2006/relationships" xmlns:p="http://schemas.openxmlformats.org/presentationml/2006/main">
-  <p:cSld>
-    <p:spTree>
-      <p:nvGrpSpPr>
-        <p:cNvPr id="1" name=""/>
-        <p:cNvGrpSpPr/>
-        <p:nvPr/>
-      </p:nvGrpSpPr>
-      <p:grpSpPr>
-        <a:xfrm>
-          <a:off x="0" y="0"/>
-          <a:ext cx="0" cy="0"/>
-          <a:chOff x="0" y="0"/>
-          <a:chExt cx="0" cy="0"/>
-        </a:xfrm>
-      </p:grpSpPr>
-      <p:sp>
-        <p:nvSpPr>
-          <p:cNvPr id="2" name="Titel 1">
-            <a:extLst>
-              <a:ext uri="{FF2B5EF4-FFF2-40B4-BE49-F238E27FC236}">
-                <a16:creationId xmlns:a16="http://schemas.microsoft.com/office/drawing/2014/main" id="{5841DC02-6942-A02F-3690-049179BDDFFB}"/>
-              </a:ext>
-            </a:extLst>
-          </p:cNvPr>
-          <p:cNvSpPr>
-            <a:spLocks noGrp="1"/>
-          </p:cNvSpPr>
-          <p:nvPr>
-            <p:ph type="title"/>
-          </p:nvPr>
-        </p:nvSpPr>
-        <p:spPr/>
-        <p:txBody>
-          <a:bodyPr/>
-          <a:lstStyle/>
-          <a:p>
-            <a:r>
-              <a:rPr lang="de-DE"/>
-              <a:t>Eventuell Vergleich zur logistischen Regression</a:t>
-            </a:r>
-          </a:p>
-        </p:txBody>
-      </p:sp>
-      <p:sp>
-        <p:nvSpPr>
-          <p:cNvPr id="3" name="Inhaltsplatzhalter 2">
-            <a:extLst>
-              <a:ext uri="{FF2B5EF4-FFF2-40B4-BE49-F238E27FC236}">
-                <a16:creationId xmlns:a16="http://schemas.microsoft.com/office/drawing/2014/main" id="{53B72B76-6DAD-D05F-CD79-CA2DDBA8FA0A}"/>
-              </a:ext>
-            </a:extLst>
-          </p:cNvPr>
-          <p:cNvSpPr>
-            <a:spLocks noGrp="1"/>
-          </p:cNvSpPr>
-          <p:nvPr>
-            <p:ph idx="1"/>
-          </p:nvPr>
-        </p:nvSpPr>
-        <p:spPr/>
-        <p:txBody>
-          <a:bodyPr/>
-          <a:lstStyle/>
-          <a:p>
-            <a:endParaRPr lang="de-DE" sz="2000"/>
-          </a:p>
-        </p:txBody>
-      </p:sp>
-    </p:spTree>
-    <p:extLst>
-      <p:ext uri="{BB962C8B-B14F-4D97-AF65-F5344CB8AC3E}">
-        <p14:creationId xmlns:p14="http://schemas.microsoft.com/office/powerpoint/2010/main" val="3939977226"/>
+        <p14:creationId xmlns:p14="http://schemas.microsoft.com/office/powerpoint/2010/main" val="2401403703"/>
       </p:ext>
     </p:extLst>
   </p:cSld>
@@ -8142,55 +8685,55 @@
           <a:lstStyle/>
           <a:p>
             <a:r>
-              <a:rPr lang="en-GB" sz="2000"/>
+              <a:rPr lang="en-GB" sz="2000" dirty="0"/>
               <a:t>Especially effective in </a:t>
             </a:r>
             <a:r>
-              <a:rPr lang="en-GB" sz="2000" b="1"/>
-              <a:t>classification</a:t>
-            </a:r>
-            <a:r>
-              <a:rPr lang="en-GB" sz="2000"/>
+              <a:rPr lang="en-GB" sz="2000" b="1" dirty="0"/>
+              <a:t>binary classification</a:t>
+            </a:r>
+            <a:r>
+              <a:rPr lang="en-GB" sz="2000" dirty="0"/>
               <a:t> (also used for regression)</a:t>
             </a:r>
           </a:p>
           <a:p>
             <a:r>
-              <a:rPr lang="en-GB" sz="2000"/>
+              <a:rPr lang="en-GB" sz="2000" dirty="0"/>
               <a:t>Find the </a:t>
             </a:r>
             <a:r>
-              <a:rPr lang="en-GB" sz="2000" b="1"/>
+              <a:rPr lang="en-GB" sz="2000" b="1" dirty="0"/>
               <a:t>hyperplane</a:t>
             </a:r>
             <a:r>
-              <a:rPr lang="en-GB" sz="2000"/>
+              <a:rPr lang="en-GB" sz="2000" dirty="0"/>
               <a:t> that </a:t>
             </a:r>
             <a:r>
-              <a:rPr lang="en-GB" sz="2000" b="1"/>
+              <a:rPr lang="en-GB" sz="2000" b="1" dirty="0"/>
               <a:t>separates</a:t>
             </a:r>
             <a:r>
-              <a:rPr lang="en-GB" sz="2000"/>
+              <a:rPr lang="en-GB" sz="2000" dirty="0"/>
               <a:t> classes with the maximum possible </a:t>
             </a:r>
             <a:r>
-              <a:rPr lang="en-GB" sz="2000" b="1"/>
+              <a:rPr lang="en-GB" sz="2000" b="1" dirty="0"/>
               <a:t>margin</a:t>
             </a:r>
           </a:p>
           <a:p>
             <a:r>
-              <a:rPr lang="en-GB" sz="2000"/>
+              <a:rPr lang="en-GB" sz="2000" dirty="0"/>
               <a:t>Only the </a:t>
             </a:r>
             <a:r>
-              <a:rPr lang="en-GB" sz="2000" b="1"/>
+              <a:rPr lang="en-GB" sz="2000" b="1" dirty="0"/>
               <a:t>support vectors </a:t>
             </a:r>
             <a:r>
-              <a:rPr lang="en-GB" sz="2000"/>
+              <a:rPr lang="en-GB" sz="2000" dirty="0"/>
               <a:t>(datapoints closest to hyperplane) have direct influence on the position of the hyperplane</a:t>
             </a:r>
           </a:p>
@@ -8231,7 +8774,7 @@
           <p:cNvPr id="2" name="Titel 1">
             <a:extLst>
               <a:ext uri="{FF2B5EF4-FFF2-40B4-BE49-F238E27FC236}">
-                <a16:creationId xmlns:a16="http://schemas.microsoft.com/office/drawing/2014/main" id="{150630A1-84DF-49F6-B5F8-E57296386700}"/>
+                <a16:creationId xmlns:a16="http://schemas.microsoft.com/office/drawing/2014/main" id="{388F7BA3-B785-BDE2-BAC6-74C1F53E9285}"/>
               </a:ext>
             </a:extLst>
           </p:cNvPr>
@@ -8249,235 +8792,99 @@
           <a:p>
             <a:r>
               <a:rPr lang="de-DE" dirty="0"/>
-              <a:t>1. </a:t>
+              <a:t>2.1. Hard Margin: </a:t>
             </a:r>
             <a:r>
               <a:rPr lang="de-DE" dirty="0" err="1"/>
-              <a:t>History</a:t>
+              <a:t>Decision</a:t>
             </a:r>
             <a:r>
               <a:rPr lang="de-DE" dirty="0"/>
-              <a:t> </a:t>
-            </a:r>
-            <a:r>
-              <a:rPr lang="de-DE" dirty="0" err="1"/>
-              <a:t>of</a:t>
-            </a:r>
-            <a:r>
-              <a:rPr lang="de-DE" dirty="0"/>
-              <a:t> Support Vector </a:t>
-            </a:r>
-            <a:r>
-              <a:rPr lang="de-DE" dirty="0" err="1"/>
-              <a:t>Machine</a:t>
-            </a:r>
-            <a:endParaRPr lang="de-DE" dirty="0"/>
+              <a:t> Boundary</a:t>
+            </a:r>
           </a:p>
         </p:txBody>
       </p:sp>
-      <p:sp>
-        <p:nvSpPr>
-          <p:cNvPr id="3" name="Inhaltsplatzhalter 2">
+      <p:pic>
+        <p:nvPicPr>
+          <p:cNvPr id="7" name="Grafik 6" descr="\documentclass[20pt]{article}&#10;\usepackage{amsmath,amsfonts,amssymb,xcolor, mathtools}&#10;\pagestyle{empty}&#10;\usepackage[T1]{fontenc}&#10;\usepackage{fontspec}&#10;\setsansfont{Arial}&#10;\renewcommand\familydefault{\sfdefault}&#10;\begin{document}&#10;\begin{itemize}&#10;\item \textcolor{green}{$\beta$}$\rightarrow$ a k-dimensional vector\newline perpendicular to the decision boundary&#10;\item all points $x$ for which holds $\frac{\textcolor{green}{\beta}}{||\textcolor{green}{\beta}||}\cdot \overline{x}=\textcolor{magenta}{c}$\newline lie on the hyperplain &#10;\item through some rearrangement we get \newline&#10;$\beta \cdot \overline{x} +\beta_0=0$&#10;&#10;\end{itemize}&#10;&#10;\end{document}" title="IguanaTex Picture Display">
             <a:extLst>
               <a:ext uri="{FF2B5EF4-FFF2-40B4-BE49-F238E27FC236}">
-                <a16:creationId xmlns:a16="http://schemas.microsoft.com/office/drawing/2014/main" id="{3FF9D066-9F9C-F31B-20AC-AD293FDA4C4E}"/>
+                <a16:creationId xmlns:a16="http://schemas.microsoft.com/office/drawing/2014/main" id="{D8E488CC-6A22-58C4-4AEE-4B7530968487}"/>
               </a:ext>
             </a:extLst>
           </p:cNvPr>
-          <p:cNvSpPr>
-            <a:spLocks noGrp="1"/>
-          </p:cNvSpPr>
+          <p:cNvPicPr>
+            <a:picLocks noChangeAspect="1"/>
+          </p:cNvPicPr>
           <p:nvPr>
-            <p:ph idx="1"/>
+            <p:custDataLst>
+              <p:tags r:id="rId1"/>
+            </p:custDataLst>
           </p:nvPr>
-        </p:nvSpPr>
+        </p:nvPicPr>
+        <p:blipFill>
+          <a:blip r:embed="rId3">
+            <a:extLst>
+              <a:ext uri="{28A0092B-C50C-407E-A947-70E740481C1C}">
+                <a14:useLocalDpi xmlns:a14="http://schemas.microsoft.com/office/drawing/2010/main" val="0"/>
+              </a:ext>
+            </a:extLst>
+          </a:blip>
+          <a:stretch>
+            <a:fillRect/>
+          </a:stretch>
+        </p:blipFill>
         <p:spPr>
           <a:xfrm>
-            <a:off x="395536" y="1353344"/>
-            <a:ext cx="8640960" cy="2664633"/>
+            <a:off x="720858" y="1707655"/>
+            <a:ext cx="4091257" cy="1996269"/>
           </a:xfrm>
+          <a:prstGeom prst="rect">
+            <a:avLst/>
+          </a:prstGeom>
         </p:spPr>
-        <p:txBody>
-          <a:bodyPr/>
-          <a:lstStyle/>
-          <a:p>
-            <a:r>
-              <a:rPr lang="de-DE" sz="2000"/>
-              <a:t>Early </a:t>
-            </a:r>
-            <a:r>
-              <a:rPr lang="de-DE" sz="2000" err="1"/>
-              <a:t>ideas</a:t>
-            </a:r>
-            <a:r>
-              <a:rPr lang="de-DE" sz="2000"/>
-              <a:t> </a:t>
-            </a:r>
-            <a:r>
-              <a:rPr lang="de-DE" sz="2000" err="1"/>
-              <a:t>of</a:t>
-            </a:r>
-            <a:r>
-              <a:rPr lang="de-DE" sz="2000"/>
-              <a:t> a </a:t>
-            </a:r>
-            <a:r>
-              <a:rPr lang="de-DE" sz="2000" err="1"/>
-              <a:t>seperating</a:t>
-            </a:r>
-            <a:r>
-              <a:rPr lang="de-DE" sz="2000"/>
-              <a:t> Hyperplane 1936 </a:t>
-            </a:r>
-            <a:r>
-              <a:rPr lang="de-DE" sz="1000"/>
-              <a:t>(R. Fisher)</a:t>
-            </a:r>
-          </a:p>
-          <a:p>
-            <a:r>
-              <a:rPr lang="de-DE" sz="2000"/>
-              <a:t>First SVM </a:t>
-            </a:r>
-            <a:r>
-              <a:rPr lang="de-DE" sz="2000" err="1"/>
-              <a:t>algorithm</a:t>
-            </a:r>
-            <a:r>
-              <a:rPr lang="de-DE" sz="2000"/>
-              <a:t> in 1964 </a:t>
-            </a:r>
-            <a:r>
-              <a:rPr lang="de-DE" sz="1000"/>
-              <a:t>(V. </a:t>
-            </a:r>
-            <a:r>
-              <a:rPr lang="de-DE" sz="1000" err="1"/>
-              <a:t>Vapnik</a:t>
-            </a:r>
-            <a:r>
-              <a:rPr lang="de-DE" sz="1000"/>
-              <a:t>, A. </a:t>
-            </a:r>
-            <a:r>
-              <a:rPr lang="de-DE" sz="1000" err="1"/>
-              <a:t>Chervonenkis</a:t>
-            </a:r>
-            <a:r>
-              <a:rPr lang="de-DE" sz="1000"/>
-              <a:t>)</a:t>
-            </a:r>
-          </a:p>
-          <a:p>
-            <a:r>
-              <a:rPr lang="de-DE" sz="2000"/>
-              <a:t>Use </a:t>
-            </a:r>
-            <a:r>
-              <a:rPr lang="de-DE" sz="2000" err="1"/>
-              <a:t>of</a:t>
-            </a:r>
-            <a:r>
-              <a:rPr lang="de-DE" sz="2000"/>
-              <a:t> </a:t>
-            </a:r>
-            <a:r>
-              <a:rPr lang="de-DE" sz="2000" err="1"/>
-              <a:t>kernel</a:t>
-            </a:r>
-            <a:r>
-              <a:rPr lang="de-DE" sz="2000"/>
-              <a:t> </a:t>
-            </a:r>
-            <a:r>
-              <a:rPr lang="de-DE" sz="2000" err="1"/>
-              <a:t>trick</a:t>
-            </a:r>
-            <a:r>
-              <a:rPr lang="de-DE" sz="2000"/>
-              <a:t> </a:t>
-            </a:r>
-            <a:r>
-              <a:rPr lang="de-DE" sz="2000" err="1"/>
-              <a:t>for</a:t>
-            </a:r>
-            <a:r>
-              <a:rPr lang="de-DE" sz="2000"/>
-              <a:t> </a:t>
-            </a:r>
-            <a:r>
-              <a:rPr lang="de-DE" sz="2000" err="1"/>
-              <a:t>nonlinear</a:t>
-            </a:r>
-            <a:r>
-              <a:rPr lang="de-DE" sz="2000"/>
-              <a:t> </a:t>
-            </a:r>
-            <a:r>
-              <a:rPr lang="de-DE" sz="2000" err="1"/>
-              <a:t>classifiers</a:t>
-            </a:r>
-            <a:r>
-              <a:rPr lang="de-DE" sz="2000"/>
-              <a:t> in 1992 </a:t>
-            </a:r>
-            <a:r>
-              <a:rPr lang="de-DE" sz="1000"/>
-              <a:t>(B. Boser, I. Guyon, V. </a:t>
-            </a:r>
-            <a:r>
-              <a:rPr lang="de-DE" sz="1000" err="1"/>
-              <a:t>Vapnik</a:t>
-            </a:r>
-            <a:r>
-              <a:rPr lang="de-DE" sz="1000"/>
-              <a:t>) </a:t>
-            </a:r>
-          </a:p>
-          <a:p>
-            <a:r>
-              <a:rPr lang="de-DE" sz="2000" err="1"/>
-              <a:t>Introduction</a:t>
-            </a:r>
-            <a:r>
-              <a:rPr lang="de-DE" sz="2000"/>
-              <a:t> </a:t>
-            </a:r>
-            <a:r>
-              <a:rPr lang="de-DE" sz="2000" err="1"/>
-              <a:t>of</a:t>
-            </a:r>
-            <a:r>
-              <a:rPr lang="de-DE" sz="2000"/>
-              <a:t> „soft </a:t>
-            </a:r>
-            <a:r>
-              <a:rPr lang="de-DE" sz="2000" err="1"/>
-              <a:t>margin</a:t>
-            </a:r>
-            <a:r>
-              <a:rPr lang="de-DE" sz="2000"/>
-              <a:t>“ in 1995 </a:t>
-            </a:r>
-            <a:r>
-              <a:rPr lang="de-DE" sz="1000"/>
-              <a:t>(C. Cortes, V. </a:t>
-            </a:r>
-            <a:r>
-              <a:rPr lang="de-DE" sz="1000" err="1"/>
-              <a:t>Vapnik</a:t>
-            </a:r>
-            <a:r>
-              <a:rPr lang="de-DE" sz="1000"/>
-              <a:t>)</a:t>
-            </a:r>
-          </a:p>
-        </p:txBody>
-      </p:sp>
+      </p:pic>
+      <p:pic>
+        <p:nvPicPr>
+          <p:cNvPr id="5" name="Grafik 4" descr="Ein Bild, das Reihe, Diagramm, parallel enthält.&#10;&#10;Automatisch generierte Beschreibung">
+            <a:extLst>
+              <a:ext uri="{FF2B5EF4-FFF2-40B4-BE49-F238E27FC236}">
+                <a16:creationId xmlns:a16="http://schemas.microsoft.com/office/drawing/2014/main" id="{2FF4439B-4933-2A0A-9836-8FAFBD29F270}"/>
+              </a:ext>
+            </a:extLst>
+          </p:cNvPr>
+          <p:cNvPicPr>
+            <a:picLocks noChangeAspect="1"/>
+          </p:cNvPicPr>
+          <p:nvPr/>
+        </p:nvPicPr>
+        <p:blipFill>
+          <a:blip r:embed="rId4">
+            <a:extLst>
+              <a:ext uri="{28A0092B-C50C-407E-A947-70E740481C1C}">
+                <a14:useLocalDpi xmlns:a14="http://schemas.microsoft.com/office/drawing/2010/main" val="0"/>
+              </a:ext>
+            </a:extLst>
+          </a:blip>
+          <a:stretch>
+            <a:fillRect/>
+          </a:stretch>
+        </p:blipFill>
+        <p:spPr>
+          <a:xfrm>
+            <a:off x="5063456" y="1234748"/>
+            <a:ext cx="3617339" cy="3072824"/>
+          </a:xfrm>
+          <a:prstGeom prst="rect">
+            <a:avLst/>
+          </a:prstGeom>
+        </p:spPr>
+      </p:pic>
     </p:spTree>
     <p:extLst>
       <p:ext uri="{BB962C8B-B14F-4D97-AF65-F5344CB8AC3E}">
-        <p14:creationId xmlns:p14="http://schemas.microsoft.com/office/powerpoint/2010/main" val="2401403703"/>
+        <p14:creationId xmlns:p14="http://schemas.microsoft.com/office/powerpoint/2010/main" val="1770530705"/>
       </p:ext>
     </p:extLst>
   </p:cSld>
@@ -8527,7 +8934,7 @@
           <a:p>
             <a:r>
               <a:rPr lang="de-DE" dirty="0"/>
-              <a:t>Hard Margin: </a:t>
+              <a:t>2.1. Hard Margin: </a:t>
             </a:r>
             <a:r>
               <a:rPr lang="de-DE" dirty="0" err="1"/>
@@ -8542,10 +8949,10 @@
       </p:sp>
       <p:pic>
         <p:nvPicPr>
-          <p:cNvPr id="7" name="Grafik 6" descr="\documentclass[20pt]{article}&#10;\usepackage{amsmath,amsfonts,amssymb,xcolor, mathtools}&#10;\pagestyle{empty}&#10;\usepackage[T1]{fontenc}&#10;\usepackage{fontspec}&#10;\setsansfont{Arial}&#10;\renewcommand\familydefault{\sfdefault}&#10;\begin{document}&#10;\begin{itemize}&#10;\item \textcolor{green}{$\beta$}$\rightarrow$ a k-dimensional vector\newline perpendicular to the decision boundary&#10;\item all points $x$ for which holds $\frac{\textcolor{green}{\beta}}{||\textcolor{green}{\beta}||}\cdot \overline{x}=\textcolor{magenta}{c}$\newline lie on the hyperplain &#10;\item through some rearrangement we get \newline&#10;$\beta \cdot \overline{x} +\beta_0=0$&#10;&#10;\end{itemize}&#10;&#10;\end{document}" title="IguanaTex Picture Display">
+          <p:cNvPr id="4" name="Grafik 3" descr="\documentclass[20pt]{article}&#10;\usepackage{amsmath,amsfonts,amssymb,xcolor, mathtools}&#10;\pagestyle{empty}&#10;\usepackage[T1]{fontenc}&#10;\usepackage{fontspec}&#10;\setsansfont{Arial}&#10;\renewcommand\familydefault{\sfdefault}&#10;\begin{document}&#10;\begin{itemize}&#10;\item the two gutters around the boundary \newline are defined by $\beta \cdot \overline{x}+\beta_0=1$ and \newline$ \beta \cdot \overline{x}+\beta_0=-1$&#10;&#10;\item seperate \textcolor{green}{positive}($\beta \cdot \overline{x}+\beta_0\ge 1$)\newline from \textcolor{red}{negative} ($\beta \cdot \overline{x}+\beta_0\le -1$) samples&#10;\item distance between the gutters\newline$\rightarrow$ width that is to be maximized&#10;\end{itemize}&#10;&#10;\end{document}" title="IguanaTex Picture Display">
             <a:extLst>
               <a:ext uri="{FF2B5EF4-FFF2-40B4-BE49-F238E27FC236}">
-                <a16:creationId xmlns:a16="http://schemas.microsoft.com/office/drawing/2014/main" id="{D8E488CC-6A22-58C4-4AEE-4B7530968487}"/>
+                <a16:creationId xmlns:a16="http://schemas.microsoft.com/office/drawing/2014/main" id="{B91C8D0D-9638-85AB-2539-90A3D508026A}"/>
               </a:ext>
             </a:extLst>
           </p:cNvPr>
@@ -8572,8 +8979,8 @@
         </p:blipFill>
         <p:spPr>
           <a:xfrm>
-            <a:off x="720858" y="1707655"/>
-            <a:ext cx="4091257" cy="1996269"/>
+            <a:off x="683569" y="1707651"/>
+            <a:ext cx="4216518" cy="2218859"/>
           </a:xfrm>
           <a:prstGeom prst="rect">
             <a:avLst/>
@@ -8582,10 +8989,10 @@
       </p:pic>
       <p:pic>
         <p:nvPicPr>
-          <p:cNvPr id="5" name="Grafik 4" descr="Ein Bild, das Reihe, Diagramm, parallel enthält.&#10;&#10;Automatisch generierte Beschreibung">
+          <p:cNvPr id="5" name="Grafik 4" descr="Ein Bild, das Reihe, Diagramm, parallel, Steigung enthält.&#10;&#10;Automatisch generierte Beschreibung">
             <a:extLst>
               <a:ext uri="{FF2B5EF4-FFF2-40B4-BE49-F238E27FC236}">
-                <a16:creationId xmlns:a16="http://schemas.microsoft.com/office/drawing/2014/main" id="{2FF4439B-4933-2A0A-9836-8FAFBD29F270}"/>
+                <a16:creationId xmlns:a16="http://schemas.microsoft.com/office/drawing/2014/main" id="{402170D5-C41B-257C-79F6-AF4EE077D414}"/>
               </a:ext>
             </a:extLst>
           </p:cNvPr>
@@ -8608,8 +9015,8 @@
         </p:blipFill>
         <p:spPr>
           <a:xfrm>
-            <a:off x="5063456" y="1234748"/>
-            <a:ext cx="3617339" cy="3072824"/>
+            <a:off x="5067013" y="1124744"/>
+            <a:ext cx="3733061" cy="3168549"/>
           </a:xfrm>
           <a:prstGeom prst="rect">
             <a:avLst/>
@@ -8619,7 +9026,7 @@
     </p:spTree>
     <p:extLst>
       <p:ext uri="{BB962C8B-B14F-4D97-AF65-F5344CB8AC3E}">
-        <p14:creationId xmlns:p14="http://schemas.microsoft.com/office/powerpoint/2010/main" val="1770530705"/>
+        <p14:creationId xmlns:p14="http://schemas.microsoft.com/office/powerpoint/2010/main" val="3990756690"/>
       </p:ext>
     </p:extLst>
   </p:cSld>
@@ -8669,25 +9076,25 @@
           <a:p>
             <a:r>
               <a:rPr lang="de-DE" dirty="0"/>
-              <a:t>Hard Margin: </a:t>
-            </a:r>
-            <a:r>
-              <a:rPr lang="de-DE" dirty="0" err="1"/>
-              <a:t>Decision</a:t>
+              <a:t>2.1. Hard Margin: </a:t>
+            </a:r>
+            <a:r>
+              <a:rPr lang="en-GB" dirty="0"/>
+              <a:t>maximize</a:t>
             </a:r>
             <a:r>
               <a:rPr lang="de-DE" dirty="0"/>
-              <a:t> Boundary</a:t>
+              <a:t> Margin Width</a:t>
             </a:r>
           </a:p>
         </p:txBody>
       </p:sp>
       <p:pic>
         <p:nvPicPr>
-          <p:cNvPr id="4" name="Grafik 3" descr="\documentclass[20pt]{article}&#10;\usepackage{amsmath,amsfonts,amssymb,xcolor, mathtools}&#10;\pagestyle{empty}&#10;\usepackage[T1]{fontenc}&#10;\usepackage{fontspec}&#10;\setsansfont{Arial}&#10;\renewcommand\familydefault{\sfdefault}&#10;\begin{document}&#10;\begin{itemize}&#10;\item the two gutters around the boundary \newline are defined by $\beta \cdot \overline{x}+\beta_0=1$ and \newline$ \beta \cdot \overline{x}+\beta_0=-1$&#10;&#10;\item seperate \textcolor{green}{positive}($\beta \cdot \overline{x}+\beta_0\ge 1$)\newline from \textcolor{red}{negative} ($\beta \cdot \overline{x}+\beta_0\le -1$) samples&#10;\item distance between the gutters\newline$\rightarrow$ width that is to be maximized&#10;\end{itemize}&#10;&#10;\end{document}" title="IguanaTex Picture Display">
+          <p:cNvPr id="12" name="Grafik 11" descr="\documentclass[20pt]{article}&#10;\usepackage{amsmath,amsfonts,amssymb,xcolor, mathtools}&#10;\pagestyle{empty}&#10;\usepackage[T1]{fontenc}&#10;\usepackage{fontspec}&#10;\setsansfont{Arial}&#10;\renewcommand\familydefault{\sfdefault}&#10;\begin{document}&#10;\begin{itemize}&#10;\item consider $\overline{x}^+ \rightarrow$ vector of a  postive\newline sample lying on the gutter \newline&#10;($\overline{x}^- \rightarrow$ negative sample on gutter)\newline&#10;$\Rightarrow$ considered as \textbf{Support Vectors}&#10;\item to measure the \textcolor{magenta}{width} of the margin  \newline&#10;$(\overline{x}^+ -\overline{x}^-)$ is Projected on the unit \newline&#10;vector of $\beta$ &#10;\item $M=(\overline{x}^+ -\overline{x}^-)\cdot \frac{\beta}{||\beta||}=\frac{\beta \overline{x}^+ -\beta \overline{x}^-}{||\beta||}$&#10;&#10;\end{itemize}&#10;&#10;\end{document}" title="IguanaTex Picture Display">
             <a:extLst>
               <a:ext uri="{FF2B5EF4-FFF2-40B4-BE49-F238E27FC236}">
-                <a16:creationId xmlns:a16="http://schemas.microsoft.com/office/drawing/2014/main" id="{B91C8D0D-9638-85AB-2539-90A3D508026A}"/>
+                <a16:creationId xmlns:a16="http://schemas.microsoft.com/office/drawing/2014/main" id="{411DB361-60EB-928A-EEE9-0DBE5521E3A5}"/>
               </a:ext>
             </a:extLst>
           </p:cNvPr>
@@ -8714,8 +9121,8 @@
         </p:blipFill>
         <p:spPr>
           <a:xfrm>
-            <a:off x="683569" y="1707651"/>
-            <a:ext cx="4216518" cy="2218859"/>
+            <a:off x="755578" y="1485455"/>
+            <a:ext cx="3701273" cy="2686283"/>
           </a:xfrm>
           <a:prstGeom prst="rect">
             <a:avLst/>
@@ -8727,7 +9134,7 @@
           <p:cNvPr id="5" name="Grafik 4" descr="Ein Bild, das Reihe, Diagramm, parallel, Steigung enthält.&#10;&#10;Automatisch generierte Beschreibung">
             <a:extLst>
               <a:ext uri="{FF2B5EF4-FFF2-40B4-BE49-F238E27FC236}">
-                <a16:creationId xmlns:a16="http://schemas.microsoft.com/office/drawing/2014/main" id="{402170D5-C41B-257C-79F6-AF4EE077D414}"/>
+                <a16:creationId xmlns:a16="http://schemas.microsoft.com/office/drawing/2014/main" id="{892AF73E-6A12-EA96-1923-B8D2A01FAE62}"/>
               </a:ext>
             </a:extLst>
           </p:cNvPr>
@@ -8750,8 +9157,8 @@
         </p:blipFill>
         <p:spPr>
           <a:xfrm>
-            <a:off x="5067013" y="1124744"/>
-            <a:ext cx="3733061" cy="3168549"/>
+            <a:off x="4792006" y="1291546"/>
+            <a:ext cx="3854837" cy="3244624"/>
           </a:xfrm>
           <a:prstGeom prst="rect">
             <a:avLst/>
@@ -8761,7 +9168,7 @@
     </p:spTree>
     <p:extLst>
       <p:ext uri="{BB962C8B-B14F-4D97-AF65-F5344CB8AC3E}">
-        <p14:creationId xmlns:p14="http://schemas.microsoft.com/office/powerpoint/2010/main" val="3990756690"/>
+        <p14:creationId xmlns:p14="http://schemas.microsoft.com/office/powerpoint/2010/main" val="2902806685"/>
       </p:ext>
     </p:extLst>
   </p:cSld>
@@ -8821,15 +9228,16 @@
               <a:rPr lang="de-DE" dirty="0"/>
               <a:t> Margin Width</a:t>
             </a:r>
+            <a:endParaRPr lang="en-GB" dirty="0"/>
           </a:p>
         </p:txBody>
       </p:sp>
       <p:pic>
         <p:nvPicPr>
-          <p:cNvPr id="12" name="Grafik 11" descr="\documentclass[20pt]{article}&#10;\usepackage{amsmath,amsfonts,amssymb,xcolor, mathtools}&#10;\pagestyle{empty}&#10;\usepackage[T1]{fontenc}&#10;\usepackage{fontspec}&#10;\setsansfont{Arial}&#10;\renewcommand\familydefault{\sfdefault}&#10;\begin{document}&#10;\begin{itemize}&#10;\item consider $\overline{x}^+ \rightarrow$ vector of a  postive\newline sample lying on the gutter \newline&#10;($\overline{x}^- \rightarrow$ negative sample on gutter)\newline&#10;$\Rightarrow$ considered as \textbf{Support Vectors}&#10;\item to measure the \textcolor{magenta}{width} of the margin  \newline&#10;$(\overline{x}^+ -\overline{x}^-)$ is Projected on the unit \newline&#10;vector of $\beta$ &#10;\item $M=(\overline{x}^+ -\overline{x}^-)\cdot \frac{\beta}{||\beta||}=\frac{\beta \overline{x}^+ -\beta \overline{x}^-}{||\beta||}$&#10;&#10;\end{itemize}&#10;&#10;\end{document}" title="IguanaTex Picture Display">
+          <p:cNvPr id="4" name="Grafik 3" descr="\documentclass[20pt]{article}&#10;\usepackage{amsmath,amsfonts,amssymb,xcolor, mathtools}&#10;\pagestyle{empty}&#10;\usepackage[T1]{fontenc}&#10;\usepackage{fontspec}&#10;\setsansfont{Arial}&#10;\renewcommand\familydefault{\sfdefault}&#10;\begin{document}&#10;\begin{itemize}&#10;\item for a positive sample laying on the gutter &#10;we know \vspace{0.2cm}\newline $\beta \overline{x}^+ +\beta_0 = 1 \Leftrightarrow \beta \overline{x}^+=1-\beta_0$&#10;\item conversely for a negativ sample on the gutter \vspace{0.2cm}\newline&#10;$\beta \overline{x}^- +\beta_0 = -1 \Leftrightarrow \beta \overline{x}^-=-1-\beta_0$&#10;\item imputed in the derived formula for the width\vspace{0.2cm}\newline&#10;$\rightarrow \frac{1-\beta_0-(-1-\beta_0)}{||\beta||}=\frac{2}{||\beta||}$&#10;\item minimization of $\frac{1}{2} ||\beta||^2=\frac{1}{2} \beta ' \beta$  in order to maximize $\frac{2}{||\beta||}$&#10;\end{itemize}&#10;&#10;\end{document}" title="IguanaTex Picture Display">
             <a:extLst>
               <a:ext uri="{FF2B5EF4-FFF2-40B4-BE49-F238E27FC236}">
-                <a16:creationId xmlns:a16="http://schemas.microsoft.com/office/drawing/2014/main" id="{411DB361-60EB-928A-EEE9-0DBE5521E3A5}"/>
+                <a16:creationId xmlns:a16="http://schemas.microsoft.com/office/drawing/2014/main" id="{AFD01AFB-CF26-8A35-EC06-7A2BF9FB7DCC}"/>
               </a:ext>
             </a:extLst>
           </p:cNvPr>
@@ -8856,44 +9264,8 @@
         </p:blipFill>
         <p:spPr>
           <a:xfrm>
-            <a:off x="755578" y="1485455"/>
-            <a:ext cx="3701273" cy="2686283"/>
-          </a:xfrm>
-          <a:prstGeom prst="rect">
-            <a:avLst/>
-          </a:prstGeom>
-        </p:spPr>
-      </p:pic>
-      <p:pic>
-        <p:nvPicPr>
-          <p:cNvPr id="5" name="Grafik 4" descr="Ein Bild, das Reihe, Diagramm, parallel, Steigung enthält.&#10;&#10;Automatisch generierte Beschreibung">
-            <a:extLst>
-              <a:ext uri="{FF2B5EF4-FFF2-40B4-BE49-F238E27FC236}">
-                <a16:creationId xmlns:a16="http://schemas.microsoft.com/office/drawing/2014/main" id="{892AF73E-6A12-EA96-1923-B8D2A01FAE62}"/>
-              </a:ext>
-            </a:extLst>
-          </p:cNvPr>
-          <p:cNvPicPr>
-            <a:picLocks noChangeAspect="1"/>
-          </p:cNvPicPr>
-          <p:nvPr/>
-        </p:nvPicPr>
-        <p:blipFill>
-          <a:blip r:embed="rId4">
-            <a:extLst>
-              <a:ext uri="{28A0092B-C50C-407E-A947-70E740481C1C}">
-                <a14:useLocalDpi xmlns:a14="http://schemas.microsoft.com/office/drawing/2010/main" val="0"/>
-              </a:ext>
-            </a:extLst>
-          </a:blip>
-          <a:stretch>
-            <a:fillRect/>
-          </a:stretch>
-        </p:blipFill>
-        <p:spPr>
-          <a:xfrm>
-            <a:off x="4792006" y="1291546"/>
-            <a:ext cx="3854837" cy="3244624"/>
+            <a:off x="611561" y="1124745"/>
+            <a:ext cx="5736643" cy="3030145"/>
           </a:xfrm>
           <a:prstGeom prst="rect">
             <a:avLst/>
@@ -8903,7 +9275,7 @@
     </p:spTree>
     <p:extLst>
       <p:ext uri="{BB962C8B-B14F-4D97-AF65-F5344CB8AC3E}">
-        <p14:creationId xmlns:p14="http://schemas.microsoft.com/office/powerpoint/2010/main" val="2902806685"/>
+        <p14:creationId xmlns:p14="http://schemas.microsoft.com/office/powerpoint/2010/main" val="2843438534"/>
       </p:ext>
     </p:extLst>
   </p:cSld>
@@ -8953,7 +9325,7 @@
           <a:p>
             <a:r>
               <a:rPr lang="de-DE" dirty="0"/>
-              <a:t>Hard Margin: </a:t>
+              <a:t>2.1. Hard Margin: </a:t>
             </a:r>
             <a:r>
               <a:rPr lang="en-GB" dirty="0"/>
@@ -8963,16 +9335,15 @@
               <a:rPr lang="de-DE" dirty="0"/>
               <a:t> Margin Width</a:t>
             </a:r>
-            <a:endParaRPr lang="en-GB" dirty="0"/>
           </a:p>
         </p:txBody>
       </p:sp>
       <p:pic>
         <p:nvPicPr>
-          <p:cNvPr id="4" name="Grafik 3" descr="\documentclass[20pt]{article}&#10;\usepackage{amsmath,amsfonts,amssymb,xcolor, mathtools}&#10;\pagestyle{empty}&#10;\usepackage[T1]{fontenc}&#10;\usepackage{fontspec}&#10;\setsansfont{Arial}&#10;\renewcommand\familydefault{\sfdefault}&#10;\begin{document}&#10;\begin{itemize}&#10;\item for a positive sample laying on the gutter &#10;we know \vspace{0.2cm}\newline $\beta \overline{x}^+ +\beta_0 = 1 \Leftrightarrow \beta \overline{x}^+=1-\beta_0$&#10;\item conversely for a negativ sample on the gutter \vspace{0.2cm}\newline&#10;$\beta \overline{x}^- +\beta_0 = -1 \Leftrightarrow \beta \overline{x}^-=-1-\beta_0$&#10;\item imputed in the derived formula for the width\vspace{0.2cm}\newline&#10;$\rightarrow \frac{1-\beta_0-(-1-\beta_0)}{||\beta||}=\frac{2}{||\beta||}$&#10;\item minimization of $\frac{1}{2} ||\beta||^2=\frac{1}{2} \beta ' \beta$  in order to maximize $\frac{2}{||\beta||}$&#10;\end{itemize}&#10;&#10;\end{document}" title="IguanaTex Picture Display">
+          <p:cNvPr id="7" name="Grafik 6" descr="\documentclass[20pt]{article}&#10;\usepackage{amsmath,amsfonts,amssymb,xcolor, mathtools}&#10;\pagestyle{empty}&#10;\usepackage[T1]{fontenc}&#10;\usepackage{fontspec}&#10;\setsansfont{Arial}&#10;\renewcommand\familydefault{\sfdefault}&#10;\begin{document}&#10;\begin{itemize}&#10;\item for the maximization the constraints that   $\beta \cdot \overline{x}+\beta_0\ge 1$ for \textcolor{green}{positive} \newline and ($\beta \cdot \overline{x}+\beta_0\le -1$) for \textcolor{red}{negative} are still to respect&#10;&#10;\item goal: merge both constraints in one&#10;\item introduce new variable $y$ with $y=1$ for positive samples and $y=-1$ for negative samples&#10;\item leading to constraint $y(\beta \overline{x}+\beta_0)\ge 1$&#10;\end{itemize}&#10;\end{document}" title="IguanaTex Picture Display">
             <a:extLst>
               <a:ext uri="{FF2B5EF4-FFF2-40B4-BE49-F238E27FC236}">
-                <a16:creationId xmlns:a16="http://schemas.microsoft.com/office/drawing/2014/main" id="{AFD01AFB-CF26-8A35-EC06-7A2BF9FB7DCC}"/>
+                <a16:creationId xmlns:a16="http://schemas.microsoft.com/office/drawing/2014/main" id="{4906954A-819A-1E47-B89A-9E4163964583}"/>
               </a:ext>
             </a:extLst>
           </p:cNvPr>
@@ -8999,8 +9370,8 @@
         </p:blipFill>
         <p:spPr>
           <a:xfrm>
-            <a:off x="611561" y="1124745"/>
-            <a:ext cx="5736643" cy="3030145"/>
+            <a:off x="683569" y="1419621"/>
+            <a:ext cx="7473313" cy="2198931"/>
           </a:xfrm>
           <a:prstGeom prst="rect">
             <a:avLst/>
@@ -9010,7 +9381,7 @@
     </p:spTree>
     <p:extLst>
       <p:ext uri="{BB962C8B-B14F-4D97-AF65-F5344CB8AC3E}">
-        <p14:creationId xmlns:p14="http://schemas.microsoft.com/office/powerpoint/2010/main" val="2843438534"/>
+        <p14:creationId xmlns:p14="http://schemas.microsoft.com/office/powerpoint/2010/main" val="3291923032"/>
       </p:ext>
     </p:extLst>
   </p:cSld>
@@ -9060,7 +9431,7 @@
           <a:p>
             <a:r>
               <a:rPr lang="de-DE" dirty="0"/>
-              <a:t>Hard Margin: </a:t>
+              <a:t>2.1. Hard Margin: </a:t>
             </a:r>
             <a:r>
               <a:rPr lang="en-GB" dirty="0"/>
@@ -9075,10 +9446,10 @@
       </p:sp>
       <p:pic>
         <p:nvPicPr>
-          <p:cNvPr id="7" name="Grafik 6" descr="\documentclass[20pt]{article}&#10;\usepackage{amsmath,amsfonts,amssymb,xcolor, mathtools}&#10;\pagestyle{empty}&#10;\usepackage[T1]{fontenc}&#10;\usepackage{fontspec}&#10;\setsansfont{Arial}&#10;\renewcommand\familydefault{\sfdefault}&#10;\begin{document}&#10;\begin{itemize}&#10;\item for the maximization the constraints that   $\beta \cdot \overline{x}+\beta_0\ge 1$ for \textcolor{green}{positive} \newline and ($\beta \cdot \overline{x}+\beta_0\le -1$) for \textcolor{red}{negative} are still to respect&#10;&#10;\item goal: merge both constraints in one&#10;\item introduce new variable $y$ with $y=1$ for positive samples and $y=-1$ for negative samples&#10;\item leading to constraint $y(\beta \overline{x}+\beta_0)\ge 1$&#10;\end{itemize}&#10;\end{document}" title="IguanaTex Picture Display">
+          <p:cNvPr id="6" name="Grafik 5" descr="\documentclass[20pt]{article}&#10;\usepackage{amsmath,amsfonts,amssymb,xcolor, mathtools}&#10;\pagestyle{empty}&#10;\usepackage[T1]{fontenc}&#10;\usepackage{fontspec}&#10;\setsansfont{Arial}&#10;\renewcommand\familydefault{\sfdefault}&#10;\begin{document}&#10;\begin{itemize}&#10;\item minimization with constraints $\rightarrow$ Lagrange Multipliers\newline&#10;$\mathcal{L}(\beta,\beta_0,\alpha)=\frac{1}{2}\beta ' \beta-\sum \alpha_i[y_i(\beta \cdot \overline{x_i}+\beta_0)-1]$&#10;\item after solving and rearranging this can be efficiently solved by a quadratic program $\rightarrow$ $\beta$-Vector and $\beta_0$ can be derived&#10;\item only the support vectors will have non zero $\alpha$'s&#10;\item for a new $k$-dimensional vector $\overline{u}$ the decision function is \newline&#10;$f(\overline{u})=\beta \cdot \overline{u}+\beta_0$&#10;\item if $f(\overline{u})&gt;0 \rightarrow u$ is a \textcolor{green}{positive} sample\newline &#10;if $f(\overline{u})&lt;0 \rightarrow u$ is a \textcolor{red}{negative} sample&#10;\end{itemize}&#10;\end{document}" title="IguanaTex Picture Display">
             <a:extLst>
               <a:ext uri="{FF2B5EF4-FFF2-40B4-BE49-F238E27FC236}">
-                <a16:creationId xmlns:a16="http://schemas.microsoft.com/office/drawing/2014/main" id="{4906954A-819A-1E47-B89A-9E4163964583}"/>
+                <a16:creationId xmlns:a16="http://schemas.microsoft.com/office/drawing/2014/main" id="{04D60065-143A-5803-76F8-1E3CCC4A77B6}"/>
               </a:ext>
             </a:extLst>
           </p:cNvPr>
@@ -9105,8 +9476,8 @@
         </p:blipFill>
         <p:spPr>
           <a:xfrm>
-            <a:off x="683569" y="1419621"/>
-            <a:ext cx="7473313" cy="2198931"/>
+            <a:off x="692371" y="1124744"/>
+            <a:ext cx="7488639" cy="3278181"/>
           </a:xfrm>
           <a:prstGeom prst="rect">
             <a:avLst/>
@@ -9116,7 +9487,7 @@
     </p:spTree>
     <p:extLst>
       <p:ext uri="{BB962C8B-B14F-4D97-AF65-F5344CB8AC3E}">
-        <p14:creationId xmlns:p14="http://schemas.microsoft.com/office/powerpoint/2010/main" val="3291923032"/>
+        <p14:creationId xmlns:p14="http://schemas.microsoft.com/office/powerpoint/2010/main" val="2028229908"/>
       </p:ext>
     </p:extLst>
   </p:cSld>
@@ -9149,13 +9520,13 @@
 <file path=ppt/tags/tag10.xml><?xml version="1.0" encoding="utf-8"?>
 <p:tagLst xmlns:a="http://schemas.openxmlformats.org/drawingml/2006/main" xmlns:r="http://schemas.openxmlformats.org/officeDocument/2006/relationships" xmlns:p="http://schemas.openxmlformats.org/presentationml/2006/main">
   <p:tag name="OUTPUTDPI" val="1200"/>
-  <p:tag name="ORIGINALHEIGHT" val="1846,758"/>
-  <p:tag name="ORIGINALWIDTH" val="4084,32"/>
+  <p:tag name="ORIGINALHEIGHT" val="1443,952"/>
+  <p:tag name="ORIGINALWIDTH" val="3845,787"/>
   <p:tag name="OUTPUTTYPE" val="PNG"/>
   <p:tag name="IGUANATEXVERSION" val="161"/>
-  <p:tag name="LATEXADDIN" val="\documentclass[20pt]{article}&#10;\usepackage{amsmath,amsfonts,amssymb,xcolor, mathtools}&#10;\pagestyle{empty}&#10;\usepackage[T1]{fontenc}&#10;\usepackage{fontspec}&#10;\setsansfont{Arial}&#10;\renewcommand\familydefault{\sfdefault}&#10;\begin{document}&#10;\begin{itemize}&#10;\item if data are not linearly seperable or outliers heavily effect the decision boundary&#10;\item solution: introduce an error term or &quot;slack variable&quot; $\varepsilon_i\ge 0$ for the constraint \newline $y_i(\beta \cdot \overline{x}_i-\beta_0)&gt;1- \varepsilon_i$&#10;\begin{itemize}&#10;\item enables some $\overline{x}_i$ to lay on the wrong side of the gutter &#10;\item Problem: choose $\varepsilon$ to be arbitrary Large and it always fullfills the constraint&#10;\item Solution regularization of $\varepsilon$ with tuning parameter $C$ so to minimize\vspace{0.2cm}\newline&#10;$C \sum_{i=1}^{n} \varepsilon_i$&#10;\end{itemize}&#10;\end{itemize}&#10;\end{document}"/>
+  <p:tag name="LATEXADDIN" val="\documentclass[20pt]{article}&#10;\usepackage{amsmath,amsfonts,amssymb,xcolor, mathtools}&#10;\pagestyle{empty}&#10;\usepackage{booktabs}&#10;\usepackage{enumitem}&#10;\usepackage{parskip}&#10;\usepackage[T1]{fontenc}&#10;\usepackage{fontspec}&#10;\setsansfont{Arial}&#10;\renewcommand\familydefault{\sfdefault}&#10;\begin{document}&#10;\centering&#10;\begin{tabular}{p{5cm}|p{5cm}}&#10;\textbf{Pros}&amp;\textbf{cons}\\&#10;\hline&#10;\begin{itemize}[topsep=0cm,leftmargin=0.3cm]&#10;\item efficiently classifies in a high dimensional setting ($n\ll p$)&#10;\item risk of overfitting is lower&#10;\item good performance when classes are already very well seperated&#10;\end{itemize}&#10;&amp;&#10;\begin{itemize}[topsep=0cm,leftmargin=0.3cm]&#10;\item heavily relies on the choice of hyperparameters/kernels&#10;\item no interpretability of coefficients&#10;\item with higer sample size the fitting process is computationally more demanding&#10;\end{itemize}&#10;\end{tabular}&#10;\end{document}"/>
   <p:tag name="IGUANATEXSIZE" val="18"/>
-  <p:tag name="IGUANATEXCURSOR" val="333"/>
+  <p:tag name="IGUANATEXCURSOR" val="589"/>
   <p:tag name="TRANSPARENCY" val="Wahr"/>
   <p:tag name="LATEXENGINEID" val="2"/>
   <p:tag name="TEMPFOLDER" val="c:\temp\"/>
@@ -9169,16 +9540,16 @@
 <file path=ppt/tags/tag11.xml><?xml version="1.0" encoding="utf-8"?>
 <p:tagLst xmlns:a="http://schemas.openxmlformats.org/drawingml/2006/main" xmlns:r="http://schemas.openxmlformats.org/officeDocument/2006/relationships" xmlns:p="http://schemas.openxmlformats.org/presentationml/2006/main">
   <p:tag name="OUTPUTDPI" val="1200"/>
-  <p:tag name="ORIGINALHEIGHT" val="1946,522"/>
-  <p:tag name="ORIGINALWIDTH" val="4256,844"/>
+  <p:tag name="ORIGINALHEIGHT" val="2007,28"/>
+  <p:tag name="ORIGINALWIDTH" val="5454,011"/>
   <p:tag name="OUTPUTTYPE" val="PNG"/>
   <p:tag name="IGUANATEXVERSION" val="161"/>
-  <p:tag name="LATEXADDIN" val="\documentclass[20pt]{article}&#10;\usepackage{amsmath,amsfonts,amssymb,xcolor, mathtools}&#10;\pagestyle{empty}&#10;\usepackage[T1]{fontenc}&#10;\usepackage{fontspec}&#10;\setsansfont{Arial}&#10;\renewcommand\familydefault{\sfdefault}&#10;\begin{document}&#10;\begin{itemize}&#10;\item new Lagrangian to solve\vspace{0.2cm}\newline&#10;$\mathcal{L}(\beta,\beta_0,\alpha,\varepsilon,\lambda)=\frac{1}{2}\beta\cdot \beta + C \sum_{i=1}^{n}\varepsilon_i-\underbrace{\sum \alpha_i[y_i(\beta \cdot \overline{x_i}+\beta_0)-1+\varepsilon_i]}_{\text{ensures }y_i(\beta \cdot \overline{x}_i-\beta_0)&gt;1- \varepsilon_i}-\underbrace{\sum \lambda_i \varepsilon_i }_{\substack{\text{ensures}\\ \varepsilon_i \ge 0}}$&#10;\item derive with respect to $\beta$  and set to zero\newline&#10;$\frac{\partial \mathcal{L}}{\partial \beta}=\beta-\sum \alpha_i y_i \overline{x_i}\overset{!}{=}0 \Rightarrow \beta=\sum \alpha_i y_i \overline{x_i} $&#10;\item derive with respect to $\beta_0$ and set to zero&#10;\newline $\frac{\partial \mathcal{L}}{\partial \beta_0}=\sum \alpha_i y_i \overline{x_i}\overset{!}{=}0$&#10;\item derive with respect to $\varepsilon_i$\newline&#10;$\frac{\partial \mathcal{L}}{\partial \varepsilon_i}=C-\alpha_i-\lambda_i\overset{!}{=}0\Leftrightarrow \lambda_i=C-\alpha_i$&#10;\end{itemize}&#10;\end{document}"/>
+  <p:tag name="LATEXADDIN" val="\documentclass[20pt]{article}&#10;\usepackage{amsmath,amsfonts,amssymb,xcolor, mathtools}&#10;\pagestyle{empty}&#10;\usepackage{booktabs}&#10;\usepackage{enumitem}&#10; \usepackage{multirow}&#10;\usepackage{longtable}&#10;\usepackage{xcolor}&#10;\definecolor{darkgreen}{RGB}{101,178,56}&#10;\usepackage{graphicx}&#10;\usepackage{parskip}&#10;\usepackage[T1]{fontenc}&#10;\usepackage{fontspec}&#10;\setsansfont{Arial}&#10;\renewcommand\familydefault{\sfdefault}&#10;\begin{document}&#10;\begin{center}&#10;\begin{longtable}{ll|lll|}&#10; \cline{3-5}&#10; &amp;             &amp; \multicolumn{3}{c|}{DGP}                                            \\ \cline{3-5} &#10; \endfirsthead&#10; %&#10; \endhead&#10; %&#10; &amp;             &amp; \multicolumn{1}{l|}{linear} &amp; \multicolumn{1}{l|}{polynomial} &amp; radial \\ \hline&#10; \multicolumn{1}{|l|}{\multirow{3}{*}{\rotatebox{90}{Dimensionality}}} &amp; $p \ll n$  &amp; \multicolumn{1}{l|}{\parbox{4cm}{\begin{itemize}[label=-,topsep=0cm,leftmargin=0.3cm,itemsep=0cm,parsep=0cm]&#10;   \item SVM-Linear&#10;   \item SVM-Polynomial &#10;   \item SVM-Radial &#10;   \item Logistic Regression &#10; \end{itemize}}}  &amp; \multicolumn{1}{l|}{\parbox{4cm}{\begin{itemize}[label=-,topsep=0cm,leftmargin=0.3cm,itemsep=0cm,parsep=0cm]&#10; \item SVM-Linear &#10; \item SVM-Polynomial &#10; \item SVM-Radial &#10; \item Logistic Regression &#10;\end{itemize}}}   &amp; \parbox{4cm}{\begin{itemize}[label=-,topsep=0cm,leftmargin=0.3cm,itemsep=0cm,parsep=0cm]&#10;\item SVM-Linear &#10;\item SVM-Polynomial &#10;\item SVM-Radial &#10;\item Logistic Regression &#10;\end{itemize}}  \\ \cline{2-5} &#10; \multicolumn{1}{|l|}{}                                &amp; $p \approx n$  &amp; \multicolumn{1}{l|}{\parbox{4cm}{\begin{itemize}[label=-,topsep=0cm,leftmargin=0.3cm,itemsep=0cm,parsep=0cm]&#10;    \item SVM-Linear&#10;    \item SVM-Polynomial&#10;    \item SVM-Radial&#10;    \item Logistic Regression&#10; \end{itemize}}}  &amp; \multicolumn{1}{l|}{\parbox{4cm}{\begin{itemize}[label=-,topsep=0cm,leftmargin=0.3cm,itemsep=0cm,parsep=0cm]&#10; \item SVM-Linear&#10; \item SVM-Polynomial&#10; \item SVM-Radial&#10; \item Logistic Regression&#10;\end{itemize}}}   &amp; \parbox{4cm}{\begin{itemize}[label=-,topsep=0cm,leftmargin=0.3cm,itemsep=0cm,parsep=0cm]&#10;\item SVM-Linear&#10;\item SVM-Polynomial&#10;\item SVM-Radial&#10;\item Logistic Regression&#10;\end{itemize}}  \\ \cline{2-5} &#10; \multicolumn{1}{|l|}{}                                &amp; $p \gg n$ &amp; \multicolumn{1}{l|}{\parbox{4cm}{\begin{itemize}[label=-,topsep=0cm,leftmargin=0.3cm,itemsep=0cm,parsep=0cm]&#10;    \item SVM-Linear&#10;    \item SVM-Polynomial&#10;    \item SVM-Radial&#10;    \item Logistic Regression&#10; \end{itemize}}}  &amp; \multicolumn{1}{l|}{\parbox{4cm}{\begin{itemize}[label=-,topsep=0cm,leftmargin=0.3cm,itemsep=0cm,parsep=0cm]&#10; \item SVM-Linear&#10; \item SVM-Polynomial&#10; \item SVM-Radial&#10; \item Logistic Regression&#10;\end{itemize}}}   &amp; \parbox{4cm}{\begin{itemize}[label=-,topsep=0cm,leftmargin=0.3cm,itemsep=0cm,parsep=0cm]&#10;\item SVM-Linear&#10;\item SVM-Polynomial&#10;\item SVM-Radial&#10;\item Logistic Regression&#10;\end{itemize}} \\ \hline&#10;\end{longtable}&#10;\end{center}&#10;\end{document}"/>
   <p:tag name="IGUANATEXSIZE" val="18"/>
-  <p:tag name="IGUANATEXCURSOR" val="1215"/>
+  <p:tag name="IGUANATEXCURSOR" val="1821"/>
   <p:tag name="TRANSPARENCY" val="Wahr"/>
-  <p:tag name="LATEXENGINEID" val="2"/>
-  <p:tag name="TEMPFOLDER" val="E:\Dokumente\temp\"/>
+  <p:tag name="LATEXENGINEID" val="3"/>
+  <p:tag name="TEMPFOLDER" val="c:\temp\"/>
   <p:tag name="LATEXFORMHEIGHT" val="320"/>
   <p:tag name="LATEXFORMWIDTH" val="385"/>
   <p:tag name="LATEXFORMWRAP" val="Wahr"/>
@@ -9209,13 +9580,13 @@
 <file path=ppt/tags/tag13.xml><?xml version="1.0" encoding="utf-8"?>
 <p:tagLst xmlns:a="http://schemas.openxmlformats.org/drawingml/2006/main" xmlns:r="http://schemas.openxmlformats.org/officeDocument/2006/relationships" xmlns:p="http://schemas.openxmlformats.org/presentationml/2006/main">
   <p:tag name="OUTPUTDPI" val="1200"/>
-  <p:tag name="ORIGINALHEIGHT" val="915,1277"/>
-  <p:tag name="ORIGINALWIDTH" val="2541,355"/>
+  <p:tag name="ORIGINALHEIGHT" val="1946,522"/>
+  <p:tag name="ORIGINALWIDTH" val="4256,844"/>
   <p:tag name="OUTPUTTYPE" val="PNG"/>
   <p:tag name="IGUANATEXVERSION" val="161"/>
-  <p:tag name="LATEXADDIN" val="\documentclass[20pt]{article}&#10;\usepackage{amsmath,amsfonts,amssymb,xcolor, mathtools}&#10;\pagestyle{empty}&#10;\usepackage[T1]{fontenc}&#10;\usepackage{fontspec}&#10;\setsansfont{Arial}&#10;\renewcommand\familydefault{\sfdefault}&#10;\begin{document}&#10;\begin{itemize}&#10;\item in some cases even a linear decision \newline boundary with soft margin is not suitable &#10;\item enlarging the feature space by introducing\newline nonlinear functions of the predictor variables&#10;\item \textbf{But}: computationally very demanding &#10;\end{itemize}&#10;\end{document}"/>
+  <p:tag name="LATEXADDIN" val="\documentclass[20pt]{article}&#10;\usepackage{amsmath,amsfonts,amssymb,xcolor, mathtools}&#10;\pagestyle{empty}&#10;\usepackage[T1]{fontenc}&#10;\usepackage{fontspec}&#10;\setsansfont{Arial}&#10;\renewcommand\familydefault{\sfdefault}&#10;\begin{document}&#10;\begin{itemize}&#10;\item new Lagrangian to solve\vspace{0.2cm}\newline&#10;$\mathcal{L}(\beta,\beta_0,\alpha,\varepsilon,\lambda)=\frac{1}{2}\beta\cdot \beta + C \sum_{i=1}^{n}\varepsilon_i-\underbrace{\sum \alpha_i[y_i(\beta \cdot \overline{x_i}+\beta_0)-1+\varepsilon_i]}_{\text{ensures }y_i(\beta \cdot \overline{x}_i-\beta_0)&gt;1- \varepsilon_i}-\underbrace{\sum \lambda_i \varepsilon_i }_{\substack{\text{ensures}\\ \varepsilon_i \ge 0}}$&#10;\item derive with respect to $\beta$  and set to zero\newline&#10;$\frac{\partial \mathcal{L}}{\partial \beta}=\beta-\sum \alpha_i y_i \overline{x_i}\overset{!}{=}0 \Rightarrow \beta=\sum \alpha_i y_i \overline{x_i} $&#10;\item derive with respect to $\beta_0$ and set to zero&#10;\newline $\frac{\partial \mathcal{L}}{\partial \beta_0}=\sum \alpha_i y_i \overline{x_i}\overset{!}{=}0$&#10;\item derive with respect to $\varepsilon_i$\newline&#10;$\frac{\partial \mathcal{L}}{\partial \varepsilon_i}=C-\alpha_i-\lambda_i\overset{!}{=}0\Leftrightarrow \lambda_i=C-\alpha_i$&#10;\end{itemize}&#10;\end{document}"/>
   <p:tag name="IGUANATEXSIZE" val="18"/>
-  <p:tag name="IGUANATEXCURSOR" val="415"/>
+  <p:tag name="IGUANATEXCURSOR" val="1215"/>
   <p:tag name="TRANSPARENCY" val="Wahr"/>
   <p:tag name="LATEXENGINEID" val="2"/>
   <p:tag name="TEMPFOLDER" val="E:\Dokumente\temp\"/>
@@ -9227,26 +9598,6 @@
 </file>
 
 <file path=ppt/tags/tag14.xml><?xml version="1.0" encoding="utf-8"?>
-<p:tagLst xmlns:a="http://schemas.openxmlformats.org/drawingml/2006/main" xmlns:r="http://schemas.openxmlformats.org/officeDocument/2006/relationships" xmlns:p="http://schemas.openxmlformats.org/presentationml/2006/main">
-  <p:tag name="OUTPUTDPI" val="1200"/>
-  <p:tag name="ORIGINALHEIGHT" val="1623,977"/>
-  <p:tag name="ORIGINALWIDTH" val="2953,162"/>
-  <p:tag name="OUTPUTTYPE" val="PNG"/>
-  <p:tag name="IGUANATEXVERSION" val="161"/>
-  <p:tag name="LATEXADDIN" val="\documentclass[20pt]{article}&#10;\usepackage{amsmath,amsfonts,amssymb,xcolor, mathtools}&#10;\pagestyle{empty}&#10;\usepackage[T1]{fontenc}&#10;\usepackage{fontspec}&#10;\setsansfont{Arial}&#10;\renewcommand\familydefault{\sfdefault}&#10;\begin{document}&#10;\begin{itemize}&#10;\item apply a transforming function (Kernel)\newline $K(\overline{x}_i \cdot \overline{x}_j)$ to the dot products in the\newline  maximization function &#10;\item some used Kernel functions are &#10;\begin{itemize}&#10;\item the polynomial kernel of order $d$:\newline $K(\overline{x}_i,\overline{x}_j)=(1+ \overline{x}_i^\mathsf{T}\; \overline{x}_j)^d$&#10;\item the radial/gaussian Kernel:\newline$K(\overline{x}_i,\overline{x}_j)=exp(-\gamma||\overline{x}_i- \overline{x}_j||^2)$&#10;\item sigmoid Kernel: $K(\overline{x}_i,\overline{x}_j)= \tanh(\gamma (\overline{x}_i^\mathsf{T}\; \overline{x}_j)+r)$&#10;\end{itemize}&#10;\end{itemize}&#10;\end{document}"/>
-  <p:tag name="IGUANATEXSIZE" val="18"/>
-  <p:tag name="IGUANATEXCURSOR" val="463"/>
-  <p:tag name="TRANSPARENCY" val="Wahr"/>
-  <p:tag name="LATEXENGINEID" val="2"/>
-  <p:tag name="TEMPFOLDER" val="E:\Dokumente\temp\"/>
-  <p:tag name="LATEXFORMHEIGHT" val="320"/>
-  <p:tag name="LATEXFORMWIDTH" val="385"/>
-  <p:tag name="LATEXFORMWRAP" val="Wahr"/>
-  <p:tag name="BITMAPVECTOR" val="0"/>
-</p:tagLst>
-</file>
-
-<file path=ppt/tags/tag15.xml><?xml version="1.0" encoding="utf-8"?>
 <p:tagLst xmlns:a="http://schemas.openxmlformats.org/drawingml/2006/main" xmlns:r="http://schemas.openxmlformats.org/officeDocument/2006/relationships" xmlns:p="http://schemas.openxmlformats.org/presentationml/2006/main">
   <p:tag name="OUTPUTDPI" val="1200"/>
   <p:tag name="ORIGINALHEIGHT" val="492,8187"/>
@@ -9266,16 +9617,36 @@
 </p:tagLst>
 </file>
 
+<file path=ppt/tags/tag15.xml><?xml version="1.0" encoding="utf-8"?>
+<p:tagLst xmlns:a="http://schemas.openxmlformats.org/drawingml/2006/main" xmlns:r="http://schemas.openxmlformats.org/officeDocument/2006/relationships" xmlns:p="http://schemas.openxmlformats.org/presentationml/2006/main">
+  <p:tag name="OUTPUTDPI" val="1200"/>
+  <p:tag name="ORIGINALHEIGHT" val="1057,648"/>
+  <p:tag name="ORIGINALWIDTH" val="3932,049"/>
+  <p:tag name="OUTPUTTYPE" val="PNG"/>
+  <p:tag name="IGUANATEXVERSION" val="161"/>
+  <p:tag name="LATEXADDIN" val="\documentclass[20pt]{article}&#10;\usepackage{amsmath,amsfonts,amssymb,xcolor, mathtools}&#10;\pagestyle{empty}&#10;\usepackage[T1]{fontenc}&#10;\usepackage{fontspec}&#10;\setsansfont{Arial}&#10;\renewcommand\familydefault{\sfdefault}&#10;\begin{document}&#10;\begin{itemize}&#10;\item imputing the results in the optimization formula and rearranging yields &#10;&#10;$$min(\mathcal{L})=-\frac{1}{2}\sum \sum \alpha_i \alpha_j y_i y_j \overline{x}_i \cdot \overline{x}_j+\sum \alpha_i$$&#10;\item can be solved efficiently by quadratic program&#10;\item many of the $\alpha$'s will be zero exept for the support vectors &#10;\end{itemize}&#10;\end{document}"/>
+  <p:tag name="IGUANATEXSIZE" val="18"/>
+  <p:tag name="IGUANATEXCURSOR" val="329"/>
+  <p:tag name="TRANSPARENCY" val="Wahr"/>
+  <p:tag name="LATEXENGINEID" val="2"/>
+  <p:tag name="TEMPFOLDER" val="E:\Dokumente\temp\"/>
+  <p:tag name="LATEXFORMHEIGHT" val="320"/>
+  <p:tag name="LATEXFORMWIDTH" val="385"/>
+  <p:tag name="LATEXFORMWRAP" val="Wahr"/>
+  <p:tag name="BITMAPVECTOR" val="0"/>
+</p:tagLst>
+</file>
+
 <file path=ppt/tags/tag16.xml><?xml version="1.0" encoding="utf-8"?>
 <p:tagLst xmlns:a="http://schemas.openxmlformats.org/drawingml/2006/main" xmlns:r="http://schemas.openxmlformats.org/officeDocument/2006/relationships" xmlns:p="http://schemas.openxmlformats.org/presentationml/2006/main">
   <p:tag name="OUTPUTDPI" val="1200"/>
-  <p:tag name="ORIGINALHEIGHT" val="995,3889"/>
-  <p:tag name="ORIGINALWIDTH" val="3845,787"/>
+  <p:tag name="ORIGINALHEIGHT" val="1160,412"/>
+  <p:tag name="ORIGINALWIDTH" val="2997,418"/>
   <p:tag name="OUTPUTTYPE" val="PNG"/>
   <p:tag name="IGUANATEXVERSION" val="161"/>
-  <p:tag name="LATEXADDIN" val="\documentclass[20pt]{article}&#10;\usepackage{amsmath,amsfonts,amssymb,xcolor, mathtools}&#10;\pagestyle{empty}&#10;\usepackage{booktabs}&#10;\usepackage{enumitem}&#10;\usepackage{parskip}&#10;\usepackage[T1]{fontenc}&#10;\usepackage{fontspec}&#10;\setsansfont{Arial}&#10;\renewcommand\familydefault{\sfdefault}&#10;\begin{document}&#10;\centering&#10;\begin{tabular}{p{5cm}|p{5cm}}&#10;\textbf{Pros}&amp;\textbf{cons}\\&#10;\hline&#10;\begin{itemize}[topsep=0cm,leftmargin=0.3cm]&#10;\item efficiently classifies in a high dimensional setting ($n\ll p$)&#10;\item risk of overfitting is lower&#10;&#10;\end{itemize}&#10;&amp;&#10;\begin{itemize}[topsep=0cm,leftmargin=0.3cm]&#10;\item heavily relies on the choice of hyperparameters/kernels&#10;\item no interpretability of coefficients&#10;\end{itemize}&#10;\end{tabular}&#10;\end{document}"/>
+  <p:tag name="LATEXADDIN" val="\documentclass[20pt]{article}&#10;\usepackage{amsmath,amsfonts,amssymb,xcolor, mathtools}&#10;\pagestyle{empty}&#10;\usepackage[T1]{fontenc}&#10;\usepackage{fontspec}&#10;\setsansfont{Arial}&#10;\renewcommand\familydefault{\sfdefault}&#10;\begin{document}&#10;\begin{itemize}&#10;\item minimization with constraints $\rightarrow$ Lagrange Multipliers\newline&#10;$\mathcal{L}(\beta,\beta_0,\alpha)=\frac{1}{2}\beta ' \beta-\sum \alpha_i[y_i(\beta \cdot \overline{x_i}+\beta_0)-1]$&#10;\item derive with respect to $\beta$  and set to zero\newline&#10;$\frac{\partial \mathcal{L}}{\partial \beta}=\beta-\sum \alpha_i y_i \overline{x_i}\overset{!}{=}0 \Rightarrow \beta=\sum \alpha_i y_i \overline{x_i} $&#10;\item derive with respect to $\beta_0$ and set to zero&#10;\newline $\frac{\partial \mathcal{L}}{\partial \beta_0}=\sum \alpha_i y_i \overline{x_i}\overset{!}{=}0$&#10;\end{itemize}&#10;\end{document}"/>
   <p:tag name="IGUANATEXSIZE" val="18"/>
-  <p:tag name="IGUANATEXCURSOR" val="497"/>
+  <p:tag name="IGUANATEXCURSOR" val="263"/>
   <p:tag name="TRANSPARENCY" val="Wahr"/>
   <p:tag name="LATEXENGINEID" val="2"/>
   <p:tag name="TEMPFOLDER" val="E:\Dokumente\temp\"/>
@@ -9289,36 +9660,16 @@
 <file path=ppt/tags/tag17.xml><?xml version="1.0" encoding="utf-8"?>
 <p:tagLst xmlns:a="http://schemas.openxmlformats.org/drawingml/2006/main" xmlns:r="http://schemas.openxmlformats.org/officeDocument/2006/relationships" xmlns:p="http://schemas.openxmlformats.org/presentationml/2006/main">
   <p:tag name="OUTPUTDPI" val="1200"/>
-  <p:tag name="ORIGINALHEIGHT" val="2007,28"/>
-  <p:tag name="ORIGINALWIDTH" val="5454,011"/>
+  <p:tag name="ORIGINALHEIGHT" val="1468,705"/>
+  <p:tag name="ORIGINALWIDTH" val="3456,482"/>
   <p:tag name="OUTPUTTYPE" val="PNG"/>
   <p:tag name="IGUANATEXVERSION" val="161"/>
-  <p:tag name="LATEXADDIN" val="\documentclass[20pt]{article}&#10;\usepackage{amsmath,amsfonts,amssymb,xcolor, mathtools}&#10;\pagestyle{empty}&#10;\usepackage{booktabs}&#10;\usepackage{enumitem}&#10; \usepackage{multirow}&#10;\usepackage{longtable}&#10;\usepackage{xcolor}&#10;\definecolor{darkgreen}{RGB}{101,178,56}&#10;\usepackage{graphicx}&#10;\usepackage{parskip}&#10;\usepackage[T1]{fontenc}&#10;\usepackage{fontspec}&#10;\setsansfont{Arial}&#10;\renewcommand\familydefault{\sfdefault}&#10;\begin{document}&#10;\begin{center}&#10;\begin{longtable}{ll|lll|}&#10; \cline{3-5}&#10; &amp;             &amp; \multicolumn{3}{c|}{DGP}                                            \\ \cline{3-5} &#10; \endfirsthead&#10; %&#10; \endhead&#10; %&#10; &amp;             &amp; \multicolumn{1}{l|}{linear} &amp; \multicolumn{1}{l|}{polynomial} &amp; radial \\ \hline&#10; \multicolumn{1}{|l|}{\multirow{3}{*}{\rotatebox{90}{Dimensionality}}} &amp; $p \ll n$  &amp; \multicolumn{1}{l|}{\parbox{4cm}{\begin{itemize}[label=-,topsep=0cm,leftmargin=0.3cm,itemsep=0cm,parsep=0cm]&#10;   \item SVM-Linear \textcolor{darkgreen}{\scalebox{1}{$\uparrow$}}&#10;   \item SVM-Polynomial \textcolor{darkgreen}{\scalebox{0.5}{$\uparrow$}}&#10;   \item SVM-Radial \textcolor{darkgreen}{\scalebox{0.5}{$\uparrow$}}&#10;   \item Logistic Regression \textcolor{red}{\scalebox{0.5}{$\downarrow$}}&#10; \end{itemize}}}  &amp; \multicolumn{1}{l|}{\parbox{4cm}{\begin{itemize}[label=-,topsep=0cm,leftmargin=0.3cm,itemsep=0cm,parsep=0cm]&#10; \item SVM-Linear \textcolor{darkgreen}{\scalebox{0.5}{$\uparrow$}}&#10; \item SVM-Polynomial \textcolor{darkgreen}{\scalebox{1}{$\uparrow$}}&#10; \item SVM-Radial \textcolor{darkgreen}{\scalebox{0.5}{$\uparrow$}}&#10; \item Logistic Regression \textcolor{red}{\scalebox{0.5}{$\downarrow$}}&#10;\end{itemize}}}   &amp; \parbox{4cm}{\begin{itemize}[label=-,topsep=0cm,leftmargin=0.3cm,itemsep=0cm,parsep=0cm]&#10;\item SVM-Linear \textcolor{darkgreen}{\scalebox{0.5}{$\uparrow$}}&#10;\item SVM-Polynomial \textcolor{darkgreen}{\scalebox{0.5}{$\uparrow$}}&#10;\item SVM-Radial \textcolor{darkgreen}{\scalebox{1}{$\uparrow$}}&#10;\item Logistic Regression \textcolor{red}{\scalebox{0.5}{$\downarrow$}}&#10;\end{itemize}}  \\ \cline{2-5} &#10; \multicolumn{1}{|l|}{}                                &amp; $p \approx n$  &amp; \multicolumn{1}{l|}{\parbox{4cm}{\begin{itemize}[label=-,topsep=0cm,leftmargin=0.3cm,itemsep=0cm,parsep=0cm]&#10;    \item SVM-Linear&#10;    \item SVM-Polynomial&#10;    \item SVM-Radial&#10;    \item Logistic Regression&#10; \end{itemize}}}  &amp; \multicolumn{1}{l|}{\parbox{4cm}{\begin{itemize}[label=-,topsep=0cm,leftmargin=0.3cm,itemsep=0cm,parsep=0cm]&#10; \item SVM-Linear&#10; \item SVM-Polynomial&#10; \item SVM-Radial&#10; \item Logistic Regression&#10;\end{itemize}}}   &amp; \parbox{4cm}{\begin{itemize}[label=-,topsep=0cm,leftmargin=0.3cm,itemsep=0cm,parsep=0cm]&#10;\item SVM-Linear&#10;\item SVM-Polynomial&#10;\item SVM-Radial&#10;\item Logistic Regression&#10;\end{itemize}}  \\ \cline{2-5} &#10; \multicolumn{1}{|l|}{}                                &amp; $p \gg n$ &amp; \multicolumn{1}{l|}{\parbox{4cm}{\begin{itemize}[label=-,topsep=0cm,leftmargin=0.3cm,itemsep=0cm,parsep=0cm]&#10;    \item SVM-Linear&#10;    \item SVM-Polynomial&#10;    \item SVM-Radial&#10;    \item Logistic Regression&#10; \end{itemize}}}  &amp; \multicolumn{1}{l|}{\parbox{4cm}{\begin{itemize}[label=-,topsep=0cm,leftmargin=0.3cm,itemsep=0cm,parsep=0cm]&#10; \item SVM-Linear&#10; \item SVM-Polynomial&#10; \item SVM-Radial&#10; \item Logistic Regression&#10;\end{itemize}}}   &amp; \parbox{4cm}{\begin{itemize}[label=-,topsep=0cm,leftmargin=0.3cm,itemsep=0cm,parsep=0cm]&#10;\item SVM-Linear&#10;\item SVM-Polynomial&#10;\item SVM-Radial&#10;\item Logistic Regression&#10;\end{itemize}} \\ \hline&#10;\end{longtable}&#10;\end{center}&#10;\end{document}"/>
+  <p:tag name="LATEXADDIN" val="\documentclass[20pt]{article}&#10;\usepackage{amsmath,amsfonts,amssymb,xcolor, mathtools}&#10;\pagestyle{empty}&#10;\usepackage[T1]{fontenc}&#10;\usepackage{fontspec}&#10;\setsansfont{Arial}&#10;\renewcommand\familydefault{\sfdefault}&#10;\begin{document}&#10;\begin{itemize}&#10;\item derive $\beta$ with the new $\alpha$'s&#10;\newline$\beta=\sum \alpha_ iy_i \overline{x_i}$&#10;\item solve for $\beta_0$ with a support vector $\overline{x}_s$ for which we know holds \newline $\beta \cdot\overline{x}_s+\beta_0=y_{x_s}$ therefore $\beta_0=y_{x_s}-\beta \cdot \overline{x}_s$&#10;\item for a new $k$-dimensional vector $\overline{u}$ the decision function is \newline&#10;$f(\overline{u})=\beta \cdot \overline{u}+\beta_0$&#10;\item if $f(\overline{u})&gt;0 \rightarrow u$ is a \textcolor{green}{positive} sample\newline &#10;if $f(\overline{u})&lt;0 \rightarrow u$ is a \textcolor{red}{negative} sample\newline &#10;&#10;\end{itemize}&#10;\end{document}"/>
   <p:tag name="IGUANATEXSIZE" val="18"/>
-  <p:tag name="IGUANATEXCURSOR" val="193"/>
+  <p:tag name="IGUANATEXCURSOR" val="738"/>
   <p:tag name="TRANSPARENCY" val="Wahr"/>
-  <p:tag name="LATEXENGINEID" val="3"/>
-  <p:tag name="TEMPFOLDER" val="E:\Dokumente\temp\"/>
-  <p:tag name="LATEXFORMHEIGHT" val="320"/>
-  <p:tag name="LATEXFORMWIDTH" val="385"/>
-  <p:tag name="LATEXFORMWRAP" val="Wahr"/>
-  <p:tag name="BITMAPVECTOR" val="0"/>
-</p:tagLst>
-</file>
-
-<file path=ppt/tags/tag18.xml><?xml version="1.0" encoding="utf-8"?>
-<p:tagLst xmlns:a="http://schemas.openxmlformats.org/drawingml/2006/main" xmlns:r="http://schemas.openxmlformats.org/officeDocument/2006/relationships" xmlns:p="http://schemas.openxmlformats.org/presentationml/2006/main">
-  <p:tag name="OUTPUTDPI" val="1200"/>
-  <p:tag name="ORIGINALHEIGHT" val="2007,28"/>
-  <p:tag name="ORIGINALWIDTH" val="5454,011"/>
-  <p:tag name="OUTPUTTYPE" val="PNG"/>
-  <p:tag name="IGUANATEXVERSION" val="161"/>
-  <p:tag name="LATEXADDIN" val="\documentclass[20pt]{article}&#10;\usepackage{amsmath,amsfonts,amssymb,xcolor, mathtools}&#10;\pagestyle{empty}&#10;\usepackage{booktabs}&#10;\usepackage{enumitem}&#10; \usepackage{multirow}&#10;\usepackage{longtable}&#10;\usepackage{xcolor}&#10;\definecolor{darkgreen}{RGB}{101,178,56}&#10;\usepackage{graphicx}&#10;\usepackage{parskip}&#10;\usepackage[T1]{fontenc}&#10;\usepackage{fontspec}&#10;\setsansfont{Arial}&#10;\renewcommand\familydefault{\sfdefault}&#10;\begin{document}&#10;\begin{center}&#10;\begin{longtable}{ll|lll|}&#10; \cline{3-5}&#10; &amp;             &amp; \multicolumn{3}{c|}{DGP}                                            \\ \cline{3-5} &#10; \endfirsthead&#10; %&#10; \endhead&#10; %&#10; &amp;             &amp; \multicolumn{1}{l|}{linear} &amp; \multicolumn{1}{l|}{polynomial} &amp; radial \\ \hline&#10; \multicolumn{1}{|l|}{\multirow{3}{*}{\rotatebox{90}{Dimensionality}}} &amp; $p \ll n$  &amp; \multicolumn{1}{l|}{\parbox{4cm}{\begin{itemize}[label=-,topsep=0cm,leftmargin=0.3cm,itemsep=0cm,parsep=0cm]&#10;   \item SVM-Linear \textcolor{darkgreen}{\scalebox{1}{$\uparrow$}}&#10;   \item SVM-Polynomial \textcolor{darkgreen}{\scalebox{0.5}{$\uparrow$}}&#10;   \item SVM-Radial \textcolor{darkgreen}{\scalebox{0.5}{$\uparrow$}}&#10;   \item Logistic Regression \textcolor{red}{\scalebox{0.5}{$\downarrow$}}&#10; \end{itemize}}}  &amp; \multicolumn{1}{l|}{\parbox{4cm}{\begin{itemize}[label=-,topsep=0cm,leftmargin=0.3cm,itemsep=0cm,parsep=0cm]&#10; \item SVM-Linear \textcolor{darkgreen}{\scalebox{0.5}{$\uparrow$}}&#10; \item SVM-Polynomial \textcolor{darkgreen}{\scalebox{1}{$\uparrow$}}&#10; \item SVM-Radial \textcolor{darkgreen}{\scalebox{0.5}{$\uparrow$}}&#10; \item Logistic Regression \textcolor{red}{\scalebox{0.5}{$\downarrow$}}&#10;\end{itemize}}}   &amp; \parbox{4cm}{\begin{itemize}[label=-,topsep=0cm,leftmargin=0.3cm,itemsep=0cm,parsep=0cm]&#10;\item SVM-Linear \textcolor{darkgreen}{\scalebox{0.5}{$\uparrow$}}&#10;\item SVM-Polynomial \textcolor{darkgreen}{\scalebox{0.5}{$\uparrow$}}&#10;\item SVM-Radial \textcolor{darkgreen}{\scalebox{1}{$\uparrow$}}&#10;\item Logistic Regression \textcolor{red}{\scalebox{0.5}{$\downarrow$}}&#10;\end{itemize}}  \\ \cline{2-5} &#10; \multicolumn{1}{|l|}{}                                &amp; $p \approx n$  &amp; \multicolumn{1}{l|}{\parbox{4cm}{\begin{itemize}[label=-,topsep=0cm,leftmargin=0.3cm,itemsep=0cm,parsep=0cm]&#10;    \item SVM-Linear&#10;    \item SVM-Polynomial&#10;    \item SVM-Radial&#10;    \item Logistic Regression&#10; \end{itemize}}}  &amp; \multicolumn{1}{l|}{\parbox{4cm}{\begin{itemize}[label=-,topsep=0cm,leftmargin=0.3cm,itemsep=0cm,parsep=0cm]&#10; \item SVM-Linear&#10; \item SVM-Polynomial&#10; \item SVM-Radial&#10; \item Logistic Regression&#10;\end{itemize}}}   &amp; \parbox{4cm}{\begin{itemize}[label=-,topsep=0cm,leftmargin=0.3cm,itemsep=0cm,parsep=0cm]&#10;\item SVM-Linear&#10;\item SVM-Polynomial&#10;\item SVM-Radial&#10;\item Logistic Regression&#10;\end{itemize}}  \\ \cline{2-5} &#10; \multicolumn{1}{|l|}{}                                &amp; $p \gg n$ &amp; \multicolumn{1}{l|}{\parbox{4cm}{\begin{itemize}[label=-,topsep=0cm,leftmargin=0.3cm,itemsep=0cm,parsep=0cm]&#10;    \item SVM-Linear&#10;    \item SVM-Polynomial&#10;    \item SVM-Radial&#10;    \item Logistic Regression&#10; \end{itemize}}}  &amp; \multicolumn{1}{l|}{\parbox{4cm}{\begin{itemize}[label=-,topsep=0cm,leftmargin=0.3cm,itemsep=0cm,parsep=0cm]&#10; \item SVM-Linear&#10; \item SVM-Polynomial&#10; \item SVM-Radial&#10; \item Logistic Regression&#10;\end{itemize}}}   &amp; \parbox{4cm}{\begin{itemize}[label=-,topsep=0cm,leftmargin=0.3cm,itemsep=0cm,parsep=0cm]&#10;\item SVM-Linear&#10;\item SVM-Polynomial&#10;\item SVM-Radial&#10;\item Logistic Regression&#10;\end{itemize}} \\ \hline&#10;\end{longtable}&#10;\end{center}&#10;\end{document}"/>
-  <p:tag name="IGUANATEXSIZE" val="18"/>
-  <p:tag name="IGUANATEXCURSOR" val="193"/>
-  <p:tag name="TRANSPARENCY" val="Wahr"/>
-  <p:tag name="LATEXENGINEID" val="3"/>
-  <p:tag name="TEMPFOLDER" val="E:\Dokumente\temp\"/>
+  <p:tag name="LATEXENGINEID" val="2"/>
+  <p:tag name="TEMPFOLDER" val="c:\temp\"/>
   <p:tag name="LATEXFORMHEIGHT" val="320"/>
   <p:tag name="LATEXFORMWIDTH" val="385"/>
   <p:tag name="LATEXFORMWRAP" val="Wahr"/>
@@ -9409,16 +9760,16 @@
 <file path=ppt/tags/tag6.xml><?xml version="1.0" encoding="utf-8"?>
 <p:tagLst xmlns:a="http://schemas.openxmlformats.org/drawingml/2006/main" xmlns:r="http://schemas.openxmlformats.org/officeDocument/2006/relationships" xmlns:p="http://schemas.openxmlformats.org/presentationml/2006/main">
   <p:tag name="OUTPUTDPI" val="1200"/>
-  <p:tag name="ORIGINALHEIGHT" val="1160,412"/>
-  <p:tag name="ORIGINALWIDTH" val="2997,418"/>
+  <p:tag name="ORIGINALHEIGHT" val="1716,99"/>
+  <p:tag name="ORIGINALWIDTH" val="4085,82"/>
   <p:tag name="OUTPUTTYPE" val="PNG"/>
   <p:tag name="IGUANATEXVERSION" val="161"/>
-  <p:tag name="LATEXADDIN" val="\documentclass[20pt]{article}&#10;\usepackage{amsmath,amsfonts,amssymb,xcolor, mathtools}&#10;\pagestyle{empty}&#10;\usepackage[T1]{fontenc}&#10;\usepackage{fontspec}&#10;\setsansfont{Arial}&#10;\renewcommand\familydefault{\sfdefault}&#10;\begin{document}&#10;\begin{itemize}&#10;\item minimization with constraints $\rightarrow$ Lagrange Multipliers\newline&#10;$\mathcal{L}(\beta,\beta_0,\alpha)=\frac{1}{2}\beta ' \beta-\sum \alpha_i[y_i(\beta \cdot \overline{x_i}+\beta_0)-1]$&#10;\item derive with respect to $\beta$  and set to zero\newline&#10;$\frac{\partial \mathcal{L}}{\partial \beta}=\beta-\sum \alpha_i y_i \overline{x_i}\overset{!}{=}0 \Rightarrow \beta=\sum \alpha_i y_i \overline{x_i} $&#10;\item derive with respect to $\beta_0$ and set to zero&#10;\newline $\frac{\partial \mathcal{L}}{\partial \beta_0}=\sum \alpha_i y_i \overline{x_i}\overset{!}{=}0$&#10;\end{itemize}&#10;\end{document}"/>
+  <p:tag name="LATEXADDIN" val="\documentclass[20pt]{article}&#10;\usepackage{amsmath,amsfonts,amssymb,xcolor, mathtools}&#10;\pagestyle{empty}&#10;\usepackage[T1]{fontenc}&#10;\usepackage{fontspec}&#10;\setsansfont{Arial}&#10;\renewcommand\familydefault{\sfdefault}&#10;\begin{document}&#10;\begin{itemize}&#10;\item minimization with constraints $\rightarrow$ Lagrange Multipliers\newline&#10;$\mathcal{L}(\beta,\beta_0,\alpha)=\frac{1}{2}\beta ' \beta-\sum \alpha_i[y_i(\beta \cdot \overline{x_i}+\beta_0)-1]$&#10;\item after solving and rearranging this can be efficiently solved by a quadratic program $\rightarrow$ $\beta$-Vector and $\beta_0$ can be derived&#10;\item only the support vectors will have non zero $\alpha$'s&#10;\item for a new $k$-dimensional vector $\overline{u}$ the decision function is \newline&#10;$f(\overline{u})=\beta \cdot \overline{u}+\beta_0$&#10;\item if $f(\overline{u})&gt;0 \rightarrow u$ is a \textcolor{green}{positive} sample\newline &#10;if $f(\overline{u})&lt;0 \rightarrow u$ is a \textcolor{red}{negative} sample&#10;\end{itemize}&#10;\end{document}"/>
   <p:tag name="IGUANATEXSIZE" val="18"/>
-  <p:tag name="IGUANATEXCURSOR" val="263"/>
+  <p:tag name="IGUANATEXCURSOR" val="955"/>
   <p:tag name="TRANSPARENCY" val="Wahr"/>
   <p:tag name="LATEXENGINEID" val="2"/>
-  <p:tag name="TEMPFOLDER" val="E:\Dokumente\temp\"/>
+  <p:tag name="TEMPFOLDER" val="c:\temp\"/>
   <p:tag name="LATEXFORMHEIGHT" val="320"/>
   <p:tag name="LATEXFORMWIDTH" val="385"/>
   <p:tag name="LATEXFORMWRAP" val="Wahr"/>
@@ -9429,13 +9780,13 @@
 <file path=ppt/tags/tag7.xml><?xml version="1.0" encoding="utf-8"?>
 <p:tagLst xmlns:a="http://schemas.openxmlformats.org/drawingml/2006/main" xmlns:r="http://schemas.openxmlformats.org/officeDocument/2006/relationships" xmlns:p="http://schemas.openxmlformats.org/presentationml/2006/main">
   <p:tag name="OUTPUTDPI" val="1200"/>
-  <p:tag name="ORIGINALHEIGHT" val="915,1277"/>
-  <p:tag name="ORIGINALWIDTH" val="4085,82"/>
+  <p:tag name="ORIGINALHEIGHT" val="1846,758"/>
+  <p:tag name="ORIGINALWIDTH" val="4084,32"/>
   <p:tag name="OUTPUTTYPE" val="PNG"/>
   <p:tag name="IGUANATEXVERSION" val="161"/>
-  <p:tag name="LATEXADDIN" val="\documentclass[20pt]{article}&#10;\usepackage{amsmath,amsfonts,amssymb,xcolor, mathtools}&#10;\pagestyle{empty}&#10;\usepackage[T1]{fontenc}&#10;\usepackage{fontspec}&#10;\setsansfont{Arial}&#10;\renewcommand\familydefault{\sfdefault}&#10;\begin{document}&#10;\begin{itemize}&#10;\item minimization with constraints $\rightarrow$ Lagrange Multipliers\newline&#10;$\mathcal{L}(\beta,\beta_0,\alpha)=\frac{1}{2}\beta ' \beta-\sum \alpha_i[y_i(\beta \cdot \overline{x_i}+\beta_0)-1]$&#10;\item after solving and rearranging this can be efficiently solved by a quadratic program&#10;\item only the support vectors will have non zero $\alpha$'s&#10;\end{itemize}&#10;\end{document}"/>
+  <p:tag name="LATEXADDIN" val="\documentclass[20pt]{article}&#10;\usepackage{amsmath,amsfonts,amssymb,xcolor, mathtools}&#10;\pagestyle{empty}&#10;\usepackage[T1]{fontenc}&#10;\usepackage{fontspec}&#10;\setsansfont{Arial}&#10;\renewcommand\familydefault{\sfdefault}&#10;\begin{document}&#10;\begin{itemize}&#10;\item if data are not linearly seperable or outliers heavily effect the decision boundary&#10;\item solution: introduce an error term or &quot;slack variable&quot; $\varepsilon_i\ge 0$ for the constraint \newline $y_i(\beta \cdot \overline{x}_i-\beta_0)&gt;1- \varepsilon_i$&#10;\begin{itemize}&#10;\item enables some $\overline{x}_i$ to lay on the wrong side of the gutter &#10;\item Problem: choose $\varepsilon$ to be arbitrary Large and it always fullfills the constraint&#10;\item Solution regularization of $\varepsilon$ with tuning parameter $C$ so to minimize\vspace{0.2cm}\newline&#10;$C \sum_{i=1}^{n} \varepsilon_i$&#10;\end{itemize}&#10;\end{itemize}&#10;\end{document}"/>
   <p:tag name="IGUANATEXSIZE" val="18"/>
-  <p:tag name="IGUANATEXCURSOR" val="582"/>
+  <p:tag name="IGUANATEXCURSOR" val="333"/>
   <p:tag name="TRANSPARENCY" val="Wahr"/>
   <p:tag name="LATEXENGINEID" val="2"/>
   <p:tag name="TEMPFOLDER" val="c:\temp\"/>
@@ -9449,13 +9800,13 @@
 <file path=ppt/tags/tag8.xml><?xml version="1.0" encoding="utf-8"?>
 <p:tagLst xmlns:a="http://schemas.openxmlformats.org/drawingml/2006/main" xmlns:r="http://schemas.openxmlformats.org/officeDocument/2006/relationships" xmlns:p="http://schemas.openxmlformats.org/presentationml/2006/main">
   <p:tag name="OUTPUTDPI" val="1200"/>
-  <p:tag name="ORIGINALHEIGHT" val="1057,648"/>
-  <p:tag name="ORIGINALWIDTH" val="3932,049"/>
+  <p:tag name="ORIGINALHEIGHT" val="915,1277"/>
+  <p:tag name="ORIGINALWIDTH" val="2541,355"/>
   <p:tag name="OUTPUTTYPE" val="PNG"/>
   <p:tag name="IGUANATEXVERSION" val="161"/>
-  <p:tag name="LATEXADDIN" val="\documentclass[20pt]{article}&#10;\usepackage{amsmath,amsfonts,amssymb,xcolor, mathtools}&#10;\pagestyle{empty}&#10;\usepackage[T1]{fontenc}&#10;\usepackage{fontspec}&#10;\setsansfont{Arial}&#10;\renewcommand\familydefault{\sfdefault}&#10;\begin{document}&#10;\begin{itemize}&#10;\item imputing the results in the optimization formula and rearranging yields &#10;&#10;$$min(\mathcal{L})=-\frac{1}{2}\sum \sum \alpha_i \alpha_j y_i y_j \overline{x}_i \cdot \overline{x}_j+\sum \alpha_i$$&#10;\item can be solved efficiently by quadratic program&#10;\item many of the $\alpha$'s will be zero exept for the support vectors &#10;\end{itemize}&#10;\end{document}"/>
+  <p:tag name="LATEXADDIN" val="\documentclass[20pt]{article}&#10;\usepackage{amsmath,amsfonts,amssymb,xcolor, mathtools}&#10;\pagestyle{empty}&#10;\usepackage[T1]{fontenc}&#10;\usepackage{fontspec}&#10;\setsansfont{Arial}&#10;\renewcommand\familydefault{\sfdefault}&#10;\begin{document}&#10;\begin{itemize}&#10;\item in some cases even a linear decision \newline boundary with soft margin is not suitable &#10;\item enlarging the feature space by introducing\newline nonlinear functions of the predictor variables&#10;\item \textbf{But}: computationally very demanding &#10;\end{itemize}&#10;\end{document}"/>
   <p:tag name="IGUANATEXSIZE" val="18"/>
-  <p:tag name="IGUANATEXCURSOR" val="329"/>
+  <p:tag name="IGUANATEXCURSOR" val="415"/>
   <p:tag name="TRANSPARENCY" val="Wahr"/>
   <p:tag name="LATEXENGINEID" val="2"/>
   <p:tag name="TEMPFOLDER" val="E:\Dokumente\temp\"/>
@@ -9469,16 +9820,16 @@
 <file path=ppt/tags/tag9.xml><?xml version="1.0" encoding="utf-8"?>
 <p:tagLst xmlns:a="http://schemas.openxmlformats.org/drawingml/2006/main" xmlns:r="http://schemas.openxmlformats.org/officeDocument/2006/relationships" xmlns:p="http://schemas.openxmlformats.org/presentationml/2006/main">
   <p:tag name="OUTPUTDPI" val="1200"/>
-  <p:tag name="ORIGINALHEIGHT" val="1468,705"/>
-  <p:tag name="ORIGINALWIDTH" val="3456,482"/>
+  <p:tag name="ORIGINALHEIGHT" val="1623,977"/>
+  <p:tag name="ORIGINALWIDTH" val="2953,162"/>
   <p:tag name="OUTPUTTYPE" val="PNG"/>
   <p:tag name="IGUANATEXVERSION" val="161"/>
-  <p:tag name="LATEXADDIN" val="\documentclass[20pt]{article}&#10;\usepackage{amsmath,amsfonts,amssymb,xcolor, mathtools}&#10;\pagestyle{empty}&#10;\usepackage[T1]{fontenc}&#10;\usepackage{fontspec}&#10;\setsansfont{Arial}&#10;\renewcommand\familydefault{\sfdefault}&#10;\begin{document}&#10;\begin{itemize}&#10;\item derive $\beta$ with the new $\alpha$'s&#10;\newline$\beta=\sum \alpha_ iy_i \overline{x_i}$&#10;\item solve for $\beta_0$ with a support vector $\overline{x}_s$ for which we know holds \newline $\beta \cdot\overline{x}_s+\beta_0=y_{x_s}$ therefore $\beta_0=y_{x_s}-\beta \cdot \overline{x}_s$&#10;\item for a new $k$-dimensional vector $\overline{u}$ the decision function is \newline&#10;$f(\overline{u})=\beta \cdot \overline{u}+\beta_0$&#10;\item if $f(\overline{u})&gt;0 \rightarrow u$ is a \textcolor{green}{positive} sample\newline &#10;if $f(\overline{u})&lt;0 \rightarrow u$ is a \textcolor{red}{negative} sample\newline &#10;&#10;\end{itemize}&#10;\end{document}"/>
+  <p:tag name="LATEXADDIN" val="\documentclass[20pt]{article}&#10;\usepackage{amsmath,amsfonts,amssymb,xcolor, mathtools}&#10;\pagestyle{empty}&#10;\usepackage[T1]{fontenc}&#10;\usepackage{fontspec}&#10;\setsansfont{Arial}&#10;\renewcommand\familydefault{\sfdefault}&#10;\begin{document}&#10;\begin{itemize}&#10;\item apply a transforming function (Kernel)\newline $K(\overline{x}_i \cdot \overline{x}_j)$ to the dot products in the\newline  maximization function &#10;\item some used Kernel functions are &#10;\begin{itemize}&#10;\item the polynomial kernel of order $d$:\newline $K(\overline{x}_i,\overline{x}_j)=(1+ \overline{x}_i^\mathsf{T}\; \overline{x}_j)^d$&#10;\item the radial/gaussian Kernel:\newline$K(\overline{x}_i,\overline{x}_j)=exp(-\gamma||\overline{x}_i- \overline{x}_j||^2)$&#10;\item sigmoid Kernel: $K(\overline{x}_i,\overline{x}_j)= \tanh(\gamma (\overline{x}_i^\mathsf{T}\; \overline{x}_j)+r)$&#10;\end{itemize}&#10;\end{itemize}&#10;\end{document}"/>
   <p:tag name="IGUANATEXSIZE" val="18"/>
-  <p:tag name="IGUANATEXCURSOR" val="738"/>
+  <p:tag name="IGUANATEXCURSOR" val="463"/>
   <p:tag name="TRANSPARENCY" val="Wahr"/>
   <p:tag name="LATEXENGINEID" val="2"/>
-  <p:tag name="TEMPFOLDER" val="c:\temp\"/>
+  <p:tag name="TEMPFOLDER" val="E:\Dokumente\temp\"/>
   <p:tag name="LATEXFORMHEIGHT" val="320"/>
   <p:tag name="LATEXFORMWIDTH" val="385"/>
   <p:tag name="LATEXFORMWRAP" val="Wahr"/>

--- a/Präsentation/Support Vector Machines.pptx
+++ b/Präsentation/Support Vector Machines.pptx
@@ -6198,7 +6198,7 @@
             </a:r>
             <a:r>
               <a:rPr lang="de-DE" sz="1800" dirty="0" err="1"/>
-              <a:t>data</a:t>
+              <a:t>decision</a:t>
             </a:r>
             <a:r>
               <a:rPr lang="de-DE" sz="1800" dirty="0"/>
@@ -6206,15 +6206,7 @@
             </a:r>
             <a:r>
               <a:rPr lang="de-DE" sz="1800" dirty="0" err="1"/>
-              <a:t>generating</a:t>
-            </a:r>
-            <a:r>
-              <a:rPr lang="de-DE" sz="1800" dirty="0"/>
-              <a:t> </a:t>
-            </a:r>
-            <a:r>
-              <a:rPr lang="de-DE" sz="1800" dirty="0" err="1"/>
-              <a:t>processes</a:t>
+              <a:t>boundaries</a:t>
             </a:r>
             <a:r>
               <a:rPr lang="de-DE" sz="1800" dirty="0"/>
@@ -6936,10 +6928,10 @@
       </p:sp>
       <p:pic>
         <p:nvPicPr>
-          <p:cNvPr id="6" name="Grafik 5" descr="\documentclass[20pt]{article}&#10;\usepackage{amsmath,amsfonts,amssymb,xcolor, mathtools}&#10;\pagestyle{empty}&#10;\usepackage{booktabs}&#10;\usepackage{enumitem}&#10; \usepackage{multirow}&#10;\usepackage{longtable}&#10;\usepackage{xcolor}&#10;\definecolor{darkgreen}{RGB}{101,178,56}&#10;\usepackage{graphicx}&#10;\usepackage{parskip}&#10;\usepackage[T1]{fontenc}&#10;\usepackage{fontspec}&#10;\setsansfont{Arial}&#10;\renewcommand\familydefault{\sfdefault}&#10;\begin{document}&#10;\begin{center}&#10;\begin{longtable}{ll|lll|}&#10; \cline{3-5}&#10; &amp;             &amp; \multicolumn{3}{c|}{DGP}                                            \\ \cline{3-5} &#10; \endfirsthead&#10; %&#10; \endhead&#10; %&#10; &amp;             &amp; \multicolumn{1}{l|}{linear} &amp; \multicolumn{1}{l|}{polynomial} &amp; radial \\ \hline&#10; \multicolumn{1}{|l|}{\multirow{3}{*}{\rotatebox{90}{Dimensionality}}} &amp; $p \ll n$  &amp; \multicolumn{1}{l|}{\parbox{4cm}{\begin{itemize}[label=-,topsep=0cm,leftmargin=0.3cm,itemsep=0cm,parsep=0cm]&#10;   \item SVM-Linear&#10;   \item SVM-Polynomial &#10;   \item SVM-Radial &#10;   \item Logistic Regression &#10; \end{itemize}}}  &amp; \multicolumn{1}{l|}{\parbox{4cm}{\begin{itemize}[label=-,topsep=0cm,leftmargin=0.3cm,itemsep=0cm,parsep=0cm]&#10; \item SVM-Linear &#10; \item SVM-Polynomial &#10; \item SVM-Radial &#10; \item Logistic Regression &#10;\end{itemize}}}   &amp; \parbox{4cm}{\begin{itemize}[label=-,topsep=0cm,leftmargin=0.3cm,itemsep=0cm,parsep=0cm]&#10;\item SVM-Linear &#10;\item SVM-Polynomial &#10;\item SVM-Radial &#10;\item Logistic Regression &#10;\end{itemize}}  \\ \cline{2-5} &#10; \multicolumn{1}{|l|}{}                                &amp; $p \approx n$  &amp; \multicolumn{1}{l|}{\parbox{4cm}{\begin{itemize}[label=-,topsep=0cm,leftmargin=0.3cm,itemsep=0cm,parsep=0cm]&#10;    \item SVM-Linear&#10;    \item SVM-Polynomial&#10;    \item SVM-Radial&#10;    \item Logistic Regression&#10; \end{itemize}}}  &amp; \multicolumn{1}{l|}{\parbox{4cm}{\begin{itemize}[label=-,topsep=0cm,leftmargin=0.3cm,itemsep=0cm,parsep=0cm]&#10; \item SVM-Linear&#10; \item SVM-Polynomial&#10; \item SVM-Radial&#10; \item Logistic Regression&#10;\end{itemize}}}   &amp; \parbox{4cm}{\begin{itemize}[label=-,topsep=0cm,leftmargin=0.3cm,itemsep=0cm,parsep=0cm]&#10;\item SVM-Linear&#10;\item SVM-Polynomial&#10;\item SVM-Radial&#10;\item Logistic Regression&#10;\end{itemize}}  \\ \cline{2-5} &#10; \multicolumn{1}{|l|}{}                                &amp; $p \gg n$ &amp; \multicolumn{1}{l|}{\parbox{4cm}{\begin{itemize}[label=-,topsep=0cm,leftmargin=0.3cm,itemsep=0cm,parsep=0cm]&#10;    \item SVM-Linear&#10;    \item SVM-Polynomial&#10;    \item SVM-Radial&#10;    \item Logistic Regression&#10; \end{itemize}}}  &amp; \multicolumn{1}{l|}{\parbox{4cm}{\begin{itemize}[label=-,topsep=0cm,leftmargin=0.3cm,itemsep=0cm,parsep=0cm]&#10; \item SVM-Linear&#10; \item SVM-Polynomial&#10; \item SVM-Radial&#10; \item Logistic Regression&#10;\end{itemize}}}   &amp; \parbox{4cm}{\begin{itemize}[label=-,topsep=0cm,leftmargin=0.3cm,itemsep=0cm,parsep=0cm]&#10;\item SVM-Linear&#10;\item SVM-Polynomial&#10;\item SVM-Radial&#10;\item Logistic Regression&#10;\end{itemize}} \\ \hline&#10;\end{longtable}&#10;\end{center}&#10;\end{document}" title="IguanaTex Picture Display">
+          <p:cNvPr id="5" name="Grafik 4" descr="\documentclass[20pt]{article}&#10;\usepackage{amsmath,amsfonts,amssymb,xcolor, mathtools}&#10;\pagestyle{empty}&#10;\usepackage{booktabs}&#10;\usepackage{enumitem}&#10; \usepackage{multirow}&#10;\usepackage{longtable}&#10;\usepackage{xcolor}&#10;\definecolor{darkgreen}{RGB}{101,178,56}&#10;\usepackage{graphicx}&#10;\usepackage{parskip}&#10;\usepackage[T1]{fontenc}&#10;\usepackage{fontspec}&#10;\setsansfont{Arial}&#10;\renewcommand\familydefault{\sfdefault}&#10;\begin{document}&#10;\begin{center}&#10;\begin{longtable}{ll|lll|}&#10; \cline{3-5}&#10; &amp;             &amp; \multicolumn{3}{c|}{Form of decision boundary}                                            \\ \cline{3-5} &#10; \endfirsthead&#10; %&#10; \endhead&#10; %&#10; &amp;             &amp; \multicolumn{1}{l|}{linear} &amp; \multicolumn{1}{l|}{polynomial} &amp; radial \\ \hline&#10; \multicolumn{1}{|l|}{\multirow{3}{*}{\rotatebox{90}{Dimensionality}}} &amp; $p \ll n$  &amp; \multicolumn{1}{l|}{\parbox{4cm}{\begin{itemize}[label=-,topsep=0cm,leftmargin=0.3cm,itemsep=0cm,parsep=0cm]&#10;   \item SVM-Linear&#10;   \item SVM-Polynomial &#10;   \item SVM-Radial &#10;   \item Logistic Regression &#10; \end{itemize}}}  &amp; \multicolumn{1}{l|}{\parbox{4cm}{\begin{itemize}[label=-,topsep=0cm,leftmargin=0.3cm,itemsep=0cm,parsep=0cm]&#10; \item SVM-Linear &#10; \item SVM-Polynomial &#10; \item SVM-Radial &#10; \item Logistic Regression &#10;\end{itemize}}}   &amp; \parbox{4cm}{\begin{itemize}[label=-,topsep=0cm,leftmargin=0.3cm,itemsep=0cm,parsep=0cm]&#10;\item SVM-Linear &#10;\item SVM-Polynomial &#10;\item SVM-Radial &#10;\item Logistic Regression &#10;\end{itemize}}  \\ \cline{2-5} &#10; \multicolumn{1}{|l|}{}                                &amp; $p \approx n$  &amp; \multicolumn{1}{l|}{\parbox{4cm}{\begin{itemize}[label=-,topsep=0cm,leftmargin=0.3cm,itemsep=0cm,parsep=0cm]&#10;    \item SVM-Linear&#10;    \item SVM-Polynomial&#10;    \item SVM-Radial&#10;    \item Logistic Regression&#10; \end{itemize}}}  &amp; \multicolumn{1}{l|}{\parbox{4cm}{\begin{itemize}[label=-,topsep=0cm,leftmargin=0.3cm,itemsep=0cm,parsep=0cm]&#10; \item SVM-Linear&#10; \item SVM-Polynomial&#10; \item SVM-Radial&#10; \item Logistic Regression&#10;\end{itemize}}}   &amp; \parbox{4cm}{\begin{itemize}[label=-,topsep=0cm,leftmargin=0.3cm,itemsep=0cm,parsep=0cm]&#10;\item SVM-Linear&#10;\item SVM-Polynomial&#10;\item SVM-Radial&#10;\item Logistic Regression&#10;\end{itemize}}  \\ \cline{2-5} &#10; \multicolumn{1}{|l|}{}                                &amp; $p \gg n$ &amp; \multicolumn{1}{l|}{\parbox{4cm}{\begin{itemize}[label=-,topsep=0cm,leftmargin=0.3cm,itemsep=0cm,parsep=0cm]&#10;    \item SVM-Linear&#10;    \item SVM-Polynomial&#10;    \item SVM-Radial&#10;    \item Logistic Regression&#10; \end{itemize}}}  &amp; \multicolumn{1}{l|}{\parbox{4cm}{\begin{itemize}[label=-,topsep=0cm,leftmargin=0.3cm,itemsep=0cm,parsep=0cm]&#10; \item SVM-Linear&#10; \item SVM-Polynomial&#10; \item SVM-Radial&#10; \item Logistic Regression&#10;\end{itemize}}}   &amp; \parbox{4cm}{\begin{itemize}[label=-,topsep=0cm,leftmargin=0.3cm,itemsep=0cm,parsep=0cm]&#10;\item SVM-Linear&#10;\item SVM-Polynomial&#10;\item SVM-Radial&#10;\item Logistic Regression&#10;\end{itemize}} \\ \hline&#10;\end{longtable}&#10;\end{center}&#10;\end{document}" title="IguanaTex Picture Display">
             <a:extLst>
               <a:ext uri="{FF2B5EF4-FFF2-40B4-BE49-F238E27FC236}">
-                <a16:creationId xmlns:a16="http://schemas.microsoft.com/office/drawing/2014/main" id="{687B6E4C-CFD4-6A88-E407-4396AC39431B}"/>
+                <a16:creationId xmlns:a16="http://schemas.microsoft.com/office/drawing/2014/main" id="{299E0B0C-39DF-AA0D-DE4F-4D07A0216045}"/>
               </a:ext>
             </a:extLst>
           </p:cNvPr>
@@ -6966,8 +6958,8 @@
         </p:blipFill>
         <p:spPr>
           <a:xfrm>
-            <a:off x="504825" y="923195"/>
-            <a:ext cx="8045277" cy="3088180"/>
+            <a:off x="504826" y="923196"/>
+            <a:ext cx="8129387" cy="3088611"/>
           </a:xfrm>
           <a:prstGeom prst="rect">
             <a:avLst/>
@@ -9541,12 +9533,12 @@
 <p:tagLst xmlns:a="http://schemas.openxmlformats.org/drawingml/2006/main" xmlns:r="http://schemas.openxmlformats.org/officeDocument/2006/relationships" xmlns:p="http://schemas.openxmlformats.org/presentationml/2006/main">
   <p:tag name="OUTPUTDPI" val="1200"/>
   <p:tag name="ORIGINALHEIGHT" val="2007,28"/>
-  <p:tag name="ORIGINALWIDTH" val="5454,011"/>
+  <p:tag name="ORIGINALWIDTH" val="5511,019"/>
   <p:tag name="OUTPUTTYPE" val="PNG"/>
   <p:tag name="IGUANATEXVERSION" val="161"/>
-  <p:tag name="LATEXADDIN" val="\documentclass[20pt]{article}&#10;\usepackage{amsmath,amsfonts,amssymb,xcolor, mathtools}&#10;\pagestyle{empty}&#10;\usepackage{booktabs}&#10;\usepackage{enumitem}&#10; \usepackage{multirow}&#10;\usepackage{longtable}&#10;\usepackage{xcolor}&#10;\definecolor{darkgreen}{RGB}{101,178,56}&#10;\usepackage{graphicx}&#10;\usepackage{parskip}&#10;\usepackage[T1]{fontenc}&#10;\usepackage{fontspec}&#10;\setsansfont{Arial}&#10;\renewcommand\familydefault{\sfdefault}&#10;\begin{document}&#10;\begin{center}&#10;\begin{longtable}{ll|lll|}&#10; \cline{3-5}&#10; &amp;             &amp; \multicolumn{3}{c|}{DGP}                                            \\ \cline{3-5} &#10; \endfirsthead&#10; %&#10; \endhead&#10; %&#10; &amp;             &amp; \multicolumn{1}{l|}{linear} &amp; \multicolumn{1}{l|}{polynomial} &amp; radial \\ \hline&#10; \multicolumn{1}{|l|}{\multirow{3}{*}{\rotatebox{90}{Dimensionality}}} &amp; $p \ll n$  &amp; \multicolumn{1}{l|}{\parbox{4cm}{\begin{itemize}[label=-,topsep=0cm,leftmargin=0.3cm,itemsep=0cm,parsep=0cm]&#10;   \item SVM-Linear&#10;   \item SVM-Polynomial &#10;   \item SVM-Radial &#10;   \item Logistic Regression &#10; \end{itemize}}}  &amp; \multicolumn{1}{l|}{\parbox{4cm}{\begin{itemize}[label=-,topsep=0cm,leftmargin=0.3cm,itemsep=0cm,parsep=0cm]&#10; \item SVM-Linear &#10; \item SVM-Polynomial &#10; \item SVM-Radial &#10; \item Logistic Regression &#10;\end{itemize}}}   &amp; \parbox{4cm}{\begin{itemize}[label=-,topsep=0cm,leftmargin=0.3cm,itemsep=0cm,parsep=0cm]&#10;\item SVM-Linear &#10;\item SVM-Polynomial &#10;\item SVM-Radial &#10;\item Logistic Regression &#10;\end{itemize}}  \\ \cline{2-5} &#10; \multicolumn{1}{|l|}{}                                &amp; $p \approx n$  &amp; \multicolumn{1}{l|}{\parbox{4cm}{\begin{itemize}[label=-,topsep=0cm,leftmargin=0.3cm,itemsep=0cm,parsep=0cm]&#10;    \item SVM-Linear&#10;    \item SVM-Polynomial&#10;    \item SVM-Radial&#10;    \item Logistic Regression&#10; \end{itemize}}}  &amp; \multicolumn{1}{l|}{\parbox{4cm}{\begin{itemize}[label=-,topsep=0cm,leftmargin=0.3cm,itemsep=0cm,parsep=0cm]&#10; \item SVM-Linear&#10; \item SVM-Polynomial&#10; \item SVM-Radial&#10; \item Logistic Regression&#10;\end{itemize}}}   &amp; \parbox{4cm}{\begin{itemize}[label=-,topsep=0cm,leftmargin=0.3cm,itemsep=0cm,parsep=0cm]&#10;\item SVM-Linear&#10;\item SVM-Polynomial&#10;\item SVM-Radial&#10;\item Logistic Regression&#10;\end{itemize}}  \\ \cline{2-5} &#10; \multicolumn{1}{|l|}{}                                &amp; $p \gg n$ &amp; \multicolumn{1}{l|}{\parbox{4cm}{\begin{itemize}[label=-,topsep=0cm,leftmargin=0.3cm,itemsep=0cm,parsep=0cm]&#10;    \item SVM-Linear&#10;    \item SVM-Polynomial&#10;    \item SVM-Radial&#10;    \item Logistic Regression&#10; \end{itemize}}}  &amp; \multicolumn{1}{l|}{\parbox{4cm}{\begin{itemize}[label=-,topsep=0cm,leftmargin=0.3cm,itemsep=0cm,parsep=0cm]&#10; \item SVM-Linear&#10; \item SVM-Polynomial&#10; \item SVM-Radial&#10; \item Logistic Regression&#10;\end{itemize}}}   &amp; \parbox{4cm}{\begin{itemize}[label=-,topsep=0cm,leftmargin=0.3cm,itemsep=0cm,parsep=0cm]&#10;\item SVM-Linear&#10;\item SVM-Polynomial&#10;\item SVM-Radial&#10;\item Logistic Regression&#10;\end{itemize}} \\ \hline&#10;\end{longtable}&#10;\end{center}&#10;\end{document}"/>
+  <p:tag name="LATEXADDIN" val="\documentclass[20pt]{article}&#10;\usepackage{amsmath,amsfonts,amssymb,xcolor, mathtools}&#10;\pagestyle{empty}&#10;\usepackage{booktabs}&#10;\usepackage{enumitem}&#10; \usepackage{multirow}&#10;\usepackage{longtable}&#10;\usepackage{xcolor}&#10;\definecolor{darkgreen}{RGB}{101,178,56}&#10;\usepackage{graphicx}&#10;\usepackage{parskip}&#10;\usepackage[T1]{fontenc}&#10;\usepackage{fontspec}&#10;\setsansfont{Arial}&#10;\renewcommand\familydefault{\sfdefault}&#10;\begin{document}&#10;\begin{center}&#10;\begin{longtable}{ll|lll|}&#10; \cline{3-5}&#10; &amp;             &amp; \multicolumn{3}{c|}{Form of decision boundary}                                            \\ \cline{3-5} &#10; \endfirsthead&#10; %&#10; \endhead&#10; %&#10; &amp;             &amp; \multicolumn{1}{l|}{linear} &amp; \multicolumn{1}{l|}{polynomial} &amp; radial \\ \hline&#10; \multicolumn{1}{|l|}{\multirow{3}{*}{\rotatebox{90}{Dimensionality}}} &amp; $p \ll n$  &amp; \multicolumn{1}{l|}{\parbox{4cm}{\begin{itemize}[label=-,topsep=0cm,leftmargin=0.3cm,itemsep=0cm,parsep=0cm]&#10;   \item SVM-Linear&#10;   \item SVM-Polynomial &#10;   \item SVM-Radial &#10;   \item Logistic Regression &#10; \end{itemize}}}  &amp; \multicolumn{1}{l|}{\parbox{4cm}{\begin{itemize}[label=-,topsep=0cm,leftmargin=0.3cm,itemsep=0cm,parsep=0cm]&#10; \item SVM-Linear &#10; \item SVM-Polynomial &#10; \item SVM-Radial &#10; \item Logistic Regression &#10;\end{itemize}}}   &amp; \parbox{4cm}{\begin{itemize}[label=-,topsep=0cm,leftmargin=0.3cm,itemsep=0cm,parsep=0cm]&#10;\item SVM-Linear &#10;\item SVM-Polynomial &#10;\item SVM-Radial &#10;\item Logistic Regression &#10;\end{itemize}}  \\ \cline{2-5} &#10; \multicolumn{1}{|l|}{}                                &amp; $p \approx n$  &amp; \multicolumn{1}{l|}{\parbox{4cm}{\begin{itemize}[label=-,topsep=0cm,leftmargin=0.3cm,itemsep=0cm,parsep=0cm]&#10;    \item SVM-Linear&#10;    \item SVM-Polynomial&#10;    \item SVM-Radial&#10;    \item Logistic Regression&#10; \end{itemize}}}  &amp; \multicolumn{1}{l|}{\parbox{4cm}{\begin{itemize}[label=-,topsep=0cm,leftmargin=0.3cm,itemsep=0cm,parsep=0cm]&#10; \item SVM-Linear&#10; \item SVM-Polynomial&#10; \item SVM-Radial&#10; \item Logistic Regression&#10;\end{itemize}}}   &amp; \parbox{4cm}{\begin{itemize}[label=-,topsep=0cm,leftmargin=0.3cm,itemsep=0cm,parsep=0cm]&#10;\item SVM-Linear&#10;\item SVM-Polynomial&#10;\item SVM-Radial&#10;\item Logistic Regression&#10;\end{itemize}}  \\ \cline{2-5} &#10; \multicolumn{1}{|l|}{}                                &amp; $p \gg n$ &amp; \multicolumn{1}{l|}{\parbox{4cm}{\begin{itemize}[label=-,topsep=0cm,leftmargin=0.3cm,itemsep=0cm,parsep=0cm]&#10;    \item SVM-Linear&#10;    \item SVM-Polynomial&#10;    \item SVM-Radial&#10;    \item Logistic Regression&#10; \end{itemize}}}  &amp; \multicolumn{1}{l|}{\parbox{4cm}{\begin{itemize}[label=-,topsep=0cm,leftmargin=0.3cm,itemsep=0cm,parsep=0cm]&#10; \item SVM-Linear&#10; \item SVM-Polynomial&#10; \item SVM-Radial&#10; \item Logistic Regression&#10;\end{itemize}}}   &amp; \parbox{4cm}{\begin{itemize}[label=-,topsep=0cm,leftmargin=0.3cm,itemsep=0cm,parsep=0cm]&#10;\item SVM-Linear&#10;\item SVM-Polynomial&#10;\item SVM-Radial&#10;\item Logistic Regression&#10;\end{itemize}} \\ \hline&#10;\end{longtable}&#10;\end{center}&#10;\end{document}"/>
   <p:tag name="IGUANATEXSIZE" val="18"/>
-  <p:tag name="IGUANATEXCURSOR" val="1821"/>
+  <p:tag name="IGUANATEXCURSOR" val="539"/>
   <p:tag name="TRANSPARENCY" val="Wahr"/>
   <p:tag name="LATEXENGINEID" val="3"/>
   <p:tag name="TEMPFOLDER" val="c:\temp\"/>

--- a/Präsentation/Support Vector Machines.pptx
+++ b/Präsentation/Support Vector Machines.pptx
@@ -6072,182 +6072,27 @@
           <a:lstStyle/>
           <a:p>
             <a:r>
-              <a:rPr lang="de-DE" sz="1800" dirty="0"/>
-              <a:t>Goal: </a:t>
-            </a:r>
-            <a:r>
-              <a:rPr lang="de-DE" sz="1800" dirty="0" err="1"/>
-              <a:t>evaluate</a:t>
-            </a:r>
-            <a:r>
-              <a:rPr lang="de-DE" sz="1800" dirty="0"/>
-              <a:t> </a:t>
-            </a:r>
-            <a:r>
-              <a:rPr lang="de-DE" sz="1800" dirty="0" err="1"/>
-              <a:t>the</a:t>
-            </a:r>
-            <a:r>
-              <a:rPr lang="de-DE" sz="1800" dirty="0"/>
-              <a:t> </a:t>
-            </a:r>
-            <a:r>
-              <a:rPr lang="de-DE" sz="1800" dirty="0" err="1"/>
-              <a:t>performance</a:t>
-            </a:r>
-            <a:r>
-              <a:rPr lang="de-DE" sz="1800" dirty="0"/>
-              <a:t> </a:t>
-            </a:r>
-            <a:r>
-              <a:rPr lang="de-DE" sz="1800" dirty="0" err="1"/>
-              <a:t>of</a:t>
-            </a:r>
-            <a:r>
-              <a:rPr lang="de-DE" sz="1800" dirty="0"/>
-              <a:t> different SVM </a:t>
-            </a:r>
-            <a:r>
-              <a:rPr lang="de-DE" sz="1800" dirty="0" err="1"/>
-              <a:t>models</a:t>
-            </a:r>
-            <a:r>
-              <a:rPr lang="de-DE" sz="1800" dirty="0"/>
-              <a:t> in different </a:t>
-            </a:r>
-            <a:r>
-              <a:rPr lang="de-DE" sz="1800" dirty="0" err="1"/>
-              <a:t>data</a:t>
-            </a:r>
-            <a:r>
-              <a:rPr lang="de-DE" sz="1800" dirty="0"/>
-              <a:t> </a:t>
-            </a:r>
-            <a:r>
-              <a:rPr lang="de-DE" sz="1800" dirty="0" err="1"/>
-              <a:t>Situations</a:t>
-            </a:r>
-            <a:endParaRPr lang="de-DE" sz="1800" dirty="0"/>
-          </a:p>
-          <a:p>
-            <a:r>
-              <a:rPr lang="de-DE" sz="1800" dirty="0" err="1"/>
-              <a:t>Comparison</a:t>
-            </a:r>
-            <a:r>
-              <a:rPr lang="de-DE" sz="1800" dirty="0"/>
-              <a:t> </a:t>
-            </a:r>
-            <a:r>
-              <a:rPr lang="de-DE" sz="1800" dirty="0" err="1"/>
-              <a:t>with</a:t>
-            </a:r>
-            <a:r>
-              <a:rPr lang="de-DE" sz="1800" dirty="0"/>
-              <a:t> </a:t>
-            </a:r>
-            <a:r>
-              <a:rPr lang="de-DE" sz="1800" dirty="0" err="1"/>
-              <a:t>other</a:t>
-            </a:r>
-            <a:r>
-              <a:rPr lang="de-DE" sz="1800" dirty="0"/>
-              <a:t> </a:t>
-            </a:r>
-            <a:r>
-              <a:rPr lang="de-DE" sz="1800" dirty="0" err="1"/>
-              <a:t>classification</a:t>
-            </a:r>
-            <a:r>
-              <a:rPr lang="de-DE" sz="1800" dirty="0"/>
-              <a:t> Methods</a:t>
-            </a:r>
-          </a:p>
-          <a:p>
-            <a:r>
-              <a:rPr lang="de-DE" sz="1800" dirty="0" err="1"/>
-              <a:t>Simulate</a:t>
-            </a:r>
-            <a:r>
-              <a:rPr lang="de-DE" sz="1800" dirty="0"/>
-              <a:t> </a:t>
-            </a:r>
-            <a:r>
-              <a:rPr lang="de-DE" sz="1800" dirty="0" err="1"/>
-              <a:t>data</a:t>
-            </a:r>
-            <a:r>
-              <a:rPr lang="de-DE" sz="1800" dirty="0"/>
-              <a:t> </a:t>
-            </a:r>
-            <a:r>
-              <a:rPr lang="de-DE" sz="1800" dirty="0" err="1"/>
-              <a:t>with</a:t>
-            </a:r>
-            <a:r>
-              <a:rPr lang="de-DE" sz="1800" dirty="0"/>
-              <a:t> </a:t>
-            </a:r>
-            <a:r>
-              <a:rPr lang="de-DE" sz="1800" dirty="0" err="1"/>
-              <a:t>varying</a:t>
-            </a:r>
-            <a:r>
-              <a:rPr lang="de-DE" sz="1800" dirty="0"/>
-              <a:t> </a:t>
-            </a:r>
-            <a:r>
-              <a:rPr lang="de-DE" sz="1800" dirty="0" err="1"/>
-              <a:t>decision</a:t>
-            </a:r>
-            <a:r>
-              <a:rPr lang="de-DE" sz="1800" dirty="0"/>
-              <a:t> </a:t>
-            </a:r>
-            <a:r>
-              <a:rPr lang="de-DE" sz="1800" dirty="0" err="1"/>
-              <a:t>boundaries</a:t>
-            </a:r>
-            <a:r>
-              <a:rPr lang="de-DE" sz="1800" dirty="0"/>
-              <a:t> and </a:t>
-            </a:r>
-            <a:r>
-              <a:rPr lang="de-DE" sz="1800" dirty="0" err="1"/>
-              <a:t>dimensions</a:t>
-            </a:r>
-            <a:endParaRPr lang="de-DE" sz="1800" dirty="0"/>
-          </a:p>
-          <a:p>
-            <a:r>
-              <a:rPr lang="de-DE" sz="1800" dirty="0" err="1"/>
-              <a:t>Measure</a:t>
-            </a:r>
-            <a:r>
-              <a:rPr lang="de-DE" sz="1800" dirty="0"/>
-              <a:t> </a:t>
-            </a:r>
-            <a:r>
-              <a:rPr lang="de-DE" sz="1800" dirty="0" err="1"/>
-              <a:t>Accuracy</a:t>
-            </a:r>
-            <a:r>
-              <a:rPr lang="de-DE" sz="1800" dirty="0"/>
-              <a:t> and also </a:t>
-            </a:r>
-            <a:r>
-              <a:rPr lang="de-DE" sz="1800" dirty="0" err="1"/>
-              <a:t>benchmarking</a:t>
-            </a:r>
-            <a:r>
-              <a:rPr lang="de-DE" sz="1800" dirty="0"/>
-              <a:t> </a:t>
-            </a:r>
-            <a:r>
-              <a:rPr lang="de-DE" sz="1800" dirty="0" err="1"/>
-              <a:t>results</a:t>
-            </a:r>
-            <a:endParaRPr lang="de-DE" sz="1800" dirty="0"/>
+              <a:rPr lang="en-GB" sz="1800" dirty="0"/>
+              <a:t>Goal: evaluate the performance of different SVM models in different data situations</a:t>
+            </a:r>
+          </a:p>
+          <a:p>
+            <a:r>
+              <a:rPr lang="en-GB" sz="1800" dirty="0"/>
+              <a:t>Simulate data with varying decision boundaries and dimensions</a:t>
+            </a:r>
+          </a:p>
+          <a:p>
+            <a:r>
+              <a:rPr lang="en-GB" sz="1800" dirty="0"/>
+              <a:t>Comparison with other classification methods</a:t>
+            </a:r>
+          </a:p>
+          <a:p>
+            <a:r>
+              <a:rPr lang="en-GB" sz="1800" dirty="0"/>
+              <a:t>Measure accuracy and benchmarking results</a:t>
+            </a:r>
           </a:p>
           <a:p>
             <a:endParaRPr lang="de-DE" sz="1800" dirty="0"/>
